--- a/Neo4j.pptx
+++ b/Neo4j.pptx
@@ -5,7 +5,7 @@
     <p:sldMasterId id="2147483720" r:id="rId1"/>
   </p:sldMasterIdLst>
   <p:notesMasterIdLst>
-    <p:notesMasterId r:id="rId12"/>
+    <p:notesMasterId r:id="rId17"/>
   </p:notesMasterIdLst>
   <p:sldIdLst>
     <p:sldId id="256" r:id="rId2"/>
@@ -15,9 +15,14 @@
     <p:sldId id="1391" r:id="rId6"/>
     <p:sldId id="1394" r:id="rId7"/>
     <p:sldId id="1395" r:id="rId8"/>
-    <p:sldId id="1393" r:id="rId9"/>
-    <p:sldId id="1392" r:id="rId10"/>
-    <p:sldId id="350" r:id="rId11"/>
+    <p:sldId id="1396" r:id="rId9"/>
+    <p:sldId id="1397" r:id="rId10"/>
+    <p:sldId id="1399" r:id="rId11"/>
+    <p:sldId id="1400" r:id="rId12"/>
+    <p:sldId id="1393" r:id="rId13"/>
+    <p:sldId id="1392" r:id="rId14"/>
+    <p:sldId id="350" r:id="rId15"/>
+    <p:sldId id="1398" r:id="rId16"/>
   </p:sldIdLst>
   <p:sldSz cx="12192000" cy="6858000"/>
   <p:notesSz cx="6858000" cy="9144000"/>
@@ -230,7 +235,7 @@
             <a:fld id="{757F699C-254E-44B6-B18D-E7E82B2FC743}" type="datetimeFigureOut">
               <a:rPr lang="en-IN" smtClean="0"/>
               <a:pPr/>
-              <a:t>19-06-2021</a:t>
+              <a:t>22-06-2021</a:t>
             </a:fld>
             <a:endParaRPr lang="en-IN"/>
           </a:p>
@@ -1056,7 +1061,7 @@
             <a:fld id="{52F73076-280E-4994-B9AF-08CB19D7A53F}" type="datetimeFigureOut">
               <a:rPr lang="en-US" smtClean="0"/>
               <a:pPr/>
-              <a:t>6/19/2021</a:t>
+              <a:t>6/22/2021</a:t>
             </a:fld>
             <a:endParaRPr lang="en-US" dirty="0"/>
           </a:p>
@@ -1501,7 +1506,7 @@
             <a:fld id="{52F73076-280E-4994-B9AF-08CB19D7A53F}" type="datetimeFigureOut">
               <a:rPr lang="en-US" smtClean="0"/>
               <a:pPr/>
-              <a:t>6/19/2021</a:t>
+              <a:t>6/22/2021</a:t>
             </a:fld>
             <a:endParaRPr lang="en-US" dirty="0"/>
           </a:p>
@@ -2433,7 +2438,7 @@
             <a:fld id="{52F73076-280E-4994-B9AF-08CB19D7A53F}" type="datetimeFigureOut">
               <a:rPr lang="en-US" smtClean="0"/>
               <a:pPr/>
-              <a:t>6/19/2021</a:t>
+              <a:t>6/22/2021</a:t>
             </a:fld>
             <a:endParaRPr lang="en-US" dirty="0"/>
           </a:p>
@@ -2851,7 +2856,7 @@
             <a:fld id="{52F73076-280E-4994-B9AF-08CB19D7A53F}" type="datetimeFigureOut">
               <a:rPr lang="en-US" smtClean="0"/>
               <a:pPr/>
-              <a:t>6/19/2021</a:t>
+              <a:t>6/22/2021</a:t>
             </a:fld>
             <a:endParaRPr lang="en-US" dirty="0"/>
           </a:p>
@@ -4209,6 +4214,2108 @@
       </p:grpSpPr>
       <p:sp>
         <p:nvSpPr>
+          <p:cNvPr id="102" name="CustomShape 3"/>
+          <p:cNvSpPr/>
+          <p:nvPr/>
+        </p:nvSpPr>
+        <p:spPr>
+          <a:xfrm>
+            <a:off x="246600" y="762120"/>
+            <a:ext cx="11693880" cy="398655"/>
+          </a:xfrm>
+          <a:prstGeom prst="rect">
+            <a:avLst/>
+          </a:prstGeom>
+          <a:noFill/>
+          <a:ln>
+            <a:noFill/>
+          </a:ln>
+        </p:spPr>
+        <p:style>
+          <a:lnRef idx="0">
+            <a:scrgbClr r="0" g="0" b="0"/>
+          </a:lnRef>
+          <a:fillRef idx="0">
+            <a:scrgbClr r="0" g="0" b="0"/>
+          </a:fillRef>
+          <a:effectRef idx="0">
+            <a:scrgbClr r="0" g="0" b="0"/>
+          </a:effectRef>
+          <a:fontRef idx="minor"/>
+        </p:style>
+        <p:txBody>
+          <a:bodyPr lIns="90000" tIns="45000" rIns="90000" bIns="45000">
+            <a:spAutoFit/>
+          </a:bodyPr>
+          <a:lstStyle/>
+          <a:p>
+            <a:pPr algn="just"/>
+            <a:r>
+              <a:rPr lang="en-US" sz="2000" dirty="0">
+                <a:solidFill>
+                  <a:srgbClr val="2D3748"/>
+                </a:solidFill>
+                <a:latin typeface="Nunito Sans"/>
+              </a:rPr>
+              <a:t>TODO</a:t>
+            </a:r>
+            <a:endParaRPr lang="en-IN" sz="2000" dirty="0">
+              <a:solidFill>
+                <a:srgbClr val="2D3748"/>
+              </a:solidFill>
+              <a:latin typeface="Nunito Sans"/>
+            </a:endParaRPr>
+          </a:p>
+        </p:txBody>
+      </p:sp>
+      <p:sp>
+        <p:nvSpPr>
+          <p:cNvPr id="103" name="CustomShape 4"/>
+          <p:cNvSpPr/>
+          <p:nvPr/>
+        </p:nvSpPr>
+        <p:spPr>
+          <a:xfrm>
+            <a:off x="243604" y="5696497"/>
+            <a:ext cx="11693880" cy="737210"/>
+          </a:xfrm>
+          <a:prstGeom prst="rect">
+            <a:avLst/>
+          </a:prstGeom>
+          <a:noFill/>
+          <a:ln>
+            <a:noFill/>
+          </a:ln>
+        </p:spPr>
+        <p:style>
+          <a:lnRef idx="0">
+            <a:scrgbClr r="0" g="0" b="0"/>
+          </a:lnRef>
+          <a:fillRef idx="0">
+            <a:scrgbClr r="0" g="0" b="0"/>
+          </a:fillRef>
+          <a:effectRef idx="0">
+            <a:scrgbClr r="0" g="0" b="0"/>
+          </a:effectRef>
+          <a:fontRef idx="minor"/>
+        </p:style>
+        <p:txBody>
+          <a:bodyPr lIns="90000" tIns="45000" rIns="90000" bIns="45000">
+            <a:spAutoFit/>
+          </a:bodyPr>
+          <a:lstStyle/>
+          <a:p>
+            <a:pPr>
+              <a:lnSpc>
+                <a:spcPct val="100000"/>
+              </a:lnSpc>
+            </a:pPr>
+            <a:r>
+              <a:rPr lang="en-IN" sz="2000" b="1" strike="noStrike" spc="-1" dirty="0">
+                <a:solidFill>
+                  <a:srgbClr val="C00000"/>
+                </a:solidFill>
+                <a:latin typeface="Arial" panose="020B0604020202020204" pitchFamily="34" charset="0"/>
+                <a:ea typeface="Open Sans"/>
+                <a:cs typeface="Arial" panose="020B0604020202020204" pitchFamily="34" charset="0"/>
+              </a:rPr>
+              <a:t>Note:</a:t>
+            </a:r>
+            <a:endParaRPr lang="en-IN" sz="2000" b="0" strike="noStrike" spc="-1" dirty="0">
+              <a:latin typeface="Arial" panose="020B0604020202020204" pitchFamily="34" charset="0"/>
+              <a:cs typeface="Arial" panose="020B0604020202020204" pitchFamily="34" charset="0"/>
+            </a:endParaRPr>
+          </a:p>
+          <a:p>
+            <a:pPr>
+              <a:lnSpc>
+                <a:spcPct val="100000"/>
+              </a:lnSpc>
+            </a:pPr>
+            <a:r>
+              <a:rPr lang="en-IN" sz="400" b="0" strike="noStrike" spc="-1" dirty="0">
+                <a:solidFill>
+                  <a:srgbClr val="000000"/>
+                </a:solidFill>
+                <a:latin typeface="Arial" panose="020B0604020202020204" pitchFamily="34" charset="0"/>
+                <a:ea typeface="DejaVu Sans"/>
+                <a:cs typeface="Arial" panose="020B0604020202020204" pitchFamily="34" charset="0"/>
+              </a:rPr>
+              <a:t> </a:t>
+            </a:r>
+            <a:endParaRPr lang="en-IN" sz="400" b="0" strike="noStrike" spc="-1" dirty="0">
+              <a:latin typeface="Arial" panose="020B0604020202020204" pitchFamily="34" charset="0"/>
+              <a:cs typeface="Arial" panose="020B0604020202020204" pitchFamily="34" charset="0"/>
+            </a:endParaRPr>
+          </a:p>
+          <a:p>
+            <a:pPr marL="285840" indent="-262080">
+              <a:buClr>
+                <a:srgbClr val="000000"/>
+              </a:buClr>
+              <a:buFont typeface="Arial"/>
+              <a:buChar char="•"/>
+            </a:pPr>
+            <a:r>
+              <a:rPr lang="en-US" b="0" i="0" dirty="0">
+                <a:solidFill>
+                  <a:srgbClr val="333333"/>
+                </a:solidFill>
+                <a:effectLst/>
+                <a:latin typeface="Arial" panose="020B0604020202020204" pitchFamily="34" charset="0"/>
+              </a:rPr>
+              <a:t>TODO</a:t>
+            </a:r>
+            <a:endParaRPr lang="en-IN" sz="1800" strike="noStrike" spc="-1" dirty="0">
+              <a:solidFill>
+                <a:schemeClr val="tx1">
+                  <a:lumMod val="85000"/>
+                  <a:lumOff val="15000"/>
+                </a:schemeClr>
+              </a:solidFill>
+              <a:latin typeface="Arial" panose="020B0604020202020204" pitchFamily="34" charset="0"/>
+              <a:cs typeface="Arial" panose="020B0604020202020204" pitchFamily="34" charset="0"/>
+            </a:endParaRPr>
+          </a:p>
+        </p:txBody>
+      </p:sp>
+      <p:sp>
+        <p:nvSpPr>
+          <p:cNvPr id="105" name="CustomShape 6"/>
+          <p:cNvSpPr/>
+          <p:nvPr/>
+        </p:nvSpPr>
+        <p:spPr>
+          <a:xfrm>
+            <a:off x="246600" y="0"/>
+            <a:ext cx="11693880" cy="706432"/>
+          </a:xfrm>
+          <a:prstGeom prst="rect">
+            <a:avLst/>
+          </a:prstGeom>
+          <a:solidFill>
+            <a:schemeClr val="accent6">
+              <a:lumMod val="75000"/>
+            </a:schemeClr>
+          </a:solidFill>
+          <a:ln>
+            <a:noFill/>
+          </a:ln>
+        </p:spPr>
+        <p:style>
+          <a:lnRef idx="0">
+            <a:scrgbClr r="0" g="0" b="0"/>
+          </a:lnRef>
+          <a:fillRef idx="0">
+            <a:scrgbClr r="0" g="0" b="0"/>
+          </a:fillRef>
+          <a:effectRef idx="0">
+            <a:scrgbClr r="0" g="0" b="0"/>
+          </a:effectRef>
+          <a:fontRef idx="minor"/>
+        </p:style>
+        <p:txBody>
+          <a:bodyPr lIns="90000" tIns="45000" rIns="90000" bIns="45000">
+            <a:spAutoFit/>
+          </a:bodyPr>
+          <a:lstStyle/>
+          <a:p>
+            <a:pPr algn="r"/>
+            <a:r>
+              <a:rPr lang="en-IN" sz="4000" b="0" strike="noStrike" spc="-1" dirty="0">
+                <a:solidFill>
+                  <a:schemeClr val="accent6">
+                    <a:lumMod val="60000"/>
+                    <a:lumOff val="40000"/>
+                  </a:schemeClr>
+                </a:solidFill>
+                <a:latin typeface="Nunito Sans"/>
+                <a:ea typeface="DejaVu Sans"/>
+              </a:rPr>
+              <a:t>create </a:t>
+            </a:r>
+            <a:r>
+              <a:rPr lang="en-IN" sz="4000" spc="-1" dirty="0">
+                <a:solidFill>
+                  <a:schemeClr val="accent6">
+                    <a:lumMod val="60000"/>
+                    <a:lumOff val="40000"/>
+                  </a:schemeClr>
+                </a:solidFill>
+                <a:latin typeface="Nunito Sans"/>
+                <a:ea typeface="DejaVu Sans"/>
+              </a:rPr>
+              <a:t>node </a:t>
+            </a:r>
+            <a:r>
+              <a:rPr lang="en-IN" sz="4000" b="0" strike="noStrike" spc="-1" dirty="0">
+                <a:solidFill>
+                  <a:schemeClr val="accent6">
+                    <a:lumMod val="60000"/>
+                    <a:lumOff val="40000"/>
+                  </a:schemeClr>
+                </a:solidFill>
+                <a:latin typeface="Nunito Sans"/>
+                <a:ea typeface="DejaVu Sans"/>
+              </a:rPr>
+              <a:t>with single label/multiple labels</a:t>
+            </a:r>
+            <a:endParaRPr lang="en-IN" sz="4000" b="0" strike="noStrike" spc="-1" dirty="0">
+              <a:solidFill>
+                <a:schemeClr val="accent6">
+                  <a:lumMod val="60000"/>
+                  <a:lumOff val="40000"/>
+                </a:schemeClr>
+              </a:solidFill>
+              <a:latin typeface="Nunito Sans"/>
+            </a:endParaRPr>
+          </a:p>
+        </p:txBody>
+      </p:sp>
+      <p:sp>
+        <p:nvSpPr>
+          <p:cNvPr id="108" name="Line 9"/>
+          <p:cNvSpPr/>
+          <p:nvPr/>
+        </p:nvSpPr>
+        <p:spPr>
+          <a:xfrm>
+            <a:off x="0" y="1536120"/>
+            <a:ext cx="12191760" cy="0"/>
+          </a:xfrm>
+          <a:prstGeom prst="line">
+            <a:avLst/>
+          </a:prstGeom>
+          <a:ln w="12600">
+            <a:solidFill>
+              <a:srgbClr val="6E78A0"/>
+            </a:solidFill>
+            <a:prstDash val="dash"/>
+            <a:round/>
+          </a:ln>
+        </p:spPr>
+        <p:style>
+          <a:lnRef idx="1">
+            <a:schemeClr val="accent1"/>
+          </a:lnRef>
+          <a:fillRef idx="0">
+            <a:schemeClr val="accent1"/>
+          </a:fillRef>
+          <a:effectRef idx="0">
+            <a:schemeClr val="accent1"/>
+          </a:effectRef>
+          <a:fontRef idx="minor"/>
+        </p:style>
+      </p:sp>
+      <p:sp>
+        <p:nvSpPr>
+          <p:cNvPr id="12" name="TextBox 11">
+            <a:extLst>
+              <a:ext uri="{FF2B5EF4-FFF2-40B4-BE49-F238E27FC236}">
+                <a16:creationId xmlns:a16="http://schemas.microsoft.com/office/drawing/2014/main" id="{79242DF4-E3E0-4B3F-9DA3-EDDD02A6E7F5}"/>
+              </a:ext>
+            </a:extLst>
+          </p:cNvPr>
+          <p:cNvSpPr txBox="1"/>
+          <p:nvPr/>
+        </p:nvSpPr>
+        <p:spPr>
+          <a:xfrm>
+            <a:off x="246600" y="1686842"/>
+            <a:ext cx="11693880" cy="1446550"/>
+          </a:xfrm>
+          <a:prstGeom prst="rect">
+            <a:avLst/>
+          </a:prstGeom>
+          <a:noFill/>
+        </p:spPr>
+        <p:txBody>
+          <a:bodyPr wrap="square">
+            <a:spAutoFit/>
+          </a:bodyPr>
+          <a:lstStyle/>
+          <a:p>
+            <a:r>
+              <a:rPr lang="en-IN" sz="1900" spc="-1" dirty="0">
+                <a:solidFill>
+                  <a:srgbClr val="00B0F0"/>
+                </a:solidFill>
+                <a:latin typeface="Consolas" panose="020B0609020204030204" pitchFamily="49" charset="0"/>
+                <a:cs typeface="Arial" panose="020B0604020202020204" pitchFamily="34" charset="0"/>
+              </a:rPr>
+              <a:t>CREATE (n:label_name)</a:t>
+            </a:r>
+          </a:p>
+          <a:p>
+            <a:endParaRPr lang="en-IN" sz="400" b="0" i="0" spc="-1" dirty="0">
+              <a:solidFill>
+                <a:srgbClr val="00B0F0"/>
+              </a:solidFill>
+              <a:effectLst/>
+              <a:latin typeface="Consolas" panose="020B0609020204030204" pitchFamily="49" charset="0"/>
+              <a:cs typeface="Arial" panose="020B0604020202020204" pitchFamily="34" charset="0"/>
+            </a:endParaRPr>
+          </a:p>
+          <a:p>
+            <a:r>
+              <a:rPr lang="en-IN" sz="1900" spc="-1" dirty="0">
+                <a:solidFill>
+                  <a:srgbClr val="00B0F0"/>
+                </a:solidFill>
+                <a:latin typeface="Consolas" panose="020B0609020204030204" pitchFamily="49" charset="0"/>
+                <a:cs typeface="Arial" panose="020B0604020202020204" pitchFamily="34" charset="0"/>
+              </a:rPr>
+              <a:t>CREATE (n:label_name), (m:label_name), ...</a:t>
+            </a:r>
+          </a:p>
+          <a:p>
+            <a:endParaRPr lang="en-IN" sz="400" spc="-1" dirty="0">
+              <a:solidFill>
+                <a:srgbClr val="00B0F0"/>
+              </a:solidFill>
+              <a:latin typeface="Consolas" panose="020B0609020204030204" pitchFamily="49" charset="0"/>
+              <a:cs typeface="Arial" panose="020B0604020202020204" pitchFamily="34" charset="0"/>
+            </a:endParaRPr>
+          </a:p>
+          <a:p>
+            <a:r>
+              <a:rPr lang="en-IN" sz="1900" spc="-1" dirty="0">
+                <a:solidFill>
+                  <a:srgbClr val="00B0F0"/>
+                </a:solidFill>
+                <a:latin typeface="Consolas" panose="020B0609020204030204" pitchFamily="49" charset="0"/>
+                <a:cs typeface="Arial" panose="020B0604020202020204" pitchFamily="34" charset="0"/>
+              </a:rPr>
+              <a:t>CREATE (n:label1:label2:labelN)</a:t>
+            </a:r>
+          </a:p>
+          <a:p>
+            <a:endParaRPr lang="en-IN" sz="400" b="0" i="0" spc="-1" dirty="0">
+              <a:solidFill>
+                <a:srgbClr val="00B0F0"/>
+              </a:solidFill>
+              <a:effectLst/>
+              <a:latin typeface="Consolas" panose="020B0609020204030204" pitchFamily="49" charset="0"/>
+              <a:cs typeface="Arial" panose="020B0604020202020204" pitchFamily="34" charset="0"/>
+            </a:endParaRPr>
+          </a:p>
+          <a:p>
+            <a:r>
+              <a:rPr lang="en-IN" sz="1900" spc="-1" dirty="0">
+                <a:solidFill>
+                  <a:srgbClr val="00B0F0"/>
+                </a:solidFill>
+                <a:latin typeface="Consolas" panose="020B0609020204030204" pitchFamily="49" charset="0"/>
+                <a:cs typeface="Arial" panose="020B0604020202020204" pitchFamily="34" charset="0"/>
+              </a:rPr>
+              <a:t>CREATE (n:label1:label2:labelN), (m:label1:label2:labelN), ...</a:t>
+            </a:r>
+          </a:p>
+        </p:txBody>
+      </p:sp>
+      <p:sp>
+        <p:nvSpPr>
+          <p:cNvPr id="15" name="TextBox 14">
+            <a:extLst>
+              <a:ext uri="{FF2B5EF4-FFF2-40B4-BE49-F238E27FC236}">
+                <a16:creationId xmlns:a16="http://schemas.microsoft.com/office/drawing/2014/main" id="{187A7629-BDF9-4DE3-B954-5B2AC8376F52}"/>
+              </a:ext>
+            </a:extLst>
+          </p:cNvPr>
+          <p:cNvSpPr txBox="1"/>
+          <p:nvPr/>
+        </p:nvSpPr>
+        <p:spPr>
+          <a:xfrm>
+            <a:off x="243604" y="3336097"/>
+            <a:ext cx="11693880" cy="769441"/>
+          </a:xfrm>
+          <a:prstGeom prst="rect">
+            <a:avLst/>
+          </a:prstGeom>
+          <a:noFill/>
+        </p:spPr>
+        <p:txBody>
+          <a:bodyPr wrap="square">
+            <a:spAutoFit/>
+          </a:bodyPr>
+          <a:lstStyle/>
+          <a:p>
+            <a:pPr marL="285750" indent="-285750">
+              <a:buFont typeface="Arial" panose="020B0604020202020204" pitchFamily="34" charset="0"/>
+              <a:buChar char="•"/>
+            </a:pPr>
+            <a:r>
+              <a:rPr lang="en-IN" dirty="0">
+                <a:solidFill>
+                  <a:schemeClr val="tx1">
+                    <a:lumMod val="50000"/>
+                    <a:lumOff val="50000"/>
+                  </a:schemeClr>
+                </a:solidFill>
+                <a:latin typeface="Consolas" panose="020B0609020204030204" pitchFamily="49" charset="0"/>
+              </a:rPr>
+              <a:t>neo4j$ </a:t>
+            </a:r>
+            <a:r>
+              <a:rPr lang="en-IN" dirty="0">
+                <a:solidFill>
+                  <a:schemeClr val="accent6">
+                    <a:lumMod val="50000"/>
+                  </a:schemeClr>
+                </a:solidFill>
+                <a:latin typeface="Consolas" panose="020B0609020204030204" pitchFamily="49" charset="0"/>
+              </a:rPr>
+              <a:t>create (Saleel:Person)</a:t>
+            </a:r>
+          </a:p>
+          <a:p>
+            <a:pPr marL="285750" indent="-285750">
+              <a:buFont typeface="Arial" panose="020B0604020202020204" pitchFamily="34" charset="0"/>
+              <a:buChar char="•"/>
+            </a:pPr>
+            <a:endParaRPr lang="en-IN" sz="800" dirty="0">
+              <a:solidFill>
+                <a:schemeClr val="accent6">
+                  <a:lumMod val="50000"/>
+                </a:schemeClr>
+              </a:solidFill>
+              <a:latin typeface="Consolas" panose="020B0609020204030204" pitchFamily="49" charset="0"/>
+            </a:endParaRPr>
+          </a:p>
+          <a:p>
+            <a:pPr marL="285750" indent="-285750">
+              <a:buFont typeface="Arial" panose="020B0604020202020204" pitchFamily="34" charset="0"/>
+              <a:buChar char="•"/>
+            </a:pPr>
+            <a:r>
+              <a:rPr lang="en-IN" dirty="0">
+                <a:solidFill>
+                  <a:schemeClr val="tx1">
+                    <a:lumMod val="50000"/>
+                    <a:lumOff val="50000"/>
+                  </a:schemeClr>
+                </a:solidFill>
+                <a:latin typeface="Consolas" panose="020B0609020204030204" pitchFamily="49" charset="0"/>
+              </a:rPr>
+              <a:t>neo4j$ </a:t>
+            </a:r>
+            <a:r>
+              <a:rPr lang="en-IN" dirty="0">
+                <a:solidFill>
+                  <a:schemeClr val="accent6">
+                    <a:lumMod val="50000"/>
+                  </a:schemeClr>
+                </a:solidFill>
+                <a:latin typeface="Consolas" panose="020B0609020204030204" pitchFamily="49" charset="0"/>
+              </a:rPr>
+              <a:t>create (Sharmin:Person:Client), (Vrushali:Person:Client) </a:t>
+            </a:r>
+          </a:p>
+        </p:txBody>
+      </p:sp>
+    </p:spTree>
+    <p:extLst>
+      <p:ext uri="{BB962C8B-B14F-4D97-AF65-F5344CB8AC3E}">
+        <p14:creationId xmlns:p14="http://schemas.microsoft.com/office/powerpoint/2010/main" val="2227270115"/>
+      </p:ext>
+    </p:extLst>
+  </p:cSld>
+  <p:clrMapOvr>
+    <a:masterClrMapping/>
+  </p:clrMapOvr>
+</p:sld>
+</file>
+
+<file path=ppt/slides/slide11.xml><?xml version="1.0" encoding="utf-8"?>
+<p:sld xmlns:a="http://schemas.openxmlformats.org/drawingml/2006/main" xmlns:r="http://schemas.openxmlformats.org/officeDocument/2006/relationships" xmlns:p="http://schemas.openxmlformats.org/presentationml/2006/main">
+  <p:cSld>
+    <p:spTree>
+      <p:nvGrpSpPr>
+        <p:cNvPr id="1" name=""/>
+        <p:cNvGrpSpPr/>
+        <p:nvPr/>
+      </p:nvGrpSpPr>
+      <p:grpSpPr>
+        <a:xfrm>
+          <a:off x="0" y="0"/>
+          <a:ext cx="0" cy="0"/>
+          <a:chOff x="0" y="0"/>
+          <a:chExt cx="0" cy="0"/>
+        </a:xfrm>
+      </p:grpSpPr>
+      <p:sp>
+        <p:nvSpPr>
+          <p:cNvPr id="102" name="CustomShape 3"/>
+          <p:cNvSpPr/>
+          <p:nvPr/>
+        </p:nvSpPr>
+        <p:spPr>
+          <a:xfrm>
+            <a:off x="246600" y="762120"/>
+            <a:ext cx="11693880" cy="398655"/>
+          </a:xfrm>
+          <a:prstGeom prst="rect">
+            <a:avLst/>
+          </a:prstGeom>
+          <a:noFill/>
+          <a:ln>
+            <a:noFill/>
+          </a:ln>
+        </p:spPr>
+        <p:style>
+          <a:lnRef idx="0">
+            <a:scrgbClr r="0" g="0" b="0"/>
+          </a:lnRef>
+          <a:fillRef idx="0">
+            <a:scrgbClr r="0" g="0" b="0"/>
+          </a:fillRef>
+          <a:effectRef idx="0">
+            <a:scrgbClr r="0" g="0" b="0"/>
+          </a:effectRef>
+          <a:fontRef idx="minor"/>
+        </p:style>
+        <p:txBody>
+          <a:bodyPr lIns="90000" tIns="45000" rIns="90000" bIns="45000">
+            <a:spAutoFit/>
+          </a:bodyPr>
+          <a:lstStyle/>
+          <a:p>
+            <a:pPr algn="just"/>
+            <a:r>
+              <a:rPr lang="en-US" sz="2000" dirty="0">
+                <a:solidFill>
+                  <a:srgbClr val="2D3748"/>
+                </a:solidFill>
+                <a:latin typeface="Nunito Sans"/>
+              </a:rPr>
+              <a:t>TODO</a:t>
+            </a:r>
+            <a:endParaRPr lang="en-IN" sz="2000" dirty="0">
+              <a:solidFill>
+                <a:srgbClr val="2D3748"/>
+              </a:solidFill>
+              <a:latin typeface="Nunito Sans"/>
+            </a:endParaRPr>
+          </a:p>
+        </p:txBody>
+      </p:sp>
+      <p:sp>
+        <p:nvSpPr>
+          <p:cNvPr id="103" name="CustomShape 4"/>
+          <p:cNvSpPr/>
+          <p:nvPr/>
+        </p:nvSpPr>
+        <p:spPr>
+          <a:xfrm>
+            <a:off x="243604" y="5696497"/>
+            <a:ext cx="11693880" cy="737210"/>
+          </a:xfrm>
+          <a:prstGeom prst="rect">
+            <a:avLst/>
+          </a:prstGeom>
+          <a:noFill/>
+          <a:ln>
+            <a:noFill/>
+          </a:ln>
+        </p:spPr>
+        <p:style>
+          <a:lnRef idx="0">
+            <a:scrgbClr r="0" g="0" b="0"/>
+          </a:lnRef>
+          <a:fillRef idx="0">
+            <a:scrgbClr r="0" g="0" b="0"/>
+          </a:fillRef>
+          <a:effectRef idx="0">
+            <a:scrgbClr r="0" g="0" b="0"/>
+          </a:effectRef>
+          <a:fontRef idx="minor"/>
+        </p:style>
+        <p:txBody>
+          <a:bodyPr lIns="90000" tIns="45000" rIns="90000" bIns="45000">
+            <a:spAutoFit/>
+          </a:bodyPr>
+          <a:lstStyle/>
+          <a:p>
+            <a:pPr>
+              <a:lnSpc>
+                <a:spcPct val="100000"/>
+              </a:lnSpc>
+            </a:pPr>
+            <a:r>
+              <a:rPr lang="en-IN" sz="2000" b="1" strike="noStrike" spc="-1" dirty="0">
+                <a:solidFill>
+                  <a:srgbClr val="C00000"/>
+                </a:solidFill>
+                <a:latin typeface="Arial" panose="020B0604020202020204" pitchFamily="34" charset="0"/>
+                <a:ea typeface="Open Sans"/>
+                <a:cs typeface="Arial" panose="020B0604020202020204" pitchFamily="34" charset="0"/>
+              </a:rPr>
+              <a:t>Note:</a:t>
+            </a:r>
+            <a:endParaRPr lang="en-IN" sz="2000" b="0" strike="noStrike" spc="-1" dirty="0">
+              <a:latin typeface="Arial" panose="020B0604020202020204" pitchFamily="34" charset="0"/>
+              <a:cs typeface="Arial" panose="020B0604020202020204" pitchFamily="34" charset="0"/>
+            </a:endParaRPr>
+          </a:p>
+          <a:p>
+            <a:pPr>
+              <a:lnSpc>
+                <a:spcPct val="100000"/>
+              </a:lnSpc>
+            </a:pPr>
+            <a:r>
+              <a:rPr lang="en-IN" sz="400" b="0" strike="noStrike" spc="-1" dirty="0">
+                <a:solidFill>
+                  <a:srgbClr val="000000"/>
+                </a:solidFill>
+                <a:latin typeface="Arial" panose="020B0604020202020204" pitchFamily="34" charset="0"/>
+                <a:ea typeface="DejaVu Sans"/>
+                <a:cs typeface="Arial" panose="020B0604020202020204" pitchFamily="34" charset="0"/>
+              </a:rPr>
+              <a:t> </a:t>
+            </a:r>
+            <a:endParaRPr lang="en-IN" sz="400" b="0" strike="noStrike" spc="-1" dirty="0">
+              <a:latin typeface="Arial" panose="020B0604020202020204" pitchFamily="34" charset="0"/>
+              <a:cs typeface="Arial" panose="020B0604020202020204" pitchFamily="34" charset="0"/>
+            </a:endParaRPr>
+          </a:p>
+          <a:p>
+            <a:pPr marL="285840" indent="-262080">
+              <a:buClr>
+                <a:srgbClr val="000000"/>
+              </a:buClr>
+              <a:buFont typeface="Arial"/>
+              <a:buChar char="•"/>
+            </a:pPr>
+            <a:r>
+              <a:rPr lang="en-US" b="0" i="0" dirty="0">
+                <a:solidFill>
+                  <a:srgbClr val="333333"/>
+                </a:solidFill>
+                <a:effectLst/>
+                <a:latin typeface="Arial" panose="020B0604020202020204" pitchFamily="34" charset="0"/>
+              </a:rPr>
+              <a:t>TODO.</a:t>
+            </a:r>
+            <a:endParaRPr lang="en-IN" sz="1800" strike="noStrike" spc="-1" dirty="0">
+              <a:solidFill>
+                <a:schemeClr val="tx1">
+                  <a:lumMod val="85000"/>
+                  <a:lumOff val="15000"/>
+                </a:schemeClr>
+              </a:solidFill>
+              <a:latin typeface="Arial" panose="020B0604020202020204" pitchFamily="34" charset="0"/>
+              <a:cs typeface="Arial" panose="020B0604020202020204" pitchFamily="34" charset="0"/>
+            </a:endParaRPr>
+          </a:p>
+        </p:txBody>
+      </p:sp>
+      <p:sp>
+        <p:nvSpPr>
+          <p:cNvPr id="105" name="CustomShape 6"/>
+          <p:cNvSpPr/>
+          <p:nvPr/>
+        </p:nvSpPr>
+        <p:spPr>
+          <a:xfrm>
+            <a:off x="246600" y="0"/>
+            <a:ext cx="11693880" cy="706432"/>
+          </a:xfrm>
+          <a:prstGeom prst="rect">
+            <a:avLst/>
+          </a:prstGeom>
+          <a:solidFill>
+            <a:schemeClr val="accent6">
+              <a:lumMod val="75000"/>
+            </a:schemeClr>
+          </a:solidFill>
+          <a:ln>
+            <a:noFill/>
+          </a:ln>
+        </p:spPr>
+        <p:style>
+          <a:lnRef idx="0">
+            <a:scrgbClr r="0" g="0" b="0"/>
+          </a:lnRef>
+          <a:fillRef idx="0">
+            <a:scrgbClr r="0" g="0" b="0"/>
+          </a:fillRef>
+          <a:effectRef idx="0">
+            <a:scrgbClr r="0" g="0" b="0"/>
+          </a:effectRef>
+          <a:fontRef idx="minor"/>
+        </p:style>
+        <p:txBody>
+          <a:bodyPr lIns="90000" tIns="45000" rIns="90000" bIns="45000">
+            <a:spAutoFit/>
+          </a:bodyPr>
+          <a:lstStyle/>
+          <a:p>
+            <a:pPr algn="r"/>
+            <a:r>
+              <a:rPr lang="en-IN" sz="4000" b="0" strike="noStrike" spc="-1" dirty="0">
+                <a:solidFill>
+                  <a:schemeClr val="accent6">
+                    <a:lumMod val="60000"/>
+                    <a:lumOff val="40000"/>
+                  </a:schemeClr>
+                </a:solidFill>
+                <a:latin typeface="Nunito Sans"/>
+                <a:ea typeface="DejaVu Sans"/>
+              </a:rPr>
+              <a:t>create </a:t>
+            </a:r>
+            <a:r>
+              <a:rPr lang="en-IN" sz="4000" spc="-1" dirty="0">
+                <a:solidFill>
+                  <a:schemeClr val="accent6">
+                    <a:lumMod val="60000"/>
+                    <a:lumOff val="40000"/>
+                  </a:schemeClr>
+                </a:solidFill>
+                <a:latin typeface="Nunito Sans"/>
+                <a:ea typeface="DejaVu Sans"/>
+              </a:rPr>
+              <a:t>node </a:t>
+            </a:r>
+            <a:r>
+              <a:rPr lang="en-IN" sz="4000" b="0" strike="noStrike" spc="-1" dirty="0">
+                <a:solidFill>
+                  <a:schemeClr val="accent6">
+                    <a:lumMod val="60000"/>
+                    <a:lumOff val="40000"/>
+                  </a:schemeClr>
+                </a:solidFill>
+                <a:latin typeface="Nunito Sans"/>
+                <a:ea typeface="DejaVu Sans"/>
+              </a:rPr>
+              <a:t>and add label and properties</a:t>
+            </a:r>
+            <a:endParaRPr lang="en-IN" sz="4000" b="0" strike="noStrike" spc="-1" dirty="0">
+              <a:solidFill>
+                <a:schemeClr val="accent6">
+                  <a:lumMod val="60000"/>
+                  <a:lumOff val="40000"/>
+                </a:schemeClr>
+              </a:solidFill>
+              <a:latin typeface="Nunito Sans"/>
+            </a:endParaRPr>
+          </a:p>
+        </p:txBody>
+      </p:sp>
+      <p:sp>
+        <p:nvSpPr>
+          <p:cNvPr id="108" name="Line 9"/>
+          <p:cNvSpPr/>
+          <p:nvPr/>
+        </p:nvSpPr>
+        <p:spPr>
+          <a:xfrm>
+            <a:off x="0" y="1536120"/>
+            <a:ext cx="12191760" cy="0"/>
+          </a:xfrm>
+          <a:prstGeom prst="line">
+            <a:avLst/>
+          </a:prstGeom>
+          <a:ln w="12600">
+            <a:solidFill>
+              <a:srgbClr val="6E78A0"/>
+            </a:solidFill>
+            <a:prstDash val="dash"/>
+            <a:round/>
+          </a:ln>
+        </p:spPr>
+        <p:style>
+          <a:lnRef idx="1">
+            <a:schemeClr val="accent1"/>
+          </a:lnRef>
+          <a:fillRef idx="0">
+            <a:schemeClr val="accent1"/>
+          </a:fillRef>
+          <a:effectRef idx="0">
+            <a:schemeClr val="accent1"/>
+          </a:effectRef>
+          <a:fontRef idx="minor"/>
+        </p:style>
+      </p:sp>
+      <p:sp>
+        <p:nvSpPr>
+          <p:cNvPr id="12" name="TextBox 11">
+            <a:extLst>
+              <a:ext uri="{FF2B5EF4-FFF2-40B4-BE49-F238E27FC236}">
+                <a16:creationId xmlns:a16="http://schemas.microsoft.com/office/drawing/2014/main" id="{79242DF4-E3E0-4B3F-9DA3-EDDD02A6E7F5}"/>
+              </a:ext>
+            </a:extLst>
+          </p:cNvPr>
+          <p:cNvSpPr txBox="1"/>
+          <p:nvPr/>
+        </p:nvSpPr>
+        <p:spPr>
+          <a:xfrm>
+            <a:off x="246600" y="1686842"/>
+            <a:ext cx="11693880" cy="1092607"/>
+          </a:xfrm>
+          <a:prstGeom prst="rect">
+            <a:avLst/>
+          </a:prstGeom>
+          <a:noFill/>
+        </p:spPr>
+        <p:txBody>
+          <a:bodyPr wrap="square">
+            <a:spAutoFit/>
+          </a:bodyPr>
+          <a:lstStyle/>
+          <a:p>
+            <a:r>
+              <a:rPr lang="en-IN" sz="1900" spc="-1" dirty="0">
+                <a:solidFill>
+                  <a:srgbClr val="00B0F0"/>
+                </a:solidFill>
+                <a:latin typeface="Consolas" panose="020B0609020204030204" pitchFamily="49" charset="0"/>
+                <a:cs typeface="Arial" panose="020B0604020202020204" pitchFamily="34" charset="0"/>
+              </a:rPr>
+              <a:t>CREATE (n:label_name { key1: value, key2: value, ... })</a:t>
+            </a:r>
+          </a:p>
+          <a:p>
+            <a:endParaRPr lang="en-IN" sz="400" b="0" i="0" spc="-1" dirty="0">
+              <a:solidFill>
+                <a:srgbClr val="00B0F0"/>
+              </a:solidFill>
+              <a:effectLst/>
+              <a:latin typeface="Consolas" panose="020B0609020204030204" pitchFamily="49" charset="0"/>
+              <a:cs typeface="Arial" panose="020B0604020202020204" pitchFamily="34" charset="0"/>
+            </a:endParaRPr>
+          </a:p>
+          <a:p>
+            <a:r>
+              <a:rPr lang="en-IN" sz="1900" spc="-1" dirty="0">
+                <a:solidFill>
+                  <a:srgbClr val="00B0F0"/>
+                </a:solidFill>
+                <a:latin typeface="Consolas" panose="020B0609020204030204" pitchFamily="49" charset="0"/>
+                <a:cs typeface="Arial" panose="020B0604020202020204" pitchFamily="34" charset="0"/>
+              </a:rPr>
+              <a:t>CREATE (n:label_name { key1: value, key2: value, ... }), </a:t>
+            </a:r>
+          </a:p>
+          <a:p>
+            <a:r>
+              <a:rPr lang="en-IN" sz="1900" spc="-1" dirty="0">
+                <a:solidFill>
+                  <a:srgbClr val="00B0F0"/>
+                </a:solidFill>
+                <a:latin typeface="Consolas" panose="020B0609020204030204" pitchFamily="49" charset="0"/>
+                <a:cs typeface="Arial" panose="020B0604020202020204" pitchFamily="34" charset="0"/>
+              </a:rPr>
+              <a:t>       (m:label_name { key1: value, key2: value, ... }), ...</a:t>
+            </a:r>
+          </a:p>
+          <a:p>
+            <a:endParaRPr lang="en-IN" sz="400" spc="-1" dirty="0">
+              <a:solidFill>
+                <a:srgbClr val="00B0F0"/>
+              </a:solidFill>
+              <a:latin typeface="Consolas" panose="020B0609020204030204" pitchFamily="49" charset="0"/>
+              <a:cs typeface="Arial" panose="020B0604020202020204" pitchFamily="34" charset="0"/>
+            </a:endParaRPr>
+          </a:p>
+        </p:txBody>
+      </p:sp>
+      <p:sp>
+        <p:nvSpPr>
+          <p:cNvPr id="8" name="TextBox 7">
+            <a:extLst>
+              <a:ext uri="{FF2B5EF4-FFF2-40B4-BE49-F238E27FC236}">
+                <a16:creationId xmlns:a16="http://schemas.microsoft.com/office/drawing/2014/main" id="{DD61E77D-FAAC-491A-903A-4BF8DA4AF1A1}"/>
+              </a:ext>
+            </a:extLst>
+          </p:cNvPr>
+          <p:cNvSpPr txBox="1"/>
+          <p:nvPr/>
+        </p:nvSpPr>
+        <p:spPr>
+          <a:xfrm>
+            <a:off x="243604" y="2947591"/>
+            <a:ext cx="11693880" cy="1046440"/>
+          </a:xfrm>
+          <a:prstGeom prst="rect">
+            <a:avLst/>
+          </a:prstGeom>
+          <a:noFill/>
+        </p:spPr>
+        <p:txBody>
+          <a:bodyPr wrap="square">
+            <a:spAutoFit/>
+          </a:bodyPr>
+          <a:lstStyle/>
+          <a:p>
+            <a:pPr marL="285750" indent="-285750">
+              <a:buFont typeface="Arial" panose="020B0604020202020204" pitchFamily="34" charset="0"/>
+              <a:buChar char="•"/>
+            </a:pPr>
+            <a:r>
+              <a:rPr lang="en-IN" dirty="0">
+                <a:solidFill>
+                  <a:schemeClr val="tx1">
+                    <a:lumMod val="50000"/>
+                    <a:lumOff val="50000"/>
+                  </a:schemeClr>
+                </a:solidFill>
+                <a:latin typeface="Consolas" panose="020B0609020204030204" pitchFamily="49" charset="0"/>
+              </a:rPr>
+              <a:t>neo4j$ </a:t>
+            </a:r>
+            <a:r>
+              <a:rPr lang="en-IN" dirty="0">
+                <a:solidFill>
+                  <a:schemeClr val="accent6">
+                    <a:lumMod val="50000"/>
+                  </a:schemeClr>
+                </a:solidFill>
+                <a:latin typeface="Consolas" panose="020B0609020204030204" pitchFamily="49" charset="0"/>
+              </a:rPr>
+              <a:t>create (Saleel:Person {"name": "Saleel Bagde", "color": "Blue" })</a:t>
+            </a:r>
+          </a:p>
+          <a:p>
+            <a:pPr marL="285750" indent="-285750">
+              <a:buFont typeface="Arial" panose="020B0604020202020204" pitchFamily="34" charset="0"/>
+              <a:buChar char="•"/>
+            </a:pPr>
+            <a:endParaRPr lang="en-IN" sz="800" dirty="0">
+              <a:solidFill>
+                <a:schemeClr val="accent6">
+                  <a:lumMod val="50000"/>
+                </a:schemeClr>
+              </a:solidFill>
+              <a:latin typeface="Consolas" panose="020B0609020204030204" pitchFamily="49" charset="0"/>
+            </a:endParaRPr>
+          </a:p>
+          <a:p>
+            <a:pPr marL="285750" indent="-285750">
+              <a:buFont typeface="Arial" panose="020B0604020202020204" pitchFamily="34" charset="0"/>
+              <a:buChar char="•"/>
+            </a:pPr>
+            <a:r>
+              <a:rPr lang="en-IN" dirty="0">
+                <a:solidFill>
+                  <a:schemeClr val="tx1">
+                    <a:lumMod val="50000"/>
+                    <a:lumOff val="50000"/>
+                  </a:schemeClr>
+                </a:solidFill>
+                <a:latin typeface="Consolas" panose="020B0609020204030204" pitchFamily="49" charset="0"/>
+              </a:rPr>
+              <a:t>neo4j$ </a:t>
+            </a:r>
+            <a:r>
+              <a:rPr lang="en-IN" dirty="0">
+                <a:solidFill>
+                  <a:schemeClr val="accent6">
+                    <a:lumMod val="50000"/>
+                  </a:schemeClr>
+                </a:solidFill>
+                <a:latin typeface="Consolas" panose="020B0609020204030204" pitchFamily="49" charset="0"/>
+              </a:rPr>
+              <a:t>create (Sharmin:Person {"name": "Sharmin Bagde", "color": "Pink" }), </a:t>
+            </a:r>
+          </a:p>
+          <a:p>
+            <a:r>
+              <a:rPr lang="en-IN" dirty="0">
+                <a:solidFill>
+                  <a:schemeClr val="accent6">
+                    <a:lumMod val="50000"/>
+                  </a:schemeClr>
+                </a:solidFill>
+                <a:latin typeface="Consolas" panose="020B0609020204030204" pitchFamily="49" charset="0"/>
+              </a:rPr>
+              <a:t>                (Vrushali:Person {"name": "Vrushali Bagde", "color": "Orange" }) </a:t>
+            </a:r>
+          </a:p>
+        </p:txBody>
+      </p:sp>
+    </p:spTree>
+    <p:extLst>
+      <p:ext uri="{BB962C8B-B14F-4D97-AF65-F5344CB8AC3E}">
+        <p14:creationId xmlns:p14="http://schemas.microsoft.com/office/powerpoint/2010/main" val="3262240510"/>
+      </p:ext>
+    </p:extLst>
+  </p:cSld>
+  <p:clrMapOvr>
+    <a:masterClrMapping/>
+  </p:clrMapOvr>
+</p:sld>
+</file>
+
+<file path=ppt/slides/slide12.xml><?xml version="1.0" encoding="utf-8"?>
+<p:sld xmlns:a="http://schemas.openxmlformats.org/drawingml/2006/main" xmlns:r="http://schemas.openxmlformats.org/officeDocument/2006/relationships" xmlns:p="http://schemas.openxmlformats.org/presentationml/2006/main">
+  <p:cSld>
+    <p:spTree>
+      <p:nvGrpSpPr>
+        <p:cNvPr id="1" name=""/>
+        <p:cNvGrpSpPr/>
+        <p:nvPr/>
+      </p:nvGrpSpPr>
+      <p:grpSpPr>
+        <a:xfrm>
+          <a:off x="0" y="0"/>
+          <a:ext cx="0" cy="0"/>
+          <a:chOff x="0" y="0"/>
+          <a:chExt cx="0" cy="0"/>
+        </a:xfrm>
+      </p:grpSpPr>
+    </p:spTree>
+    <p:extLst>
+      <p:ext uri="{BB962C8B-B14F-4D97-AF65-F5344CB8AC3E}">
+        <p14:creationId xmlns:p14="http://schemas.microsoft.com/office/powerpoint/2010/main" val="746346864"/>
+      </p:ext>
+    </p:extLst>
+  </p:cSld>
+  <p:clrMapOvr>
+    <a:masterClrMapping/>
+  </p:clrMapOvr>
+</p:sld>
+</file>
+
+<file path=ppt/slides/slide13.xml><?xml version="1.0" encoding="utf-8"?>
+<p:sld xmlns:a="http://schemas.openxmlformats.org/drawingml/2006/main" xmlns:r="http://schemas.openxmlformats.org/officeDocument/2006/relationships" xmlns:p="http://schemas.openxmlformats.org/presentationml/2006/main">
+  <p:cSld>
+    <p:spTree>
+      <p:nvGrpSpPr>
+        <p:cNvPr id="1" name=""/>
+        <p:cNvGrpSpPr/>
+        <p:nvPr/>
+      </p:nvGrpSpPr>
+      <p:grpSpPr>
+        <a:xfrm>
+          <a:off x="0" y="0"/>
+          <a:ext cx="0" cy="0"/>
+          <a:chOff x="0" y="0"/>
+          <a:chExt cx="0" cy="0"/>
+        </a:xfrm>
+      </p:grpSpPr>
+      <p:sp>
+        <p:nvSpPr>
+          <p:cNvPr id="100" name="CustomShape 1"/>
+          <p:cNvSpPr/>
+          <p:nvPr/>
+        </p:nvSpPr>
+        <p:spPr>
+          <a:xfrm>
+            <a:off x="246600" y="2563200"/>
+            <a:ext cx="11693880" cy="851400"/>
+          </a:xfrm>
+          <a:prstGeom prst="rect">
+            <a:avLst/>
+          </a:prstGeom>
+          <a:noFill/>
+          <a:ln>
+            <a:noFill/>
+          </a:ln>
+        </p:spPr>
+        <p:style>
+          <a:lnRef idx="0">
+            <a:scrgbClr r="0" g="0" b="0"/>
+          </a:lnRef>
+          <a:fillRef idx="0">
+            <a:scrgbClr r="0" g="0" b="0"/>
+          </a:fillRef>
+          <a:effectRef idx="0">
+            <a:scrgbClr r="0" g="0" b="0"/>
+          </a:effectRef>
+          <a:fontRef idx="minor"/>
+        </p:style>
+        <p:txBody>
+          <a:bodyPr lIns="90000" tIns="45000" rIns="90000" bIns="45000">
+            <a:spAutoFit/>
+          </a:bodyPr>
+          <a:lstStyle/>
+          <a:p>
+            <a:pPr marL="343080" indent="-319320">
+              <a:lnSpc>
+                <a:spcPct val="100000"/>
+              </a:lnSpc>
+              <a:buClr>
+                <a:srgbClr val="000000"/>
+              </a:buClr>
+              <a:buFont typeface="Wingdings" charset="2"/>
+              <a:buChar char=""/>
+            </a:pPr>
+            <a:r>
+              <a:rPr lang="en-IN" sz="1800" b="0" strike="noStrike" spc="-1">
+                <a:solidFill>
+                  <a:srgbClr val="000000"/>
+                </a:solidFill>
+                <a:latin typeface="Consolas"/>
+                <a:ea typeface="Tahoma"/>
+              </a:rPr>
+              <a:t>C:\&gt;</a:t>
+            </a:r>
+            <a:r>
+              <a:rPr lang="en-IN" sz="1800" b="0" strike="noStrike" spc="-1">
+                <a:solidFill>
+                  <a:srgbClr val="528693"/>
+                </a:solidFill>
+                <a:latin typeface="Consolas"/>
+                <a:ea typeface="Tahoma"/>
+              </a:rPr>
+              <a:t> redis-server --redis.conf --protected-mode no   </a:t>
+            </a:r>
+            <a:r>
+              <a:rPr lang="en-IN" sz="1400" b="0" strike="noStrike" spc="-1">
+                <a:solidFill>
+                  <a:srgbClr val="92D050"/>
+                </a:solidFill>
+                <a:latin typeface="Consolas"/>
+                <a:ea typeface="Tahoma"/>
+              </a:rPr>
+              <a:t>//start server</a:t>
+            </a:r>
+            <a:endParaRPr lang="en-IN" sz="1400" b="0" strike="noStrike" spc="-1">
+              <a:latin typeface="Arial"/>
+            </a:endParaRPr>
+          </a:p>
+          <a:p>
+            <a:pPr>
+              <a:lnSpc>
+                <a:spcPct val="100000"/>
+              </a:lnSpc>
+            </a:pPr>
+            <a:endParaRPr lang="en-IN" sz="1400" b="0" strike="noStrike" spc="-1">
+              <a:latin typeface="Arial"/>
+            </a:endParaRPr>
+          </a:p>
+          <a:p>
+            <a:pPr marL="343080" indent="-319320">
+              <a:lnSpc>
+                <a:spcPct val="100000"/>
+              </a:lnSpc>
+              <a:buClr>
+                <a:srgbClr val="000000"/>
+              </a:buClr>
+              <a:buFont typeface="Wingdings" charset="2"/>
+              <a:buChar char=""/>
+            </a:pPr>
+            <a:r>
+              <a:rPr lang="en-IN" sz="1800" b="0" strike="noStrike" spc="-1">
+                <a:solidFill>
+                  <a:srgbClr val="000000"/>
+                </a:solidFill>
+                <a:latin typeface="Consolas"/>
+                <a:ea typeface="Tahoma"/>
+              </a:rPr>
+              <a:t>C:\&gt;</a:t>
+            </a:r>
+            <a:r>
+              <a:rPr lang="en-IN" sz="1800" b="0" strike="noStrike" spc="-1">
+                <a:solidFill>
+                  <a:srgbClr val="528693"/>
+                </a:solidFill>
+                <a:latin typeface="Consolas"/>
+                <a:ea typeface="Tahoma"/>
+              </a:rPr>
+              <a:t> redis-cli –h 127.0.0.1 –p6379 –n 1 </a:t>
+            </a:r>
+            <a:r>
+              <a:rPr lang="en-IN" sz="1400" b="0" strike="noStrike" spc="-1">
+                <a:solidFill>
+                  <a:srgbClr val="92D050"/>
+                </a:solidFill>
+                <a:latin typeface="Consolas"/>
+                <a:ea typeface="Tahoma"/>
+              </a:rPr>
+              <a:t>//</a:t>
+            </a:r>
+            <a:r>
+              <a:rPr lang="en-IN" sz="1400" b="0" strike="noStrike" spc="-1">
+                <a:solidFill>
+                  <a:srgbClr val="528693"/>
+                </a:solidFill>
+                <a:latin typeface="Consolas"/>
+                <a:ea typeface="Tahoma"/>
+              </a:rPr>
+              <a:t> </a:t>
+            </a:r>
+            <a:r>
+              <a:rPr lang="en-IN" sz="1400" b="0" strike="noStrike" spc="-1">
+                <a:solidFill>
+                  <a:srgbClr val="92D050"/>
+                </a:solidFill>
+                <a:latin typeface="Consolas"/>
+                <a:ea typeface="Tahoma"/>
+              </a:rPr>
+              <a:t>redis-cli is the Redis command line interface</a:t>
+            </a:r>
+            <a:endParaRPr lang="en-IN" sz="1400" b="0" strike="noStrike" spc="-1">
+              <a:latin typeface="Arial"/>
+            </a:endParaRPr>
+          </a:p>
+        </p:txBody>
+      </p:sp>
+      <p:sp>
+        <p:nvSpPr>
+          <p:cNvPr id="102" name="CustomShape 3"/>
+          <p:cNvSpPr/>
+          <p:nvPr/>
+        </p:nvSpPr>
+        <p:spPr>
+          <a:xfrm>
+            <a:off x="246600" y="762120"/>
+            <a:ext cx="11693880" cy="367878"/>
+          </a:xfrm>
+          <a:prstGeom prst="rect">
+            <a:avLst/>
+          </a:prstGeom>
+          <a:noFill/>
+          <a:ln>
+            <a:noFill/>
+          </a:ln>
+        </p:spPr>
+        <p:style>
+          <a:lnRef idx="0">
+            <a:scrgbClr r="0" g="0" b="0"/>
+          </a:lnRef>
+          <a:fillRef idx="0">
+            <a:scrgbClr r="0" g="0" b="0"/>
+          </a:fillRef>
+          <a:effectRef idx="0">
+            <a:scrgbClr r="0" g="0" b="0"/>
+          </a:effectRef>
+          <a:fontRef idx="minor"/>
+        </p:style>
+        <p:txBody>
+          <a:bodyPr lIns="90000" tIns="45000" rIns="90000" bIns="45000">
+            <a:spAutoFit/>
+          </a:bodyPr>
+          <a:lstStyle/>
+          <a:p>
+            <a:pPr algn="just">
+              <a:lnSpc>
+                <a:spcPct val="100000"/>
+              </a:lnSpc>
+            </a:pPr>
+            <a:r>
+              <a:rPr lang="en-US" sz="1800" b="0" strike="noStrike" spc="-1" dirty="0">
+                <a:solidFill>
+                  <a:srgbClr val="000000"/>
+                </a:solidFill>
+                <a:latin typeface="Arial"/>
+                <a:ea typeface="DejaVu Sans"/>
+              </a:rPr>
+              <a:t>Neo4j supports the management of multiple databases within the same DBMS.</a:t>
+            </a:r>
+            <a:endParaRPr lang="en-IN" sz="1800" b="0" strike="noStrike" spc="-1" dirty="0">
+              <a:latin typeface="Arial"/>
+            </a:endParaRPr>
+          </a:p>
+        </p:txBody>
+      </p:sp>
+      <p:sp>
+        <p:nvSpPr>
+          <p:cNvPr id="103" name="CustomShape 4"/>
+          <p:cNvSpPr/>
+          <p:nvPr/>
+        </p:nvSpPr>
+        <p:spPr>
+          <a:xfrm>
+            <a:off x="246600" y="4239720"/>
+            <a:ext cx="11693880" cy="1994040"/>
+          </a:xfrm>
+          <a:prstGeom prst="rect">
+            <a:avLst/>
+          </a:prstGeom>
+          <a:noFill/>
+          <a:ln>
+            <a:noFill/>
+          </a:ln>
+        </p:spPr>
+        <p:style>
+          <a:lnRef idx="0">
+            <a:scrgbClr r="0" g="0" b="0"/>
+          </a:lnRef>
+          <a:fillRef idx="0">
+            <a:scrgbClr r="0" g="0" b="0"/>
+          </a:fillRef>
+          <a:effectRef idx="0">
+            <a:scrgbClr r="0" g="0" b="0"/>
+          </a:effectRef>
+          <a:fontRef idx="minor"/>
+        </p:style>
+        <p:txBody>
+          <a:bodyPr lIns="90000" tIns="45000" rIns="90000" bIns="45000">
+            <a:spAutoFit/>
+          </a:bodyPr>
+          <a:lstStyle/>
+          <a:p>
+            <a:pPr>
+              <a:lnSpc>
+                <a:spcPct val="100000"/>
+              </a:lnSpc>
+            </a:pPr>
+            <a:r>
+              <a:rPr lang="en-IN" sz="2000" b="1" strike="noStrike" spc="-1" dirty="0">
+                <a:solidFill>
+                  <a:srgbClr val="C00000"/>
+                </a:solidFill>
+                <a:latin typeface="Open Sans"/>
+                <a:ea typeface="Open Sans"/>
+              </a:rPr>
+              <a:t>Note:</a:t>
+            </a:r>
+            <a:endParaRPr lang="en-IN" sz="2000" b="0" strike="noStrike" spc="-1" dirty="0">
+              <a:latin typeface="Arial"/>
+            </a:endParaRPr>
+          </a:p>
+          <a:p>
+            <a:pPr>
+              <a:lnSpc>
+                <a:spcPct val="100000"/>
+              </a:lnSpc>
+            </a:pPr>
+            <a:r>
+              <a:rPr lang="en-IN" sz="800" b="0" strike="noStrike" spc="-1" dirty="0">
+                <a:solidFill>
+                  <a:srgbClr val="000000"/>
+                </a:solidFill>
+                <a:latin typeface="Arial"/>
+                <a:ea typeface="DejaVu Sans"/>
+              </a:rPr>
+              <a:t> </a:t>
+            </a:r>
+            <a:endParaRPr lang="en-IN" sz="800" b="0" strike="noStrike" spc="-1" dirty="0">
+              <a:latin typeface="Arial"/>
+            </a:endParaRPr>
+          </a:p>
+          <a:p>
+            <a:pPr marL="285840" indent="-262080">
+              <a:lnSpc>
+                <a:spcPct val="100000"/>
+              </a:lnSpc>
+              <a:buClr>
+                <a:srgbClr val="000000"/>
+              </a:buClr>
+              <a:buFont typeface="Arial"/>
+              <a:buChar char="•"/>
+            </a:pPr>
+            <a:r>
+              <a:rPr lang="en-IN" sz="1800" b="0" strike="noStrike" spc="-1" dirty="0">
+                <a:solidFill>
+                  <a:srgbClr val="000000"/>
+                </a:solidFill>
+                <a:latin typeface="Open Sans"/>
+                <a:ea typeface="Open Sans"/>
+              </a:rPr>
+              <a:t>By default</a:t>
+            </a:r>
+            <a:r>
+              <a:rPr lang="en-IN" sz="1800" b="1" strike="noStrike" spc="-1" dirty="0">
+                <a:solidFill>
+                  <a:srgbClr val="000000"/>
+                </a:solidFill>
+                <a:latin typeface="Open Sans"/>
+                <a:ea typeface="Open Sans"/>
+              </a:rPr>
+              <a:t> </a:t>
+            </a:r>
+            <a:r>
+              <a:rPr lang="en-IN" sz="1800" b="0" strike="noStrike" spc="-1" dirty="0">
+                <a:solidFill>
+                  <a:srgbClr val="000000"/>
+                </a:solidFill>
+                <a:latin typeface="Open Sans"/>
+                <a:ea typeface="Open Sans"/>
+              </a:rPr>
+              <a:t>redis-cli connects to the server at 127.0.0.1 port 6379</a:t>
+            </a:r>
+            <a:endParaRPr lang="en-IN" sz="1800" b="0" strike="noStrike" spc="-1" dirty="0">
+              <a:latin typeface="Arial"/>
+            </a:endParaRPr>
+          </a:p>
+          <a:p>
+            <a:pPr marL="285840" indent="-262080">
+              <a:lnSpc>
+                <a:spcPct val="100000"/>
+              </a:lnSpc>
+              <a:buClr>
+                <a:srgbClr val="000000"/>
+              </a:buClr>
+              <a:buFont typeface="Arial"/>
+              <a:buChar char="•"/>
+            </a:pPr>
+            <a:r>
+              <a:rPr lang="en-IN" sz="1800" b="0" strike="noStrike" spc="-1" dirty="0">
+                <a:solidFill>
+                  <a:srgbClr val="000000"/>
+                </a:solidFill>
+                <a:latin typeface="Open Sans"/>
+                <a:ea typeface="Open Sans"/>
+              </a:rPr>
+              <a:t>It's possible to run the same command multiple times by prefixing the command name by a number.</a:t>
+            </a:r>
+            <a:endParaRPr lang="en-IN" sz="1800" b="0" strike="noStrike" spc="-1" dirty="0">
+              <a:latin typeface="Arial"/>
+            </a:endParaRPr>
+          </a:p>
+          <a:p>
+            <a:pPr>
+              <a:lnSpc>
+                <a:spcPct val="100000"/>
+              </a:lnSpc>
+            </a:pPr>
+            <a:r>
+              <a:rPr lang="en-IN" sz="1600" b="0" strike="noStrike" spc="-1" dirty="0">
+                <a:solidFill>
+                  <a:srgbClr val="E53935"/>
+                </a:solidFill>
+                <a:latin typeface="Open Sans"/>
+                <a:ea typeface="Open Sans"/>
+              </a:rPr>
+              <a:t>e.g.</a:t>
+            </a:r>
+            <a:endParaRPr lang="en-IN" sz="1600" b="0" strike="noStrike" spc="-1" dirty="0">
+              <a:latin typeface="Arial"/>
+            </a:endParaRPr>
+          </a:p>
+          <a:p>
+            <a:pPr marL="285840" indent="-262080">
+              <a:lnSpc>
+                <a:spcPct val="150000"/>
+              </a:lnSpc>
+              <a:buClr>
+                <a:srgbClr val="000000"/>
+              </a:buClr>
+              <a:buFont typeface="Arial"/>
+              <a:buChar char="•"/>
+            </a:pPr>
+            <a:r>
+              <a:rPr lang="en-IN" sz="1800" b="0" strike="noStrike" spc="-1" dirty="0">
+                <a:solidFill>
+                  <a:srgbClr val="808080"/>
+                </a:solidFill>
+                <a:latin typeface="Consolas"/>
+                <a:ea typeface="SimSun"/>
+              </a:rPr>
+              <a:t>127.0.0.1:6379&gt; </a:t>
+            </a:r>
+            <a:r>
+              <a:rPr lang="en-IN" sz="1800" b="0" strike="noStrike" spc="-1" dirty="0">
+                <a:solidFill>
+                  <a:srgbClr val="FF5733"/>
+                </a:solidFill>
+                <a:latin typeface="Consolas"/>
+                <a:ea typeface="SimSun"/>
+              </a:rPr>
+              <a:t>5</a:t>
+            </a:r>
+            <a:r>
+              <a:rPr lang="en-IN" sz="1800" b="0" strike="noStrike" spc="-1" dirty="0">
+                <a:solidFill>
+                  <a:srgbClr val="000000"/>
+                </a:solidFill>
+                <a:latin typeface="Consolas"/>
+                <a:ea typeface="SimSun"/>
+              </a:rPr>
+              <a:t> </a:t>
+            </a:r>
+            <a:r>
+              <a:rPr lang="en-IN" sz="1800" b="0" strike="noStrike" spc="-1" dirty="0">
+                <a:solidFill>
+                  <a:srgbClr val="FF5733"/>
+                </a:solidFill>
+                <a:latin typeface="Consolas"/>
+                <a:ea typeface="SimSun"/>
+              </a:rPr>
+              <a:t>keys *</a:t>
+            </a:r>
+            <a:endParaRPr lang="en-IN" sz="1800" b="0" strike="noStrike" spc="-1" dirty="0">
+              <a:latin typeface="Arial"/>
+            </a:endParaRPr>
+          </a:p>
+        </p:txBody>
+      </p:sp>
+      <p:sp>
+        <p:nvSpPr>
+          <p:cNvPr id="104" name="CustomShape 5"/>
+          <p:cNvSpPr/>
+          <p:nvPr/>
+        </p:nvSpPr>
+        <p:spPr>
+          <a:xfrm>
+            <a:off x="246600" y="3678480"/>
+            <a:ext cx="8688600" cy="332640"/>
+          </a:xfrm>
+          <a:prstGeom prst="rect">
+            <a:avLst/>
+          </a:prstGeom>
+          <a:noFill/>
+          <a:ln>
+            <a:noFill/>
+          </a:ln>
+        </p:spPr>
+        <p:style>
+          <a:lnRef idx="0">
+            <a:scrgbClr r="0" g="0" b="0"/>
+          </a:lnRef>
+          <a:fillRef idx="0">
+            <a:scrgbClr r="0" g="0" b="0"/>
+          </a:fillRef>
+          <a:effectRef idx="0">
+            <a:scrgbClr r="0" g="0" b="0"/>
+          </a:effectRef>
+          <a:fontRef idx="minor"/>
+        </p:style>
+        <p:txBody>
+          <a:bodyPr lIns="90000" tIns="45000" rIns="90000" bIns="45000">
+            <a:noAutofit/>
+          </a:bodyPr>
+          <a:lstStyle/>
+          <a:p>
+            <a:pPr>
+              <a:lnSpc>
+                <a:spcPct val="100000"/>
+              </a:lnSpc>
+            </a:pPr>
+            <a:r>
+              <a:rPr lang="en-IN" sz="1800" b="0" strike="noStrike" spc="-1">
+                <a:solidFill>
+                  <a:srgbClr val="808080"/>
+                </a:solidFill>
+                <a:latin typeface="Consolas"/>
+                <a:ea typeface="SimSun"/>
+              </a:rPr>
+              <a:t>127.0.0.1:6379&gt;</a:t>
+            </a:r>
+            <a:r>
+              <a:rPr lang="en-IN" sz="1800" b="0" strike="noStrike" spc="-1">
+                <a:solidFill>
+                  <a:srgbClr val="000000"/>
+                </a:solidFill>
+                <a:latin typeface="Consolas"/>
+                <a:ea typeface="SimSun"/>
+              </a:rPr>
+              <a:t> </a:t>
+            </a:r>
+            <a:r>
+              <a:rPr lang="en-IN" sz="1800" b="0" strike="noStrike" spc="-1">
+                <a:solidFill>
+                  <a:srgbClr val="FF5733"/>
+                </a:solidFill>
+                <a:latin typeface="Consolas"/>
+                <a:ea typeface="SimSun"/>
+              </a:rPr>
+              <a:t>clear</a:t>
+            </a:r>
+            <a:endParaRPr lang="en-IN" sz="1800" b="0" strike="noStrike" spc="-1">
+              <a:latin typeface="Arial"/>
+            </a:endParaRPr>
+          </a:p>
+        </p:txBody>
+      </p:sp>
+      <p:sp>
+        <p:nvSpPr>
+          <p:cNvPr id="105" name="CustomShape 6"/>
+          <p:cNvSpPr/>
+          <p:nvPr/>
+        </p:nvSpPr>
+        <p:spPr>
+          <a:xfrm>
+            <a:off x="246600" y="0"/>
+            <a:ext cx="11693880" cy="706432"/>
+          </a:xfrm>
+          <a:prstGeom prst="rect">
+            <a:avLst/>
+          </a:prstGeom>
+          <a:solidFill>
+            <a:srgbClr val="5E4C34"/>
+          </a:solidFill>
+          <a:ln>
+            <a:noFill/>
+          </a:ln>
+        </p:spPr>
+        <p:style>
+          <a:lnRef idx="0">
+            <a:scrgbClr r="0" g="0" b="0"/>
+          </a:lnRef>
+          <a:fillRef idx="0">
+            <a:scrgbClr r="0" g="0" b="0"/>
+          </a:fillRef>
+          <a:effectRef idx="0">
+            <a:scrgbClr r="0" g="0" b="0"/>
+          </a:effectRef>
+          <a:fontRef idx="minor"/>
+        </p:style>
+        <p:txBody>
+          <a:bodyPr lIns="90000" tIns="45000" rIns="90000" bIns="45000">
+            <a:spAutoFit/>
+          </a:bodyPr>
+          <a:lstStyle/>
+          <a:p>
+            <a:pPr algn="r">
+              <a:lnSpc>
+                <a:spcPct val="100000"/>
+              </a:lnSpc>
+            </a:pPr>
+            <a:r>
+              <a:rPr lang="en-IN" sz="4000" b="0" strike="noStrike" spc="-1" dirty="0">
+                <a:solidFill>
+                  <a:schemeClr val="accent6">
+                    <a:lumMod val="60000"/>
+                    <a:lumOff val="40000"/>
+                  </a:schemeClr>
+                </a:solidFill>
+                <a:latin typeface="Open Sans"/>
+                <a:ea typeface="DejaVu Sans"/>
+              </a:rPr>
+              <a:t>create database</a:t>
+            </a:r>
+            <a:endParaRPr lang="en-IN" sz="4000" b="0" strike="noStrike" spc="-1" dirty="0">
+              <a:solidFill>
+                <a:schemeClr val="accent6">
+                  <a:lumMod val="60000"/>
+                  <a:lumOff val="40000"/>
+                </a:schemeClr>
+              </a:solidFill>
+              <a:latin typeface="Arial"/>
+            </a:endParaRPr>
+          </a:p>
+        </p:txBody>
+      </p:sp>
+      <p:sp>
+        <p:nvSpPr>
+          <p:cNvPr id="106" name="CustomShape 7"/>
+          <p:cNvSpPr/>
+          <p:nvPr/>
+        </p:nvSpPr>
+        <p:spPr>
+          <a:xfrm>
+            <a:off x="246600" y="6212880"/>
+            <a:ext cx="11227320" cy="476640"/>
+          </a:xfrm>
+          <a:prstGeom prst="rect">
+            <a:avLst/>
+          </a:prstGeom>
+          <a:noFill/>
+          <a:ln>
+            <a:noFill/>
+          </a:ln>
+        </p:spPr>
+        <p:style>
+          <a:lnRef idx="0">
+            <a:scrgbClr r="0" g="0" b="0"/>
+          </a:lnRef>
+          <a:fillRef idx="0">
+            <a:scrgbClr r="0" g="0" b="0"/>
+          </a:fillRef>
+          <a:effectRef idx="0">
+            <a:scrgbClr r="0" g="0" b="0"/>
+          </a:effectRef>
+          <a:fontRef idx="minor"/>
+        </p:style>
+        <p:txBody>
+          <a:bodyPr lIns="90000" tIns="45000" rIns="90000" bIns="45000">
+            <a:noAutofit/>
+          </a:bodyPr>
+          <a:lstStyle/>
+          <a:p>
+            <a:pPr>
+              <a:lnSpc>
+                <a:spcPct val="150000"/>
+              </a:lnSpc>
+            </a:pPr>
+            <a:r>
+              <a:rPr lang="en-IN" sz="1800" b="0" strike="noStrike" spc="-1">
+                <a:solidFill>
+                  <a:srgbClr val="757575"/>
+                </a:solidFill>
+                <a:latin typeface="Arial"/>
+                <a:ea typeface="DejaVu Sans"/>
+              </a:rPr>
+              <a:t>saleel@saleel-Latitude-E6430:~$ </a:t>
+            </a:r>
+            <a:r>
+              <a:rPr lang="en-IN" sz="1800" b="0" strike="noStrike" spc="-1">
+                <a:solidFill>
+                  <a:srgbClr val="FF5733"/>
+                </a:solidFill>
+                <a:latin typeface="Consolas"/>
+                <a:ea typeface="SimSun"/>
+              </a:rPr>
+              <a:t>redis-cli -h 127.0.0.1 -p 6379 -n 5 </a:t>
+            </a:r>
+            <a:r>
+              <a:rPr lang="en-IN" sz="2400" b="0" strike="noStrike" spc="-1">
+                <a:solidFill>
+                  <a:srgbClr val="FF5733"/>
+                </a:solidFill>
+                <a:latin typeface="Consolas"/>
+                <a:ea typeface="SimSun"/>
+              </a:rPr>
+              <a:t>-r</a:t>
+            </a:r>
+            <a:r>
+              <a:rPr lang="en-IN" sz="1800" b="0" strike="noStrike" spc="-1">
+                <a:solidFill>
+                  <a:srgbClr val="FF5733"/>
+                </a:solidFill>
+                <a:latin typeface="Consolas"/>
+                <a:ea typeface="SimSun"/>
+              </a:rPr>
+              <a:t> 10 incr cnt</a:t>
+            </a:r>
+            <a:endParaRPr lang="en-IN" sz="1800" b="0" strike="noStrike" spc="-1">
+              <a:latin typeface="Arial"/>
+            </a:endParaRPr>
+          </a:p>
+        </p:txBody>
+      </p:sp>
+      <p:sp>
+        <p:nvSpPr>
+          <p:cNvPr id="107" name="CustomShape 8"/>
+          <p:cNvSpPr/>
+          <p:nvPr/>
+        </p:nvSpPr>
+        <p:spPr>
+          <a:xfrm>
+            <a:off x="6357240" y="5906160"/>
+            <a:ext cx="6236280" cy="368640"/>
+          </a:xfrm>
+          <a:prstGeom prst="rect">
+            <a:avLst/>
+          </a:prstGeom>
+          <a:noFill/>
+          <a:ln>
+            <a:noFill/>
+          </a:ln>
+        </p:spPr>
+        <p:style>
+          <a:lnRef idx="0">
+            <a:scrgbClr r="0" g="0" b="0"/>
+          </a:lnRef>
+          <a:fillRef idx="0">
+            <a:scrgbClr r="0" g="0" b="0"/>
+          </a:fillRef>
+          <a:effectRef idx="0">
+            <a:scrgbClr r="0" g="0" b="0"/>
+          </a:effectRef>
+          <a:fontRef idx="minor"/>
+        </p:style>
+        <p:txBody>
+          <a:bodyPr lIns="90000" tIns="45000" rIns="90000" bIns="45000">
+            <a:noAutofit/>
+          </a:bodyPr>
+          <a:lstStyle/>
+          <a:p>
+            <a:pPr>
+              <a:lnSpc>
+                <a:spcPct val="100000"/>
+              </a:lnSpc>
+            </a:pPr>
+            <a:r>
+              <a:rPr lang="en-IN" sz="1800" b="1" i="1" strike="noStrike" spc="-1">
+                <a:solidFill>
+                  <a:srgbClr val="000000"/>
+                </a:solidFill>
+                <a:latin typeface="Arial"/>
+                <a:ea typeface="DejaVu Sans"/>
+              </a:rPr>
+              <a:t>-r</a:t>
+            </a:r>
+            <a:r>
+              <a:rPr lang="en-IN" sz="1800" b="1" strike="noStrike" spc="-1">
+                <a:solidFill>
+                  <a:srgbClr val="000000"/>
+                </a:solidFill>
+                <a:latin typeface="Arial"/>
+                <a:ea typeface="DejaVu Sans"/>
+              </a:rPr>
+              <a:t> &lt;count&gt;</a:t>
+            </a:r>
+            <a:r>
+              <a:rPr lang="en-IN" sz="1800" b="0" strike="noStrike" spc="-1">
+                <a:solidFill>
+                  <a:srgbClr val="000000"/>
+                </a:solidFill>
+                <a:latin typeface="Arial"/>
+                <a:ea typeface="DejaVu Sans"/>
+              </a:rPr>
+              <a:t>, means how many times to run a command.</a:t>
+            </a:r>
+            <a:endParaRPr lang="en-IN" sz="1800" b="0" strike="noStrike" spc="-1">
+              <a:latin typeface="Arial"/>
+            </a:endParaRPr>
+          </a:p>
+        </p:txBody>
+      </p:sp>
+      <p:sp>
+        <p:nvSpPr>
+          <p:cNvPr id="108" name="Line 9"/>
+          <p:cNvSpPr/>
+          <p:nvPr/>
+        </p:nvSpPr>
+        <p:spPr>
+          <a:xfrm>
+            <a:off x="0" y="1536120"/>
+            <a:ext cx="12191760" cy="0"/>
+          </a:xfrm>
+          <a:prstGeom prst="line">
+            <a:avLst/>
+          </a:prstGeom>
+          <a:ln w="12600">
+            <a:solidFill>
+              <a:srgbClr val="6E78A0"/>
+            </a:solidFill>
+            <a:prstDash val="dash"/>
+            <a:round/>
+          </a:ln>
+        </p:spPr>
+        <p:style>
+          <a:lnRef idx="1">
+            <a:schemeClr val="accent1"/>
+          </a:lnRef>
+          <a:fillRef idx="0">
+            <a:schemeClr val="accent1"/>
+          </a:fillRef>
+          <a:effectRef idx="0">
+            <a:schemeClr val="accent1"/>
+          </a:effectRef>
+          <a:fontRef idx="minor"/>
+        </p:style>
+      </p:sp>
+      <p:sp>
+        <p:nvSpPr>
+          <p:cNvPr id="12" name="TextBox 11">
+            <a:extLst>
+              <a:ext uri="{FF2B5EF4-FFF2-40B4-BE49-F238E27FC236}">
+                <a16:creationId xmlns:a16="http://schemas.microsoft.com/office/drawing/2014/main" id="{79242DF4-E3E0-4B3F-9DA3-EDDD02A6E7F5}"/>
+              </a:ext>
+            </a:extLst>
+          </p:cNvPr>
+          <p:cNvSpPr txBox="1"/>
+          <p:nvPr/>
+        </p:nvSpPr>
+        <p:spPr>
+          <a:xfrm>
+            <a:off x="243604" y="1842346"/>
+            <a:ext cx="11693880" cy="677108"/>
+          </a:xfrm>
+          <a:prstGeom prst="rect">
+            <a:avLst/>
+          </a:prstGeom>
+          <a:noFill/>
+        </p:spPr>
+        <p:txBody>
+          <a:bodyPr wrap="square">
+            <a:spAutoFit/>
+          </a:bodyPr>
+          <a:lstStyle/>
+          <a:p>
+            <a:r>
+              <a:rPr lang="en-US" sz="2000" spc="-1" dirty="0">
+                <a:solidFill>
+                  <a:srgbClr val="00B0F0"/>
+                </a:solidFill>
+                <a:latin typeface="Roboto Mono"/>
+              </a:rPr>
+              <a:t>CREATE</a:t>
+            </a:r>
+            <a:r>
+              <a:rPr lang="en-US" b="0" i="0" dirty="0">
+                <a:solidFill>
+                  <a:srgbClr val="2D3748"/>
+                </a:solidFill>
+                <a:effectLst/>
+                <a:latin typeface="Roboto Mono"/>
+              </a:rPr>
+              <a:t> </a:t>
+            </a:r>
+            <a:r>
+              <a:rPr lang="en-US" sz="2000" spc="-1" dirty="0">
+                <a:solidFill>
+                  <a:srgbClr val="00B0F0"/>
+                </a:solidFill>
+                <a:latin typeface="Roboto Mono"/>
+              </a:rPr>
+              <a:t>DATABASE name </a:t>
+            </a:r>
+            <a:r>
+              <a:rPr lang="en-US" b="0" i="0" dirty="0">
+                <a:solidFill>
+                  <a:srgbClr val="2D3748"/>
+                </a:solidFill>
+                <a:effectLst/>
+                <a:latin typeface="Roboto Mono"/>
+              </a:rPr>
+              <a:t>[</a:t>
+            </a:r>
+            <a:r>
+              <a:rPr lang="en-US" b="0" i="0" dirty="0">
+                <a:solidFill>
+                  <a:srgbClr val="718096"/>
+                </a:solidFill>
+                <a:effectLst/>
+                <a:latin typeface="Roboto Mono"/>
+              </a:rPr>
+              <a:t>IF</a:t>
+            </a:r>
+            <a:r>
+              <a:rPr lang="en-US" b="0" i="0" dirty="0">
+                <a:solidFill>
+                  <a:srgbClr val="2D3748"/>
+                </a:solidFill>
+                <a:effectLst/>
+                <a:latin typeface="Roboto Mono"/>
+              </a:rPr>
+              <a:t> </a:t>
+            </a:r>
+            <a:r>
+              <a:rPr lang="en-US" b="0" i="0" dirty="0">
+                <a:solidFill>
+                  <a:srgbClr val="718096"/>
+                </a:solidFill>
+                <a:effectLst/>
+                <a:latin typeface="Roboto Mono"/>
+              </a:rPr>
+              <a:t>NOT</a:t>
+            </a:r>
+            <a:r>
+              <a:rPr lang="en-US" b="0" i="0" dirty="0">
+                <a:solidFill>
+                  <a:srgbClr val="2D3748"/>
+                </a:solidFill>
+                <a:effectLst/>
+                <a:latin typeface="Roboto Mono"/>
+              </a:rPr>
+              <a:t> </a:t>
+            </a:r>
+            <a:r>
+              <a:rPr lang="en-US" b="0" i="0" dirty="0">
+                <a:solidFill>
+                  <a:srgbClr val="718096"/>
+                </a:solidFill>
+                <a:effectLst/>
+                <a:latin typeface="Roboto Mono"/>
+              </a:rPr>
+              <a:t>EXISTS</a:t>
+            </a:r>
+            <a:r>
+              <a:rPr lang="en-US" b="0" i="0" dirty="0">
+                <a:solidFill>
+                  <a:srgbClr val="2D3748"/>
+                </a:solidFill>
+                <a:effectLst/>
+                <a:latin typeface="Roboto Mono"/>
+              </a:rPr>
+              <a:t>]</a:t>
+            </a:r>
+          </a:p>
+          <a:p>
+            <a:r>
+              <a:rPr lang="en-US" sz="1800" spc="-1" dirty="0">
+                <a:solidFill>
+                  <a:srgbClr val="00B0F0"/>
+                </a:solidFill>
+                <a:latin typeface="Roboto Mono"/>
+              </a:rPr>
+              <a:t>CREATE</a:t>
+            </a:r>
+            <a:r>
+              <a:rPr lang="en-US" b="0" i="0" dirty="0">
+                <a:solidFill>
+                  <a:srgbClr val="2D3748"/>
+                </a:solidFill>
+                <a:effectLst/>
+                <a:latin typeface="Roboto Mono"/>
+              </a:rPr>
+              <a:t> </a:t>
+            </a:r>
+            <a:r>
+              <a:rPr lang="en-US" spc="-1" dirty="0">
+                <a:solidFill>
+                  <a:srgbClr val="00B0F0"/>
+                </a:solidFill>
+                <a:latin typeface="Roboto Mono"/>
+              </a:rPr>
+              <a:t>or</a:t>
+            </a:r>
+            <a:r>
+              <a:rPr lang="en-US" b="0" i="0" dirty="0">
+                <a:solidFill>
+                  <a:srgbClr val="2D3748"/>
+                </a:solidFill>
+                <a:effectLst/>
+                <a:latin typeface="Roboto Mono"/>
+              </a:rPr>
+              <a:t> </a:t>
+            </a:r>
+            <a:r>
+              <a:rPr lang="en-US" spc="-1" dirty="0">
+                <a:solidFill>
+                  <a:srgbClr val="00B0F0"/>
+                </a:solidFill>
+                <a:latin typeface="Roboto Mono"/>
+              </a:rPr>
+              <a:t>REPLACE</a:t>
+            </a:r>
+            <a:r>
+              <a:rPr lang="en-US" b="0" i="0" dirty="0">
+                <a:solidFill>
+                  <a:srgbClr val="2D3748"/>
+                </a:solidFill>
+                <a:effectLst/>
+                <a:latin typeface="Roboto Mono"/>
+              </a:rPr>
+              <a:t> </a:t>
+            </a:r>
+            <a:r>
+              <a:rPr lang="en-US" sz="1800" spc="-1" dirty="0">
+                <a:solidFill>
+                  <a:srgbClr val="00B0F0"/>
+                </a:solidFill>
+                <a:latin typeface="Roboto Mono"/>
+              </a:rPr>
+              <a:t>DATABASE name</a:t>
+            </a:r>
+            <a:endParaRPr lang="en-IN" dirty="0">
+              <a:latin typeface="Roboto Mono"/>
+            </a:endParaRPr>
+          </a:p>
+        </p:txBody>
+      </p:sp>
+    </p:spTree>
+    <p:extLst>
+      <p:ext uri="{BB962C8B-B14F-4D97-AF65-F5344CB8AC3E}">
+        <p14:creationId xmlns:p14="http://schemas.microsoft.com/office/powerpoint/2010/main" val="959335796"/>
+      </p:ext>
+    </p:extLst>
+  </p:cSld>
+  <p:clrMapOvr>
+    <a:masterClrMapping/>
+  </p:clrMapOvr>
+</p:sld>
+</file>
+
+<file path=ppt/slides/slide14.xml><?xml version="1.0" encoding="utf-8"?>
+<p:sld xmlns:a="http://schemas.openxmlformats.org/drawingml/2006/main" xmlns:r="http://schemas.openxmlformats.org/officeDocument/2006/relationships" xmlns:p="http://schemas.openxmlformats.org/presentationml/2006/main">
+  <p:cSld>
+    <p:spTree>
+      <p:nvGrpSpPr>
+        <p:cNvPr id="1" name=""/>
+        <p:cNvGrpSpPr/>
+        <p:nvPr/>
+      </p:nvGrpSpPr>
+      <p:grpSpPr>
+        <a:xfrm>
+          <a:off x="0" y="0"/>
+          <a:ext cx="0" cy="0"/>
+          <a:chOff x="0" y="0"/>
+          <a:chExt cx="0" cy="0"/>
+        </a:xfrm>
+      </p:grpSpPr>
+      <p:sp>
+        <p:nvSpPr>
           <p:cNvPr id="462" name="CustomShape 1"/>
           <p:cNvSpPr/>
           <p:nvPr/>
@@ -4329,6 +6436,891 @@
         </p:spPr>
       </p:pic>
     </p:spTree>
+  </p:cSld>
+  <p:clrMapOvr>
+    <a:masterClrMapping/>
+  </p:clrMapOvr>
+</p:sld>
+</file>
+
+<file path=ppt/slides/slide15.xml><?xml version="1.0" encoding="utf-8"?>
+<p:sld xmlns:a="http://schemas.openxmlformats.org/drawingml/2006/main" xmlns:r="http://schemas.openxmlformats.org/officeDocument/2006/relationships" xmlns:p="http://schemas.openxmlformats.org/presentationml/2006/main">
+  <p:cSld>
+    <p:spTree>
+      <p:nvGrpSpPr>
+        <p:cNvPr id="1" name=""/>
+        <p:cNvGrpSpPr/>
+        <p:nvPr/>
+      </p:nvGrpSpPr>
+      <p:grpSpPr>
+        <a:xfrm>
+          <a:off x="0" y="0"/>
+          <a:ext cx="0" cy="0"/>
+          <a:chOff x="0" y="0"/>
+          <a:chExt cx="0" cy="0"/>
+        </a:xfrm>
+      </p:grpSpPr>
+      <p:sp>
+        <p:nvSpPr>
+          <p:cNvPr id="100" name="CustomShape 1"/>
+          <p:cNvSpPr/>
+          <p:nvPr/>
+        </p:nvSpPr>
+        <p:spPr>
+          <a:xfrm>
+            <a:off x="246600" y="2563200"/>
+            <a:ext cx="11693880" cy="851400"/>
+          </a:xfrm>
+          <a:prstGeom prst="rect">
+            <a:avLst/>
+          </a:prstGeom>
+          <a:noFill/>
+          <a:ln>
+            <a:noFill/>
+          </a:ln>
+        </p:spPr>
+        <p:style>
+          <a:lnRef idx="0">
+            <a:scrgbClr r="0" g="0" b="0"/>
+          </a:lnRef>
+          <a:fillRef idx="0">
+            <a:scrgbClr r="0" g="0" b="0"/>
+          </a:fillRef>
+          <a:effectRef idx="0">
+            <a:scrgbClr r="0" g="0" b="0"/>
+          </a:effectRef>
+          <a:fontRef idx="minor"/>
+        </p:style>
+        <p:txBody>
+          <a:bodyPr lIns="90000" tIns="45000" rIns="90000" bIns="45000">
+            <a:spAutoFit/>
+          </a:bodyPr>
+          <a:lstStyle/>
+          <a:p>
+            <a:pPr marL="343080" indent="-319320">
+              <a:lnSpc>
+                <a:spcPct val="100000"/>
+              </a:lnSpc>
+              <a:buClr>
+                <a:srgbClr val="000000"/>
+              </a:buClr>
+              <a:buFont typeface="Wingdings" charset="2"/>
+              <a:buChar char=""/>
+            </a:pPr>
+            <a:r>
+              <a:rPr lang="en-IN" sz="1800" b="0" strike="noStrike" spc="-1">
+                <a:solidFill>
+                  <a:srgbClr val="000000"/>
+                </a:solidFill>
+                <a:latin typeface="Consolas"/>
+                <a:ea typeface="Tahoma"/>
+              </a:rPr>
+              <a:t>C:\&gt;</a:t>
+            </a:r>
+            <a:r>
+              <a:rPr lang="en-IN" sz="1800" b="0" strike="noStrike" spc="-1">
+                <a:solidFill>
+                  <a:srgbClr val="528693"/>
+                </a:solidFill>
+                <a:latin typeface="Consolas"/>
+                <a:ea typeface="Tahoma"/>
+              </a:rPr>
+              <a:t> redis-server --redis.conf --protected-mode no   </a:t>
+            </a:r>
+            <a:r>
+              <a:rPr lang="en-IN" sz="1400" b="0" strike="noStrike" spc="-1">
+                <a:solidFill>
+                  <a:srgbClr val="92D050"/>
+                </a:solidFill>
+                <a:latin typeface="Consolas"/>
+                <a:ea typeface="Tahoma"/>
+              </a:rPr>
+              <a:t>//start server</a:t>
+            </a:r>
+            <a:endParaRPr lang="en-IN" sz="1400" b="0" strike="noStrike" spc="-1">
+              <a:latin typeface="Arial"/>
+            </a:endParaRPr>
+          </a:p>
+          <a:p>
+            <a:pPr>
+              <a:lnSpc>
+                <a:spcPct val="100000"/>
+              </a:lnSpc>
+            </a:pPr>
+            <a:endParaRPr lang="en-IN" sz="1400" b="0" strike="noStrike" spc="-1">
+              <a:latin typeface="Arial"/>
+            </a:endParaRPr>
+          </a:p>
+          <a:p>
+            <a:pPr marL="343080" indent="-319320">
+              <a:lnSpc>
+                <a:spcPct val="100000"/>
+              </a:lnSpc>
+              <a:buClr>
+                <a:srgbClr val="000000"/>
+              </a:buClr>
+              <a:buFont typeface="Wingdings" charset="2"/>
+              <a:buChar char=""/>
+            </a:pPr>
+            <a:r>
+              <a:rPr lang="en-IN" sz="1800" b="0" strike="noStrike" spc="-1">
+                <a:solidFill>
+                  <a:srgbClr val="000000"/>
+                </a:solidFill>
+                <a:latin typeface="Consolas"/>
+                <a:ea typeface="Tahoma"/>
+              </a:rPr>
+              <a:t>C:\&gt;</a:t>
+            </a:r>
+            <a:r>
+              <a:rPr lang="en-IN" sz="1800" b="0" strike="noStrike" spc="-1">
+                <a:solidFill>
+                  <a:srgbClr val="528693"/>
+                </a:solidFill>
+                <a:latin typeface="Consolas"/>
+                <a:ea typeface="Tahoma"/>
+              </a:rPr>
+              <a:t> redis-cli –h 127.0.0.1 –p6379 –n 1 </a:t>
+            </a:r>
+            <a:r>
+              <a:rPr lang="en-IN" sz="1400" b="0" strike="noStrike" spc="-1">
+                <a:solidFill>
+                  <a:srgbClr val="92D050"/>
+                </a:solidFill>
+                <a:latin typeface="Consolas"/>
+                <a:ea typeface="Tahoma"/>
+              </a:rPr>
+              <a:t>//</a:t>
+            </a:r>
+            <a:r>
+              <a:rPr lang="en-IN" sz="1400" b="0" strike="noStrike" spc="-1">
+                <a:solidFill>
+                  <a:srgbClr val="528693"/>
+                </a:solidFill>
+                <a:latin typeface="Consolas"/>
+                <a:ea typeface="Tahoma"/>
+              </a:rPr>
+              <a:t> </a:t>
+            </a:r>
+            <a:r>
+              <a:rPr lang="en-IN" sz="1400" b="0" strike="noStrike" spc="-1">
+                <a:solidFill>
+                  <a:srgbClr val="92D050"/>
+                </a:solidFill>
+                <a:latin typeface="Consolas"/>
+                <a:ea typeface="Tahoma"/>
+              </a:rPr>
+              <a:t>redis-cli is the Redis command line interface</a:t>
+            </a:r>
+            <a:endParaRPr lang="en-IN" sz="1400" b="0" strike="noStrike" spc="-1">
+              <a:latin typeface="Arial"/>
+            </a:endParaRPr>
+          </a:p>
+        </p:txBody>
+      </p:sp>
+      <p:sp>
+        <p:nvSpPr>
+          <p:cNvPr id="101" name="CustomShape 2"/>
+          <p:cNvSpPr/>
+          <p:nvPr/>
+        </p:nvSpPr>
+        <p:spPr>
+          <a:xfrm>
+            <a:off x="246600" y="1742040"/>
+            <a:ext cx="11693880" cy="394560"/>
+          </a:xfrm>
+          <a:prstGeom prst="rect">
+            <a:avLst/>
+          </a:prstGeom>
+          <a:noFill/>
+          <a:ln>
+            <a:noFill/>
+          </a:ln>
+        </p:spPr>
+        <p:style>
+          <a:lnRef idx="0">
+            <a:scrgbClr r="0" g="0" b="0"/>
+          </a:lnRef>
+          <a:fillRef idx="0">
+            <a:scrgbClr r="0" g="0" b="0"/>
+          </a:fillRef>
+          <a:effectRef idx="0">
+            <a:scrgbClr r="0" g="0" b="0"/>
+          </a:effectRef>
+          <a:fontRef idx="minor"/>
+        </p:style>
+        <p:txBody>
+          <a:bodyPr lIns="90000" tIns="45000" rIns="90000" bIns="45000">
+            <a:spAutoFit/>
+          </a:bodyPr>
+          <a:lstStyle/>
+          <a:p>
+            <a:pPr>
+              <a:lnSpc>
+                <a:spcPct val="100000"/>
+              </a:lnSpc>
+            </a:pPr>
+            <a:r>
+              <a:rPr lang="en-US" sz="2000" b="0" strike="noStrike" spc="-1">
+                <a:solidFill>
+                  <a:srgbClr val="00B0F0"/>
+                </a:solidFill>
+                <a:latin typeface="Consolas"/>
+                <a:ea typeface="DejaVu Sans"/>
+              </a:rPr>
+              <a:t> redis-cli -h host -p port –n dbIndexNumber</a:t>
+            </a:r>
+            <a:endParaRPr lang="en-IN" sz="2000" b="0" strike="noStrike" spc="-1">
+              <a:latin typeface="Arial"/>
+            </a:endParaRPr>
+          </a:p>
+        </p:txBody>
+      </p:sp>
+      <p:sp>
+        <p:nvSpPr>
+          <p:cNvPr id="102" name="CustomShape 3"/>
+          <p:cNvSpPr/>
+          <p:nvPr/>
+        </p:nvSpPr>
+        <p:spPr>
+          <a:xfrm>
+            <a:off x="246600" y="762120"/>
+            <a:ext cx="11693880" cy="363960"/>
+          </a:xfrm>
+          <a:prstGeom prst="rect">
+            <a:avLst/>
+          </a:prstGeom>
+          <a:noFill/>
+          <a:ln>
+            <a:noFill/>
+          </a:ln>
+        </p:spPr>
+        <p:style>
+          <a:lnRef idx="0">
+            <a:scrgbClr r="0" g="0" b="0"/>
+          </a:lnRef>
+          <a:fillRef idx="0">
+            <a:scrgbClr r="0" g="0" b="0"/>
+          </a:fillRef>
+          <a:effectRef idx="0">
+            <a:scrgbClr r="0" g="0" b="0"/>
+          </a:effectRef>
+          <a:fontRef idx="minor"/>
+        </p:style>
+        <p:txBody>
+          <a:bodyPr lIns="90000" tIns="45000" rIns="90000" bIns="45000">
+            <a:spAutoFit/>
+          </a:bodyPr>
+          <a:lstStyle/>
+          <a:p>
+            <a:pPr algn="just">
+              <a:lnSpc>
+                <a:spcPct val="100000"/>
+              </a:lnSpc>
+            </a:pPr>
+            <a:r>
+              <a:rPr lang="en-US" sz="1800" b="0" strike="noStrike" spc="-1">
+                <a:solidFill>
+                  <a:srgbClr val="000000"/>
+                </a:solidFill>
+                <a:latin typeface="Arial"/>
+                <a:ea typeface="DejaVu Sans"/>
+              </a:rPr>
+              <a:t>To run commands on Redis remote server, you need to connect to the server by the same client </a:t>
+            </a:r>
+            <a:r>
+              <a:rPr lang="en-US" sz="1800" b="1" strike="noStrike" spc="-1">
+                <a:solidFill>
+                  <a:srgbClr val="000000"/>
+                </a:solidFill>
+                <a:latin typeface="Arial"/>
+                <a:ea typeface="DejaVu Sans"/>
+              </a:rPr>
+              <a:t>redis-cli</a:t>
+            </a:r>
+            <a:endParaRPr lang="en-IN" sz="1800" b="0" strike="noStrike" spc="-1">
+              <a:latin typeface="Arial"/>
+            </a:endParaRPr>
+          </a:p>
+        </p:txBody>
+      </p:sp>
+      <p:sp>
+        <p:nvSpPr>
+          <p:cNvPr id="103" name="CustomShape 4"/>
+          <p:cNvSpPr/>
+          <p:nvPr/>
+        </p:nvSpPr>
+        <p:spPr>
+          <a:xfrm>
+            <a:off x="246600" y="4239720"/>
+            <a:ext cx="11693880" cy="1994040"/>
+          </a:xfrm>
+          <a:prstGeom prst="rect">
+            <a:avLst/>
+          </a:prstGeom>
+          <a:noFill/>
+          <a:ln>
+            <a:noFill/>
+          </a:ln>
+        </p:spPr>
+        <p:style>
+          <a:lnRef idx="0">
+            <a:scrgbClr r="0" g="0" b="0"/>
+          </a:lnRef>
+          <a:fillRef idx="0">
+            <a:scrgbClr r="0" g="0" b="0"/>
+          </a:fillRef>
+          <a:effectRef idx="0">
+            <a:scrgbClr r="0" g="0" b="0"/>
+          </a:effectRef>
+          <a:fontRef idx="minor"/>
+        </p:style>
+        <p:txBody>
+          <a:bodyPr lIns="90000" tIns="45000" rIns="90000" bIns="45000">
+            <a:spAutoFit/>
+          </a:bodyPr>
+          <a:lstStyle/>
+          <a:p>
+            <a:pPr>
+              <a:lnSpc>
+                <a:spcPct val="100000"/>
+              </a:lnSpc>
+            </a:pPr>
+            <a:r>
+              <a:rPr lang="en-IN" sz="2000" b="1" strike="noStrike" spc="-1" dirty="0">
+                <a:solidFill>
+                  <a:srgbClr val="C00000"/>
+                </a:solidFill>
+                <a:latin typeface="Open Sans"/>
+                <a:ea typeface="Open Sans"/>
+              </a:rPr>
+              <a:t>Note:</a:t>
+            </a:r>
+            <a:endParaRPr lang="en-IN" sz="2000" b="0" strike="noStrike" spc="-1" dirty="0">
+              <a:latin typeface="Arial"/>
+            </a:endParaRPr>
+          </a:p>
+          <a:p>
+            <a:pPr>
+              <a:lnSpc>
+                <a:spcPct val="100000"/>
+              </a:lnSpc>
+            </a:pPr>
+            <a:r>
+              <a:rPr lang="en-IN" sz="800" b="0" strike="noStrike" spc="-1" dirty="0">
+                <a:solidFill>
+                  <a:srgbClr val="000000"/>
+                </a:solidFill>
+                <a:latin typeface="Arial"/>
+                <a:ea typeface="DejaVu Sans"/>
+              </a:rPr>
+              <a:t> </a:t>
+            </a:r>
+            <a:endParaRPr lang="en-IN" sz="800" b="0" strike="noStrike" spc="-1" dirty="0">
+              <a:latin typeface="Arial"/>
+            </a:endParaRPr>
+          </a:p>
+          <a:p>
+            <a:pPr marL="285840" indent="-262080">
+              <a:lnSpc>
+                <a:spcPct val="100000"/>
+              </a:lnSpc>
+              <a:buClr>
+                <a:srgbClr val="000000"/>
+              </a:buClr>
+              <a:buFont typeface="Arial"/>
+              <a:buChar char="•"/>
+            </a:pPr>
+            <a:r>
+              <a:rPr lang="en-IN" sz="1800" b="0" strike="noStrike" spc="-1" dirty="0">
+                <a:solidFill>
+                  <a:srgbClr val="000000"/>
+                </a:solidFill>
+                <a:latin typeface="Open Sans"/>
+                <a:ea typeface="Open Sans"/>
+              </a:rPr>
+              <a:t>By default</a:t>
+            </a:r>
+            <a:r>
+              <a:rPr lang="en-IN" sz="1800" b="1" strike="noStrike" spc="-1" dirty="0">
+                <a:solidFill>
+                  <a:srgbClr val="000000"/>
+                </a:solidFill>
+                <a:latin typeface="Open Sans"/>
+                <a:ea typeface="Open Sans"/>
+              </a:rPr>
+              <a:t> </a:t>
+            </a:r>
+            <a:r>
+              <a:rPr lang="en-IN" sz="1800" b="0" strike="noStrike" spc="-1" dirty="0">
+                <a:solidFill>
+                  <a:srgbClr val="000000"/>
+                </a:solidFill>
+                <a:latin typeface="Open Sans"/>
+                <a:ea typeface="Open Sans"/>
+              </a:rPr>
+              <a:t>redis-cli connects to the server at 127.0.0.1 port 6379</a:t>
+            </a:r>
+            <a:endParaRPr lang="en-IN" sz="1800" b="0" strike="noStrike" spc="-1" dirty="0">
+              <a:latin typeface="Arial"/>
+            </a:endParaRPr>
+          </a:p>
+          <a:p>
+            <a:pPr marL="285840" indent="-262080">
+              <a:lnSpc>
+                <a:spcPct val="100000"/>
+              </a:lnSpc>
+              <a:buClr>
+                <a:srgbClr val="000000"/>
+              </a:buClr>
+              <a:buFont typeface="Arial"/>
+              <a:buChar char="•"/>
+            </a:pPr>
+            <a:r>
+              <a:rPr lang="en-IN" sz="1800" b="0" strike="noStrike" spc="-1" dirty="0">
+                <a:solidFill>
+                  <a:srgbClr val="000000"/>
+                </a:solidFill>
+                <a:latin typeface="Open Sans"/>
+                <a:ea typeface="Open Sans"/>
+              </a:rPr>
+              <a:t>It's possible to run the same command multiple times by prefixing the command name by a number.</a:t>
+            </a:r>
+            <a:endParaRPr lang="en-IN" sz="1800" b="0" strike="noStrike" spc="-1" dirty="0">
+              <a:latin typeface="Arial"/>
+            </a:endParaRPr>
+          </a:p>
+          <a:p>
+            <a:pPr>
+              <a:lnSpc>
+                <a:spcPct val="100000"/>
+              </a:lnSpc>
+            </a:pPr>
+            <a:r>
+              <a:rPr lang="en-IN" sz="1600" b="0" strike="noStrike" spc="-1" dirty="0">
+                <a:solidFill>
+                  <a:srgbClr val="E53935"/>
+                </a:solidFill>
+                <a:latin typeface="Open Sans"/>
+                <a:ea typeface="Open Sans"/>
+              </a:rPr>
+              <a:t>e.g.</a:t>
+            </a:r>
+            <a:endParaRPr lang="en-IN" sz="1600" b="0" strike="noStrike" spc="-1" dirty="0">
+              <a:latin typeface="Arial"/>
+            </a:endParaRPr>
+          </a:p>
+          <a:p>
+            <a:pPr marL="285840" indent="-262080">
+              <a:lnSpc>
+                <a:spcPct val="150000"/>
+              </a:lnSpc>
+              <a:buClr>
+                <a:srgbClr val="000000"/>
+              </a:buClr>
+              <a:buFont typeface="Arial"/>
+              <a:buChar char="•"/>
+            </a:pPr>
+            <a:r>
+              <a:rPr lang="en-IN" sz="1800" b="0" strike="noStrike" spc="-1" dirty="0">
+                <a:solidFill>
+                  <a:srgbClr val="808080"/>
+                </a:solidFill>
+                <a:latin typeface="Consolas"/>
+                <a:ea typeface="SimSun"/>
+              </a:rPr>
+              <a:t>127.0.0.1:6379&gt; </a:t>
+            </a:r>
+            <a:r>
+              <a:rPr lang="en-IN" sz="1800" b="0" strike="noStrike" spc="-1" dirty="0">
+                <a:solidFill>
+                  <a:srgbClr val="FF5733"/>
+                </a:solidFill>
+                <a:latin typeface="Consolas"/>
+                <a:ea typeface="SimSun"/>
+              </a:rPr>
+              <a:t>5</a:t>
+            </a:r>
+            <a:r>
+              <a:rPr lang="en-IN" sz="1800" b="0" strike="noStrike" spc="-1" dirty="0">
+                <a:solidFill>
+                  <a:srgbClr val="000000"/>
+                </a:solidFill>
+                <a:latin typeface="Consolas"/>
+                <a:ea typeface="SimSun"/>
+              </a:rPr>
+              <a:t> </a:t>
+            </a:r>
+            <a:r>
+              <a:rPr lang="en-IN" sz="1800" b="0" strike="noStrike" spc="-1" dirty="0">
+                <a:solidFill>
+                  <a:srgbClr val="FF5733"/>
+                </a:solidFill>
+                <a:latin typeface="Consolas"/>
+                <a:ea typeface="SimSun"/>
+              </a:rPr>
+              <a:t>keys *</a:t>
+            </a:r>
+            <a:endParaRPr lang="en-IN" sz="1800" b="0" strike="noStrike" spc="-1" dirty="0">
+              <a:latin typeface="Arial"/>
+            </a:endParaRPr>
+          </a:p>
+        </p:txBody>
+      </p:sp>
+      <p:sp>
+        <p:nvSpPr>
+          <p:cNvPr id="104" name="CustomShape 5"/>
+          <p:cNvSpPr/>
+          <p:nvPr/>
+        </p:nvSpPr>
+        <p:spPr>
+          <a:xfrm>
+            <a:off x="246600" y="3678480"/>
+            <a:ext cx="8688600" cy="332640"/>
+          </a:xfrm>
+          <a:prstGeom prst="rect">
+            <a:avLst/>
+          </a:prstGeom>
+          <a:noFill/>
+          <a:ln>
+            <a:noFill/>
+          </a:ln>
+        </p:spPr>
+        <p:style>
+          <a:lnRef idx="0">
+            <a:scrgbClr r="0" g="0" b="0"/>
+          </a:lnRef>
+          <a:fillRef idx="0">
+            <a:scrgbClr r="0" g="0" b="0"/>
+          </a:fillRef>
+          <a:effectRef idx="0">
+            <a:scrgbClr r="0" g="0" b="0"/>
+          </a:effectRef>
+          <a:fontRef idx="minor"/>
+        </p:style>
+        <p:txBody>
+          <a:bodyPr lIns="90000" tIns="45000" rIns="90000" bIns="45000">
+            <a:noAutofit/>
+          </a:bodyPr>
+          <a:lstStyle/>
+          <a:p>
+            <a:pPr>
+              <a:lnSpc>
+                <a:spcPct val="100000"/>
+              </a:lnSpc>
+            </a:pPr>
+            <a:r>
+              <a:rPr lang="en-IN" sz="1800" b="0" strike="noStrike" spc="-1">
+                <a:solidFill>
+                  <a:srgbClr val="808080"/>
+                </a:solidFill>
+                <a:latin typeface="Consolas"/>
+                <a:ea typeface="SimSun"/>
+              </a:rPr>
+              <a:t>127.0.0.1:6379&gt;</a:t>
+            </a:r>
+            <a:r>
+              <a:rPr lang="en-IN" sz="1800" b="0" strike="noStrike" spc="-1">
+                <a:solidFill>
+                  <a:srgbClr val="000000"/>
+                </a:solidFill>
+                <a:latin typeface="Consolas"/>
+                <a:ea typeface="SimSun"/>
+              </a:rPr>
+              <a:t> </a:t>
+            </a:r>
+            <a:r>
+              <a:rPr lang="en-IN" sz="1800" b="0" strike="noStrike" spc="-1">
+                <a:solidFill>
+                  <a:srgbClr val="FF5733"/>
+                </a:solidFill>
+                <a:latin typeface="Consolas"/>
+                <a:ea typeface="SimSun"/>
+              </a:rPr>
+              <a:t>clear</a:t>
+            </a:r>
+            <a:endParaRPr lang="en-IN" sz="1800" b="0" strike="noStrike" spc="-1">
+              <a:latin typeface="Arial"/>
+            </a:endParaRPr>
+          </a:p>
+        </p:txBody>
+      </p:sp>
+      <p:sp>
+        <p:nvSpPr>
+          <p:cNvPr id="105" name="CustomShape 6"/>
+          <p:cNvSpPr/>
+          <p:nvPr/>
+        </p:nvSpPr>
+        <p:spPr>
+          <a:xfrm>
+            <a:off x="246600" y="0"/>
+            <a:ext cx="11693880" cy="706432"/>
+          </a:xfrm>
+          <a:prstGeom prst="rect">
+            <a:avLst/>
+          </a:prstGeom>
+          <a:solidFill>
+            <a:srgbClr val="5E4C34"/>
+          </a:solidFill>
+          <a:ln>
+            <a:noFill/>
+          </a:ln>
+        </p:spPr>
+        <p:style>
+          <a:lnRef idx="0">
+            <a:scrgbClr r="0" g="0" b="0"/>
+          </a:lnRef>
+          <a:fillRef idx="0">
+            <a:scrgbClr r="0" g="0" b="0"/>
+          </a:fillRef>
+          <a:effectRef idx="0">
+            <a:scrgbClr r="0" g="0" b="0"/>
+          </a:effectRef>
+          <a:fontRef idx="minor"/>
+        </p:style>
+        <p:txBody>
+          <a:bodyPr lIns="90000" tIns="45000" rIns="90000" bIns="45000">
+            <a:spAutoFit/>
+          </a:bodyPr>
+          <a:lstStyle/>
+          <a:p>
+            <a:pPr algn="ctr">
+              <a:lnSpc>
+                <a:spcPct val="100000"/>
+              </a:lnSpc>
+            </a:pPr>
+            <a:r>
+              <a:rPr lang="en-IN" sz="4000" b="0" strike="noStrike" spc="-1" dirty="0">
+                <a:solidFill>
+                  <a:schemeClr val="accent6">
+                    <a:lumMod val="60000"/>
+                    <a:lumOff val="40000"/>
+                  </a:schemeClr>
+                </a:solidFill>
+                <a:latin typeface="Open Sans"/>
+                <a:ea typeface="DejaVu Sans"/>
+              </a:rPr>
+              <a:t>Getting Started</a:t>
+            </a:r>
+            <a:endParaRPr lang="en-IN" sz="4000" b="0" strike="noStrike" spc="-1" dirty="0">
+              <a:solidFill>
+                <a:schemeClr val="accent6">
+                  <a:lumMod val="60000"/>
+                  <a:lumOff val="40000"/>
+                </a:schemeClr>
+              </a:solidFill>
+              <a:latin typeface="Arial"/>
+            </a:endParaRPr>
+          </a:p>
+        </p:txBody>
+      </p:sp>
+      <p:sp>
+        <p:nvSpPr>
+          <p:cNvPr id="106" name="CustomShape 7"/>
+          <p:cNvSpPr/>
+          <p:nvPr/>
+        </p:nvSpPr>
+        <p:spPr>
+          <a:xfrm>
+            <a:off x="246600" y="6212880"/>
+            <a:ext cx="11227320" cy="476640"/>
+          </a:xfrm>
+          <a:prstGeom prst="rect">
+            <a:avLst/>
+          </a:prstGeom>
+          <a:noFill/>
+          <a:ln>
+            <a:noFill/>
+          </a:ln>
+        </p:spPr>
+        <p:style>
+          <a:lnRef idx="0">
+            <a:scrgbClr r="0" g="0" b="0"/>
+          </a:lnRef>
+          <a:fillRef idx="0">
+            <a:scrgbClr r="0" g="0" b="0"/>
+          </a:fillRef>
+          <a:effectRef idx="0">
+            <a:scrgbClr r="0" g="0" b="0"/>
+          </a:effectRef>
+          <a:fontRef idx="minor"/>
+        </p:style>
+        <p:txBody>
+          <a:bodyPr lIns="90000" tIns="45000" rIns="90000" bIns="45000">
+            <a:noAutofit/>
+          </a:bodyPr>
+          <a:lstStyle/>
+          <a:p>
+            <a:pPr>
+              <a:lnSpc>
+                <a:spcPct val="150000"/>
+              </a:lnSpc>
+            </a:pPr>
+            <a:r>
+              <a:rPr lang="en-IN" sz="1800" b="0" strike="noStrike" spc="-1" dirty="0">
+                <a:solidFill>
+                  <a:srgbClr val="757575"/>
+                </a:solidFill>
+                <a:latin typeface="Arial"/>
+                <a:ea typeface="DejaVu Sans"/>
+              </a:rPr>
+              <a:t>saleel@saleel-Latitude-E6430:~$ </a:t>
+            </a:r>
+            <a:r>
+              <a:rPr lang="en-IN" sz="1800" b="0" strike="noStrike" spc="-1" dirty="0">
+                <a:solidFill>
+                  <a:srgbClr val="FF5733"/>
+                </a:solidFill>
+                <a:latin typeface="Consolas"/>
+                <a:ea typeface="SimSun"/>
+              </a:rPr>
+              <a:t>redis-cli -h 127.0.0.1 -p 6379 -n 5 </a:t>
+            </a:r>
+            <a:r>
+              <a:rPr lang="en-IN" sz="2400" b="0" strike="noStrike" spc="-1" dirty="0">
+                <a:solidFill>
+                  <a:srgbClr val="FF5733"/>
+                </a:solidFill>
+                <a:latin typeface="Consolas"/>
+                <a:ea typeface="SimSun"/>
+              </a:rPr>
+              <a:t>-r</a:t>
+            </a:r>
+            <a:r>
+              <a:rPr lang="en-IN" sz="1800" b="0" strike="noStrike" spc="-1" dirty="0">
+                <a:solidFill>
+                  <a:srgbClr val="FF5733"/>
+                </a:solidFill>
+                <a:latin typeface="Consolas"/>
+                <a:ea typeface="SimSun"/>
+              </a:rPr>
+              <a:t> 10 incr cnt</a:t>
+            </a:r>
+            <a:endParaRPr lang="en-IN" sz="1800" b="0" strike="noStrike" spc="-1" dirty="0">
+              <a:latin typeface="Arial"/>
+            </a:endParaRPr>
+          </a:p>
+        </p:txBody>
+      </p:sp>
+      <p:sp>
+        <p:nvSpPr>
+          <p:cNvPr id="107" name="CustomShape 8"/>
+          <p:cNvSpPr/>
+          <p:nvPr/>
+        </p:nvSpPr>
+        <p:spPr>
+          <a:xfrm>
+            <a:off x="6357240" y="5906160"/>
+            <a:ext cx="6236280" cy="368640"/>
+          </a:xfrm>
+          <a:prstGeom prst="rect">
+            <a:avLst/>
+          </a:prstGeom>
+          <a:noFill/>
+          <a:ln>
+            <a:noFill/>
+          </a:ln>
+        </p:spPr>
+        <p:style>
+          <a:lnRef idx="0">
+            <a:scrgbClr r="0" g="0" b="0"/>
+          </a:lnRef>
+          <a:fillRef idx="0">
+            <a:scrgbClr r="0" g="0" b="0"/>
+          </a:fillRef>
+          <a:effectRef idx="0">
+            <a:scrgbClr r="0" g="0" b="0"/>
+          </a:effectRef>
+          <a:fontRef idx="minor"/>
+        </p:style>
+        <p:txBody>
+          <a:bodyPr lIns="90000" tIns="45000" rIns="90000" bIns="45000">
+            <a:noAutofit/>
+          </a:bodyPr>
+          <a:lstStyle/>
+          <a:p>
+            <a:pPr>
+              <a:lnSpc>
+                <a:spcPct val="100000"/>
+              </a:lnSpc>
+            </a:pPr>
+            <a:r>
+              <a:rPr lang="en-IN" sz="1800" b="1" i="1" strike="noStrike" spc="-1">
+                <a:solidFill>
+                  <a:srgbClr val="000000"/>
+                </a:solidFill>
+                <a:latin typeface="Arial"/>
+                <a:ea typeface="DejaVu Sans"/>
+              </a:rPr>
+              <a:t>-r</a:t>
+            </a:r>
+            <a:r>
+              <a:rPr lang="en-IN" sz="1800" b="1" strike="noStrike" spc="-1">
+                <a:solidFill>
+                  <a:srgbClr val="000000"/>
+                </a:solidFill>
+                <a:latin typeface="Arial"/>
+                <a:ea typeface="DejaVu Sans"/>
+              </a:rPr>
+              <a:t> &lt;count&gt;</a:t>
+            </a:r>
+            <a:r>
+              <a:rPr lang="en-IN" sz="1800" b="0" strike="noStrike" spc="-1">
+                <a:solidFill>
+                  <a:srgbClr val="000000"/>
+                </a:solidFill>
+                <a:latin typeface="Arial"/>
+                <a:ea typeface="DejaVu Sans"/>
+              </a:rPr>
+              <a:t>, means how many times to run a command.</a:t>
+            </a:r>
+            <a:endParaRPr lang="en-IN" sz="1800" b="0" strike="noStrike" spc="-1">
+              <a:latin typeface="Arial"/>
+            </a:endParaRPr>
+          </a:p>
+        </p:txBody>
+      </p:sp>
+      <p:sp>
+        <p:nvSpPr>
+          <p:cNvPr id="108" name="Line 9"/>
+          <p:cNvSpPr/>
+          <p:nvPr/>
+        </p:nvSpPr>
+        <p:spPr>
+          <a:xfrm>
+            <a:off x="0" y="1536120"/>
+            <a:ext cx="12191760" cy="0"/>
+          </a:xfrm>
+          <a:prstGeom prst="line">
+            <a:avLst/>
+          </a:prstGeom>
+          <a:ln w="12600">
+            <a:solidFill>
+              <a:srgbClr val="6E78A0"/>
+            </a:solidFill>
+            <a:prstDash val="dash"/>
+            <a:round/>
+          </a:ln>
+        </p:spPr>
+        <p:style>
+          <a:lnRef idx="1">
+            <a:schemeClr val="accent1"/>
+          </a:lnRef>
+          <a:fillRef idx="0">
+            <a:schemeClr val="accent1"/>
+          </a:fillRef>
+          <a:effectRef idx="0">
+            <a:schemeClr val="accent1"/>
+          </a:effectRef>
+          <a:fontRef idx="minor"/>
+        </p:style>
+      </p:sp>
+    </p:spTree>
+    <p:extLst>
+      <p:ext uri="{BB962C8B-B14F-4D97-AF65-F5344CB8AC3E}">
+        <p14:creationId xmlns:p14="http://schemas.microsoft.com/office/powerpoint/2010/main" val="2530738110"/>
+      </p:ext>
+    </p:extLst>
   </p:cSld>
   <p:clrMapOvr>
     <a:masterClrMapping/>
@@ -4498,826 +7490,6 @@
       </p:grpSpPr>
       <p:sp>
         <p:nvSpPr>
-          <p:cNvPr id="100" name="CustomShape 1"/>
-          <p:cNvSpPr/>
-          <p:nvPr/>
-        </p:nvSpPr>
-        <p:spPr>
-          <a:xfrm>
-            <a:off x="246600" y="2563200"/>
-            <a:ext cx="11693880" cy="851400"/>
-          </a:xfrm>
-          <a:prstGeom prst="rect">
-            <a:avLst/>
-          </a:prstGeom>
-          <a:noFill/>
-          <a:ln>
-            <a:noFill/>
-          </a:ln>
-        </p:spPr>
-        <p:style>
-          <a:lnRef idx="0">
-            <a:scrgbClr r="0" g="0" b="0"/>
-          </a:lnRef>
-          <a:fillRef idx="0">
-            <a:scrgbClr r="0" g="0" b="0"/>
-          </a:fillRef>
-          <a:effectRef idx="0">
-            <a:scrgbClr r="0" g="0" b="0"/>
-          </a:effectRef>
-          <a:fontRef idx="minor"/>
-        </p:style>
-        <p:txBody>
-          <a:bodyPr lIns="90000" tIns="45000" rIns="90000" bIns="45000">
-            <a:spAutoFit/>
-          </a:bodyPr>
-          <a:lstStyle/>
-          <a:p>
-            <a:pPr marL="343080" indent="-319320">
-              <a:lnSpc>
-                <a:spcPct val="100000"/>
-              </a:lnSpc>
-              <a:buClr>
-                <a:srgbClr val="000000"/>
-              </a:buClr>
-              <a:buFont typeface="Wingdings" charset="2"/>
-              <a:buChar char=""/>
-            </a:pPr>
-            <a:r>
-              <a:rPr lang="en-IN" sz="1800" b="0" strike="noStrike" spc="-1">
-                <a:solidFill>
-                  <a:srgbClr val="000000"/>
-                </a:solidFill>
-                <a:latin typeface="Consolas"/>
-                <a:ea typeface="Tahoma"/>
-              </a:rPr>
-              <a:t>C:\&gt;</a:t>
-            </a:r>
-            <a:r>
-              <a:rPr lang="en-IN" sz="1800" b="0" strike="noStrike" spc="-1">
-                <a:solidFill>
-                  <a:srgbClr val="528693"/>
-                </a:solidFill>
-                <a:latin typeface="Consolas"/>
-                <a:ea typeface="Tahoma"/>
-              </a:rPr>
-              <a:t> redis-server --redis.conf --protected-mode no   </a:t>
-            </a:r>
-            <a:r>
-              <a:rPr lang="en-IN" sz="1400" b="0" strike="noStrike" spc="-1">
-                <a:solidFill>
-                  <a:srgbClr val="92D050"/>
-                </a:solidFill>
-                <a:latin typeface="Consolas"/>
-                <a:ea typeface="Tahoma"/>
-              </a:rPr>
-              <a:t>//start server</a:t>
-            </a:r>
-            <a:endParaRPr lang="en-IN" sz="1400" b="0" strike="noStrike" spc="-1">
-              <a:latin typeface="Arial"/>
-            </a:endParaRPr>
-          </a:p>
-          <a:p>
-            <a:pPr>
-              <a:lnSpc>
-                <a:spcPct val="100000"/>
-              </a:lnSpc>
-            </a:pPr>
-            <a:endParaRPr lang="en-IN" sz="1400" b="0" strike="noStrike" spc="-1">
-              <a:latin typeface="Arial"/>
-            </a:endParaRPr>
-          </a:p>
-          <a:p>
-            <a:pPr marL="343080" indent="-319320">
-              <a:lnSpc>
-                <a:spcPct val="100000"/>
-              </a:lnSpc>
-              <a:buClr>
-                <a:srgbClr val="000000"/>
-              </a:buClr>
-              <a:buFont typeface="Wingdings" charset="2"/>
-              <a:buChar char=""/>
-            </a:pPr>
-            <a:r>
-              <a:rPr lang="en-IN" sz="1800" b="0" strike="noStrike" spc="-1">
-                <a:solidFill>
-                  <a:srgbClr val="000000"/>
-                </a:solidFill>
-                <a:latin typeface="Consolas"/>
-                <a:ea typeface="Tahoma"/>
-              </a:rPr>
-              <a:t>C:\&gt;</a:t>
-            </a:r>
-            <a:r>
-              <a:rPr lang="en-IN" sz="1800" b="0" strike="noStrike" spc="-1">
-                <a:solidFill>
-                  <a:srgbClr val="528693"/>
-                </a:solidFill>
-                <a:latin typeface="Consolas"/>
-                <a:ea typeface="Tahoma"/>
-              </a:rPr>
-              <a:t> redis-cli –h 127.0.0.1 –p6379 –n 1 </a:t>
-            </a:r>
-            <a:r>
-              <a:rPr lang="en-IN" sz="1400" b="0" strike="noStrike" spc="-1">
-                <a:solidFill>
-                  <a:srgbClr val="92D050"/>
-                </a:solidFill>
-                <a:latin typeface="Consolas"/>
-                <a:ea typeface="Tahoma"/>
-              </a:rPr>
-              <a:t>//</a:t>
-            </a:r>
-            <a:r>
-              <a:rPr lang="en-IN" sz="1400" b="0" strike="noStrike" spc="-1">
-                <a:solidFill>
-                  <a:srgbClr val="528693"/>
-                </a:solidFill>
-                <a:latin typeface="Consolas"/>
-                <a:ea typeface="Tahoma"/>
-              </a:rPr>
-              <a:t> </a:t>
-            </a:r>
-            <a:r>
-              <a:rPr lang="en-IN" sz="1400" b="0" strike="noStrike" spc="-1">
-                <a:solidFill>
-                  <a:srgbClr val="92D050"/>
-                </a:solidFill>
-                <a:latin typeface="Consolas"/>
-                <a:ea typeface="Tahoma"/>
-              </a:rPr>
-              <a:t>redis-cli is the Redis command line interface</a:t>
-            </a:r>
-            <a:endParaRPr lang="en-IN" sz="1400" b="0" strike="noStrike" spc="-1">
-              <a:latin typeface="Arial"/>
-            </a:endParaRPr>
-          </a:p>
-        </p:txBody>
-      </p:sp>
-      <p:sp>
-        <p:nvSpPr>
-          <p:cNvPr id="101" name="CustomShape 2"/>
-          <p:cNvSpPr/>
-          <p:nvPr/>
-        </p:nvSpPr>
-        <p:spPr>
-          <a:xfrm>
-            <a:off x="246600" y="1742040"/>
-            <a:ext cx="11693880" cy="394560"/>
-          </a:xfrm>
-          <a:prstGeom prst="rect">
-            <a:avLst/>
-          </a:prstGeom>
-          <a:noFill/>
-          <a:ln>
-            <a:noFill/>
-          </a:ln>
-        </p:spPr>
-        <p:style>
-          <a:lnRef idx="0">
-            <a:scrgbClr r="0" g="0" b="0"/>
-          </a:lnRef>
-          <a:fillRef idx="0">
-            <a:scrgbClr r="0" g="0" b="0"/>
-          </a:fillRef>
-          <a:effectRef idx="0">
-            <a:scrgbClr r="0" g="0" b="0"/>
-          </a:effectRef>
-          <a:fontRef idx="minor"/>
-        </p:style>
-        <p:txBody>
-          <a:bodyPr lIns="90000" tIns="45000" rIns="90000" bIns="45000">
-            <a:spAutoFit/>
-          </a:bodyPr>
-          <a:lstStyle/>
-          <a:p>
-            <a:pPr>
-              <a:lnSpc>
-                <a:spcPct val="100000"/>
-              </a:lnSpc>
-            </a:pPr>
-            <a:r>
-              <a:rPr lang="en-US" sz="2000" b="0" strike="noStrike" spc="-1">
-                <a:solidFill>
-                  <a:srgbClr val="00B0F0"/>
-                </a:solidFill>
-                <a:latin typeface="Consolas"/>
-                <a:ea typeface="DejaVu Sans"/>
-              </a:rPr>
-              <a:t> redis-cli -h host -p port –n dbIndexNumber</a:t>
-            </a:r>
-            <a:endParaRPr lang="en-IN" sz="2000" b="0" strike="noStrike" spc="-1">
-              <a:latin typeface="Arial"/>
-            </a:endParaRPr>
-          </a:p>
-        </p:txBody>
-      </p:sp>
-      <p:sp>
-        <p:nvSpPr>
-          <p:cNvPr id="102" name="CustomShape 3"/>
-          <p:cNvSpPr/>
-          <p:nvPr/>
-        </p:nvSpPr>
-        <p:spPr>
-          <a:xfrm>
-            <a:off x="246600" y="762120"/>
-            <a:ext cx="11693880" cy="363960"/>
-          </a:xfrm>
-          <a:prstGeom prst="rect">
-            <a:avLst/>
-          </a:prstGeom>
-          <a:noFill/>
-          <a:ln>
-            <a:noFill/>
-          </a:ln>
-        </p:spPr>
-        <p:style>
-          <a:lnRef idx="0">
-            <a:scrgbClr r="0" g="0" b="0"/>
-          </a:lnRef>
-          <a:fillRef idx="0">
-            <a:scrgbClr r="0" g="0" b="0"/>
-          </a:fillRef>
-          <a:effectRef idx="0">
-            <a:scrgbClr r="0" g="0" b="0"/>
-          </a:effectRef>
-          <a:fontRef idx="minor"/>
-        </p:style>
-        <p:txBody>
-          <a:bodyPr lIns="90000" tIns="45000" rIns="90000" bIns="45000">
-            <a:spAutoFit/>
-          </a:bodyPr>
-          <a:lstStyle/>
-          <a:p>
-            <a:pPr algn="just">
-              <a:lnSpc>
-                <a:spcPct val="100000"/>
-              </a:lnSpc>
-            </a:pPr>
-            <a:r>
-              <a:rPr lang="en-US" sz="1800" b="0" strike="noStrike" spc="-1">
-                <a:solidFill>
-                  <a:srgbClr val="000000"/>
-                </a:solidFill>
-                <a:latin typeface="Arial"/>
-                <a:ea typeface="DejaVu Sans"/>
-              </a:rPr>
-              <a:t>To run commands on Redis remote server, you need to connect to the server by the same client </a:t>
-            </a:r>
-            <a:r>
-              <a:rPr lang="en-US" sz="1800" b="1" strike="noStrike" spc="-1">
-                <a:solidFill>
-                  <a:srgbClr val="000000"/>
-                </a:solidFill>
-                <a:latin typeface="Arial"/>
-                <a:ea typeface="DejaVu Sans"/>
-              </a:rPr>
-              <a:t>redis-cli</a:t>
-            </a:r>
-            <a:endParaRPr lang="en-IN" sz="1800" b="0" strike="noStrike" spc="-1">
-              <a:latin typeface="Arial"/>
-            </a:endParaRPr>
-          </a:p>
-        </p:txBody>
-      </p:sp>
-      <p:sp>
-        <p:nvSpPr>
-          <p:cNvPr id="103" name="CustomShape 4"/>
-          <p:cNvSpPr/>
-          <p:nvPr/>
-        </p:nvSpPr>
-        <p:spPr>
-          <a:xfrm>
-            <a:off x="246600" y="4239720"/>
-            <a:ext cx="11693880" cy="1994040"/>
-          </a:xfrm>
-          <a:prstGeom prst="rect">
-            <a:avLst/>
-          </a:prstGeom>
-          <a:noFill/>
-          <a:ln>
-            <a:noFill/>
-          </a:ln>
-        </p:spPr>
-        <p:style>
-          <a:lnRef idx="0">
-            <a:scrgbClr r="0" g="0" b="0"/>
-          </a:lnRef>
-          <a:fillRef idx="0">
-            <a:scrgbClr r="0" g="0" b="0"/>
-          </a:fillRef>
-          <a:effectRef idx="0">
-            <a:scrgbClr r="0" g="0" b="0"/>
-          </a:effectRef>
-          <a:fontRef idx="minor"/>
-        </p:style>
-        <p:txBody>
-          <a:bodyPr lIns="90000" tIns="45000" rIns="90000" bIns="45000">
-            <a:spAutoFit/>
-          </a:bodyPr>
-          <a:lstStyle/>
-          <a:p>
-            <a:pPr>
-              <a:lnSpc>
-                <a:spcPct val="100000"/>
-              </a:lnSpc>
-            </a:pPr>
-            <a:r>
-              <a:rPr lang="en-IN" sz="2000" b="1" strike="noStrike" spc="-1" dirty="0">
-                <a:solidFill>
-                  <a:srgbClr val="C00000"/>
-                </a:solidFill>
-                <a:latin typeface="Open Sans"/>
-                <a:ea typeface="Open Sans"/>
-              </a:rPr>
-              <a:t>Note:</a:t>
-            </a:r>
-            <a:endParaRPr lang="en-IN" sz="2000" b="0" strike="noStrike" spc="-1" dirty="0">
-              <a:latin typeface="Arial"/>
-            </a:endParaRPr>
-          </a:p>
-          <a:p>
-            <a:pPr>
-              <a:lnSpc>
-                <a:spcPct val="100000"/>
-              </a:lnSpc>
-            </a:pPr>
-            <a:r>
-              <a:rPr lang="en-IN" sz="800" b="0" strike="noStrike" spc="-1" dirty="0">
-                <a:solidFill>
-                  <a:srgbClr val="000000"/>
-                </a:solidFill>
-                <a:latin typeface="Arial"/>
-                <a:ea typeface="DejaVu Sans"/>
-              </a:rPr>
-              <a:t> </a:t>
-            </a:r>
-            <a:endParaRPr lang="en-IN" sz="800" b="0" strike="noStrike" spc="-1" dirty="0">
-              <a:latin typeface="Arial"/>
-            </a:endParaRPr>
-          </a:p>
-          <a:p>
-            <a:pPr marL="285840" indent="-262080">
-              <a:lnSpc>
-                <a:spcPct val="100000"/>
-              </a:lnSpc>
-              <a:buClr>
-                <a:srgbClr val="000000"/>
-              </a:buClr>
-              <a:buFont typeface="Arial"/>
-              <a:buChar char="•"/>
-            </a:pPr>
-            <a:r>
-              <a:rPr lang="en-IN" sz="1800" b="0" strike="noStrike" spc="-1" dirty="0">
-                <a:solidFill>
-                  <a:srgbClr val="000000"/>
-                </a:solidFill>
-                <a:latin typeface="Open Sans"/>
-                <a:ea typeface="Open Sans"/>
-              </a:rPr>
-              <a:t>By default</a:t>
-            </a:r>
-            <a:r>
-              <a:rPr lang="en-IN" sz="1800" b="1" strike="noStrike" spc="-1" dirty="0">
-                <a:solidFill>
-                  <a:srgbClr val="000000"/>
-                </a:solidFill>
-                <a:latin typeface="Open Sans"/>
-                <a:ea typeface="Open Sans"/>
-              </a:rPr>
-              <a:t> </a:t>
-            </a:r>
-            <a:r>
-              <a:rPr lang="en-IN" sz="1800" b="0" strike="noStrike" spc="-1" dirty="0">
-                <a:solidFill>
-                  <a:srgbClr val="000000"/>
-                </a:solidFill>
-                <a:latin typeface="Open Sans"/>
-                <a:ea typeface="Open Sans"/>
-              </a:rPr>
-              <a:t>redis-cli connects to the server at 127.0.0.1 port 6379</a:t>
-            </a:r>
-            <a:endParaRPr lang="en-IN" sz="1800" b="0" strike="noStrike" spc="-1" dirty="0">
-              <a:latin typeface="Arial"/>
-            </a:endParaRPr>
-          </a:p>
-          <a:p>
-            <a:pPr marL="285840" indent="-262080">
-              <a:lnSpc>
-                <a:spcPct val="100000"/>
-              </a:lnSpc>
-              <a:buClr>
-                <a:srgbClr val="000000"/>
-              </a:buClr>
-              <a:buFont typeface="Arial"/>
-              <a:buChar char="•"/>
-            </a:pPr>
-            <a:r>
-              <a:rPr lang="en-IN" sz="1800" b="0" strike="noStrike" spc="-1" dirty="0">
-                <a:solidFill>
-                  <a:srgbClr val="000000"/>
-                </a:solidFill>
-                <a:latin typeface="Open Sans"/>
-                <a:ea typeface="Open Sans"/>
-              </a:rPr>
-              <a:t>It's possible to run the same command multiple times by prefixing the command name by a number.</a:t>
-            </a:r>
-            <a:endParaRPr lang="en-IN" sz="1800" b="0" strike="noStrike" spc="-1" dirty="0">
-              <a:latin typeface="Arial"/>
-            </a:endParaRPr>
-          </a:p>
-          <a:p>
-            <a:pPr>
-              <a:lnSpc>
-                <a:spcPct val="100000"/>
-              </a:lnSpc>
-            </a:pPr>
-            <a:r>
-              <a:rPr lang="en-IN" sz="1600" b="0" strike="noStrike" spc="-1" dirty="0">
-                <a:solidFill>
-                  <a:srgbClr val="E53935"/>
-                </a:solidFill>
-                <a:latin typeface="Open Sans"/>
-                <a:ea typeface="Open Sans"/>
-              </a:rPr>
-              <a:t>e.g.</a:t>
-            </a:r>
-            <a:endParaRPr lang="en-IN" sz="1600" b="0" strike="noStrike" spc="-1" dirty="0">
-              <a:latin typeface="Arial"/>
-            </a:endParaRPr>
-          </a:p>
-          <a:p>
-            <a:pPr marL="285840" indent="-262080">
-              <a:lnSpc>
-                <a:spcPct val="150000"/>
-              </a:lnSpc>
-              <a:buClr>
-                <a:srgbClr val="000000"/>
-              </a:buClr>
-              <a:buFont typeface="Arial"/>
-              <a:buChar char="•"/>
-            </a:pPr>
-            <a:r>
-              <a:rPr lang="en-IN" sz="1800" b="0" strike="noStrike" spc="-1" dirty="0">
-                <a:solidFill>
-                  <a:srgbClr val="808080"/>
-                </a:solidFill>
-                <a:latin typeface="Consolas"/>
-                <a:ea typeface="SimSun"/>
-              </a:rPr>
-              <a:t>127.0.0.1:6379&gt; </a:t>
-            </a:r>
-            <a:r>
-              <a:rPr lang="en-IN" sz="1800" b="0" strike="noStrike" spc="-1" dirty="0">
-                <a:solidFill>
-                  <a:srgbClr val="FF5733"/>
-                </a:solidFill>
-                <a:latin typeface="Consolas"/>
-                <a:ea typeface="SimSun"/>
-              </a:rPr>
-              <a:t>5</a:t>
-            </a:r>
-            <a:r>
-              <a:rPr lang="en-IN" sz="1800" b="0" strike="noStrike" spc="-1" dirty="0">
-                <a:solidFill>
-                  <a:srgbClr val="000000"/>
-                </a:solidFill>
-                <a:latin typeface="Consolas"/>
-                <a:ea typeface="SimSun"/>
-              </a:rPr>
-              <a:t> </a:t>
-            </a:r>
-            <a:r>
-              <a:rPr lang="en-IN" sz="1800" b="0" strike="noStrike" spc="-1" dirty="0">
-                <a:solidFill>
-                  <a:srgbClr val="FF5733"/>
-                </a:solidFill>
-                <a:latin typeface="Consolas"/>
-                <a:ea typeface="SimSun"/>
-              </a:rPr>
-              <a:t>keys *</a:t>
-            </a:r>
-            <a:endParaRPr lang="en-IN" sz="1800" b="0" strike="noStrike" spc="-1" dirty="0">
-              <a:latin typeface="Arial"/>
-            </a:endParaRPr>
-          </a:p>
-        </p:txBody>
-      </p:sp>
-      <p:sp>
-        <p:nvSpPr>
-          <p:cNvPr id="104" name="CustomShape 5"/>
-          <p:cNvSpPr/>
-          <p:nvPr/>
-        </p:nvSpPr>
-        <p:spPr>
-          <a:xfrm>
-            <a:off x="246600" y="3678480"/>
-            <a:ext cx="8688600" cy="332640"/>
-          </a:xfrm>
-          <a:prstGeom prst="rect">
-            <a:avLst/>
-          </a:prstGeom>
-          <a:noFill/>
-          <a:ln>
-            <a:noFill/>
-          </a:ln>
-        </p:spPr>
-        <p:style>
-          <a:lnRef idx="0">
-            <a:scrgbClr r="0" g="0" b="0"/>
-          </a:lnRef>
-          <a:fillRef idx="0">
-            <a:scrgbClr r="0" g="0" b="0"/>
-          </a:fillRef>
-          <a:effectRef idx="0">
-            <a:scrgbClr r="0" g="0" b="0"/>
-          </a:effectRef>
-          <a:fontRef idx="minor"/>
-        </p:style>
-        <p:txBody>
-          <a:bodyPr lIns="90000" tIns="45000" rIns="90000" bIns="45000">
-            <a:noAutofit/>
-          </a:bodyPr>
-          <a:lstStyle/>
-          <a:p>
-            <a:pPr>
-              <a:lnSpc>
-                <a:spcPct val="100000"/>
-              </a:lnSpc>
-            </a:pPr>
-            <a:r>
-              <a:rPr lang="en-IN" sz="1800" b="0" strike="noStrike" spc="-1">
-                <a:solidFill>
-                  <a:srgbClr val="808080"/>
-                </a:solidFill>
-                <a:latin typeface="Consolas"/>
-                <a:ea typeface="SimSun"/>
-              </a:rPr>
-              <a:t>127.0.0.1:6379&gt;</a:t>
-            </a:r>
-            <a:r>
-              <a:rPr lang="en-IN" sz="1800" b="0" strike="noStrike" spc="-1">
-                <a:solidFill>
-                  <a:srgbClr val="000000"/>
-                </a:solidFill>
-                <a:latin typeface="Consolas"/>
-                <a:ea typeface="SimSun"/>
-              </a:rPr>
-              <a:t> </a:t>
-            </a:r>
-            <a:r>
-              <a:rPr lang="en-IN" sz="1800" b="0" strike="noStrike" spc="-1">
-                <a:solidFill>
-                  <a:srgbClr val="FF5733"/>
-                </a:solidFill>
-                <a:latin typeface="Consolas"/>
-                <a:ea typeface="SimSun"/>
-              </a:rPr>
-              <a:t>clear</a:t>
-            </a:r>
-            <a:endParaRPr lang="en-IN" sz="1800" b="0" strike="noStrike" spc="-1">
-              <a:latin typeface="Arial"/>
-            </a:endParaRPr>
-          </a:p>
-        </p:txBody>
-      </p:sp>
-      <p:sp>
-        <p:nvSpPr>
-          <p:cNvPr id="105" name="CustomShape 6"/>
-          <p:cNvSpPr/>
-          <p:nvPr/>
-        </p:nvSpPr>
-        <p:spPr>
-          <a:xfrm>
-            <a:off x="246600" y="0"/>
-            <a:ext cx="11693880" cy="706432"/>
-          </a:xfrm>
-          <a:prstGeom prst="rect">
-            <a:avLst/>
-          </a:prstGeom>
-          <a:solidFill>
-            <a:srgbClr val="5E4C34"/>
-          </a:solidFill>
-          <a:ln>
-            <a:noFill/>
-          </a:ln>
-        </p:spPr>
-        <p:style>
-          <a:lnRef idx="0">
-            <a:scrgbClr r="0" g="0" b="0"/>
-          </a:lnRef>
-          <a:fillRef idx="0">
-            <a:scrgbClr r="0" g="0" b="0"/>
-          </a:fillRef>
-          <a:effectRef idx="0">
-            <a:scrgbClr r="0" g="0" b="0"/>
-          </a:effectRef>
-          <a:fontRef idx="minor"/>
-        </p:style>
-        <p:txBody>
-          <a:bodyPr lIns="90000" tIns="45000" rIns="90000" bIns="45000">
-            <a:spAutoFit/>
-          </a:bodyPr>
-          <a:lstStyle/>
-          <a:p>
-            <a:pPr algn="ctr">
-              <a:lnSpc>
-                <a:spcPct val="100000"/>
-              </a:lnSpc>
-            </a:pPr>
-            <a:r>
-              <a:rPr lang="en-IN" sz="4000" b="0" strike="noStrike" spc="-1" dirty="0">
-                <a:solidFill>
-                  <a:schemeClr val="accent6">
-                    <a:lumMod val="60000"/>
-                    <a:lumOff val="40000"/>
-                  </a:schemeClr>
-                </a:solidFill>
-                <a:latin typeface="Open Sans"/>
-                <a:ea typeface="DejaVu Sans"/>
-              </a:rPr>
-              <a:t>Getting Started</a:t>
-            </a:r>
-            <a:endParaRPr lang="en-IN" sz="4000" b="0" strike="noStrike" spc="-1" dirty="0">
-              <a:solidFill>
-                <a:schemeClr val="accent6">
-                  <a:lumMod val="60000"/>
-                  <a:lumOff val="40000"/>
-                </a:schemeClr>
-              </a:solidFill>
-              <a:latin typeface="Arial"/>
-            </a:endParaRPr>
-          </a:p>
-        </p:txBody>
-      </p:sp>
-      <p:sp>
-        <p:nvSpPr>
-          <p:cNvPr id="106" name="CustomShape 7"/>
-          <p:cNvSpPr/>
-          <p:nvPr/>
-        </p:nvSpPr>
-        <p:spPr>
-          <a:xfrm>
-            <a:off x="246600" y="6212880"/>
-            <a:ext cx="11227320" cy="476640"/>
-          </a:xfrm>
-          <a:prstGeom prst="rect">
-            <a:avLst/>
-          </a:prstGeom>
-          <a:noFill/>
-          <a:ln>
-            <a:noFill/>
-          </a:ln>
-        </p:spPr>
-        <p:style>
-          <a:lnRef idx="0">
-            <a:scrgbClr r="0" g="0" b="0"/>
-          </a:lnRef>
-          <a:fillRef idx="0">
-            <a:scrgbClr r="0" g="0" b="0"/>
-          </a:fillRef>
-          <a:effectRef idx="0">
-            <a:scrgbClr r="0" g="0" b="0"/>
-          </a:effectRef>
-          <a:fontRef idx="minor"/>
-        </p:style>
-        <p:txBody>
-          <a:bodyPr lIns="90000" tIns="45000" rIns="90000" bIns="45000">
-            <a:noAutofit/>
-          </a:bodyPr>
-          <a:lstStyle/>
-          <a:p>
-            <a:pPr>
-              <a:lnSpc>
-                <a:spcPct val="150000"/>
-              </a:lnSpc>
-            </a:pPr>
-            <a:r>
-              <a:rPr lang="en-IN" sz="1800" b="0" strike="noStrike" spc="-1" dirty="0">
-                <a:solidFill>
-                  <a:srgbClr val="757575"/>
-                </a:solidFill>
-                <a:latin typeface="Arial"/>
-                <a:ea typeface="DejaVu Sans"/>
-              </a:rPr>
-              <a:t>saleel@saleel-Latitude-E6430:~$ </a:t>
-            </a:r>
-            <a:r>
-              <a:rPr lang="en-IN" sz="1800" b="0" strike="noStrike" spc="-1" dirty="0">
-                <a:solidFill>
-                  <a:srgbClr val="FF5733"/>
-                </a:solidFill>
-                <a:latin typeface="Consolas"/>
-                <a:ea typeface="SimSun"/>
-              </a:rPr>
-              <a:t>redis-cli -h 127.0.0.1 -p 6379 -n 5 </a:t>
-            </a:r>
-            <a:r>
-              <a:rPr lang="en-IN" sz="2400" b="0" strike="noStrike" spc="-1" dirty="0">
-                <a:solidFill>
-                  <a:srgbClr val="FF5733"/>
-                </a:solidFill>
-                <a:latin typeface="Consolas"/>
-                <a:ea typeface="SimSun"/>
-              </a:rPr>
-              <a:t>-r</a:t>
-            </a:r>
-            <a:r>
-              <a:rPr lang="en-IN" sz="1800" b="0" strike="noStrike" spc="-1" dirty="0">
-                <a:solidFill>
-                  <a:srgbClr val="FF5733"/>
-                </a:solidFill>
-                <a:latin typeface="Consolas"/>
-                <a:ea typeface="SimSun"/>
-              </a:rPr>
-              <a:t> 10 incr cnt</a:t>
-            </a:r>
-            <a:endParaRPr lang="en-IN" sz="1800" b="0" strike="noStrike" spc="-1" dirty="0">
-              <a:latin typeface="Arial"/>
-            </a:endParaRPr>
-          </a:p>
-        </p:txBody>
-      </p:sp>
-      <p:sp>
-        <p:nvSpPr>
-          <p:cNvPr id="107" name="CustomShape 8"/>
-          <p:cNvSpPr/>
-          <p:nvPr/>
-        </p:nvSpPr>
-        <p:spPr>
-          <a:xfrm>
-            <a:off x="6357240" y="5906160"/>
-            <a:ext cx="6236280" cy="368640"/>
-          </a:xfrm>
-          <a:prstGeom prst="rect">
-            <a:avLst/>
-          </a:prstGeom>
-          <a:noFill/>
-          <a:ln>
-            <a:noFill/>
-          </a:ln>
-        </p:spPr>
-        <p:style>
-          <a:lnRef idx="0">
-            <a:scrgbClr r="0" g="0" b="0"/>
-          </a:lnRef>
-          <a:fillRef idx="0">
-            <a:scrgbClr r="0" g="0" b="0"/>
-          </a:fillRef>
-          <a:effectRef idx="0">
-            <a:scrgbClr r="0" g="0" b="0"/>
-          </a:effectRef>
-          <a:fontRef idx="minor"/>
-        </p:style>
-        <p:txBody>
-          <a:bodyPr lIns="90000" tIns="45000" rIns="90000" bIns="45000">
-            <a:noAutofit/>
-          </a:bodyPr>
-          <a:lstStyle/>
-          <a:p>
-            <a:pPr>
-              <a:lnSpc>
-                <a:spcPct val="100000"/>
-              </a:lnSpc>
-            </a:pPr>
-            <a:r>
-              <a:rPr lang="en-IN" sz="1800" b="1" i="1" strike="noStrike" spc="-1">
-                <a:solidFill>
-                  <a:srgbClr val="000000"/>
-                </a:solidFill>
-                <a:latin typeface="Arial"/>
-                <a:ea typeface="DejaVu Sans"/>
-              </a:rPr>
-              <a:t>-r</a:t>
-            </a:r>
-            <a:r>
-              <a:rPr lang="en-IN" sz="1800" b="1" strike="noStrike" spc="-1">
-                <a:solidFill>
-                  <a:srgbClr val="000000"/>
-                </a:solidFill>
-                <a:latin typeface="Arial"/>
-                <a:ea typeface="DejaVu Sans"/>
-              </a:rPr>
-              <a:t> &lt;count&gt;</a:t>
-            </a:r>
-            <a:r>
-              <a:rPr lang="en-IN" sz="1800" b="0" strike="noStrike" spc="-1">
-                <a:solidFill>
-                  <a:srgbClr val="000000"/>
-                </a:solidFill>
-                <a:latin typeface="Arial"/>
-                <a:ea typeface="DejaVu Sans"/>
-              </a:rPr>
-              <a:t>, means how many times to run a command.</a:t>
-            </a:r>
-            <a:endParaRPr lang="en-IN" sz="1800" b="0" strike="noStrike" spc="-1">
-              <a:latin typeface="Arial"/>
-            </a:endParaRPr>
-          </a:p>
-        </p:txBody>
-      </p:sp>
-      <p:sp>
-        <p:nvSpPr>
           <p:cNvPr id="108" name="Line 9"/>
           <p:cNvSpPr/>
           <p:nvPr/>
@@ -5350,6 +7522,84 @@
           </a:effectRef>
           <a:fontRef idx="minor"/>
         </p:style>
+      </p:sp>
+      <p:sp>
+        <p:nvSpPr>
+          <p:cNvPr id="11" name="CustomShape 6">
+            <a:extLst>
+              <a:ext uri="{FF2B5EF4-FFF2-40B4-BE49-F238E27FC236}">
+                <a16:creationId xmlns:a16="http://schemas.microsoft.com/office/drawing/2014/main" id="{F69E7C65-28C2-4D56-A657-3AF3C36A8A2A}"/>
+              </a:ext>
+            </a:extLst>
+          </p:cNvPr>
+          <p:cNvSpPr/>
+          <p:nvPr/>
+        </p:nvSpPr>
+        <p:spPr>
+          <a:xfrm>
+            <a:off x="246600" y="0"/>
+            <a:ext cx="11693880" cy="706432"/>
+          </a:xfrm>
+          <a:prstGeom prst="rect">
+            <a:avLst/>
+          </a:prstGeom>
+          <a:solidFill>
+            <a:schemeClr val="accent6">
+              <a:lumMod val="75000"/>
+            </a:schemeClr>
+          </a:solidFill>
+          <a:ln>
+            <a:noFill/>
+          </a:ln>
+        </p:spPr>
+        <p:style>
+          <a:lnRef idx="0">
+            <a:scrgbClr r="0" g="0" b="0"/>
+          </a:lnRef>
+          <a:fillRef idx="0">
+            <a:scrgbClr r="0" g="0" b="0"/>
+          </a:fillRef>
+          <a:effectRef idx="0">
+            <a:scrgbClr r="0" g="0" b="0"/>
+          </a:effectRef>
+          <a:fontRef idx="minor"/>
+        </p:style>
+        <p:txBody>
+          <a:bodyPr lIns="90000" tIns="45000" rIns="90000" bIns="45000">
+            <a:spAutoFit/>
+          </a:bodyPr>
+          <a:lstStyle/>
+          <a:p>
+            <a:pPr algn="r">
+              <a:lnSpc>
+                <a:spcPct val="100000"/>
+              </a:lnSpc>
+            </a:pPr>
+            <a:r>
+              <a:rPr lang="en-IN" sz="4000" spc="-1" dirty="0">
+                <a:solidFill>
+                  <a:schemeClr val="accent6">
+                    <a:lumMod val="60000"/>
+                    <a:lumOff val="40000"/>
+                  </a:schemeClr>
+                </a:solidFill>
+                <a:latin typeface="Nunito Sans"/>
+                <a:ea typeface="Verdana" panose="020B0604030504040204" pitchFamily="34" charset="0"/>
+              </a:rPr>
+              <a:t>Getting started</a:t>
+            </a:r>
+            <a:endParaRPr lang="en-IN" sz="4000" b="0" strike="noStrike" spc="-1" dirty="0">
+              <a:solidFill>
+                <a:schemeClr val="accent6">
+                  <a:lumMod val="60000"/>
+                  <a:lumOff val="40000"/>
+                </a:schemeClr>
+              </a:solidFill>
+              <a:latin typeface="Nunito Sans"/>
+              <a:ea typeface="Verdana" panose="020B0604030504040204" pitchFamily="34" charset="0"/>
+            </a:endParaRPr>
+          </a:p>
+        </p:txBody>
       </p:sp>
     </p:spTree>
   </p:cSld>
@@ -5754,20 +8004,11 @@
                     <a:lumOff val="40000"/>
                   </a:schemeClr>
                 </a:solidFill>
-                <a:latin typeface="Open Sans"/>
-                <a:ea typeface="DejaVu Sans"/>
+                <a:latin typeface="Nunito Sans"/>
+                <a:ea typeface="Verdana" panose="020B0604030504040204" pitchFamily="34" charset="0"/>
               </a:rPr>
               <a:t>create database</a:t>
             </a:r>
-            <a:endParaRPr lang="en-IN" sz="4000" b="0" strike="noStrike" spc="-1" dirty="0">
-              <a:solidFill>
-                <a:schemeClr val="accent6">
-                  <a:lumMod val="60000"/>
-                  <a:lumOff val="40000"/>
-                </a:schemeClr>
-              </a:solidFill>
-              <a:latin typeface="Arial"/>
-            </a:endParaRPr>
           </a:p>
         </p:txBody>
       </p:sp>
@@ -6275,7 +8516,7 @@
                     <a:lumOff val="40000"/>
                   </a:schemeClr>
                 </a:solidFill>
-                <a:latin typeface="Open Sans"/>
+                <a:latin typeface="Nunito Sans"/>
                 <a:ea typeface="DejaVu Sans"/>
               </a:rPr>
               <a:t>listing database</a:t>
@@ -6287,7 +8528,7 @@
                   <a:lumOff val="40000"/>
                 </a:schemeClr>
               </a:solidFill>
-              <a:latin typeface="Arial"/>
+              <a:latin typeface="Nunito Sans"/>
             </a:endParaRPr>
           </a:p>
         </p:txBody>
@@ -6831,7 +9072,7 @@
                     <a:lumOff val="40000"/>
                   </a:schemeClr>
                 </a:solidFill>
-                <a:latin typeface="Open Sans"/>
+                <a:latin typeface="Nunito Sans"/>
                 <a:ea typeface="DejaVu Sans"/>
               </a:rPr>
               <a:t>dropping database</a:t>
@@ -6843,7 +9084,7 @@
                   <a:lumOff val="40000"/>
                 </a:schemeClr>
               </a:solidFill>
-              <a:latin typeface="Arial"/>
+              <a:latin typeface="Nunito Sans"/>
             </a:endParaRPr>
           </a:p>
         </p:txBody>
@@ -7252,10 +9493,252 @@
           <a:chExt cx="0" cy="0"/>
         </a:xfrm>
       </p:grpSpPr>
+      <p:sp>
+        <p:nvSpPr>
+          <p:cNvPr id="109" name="CustomShape 1"/>
+          <p:cNvSpPr/>
+          <p:nvPr/>
+        </p:nvSpPr>
+        <p:spPr>
+          <a:xfrm>
+            <a:off x="1676520" y="2362320"/>
+            <a:ext cx="8815320" cy="921876"/>
+          </a:xfrm>
+          <a:prstGeom prst="rect">
+            <a:avLst/>
+          </a:prstGeom>
+          <a:noFill/>
+          <a:ln>
+            <a:noFill/>
+          </a:ln>
+        </p:spPr>
+        <p:style>
+          <a:lnRef idx="0">
+            <a:scrgbClr r="0" g="0" b="0"/>
+          </a:lnRef>
+          <a:fillRef idx="0">
+            <a:scrgbClr r="0" g="0" b="0"/>
+          </a:fillRef>
+          <a:effectRef idx="0">
+            <a:scrgbClr r="0" g="0" b="0"/>
+          </a:effectRef>
+          <a:fontRef idx="minor"/>
+        </p:style>
+        <p:txBody>
+          <a:bodyPr lIns="90000" tIns="45000" rIns="90000" bIns="45000">
+            <a:spAutoFit/>
+          </a:bodyPr>
+          <a:lstStyle/>
+          <a:p>
+            <a:pPr algn="ctr">
+              <a:lnSpc>
+                <a:spcPct val="100000"/>
+              </a:lnSpc>
+            </a:pPr>
+            <a:r>
+              <a:rPr lang="en-IN" sz="5400" b="0" i="1" strike="noStrike" spc="-1" dirty="0">
+                <a:solidFill>
+                  <a:srgbClr val="781632"/>
+                </a:solidFill>
+                <a:latin typeface="Century"/>
+                <a:ea typeface="DejaVu Sans"/>
+              </a:rPr>
+              <a:t>creating node</a:t>
+            </a:r>
+            <a:endParaRPr lang="en-IN" sz="5400" b="0" strike="noStrike" spc="-1" dirty="0">
+              <a:solidFill>
+                <a:srgbClr val="781632"/>
+              </a:solidFill>
+              <a:latin typeface="Arial"/>
+            </a:endParaRPr>
+          </a:p>
+        </p:txBody>
+      </p:sp>
+      <p:sp>
+        <p:nvSpPr>
+          <p:cNvPr id="5" name="CustomShape 2">
+            <a:extLst>
+              <a:ext uri="{FF2B5EF4-FFF2-40B4-BE49-F238E27FC236}">
+                <a16:creationId xmlns:a16="http://schemas.microsoft.com/office/drawing/2014/main" id="{0656F308-7B3E-4BF2-9C4C-9DD4069E6701}"/>
+              </a:ext>
+            </a:extLst>
+          </p:cNvPr>
+          <p:cNvSpPr/>
+          <p:nvPr/>
+        </p:nvSpPr>
+        <p:spPr>
+          <a:xfrm>
+            <a:off x="1666800" y="3531600"/>
+            <a:ext cx="8815320" cy="367878"/>
+          </a:xfrm>
+          <a:prstGeom prst="rect">
+            <a:avLst/>
+          </a:prstGeom>
+          <a:noFill/>
+          <a:ln>
+            <a:noFill/>
+          </a:ln>
+        </p:spPr>
+        <p:style>
+          <a:lnRef idx="0">
+            <a:scrgbClr r="0" g="0" b="0"/>
+          </a:lnRef>
+          <a:fillRef idx="0">
+            <a:scrgbClr r="0" g="0" b="0"/>
+          </a:fillRef>
+          <a:effectRef idx="0">
+            <a:scrgbClr r="0" g="0" b="0"/>
+          </a:effectRef>
+          <a:fontRef idx="minor"/>
+        </p:style>
+        <p:txBody>
+          <a:bodyPr wrap="square" lIns="90000" tIns="45000" rIns="90000" bIns="45000">
+            <a:spAutoFit/>
+          </a:bodyPr>
+          <a:lstStyle/>
+          <a:p>
+            <a:pPr algn="just">
+              <a:lnSpc>
+                <a:spcPct val="100000"/>
+              </a:lnSpc>
+            </a:pPr>
+            <a:r>
+              <a:rPr lang="en-IN" sz="1800" b="0" strike="noStrike" spc="-1" dirty="0">
+                <a:solidFill>
+                  <a:srgbClr val="BB0643"/>
+                </a:solidFill>
+                <a:latin typeface="Segoe UI"/>
+                <a:ea typeface="DejaVu Sans"/>
+              </a:rPr>
+              <a:t>TODO</a:t>
+            </a:r>
+            <a:endParaRPr lang="en-IN" sz="1800" b="0" strike="noStrike" spc="-1" dirty="0">
+              <a:latin typeface="Arial"/>
+            </a:endParaRPr>
+          </a:p>
+        </p:txBody>
+      </p:sp>
+      <p:sp>
+        <p:nvSpPr>
+          <p:cNvPr id="4" name="CustomShape 4">
+            <a:extLst>
+              <a:ext uri="{FF2B5EF4-FFF2-40B4-BE49-F238E27FC236}">
+                <a16:creationId xmlns:a16="http://schemas.microsoft.com/office/drawing/2014/main" id="{02AD98A7-2A5F-4425-BDD7-7EFBA857FD08}"/>
+              </a:ext>
+            </a:extLst>
+          </p:cNvPr>
+          <p:cNvSpPr/>
+          <p:nvPr/>
+        </p:nvSpPr>
+        <p:spPr>
+          <a:xfrm>
+            <a:off x="243604" y="5696497"/>
+            <a:ext cx="11693880" cy="737210"/>
+          </a:xfrm>
+          <a:prstGeom prst="rect">
+            <a:avLst/>
+          </a:prstGeom>
+          <a:noFill/>
+          <a:ln>
+            <a:noFill/>
+          </a:ln>
+        </p:spPr>
+        <p:style>
+          <a:lnRef idx="0">
+            <a:scrgbClr r="0" g="0" b="0"/>
+          </a:lnRef>
+          <a:fillRef idx="0">
+            <a:scrgbClr r="0" g="0" b="0"/>
+          </a:fillRef>
+          <a:effectRef idx="0">
+            <a:scrgbClr r="0" g="0" b="0"/>
+          </a:effectRef>
+          <a:fontRef idx="minor"/>
+        </p:style>
+        <p:txBody>
+          <a:bodyPr lIns="90000" tIns="45000" rIns="90000" bIns="45000">
+            <a:spAutoFit/>
+          </a:bodyPr>
+          <a:lstStyle/>
+          <a:p>
+            <a:pPr>
+              <a:lnSpc>
+                <a:spcPct val="100000"/>
+              </a:lnSpc>
+            </a:pPr>
+            <a:r>
+              <a:rPr lang="en-IN" sz="2000" b="1" strike="noStrike" spc="-1" dirty="0">
+                <a:solidFill>
+                  <a:srgbClr val="C00000"/>
+                </a:solidFill>
+                <a:latin typeface="Arial" panose="020B0604020202020204" pitchFamily="34" charset="0"/>
+                <a:ea typeface="Open Sans"/>
+                <a:cs typeface="Arial" panose="020B0604020202020204" pitchFamily="34" charset="0"/>
+              </a:rPr>
+              <a:t>Note:</a:t>
+            </a:r>
+            <a:endParaRPr lang="en-IN" sz="2000" b="0" strike="noStrike" spc="-1" dirty="0">
+              <a:latin typeface="Arial" panose="020B0604020202020204" pitchFamily="34" charset="0"/>
+              <a:cs typeface="Arial" panose="020B0604020202020204" pitchFamily="34" charset="0"/>
+            </a:endParaRPr>
+          </a:p>
+          <a:p>
+            <a:pPr>
+              <a:lnSpc>
+                <a:spcPct val="100000"/>
+              </a:lnSpc>
+            </a:pPr>
+            <a:r>
+              <a:rPr lang="en-IN" sz="400" b="0" strike="noStrike" spc="-1" dirty="0">
+                <a:solidFill>
+                  <a:srgbClr val="000000"/>
+                </a:solidFill>
+                <a:latin typeface="Arial" panose="020B0604020202020204" pitchFamily="34" charset="0"/>
+                <a:ea typeface="DejaVu Sans"/>
+                <a:cs typeface="Arial" panose="020B0604020202020204" pitchFamily="34" charset="0"/>
+              </a:rPr>
+              <a:t> </a:t>
+            </a:r>
+            <a:endParaRPr lang="en-IN" sz="400" b="0" strike="noStrike" spc="-1" dirty="0">
+              <a:latin typeface="Arial" panose="020B0604020202020204" pitchFamily="34" charset="0"/>
+              <a:cs typeface="Arial" panose="020B0604020202020204" pitchFamily="34" charset="0"/>
+            </a:endParaRPr>
+          </a:p>
+          <a:p>
+            <a:pPr marL="285840" indent="-262080">
+              <a:buClr>
+                <a:srgbClr val="000000"/>
+              </a:buClr>
+              <a:buFont typeface="Arial"/>
+              <a:buChar char="•"/>
+            </a:pPr>
+            <a:r>
+              <a:rPr lang="en-US" b="0" i="0" dirty="0">
+                <a:solidFill>
+                  <a:srgbClr val="333333"/>
+                </a:solidFill>
+                <a:effectLst/>
+                <a:latin typeface="Arial" panose="020B0604020202020204" pitchFamily="34" charset="0"/>
+              </a:rPr>
+              <a:t>You can add or ignore semicolon (;). It is optional.</a:t>
+            </a:r>
+            <a:endParaRPr lang="en-IN" sz="1800" strike="noStrike" spc="-1" dirty="0">
+              <a:solidFill>
+                <a:schemeClr val="tx1">
+                  <a:lumMod val="85000"/>
+                  <a:lumOff val="15000"/>
+                </a:schemeClr>
+              </a:solidFill>
+              <a:latin typeface="Arial" panose="020B0604020202020204" pitchFamily="34" charset="0"/>
+              <a:cs typeface="Arial" panose="020B0604020202020204" pitchFamily="34" charset="0"/>
+            </a:endParaRPr>
+          </a:p>
+        </p:txBody>
+      </p:sp>
     </p:spTree>
     <p:extLst>
       <p:ext uri="{BB962C8B-B14F-4D97-AF65-F5344CB8AC3E}">
-        <p14:creationId xmlns:p14="http://schemas.microsoft.com/office/powerpoint/2010/main" val="746346864"/>
+        <p14:creationId xmlns:p14="http://schemas.microsoft.com/office/powerpoint/2010/main" val="575986782"/>
       </p:ext>
     </p:extLst>
   </p:cSld>
@@ -7284,14 +9767,14 @@
       </p:grpSpPr>
       <p:sp>
         <p:nvSpPr>
-          <p:cNvPr id="100" name="CustomShape 1"/>
+          <p:cNvPr id="102" name="CustomShape 3"/>
           <p:cNvSpPr/>
           <p:nvPr/>
         </p:nvSpPr>
         <p:spPr>
           <a:xfrm>
-            <a:off x="246600" y="2563200"/>
-            <a:ext cx="11693880" cy="851400"/>
+            <a:off x="246600" y="762120"/>
+            <a:ext cx="11693880" cy="398655"/>
           </a:xfrm>
           <a:prstGeom prst="rect">
             <a:avLst/>
@@ -7319,137 +9802,35 @@
           </a:bodyPr>
           <a:lstStyle/>
           <a:p>
-            <a:pPr marL="343080" indent="-319320">
-              <a:lnSpc>
-                <a:spcPct val="100000"/>
-              </a:lnSpc>
-              <a:buClr>
-                <a:srgbClr val="000000"/>
-              </a:buClr>
-              <a:buFont typeface="Wingdings" charset="2"/>
-              <a:buChar char=""/>
-            </a:pPr>
-            <a:r>
-              <a:rPr lang="en-IN" sz="1800" b="0" strike="noStrike" spc="-1">
-                <a:solidFill>
-                  <a:srgbClr val="000000"/>
-                </a:solidFill>
-                <a:latin typeface="Consolas"/>
-                <a:ea typeface="Tahoma"/>
-              </a:rPr>
-              <a:t>C:\&gt;</a:t>
-            </a:r>
-            <a:r>
-              <a:rPr lang="en-IN" sz="1800" b="0" strike="noStrike" spc="-1">
-                <a:solidFill>
-                  <a:srgbClr val="528693"/>
-                </a:solidFill>
-                <a:latin typeface="Consolas"/>
-                <a:ea typeface="Tahoma"/>
-              </a:rPr>
-              <a:t> redis-server --redis.conf --protected-mode no   </a:t>
-            </a:r>
-            <a:r>
-              <a:rPr lang="en-IN" sz="1400" b="0" strike="noStrike" spc="-1">
-                <a:solidFill>
-                  <a:srgbClr val="92D050"/>
-                </a:solidFill>
-                <a:latin typeface="Consolas"/>
-                <a:ea typeface="Tahoma"/>
-              </a:rPr>
-              <a:t>//start server</a:t>
-            </a:r>
-            <a:endParaRPr lang="en-IN" sz="1400" b="0" strike="noStrike" spc="-1">
-              <a:latin typeface="Arial"/>
+            <a:pPr algn="just"/>
+            <a:r>
+              <a:rPr lang="en-US" sz="2000" dirty="0">
+                <a:solidFill>
+                  <a:srgbClr val="2D3748"/>
+                </a:solidFill>
+                <a:latin typeface="Nunito Sans"/>
+              </a:rPr>
+              <a:t>TODO</a:t>
+            </a:r>
+            <a:endParaRPr lang="en-IN" sz="2000" dirty="0">
+              <a:solidFill>
+                <a:srgbClr val="2D3748"/>
+              </a:solidFill>
+              <a:latin typeface="Nunito Sans"/>
             </a:endParaRPr>
           </a:p>
-          <a:p>
-            <a:pPr>
-              <a:lnSpc>
-                <a:spcPct val="100000"/>
-              </a:lnSpc>
-            </a:pPr>
-            <a:endParaRPr lang="en-IN" sz="1400" b="0" strike="noStrike" spc="-1">
-              <a:latin typeface="Arial"/>
-            </a:endParaRPr>
-          </a:p>
-          <a:p>
-            <a:pPr marL="343080" indent="-319320">
-              <a:lnSpc>
-                <a:spcPct val="100000"/>
-              </a:lnSpc>
-              <a:buClr>
-                <a:srgbClr val="000000"/>
-              </a:buClr>
-              <a:buFont typeface="Wingdings" charset="2"/>
-              <a:buChar char=""/>
-            </a:pPr>
-            <a:r>
-              <a:rPr lang="en-IN" sz="1800" b="0" strike="noStrike" spc="-1">
-                <a:solidFill>
-                  <a:srgbClr val="000000"/>
-                </a:solidFill>
-                <a:latin typeface="Consolas"/>
-                <a:ea typeface="Tahoma"/>
-              </a:rPr>
-              <a:t>C:\&gt;</a:t>
-            </a:r>
-            <a:r>
-              <a:rPr lang="en-IN" sz="1800" b="0" strike="noStrike" spc="-1">
-                <a:solidFill>
-                  <a:srgbClr val="528693"/>
-                </a:solidFill>
-                <a:latin typeface="Consolas"/>
-                <a:ea typeface="Tahoma"/>
-              </a:rPr>
-              <a:t> redis-cli –h 127.0.0.1 –p6379 –n 1 </a:t>
-            </a:r>
-            <a:r>
-              <a:rPr lang="en-IN" sz="1400" b="0" strike="noStrike" spc="-1">
-                <a:solidFill>
-                  <a:srgbClr val="92D050"/>
-                </a:solidFill>
-                <a:latin typeface="Consolas"/>
-                <a:ea typeface="Tahoma"/>
-              </a:rPr>
-              <a:t>//</a:t>
-            </a:r>
-            <a:r>
-              <a:rPr lang="en-IN" sz="1400" b="0" strike="noStrike" spc="-1">
-                <a:solidFill>
-                  <a:srgbClr val="528693"/>
-                </a:solidFill>
-                <a:latin typeface="Consolas"/>
-                <a:ea typeface="Tahoma"/>
-              </a:rPr>
-              <a:t> </a:t>
-            </a:r>
-            <a:r>
-              <a:rPr lang="en-IN" sz="1400" b="0" strike="noStrike" spc="-1">
-                <a:solidFill>
-                  <a:srgbClr val="92D050"/>
-                </a:solidFill>
-                <a:latin typeface="Consolas"/>
-                <a:ea typeface="Tahoma"/>
-              </a:rPr>
-              <a:t>redis-cli is the Redis command line interface</a:t>
-            </a:r>
-            <a:endParaRPr lang="en-IN" sz="1400" b="0" strike="noStrike" spc="-1">
-              <a:latin typeface="Arial"/>
-            </a:endParaRPr>
-          </a:p>
-        </p:txBody>
-      </p:sp>
-      <p:sp>
-        <p:nvSpPr>
-          <p:cNvPr id="102" name="CustomShape 3"/>
+        </p:txBody>
+      </p:sp>
+      <p:sp>
+        <p:nvSpPr>
+          <p:cNvPr id="103" name="CustomShape 4"/>
           <p:cNvSpPr/>
           <p:nvPr/>
         </p:nvSpPr>
         <p:spPr>
           <a:xfrm>
-            <a:off x="246600" y="762120"/>
-            <a:ext cx="11693880" cy="367878"/>
+            <a:off x="243604" y="5696497"/>
+            <a:ext cx="11693880" cy="737210"/>
           </a:xfrm>
           <a:prstGeom prst="rect">
             <a:avLst/>
@@ -7477,64 +9858,6 @@
           </a:bodyPr>
           <a:lstStyle/>
           <a:p>
-            <a:pPr algn="just">
-              <a:lnSpc>
-                <a:spcPct val="100000"/>
-              </a:lnSpc>
-            </a:pPr>
-            <a:r>
-              <a:rPr lang="en-US" sz="1800" b="0" strike="noStrike" spc="-1" dirty="0">
-                <a:solidFill>
-                  <a:srgbClr val="000000"/>
-                </a:solidFill>
-                <a:latin typeface="Arial"/>
-                <a:ea typeface="DejaVu Sans"/>
-              </a:rPr>
-              <a:t>Neo4j supports the management of multiple databases within the same DBMS.</a:t>
-            </a:r>
-            <a:endParaRPr lang="en-IN" sz="1800" b="0" strike="noStrike" spc="-1" dirty="0">
-              <a:latin typeface="Arial"/>
-            </a:endParaRPr>
-          </a:p>
-        </p:txBody>
-      </p:sp>
-      <p:sp>
-        <p:nvSpPr>
-          <p:cNvPr id="103" name="CustomShape 4"/>
-          <p:cNvSpPr/>
-          <p:nvPr/>
-        </p:nvSpPr>
-        <p:spPr>
-          <a:xfrm>
-            <a:off x="246600" y="4239720"/>
-            <a:ext cx="11693880" cy="1994040"/>
-          </a:xfrm>
-          <a:prstGeom prst="rect">
-            <a:avLst/>
-          </a:prstGeom>
-          <a:noFill/>
-          <a:ln>
-            <a:noFill/>
-          </a:ln>
-        </p:spPr>
-        <p:style>
-          <a:lnRef idx="0">
-            <a:scrgbClr r="0" g="0" b="0"/>
-          </a:lnRef>
-          <a:fillRef idx="0">
-            <a:scrgbClr r="0" g="0" b="0"/>
-          </a:fillRef>
-          <a:effectRef idx="0">
-            <a:scrgbClr r="0" g="0" b="0"/>
-          </a:effectRef>
-          <a:fontRef idx="minor"/>
-        </p:style>
-        <p:txBody>
-          <a:bodyPr lIns="90000" tIns="45000" rIns="90000" bIns="45000">
-            <a:spAutoFit/>
-          </a:bodyPr>
-          <a:lstStyle/>
-          <a:p>
             <a:pPr>
               <a:lnSpc>
                 <a:spcPct val="100000"/>
@@ -7545,13 +9868,15 @@
                 <a:solidFill>
                   <a:srgbClr val="C00000"/>
                 </a:solidFill>
-                <a:latin typeface="Open Sans"/>
+                <a:latin typeface="Arial" panose="020B0604020202020204" pitchFamily="34" charset="0"/>
                 <a:ea typeface="Open Sans"/>
+                <a:cs typeface="Arial" panose="020B0604020202020204" pitchFamily="34" charset="0"/>
               </a:rPr>
               <a:t>Note:</a:t>
             </a:r>
             <a:endParaRPr lang="en-IN" sz="2000" b="0" strike="noStrike" spc="-1" dirty="0">
-              <a:latin typeface="Arial"/>
+              <a:latin typeface="Arial" panose="020B0604020202020204" pitchFamily="34" charset="0"/>
+              <a:cs typeface="Arial" panose="020B0604020202020204" pitchFamily="34" charset="0"/>
             </a:endParaRPr>
           </a:p>
           <a:p>
@@ -7561,24 +9886,23 @@
               </a:lnSpc>
             </a:pPr>
             <a:r>
-              <a:rPr lang="en-IN" sz="800" b="0" strike="noStrike" spc="-1" dirty="0">
+              <a:rPr lang="en-IN" sz="400" b="0" strike="noStrike" spc="-1" dirty="0">
                 <a:solidFill>
                   <a:srgbClr val="000000"/>
                 </a:solidFill>
-                <a:latin typeface="Arial"/>
+                <a:latin typeface="Arial" panose="020B0604020202020204" pitchFamily="34" charset="0"/>
                 <a:ea typeface="DejaVu Sans"/>
+                <a:cs typeface="Arial" panose="020B0604020202020204" pitchFamily="34" charset="0"/>
               </a:rPr>
               <a:t> </a:t>
             </a:r>
-            <a:endParaRPr lang="en-IN" sz="800" b="0" strike="noStrike" spc="-1" dirty="0">
-              <a:latin typeface="Arial"/>
+            <a:endParaRPr lang="en-IN" sz="400" b="0" strike="noStrike" spc="-1" dirty="0">
+              <a:latin typeface="Arial" panose="020B0604020202020204" pitchFamily="34" charset="0"/>
+              <a:cs typeface="Arial" panose="020B0604020202020204" pitchFamily="34" charset="0"/>
             </a:endParaRPr>
           </a:p>
           <a:p>
             <a:pPr marL="285840" indent="-262080">
-              <a:lnSpc>
-                <a:spcPct val="100000"/>
-              </a:lnSpc>
               <a:buClr>
                 <a:srgbClr val="000000"/>
               </a:buClr>
@@ -7586,215 +9910,24 @@
               <a:buChar char="•"/>
             </a:pPr>
             <a:r>
-              <a:rPr lang="en-IN" sz="1800" b="0" strike="noStrike" spc="-1" dirty="0">
-                <a:solidFill>
-                  <a:srgbClr val="000000"/>
-                </a:solidFill>
-                <a:latin typeface="Open Sans"/>
-                <a:ea typeface="Open Sans"/>
-              </a:rPr>
-              <a:t>By default</a:t>
-            </a:r>
-            <a:r>
-              <a:rPr lang="en-IN" sz="1800" b="1" strike="noStrike" spc="-1" dirty="0">
-                <a:solidFill>
-                  <a:srgbClr val="000000"/>
-                </a:solidFill>
-                <a:latin typeface="Open Sans"/>
-                <a:ea typeface="Open Sans"/>
-              </a:rPr>
-              <a:t> </a:t>
-            </a:r>
-            <a:r>
-              <a:rPr lang="en-IN" sz="1800" b="0" strike="noStrike" spc="-1" dirty="0">
-                <a:solidFill>
-                  <a:srgbClr val="000000"/>
-                </a:solidFill>
-                <a:latin typeface="Open Sans"/>
-                <a:ea typeface="Open Sans"/>
-              </a:rPr>
-              <a:t>redis-cli connects to the server at 127.0.0.1 port 6379</a:t>
-            </a:r>
-            <a:endParaRPr lang="en-IN" sz="1800" b="0" strike="noStrike" spc="-1" dirty="0">
-              <a:latin typeface="Arial"/>
-            </a:endParaRPr>
-          </a:p>
-          <a:p>
-            <a:pPr marL="285840" indent="-262080">
-              <a:lnSpc>
-                <a:spcPct val="100000"/>
-              </a:lnSpc>
-              <a:buClr>
-                <a:srgbClr val="000000"/>
-              </a:buClr>
-              <a:buFont typeface="Arial"/>
-              <a:buChar char="•"/>
-            </a:pPr>
-            <a:r>
-              <a:rPr lang="en-IN" sz="1800" b="0" strike="noStrike" spc="-1" dirty="0">
-                <a:solidFill>
-                  <a:srgbClr val="000000"/>
-                </a:solidFill>
-                <a:latin typeface="Open Sans"/>
-                <a:ea typeface="Open Sans"/>
-              </a:rPr>
-              <a:t>It's possible to run the same command multiple times by prefixing the command name by a number.</a:t>
-            </a:r>
-            <a:endParaRPr lang="en-IN" sz="1800" b="0" strike="noStrike" spc="-1" dirty="0">
-              <a:latin typeface="Arial"/>
-            </a:endParaRPr>
-          </a:p>
-          <a:p>
-            <a:pPr>
-              <a:lnSpc>
-                <a:spcPct val="100000"/>
-              </a:lnSpc>
-            </a:pPr>
-            <a:r>
-              <a:rPr lang="en-IN" sz="1600" b="0" strike="noStrike" spc="-1" dirty="0">
-                <a:solidFill>
-                  <a:srgbClr val="E53935"/>
-                </a:solidFill>
-                <a:latin typeface="Open Sans"/>
-                <a:ea typeface="Open Sans"/>
-              </a:rPr>
-              <a:t>e.g.</a:t>
-            </a:r>
-            <a:endParaRPr lang="en-IN" sz="1600" b="0" strike="noStrike" spc="-1" dirty="0">
-              <a:latin typeface="Arial"/>
-            </a:endParaRPr>
-          </a:p>
-          <a:p>
-            <a:pPr marL="285840" indent="-262080">
-              <a:lnSpc>
-                <a:spcPct val="150000"/>
-              </a:lnSpc>
-              <a:buClr>
-                <a:srgbClr val="000000"/>
-              </a:buClr>
-              <a:buFont typeface="Arial"/>
-              <a:buChar char="•"/>
-            </a:pPr>
-            <a:r>
-              <a:rPr lang="en-IN" sz="1800" b="0" strike="noStrike" spc="-1" dirty="0">
-                <a:solidFill>
-                  <a:srgbClr val="808080"/>
-                </a:solidFill>
-                <a:latin typeface="Consolas"/>
-                <a:ea typeface="SimSun"/>
-              </a:rPr>
-              <a:t>127.0.0.1:6379&gt; </a:t>
-            </a:r>
-            <a:r>
-              <a:rPr lang="en-IN" sz="1800" b="0" strike="noStrike" spc="-1" dirty="0">
-                <a:solidFill>
-                  <a:srgbClr val="FF5733"/>
-                </a:solidFill>
-                <a:latin typeface="Consolas"/>
-                <a:ea typeface="SimSun"/>
-              </a:rPr>
-              <a:t>5</a:t>
-            </a:r>
-            <a:r>
-              <a:rPr lang="en-IN" sz="1800" b="0" strike="noStrike" spc="-1" dirty="0">
-                <a:solidFill>
-                  <a:srgbClr val="000000"/>
-                </a:solidFill>
-                <a:latin typeface="Consolas"/>
-                <a:ea typeface="SimSun"/>
-              </a:rPr>
-              <a:t> </a:t>
-            </a:r>
-            <a:r>
-              <a:rPr lang="en-IN" sz="1800" b="0" strike="noStrike" spc="-1" dirty="0">
-                <a:solidFill>
-                  <a:srgbClr val="FF5733"/>
-                </a:solidFill>
-                <a:latin typeface="Consolas"/>
-                <a:ea typeface="SimSun"/>
-              </a:rPr>
-              <a:t>keys *</a:t>
-            </a:r>
-            <a:endParaRPr lang="en-IN" sz="1800" b="0" strike="noStrike" spc="-1" dirty="0">
-              <a:latin typeface="Arial"/>
-            </a:endParaRPr>
-          </a:p>
-        </p:txBody>
-      </p:sp>
-      <p:sp>
-        <p:nvSpPr>
-          <p:cNvPr id="104" name="CustomShape 5"/>
-          <p:cNvSpPr/>
-          <p:nvPr/>
-        </p:nvSpPr>
-        <p:spPr>
-          <a:xfrm>
-            <a:off x="246600" y="3678480"/>
-            <a:ext cx="8688600" cy="332640"/>
-          </a:xfrm>
-          <a:prstGeom prst="rect">
-            <a:avLst/>
-          </a:prstGeom>
-          <a:noFill/>
-          <a:ln>
-            <a:noFill/>
-          </a:ln>
-        </p:spPr>
-        <p:style>
-          <a:lnRef idx="0">
-            <a:scrgbClr r="0" g="0" b="0"/>
-          </a:lnRef>
-          <a:fillRef idx="0">
-            <a:scrgbClr r="0" g="0" b="0"/>
-          </a:fillRef>
-          <a:effectRef idx="0">
-            <a:scrgbClr r="0" g="0" b="0"/>
-          </a:effectRef>
-          <a:fontRef idx="minor"/>
-        </p:style>
-        <p:txBody>
-          <a:bodyPr lIns="90000" tIns="45000" rIns="90000" bIns="45000">
-            <a:noAutofit/>
-          </a:bodyPr>
-          <a:lstStyle/>
-          <a:p>
-            <a:pPr>
-              <a:lnSpc>
-                <a:spcPct val="100000"/>
-              </a:lnSpc>
-            </a:pPr>
-            <a:r>
-              <a:rPr lang="en-IN" sz="1800" b="0" strike="noStrike" spc="-1">
-                <a:solidFill>
-                  <a:srgbClr val="808080"/>
-                </a:solidFill>
-                <a:latin typeface="Consolas"/>
-                <a:ea typeface="SimSun"/>
-              </a:rPr>
-              <a:t>127.0.0.1:6379&gt;</a:t>
-            </a:r>
-            <a:r>
-              <a:rPr lang="en-IN" sz="1800" b="0" strike="noStrike" spc="-1">
-                <a:solidFill>
-                  <a:srgbClr val="000000"/>
-                </a:solidFill>
-                <a:latin typeface="Consolas"/>
-                <a:ea typeface="SimSun"/>
-              </a:rPr>
-              <a:t> </a:t>
-            </a:r>
-            <a:r>
-              <a:rPr lang="en-IN" sz="1800" b="0" strike="noStrike" spc="-1">
-                <a:solidFill>
-                  <a:srgbClr val="FF5733"/>
-                </a:solidFill>
-                <a:latin typeface="Consolas"/>
-                <a:ea typeface="SimSun"/>
-              </a:rPr>
-              <a:t>clear</a:t>
-            </a:r>
-            <a:endParaRPr lang="en-IN" sz="1800" b="0" strike="noStrike" spc="-1">
-              <a:latin typeface="Arial"/>
+              <a:rPr lang="en-US" b="0" i="0" dirty="0">
+                <a:solidFill>
+                  <a:srgbClr val="333333"/>
+                </a:solidFill>
+                <a:effectLst/>
+                <a:latin typeface="Arial" panose="020B0604020202020204" pitchFamily="34" charset="0"/>
+              </a:rPr>
+              <a:t>TODO</a:t>
+            </a:r>
+            <a:endParaRPr lang="en-IN" sz="1800" strike="noStrike" spc="-1" dirty="0">
+              <a:solidFill>
+                <a:schemeClr val="tx1">
+                  <a:lumMod val="85000"/>
+                  <a:lumOff val="15000"/>
+                </a:schemeClr>
+              </a:solidFill>
+              <a:latin typeface="Arial" panose="020B0604020202020204" pitchFamily="34" charset="0"/>
+              <a:cs typeface="Arial" panose="020B0604020202020204" pitchFamily="34" charset="0"/>
             </a:endParaRPr>
           </a:p>
         </p:txBody>
@@ -7814,7 +9947,9 @@
             <a:avLst/>
           </a:prstGeom>
           <a:solidFill>
-            <a:srgbClr val="5E4C34"/>
+            <a:schemeClr val="accent6">
+              <a:lumMod val="75000"/>
+            </a:schemeClr>
           </a:solidFill>
           <a:ln>
             <a:noFill/>
@@ -7838,11 +9973,7 @@
           </a:bodyPr>
           <a:lstStyle/>
           <a:p>
-            <a:pPr algn="r">
-              <a:lnSpc>
-                <a:spcPct val="100000"/>
-              </a:lnSpc>
-            </a:pPr>
+            <a:pPr algn="r"/>
             <a:r>
               <a:rPr lang="en-IN" sz="4000" b="0" strike="noStrike" spc="-1" dirty="0">
                 <a:solidFill>
@@ -7851,10 +9982,35 @@
                     <a:lumOff val="40000"/>
                   </a:schemeClr>
                 </a:solidFill>
-                <a:latin typeface="Open Sans"/>
+                <a:latin typeface="Nunito Sans"/>
                 <a:ea typeface="DejaVu Sans"/>
               </a:rPr>
-              <a:t>create database</a:t>
+              <a:t>create single/</a:t>
+            </a:r>
+            <a:r>
+              <a:rPr lang="en-IN" sz="4000" spc="-1" dirty="0">
+                <a:solidFill>
+                  <a:schemeClr val="accent6">
+                    <a:lumMod val="60000"/>
+                    <a:lumOff val="40000"/>
+                  </a:schemeClr>
+                </a:solidFill>
+                <a:latin typeface="Nunito Sans"/>
+              </a:rPr>
+              <a:t>multiple</a:t>
+            </a:r>
+            <a:r>
+              <a:rPr lang="en-IN" sz="4000" b="0" strike="noStrike" spc="-1" dirty="0">
+                <a:solidFill>
+                  <a:schemeClr val="accent6">
+                    <a:lumMod val="60000"/>
+                    <a:lumOff val="40000"/>
+                  </a:schemeClr>
+                </a:solidFill>
+                <a:latin typeface="Nunito Sans"/>
+                <a:ea typeface="DejaVu Sans"/>
+              </a:rPr>
+              <a:t> node</a:t>
             </a:r>
             <a:endParaRPr lang="en-IN" sz="4000" b="0" strike="noStrike" spc="-1" dirty="0">
               <a:solidFill>
@@ -7863,173 +10019,7 @@
                   <a:lumOff val="40000"/>
                 </a:schemeClr>
               </a:solidFill>
-              <a:latin typeface="Arial"/>
-            </a:endParaRPr>
-          </a:p>
-        </p:txBody>
-      </p:sp>
-      <p:sp>
-        <p:nvSpPr>
-          <p:cNvPr id="106" name="CustomShape 7"/>
-          <p:cNvSpPr/>
-          <p:nvPr/>
-        </p:nvSpPr>
-        <p:spPr>
-          <a:xfrm>
-            <a:off x="246600" y="6212880"/>
-            <a:ext cx="11227320" cy="476640"/>
-          </a:xfrm>
-          <a:prstGeom prst="rect">
-            <a:avLst/>
-          </a:prstGeom>
-          <a:noFill/>
-          <a:ln>
-            <a:noFill/>
-          </a:ln>
-        </p:spPr>
-        <p:style>
-          <a:lnRef idx="0">
-            <a:scrgbClr r="0" g="0" b="0"/>
-          </a:lnRef>
-          <a:fillRef idx="0">
-            <a:scrgbClr r="0" g="0" b="0"/>
-          </a:fillRef>
-          <a:effectRef idx="0">
-            <a:scrgbClr r="0" g="0" b="0"/>
-          </a:effectRef>
-          <a:fontRef idx="minor"/>
-        </p:style>
-        <p:txBody>
-          <a:bodyPr lIns="90000" tIns="45000" rIns="90000" bIns="45000">
-            <a:noAutofit/>
-          </a:bodyPr>
-          <a:lstStyle/>
-          <a:p>
-            <a:pPr>
-              <a:lnSpc>
-                <a:spcPct val="150000"/>
-              </a:lnSpc>
-            </a:pPr>
-            <a:r>
-              <a:rPr lang="en-IN" sz="1800" b="0" strike="noStrike" spc="-1">
-                <a:solidFill>
-                  <a:srgbClr val="757575"/>
-                </a:solidFill>
-                <a:latin typeface="Arial"/>
-                <a:ea typeface="DejaVu Sans"/>
-              </a:rPr>
-              <a:t>saleel@saleel-Latitude-E6430:~$ </a:t>
-            </a:r>
-            <a:r>
-              <a:rPr lang="en-IN" sz="1800" b="0" strike="noStrike" spc="-1">
-                <a:solidFill>
-                  <a:srgbClr val="FF5733"/>
-                </a:solidFill>
-                <a:latin typeface="Consolas"/>
-                <a:ea typeface="SimSun"/>
-              </a:rPr>
-              <a:t>redis-cli -h 127.0.0.1 -p 6379 -n 5 </a:t>
-            </a:r>
-            <a:r>
-              <a:rPr lang="en-IN" sz="2400" b="0" strike="noStrike" spc="-1">
-                <a:solidFill>
-                  <a:srgbClr val="FF5733"/>
-                </a:solidFill>
-                <a:latin typeface="Consolas"/>
-                <a:ea typeface="SimSun"/>
-              </a:rPr>
-              <a:t>-r</a:t>
-            </a:r>
-            <a:r>
-              <a:rPr lang="en-IN" sz="1800" b="0" strike="noStrike" spc="-1">
-                <a:solidFill>
-                  <a:srgbClr val="FF5733"/>
-                </a:solidFill>
-                <a:latin typeface="Consolas"/>
-                <a:ea typeface="SimSun"/>
-              </a:rPr>
-              <a:t> 10 incr cnt</a:t>
-            </a:r>
-            <a:endParaRPr lang="en-IN" sz="1800" b="0" strike="noStrike" spc="-1">
-              <a:latin typeface="Arial"/>
-            </a:endParaRPr>
-          </a:p>
-        </p:txBody>
-      </p:sp>
-      <p:sp>
-        <p:nvSpPr>
-          <p:cNvPr id="107" name="CustomShape 8"/>
-          <p:cNvSpPr/>
-          <p:nvPr/>
-        </p:nvSpPr>
-        <p:spPr>
-          <a:xfrm>
-            <a:off x="6357240" y="5906160"/>
-            <a:ext cx="6236280" cy="368640"/>
-          </a:xfrm>
-          <a:prstGeom prst="rect">
-            <a:avLst/>
-          </a:prstGeom>
-          <a:noFill/>
-          <a:ln>
-            <a:noFill/>
-          </a:ln>
-        </p:spPr>
-        <p:style>
-          <a:lnRef idx="0">
-            <a:scrgbClr r="0" g="0" b="0"/>
-          </a:lnRef>
-          <a:fillRef idx="0">
-            <a:scrgbClr r="0" g="0" b="0"/>
-          </a:fillRef>
-          <a:effectRef idx="0">
-            <a:scrgbClr r="0" g="0" b="0"/>
-          </a:effectRef>
-          <a:fontRef idx="minor"/>
-        </p:style>
-        <p:txBody>
-          <a:bodyPr lIns="90000" tIns="45000" rIns="90000" bIns="45000">
-            <a:noAutofit/>
-          </a:bodyPr>
-          <a:lstStyle/>
-          <a:p>
-            <a:pPr>
-              <a:lnSpc>
-                <a:spcPct val="100000"/>
-              </a:lnSpc>
-            </a:pPr>
-            <a:r>
-              <a:rPr lang="en-IN" sz="1800" b="1" i="1" strike="noStrike" spc="-1">
-                <a:solidFill>
-                  <a:srgbClr val="000000"/>
-                </a:solidFill>
-                <a:latin typeface="Arial"/>
-                <a:ea typeface="DejaVu Sans"/>
-              </a:rPr>
-              <a:t>-r</a:t>
-            </a:r>
-            <a:r>
-              <a:rPr lang="en-IN" sz="1800" b="1" strike="noStrike" spc="-1">
-                <a:solidFill>
-                  <a:srgbClr val="000000"/>
-                </a:solidFill>
-                <a:latin typeface="Arial"/>
-                <a:ea typeface="DejaVu Sans"/>
-              </a:rPr>
-              <a:t> &lt;count&gt;</a:t>
-            </a:r>
-            <a:r>
-              <a:rPr lang="en-IN" sz="1800" b="0" strike="noStrike" spc="-1">
-                <a:solidFill>
-                  <a:srgbClr val="000000"/>
-                </a:solidFill>
-                <a:latin typeface="Arial"/>
-                <a:ea typeface="DejaVu Sans"/>
-              </a:rPr>
-              <a:t>, means how many times to run a command.</a:t>
-            </a:r>
-            <a:endParaRPr lang="en-IN" sz="1800" b="0" strike="noStrike" spc="-1">
-              <a:latin typeface="Arial"/>
+              <a:latin typeface="Nunito Sans"/>
             </a:endParaRPr>
           </a:p>
         </p:txBody>
@@ -8083,8 +10073,8 @@
         </p:nvSpPr>
         <p:spPr>
           <a:xfrm>
-            <a:off x="243604" y="1842346"/>
-            <a:ext cx="11693880" cy="677108"/>
+            <a:off x="246600" y="1686842"/>
+            <a:ext cx="11693880" cy="738664"/>
           </a:xfrm>
           <a:prstGeom prst="rect">
             <a:avLst/>
@@ -8098,181 +10088,145 @@
           <a:lstStyle/>
           <a:p>
             <a:r>
-              <a:rPr lang="en-US" sz="2000" spc="-1" dirty="0">
+              <a:rPr lang="en-IN" sz="1900" spc="-1" dirty="0">
                 <a:solidFill>
                   <a:srgbClr val="00B0F0"/>
                 </a:solidFill>
-                <a:latin typeface="Roboto Mono"/>
-              </a:rPr>
-              <a:t>CREATE</a:t>
-            </a:r>
-            <a:r>
-              <a:rPr lang="en-US" b="0" i="0" dirty="0">
-                <a:solidFill>
-                  <a:srgbClr val="2D3748"/>
-                </a:solidFill>
-                <a:effectLst/>
-                <a:latin typeface="Roboto Mono"/>
-              </a:rPr>
-              <a:t> </a:t>
-            </a:r>
-            <a:r>
-              <a:rPr lang="en-US" sz="2000" spc="-1" dirty="0">
+                <a:latin typeface="Consolas" panose="020B0609020204030204" pitchFamily="49" charset="0"/>
+                <a:cs typeface="Arial" panose="020B0604020202020204" pitchFamily="34" charset="0"/>
+              </a:rPr>
+              <a:t>CREATE (n)</a:t>
+            </a:r>
+          </a:p>
+          <a:p>
+            <a:endParaRPr lang="en-IN" sz="400" b="0" i="0" spc="-1" dirty="0">
+              <a:solidFill>
+                <a:srgbClr val="00B0F0"/>
+              </a:solidFill>
+              <a:effectLst/>
+              <a:latin typeface="Consolas" panose="020B0609020204030204" pitchFamily="49" charset="0"/>
+              <a:cs typeface="Arial" panose="020B0604020202020204" pitchFamily="34" charset="0"/>
+            </a:endParaRPr>
+          </a:p>
+          <a:p>
+            <a:r>
+              <a:rPr lang="en-IN" sz="1900" spc="-1" dirty="0">
                 <a:solidFill>
                   <a:srgbClr val="00B0F0"/>
                 </a:solidFill>
-                <a:latin typeface="Roboto Mono"/>
-              </a:rPr>
-              <a:t>DATABASE name </a:t>
-            </a:r>
-            <a:r>
-              <a:rPr lang="en-US" b="0" i="0" dirty="0">
-                <a:solidFill>
-                  <a:srgbClr val="2D3748"/>
-                </a:solidFill>
-                <a:effectLst/>
-                <a:latin typeface="Roboto Mono"/>
-              </a:rPr>
-              <a:t>[</a:t>
-            </a:r>
-            <a:r>
-              <a:rPr lang="en-US" b="0" i="0" dirty="0">
-                <a:solidFill>
-                  <a:srgbClr val="718096"/>
-                </a:solidFill>
-                <a:effectLst/>
-                <a:latin typeface="Roboto Mono"/>
-              </a:rPr>
-              <a:t>IF</a:t>
-            </a:r>
-            <a:r>
-              <a:rPr lang="en-US" b="0" i="0" dirty="0">
-                <a:solidFill>
-                  <a:srgbClr val="2D3748"/>
-                </a:solidFill>
-                <a:effectLst/>
-                <a:latin typeface="Roboto Mono"/>
-              </a:rPr>
-              <a:t> </a:t>
-            </a:r>
-            <a:r>
-              <a:rPr lang="en-US" b="0" i="0" dirty="0">
-                <a:solidFill>
-                  <a:srgbClr val="718096"/>
-                </a:solidFill>
-                <a:effectLst/>
-                <a:latin typeface="Roboto Mono"/>
-              </a:rPr>
-              <a:t>NOT</a:t>
-            </a:r>
-            <a:r>
-              <a:rPr lang="en-US" b="0" i="0" dirty="0">
-                <a:solidFill>
-                  <a:srgbClr val="2D3748"/>
-                </a:solidFill>
-                <a:effectLst/>
-                <a:latin typeface="Roboto Mono"/>
-              </a:rPr>
-              <a:t> </a:t>
-            </a:r>
-            <a:r>
-              <a:rPr lang="en-US" b="0" i="0" dirty="0">
-                <a:solidFill>
-                  <a:srgbClr val="718096"/>
-                </a:solidFill>
-                <a:effectLst/>
-                <a:latin typeface="Roboto Mono"/>
-              </a:rPr>
-              <a:t>EXISTS</a:t>
-            </a:r>
-            <a:r>
-              <a:rPr lang="en-US" b="0" i="0" dirty="0">
-                <a:solidFill>
-                  <a:srgbClr val="2D3748"/>
-                </a:solidFill>
-                <a:effectLst/>
-                <a:latin typeface="Roboto Mono"/>
-              </a:rPr>
-              <a:t>]</a:t>
-            </a:r>
-          </a:p>
-          <a:p>
-            <a:r>
-              <a:rPr lang="en-US" sz="1800" spc="-1" dirty="0">
-                <a:solidFill>
-                  <a:srgbClr val="00B0F0"/>
-                </a:solidFill>
-                <a:latin typeface="Roboto Mono"/>
-              </a:rPr>
-              <a:t>CREATE</a:t>
-            </a:r>
-            <a:r>
-              <a:rPr lang="en-US" b="0" i="0" dirty="0">
-                <a:solidFill>
-                  <a:srgbClr val="2D3748"/>
-                </a:solidFill>
-                <a:effectLst/>
-                <a:latin typeface="Roboto Mono"/>
-              </a:rPr>
-              <a:t> </a:t>
-            </a:r>
-            <a:r>
-              <a:rPr lang="en-US" spc="-1" dirty="0">
-                <a:solidFill>
-                  <a:srgbClr val="00B0F0"/>
-                </a:solidFill>
-                <a:latin typeface="Roboto Mono"/>
-              </a:rPr>
-              <a:t>or</a:t>
-            </a:r>
-            <a:r>
-              <a:rPr lang="en-US" b="0" i="0" dirty="0">
-                <a:solidFill>
-                  <a:srgbClr val="2D3748"/>
-                </a:solidFill>
-                <a:effectLst/>
-                <a:latin typeface="Roboto Mono"/>
-              </a:rPr>
-              <a:t> </a:t>
-            </a:r>
-            <a:r>
-              <a:rPr lang="en-US" spc="-1" dirty="0">
-                <a:solidFill>
-                  <a:srgbClr val="00B0F0"/>
-                </a:solidFill>
-                <a:latin typeface="Roboto Mono"/>
-              </a:rPr>
-              <a:t>REPLACE</a:t>
-            </a:r>
-            <a:r>
-              <a:rPr lang="en-US" b="0" i="0" dirty="0">
-                <a:solidFill>
-                  <a:srgbClr val="2D3748"/>
-                </a:solidFill>
-                <a:effectLst/>
-                <a:latin typeface="Roboto Mono"/>
-              </a:rPr>
-              <a:t> </a:t>
-            </a:r>
-            <a:r>
-              <a:rPr lang="en-US" sz="1800" spc="-1" dirty="0">
-                <a:solidFill>
-                  <a:srgbClr val="00B0F0"/>
-                </a:solidFill>
-                <a:latin typeface="Roboto Mono"/>
-              </a:rPr>
-              <a:t>DATABASE name</a:t>
-            </a:r>
-            <a:endParaRPr lang="en-IN" dirty="0">
-              <a:latin typeface="Roboto Mono"/>
+                <a:latin typeface="Consolas" panose="020B0609020204030204" pitchFamily="49" charset="0"/>
+                <a:cs typeface="Arial" panose="020B0604020202020204" pitchFamily="34" charset="0"/>
+              </a:rPr>
+              <a:t>CREATE (n), (m), ...</a:t>
+            </a:r>
+          </a:p>
+        </p:txBody>
+      </p:sp>
+      <p:sp>
+        <p:nvSpPr>
+          <p:cNvPr id="15" name="TextBox 14">
+            <a:extLst>
+              <a:ext uri="{FF2B5EF4-FFF2-40B4-BE49-F238E27FC236}">
+                <a16:creationId xmlns:a16="http://schemas.microsoft.com/office/drawing/2014/main" id="{187A7629-BDF9-4DE3-B954-5B2AC8376F52}"/>
+              </a:ext>
+            </a:extLst>
+          </p:cNvPr>
+          <p:cNvSpPr txBox="1"/>
+          <p:nvPr/>
+        </p:nvSpPr>
+        <p:spPr>
+          <a:xfrm>
+            <a:off x="243604" y="2587551"/>
+            <a:ext cx="11693880" cy="769441"/>
+          </a:xfrm>
+          <a:prstGeom prst="rect">
+            <a:avLst/>
+          </a:prstGeom>
+          <a:noFill/>
+        </p:spPr>
+        <p:txBody>
+          <a:bodyPr wrap="square">
+            <a:spAutoFit/>
+          </a:bodyPr>
+          <a:lstStyle/>
+          <a:p>
+            <a:pPr marL="285750" indent="-285750">
+              <a:buFont typeface="Arial" panose="020B0604020202020204" pitchFamily="34" charset="0"/>
+              <a:buChar char="•"/>
+            </a:pPr>
+            <a:r>
+              <a:rPr lang="en-IN" dirty="0">
+                <a:solidFill>
+                  <a:schemeClr val="tx1">
+                    <a:lumMod val="50000"/>
+                    <a:lumOff val="50000"/>
+                  </a:schemeClr>
+                </a:solidFill>
+                <a:latin typeface="Consolas" panose="020B0609020204030204" pitchFamily="49" charset="0"/>
+              </a:rPr>
+              <a:t>neo4j$ </a:t>
+            </a:r>
+            <a:r>
+              <a:rPr lang="en-IN" dirty="0">
+                <a:solidFill>
+                  <a:schemeClr val="accent6">
+                    <a:lumMod val="50000"/>
+                  </a:schemeClr>
+                </a:solidFill>
+                <a:latin typeface="Consolas" panose="020B0609020204030204" pitchFamily="49" charset="0"/>
+              </a:rPr>
+              <a:t>create (Saleel)</a:t>
+            </a:r>
+          </a:p>
+          <a:p>
+            <a:pPr marL="285750" indent="-285750">
+              <a:buFont typeface="Arial" panose="020B0604020202020204" pitchFamily="34" charset="0"/>
+              <a:buChar char="•"/>
+            </a:pPr>
+            <a:endParaRPr lang="en-IN" sz="800" dirty="0">
+              <a:solidFill>
+                <a:schemeClr val="accent6">
+                  <a:lumMod val="50000"/>
+                </a:schemeClr>
+              </a:solidFill>
+              <a:latin typeface="Consolas" panose="020B0609020204030204" pitchFamily="49" charset="0"/>
             </a:endParaRPr>
+          </a:p>
+          <a:p>
+            <a:pPr marL="285750" indent="-285750">
+              <a:buFont typeface="Arial" panose="020B0604020202020204" pitchFamily="34" charset="0"/>
+              <a:buChar char="•"/>
+            </a:pPr>
+            <a:r>
+              <a:rPr lang="en-IN" dirty="0">
+                <a:solidFill>
+                  <a:schemeClr val="tx1">
+                    <a:lumMod val="50000"/>
+                    <a:lumOff val="50000"/>
+                  </a:schemeClr>
+                </a:solidFill>
+                <a:latin typeface="Consolas" panose="020B0609020204030204" pitchFamily="49" charset="0"/>
+              </a:rPr>
+              <a:t>neo4j$ </a:t>
+            </a:r>
+            <a:r>
+              <a:rPr lang="en-IN" dirty="0">
+                <a:solidFill>
+                  <a:schemeClr val="accent6">
+                    <a:lumMod val="50000"/>
+                  </a:schemeClr>
+                </a:solidFill>
+                <a:latin typeface="Consolas" panose="020B0609020204030204" pitchFamily="49" charset="0"/>
+              </a:rPr>
+              <a:t>create (Sharmin), (Vrushali) </a:t>
+            </a:r>
           </a:p>
         </p:txBody>
       </p:sp>
     </p:spTree>
     <p:extLst>
       <p:ext uri="{BB962C8B-B14F-4D97-AF65-F5344CB8AC3E}">
-        <p14:creationId xmlns:p14="http://schemas.microsoft.com/office/powerpoint/2010/main" val="959335796"/>
+        <p14:creationId xmlns:p14="http://schemas.microsoft.com/office/powerpoint/2010/main" val="3783570312"/>
       </p:ext>
     </p:extLst>
   </p:cSld>

--- a/Neo4j.pptx
+++ b/Neo4j.pptx
@@ -5,7 +5,7 @@
     <p:sldMasterId id="2147483720" r:id="rId1"/>
   </p:sldMasterIdLst>
   <p:notesMasterIdLst>
-    <p:notesMasterId r:id="rId17"/>
+    <p:notesMasterId r:id="rId19"/>
   </p:notesMasterIdLst>
   <p:sldIdLst>
     <p:sldId id="256" r:id="rId2"/>
@@ -14,15 +14,17 @@
     <p:sldId id="259" r:id="rId5"/>
     <p:sldId id="1391" r:id="rId6"/>
     <p:sldId id="1394" r:id="rId7"/>
-    <p:sldId id="1395" r:id="rId8"/>
-    <p:sldId id="1396" r:id="rId9"/>
-    <p:sldId id="1397" r:id="rId10"/>
-    <p:sldId id="1399" r:id="rId11"/>
-    <p:sldId id="1400" r:id="rId12"/>
-    <p:sldId id="1393" r:id="rId13"/>
-    <p:sldId id="1392" r:id="rId14"/>
-    <p:sldId id="350" r:id="rId15"/>
-    <p:sldId id="1398" r:id="rId16"/>
+    <p:sldId id="1401" r:id="rId8"/>
+    <p:sldId id="1395" r:id="rId9"/>
+    <p:sldId id="1396" r:id="rId10"/>
+    <p:sldId id="1397" r:id="rId11"/>
+    <p:sldId id="1399" r:id="rId12"/>
+    <p:sldId id="1400" r:id="rId13"/>
+    <p:sldId id="1402" r:id="rId14"/>
+    <p:sldId id="1403" r:id="rId15"/>
+    <p:sldId id="1393" r:id="rId16"/>
+    <p:sldId id="350" r:id="rId17"/>
+    <p:sldId id="1398" r:id="rId18"/>
   </p:sldIdLst>
   <p:sldSz cx="12192000" cy="6858000"/>
   <p:notesSz cx="6858000" cy="9144000"/>
@@ -235,7 +237,7 @@
             <a:fld id="{757F699C-254E-44B6-B18D-E7E82B2FC743}" type="datetimeFigureOut">
               <a:rPr lang="en-IN" smtClean="0"/>
               <a:pPr/>
-              <a:t>22-06-2021</a:t>
+              <a:t>23-06-2021</a:t>
             </a:fld>
             <a:endParaRPr lang="en-IN"/>
           </a:p>
@@ -1061,7 +1063,7 @@
             <a:fld id="{52F73076-280E-4994-B9AF-08CB19D7A53F}" type="datetimeFigureOut">
               <a:rPr lang="en-US" smtClean="0"/>
               <a:pPr/>
-              <a:t>6/22/2021</a:t>
+              <a:t>6/23/2021</a:t>
             </a:fld>
             <a:endParaRPr lang="en-US" dirty="0"/>
           </a:p>
@@ -1506,7 +1508,7 @@
             <a:fld id="{52F73076-280E-4994-B9AF-08CB19D7A53F}" type="datetimeFigureOut">
               <a:rPr lang="en-US" smtClean="0"/>
               <a:pPr/>
-              <a:t>6/22/2021</a:t>
+              <a:t>6/23/2021</a:t>
             </a:fld>
             <a:endParaRPr lang="en-US" dirty="0"/>
           </a:p>
@@ -2438,7 +2440,7 @@
             <a:fld id="{52F73076-280E-4994-B9AF-08CB19D7A53F}" type="datetimeFigureOut">
               <a:rPr lang="en-US" smtClean="0"/>
               <a:pPr/>
-              <a:t>6/22/2021</a:t>
+              <a:t>6/23/2021</a:t>
             </a:fld>
             <a:endParaRPr lang="en-US" dirty="0"/>
           </a:p>
@@ -2856,7 +2858,7 @@
             <a:fld id="{52F73076-280E-4994-B9AF-08CB19D7A53F}" type="datetimeFigureOut">
               <a:rPr lang="en-US" smtClean="0"/>
               <a:pPr/>
-              <a:t>6/22/2021</a:t>
+              <a:t>6/23/2021</a:t>
             </a:fld>
             <a:endParaRPr lang="en-US" dirty="0"/>
           </a:p>
@@ -4432,7 +4434,7 @@
                 <a:latin typeface="Nunito Sans"/>
                 <a:ea typeface="DejaVu Sans"/>
               </a:rPr>
-              <a:t>create </a:t>
+              <a:t>create single/</a:t>
             </a:r>
             <a:r>
               <a:rPr lang="en-IN" sz="4000" spc="-1" dirty="0">
@@ -4443,9 +4445,8 @@
                   </a:schemeClr>
                 </a:solidFill>
                 <a:latin typeface="Nunito Sans"/>
-                <a:ea typeface="DejaVu Sans"/>
-              </a:rPr>
-              <a:t>node </a:t>
+              </a:rPr>
+              <a:t>multiple</a:t>
             </a:r>
             <a:r>
               <a:rPr lang="en-IN" sz="4000" b="0" strike="noStrike" spc="-1" dirty="0">
@@ -4458,7 +4459,7 @@
                 <a:latin typeface="Nunito Sans"/>
                 <a:ea typeface="DejaVu Sans"/>
               </a:rPr>
-              <a:t>with single label/multiple labels</a:t>
+              <a:t> node</a:t>
             </a:r>
             <a:endParaRPr lang="en-IN" sz="4000" b="0" strike="noStrike" spc="-1" dirty="0">
               <a:solidFill>
@@ -4522,7 +4523,7 @@
         <p:spPr>
           <a:xfrm>
             <a:off x="246600" y="1686842"/>
-            <a:ext cx="11693880" cy="1446550"/>
+            <a:ext cx="11693880" cy="738664"/>
           </a:xfrm>
           <a:prstGeom prst="rect">
             <a:avLst/>
@@ -4543,7 +4544,7 @@
                 <a:latin typeface="Consolas" panose="020B0609020204030204" pitchFamily="49" charset="0"/>
                 <a:cs typeface="Arial" panose="020B0604020202020204" pitchFamily="34" charset="0"/>
               </a:rPr>
-              <a:t>CREATE (n:label_name)</a:t>
+              <a:t>CREATE (n)</a:t>
             </a:r>
           </a:p>
           <a:p>
@@ -4565,50 +4566,7 @@
                 <a:latin typeface="Consolas" panose="020B0609020204030204" pitchFamily="49" charset="0"/>
                 <a:cs typeface="Arial" panose="020B0604020202020204" pitchFamily="34" charset="0"/>
               </a:rPr>
-              <a:t>CREATE (n:label_name), (m:label_name), ...</a:t>
-            </a:r>
-          </a:p>
-          <a:p>
-            <a:endParaRPr lang="en-IN" sz="400" spc="-1" dirty="0">
-              <a:solidFill>
-                <a:srgbClr val="00B0F0"/>
-              </a:solidFill>
-              <a:latin typeface="Consolas" panose="020B0609020204030204" pitchFamily="49" charset="0"/>
-              <a:cs typeface="Arial" panose="020B0604020202020204" pitchFamily="34" charset="0"/>
-            </a:endParaRPr>
-          </a:p>
-          <a:p>
-            <a:r>
-              <a:rPr lang="en-IN" sz="1900" spc="-1" dirty="0">
-                <a:solidFill>
-                  <a:srgbClr val="00B0F0"/>
-                </a:solidFill>
-                <a:latin typeface="Consolas" panose="020B0609020204030204" pitchFamily="49" charset="0"/>
-                <a:cs typeface="Arial" panose="020B0604020202020204" pitchFamily="34" charset="0"/>
-              </a:rPr>
-              <a:t>CREATE (n:label1:label2:labelN)</a:t>
-            </a:r>
-          </a:p>
-          <a:p>
-            <a:endParaRPr lang="en-IN" sz="400" b="0" i="0" spc="-1" dirty="0">
-              <a:solidFill>
-                <a:srgbClr val="00B0F0"/>
-              </a:solidFill>
-              <a:effectLst/>
-              <a:latin typeface="Consolas" panose="020B0609020204030204" pitchFamily="49" charset="0"/>
-              <a:cs typeface="Arial" panose="020B0604020202020204" pitchFamily="34" charset="0"/>
-            </a:endParaRPr>
-          </a:p>
-          <a:p>
-            <a:r>
-              <a:rPr lang="en-IN" sz="1900" spc="-1" dirty="0">
-                <a:solidFill>
-                  <a:srgbClr val="00B0F0"/>
-                </a:solidFill>
-                <a:latin typeface="Consolas" panose="020B0609020204030204" pitchFamily="49" charset="0"/>
-                <a:cs typeface="Arial" panose="020B0604020202020204" pitchFamily="34" charset="0"/>
-              </a:rPr>
-              <a:t>CREATE (n:label1:label2:labelN), (m:label1:label2:labelN), ...</a:t>
+              <a:t>CREATE (n), (m), ...</a:t>
             </a:r>
           </a:p>
         </p:txBody>
@@ -4627,7 +4585,7 @@
         </p:nvSpPr>
         <p:spPr>
           <a:xfrm>
-            <a:off x="243604" y="3336097"/>
+            <a:off x="243604" y="2587551"/>
             <a:ext cx="11693880" cy="769441"/>
           </a:xfrm>
           <a:prstGeom prst="rect">
@@ -4666,7 +4624,7 @@
                 </a:solidFill>
                 <a:latin typeface="Consolas" panose="020B0609020204030204" pitchFamily="49" charset="0"/>
               </a:rPr>
-              <a:t>create (Saleel:Person)</a:t>
+              <a:t>create (Saleel)</a:t>
             </a:r>
           </a:p>
           <a:p>
@@ -4709,15 +4667,133 @@
                 </a:solidFill>
                 <a:latin typeface="Consolas" panose="020B0609020204030204" pitchFamily="49" charset="0"/>
               </a:rPr>
-              <a:t>create (Sharmin:Person:Client), (Vrushali:Person:Client) </a:t>
-            </a:r>
+              <a:t>create (Sharmin), (Vrushali) </a:t>
+            </a:r>
+          </a:p>
+        </p:txBody>
+      </p:sp>
+      <p:sp>
+        <p:nvSpPr>
+          <p:cNvPr id="9" name="TextBox 8">
+            <a:extLst>
+              <a:ext uri="{FF2B5EF4-FFF2-40B4-BE49-F238E27FC236}">
+                <a16:creationId xmlns:a16="http://schemas.microsoft.com/office/drawing/2014/main" id="{A52529A2-9B92-4782-9956-DFA1FA6E1EF8}"/>
+              </a:ext>
+            </a:extLst>
+          </p:cNvPr>
+          <p:cNvSpPr txBox="1"/>
+          <p:nvPr/>
+        </p:nvSpPr>
+        <p:spPr>
+          <a:xfrm>
+            <a:off x="551384" y="4375824"/>
+            <a:ext cx="6100548" cy="369332"/>
+          </a:xfrm>
+          <a:prstGeom prst="rect">
+            <a:avLst/>
+          </a:prstGeom>
+          <a:noFill/>
+        </p:spPr>
+        <p:txBody>
+          <a:bodyPr wrap="square">
+            <a:spAutoFit/>
+          </a:bodyPr>
+          <a:lstStyle/>
+          <a:p>
+            <a:r>
+              <a:rPr lang="en-IN" dirty="0">
+                <a:solidFill>
+                  <a:srgbClr val="859900"/>
+                </a:solidFill>
+                <a:effectLst/>
+              </a:rPr>
+              <a:t>match</a:t>
+            </a:r>
+            <a:r>
+              <a:rPr lang="en-IN" dirty="0">
+                <a:solidFill>
+                  <a:srgbClr val="586E75"/>
+                </a:solidFill>
+                <a:effectLst/>
+              </a:rPr>
+              <a:t>(</a:t>
+            </a:r>
+            <a:r>
+              <a:rPr lang="en-IN" dirty="0">
+                <a:solidFill>
+                  <a:srgbClr val="333333"/>
+                </a:solidFill>
+                <a:effectLst/>
+              </a:rPr>
+              <a:t>x</a:t>
+            </a:r>
+            <a:r>
+              <a:rPr lang="en-IN" dirty="0">
+                <a:solidFill>
+                  <a:srgbClr val="586E75"/>
+                </a:solidFill>
+                <a:effectLst/>
+              </a:rPr>
+              <a:t>)</a:t>
+            </a:r>
+            <a:r>
+              <a:rPr lang="en-IN" dirty="0">
+                <a:solidFill>
+                  <a:srgbClr val="333333"/>
+                </a:solidFill>
+                <a:effectLst/>
+              </a:rPr>
+              <a:t> </a:t>
+            </a:r>
+            <a:r>
+              <a:rPr lang="en-IN" dirty="0">
+                <a:solidFill>
+                  <a:srgbClr val="859900"/>
+                </a:solidFill>
+                <a:effectLst/>
+              </a:rPr>
+              <a:t>DETACH</a:t>
+            </a:r>
+            <a:r>
+              <a:rPr lang="en-IN" dirty="0">
+                <a:solidFill>
+                  <a:srgbClr val="333333"/>
+                </a:solidFill>
+                <a:effectLst/>
+              </a:rPr>
+              <a:t> </a:t>
+            </a:r>
+            <a:r>
+              <a:rPr lang="en-IN" dirty="0">
+                <a:solidFill>
+                  <a:srgbClr val="859900"/>
+                </a:solidFill>
+                <a:effectLst/>
+              </a:rPr>
+              <a:t>delete</a:t>
+            </a:r>
+            <a:r>
+              <a:rPr lang="en-IN" dirty="0">
+                <a:solidFill>
+                  <a:srgbClr val="333333"/>
+                </a:solidFill>
+                <a:effectLst/>
+              </a:rPr>
+              <a:t> x</a:t>
+            </a:r>
+            <a:endParaRPr lang="en-IN" dirty="0">
+              <a:solidFill>
+                <a:srgbClr val="000000"/>
+              </a:solidFill>
+              <a:effectLst/>
+            </a:endParaRPr>
           </a:p>
         </p:txBody>
       </p:sp>
     </p:spTree>
     <p:extLst>
       <p:ext uri="{BB962C8B-B14F-4D97-AF65-F5344CB8AC3E}">
-        <p14:creationId xmlns:p14="http://schemas.microsoft.com/office/powerpoint/2010/main" val="2227270115"/>
+        <p14:creationId xmlns:p14="http://schemas.microsoft.com/office/powerpoint/2010/main" val="3783570312"/>
       </p:ext>
     </p:extLst>
   </p:cSld>
@@ -4896,7 +4972,7 @@
                 <a:effectLst/>
                 <a:latin typeface="Arial" panose="020B0604020202020204" pitchFamily="34" charset="0"/>
               </a:rPr>
-              <a:t>TODO.</a:t>
+              <a:t>TODO</a:t>
             </a:r>
             <a:endParaRPr lang="en-IN" sz="1800" strike="noStrike" spc="-1" dirty="0">
               <a:solidFill>
@@ -4990,7 +5066,7 @@
                 <a:latin typeface="Nunito Sans"/>
                 <a:ea typeface="DejaVu Sans"/>
               </a:rPr>
-              <a:t>and add label and properties</a:t>
+              <a:t>with single label/multiple labels</a:t>
             </a:r>
             <a:endParaRPr lang="en-IN" sz="4000" b="0" strike="noStrike" spc="-1" dirty="0">
               <a:solidFill>
@@ -5054,7 +5130,7 @@
         <p:spPr>
           <a:xfrm>
             <a:off x="246600" y="1686842"/>
-            <a:ext cx="11693880" cy="1092607"/>
+            <a:ext cx="11693880" cy="1446550"/>
           </a:xfrm>
           <a:prstGeom prst="rect">
             <a:avLst/>
@@ -5075,7 +5151,7 @@
                 <a:latin typeface="Consolas" panose="020B0609020204030204" pitchFamily="49" charset="0"/>
                 <a:cs typeface="Arial" panose="020B0604020202020204" pitchFamily="34" charset="0"/>
               </a:rPr>
-              <a:t>CREATE (n:label_name { key1: value, key2: value, ... })</a:t>
+              <a:t>CREATE (n:label_name)</a:t>
             </a:r>
           </a:p>
           <a:p>
@@ -5097,19 +5173,7 @@
                 <a:latin typeface="Consolas" panose="020B0609020204030204" pitchFamily="49" charset="0"/>
                 <a:cs typeface="Arial" panose="020B0604020202020204" pitchFamily="34" charset="0"/>
               </a:rPr>
-              <a:t>CREATE (n:label_name { key1: value, key2: value, ... }), </a:t>
-            </a:r>
-          </a:p>
-          <a:p>
-            <a:r>
-              <a:rPr lang="en-IN" sz="1900" spc="-1" dirty="0">
-                <a:solidFill>
-                  <a:srgbClr val="00B0F0"/>
-                </a:solidFill>
-                <a:latin typeface="Consolas" panose="020B0609020204030204" pitchFamily="49" charset="0"/>
-                <a:cs typeface="Arial" panose="020B0604020202020204" pitchFamily="34" charset="0"/>
-              </a:rPr>
-              <a:t>       (m:label_name { key1: value, key2: value, ... }), ...</a:t>
+              <a:t>CREATE (n:label_name), (m:label_name), ...</a:t>
             </a:r>
           </a:p>
           <a:p>
@@ -5121,14 +5185,48 @@
               <a:cs typeface="Arial" panose="020B0604020202020204" pitchFamily="34" charset="0"/>
             </a:endParaRPr>
           </a:p>
-        </p:txBody>
-      </p:sp>
-      <p:sp>
-        <p:nvSpPr>
-          <p:cNvPr id="8" name="TextBox 7">
+          <a:p>
+            <a:r>
+              <a:rPr lang="en-IN" sz="1900" spc="-1" dirty="0">
+                <a:solidFill>
+                  <a:srgbClr val="00B0F0"/>
+                </a:solidFill>
+                <a:latin typeface="Consolas" panose="020B0609020204030204" pitchFamily="49" charset="0"/>
+                <a:cs typeface="Arial" panose="020B0604020202020204" pitchFamily="34" charset="0"/>
+              </a:rPr>
+              <a:t>CREATE (n:label1:label2:labelN)</a:t>
+            </a:r>
+          </a:p>
+          <a:p>
+            <a:endParaRPr lang="en-IN" sz="400" b="0" i="0" spc="-1" dirty="0">
+              <a:solidFill>
+                <a:srgbClr val="00B0F0"/>
+              </a:solidFill>
+              <a:effectLst/>
+              <a:latin typeface="Consolas" panose="020B0609020204030204" pitchFamily="49" charset="0"/>
+              <a:cs typeface="Arial" panose="020B0604020202020204" pitchFamily="34" charset="0"/>
+            </a:endParaRPr>
+          </a:p>
+          <a:p>
+            <a:r>
+              <a:rPr lang="en-IN" sz="1900" spc="-1" dirty="0">
+                <a:solidFill>
+                  <a:srgbClr val="00B0F0"/>
+                </a:solidFill>
+                <a:latin typeface="Consolas" panose="020B0609020204030204" pitchFamily="49" charset="0"/>
+                <a:cs typeface="Arial" panose="020B0604020202020204" pitchFamily="34" charset="0"/>
+              </a:rPr>
+              <a:t>CREATE (n:label1:label2:labelN), (m:label1:label2:labelN), ...</a:t>
+            </a:r>
+          </a:p>
+        </p:txBody>
+      </p:sp>
+      <p:sp>
+        <p:nvSpPr>
+          <p:cNvPr id="15" name="TextBox 14">
             <a:extLst>
               <a:ext uri="{FF2B5EF4-FFF2-40B4-BE49-F238E27FC236}">
-                <a16:creationId xmlns:a16="http://schemas.microsoft.com/office/drawing/2014/main" id="{DD61E77D-FAAC-491A-903A-4BF8DA4AF1A1}"/>
+                <a16:creationId xmlns:a16="http://schemas.microsoft.com/office/drawing/2014/main" id="{187A7629-BDF9-4DE3-B954-5B2AC8376F52}"/>
               </a:ext>
             </a:extLst>
           </p:cNvPr>
@@ -5137,8 +5235,8 @@
         </p:nvSpPr>
         <p:spPr>
           <a:xfrm>
-            <a:off x="243604" y="2947591"/>
-            <a:ext cx="11693880" cy="1046440"/>
+            <a:off x="243604" y="3336097"/>
+            <a:ext cx="11693880" cy="769441"/>
           </a:xfrm>
           <a:prstGeom prst="rect">
             <a:avLst/>
@@ -5176,7 +5274,7 @@
                 </a:solidFill>
                 <a:latin typeface="Consolas" panose="020B0609020204030204" pitchFamily="49" charset="0"/>
               </a:rPr>
-              <a:t>create (Saleel:Person {"name": "Saleel Bagde", "color": "Blue" })</a:t>
+              <a:t>create (Saleel:Person)</a:t>
             </a:r>
           </a:p>
           <a:p>
@@ -5219,10 +5317,464 @@
                 </a:solidFill>
                 <a:latin typeface="Consolas" panose="020B0609020204030204" pitchFamily="49" charset="0"/>
               </a:rPr>
-              <a:t>create (Sharmin:Person {"name": "Sharmin Bagde", "color": "Pink" }), </a:t>
-            </a:r>
-          </a:p>
-          <a:p>
+              <a:t>create (Sharmin:Person:Client), (Vrushali:Person:Client) </a:t>
+            </a:r>
+          </a:p>
+        </p:txBody>
+      </p:sp>
+    </p:spTree>
+    <p:extLst>
+      <p:ext uri="{BB962C8B-B14F-4D97-AF65-F5344CB8AC3E}">
+        <p14:creationId xmlns:p14="http://schemas.microsoft.com/office/powerpoint/2010/main" val="2227270115"/>
+      </p:ext>
+    </p:extLst>
+  </p:cSld>
+  <p:clrMapOvr>
+    <a:masterClrMapping/>
+  </p:clrMapOvr>
+</p:sld>
+</file>
+
+<file path=ppt/slides/slide12.xml><?xml version="1.0" encoding="utf-8"?>
+<p:sld xmlns:a="http://schemas.openxmlformats.org/drawingml/2006/main" xmlns:r="http://schemas.openxmlformats.org/officeDocument/2006/relationships" xmlns:p="http://schemas.openxmlformats.org/presentationml/2006/main">
+  <p:cSld>
+    <p:spTree>
+      <p:nvGrpSpPr>
+        <p:cNvPr id="1" name=""/>
+        <p:cNvGrpSpPr/>
+        <p:nvPr/>
+      </p:nvGrpSpPr>
+      <p:grpSpPr>
+        <a:xfrm>
+          <a:off x="0" y="0"/>
+          <a:ext cx="0" cy="0"/>
+          <a:chOff x="0" y="0"/>
+          <a:chExt cx="0" cy="0"/>
+        </a:xfrm>
+      </p:grpSpPr>
+      <p:sp>
+        <p:nvSpPr>
+          <p:cNvPr id="102" name="CustomShape 3"/>
+          <p:cNvSpPr/>
+          <p:nvPr/>
+        </p:nvSpPr>
+        <p:spPr>
+          <a:xfrm>
+            <a:off x="246600" y="762120"/>
+            <a:ext cx="11693880" cy="398655"/>
+          </a:xfrm>
+          <a:prstGeom prst="rect">
+            <a:avLst/>
+          </a:prstGeom>
+          <a:noFill/>
+          <a:ln>
+            <a:noFill/>
+          </a:ln>
+        </p:spPr>
+        <p:style>
+          <a:lnRef idx="0">
+            <a:scrgbClr r="0" g="0" b="0"/>
+          </a:lnRef>
+          <a:fillRef idx="0">
+            <a:scrgbClr r="0" g="0" b="0"/>
+          </a:fillRef>
+          <a:effectRef idx="0">
+            <a:scrgbClr r="0" g="0" b="0"/>
+          </a:effectRef>
+          <a:fontRef idx="minor"/>
+        </p:style>
+        <p:txBody>
+          <a:bodyPr lIns="90000" tIns="45000" rIns="90000" bIns="45000">
+            <a:spAutoFit/>
+          </a:bodyPr>
+          <a:lstStyle/>
+          <a:p>
+            <a:pPr algn="just"/>
+            <a:r>
+              <a:rPr lang="en-US" sz="2000" dirty="0">
+                <a:solidFill>
+                  <a:srgbClr val="2D3748"/>
+                </a:solidFill>
+                <a:latin typeface="Nunito Sans"/>
+              </a:rPr>
+              <a:t>TODO</a:t>
+            </a:r>
+            <a:endParaRPr lang="en-IN" sz="2000" dirty="0">
+              <a:solidFill>
+                <a:srgbClr val="2D3748"/>
+              </a:solidFill>
+              <a:latin typeface="Nunito Sans"/>
+            </a:endParaRPr>
+          </a:p>
+        </p:txBody>
+      </p:sp>
+      <p:sp>
+        <p:nvSpPr>
+          <p:cNvPr id="103" name="CustomShape 4"/>
+          <p:cNvSpPr/>
+          <p:nvPr/>
+        </p:nvSpPr>
+        <p:spPr>
+          <a:xfrm>
+            <a:off x="243604" y="5696497"/>
+            <a:ext cx="11693880" cy="737210"/>
+          </a:xfrm>
+          <a:prstGeom prst="rect">
+            <a:avLst/>
+          </a:prstGeom>
+          <a:noFill/>
+          <a:ln>
+            <a:noFill/>
+          </a:ln>
+        </p:spPr>
+        <p:style>
+          <a:lnRef idx="0">
+            <a:scrgbClr r="0" g="0" b="0"/>
+          </a:lnRef>
+          <a:fillRef idx="0">
+            <a:scrgbClr r="0" g="0" b="0"/>
+          </a:fillRef>
+          <a:effectRef idx="0">
+            <a:scrgbClr r="0" g="0" b="0"/>
+          </a:effectRef>
+          <a:fontRef idx="minor"/>
+        </p:style>
+        <p:txBody>
+          <a:bodyPr lIns="90000" tIns="45000" rIns="90000" bIns="45000">
+            <a:spAutoFit/>
+          </a:bodyPr>
+          <a:lstStyle/>
+          <a:p>
+            <a:pPr>
+              <a:lnSpc>
+                <a:spcPct val="100000"/>
+              </a:lnSpc>
+            </a:pPr>
+            <a:r>
+              <a:rPr lang="en-IN" sz="2000" b="1" strike="noStrike" spc="-1" dirty="0">
+                <a:solidFill>
+                  <a:srgbClr val="C00000"/>
+                </a:solidFill>
+                <a:latin typeface="Arial" panose="020B0604020202020204" pitchFamily="34" charset="0"/>
+                <a:ea typeface="Open Sans"/>
+                <a:cs typeface="Arial" panose="020B0604020202020204" pitchFamily="34" charset="0"/>
+              </a:rPr>
+              <a:t>Note:</a:t>
+            </a:r>
+            <a:endParaRPr lang="en-IN" sz="2000" b="0" strike="noStrike" spc="-1" dirty="0">
+              <a:latin typeface="Arial" panose="020B0604020202020204" pitchFamily="34" charset="0"/>
+              <a:cs typeface="Arial" panose="020B0604020202020204" pitchFamily="34" charset="0"/>
+            </a:endParaRPr>
+          </a:p>
+          <a:p>
+            <a:pPr>
+              <a:lnSpc>
+                <a:spcPct val="100000"/>
+              </a:lnSpc>
+            </a:pPr>
+            <a:r>
+              <a:rPr lang="en-IN" sz="400" b="0" strike="noStrike" spc="-1" dirty="0">
+                <a:solidFill>
+                  <a:srgbClr val="000000"/>
+                </a:solidFill>
+                <a:latin typeface="Arial" panose="020B0604020202020204" pitchFamily="34" charset="0"/>
+                <a:ea typeface="DejaVu Sans"/>
+                <a:cs typeface="Arial" panose="020B0604020202020204" pitchFamily="34" charset="0"/>
+              </a:rPr>
+              <a:t> </a:t>
+            </a:r>
+            <a:endParaRPr lang="en-IN" sz="400" b="0" strike="noStrike" spc="-1" dirty="0">
+              <a:latin typeface="Arial" panose="020B0604020202020204" pitchFamily="34" charset="0"/>
+              <a:cs typeface="Arial" panose="020B0604020202020204" pitchFamily="34" charset="0"/>
+            </a:endParaRPr>
+          </a:p>
+          <a:p>
+            <a:pPr marL="285840" indent="-262080">
+              <a:buClr>
+                <a:srgbClr val="000000"/>
+              </a:buClr>
+              <a:buFont typeface="Arial"/>
+              <a:buChar char="•"/>
+            </a:pPr>
+            <a:r>
+              <a:rPr lang="en-US" b="0" i="0" dirty="0">
+                <a:solidFill>
+                  <a:srgbClr val="333333"/>
+                </a:solidFill>
+                <a:effectLst/>
+                <a:latin typeface="Arial" panose="020B0604020202020204" pitchFamily="34" charset="0"/>
+              </a:rPr>
+              <a:t>Keys are not to give in quotes either (single or double quotes).</a:t>
+            </a:r>
+            <a:endParaRPr lang="en-IN" sz="1800" strike="noStrike" spc="-1" dirty="0">
+              <a:solidFill>
+                <a:schemeClr val="tx1">
+                  <a:lumMod val="85000"/>
+                  <a:lumOff val="15000"/>
+                </a:schemeClr>
+              </a:solidFill>
+              <a:latin typeface="Arial" panose="020B0604020202020204" pitchFamily="34" charset="0"/>
+              <a:cs typeface="Arial" panose="020B0604020202020204" pitchFamily="34" charset="0"/>
+            </a:endParaRPr>
+          </a:p>
+        </p:txBody>
+      </p:sp>
+      <p:sp>
+        <p:nvSpPr>
+          <p:cNvPr id="105" name="CustomShape 6"/>
+          <p:cNvSpPr/>
+          <p:nvPr/>
+        </p:nvSpPr>
+        <p:spPr>
+          <a:xfrm>
+            <a:off x="246600" y="0"/>
+            <a:ext cx="11693880" cy="706432"/>
+          </a:xfrm>
+          <a:prstGeom prst="rect">
+            <a:avLst/>
+          </a:prstGeom>
+          <a:solidFill>
+            <a:schemeClr val="accent6">
+              <a:lumMod val="75000"/>
+            </a:schemeClr>
+          </a:solidFill>
+          <a:ln>
+            <a:noFill/>
+          </a:ln>
+        </p:spPr>
+        <p:style>
+          <a:lnRef idx="0">
+            <a:scrgbClr r="0" g="0" b="0"/>
+          </a:lnRef>
+          <a:fillRef idx="0">
+            <a:scrgbClr r="0" g="0" b="0"/>
+          </a:fillRef>
+          <a:effectRef idx="0">
+            <a:scrgbClr r="0" g="0" b="0"/>
+          </a:effectRef>
+          <a:fontRef idx="minor"/>
+        </p:style>
+        <p:txBody>
+          <a:bodyPr lIns="90000" tIns="45000" rIns="90000" bIns="45000">
+            <a:spAutoFit/>
+          </a:bodyPr>
+          <a:lstStyle/>
+          <a:p>
+            <a:pPr algn="r"/>
+            <a:r>
+              <a:rPr lang="en-IN" sz="4000" b="0" strike="noStrike" spc="-1" dirty="0">
+                <a:solidFill>
+                  <a:schemeClr val="accent6">
+                    <a:lumMod val="60000"/>
+                    <a:lumOff val="40000"/>
+                  </a:schemeClr>
+                </a:solidFill>
+                <a:latin typeface="Nunito Sans"/>
+                <a:ea typeface="DejaVu Sans"/>
+              </a:rPr>
+              <a:t>create </a:t>
+            </a:r>
+            <a:r>
+              <a:rPr lang="en-IN" sz="4000" spc="-1" dirty="0">
+                <a:solidFill>
+                  <a:schemeClr val="accent6">
+                    <a:lumMod val="60000"/>
+                    <a:lumOff val="40000"/>
+                  </a:schemeClr>
+                </a:solidFill>
+                <a:latin typeface="Nunito Sans"/>
+                <a:ea typeface="DejaVu Sans"/>
+              </a:rPr>
+              <a:t>node </a:t>
+            </a:r>
+            <a:r>
+              <a:rPr lang="en-IN" sz="4000" b="0" strike="noStrike" spc="-1" dirty="0">
+                <a:solidFill>
+                  <a:schemeClr val="accent6">
+                    <a:lumMod val="60000"/>
+                    <a:lumOff val="40000"/>
+                  </a:schemeClr>
+                </a:solidFill>
+                <a:latin typeface="Nunito Sans"/>
+                <a:ea typeface="DejaVu Sans"/>
+              </a:rPr>
+              <a:t>and add label and properties</a:t>
+            </a:r>
+            <a:endParaRPr lang="en-IN" sz="4000" b="0" strike="noStrike" spc="-1" dirty="0">
+              <a:solidFill>
+                <a:schemeClr val="accent6">
+                  <a:lumMod val="60000"/>
+                  <a:lumOff val="40000"/>
+                </a:schemeClr>
+              </a:solidFill>
+              <a:latin typeface="Nunito Sans"/>
+            </a:endParaRPr>
+          </a:p>
+        </p:txBody>
+      </p:sp>
+      <p:sp>
+        <p:nvSpPr>
+          <p:cNvPr id="108" name="Line 9"/>
+          <p:cNvSpPr/>
+          <p:nvPr/>
+        </p:nvSpPr>
+        <p:spPr>
+          <a:xfrm>
+            <a:off x="0" y="1536120"/>
+            <a:ext cx="12191760" cy="0"/>
+          </a:xfrm>
+          <a:prstGeom prst="line">
+            <a:avLst/>
+          </a:prstGeom>
+          <a:ln w="12600">
+            <a:solidFill>
+              <a:srgbClr val="6E78A0"/>
+            </a:solidFill>
+            <a:prstDash val="dash"/>
+            <a:round/>
+          </a:ln>
+        </p:spPr>
+        <p:style>
+          <a:lnRef idx="1">
+            <a:schemeClr val="accent1"/>
+          </a:lnRef>
+          <a:fillRef idx="0">
+            <a:schemeClr val="accent1"/>
+          </a:fillRef>
+          <a:effectRef idx="0">
+            <a:schemeClr val="accent1"/>
+          </a:effectRef>
+          <a:fontRef idx="minor"/>
+        </p:style>
+      </p:sp>
+      <p:sp>
+        <p:nvSpPr>
+          <p:cNvPr id="12" name="TextBox 11">
+            <a:extLst>
+              <a:ext uri="{FF2B5EF4-FFF2-40B4-BE49-F238E27FC236}">
+                <a16:creationId xmlns:a16="http://schemas.microsoft.com/office/drawing/2014/main" id="{79242DF4-E3E0-4B3F-9DA3-EDDD02A6E7F5}"/>
+              </a:ext>
+            </a:extLst>
+          </p:cNvPr>
+          <p:cNvSpPr txBox="1"/>
+          <p:nvPr/>
+        </p:nvSpPr>
+        <p:spPr>
+          <a:xfrm>
+            <a:off x="246600" y="1686842"/>
+            <a:ext cx="11693880" cy="1092607"/>
+          </a:xfrm>
+          <a:prstGeom prst="rect">
+            <a:avLst/>
+          </a:prstGeom>
+          <a:noFill/>
+        </p:spPr>
+        <p:txBody>
+          <a:bodyPr wrap="square">
+            <a:spAutoFit/>
+          </a:bodyPr>
+          <a:lstStyle/>
+          <a:p>
+            <a:r>
+              <a:rPr lang="en-IN" sz="1900" spc="-1" dirty="0">
+                <a:solidFill>
+                  <a:srgbClr val="00B0F0"/>
+                </a:solidFill>
+                <a:latin typeface="Consolas" panose="020B0609020204030204" pitchFamily="49" charset="0"/>
+                <a:cs typeface="Arial" panose="020B0604020202020204" pitchFamily="34" charset="0"/>
+              </a:rPr>
+              <a:t>CREATE (n:label_name { key1: value, key2: value, ... })</a:t>
+            </a:r>
+          </a:p>
+          <a:p>
+            <a:endParaRPr lang="en-IN" sz="400" b="0" i="0" spc="-1" dirty="0">
+              <a:solidFill>
+                <a:srgbClr val="00B0F0"/>
+              </a:solidFill>
+              <a:effectLst/>
+              <a:latin typeface="Consolas" panose="020B0609020204030204" pitchFamily="49" charset="0"/>
+              <a:cs typeface="Arial" panose="020B0604020202020204" pitchFamily="34" charset="0"/>
+            </a:endParaRPr>
+          </a:p>
+          <a:p>
+            <a:r>
+              <a:rPr lang="en-IN" sz="1900" spc="-1" dirty="0">
+                <a:solidFill>
+                  <a:srgbClr val="00B0F0"/>
+                </a:solidFill>
+                <a:latin typeface="Consolas" panose="020B0609020204030204" pitchFamily="49" charset="0"/>
+                <a:cs typeface="Arial" panose="020B0604020202020204" pitchFamily="34" charset="0"/>
+              </a:rPr>
+              <a:t>CREATE (n:label_name { key1: value, key2: value, ... }), </a:t>
+            </a:r>
+          </a:p>
+          <a:p>
+            <a:r>
+              <a:rPr lang="en-IN" sz="1900" spc="-1" dirty="0">
+                <a:solidFill>
+                  <a:srgbClr val="00B0F0"/>
+                </a:solidFill>
+                <a:latin typeface="Consolas" panose="020B0609020204030204" pitchFamily="49" charset="0"/>
+                <a:cs typeface="Arial" panose="020B0604020202020204" pitchFamily="34" charset="0"/>
+              </a:rPr>
+              <a:t>       (m:label_name { key1: value, key2: value, ... }), ...</a:t>
+            </a:r>
+          </a:p>
+          <a:p>
+            <a:endParaRPr lang="en-IN" sz="400" spc="-1" dirty="0">
+              <a:solidFill>
+                <a:srgbClr val="00B0F0"/>
+              </a:solidFill>
+              <a:latin typeface="Consolas" panose="020B0609020204030204" pitchFamily="49" charset="0"/>
+              <a:cs typeface="Arial" panose="020B0604020202020204" pitchFamily="34" charset="0"/>
+            </a:endParaRPr>
+          </a:p>
+        </p:txBody>
+      </p:sp>
+      <p:sp>
+        <p:nvSpPr>
+          <p:cNvPr id="8" name="TextBox 7">
+            <a:extLst>
+              <a:ext uri="{FF2B5EF4-FFF2-40B4-BE49-F238E27FC236}">
+                <a16:creationId xmlns:a16="http://schemas.microsoft.com/office/drawing/2014/main" id="{DD61E77D-FAAC-491A-903A-4BF8DA4AF1A1}"/>
+              </a:ext>
+            </a:extLst>
+          </p:cNvPr>
+          <p:cNvSpPr txBox="1"/>
+          <p:nvPr/>
+        </p:nvSpPr>
+        <p:spPr>
+          <a:xfrm>
+            <a:off x="243604" y="2947591"/>
+            <a:ext cx="11693880" cy="1046440"/>
+          </a:xfrm>
+          <a:prstGeom prst="rect">
+            <a:avLst/>
+          </a:prstGeom>
+          <a:noFill/>
+        </p:spPr>
+        <p:txBody>
+          <a:bodyPr wrap="square">
+            <a:spAutoFit/>
+          </a:bodyPr>
+          <a:lstStyle/>
+          <a:p>
+            <a:pPr marL="285750" indent="-285750">
+              <a:buFont typeface="Arial" panose="020B0604020202020204" pitchFamily="34" charset="0"/>
+              <a:buChar char="•"/>
+            </a:pPr>
+            <a:r>
+              <a:rPr lang="en-IN" dirty="0">
+                <a:solidFill>
+                  <a:schemeClr val="tx1">
+                    <a:lumMod val="50000"/>
+                    <a:lumOff val="50000"/>
+                  </a:schemeClr>
+                </a:solidFill>
+                <a:latin typeface="Consolas" panose="020B0609020204030204" pitchFamily="49" charset="0"/>
+              </a:rPr>
+              <a:t>neo4j$ </a:t>
+            </a:r>
             <a:r>
               <a:rPr lang="en-IN" dirty="0">
                 <a:solidFill>
@@ -5232,7 +5784,63 @@
                 </a:solidFill>
                 <a:latin typeface="Consolas" panose="020B0609020204030204" pitchFamily="49" charset="0"/>
               </a:rPr>
-              <a:t>                (Vrushali:Person {"name": "Vrushali Bagde", "color": "Orange" }) </a:t>
+              <a:t>create (Saleel:Person {name: "Saleel Bagde", color: "Blue" ", isActive: true })</a:t>
+            </a:r>
+          </a:p>
+          <a:p>
+            <a:pPr marL="285750" indent="-285750">
+              <a:buFont typeface="Arial" panose="020B0604020202020204" pitchFamily="34" charset="0"/>
+              <a:buChar char="•"/>
+            </a:pPr>
+            <a:endParaRPr lang="en-IN" sz="800" dirty="0">
+              <a:solidFill>
+                <a:schemeClr val="accent6">
+                  <a:lumMod val="50000"/>
+                </a:schemeClr>
+              </a:solidFill>
+              <a:latin typeface="Consolas" panose="020B0609020204030204" pitchFamily="49" charset="0"/>
+            </a:endParaRPr>
+          </a:p>
+          <a:p>
+            <a:pPr marL="285750" indent="-285750">
+              <a:buFont typeface="Arial" panose="020B0604020202020204" pitchFamily="34" charset="0"/>
+              <a:buChar char="•"/>
+            </a:pPr>
+            <a:r>
+              <a:rPr lang="en-IN" dirty="0">
+                <a:solidFill>
+                  <a:schemeClr val="tx1">
+                    <a:lumMod val="50000"/>
+                    <a:lumOff val="50000"/>
+                  </a:schemeClr>
+                </a:solidFill>
+                <a:latin typeface="Consolas" panose="020B0609020204030204" pitchFamily="49" charset="0"/>
+              </a:rPr>
+              <a:t>neo4j$ </a:t>
+            </a:r>
+            <a:r>
+              <a:rPr lang="en-IN" dirty="0">
+                <a:solidFill>
+                  <a:schemeClr val="accent6">
+                    <a:lumMod val="50000"/>
+                  </a:schemeClr>
+                </a:solidFill>
+                <a:latin typeface="Consolas" panose="020B0609020204030204" pitchFamily="49" charset="0"/>
+              </a:rPr>
+              <a:t>create (Sharmin:Person {name: "Sharmin Bagde", color: "Pink", isActive: false }), </a:t>
+            </a:r>
+          </a:p>
+          <a:p>
+            <a:r>
+              <a:rPr lang="en-IN" dirty="0">
+                <a:solidFill>
+                  <a:schemeClr val="accent6">
+                    <a:lumMod val="50000"/>
+                  </a:schemeClr>
+                </a:solidFill>
+                <a:latin typeface="Consolas" panose="020B0609020204030204" pitchFamily="49" charset="0"/>
+              </a:rPr>
+              <a:t>              Vrushali:Person {name: "Vrushali Bagde", color: "Orange", isActive: false }) </a:t>
             </a:r>
           </a:p>
         </p:txBody>
@@ -5250,7 +5858,875 @@
 </p:sld>
 </file>
 
-<file path=ppt/slides/slide12.xml><?xml version="1.0" encoding="utf-8"?>
+<file path=ppt/slides/slide13.xml><?xml version="1.0" encoding="utf-8"?>
+<p:sld xmlns:a="http://schemas.openxmlformats.org/drawingml/2006/main" xmlns:r="http://schemas.openxmlformats.org/officeDocument/2006/relationships" xmlns:p="http://schemas.openxmlformats.org/presentationml/2006/main">
+  <p:cSld>
+    <p:spTree>
+      <p:nvGrpSpPr>
+        <p:cNvPr id="1" name=""/>
+        <p:cNvGrpSpPr/>
+        <p:nvPr/>
+      </p:nvGrpSpPr>
+      <p:grpSpPr>
+        <a:xfrm>
+          <a:off x="0" y="0"/>
+          <a:ext cx="0" cy="0"/>
+          <a:chOff x="0" y="0"/>
+          <a:chExt cx="0" cy="0"/>
+        </a:xfrm>
+      </p:grpSpPr>
+      <p:sp>
+        <p:nvSpPr>
+          <p:cNvPr id="102" name="CustomShape 3"/>
+          <p:cNvSpPr/>
+          <p:nvPr/>
+        </p:nvSpPr>
+        <p:spPr>
+          <a:xfrm>
+            <a:off x="246600" y="762120"/>
+            <a:ext cx="11693880" cy="398655"/>
+          </a:xfrm>
+          <a:prstGeom prst="rect">
+            <a:avLst/>
+          </a:prstGeom>
+          <a:noFill/>
+          <a:ln>
+            <a:noFill/>
+          </a:ln>
+        </p:spPr>
+        <p:style>
+          <a:lnRef idx="0">
+            <a:scrgbClr r="0" g="0" b="0"/>
+          </a:lnRef>
+          <a:fillRef idx="0">
+            <a:scrgbClr r="0" g="0" b="0"/>
+          </a:fillRef>
+          <a:effectRef idx="0">
+            <a:scrgbClr r="0" g="0" b="0"/>
+          </a:effectRef>
+          <a:fontRef idx="minor"/>
+        </p:style>
+        <p:txBody>
+          <a:bodyPr lIns="90000" tIns="45000" rIns="90000" bIns="45000">
+            <a:spAutoFit/>
+          </a:bodyPr>
+          <a:lstStyle/>
+          <a:p>
+            <a:pPr algn="just"/>
+            <a:r>
+              <a:rPr lang="en-US" sz="2000" dirty="0">
+                <a:solidFill>
+                  <a:srgbClr val="2D3748"/>
+                </a:solidFill>
+                <a:latin typeface="Nunito Sans"/>
+              </a:rPr>
+              <a:t>TODO</a:t>
+            </a:r>
+            <a:endParaRPr lang="en-IN" sz="2000" dirty="0">
+              <a:solidFill>
+                <a:srgbClr val="2D3748"/>
+              </a:solidFill>
+              <a:latin typeface="Nunito Sans"/>
+            </a:endParaRPr>
+          </a:p>
+        </p:txBody>
+      </p:sp>
+      <p:sp>
+        <p:nvSpPr>
+          <p:cNvPr id="103" name="CustomShape 4"/>
+          <p:cNvSpPr/>
+          <p:nvPr/>
+        </p:nvSpPr>
+        <p:spPr>
+          <a:xfrm>
+            <a:off x="243604" y="5696497"/>
+            <a:ext cx="11693880" cy="737210"/>
+          </a:xfrm>
+          <a:prstGeom prst="rect">
+            <a:avLst/>
+          </a:prstGeom>
+          <a:noFill/>
+          <a:ln>
+            <a:noFill/>
+          </a:ln>
+        </p:spPr>
+        <p:style>
+          <a:lnRef idx="0">
+            <a:scrgbClr r="0" g="0" b="0"/>
+          </a:lnRef>
+          <a:fillRef idx="0">
+            <a:scrgbClr r="0" g="0" b="0"/>
+          </a:fillRef>
+          <a:effectRef idx="0">
+            <a:scrgbClr r="0" g="0" b="0"/>
+          </a:effectRef>
+          <a:fontRef idx="minor"/>
+        </p:style>
+        <p:txBody>
+          <a:bodyPr lIns="90000" tIns="45000" rIns="90000" bIns="45000">
+            <a:spAutoFit/>
+          </a:bodyPr>
+          <a:lstStyle/>
+          <a:p>
+            <a:pPr>
+              <a:lnSpc>
+                <a:spcPct val="100000"/>
+              </a:lnSpc>
+            </a:pPr>
+            <a:r>
+              <a:rPr lang="en-IN" sz="2000" b="1" strike="noStrike" spc="-1" dirty="0">
+                <a:solidFill>
+                  <a:srgbClr val="C00000"/>
+                </a:solidFill>
+                <a:latin typeface="Arial" panose="020B0604020202020204" pitchFamily="34" charset="0"/>
+                <a:ea typeface="Open Sans"/>
+                <a:cs typeface="Arial" panose="020B0604020202020204" pitchFamily="34" charset="0"/>
+              </a:rPr>
+              <a:t>Note:</a:t>
+            </a:r>
+            <a:endParaRPr lang="en-IN" sz="2000" b="0" strike="noStrike" spc="-1" dirty="0">
+              <a:latin typeface="Arial" panose="020B0604020202020204" pitchFamily="34" charset="0"/>
+              <a:cs typeface="Arial" panose="020B0604020202020204" pitchFamily="34" charset="0"/>
+            </a:endParaRPr>
+          </a:p>
+          <a:p>
+            <a:pPr>
+              <a:lnSpc>
+                <a:spcPct val="100000"/>
+              </a:lnSpc>
+            </a:pPr>
+            <a:r>
+              <a:rPr lang="en-IN" sz="400" b="0" strike="noStrike" spc="-1" dirty="0">
+                <a:solidFill>
+                  <a:srgbClr val="000000"/>
+                </a:solidFill>
+                <a:latin typeface="Arial" panose="020B0604020202020204" pitchFamily="34" charset="0"/>
+                <a:ea typeface="DejaVu Sans"/>
+                <a:cs typeface="Arial" panose="020B0604020202020204" pitchFamily="34" charset="0"/>
+              </a:rPr>
+              <a:t> </a:t>
+            </a:r>
+            <a:endParaRPr lang="en-IN" sz="400" b="0" strike="noStrike" spc="-1" dirty="0">
+              <a:latin typeface="Arial" panose="020B0604020202020204" pitchFamily="34" charset="0"/>
+              <a:cs typeface="Arial" panose="020B0604020202020204" pitchFamily="34" charset="0"/>
+            </a:endParaRPr>
+          </a:p>
+          <a:p>
+            <a:pPr marL="285840" indent="-262080">
+              <a:buClr>
+                <a:srgbClr val="000000"/>
+              </a:buClr>
+              <a:buFont typeface="Arial"/>
+              <a:buChar char="•"/>
+            </a:pPr>
+            <a:r>
+              <a:rPr lang="en-US" b="0" i="0" dirty="0">
+                <a:solidFill>
+                  <a:srgbClr val="333333"/>
+                </a:solidFill>
+                <a:effectLst/>
+                <a:latin typeface="Arial" panose="020B0604020202020204" pitchFamily="34" charset="0"/>
+              </a:rPr>
+              <a:t>TODO</a:t>
+            </a:r>
+            <a:endParaRPr lang="en-IN" sz="1800" strike="noStrike" spc="-1" dirty="0">
+              <a:solidFill>
+                <a:schemeClr val="tx1">
+                  <a:lumMod val="85000"/>
+                  <a:lumOff val="15000"/>
+                </a:schemeClr>
+              </a:solidFill>
+              <a:latin typeface="Arial" panose="020B0604020202020204" pitchFamily="34" charset="0"/>
+              <a:cs typeface="Arial" panose="020B0604020202020204" pitchFamily="34" charset="0"/>
+            </a:endParaRPr>
+          </a:p>
+        </p:txBody>
+      </p:sp>
+      <p:sp>
+        <p:nvSpPr>
+          <p:cNvPr id="105" name="CustomShape 6"/>
+          <p:cNvSpPr/>
+          <p:nvPr/>
+        </p:nvSpPr>
+        <p:spPr>
+          <a:xfrm>
+            <a:off x="246600" y="0"/>
+            <a:ext cx="11693880" cy="706432"/>
+          </a:xfrm>
+          <a:prstGeom prst="rect">
+            <a:avLst/>
+          </a:prstGeom>
+          <a:solidFill>
+            <a:schemeClr val="accent6">
+              <a:lumMod val="75000"/>
+            </a:schemeClr>
+          </a:solidFill>
+          <a:ln>
+            <a:noFill/>
+          </a:ln>
+        </p:spPr>
+        <p:style>
+          <a:lnRef idx="0">
+            <a:scrgbClr r="0" g="0" b="0"/>
+          </a:lnRef>
+          <a:fillRef idx="0">
+            <a:scrgbClr r="0" g="0" b="0"/>
+          </a:fillRef>
+          <a:effectRef idx="0">
+            <a:scrgbClr r="0" g="0" b="0"/>
+          </a:effectRef>
+          <a:fontRef idx="minor"/>
+        </p:style>
+        <p:txBody>
+          <a:bodyPr lIns="90000" tIns="45000" rIns="90000" bIns="45000">
+            <a:spAutoFit/>
+          </a:bodyPr>
+          <a:lstStyle/>
+          <a:p>
+            <a:pPr algn="r"/>
+            <a:r>
+              <a:rPr lang="en-IN" sz="4000" b="0" strike="noStrike" spc="-1" dirty="0">
+                <a:solidFill>
+                  <a:schemeClr val="accent6">
+                    <a:lumMod val="60000"/>
+                    <a:lumOff val="40000"/>
+                  </a:schemeClr>
+                </a:solidFill>
+                <a:latin typeface="Nunito Sans"/>
+                <a:ea typeface="DejaVu Sans"/>
+              </a:rPr>
+              <a:t>delete all node</a:t>
+            </a:r>
+            <a:endParaRPr lang="en-IN" sz="4000" b="0" strike="noStrike" spc="-1" dirty="0">
+              <a:solidFill>
+                <a:schemeClr val="accent6">
+                  <a:lumMod val="60000"/>
+                  <a:lumOff val="40000"/>
+                </a:schemeClr>
+              </a:solidFill>
+              <a:latin typeface="Nunito Sans"/>
+            </a:endParaRPr>
+          </a:p>
+        </p:txBody>
+      </p:sp>
+      <p:sp>
+        <p:nvSpPr>
+          <p:cNvPr id="108" name="Line 9"/>
+          <p:cNvSpPr/>
+          <p:nvPr/>
+        </p:nvSpPr>
+        <p:spPr>
+          <a:xfrm>
+            <a:off x="0" y="1536120"/>
+            <a:ext cx="12191760" cy="0"/>
+          </a:xfrm>
+          <a:prstGeom prst="line">
+            <a:avLst/>
+          </a:prstGeom>
+          <a:ln w="12600">
+            <a:solidFill>
+              <a:srgbClr val="6E78A0"/>
+            </a:solidFill>
+            <a:prstDash val="dash"/>
+            <a:round/>
+          </a:ln>
+        </p:spPr>
+        <p:style>
+          <a:lnRef idx="1">
+            <a:schemeClr val="accent1"/>
+          </a:lnRef>
+          <a:fillRef idx="0">
+            <a:schemeClr val="accent1"/>
+          </a:fillRef>
+          <a:effectRef idx="0">
+            <a:schemeClr val="accent1"/>
+          </a:effectRef>
+          <a:fontRef idx="minor"/>
+        </p:style>
+      </p:sp>
+      <p:sp>
+        <p:nvSpPr>
+          <p:cNvPr id="12" name="TextBox 11">
+            <a:extLst>
+              <a:ext uri="{FF2B5EF4-FFF2-40B4-BE49-F238E27FC236}">
+                <a16:creationId xmlns:a16="http://schemas.microsoft.com/office/drawing/2014/main" id="{79242DF4-E3E0-4B3F-9DA3-EDDD02A6E7F5}"/>
+              </a:ext>
+            </a:extLst>
+          </p:cNvPr>
+          <p:cNvSpPr txBox="1"/>
+          <p:nvPr/>
+        </p:nvSpPr>
+        <p:spPr>
+          <a:xfrm>
+            <a:off x="246600" y="1686842"/>
+            <a:ext cx="11693880" cy="384721"/>
+          </a:xfrm>
+          <a:prstGeom prst="rect">
+            <a:avLst/>
+          </a:prstGeom>
+          <a:noFill/>
+        </p:spPr>
+        <p:txBody>
+          <a:bodyPr wrap="square">
+            <a:spAutoFit/>
+          </a:bodyPr>
+          <a:lstStyle/>
+          <a:p>
+            <a:r>
+              <a:rPr lang="pt-BR" sz="1900" spc="-1" dirty="0">
+                <a:solidFill>
+                  <a:srgbClr val="00B0F0"/>
+                </a:solidFill>
+                <a:latin typeface="Consolas" panose="020B0609020204030204" pitchFamily="49" charset="0"/>
+                <a:cs typeface="Arial" panose="020B0604020202020204" pitchFamily="34" charset="0"/>
+              </a:rPr>
+              <a:t>MATCH (n) DETACH DELETE n</a:t>
+            </a:r>
+            <a:endParaRPr lang="en-IN" sz="1900" spc="-1" dirty="0">
+              <a:solidFill>
+                <a:srgbClr val="00B0F0"/>
+              </a:solidFill>
+              <a:latin typeface="Consolas" panose="020B0609020204030204" pitchFamily="49" charset="0"/>
+              <a:cs typeface="Arial" panose="020B0604020202020204" pitchFamily="34" charset="0"/>
+            </a:endParaRPr>
+          </a:p>
+        </p:txBody>
+      </p:sp>
+      <p:sp>
+        <p:nvSpPr>
+          <p:cNvPr id="15" name="TextBox 14">
+            <a:extLst>
+              <a:ext uri="{FF2B5EF4-FFF2-40B4-BE49-F238E27FC236}">
+                <a16:creationId xmlns:a16="http://schemas.microsoft.com/office/drawing/2014/main" id="{187A7629-BDF9-4DE3-B954-5B2AC8376F52}"/>
+              </a:ext>
+            </a:extLst>
+          </p:cNvPr>
+          <p:cNvSpPr txBox="1"/>
+          <p:nvPr/>
+        </p:nvSpPr>
+        <p:spPr>
+          <a:xfrm>
+            <a:off x="243604" y="2587551"/>
+            <a:ext cx="11693880" cy="369332"/>
+          </a:xfrm>
+          <a:prstGeom prst="rect">
+            <a:avLst/>
+          </a:prstGeom>
+          <a:noFill/>
+        </p:spPr>
+        <p:txBody>
+          <a:bodyPr wrap="square">
+            <a:spAutoFit/>
+          </a:bodyPr>
+          <a:lstStyle/>
+          <a:p>
+            <a:pPr marL="285750" indent="-285750">
+              <a:buFont typeface="Arial" panose="020B0604020202020204" pitchFamily="34" charset="0"/>
+              <a:buChar char="•"/>
+            </a:pPr>
+            <a:r>
+              <a:rPr lang="en-IN" dirty="0">
+                <a:solidFill>
+                  <a:schemeClr val="tx1">
+                    <a:lumMod val="50000"/>
+                    <a:lumOff val="50000"/>
+                  </a:schemeClr>
+                </a:solidFill>
+                <a:latin typeface="Consolas" panose="020B0609020204030204" pitchFamily="49" charset="0"/>
+              </a:rPr>
+              <a:t>neo4j$ </a:t>
+            </a:r>
+            <a:r>
+              <a:rPr lang="en-IN" dirty="0">
+                <a:solidFill>
+                  <a:schemeClr val="accent6">
+                    <a:lumMod val="50000"/>
+                  </a:schemeClr>
+                </a:solidFill>
+                <a:latin typeface="Consolas" panose="020B0609020204030204" pitchFamily="49" charset="0"/>
+              </a:rPr>
+              <a:t>match(x) DETACH delete x</a:t>
+            </a:r>
+          </a:p>
+        </p:txBody>
+      </p:sp>
+    </p:spTree>
+    <p:extLst>
+      <p:ext uri="{BB962C8B-B14F-4D97-AF65-F5344CB8AC3E}">
+        <p14:creationId xmlns:p14="http://schemas.microsoft.com/office/powerpoint/2010/main" val="2360892772"/>
+      </p:ext>
+    </p:extLst>
+  </p:cSld>
+  <p:clrMapOvr>
+    <a:masterClrMapping/>
+  </p:clrMapOvr>
+</p:sld>
+</file>
+
+<file path=ppt/slides/slide14.xml><?xml version="1.0" encoding="utf-8"?>
+<p:sld xmlns:a="http://schemas.openxmlformats.org/drawingml/2006/main" xmlns:r="http://schemas.openxmlformats.org/officeDocument/2006/relationships" xmlns:p="http://schemas.openxmlformats.org/presentationml/2006/main">
+  <p:cSld>
+    <p:spTree>
+      <p:nvGrpSpPr>
+        <p:cNvPr id="1" name=""/>
+        <p:cNvGrpSpPr/>
+        <p:nvPr/>
+      </p:nvGrpSpPr>
+      <p:grpSpPr>
+        <a:xfrm>
+          <a:off x="0" y="0"/>
+          <a:ext cx="0" cy="0"/>
+          <a:chOff x="0" y="0"/>
+          <a:chExt cx="0" cy="0"/>
+        </a:xfrm>
+      </p:grpSpPr>
+      <p:sp>
+        <p:nvSpPr>
+          <p:cNvPr id="102" name="CustomShape 3"/>
+          <p:cNvSpPr/>
+          <p:nvPr/>
+        </p:nvSpPr>
+        <p:spPr>
+          <a:xfrm>
+            <a:off x="246600" y="762120"/>
+            <a:ext cx="11693880" cy="398655"/>
+          </a:xfrm>
+          <a:prstGeom prst="rect">
+            <a:avLst/>
+          </a:prstGeom>
+          <a:noFill/>
+          <a:ln>
+            <a:noFill/>
+          </a:ln>
+        </p:spPr>
+        <p:style>
+          <a:lnRef idx="0">
+            <a:scrgbClr r="0" g="0" b="0"/>
+          </a:lnRef>
+          <a:fillRef idx="0">
+            <a:scrgbClr r="0" g="0" b="0"/>
+          </a:fillRef>
+          <a:effectRef idx="0">
+            <a:scrgbClr r="0" g="0" b="0"/>
+          </a:effectRef>
+          <a:fontRef idx="minor"/>
+        </p:style>
+        <p:txBody>
+          <a:bodyPr lIns="90000" tIns="45000" rIns="90000" bIns="45000">
+            <a:spAutoFit/>
+          </a:bodyPr>
+          <a:lstStyle/>
+          <a:p>
+            <a:pPr algn="just"/>
+            <a:r>
+              <a:rPr lang="en-US" sz="2000" dirty="0">
+                <a:solidFill>
+                  <a:srgbClr val="2D3748"/>
+                </a:solidFill>
+                <a:latin typeface="Nunito Sans"/>
+              </a:rPr>
+              <a:t>TODO</a:t>
+            </a:r>
+            <a:endParaRPr lang="en-IN" sz="2000" dirty="0">
+              <a:solidFill>
+                <a:srgbClr val="2D3748"/>
+              </a:solidFill>
+              <a:latin typeface="Nunito Sans"/>
+            </a:endParaRPr>
+          </a:p>
+        </p:txBody>
+      </p:sp>
+      <p:sp>
+        <p:nvSpPr>
+          <p:cNvPr id="103" name="CustomShape 4"/>
+          <p:cNvSpPr/>
+          <p:nvPr/>
+        </p:nvSpPr>
+        <p:spPr>
+          <a:xfrm>
+            <a:off x="243604" y="5696497"/>
+            <a:ext cx="11693880" cy="737210"/>
+          </a:xfrm>
+          <a:prstGeom prst="rect">
+            <a:avLst/>
+          </a:prstGeom>
+          <a:noFill/>
+          <a:ln>
+            <a:noFill/>
+          </a:ln>
+        </p:spPr>
+        <p:style>
+          <a:lnRef idx="0">
+            <a:scrgbClr r="0" g="0" b="0"/>
+          </a:lnRef>
+          <a:fillRef idx="0">
+            <a:scrgbClr r="0" g="0" b="0"/>
+          </a:fillRef>
+          <a:effectRef idx="0">
+            <a:scrgbClr r="0" g="0" b="0"/>
+          </a:effectRef>
+          <a:fontRef idx="minor"/>
+        </p:style>
+        <p:txBody>
+          <a:bodyPr lIns="90000" tIns="45000" rIns="90000" bIns="45000">
+            <a:spAutoFit/>
+          </a:bodyPr>
+          <a:lstStyle/>
+          <a:p>
+            <a:pPr>
+              <a:lnSpc>
+                <a:spcPct val="100000"/>
+              </a:lnSpc>
+            </a:pPr>
+            <a:r>
+              <a:rPr lang="en-IN" sz="2000" b="1" strike="noStrike" spc="-1" dirty="0">
+                <a:solidFill>
+                  <a:srgbClr val="C00000"/>
+                </a:solidFill>
+                <a:latin typeface="Arial" panose="020B0604020202020204" pitchFamily="34" charset="0"/>
+                <a:ea typeface="Open Sans"/>
+                <a:cs typeface="Arial" panose="020B0604020202020204" pitchFamily="34" charset="0"/>
+              </a:rPr>
+              <a:t>Note:</a:t>
+            </a:r>
+            <a:endParaRPr lang="en-IN" sz="2000" b="0" strike="noStrike" spc="-1" dirty="0">
+              <a:latin typeface="Arial" panose="020B0604020202020204" pitchFamily="34" charset="0"/>
+              <a:cs typeface="Arial" panose="020B0604020202020204" pitchFamily="34" charset="0"/>
+            </a:endParaRPr>
+          </a:p>
+          <a:p>
+            <a:pPr>
+              <a:lnSpc>
+                <a:spcPct val="100000"/>
+              </a:lnSpc>
+            </a:pPr>
+            <a:r>
+              <a:rPr lang="en-IN" sz="400" b="0" strike="noStrike" spc="-1" dirty="0">
+                <a:solidFill>
+                  <a:srgbClr val="000000"/>
+                </a:solidFill>
+                <a:latin typeface="Arial" panose="020B0604020202020204" pitchFamily="34" charset="0"/>
+                <a:ea typeface="DejaVu Sans"/>
+                <a:cs typeface="Arial" panose="020B0604020202020204" pitchFamily="34" charset="0"/>
+              </a:rPr>
+              <a:t> </a:t>
+            </a:r>
+            <a:endParaRPr lang="en-IN" sz="400" b="0" strike="noStrike" spc="-1" dirty="0">
+              <a:latin typeface="Arial" panose="020B0604020202020204" pitchFamily="34" charset="0"/>
+              <a:cs typeface="Arial" panose="020B0604020202020204" pitchFamily="34" charset="0"/>
+            </a:endParaRPr>
+          </a:p>
+          <a:p>
+            <a:pPr marL="285840" indent="-262080">
+              <a:buClr>
+                <a:srgbClr val="000000"/>
+              </a:buClr>
+              <a:buFont typeface="Arial"/>
+              <a:buChar char="•"/>
+            </a:pPr>
+            <a:r>
+              <a:rPr lang="en-US" b="0" i="0" dirty="0">
+                <a:solidFill>
+                  <a:srgbClr val="333333"/>
+                </a:solidFill>
+                <a:effectLst/>
+                <a:latin typeface="Arial" panose="020B0604020202020204" pitchFamily="34" charset="0"/>
+              </a:rPr>
+              <a:t>TODO</a:t>
+            </a:r>
+            <a:endParaRPr lang="en-IN" sz="1800" strike="noStrike" spc="-1" dirty="0">
+              <a:solidFill>
+                <a:schemeClr val="tx1">
+                  <a:lumMod val="85000"/>
+                  <a:lumOff val="15000"/>
+                </a:schemeClr>
+              </a:solidFill>
+              <a:latin typeface="Arial" panose="020B0604020202020204" pitchFamily="34" charset="0"/>
+              <a:cs typeface="Arial" panose="020B0604020202020204" pitchFamily="34" charset="0"/>
+            </a:endParaRPr>
+          </a:p>
+        </p:txBody>
+      </p:sp>
+      <p:sp>
+        <p:nvSpPr>
+          <p:cNvPr id="105" name="CustomShape 6"/>
+          <p:cNvSpPr/>
+          <p:nvPr/>
+        </p:nvSpPr>
+        <p:spPr>
+          <a:xfrm>
+            <a:off x="246600" y="0"/>
+            <a:ext cx="11693880" cy="706432"/>
+          </a:xfrm>
+          <a:prstGeom prst="rect">
+            <a:avLst/>
+          </a:prstGeom>
+          <a:solidFill>
+            <a:schemeClr val="accent6">
+              <a:lumMod val="75000"/>
+            </a:schemeClr>
+          </a:solidFill>
+          <a:ln>
+            <a:noFill/>
+          </a:ln>
+        </p:spPr>
+        <p:style>
+          <a:lnRef idx="0">
+            <a:scrgbClr r="0" g="0" b="0"/>
+          </a:lnRef>
+          <a:fillRef idx="0">
+            <a:scrgbClr r="0" g="0" b="0"/>
+          </a:fillRef>
+          <a:effectRef idx="0">
+            <a:scrgbClr r="0" g="0" b="0"/>
+          </a:effectRef>
+          <a:fontRef idx="minor"/>
+        </p:style>
+        <p:txBody>
+          <a:bodyPr lIns="90000" tIns="45000" rIns="90000" bIns="45000">
+            <a:spAutoFit/>
+          </a:bodyPr>
+          <a:lstStyle/>
+          <a:p>
+            <a:pPr algn="r"/>
+            <a:r>
+              <a:rPr lang="en-IN" sz="4000" b="0" strike="noStrike" spc="-1" dirty="0">
+                <a:solidFill>
+                  <a:schemeClr val="accent6">
+                    <a:lumMod val="60000"/>
+                    <a:lumOff val="40000"/>
+                  </a:schemeClr>
+                </a:solidFill>
+                <a:latin typeface="Nunito Sans"/>
+                <a:ea typeface="DejaVu Sans"/>
+              </a:rPr>
+              <a:t>match</a:t>
+            </a:r>
+            <a:endParaRPr lang="en-IN" sz="4000" b="0" strike="noStrike" spc="-1" dirty="0">
+              <a:solidFill>
+                <a:schemeClr val="accent6">
+                  <a:lumMod val="60000"/>
+                  <a:lumOff val="40000"/>
+                </a:schemeClr>
+              </a:solidFill>
+              <a:latin typeface="Nunito Sans"/>
+            </a:endParaRPr>
+          </a:p>
+        </p:txBody>
+      </p:sp>
+      <p:sp>
+        <p:nvSpPr>
+          <p:cNvPr id="108" name="Line 9"/>
+          <p:cNvSpPr/>
+          <p:nvPr/>
+        </p:nvSpPr>
+        <p:spPr>
+          <a:xfrm>
+            <a:off x="0" y="1536120"/>
+            <a:ext cx="12191760" cy="0"/>
+          </a:xfrm>
+          <a:prstGeom prst="line">
+            <a:avLst/>
+          </a:prstGeom>
+          <a:ln w="12600">
+            <a:solidFill>
+              <a:srgbClr val="6E78A0"/>
+            </a:solidFill>
+            <a:prstDash val="dash"/>
+            <a:round/>
+          </a:ln>
+        </p:spPr>
+        <p:style>
+          <a:lnRef idx="1">
+            <a:schemeClr val="accent1"/>
+          </a:lnRef>
+          <a:fillRef idx="0">
+            <a:schemeClr val="accent1"/>
+          </a:fillRef>
+          <a:effectRef idx="0">
+            <a:schemeClr val="accent1"/>
+          </a:effectRef>
+          <a:fontRef idx="minor"/>
+        </p:style>
+      </p:sp>
+      <p:sp>
+        <p:nvSpPr>
+          <p:cNvPr id="12" name="TextBox 11">
+            <a:extLst>
+              <a:ext uri="{FF2B5EF4-FFF2-40B4-BE49-F238E27FC236}">
+                <a16:creationId xmlns:a16="http://schemas.microsoft.com/office/drawing/2014/main" id="{79242DF4-E3E0-4B3F-9DA3-EDDD02A6E7F5}"/>
+              </a:ext>
+            </a:extLst>
+          </p:cNvPr>
+          <p:cNvSpPr txBox="1"/>
+          <p:nvPr/>
+        </p:nvSpPr>
+        <p:spPr>
+          <a:xfrm>
+            <a:off x="246600" y="1686842"/>
+            <a:ext cx="11693880" cy="384721"/>
+          </a:xfrm>
+          <a:prstGeom prst="rect">
+            <a:avLst/>
+          </a:prstGeom>
+          <a:noFill/>
+        </p:spPr>
+        <p:txBody>
+          <a:bodyPr wrap="square">
+            <a:spAutoFit/>
+          </a:bodyPr>
+          <a:lstStyle/>
+          <a:p>
+            <a:r>
+              <a:rPr lang="en-IN" sz="1900" spc="-1" dirty="0">
+                <a:solidFill>
+                  <a:srgbClr val="00B0F0"/>
+                </a:solidFill>
+                <a:latin typeface="Consolas" panose="020B0609020204030204" pitchFamily="49" charset="0"/>
+                <a:cs typeface="Arial" panose="020B0604020202020204" pitchFamily="34" charset="0"/>
+              </a:rPr>
+              <a:t>TODO</a:t>
+            </a:r>
+          </a:p>
+        </p:txBody>
+      </p:sp>
+      <p:sp>
+        <p:nvSpPr>
+          <p:cNvPr id="15" name="TextBox 14">
+            <a:extLst>
+              <a:ext uri="{FF2B5EF4-FFF2-40B4-BE49-F238E27FC236}">
+                <a16:creationId xmlns:a16="http://schemas.microsoft.com/office/drawing/2014/main" id="{187A7629-BDF9-4DE3-B954-5B2AC8376F52}"/>
+              </a:ext>
+            </a:extLst>
+          </p:cNvPr>
+          <p:cNvSpPr txBox="1"/>
+          <p:nvPr/>
+        </p:nvSpPr>
+        <p:spPr>
+          <a:xfrm>
+            <a:off x="243604" y="2587551"/>
+            <a:ext cx="11693880" cy="769441"/>
+          </a:xfrm>
+          <a:prstGeom prst="rect">
+            <a:avLst/>
+          </a:prstGeom>
+          <a:noFill/>
+        </p:spPr>
+        <p:txBody>
+          <a:bodyPr wrap="square">
+            <a:spAutoFit/>
+          </a:bodyPr>
+          <a:lstStyle/>
+          <a:p>
+            <a:pPr marL="285750" indent="-285750">
+              <a:buFont typeface="Arial" panose="020B0604020202020204" pitchFamily="34" charset="0"/>
+              <a:buChar char="•"/>
+            </a:pPr>
+            <a:r>
+              <a:rPr lang="en-IN" dirty="0">
+                <a:solidFill>
+                  <a:schemeClr val="tx1">
+                    <a:lumMod val="50000"/>
+                    <a:lumOff val="50000"/>
+                  </a:schemeClr>
+                </a:solidFill>
+                <a:latin typeface="Consolas" panose="020B0609020204030204" pitchFamily="49" charset="0"/>
+              </a:rPr>
+              <a:t>neo4j$ </a:t>
+            </a:r>
+            <a:r>
+              <a:rPr lang="en-IN" dirty="0">
+                <a:solidFill>
+                  <a:schemeClr val="accent6">
+                    <a:lumMod val="50000"/>
+                  </a:schemeClr>
+                </a:solidFill>
+                <a:latin typeface="Consolas" panose="020B0609020204030204" pitchFamily="49" charset="0"/>
+              </a:rPr>
+              <a:t>match(x) RETURN x</a:t>
+            </a:r>
+          </a:p>
+          <a:p>
+            <a:pPr marL="285750" indent="-285750">
+              <a:buFont typeface="Arial" panose="020B0604020202020204" pitchFamily="34" charset="0"/>
+              <a:buChar char="•"/>
+            </a:pPr>
+            <a:endParaRPr lang="en-IN" sz="800" dirty="0">
+              <a:solidFill>
+                <a:schemeClr val="accent6">
+                  <a:lumMod val="50000"/>
+                </a:schemeClr>
+              </a:solidFill>
+              <a:latin typeface="Consolas" panose="020B0609020204030204" pitchFamily="49" charset="0"/>
+            </a:endParaRPr>
+          </a:p>
+          <a:p>
+            <a:pPr marL="285750" indent="-285750">
+              <a:buFont typeface="Arial" panose="020B0604020202020204" pitchFamily="34" charset="0"/>
+              <a:buChar char="•"/>
+            </a:pPr>
+            <a:r>
+              <a:rPr lang="en-IN" dirty="0">
+                <a:solidFill>
+                  <a:schemeClr val="tx1">
+                    <a:lumMod val="50000"/>
+                    <a:lumOff val="50000"/>
+                  </a:schemeClr>
+                </a:solidFill>
+                <a:latin typeface="Consolas" panose="020B0609020204030204" pitchFamily="49" charset="0"/>
+              </a:rPr>
+              <a:t>neo4j$ </a:t>
+            </a:r>
+            <a:r>
+              <a:rPr lang="en-US" dirty="0">
+                <a:solidFill>
+                  <a:schemeClr val="accent6">
+                    <a:lumMod val="50000"/>
+                  </a:schemeClr>
+                </a:solidFill>
+                <a:latin typeface="Consolas" panose="020B0609020204030204" pitchFamily="49" charset="0"/>
+              </a:rPr>
+              <a:t>match(x:Person)</a:t>
+            </a:r>
+            <a:r>
+              <a:rPr lang="en-IN" dirty="0">
+                <a:solidFill>
+                  <a:schemeClr val="accent6">
+                    <a:lumMod val="50000"/>
+                  </a:schemeClr>
+                </a:solidFill>
+                <a:latin typeface="Consolas" panose="020B0609020204030204" pitchFamily="49" charset="0"/>
+              </a:rPr>
+              <a:t> RETURN </a:t>
+            </a:r>
+            <a:r>
+              <a:rPr lang="en-US" dirty="0">
+                <a:solidFill>
+                  <a:schemeClr val="accent6">
+                    <a:lumMod val="50000"/>
+                  </a:schemeClr>
+                </a:solidFill>
+                <a:latin typeface="Consolas" panose="020B0609020204030204" pitchFamily="49" charset="0"/>
+              </a:rPr>
+              <a:t>x</a:t>
+            </a:r>
+          </a:p>
+        </p:txBody>
+      </p:sp>
+    </p:spTree>
+    <p:extLst>
+      <p:ext uri="{BB962C8B-B14F-4D97-AF65-F5344CB8AC3E}">
+        <p14:creationId xmlns:p14="http://schemas.microsoft.com/office/powerpoint/2010/main" val="1131250026"/>
+      </p:ext>
+    </p:extLst>
+  </p:cSld>
+  <p:clrMapOvr>
+    <a:masterClrMapping/>
+  </p:clrMapOvr>
+</p:sld>
+</file>
+
+<file path=ppt/slides/slide15.xml><?xml version="1.0" encoding="utf-8"?>
 <p:sld xmlns:a="http://schemas.openxmlformats.org/drawingml/2006/main" xmlns:r="http://schemas.openxmlformats.org/officeDocument/2006/relationships" xmlns:p="http://schemas.openxmlformats.org/presentationml/2006/main">
   <p:cSld>
     <p:spTree>
@@ -5280,7 +6756,7 @@
 </p:sld>
 </file>
 
-<file path=ppt/slides/slide13.xml><?xml version="1.0" encoding="utf-8"?>
+<file path=ppt/slides/slide16.xml><?xml version="1.0" encoding="utf-8"?>
 <p:sld xmlns:a="http://schemas.openxmlformats.org/drawingml/2006/main" xmlns:r="http://schemas.openxmlformats.org/officeDocument/2006/relationships" xmlns:p="http://schemas.openxmlformats.org/presentationml/2006/main">
   <p:cSld>
     <p:spTree>
@@ -5299,1023 +6775,6 @@
       </p:grpSpPr>
       <p:sp>
         <p:nvSpPr>
-          <p:cNvPr id="100" name="CustomShape 1"/>
-          <p:cNvSpPr/>
-          <p:nvPr/>
-        </p:nvSpPr>
-        <p:spPr>
-          <a:xfrm>
-            <a:off x="246600" y="2563200"/>
-            <a:ext cx="11693880" cy="851400"/>
-          </a:xfrm>
-          <a:prstGeom prst="rect">
-            <a:avLst/>
-          </a:prstGeom>
-          <a:noFill/>
-          <a:ln>
-            <a:noFill/>
-          </a:ln>
-        </p:spPr>
-        <p:style>
-          <a:lnRef idx="0">
-            <a:scrgbClr r="0" g="0" b="0"/>
-          </a:lnRef>
-          <a:fillRef idx="0">
-            <a:scrgbClr r="0" g="0" b="0"/>
-          </a:fillRef>
-          <a:effectRef idx="0">
-            <a:scrgbClr r="0" g="0" b="0"/>
-          </a:effectRef>
-          <a:fontRef idx="minor"/>
-        </p:style>
-        <p:txBody>
-          <a:bodyPr lIns="90000" tIns="45000" rIns="90000" bIns="45000">
-            <a:spAutoFit/>
-          </a:bodyPr>
-          <a:lstStyle/>
-          <a:p>
-            <a:pPr marL="343080" indent="-319320">
-              <a:lnSpc>
-                <a:spcPct val="100000"/>
-              </a:lnSpc>
-              <a:buClr>
-                <a:srgbClr val="000000"/>
-              </a:buClr>
-              <a:buFont typeface="Wingdings" charset="2"/>
-              <a:buChar char=""/>
-            </a:pPr>
-            <a:r>
-              <a:rPr lang="en-IN" sz="1800" b="0" strike="noStrike" spc="-1">
-                <a:solidFill>
-                  <a:srgbClr val="000000"/>
-                </a:solidFill>
-                <a:latin typeface="Consolas"/>
-                <a:ea typeface="Tahoma"/>
-              </a:rPr>
-              <a:t>C:\&gt;</a:t>
-            </a:r>
-            <a:r>
-              <a:rPr lang="en-IN" sz="1800" b="0" strike="noStrike" spc="-1">
-                <a:solidFill>
-                  <a:srgbClr val="528693"/>
-                </a:solidFill>
-                <a:latin typeface="Consolas"/>
-                <a:ea typeface="Tahoma"/>
-              </a:rPr>
-              <a:t> redis-server --redis.conf --protected-mode no   </a:t>
-            </a:r>
-            <a:r>
-              <a:rPr lang="en-IN" sz="1400" b="0" strike="noStrike" spc="-1">
-                <a:solidFill>
-                  <a:srgbClr val="92D050"/>
-                </a:solidFill>
-                <a:latin typeface="Consolas"/>
-                <a:ea typeface="Tahoma"/>
-              </a:rPr>
-              <a:t>//start server</a:t>
-            </a:r>
-            <a:endParaRPr lang="en-IN" sz="1400" b="0" strike="noStrike" spc="-1">
-              <a:latin typeface="Arial"/>
-            </a:endParaRPr>
-          </a:p>
-          <a:p>
-            <a:pPr>
-              <a:lnSpc>
-                <a:spcPct val="100000"/>
-              </a:lnSpc>
-            </a:pPr>
-            <a:endParaRPr lang="en-IN" sz="1400" b="0" strike="noStrike" spc="-1">
-              <a:latin typeface="Arial"/>
-            </a:endParaRPr>
-          </a:p>
-          <a:p>
-            <a:pPr marL="343080" indent="-319320">
-              <a:lnSpc>
-                <a:spcPct val="100000"/>
-              </a:lnSpc>
-              <a:buClr>
-                <a:srgbClr val="000000"/>
-              </a:buClr>
-              <a:buFont typeface="Wingdings" charset="2"/>
-              <a:buChar char=""/>
-            </a:pPr>
-            <a:r>
-              <a:rPr lang="en-IN" sz="1800" b="0" strike="noStrike" spc="-1">
-                <a:solidFill>
-                  <a:srgbClr val="000000"/>
-                </a:solidFill>
-                <a:latin typeface="Consolas"/>
-                <a:ea typeface="Tahoma"/>
-              </a:rPr>
-              <a:t>C:\&gt;</a:t>
-            </a:r>
-            <a:r>
-              <a:rPr lang="en-IN" sz="1800" b="0" strike="noStrike" spc="-1">
-                <a:solidFill>
-                  <a:srgbClr val="528693"/>
-                </a:solidFill>
-                <a:latin typeface="Consolas"/>
-                <a:ea typeface="Tahoma"/>
-              </a:rPr>
-              <a:t> redis-cli –h 127.0.0.1 –p6379 –n 1 </a:t>
-            </a:r>
-            <a:r>
-              <a:rPr lang="en-IN" sz="1400" b="0" strike="noStrike" spc="-1">
-                <a:solidFill>
-                  <a:srgbClr val="92D050"/>
-                </a:solidFill>
-                <a:latin typeface="Consolas"/>
-                <a:ea typeface="Tahoma"/>
-              </a:rPr>
-              <a:t>//</a:t>
-            </a:r>
-            <a:r>
-              <a:rPr lang="en-IN" sz="1400" b="0" strike="noStrike" spc="-1">
-                <a:solidFill>
-                  <a:srgbClr val="528693"/>
-                </a:solidFill>
-                <a:latin typeface="Consolas"/>
-                <a:ea typeface="Tahoma"/>
-              </a:rPr>
-              <a:t> </a:t>
-            </a:r>
-            <a:r>
-              <a:rPr lang="en-IN" sz="1400" b="0" strike="noStrike" spc="-1">
-                <a:solidFill>
-                  <a:srgbClr val="92D050"/>
-                </a:solidFill>
-                <a:latin typeface="Consolas"/>
-                <a:ea typeface="Tahoma"/>
-              </a:rPr>
-              <a:t>redis-cli is the Redis command line interface</a:t>
-            </a:r>
-            <a:endParaRPr lang="en-IN" sz="1400" b="0" strike="noStrike" spc="-1">
-              <a:latin typeface="Arial"/>
-            </a:endParaRPr>
-          </a:p>
-        </p:txBody>
-      </p:sp>
-      <p:sp>
-        <p:nvSpPr>
-          <p:cNvPr id="102" name="CustomShape 3"/>
-          <p:cNvSpPr/>
-          <p:nvPr/>
-        </p:nvSpPr>
-        <p:spPr>
-          <a:xfrm>
-            <a:off x="246600" y="762120"/>
-            <a:ext cx="11693880" cy="367878"/>
-          </a:xfrm>
-          <a:prstGeom prst="rect">
-            <a:avLst/>
-          </a:prstGeom>
-          <a:noFill/>
-          <a:ln>
-            <a:noFill/>
-          </a:ln>
-        </p:spPr>
-        <p:style>
-          <a:lnRef idx="0">
-            <a:scrgbClr r="0" g="0" b="0"/>
-          </a:lnRef>
-          <a:fillRef idx="0">
-            <a:scrgbClr r="0" g="0" b="0"/>
-          </a:fillRef>
-          <a:effectRef idx="0">
-            <a:scrgbClr r="0" g="0" b="0"/>
-          </a:effectRef>
-          <a:fontRef idx="minor"/>
-        </p:style>
-        <p:txBody>
-          <a:bodyPr lIns="90000" tIns="45000" rIns="90000" bIns="45000">
-            <a:spAutoFit/>
-          </a:bodyPr>
-          <a:lstStyle/>
-          <a:p>
-            <a:pPr algn="just">
-              <a:lnSpc>
-                <a:spcPct val="100000"/>
-              </a:lnSpc>
-            </a:pPr>
-            <a:r>
-              <a:rPr lang="en-US" sz="1800" b="0" strike="noStrike" spc="-1" dirty="0">
-                <a:solidFill>
-                  <a:srgbClr val="000000"/>
-                </a:solidFill>
-                <a:latin typeface="Arial"/>
-                <a:ea typeface="DejaVu Sans"/>
-              </a:rPr>
-              <a:t>Neo4j supports the management of multiple databases within the same DBMS.</a:t>
-            </a:r>
-            <a:endParaRPr lang="en-IN" sz="1800" b="0" strike="noStrike" spc="-1" dirty="0">
-              <a:latin typeface="Arial"/>
-            </a:endParaRPr>
-          </a:p>
-        </p:txBody>
-      </p:sp>
-      <p:sp>
-        <p:nvSpPr>
-          <p:cNvPr id="103" name="CustomShape 4"/>
-          <p:cNvSpPr/>
-          <p:nvPr/>
-        </p:nvSpPr>
-        <p:spPr>
-          <a:xfrm>
-            <a:off x="246600" y="4239720"/>
-            <a:ext cx="11693880" cy="1994040"/>
-          </a:xfrm>
-          <a:prstGeom prst="rect">
-            <a:avLst/>
-          </a:prstGeom>
-          <a:noFill/>
-          <a:ln>
-            <a:noFill/>
-          </a:ln>
-        </p:spPr>
-        <p:style>
-          <a:lnRef idx="0">
-            <a:scrgbClr r="0" g="0" b="0"/>
-          </a:lnRef>
-          <a:fillRef idx="0">
-            <a:scrgbClr r="0" g="0" b="0"/>
-          </a:fillRef>
-          <a:effectRef idx="0">
-            <a:scrgbClr r="0" g="0" b="0"/>
-          </a:effectRef>
-          <a:fontRef idx="minor"/>
-        </p:style>
-        <p:txBody>
-          <a:bodyPr lIns="90000" tIns="45000" rIns="90000" bIns="45000">
-            <a:spAutoFit/>
-          </a:bodyPr>
-          <a:lstStyle/>
-          <a:p>
-            <a:pPr>
-              <a:lnSpc>
-                <a:spcPct val="100000"/>
-              </a:lnSpc>
-            </a:pPr>
-            <a:r>
-              <a:rPr lang="en-IN" sz="2000" b="1" strike="noStrike" spc="-1" dirty="0">
-                <a:solidFill>
-                  <a:srgbClr val="C00000"/>
-                </a:solidFill>
-                <a:latin typeface="Open Sans"/>
-                <a:ea typeface="Open Sans"/>
-              </a:rPr>
-              <a:t>Note:</a:t>
-            </a:r>
-            <a:endParaRPr lang="en-IN" sz="2000" b="0" strike="noStrike" spc="-1" dirty="0">
-              <a:latin typeface="Arial"/>
-            </a:endParaRPr>
-          </a:p>
-          <a:p>
-            <a:pPr>
-              <a:lnSpc>
-                <a:spcPct val="100000"/>
-              </a:lnSpc>
-            </a:pPr>
-            <a:r>
-              <a:rPr lang="en-IN" sz="800" b="0" strike="noStrike" spc="-1" dirty="0">
-                <a:solidFill>
-                  <a:srgbClr val="000000"/>
-                </a:solidFill>
-                <a:latin typeface="Arial"/>
-                <a:ea typeface="DejaVu Sans"/>
-              </a:rPr>
-              <a:t> </a:t>
-            </a:r>
-            <a:endParaRPr lang="en-IN" sz="800" b="0" strike="noStrike" spc="-1" dirty="0">
-              <a:latin typeface="Arial"/>
-            </a:endParaRPr>
-          </a:p>
-          <a:p>
-            <a:pPr marL="285840" indent="-262080">
-              <a:lnSpc>
-                <a:spcPct val="100000"/>
-              </a:lnSpc>
-              <a:buClr>
-                <a:srgbClr val="000000"/>
-              </a:buClr>
-              <a:buFont typeface="Arial"/>
-              <a:buChar char="•"/>
-            </a:pPr>
-            <a:r>
-              <a:rPr lang="en-IN" sz="1800" b="0" strike="noStrike" spc="-1" dirty="0">
-                <a:solidFill>
-                  <a:srgbClr val="000000"/>
-                </a:solidFill>
-                <a:latin typeface="Open Sans"/>
-                <a:ea typeface="Open Sans"/>
-              </a:rPr>
-              <a:t>By default</a:t>
-            </a:r>
-            <a:r>
-              <a:rPr lang="en-IN" sz="1800" b="1" strike="noStrike" spc="-1" dirty="0">
-                <a:solidFill>
-                  <a:srgbClr val="000000"/>
-                </a:solidFill>
-                <a:latin typeface="Open Sans"/>
-                <a:ea typeface="Open Sans"/>
-              </a:rPr>
-              <a:t> </a:t>
-            </a:r>
-            <a:r>
-              <a:rPr lang="en-IN" sz="1800" b="0" strike="noStrike" spc="-1" dirty="0">
-                <a:solidFill>
-                  <a:srgbClr val="000000"/>
-                </a:solidFill>
-                <a:latin typeface="Open Sans"/>
-                <a:ea typeface="Open Sans"/>
-              </a:rPr>
-              <a:t>redis-cli connects to the server at 127.0.0.1 port 6379</a:t>
-            </a:r>
-            <a:endParaRPr lang="en-IN" sz="1800" b="0" strike="noStrike" spc="-1" dirty="0">
-              <a:latin typeface="Arial"/>
-            </a:endParaRPr>
-          </a:p>
-          <a:p>
-            <a:pPr marL="285840" indent="-262080">
-              <a:lnSpc>
-                <a:spcPct val="100000"/>
-              </a:lnSpc>
-              <a:buClr>
-                <a:srgbClr val="000000"/>
-              </a:buClr>
-              <a:buFont typeface="Arial"/>
-              <a:buChar char="•"/>
-            </a:pPr>
-            <a:r>
-              <a:rPr lang="en-IN" sz="1800" b="0" strike="noStrike" spc="-1" dirty="0">
-                <a:solidFill>
-                  <a:srgbClr val="000000"/>
-                </a:solidFill>
-                <a:latin typeface="Open Sans"/>
-                <a:ea typeface="Open Sans"/>
-              </a:rPr>
-              <a:t>It's possible to run the same command multiple times by prefixing the command name by a number.</a:t>
-            </a:r>
-            <a:endParaRPr lang="en-IN" sz="1800" b="0" strike="noStrike" spc="-1" dirty="0">
-              <a:latin typeface="Arial"/>
-            </a:endParaRPr>
-          </a:p>
-          <a:p>
-            <a:pPr>
-              <a:lnSpc>
-                <a:spcPct val="100000"/>
-              </a:lnSpc>
-            </a:pPr>
-            <a:r>
-              <a:rPr lang="en-IN" sz="1600" b="0" strike="noStrike" spc="-1" dirty="0">
-                <a:solidFill>
-                  <a:srgbClr val="E53935"/>
-                </a:solidFill>
-                <a:latin typeface="Open Sans"/>
-                <a:ea typeface="Open Sans"/>
-              </a:rPr>
-              <a:t>e.g.</a:t>
-            </a:r>
-            <a:endParaRPr lang="en-IN" sz="1600" b="0" strike="noStrike" spc="-1" dirty="0">
-              <a:latin typeface="Arial"/>
-            </a:endParaRPr>
-          </a:p>
-          <a:p>
-            <a:pPr marL="285840" indent="-262080">
-              <a:lnSpc>
-                <a:spcPct val="150000"/>
-              </a:lnSpc>
-              <a:buClr>
-                <a:srgbClr val="000000"/>
-              </a:buClr>
-              <a:buFont typeface="Arial"/>
-              <a:buChar char="•"/>
-            </a:pPr>
-            <a:r>
-              <a:rPr lang="en-IN" sz="1800" b="0" strike="noStrike" spc="-1" dirty="0">
-                <a:solidFill>
-                  <a:srgbClr val="808080"/>
-                </a:solidFill>
-                <a:latin typeface="Consolas"/>
-                <a:ea typeface="SimSun"/>
-              </a:rPr>
-              <a:t>127.0.0.1:6379&gt; </a:t>
-            </a:r>
-            <a:r>
-              <a:rPr lang="en-IN" sz="1800" b="0" strike="noStrike" spc="-1" dirty="0">
-                <a:solidFill>
-                  <a:srgbClr val="FF5733"/>
-                </a:solidFill>
-                <a:latin typeface="Consolas"/>
-                <a:ea typeface="SimSun"/>
-              </a:rPr>
-              <a:t>5</a:t>
-            </a:r>
-            <a:r>
-              <a:rPr lang="en-IN" sz="1800" b="0" strike="noStrike" spc="-1" dirty="0">
-                <a:solidFill>
-                  <a:srgbClr val="000000"/>
-                </a:solidFill>
-                <a:latin typeface="Consolas"/>
-                <a:ea typeface="SimSun"/>
-              </a:rPr>
-              <a:t> </a:t>
-            </a:r>
-            <a:r>
-              <a:rPr lang="en-IN" sz="1800" b="0" strike="noStrike" spc="-1" dirty="0">
-                <a:solidFill>
-                  <a:srgbClr val="FF5733"/>
-                </a:solidFill>
-                <a:latin typeface="Consolas"/>
-                <a:ea typeface="SimSun"/>
-              </a:rPr>
-              <a:t>keys *</a:t>
-            </a:r>
-            <a:endParaRPr lang="en-IN" sz="1800" b="0" strike="noStrike" spc="-1" dirty="0">
-              <a:latin typeface="Arial"/>
-            </a:endParaRPr>
-          </a:p>
-        </p:txBody>
-      </p:sp>
-      <p:sp>
-        <p:nvSpPr>
-          <p:cNvPr id="104" name="CustomShape 5"/>
-          <p:cNvSpPr/>
-          <p:nvPr/>
-        </p:nvSpPr>
-        <p:spPr>
-          <a:xfrm>
-            <a:off x="246600" y="3678480"/>
-            <a:ext cx="8688600" cy="332640"/>
-          </a:xfrm>
-          <a:prstGeom prst="rect">
-            <a:avLst/>
-          </a:prstGeom>
-          <a:noFill/>
-          <a:ln>
-            <a:noFill/>
-          </a:ln>
-        </p:spPr>
-        <p:style>
-          <a:lnRef idx="0">
-            <a:scrgbClr r="0" g="0" b="0"/>
-          </a:lnRef>
-          <a:fillRef idx="0">
-            <a:scrgbClr r="0" g="0" b="0"/>
-          </a:fillRef>
-          <a:effectRef idx="0">
-            <a:scrgbClr r="0" g="0" b="0"/>
-          </a:effectRef>
-          <a:fontRef idx="minor"/>
-        </p:style>
-        <p:txBody>
-          <a:bodyPr lIns="90000" tIns="45000" rIns="90000" bIns="45000">
-            <a:noAutofit/>
-          </a:bodyPr>
-          <a:lstStyle/>
-          <a:p>
-            <a:pPr>
-              <a:lnSpc>
-                <a:spcPct val="100000"/>
-              </a:lnSpc>
-            </a:pPr>
-            <a:r>
-              <a:rPr lang="en-IN" sz="1800" b="0" strike="noStrike" spc="-1">
-                <a:solidFill>
-                  <a:srgbClr val="808080"/>
-                </a:solidFill>
-                <a:latin typeface="Consolas"/>
-                <a:ea typeface="SimSun"/>
-              </a:rPr>
-              <a:t>127.0.0.1:6379&gt;</a:t>
-            </a:r>
-            <a:r>
-              <a:rPr lang="en-IN" sz="1800" b="0" strike="noStrike" spc="-1">
-                <a:solidFill>
-                  <a:srgbClr val="000000"/>
-                </a:solidFill>
-                <a:latin typeface="Consolas"/>
-                <a:ea typeface="SimSun"/>
-              </a:rPr>
-              <a:t> </a:t>
-            </a:r>
-            <a:r>
-              <a:rPr lang="en-IN" sz="1800" b="0" strike="noStrike" spc="-1">
-                <a:solidFill>
-                  <a:srgbClr val="FF5733"/>
-                </a:solidFill>
-                <a:latin typeface="Consolas"/>
-                <a:ea typeface="SimSun"/>
-              </a:rPr>
-              <a:t>clear</a:t>
-            </a:r>
-            <a:endParaRPr lang="en-IN" sz="1800" b="0" strike="noStrike" spc="-1">
-              <a:latin typeface="Arial"/>
-            </a:endParaRPr>
-          </a:p>
-        </p:txBody>
-      </p:sp>
-      <p:sp>
-        <p:nvSpPr>
-          <p:cNvPr id="105" name="CustomShape 6"/>
-          <p:cNvSpPr/>
-          <p:nvPr/>
-        </p:nvSpPr>
-        <p:spPr>
-          <a:xfrm>
-            <a:off x="246600" y="0"/>
-            <a:ext cx="11693880" cy="706432"/>
-          </a:xfrm>
-          <a:prstGeom prst="rect">
-            <a:avLst/>
-          </a:prstGeom>
-          <a:solidFill>
-            <a:srgbClr val="5E4C34"/>
-          </a:solidFill>
-          <a:ln>
-            <a:noFill/>
-          </a:ln>
-        </p:spPr>
-        <p:style>
-          <a:lnRef idx="0">
-            <a:scrgbClr r="0" g="0" b="0"/>
-          </a:lnRef>
-          <a:fillRef idx="0">
-            <a:scrgbClr r="0" g="0" b="0"/>
-          </a:fillRef>
-          <a:effectRef idx="0">
-            <a:scrgbClr r="0" g="0" b="0"/>
-          </a:effectRef>
-          <a:fontRef idx="minor"/>
-        </p:style>
-        <p:txBody>
-          <a:bodyPr lIns="90000" tIns="45000" rIns="90000" bIns="45000">
-            <a:spAutoFit/>
-          </a:bodyPr>
-          <a:lstStyle/>
-          <a:p>
-            <a:pPr algn="r">
-              <a:lnSpc>
-                <a:spcPct val="100000"/>
-              </a:lnSpc>
-            </a:pPr>
-            <a:r>
-              <a:rPr lang="en-IN" sz="4000" b="0" strike="noStrike" spc="-1" dirty="0">
-                <a:solidFill>
-                  <a:schemeClr val="accent6">
-                    <a:lumMod val="60000"/>
-                    <a:lumOff val="40000"/>
-                  </a:schemeClr>
-                </a:solidFill>
-                <a:latin typeface="Open Sans"/>
-                <a:ea typeface="DejaVu Sans"/>
-              </a:rPr>
-              <a:t>create database</a:t>
-            </a:r>
-            <a:endParaRPr lang="en-IN" sz="4000" b="0" strike="noStrike" spc="-1" dirty="0">
-              <a:solidFill>
-                <a:schemeClr val="accent6">
-                  <a:lumMod val="60000"/>
-                  <a:lumOff val="40000"/>
-                </a:schemeClr>
-              </a:solidFill>
-              <a:latin typeface="Arial"/>
-            </a:endParaRPr>
-          </a:p>
-        </p:txBody>
-      </p:sp>
-      <p:sp>
-        <p:nvSpPr>
-          <p:cNvPr id="106" name="CustomShape 7"/>
-          <p:cNvSpPr/>
-          <p:nvPr/>
-        </p:nvSpPr>
-        <p:spPr>
-          <a:xfrm>
-            <a:off x="246600" y="6212880"/>
-            <a:ext cx="11227320" cy="476640"/>
-          </a:xfrm>
-          <a:prstGeom prst="rect">
-            <a:avLst/>
-          </a:prstGeom>
-          <a:noFill/>
-          <a:ln>
-            <a:noFill/>
-          </a:ln>
-        </p:spPr>
-        <p:style>
-          <a:lnRef idx="0">
-            <a:scrgbClr r="0" g="0" b="0"/>
-          </a:lnRef>
-          <a:fillRef idx="0">
-            <a:scrgbClr r="0" g="0" b="0"/>
-          </a:fillRef>
-          <a:effectRef idx="0">
-            <a:scrgbClr r="0" g="0" b="0"/>
-          </a:effectRef>
-          <a:fontRef idx="minor"/>
-        </p:style>
-        <p:txBody>
-          <a:bodyPr lIns="90000" tIns="45000" rIns="90000" bIns="45000">
-            <a:noAutofit/>
-          </a:bodyPr>
-          <a:lstStyle/>
-          <a:p>
-            <a:pPr>
-              <a:lnSpc>
-                <a:spcPct val="150000"/>
-              </a:lnSpc>
-            </a:pPr>
-            <a:r>
-              <a:rPr lang="en-IN" sz="1800" b="0" strike="noStrike" spc="-1">
-                <a:solidFill>
-                  <a:srgbClr val="757575"/>
-                </a:solidFill>
-                <a:latin typeface="Arial"/>
-                <a:ea typeface="DejaVu Sans"/>
-              </a:rPr>
-              <a:t>saleel@saleel-Latitude-E6430:~$ </a:t>
-            </a:r>
-            <a:r>
-              <a:rPr lang="en-IN" sz="1800" b="0" strike="noStrike" spc="-1">
-                <a:solidFill>
-                  <a:srgbClr val="FF5733"/>
-                </a:solidFill>
-                <a:latin typeface="Consolas"/>
-                <a:ea typeface="SimSun"/>
-              </a:rPr>
-              <a:t>redis-cli -h 127.0.0.1 -p 6379 -n 5 </a:t>
-            </a:r>
-            <a:r>
-              <a:rPr lang="en-IN" sz="2400" b="0" strike="noStrike" spc="-1">
-                <a:solidFill>
-                  <a:srgbClr val="FF5733"/>
-                </a:solidFill>
-                <a:latin typeface="Consolas"/>
-                <a:ea typeface="SimSun"/>
-              </a:rPr>
-              <a:t>-r</a:t>
-            </a:r>
-            <a:r>
-              <a:rPr lang="en-IN" sz="1800" b="0" strike="noStrike" spc="-1">
-                <a:solidFill>
-                  <a:srgbClr val="FF5733"/>
-                </a:solidFill>
-                <a:latin typeface="Consolas"/>
-                <a:ea typeface="SimSun"/>
-              </a:rPr>
-              <a:t> 10 incr cnt</a:t>
-            </a:r>
-            <a:endParaRPr lang="en-IN" sz="1800" b="0" strike="noStrike" spc="-1">
-              <a:latin typeface="Arial"/>
-            </a:endParaRPr>
-          </a:p>
-        </p:txBody>
-      </p:sp>
-      <p:sp>
-        <p:nvSpPr>
-          <p:cNvPr id="107" name="CustomShape 8"/>
-          <p:cNvSpPr/>
-          <p:nvPr/>
-        </p:nvSpPr>
-        <p:spPr>
-          <a:xfrm>
-            <a:off x="6357240" y="5906160"/>
-            <a:ext cx="6236280" cy="368640"/>
-          </a:xfrm>
-          <a:prstGeom prst="rect">
-            <a:avLst/>
-          </a:prstGeom>
-          <a:noFill/>
-          <a:ln>
-            <a:noFill/>
-          </a:ln>
-        </p:spPr>
-        <p:style>
-          <a:lnRef idx="0">
-            <a:scrgbClr r="0" g="0" b="0"/>
-          </a:lnRef>
-          <a:fillRef idx="0">
-            <a:scrgbClr r="0" g="0" b="0"/>
-          </a:fillRef>
-          <a:effectRef idx="0">
-            <a:scrgbClr r="0" g="0" b="0"/>
-          </a:effectRef>
-          <a:fontRef idx="minor"/>
-        </p:style>
-        <p:txBody>
-          <a:bodyPr lIns="90000" tIns="45000" rIns="90000" bIns="45000">
-            <a:noAutofit/>
-          </a:bodyPr>
-          <a:lstStyle/>
-          <a:p>
-            <a:pPr>
-              <a:lnSpc>
-                <a:spcPct val="100000"/>
-              </a:lnSpc>
-            </a:pPr>
-            <a:r>
-              <a:rPr lang="en-IN" sz="1800" b="1" i="1" strike="noStrike" spc="-1">
-                <a:solidFill>
-                  <a:srgbClr val="000000"/>
-                </a:solidFill>
-                <a:latin typeface="Arial"/>
-                <a:ea typeface="DejaVu Sans"/>
-              </a:rPr>
-              <a:t>-r</a:t>
-            </a:r>
-            <a:r>
-              <a:rPr lang="en-IN" sz="1800" b="1" strike="noStrike" spc="-1">
-                <a:solidFill>
-                  <a:srgbClr val="000000"/>
-                </a:solidFill>
-                <a:latin typeface="Arial"/>
-                <a:ea typeface="DejaVu Sans"/>
-              </a:rPr>
-              <a:t> &lt;count&gt;</a:t>
-            </a:r>
-            <a:r>
-              <a:rPr lang="en-IN" sz="1800" b="0" strike="noStrike" spc="-1">
-                <a:solidFill>
-                  <a:srgbClr val="000000"/>
-                </a:solidFill>
-                <a:latin typeface="Arial"/>
-                <a:ea typeface="DejaVu Sans"/>
-              </a:rPr>
-              <a:t>, means how many times to run a command.</a:t>
-            </a:r>
-            <a:endParaRPr lang="en-IN" sz="1800" b="0" strike="noStrike" spc="-1">
-              <a:latin typeface="Arial"/>
-            </a:endParaRPr>
-          </a:p>
-        </p:txBody>
-      </p:sp>
-      <p:sp>
-        <p:nvSpPr>
-          <p:cNvPr id="108" name="Line 9"/>
-          <p:cNvSpPr/>
-          <p:nvPr/>
-        </p:nvSpPr>
-        <p:spPr>
-          <a:xfrm>
-            <a:off x="0" y="1536120"/>
-            <a:ext cx="12191760" cy="0"/>
-          </a:xfrm>
-          <a:prstGeom prst="line">
-            <a:avLst/>
-          </a:prstGeom>
-          <a:ln w="12600">
-            <a:solidFill>
-              <a:srgbClr val="6E78A0"/>
-            </a:solidFill>
-            <a:prstDash val="dash"/>
-            <a:round/>
-          </a:ln>
-        </p:spPr>
-        <p:style>
-          <a:lnRef idx="1">
-            <a:schemeClr val="accent1"/>
-          </a:lnRef>
-          <a:fillRef idx="0">
-            <a:schemeClr val="accent1"/>
-          </a:fillRef>
-          <a:effectRef idx="0">
-            <a:schemeClr val="accent1"/>
-          </a:effectRef>
-          <a:fontRef idx="minor"/>
-        </p:style>
-      </p:sp>
-      <p:sp>
-        <p:nvSpPr>
-          <p:cNvPr id="12" name="TextBox 11">
-            <a:extLst>
-              <a:ext uri="{FF2B5EF4-FFF2-40B4-BE49-F238E27FC236}">
-                <a16:creationId xmlns:a16="http://schemas.microsoft.com/office/drawing/2014/main" id="{79242DF4-E3E0-4B3F-9DA3-EDDD02A6E7F5}"/>
-              </a:ext>
-            </a:extLst>
-          </p:cNvPr>
-          <p:cNvSpPr txBox="1"/>
-          <p:nvPr/>
-        </p:nvSpPr>
-        <p:spPr>
-          <a:xfrm>
-            <a:off x="243604" y="1842346"/>
-            <a:ext cx="11693880" cy="677108"/>
-          </a:xfrm>
-          <a:prstGeom prst="rect">
-            <a:avLst/>
-          </a:prstGeom>
-          <a:noFill/>
-        </p:spPr>
-        <p:txBody>
-          <a:bodyPr wrap="square">
-            <a:spAutoFit/>
-          </a:bodyPr>
-          <a:lstStyle/>
-          <a:p>
-            <a:r>
-              <a:rPr lang="en-US" sz="2000" spc="-1" dirty="0">
-                <a:solidFill>
-                  <a:srgbClr val="00B0F0"/>
-                </a:solidFill>
-                <a:latin typeface="Roboto Mono"/>
-              </a:rPr>
-              <a:t>CREATE</a:t>
-            </a:r>
-            <a:r>
-              <a:rPr lang="en-US" b="0" i="0" dirty="0">
-                <a:solidFill>
-                  <a:srgbClr val="2D3748"/>
-                </a:solidFill>
-                <a:effectLst/>
-                <a:latin typeface="Roboto Mono"/>
-              </a:rPr>
-              <a:t> </a:t>
-            </a:r>
-            <a:r>
-              <a:rPr lang="en-US" sz="2000" spc="-1" dirty="0">
-                <a:solidFill>
-                  <a:srgbClr val="00B0F0"/>
-                </a:solidFill>
-                <a:latin typeface="Roboto Mono"/>
-              </a:rPr>
-              <a:t>DATABASE name </a:t>
-            </a:r>
-            <a:r>
-              <a:rPr lang="en-US" b="0" i="0" dirty="0">
-                <a:solidFill>
-                  <a:srgbClr val="2D3748"/>
-                </a:solidFill>
-                <a:effectLst/>
-                <a:latin typeface="Roboto Mono"/>
-              </a:rPr>
-              <a:t>[</a:t>
-            </a:r>
-            <a:r>
-              <a:rPr lang="en-US" b="0" i="0" dirty="0">
-                <a:solidFill>
-                  <a:srgbClr val="718096"/>
-                </a:solidFill>
-                <a:effectLst/>
-                <a:latin typeface="Roboto Mono"/>
-              </a:rPr>
-              <a:t>IF</a:t>
-            </a:r>
-            <a:r>
-              <a:rPr lang="en-US" b="0" i="0" dirty="0">
-                <a:solidFill>
-                  <a:srgbClr val="2D3748"/>
-                </a:solidFill>
-                <a:effectLst/>
-                <a:latin typeface="Roboto Mono"/>
-              </a:rPr>
-              <a:t> </a:t>
-            </a:r>
-            <a:r>
-              <a:rPr lang="en-US" b="0" i="0" dirty="0">
-                <a:solidFill>
-                  <a:srgbClr val="718096"/>
-                </a:solidFill>
-                <a:effectLst/>
-                <a:latin typeface="Roboto Mono"/>
-              </a:rPr>
-              <a:t>NOT</a:t>
-            </a:r>
-            <a:r>
-              <a:rPr lang="en-US" b="0" i="0" dirty="0">
-                <a:solidFill>
-                  <a:srgbClr val="2D3748"/>
-                </a:solidFill>
-                <a:effectLst/>
-                <a:latin typeface="Roboto Mono"/>
-              </a:rPr>
-              <a:t> </a:t>
-            </a:r>
-            <a:r>
-              <a:rPr lang="en-US" b="0" i="0" dirty="0">
-                <a:solidFill>
-                  <a:srgbClr val="718096"/>
-                </a:solidFill>
-                <a:effectLst/>
-                <a:latin typeface="Roboto Mono"/>
-              </a:rPr>
-              <a:t>EXISTS</a:t>
-            </a:r>
-            <a:r>
-              <a:rPr lang="en-US" b="0" i="0" dirty="0">
-                <a:solidFill>
-                  <a:srgbClr val="2D3748"/>
-                </a:solidFill>
-                <a:effectLst/>
-                <a:latin typeface="Roboto Mono"/>
-              </a:rPr>
-              <a:t>]</a:t>
-            </a:r>
-          </a:p>
-          <a:p>
-            <a:r>
-              <a:rPr lang="en-US" sz="1800" spc="-1" dirty="0">
-                <a:solidFill>
-                  <a:srgbClr val="00B0F0"/>
-                </a:solidFill>
-                <a:latin typeface="Roboto Mono"/>
-              </a:rPr>
-              <a:t>CREATE</a:t>
-            </a:r>
-            <a:r>
-              <a:rPr lang="en-US" b="0" i="0" dirty="0">
-                <a:solidFill>
-                  <a:srgbClr val="2D3748"/>
-                </a:solidFill>
-                <a:effectLst/>
-                <a:latin typeface="Roboto Mono"/>
-              </a:rPr>
-              <a:t> </a:t>
-            </a:r>
-            <a:r>
-              <a:rPr lang="en-US" spc="-1" dirty="0">
-                <a:solidFill>
-                  <a:srgbClr val="00B0F0"/>
-                </a:solidFill>
-                <a:latin typeface="Roboto Mono"/>
-              </a:rPr>
-              <a:t>or</a:t>
-            </a:r>
-            <a:r>
-              <a:rPr lang="en-US" b="0" i="0" dirty="0">
-                <a:solidFill>
-                  <a:srgbClr val="2D3748"/>
-                </a:solidFill>
-                <a:effectLst/>
-                <a:latin typeface="Roboto Mono"/>
-              </a:rPr>
-              <a:t> </a:t>
-            </a:r>
-            <a:r>
-              <a:rPr lang="en-US" spc="-1" dirty="0">
-                <a:solidFill>
-                  <a:srgbClr val="00B0F0"/>
-                </a:solidFill>
-                <a:latin typeface="Roboto Mono"/>
-              </a:rPr>
-              <a:t>REPLACE</a:t>
-            </a:r>
-            <a:r>
-              <a:rPr lang="en-US" b="0" i="0" dirty="0">
-                <a:solidFill>
-                  <a:srgbClr val="2D3748"/>
-                </a:solidFill>
-                <a:effectLst/>
-                <a:latin typeface="Roboto Mono"/>
-              </a:rPr>
-              <a:t> </a:t>
-            </a:r>
-            <a:r>
-              <a:rPr lang="en-US" sz="1800" spc="-1" dirty="0">
-                <a:solidFill>
-                  <a:srgbClr val="00B0F0"/>
-                </a:solidFill>
-                <a:latin typeface="Roboto Mono"/>
-              </a:rPr>
-              <a:t>DATABASE name</a:t>
-            </a:r>
-            <a:endParaRPr lang="en-IN" dirty="0">
-              <a:latin typeface="Roboto Mono"/>
-            </a:endParaRPr>
-          </a:p>
-        </p:txBody>
-      </p:sp>
-    </p:spTree>
-    <p:extLst>
-      <p:ext uri="{BB962C8B-B14F-4D97-AF65-F5344CB8AC3E}">
-        <p14:creationId xmlns:p14="http://schemas.microsoft.com/office/powerpoint/2010/main" val="959335796"/>
-      </p:ext>
-    </p:extLst>
-  </p:cSld>
-  <p:clrMapOvr>
-    <a:masterClrMapping/>
-  </p:clrMapOvr>
-</p:sld>
-</file>
-
-<file path=ppt/slides/slide14.xml><?xml version="1.0" encoding="utf-8"?>
-<p:sld xmlns:a="http://schemas.openxmlformats.org/drawingml/2006/main" xmlns:r="http://schemas.openxmlformats.org/officeDocument/2006/relationships" xmlns:p="http://schemas.openxmlformats.org/presentationml/2006/main">
-  <p:cSld>
-    <p:spTree>
-      <p:nvGrpSpPr>
-        <p:cNvPr id="1" name=""/>
-        <p:cNvGrpSpPr/>
-        <p:nvPr/>
-      </p:nvGrpSpPr>
-      <p:grpSpPr>
-        <a:xfrm>
-          <a:off x="0" y="0"/>
-          <a:ext cx="0" cy="0"/>
-          <a:chOff x="0" y="0"/>
-          <a:chExt cx="0" cy="0"/>
-        </a:xfrm>
-      </p:grpSpPr>
-      <p:sp>
-        <p:nvSpPr>
           <p:cNvPr id="462" name="CustomShape 1"/>
           <p:cNvSpPr/>
           <p:nvPr/>
@@ -6443,7 +6902,7 @@
 </p:sld>
 </file>
 
-<file path=ppt/slides/slide15.xml><?xml version="1.0" encoding="utf-8"?>
+<file path=ppt/slides/slide17.xml><?xml version="1.0" encoding="utf-8"?>
 <p:sld xmlns:a="http://schemas.openxmlformats.org/drawingml/2006/main" xmlns:r="http://schemas.openxmlformats.org/officeDocument/2006/relationships" xmlns:p="http://schemas.openxmlformats.org/presentationml/2006/main">
   <p:cSld>
     <p:spTree>
@@ -8891,14 +9350,8 @@
             </a:endParaRPr>
           </a:p>
           <a:p>
-            <a:pPr marL="285840" indent="-262080">
-              <a:lnSpc>
-                <a:spcPct val="100000"/>
-              </a:lnSpc>
-              <a:buClr>
-                <a:srgbClr val="000000"/>
-              </a:buClr>
-              <a:buFont typeface="Arial"/>
+            <a:pPr marL="285750" indent="-285750" algn="l">
+              <a:buFont typeface="Arial" panose="020B0604020202020204" pitchFamily="34" charset="0"/>
               <a:buChar char="•"/>
             </a:pPr>
             <a:r>
@@ -8913,7 +9366,42 @@
                 <a:ea typeface="Open Sans"/>
                 <a:cs typeface="Arial" panose="020B0604020202020204" pitchFamily="34" charset="0"/>
               </a:rPr>
-              <a:t>TODO</a:t>
+              <a:t>:dbs </a:t>
+            </a:r>
+            <a:r>
+              <a:rPr lang="en-US" sz="1800" strike="noStrike" spc="-1" dirty="0">
+                <a:solidFill>
+                  <a:schemeClr val="tx1">
+                    <a:lumMod val="85000"/>
+                    <a:lumOff val="15000"/>
+                  </a:schemeClr>
+                </a:solidFill>
+                <a:latin typeface="Arial" panose="020B0604020202020204" pitchFamily="34" charset="0"/>
+                <a:ea typeface="Open Sans"/>
+                <a:cs typeface="Arial" panose="020B0604020202020204" pitchFamily="34" charset="0"/>
+                <a:sym typeface="Wingdings" panose="05000000000000000000" pitchFamily="2" charset="2"/>
+              </a:rPr>
+              <a:t> </a:t>
+            </a:r>
+            <a:r>
+              <a:rPr lang="en-US" b="0" i="0" dirty="0">
+                <a:solidFill>
+                  <a:srgbClr val="292C33"/>
+                </a:solidFill>
+                <a:effectLst/>
+                <a:latin typeface="Helvetica Neue"/>
+              </a:rPr>
+              <a:t>Databases available for the current user. </a:t>
+            </a:r>
+            <a:r>
+              <a:rPr lang="en-US" b="0" i="0" u="none" strike="noStrike" dirty="0">
+                <a:solidFill>
+                  <a:srgbClr val="428BCA"/>
+                </a:solidFill>
+                <a:effectLst/>
+                <a:latin typeface="Monaco"/>
+              </a:rPr>
+              <a:t>:use movies, :use neo4j, :use system</a:t>
             </a:r>
             <a:endParaRPr lang="en-IN" sz="1800" strike="noStrike" spc="-1" dirty="0">
               <a:solidFill>
@@ -8995,25 +9483,21 @@
           </a:bodyPr>
           <a:lstStyle/>
           <a:p>
-            <a:pPr algn="just">
-              <a:lnSpc>
-                <a:spcPct val="100000"/>
-              </a:lnSpc>
-            </a:pPr>
-            <a:r>
-              <a:rPr lang="en-US" sz="2000" b="0" i="0" dirty="0">
+            <a:pPr algn="just"/>
+            <a:r>
+              <a:rPr lang="en-US" sz="2000" dirty="0">
                 <a:solidFill>
                   <a:srgbClr val="2D3748"/>
                 </a:solidFill>
-                <a:effectLst/>
                 <a:latin typeface="Nunito Sans"/>
               </a:rPr>
-              <a:t>Databases can be deleted using the command</a:t>
-            </a:r>
-            <a:endParaRPr lang="en-IN" sz="2000" b="0" strike="noStrike" spc="-1" dirty="0">
-              <a:latin typeface="Open Sans" panose="020B0606030504020204" pitchFamily="34" charset="0"/>
-              <a:ea typeface="Open Sans" panose="020B0606030504020204" pitchFamily="34" charset="0"/>
-              <a:cs typeface="Open Sans" panose="020B0606030504020204" pitchFamily="34" charset="0"/>
+              <a:t>TODO.</a:t>
+            </a:r>
+            <a:endParaRPr lang="en-IN" sz="2000" dirty="0">
+              <a:solidFill>
+                <a:srgbClr val="2D3748"/>
+              </a:solidFill>
+              <a:latin typeface="Nunito Sans"/>
             </a:endParaRPr>
           </a:p>
         </p:txBody>
@@ -9075,7 +9559,7 @@
                 <a:latin typeface="Nunito Sans"/>
                 <a:ea typeface="DejaVu Sans"/>
               </a:rPr>
-              <a:t>dropping database</a:t>
+              <a:t>use database</a:t>
             </a:r>
             <a:endParaRPr lang="en-IN" sz="4000" b="0" strike="noStrike" spc="-1" dirty="0">
               <a:solidFill>
@@ -9160,72 +9644,7 @@
                 <a:latin typeface="Consolas" panose="020B0609020204030204" pitchFamily="49" charset="0"/>
                 <a:cs typeface="Arial" panose="020B0604020202020204" pitchFamily="34" charset="0"/>
               </a:rPr>
-              <a:t>DROP DATABASE name </a:t>
-            </a:r>
-            <a:r>
-              <a:rPr lang="en-US" sz="1900" b="0" i="0" dirty="0">
-                <a:solidFill>
-                  <a:srgbClr val="2D3748"/>
-                </a:solidFill>
-                <a:effectLst/>
-                <a:latin typeface="Consolas" panose="020B0609020204030204" pitchFamily="49" charset="0"/>
-                <a:cs typeface="Arial" panose="020B0604020202020204" pitchFamily="34" charset="0"/>
-              </a:rPr>
-              <a:t>[</a:t>
-            </a:r>
-            <a:r>
-              <a:rPr lang="en-US" sz="1900" b="0" i="0" dirty="0">
-                <a:solidFill>
-                  <a:srgbClr val="718096"/>
-                </a:solidFill>
-                <a:effectLst/>
-                <a:latin typeface="Consolas" panose="020B0609020204030204" pitchFamily="49" charset="0"/>
-                <a:cs typeface="Arial" panose="020B0604020202020204" pitchFamily="34" charset="0"/>
-              </a:rPr>
-              <a:t>IF</a:t>
-            </a:r>
-            <a:r>
-              <a:rPr lang="en-US" sz="1900" b="0" i="0" dirty="0">
-                <a:solidFill>
-                  <a:srgbClr val="2D3748"/>
-                </a:solidFill>
-                <a:effectLst/>
-                <a:latin typeface="Consolas" panose="020B0609020204030204" pitchFamily="49" charset="0"/>
-                <a:cs typeface="Arial" panose="020B0604020202020204" pitchFamily="34" charset="0"/>
-              </a:rPr>
-              <a:t> </a:t>
-            </a:r>
-            <a:r>
-              <a:rPr lang="en-US" sz="1900" b="0" i="0" dirty="0">
-                <a:solidFill>
-                  <a:srgbClr val="718096"/>
-                </a:solidFill>
-                <a:effectLst/>
-                <a:latin typeface="Consolas" panose="020B0609020204030204" pitchFamily="49" charset="0"/>
-                <a:cs typeface="Arial" panose="020B0604020202020204" pitchFamily="34" charset="0"/>
-              </a:rPr>
-              <a:t>EXISTS</a:t>
-            </a:r>
-            <a:r>
-              <a:rPr lang="en-US" sz="1900" b="0" i="0" dirty="0">
-                <a:solidFill>
-                  <a:srgbClr val="2D3748"/>
-                </a:solidFill>
-                <a:effectLst/>
-                <a:latin typeface="Consolas" panose="020B0609020204030204" pitchFamily="49" charset="0"/>
-                <a:cs typeface="Arial" panose="020B0604020202020204" pitchFamily="34" charset="0"/>
-              </a:rPr>
-              <a:t>]</a:t>
-            </a:r>
-            <a:r>
-              <a:rPr lang="en-US" sz="1900" spc="-1" dirty="0">
-                <a:solidFill>
-                  <a:srgbClr val="00B0F0"/>
-                </a:solidFill>
-                <a:latin typeface="Consolas" panose="020B0609020204030204" pitchFamily="49" charset="0"/>
-                <a:cs typeface="Arial" panose="020B0604020202020204" pitchFamily="34" charset="0"/>
-              </a:rPr>
-              <a:t> </a:t>
+              <a:t>:USE DATABASE name</a:t>
             </a:r>
             <a:endParaRPr lang="en-US" sz="1900" b="0" i="0" dirty="0">
               <a:solidFill>
@@ -9253,7 +9672,7 @@
         <p:spPr>
           <a:xfrm>
             <a:off x="243604" y="2358000"/>
-            <a:ext cx="11693880" cy="769441"/>
+            <a:ext cx="11693880" cy="369332"/>
           </a:xfrm>
           <a:prstGeom prst="rect">
             <a:avLst/>
@@ -9291,50 +9710,7 @@
                 </a:solidFill>
                 <a:latin typeface="Consolas" panose="020B0609020204030204" pitchFamily="49" charset="0"/>
               </a:rPr>
-              <a:t>drop database db1</a:t>
-            </a:r>
-          </a:p>
-          <a:p>
-            <a:pPr marL="285750" indent="-285750">
-              <a:buFont typeface="Arial" panose="020B0604020202020204" pitchFamily="34" charset="0"/>
-              <a:buChar char="•"/>
-            </a:pPr>
-            <a:endParaRPr lang="en-IN" sz="800" dirty="0">
-              <a:solidFill>
-                <a:schemeClr val="accent6">
-                  <a:lumMod val="50000"/>
-                </a:schemeClr>
-              </a:solidFill>
-              <a:latin typeface="Consolas" panose="020B0609020204030204" pitchFamily="49" charset="0"/>
-            </a:endParaRPr>
-          </a:p>
-          <a:p>
-            <a:pPr marL="285750" indent="-285750">
-              <a:buFont typeface="Arial" panose="020B0604020202020204" pitchFamily="34" charset="0"/>
-              <a:buChar char="•"/>
-            </a:pPr>
-            <a:r>
-              <a:rPr lang="en-IN" dirty="0">
-                <a:solidFill>
-                  <a:schemeClr val="tx1">
-                    <a:lumMod val="50000"/>
-                    <a:lumOff val="50000"/>
-                  </a:schemeClr>
-                </a:solidFill>
-                <a:latin typeface="Consolas" panose="020B0609020204030204" pitchFamily="49" charset="0"/>
-              </a:rPr>
-              <a:t>neo4j$ </a:t>
-            </a:r>
-            <a:r>
-              <a:rPr lang="en-IN" dirty="0">
-                <a:solidFill>
-                  <a:schemeClr val="accent6">
-                    <a:lumMod val="50000"/>
-                  </a:schemeClr>
-                </a:solidFill>
-                <a:latin typeface="Consolas" panose="020B0609020204030204" pitchFamily="49" charset="0"/>
-              </a:rPr>
-              <a:t>drop database db1 IF EXISTS</a:t>
+              <a:t>:use movies</a:t>
             </a:r>
           </a:p>
         </p:txBody>
@@ -9344,7 +9720,7 @@
           <p:cNvPr id="8" name="CustomShape 4">
             <a:extLst>
               <a:ext uri="{FF2B5EF4-FFF2-40B4-BE49-F238E27FC236}">
-                <a16:creationId xmlns:a16="http://schemas.microsoft.com/office/drawing/2014/main" id="{C1CFA5AC-A6FE-4EC2-80D0-E39BAFC04F0E}"/>
+                <a16:creationId xmlns:a16="http://schemas.microsoft.com/office/drawing/2014/main" id="{A53A7975-55F5-4FAB-8CC8-AB9E35DE859F}"/>
               </a:ext>
             </a:extLst>
           </p:cNvPr>
@@ -9466,7 +9842,7 @@
     </p:spTree>
     <p:extLst>
       <p:ext uri="{BB962C8B-B14F-4D97-AF65-F5344CB8AC3E}">
-        <p14:creationId xmlns:p14="http://schemas.microsoft.com/office/powerpoint/2010/main" val="309418102"/>
+        <p14:creationId xmlns:p14="http://schemas.microsoft.com/office/powerpoint/2010/main" val="3687030939"/>
       </p:ext>
     </p:extLst>
   </p:cSld>
@@ -9495,14 +9871,14 @@
       </p:grpSpPr>
       <p:sp>
         <p:nvSpPr>
-          <p:cNvPr id="109" name="CustomShape 1"/>
+          <p:cNvPr id="102" name="CustomShape 3"/>
           <p:cNvSpPr/>
           <p:nvPr/>
         </p:nvSpPr>
         <p:spPr>
           <a:xfrm>
-            <a:off x="1676520" y="2362320"/>
-            <a:ext cx="8815320" cy="921876"/>
+            <a:off x="246600" y="762120"/>
+            <a:ext cx="11693880" cy="398655"/>
           </a:xfrm>
           <a:prstGeom prst="rect">
             <a:avLst/>
@@ -9530,36 +9906,356 @@
           </a:bodyPr>
           <a:lstStyle/>
           <a:p>
-            <a:pPr algn="ctr">
+            <a:pPr algn="just">
               <a:lnSpc>
                 <a:spcPct val="100000"/>
               </a:lnSpc>
             </a:pPr>
             <a:r>
-              <a:rPr lang="en-IN" sz="5400" b="0" i="1" strike="noStrike" spc="-1" dirty="0">
-                <a:solidFill>
-                  <a:srgbClr val="781632"/>
-                </a:solidFill>
-                <a:latin typeface="Century"/>
+              <a:rPr lang="en-US" sz="2000" b="0" i="0" dirty="0">
+                <a:solidFill>
+                  <a:srgbClr val="2D3748"/>
+                </a:solidFill>
+                <a:effectLst/>
+                <a:latin typeface="Nunito Sans"/>
+              </a:rPr>
+              <a:t>Databases can be deleted using the command</a:t>
+            </a:r>
+            <a:endParaRPr lang="en-IN" sz="2000" b="0" strike="noStrike" spc="-1" dirty="0">
+              <a:latin typeface="Open Sans" panose="020B0606030504020204" pitchFamily="34" charset="0"/>
+              <a:ea typeface="Open Sans" panose="020B0606030504020204" pitchFamily="34" charset="0"/>
+              <a:cs typeface="Open Sans" panose="020B0606030504020204" pitchFamily="34" charset="0"/>
+            </a:endParaRPr>
+          </a:p>
+        </p:txBody>
+      </p:sp>
+      <p:sp>
+        <p:nvSpPr>
+          <p:cNvPr id="105" name="CustomShape 6"/>
+          <p:cNvSpPr/>
+          <p:nvPr/>
+        </p:nvSpPr>
+        <p:spPr>
+          <a:xfrm>
+            <a:off x="246600" y="0"/>
+            <a:ext cx="11693880" cy="706432"/>
+          </a:xfrm>
+          <a:prstGeom prst="rect">
+            <a:avLst/>
+          </a:prstGeom>
+          <a:solidFill>
+            <a:schemeClr val="accent6">
+              <a:lumMod val="75000"/>
+            </a:schemeClr>
+          </a:solidFill>
+          <a:ln>
+            <a:noFill/>
+          </a:ln>
+        </p:spPr>
+        <p:style>
+          <a:lnRef idx="0">
+            <a:scrgbClr r="0" g="0" b="0"/>
+          </a:lnRef>
+          <a:fillRef idx="0">
+            <a:scrgbClr r="0" g="0" b="0"/>
+          </a:fillRef>
+          <a:effectRef idx="0">
+            <a:scrgbClr r="0" g="0" b="0"/>
+          </a:effectRef>
+          <a:fontRef idx="minor"/>
+        </p:style>
+        <p:txBody>
+          <a:bodyPr lIns="90000" tIns="45000" rIns="90000" bIns="45000">
+            <a:spAutoFit/>
+          </a:bodyPr>
+          <a:lstStyle/>
+          <a:p>
+            <a:pPr algn="r">
+              <a:lnSpc>
+                <a:spcPct val="100000"/>
+              </a:lnSpc>
+            </a:pPr>
+            <a:r>
+              <a:rPr lang="en-IN" sz="4000" b="0" strike="noStrike" spc="-1" dirty="0">
+                <a:solidFill>
+                  <a:schemeClr val="accent6">
+                    <a:lumMod val="60000"/>
+                    <a:lumOff val="40000"/>
+                  </a:schemeClr>
+                </a:solidFill>
+                <a:latin typeface="Nunito Sans"/>
                 <a:ea typeface="DejaVu Sans"/>
               </a:rPr>
-              <a:t>creating node</a:t>
-            </a:r>
-            <a:endParaRPr lang="en-IN" sz="5400" b="0" strike="noStrike" spc="-1" dirty="0">
+              <a:t>dropping database</a:t>
+            </a:r>
+            <a:endParaRPr lang="en-IN" sz="4000" b="0" strike="noStrike" spc="-1" dirty="0">
               <a:solidFill>
-                <a:srgbClr val="781632"/>
+                <a:schemeClr val="accent6">
+                  <a:lumMod val="60000"/>
+                  <a:lumOff val="40000"/>
+                </a:schemeClr>
               </a:solidFill>
-              <a:latin typeface="Arial"/>
+              <a:latin typeface="Nunito Sans"/>
             </a:endParaRPr>
           </a:p>
         </p:txBody>
       </p:sp>
       <p:sp>
         <p:nvSpPr>
-          <p:cNvPr id="5" name="CustomShape 2">
+          <p:cNvPr id="108" name="Line 9"/>
+          <p:cNvSpPr/>
+          <p:nvPr/>
+        </p:nvSpPr>
+        <p:spPr>
+          <a:xfrm>
+            <a:off x="0" y="1536120"/>
+            <a:ext cx="12191760" cy="0"/>
+          </a:xfrm>
+          <a:prstGeom prst="line">
+            <a:avLst/>
+          </a:prstGeom>
+          <a:ln w="12600">
+            <a:solidFill>
+              <a:srgbClr val="6E78A0"/>
+            </a:solidFill>
+            <a:prstDash val="dash"/>
+            <a:round/>
+          </a:ln>
+        </p:spPr>
+        <p:style>
+          <a:lnRef idx="1">
+            <a:schemeClr val="accent1"/>
+          </a:lnRef>
+          <a:fillRef idx="0">
+            <a:schemeClr val="accent1"/>
+          </a:fillRef>
+          <a:effectRef idx="0">
+            <a:schemeClr val="accent1"/>
+          </a:effectRef>
+          <a:fontRef idx="minor"/>
+        </p:style>
+      </p:sp>
+      <p:sp>
+        <p:nvSpPr>
+          <p:cNvPr id="12" name="TextBox 11">
             <a:extLst>
               <a:ext uri="{FF2B5EF4-FFF2-40B4-BE49-F238E27FC236}">
-                <a16:creationId xmlns:a16="http://schemas.microsoft.com/office/drawing/2014/main" id="{0656F308-7B3E-4BF2-9C4C-9DD4069E6701}"/>
+                <a16:creationId xmlns:a16="http://schemas.microsoft.com/office/drawing/2014/main" id="{79242DF4-E3E0-4B3F-9DA3-EDDD02A6E7F5}"/>
+              </a:ext>
+            </a:extLst>
+          </p:cNvPr>
+          <p:cNvSpPr txBox="1"/>
+          <p:nvPr/>
+        </p:nvSpPr>
+        <p:spPr>
+          <a:xfrm>
+            <a:off x="246600" y="1686842"/>
+            <a:ext cx="11693880" cy="384721"/>
+          </a:xfrm>
+          <a:prstGeom prst="rect">
+            <a:avLst/>
+          </a:prstGeom>
+          <a:noFill/>
+        </p:spPr>
+        <p:txBody>
+          <a:bodyPr wrap="square">
+            <a:spAutoFit/>
+          </a:bodyPr>
+          <a:lstStyle/>
+          <a:p>
+            <a:r>
+              <a:rPr lang="en-US" sz="1900" spc="-1" dirty="0">
+                <a:solidFill>
+                  <a:srgbClr val="00B0F0"/>
+                </a:solidFill>
+                <a:latin typeface="Consolas" panose="020B0609020204030204" pitchFamily="49" charset="0"/>
+                <a:cs typeface="Arial" panose="020B0604020202020204" pitchFamily="34" charset="0"/>
+              </a:rPr>
+              <a:t>DROP DATABASE name </a:t>
+            </a:r>
+            <a:r>
+              <a:rPr lang="en-US" sz="1900" b="0" i="0" dirty="0">
+                <a:solidFill>
+                  <a:srgbClr val="2D3748"/>
+                </a:solidFill>
+                <a:effectLst/>
+                <a:latin typeface="Consolas" panose="020B0609020204030204" pitchFamily="49" charset="0"/>
+                <a:cs typeface="Arial" panose="020B0604020202020204" pitchFamily="34" charset="0"/>
+              </a:rPr>
+              <a:t>[</a:t>
+            </a:r>
+            <a:r>
+              <a:rPr lang="en-US" sz="1900" b="0" i="0" dirty="0">
+                <a:solidFill>
+                  <a:srgbClr val="718096"/>
+                </a:solidFill>
+                <a:effectLst/>
+                <a:latin typeface="Consolas" panose="020B0609020204030204" pitchFamily="49" charset="0"/>
+                <a:cs typeface="Arial" panose="020B0604020202020204" pitchFamily="34" charset="0"/>
+              </a:rPr>
+              <a:t>IF</a:t>
+            </a:r>
+            <a:r>
+              <a:rPr lang="en-US" sz="1900" b="0" i="0" dirty="0">
+                <a:solidFill>
+                  <a:srgbClr val="2D3748"/>
+                </a:solidFill>
+                <a:effectLst/>
+                <a:latin typeface="Consolas" panose="020B0609020204030204" pitchFamily="49" charset="0"/>
+                <a:cs typeface="Arial" panose="020B0604020202020204" pitchFamily="34" charset="0"/>
+              </a:rPr>
+              <a:t> </a:t>
+            </a:r>
+            <a:r>
+              <a:rPr lang="en-US" sz="1900" b="0" i="0" dirty="0">
+                <a:solidFill>
+                  <a:srgbClr val="718096"/>
+                </a:solidFill>
+                <a:effectLst/>
+                <a:latin typeface="Consolas" panose="020B0609020204030204" pitchFamily="49" charset="0"/>
+                <a:cs typeface="Arial" panose="020B0604020202020204" pitchFamily="34" charset="0"/>
+              </a:rPr>
+              <a:t>EXISTS</a:t>
+            </a:r>
+            <a:r>
+              <a:rPr lang="en-US" sz="1900" b="0" i="0" dirty="0">
+                <a:solidFill>
+                  <a:srgbClr val="2D3748"/>
+                </a:solidFill>
+                <a:effectLst/>
+                <a:latin typeface="Consolas" panose="020B0609020204030204" pitchFamily="49" charset="0"/>
+                <a:cs typeface="Arial" panose="020B0604020202020204" pitchFamily="34" charset="0"/>
+              </a:rPr>
+              <a:t>]</a:t>
+            </a:r>
+            <a:r>
+              <a:rPr lang="en-US" sz="1900" spc="-1" dirty="0">
+                <a:solidFill>
+                  <a:srgbClr val="00B0F0"/>
+                </a:solidFill>
+                <a:latin typeface="Consolas" panose="020B0609020204030204" pitchFamily="49" charset="0"/>
+                <a:cs typeface="Arial" panose="020B0604020202020204" pitchFamily="34" charset="0"/>
+              </a:rPr>
+              <a:t> </a:t>
+            </a:r>
+            <a:endParaRPr lang="en-US" sz="1900" b="0" i="0" dirty="0">
+              <a:solidFill>
+                <a:srgbClr val="2D3748"/>
+              </a:solidFill>
+              <a:effectLst/>
+              <a:latin typeface="Consolas" panose="020B0609020204030204" pitchFamily="49" charset="0"/>
+              <a:cs typeface="Arial" panose="020B0604020202020204" pitchFamily="34" charset="0"/>
+            </a:endParaRPr>
+          </a:p>
+        </p:txBody>
+      </p:sp>
+      <p:sp>
+        <p:nvSpPr>
+          <p:cNvPr id="15" name="TextBox 14">
+            <a:extLst>
+              <a:ext uri="{FF2B5EF4-FFF2-40B4-BE49-F238E27FC236}">
+                <a16:creationId xmlns:a16="http://schemas.microsoft.com/office/drawing/2014/main" id="{187A7629-BDF9-4DE3-B954-5B2AC8376F52}"/>
+              </a:ext>
+            </a:extLst>
+          </p:cNvPr>
+          <p:cNvSpPr txBox="1"/>
+          <p:nvPr/>
+        </p:nvSpPr>
+        <p:spPr>
+          <a:xfrm>
+            <a:off x="243604" y="2358000"/>
+            <a:ext cx="11693880" cy="769441"/>
+          </a:xfrm>
+          <a:prstGeom prst="rect">
+            <a:avLst/>
+          </a:prstGeom>
+          <a:noFill/>
+        </p:spPr>
+        <p:txBody>
+          <a:bodyPr wrap="square">
+            <a:spAutoFit/>
+          </a:bodyPr>
+          <a:lstStyle/>
+          <a:p>
+            <a:pPr marL="285750" indent="-285750">
+              <a:buFont typeface="Arial" panose="020B0604020202020204" pitchFamily="34" charset="0"/>
+              <a:buChar char="•"/>
+            </a:pPr>
+            <a:r>
+              <a:rPr lang="en-IN" dirty="0">
+                <a:solidFill>
+                  <a:schemeClr val="tx1">
+                    <a:lumMod val="50000"/>
+                    <a:lumOff val="50000"/>
+                  </a:schemeClr>
+                </a:solidFill>
+                <a:latin typeface="Consolas" panose="020B0609020204030204" pitchFamily="49" charset="0"/>
+              </a:rPr>
+              <a:t>neo4j$ </a:t>
+            </a:r>
+            <a:r>
+              <a:rPr lang="en-IN" dirty="0">
+                <a:solidFill>
+                  <a:schemeClr val="accent6">
+                    <a:lumMod val="50000"/>
+                  </a:schemeClr>
+                </a:solidFill>
+                <a:latin typeface="Consolas" panose="020B0609020204030204" pitchFamily="49" charset="0"/>
+              </a:rPr>
+              <a:t>drop database db1</a:t>
+            </a:r>
+          </a:p>
+          <a:p>
+            <a:pPr marL="285750" indent="-285750">
+              <a:buFont typeface="Arial" panose="020B0604020202020204" pitchFamily="34" charset="0"/>
+              <a:buChar char="•"/>
+            </a:pPr>
+            <a:endParaRPr lang="en-IN" sz="800" dirty="0">
+              <a:solidFill>
+                <a:schemeClr val="accent6">
+                  <a:lumMod val="50000"/>
+                </a:schemeClr>
+              </a:solidFill>
+              <a:latin typeface="Consolas" panose="020B0609020204030204" pitchFamily="49" charset="0"/>
+            </a:endParaRPr>
+          </a:p>
+          <a:p>
+            <a:pPr marL="285750" indent="-285750">
+              <a:buFont typeface="Arial" panose="020B0604020202020204" pitchFamily="34" charset="0"/>
+              <a:buChar char="•"/>
+            </a:pPr>
+            <a:r>
+              <a:rPr lang="en-IN" dirty="0">
+                <a:solidFill>
+                  <a:schemeClr val="tx1">
+                    <a:lumMod val="50000"/>
+                    <a:lumOff val="50000"/>
+                  </a:schemeClr>
+                </a:solidFill>
+                <a:latin typeface="Consolas" panose="020B0609020204030204" pitchFamily="49" charset="0"/>
+              </a:rPr>
+              <a:t>neo4j$ </a:t>
+            </a:r>
+            <a:r>
+              <a:rPr lang="en-IN" dirty="0">
+                <a:solidFill>
+                  <a:schemeClr val="accent6">
+                    <a:lumMod val="50000"/>
+                  </a:schemeClr>
+                </a:solidFill>
+                <a:latin typeface="Consolas" panose="020B0609020204030204" pitchFamily="49" charset="0"/>
+              </a:rPr>
+              <a:t>drop database db1 IF EXISTS</a:t>
+            </a:r>
+          </a:p>
+        </p:txBody>
+      </p:sp>
+      <p:sp>
+        <p:nvSpPr>
+          <p:cNvPr id="8" name="CustomShape 4">
+            <a:extLst>
+              <a:ext uri="{FF2B5EF4-FFF2-40B4-BE49-F238E27FC236}">
+                <a16:creationId xmlns:a16="http://schemas.microsoft.com/office/drawing/2014/main" id="{C1CFA5AC-A6FE-4EC2-80D0-E39BAFC04F0E}"/>
               </a:ext>
             </a:extLst>
           </p:cNvPr>
@@ -9568,70 +10264,6 @@
         </p:nvSpPr>
         <p:spPr>
           <a:xfrm>
-            <a:off x="1666800" y="3531600"/>
-            <a:ext cx="8815320" cy="367878"/>
-          </a:xfrm>
-          <a:prstGeom prst="rect">
-            <a:avLst/>
-          </a:prstGeom>
-          <a:noFill/>
-          <a:ln>
-            <a:noFill/>
-          </a:ln>
-        </p:spPr>
-        <p:style>
-          <a:lnRef idx="0">
-            <a:scrgbClr r="0" g="0" b="0"/>
-          </a:lnRef>
-          <a:fillRef idx="0">
-            <a:scrgbClr r="0" g="0" b="0"/>
-          </a:fillRef>
-          <a:effectRef idx="0">
-            <a:scrgbClr r="0" g="0" b="0"/>
-          </a:effectRef>
-          <a:fontRef idx="minor"/>
-        </p:style>
-        <p:txBody>
-          <a:bodyPr wrap="square" lIns="90000" tIns="45000" rIns="90000" bIns="45000">
-            <a:spAutoFit/>
-          </a:bodyPr>
-          <a:lstStyle/>
-          <a:p>
-            <a:pPr algn="just">
-              <a:lnSpc>
-                <a:spcPct val="100000"/>
-              </a:lnSpc>
-            </a:pPr>
-            <a:r>
-              <a:rPr lang="en-IN" sz="1800" b="0" strike="noStrike" spc="-1" dirty="0">
-                <a:solidFill>
-                  <a:srgbClr val="BB0643"/>
-                </a:solidFill>
-                <a:latin typeface="Segoe UI"/>
-                <a:ea typeface="DejaVu Sans"/>
-              </a:rPr>
-              <a:t>TODO</a:t>
-            </a:r>
-            <a:endParaRPr lang="en-IN" sz="1800" b="0" strike="noStrike" spc="-1" dirty="0">
-              <a:latin typeface="Arial"/>
-            </a:endParaRPr>
-          </a:p>
-        </p:txBody>
-      </p:sp>
-      <p:sp>
-        <p:nvSpPr>
-          <p:cNvPr id="4" name="CustomShape 4">
-            <a:extLst>
-              <a:ext uri="{FF2B5EF4-FFF2-40B4-BE49-F238E27FC236}">
-                <a16:creationId xmlns:a16="http://schemas.microsoft.com/office/drawing/2014/main" id="{02AD98A7-2A5F-4425-BDD7-7EFBA857FD08}"/>
-              </a:ext>
-            </a:extLst>
-          </p:cNvPr>
-          <p:cNvSpPr/>
-          <p:nvPr/>
-        </p:nvSpPr>
-        <p:spPr>
-          <a:xfrm>
             <a:off x="243604" y="5696497"/>
             <a:ext cx="11693880" cy="737210"/>
           </a:xfrm>
@@ -9706,6 +10338,9 @@
           </a:p>
           <a:p>
             <a:pPr marL="285840" indent="-262080">
+              <a:lnSpc>
+                <a:spcPct val="100000"/>
+              </a:lnSpc>
               <a:buClr>
                 <a:srgbClr val="000000"/>
               </a:buClr>
@@ -9713,14 +10348,18 @@
               <a:buChar char="•"/>
             </a:pPr>
             <a:r>
-              <a:rPr lang="en-US" b="0" i="0" dirty="0">
-                <a:solidFill>
-                  <a:srgbClr val="333333"/>
-                </a:solidFill>
-                <a:effectLst/>
+              <a:rPr lang="en-US" sz="1800" strike="noStrike" spc="-1" dirty="0">
+                <a:solidFill>
+                  <a:schemeClr val="tx1">
+                    <a:lumMod val="85000"/>
+                    <a:lumOff val="15000"/>
+                  </a:schemeClr>
+                </a:solidFill>
                 <a:latin typeface="Arial" panose="020B0604020202020204" pitchFamily="34" charset="0"/>
-              </a:rPr>
-              <a:t>You can add or ignore semicolon (;). It is optional.</a:t>
+                <a:ea typeface="Open Sans"/>
+                <a:cs typeface="Arial" panose="020B0604020202020204" pitchFamily="34" charset="0"/>
+              </a:rPr>
+              <a:t>TODO</a:t>
             </a:r>
             <a:endParaRPr lang="en-IN" sz="1800" strike="noStrike" spc="-1" dirty="0">
               <a:solidFill>
@@ -9738,7 +10377,7 @@
     </p:spTree>
     <p:extLst>
       <p:ext uri="{BB962C8B-B14F-4D97-AF65-F5344CB8AC3E}">
-        <p14:creationId xmlns:p14="http://schemas.microsoft.com/office/powerpoint/2010/main" val="575986782"/>
+        <p14:creationId xmlns:p14="http://schemas.microsoft.com/office/powerpoint/2010/main" val="309418102"/>
       </p:ext>
     </p:extLst>
   </p:cSld>
@@ -9767,14 +10406,14 @@
       </p:grpSpPr>
       <p:sp>
         <p:nvSpPr>
-          <p:cNvPr id="102" name="CustomShape 3"/>
+          <p:cNvPr id="109" name="CustomShape 1"/>
           <p:cNvSpPr/>
           <p:nvPr/>
         </p:nvSpPr>
         <p:spPr>
           <a:xfrm>
-            <a:off x="246600" y="762120"/>
-            <a:ext cx="11693880" cy="398655"/>
+            <a:off x="1676520" y="2362320"/>
+            <a:ext cx="8815320" cy="921876"/>
           </a:xfrm>
           <a:prstGeom prst="rect">
             <a:avLst/>
@@ -9802,28 +10441,103 @@
           </a:bodyPr>
           <a:lstStyle/>
           <a:p>
-            <a:pPr algn="just"/>
-            <a:r>
-              <a:rPr lang="en-US" sz="2000" dirty="0">
-                <a:solidFill>
-                  <a:srgbClr val="2D3748"/>
-                </a:solidFill>
-                <a:latin typeface="Nunito Sans"/>
+            <a:pPr algn="ctr">
+              <a:lnSpc>
+                <a:spcPct val="100000"/>
+              </a:lnSpc>
+            </a:pPr>
+            <a:r>
+              <a:rPr lang="en-IN" sz="5400" b="0" i="1" strike="noStrike" spc="-1" dirty="0">
+                <a:solidFill>
+                  <a:srgbClr val="781632"/>
+                </a:solidFill>
+                <a:latin typeface="Century"/>
+                <a:ea typeface="DejaVu Sans"/>
+              </a:rPr>
+              <a:t>creating node</a:t>
+            </a:r>
+            <a:endParaRPr lang="en-IN" sz="5400" b="0" strike="noStrike" spc="-1" dirty="0">
+              <a:solidFill>
+                <a:srgbClr val="781632"/>
+              </a:solidFill>
+              <a:latin typeface="Arial"/>
+            </a:endParaRPr>
+          </a:p>
+        </p:txBody>
+      </p:sp>
+      <p:sp>
+        <p:nvSpPr>
+          <p:cNvPr id="5" name="CustomShape 2">
+            <a:extLst>
+              <a:ext uri="{FF2B5EF4-FFF2-40B4-BE49-F238E27FC236}">
+                <a16:creationId xmlns:a16="http://schemas.microsoft.com/office/drawing/2014/main" id="{0656F308-7B3E-4BF2-9C4C-9DD4069E6701}"/>
+              </a:ext>
+            </a:extLst>
+          </p:cNvPr>
+          <p:cNvSpPr/>
+          <p:nvPr/>
+        </p:nvSpPr>
+        <p:spPr>
+          <a:xfrm>
+            <a:off x="1666800" y="3531600"/>
+            <a:ext cx="8815320" cy="367878"/>
+          </a:xfrm>
+          <a:prstGeom prst="rect">
+            <a:avLst/>
+          </a:prstGeom>
+          <a:noFill/>
+          <a:ln>
+            <a:noFill/>
+          </a:ln>
+        </p:spPr>
+        <p:style>
+          <a:lnRef idx="0">
+            <a:scrgbClr r="0" g="0" b="0"/>
+          </a:lnRef>
+          <a:fillRef idx="0">
+            <a:scrgbClr r="0" g="0" b="0"/>
+          </a:fillRef>
+          <a:effectRef idx="0">
+            <a:scrgbClr r="0" g="0" b="0"/>
+          </a:effectRef>
+          <a:fontRef idx="minor"/>
+        </p:style>
+        <p:txBody>
+          <a:bodyPr wrap="square" lIns="90000" tIns="45000" rIns="90000" bIns="45000">
+            <a:spAutoFit/>
+          </a:bodyPr>
+          <a:lstStyle/>
+          <a:p>
+            <a:pPr algn="just">
+              <a:lnSpc>
+                <a:spcPct val="100000"/>
+              </a:lnSpc>
+            </a:pPr>
+            <a:r>
+              <a:rPr lang="en-IN" sz="1800" b="0" strike="noStrike" spc="-1" dirty="0">
+                <a:solidFill>
+                  <a:srgbClr val="BB0643"/>
+                </a:solidFill>
+                <a:latin typeface="Segoe UI"/>
+                <a:ea typeface="DejaVu Sans"/>
               </a:rPr>
               <a:t>TODO</a:t>
             </a:r>
-            <a:endParaRPr lang="en-IN" sz="2000" dirty="0">
-              <a:solidFill>
-                <a:srgbClr val="2D3748"/>
-              </a:solidFill>
-              <a:latin typeface="Nunito Sans"/>
+            <a:endParaRPr lang="en-IN" sz="1800" b="0" strike="noStrike" spc="-1" dirty="0">
+              <a:latin typeface="Arial"/>
             </a:endParaRPr>
           </a:p>
         </p:txBody>
       </p:sp>
       <p:sp>
         <p:nvSpPr>
-          <p:cNvPr id="103" name="CustomShape 4"/>
+          <p:cNvPr id="4" name="CustomShape 4">
+            <a:extLst>
+              <a:ext uri="{FF2B5EF4-FFF2-40B4-BE49-F238E27FC236}">
+                <a16:creationId xmlns:a16="http://schemas.microsoft.com/office/drawing/2014/main" id="{02AD98A7-2A5F-4425-BDD7-7EFBA857FD08}"/>
+              </a:ext>
+            </a:extLst>
+          </p:cNvPr>
           <p:cNvSpPr/>
           <p:nvPr/>
         </p:nvSpPr>
@@ -9917,7 +10631,7 @@
                 <a:effectLst/>
                 <a:latin typeface="Arial" panose="020B0604020202020204" pitchFamily="34" charset="0"/>
               </a:rPr>
-              <a:t>TODO</a:t>
+              <a:t>You can add or ignore semicolon (;). It is optional.</a:t>
             </a:r>
             <a:endParaRPr lang="en-IN" sz="1800" strike="noStrike" spc="-1" dirty="0">
               <a:solidFill>
@@ -9932,301 +10646,10 @@
           </a:p>
         </p:txBody>
       </p:sp>
-      <p:sp>
-        <p:nvSpPr>
-          <p:cNvPr id="105" name="CustomShape 6"/>
-          <p:cNvSpPr/>
-          <p:nvPr/>
-        </p:nvSpPr>
-        <p:spPr>
-          <a:xfrm>
-            <a:off x="246600" y="0"/>
-            <a:ext cx="11693880" cy="706432"/>
-          </a:xfrm>
-          <a:prstGeom prst="rect">
-            <a:avLst/>
-          </a:prstGeom>
-          <a:solidFill>
-            <a:schemeClr val="accent6">
-              <a:lumMod val="75000"/>
-            </a:schemeClr>
-          </a:solidFill>
-          <a:ln>
-            <a:noFill/>
-          </a:ln>
-        </p:spPr>
-        <p:style>
-          <a:lnRef idx="0">
-            <a:scrgbClr r="0" g="0" b="0"/>
-          </a:lnRef>
-          <a:fillRef idx="0">
-            <a:scrgbClr r="0" g="0" b="0"/>
-          </a:fillRef>
-          <a:effectRef idx="0">
-            <a:scrgbClr r="0" g="0" b="0"/>
-          </a:effectRef>
-          <a:fontRef idx="minor"/>
-        </p:style>
-        <p:txBody>
-          <a:bodyPr lIns="90000" tIns="45000" rIns="90000" bIns="45000">
-            <a:spAutoFit/>
-          </a:bodyPr>
-          <a:lstStyle/>
-          <a:p>
-            <a:pPr algn="r"/>
-            <a:r>
-              <a:rPr lang="en-IN" sz="4000" b="0" strike="noStrike" spc="-1" dirty="0">
-                <a:solidFill>
-                  <a:schemeClr val="accent6">
-                    <a:lumMod val="60000"/>
-                    <a:lumOff val="40000"/>
-                  </a:schemeClr>
-                </a:solidFill>
-                <a:latin typeface="Nunito Sans"/>
-                <a:ea typeface="DejaVu Sans"/>
-              </a:rPr>
-              <a:t>create single/</a:t>
-            </a:r>
-            <a:r>
-              <a:rPr lang="en-IN" sz="4000" spc="-1" dirty="0">
-                <a:solidFill>
-                  <a:schemeClr val="accent6">
-                    <a:lumMod val="60000"/>
-                    <a:lumOff val="40000"/>
-                  </a:schemeClr>
-                </a:solidFill>
-                <a:latin typeface="Nunito Sans"/>
-              </a:rPr>
-              <a:t>multiple</a:t>
-            </a:r>
-            <a:r>
-              <a:rPr lang="en-IN" sz="4000" b="0" strike="noStrike" spc="-1" dirty="0">
-                <a:solidFill>
-                  <a:schemeClr val="accent6">
-                    <a:lumMod val="60000"/>
-                    <a:lumOff val="40000"/>
-                  </a:schemeClr>
-                </a:solidFill>
-                <a:latin typeface="Nunito Sans"/>
-                <a:ea typeface="DejaVu Sans"/>
-              </a:rPr>
-              <a:t> node</a:t>
-            </a:r>
-            <a:endParaRPr lang="en-IN" sz="4000" b="0" strike="noStrike" spc="-1" dirty="0">
-              <a:solidFill>
-                <a:schemeClr val="accent6">
-                  <a:lumMod val="60000"/>
-                  <a:lumOff val="40000"/>
-                </a:schemeClr>
-              </a:solidFill>
-              <a:latin typeface="Nunito Sans"/>
-            </a:endParaRPr>
-          </a:p>
-        </p:txBody>
-      </p:sp>
-      <p:sp>
-        <p:nvSpPr>
-          <p:cNvPr id="108" name="Line 9"/>
-          <p:cNvSpPr/>
-          <p:nvPr/>
-        </p:nvSpPr>
-        <p:spPr>
-          <a:xfrm>
-            <a:off x="0" y="1536120"/>
-            <a:ext cx="12191760" cy="0"/>
-          </a:xfrm>
-          <a:prstGeom prst="line">
-            <a:avLst/>
-          </a:prstGeom>
-          <a:ln w="12600">
-            <a:solidFill>
-              <a:srgbClr val="6E78A0"/>
-            </a:solidFill>
-            <a:prstDash val="dash"/>
-            <a:round/>
-          </a:ln>
-        </p:spPr>
-        <p:style>
-          <a:lnRef idx="1">
-            <a:schemeClr val="accent1"/>
-          </a:lnRef>
-          <a:fillRef idx="0">
-            <a:schemeClr val="accent1"/>
-          </a:fillRef>
-          <a:effectRef idx="0">
-            <a:schemeClr val="accent1"/>
-          </a:effectRef>
-          <a:fontRef idx="minor"/>
-        </p:style>
-      </p:sp>
-      <p:sp>
-        <p:nvSpPr>
-          <p:cNvPr id="12" name="TextBox 11">
-            <a:extLst>
-              <a:ext uri="{FF2B5EF4-FFF2-40B4-BE49-F238E27FC236}">
-                <a16:creationId xmlns:a16="http://schemas.microsoft.com/office/drawing/2014/main" id="{79242DF4-E3E0-4B3F-9DA3-EDDD02A6E7F5}"/>
-              </a:ext>
-            </a:extLst>
-          </p:cNvPr>
-          <p:cNvSpPr txBox="1"/>
-          <p:nvPr/>
-        </p:nvSpPr>
-        <p:spPr>
-          <a:xfrm>
-            <a:off x="246600" y="1686842"/>
-            <a:ext cx="11693880" cy="738664"/>
-          </a:xfrm>
-          <a:prstGeom prst="rect">
-            <a:avLst/>
-          </a:prstGeom>
-          <a:noFill/>
-        </p:spPr>
-        <p:txBody>
-          <a:bodyPr wrap="square">
-            <a:spAutoFit/>
-          </a:bodyPr>
-          <a:lstStyle/>
-          <a:p>
-            <a:r>
-              <a:rPr lang="en-IN" sz="1900" spc="-1" dirty="0">
-                <a:solidFill>
-                  <a:srgbClr val="00B0F0"/>
-                </a:solidFill>
-                <a:latin typeface="Consolas" panose="020B0609020204030204" pitchFamily="49" charset="0"/>
-                <a:cs typeface="Arial" panose="020B0604020202020204" pitchFamily="34" charset="0"/>
-              </a:rPr>
-              <a:t>CREATE (n)</a:t>
-            </a:r>
-          </a:p>
-          <a:p>
-            <a:endParaRPr lang="en-IN" sz="400" b="0" i="0" spc="-1" dirty="0">
-              <a:solidFill>
-                <a:srgbClr val="00B0F0"/>
-              </a:solidFill>
-              <a:effectLst/>
-              <a:latin typeface="Consolas" panose="020B0609020204030204" pitchFamily="49" charset="0"/>
-              <a:cs typeface="Arial" panose="020B0604020202020204" pitchFamily="34" charset="0"/>
-            </a:endParaRPr>
-          </a:p>
-          <a:p>
-            <a:r>
-              <a:rPr lang="en-IN" sz="1900" spc="-1" dirty="0">
-                <a:solidFill>
-                  <a:srgbClr val="00B0F0"/>
-                </a:solidFill>
-                <a:latin typeface="Consolas" panose="020B0609020204030204" pitchFamily="49" charset="0"/>
-                <a:cs typeface="Arial" panose="020B0604020202020204" pitchFamily="34" charset="0"/>
-              </a:rPr>
-              <a:t>CREATE (n), (m), ...</a:t>
-            </a:r>
-          </a:p>
-        </p:txBody>
-      </p:sp>
-      <p:sp>
-        <p:nvSpPr>
-          <p:cNvPr id="15" name="TextBox 14">
-            <a:extLst>
-              <a:ext uri="{FF2B5EF4-FFF2-40B4-BE49-F238E27FC236}">
-                <a16:creationId xmlns:a16="http://schemas.microsoft.com/office/drawing/2014/main" id="{187A7629-BDF9-4DE3-B954-5B2AC8376F52}"/>
-              </a:ext>
-            </a:extLst>
-          </p:cNvPr>
-          <p:cNvSpPr txBox="1"/>
-          <p:nvPr/>
-        </p:nvSpPr>
-        <p:spPr>
-          <a:xfrm>
-            <a:off x="243604" y="2587551"/>
-            <a:ext cx="11693880" cy="769441"/>
-          </a:xfrm>
-          <a:prstGeom prst="rect">
-            <a:avLst/>
-          </a:prstGeom>
-          <a:noFill/>
-        </p:spPr>
-        <p:txBody>
-          <a:bodyPr wrap="square">
-            <a:spAutoFit/>
-          </a:bodyPr>
-          <a:lstStyle/>
-          <a:p>
-            <a:pPr marL="285750" indent="-285750">
-              <a:buFont typeface="Arial" panose="020B0604020202020204" pitchFamily="34" charset="0"/>
-              <a:buChar char="•"/>
-            </a:pPr>
-            <a:r>
-              <a:rPr lang="en-IN" dirty="0">
-                <a:solidFill>
-                  <a:schemeClr val="tx1">
-                    <a:lumMod val="50000"/>
-                    <a:lumOff val="50000"/>
-                  </a:schemeClr>
-                </a:solidFill>
-                <a:latin typeface="Consolas" panose="020B0609020204030204" pitchFamily="49" charset="0"/>
-              </a:rPr>
-              <a:t>neo4j$ </a:t>
-            </a:r>
-            <a:r>
-              <a:rPr lang="en-IN" dirty="0">
-                <a:solidFill>
-                  <a:schemeClr val="accent6">
-                    <a:lumMod val="50000"/>
-                  </a:schemeClr>
-                </a:solidFill>
-                <a:latin typeface="Consolas" panose="020B0609020204030204" pitchFamily="49" charset="0"/>
-              </a:rPr>
-              <a:t>create (Saleel)</a:t>
-            </a:r>
-          </a:p>
-          <a:p>
-            <a:pPr marL="285750" indent="-285750">
-              <a:buFont typeface="Arial" panose="020B0604020202020204" pitchFamily="34" charset="0"/>
-              <a:buChar char="•"/>
-            </a:pPr>
-            <a:endParaRPr lang="en-IN" sz="800" dirty="0">
-              <a:solidFill>
-                <a:schemeClr val="accent6">
-                  <a:lumMod val="50000"/>
-                </a:schemeClr>
-              </a:solidFill>
-              <a:latin typeface="Consolas" panose="020B0609020204030204" pitchFamily="49" charset="0"/>
-            </a:endParaRPr>
-          </a:p>
-          <a:p>
-            <a:pPr marL="285750" indent="-285750">
-              <a:buFont typeface="Arial" panose="020B0604020202020204" pitchFamily="34" charset="0"/>
-              <a:buChar char="•"/>
-            </a:pPr>
-            <a:r>
-              <a:rPr lang="en-IN" dirty="0">
-                <a:solidFill>
-                  <a:schemeClr val="tx1">
-                    <a:lumMod val="50000"/>
-                    <a:lumOff val="50000"/>
-                  </a:schemeClr>
-                </a:solidFill>
-                <a:latin typeface="Consolas" panose="020B0609020204030204" pitchFamily="49" charset="0"/>
-              </a:rPr>
-              <a:t>neo4j$ </a:t>
-            </a:r>
-            <a:r>
-              <a:rPr lang="en-IN" dirty="0">
-                <a:solidFill>
-                  <a:schemeClr val="accent6">
-                    <a:lumMod val="50000"/>
-                  </a:schemeClr>
-                </a:solidFill>
-                <a:latin typeface="Consolas" panose="020B0609020204030204" pitchFamily="49" charset="0"/>
-              </a:rPr>
-              <a:t>create (Sharmin), (Vrushali) </a:t>
-            </a:r>
-          </a:p>
-        </p:txBody>
-      </p:sp>
     </p:spTree>
     <p:extLst>
       <p:ext uri="{BB962C8B-B14F-4D97-AF65-F5344CB8AC3E}">
-        <p14:creationId xmlns:p14="http://schemas.microsoft.com/office/powerpoint/2010/main" val="3783570312"/>
+        <p14:creationId xmlns:p14="http://schemas.microsoft.com/office/powerpoint/2010/main" val="575986782"/>
       </p:ext>
     </p:extLst>
   </p:cSld>

--- a/Neo4j.pptx
+++ b/Neo4j.pptx
@@ -6643,8 +6643,34 @@
                 </a:solidFill>
                 <a:latin typeface="Consolas" panose="020B0609020204030204" pitchFamily="49" charset="0"/>
               </a:rPr>
-              <a:t>match(x) RETURN x</a:t>
-            </a:r>
+              <a:t>match(x) RETURN x			</a:t>
+            </a:r>
+            <a:r>
+              <a:rPr lang="en-US" dirty="0">
+                <a:solidFill>
+                  <a:srgbClr val="39AE0A"/>
+                </a:solidFill>
+                <a:latin typeface="Consolas" panose="020B0609020204030204" pitchFamily="49" charset="0"/>
+              </a:rPr>
+              <a:t>// match </a:t>
+            </a:r>
+            <a:r>
+              <a:rPr lang="en-US">
+                <a:solidFill>
+                  <a:srgbClr val="39AE0A"/>
+                </a:solidFill>
+                <a:latin typeface="Consolas" panose="020B0609020204030204" pitchFamily="49" charset="0"/>
+              </a:rPr>
+              <a:t>all nodes</a:t>
+            </a:r>
+            <a:endParaRPr lang="en-IN" dirty="0">
+              <a:solidFill>
+                <a:schemeClr val="accent6">
+                  <a:lumMod val="50000"/>
+                </a:schemeClr>
+              </a:solidFill>
+              <a:latin typeface="Consolas" panose="020B0609020204030204" pitchFamily="49" charset="0"/>
+            </a:endParaRPr>
           </a:p>
           <a:p>
             <a:pPr marL="285750" indent="-285750">
@@ -6708,7 +6734,16 @@
                 </a:solidFill>
                 <a:latin typeface="Consolas" panose="020B0609020204030204" pitchFamily="49" charset="0"/>
               </a:rPr>
-              <a:t>x</a:t>
+              <a:t>x		</a:t>
+            </a:r>
+            <a:r>
+              <a:rPr lang="en-US" dirty="0">
+                <a:solidFill>
+                  <a:srgbClr val="39AE0A"/>
+                </a:solidFill>
+                <a:latin typeface="Consolas" panose="020B0609020204030204" pitchFamily="49" charset="0"/>
+              </a:rPr>
+              <a:t>// match with label :Person</a:t>
             </a:r>
           </a:p>
         </p:txBody>

--- a/Neo4j.pptx
+++ b/Neo4j.pptx
@@ -237,7 +237,7 @@
             <a:fld id="{757F699C-254E-44B6-B18D-E7E82B2FC743}" type="datetimeFigureOut">
               <a:rPr lang="en-IN" smtClean="0"/>
               <a:pPr/>
-              <a:t>23-06-2021</a:t>
+              <a:t>24-06-2021</a:t>
             </a:fld>
             <a:endParaRPr lang="en-IN"/>
           </a:p>
@@ -1063,7 +1063,7 @@
             <a:fld id="{52F73076-280E-4994-B9AF-08CB19D7A53F}" type="datetimeFigureOut">
               <a:rPr lang="en-US" smtClean="0"/>
               <a:pPr/>
-              <a:t>6/23/2021</a:t>
+              <a:t>6/24/2021</a:t>
             </a:fld>
             <a:endParaRPr lang="en-US" dirty="0"/>
           </a:p>
@@ -1508,7 +1508,7 @@
             <a:fld id="{52F73076-280E-4994-B9AF-08CB19D7A53F}" type="datetimeFigureOut">
               <a:rPr lang="en-US" smtClean="0"/>
               <a:pPr/>
-              <a:t>6/23/2021</a:t>
+              <a:t>6/24/2021</a:t>
             </a:fld>
             <a:endParaRPr lang="en-US" dirty="0"/>
           </a:p>
@@ -2440,7 +2440,7 @@
             <a:fld id="{52F73076-280E-4994-B9AF-08CB19D7A53F}" type="datetimeFigureOut">
               <a:rPr lang="en-US" smtClean="0"/>
               <a:pPr/>
-              <a:t>6/23/2021</a:t>
+              <a:t>6/24/2021</a:t>
             </a:fld>
             <a:endParaRPr lang="en-US" dirty="0"/>
           </a:p>
@@ -2858,7 +2858,7 @@
             <a:fld id="{52F73076-280E-4994-B9AF-08CB19D7A53F}" type="datetimeFigureOut">
               <a:rPr lang="en-US" smtClean="0"/>
               <a:pPr/>
-              <a:t>6/23/2021</a:t>
+              <a:t>6/24/2021</a:t>
             </a:fld>
             <a:endParaRPr lang="en-US" dirty="0"/>
           </a:p>
@@ -4611,9 +4611,18 @@
                     <a:lumOff val="50000"/>
                   </a:schemeClr>
                 </a:solidFill>
-                <a:latin typeface="Consolas" panose="020B0609020204030204" pitchFamily="49" charset="0"/>
+                <a:latin typeface="Gill Sans MT (Body)"/>
               </a:rPr>
               <a:t>neo4j$ </a:t>
+            </a:r>
+            <a:r>
+              <a:rPr lang="en-IN" dirty="0">
+                <a:solidFill>
+                  <a:srgbClr val="859900"/>
+                </a:solidFill>
+                <a:latin typeface="Gill Sans MT (Body)"/>
+              </a:rPr>
+              <a:t>create</a:t>
             </a:r>
             <a:r>
               <a:rPr lang="en-IN" dirty="0">
@@ -4622,9 +4631,9 @@
                     <a:lumMod val="50000"/>
                   </a:schemeClr>
                 </a:solidFill>
-                <a:latin typeface="Consolas" panose="020B0609020204030204" pitchFamily="49" charset="0"/>
-              </a:rPr>
-              <a:t>create (Saleel)</a:t>
+                <a:latin typeface="Gill Sans MT (Body)"/>
+              </a:rPr>
+              <a:t> (Saleel)</a:t>
             </a:r>
           </a:p>
           <a:p>
@@ -4638,7 +4647,7 @@
                   <a:lumMod val="50000"/>
                 </a:schemeClr>
               </a:solidFill>
-              <a:latin typeface="Consolas" panose="020B0609020204030204" pitchFamily="49" charset="0"/>
+              <a:latin typeface="Gill Sans MT (Body)"/>
             </a:endParaRPr>
           </a:p>
           <a:p>
@@ -4654,9 +4663,18 @@
                     <a:lumOff val="50000"/>
                   </a:schemeClr>
                 </a:solidFill>
-                <a:latin typeface="Consolas" panose="020B0609020204030204" pitchFamily="49" charset="0"/>
+                <a:latin typeface="Gill Sans MT (Body)"/>
               </a:rPr>
               <a:t>neo4j$ </a:t>
+            </a:r>
+            <a:r>
+              <a:rPr lang="en-IN" dirty="0">
+                <a:solidFill>
+                  <a:srgbClr val="859900"/>
+                </a:solidFill>
+                <a:latin typeface="Gill Sans MT (Body)"/>
+              </a:rPr>
+              <a:t>create</a:t>
             </a:r>
             <a:r>
               <a:rPr lang="en-IN" dirty="0">
@@ -4665,128 +4683,10 @@
                     <a:lumMod val="50000"/>
                   </a:schemeClr>
                 </a:solidFill>
-                <a:latin typeface="Consolas" panose="020B0609020204030204" pitchFamily="49" charset="0"/>
-              </a:rPr>
-              <a:t>create (Sharmin), (Vrushali) </a:t>
-            </a:r>
-          </a:p>
-        </p:txBody>
-      </p:sp>
-      <p:sp>
-        <p:nvSpPr>
-          <p:cNvPr id="9" name="TextBox 8">
-            <a:extLst>
-              <a:ext uri="{FF2B5EF4-FFF2-40B4-BE49-F238E27FC236}">
-                <a16:creationId xmlns:a16="http://schemas.microsoft.com/office/drawing/2014/main" id="{A52529A2-9B92-4782-9956-DFA1FA6E1EF8}"/>
-              </a:ext>
-            </a:extLst>
-          </p:cNvPr>
-          <p:cNvSpPr txBox="1"/>
-          <p:nvPr/>
-        </p:nvSpPr>
-        <p:spPr>
-          <a:xfrm>
-            <a:off x="551384" y="4375824"/>
-            <a:ext cx="6100548" cy="369332"/>
-          </a:xfrm>
-          <a:prstGeom prst="rect">
-            <a:avLst/>
-          </a:prstGeom>
-          <a:noFill/>
-        </p:spPr>
-        <p:txBody>
-          <a:bodyPr wrap="square">
-            <a:spAutoFit/>
-          </a:bodyPr>
-          <a:lstStyle/>
-          <a:p>
-            <a:r>
-              <a:rPr lang="en-IN" dirty="0">
-                <a:solidFill>
-                  <a:srgbClr val="859900"/>
-                </a:solidFill>
-                <a:effectLst/>
-              </a:rPr>
-              <a:t>match</a:t>
-            </a:r>
-            <a:r>
-              <a:rPr lang="en-IN" dirty="0">
-                <a:solidFill>
-                  <a:srgbClr val="586E75"/>
-                </a:solidFill>
-                <a:effectLst/>
-              </a:rPr>
-              <a:t>(</a:t>
-            </a:r>
-            <a:r>
-              <a:rPr lang="en-IN" dirty="0">
-                <a:solidFill>
-                  <a:srgbClr val="333333"/>
-                </a:solidFill>
-                <a:effectLst/>
-              </a:rPr>
-              <a:t>x</a:t>
-            </a:r>
-            <a:r>
-              <a:rPr lang="en-IN" dirty="0">
-                <a:solidFill>
-                  <a:srgbClr val="586E75"/>
-                </a:solidFill>
-                <a:effectLst/>
-              </a:rPr>
-              <a:t>)</a:t>
-            </a:r>
-            <a:r>
-              <a:rPr lang="en-IN" dirty="0">
-                <a:solidFill>
-                  <a:srgbClr val="333333"/>
-                </a:solidFill>
-                <a:effectLst/>
-              </a:rPr>
-              <a:t> </a:t>
-            </a:r>
-            <a:r>
-              <a:rPr lang="en-IN" dirty="0">
-                <a:solidFill>
-                  <a:srgbClr val="859900"/>
-                </a:solidFill>
-                <a:effectLst/>
-              </a:rPr>
-              <a:t>DETACH</a:t>
-            </a:r>
-            <a:r>
-              <a:rPr lang="en-IN" dirty="0">
-                <a:solidFill>
-                  <a:srgbClr val="333333"/>
-                </a:solidFill>
-                <a:effectLst/>
-              </a:rPr>
-              <a:t> </a:t>
-            </a:r>
-            <a:r>
-              <a:rPr lang="en-IN" dirty="0">
-                <a:solidFill>
-                  <a:srgbClr val="859900"/>
-                </a:solidFill>
-                <a:effectLst/>
-              </a:rPr>
-              <a:t>delete</a:t>
-            </a:r>
-            <a:r>
-              <a:rPr lang="en-IN" dirty="0">
-                <a:solidFill>
-                  <a:srgbClr val="333333"/>
-                </a:solidFill>
-                <a:effectLst/>
-              </a:rPr>
-              <a:t> x</a:t>
-            </a:r>
-            <a:endParaRPr lang="en-IN" dirty="0">
-              <a:solidFill>
-                <a:srgbClr val="000000"/>
-              </a:solidFill>
-              <a:effectLst/>
-            </a:endParaRPr>
+                <a:latin typeface="Gill Sans MT (Body)"/>
+              </a:rPr>
+              <a:t> (Sharmin), (Vrushali) </a:t>
+            </a:r>
           </a:p>
         </p:txBody>
       </p:sp>
@@ -5261,21 +5161,79 @@
                     <a:lumOff val="50000"/>
                   </a:schemeClr>
                 </a:solidFill>
-                <a:latin typeface="Consolas" panose="020B0609020204030204" pitchFamily="49" charset="0"/>
+                <a:latin typeface="Gill Sans MT (Body)"/>
               </a:rPr>
               <a:t>neo4j$ </a:t>
             </a:r>
             <a:r>
               <a:rPr lang="en-IN" dirty="0">
                 <a:solidFill>
-                  <a:schemeClr val="accent6">
-                    <a:lumMod val="50000"/>
-                  </a:schemeClr>
-                </a:solidFill>
-                <a:latin typeface="Consolas" panose="020B0609020204030204" pitchFamily="49" charset="0"/>
-              </a:rPr>
-              <a:t>create (Saleel:Person)</a:t>
-            </a:r>
+                  <a:srgbClr val="859900"/>
+                </a:solidFill>
+                <a:effectLst/>
+              </a:rPr>
+              <a:t>create</a:t>
+            </a:r>
+            <a:r>
+              <a:rPr lang="en-IN" dirty="0">
+                <a:solidFill>
+                  <a:srgbClr val="333333"/>
+                </a:solidFill>
+                <a:effectLst/>
+              </a:rPr>
+              <a:t> </a:t>
+            </a:r>
+            <a:r>
+              <a:rPr lang="en-IN" dirty="0">
+                <a:solidFill>
+                  <a:srgbClr val="586E75"/>
+                </a:solidFill>
+                <a:effectLst/>
+              </a:rPr>
+              <a:t>(</a:t>
+            </a:r>
+            <a:r>
+              <a:rPr lang="en-IN" dirty="0">
+                <a:solidFill>
+                  <a:srgbClr val="333333"/>
+                </a:solidFill>
+                <a:effectLst/>
+              </a:rPr>
+              <a:t>Saleel</a:t>
+            </a:r>
+            <a:r>
+              <a:rPr lang="en-IN" dirty="0">
+                <a:solidFill>
+                  <a:srgbClr val="586E75"/>
+                </a:solidFill>
+                <a:effectLst/>
+              </a:rPr>
+              <a:t>:</a:t>
+            </a:r>
+            <a:r>
+              <a:rPr lang="en-IN" dirty="0">
+                <a:solidFill>
+                  <a:srgbClr val="333333"/>
+                </a:solidFill>
+                <a:effectLst/>
+              </a:rPr>
+              <a:t>Person</a:t>
+            </a:r>
+            <a:r>
+              <a:rPr lang="en-IN" dirty="0">
+                <a:solidFill>
+                  <a:srgbClr val="586E75"/>
+                </a:solidFill>
+                <a:effectLst/>
+              </a:rPr>
+              <a:t>)</a:t>
+            </a:r>
+            <a:endParaRPr lang="en-IN" dirty="0">
+              <a:solidFill>
+                <a:srgbClr val="000000"/>
+              </a:solidFill>
+              <a:effectLst/>
+            </a:endParaRPr>
           </a:p>
           <a:p>
             <a:pPr marL="285750" indent="-285750">
@@ -5288,7 +5246,7 @@
                   <a:lumMod val="50000"/>
                 </a:schemeClr>
               </a:solidFill>
-              <a:latin typeface="Consolas" panose="020B0609020204030204" pitchFamily="49" charset="0"/>
+              <a:latin typeface="Gill Sans MT (Body)"/>
             </a:endParaRPr>
           </a:p>
           <a:p>
@@ -5304,9 +5262,18 @@
                     <a:lumOff val="50000"/>
                   </a:schemeClr>
                 </a:solidFill>
-                <a:latin typeface="Consolas" panose="020B0609020204030204" pitchFamily="49" charset="0"/>
+                <a:latin typeface="Gill Sans MT (Body)"/>
               </a:rPr>
               <a:t>neo4j$ </a:t>
+            </a:r>
+            <a:r>
+              <a:rPr lang="en-IN" dirty="0">
+                <a:solidFill>
+                  <a:srgbClr val="859900"/>
+                </a:solidFill>
+                <a:latin typeface="Gill Sans MT (Body)"/>
+              </a:rPr>
+              <a:t>create</a:t>
             </a:r>
             <a:r>
               <a:rPr lang="en-IN" dirty="0">
@@ -5315,9 +5282,9 @@
                     <a:lumMod val="50000"/>
                   </a:schemeClr>
                 </a:solidFill>
-                <a:latin typeface="Consolas" panose="020B0609020204030204" pitchFamily="49" charset="0"/>
-              </a:rPr>
-              <a:t>create (Sharmin:Person:Client), (Vrushali:Person:Client) </a:t>
+                <a:latin typeface="Gill Sans MT (Body)"/>
+              </a:rPr>
+              <a:t> (Sharmin:Person:Client), (Vrushali:Person:Client) </a:t>
             </a:r>
           </a:p>
         </p:txBody>
@@ -5771,21 +5738,232 @@
                     <a:lumOff val="50000"/>
                   </a:schemeClr>
                 </a:solidFill>
-                <a:latin typeface="Consolas" panose="020B0609020204030204" pitchFamily="49" charset="0"/>
+                <a:latin typeface="Gill Sans MT (Body)"/>
               </a:rPr>
               <a:t>neo4j$ </a:t>
             </a:r>
             <a:r>
-              <a:rPr lang="en-IN" dirty="0">
-                <a:solidFill>
-                  <a:schemeClr val="accent6">
-                    <a:lumMod val="50000"/>
-                  </a:schemeClr>
-                </a:solidFill>
-                <a:latin typeface="Consolas" panose="020B0609020204030204" pitchFamily="49" charset="0"/>
-              </a:rPr>
-              <a:t>create (Saleel:Person {name: "Saleel Bagde", color: "Blue" ", isActive: true })</a:t>
-            </a:r>
+              <a:rPr lang="en-US" dirty="0">
+                <a:solidFill>
+                  <a:srgbClr val="859900"/>
+                </a:solidFill>
+                <a:effectLst/>
+              </a:rPr>
+              <a:t>create</a:t>
+            </a:r>
+            <a:r>
+              <a:rPr lang="en-US" dirty="0">
+                <a:solidFill>
+                  <a:srgbClr val="333333"/>
+                </a:solidFill>
+                <a:effectLst/>
+              </a:rPr>
+              <a:t> </a:t>
+            </a:r>
+            <a:r>
+              <a:rPr lang="en-US" dirty="0">
+                <a:solidFill>
+                  <a:srgbClr val="586E75"/>
+                </a:solidFill>
+                <a:effectLst/>
+              </a:rPr>
+              <a:t>(</a:t>
+            </a:r>
+            <a:r>
+              <a:rPr lang="en-US" dirty="0">
+                <a:solidFill>
+                  <a:srgbClr val="333333"/>
+                </a:solidFill>
+                <a:effectLst/>
+              </a:rPr>
+              <a:t>Saleel</a:t>
+            </a:r>
+            <a:r>
+              <a:rPr lang="en-US" dirty="0">
+                <a:solidFill>
+                  <a:srgbClr val="586E75"/>
+                </a:solidFill>
+                <a:effectLst/>
+              </a:rPr>
+              <a:t>:</a:t>
+            </a:r>
+            <a:r>
+              <a:rPr lang="en-US" dirty="0">
+                <a:solidFill>
+                  <a:srgbClr val="333333"/>
+                </a:solidFill>
+                <a:effectLst/>
+              </a:rPr>
+              <a:t>Person </a:t>
+            </a:r>
+            <a:r>
+              <a:rPr lang="en-US" dirty="0">
+                <a:solidFill>
+                  <a:srgbClr val="586E75"/>
+                </a:solidFill>
+                <a:effectLst/>
+              </a:rPr>
+              <a:t>{</a:t>
+            </a:r>
+            <a:r>
+              <a:rPr lang="en-US" dirty="0">
+                <a:solidFill>
+                  <a:srgbClr val="333333"/>
+                </a:solidFill>
+                <a:effectLst/>
+              </a:rPr>
+              <a:t>name</a:t>
+            </a:r>
+            <a:r>
+              <a:rPr lang="en-US" dirty="0">
+                <a:solidFill>
+                  <a:srgbClr val="586E75"/>
+                </a:solidFill>
+                <a:effectLst/>
+              </a:rPr>
+              <a:t>:</a:t>
+            </a:r>
+            <a:r>
+              <a:rPr lang="en-US" dirty="0">
+                <a:solidFill>
+                  <a:srgbClr val="333333"/>
+                </a:solidFill>
+                <a:effectLst/>
+              </a:rPr>
+              <a:t> </a:t>
+            </a:r>
+            <a:r>
+              <a:rPr lang="en-US" dirty="0">
+                <a:solidFill>
+                  <a:srgbClr val="B58900"/>
+                </a:solidFill>
+                <a:effectLst/>
+              </a:rPr>
+              <a:t>"Saleel Bagde"</a:t>
+            </a:r>
+            <a:r>
+              <a:rPr lang="en-US" dirty="0">
+                <a:solidFill>
+                  <a:srgbClr val="586E75"/>
+                </a:solidFill>
+                <a:effectLst/>
+              </a:rPr>
+              <a:t>,</a:t>
+            </a:r>
+            <a:r>
+              <a:rPr lang="en-US" dirty="0">
+                <a:solidFill>
+                  <a:srgbClr val="333333"/>
+                </a:solidFill>
+                <a:effectLst/>
+              </a:rPr>
+              <a:t> color</a:t>
+            </a:r>
+            <a:r>
+              <a:rPr lang="en-US" dirty="0">
+                <a:solidFill>
+                  <a:srgbClr val="586E75"/>
+                </a:solidFill>
+                <a:effectLst/>
+              </a:rPr>
+              <a:t>:</a:t>
+            </a:r>
+            <a:r>
+              <a:rPr lang="en-US" dirty="0">
+                <a:solidFill>
+                  <a:srgbClr val="333333"/>
+                </a:solidFill>
+                <a:effectLst/>
+              </a:rPr>
+              <a:t> </a:t>
+            </a:r>
+            <a:r>
+              <a:rPr lang="en-US" dirty="0">
+                <a:solidFill>
+                  <a:srgbClr val="B58900"/>
+                </a:solidFill>
+                <a:effectLst/>
+              </a:rPr>
+              <a:t>"Blue"</a:t>
+            </a:r>
+            <a:r>
+              <a:rPr lang="en-US" dirty="0">
+                <a:solidFill>
+                  <a:srgbClr val="333333"/>
+                </a:solidFill>
+                <a:effectLst/>
+              </a:rPr>
+              <a:t> "</a:t>
+            </a:r>
+            <a:r>
+              <a:rPr lang="en-US" dirty="0">
+                <a:solidFill>
+                  <a:srgbClr val="586E75"/>
+                </a:solidFill>
+                <a:effectLst/>
+              </a:rPr>
+              <a:t>,</a:t>
+            </a:r>
+            <a:r>
+              <a:rPr lang="en-US" dirty="0">
+                <a:solidFill>
+                  <a:srgbClr val="333333"/>
+                </a:solidFill>
+                <a:effectLst/>
+              </a:rPr>
+              <a:t> isActive</a:t>
+            </a:r>
+            <a:r>
+              <a:rPr lang="en-US" dirty="0">
+                <a:solidFill>
+                  <a:srgbClr val="586E75"/>
+                </a:solidFill>
+                <a:effectLst/>
+              </a:rPr>
+              <a:t>:</a:t>
+            </a:r>
+            <a:r>
+              <a:rPr lang="en-US" dirty="0">
+                <a:solidFill>
+                  <a:srgbClr val="333333"/>
+                </a:solidFill>
+                <a:effectLst/>
+              </a:rPr>
+              <a:t> </a:t>
+            </a:r>
+            <a:r>
+              <a:rPr lang="en-US" dirty="0">
+                <a:solidFill>
+                  <a:srgbClr val="859900"/>
+                </a:solidFill>
+                <a:effectLst/>
+              </a:rPr>
+              <a:t>true</a:t>
+            </a:r>
+            <a:r>
+              <a:rPr lang="en-US" dirty="0">
+                <a:solidFill>
+                  <a:srgbClr val="333333"/>
+                </a:solidFill>
+                <a:effectLst/>
+              </a:rPr>
+              <a:t> </a:t>
+            </a:r>
+            <a:r>
+              <a:rPr lang="en-US" dirty="0">
+                <a:solidFill>
+                  <a:srgbClr val="586E75"/>
+                </a:solidFill>
+                <a:effectLst/>
+              </a:rPr>
+              <a:t>})</a:t>
+            </a:r>
+            <a:endParaRPr lang="en-US" dirty="0">
+              <a:solidFill>
+                <a:srgbClr val="000000"/>
+              </a:solidFill>
+              <a:effectLst/>
+            </a:endParaRPr>
           </a:p>
           <a:p>
             <a:pPr marL="285750" indent="-285750">
@@ -5798,7 +5976,7 @@
                   <a:lumMod val="50000"/>
                 </a:schemeClr>
               </a:solidFill>
-              <a:latin typeface="Consolas" panose="020B0609020204030204" pitchFamily="49" charset="0"/>
+              <a:latin typeface="Gill Sans MT (Body)"/>
             </a:endParaRPr>
           </a:p>
           <a:p>
@@ -5814,34 +5992,422 @@
                     <a:lumOff val="50000"/>
                   </a:schemeClr>
                 </a:solidFill>
-                <a:latin typeface="Consolas" panose="020B0609020204030204" pitchFamily="49" charset="0"/>
+                <a:latin typeface="Gill Sans MT (Body)"/>
               </a:rPr>
               <a:t>neo4j$ </a:t>
             </a:r>
             <a:r>
               <a:rPr lang="en-IN" dirty="0">
                 <a:solidFill>
-                  <a:schemeClr val="accent6">
-                    <a:lumMod val="50000"/>
-                  </a:schemeClr>
-                </a:solidFill>
-                <a:latin typeface="Consolas" panose="020B0609020204030204" pitchFamily="49" charset="0"/>
-              </a:rPr>
-              <a:t>create (Sharmin:Person {name: "Sharmin Bagde", color: "Pink", isActive: false }), </a:t>
-            </a:r>
-          </a:p>
-          <a:p>
+                  <a:srgbClr val="859900"/>
+                </a:solidFill>
+                <a:effectLst/>
+              </a:rPr>
+              <a:t>create</a:t>
+            </a:r>
             <a:r>
               <a:rPr lang="en-IN" dirty="0">
                 <a:solidFill>
-                  <a:schemeClr val="accent6">
-                    <a:lumMod val="50000"/>
-                  </a:schemeClr>
-                </a:solidFill>
-                <a:latin typeface="Consolas" panose="020B0609020204030204" pitchFamily="49" charset="0"/>
-              </a:rPr>
-              <a:t>              Vrushali:Person {name: "Vrushali Bagde", color: "Orange", isActive: false }) </a:t>
-            </a:r>
+                  <a:srgbClr val="333333"/>
+                </a:solidFill>
+                <a:effectLst/>
+              </a:rPr>
+              <a:t> </a:t>
+            </a:r>
+            <a:r>
+              <a:rPr lang="en-IN" dirty="0">
+                <a:solidFill>
+                  <a:srgbClr val="586E75"/>
+                </a:solidFill>
+                <a:effectLst/>
+              </a:rPr>
+              <a:t>(</a:t>
+            </a:r>
+            <a:r>
+              <a:rPr lang="en-IN" dirty="0">
+                <a:solidFill>
+                  <a:srgbClr val="333333"/>
+                </a:solidFill>
+                <a:effectLst/>
+              </a:rPr>
+              <a:t>Sharmin</a:t>
+            </a:r>
+            <a:r>
+              <a:rPr lang="en-IN" dirty="0">
+                <a:solidFill>
+                  <a:srgbClr val="586E75"/>
+                </a:solidFill>
+                <a:effectLst/>
+              </a:rPr>
+              <a:t>:</a:t>
+            </a:r>
+            <a:r>
+              <a:rPr lang="en-IN" dirty="0">
+                <a:solidFill>
+                  <a:srgbClr val="333333"/>
+                </a:solidFill>
+                <a:effectLst/>
+              </a:rPr>
+              <a:t>Person </a:t>
+            </a:r>
+            <a:r>
+              <a:rPr lang="en-IN" dirty="0">
+                <a:solidFill>
+                  <a:srgbClr val="586E75"/>
+                </a:solidFill>
+                <a:effectLst/>
+              </a:rPr>
+              <a:t>{</a:t>
+            </a:r>
+            <a:r>
+              <a:rPr lang="en-IN" dirty="0">
+                <a:solidFill>
+                  <a:srgbClr val="333333"/>
+                </a:solidFill>
+                <a:effectLst/>
+              </a:rPr>
+              <a:t>name</a:t>
+            </a:r>
+            <a:r>
+              <a:rPr lang="en-IN" dirty="0">
+                <a:solidFill>
+                  <a:srgbClr val="586E75"/>
+                </a:solidFill>
+                <a:effectLst/>
+              </a:rPr>
+              <a:t>:</a:t>
+            </a:r>
+            <a:r>
+              <a:rPr lang="en-IN" dirty="0">
+                <a:solidFill>
+                  <a:srgbClr val="333333"/>
+                </a:solidFill>
+                <a:effectLst/>
+              </a:rPr>
+              <a:t> </a:t>
+            </a:r>
+            <a:r>
+              <a:rPr lang="en-IN" dirty="0">
+                <a:solidFill>
+                  <a:srgbClr val="B58900"/>
+                </a:solidFill>
+                <a:effectLst/>
+              </a:rPr>
+              <a:t>"Sharmin Bagde"</a:t>
+            </a:r>
+            <a:r>
+              <a:rPr lang="en-IN" dirty="0">
+                <a:solidFill>
+                  <a:srgbClr val="586E75"/>
+                </a:solidFill>
+                <a:effectLst/>
+              </a:rPr>
+              <a:t>, </a:t>
+            </a:r>
+            <a:r>
+              <a:rPr lang="en-IN" dirty="0">
+                <a:solidFill>
+                  <a:srgbClr val="333333"/>
+                </a:solidFill>
+                <a:effectLst/>
+              </a:rPr>
+              <a:t> color</a:t>
+            </a:r>
+            <a:r>
+              <a:rPr lang="en-IN" dirty="0">
+                <a:solidFill>
+                  <a:srgbClr val="586E75"/>
+                </a:solidFill>
+                <a:effectLst/>
+              </a:rPr>
+              <a:t>:</a:t>
+            </a:r>
+            <a:r>
+              <a:rPr lang="en-IN" dirty="0">
+                <a:solidFill>
+                  <a:srgbClr val="333333"/>
+                </a:solidFill>
+                <a:effectLst/>
+              </a:rPr>
+              <a:t> </a:t>
+            </a:r>
+            <a:r>
+              <a:rPr lang="en-IN" dirty="0">
+                <a:solidFill>
+                  <a:srgbClr val="B58900"/>
+                </a:solidFill>
+                <a:effectLst/>
+              </a:rPr>
+              <a:t>"Pink"</a:t>
+            </a:r>
+            <a:r>
+              <a:rPr lang="en-IN" dirty="0">
+                <a:solidFill>
+                  <a:srgbClr val="586E75"/>
+                </a:solidFill>
+                <a:effectLst/>
+              </a:rPr>
+              <a:t>,</a:t>
+            </a:r>
+            <a:r>
+              <a:rPr lang="en-IN" dirty="0">
+                <a:solidFill>
+                  <a:srgbClr val="333333"/>
+                </a:solidFill>
+                <a:effectLst/>
+              </a:rPr>
+              <a:t>  isActive</a:t>
+            </a:r>
+            <a:r>
+              <a:rPr lang="en-IN" dirty="0">
+                <a:solidFill>
+                  <a:srgbClr val="586E75"/>
+                </a:solidFill>
+                <a:effectLst/>
+              </a:rPr>
+              <a:t>:</a:t>
+            </a:r>
+            <a:r>
+              <a:rPr lang="en-IN" dirty="0">
+                <a:solidFill>
+                  <a:srgbClr val="333333"/>
+                </a:solidFill>
+                <a:effectLst/>
+              </a:rPr>
+              <a:t> </a:t>
+            </a:r>
+            <a:r>
+              <a:rPr lang="en-IN" dirty="0">
+                <a:solidFill>
+                  <a:srgbClr val="859900"/>
+                </a:solidFill>
+                <a:effectLst/>
+              </a:rPr>
+              <a:t>false</a:t>
+            </a:r>
+            <a:r>
+              <a:rPr lang="en-IN" dirty="0">
+                <a:solidFill>
+                  <a:srgbClr val="333333"/>
+                </a:solidFill>
+                <a:effectLst/>
+              </a:rPr>
+              <a:t> </a:t>
+            </a:r>
+            <a:r>
+              <a:rPr lang="en-IN" dirty="0">
+                <a:solidFill>
+                  <a:srgbClr val="586E75"/>
+                </a:solidFill>
+                <a:effectLst/>
+              </a:rPr>
+              <a:t>}),   </a:t>
+            </a:r>
+          </a:p>
+          <a:p>
+            <a:r>
+              <a:rPr lang="en-IN" dirty="0">
+                <a:solidFill>
+                  <a:srgbClr val="586E75"/>
+                </a:solidFill>
+              </a:rPr>
+              <a:t>                          </a:t>
+            </a:r>
+            <a:r>
+              <a:rPr lang="en-IN" dirty="0">
+                <a:solidFill>
+                  <a:srgbClr val="586E75"/>
+                </a:solidFill>
+                <a:effectLst/>
+              </a:rPr>
+              <a:t>(</a:t>
+            </a:r>
+            <a:r>
+              <a:rPr lang="en-IN" dirty="0">
+                <a:solidFill>
+                  <a:srgbClr val="333333"/>
+                </a:solidFill>
+                <a:effectLst/>
+              </a:rPr>
+              <a:t>Vrushali</a:t>
+            </a:r>
+            <a:r>
+              <a:rPr lang="en-IN" dirty="0">
+                <a:solidFill>
+                  <a:srgbClr val="586E75"/>
+                </a:solidFill>
+                <a:effectLst/>
+              </a:rPr>
+              <a:t>:</a:t>
+            </a:r>
+            <a:r>
+              <a:rPr lang="en-IN" dirty="0">
+                <a:solidFill>
+                  <a:srgbClr val="333333"/>
+                </a:solidFill>
+                <a:effectLst/>
+              </a:rPr>
+              <a:t>Person </a:t>
+            </a:r>
+            <a:r>
+              <a:rPr lang="en-IN" dirty="0">
+                <a:solidFill>
+                  <a:srgbClr val="586E75"/>
+                </a:solidFill>
+                <a:effectLst/>
+              </a:rPr>
+              <a:t>{</a:t>
+            </a:r>
+            <a:r>
+              <a:rPr lang="en-IN" dirty="0">
+                <a:solidFill>
+                  <a:srgbClr val="333333"/>
+                </a:solidFill>
+                <a:effectLst/>
+              </a:rPr>
+              <a:t>name</a:t>
+            </a:r>
+            <a:r>
+              <a:rPr lang="en-IN" dirty="0">
+                <a:solidFill>
+                  <a:srgbClr val="586E75"/>
+                </a:solidFill>
+                <a:effectLst/>
+              </a:rPr>
+              <a:t>:</a:t>
+            </a:r>
+            <a:r>
+              <a:rPr lang="en-IN" dirty="0">
+                <a:solidFill>
+                  <a:srgbClr val="333333"/>
+                </a:solidFill>
+                <a:effectLst/>
+              </a:rPr>
+              <a:t> </a:t>
+            </a:r>
+            <a:r>
+              <a:rPr lang="en-IN" dirty="0">
+                <a:solidFill>
+                  <a:srgbClr val="B58900"/>
+                </a:solidFill>
+                <a:effectLst/>
+              </a:rPr>
+              <a:t>"Vrushali Bagde"</a:t>
+            </a:r>
+            <a:r>
+              <a:rPr lang="en-IN" dirty="0">
+                <a:solidFill>
+                  <a:srgbClr val="586E75"/>
+                </a:solidFill>
+                <a:effectLst/>
+              </a:rPr>
+              <a:t>, </a:t>
+            </a:r>
+            <a:r>
+              <a:rPr lang="en-IN" dirty="0">
+                <a:solidFill>
+                  <a:srgbClr val="333333"/>
+                </a:solidFill>
+                <a:effectLst/>
+              </a:rPr>
+              <a:t> color</a:t>
+            </a:r>
+            <a:r>
+              <a:rPr lang="en-IN" dirty="0">
+                <a:solidFill>
+                  <a:srgbClr val="586E75"/>
+                </a:solidFill>
+                <a:effectLst/>
+              </a:rPr>
+              <a:t>:</a:t>
+            </a:r>
+            <a:r>
+              <a:rPr lang="en-IN" dirty="0">
+                <a:solidFill>
+                  <a:srgbClr val="333333"/>
+                </a:solidFill>
+                <a:effectLst/>
+              </a:rPr>
+              <a:t> </a:t>
+            </a:r>
+            <a:r>
+              <a:rPr lang="en-IN" dirty="0">
+                <a:solidFill>
+                  <a:srgbClr val="B58900"/>
+                </a:solidFill>
+                <a:effectLst/>
+              </a:rPr>
+              <a:t>"Orange"</a:t>
+            </a:r>
+            <a:r>
+              <a:rPr lang="en-IN" dirty="0">
+                <a:solidFill>
+                  <a:srgbClr val="586E75"/>
+                </a:solidFill>
+                <a:effectLst/>
+              </a:rPr>
+              <a:t>,</a:t>
+            </a:r>
+            <a:r>
+              <a:rPr lang="en-IN" dirty="0">
+                <a:solidFill>
+                  <a:srgbClr val="333333"/>
+                </a:solidFill>
+                <a:effectLst/>
+              </a:rPr>
+              <a:t>  isActive</a:t>
+            </a:r>
+            <a:r>
+              <a:rPr lang="en-IN" dirty="0">
+                <a:solidFill>
+                  <a:srgbClr val="586E75"/>
+                </a:solidFill>
+                <a:effectLst/>
+              </a:rPr>
+              <a:t>:</a:t>
+            </a:r>
+            <a:r>
+              <a:rPr lang="en-IN" dirty="0">
+                <a:solidFill>
+                  <a:srgbClr val="333333"/>
+                </a:solidFill>
+                <a:effectLst/>
+              </a:rPr>
+              <a:t> </a:t>
+            </a:r>
+            <a:r>
+              <a:rPr lang="en-IN" dirty="0">
+                <a:solidFill>
+                  <a:srgbClr val="859900"/>
+                </a:solidFill>
+                <a:effectLst/>
+              </a:rPr>
+              <a:t>false</a:t>
+            </a:r>
+            <a:r>
+              <a:rPr lang="en-IN" dirty="0">
+                <a:solidFill>
+                  <a:srgbClr val="333333"/>
+                </a:solidFill>
+                <a:effectLst/>
+              </a:rPr>
+              <a:t> </a:t>
+            </a:r>
+            <a:r>
+              <a:rPr lang="en-IN" dirty="0">
+                <a:solidFill>
+                  <a:srgbClr val="586E75"/>
+                </a:solidFill>
+                <a:effectLst/>
+              </a:rPr>
+              <a:t>}</a:t>
+            </a:r>
+            <a:endParaRPr lang="en-IN" dirty="0">
+              <a:solidFill>
+                <a:srgbClr val="000000"/>
+              </a:solidFill>
+              <a:effectLst/>
+            </a:endParaRPr>
           </a:p>
         </p:txBody>
       </p:sp>
@@ -6207,7 +6773,7 @@
         <p:spPr>
           <a:xfrm>
             <a:off x="243604" y="2587551"/>
-            <a:ext cx="11693880" cy="369332"/>
+            <a:ext cx="11693880" cy="769441"/>
           </a:xfrm>
           <a:prstGeom prst="rect">
             <a:avLst/>
@@ -6232,21 +6798,270 @@
                     <a:lumOff val="50000"/>
                   </a:schemeClr>
                 </a:solidFill>
-                <a:latin typeface="Consolas" panose="020B0609020204030204" pitchFamily="49" charset="0"/>
+                <a:latin typeface="Gill Sans MT (Body)"/>
               </a:rPr>
               <a:t>neo4j$ </a:t>
             </a:r>
             <a:r>
+              <a:rPr lang="pt-BR" dirty="0">
+                <a:solidFill>
+                  <a:srgbClr val="859900"/>
+                </a:solidFill>
+                <a:effectLst/>
+              </a:rPr>
+              <a:t>match</a:t>
+            </a:r>
+            <a:r>
+              <a:rPr lang="pt-BR" dirty="0">
+                <a:solidFill>
+                  <a:srgbClr val="586E75"/>
+                </a:solidFill>
+                <a:effectLst/>
+              </a:rPr>
+              <a:t>(</a:t>
+            </a:r>
+            <a:r>
+              <a:rPr lang="pt-BR" dirty="0">
+                <a:solidFill>
+                  <a:srgbClr val="333333"/>
+                </a:solidFill>
+                <a:effectLst/>
+              </a:rPr>
+              <a:t>n</a:t>
+            </a:r>
+            <a:r>
+              <a:rPr lang="pt-BR" dirty="0">
+                <a:solidFill>
+                  <a:srgbClr val="586E75"/>
+                </a:solidFill>
+                <a:effectLst/>
+              </a:rPr>
+              <a:t>)</a:t>
+            </a:r>
+            <a:r>
+              <a:rPr lang="pt-BR" dirty="0">
+                <a:solidFill>
+                  <a:srgbClr val="333333"/>
+                </a:solidFill>
+                <a:effectLst/>
+              </a:rPr>
+              <a:t> </a:t>
+            </a:r>
+            <a:r>
+              <a:rPr lang="pt-BR" dirty="0">
+                <a:solidFill>
+                  <a:srgbClr val="859900"/>
+                </a:solidFill>
+                <a:effectLst/>
+              </a:rPr>
+              <a:t>detach</a:t>
+            </a:r>
+            <a:r>
+              <a:rPr lang="pt-BR" dirty="0">
+                <a:solidFill>
+                  <a:srgbClr val="333333"/>
+                </a:solidFill>
+                <a:effectLst/>
+              </a:rPr>
+              <a:t> </a:t>
+            </a:r>
+            <a:r>
+              <a:rPr lang="pt-BR" dirty="0">
+                <a:solidFill>
+                  <a:srgbClr val="859900"/>
+                </a:solidFill>
+                <a:effectLst/>
+              </a:rPr>
+              <a:t>delete</a:t>
+            </a:r>
+            <a:r>
+              <a:rPr lang="pt-BR" dirty="0">
+                <a:solidFill>
+                  <a:srgbClr val="333333"/>
+                </a:solidFill>
+                <a:effectLst/>
+              </a:rPr>
+              <a:t> n</a:t>
+            </a:r>
+          </a:p>
+          <a:p>
+            <a:pPr marL="285750" indent="-285750">
+              <a:buFont typeface="Arial" panose="020B0604020202020204" pitchFamily="34" charset="0"/>
+              <a:buChar char="•"/>
+            </a:pPr>
+            <a:endParaRPr lang="pt-BR" sz="800" dirty="0">
+              <a:solidFill>
+                <a:srgbClr val="333333"/>
+              </a:solidFill>
+            </a:endParaRPr>
+          </a:p>
+          <a:p>
+            <a:pPr marL="285750" indent="-285750">
+              <a:buFont typeface="Arial" panose="020B0604020202020204" pitchFamily="34" charset="0"/>
+              <a:buChar char="•"/>
+            </a:pPr>
+            <a:r>
               <a:rPr lang="en-IN" dirty="0">
                 <a:solidFill>
-                  <a:schemeClr val="accent6">
+                  <a:schemeClr val="tx1">
                     <a:lumMod val="50000"/>
+                    <a:lumOff val="50000"/>
                   </a:schemeClr>
                 </a:solidFill>
-                <a:latin typeface="Consolas" panose="020B0609020204030204" pitchFamily="49" charset="0"/>
-              </a:rPr>
-              <a:t>match(x) DETACH delete x</a:t>
-            </a:r>
+                <a:latin typeface="Gill Sans MT (Body)"/>
+              </a:rPr>
+              <a:t>neo4j$ </a:t>
+            </a:r>
+            <a:r>
+              <a:rPr lang="en-US" dirty="0">
+                <a:solidFill>
+                  <a:srgbClr val="859900"/>
+                </a:solidFill>
+                <a:effectLst/>
+              </a:rPr>
+              <a:t>match</a:t>
+            </a:r>
+            <a:r>
+              <a:rPr lang="en-US" dirty="0">
+                <a:solidFill>
+                  <a:srgbClr val="586E75"/>
+                </a:solidFill>
+                <a:effectLst/>
+              </a:rPr>
+              <a:t>(</a:t>
+            </a:r>
+            <a:r>
+              <a:rPr lang="en-US" dirty="0">
+                <a:solidFill>
+                  <a:srgbClr val="333333"/>
+                </a:solidFill>
+                <a:effectLst/>
+              </a:rPr>
+              <a:t>n</a:t>
+            </a:r>
+            <a:r>
+              <a:rPr lang="en-US" dirty="0">
+                <a:solidFill>
+                  <a:srgbClr val="586E75"/>
+                </a:solidFill>
+                <a:effectLst/>
+              </a:rPr>
+              <a:t>)</a:t>
+            </a:r>
+            <a:r>
+              <a:rPr lang="en-US" dirty="0">
+                <a:solidFill>
+                  <a:srgbClr val="333333"/>
+                </a:solidFill>
+                <a:effectLst/>
+              </a:rPr>
+              <a:t> </a:t>
+            </a:r>
+            <a:r>
+              <a:rPr lang="en-US" dirty="0">
+                <a:solidFill>
+                  <a:srgbClr val="859900"/>
+                </a:solidFill>
+                <a:effectLst/>
+              </a:rPr>
+              <a:t>where</a:t>
+            </a:r>
+            <a:r>
+              <a:rPr lang="en-US" dirty="0">
+                <a:solidFill>
+                  <a:srgbClr val="333333"/>
+                </a:solidFill>
+                <a:effectLst/>
+              </a:rPr>
+              <a:t> id</a:t>
+            </a:r>
+            <a:r>
+              <a:rPr lang="en-US" dirty="0">
+                <a:solidFill>
+                  <a:srgbClr val="586E75"/>
+                </a:solidFill>
+                <a:effectLst/>
+              </a:rPr>
+              <a:t>(</a:t>
+            </a:r>
+            <a:r>
+              <a:rPr lang="en-US" dirty="0">
+                <a:solidFill>
+                  <a:srgbClr val="333333"/>
+                </a:solidFill>
+                <a:effectLst/>
+              </a:rPr>
+              <a:t>n</a:t>
+            </a:r>
+            <a:r>
+              <a:rPr lang="en-US" dirty="0">
+                <a:solidFill>
+                  <a:srgbClr val="586E75"/>
+                </a:solidFill>
+                <a:effectLst/>
+              </a:rPr>
+              <a:t>)=</a:t>
+            </a:r>
+            <a:r>
+              <a:rPr lang="en-US" dirty="0">
+                <a:solidFill>
+                  <a:srgbClr val="2AA198"/>
+                </a:solidFill>
+                <a:effectLst/>
+              </a:rPr>
+              <a:t>0</a:t>
+            </a:r>
+            <a:r>
+              <a:rPr lang="en-US" dirty="0">
+                <a:solidFill>
+                  <a:srgbClr val="333333"/>
+                </a:solidFill>
+                <a:effectLst/>
+              </a:rPr>
+              <a:t> </a:t>
+            </a:r>
+            <a:r>
+              <a:rPr lang="en-US" dirty="0">
+                <a:solidFill>
+                  <a:srgbClr val="859900"/>
+                </a:solidFill>
+                <a:effectLst/>
+              </a:rPr>
+              <a:t>detach</a:t>
+            </a:r>
+            <a:r>
+              <a:rPr lang="en-US" dirty="0">
+                <a:solidFill>
+                  <a:srgbClr val="333333"/>
+                </a:solidFill>
+                <a:effectLst/>
+              </a:rPr>
+              <a:t> </a:t>
+            </a:r>
+            <a:r>
+              <a:rPr lang="en-US" dirty="0">
+                <a:solidFill>
+                  <a:srgbClr val="859900"/>
+                </a:solidFill>
+                <a:effectLst/>
+              </a:rPr>
+              <a:t>delete</a:t>
+            </a:r>
+            <a:r>
+              <a:rPr lang="en-US" dirty="0">
+                <a:solidFill>
+                  <a:srgbClr val="333333"/>
+                </a:solidFill>
+                <a:effectLst/>
+              </a:rPr>
+              <a:t> n</a:t>
+            </a:r>
+            <a:endParaRPr lang="en-US" dirty="0">
+              <a:solidFill>
+                <a:srgbClr val="000000"/>
+              </a:solidFill>
+              <a:effectLst/>
+            </a:endParaRPr>
           </a:p>
         </p:txBody>
       </p:sp>
@@ -6605,7 +7420,7 @@
         <p:spPr>
           <a:xfrm>
             <a:off x="243604" y="2587551"/>
-            <a:ext cx="11693880" cy="769441"/>
+            <a:ext cx="11693880" cy="1569660"/>
           </a:xfrm>
           <a:prstGeom prst="rect">
             <a:avLst/>
@@ -6630,9 +7445,19 @@
                     <a:lumOff val="50000"/>
                   </a:schemeClr>
                 </a:solidFill>
-                <a:latin typeface="Consolas" panose="020B0609020204030204" pitchFamily="49" charset="0"/>
+                <a:latin typeface="Gill Sans MT (Body)"/>
               </a:rPr>
               <a:t>neo4j$ </a:t>
+            </a:r>
+            <a:r>
+              <a:rPr lang="en-US" dirty="0">
+                <a:solidFill>
+                  <a:srgbClr val="859900"/>
+                </a:solidFill>
+                <a:effectLst/>
+                <a:latin typeface="Gill Sans MT (Body)"/>
+              </a:rPr>
+              <a:t>match</a:t>
             </a:r>
             <a:r>
               <a:rPr lang="en-IN" dirty="0">
@@ -6641,36 +7466,31 @@
                     <a:lumMod val="50000"/>
                   </a:schemeClr>
                 </a:solidFill>
-                <a:latin typeface="Consolas" panose="020B0609020204030204" pitchFamily="49" charset="0"/>
-              </a:rPr>
-              <a:t>match(x) RETURN x			</a:t>
+                <a:latin typeface="Gill Sans MT (Body)"/>
+              </a:rPr>
+              <a:t>(n) </a:t>
             </a:r>
             <a:r>
               <a:rPr lang="en-US" dirty="0">
                 <a:solidFill>
-                  <a:srgbClr val="39AE0A"/>
-                </a:solidFill>
-                <a:latin typeface="Consolas" panose="020B0609020204030204" pitchFamily="49" charset="0"/>
-              </a:rPr>
-              <a:t>// match </a:t>
-            </a:r>
-            <a:r>
-              <a:rPr lang="en-US">
-                <a:solidFill>
-                  <a:srgbClr val="39AE0A"/>
-                </a:solidFill>
-                <a:latin typeface="Consolas" panose="020B0609020204030204" pitchFamily="49" charset="0"/>
-              </a:rPr>
-              <a:t>all nodes</a:t>
-            </a:r>
-            <a:endParaRPr lang="en-IN" dirty="0">
-              <a:solidFill>
-                <a:schemeClr val="accent6">
-                  <a:lumMod val="50000"/>
-                </a:schemeClr>
-              </a:solidFill>
-              <a:latin typeface="Consolas" panose="020B0609020204030204" pitchFamily="49" charset="0"/>
-            </a:endParaRPr>
+                  <a:srgbClr val="859900"/>
+                </a:solidFill>
+                <a:effectLst/>
+                <a:latin typeface="Gill Sans MT (Body)"/>
+              </a:rPr>
+              <a:t> return </a:t>
+            </a:r>
+            <a:r>
+              <a:rPr lang="en-IN" dirty="0">
+                <a:solidFill>
+                  <a:schemeClr val="accent6">
+                    <a:lumMod val="50000"/>
+                  </a:schemeClr>
+                </a:solidFill>
+                <a:latin typeface="Gill Sans MT (Body)"/>
+              </a:rPr>
+              <a:t> n	</a:t>
+            </a:r>
           </a:p>
           <a:p>
             <a:pPr marL="285750" indent="-285750">
@@ -6683,7 +7503,7 @@
                   <a:lumMod val="50000"/>
                 </a:schemeClr>
               </a:solidFill>
-              <a:latin typeface="Consolas" panose="020B0609020204030204" pitchFamily="49" charset="0"/>
+              <a:latin typeface="Gill Sans MT (Body)"/>
             </a:endParaRPr>
           </a:p>
           <a:p>
@@ -6699,9 +7519,19 @@
                     <a:lumOff val="50000"/>
                   </a:schemeClr>
                 </a:solidFill>
-                <a:latin typeface="Consolas" panose="020B0609020204030204" pitchFamily="49" charset="0"/>
+                <a:latin typeface="Gill Sans MT (Body)"/>
               </a:rPr>
               <a:t>neo4j$ </a:t>
+            </a:r>
+            <a:r>
+              <a:rPr lang="en-US" dirty="0">
+                <a:solidFill>
+                  <a:srgbClr val="859900"/>
+                </a:solidFill>
+                <a:effectLst/>
+                <a:latin typeface="Gill Sans MT (Body)"/>
+              </a:rPr>
+              <a:t>match</a:t>
             </a:r>
             <a:r>
               <a:rPr lang="en-US" dirty="0">
@@ -6710,9 +7540,9 @@
                     <a:lumMod val="50000"/>
                   </a:schemeClr>
                 </a:solidFill>
-                <a:latin typeface="Consolas" panose="020B0609020204030204" pitchFamily="49" charset="0"/>
-              </a:rPr>
-              <a:t>match(x:Person)</a:t>
+                <a:latin typeface="Gill Sans MT (Body)"/>
+              </a:rPr>
+              <a:t>(n:Person)</a:t>
             </a:r>
             <a:r>
               <a:rPr lang="en-IN" dirty="0">
@@ -6721,30 +7551,323 @@
                     <a:lumMod val="50000"/>
                   </a:schemeClr>
                 </a:solidFill>
-                <a:latin typeface="Consolas" panose="020B0609020204030204" pitchFamily="49" charset="0"/>
-              </a:rPr>
-              <a:t> RETURN </a:t>
+                <a:latin typeface="Gill Sans MT (Body)"/>
+              </a:rPr>
+              <a:t> </a:t>
             </a:r>
             <a:r>
               <a:rPr lang="en-US" dirty="0">
+                <a:solidFill>
+                  <a:srgbClr val="859900"/>
+                </a:solidFill>
+                <a:effectLst/>
+                <a:latin typeface="Gill Sans MT (Body)"/>
+              </a:rPr>
+              <a:t>return</a:t>
+            </a:r>
+            <a:r>
+              <a:rPr lang="en-IN" dirty="0">
                 <a:solidFill>
                   <a:schemeClr val="accent6">
                     <a:lumMod val="50000"/>
                   </a:schemeClr>
                 </a:solidFill>
-                <a:latin typeface="Consolas" panose="020B0609020204030204" pitchFamily="49" charset="0"/>
-              </a:rPr>
-              <a:t>x		</a:t>
+                <a:latin typeface="Gill Sans MT (Body)"/>
+              </a:rPr>
+              <a:t> n</a:t>
+            </a:r>
+            <a:endParaRPr lang="en-US" dirty="0">
+              <a:solidFill>
+                <a:schemeClr val="accent6">
+                  <a:lumMod val="50000"/>
+                </a:schemeClr>
+              </a:solidFill>
+              <a:latin typeface="Gill Sans MT (Body)"/>
+            </a:endParaRPr>
+          </a:p>
+          <a:p>
+            <a:pPr marL="285750" indent="-285750">
+              <a:buFont typeface="Arial" panose="020B0604020202020204" pitchFamily="34" charset="0"/>
+              <a:buChar char="•"/>
+            </a:pPr>
+            <a:endParaRPr lang="en-US" sz="800" dirty="0">
+              <a:solidFill>
+                <a:schemeClr val="accent6">
+                  <a:lumMod val="50000"/>
+                </a:schemeClr>
+              </a:solidFill>
+              <a:latin typeface="Gill Sans MT (Body)"/>
+            </a:endParaRPr>
+          </a:p>
+          <a:p>
+            <a:pPr marL="285750" indent="-285750">
+              <a:buFont typeface="Arial" panose="020B0604020202020204" pitchFamily="34" charset="0"/>
+              <a:buChar char="•"/>
+            </a:pPr>
+            <a:r>
+              <a:rPr lang="en-IN" dirty="0">
+                <a:solidFill>
+                  <a:schemeClr val="tx1">
+                    <a:lumMod val="50000"/>
+                    <a:lumOff val="50000"/>
+                  </a:schemeClr>
+                </a:solidFill>
+                <a:latin typeface="Gill Sans MT (Body)"/>
+              </a:rPr>
+              <a:t>neo4j$ </a:t>
             </a:r>
             <a:r>
               <a:rPr lang="en-US" dirty="0">
                 <a:solidFill>
-                  <a:srgbClr val="39AE0A"/>
-                </a:solidFill>
-                <a:latin typeface="Consolas" panose="020B0609020204030204" pitchFamily="49" charset="0"/>
-              </a:rPr>
-              <a:t>// match with label :Person</a:t>
-            </a:r>
+                  <a:srgbClr val="859900"/>
+                </a:solidFill>
+                <a:effectLst/>
+                <a:latin typeface="Gill Sans MT (Body)"/>
+              </a:rPr>
+              <a:t>match</a:t>
+            </a:r>
+            <a:r>
+              <a:rPr lang="en-US" dirty="0">
+                <a:solidFill>
+                  <a:srgbClr val="586E75"/>
+                </a:solidFill>
+                <a:effectLst/>
+                <a:latin typeface="Gill Sans MT (Body)"/>
+              </a:rPr>
+              <a:t>(</a:t>
+            </a:r>
+            <a:r>
+              <a:rPr lang="en-US" dirty="0">
+                <a:solidFill>
+                  <a:srgbClr val="333333"/>
+                </a:solidFill>
+                <a:effectLst/>
+                <a:latin typeface="Gill Sans MT (Body)"/>
+              </a:rPr>
+              <a:t>n</a:t>
+            </a:r>
+            <a:r>
+              <a:rPr lang="en-US" dirty="0">
+                <a:solidFill>
+                  <a:srgbClr val="586E75"/>
+                </a:solidFill>
+                <a:effectLst/>
+                <a:latin typeface="Gill Sans MT (Body)"/>
+              </a:rPr>
+              <a:t>:</a:t>
+            </a:r>
+            <a:r>
+              <a:rPr lang="en-US" dirty="0">
+                <a:solidFill>
+                  <a:srgbClr val="333333"/>
+                </a:solidFill>
+                <a:effectLst/>
+                <a:latin typeface="Gill Sans MT (Body)"/>
+              </a:rPr>
+              <a:t>book</a:t>
+            </a:r>
+            <a:r>
+              <a:rPr lang="en-US" dirty="0">
+                <a:solidFill>
+                  <a:srgbClr val="586E75"/>
+                </a:solidFill>
+                <a:effectLst/>
+                <a:latin typeface="Gill Sans MT (Body)"/>
+              </a:rPr>
+              <a:t>)</a:t>
+            </a:r>
+            <a:r>
+              <a:rPr lang="en-US" dirty="0">
+                <a:solidFill>
+                  <a:srgbClr val="333333"/>
+                </a:solidFill>
+                <a:effectLst/>
+                <a:latin typeface="Gill Sans MT (Body)"/>
+              </a:rPr>
+              <a:t> </a:t>
+            </a:r>
+            <a:r>
+              <a:rPr lang="en-US" dirty="0">
+                <a:solidFill>
+                  <a:srgbClr val="859900"/>
+                </a:solidFill>
+                <a:effectLst/>
+                <a:latin typeface="Gill Sans MT (Body)"/>
+              </a:rPr>
+              <a:t>return</a:t>
+            </a:r>
+            <a:r>
+              <a:rPr lang="en-US" dirty="0">
+                <a:solidFill>
+                  <a:srgbClr val="333333"/>
+                </a:solidFill>
+                <a:effectLst/>
+                <a:latin typeface="Gill Sans MT (Body)"/>
+              </a:rPr>
+              <a:t> n</a:t>
+            </a:r>
+          </a:p>
+          <a:p>
+            <a:pPr marL="285750" indent="-285750">
+              <a:buFont typeface="Arial" panose="020B0604020202020204" pitchFamily="34" charset="0"/>
+              <a:buChar char="•"/>
+            </a:pPr>
+            <a:endParaRPr lang="en-US" sz="800" dirty="0">
+              <a:solidFill>
+                <a:srgbClr val="333333"/>
+              </a:solidFill>
+              <a:latin typeface="Gill Sans MT (Body)"/>
+            </a:endParaRPr>
+          </a:p>
+          <a:p>
+            <a:pPr marL="285750" indent="-285750">
+              <a:buFont typeface="Arial" panose="020B0604020202020204" pitchFamily="34" charset="0"/>
+              <a:buChar char="•"/>
+            </a:pPr>
+            <a:r>
+              <a:rPr lang="en-IN" dirty="0">
+                <a:solidFill>
+                  <a:schemeClr val="tx1">
+                    <a:lumMod val="50000"/>
+                    <a:lumOff val="50000"/>
+                  </a:schemeClr>
+                </a:solidFill>
+                <a:latin typeface="Gill Sans MT (Body)"/>
+              </a:rPr>
+              <a:t>neo4j$ </a:t>
+            </a:r>
+            <a:r>
+              <a:rPr lang="en-US" dirty="0">
+                <a:solidFill>
+                  <a:srgbClr val="859900"/>
+                </a:solidFill>
+                <a:effectLst/>
+              </a:rPr>
+              <a:t>match</a:t>
+            </a:r>
+            <a:r>
+              <a:rPr lang="en-US" dirty="0">
+                <a:solidFill>
+                  <a:srgbClr val="586E75"/>
+                </a:solidFill>
+                <a:effectLst/>
+              </a:rPr>
+              <a:t>(</a:t>
+            </a:r>
+            <a:r>
+              <a:rPr lang="en-US" dirty="0">
+                <a:solidFill>
+                  <a:srgbClr val="333333"/>
+                </a:solidFill>
+                <a:effectLst/>
+              </a:rPr>
+              <a:t>n</a:t>
+            </a:r>
+            <a:r>
+              <a:rPr lang="en-US" dirty="0">
+                <a:solidFill>
+                  <a:srgbClr val="586E75"/>
+                </a:solidFill>
+                <a:effectLst/>
+              </a:rPr>
+              <a:t>)</a:t>
+            </a:r>
+            <a:r>
+              <a:rPr lang="en-US" dirty="0">
+                <a:solidFill>
+                  <a:srgbClr val="333333"/>
+                </a:solidFill>
+                <a:effectLst/>
+              </a:rPr>
+              <a:t> </a:t>
+            </a:r>
+            <a:r>
+              <a:rPr lang="en-US" dirty="0">
+                <a:solidFill>
+                  <a:srgbClr val="859900"/>
+                </a:solidFill>
+                <a:effectLst/>
+              </a:rPr>
+              <a:t>where</a:t>
+            </a:r>
+            <a:r>
+              <a:rPr lang="en-US" dirty="0">
+                <a:solidFill>
+                  <a:srgbClr val="333333"/>
+                </a:solidFill>
+                <a:effectLst/>
+              </a:rPr>
+              <a:t> id</a:t>
+            </a:r>
+            <a:r>
+              <a:rPr lang="en-US" dirty="0">
+                <a:solidFill>
+                  <a:srgbClr val="586E75"/>
+                </a:solidFill>
+                <a:effectLst/>
+              </a:rPr>
+              <a:t>(</a:t>
+            </a:r>
+            <a:r>
+              <a:rPr lang="en-US" dirty="0">
+                <a:solidFill>
+                  <a:srgbClr val="333333"/>
+                </a:solidFill>
+                <a:effectLst/>
+              </a:rPr>
+              <a:t>n</a:t>
+            </a:r>
+            <a:r>
+              <a:rPr lang="en-US" dirty="0">
+                <a:solidFill>
+                  <a:srgbClr val="586E75"/>
+                </a:solidFill>
+                <a:effectLst/>
+              </a:rPr>
+              <a:t>)=</a:t>
+            </a:r>
+            <a:r>
+              <a:rPr lang="en-US" dirty="0">
+                <a:solidFill>
+                  <a:srgbClr val="2AA198"/>
+                </a:solidFill>
+                <a:effectLst/>
+              </a:rPr>
+              <a:t>1</a:t>
+            </a:r>
+            <a:r>
+              <a:rPr lang="en-US" dirty="0">
+                <a:solidFill>
+                  <a:srgbClr val="333333"/>
+                </a:solidFill>
+                <a:effectLst/>
+              </a:rPr>
+              <a:t> </a:t>
+            </a:r>
+            <a:r>
+              <a:rPr lang="en-US" dirty="0">
+                <a:solidFill>
+                  <a:srgbClr val="859900"/>
+                </a:solidFill>
+                <a:effectLst/>
+              </a:rPr>
+              <a:t>return</a:t>
+            </a:r>
+            <a:r>
+              <a:rPr lang="en-US" dirty="0">
+                <a:solidFill>
+                  <a:srgbClr val="333333"/>
+                </a:solidFill>
+                <a:effectLst/>
+              </a:rPr>
+              <a:t> n</a:t>
+            </a:r>
+            <a:endParaRPr lang="en-US" dirty="0">
+              <a:solidFill>
+                <a:srgbClr val="000000"/>
+              </a:solidFill>
+              <a:effectLst/>
+            </a:endParaRPr>
           </a:p>
         </p:txBody>
       </p:sp>
@@ -8809,9 +9932,18 @@
                     <a:lumOff val="50000"/>
                   </a:schemeClr>
                 </a:solidFill>
-                <a:latin typeface="Consolas" panose="020B0609020204030204" pitchFamily="49" charset="0"/>
+                <a:latin typeface="Gill Sans MT (Body)"/>
               </a:rPr>
               <a:t>neo4j$ </a:t>
+            </a:r>
+            <a:r>
+              <a:rPr lang="en-IN" dirty="0">
+                <a:solidFill>
+                  <a:srgbClr val="859900"/>
+                </a:solidFill>
+                <a:latin typeface="Gill Sans MT (Body)"/>
+              </a:rPr>
+              <a:t>create</a:t>
             </a:r>
             <a:r>
               <a:rPr lang="en-IN" dirty="0">
@@ -8820,9 +9952,9 @@
                     <a:lumMod val="50000"/>
                   </a:schemeClr>
                 </a:solidFill>
-                <a:latin typeface="Consolas" panose="020B0609020204030204" pitchFamily="49" charset="0"/>
-              </a:rPr>
-              <a:t>create database db1</a:t>
+                <a:latin typeface="Gill Sans MT (Body)"/>
+              </a:rPr>
+              <a:t> database db1</a:t>
             </a:r>
           </a:p>
           <a:p>
@@ -8836,7 +9968,7 @@
                   <a:lumMod val="50000"/>
                 </a:schemeClr>
               </a:solidFill>
-              <a:latin typeface="Consolas" panose="020B0609020204030204" pitchFamily="49" charset="0"/>
+              <a:latin typeface="Gill Sans MT (Body)"/>
             </a:endParaRPr>
           </a:p>
           <a:p>
@@ -8852,9 +9984,18 @@
                     <a:lumOff val="50000"/>
                   </a:schemeClr>
                 </a:solidFill>
-                <a:latin typeface="Consolas" panose="020B0609020204030204" pitchFamily="49" charset="0"/>
+                <a:latin typeface="Gill Sans MT (Body)"/>
               </a:rPr>
               <a:t>neo4j$ </a:t>
+            </a:r>
+            <a:r>
+              <a:rPr lang="en-IN" dirty="0">
+                <a:solidFill>
+                  <a:srgbClr val="859900"/>
+                </a:solidFill>
+                <a:latin typeface="Gill Sans MT (Body)"/>
+              </a:rPr>
+              <a:t>create or replace </a:t>
             </a:r>
             <a:r>
               <a:rPr lang="en-IN" dirty="0">
@@ -8863,9 +10004,9 @@
                     <a:lumMod val="50000"/>
                   </a:schemeClr>
                 </a:solidFill>
-                <a:latin typeface="Consolas" panose="020B0609020204030204" pitchFamily="49" charset="0"/>
-              </a:rPr>
-              <a:t>create or replace database db1</a:t>
+                <a:latin typeface="Gill Sans MT (Body)"/>
+              </a:rPr>
+              <a:t>database db1</a:t>
             </a:r>
           </a:p>
         </p:txBody>
@@ -9151,9 +10292,18 @@
                     <a:lumOff val="50000"/>
                   </a:schemeClr>
                 </a:solidFill>
-                <a:latin typeface="Consolas" panose="020B0609020204030204" pitchFamily="49" charset="0"/>
+                <a:latin typeface="Gill Sans MT (Body)"/>
               </a:rPr>
               <a:t>neo4j$ </a:t>
+            </a:r>
+            <a:r>
+              <a:rPr lang="en-IN" dirty="0">
+                <a:solidFill>
+                  <a:srgbClr val="859900"/>
+                </a:solidFill>
+                <a:latin typeface="Gill Sans MT (Body)"/>
+              </a:rPr>
+              <a:t>show</a:t>
             </a:r>
             <a:r>
               <a:rPr lang="en-IN" dirty="0">
@@ -9162,9 +10312,9 @@
                     <a:lumMod val="50000"/>
                   </a:schemeClr>
                 </a:solidFill>
-                <a:latin typeface="Consolas" panose="020B0609020204030204" pitchFamily="49" charset="0"/>
-              </a:rPr>
-              <a:t>show databases</a:t>
+                <a:latin typeface="Gill Sans MT (Body)"/>
+              </a:rPr>
+              <a:t> databases</a:t>
             </a:r>
           </a:p>
           <a:p>
@@ -9178,7 +10328,7 @@
                   <a:lumMod val="50000"/>
                 </a:schemeClr>
               </a:solidFill>
-              <a:latin typeface="Consolas" panose="020B0609020204030204" pitchFamily="49" charset="0"/>
+              <a:latin typeface="Gill Sans MT (Body)"/>
             </a:endParaRPr>
           </a:p>
           <a:p>
@@ -9194,9 +10344,18 @@
                     <a:lumOff val="50000"/>
                   </a:schemeClr>
                 </a:solidFill>
-                <a:latin typeface="Consolas" panose="020B0609020204030204" pitchFamily="49" charset="0"/>
+                <a:latin typeface="Gill Sans MT (Body)"/>
               </a:rPr>
               <a:t>neo4j$ </a:t>
+            </a:r>
+            <a:r>
+              <a:rPr lang="en-IN" dirty="0">
+                <a:solidFill>
+                  <a:srgbClr val="859900"/>
+                </a:solidFill>
+                <a:latin typeface="Gill Sans MT (Body)"/>
+              </a:rPr>
+              <a:t>show</a:t>
             </a:r>
             <a:r>
               <a:rPr lang="en-IN" dirty="0">
@@ -9205,9 +10364,9 @@
                     <a:lumMod val="50000"/>
                   </a:schemeClr>
                 </a:solidFill>
-                <a:latin typeface="Consolas" panose="020B0609020204030204" pitchFamily="49" charset="0"/>
-              </a:rPr>
-              <a:t>show database db1</a:t>
+                <a:latin typeface="Gill Sans MT (Body)"/>
+              </a:rPr>
+              <a:t> database db1</a:t>
             </a:r>
           </a:p>
           <a:p>
@@ -9221,7 +10380,7 @@
                   <a:lumMod val="50000"/>
                 </a:schemeClr>
               </a:solidFill>
-              <a:latin typeface="Consolas" panose="020B0609020204030204" pitchFamily="49" charset="0"/>
+              <a:latin typeface="Gill Sans MT (Body)"/>
             </a:endParaRPr>
           </a:p>
           <a:p>
@@ -9237,9 +10396,18 @@
                     <a:lumOff val="50000"/>
                   </a:schemeClr>
                 </a:solidFill>
-                <a:latin typeface="Consolas" panose="020B0609020204030204" pitchFamily="49" charset="0"/>
+                <a:latin typeface="Gill Sans MT (Body)"/>
               </a:rPr>
               <a:t>neo4j$ </a:t>
+            </a:r>
+            <a:r>
+              <a:rPr lang="en-IN" dirty="0">
+                <a:solidFill>
+                  <a:srgbClr val="859900"/>
+                </a:solidFill>
+                <a:latin typeface="Gill Sans MT (Body)"/>
+              </a:rPr>
+              <a:t>show</a:t>
             </a:r>
             <a:r>
               <a:rPr lang="en-IN" dirty="0">
@@ -9248,9 +10416,9 @@
                     <a:lumMod val="50000"/>
                   </a:schemeClr>
                 </a:solidFill>
-                <a:latin typeface="Consolas" panose="020B0609020204030204" pitchFamily="49" charset="0"/>
-              </a:rPr>
-              <a:t>show default database</a:t>
+                <a:latin typeface="Gill Sans MT (Body)"/>
+              </a:rPr>
+              <a:t> default database</a:t>
             </a:r>
           </a:p>
           <a:p>
@@ -9264,7 +10432,7 @@
                   <a:lumMod val="50000"/>
                 </a:schemeClr>
               </a:solidFill>
-              <a:latin typeface="Consolas" panose="020B0609020204030204" pitchFamily="49" charset="0"/>
+              <a:latin typeface="Gill Sans MT (Body)"/>
             </a:endParaRPr>
           </a:p>
           <a:p>
@@ -9280,9 +10448,18 @@
                     <a:lumOff val="50000"/>
                   </a:schemeClr>
                 </a:solidFill>
-                <a:latin typeface="Consolas" panose="020B0609020204030204" pitchFamily="49" charset="0"/>
+                <a:latin typeface="Gill Sans MT (Body)"/>
               </a:rPr>
               <a:t>neo4j$ </a:t>
+            </a:r>
+            <a:r>
+              <a:rPr lang="en-IN" dirty="0">
+                <a:solidFill>
+                  <a:srgbClr val="859900"/>
+                </a:solidFill>
+                <a:latin typeface="Gill Sans MT (Body)"/>
+              </a:rPr>
+              <a:t>show</a:t>
             </a:r>
             <a:r>
               <a:rPr lang="en-IN" dirty="0">
@@ -9291,9 +10468,9 @@
                     <a:lumMod val="50000"/>
                   </a:schemeClr>
                 </a:solidFill>
-                <a:latin typeface="Consolas" panose="020B0609020204030204" pitchFamily="49" charset="0"/>
-              </a:rPr>
-              <a:t>show home database</a:t>
+                <a:latin typeface="Gill Sans MT (Body)"/>
+              </a:rPr>
+              <a:t> home database</a:t>
             </a:r>
           </a:p>
         </p:txBody>
@@ -9732,9 +10909,18 @@
                     <a:lumOff val="50000"/>
                   </a:schemeClr>
                 </a:solidFill>
-                <a:latin typeface="Consolas" panose="020B0609020204030204" pitchFamily="49" charset="0"/>
+                <a:latin typeface="Gill Sans MT (Body)"/>
               </a:rPr>
               <a:t>neo4j$ </a:t>
+            </a:r>
+            <a:r>
+              <a:rPr lang="en-IN" dirty="0">
+                <a:solidFill>
+                  <a:srgbClr val="859900"/>
+                </a:solidFill>
+                <a:latin typeface="Gill Sans MT (Body)"/>
+              </a:rPr>
+              <a:t>:use</a:t>
             </a:r>
             <a:r>
               <a:rPr lang="en-IN" dirty="0">
@@ -9743,9 +10929,9 @@
                     <a:lumMod val="50000"/>
                   </a:schemeClr>
                 </a:solidFill>
-                <a:latin typeface="Consolas" panose="020B0609020204030204" pitchFamily="49" charset="0"/>
-              </a:rPr>
-              <a:t>:use movies</a:t>
+                <a:latin typeface="Gill Sans MT (Body)"/>
+              </a:rPr>
+              <a:t> movies</a:t>
             </a:r>
           </a:p>
         </p:txBody>
@@ -10224,9 +11410,18 @@
                     <a:lumOff val="50000"/>
                   </a:schemeClr>
                 </a:solidFill>
-                <a:latin typeface="Consolas" panose="020B0609020204030204" pitchFamily="49" charset="0"/>
+                <a:latin typeface="Gill Sans MT (Body)"/>
               </a:rPr>
               <a:t>neo4j$ </a:t>
+            </a:r>
+            <a:r>
+              <a:rPr lang="en-IN" dirty="0">
+                <a:solidFill>
+                  <a:srgbClr val="859900"/>
+                </a:solidFill>
+                <a:latin typeface="Gill Sans MT (Body)"/>
+              </a:rPr>
+              <a:t>drop</a:t>
             </a:r>
             <a:r>
               <a:rPr lang="en-IN" dirty="0">
@@ -10235,9 +11430,9 @@
                     <a:lumMod val="50000"/>
                   </a:schemeClr>
                 </a:solidFill>
-                <a:latin typeface="Consolas" panose="020B0609020204030204" pitchFamily="49" charset="0"/>
-              </a:rPr>
-              <a:t>drop database db1</a:t>
+                <a:latin typeface="Gill Sans MT (Body)"/>
+              </a:rPr>
+              <a:t> database db1</a:t>
             </a:r>
           </a:p>
           <a:p>
@@ -10251,7 +11446,7 @@
                   <a:lumMod val="50000"/>
                 </a:schemeClr>
               </a:solidFill>
-              <a:latin typeface="Consolas" panose="020B0609020204030204" pitchFamily="49" charset="0"/>
+              <a:latin typeface="Gill Sans MT (Body)"/>
             </a:endParaRPr>
           </a:p>
           <a:p>
@@ -10267,9 +11462,18 @@
                     <a:lumOff val="50000"/>
                   </a:schemeClr>
                 </a:solidFill>
-                <a:latin typeface="Consolas" panose="020B0609020204030204" pitchFamily="49" charset="0"/>
+                <a:latin typeface="Gill Sans MT (Body)"/>
               </a:rPr>
               <a:t>neo4j$ </a:t>
+            </a:r>
+            <a:r>
+              <a:rPr lang="en-IN" dirty="0">
+                <a:solidFill>
+                  <a:srgbClr val="859900"/>
+                </a:solidFill>
+                <a:latin typeface="Gill Sans MT (Body)"/>
+              </a:rPr>
+              <a:t>drop</a:t>
             </a:r>
             <a:r>
               <a:rPr lang="en-IN" dirty="0">
@@ -10278,9 +11482,9 @@
                     <a:lumMod val="50000"/>
                   </a:schemeClr>
                 </a:solidFill>
-                <a:latin typeface="Consolas" panose="020B0609020204030204" pitchFamily="49" charset="0"/>
-              </a:rPr>
-              <a:t>drop database db1 IF EXISTS</a:t>
+                <a:latin typeface="Gill Sans MT (Body)"/>
+              </a:rPr>
+              <a:t> database db1 IF EXISTS</a:t>
             </a:r>
           </a:p>
         </p:txBody>

--- a/Neo4j.pptx
+++ b/Neo4j.pptx
@@ -5,7 +5,7 @@
     <p:sldMasterId id="2147483720" r:id="rId1"/>
   </p:sldMasterIdLst>
   <p:notesMasterIdLst>
-    <p:notesMasterId r:id="rId19"/>
+    <p:notesMasterId r:id="rId20"/>
   </p:notesMasterIdLst>
   <p:sldIdLst>
     <p:sldId id="256" r:id="rId2"/>
@@ -22,9 +22,10 @@
     <p:sldId id="1400" r:id="rId13"/>
     <p:sldId id="1402" r:id="rId14"/>
     <p:sldId id="1403" r:id="rId15"/>
-    <p:sldId id="1393" r:id="rId16"/>
-    <p:sldId id="350" r:id="rId17"/>
-    <p:sldId id="1398" r:id="rId18"/>
+    <p:sldId id="1404" r:id="rId16"/>
+    <p:sldId id="1393" r:id="rId17"/>
+    <p:sldId id="350" r:id="rId18"/>
+    <p:sldId id="1398" r:id="rId19"/>
   </p:sldIdLst>
   <p:sldSz cx="12192000" cy="6858000"/>
   <p:notesSz cx="6858000" cy="9144000"/>
@@ -6773,7 +6774,7 @@
         <p:spPr>
           <a:xfrm>
             <a:off x="243604" y="2587551"/>
-            <a:ext cx="11693880" cy="769441"/>
+            <a:ext cx="11693880" cy="1169551"/>
           </a:xfrm>
           <a:prstGeom prst="rect">
             <a:avLst/>
@@ -7056,7 +7057,243 @@
               </a:rPr>
               <a:t> n</a:t>
             </a:r>
-            <a:endParaRPr lang="en-US" dirty="0">
+          </a:p>
+          <a:p>
+            <a:pPr marL="285750" indent="-285750">
+              <a:buFont typeface="Arial" panose="020B0604020202020204" pitchFamily="34" charset="0"/>
+              <a:buChar char="•"/>
+            </a:pPr>
+            <a:endParaRPr lang="en-US" sz="800" dirty="0">
+              <a:solidFill>
+                <a:srgbClr val="333333"/>
+              </a:solidFill>
+            </a:endParaRPr>
+          </a:p>
+          <a:p>
+            <a:pPr marL="285750" indent="-285750">
+              <a:buFont typeface="Arial" panose="020B0604020202020204" pitchFamily="34" charset="0"/>
+              <a:buChar char="•"/>
+            </a:pPr>
+            <a:r>
+              <a:rPr lang="en-IN" dirty="0">
+                <a:solidFill>
+                  <a:schemeClr val="tx1">
+                    <a:lumMod val="50000"/>
+                    <a:lumOff val="50000"/>
+                  </a:schemeClr>
+                </a:solidFill>
+                <a:latin typeface="Gill Sans MT (Body)"/>
+              </a:rPr>
+              <a:t>neo4j$ </a:t>
+            </a:r>
+            <a:r>
+              <a:rPr lang="en-IN" dirty="0">
+                <a:solidFill>
+                  <a:srgbClr val="859900"/>
+                </a:solidFill>
+                <a:effectLst/>
+              </a:rPr>
+              <a:t>match</a:t>
+            </a:r>
+            <a:r>
+              <a:rPr lang="en-IN" dirty="0">
+                <a:solidFill>
+                  <a:srgbClr val="586E75"/>
+                </a:solidFill>
+                <a:effectLst/>
+              </a:rPr>
+              <a:t>(</a:t>
+            </a:r>
+            <a:r>
+              <a:rPr lang="en-IN" dirty="0">
+                <a:solidFill>
+                  <a:srgbClr val="333333"/>
+                </a:solidFill>
+                <a:effectLst/>
+              </a:rPr>
+              <a:t>n</a:t>
+            </a:r>
+            <a:r>
+              <a:rPr lang="en-IN" dirty="0">
+                <a:solidFill>
+                  <a:srgbClr val="586E75"/>
+                </a:solidFill>
+                <a:effectLst/>
+              </a:rPr>
+              <a:t>)</a:t>
+            </a:r>
+            <a:r>
+              <a:rPr lang="en-IN" dirty="0">
+                <a:solidFill>
+                  <a:srgbClr val="333333"/>
+                </a:solidFill>
+                <a:effectLst/>
+              </a:rPr>
+              <a:t> </a:t>
+            </a:r>
+            <a:r>
+              <a:rPr lang="en-IN" dirty="0">
+                <a:solidFill>
+                  <a:srgbClr val="859900"/>
+                </a:solidFill>
+                <a:effectLst/>
+              </a:rPr>
+              <a:t>where</a:t>
+            </a:r>
+            <a:r>
+              <a:rPr lang="en-IN" dirty="0">
+                <a:solidFill>
+                  <a:srgbClr val="333333"/>
+                </a:solidFill>
+                <a:effectLst/>
+              </a:rPr>
+              <a:t> id</a:t>
+            </a:r>
+            <a:r>
+              <a:rPr lang="en-IN" dirty="0">
+                <a:solidFill>
+                  <a:srgbClr val="586E75"/>
+                </a:solidFill>
+                <a:effectLst/>
+              </a:rPr>
+              <a:t>(</a:t>
+            </a:r>
+            <a:r>
+              <a:rPr lang="en-IN" dirty="0">
+                <a:solidFill>
+                  <a:srgbClr val="333333"/>
+                </a:solidFill>
+                <a:effectLst/>
+              </a:rPr>
+              <a:t>n</a:t>
+            </a:r>
+            <a:r>
+              <a:rPr lang="en-IN" dirty="0">
+                <a:solidFill>
+                  <a:srgbClr val="586E75"/>
+                </a:solidFill>
+                <a:effectLst/>
+              </a:rPr>
+              <a:t>)=</a:t>
+            </a:r>
+            <a:r>
+              <a:rPr lang="en-IN" dirty="0">
+                <a:solidFill>
+                  <a:srgbClr val="2AA198"/>
+                </a:solidFill>
+                <a:effectLst/>
+              </a:rPr>
+              <a:t>2</a:t>
+            </a:r>
+            <a:r>
+              <a:rPr lang="en-IN" dirty="0">
+                <a:solidFill>
+                  <a:srgbClr val="333333"/>
+                </a:solidFill>
+                <a:effectLst/>
+              </a:rPr>
+              <a:t> </a:t>
+            </a:r>
+            <a:r>
+              <a:rPr lang="en-IN" dirty="0">
+                <a:solidFill>
+                  <a:srgbClr val="859900"/>
+                </a:solidFill>
+                <a:effectLst/>
+              </a:rPr>
+              <a:t>or</a:t>
+            </a:r>
+            <a:r>
+              <a:rPr lang="en-IN" dirty="0">
+                <a:solidFill>
+                  <a:srgbClr val="333333"/>
+                </a:solidFill>
+                <a:effectLst/>
+              </a:rPr>
+              <a:t> id</a:t>
+            </a:r>
+            <a:r>
+              <a:rPr lang="en-IN" dirty="0">
+                <a:solidFill>
+                  <a:srgbClr val="586E75"/>
+                </a:solidFill>
+                <a:effectLst/>
+              </a:rPr>
+              <a:t>(</a:t>
+            </a:r>
+            <a:r>
+              <a:rPr lang="en-IN" dirty="0">
+                <a:solidFill>
+                  <a:srgbClr val="333333"/>
+                </a:solidFill>
+                <a:effectLst/>
+              </a:rPr>
+              <a:t>n</a:t>
+            </a:r>
+            <a:r>
+              <a:rPr lang="en-IN" dirty="0">
+                <a:solidFill>
+                  <a:srgbClr val="586E75"/>
+                </a:solidFill>
+                <a:effectLst/>
+              </a:rPr>
+              <a:t>)=</a:t>
+            </a:r>
+            <a:r>
+              <a:rPr lang="en-IN" dirty="0">
+                <a:solidFill>
+                  <a:srgbClr val="2AA198"/>
+                </a:solidFill>
+                <a:effectLst/>
+              </a:rPr>
+              <a:t>3</a:t>
+            </a:r>
+            <a:r>
+              <a:rPr lang="en-IN" dirty="0">
+                <a:solidFill>
+                  <a:srgbClr val="333333"/>
+                </a:solidFill>
+                <a:effectLst/>
+              </a:rPr>
+              <a:t> </a:t>
+            </a:r>
+            <a:r>
+              <a:rPr lang="en-IN" dirty="0">
+                <a:solidFill>
+                  <a:srgbClr val="859900"/>
+                </a:solidFill>
+                <a:effectLst/>
+              </a:rPr>
+              <a:t>detach</a:t>
+            </a:r>
+            <a:r>
+              <a:rPr lang="en-IN" dirty="0">
+                <a:solidFill>
+                  <a:srgbClr val="333333"/>
+                </a:solidFill>
+                <a:effectLst/>
+              </a:rPr>
+              <a:t> </a:t>
+            </a:r>
+            <a:r>
+              <a:rPr lang="en-IN" dirty="0">
+                <a:solidFill>
+                  <a:srgbClr val="859900"/>
+                </a:solidFill>
+                <a:effectLst/>
+              </a:rPr>
+              <a:t>delete</a:t>
+            </a:r>
+            <a:r>
+              <a:rPr lang="en-IN" dirty="0">
+                <a:solidFill>
+                  <a:srgbClr val="333333"/>
+                </a:solidFill>
+                <a:effectLst/>
+              </a:rPr>
+              <a:t> n </a:t>
+            </a:r>
+            <a:endParaRPr lang="en-IN" dirty="0">
               <a:solidFill>
                 <a:srgbClr val="000000"/>
               </a:solidFill>
@@ -7420,7 +7657,7 @@
         <p:spPr>
           <a:xfrm>
             <a:off x="243604" y="2587551"/>
-            <a:ext cx="11693880" cy="1569660"/>
+            <a:ext cx="11693880" cy="2369880"/>
           </a:xfrm>
           <a:prstGeom prst="rect">
             <a:avLst/>
@@ -7834,6 +8071,529 @@
                 <a:effectLst/>
               </a:rPr>
               <a:t>1</a:t>
+            </a:r>
+            <a:r>
+              <a:rPr lang="en-US" dirty="0">
+                <a:solidFill>
+                  <a:srgbClr val="333333"/>
+                </a:solidFill>
+                <a:effectLst/>
+              </a:rPr>
+              <a:t> </a:t>
+            </a:r>
+            <a:r>
+              <a:rPr lang="en-US" dirty="0">
+                <a:solidFill>
+                  <a:srgbClr val="859900"/>
+                </a:solidFill>
+                <a:effectLst/>
+              </a:rPr>
+              <a:t>return</a:t>
+            </a:r>
+            <a:r>
+              <a:rPr lang="en-US" dirty="0">
+                <a:solidFill>
+                  <a:srgbClr val="333333"/>
+                </a:solidFill>
+                <a:effectLst/>
+              </a:rPr>
+              <a:t> n</a:t>
+            </a:r>
+          </a:p>
+          <a:p>
+            <a:pPr marL="285750" indent="-285750">
+              <a:buFont typeface="Arial" panose="020B0604020202020204" pitchFamily="34" charset="0"/>
+              <a:buChar char="•"/>
+            </a:pPr>
+            <a:endParaRPr lang="en-US" sz="800" dirty="0">
+              <a:solidFill>
+                <a:srgbClr val="333333"/>
+              </a:solidFill>
+            </a:endParaRPr>
+          </a:p>
+          <a:p>
+            <a:pPr marL="285750" indent="-285750">
+              <a:buFont typeface="Arial" panose="020B0604020202020204" pitchFamily="34" charset="0"/>
+              <a:buChar char="•"/>
+            </a:pPr>
+            <a:r>
+              <a:rPr lang="en-IN" dirty="0">
+                <a:solidFill>
+                  <a:schemeClr val="tx1">
+                    <a:lumMod val="50000"/>
+                    <a:lumOff val="50000"/>
+                  </a:schemeClr>
+                </a:solidFill>
+                <a:latin typeface="Gill Sans MT (Body)"/>
+              </a:rPr>
+              <a:t>neo4j$ </a:t>
+            </a:r>
+            <a:r>
+              <a:rPr lang="en-US" dirty="0">
+                <a:solidFill>
+                  <a:srgbClr val="859900"/>
+                </a:solidFill>
+                <a:effectLst/>
+              </a:rPr>
+              <a:t>match</a:t>
+            </a:r>
+            <a:r>
+              <a:rPr lang="en-US" dirty="0">
+                <a:solidFill>
+                  <a:srgbClr val="586E75"/>
+                </a:solidFill>
+                <a:effectLst/>
+              </a:rPr>
+              <a:t>(</a:t>
+            </a:r>
+            <a:r>
+              <a:rPr lang="en-US" dirty="0">
+                <a:solidFill>
+                  <a:srgbClr val="333333"/>
+                </a:solidFill>
+                <a:effectLst/>
+              </a:rPr>
+              <a:t>n</a:t>
+            </a:r>
+            <a:r>
+              <a:rPr lang="en-US" dirty="0">
+                <a:solidFill>
+                  <a:srgbClr val="586E75"/>
+                </a:solidFill>
+                <a:effectLst/>
+              </a:rPr>
+              <a:t>)</a:t>
+            </a:r>
+            <a:r>
+              <a:rPr lang="en-US" dirty="0">
+                <a:solidFill>
+                  <a:srgbClr val="333333"/>
+                </a:solidFill>
+                <a:effectLst/>
+              </a:rPr>
+              <a:t> </a:t>
+            </a:r>
+            <a:r>
+              <a:rPr lang="en-US" dirty="0">
+                <a:solidFill>
+                  <a:srgbClr val="859900"/>
+                </a:solidFill>
+                <a:effectLst/>
+              </a:rPr>
+              <a:t>where</a:t>
+            </a:r>
+            <a:r>
+              <a:rPr lang="en-US" dirty="0">
+                <a:solidFill>
+                  <a:srgbClr val="333333"/>
+                </a:solidFill>
+                <a:effectLst/>
+              </a:rPr>
+              <a:t> id</a:t>
+            </a:r>
+            <a:r>
+              <a:rPr lang="en-US" dirty="0">
+                <a:solidFill>
+                  <a:srgbClr val="586E75"/>
+                </a:solidFill>
+                <a:effectLst/>
+              </a:rPr>
+              <a:t>(</a:t>
+            </a:r>
+            <a:r>
+              <a:rPr lang="en-US" dirty="0">
+                <a:solidFill>
+                  <a:srgbClr val="333333"/>
+                </a:solidFill>
+                <a:effectLst/>
+              </a:rPr>
+              <a:t>n</a:t>
+            </a:r>
+            <a:r>
+              <a:rPr lang="en-US" dirty="0">
+                <a:solidFill>
+                  <a:srgbClr val="586E75"/>
+                </a:solidFill>
+                <a:effectLst/>
+              </a:rPr>
+              <a:t>)=</a:t>
+            </a:r>
+            <a:r>
+              <a:rPr lang="en-US" dirty="0">
+                <a:solidFill>
+                  <a:srgbClr val="2AA198"/>
+                </a:solidFill>
+                <a:effectLst/>
+              </a:rPr>
+              <a:t>0</a:t>
+            </a:r>
+            <a:r>
+              <a:rPr lang="en-US" dirty="0">
+                <a:solidFill>
+                  <a:srgbClr val="333333"/>
+                </a:solidFill>
+                <a:effectLst/>
+              </a:rPr>
+              <a:t> </a:t>
+            </a:r>
+            <a:r>
+              <a:rPr lang="en-US" dirty="0">
+                <a:solidFill>
+                  <a:srgbClr val="859900"/>
+                </a:solidFill>
+                <a:effectLst/>
+              </a:rPr>
+              <a:t>or</a:t>
+            </a:r>
+            <a:r>
+              <a:rPr lang="en-US" dirty="0">
+                <a:solidFill>
+                  <a:srgbClr val="333333"/>
+                </a:solidFill>
+                <a:effectLst/>
+              </a:rPr>
+              <a:t> id</a:t>
+            </a:r>
+            <a:r>
+              <a:rPr lang="en-US" dirty="0">
+                <a:solidFill>
+                  <a:srgbClr val="586E75"/>
+                </a:solidFill>
+                <a:effectLst/>
+              </a:rPr>
+              <a:t>(</a:t>
+            </a:r>
+            <a:r>
+              <a:rPr lang="en-US" dirty="0">
+                <a:solidFill>
+                  <a:srgbClr val="333333"/>
+                </a:solidFill>
+                <a:effectLst/>
+              </a:rPr>
+              <a:t>n</a:t>
+            </a:r>
+            <a:r>
+              <a:rPr lang="en-US" dirty="0">
+                <a:solidFill>
+                  <a:srgbClr val="586E75"/>
+                </a:solidFill>
+                <a:effectLst/>
+              </a:rPr>
+              <a:t>)=</a:t>
+            </a:r>
+            <a:r>
+              <a:rPr lang="en-US" dirty="0">
+                <a:solidFill>
+                  <a:srgbClr val="2AA198"/>
+                </a:solidFill>
+                <a:effectLst/>
+              </a:rPr>
+              <a:t>2</a:t>
+            </a:r>
+            <a:r>
+              <a:rPr lang="en-US" dirty="0">
+                <a:solidFill>
+                  <a:srgbClr val="333333"/>
+                </a:solidFill>
+                <a:effectLst/>
+              </a:rPr>
+              <a:t> </a:t>
+            </a:r>
+            <a:r>
+              <a:rPr lang="en-US" dirty="0">
+                <a:solidFill>
+                  <a:srgbClr val="859900"/>
+                </a:solidFill>
+                <a:effectLst/>
+              </a:rPr>
+              <a:t>or</a:t>
+            </a:r>
+            <a:r>
+              <a:rPr lang="en-US" dirty="0">
+                <a:solidFill>
+                  <a:srgbClr val="333333"/>
+                </a:solidFill>
+                <a:effectLst/>
+              </a:rPr>
+              <a:t> id</a:t>
+            </a:r>
+            <a:r>
+              <a:rPr lang="en-US" dirty="0">
+                <a:solidFill>
+                  <a:srgbClr val="586E75"/>
+                </a:solidFill>
+                <a:effectLst/>
+              </a:rPr>
+              <a:t>(</a:t>
+            </a:r>
+            <a:r>
+              <a:rPr lang="en-US" dirty="0">
+                <a:solidFill>
+                  <a:srgbClr val="333333"/>
+                </a:solidFill>
+                <a:effectLst/>
+              </a:rPr>
+              <a:t>n</a:t>
+            </a:r>
+            <a:r>
+              <a:rPr lang="en-US" dirty="0">
+                <a:solidFill>
+                  <a:srgbClr val="586E75"/>
+                </a:solidFill>
+                <a:effectLst/>
+              </a:rPr>
+              <a:t>)=</a:t>
+            </a:r>
+            <a:r>
+              <a:rPr lang="en-US" dirty="0">
+                <a:solidFill>
+                  <a:srgbClr val="2AA198"/>
+                </a:solidFill>
+                <a:effectLst/>
+              </a:rPr>
+              <a:t>3</a:t>
+            </a:r>
+            <a:r>
+              <a:rPr lang="en-US" dirty="0">
+                <a:solidFill>
+                  <a:srgbClr val="333333"/>
+                </a:solidFill>
+                <a:effectLst/>
+              </a:rPr>
+              <a:t> </a:t>
+            </a:r>
+            <a:r>
+              <a:rPr lang="en-US" dirty="0">
+                <a:solidFill>
+                  <a:srgbClr val="859900"/>
+                </a:solidFill>
+                <a:effectLst/>
+              </a:rPr>
+              <a:t>return</a:t>
+            </a:r>
+            <a:r>
+              <a:rPr lang="en-US" dirty="0">
+                <a:solidFill>
+                  <a:srgbClr val="333333"/>
+                </a:solidFill>
+                <a:effectLst/>
+              </a:rPr>
+              <a:t> n</a:t>
+            </a:r>
+            <a:endParaRPr lang="en-US" dirty="0">
+              <a:solidFill>
+                <a:srgbClr val="000000"/>
+              </a:solidFill>
+              <a:effectLst/>
+            </a:endParaRPr>
+          </a:p>
+          <a:p>
+            <a:pPr marL="285750" indent="-285750">
+              <a:buFont typeface="Arial" panose="020B0604020202020204" pitchFamily="34" charset="0"/>
+              <a:buChar char="•"/>
+            </a:pPr>
+            <a:endParaRPr lang="en-US" sz="800" dirty="0">
+              <a:solidFill>
+                <a:srgbClr val="333333"/>
+              </a:solidFill>
+            </a:endParaRPr>
+          </a:p>
+          <a:p>
+            <a:pPr marL="285750" indent="-285750">
+              <a:buFont typeface="Arial" panose="020B0604020202020204" pitchFamily="34" charset="0"/>
+              <a:buChar char="•"/>
+            </a:pPr>
+            <a:r>
+              <a:rPr lang="en-IN" dirty="0">
+                <a:solidFill>
+                  <a:schemeClr val="tx1">
+                    <a:lumMod val="50000"/>
+                    <a:lumOff val="50000"/>
+                  </a:schemeClr>
+                </a:solidFill>
+                <a:latin typeface="Gill Sans MT (Body)"/>
+              </a:rPr>
+              <a:t>neo4j$ </a:t>
+            </a:r>
+            <a:r>
+              <a:rPr lang="en-US" dirty="0">
+                <a:solidFill>
+                  <a:srgbClr val="859900"/>
+                </a:solidFill>
+                <a:effectLst/>
+              </a:rPr>
+              <a:t>match</a:t>
+            </a:r>
+            <a:r>
+              <a:rPr lang="en-US" dirty="0">
+                <a:solidFill>
+                  <a:srgbClr val="586E75"/>
+                </a:solidFill>
+                <a:effectLst/>
+              </a:rPr>
+              <a:t>(</a:t>
+            </a:r>
+            <a:r>
+              <a:rPr lang="en-US" dirty="0">
+                <a:solidFill>
+                  <a:srgbClr val="333333"/>
+                </a:solidFill>
+                <a:effectLst/>
+              </a:rPr>
+              <a:t>n</a:t>
+            </a:r>
+            <a:r>
+              <a:rPr lang="en-US" dirty="0">
+                <a:solidFill>
+                  <a:srgbClr val="586E75"/>
+                </a:solidFill>
+                <a:effectLst/>
+              </a:rPr>
+              <a:t>)</a:t>
+            </a:r>
+            <a:r>
+              <a:rPr lang="en-US" dirty="0">
+                <a:solidFill>
+                  <a:srgbClr val="333333"/>
+                </a:solidFill>
+                <a:effectLst/>
+              </a:rPr>
+              <a:t> </a:t>
+            </a:r>
+            <a:r>
+              <a:rPr lang="en-US" dirty="0">
+                <a:solidFill>
+                  <a:srgbClr val="859900"/>
+                </a:solidFill>
+                <a:effectLst/>
+              </a:rPr>
+              <a:t>where</a:t>
+            </a:r>
+            <a:r>
+              <a:rPr lang="en-US" dirty="0">
+                <a:solidFill>
+                  <a:srgbClr val="333333"/>
+                </a:solidFill>
+                <a:effectLst/>
+              </a:rPr>
+              <a:t> id</a:t>
+            </a:r>
+            <a:r>
+              <a:rPr lang="en-US" dirty="0">
+                <a:solidFill>
+                  <a:srgbClr val="586E75"/>
+                </a:solidFill>
+                <a:effectLst/>
+              </a:rPr>
+              <a:t>(</a:t>
+            </a:r>
+            <a:r>
+              <a:rPr lang="en-US" dirty="0">
+                <a:solidFill>
+                  <a:srgbClr val="333333"/>
+                </a:solidFill>
+                <a:effectLst/>
+              </a:rPr>
+              <a:t>n</a:t>
+            </a:r>
+            <a:r>
+              <a:rPr lang="en-US" dirty="0">
+                <a:solidFill>
+                  <a:srgbClr val="586E75"/>
+                </a:solidFill>
+                <a:effectLst/>
+              </a:rPr>
+              <a:t>)</a:t>
+            </a:r>
+            <a:r>
+              <a:rPr lang="en-US" dirty="0">
+                <a:solidFill>
+                  <a:srgbClr val="333333"/>
+                </a:solidFill>
+                <a:effectLst/>
+              </a:rPr>
+              <a:t> </a:t>
+            </a:r>
+            <a:r>
+              <a:rPr lang="en-US" dirty="0">
+                <a:solidFill>
+                  <a:srgbClr val="859900"/>
+                </a:solidFill>
+                <a:effectLst/>
+              </a:rPr>
+              <a:t>in</a:t>
+            </a:r>
+            <a:r>
+              <a:rPr lang="en-US" dirty="0">
+                <a:solidFill>
+                  <a:srgbClr val="333333"/>
+                </a:solidFill>
+                <a:effectLst/>
+              </a:rPr>
+              <a:t> </a:t>
+            </a:r>
+            <a:r>
+              <a:rPr lang="en-US" dirty="0">
+                <a:solidFill>
+                  <a:srgbClr val="586E75"/>
+                </a:solidFill>
+                <a:effectLst/>
+              </a:rPr>
+              <a:t>[ </a:t>
+            </a:r>
+            <a:r>
+              <a:rPr lang="en-US" dirty="0">
+                <a:solidFill>
+                  <a:srgbClr val="2AA198"/>
+                </a:solidFill>
+                <a:effectLst/>
+              </a:rPr>
+              <a:t>0</a:t>
+            </a:r>
+            <a:r>
+              <a:rPr lang="en-US" dirty="0">
+                <a:solidFill>
+                  <a:srgbClr val="586E75"/>
+                </a:solidFill>
+                <a:effectLst/>
+              </a:rPr>
+              <a:t>, </a:t>
+            </a:r>
+            <a:r>
+              <a:rPr lang="en-US" dirty="0">
+                <a:solidFill>
+                  <a:srgbClr val="2AA198"/>
+                </a:solidFill>
+                <a:effectLst/>
+              </a:rPr>
+              <a:t>2</a:t>
+            </a:r>
+            <a:r>
+              <a:rPr lang="en-US" dirty="0">
+                <a:solidFill>
+                  <a:srgbClr val="586E75"/>
+                </a:solidFill>
+                <a:effectLst/>
+              </a:rPr>
+              <a:t>, </a:t>
+            </a:r>
+            <a:r>
+              <a:rPr lang="en-US" dirty="0">
+                <a:solidFill>
+                  <a:srgbClr val="2AA198"/>
+                </a:solidFill>
+                <a:effectLst/>
+              </a:rPr>
+              <a:t>3 </a:t>
+            </a:r>
+            <a:r>
+              <a:rPr lang="en-US" dirty="0">
+                <a:solidFill>
+                  <a:srgbClr val="586E75"/>
+                </a:solidFill>
+                <a:effectLst/>
+              </a:rPr>
+              <a:t>]</a:t>
             </a:r>
             <a:r>
               <a:rPr lang="en-US" dirty="0">
@@ -7901,10 +8661,499 @@
           <a:chExt cx="0" cy="0"/>
         </a:xfrm>
       </p:grpSpPr>
+      <p:sp>
+        <p:nvSpPr>
+          <p:cNvPr id="102" name="CustomShape 3"/>
+          <p:cNvSpPr/>
+          <p:nvPr/>
+        </p:nvSpPr>
+        <p:spPr>
+          <a:xfrm>
+            <a:off x="246600" y="762120"/>
+            <a:ext cx="11693880" cy="398655"/>
+          </a:xfrm>
+          <a:prstGeom prst="rect">
+            <a:avLst/>
+          </a:prstGeom>
+          <a:noFill/>
+          <a:ln>
+            <a:noFill/>
+          </a:ln>
+        </p:spPr>
+        <p:style>
+          <a:lnRef idx="0">
+            <a:scrgbClr r="0" g="0" b="0"/>
+          </a:lnRef>
+          <a:fillRef idx="0">
+            <a:scrgbClr r="0" g="0" b="0"/>
+          </a:fillRef>
+          <a:effectRef idx="0">
+            <a:scrgbClr r="0" g="0" b="0"/>
+          </a:effectRef>
+          <a:fontRef idx="minor"/>
+        </p:style>
+        <p:txBody>
+          <a:bodyPr lIns="90000" tIns="45000" rIns="90000" bIns="45000">
+            <a:spAutoFit/>
+          </a:bodyPr>
+          <a:lstStyle/>
+          <a:p>
+            <a:pPr algn="just"/>
+            <a:r>
+              <a:rPr lang="en-US" sz="2000" dirty="0">
+                <a:solidFill>
+                  <a:srgbClr val="2D3748"/>
+                </a:solidFill>
+                <a:latin typeface="Nunito Sans"/>
+              </a:rPr>
+              <a:t>TODO</a:t>
+            </a:r>
+            <a:endParaRPr lang="en-IN" sz="2000" dirty="0">
+              <a:solidFill>
+                <a:srgbClr val="2D3748"/>
+              </a:solidFill>
+              <a:latin typeface="Nunito Sans"/>
+            </a:endParaRPr>
+          </a:p>
+        </p:txBody>
+      </p:sp>
+      <p:sp>
+        <p:nvSpPr>
+          <p:cNvPr id="103" name="CustomShape 4"/>
+          <p:cNvSpPr/>
+          <p:nvPr/>
+        </p:nvSpPr>
+        <p:spPr>
+          <a:xfrm>
+            <a:off x="243604" y="5696497"/>
+            <a:ext cx="11693880" cy="737210"/>
+          </a:xfrm>
+          <a:prstGeom prst="rect">
+            <a:avLst/>
+          </a:prstGeom>
+          <a:noFill/>
+          <a:ln>
+            <a:noFill/>
+          </a:ln>
+        </p:spPr>
+        <p:style>
+          <a:lnRef idx="0">
+            <a:scrgbClr r="0" g="0" b="0"/>
+          </a:lnRef>
+          <a:fillRef idx="0">
+            <a:scrgbClr r="0" g="0" b="0"/>
+          </a:fillRef>
+          <a:effectRef idx="0">
+            <a:scrgbClr r="0" g="0" b="0"/>
+          </a:effectRef>
+          <a:fontRef idx="minor"/>
+        </p:style>
+        <p:txBody>
+          <a:bodyPr lIns="90000" tIns="45000" rIns="90000" bIns="45000">
+            <a:spAutoFit/>
+          </a:bodyPr>
+          <a:lstStyle/>
+          <a:p>
+            <a:pPr>
+              <a:lnSpc>
+                <a:spcPct val="100000"/>
+              </a:lnSpc>
+            </a:pPr>
+            <a:r>
+              <a:rPr lang="en-IN" sz="2000" b="1" strike="noStrike" spc="-1" dirty="0">
+                <a:solidFill>
+                  <a:srgbClr val="C00000"/>
+                </a:solidFill>
+                <a:latin typeface="Arial" panose="020B0604020202020204" pitchFamily="34" charset="0"/>
+                <a:ea typeface="Open Sans"/>
+                <a:cs typeface="Arial" panose="020B0604020202020204" pitchFamily="34" charset="0"/>
+              </a:rPr>
+              <a:t>Note:</a:t>
+            </a:r>
+            <a:endParaRPr lang="en-IN" sz="2000" b="0" strike="noStrike" spc="-1" dirty="0">
+              <a:latin typeface="Arial" panose="020B0604020202020204" pitchFamily="34" charset="0"/>
+              <a:cs typeface="Arial" panose="020B0604020202020204" pitchFamily="34" charset="0"/>
+            </a:endParaRPr>
+          </a:p>
+          <a:p>
+            <a:pPr>
+              <a:lnSpc>
+                <a:spcPct val="100000"/>
+              </a:lnSpc>
+            </a:pPr>
+            <a:r>
+              <a:rPr lang="en-IN" sz="400" b="0" strike="noStrike" spc="-1" dirty="0">
+                <a:solidFill>
+                  <a:srgbClr val="000000"/>
+                </a:solidFill>
+                <a:latin typeface="Arial" panose="020B0604020202020204" pitchFamily="34" charset="0"/>
+                <a:ea typeface="DejaVu Sans"/>
+                <a:cs typeface="Arial" panose="020B0604020202020204" pitchFamily="34" charset="0"/>
+              </a:rPr>
+              <a:t> </a:t>
+            </a:r>
+            <a:endParaRPr lang="en-IN" sz="400" b="0" strike="noStrike" spc="-1" dirty="0">
+              <a:latin typeface="Arial" panose="020B0604020202020204" pitchFamily="34" charset="0"/>
+              <a:cs typeface="Arial" panose="020B0604020202020204" pitchFamily="34" charset="0"/>
+            </a:endParaRPr>
+          </a:p>
+          <a:p>
+            <a:pPr marL="285840" indent="-262080">
+              <a:buClr>
+                <a:srgbClr val="000000"/>
+              </a:buClr>
+              <a:buFont typeface="Arial"/>
+              <a:buChar char="•"/>
+            </a:pPr>
+            <a:r>
+              <a:rPr lang="en-US" b="0" i="0" dirty="0">
+                <a:solidFill>
+                  <a:srgbClr val="333333"/>
+                </a:solidFill>
+                <a:effectLst/>
+                <a:latin typeface="Arial" panose="020B0604020202020204" pitchFamily="34" charset="0"/>
+              </a:rPr>
+              <a:t>TODO</a:t>
+            </a:r>
+            <a:endParaRPr lang="en-IN" sz="1800" strike="noStrike" spc="-1" dirty="0">
+              <a:solidFill>
+                <a:schemeClr val="tx1">
+                  <a:lumMod val="85000"/>
+                  <a:lumOff val="15000"/>
+                </a:schemeClr>
+              </a:solidFill>
+              <a:latin typeface="Arial" panose="020B0604020202020204" pitchFamily="34" charset="0"/>
+              <a:cs typeface="Arial" panose="020B0604020202020204" pitchFamily="34" charset="0"/>
+            </a:endParaRPr>
+          </a:p>
+        </p:txBody>
+      </p:sp>
+      <p:sp>
+        <p:nvSpPr>
+          <p:cNvPr id="105" name="CustomShape 6"/>
+          <p:cNvSpPr/>
+          <p:nvPr/>
+        </p:nvSpPr>
+        <p:spPr>
+          <a:xfrm>
+            <a:off x="246600" y="0"/>
+            <a:ext cx="11693880" cy="706432"/>
+          </a:xfrm>
+          <a:prstGeom prst="rect">
+            <a:avLst/>
+          </a:prstGeom>
+          <a:solidFill>
+            <a:schemeClr val="accent6">
+              <a:lumMod val="75000"/>
+            </a:schemeClr>
+          </a:solidFill>
+          <a:ln>
+            <a:noFill/>
+          </a:ln>
+        </p:spPr>
+        <p:style>
+          <a:lnRef idx="0">
+            <a:scrgbClr r="0" g="0" b="0"/>
+          </a:lnRef>
+          <a:fillRef idx="0">
+            <a:scrgbClr r="0" g="0" b="0"/>
+          </a:fillRef>
+          <a:effectRef idx="0">
+            <a:scrgbClr r="0" g="0" b="0"/>
+          </a:effectRef>
+          <a:fontRef idx="minor"/>
+        </p:style>
+        <p:txBody>
+          <a:bodyPr lIns="90000" tIns="45000" rIns="90000" bIns="45000">
+            <a:spAutoFit/>
+          </a:bodyPr>
+          <a:lstStyle/>
+          <a:p>
+            <a:pPr algn="r"/>
+            <a:r>
+              <a:rPr lang="en-IN" sz="4000" b="0" strike="noStrike" spc="-1" dirty="0">
+                <a:solidFill>
+                  <a:schemeClr val="accent6">
+                    <a:lumMod val="60000"/>
+                    <a:lumOff val="40000"/>
+                  </a:schemeClr>
+                </a:solidFill>
+                <a:latin typeface="Nunito Sans"/>
+                <a:ea typeface="DejaVu Sans"/>
+              </a:rPr>
+              <a:t>match count nodes</a:t>
+            </a:r>
+            <a:endParaRPr lang="en-IN" sz="4000" b="0" strike="noStrike" spc="-1" dirty="0">
+              <a:solidFill>
+                <a:schemeClr val="accent6">
+                  <a:lumMod val="60000"/>
+                  <a:lumOff val="40000"/>
+                </a:schemeClr>
+              </a:solidFill>
+              <a:latin typeface="Nunito Sans"/>
+            </a:endParaRPr>
+          </a:p>
+        </p:txBody>
+      </p:sp>
+      <p:sp>
+        <p:nvSpPr>
+          <p:cNvPr id="108" name="Line 9"/>
+          <p:cNvSpPr/>
+          <p:nvPr/>
+        </p:nvSpPr>
+        <p:spPr>
+          <a:xfrm>
+            <a:off x="0" y="1536120"/>
+            <a:ext cx="12191760" cy="0"/>
+          </a:xfrm>
+          <a:prstGeom prst="line">
+            <a:avLst/>
+          </a:prstGeom>
+          <a:ln w="12600">
+            <a:solidFill>
+              <a:srgbClr val="6E78A0"/>
+            </a:solidFill>
+            <a:prstDash val="dash"/>
+            <a:round/>
+          </a:ln>
+        </p:spPr>
+        <p:style>
+          <a:lnRef idx="1">
+            <a:schemeClr val="accent1"/>
+          </a:lnRef>
+          <a:fillRef idx="0">
+            <a:schemeClr val="accent1"/>
+          </a:fillRef>
+          <a:effectRef idx="0">
+            <a:schemeClr val="accent1"/>
+          </a:effectRef>
+          <a:fontRef idx="minor"/>
+        </p:style>
+      </p:sp>
+      <p:sp>
+        <p:nvSpPr>
+          <p:cNvPr id="12" name="TextBox 11">
+            <a:extLst>
+              <a:ext uri="{FF2B5EF4-FFF2-40B4-BE49-F238E27FC236}">
+                <a16:creationId xmlns:a16="http://schemas.microsoft.com/office/drawing/2014/main" id="{79242DF4-E3E0-4B3F-9DA3-EDDD02A6E7F5}"/>
+              </a:ext>
+            </a:extLst>
+          </p:cNvPr>
+          <p:cNvSpPr txBox="1"/>
+          <p:nvPr/>
+        </p:nvSpPr>
+        <p:spPr>
+          <a:xfrm>
+            <a:off x="246600" y="1686842"/>
+            <a:ext cx="11693880" cy="384721"/>
+          </a:xfrm>
+          <a:prstGeom prst="rect">
+            <a:avLst/>
+          </a:prstGeom>
+          <a:noFill/>
+        </p:spPr>
+        <p:txBody>
+          <a:bodyPr wrap="square">
+            <a:spAutoFit/>
+          </a:bodyPr>
+          <a:lstStyle/>
+          <a:p>
+            <a:r>
+              <a:rPr lang="en-IN" sz="1900" spc="-1" dirty="0">
+                <a:solidFill>
+                  <a:srgbClr val="00B0F0"/>
+                </a:solidFill>
+                <a:latin typeface="Consolas" panose="020B0609020204030204" pitchFamily="49" charset="0"/>
+                <a:cs typeface="Arial" panose="020B0604020202020204" pitchFamily="34" charset="0"/>
+              </a:rPr>
+              <a:t>TODO</a:t>
+            </a:r>
+          </a:p>
+        </p:txBody>
+      </p:sp>
+      <p:sp>
+        <p:nvSpPr>
+          <p:cNvPr id="15" name="TextBox 14">
+            <a:extLst>
+              <a:ext uri="{FF2B5EF4-FFF2-40B4-BE49-F238E27FC236}">
+                <a16:creationId xmlns:a16="http://schemas.microsoft.com/office/drawing/2014/main" id="{187A7629-BDF9-4DE3-B954-5B2AC8376F52}"/>
+              </a:ext>
+            </a:extLst>
+          </p:cNvPr>
+          <p:cNvSpPr txBox="1"/>
+          <p:nvPr/>
+        </p:nvSpPr>
+        <p:spPr>
+          <a:xfrm>
+            <a:off x="243604" y="2587551"/>
+            <a:ext cx="11693880" cy="369332"/>
+          </a:xfrm>
+          <a:prstGeom prst="rect">
+            <a:avLst/>
+          </a:prstGeom>
+          <a:noFill/>
+        </p:spPr>
+        <p:txBody>
+          <a:bodyPr wrap="square">
+            <a:spAutoFit/>
+          </a:bodyPr>
+          <a:lstStyle/>
+          <a:p>
+            <a:pPr marL="285750" indent="-285750">
+              <a:buFont typeface="Arial" panose="020B0604020202020204" pitchFamily="34" charset="0"/>
+              <a:buChar char="•"/>
+            </a:pPr>
+            <a:r>
+              <a:rPr lang="en-IN" dirty="0">
+                <a:solidFill>
+                  <a:schemeClr val="tx1">
+                    <a:lumMod val="50000"/>
+                    <a:lumOff val="50000"/>
+                  </a:schemeClr>
+                </a:solidFill>
+                <a:latin typeface="Gill Sans MT (Body)"/>
+              </a:rPr>
+              <a:t>neo4j$ </a:t>
+            </a:r>
+            <a:r>
+              <a:rPr lang="en-US" dirty="0">
+                <a:solidFill>
+                  <a:srgbClr val="859900"/>
+                </a:solidFill>
+                <a:effectLst/>
+              </a:rPr>
+              <a:t>match</a:t>
+            </a:r>
+            <a:r>
+              <a:rPr lang="en-US" dirty="0">
+                <a:solidFill>
+                  <a:srgbClr val="586E75"/>
+                </a:solidFill>
+                <a:effectLst/>
+              </a:rPr>
+              <a:t>(</a:t>
+            </a:r>
+            <a:r>
+              <a:rPr lang="en-US" dirty="0">
+                <a:solidFill>
+                  <a:srgbClr val="333333"/>
+                </a:solidFill>
+                <a:effectLst/>
+              </a:rPr>
+              <a:t>n</a:t>
+            </a:r>
+            <a:r>
+              <a:rPr lang="en-US" dirty="0">
+                <a:solidFill>
+                  <a:srgbClr val="586E75"/>
+                </a:solidFill>
+                <a:effectLst/>
+              </a:rPr>
+              <a:t>)</a:t>
+            </a:r>
+            <a:r>
+              <a:rPr lang="en-US" dirty="0">
+                <a:solidFill>
+                  <a:srgbClr val="333333"/>
+                </a:solidFill>
+                <a:effectLst/>
+              </a:rPr>
+              <a:t> </a:t>
+            </a:r>
+            <a:r>
+              <a:rPr lang="en-US" dirty="0">
+                <a:solidFill>
+                  <a:srgbClr val="859900"/>
+                </a:solidFill>
+                <a:effectLst/>
+              </a:rPr>
+              <a:t>return</a:t>
+            </a:r>
+            <a:r>
+              <a:rPr lang="en-US" dirty="0">
+                <a:solidFill>
+                  <a:srgbClr val="333333"/>
+                </a:solidFill>
+                <a:effectLst/>
+              </a:rPr>
+              <a:t>  </a:t>
+            </a:r>
+            <a:r>
+              <a:rPr lang="en-US" dirty="0">
+                <a:solidFill>
+                  <a:srgbClr val="859900"/>
+                </a:solidFill>
+                <a:effectLst/>
+              </a:rPr>
+              <a:t>count</a:t>
+            </a:r>
+            <a:r>
+              <a:rPr lang="en-US" dirty="0">
+                <a:solidFill>
+                  <a:srgbClr val="586E75"/>
+                </a:solidFill>
+                <a:effectLst/>
+              </a:rPr>
+              <a:t>(</a:t>
+            </a:r>
+            <a:r>
+              <a:rPr lang="en-US" dirty="0">
+                <a:solidFill>
+                  <a:srgbClr val="333333"/>
+                </a:solidFill>
+                <a:effectLst/>
+              </a:rPr>
+              <a:t>n</a:t>
+            </a:r>
+            <a:r>
+              <a:rPr lang="en-US" dirty="0">
+                <a:solidFill>
+                  <a:srgbClr val="586E75"/>
+                </a:solidFill>
+                <a:effectLst/>
+              </a:rPr>
+              <a:t>)</a:t>
+            </a:r>
+            <a:r>
+              <a:rPr lang="en-US" dirty="0">
+                <a:solidFill>
+                  <a:srgbClr val="333333"/>
+                </a:solidFill>
+                <a:effectLst/>
+              </a:rPr>
+              <a:t> </a:t>
+            </a:r>
+            <a:r>
+              <a:rPr lang="en-US" dirty="0">
+                <a:solidFill>
+                  <a:srgbClr val="859900"/>
+                </a:solidFill>
+                <a:effectLst/>
+              </a:rPr>
+              <a:t>as</a:t>
+            </a:r>
+            <a:r>
+              <a:rPr lang="en-US" dirty="0">
+                <a:solidFill>
+                  <a:srgbClr val="333333"/>
+                </a:solidFill>
+                <a:effectLst/>
+              </a:rPr>
+              <a:t> Total_Nodes</a:t>
+            </a:r>
+            <a:endParaRPr lang="en-US" dirty="0">
+              <a:solidFill>
+                <a:srgbClr val="000000"/>
+              </a:solidFill>
+              <a:effectLst/>
+            </a:endParaRPr>
+          </a:p>
+        </p:txBody>
+      </p:sp>
     </p:spTree>
     <p:extLst>
       <p:ext uri="{BB962C8B-B14F-4D97-AF65-F5344CB8AC3E}">
-        <p14:creationId xmlns:p14="http://schemas.microsoft.com/office/powerpoint/2010/main" val="746346864"/>
+        <p14:creationId xmlns:p14="http://schemas.microsoft.com/office/powerpoint/2010/main" val="4266555786"/>
       </p:ext>
     </p:extLst>
   </p:cSld>
@@ -7931,6 +9180,36 @@
           <a:chExt cx="0" cy="0"/>
         </a:xfrm>
       </p:grpSpPr>
+    </p:spTree>
+    <p:extLst>
+      <p:ext uri="{BB962C8B-B14F-4D97-AF65-F5344CB8AC3E}">
+        <p14:creationId xmlns:p14="http://schemas.microsoft.com/office/powerpoint/2010/main" val="746346864"/>
+      </p:ext>
+    </p:extLst>
+  </p:cSld>
+  <p:clrMapOvr>
+    <a:masterClrMapping/>
+  </p:clrMapOvr>
+</p:sld>
+</file>
+
+<file path=ppt/slides/slide17.xml><?xml version="1.0" encoding="utf-8"?>
+<p:sld xmlns:a="http://schemas.openxmlformats.org/drawingml/2006/main" xmlns:r="http://schemas.openxmlformats.org/officeDocument/2006/relationships" xmlns:p="http://schemas.openxmlformats.org/presentationml/2006/main">
+  <p:cSld>
+    <p:spTree>
+      <p:nvGrpSpPr>
+        <p:cNvPr id="1" name=""/>
+        <p:cNvGrpSpPr/>
+        <p:nvPr/>
+      </p:nvGrpSpPr>
+      <p:grpSpPr>
+        <a:xfrm>
+          <a:off x="0" y="0"/>
+          <a:ext cx="0" cy="0"/>
+          <a:chOff x="0" y="0"/>
+          <a:chExt cx="0" cy="0"/>
+        </a:xfrm>
+      </p:grpSpPr>
       <p:sp>
         <p:nvSpPr>
           <p:cNvPr id="462" name="CustomShape 1"/>
@@ -8060,7 +9339,7 @@
 </p:sld>
 </file>
 
-<file path=ppt/slides/slide17.xml><?xml version="1.0" encoding="utf-8"?>
+<file path=ppt/slides/slide18.xml><?xml version="1.0" encoding="utf-8"?>
 <p:sld xmlns:a="http://schemas.openxmlformats.org/drawingml/2006/main" xmlns:r="http://schemas.openxmlformats.org/officeDocument/2006/relationships" xmlns:p="http://schemas.openxmlformats.org/presentationml/2006/main">
   <p:cSld>
     <p:spTree>

--- a/Neo4j.pptx
+++ b/Neo4j.pptx
@@ -5384,7 +5384,7 @@
         </p:nvSpPr>
         <p:spPr>
           <a:xfrm>
-            <a:off x="243604" y="5696497"/>
+            <a:off x="243604" y="5860142"/>
             <a:ext cx="11693880" cy="737210"/>
           </a:xfrm>
           <a:prstGeom prst="rect">
@@ -5630,7 +5630,7 @@
         <p:spPr>
           <a:xfrm>
             <a:off x="246600" y="1686842"/>
-            <a:ext cx="11693880" cy="1092607"/>
+            <a:ext cx="11693880" cy="384721"/>
           </a:xfrm>
           <a:prstGeom prst="rect">
             <a:avLst/>
@@ -5651,51 +5651,8 @@
                 <a:latin typeface="Consolas" panose="020B0609020204030204" pitchFamily="49" charset="0"/>
                 <a:cs typeface="Arial" panose="020B0604020202020204" pitchFamily="34" charset="0"/>
               </a:rPr>
-              <a:t>CREATE (n:label_name { key1: value, key2: value, ... })</a:t>
-            </a:r>
-          </a:p>
-          <a:p>
-            <a:endParaRPr lang="en-IN" sz="400" b="0" i="0" spc="-1" dirty="0">
-              <a:solidFill>
-                <a:srgbClr val="00B0F0"/>
-              </a:solidFill>
-              <a:effectLst/>
-              <a:latin typeface="Consolas" panose="020B0609020204030204" pitchFamily="49" charset="0"/>
-              <a:cs typeface="Arial" panose="020B0604020202020204" pitchFamily="34" charset="0"/>
-            </a:endParaRPr>
-          </a:p>
-          <a:p>
-            <a:r>
-              <a:rPr lang="en-IN" sz="1900" spc="-1" dirty="0">
-                <a:solidFill>
-                  <a:srgbClr val="00B0F0"/>
-                </a:solidFill>
-                <a:latin typeface="Consolas" panose="020B0609020204030204" pitchFamily="49" charset="0"/>
-                <a:cs typeface="Arial" panose="020B0604020202020204" pitchFamily="34" charset="0"/>
-              </a:rPr>
-              <a:t>CREATE (n:label_name { key1: value, key2: value, ... }), </a:t>
-            </a:r>
-          </a:p>
-          <a:p>
-            <a:r>
-              <a:rPr lang="en-IN" sz="1900" spc="-1" dirty="0">
-                <a:solidFill>
-                  <a:srgbClr val="00B0F0"/>
-                </a:solidFill>
-                <a:latin typeface="Consolas" panose="020B0609020204030204" pitchFamily="49" charset="0"/>
-                <a:cs typeface="Arial" panose="020B0604020202020204" pitchFamily="34" charset="0"/>
-              </a:rPr>
-              <a:t>       (m:label_name { key1: value, key2: value, ... }), ...</a:t>
-            </a:r>
-          </a:p>
-          <a:p>
-            <a:endParaRPr lang="en-IN" sz="400" spc="-1" dirty="0">
-              <a:solidFill>
-                <a:srgbClr val="00B0F0"/>
-              </a:solidFill>
-              <a:latin typeface="Consolas" panose="020B0609020204030204" pitchFamily="49" charset="0"/>
-              <a:cs typeface="Arial" panose="020B0604020202020204" pitchFamily="34" charset="0"/>
-            </a:endParaRPr>
+              <a:t>CREATE (n:label_name { key1: value, key2: value, ... }), ...</a:t>
+            </a:r>
           </a:p>
         </p:txBody>
       </p:sp>
@@ -5713,8 +5670,8 @@
         </p:nvSpPr>
         <p:spPr>
           <a:xfrm>
-            <a:off x="243604" y="2947591"/>
-            <a:ext cx="11693880" cy="1046440"/>
+            <a:off x="243604" y="2132856"/>
+            <a:ext cx="11693880" cy="3785652"/>
           </a:xfrm>
           <a:prstGeom prst="rect">
             <a:avLst/>
@@ -6202,17 +6159,72 @@
                 </a:solidFill>
                 <a:effectLst/>
               </a:rPr>
-              <a:t>}),   </a:t>
-            </a:r>
-          </a:p>
-          <a:p>
+              <a:t>})</a:t>
+            </a:r>
+          </a:p>
+          <a:p>
+            <a:pPr marL="285750" indent="-285750">
+              <a:buFont typeface="Arial" panose="020B0604020202020204" pitchFamily="34" charset="0"/>
+              <a:buChar char="•"/>
+            </a:pPr>
+            <a:endParaRPr lang="en-IN" sz="800" dirty="0">
+              <a:solidFill>
+                <a:srgbClr val="586E75"/>
+              </a:solidFill>
+            </a:endParaRPr>
+          </a:p>
+          <a:p>
+            <a:pPr marL="285750" indent="-285750">
+              <a:buFont typeface="Arial" panose="020B0604020202020204" pitchFamily="34" charset="0"/>
+              <a:buChar char="•"/>
+            </a:pPr>
+            <a:r>
+              <a:rPr lang="en-IN" dirty="0">
+                <a:solidFill>
+                  <a:schemeClr val="tx1">
+                    <a:lumMod val="50000"/>
+                    <a:lumOff val="50000"/>
+                  </a:schemeClr>
+                </a:solidFill>
+                <a:latin typeface="Gill Sans MT (Body)"/>
+              </a:rPr>
+              <a:t>neo4j$ </a:t>
+            </a:r>
+            <a:r>
+              <a:rPr lang="en-IN" dirty="0">
+                <a:solidFill>
+                  <a:srgbClr val="859900"/>
+                </a:solidFill>
+                <a:effectLst/>
+              </a:rPr>
+              <a:t>create</a:t>
+            </a:r>
+            <a:r>
+              <a:rPr lang="en-IN" dirty="0">
+                <a:solidFill>
+                  <a:srgbClr val="333333"/>
+                </a:solidFill>
+                <a:effectLst/>
+              </a:rPr>
+              <a:t> </a:t>
+            </a:r>
             <a:r>
               <a:rPr lang="en-IN" dirty="0">
                 <a:solidFill>
                   <a:srgbClr val="586E75"/>
                 </a:solidFill>
-              </a:rPr>
-              <a:t>                          </a:t>
+                <a:effectLst/>
+              </a:rPr>
+              <a:t>(</a:t>
+            </a:r>
+            <a:r>
+              <a:rPr lang="en-IN" dirty="0">
+                <a:solidFill>
+                  <a:srgbClr val="333333"/>
+                </a:solidFill>
+                <a:effectLst/>
+              </a:rPr>
+              <a:t>a1</a:t>
             </a:r>
             <a:r>
               <a:rPr lang="en-IN" dirty="0">
@@ -6221,6 +6233,204 @@
                 </a:solidFill>
                 <a:effectLst/>
               </a:rPr>
+              <a:t>:</a:t>
+            </a:r>
+            <a:r>
+              <a:rPr lang="en-IN" dirty="0">
+                <a:solidFill>
+                  <a:srgbClr val="333333"/>
+                </a:solidFill>
+                <a:effectLst/>
+              </a:rPr>
+              <a:t>author</a:t>
+            </a:r>
+            <a:r>
+              <a:rPr lang="en-IN" dirty="0">
+                <a:solidFill>
+                  <a:srgbClr val="586E75"/>
+                </a:solidFill>
+                <a:effectLst/>
+              </a:rPr>
+              <a:t>{ </a:t>
+            </a:r>
+            <a:r>
+              <a:rPr lang="en-IN" dirty="0">
+                <a:solidFill>
+                  <a:srgbClr val="333333"/>
+                </a:solidFill>
+                <a:effectLst/>
+              </a:rPr>
+              <a:t>_id</a:t>
+            </a:r>
+            <a:r>
+              <a:rPr lang="en-IN" dirty="0">
+                <a:solidFill>
+                  <a:srgbClr val="586E75"/>
+                </a:solidFill>
+                <a:effectLst/>
+              </a:rPr>
+              <a:t>:</a:t>
+            </a:r>
+            <a:r>
+              <a:rPr lang="en-IN" dirty="0">
+                <a:solidFill>
+                  <a:srgbClr val="2AA198"/>
+                </a:solidFill>
+                <a:effectLst/>
+              </a:rPr>
+              <a:t>1001</a:t>
+            </a:r>
+            <a:r>
+              <a:rPr lang="en-IN" dirty="0">
+                <a:solidFill>
+                  <a:srgbClr val="586E75"/>
+                </a:solidFill>
+                <a:effectLst/>
+              </a:rPr>
+              <a:t>,</a:t>
+            </a:r>
+            <a:r>
+              <a:rPr lang="en-IN" dirty="0">
+                <a:solidFill>
+                  <a:srgbClr val="333333"/>
+                </a:solidFill>
+                <a:effectLst/>
+              </a:rPr>
+              <a:t>  name</a:t>
+            </a:r>
+            <a:r>
+              <a:rPr lang="en-IN" dirty="0">
+                <a:solidFill>
+                  <a:srgbClr val="586E75"/>
+                </a:solidFill>
+                <a:effectLst/>
+              </a:rPr>
+              <a:t>:</a:t>
+            </a:r>
+            <a:r>
+              <a:rPr lang="en-IN" dirty="0">
+                <a:solidFill>
+                  <a:srgbClr val="B58900"/>
+                </a:solidFill>
+                <a:effectLst/>
+              </a:rPr>
+              <a:t>'</a:t>
+            </a:r>
+            <a:r>
+              <a:rPr lang="en-IN" dirty="0" err="1">
+                <a:solidFill>
+                  <a:srgbClr val="B58900"/>
+                </a:solidFill>
+                <a:effectLst/>
+              </a:rPr>
+              <a:t>sleel</a:t>
+            </a:r>
+            <a:r>
+              <a:rPr lang="en-IN" dirty="0">
+                <a:solidFill>
+                  <a:srgbClr val="B58900"/>
+                </a:solidFill>
+                <a:effectLst/>
+              </a:rPr>
+              <a:t>’</a:t>
+            </a:r>
+            <a:r>
+              <a:rPr lang="en-IN" dirty="0">
+                <a:solidFill>
+                  <a:srgbClr val="586E75"/>
+                </a:solidFill>
+                <a:effectLst/>
+              </a:rPr>
+              <a:t>,</a:t>
+            </a:r>
+            <a:r>
+              <a:rPr lang="en-IN" dirty="0">
+                <a:solidFill>
+                  <a:srgbClr val="333333"/>
+                </a:solidFill>
+                <a:effectLst/>
+              </a:rPr>
+              <a:t>  location</a:t>
+            </a:r>
+            <a:r>
+              <a:rPr lang="en-IN" dirty="0">
+                <a:solidFill>
+                  <a:srgbClr val="586E75"/>
+                </a:solidFill>
+                <a:effectLst/>
+              </a:rPr>
+              <a:t>:</a:t>
+            </a:r>
+            <a:r>
+              <a:rPr lang="en-IN" dirty="0">
+                <a:solidFill>
+                  <a:srgbClr val="B58900"/>
+                </a:solidFill>
+                <a:effectLst/>
+              </a:rPr>
+              <a:t>'baroda’</a:t>
+            </a:r>
+            <a:r>
+              <a:rPr lang="en-IN" dirty="0">
+                <a:solidFill>
+                  <a:srgbClr val="586E75"/>
+                </a:solidFill>
+                <a:effectLst/>
+              </a:rPr>
+              <a:t>,</a:t>
+            </a:r>
+            <a:r>
+              <a:rPr lang="en-IN" dirty="0">
+                <a:solidFill>
+                  <a:srgbClr val="333333"/>
+                </a:solidFill>
+                <a:effectLst/>
+              </a:rPr>
+              <a:t>  phone</a:t>
+            </a:r>
+            <a:r>
+              <a:rPr lang="en-IN" dirty="0">
+                <a:solidFill>
+                  <a:srgbClr val="586E75"/>
+                </a:solidFill>
+                <a:effectLst/>
+              </a:rPr>
+              <a:t>:</a:t>
+            </a:r>
+            <a:r>
+              <a:rPr lang="en-IN" dirty="0">
+                <a:solidFill>
+                  <a:srgbClr val="2AA198"/>
+                </a:solidFill>
+                <a:effectLst/>
+              </a:rPr>
+              <a:t>100 </a:t>
+            </a:r>
+            <a:r>
+              <a:rPr lang="en-IN" dirty="0">
+                <a:solidFill>
+                  <a:srgbClr val="586E75"/>
+                </a:solidFill>
+                <a:effectLst/>
+              </a:rPr>
+              <a:t>}),</a:t>
+            </a:r>
+            <a:endParaRPr lang="en-IN" dirty="0">
+              <a:solidFill>
+                <a:srgbClr val="000000"/>
+              </a:solidFill>
+              <a:effectLst/>
+            </a:endParaRPr>
+          </a:p>
+          <a:p>
+            <a:pPr marL="273050"/>
+            <a:r>
+              <a:rPr lang="en-IN" dirty="0">
+                <a:solidFill>
+                  <a:srgbClr val="586E75"/>
+                </a:solidFill>
+                <a:effectLst/>
+              </a:rPr>
               <a:t>(</a:t>
             </a:r>
             <a:r>
@@ -6230,7 +6440,7 @@
                 </a:solidFill>
                 <a:effectLst/>
               </a:rPr>
-              <a:t>Vrushali</a:t>
+              <a:t>a2</a:t>
             </a:r>
             <a:r>
               <a:rPr lang="en-IN" dirty="0">
@@ -6248,7 +6458,7 @@
                 </a:solidFill>
                 <a:effectLst/>
               </a:rPr>
-              <a:t>Person </a:t>
+              <a:t>author</a:t>
             </a:r>
             <a:r>
               <a:rPr lang="en-IN" dirty="0">
@@ -6257,6 +6467,734 @@
                 </a:solidFill>
                 <a:effectLst/>
               </a:rPr>
+              <a:t>{ </a:t>
+            </a:r>
+            <a:r>
+              <a:rPr lang="en-IN" dirty="0">
+                <a:solidFill>
+                  <a:srgbClr val="333333"/>
+                </a:solidFill>
+                <a:effectLst/>
+              </a:rPr>
+              <a:t>_id</a:t>
+            </a:r>
+            <a:r>
+              <a:rPr lang="en-IN" dirty="0">
+                <a:solidFill>
+                  <a:srgbClr val="586E75"/>
+                </a:solidFill>
+                <a:effectLst/>
+              </a:rPr>
+              <a:t>:</a:t>
+            </a:r>
+            <a:r>
+              <a:rPr lang="en-IN" dirty="0">
+                <a:solidFill>
+                  <a:srgbClr val="2AA198"/>
+                </a:solidFill>
+                <a:effectLst/>
+              </a:rPr>
+              <a:t>1002</a:t>
+            </a:r>
+            <a:r>
+              <a:rPr lang="en-IN" dirty="0">
+                <a:solidFill>
+                  <a:srgbClr val="586E75"/>
+                </a:solidFill>
+                <a:effectLst/>
+              </a:rPr>
+              <a:t>,</a:t>
+            </a:r>
+            <a:r>
+              <a:rPr lang="en-IN" dirty="0">
+                <a:solidFill>
+                  <a:srgbClr val="333333"/>
+                </a:solidFill>
+                <a:effectLst/>
+              </a:rPr>
+              <a:t>  name</a:t>
+            </a:r>
+            <a:r>
+              <a:rPr lang="en-IN" dirty="0">
+                <a:solidFill>
+                  <a:srgbClr val="586E75"/>
+                </a:solidFill>
+                <a:effectLst/>
+              </a:rPr>
+              <a:t>:</a:t>
+            </a:r>
+            <a:r>
+              <a:rPr lang="en-IN" dirty="0">
+                <a:solidFill>
+                  <a:srgbClr val="B58900"/>
+                </a:solidFill>
+                <a:effectLst/>
+              </a:rPr>
+              <a:t>'sharmin’</a:t>
+            </a:r>
+            <a:r>
+              <a:rPr lang="en-IN" dirty="0">
+                <a:solidFill>
+                  <a:srgbClr val="586E75"/>
+                </a:solidFill>
+                <a:effectLst/>
+              </a:rPr>
+              <a:t>,</a:t>
+            </a:r>
+            <a:r>
+              <a:rPr lang="en-IN" dirty="0">
+                <a:solidFill>
+                  <a:srgbClr val="333333"/>
+                </a:solidFill>
+                <a:effectLst/>
+              </a:rPr>
+              <a:t>  location</a:t>
+            </a:r>
+            <a:r>
+              <a:rPr lang="en-IN" dirty="0">
+                <a:solidFill>
+                  <a:srgbClr val="586E75"/>
+                </a:solidFill>
+                <a:effectLst/>
+              </a:rPr>
+              <a:t>:</a:t>
+            </a:r>
+            <a:r>
+              <a:rPr lang="en-IN" dirty="0">
+                <a:solidFill>
+                  <a:srgbClr val="B58900"/>
+                </a:solidFill>
+                <a:effectLst/>
+              </a:rPr>
+              <a:t>'pune’</a:t>
+            </a:r>
+            <a:r>
+              <a:rPr lang="en-IN" dirty="0">
+                <a:solidFill>
+                  <a:srgbClr val="586E75"/>
+                </a:solidFill>
+                <a:effectLst/>
+              </a:rPr>
+              <a:t>,</a:t>
+            </a:r>
+            <a:r>
+              <a:rPr lang="en-IN" dirty="0">
+                <a:solidFill>
+                  <a:srgbClr val="333333"/>
+                </a:solidFill>
+                <a:effectLst/>
+              </a:rPr>
+              <a:t>  phone</a:t>
+            </a:r>
+            <a:r>
+              <a:rPr lang="en-IN" dirty="0">
+                <a:solidFill>
+                  <a:srgbClr val="586E75"/>
+                </a:solidFill>
+                <a:effectLst/>
+              </a:rPr>
+              <a:t>:</a:t>
+            </a:r>
+            <a:r>
+              <a:rPr lang="en-IN" dirty="0">
+                <a:solidFill>
+                  <a:srgbClr val="2AA198"/>
+                </a:solidFill>
+                <a:effectLst/>
+              </a:rPr>
+              <a:t>200 </a:t>
+            </a:r>
+            <a:r>
+              <a:rPr lang="en-IN" dirty="0">
+                <a:solidFill>
+                  <a:srgbClr val="586E75"/>
+                </a:solidFill>
+                <a:effectLst/>
+              </a:rPr>
+              <a:t>}),</a:t>
+            </a:r>
+            <a:endParaRPr lang="en-IN" dirty="0">
+              <a:solidFill>
+                <a:srgbClr val="000000"/>
+              </a:solidFill>
+              <a:effectLst/>
+            </a:endParaRPr>
+          </a:p>
+          <a:p>
+            <a:pPr marL="273050"/>
+            <a:r>
+              <a:rPr lang="en-IN" dirty="0">
+                <a:solidFill>
+                  <a:srgbClr val="586E75"/>
+                </a:solidFill>
+                <a:effectLst/>
+              </a:rPr>
+              <a:t>(</a:t>
+            </a:r>
+            <a:r>
+              <a:rPr lang="en-IN" dirty="0">
+                <a:solidFill>
+                  <a:srgbClr val="333333"/>
+                </a:solidFill>
+                <a:effectLst/>
+              </a:rPr>
+              <a:t>a3</a:t>
+            </a:r>
+            <a:r>
+              <a:rPr lang="en-IN" dirty="0">
+                <a:solidFill>
+                  <a:srgbClr val="586E75"/>
+                </a:solidFill>
+                <a:effectLst/>
+              </a:rPr>
+              <a:t>:</a:t>
+            </a:r>
+            <a:r>
+              <a:rPr lang="en-IN" dirty="0">
+                <a:solidFill>
+                  <a:srgbClr val="333333"/>
+                </a:solidFill>
+                <a:effectLst/>
+              </a:rPr>
+              <a:t>author</a:t>
+            </a:r>
+            <a:r>
+              <a:rPr lang="en-IN" dirty="0">
+                <a:solidFill>
+                  <a:srgbClr val="586E75"/>
+                </a:solidFill>
+                <a:effectLst/>
+              </a:rPr>
+              <a:t>{ </a:t>
+            </a:r>
+            <a:r>
+              <a:rPr lang="en-IN" dirty="0">
+                <a:solidFill>
+                  <a:srgbClr val="333333"/>
+                </a:solidFill>
+                <a:effectLst/>
+              </a:rPr>
+              <a:t>_id</a:t>
+            </a:r>
+            <a:r>
+              <a:rPr lang="en-IN" dirty="0">
+                <a:solidFill>
+                  <a:srgbClr val="586E75"/>
+                </a:solidFill>
+                <a:effectLst/>
+              </a:rPr>
+              <a:t>:</a:t>
+            </a:r>
+            <a:r>
+              <a:rPr lang="en-IN" dirty="0">
+                <a:solidFill>
+                  <a:srgbClr val="2AA198"/>
+                </a:solidFill>
+                <a:effectLst/>
+              </a:rPr>
+              <a:t>1003</a:t>
+            </a:r>
+            <a:r>
+              <a:rPr lang="en-IN" dirty="0">
+                <a:solidFill>
+                  <a:srgbClr val="586E75"/>
+                </a:solidFill>
+                <a:effectLst/>
+              </a:rPr>
+              <a:t>, </a:t>
+            </a:r>
+            <a:r>
+              <a:rPr lang="en-IN" dirty="0">
+                <a:solidFill>
+                  <a:srgbClr val="333333"/>
+                </a:solidFill>
+                <a:effectLst/>
+              </a:rPr>
+              <a:t> name</a:t>
+            </a:r>
+            <a:r>
+              <a:rPr lang="en-IN" dirty="0">
+                <a:solidFill>
+                  <a:srgbClr val="586E75"/>
+                </a:solidFill>
+                <a:effectLst/>
+              </a:rPr>
+              <a:t>:</a:t>
+            </a:r>
+            <a:r>
+              <a:rPr lang="en-IN" dirty="0">
+                <a:solidFill>
+                  <a:srgbClr val="B58900"/>
+                </a:solidFill>
+                <a:effectLst/>
+              </a:rPr>
+              <a:t>'vrushali’</a:t>
+            </a:r>
+            <a:r>
+              <a:rPr lang="en-IN" dirty="0">
+                <a:solidFill>
+                  <a:srgbClr val="586E75"/>
+                </a:solidFill>
+                <a:effectLst/>
+              </a:rPr>
+              <a:t>,</a:t>
+            </a:r>
+            <a:r>
+              <a:rPr lang="en-IN" dirty="0">
+                <a:solidFill>
+                  <a:srgbClr val="333333"/>
+                </a:solidFill>
+                <a:effectLst/>
+              </a:rPr>
+              <a:t>  location</a:t>
+            </a:r>
+            <a:r>
+              <a:rPr lang="en-IN" dirty="0">
+                <a:solidFill>
+                  <a:srgbClr val="586E75"/>
+                </a:solidFill>
+                <a:effectLst/>
+              </a:rPr>
+              <a:t>:</a:t>
+            </a:r>
+            <a:r>
+              <a:rPr lang="en-IN" dirty="0">
+                <a:solidFill>
+                  <a:srgbClr val="B58900"/>
+                </a:solidFill>
+                <a:effectLst/>
+              </a:rPr>
+              <a:t>'</a:t>
+            </a:r>
+            <a:r>
+              <a:rPr lang="en-IN" dirty="0" err="1">
+                <a:solidFill>
+                  <a:srgbClr val="B58900"/>
+                </a:solidFill>
+                <a:effectLst/>
+              </a:rPr>
+              <a:t>nashik</a:t>
+            </a:r>
+            <a:r>
+              <a:rPr lang="en-IN" dirty="0">
+                <a:solidFill>
+                  <a:srgbClr val="B58900"/>
+                </a:solidFill>
+                <a:effectLst/>
+              </a:rPr>
+              <a:t>’</a:t>
+            </a:r>
+            <a:r>
+              <a:rPr lang="en-IN" dirty="0">
+                <a:solidFill>
+                  <a:srgbClr val="586E75"/>
+                </a:solidFill>
+                <a:effectLst/>
+              </a:rPr>
+              <a:t>,</a:t>
+            </a:r>
+            <a:r>
+              <a:rPr lang="en-IN" dirty="0">
+                <a:solidFill>
+                  <a:srgbClr val="333333"/>
+                </a:solidFill>
+                <a:effectLst/>
+              </a:rPr>
+              <a:t>  phone</a:t>
+            </a:r>
+            <a:r>
+              <a:rPr lang="en-IN" dirty="0">
+                <a:solidFill>
+                  <a:srgbClr val="586E75"/>
+                </a:solidFill>
+                <a:effectLst/>
+              </a:rPr>
+              <a:t>:</a:t>
+            </a:r>
+            <a:r>
+              <a:rPr lang="en-IN" dirty="0">
+                <a:solidFill>
+                  <a:srgbClr val="2AA198"/>
+                </a:solidFill>
+                <a:effectLst/>
+              </a:rPr>
+              <a:t>300</a:t>
+            </a:r>
+            <a:r>
+              <a:rPr lang="en-IN" dirty="0">
+                <a:solidFill>
+                  <a:srgbClr val="586E75"/>
+                </a:solidFill>
+                <a:effectLst/>
+              </a:rPr>
+              <a:t>}),</a:t>
+            </a:r>
+            <a:endParaRPr lang="en-IN" dirty="0">
+              <a:solidFill>
+                <a:srgbClr val="000000"/>
+              </a:solidFill>
+              <a:effectLst/>
+            </a:endParaRPr>
+          </a:p>
+          <a:p>
+            <a:pPr marL="273050"/>
+            <a:r>
+              <a:rPr lang="en-IN" dirty="0">
+                <a:solidFill>
+                  <a:srgbClr val="586E75"/>
+                </a:solidFill>
+                <a:effectLst/>
+              </a:rPr>
+              <a:t>(</a:t>
+            </a:r>
+            <a:r>
+              <a:rPr lang="en-IN" dirty="0">
+                <a:solidFill>
+                  <a:srgbClr val="333333"/>
+                </a:solidFill>
+                <a:effectLst/>
+              </a:rPr>
+              <a:t>a4</a:t>
+            </a:r>
+            <a:r>
+              <a:rPr lang="en-IN" dirty="0">
+                <a:solidFill>
+                  <a:srgbClr val="586E75"/>
+                </a:solidFill>
+                <a:effectLst/>
+              </a:rPr>
+              <a:t>:</a:t>
+            </a:r>
+            <a:r>
+              <a:rPr lang="en-IN" dirty="0">
+                <a:solidFill>
+                  <a:srgbClr val="333333"/>
+                </a:solidFill>
+                <a:effectLst/>
+              </a:rPr>
+              <a:t>author</a:t>
+            </a:r>
+            <a:r>
+              <a:rPr lang="en-IN" dirty="0">
+                <a:solidFill>
+                  <a:srgbClr val="586E75"/>
+                </a:solidFill>
+                <a:effectLst/>
+              </a:rPr>
+              <a:t>{ </a:t>
+            </a:r>
+            <a:r>
+              <a:rPr lang="en-IN" dirty="0">
+                <a:solidFill>
+                  <a:srgbClr val="333333"/>
+                </a:solidFill>
+                <a:effectLst/>
+              </a:rPr>
+              <a:t>_id</a:t>
+            </a:r>
+            <a:r>
+              <a:rPr lang="en-IN" dirty="0">
+                <a:solidFill>
+                  <a:srgbClr val="586E75"/>
+                </a:solidFill>
+                <a:effectLst/>
+              </a:rPr>
+              <a:t>:</a:t>
+            </a:r>
+            <a:r>
+              <a:rPr lang="en-IN" dirty="0">
+                <a:solidFill>
+                  <a:srgbClr val="2AA198"/>
+                </a:solidFill>
+                <a:effectLst/>
+              </a:rPr>
+              <a:t>1004</a:t>
+            </a:r>
+            <a:r>
+              <a:rPr lang="en-IN" dirty="0">
+                <a:solidFill>
+                  <a:srgbClr val="586E75"/>
+                </a:solidFill>
+                <a:effectLst/>
+              </a:rPr>
+              <a:t>,</a:t>
+            </a:r>
+            <a:r>
+              <a:rPr lang="en-IN" dirty="0">
+                <a:solidFill>
+                  <a:srgbClr val="333333"/>
+                </a:solidFill>
+                <a:effectLst/>
+              </a:rPr>
+              <a:t>  name</a:t>
+            </a:r>
+            <a:r>
+              <a:rPr lang="en-IN" dirty="0">
+                <a:solidFill>
+                  <a:srgbClr val="586E75"/>
+                </a:solidFill>
+                <a:effectLst/>
+              </a:rPr>
+              <a:t>:</a:t>
+            </a:r>
+            <a:r>
+              <a:rPr lang="en-IN" dirty="0">
+                <a:solidFill>
+                  <a:srgbClr val="B58900"/>
+                </a:solidFill>
+                <a:effectLst/>
+              </a:rPr>
+              <a:t>'ruhan’</a:t>
+            </a:r>
+            <a:r>
+              <a:rPr lang="en-IN" dirty="0">
+                <a:solidFill>
+                  <a:srgbClr val="586E75"/>
+                </a:solidFill>
+                <a:effectLst/>
+              </a:rPr>
+              <a:t>,</a:t>
+            </a:r>
+            <a:r>
+              <a:rPr lang="en-IN" dirty="0">
+                <a:solidFill>
+                  <a:srgbClr val="333333"/>
+                </a:solidFill>
+                <a:effectLst/>
+              </a:rPr>
+              <a:t>  location</a:t>
+            </a:r>
+            <a:r>
+              <a:rPr lang="en-IN" dirty="0">
+                <a:solidFill>
+                  <a:srgbClr val="586E75"/>
+                </a:solidFill>
+                <a:effectLst/>
+              </a:rPr>
+              <a:t>:</a:t>
+            </a:r>
+            <a:r>
+              <a:rPr lang="en-IN" dirty="0">
+                <a:solidFill>
+                  <a:srgbClr val="B58900"/>
+                </a:solidFill>
+                <a:effectLst/>
+              </a:rPr>
+              <a:t>'pune’</a:t>
+            </a:r>
+            <a:r>
+              <a:rPr lang="en-IN" dirty="0">
+                <a:solidFill>
+                  <a:srgbClr val="586E75"/>
+                </a:solidFill>
+                <a:effectLst/>
+              </a:rPr>
+              <a:t>,</a:t>
+            </a:r>
+            <a:r>
+              <a:rPr lang="en-IN" dirty="0">
+                <a:solidFill>
+                  <a:srgbClr val="333333"/>
+                </a:solidFill>
+                <a:effectLst/>
+              </a:rPr>
+              <a:t>  phone</a:t>
+            </a:r>
+            <a:r>
+              <a:rPr lang="en-IN" dirty="0">
+                <a:solidFill>
+                  <a:srgbClr val="586E75"/>
+                </a:solidFill>
+                <a:effectLst/>
+              </a:rPr>
+              <a:t>:</a:t>
+            </a:r>
+            <a:r>
+              <a:rPr lang="en-IN" dirty="0">
+                <a:solidFill>
+                  <a:srgbClr val="2AA198"/>
+                </a:solidFill>
+                <a:effectLst/>
+              </a:rPr>
+              <a:t>400</a:t>
+            </a:r>
+            <a:r>
+              <a:rPr lang="en-IN" dirty="0">
+                <a:solidFill>
+                  <a:srgbClr val="586E75"/>
+                </a:solidFill>
+                <a:effectLst/>
+              </a:rPr>
+              <a:t>})</a:t>
+            </a:r>
+            <a:endParaRPr lang="en-IN" dirty="0">
+              <a:solidFill>
+                <a:srgbClr val="000000"/>
+              </a:solidFill>
+              <a:effectLst/>
+            </a:endParaRPr>
+          </a:p>
+          <a:p>
+            <a:pPr marL="273050"/>
+            <a:r>
+              <a:rPr lang="en-IN" dirty="0">
+                <a:solidFill>
+                  <a:srgbClr val="859900"/>
+                </a:solidFill>
+                <a:effectLst/>
+              </a:rPr>
+              <a:t>return</a:t>
+            </a:r>
+            <a:r>
+              <a:rPr lang="en-IN" dirty="0">
+                <a:solidFill>
+                  <a:srgbClr val="333333"/>
+                </a:solidFill>
+                <a:effectLst/>
+              </a:rPr>
+              <a:t> a1</a:t>
+            </a:r>
+            <a:r>
+              <a:rPr lang="en-IN" dirty="0">
+                <a:solidFill>
+                  <a:srgbClr val="586E75"/>
+                </a:solidFill>
+                <a:effectLst/>
+              </a:rPr>
+              <a:t>,</a:t>
+            </a:r>
+            <a:r>
+              <a:rPr lang="en-IN" dirty="0">
+                <a:solidFill>
+                  <a:srgbClr val="333333"/>
+                </a:solidFill>
+                <a:effectLst/>
+              </a:rPr>
+              <a:t> a2</a:t>
+            </a:r>
+            <a:r>
+              <a:rPr lang="en-IN" dirty="0">
+                <a:solidFill>
+                  <a:srgbClr val="586E75"/>
+                </a:solidFill>
+                <a:effectLst/>
+              </a:rPr>
+              <a:t>,</a:t>
+            </a:r>
+            <a:r>
+              <a:rPr lang="en-IN" dirty="0">
+                <a:solidFill>
+                  <a:srgbClr val="333333"/>
+                </a:solidFill>
+                <a:effectLst/>
+              </a:rPr>
+              <a:t> a3</a:t>
+            </a:r>
+            <a:r>
+              <a:rPr lang="en-IN" dirty="0">
+                <a:solidFill>
+                  <a:srgbClr val="586E75"/>
+                </a:solidFill>
+                <a:effectLst/>
+              </a:rPr>
+              <a:t>,</a:t>
+            </a:r>
+            <a:r>
+              <a:rPr lang="en-IN" dirty="0">
+                <a:solidFill>
+                  <a:srgbClr val="333333"/>
+                </a:solidFill>
+                <a:effectLst/>
+              </a:rPr>
+              <a:t> a4</a:t>
+            </a:r>
+          </a:p>
+          <a:p>
+            <a:pPr marL="273050"/>
+            <a:endParaRPr lang="en-IN" sz="800" dirty="0">
+              <a:solidFill>
+                <a:srgbClr val="333333"/>
+              </a:solidFill>
+            </a:endParaRPr>
+          </a:p>
+          <a:p>
+            <a:pPr marL="285750" indent="-285750">
+              <a:buFont typeface="Arial" panose="020B0604020202020204" pitchFamily="34" charset="0"/>
+              <a:buChar char="•"/>
+            </a:pPr>
+            <a:r>
+              <a:rPr lang="en-IN" dirty="0">
+                <a:solidFill>
+                  <a:schemeClr val="tx1">
+                    <a:lumMod val="50000"/>
+                    <a:lumOff val="50000"/>
+                  </a:schemeClr>
+                </a:solidFill>
+                <a:latin typeface="Gill Sans MT (Body)"/>
+              </a:rPr>
+              <a:t>neo4j$ </a:t>
+            </a:r>
+            <a:r>
+              <a:rPr lang="en-IN" dirty="0">
+                <a:solidFill>
+                  <a:srgbClr val="859900"/>
+                </a:solidFill>
+                <a:effectLst/>
+              </a:rPr>
+              <a:t>create</a:t>
+            </a:r>
+            <a:r>
+              <a:rPr lang="en-IN" dirty="0">
+                <a:solidFill>
+                  <a:srgbClr val="333333"/>
+                </a:solidFill>
+                <a:effectLst/>
+              </a:rPr>
+              <a:t> </a:t>
+            </a:r>
+            <a:r>
+              <a:rPr lang="en-IN" dirty="0">
+                <a:solidFill>
+                  <a:srgbClr val="586E75"/>
+                </a:solidFill>
+                <a:effectLst/>
+              </a:rPr>
+              <a:t>(</a:t>
+            </a:r>
+            <a:r>
+              <a:rPr lang="en-IN" dirty="0">
+                <a:solidFill>
+                  <a:srgbClr val="333333"/>
+                </a:solidFill>
+                <a:effectLst/>
+              </a:rPr>
+              <a:t>b1</a:t>
+            </a:r>
+            <a:r>
+              <a:rPr lang="en-IN" dirty="0">
+                <a:solidFill>
+                  <a:srgbClr val="586E75"/>
+                </a:solidFill>
+                <a:effectLst/>
+              </a:rPr>
+              <a:t>:</a:t>
+            </a:r>
+            <a:r>
+              <a:rPr lang="en-IN" dirty="0">
+                <a:solidFill>
+                  <a:srgbClr val="333333"/>
+                </a:solidFill>
+                <a:effectLst/>
+              </a:rPr>
+              <a:t>book</a:t>
+            </a:r>
+            <a:r>
+              <a:rPr lang="en-IN" dirty="0">
+                <a:solidFill>
+                  <a:srgbClr val="586E75"/>
+                </a:solidFill>
+                <a:effectLst/>
+              </a:rPr>
               <a:t>{</a:t>
             </a:r>
             <a:r>
@@ -6266,10 +7204,19 @@
                 </a:solidFill>
                 <a:effectLst/>
               </a:rPr>
+              <a:t> </a:t>
+            </a:r>
+            <a:r>
+              <a:rPr lang="en-IN" dirty="0" err="1">
+                <a:solidFill>
+                  <a:srgbClr val="333333"/>
+                </a:solidFill>
+                <a:effectLst/>
+              </a:rPr>
               <a:t>name</a:t>
             </a:r>
             <a:r>
-              <a:rPr lang="en-IN" dirty="0">
+              <a:rPr lang="en-IN" dirty="0" err="1">
                 <a:solidFill>
                   <a:srgbClr val="586E75"/>
                 </a:solidFill>
@@ -6278,22 +7225,148 @@
               <a:t>:</a:t>
             </a:r>
             <a:r>
+              <a:rPr lang="en-IN" dirty="0" err="1">
+                <a:solidFill>
+                  <a:srgbClr val="B58900"/>
+                </a:solidFill>
+                <a:effectLst/>
+              </a:rPr>
+              <a:t>'redis</a:t>
+            </a:r>
+            <a:r>
+              <a:rPr lang="en-IN" dirty="0">
+                <a:solidFill>
+                  <a:srgbClr val="B58900"/>
+                </a:solidFill>
+                <a:effectLst/>
+              </a:rPr>
+              <a:t>'</a:t>
+            </a:r>
+            <a:r>
+              <a:rPr lang="en-IN" dirty="0">
+                <a:solidFill>
+                  <a:srgbClr val="586E75"/>
+                </a:solidFill>
+                <a:effectLst/>
+              </a:rPr>
+              <a:t>,</a:t>
+            </a:r>
+            <a:r>
               <a:rPr lang="en-IN" dirty="0">
                 <a:solidFill>
                   <a:srgbClr val="333333"/>
                 </a:solidFill>
                 <a:effectLst/>
               </a:rPr>
+              <a:t> isbn</a:t>
+            </a:r>
+            <a:r>
+              <a:rPr lang="en-IN" dirty="0">
+                <a:solidFill>
+                  <a:srgbClr val="586E75"/>
+                </a:solidFill>
+                <a:effectLst/>
+              </a:rPr>
+              <a:t>:</a:t>
+            </a:r>
+            <a:r>
+              <a:rPr lang="en-IN" dirty="0">
+                <a:solidFill>
+                  <a:srgbClr val="B58900"/>
+                </a:solidFill>
+                <a:effectLst/>
+              </a:rPr>
+              <a:t>'redis-01'</a:t>
+            </a:r>
+            <a:r>
+              <a:rPr lang="en-IN" dirty="0">
+                <a:solidFill>
+                  <a:srgbClr val="586E75"/>
+                </a:solidFill>
+                <a:effectLst/>
+              </a:rPr>
+              <a:t>,</a:t>
+            </a:r>
+            <a:r>
+              <a:rPr lang="en-IN" dirty="0">
+                <a:solidFill>
+                  <a:srgbClr val="333333"/>
+                </a:solidFill>
+                <a:effectLst/>
+              </a:rPr>
+              <a:t> price</a:t>
+            </a:r>
+            <a:r>
+              <a:rPr lang="en-IN" dirty="0">
+                <a:solidFill>
+                  <a:srgbClr val="586E75"/>
+                </a:solidFill>
+                <a:effectLst/>
+              </a:rPr>
+              <a:t>:</a:t>
+            </a:r>
+            <a:r>
+              <a:rPr lang="en-IN" dirty="0">
+                <a:solidFill>
+                  <a:srgbClr val="2AA198"/>
+                </a:solidFill>
+                <a:effectLst/>
+              </a:rPr>
+              <a:t>175</a:t>
+            </a:r>
+            <a:r>
+              <a:rPr lang="en-IN" dirty="0">
+                <a:solidFill>
+                  <a:srgbClr val="586E75"/>
+                </a:solidFill>
+                <a:effectLst/>
+              </a:rPr>
+              <a:t>,</a:t>
+            </a:r>
+            <a:r>
+              <a:rPr lang="en-IN" dirty="0">
+                <a:solidFill>
+                  <a:srgbClr val="333333"/>
+                </a:solidFill>
+                <a:effectLst/>
+              </a:rPr>
               <a:t> </a:t>
             </a:r>
             <a:r>
+              <a:rPr lang="en-IN" dirty="0" err="1">
+                <a:solidFill>
+                  <a:srgbClr val="333333"/>
+                </a:solidFill>
+                <a:effectLst/>
+              </a:rPr>
+              <a:t>publishername</a:t>
+            </a:r>
+            <a:r>
+              <a:rPr lang="en-IN" dirty="0">
+                <a:solidFill>
+                  <a:srgbClr val="586E75"/>
+                </a:solidFill>
+                <a:effectLst/>
+              </a:rPr>
+              <a:t>:</a:t>
+            </a:r>
+            <a:r>
               <a:rPr lang="en-IN" dirty="0">
                 <a:solidFill>
                   <a:srgbClr val="B58900"/>
                 </a:solidFill>
                 <a:effectLst/>
               </a:rPr>
-              <a:t>"Vrushali Bagde"</a:t>
+              <a:t>'universal publisher'</a:t>
+            </a:r>
+            <a:r>
+              <a:rPr lang="en-IN" dirty="0">
+                <a:solidFill>
+                  <a:srgbClr val="333333"/>
+                </a:solidFill>
+                <a:effectLst/>
+              </a:rPr>
+              <a:t> </a:t>
             </a:r>
             <a:r>
               <a:rPr lang="en-IN" dirty="0">
@@ -6302,7 +7375,25 @@
                 </a:solidFill>
                 <a:effectLst/>
               </a:rPr>
-              <a:t>, </a:t>
+              <a:t>}),</a:t>
+            </a:r>
+            <a:endParaRPr lang="en-IN" dirty="0">
+              <a:solidFill>
+                <a:srgbClr val="000000"/>
+              </a:solidFill>
+              <a:effectLst/>
+            </a:endParaRPr>
+          </a:p>
+          <a:p>
+            <a:pPr marL="273050"/>
+            <a:r>
+              <a:rPr lang="en-IN" dirty="0">
+                <a:solidFill>
+                  <a:srgbClr val="586E75"/>
+                </a:solidFill>
+                <a:effectLst/>
+              </a:rPr>
+              <a:t>(</a:t>
             </a:r>
             <a:r>
               <a:rPr lang="en-IN" dirty="0">
@@ -6311,7 +7402,7 @@
                 </a:solidFill>
                 <a:effectLst/>
               </a:rPr>
-              <a:t> color</a:t>
+              <a:t>b2</a:t>
             </a:r>
             <a:r>
               <a:rPr lang="en-IN" dirty="0">
@@ -6329,16 +7420,187 @@
                 </a:solidFill>
                 <a:effectLst/>
               </a:rPr>
+              <a:t>book</a:t>
+            </a:r>
+            <a:r>
+              <a:rPr lang="en-IN" dirty="0">
+                <a:solidFill>
+                  <a:srgbClr val="586E75"/>
+                </a:solidFill>
+                <a:effectLst/>
+              </a:rPr>
+              <a:t>{</a:t>
+            </a:r>
+            <a:r>
+              <a:rPr lang="en-IN" dirty="0">
+                <a:solidFill>
+                  <a:srgbClr val="333333"/>
+                </a:solidFill>
+                <a:effectLst/>
+              </a:rPr>
+              <a:t> name</a:t>
+            </a:r>
+            <a:r>
+              <a:rPr lang="en-IN" dirty="0">
+                <a:solidFill>
+                  <a:srgbClr val="586E75"/>
+                </a:solidFill>
+                <a:effectLst/>
+              </a:rPr>
+              <a:t>:</a:t>
+            </a:r>
+            <a:r>
+              <a:rPr lang="en-IN" dirty="0">
+                <a:solidFill>
+                  <a:srgbClr val="B58900"/>
+                </a:solidFill>
+                <a:effectLst/>
+              </a:rPr>
+              <a:t>'</a:t>
+            </a:r>
+            <a:r>
+              <a:rPr lang="en-IN" dirty="0" err="1">
+                <a:solidFill>
+                  <a:srgbClr val="B58900"/>
+                </a:solidFill>
+                <a:effectLst/>
+              </a:rPr>
+              <a:t>hbase</a:t>
+            </a:r>
+            <a:r>
+              <a:rPr lang="en-IN" dirty="0">
+                <a:solidFill>
+                  <a:srgbClr val="B58900"/>
+                </a:solidFill>
+                <a:effectLst/>
+              </a:rPr>
+              <a:t>'</a:t>
+            </a:r>
+            <a:r>
+              <a:rPr lang="en-IN" dirty="0">
+                <a:solidFill>
+                  <a:srgbClr val="586E75"/>
+                </a:solidFill>
+                <a:effectLst/>
+              </a:rPr>
+              <a:t>,</a:t>
+            </a:r>
+            <a:r>
+              <a:rPr lang="en-IN" dirty="0">
+                <a:solidFill>
+                  <a:srgbClr val="333333"/>
+                </a:solidFill>
+                <a:effectLst/>
+              </a:rPr>
+              <a:t> isbn</a:t>
+            </a:r>
+            <a:r>
+              <a:rPr lang="en-IN" dirty="0">
+                <a:solidFill>
+                  <a:srgbClr val="586E75"/>
+                </a:solidFill>
+                <a:effectLst/>
+              </a:rPr>
+              <a:t>:</a:t>
+            </a:r>
+            <a:r>
+              <a:rPr lang="en-IN" dirty="0">
+                <a:solidFill>
+                  <a:srgbClr val="B58900"/>
+                </a:solidFill>
+                <a:effectLst/>
+              </a:rPr>
+              <a:t>'hBase-02'</a:t>
+            </a:r>
+            <a:r>
+              <a:rPr lang="en-IN" dirty="0">
+                <a:solidFill>
+                  <a:srgbClr val="586E75"/>
+                </a:solidFill>
+                <a:effectLst/>
+              </a:rPr>
+              <a:t>,</a:t>
+            </a:r>
+            <a:r>
+              <a:rPr lang="en-IN" dirty="0">
+                <a:solidFill>
+                  <a:srgbClr val="333333"/>
+                </a:solidFill>
+                <a:effectLst/>
+              </a:rPr>
+              <a:t> price</a:t>
+            </a:r>
+            <a:r>
+              <a:rPr lang="en-IN" dirty="0">
+                <a:solidFill>
+                  <a:srgbClr val="586E75"/>
+                </a:solidFill>
+                <a:effectLst/>
+              </a:rPr>
+              <a:t>:</a:t>
+            </a:r>
+            <a:r>
+              <a:rPr lang="en-IN" dirty="0">
+                <a:solidFill>
+                  <a:srgbClr val="2AA198"/>
+                </a:solidFill>
+                <a:effectLst/>
+              </a:rPr>
+              <a:t>125</a:t>
+            </a:r>
+            <a:r>
+              <a:rPr lang="en-IN" dirty="0">
+                <a:solidFill>
+                  <a:srgbClr val="586E75"/>
+                </a:solidFill>
+                <a:effectLst/>
+              </a:rPr>
+              <a:t>,</a:t>
+            </a:r>
+            <a:r>
+              <a:rPr lang="en-IN" dirty="0">
+                <a:solidFill>
+                  <a:srgbClr val="333333"/>
+                </a:solidFill>
+                <a:effectLst/>
+              </a:rPr>
               <a:t> </a:t>
             </a:r>
             <a:r>
+              <a:rPr lang="en-IN" dirty="0" err="1">
+                <a:solidFill>
+                  <a:srgbClr val="333333"/>
+                </a:solidFill>
+                <a:effectLst/>
+              </a:rPr>
+              <a:t>publishername</a:t>
+            </a:r>
+            <a:r>
+              <a:rPr lang="en-IN" dirty="0">
+                <a:solidFill>
+                  <a:srgbClr val="586E75"/>
+                </a:solidFill>
+                <a:effectLst/>
+              </a:rPr>
+              <a:t>:</a:t>
+            </a:r>
+            <a:r>
               <a:rPr lang="en-IN" dirty="0">
                 <a:solidFill>
                   <a:srgbClr val="B58900"/>
                 </a:solidFill>
                 <a:effectLst/>
               </a:rPr>
-              <a:t>"Orange"</a:t>
+              <a:t>'global publisher'</a:t>
+            </a:r>
+            <a:r>
+              <a:rPr lang="en-IN" dirty="0">
+                <a:solidFill>
+                  <a:srgbClr val="333333"/>
+                </a:solidFill>
+                <a:effectLst/>
+              </a:rPr>
+              <a:t> </a:t>
             </a:r>
             <a:r>
               <a:rPr lang="en-IN" dirty="0">
@@ -6347,6 +7609,96 @@
                 </a:solidFill>
                 <a:effectLst/>
               </a:rPr>
+              <a:t>}),</a:t>
+            </a:r>
+            <a:endParaRPr lang="en-IN" dirty="0">
+              <a:solidFill>
+                <a:srgbClr val="000000"/>
+              </a:solidFill>
+              <a:effectLst/>
+            </a:endParaRPr>
+          </a:p>
+          <a:p>
+            <a:pPr marL="273050"/>
+            <a:r>
+              <a:rPr lang="en-IN" dirty="0">
+                <a:solidFill>
+                  <a:srgbClr val="586E75"/>
+                </a:solidFill>
+                <a:effectLst/>
+              </a:rPr>
+              <a:t>(</a:t>
+            </a:r>
+            <a:r>
+              <a:rPr lang="en-IN" dirty="0">
+                <a:solidFill>
+                  <a:srgbClr val="333333"/>
+                </a:solidFill>
+                <a:effectLst/>
+              </a:rPr>
+              <a:t>b3</a:t>
+            </a:r>
+            <a:r>
+              <a:rPr lang="en-IN" dirty="0">
+                <a:solidFill>
+                  <a:srgbClr val="586E75"/>
+                </a:solidFill>
+                <a:effectLst/>
+              </a:rPr>
+              <a:t>:</a:t>
+            </a:r>
+            <a:r>
+              <a:rPr lang="en-IN" dirty="0">
+                <a:solidFill>
+                  <a:srgbClr val="333333"/>
+                </a:solidFill>
+                <a:effectLst/>
+              </a:rPr>
+              <a:t>book</a:t>
+            </a:r>
+            <a:r>
+              <a:rPr lang="en-IN" dirty="0">
+                <a:solidFill>
+                  <a:srgbClr val="586E75"/>
+                </a:solidFill>
+                <a:effectLst/>
+              </a:rPr>
+              <a:t>{</a:t>
+            </a:r>
+            <a:r>
+              <a:rPr lang="en-IN" dirty="0">
+                <a:solidFill>
+                  <a:srgbClr val="333333"/>
+                </a:solidFill>
+                <a:effectLst/>
+              </a:rPr>
+              <a:t> name</a:t>
+            </a:r>
+            <a:r>
+              <a:rPr lang="en-IN" dirty="0">
+                <a:solidFill>
+                  <a:srgbClr val="586E75"/>
+                </a:solidFill>
+                <a:effectLst/>
+              </a:rPr>
+              <a:t>:</a:t>
+            </a:r>
+            <a:r>
+              <a:rPr lang="en-IN" dirty="0">
+                <a:solidFill>
+                  <a:srgbClr val="B58900"/>
+                </a:solidFill>
+                <a:effectLst/>
+              </a:rPr>
+              <a:t>'neo4j'</a:t>
+            </a:r>
+            <a:r>
+              <a:rPr lang="en-IN" dirty="0">
+                <a:solidFill>
+                  <a:srgbClr val="586E75"/>
+                </a:solidFill>
+                <a:effectLst/>
+              </a:rPr>
               <a:t>,</a:t>
             </a:r>
             <a:r>
@@ -6356,7 +7708,7 @@
                 </a:solidFill>
                 <a:effectLst/>
               </a:rPr>
-              <a:t>  isActive</a:t>
+              <a:t> isbn</a:t>
             </a:r>
             <a:r>
               <a:rPr lang="en-IN" dirty="0">
@@ -6370,20 +7722,362 @@
             <a:r>
               <a:rPr lang="en-IN" dirty="0">
                 <a:solidFill>
+                  <a:srgbClr val="B58900"/>
+                </a:solidFill>
+                <a:effectLst/>
+              </a:rPr>
+              <a:t>'neo4j-03'</a:t>
+            </a:r>
+            <a:r>
+              <a:rPr lang="en-IN" dirty="0">
+                <a:solidFill>
+                  <a:srgbClr val="586E75"/>
+                </a:solidFill>
+                <a:effectLst/>
+              </a:rPr>
+              <a:t>,</a:t>
+            </a:r>
+            <a:r>
+              <a:rPr lang="en-IN" dirty="0">
+                <a:solidFill>
                   <a:srgbClr val="333333"/>
                 </a:solidFill>
                 <a:effectLst/>
               </a:rPr>
+              <a:t> price</a:t>
+            </a:r>
+            <a:r>
+              <a:rPr lang="en-IN" dirty="0">
+                <a:solidFill>
+                  <a:srgbClr val="586E75"/>
+                </a:solidFill>
+                <a:effectLst/>
+              </a:rPr>
+              <a:t>:</a:t>
+            </a:r>
+            <a:r>
+              <a:rPr lang="en-IN" dirty="0">
+                <a:solidFill>
+                  <a:srgbClr val="2AA198"/>
+                </a:solidFill>
+                <a:effectLst/>
+              </a:rPr>
+              <a:t>340</a:t>
+            </a:r>
+            <a:r>
+              <a:rPr lang="en-IN" dirty="0">
+                <a:solidFill>
+                  <a:srgbClr val="586E75"/>
+                </a:solidFill>
+                <a:effectLst/>
+              </a:rPr>
+              <a:t>,</a:t>
+            </a:r>
+            <a:r>
+              <a:rPr lang="en-IN" dirty="0">
+                <a:solidFill>
+                  <a:srgbClr val="333333"/>
+                </a:solidFill>
+                <a:effectLst/>
+              </a:rPr>
               <a:t> </a:t>
             </a:r>
             <a:r>
+              <a:rPr lang="en-IN" dirty="0" err="1">
+                <a:solidFill>
+                  <a:srgbClr val="333333"/>
+                </a:solidFill>
+                <a:effectLst/>
+              </a:rPr>
+              <a:t>publishername</a:t>
+            </a:r>
+            <a:r>
+              <a:rPr lang="en-IN" dirty="0">
+                <a:solidFill>
+                  <a:srgbClr val="586E75"/>
+                </a:solidFill>
+                <a:effectLst/>
+              </a:rPr>
+              <a:t>:</a:t>
+            </a:r>
+            <a:r>
+              <a:rPr lang="en-IN" dirty="0">
+                <a:solidFill>
+                  <a:srgbClr val="B58900"/>
+                </a:solidFill>
+                <a:effectLst/>
+              </a:rPr>
+              <a:t>'tech publisher'</a:t>
+            </a:r>
+            <a:r>
+              <a:rPr lang="en-IN" dirty="0">
+                <a:solidFill>
+                  <a:srgbClr val="333333"/>
+                </a:solidFill>
+                <a:effectLst/>
+              </a:rPr>
+              <a:t> </a:t>
+            </a:r>
+            <a:r>
+              <a:rPr lang="en-IN" dirty="0">
+                <a:solidFill>
+                  <a:srgbClr val="586E75"/>
+                </a:solidFill>
+                <a:effectLst/>
+              </a:rPr>
+              <a:t>}),</a:t>
+            </a:r>
+            <a:endParaRPr lang="en-IN" dirty="0">
+              <a:solidFill>
+                <a:srgbClr val="000000"/>
+              </a:solidFill>
+              <a:effectLst/>
+            </a:endParaRPr>
+          </a:p>
+          <a:p>
+            <a:pPr marL="273050"/>
+            <a:r>
+              <a:rPr lang="en-IN" dirty="0">
+                <a:solidFill>
+                  <a:srgbClr val="586E75"/>
+                </a:solidFill>
+                <a:effectLst/>
+              </a:rPr>
+              <a:t>(</a:t>
+            </a:r>
+            <a:r>
+              <a:rPr lang="en-IN" dirty="0">
+                <a:solidFill>
+                  <a:srgbClr val="333333"/>
+                </a:solidFill>
+                <a:effectLst/>
+              </a:rPr>
+              <a:t>b4</a:t>
+            </a:r>
+            <a:r>
+              <a:rPr lang="en-IN" dirty="0">
+                <a:solidFill>
+                  <a:srgbClr val="586E75"/>
+                </a:solidFill>
+                <a:effectLst/>
+              </a:rPr>
+              <a:t>:</a:t>
+            </a:r>
+            <a:r>
+              <a:rPr lang="en-IN" dirty="0">
+                <a:solidFill>
+                  <a:srgbClr val="333333"/>
+                </a:solidFill>
+                <a:effectLst/>
+              </a:rPr>
+              <a:t>book</a:t>
+            </a:r>
+            <a:r>
+              <a:rPr lang="en-IN" dirty="0">
+                <a:solidFill>
+                  <a:srgbClr val="586E75"/>
+                </a:solidFill>
+                <a:effectLst/>
+              </a:rPr>
+              <a:t>{</a:t>
+            </a:r>
+            <a:r>
+              <a:rPr lang="en-IN" dirty="0">
+                <a:solidFill>
+                  <a:srgbClr val="333333"/>
+                </a:solidFill>
+                <a:effectLst/>
+              </a:rPr>
+              <a:t> name</a:t>
+            </a:r>
+            <a:r>
+              <a:rPr lang="en-IN" dirty="0">
+                <a:solidFill>
+                  <a:srgbClr val="586E75"/>
+                </a:solidFill>
+                <a:effectLst/>
+              </a:rPr>
+              <a:t>:</a:t>
+            </a:r>
+            <a:r>
+              <a:rPr lang="en-IN" dirty="0">
+                <a:solidFill>
+                  <a:srgbClr val="B58900"/>
+                </a:solidFill>
+                <a:effectLst/>
+              </a:rPr>
+              <a:t>'</a:t>
+            </a:r>
+            <a:r>
+              <a:rPr lang="en-IN" dirty="0" err="1">
+                <a:solidFill>
+                  <a:srgbClr val="B58900"/>
+                </a:solidFill>
+                <a:effectLst/>
+              </a:rPr>
+              <a:t>mongodb</a:t>
+            </a:r>
+            <a:r>
+              <a:rPr lang="en-IN" dirty="0">
+                <a:solidFill>
+                  <a:srgbClr val="B58900"/>
+                </a:solidFill>
+                <a:effectLst/>
+              </a:rPr>
+              <a:t>'</a:t>
+            </a:r>
+            <a:r>
+              <a:rPr lang="en-IN" dirty="0">
+                <a:solidFill>
+                  <a:srgbClr val="586E75"/>
+                </a:solidFill>
+                <a:effectLst/>
+              </a:rPr>
+              <a:t>,</a:t>
+            </a:r>
+            <a:r>
+              <a:rPr lang="en-IN" dirty="0">
+                <a:solidFill>
+                  <a:srgbClr val="333333"/>
+                </a:solidFill>
+                <a:effectLst/>
+              </a:rPr>
+              <a:t> isbn</a:t>
+            </a:r>
+            <a:r>
+              <a:rPr lang="en-IN" dirty="0">
+                <a:solidFill>
+                  <a:srgbClr val="586E75"/>
+                </a:solidFill>
+                <a:effectLst/>
+              </a:rPr>
+              <a:t>:</a:t>
+            </a:r>
+            <a:r>
+              <a:rPr lang="en-IN" dirty="0">
+                <a:solidFill>
+                  <a:srgbClr val="B58900"/>
+                </a:solidFill>
+                <a:effectLst/>
+              </a:rPr>
+              <a:t>'mongodb-04'</a:t>
+            </a:r>
+            <a:r>
+              <a:rPr lang="en-IN" dirty="0">
+                <a:solidFill>
+                  <a:srgbClr val="586E75"/>
+                </a:solidFill>
+                <a:effectLst/>
+              </a:rPr>
+              <a:t>,</a:t>
+            </a:r>
+            <a:r>
+              <a:rPr lang="en-IN" dirty="0">
+                <a:solidFill>
+                  <a:srgbClr val="333333"/>
+                </a:solidFill>
+                <a:effectLst/>
+              </a:rPr>
+              <a:t> price</a:t>
+            </a:r>
+            <a:r>
+              <a:rPr lang="en-IN" dirty="0">
+                <a:solidFill>
+                  <a:srgbClr val="586E75"/>
+                </a:solidFill>
+                <a:effectLst/>
+              </a:rPr>
+              <a:t>:</a:t>
+            </a:r>
+            <a:r>
+              <a:rPr lang="en-IN" dirty="0">
+                <a:solidFill>
+                  <a:srgbClr val="2AA198"/>
+                </a:solidFill>
+                <a:effectLst/>
+              </a:rPr>
+              <a:t>180</a:t>
+            </a:r>
+            <a:r>
+              <a:rPr lang="en-IN" dirty="0">
+                <a:solidFill>
+                  <a:srgbClr val="586E75"/>
+                </a:solidFill>
+                <a:effectLst/>
+              </a:rPr>
+              <a:t>,</a:t>
+            </a:r>
+            <a:r>
+              <a:rPr lang="en-IN" dirty="0">
+                <a:solidFill>
+                  <a:srgbClr val="333333"/>
+                </a:solidFill>
+                <a:effectLst/>
+              </a:rPr>
+              <a:t> </a:t>
+            </a:r>
+            <a:r>
+              <a:rPr lang="en-IN" dirty="0" err="1">
+                <a:solidFill>
+                  <a:srgbClr val="333333"/>
+                </a:solidFill>
+                <a:effectLst/>
+              </a:rPr>
+              <a:t>publishername</a:t>
+            </a:r>
+            <a:r>
+              <a:rPr lang="en-IN" dirty="0">
+                <a:solidFill>
+                  <a:srgbClr val="586E75"/>
+                </a:solidFill>
+                <a:effectLst/>
+              </a:rPr>
+              <a:t>:</a:t>
+            </a:r>
+            <a:r>
+              <a:rPr lang="en-IN" dirty="0">
+                <a:solidFill>
+                  <a:srgbClr val="B58900"/>
+                </a:solidFill>
+                <a:effectLst/>
+              </a:rPr>
+              <a:t>'universal publisher'</a:t>
+            </a:r>
+            <a:r>
+              <a:rPr lang="en-IN" dirty="0">
+                <a:solidFill>
+                  <a:srgbClr val="333333"/>
+                </a:solidFill>
+                <a:effectLst/>
+              </a:rPr>
+              <a:t> </a:t>
+            </a:r>
+            <a:r>
+              <a:rPr lang="en-IN" dirty="0">
+                <a:solidFill>
+                  <a:srgbClr val="586E75"/>
+                </a:solidFill>
+                <a:effectLst/>
+              </a:rPr>
+              <a:t>})</a:t>
+            </a:r>
+            <a:endParaRPr lang="en-IN" dirty="0">
+              <a:solidFill>
+                <a:srgbClr val="000000"/>
+              </a:solidFill>
+              <a:effectLst/>
+            </a:endParaRPr>
+          </a:p>
+          <a:p>
+            <a:pPr marL="273050"/>
+            <a:r>
               <a:rPr lang="en-IN" dirty="0">
                 <a:solidFill>
                   <a:srgbClr val="859900"/>
                 </a:solidFill>
                 <a:effectLst/>
               </a:rPr>
-              <a:t>false</a:t>
+              <a:t>return</a:t>
             </a:r>
             <a:r>
               <a:rPr lang="en-IN" dirty="0">
@@ -6392,7 +8086,7 @@
                 </a:solidFill>
                 <a:effectLst/>
               </a:rPr>
-              <a:t> </a:t>
+              <a:t> b1</a:t>
             </a:r>
             <a:r>
               <a:rPr lang="en-IN" dirty="0">
@@ -6401,7 +8095,52 @@
                 </a:solidFill>
                 <a:effectLst/>
               </a:rPr>
-              <a:t>}</a:t>
+              <a:t>,</a:t>
+            </a:r>
+            <a:r>
+              <a:rPr lang="en-IN" dirty="0">
+                <a:solidFill>
+                  <a:srgbClr val="333333"/>
+                </a:solidFill>
+                <a:effectLst/>
+              </a:rPr>
+              <a:t> b2</a:t>
+            </a:r>
+            <a:r>
+              <a:rPr lang="en-IN" dirty="0">
+                <a:solidFill>
+                  <a:srgbClr val="586E75"/>
+                </a:solidFill>
+                <a:effectLst/>
+              </a:rPr>
+              <a:t>,</a:t>
+            </a:r>
+            <a:r>
+              <a:rPr lang="en-IN" dirty="0">
+                <a:solidFill>
+                  <a:srgbClr val="333333"/>
+                </a:solidFill>
+                <a:effectLst/>
+              </a:rPr>
+              <a:t> b3</a:t>
+            </a:r>
+            <a:r>
+              <a:rPr lang="en-IN" dirty="0">
+                <a:solidFill>
+                  <a:srgbClr val="586E75"/>
+                </a:solidFill>
+                <a:effectLst/>
+              </a:rPr>
+              <a:t>,</a:t>
+            </a:r>
+            <a:r>
+              <a:rPr lang="en-IN" dirty="0">
+                <a:solidFill>
+                  <a:srgbClr val="333333"/>
+                </a:solidFill>
+                <a:effectLst/>
+              </a:rPr>
+              <a:t> b4</a:t>
             </a:r>
             <a:endParaRPr lang="en-IN" dirty="0">
               <a:solidFill>

--- a/Neo4j.pptx
+++ b/Neo4j.pptx
@@ -4524,7 +4524,7 @@
         <p:spPr>
           <a:xfrm>
             <a:off x="246600" y="1686842"/>
-            <a:ext cx="11693880" cy="738664"/>
+            <a:ext cx="11693880" cy="369332"/>
           </a:xfrm>
           <a:prstGeom prst="rect">
             <a:avLst/>
@@ -4538,31 +4538,9 @@
           <a:lstStyle/>
           <a:p>
             <a:r>
-              <a:rPr lang="en-IN" sz="1900" spc="-1" dirty="0">
-                <a:solidFill>
-                  <a:srgbClr val="00B0F0"/>
-                </a:solidFill>
-                <a:latin typeface="Consolas" panose="020B0609020204030204" pitchFamily="49" charset="0"/>
-                <a:cs typeface="Arial" panose="020B0604020202020204" pitchFamily="34" charset="0"/>
-              </a:rPr>
-              <a:t>CREATE (n)</a:t>
-            </a:r>
-          </a:p>
-          <a:p>
-            <a:endParaRPr lang="en-IN" sz="400" b="0" i="0" spc="-1" dirty="0">
-              <a:solidFill>
-                <a:srgbClr val="00B0F0"/>
-              </a:solidFill>
-              <a:effectLst/>
-              <a:latin typeface="Consolas" panose="020B0609020204030204" pitchFamily="49" charset="0"/>
-              <a:cs typeface="Arial" panose="020B0604020202020204" pitchFamily="34" charset="0"/>
-            </a:endParaRPr>
-          </a:p>
-          <a:p>
-            <a:r>
-              <a:rPr lang="en-IN" sz="1900" spc="-1" dirty="0">
-                <a:solidFill>
-                  <a:srgbClr val="00B0F0"/>
+              <a:rPr lang="en-IN" spc="-1" dirty="0">
+                <a:solidFill>
+                  <a:srgbClr val="0070C0"/>
                 </a:solidFill>
                 <a:latin typeface="Consolas" panose="020B0609020204030204" pitchFamily="49" charset="0"/>
                 <a:cs typeface="Arial" panose="020B0604020202020204" pitchFamily="34" charset="0"/>
@@ -4586,7 +4564,7 @@
         </p:nvSpPr>
         <p:spPr>
           <a:xfrm>
-            <a:off x="243604" y="2587551"/>
+            <a:off x="243604" y="2204864"/>
             <a:ext cx="11693880" cy="769441"/>
           </a:xfrm>
           <a:prstGeom prst="rect">
@@ -4634,7 +4612,7 @@
                 </a:solidFill>
                 <a:latin typeface="Gill Sans MT (Body)"/>
               </a:rPr>
-              <a:t> (Saleel)</a:t>
+              <a:t>(Saleel)</a:t>
             </a:r>
           </a:p>
           <a:p>
@@ -4686,7 +4664,7 @@
                 </a:solidFill>
                 <a:latin typeface="Gill Sans MT (Body)"/>
               </a:rPr>
-              <a:t> (Sharmin), (Vrushali) </a:t>
+              <a:t>(Sharmin), (Vrushali) </a:t>
             </a:r>
           </a:p>
         </p:txBody>
@@ -5031,7 +5009,7 @@
         <p:spPr>
           <a:xfrm>
             <a:off x="246600" y="1686842"/>
-            <a:ext cx="11693880" cy="1446550"/>
+            <a:ext cx="11693880" cy="707886"/>
           </a:xfrm>
           <a:prstGeom prst="rect">
             <a:avLst/>
@@ -5045,20 +5023,20 @@
           <a:lstStyle/>
           <a:p>
             <a:r>
-              <a:rPr lang="en-IN" sz="1900" spc="-1" dirty="0">
-                <a:solidFill>
-                  <a:srgbClr val="00B0F0"/>
+              <a:rPr lang="en-IN" spc="-1" dirty="0">
+                <a:solidFill>
+                  <a:srgbClr val="0070C0"/>
                 </a:solidFill>
                 <a:latin typeface="Consolas" panose="020B0609020204030204" pitchFamily="49" charset="0"/>
                 <a:cs typeface="Arial" panose="020B0604020202020204" pitchFamily="34" charset="0"/>
               </a:rPr>
-              <a:t>CREATE (n:label_name)</a:t>
+              <a:t>CREATE (n:label_name), (m:label_name), ...</a:t>
             </a:r>
           </a:p>
           <a:p>
             <a:endParaRPr lang="en-IN" sz="400" b="0" i="0" spc="-1" dirty="0">
               <a:solidFill>
-                <a:srgbClr val="00B0F0"/>
+                <a:srgbClr val="0070C0"/>
               </a:solidFill>
               <a:effectLst/>
               <a:latin typeface="Consolas" panose="020B0609020204030204" pitchFamily="49" charset="0"/>
@@ -5067,52 +5045,9 @@
           </a:p>
           <a:p>
             <a:r>
-              <a:rPr lang="en-IN" sz="1900" spc="-1" dirty="0">
-                <a:solidFill>
-                  <a:srgbClr val="00B0F0"/>
-                </a:solidFill>
-                <a:latin typeface="Consolas" panose="020B0609020204030204" pitchFamily="49" charset="0"/>
-                <a:cs typeface="Arial" panose="020B0604020202020204" pitchFamily="34" charset="0"/>
-              </a:rPr>
-              <a:t>CREATE (n:label_name), (m:label_name), ...</a:t>
-            </a:r>
-          </a:p>
-          <a:p>
-            <a:endParaRPr lang="en-IN" sz="400" spc="-1" dirty="0">
-              <a:solidFill>
-                <a:srgbClr val="00B0F0"/>
-              </a:solidFill>
-              <a:latin typeface="Consolas" panose="020B0609020204030204" pitchFamily="49" charset="0"/>
-              <a:cs typeface="Arial" panose="020B0604020202020204" pitchFamily="34" charset="0"/>
-            </a:endParaRPr>
-          </a:p>
-          <a:p>
-            <a:r>
-              <a:rPr lang="en-IN" sz="1900" spc="-1" dirty="0">
-                <a:solidFill>
-                  <a:srgbClr val="00B0F0"/>
-                </a:solidFill>
-                <a:latin typeface="Consolas" panose="020B0609020204030204" pitchFamily="49" charset="0"/>
-                <a:cs typeface="Arial" panose="020B0604020202020204" pitchFamily="34" charset="0"/>
-              </a:rPr>
-              <a:t>CREATE (n:label1:label2:labelN)</a:t>
-            </a:r>
-          </a:p>
-          <a:p>
-            <a:endParaRPr lang="en-IN" sz="400" b="0" i="0" spc="-1" dirty="0">
-              <a:solidFill>
-                <a:srgbClr val="00B0F0"/>
-              </a:solidFill>
-              <a:effectLst/>
-              <a:latin typeface="Consolas" panose="020B0609020204030204" pitchFamily="49" charset="0"/>
-              <a:cs typeface="Arial" panose="020B0604020202020204" pitchFamily="34" charset="0"/>
-            </a:endParaRPr>
-          </a:p>
-          <a:p>
-            <a:r>
-              <a:rPr lang="en-IN" sz="1900" spc="-1" dirty="0">
-                <a:solidFill>
-                  <a:srgbClr val="00B0F0"/>
+              <a:rPr lang="en-IN" spc="-1" dirty="0">
+                <a:solidFill>
+                  <a:srgbClr val="0070C0"/>
                 </a:solidFill>
                 <a:latin typeface="Consolas" panose="020B0609020204030204" pitchFamily="49" charset="0"/>
                 <a:cs typeface="Arial" panose="020B0604020202020204" pitchFamily="34" charset="0"/>
@@ -5136,7 +5071,7 @@
         </p:nvSpPr>
         <p:spPr>
           <a:xfrm>
-            <a:off x="243604" y="3336097"/>
+            <a:off x="243604" y="2515543"/>
             <a:ext cx="11693880" cy="769441"/>
           </a:xfrm>
           <a:prstGeom prst="rect">
@@ -5178,15 +5113,6 @@
             <a:r>
               <a:rPr lang="en-IN" dirty="0">
                 <a:solidFill>
-                  <a:srgbClr val="333333"/>
-                </a:solidFill>
-                <a:effectLst/>
-              </a:rPr>
-              <a:t> </a:t>
-            </a:r>
-            <a:r>
-              <a:rPr lang="en-IN" dirty="0">
-                <a:solidFill>
                   <a:srgbClr val="586E75"/>
                 </a:solidFill>
                 <a:effectLst/>
@@ -5285,7 +5211,7 @@
                 </a:solidFill>
                 <a:latin typeface="Gill Sans MT (Body)"/>
               </a:rPr>
-              <a:t> (Sharmin:Person:Client), (Vrushali:Person:Client) </a:t>
+              <a:t>(Sharmin:Person:Client), (Vrushali:Person:Client) </a:t>
             </a:r>
           </a:p>
         </p:txBody>
@@ -5630,7 +5556,7 @@
         <p:spPr>
           <a:xfrm>
             <a:off x="246600" y="1686842"/>
-            <a:ext cx="11693880" cy="384721"/>
+            <a:ext cx="11693880" cy="369332"/>
           </a:xfrm>
           <a:prstGeom prst="rect">
             <a:avLst/>
@@ -5644,9 +5570,9 @@
           <a:lstStyle/>
           <a:p>
             <a:r>
-              <a:rPr lang="en-IN" sz="1900" spc="-1" dirty="0">
-                <a:solidFill>
-                  <a:srgbClr val="00B0F0"/>
+              <a:rPr lang="en-IN" spc="-1" dirty="0">
+                <a:solidFill>
+                  <a:srgbClr val="0070C0"/>
                 </a:solidFill>
                 <a:latin typeface="Consolas" panose="020B0609020204030204" pitchFamily="49" charset="0"/>
                 <a:cs typeface="Arial" panose="020B0604020202020204" pitchFamily="34" charset="0"/>
@@ -5712,15 +5638,6 @@
             <a:r>
               <a:rPr lang="en-US" dirty="0">
                 <a:solidFill>
-                  <a:srgbClr val="333333"/>
-                </a:solidFill>
-                <a:effectLst/>
-              </a:rPr>
-              <a:t> </a:t>
-            </a:r>
-            <a:r>
-              <a:rPr lang="en-US" dirty="0">
-                <a:solidFill>
                   <a:srgbClr val="586E75"/>
                 </a:solidFill>
                 <a:effectLst/>
@@ -5966,15 +5883,6 @@
             <a:r>
               <a:rPr lang="en-IN" dirty="0">
                 <a:solidFill>
-                  <a:srgbClr val="333333"/>
-                </a:solidFill>
-                <a:effectLst/>
-              </a:rPr>
-              <a:t> </a:t>
-            </a:r>
-            <a:r>
-              <a:rPr lang="en-IN" dirty="0">
-                <a:solidFill>
                   <a:srgbClr val="586E75"/>
                 </a:solidFill>
                 <a:effectLst/>
@@ -6202,15 +6110,6 @@
             <a:r>
               <a:rPr lang="en-IN" dirty="0">
                 <a:solidFill>
-                  <a:srgbClr val="333333"/>
-                </a:solidFill>
-                <a:effectLst/>
-              </a:rPr>
-              <a:t> </a:t>
-            </a:r>
-            <a:r>
-              <a:rPr lang="en-IN" dirty="0">
-                <a:solidFill>
                   <a:srgbClr val="586E75"/>
                 </a:solidFill>
                 <a:effectLst/>
@@ -6314,25 +6213,7 @@
                 </a:solidFill>
                 <a:effectLst/>
               </a:rPr>
-              <a:t>'</a:t>
-            </a:r>
-            <a:r>
-              <a:rPr lang="en-IN" dirty="0" err="1">
-                <a:solidFill>
-                  <a:srgbClr val="B58900"/>
-                </a:solidFill>
-                <a:effectLst/>
-              </a:rPr>
-              <a:t>sleel</a:t>
-            </a:r>
-            <a:r>
-              <a:rPr lang="en-IN" dirty="0">
-                <a:solidFill>
-                  <a:srgbClr val="B58900"/>
-                </a:solidFill>
-                <a:effectLst/>
-              </a:rPr>
-              <a:t>’</a:t>
+              <a:t>’saleel’</a:t>
             </a:r>
             <a:r>
               <a:rPr lang="en-IN" dirty="0">
@@ -7146,15 +7027,6 @@
             <a:r>
               <a:rPr lang="en-IN" dirty="0">
                 <a:solidFill>
-                  <a:srgbClr val="333333"/>
-                </a:solidFill>
-                <a:effectLst/>
-              </a:rPr>
-              <a:t> </a:t>
-            </a:r>
-            <a:r>
-              <a:rPr lang="en-IN" dirty="0">
-                <a:solidFill>
                   <a:srgbClr val="586E75"/>
                 </a:solidFill>
                 <a:effectLst/>
@@ -7204,19 +7076,10 @@
                 </a:solidFill>
                 <a:effectLst/>
               </a:rPr>
-              <a:t> </a:t>
-            </a:r>
-            <a:r>
-              <a:rPr lang="en-IN" dirty="0" err="1">
-                <a:solidFill>
-                  <a:srgbClr val="333333"/>
-                </a:solidFill>
-                <a:effectLst/>
-              </a:rPr>
-              <a:t>name</a:t>
-            </a:r>
-            <a:r>
-              <a:rPr lang="en-IN" dirty="0" err="1">
+              <a:t> name</a:t>
+            </a:r>
+            <a:r>
+              <a:rPr lang="en-IN" dirty="0">
                 <a:solidFill>
                   <a:srgbClr val="586E75"/>
                 </a:solidFill>
@@ -7225,13 +7088,40 @@
               <a:t>:</a:t>
             </a:r>
             <a:r>
-              <a:rPr lang="en-IN" dirty="0" err="1">
+              <a:rPr lang="en-IN" dirty="0">
                 <a:solidFill>
                   <a:srgbClr val="B58900"/>
                 </a:solidFill>
                 <a:effectLst/>
               </a:rPr>
-              <a:t>'redis</a:t>
+              <a:t>'redis'</a:t>
+            </a:r>
+            <a:r>
+              <a:rPr lang="en-IN" dirty="0">
+                <a:solidFill>
+                  <a:srgbClr val="586E75"/>
+                </a:solidFill>
+                <a:effectLst/>
+              </a:rPr>
+              <a:t>,</a:t>
+            </a:r>
+            <a:r>
+              <a:rPr lang="en-IN" dirty="0">
+                <a:solidFill>
+                  <a:srgbClr val="333333"/>
+                </a:solidFill>
+                <a:effectLst/>
+              </a:rPr>
+              <a:t> isbn</a:t>
+            </a:r>
+            <a:r>
+              <a:rPr lang="en-IN" dirty="0">
+                <a:solidFill>
+                  <a:srgbClr val="586E75"/>
+                </a:solidFill>
+                <a:effectLst/>
+              </a:rPr>
+              <a:t>:</a:t>
             </a:r>
             <a:r>
               <a:rPr lang="en-IN" dirty="0">
@@ -7240,7 +7130,7 @@
                 </a:solidFill>
                 <a:effectLst/>
               </a:rPr>
-              <a:t>'</a:t>
+              <a:t>'redis-01'</a:t>
             </a:r>
             <a:r>
               <a:rPr lang="en-IN" dirty="0">
@@ -7258,7 +7148,7 @@
                 </a:solidFill>
                 <a:effectLst/>
               </a:rPr>
-              <a:t> isbn</a:t>
+              <a:t> price</a:t>
             </a:r>
             <a:r>
               <a:rPr lang="en-IN" dirty="0">
@@ -7272,11 +7162,11 @@
             <a:r>
               <a:rPr lang="en-IN" dirty="0">
                 <a:solidFill>
-                  <a:srgbClr val="B58900"/>
-                </a:solidFill>
-                <a:effectLst/>
-              </a:rPr>
-              <a:t>'redis-01'</a:t>
+                  <a:srgbClr val="2AA198"/>
+                </a:solidFill>
+                <a:effectLst/>
+              </a:rPr>
+              <a:t>175</a:t>
             </a:r>
             <a:r>
               <a:rPr lang="en-IN" dirty="0">
@@ -7294,52 +7184,7 @@
                 </a:solidFill>
                 <a:effectLst/>
               </a:rPr>
-              <a:t> price</a:t>
-            </a:r>
-            <a:r>
-              <a:rPr lang="en-IN" dirty="0">
-                <a:solidFill>
-                  <a:srgbClr val="586E75"/>
-                </a:solidFill>
-                <a:effectLst/>
-              </a:rPr>
-              <a:t>:</a:t>
-            </a:r>
-            <a:r>
-              <a:rPr lang="en-IN" dirty="0">
-                <a:solidFill>
-                  <a:srgbClr val="2AA198"/>
-                </a:solidFill>
-                <a:effectLst/>
-              </a:rPr>
-              <a:t>175</a:t>
-            </a:r>
-            <a:r>
-              <a:rPr lang="en-IN" dirty="0">
-                <a:solidFill>
-                  <a:srgbClr val="586E75"/>
-                </a:solidFill>
-                <a:effectLst/>
-              </a:rPr>
-              <a:t>,</a:t>
-            </a:r>
-            <a:r>
-              <a:rPr lang="en-IN" dirty="0">
-                <a:solidFill>
-                  <a:srgbClr val="333333"/>
-                </a:solidFill>
-                <a:effectLst/>
-              </a:rPr>
-              <a:t> </a:t>
-            </a:r>
-            <a:r>
-              <a:rPr lang="en-IN" dirty="0" err="1">
-                <a:solidFill>
-                  <a:srgbClr val="333333"/>
-                </a:solidFill>
-                <a:effectLst/>
-              </a:rPr>
-              <a:t>publishername</a:t>
+              <a:t> publishername</a:t>
             </a:r>
             <a:r>
               <a:rPr lang="en-IN" dirty="0">
@@ -7564,16 +7409,7 @@
                 </a:solidFill>
                 <a:effectLst/>
               </a:rPr>
-              <a:t> </a:t>
-            </a:r>
-            <a:r>
-              <a:rPr lang="en-IN" dirty="0" err="1">
-                <a:solidFill>
-                  <a:srgbClr val="333333"/>
-                </a:solidFill>
-                <a:effectLst/>
-              </a:rPr>
-              <a:t>publishername</a:t>
+              <a:t> publishername</a:t>
             </a:r>
             <a:r>
               <a:rPr lang="en-IN" dirty="0">
@@ -7780,16 +7616,7 @@
                 </a:solidFill>
                 <a:effectLst/>
               </a:rPr>
-              <a:t> </a:t>
-            </a:r>
-            <a:r>
-              <a:rPr lang="en-IN" dirty="0" err="1">
-                <a:solidFill>
-                  <a:srgbClr val="333333"/>
-                </a:solidFill>
-                <a:effectLst/>
-              </a:rPr>
-              <a:t>publishername</a:t>
+              <a:t> publishername</a:t>
             </a:r>
             <a:r>
               <a:rPr lang="en-IN" dirty="0">
@@ -8014,16 +7841,7 @@
                 </a:solidFill>
                 <a:effectLst/>
               </a:rPr>
-              <a:t> </a:t>
-            </a:r>
-            <a:r>
-              <a:rPr lang="en-IN" dirty="0" err="1">
-                <a:solidFill>
-                  <a:srgbClr val="333333"/>
-                </a:solidFill>
-                <a:effectLst/>
-              </a:rPr>
-              <a:t>publishername</a:t>
+              <a:t> publishername</a:t>
             </a:r>
             <a:r>
               <a:rPr lang="en-IN" dirty="0">
@@ -8465,7 +8283,7 @@
         <p:spPr>
           <a:xfrm>
             <a:off x="246600" y="1686842"/>
-            <a:ext cx="11693880" cy="384721"/>
+            <a:ext cx="11693880" cy="369332"/>
           </a:xfrm>
           <a:prstGeom prst="rect">
             <a:avLst/>
@@ -8479,18 +8297,18 @@
           <a:lstStyle/>
           <a:p>
             <a:r>
-              <a:rPr lang="pt-BR" sz="1900" spc="-1" dirty="0">
-                <a:solidFill>
-                  <a:srgbClr val="00B0F0"/>
+              <a:rPr lang="pt-BR" spc="-1" dirty="0">
+                <a:solidFill>
+                  <a:srgbClr val="0070C0"/>
                 </a:solidFill>
                 <a:latin typeface="Consolas" panose="020B0609020204030204" pitchFamily="49" charset="0"/>
                 <a:cs typeface="Arial" panose="020B0604020202020204" pitchFamily="34" charset="0"/>
               </a:rPr>
               <a:t>MATCH (n) DETACH DELETE n</a:t>
             </a:r>
-            <a:endParaRPr lang="en-IN" sz="1900" spc="-1" dirty="0">
+            <a:endParaRPr lang="en-IN" spc="-1" dirty="0">
               <a:solidFill>
-                <a:srgbClr val="00B0F0"/>
+                <a:srgbClr val="0070C0"/>
               </a:solidFill>
               <a:latin typeface="Consolas" panose="020B0609020204030204" pitchFamily="49" charset="0"/>
               <a:cs typeface="Arial" panose="020B0604020202020204" pitchFamily="34" charset="0"/>
@@ -8512,8 +8330,8 @@
         </p:nvSpPr>
         <p:spPr>
           <a:xfrm>
-            <a:off x="243604" y="2587551"/>
-            <a:ext cx="11693880" cy="1169551"/>
+            <a:off x="243604" y="2134800"/>
+            <a:ext cx="11693880" cy="1508105"/>
           </a:xfrm>
           <a:prstGeom prst="rect">
             <a:avLst/>
@@ -9030,7 +8848,252 @@
                 </a:solidFill>
                 <a:effectLst/>
               </a:rPr>
-              <a:t> n </a:t>
+              <a:t> n</a:t>
+            </a:r>
+          </a:p>
+          <a:p>
+            <a:pPr marL="285750" indent="-285750">
+              <a:buFont typeface="Arial" panose="020B0604020202020204" pitchFamily="34" charset="0"/>
+              <a:buChar char="•"/>
+            </a:pPr>
+            <a:endParaRPr lang="en-IN" sz="400" dirty="0">
+              <a:solidFill>
+                <a:srgbClr val="333333"/>
+              </a:solidFill>
+            </a:endParaRPr>
+          </a:p>
+          <a:p>
+            <a:pPr marL="285750" indent="-285750">
+              <a:buFont typeface="Arial" panose="020B0604020202020204" pitchFamily="34" charset="0"/>
+              <a:buChar char="•"/>
+            </a:pPr>
+            <a:r>
+              <a:rPr lang="en-IN" dirty="0">
+                <a:solidFill>
+                  <a:schemeClr val="tx1">
+                    <a:lumMod val="50000"/>
+                    <a:lumOff val="50000"/>
+                  </a:schemeClr>
+                </a:solidFill>
+                <a:latin typeface="Gill Sans MT (Body)"/>
+              </a:rPr>
+              <a:t>neo4j$ </a:t>
+            </a:r>
+            <a:r>
+              <a:rPr lang="en-IN" dirty="0">
+                <a:solidFill>
+                  <a:srgbClr val="859900"/>
+                </a:solidFill>
+                <a:effectLst/>
+              </a:rPr>
+              <a:t>match</a:t>
+            </a:r>
+            <a:r>
+              <a:rPr lang="en-IN" dirty="0">
+                <a:solidFill>
+                  <a:srgbClr val="586E75"/>
+                </a:solidFill>
+                <a:effectLst/>
+              </a:rPr>
+              <a:t>(</a:t>
+            </a:r>
+            <a:r>
+              <a:rPr lang="en-IN" dirty="0">
+                <a:solidFill>
+                  <a:srgbClr val="333333"/>
+                </a:solidFill>
+                <a:effectLst/>
+              </a:rPr>
+              <a:t>n</a:t>
+            </a:r>
+            <a:r>
+              <a:rPr lang="en-IN" dirty="0">
+                <a:solidFill>
+                  <a:srgbClr val="586E75"/>
+                </a:solidFill>
+                <a:effectLst/>
+              </a:rPr>
+              <a:t>)</a:t>
+            </a:r>
+            <a:r>
+              <a:rPr lang="en-IN" dirty="0">
+                <a:solidFill>
+                  <a:srgbClr val="333333"/>
+                </a:solidFill>
+                <a:effectLst/>
+              </a:rPr>
+              <a:t> </a:t>
+            </a:r>
+            <a:r>
+              <a:rPr lang="en-IN" dirty="0">
+                <a:solidFill>
+                  <a:srgbClr val="859900"/>
+                </a:solidFill>
+                <a:effectLst/>
+              </a:rPr>
+              <a:t>where</a:t>
+            </a:r>
+            <a:r>
+              <a:rPr lang="en-IN" dirty="0">
+                <a:solidFill>
+                  <a:srgbClr val="333333"/>
+                </a:solidFill>
+                <a:effectLst/>
+              </a:rPr>
+              <a:t> id</a:t>
+            </a:r>
+            <a:r>
+              <a:rPr lang="en-IN" dirty="0">
+                <a:solidFill>
+                  <a:srgbClr val="586E75"/>
+                </a:solidFill>
+                <a:effectLst/>
+              </a:rPr>
+              <a:t>(</a:t>
+            </a:r>
+            <a:r>
+              <a:rPr lang="en-IN" dirty="0">
+                <a:solidFill>
+                  <a:srgbClr val="333333"/>
+                </a:solidFill>
+                <a:effectLst/>
+              </a:rPr>
+              <a:t>n</a:t>
+            </a:r>
+            <a:r>
+              <a:rPr lang="en-IN" dirty="0">
+                <a:solidFill>
+                  <a:srgbClr val="586E75"/>
+                </a:solidFill>
+                <a:effectLst/>
+              </a:rPr>
+              <a:t>) </a:t>
+            </a:r>
+            <a:r>
+              <a:rPr lang="en-US" dirty="0">
+                <a:solidFill>
+                  <a:srgbClr val="859900"/>
+                </a:solidFill>
+                <a:effectLst/>
+              </a:rPr>
+              <a:t>in</a:t>
+            </a:r>
+            <a:r>
+              <a:rPr lang="en-US" dirty="0">
+                <a:solidFill>
+                  <a:srgbClr val="333333"/>
+                </a:solidFill>
+                <a:effectLst/>
+              </a:rPr>
+              <a:t> </a:t>
+            </a:r>
+            <a:r>
+              <a:rPr lang="en-US" dirty="0">
+                <a:solidFill>
+                  <a:srgbClr val="586E75"/>
+                </a:solidFill>
+                <a:effectLst/>
+              </a:rPr>
+              <a:t>[ </a:t>
+            </a:r>
+            <a:r>
+              <a:rPr lang="en-US" dirty="0">
+                <a:solidFill>
+                  <a:srgbClr val="2AA198"/>
+                </a:solidFill>
+                <a:effectLst/>
+              </a:rPr>
+              <a:t>2</a:t>
+            </a:r>
+            <a:r>
+              <a:rPr lang="en-US" dirty="0">
+                <a:solidFill>
+                  <a:srgbClr val="586E75"/>
+                </a:solidFill>
+                <a:effectLst/>
+              </a:rPr>
+              <a:t>, </a:t>
+            </a:r>
+            <a:r>
+              <a:rPr lang="en-US" dirty="0">
+                <a:solidFill>
+                  <a:srgbClr val="2AA198"/>
+                </a:solidFill>
+                <a:effectLst/>
+              </a:rPr>
+              <a:t>3 </a:t>
+            </a:r>
+            <a:r>
+              <a:rPr lang="en-US" dirty="0">
+                <a:solidFill>
+                  <a:srgbClr val="586E75"/>
+                </a:solidFill>
+                <a:effectLst/>
+              </a:rPr>
+              <a:t>]</a:t>
+            </a:r>
+            <a:r>
+              <a:rPr lang="en-US" dirty="0">
+                <a:solidFill>
+                  <a:srgbClr val="333333"/>
+                </a:solidFill>
+                <a:effectLst/>
+              </a:rPr>
+              <a:t> </a:t>
+            </a:r>
+            <a:r>
+              <a:rPr lang="en-IN" dirty="0">
+                <a:solidFill>
+                  <a:srgbClr val="333333"/>
+                </a:solidFill>
+                <a:effectLst/>
+              </a:rPr>
+              <a:t> </a:t>
+            </a:r>
+            <a:r>
+              <a:rPr lang="en-IN" dirty="0">
+                <a:solidFill>
+                  <a:srgbClr val="859900"/>
+                </a:solidFill>
+                <a:effectLst/>
+              </a:rPr>
+              <a:t>detach</a:t>
+            </a:r>
+            <a:r>
+              <a:rPr lang="en-IN" dirty="0">
+                <a:solidFill>
+                  <a:srgbClr val="333333"/>
+                </a:solidFill>
+                <a:effectLst/>
+              </a:rPr>
+              <a:t> </a:t>
+            </a:r>
+            <a:r>
+              <a:rPr lang="en-IN" dirty="0">
+                <a:solidFill>
+                  <a:srgbClr val="859900"/>
+                </a:solidFill>
+                <a:effectLst/>
+              </a:rPr>
+              <a:t>delete</a:t>
+            </a:r>
+            <a:r>
+              <a:rPr lang="en-IN" dirty="0">
+                <a:solidFill>
+                  <a:srgbClr val="333333"/>
+                </a:solidFill>
+                <a:effectLst/>
+              </a:rPr>
+              <a:t> </a:t>
+            </a:r>
+            <a:r>
+              <a:rPr lang="en-IN">
+                <a:solidFill>
+                  <a:srgbClr val="333333"/>
+                </a:solidFill>
+                <a:effectLst/>
+              </a:rPr>
+              <a:t>n </a:t>
             </a:r>
             <a:endParaRPr lang="en-IN" dirty="0">
               <a:solidFill>
@@ -9355,7 +9418,7 @@
         <p:spPr>
           <a:xfrm>
             <a:off x="246600" y="1686842"/>
-            <a:ext cx="11693880" cy="384721"/>
+            <a:ext cx="11693880" cy="369332"/>
           </a:xfrm>
           <a:prstGeom prst="rect">
             <a:avLst/>
@@ -9369,9 +9432,9 @@
           <a:lstStyle/>
           <a:p>
             <a:r>
-              <a:rPr lang="en-IN" sz="1900" spc="-1" dirty="0">
-                <a:solidFill>
-                  <a:srgbClr val="00B0F0"/>
+              <a:rPr lang="en-IN" spc="-1" dirty="0">
+                <a:solidFill>
+                  <a:srgbClr val="0070C0"/>
                 </a:solidFill>
                 <a:latin typeface="Consolas" panose="020B0609020204030204" pitchFamily="49" charset="0"/>
                 <a:cs typeface="Arial" panose="020B0604020202020204" pitchFamily="34" charset="0"/>
@@ -9395,8 +9458,8 @@
         </p:nvSpPr>
         <p:spPr>
           <a:xfrm>
-            <a:off x="243604" y="2587551"/>
-            <a:ext cx="11693880" cy="2369880"/>
+            <a:off x="243604" y="2134800"/>
+            <a:ext cx="11693880" cy="2893100"/>
           </a:xfrm>
           <a:prstGeom prst="rect">
             <a:avLst/>
@@ -9838,6 +9901,152 @@
               </a:rPr>
               <a:t> n</a:t>
             </a:r>
+          </a:p>
+          <a:p>
+            <a:pPr marL="285750" indent="-285750">
+              <a:buFont typeface="Arial" panose="020B0604020202020204" pitchFamily="34" charset="0"/>
+              <a:buChar char="•"/>
+            </a:pPr>
+            <a:endParaRPr lang="en-US" sz="800" dirty="0">
+              <a:solidFill>
+                <a:srgbClr val="333333"/>
+              </a:solidFill>
+            </a:endParaRPr>
+          </a:p>
+          <a:p>
+            <a:pPr marL="285750" indent="-285750">
+              <a:buFont typeface="Arial" panose="020B0604020202020204" pitchFamily="34" charset="0"/>
+              <a:buChar char="•"/>
+            </a:pPr>
+            <a:r>
+              <a:rPr lang="en-IN" dirty="0">
+                <a:solidFill>
+                  <a:schemeClr val="tx1">
+                    <a:lumMod val="50000"/>
+                    <a:lumOff val="50000"/>
+                  </a:schemeClr>
+                </a:solidFill>
+                <a:latin typeface="Gill Sans MT (Body)"/>
+              </a:rPr>
+              <a:t>neo4j$ </a:t>
+            </a:r>
+            <a:r>
+              <a:rPr lang="en-US" dirty="0">
+                <a:solidFill>
+                  <a:srgbClr val="859900"/>
+                </a:solidFill>
+                <a:effectLst/>
+              </a:rPr>
+              <a:t>match</a:t>
+            </a:r>
+            <a:r>
+              <a:rPr lang="en-US" dirty="0">
+                <a:solidFill>
+                  <a:srgbClr val="333333"/>
+                </a:solidFill>
+                <a:effectLst/>
+              </a:rPr>
+              <a:t> </a:t>
+            </a:r>
+            <a:r>
+              <a:rPr lang="en-US" dirty="0">
+                <a:solidFill>
+                  <a:srgbClr val="586E75"/>
+                </a:solidFill>
+                <a:effectLst/>
+              </a:rPr>
+              <a:t>(</a:t>
+            </a:r>
+            <a:r>
+              <a:rPr lang="en-US" dirty="0">
+                <a:solidFill>
+                  <a:srgbClr val="333333"/>
+                </a:solidFill>
+                <a:effectLst/>
+              </a:rPr>
+              <a:t>n</a:t>
+            </a:r>
+            <a:r>
+              <a:rPr lang="en-US" dirty="0">
+                <a:solidFill>
+                  <a:srgbClr val="586E75"/>
+                </a:solidFill>
+                <a:effectLst/>
+              </a:rPr>
+              <a:t>)</a:t>
+            </a:r>
+            <a:r>
+              <a:rPr lang="en-US" dirty="0">
+                <a:solidFill>
+                  <a:srgbClr val="333333"/>
+                </a:solidFill>
+                <a:effectLst/>
+              </a:rPr>
+              <a:t> </a:t>
+            </a:r>
+            <a:r>
+              <a:rPr lang="en-US" dirty="0">
+                <a:solidFill>
+                  <a:srgbClr val="859900"/>
+                </a:solidFill>
+                <a:effectLst/>
+              </a:rPr>
+              <a:t>return</a:t>
+            </a:r>
+            <a:r>
+              <a:rPr lang="en-US" dirty="0">
+                <a:solidFill>
+                  <a:srgbClr val="333333"/>
+                </a:solidFill>
+                <a:effectLst/>
+              </a:rPr>
+              <a:t> id</a:t>
+            </a:r>
+            <a:r>
+              <a:rPr lang="en-US" dirty="0">
+                <a:solidFill>
+                  <a:srgbClr val="586E75"/>
+                </a:solidFill>
+                <a:effectLst/>
+              </a:rPr>
+              <a:t>(</a:t>
+            </a:r>
+            <a:r>
+              <a:rPr lang="en-US" dirty="0">
+                <a:solidFill>
+                  <a:srgbClr val="333333"/>
+                </a:solidFill>
+                <a:effectLst/>
+              </a:rPr>
+              <a:t>n</a:t>
+            </a:r>
+            <a:r>
+              <a:rPr lang="en-US" dirty="0">
+                <a:solidFill>
+                  <a:srgbClr val="586E75"/>
+                </a:solidFill>
+                <a:effectLst/>
+              </a:rPr>
+              <a:t>)</a:t>
+            </a:r>
+            <a:endParaRPr lang="en-US" dirty="0">
+              <a:solidFill>
+                <a:srgbClr val="000000"/>
+              </a:solidFill>
+              <a:effectLst/>
+            </a:endParaRPr>
+          </a:p>
+          <a:p>
+            <a:pPr marL="285750" indent="-285750">
+              <a:buFont typeface="Arial" panose="020B0604020202020204" pitchFamily="34" charset="0"/>
+              <a:buChar char="•"/>
+            </a:pPr>
+            <a:endParaRPr lang="en-US" sz="800" dirty="0">
+              <a:solidFill>
+                <a:srgbClr val="333333"/>
+              </a:solidFill>
+              <a:effectLst/>
+            </a:endParaRPr>
           </a:p>
           <a:p>
             <a:pPr marL="285750" indent="-285750">
@@ -10684,7 +10893,7 @@
         <p:spPr>
           <a:xfrm>
             <a:off x="246600" y="1686842"/>
-            <a:ext cx="11693880" cy="384721"/>
+            <a:ext cx="11693880" cy="369332"/>
           </a:xfrm>
           <a:prstGeom prst="rect">
             <a:avLst/>
@@ -10698,9 +10907,9 @@
           <a:lstStyle/>
           <a:p>
             <a:r>
-              <a:rPr lang="en-IN" sz="1900" spc="-1" dirty="0">
-                <a:solidFill>
-                  <a:srgbClr val="00B0F0"/>
+              <a:rPr lang="en-IN" spc="-1" dirty="0">
+                <a:solidFill>
+                  <a:srgbClr val="0070C0"/>
                 </a:solidFill>
                 <a:latin typeface="Consolas" panose="020B0609020204030204" pitchFamily="49" charset="0"/>
                 <a:cs typeface="Arial" panose="020B0604020202020204" pitchFamily="34" charset="0"/>
@@ -10724,7 +10933,7 @@
         </p:nvSpPr>
         <p:spPr>
           <a:xfrm>
-            <a:off x="243604" y="2587551"/>
+            <a:off x="243604" y="2134800"/>
             <a:ext cx="11693880" cy="369332"/>
           </a:xfrm>
           <a:prstGeom prst="rect">
@@ -12697,7 +12906,7 @@
         <p:spPr>
           <a:xfrm>
             <a:off x="246600" y="1686842"/>
-            <a:ext cx="11693880" cy="738664"/>
+            <a:ext cx="11693880" cy="707886"/>
           </a:xfrm>
           <a:prstGeom prst="rect">
             <a:avLst/>
@@ -12711,9 +12920,9 @@
           <a:lstStyle/>
           <a:p>
             <a:r>
-              <a:rPr lang="en-US" sz="1900" spc="-1" dirty="0">
-                <a:solidFill>
-                  <a:srgbClr val="00B0F0"/>
+              <a:rPr lang="en-US" spc="-1" dirty="0">
+                <a:solidFill>
+                  <a:srgbClr val="0070C0"/>
                 </a:solidFill>
                 <a:latin typeface="Consolas" panose="020B0609020204030204" pitchFamily="49" charset="0"/>
                 <a:cs typeface="Arial" panose="020B0604020202020204" pitchFamily="34" charset="0"/>
@@ -12721,9 +12930,9 @@
               <a:t>CREATE</a:t>
             </a:r>
             <a:r>
-              <a:rPr lang="en-US" sz="1900" b="0" i="0" dirty="0">
-                <a:solidFill>
-                  <a:srgbClr val="2D3748"/>
+              <a:rPr lang="en-US" b="0" i="0" dirty="0">
+                <a:solidFill>
+                  <a:srgbClr val="0070C0"/>
                 </a:solidFill>
                 <a:effectLst/>
                 <a:latin typeface="Consolas" panose="020B0609020204030204" pitchFamily="49" charset="0"/>
@@ -12732,83 +12941,93 @@
               <a:t> </a:t>
             </a:r>
             <a:r>
-              <a:rPr lang="en-US" sz="1900" spc="-1" dirty="0">
-                <a:solidFill>
-                  <a:srgbClr val="00B0F0"/>
+              <a:rPr lang="en-US" spc="-1" dirty="0">
+                <a:solidFill>
+                  <a:srgbClr val="0070C0"/>
                 </a:solidFill>
                 <a:latin typeface="Consolas" panose="020B0609020204030204" pitchFamily="49" charset="0"/>
                 <a:cs typeface="Arial" panose="020B0604020202020204" pitchFamily="34" charset="0"/>
               </a:rPr>
-              <a:t>DATABASE name </a:t>
-            </a:r>
-            <a:r>
-              <a:rPr lang="en-US" sz="1900" b="0" i="0" dirty="0">
-                <a:solidFill>
-                  <a:srgbClr val="2D3748"/>
-                </a:solidFill>
-                <a:effectLst/>
+              <a:t>DATABASE name</a:t>
+            </a:r>
+            <a:r>
+              <a:rPr lang="en-US" spc="-1" dirty="0">
+                <a:solidFill>
+                  <a:srgbClr val="00B0F0"/>
+                </a:solidFill>
                 <a:latin typeface="Consolas" panose="020B0609020204030204" pitchFamily="49" charset="0"/>
                 <a:cs typeface="Arial" panose="020B0604020202020204" pitchFamily="34" charset="0"/>
               </a:rPr>
-              <a:t>[</a:t>
-            </a:r>
-            <a:r>
-              <a:rPr lang="en-US" sz="1900" b="0" i="0" dirty="0">
-                <a:solidFill>
-                  <a:srgbClr val="718096"/>
+              <a:t> </a:t>
+            </a:r>
+            <a:r>
+              <a:rPr lang="en-US" b="0" i="0" dirty="0">
+                <a:solidFill>
+                  <a:srgbClr val="2D3748"/>
                 </a:solidFill>
                 <a:effectLst/>
                 <a:latin typeface="Consolas" panose="020B0609020204030204" pitchFamily="49" charset="0"/>
                 <a:cs typeface="Arial" panose="020B0604020202020204" pitchFamily="34" charset="0"/>
               </a:rPr>
-              <a:t>IF</a:t>
-            </a:r>
-            <a:r>
-              <a:rPr lang="en-US" sz="1900" b="0" i="0" dirty="0">
-                <a:solidFill>
-                  <a:srgbClr val="2D3748"/>
+              <a:t>[</a:t>
+            </a:r>
+            <a:r>
+              <a:rPr lang="en-US" b="0" i="0" dirty="0">
+                <a:solidFill>
+                  <a:srgbClr val="718096"/>
                 </a:solidFill>
                 <a:effectLst/>
                 <a:latin typeface="Consolas" panose="020B0609020204030204" pitchFamily="49" charset="0"/>
                 <a:cs typeface="Arial" panose="020B0604020202020204" pitchFamily="34" charset="0"/>
               </a:rPr>
-              <a:t> </a:t>
-            </a:r>
-            <a:r>
-              <a:rPr lang="en-US" sz="1900" b="0" i="0" dirty="0">
-                <a:solidFill>
-                  <a:srgbClr val="718096"/>
+              <a:t>IF</a:t>
+            </a:r>
+            <a:r>
+              <a:rPr lang="en-US" b="0" i="0" dirty="0">
+                <a:solidFill>
+                  <a:srgbClr val="2D3748"/>
                 </a:solidFill>
                 <a:effectLst/>
                 <a:latin typeface="Consolas" panose="020B0609020204030204" pitchFamily="49" charset="0"/>
                 <a:cs typeface="Arial" panose="020B0604020202020204" pitchFamily="34" charset="0"/>
               </a:rPr>
-              <a:t>NOT</a:t>
-            </a:r>
-            <a:r>
-              <a:rPr lang="en-US" sz="1900" b="0" i="0" dirty="0">
-                <a:solidFill>
-                  <a:srgbClr val="2D3748"/>
+              <a:t> </a:t>
+            </a:r>
+            <a:r>
+              <a:rPr lang="en-US" b="0" i="0" dirty="0">
+                <a:solidFill>
+                  <a:srgbClr val="718096"/>
                 </a:solidFill>
                 <a:effectLst/>
                 <a:latin typeface="Consolas" panose="020B0609020204030204" pitchFamily="49" charset="0"/>
                 <a:cs typeface="Arial" panose="020B0604020202020204" pitchFamily="34" charset="0"/>
               </a:rPr>
-              <a:t> </a:t>
-            </a:r>
-            <a:r>
-              <a:rPr lang="en-US" sz="1900" b="0" i="0" dirty="0">
-                <a:solidFill>
-                  <a:srgbClr val="718096"/>
+              <a:t>NOT</a:t>
+            </a:r>
+            <a:r>
+              <a:rPr lang="en-US" b="0" i="0" dirty="0">
+                <a:solidFill>
+                  <a:srgbClr val="2D3748"/>
                 </a:solidFill>
                 <a:effectLst/>
                 <a:latin typeface="Consolas" panose="020B0609020204030204" pitchFamily="49" charset="0"/>
                 <a:cs typeface="Arial" panose="020B0604020202020204" pitchFamily="34" charset="0"/>
               </a:rPr>
+              <a:t> </a:t>
+            </a:r>
+            <a:r>
+              <a:rPr lang="en-US" b="0" i="0" dirty="0">
+                <a:solidFill>
+                  <a:srgbClr val="718096"/>
+                </a:solidFill>
+                <a:effectLst/>
+                <a:latin typeface="Consolas" panose="020B0609020204030204" pitchFamily="49" charset="0"/>
+                <a:cs typeface="Arial" panose="020B0604020202020204" pitchFamily="34" charset="0"/>
+              </a:rPr>
               <a:t>EXISTS</a:t>
             </a:r>
             <a:r>
-              <a:rPr lang="en-US" sz="1900" b="0" i="0" dirty="0">
+              <a:rPr lang="en-US" b="0" i="0" dirty="0">
                 <a:solidFill>
                   <a:srgbClr val="2D3748"/>
                 </a:solidFill>
@@ -12831,9 +13050,9 @@
           </a:p>
           <a:p>
             <a:r>
-              <a:rPr lang="en-US" sz="1900" spc="-1" dirty="0">
-                <a:solidFill>
-                  <a:srgbClr val="00B0F0"/>
+              <a:rPr lang="en-US" spc="-1" dirty="0">
+                <a:solidFill>
+                  <a:srgbClr val="0070C0"/>
                 </a:solidFill>
                 <a:latin typeface="Consolas" panose="020B0609020204030204" pitchFamily="49" charset="0"/>
                 <a:cs typeface="Arial" panose="020B0604020202020204" pitchFamily="34" charset="0"/>
@@ -12841,9 +13060,9 @@
               <a:t>CREATE</a:t>
             </a:r>
             <a:r>
-              <a:rPr lang="en-US" sz="1900" b="0" i="0" dirty="0">
-                <a:solidFill>
-                  <a:srgbClr val="2D3748"/>
+              <a:rPr lang="en-US" b="0" i="0" dirty="0">
+                <a:solidFill>
+                  <a:srgbClr val="0070C0"/>
                 </a:solidFill>
                 <a:effectLst/>
                 <a:latin typeface="Consolas" panose="020B0609020204030204" pitchFamily="49" charset="0"/>
@@ -12852,9 +13071,9 @@
               <a:t> </a:t>
             </a:r>
             <a:r>
-              <a:rPr lang="en-US" sz="1900" spc="-1" dirty="0">
-                <a:solidFill>
-                  <a:srgbClr val="00B0F0"/>
+              <a:rPr lang="en-US" spc="-1" dirty="0">
+                <a:solidFill>
+                  <a:srgbClr val="0070C0"/>
                 </a:solidFill>
                 <a:latin typeface="Consolas" panose="020B0609020204030204" pitchFamily="49" charset="0"/>
                 <a:cs typeface="Arial" panose="020B0604020202020204" pitchFamily="34" charset="0"/>
@@ -12862,9 +13081,9 @@
               <a:t>or</a:t>
             </a:r>
             <a:r>
-              <a:rPr lang="en-US" sz="1900" b="0" i="0" dirty="0">
-                <a:solidFill>
-                  <a:srgbClr val="2D3748"/>
+              <a:rPr lang="en-US" b="0" i="0" dirty="0">
+                <a:solidFill>
+                  <a:srgbClr val="0070C0"/>
                 </a:solidFill>
                 <a:effectLst/>
                 <a:latin typeface="Consolas" panose="020B0609020204030204" pitchFamily="49" charset="0"/>
@@ -12873,9 +13092,9 @@
               <a:t> </a:t>
             </a:r>
             <a:r>
-              <a:rPr lang="en-US" sz="1900" spc="-1" dirty="0">
-                <a:solidFill>
-                  <a:srgbClr val="00B0F0"/>
+              <a:rPr lang="en-US" spc="-1" dirty="0">
+                <a:solidFill>
+                  <a:srgbClr val="0070C0"/>
                 </a:solidFill>
                 <a:latin typeface="Consolas" panose="020B0609020204030204" pitchFamily="49" charset="0"/>
                 <a:cs typeface="Arial" panose="020B0604020202020204" pitchFamily="34" charset="0"/>
@@ -12883,9 +13102,9 @@
               <a:t>REPLACE</a:t>
             </a:r>
             <a:r>
-              <a:rPr lang="en-US" sz="1900" b="0" i="0" dirty="0">
-                <a:solidFill>
-                  <a:srgbClr val="2D3748"/>
+              <a:rPr lang="en-US" b="0" i="0" dirty="0">
+                <a:solidFill>
+                  <a:srgbClr val="0070C0"/>
                 </a:solidFill>
                 <a:effectLst/>
                 <a:latin typeface="Consolas" panose="020B0609020204030204" pitchFamily="49" charset="0"/>
@@ -12894,16 +13113,19 @@
               <a:t> </a:t>
             </a:r>
             <a:r>
-              <a:rPr lang="en-US" sz="1900" spc="-1" dirty="0">
-                <a:solidFill>
-                  <a:srgbClr val="00B0F0"/>
+              <a:rPr lang="en-US" spc="-1" dirty="0">
+                <a:solidFill>
+                  <a:srgbClr val="0070C0"/>
                 </a:solidFill>
                 <a:latin typeface="Consolas" panose="020B0609020204030204" pitchFamily="49" charset="0"/>
                 <a:cs typeface="Arial" panose="020B0604020202020204" pitchFamily="34" charset="0"/>
               </a:rPr>
               <a:t>DATABASE name</a:t>
             </a:r>
-            <a:endParaRPr lang="en-IN" sz="1900" dirty="0">
+            <a:endParaRPr lang="en-IN" dirty="0">
+              <a:solidFill>
+                <a:srgbClr val="0070C0"/>
+              </a:solidFill>
               <a:latin typeface="Consolas" panose="020B0609020204030204" pitchFamily="49" charset="0"/>
               <a:cs typeface="Arial" panose="020B0604020202020204" pitchFamily="34" charset="0"/>
             </a:endParaRPr>
@@ -12924,7 +13146,7 @@
         </p:nvSpPr>
         <p:spPr>
           <a:xfrm>
-            <a:off x="243604" y="2587551"/>
+            <a:off x="243604" y="2556000"/>
             <a:ext cx="11693880" cy="769441"/>
           </a:xfrm>
           <a:prstGeom prst="rect">
@@ -13236,7 +13458,7 @@
         <p:spPr>
           <a:xfrm>
             <a:off x="246600" y="1686842"/>
-            <a:ext cx="11693880" cy="384721"/>
+            <a:ext cx="11693880" cy="369332"/>
           </a:xfrm>
           <a:prstGeom prst="rect">
             <a:avLst/>
@@ -13250,18 +13472,18 @@
           <a:lstStyle/>
           <a:p>
             <a:r>
-              <a:rPr lang="en-US" sz="1900" spc="-1" dirty="0">
-                <a:solidFill>
-                  <a:srgbClr val="00B0F0"/>
+              <a:rPr lang="en-US" spc="-1" dirty="0">
+                <a:solidFill>
+                  <a:srgbClr val="0070C0"/>
                 </a:solidFill>
                 <a:latin typeface="Consolas" panose="020B0609020204030204" pitchFamily="49" charset="0"/>
                 <a:cs typeface="Arial" panose="020B0604020202020204" pitchFamily="34" charset="0"/>
               </a:rPr>
               <a:t>SHOW { DATABASE name | DATABASES | DEFAULT DATABASE | HOME DATABASE }</a:t>
             </a:r>
-            <a:endParaRPr lang="en-US" sz="1900" b="0" i="0" dirty="0">
+            <a:endParaRPr lang="en-US" b="0" i="0" dirty="0">
               <a:solidFill>
-                <a:srgbClr val="2D3748"/>
+                <a:srgbClr val="0070C0"/>
               </a:solidFill>
               <a:effectLst/>
               <a:latin typeface="Consolas" panose="020B0609020204030204" pitchFamily="49" charset="0"/>
@@ -13284,7 +13506,7 @@
         </p:nvSpPr>
         <p:spPr>
           <a:xfrm>
-            <a:off x="243604" y="2358000"/>
+            <a:off x="243604" y="2134800"/>
             <a:ext cx="11693880" cy="1569660"/>
           </a:xfrm>
           <a:prstGeom prst="rect">
@@ -13853,7 +14075,7 @@
         <p:spPr>
           <a:xfrm>
             <a:off x="246600" y="1686842"/>
-            <a:ext cx="11693880" cy="384721"/>
+            <a:ext cx="11693880" cy="369332"/>
           </a:xfrm>
           <a:prstGeom prst="rect">
             <a:avLst/>
@@ -13867,18 +14089,18 @@
           <a:lstStyle/>
           <a:p>
             <a:r>
-              <a:rPr lang="en-US" sz="1900" spc="-1" dirty="0">
-                <a:solidFill>
-                  <a:srgbClr val="00B0F0"/>
+              <a:rPr lang="en-US" spc="-1" dirty="0">
+                <a:solidFill>
+                  <a:srgbClr val="0070C0"/>
                 </a:solidFill>
                 <a:latin typeface="Consolas" panose="020B0609020204030204" pitchFamily="49" charset="0"/>
                 <a:cs typeface="Arial" panose="020B0604020202020204" pitchFamily="34" charset="0"/>
               </a:rPr>
               <a:t>:USE DATABASE name</a:t>
             </a:r>
-            <a:endParaRPr lang="en-US" sz="1900" b="0" i="0" dirty="0">
+            <a:endParaRPr lang="en-US" b="0" i="0" dirty="0">
               <a:solidFill>
-                <a:srgbClr val="2D3748"/>
+                <a:srgbClr val="0070C0"/>
               </a:solidFill>
               <a:effectLst/>
               <a:latin typeface="Consolas" panose="020B0609020204030204" pitchFamily="49" charset="0"/>
@@ -13901,7 +14123,7 @@
         </p:nvSpPr>
         <p:spPr>
           <a:xfrm>
-            <a:off x="243604" y="2358000"/>
+            <a:off x="243604" y="2134800"/>
             <a:ext cx="11693880" cy="369332"/>
           </a:xfrm>
           <a:prstGeom prst="rect">
@@ -14289,7 +14511,7 @@
         <p:spPr>
           <a:xfrm>
             <a:off x="246600" y="1686842"/>
-            <a:ext cx="11693880" cy="384721"/>
+            <a:ext cx="11693880" cy="369332"/>
           </a:xfrm>
           <a:prstGeom prst="rect">
             <a:avLst/>
@@ -14303,9 +14525,9 @@
           <a:lstStyle/>
           <a:p>
             <a:r>
-              <a:rPr lang="en-US" sz="1900" spc="-1" dirty="0">
-                <a:solidFill>
-                  <a:srgbClr val="00B0F0"/>
+              <a:rPr lang="en-US" spc="-1" dirty="0">
+                <a:solidFill>
+                  <a:srgbClr val="0070C0"/>
                 </a:solidFill>
                 <a:latin typeface="Consolas" panose="020B0609020204030204" pitchFamily="49" charset="0"/>
                 <a:cs typeface="Arial" panose="020B0604020202020204" pitchFamily="34" charset="0"/>
@@ -14313,7 +14535,7 @@
               <a:t>DROP DATABASE name </a:t>
             </a:r>
             <a:r>
-              <a:rPr lang="en-US" sz="1900" b="0" i="0" dirty="0">
+              <a:rPr lang="en-US" b="0" i="0" dirty="0">
                 <a:solidFill>
                   <a:srgbClr val="2D3748"/>
                 </a:solidFill>
@@ -14324,7 +14546,7 @@
               <a:t>[</a:t>
             </a:r>
             <a:r>
-              <a:rPr lang="en-US" sz="1900" b="0" i="0" dirty="0">
+              <a:rPr lang="en-US" b="0" i="0" dirty="0">
                 <a:solidFill>
                   <a:srgbClr val="718096"/>
                 </a:solidFill>
@@ -14335,7 +14557,7 @@
               <a:t>IF</a:t>
             </a:r>
             <a:r>
-              <a:rPr lang="en-US" sz="1900" b="0" i="0" dirty="0">
+              <a:rPr lang="en-US" b="0" i="0" dirty="0">
                 <a:solidFill>
                   <a:srgbClr val="2D3748"/>
                 </a:solidFill>
@@ -14346,7 +14568,7 @@
               <a:t> </a:t>
             </a:r>
             <a:r>
-              <a:rPr lang="en-US" sz="1900" b="0" i="0" dirty="0">
+              <a:rPr lang="en-US" b="0" i="0" dirty="0">
                 <a:solidFill>
                   <a:srgbClr val="718096"/>
                 </a:solidFill>
@@ -14357,7 +14579,7 @@
               <a:t>EXISTS</a:t>
             </a:r>
             <a:r>
-              <a:rPr lang="en-US" sz="1900" b="0" i="0" dirty="0">
+              <a:rPr lang="en-US" b="0" i="0" dirty="0">
                 <a:solidFill>
                   <a:srgbClr val="2D3748"/>
                 </a:solidFill>
@@ -14368,7 +14590,7 @@
               <a:t>]</a:t>
             </a:r>
             <a:r>
-              <a:rPr lang="en-US" sz="1900" spc="-1" dirty="0">
+              <a:rPr lang="en-US" spc="-1" dirty="0">
                 <a:solidFill>
                   <a:srgbClr val="00B0F0"/>
                 </a:solidFill>
@@ -14377,7 +14599,7 @@
               </a:rPr>
               <a:t> </a:t>
             </a:r>
-            <a:endParaRPr lang="en-US" sz="1900" b="0" i="0" dirty="0">
+            <a:endParaRPr lang="en-US" b="0" i="0" dirty="0">
               <a:solidFill>
                 <a:srgbClr val="2D3748"/>
               </a:solidFill>
@@ -14402,7 +14624,7 @@
         </p:nvSpPr>
         <p:spPr>
           <a:xfrm>
-            <a:off x="243604" y="2358000"/>
+            <a:off x="243604" y="2134800"/>
             <a:ext cx="11693880" cy="769441"/>
           </a:xfrm>
           <a:prstGeom prst="rect">

--- a/Neo4j.pptx
+++ b/Neo4j.pptx
@@ -5,7 +5,7 @@
     <p:sldMasterId id="2147483720" r:id="rId1"/>
   </p:sldMasterIdLst>
   <p:notesMasterIdLst>
-    <p:notesMasterId r:id="rId20"/>
+    <p:notesMasterId r:id="rId21"/>
   </p:notesMasterIdLst>
   <p:sldIdLst>
     <p:sldId id="256" r:id="rId2"/>
@@ -20,12 +20,13 @@
     <p:sldId id="1397" r:id="rId11"/>
     <p:sldId id="1399" r:id="rId12"/>
     <p:sldId id="1400" r:id="rId13"/>
-    <p:sldId id="1402" r:id="rId14"/>
-    <p:sldId id="1403" r:id="rId15"/>
-    <p:sldId id="1404" r:id="rId16"/>
-    <p:sldId id="1393" r:id="rId17"/>
-    <p:sldId id="350" r:id="rId18"/>
-    <p:sldId id="1398" r:id="rId19"/>
+    <p:sldId id="1405" r:id="rId14"/>
+    <p:sldId id="1402" r:id="rId15"/>
+    <p:sldId id="1403" r:id="rId16"/>
+    <p:sldId id="1404" r:id="rId17"/>
+    <p:sldId id="1393" r:id="rId18"/>
+    <p:sldId id="350" r:id="rId19"/>
+    <p:sldId id="1398" r:id="rId20"/>
   </p:sldIdLst>
   <p:sldSz cx="12192000" cy="6858000"/>
   <p:notesSz cx="6858000" cy="9144000"/>
@@ -3835,7 +3836,7 @@
         </p:nvSpPr>
         <p:spPr>
           <a:xfrm>
-            <a:off x="1975680" y="3553920"/>
+            <a:off x="1975680" y="3544750"/>
             <a:ext cx="8510760" cy="966960"/>
           </a:xfrm>
           <a:prstGeom prst="rect">
@@ -3873,8 +3874,7 @@
               <a:rPr lang="en-US" sz="8000" b="1" i="1" strike="noStrike" spc="-1" dirty="0">
                 <a:solidFill>
                   <a:schemeClr val="accent6">
-                    <a:lumMod val="60000"/>
-                    <a:lumOff val="40000"/>
+                    <a:lumMod val="75000"/>
                   </a:schemeClr>
                 </a:solidFill>
                 <a:latin typeface="SimSun"/>
@@ -3885,8 +3885,7 @@
             <a:endParaRPr lang="en-IN" sz="8000" b="0" strike="noStrike" spc="-1" dirty="0">
               <a:solidFill>
                 <a:schemeClr val="accent6">
-                  <a:lumMod val="60000"/>
-                  <a:lumOff val="40000"/>
+                  <a:lumMod val="75000"/>
                 </a:schemeClr>
               </a:solidFill>
               <a:latin typeface="Arial"/>
@@ -4114,8 +4113,8 @@
         </p:nvSpPr>
         <p:spPr>
           <a:xfrm>
-            <a:off x="7824192" y="4715999"/>
-            <a:ext cx="3756648" cy="666387"/>
+            <a:off x="7824192" y="4581128"/>
+            <a:ext cx="3168352" cy="666387"/>
           </a:xfrm>
           <a:prstGeom prst="rect">
             <a:avLst/>
@@ -4149,11 +4148,9 @@
               </a:lnSpc>
             </a:pPr>
             <a:r>
-              <a:rPr lang="en-US" sz="2200" strike="noStrike" spc="-1" dirty="0">
-                <a:solidFill>
-                  <a:schemeClr val="accent1">
-                    <a:lumMod val="75000"/>
-                  </a:schemeClr>
+              <a:rPr lang="en-US" strike="noStrike" spc="-1" dirty="0">
+                <a:solidFill>
+                  <a:srgbClr val="7B6989"/>
                 </a:solidFill>
                 <a:latin typeface="Candara" panose="020E0502030303020204" pitchFamily="34" charset="0"/>
                 <a:ea typeface="DejaVu Sans"/>
@@ -4168,22 +4165,18 @@
               </a:lnSpc>
             </a:pPr>
             <a:r>
-              <a:rPr lang="en-US" sz="2200" strike="noStrike" spc="-1" dirty="0">
-                <a:solidFill>
-                  <a:schemeClr val="accent1">
-                    <a:lumMod val="75000"/>
-                  </a:schemeClr>
+              <a:rPr lang="en-US" strike="noStrike" spc="-1" dirty="0">
+                <a:solidFill>
+                  <a:srgbClr val="7B6989"/>
                 </a:solidFill>
                 <a:latin typeface="Candara" panose="020E0502030303020204" pitchFamily="34" charset="0"/>
                 <a:ea typeface="DejaVu Sans"/>
               </a:rPr>
               <a:t>Cypher Query Language (CQL)</a:t>
             </a:r>
-            <a:endParaRPr lang="en-IN" sz="2200" strike="noStrike" spc="-1" dirty="0">
+            <a:endParaRPr lang="en-IN" strike="noStrike" spc="-1" dirty="0">
               <a:solidFill>
-                <a:schemeClr val="accent1">
-                  <a:lumMod val="75000"/>
-                </a:schemeClr>
+                <a:srgbClr val="7B6989"/>
               </a:solidFill>
               <a:latin typeface="Candara" panose="020E0502030303020204" pitchFamily="34" charset="0"/>
             </a:endParaRPr>
@@ -5597,7 +5590,7 @@
         <p:spPr>
           <a:xfrm>
             <a:off x="243604" y="2132856"/>
-            <a:ext cx="11693880" cy="3785652"/>
+            <a:ext cx="11693880" cy="769441"/>
           </a:xfrm>
           <a:prstGeom prst="rect">
             <a:avLst/>
@@ -6069,1903 +6062,6 @@
               </a:rPr>
               <a:t>})</a:t>
             </a:r>
-          </a:p>
-          <a:p>
-            <a:pPr marL="285750" indent="-285750">
-              <a:buFont typeface="Arial" panose="020B0604020202020204" pitchFamily="34" charset="0"/>
-              <a:buChar char="•"/>
-            </a:pPr>
-            <a:endParaRPr lang="en-IN" sz="800" dirty="0">
-              <a:solidFill>
-                <a:srgbClr val="586E75"/>
-              </a:solidFill>
-            </a:endParaRPr>
-          </a:p>
-          <a:p>
-            <a:pPr marL="285750" indent="-285750">
-              <a:buFont typeface="Arial" panose="020B0604020202020204" pitchFamily="34" charset="0"/>
-              <a:buChar char="•"/>
-            </a:pPr>
-            <a:r>
-              <a:rPr lang="en-IN" dirty="0">
-                <a:solidFill>
-                  <a:schemeClr val="tx1">
-                    <a:lumMod val="50000"/>
-                    <a:lumOff val="50000"/>
-                  </a:schemeClr>
-                </a:solidFill>
-                <a:latin typeface="Gill Sans MT (Body)"/>
-              </a:rPr>
-              <a:t>neo4j$ </a:t>
-            </a:r>
-            <a:r>
-              <a:rPr lang="en-IN" dirty="0">
-                <a:solidFill>
-                  <a:srgbClr val="859900"/>
-                </a:solidFill>
-                <a:effectLst/>
-              </a:rPr>
-              <a:t>create</a:t>
-            </a:r>
-            <a:r>
-              <a:rPr lang="en-IN" dirty="0">
-                <a:solidFill>
-                  <a:srgbClr val="586E75"/>
-                </a:solidFill>
-                <a:effectLst/>
-              </a:rPr>
-              <a:t>(</a:t>
-            </a:r>
-            <a:r>
-              <a:rPr lang="en-IN" dirty="0">
-                <a:solidFill>
-                  <a:srgbClr val="333333"/>
-                </a:solidFill>
-                <a:effectLst/>
-              </a:rPr>
-              <a:t>a1</a:t>
-            </a:r>
-            <a:r>
-              <a:rPr lang="en-IN" dirty="0">
-                <a:solidFill>
-                  <a:srgbClr val="586E75"/>
-                </a:solidFill>
-                <a:effectLst/>
-              </a:rPr>
-              <a:t>:</a:t>
-            </a:r>
-            <a:r>
-              <a:rPr lang="en-IN" dirty="0">
-                <a:solidFill>
-                  <a:srgbClr val="333333"/>
-                </a:solidFill>
-                <a:effectLst/>
-              </a:rPr>
-              <a:t>author</a:t>
-            </a:r>
-            <a:r>
-              <a:rPr lang="en-IN" dirty="0">
-                <a:solidFill>
-                  <a:srgbClr val="586E75"/>
-                </a:solidFill>
-                <a:effectLst/>
-              </a:rPr>
-              <a:t>{ </a:t>
-            </a:r>
-            <a:r>
-              <a:rPr lang="en-IN" dirty="0">
-                <a:solidFill>
-                  <a:srgbClr val="333333"/>
-                </a:solidFill>
-                <a:effectLst/>
-              </a:rPr>
-              <a:t>_id</a:t>
-            </a:r>
-            <a:r>
-              <a:rPr lang="en-IN" dirty="0">
-                <a:solidFill>
-                  <a:srgbClr val="586E75"/>
-                </a:solidFill>
-                <a:effectLst/>
-              </a:rPr>
-              <a:t>:</a:t>
-            </a:r>
-            <a:r>
-              <a:rPr lang="en-IN" dirty="0">
-                <a:solidFill>
-                  <a:srgbClr val="2AA198"/>
-                </a:solidFill>
-                <a:effectLst/>
-              </a:rPr>
-              <a:t>1001</a:t>
-            </a:r>
-            <a:r>
-              <a:rPr lang="en-IN" dirty="0">
-                <a:solidFill>
-                  <a:srgbClr val="586E75"/>
-                </a:solidFill>
-                <a:effectLst/>
-              </a:rPr>
-              <a:t>,</a:t>
-            </a:r>
-            <a:r>
-              <a:rPr lang="en-IN" dirty="0">
-                <a:solidFill>
-                  <a:srgbClr val="333333"/>
-                </a:solidFill>
-                <a:effectLst/>
-              </a:rPr>
-              <a:t>  name</a:t>
-            </a:r>
-            <a:r>
-              <a:rPr lang="en-IN" dirty="0">
-                <a:solidFill>
-                  <a:srgbClr val="586E75"/>
-                </a:solidFill>
-                <a:effectLst/>
-              </a:rPr>
-              <a:t>:</a:t>
-            </a:r>
-            <a:r>
-              <a:rPr lang="en-IN" dirty="0">
-                <a:solidFill>
-                  <a:srgbClr val="B58900"/>
-                </a:solidFill>
-                <a:effectLst/>
-              </a:rPr>
-              <a:t>’saleel’</a:t>
-            </a:r>
-            <a:r>
-              <a:rPr lang="en-IN" dirty="0">
-                <a:solidFill>
-                  <a:srgbClr val="586E75"/>
-                </a:solidFill>
-                <a:effectLst/>
-              </a:rPr>
-              <a:t>,</a:t>
-            </a:r>
-            <a:r>
-              <a:rPr lang="en-IN" dirty="0">
-                <a:solidFill>
-                  <a:srgbClr val="333333"/>
-                </a:solidFill>
-                <a:effectLst/>
-              </a:rPr>
-              <a:t>  location</a:t>
-            </a:r>
-            <a:r>
-              <a:rPr lang="en-IN" dirty="0">
-                <a:solidFill>
-                  <a:srgbClr val="586E75"/>
-                </a:solidFill>
-                <a:effectLst/>
-              </a:rPr>
-              <a:t>:</a:t>
-            </a:r>
-            <a:r>
-              <a:rPr lang="en-IN" dirty="0">
-                <a:solidFill>
-                  <a:srgbClr val="B58900"/>
-                </a:solidFill>
-                <a:effectLst/>
-              </a:rPr>
-              <a:t>'baroda’</a:t>
-            </a:r>
-            <a:r>
-              <a:rPr lang="en-IN" dirty="0">
-                <a:solidFill>
-                  <a:srgbClr val="586E75"/>
-                </a:solidFill>
-                <a:effectLst/>
-              </a:rPr>
-              <a:t>,</a:t>
-            </a:r>
-            <a:r>
-              <a:rPr lang="en-IN" dirty="0">
-                <a:solidFill>
-                  <a:srgbClr val="333333"/>
-                </a:solidFill>
-                <a:effectLst/>
-              </a:rPr>
-              <a:t>  phone</a:t>
-            </a:r>
-            <a:r>
-              <a:rPr lang="en-IN" dirty="0">
-                <a:solidFill>
-                  <a:srgbClr val="586E75"/>
-                </a:solidFill>
-                <a:effectLst/>
-              </a:rPr>
-              <a:t>:</a:t>
-            </a:r>
-            <a:r>
-              <a:rPr lang="en-IN" dirty="0">
-                <a:solidFill>
-                  <a:srgbClr val="2AA198"/>
-                </a:solidFill>
-                <a:effectLst/>
-              </a:rPr>
-              <a:t>100 </a:t>
-            </a:r>
-            <a:r>
-              <a:rPr lang="en-IN" dirty="0">
-                <a:solidFill>
-                  <a:srgbClr val="586E75"/>
-                </a:solidFill>
-                <a:effectLst/>
-              </a:rPr>
-              <a:t>}),</a:t>
-            </a:r>
-            <a:endParaRPr lang="en-IN" dirty="0">
-              <a:solidFill>
-                <a:srgbClr val="000000"/>
-              </a:solidFill>
-              <a:effectLst/>
-            </a:endParaRPr>
-          </a:p>
-          <a:p>
-            <a:pPr marL="273050"/>
-            <a:r>
-              <a:rPr lang="en-IN" dirty="0">
-                <a:solidFill>
-                  <a:srgbClr val="586E75"/>
-                </a:solidFill>
-                <a:effectLst/>
-              </a:rPr>
-              <a:t>(</a:t>
-            </a:r>
-            <a:r>
-              <a:rPr lang="en-IN" dirty="0">
-                <a:solidFill>
-                  <a:srgbClr val="333333"/>
-                </a:solidFill>
-                <a:effectLst/>
-              </a:rPr>
-              <a:t>a2</a:t>
-            </a:r>
-            <a:r>
-              <a:rPr lang="en-IN" dirty="0">
-                <a:solidFill>
-                  <a:srgbClr val="586E75"/>
-                </a:solidFill>
-                <a:effectLst/>
-              </a:rPr>
-              <a:t>:</a:t>
-            </a:r>
-            <a:r>
-              <a:rPr lang="en-IN" dirty="0">
-                <a:solidFill>
-                  <a:srgbClr val="333333"/>
-                </a:solidFill>
-                <a:effectLst/>
-              </a:rPr>
-              <a:t>author</a:t>
-            </a:r>
-            <a:r>
-              <a:rPr lang="en-IN" dirty="0">
-                <a:solidFill>
-                  <a:srgbClr val="586E75"/>
-                </a:solidFill>
-                <a:effectLst/>
-              </a:rPr>
-              <a:t>{ </a:t>
-            </a:r>
-            <a:r>
-              <a:rPr lang="en-IN" dirty="0">
-                <a:solidFill>
-                  <a:srgbClr val="333333"/>
-                </a:solidFill>
-                <a:effectLst/>
-              </a:rPr>
-              <a:t>_id</a:t>
-            </a:r>
-            <a:r>
-              <a:rPr lang="en-IN" dirty="0">
-                <a:solidFill>
-                  <a:srgbClr val="586E75"/>
-                </a:solidFill>
-                <a:effectLst/>
-              </a:rPr>
-              <a:t>:</a:t>
-            </a:r>
-            <a:r>
-              <a:rPr lang="en-IN" dirty="0">
-                <a:solidFill>
-                  <a:srgbClr val="2AA198"/>
-                </a:solidFill>
-                <a:effectLst/>
-              </a:rPr>
-              <a:t>1002</a:t>
-            </a:r>
-            <a:r>
-              <a:rPr lang="en-IN" dirty="0">
-                <a:solidFill>
-                  <a:srgbClr val="586E75"/>
-                </a:solidFill>
-                <a:effectLst/>
-              </a:rPr>
-              <a:t>,</a:t>
-            </a:r>
-            <a:r>
-              <a:rPr lang="en-IN" dirty="0">
-                <a:solidFill>
-                  <a:srgbClr val="333333"/>
-                </a:solidFill>
-                <a:effectLst/>
-              </a:rPr>
-              <a:t>  name</a:t>
-            </a:r>
-            <a:r>
-              <a:rPr lang="en-IN" dirty="0">
-                <a:solidFill>
-                  <a:srgbClr val="586E75"/>
-                </a:solidFill>
-                <a:effectLst/>
-              </a:rPr>
-              <a:t>:</a:t>
-            </a:r>
-            <a:r>
-              <a:rPr lang="en-IN" dirty="0">
-                <a:solidFill>
-                  <a:srgbClr val="B58900"/>
-                </a:solidFill>
-                <a:effectLst/>
-              </a:rPr>
-              <a:t>'sharmin’</a:t>
-            </a:r>
-            <a:r>
-              <a:rPr lang="en-IN" dirty="0">
-                <a:solidFill>
-                  <a:srgbClr val="586E75"/>
-                </a:solidFill>
-                <a:effectLst/>
-              </a:rPr>
-              <a:t>,</a:t>
-            </a:r>
-            <a:r>
-              <a:rPr lang="en-IN" dirty="0">
-                <a:solidFill>
-                  <a:srgbClr val="333333"/>
-                </a:solidFill>
-                <a:effectLst/>
-              </a:rPr>
-              <a:t>  location</a:t>
-            </a:r>
-            <a:r>
-              <a:rPr lang="en-IN" dirty="0">
-                <a:solidFill>
-                  <a:srgbClr val="586E75"/>
-                </a:solidFill>
-                <a:effectLst/>
-              </a:rPr>
-              <a:t>:</a:t>
-            </a:r>
-            <a:r>
-              <a:rPr lang="en-IN" dirty="0">
-                <a:solidFill>
-                  <a:srgbClr val="B58900"/>
-                </a:solidFill>
-                <a:effectLst/>
-              </a:rPr>
-              <a:t>'pune’</a:t>
-            </a:r>
-            <a:r>
-              <a:rPr lang="en-IN" dirty="0">
-                <a:solidFill>
-                  <a:srgbClr val="586E75"/>
-                </a:solidFill>
-                <a:effectLst/>
-              </a:rPr>
-              <a:t>,</a:t>
-            </a:r>
-            <a:r>
-              <a:rPr lang="en-IN" dirty="0">
-                <a:solidFill>
-                  <a:srgbClr val="333333"/>
-                </a:solidFill>
-                <a:effectLst/>
-              </a:rPr>
-              <a:t>  phone</a:t>
-            </a:r>
-            <a:r>
-              <a:rPr lang="en-IN" dirty="0">
-                <a:solidFill>
-                  <a:srgbClr val="586E75"/>
-                </a:solidFill>
-                <a:effectLst/>
-              </a:rPr>
-              <a:t>:</a:t>
-            </a:r>
-            <a:r>
-              <a:rPr lang="en-IN" dirty="0">
-                <a:solidFill>
-                  <a:srgbClr val="2AA198"/>
-                </a:solidFill>
-                <a:effectLst/>
-              </a:rPr>
-              <a:t>200 </a:t>
-            </a:r>
-            <a:r>
-              <a:rPr lang="en-IN" dirty="0">
-                <a:solidFill>
-                  <a:srgbClr val="586E75"/>
-                </a:solidFill>
-                <a:effectLst/>
-              </a:rPr>
-              <a:t>}),</a:t>
-            </a:r>
-            <a:endParaRPr lang="en-IN" dirty="0">
-              <a:solidFill>
-                <a:srgbClr val="000000"/>
-              </a:solidFill>
-              <a:effectLst/>
-            </a:endParaRPr>
-          </a:p>
-          <a:p>
-            <a:pPr marL="273050"/>
-            <a:r>
-              <a:rPr lang="en-IN" dirty="0">
-                <a:solidFill>
-                  <a:srgbClr val="586E75"/>
-                </a:solidFill>
-                <a:effectLst/>
-              </a:rPr>
-              <a:t>(</a:t>
-            </a:r>
-            <a:r>
-              <a:rPr lang="en-IN" dirty="0">
-                <a:solidFill>
-                  <a:srgbClr val="333333"/>
-                </a:solidFill>
-                <a:effectLst/>
-              </a:rPr>
-              <a:t>a3</a:t>
-            </a:r>
-            <a:r>
-              <a:rPr lang="en-IN" dirty="0">
-                <a:solidFill>
-                  <a:srgbClr val="586E75"/>
-                </a:solidFill>
-                <a:effectLst/>
-              </a:rPr>
-              <a:t>:</a:t>
-            </a:r>
-            <a:r>
-              <a:rPr lang="en-IN" dirty="0">
-                <a:solidFill>
-                  <a:srgbClr val="333333"/>
-                </a:solidFill>
-                <a:effectLst/>
-              </a:rPr>
-              <a:t>author</a:t>
-            </a:r>
-            <a:r>
-              <a:rPr lang="en-IN" dirty="0">
-                <a:solidFill>
-                  <a:srgbClr val="586E75"/>
-                </a:solidFill>
-                <a:effectLst/>
-              </a:rPr>
-              <a:t>{ </a:t>
-            </a:r>
-            <a:r>
-              <a:rPr lang="en-IN" dirty="0">
-                <a:solidFill>
-                  <a:srgbClr val="333333"/>
-                </a:solidFill>
-                <a:effectLst/>
-              </a:rPr>
-              <a:t>_id</a:t>
-            </a:r>
-            <a:r>
-              <a:rPr lang="en-IN" dirty="0">
-                <a:solidFill>
-                  <a:srgbClr val="586E75"/>
-                </a:solidFill>
-                <a:effectLst/>
-              </a:rPr>
-              <a:t>:</a:t>
-            </a:r>
-            <a:r>
-              <a:rPr lang="en-IN" dirty="0">
-                <a:solidFill>
-                  <a:srgbClr val="2AA198"/>
-                </a:solidFill>
-                <a:effectLst/>
-              </a:rPr>
-              <a:t>1003</a:t>
-            </a:r>
-            <a:r>
-              <a:rPr lang="en-IN" dirty="0">
-                <a:solidFill>
-                  <a:srgbClr val="586E75"/>
-                </a:solidFill>
-                <a:effectLst/>
-              </a:rPr>
-              <a:t>, </a:t>
-            </a:r>
-            <a:r>
-              <a:rPr lang="en-IN" dirty="0">
-                <a:solidFill>
-                  <a:srgbClr val="333333"/>
-                </a:solidFill>
-                <a:effectLst/>
-              </a:rPr>
-              <a:t> name</a:t>
-            </a:r>
-            <a:r>
-              <a:rPr lang="en-IN" dirty="0">
-                <a:solidFill>
-                  <a:srgbClr val="586E75"/>
-                </a:solidFill>
-                <a:effectLst/>
-              </a:rPr>
-              <a:t>:</a:t>
-            </a:r>
-            <a:r>
-              <a:rPr lang="en-IN" dirty="0">
-                <a:solidFill>
-                  <a:srgbClr val="B58900"/>
-                </a:solidFill>
-                <a:effectLst/>
-              </a:rPr>
-              <a:t>'vrushali’</a:t>
-            </a:r>
-            <a:r>
-              <a:rPr lang="en-IN" dirty="0">
-                <a:solidFill>
-                  <a:srgbClr val="586E75"/>
-                </a:solidFill>
-                <a:effectLst/>
-              </a:rPr>
-              <a:t>,</a:t>
-            </a:r>
-            <a:r>
-              <a:rPr lang="en-IN" dirty="0">
-                <a:solidFill>
-                  <a:srgbClr val="333333"/>
-                </a:solidFill>
-                <a:effectLst/>
-              </a:rPr>
-              <a:t>  location</a:t>
-            </a:r>
-            <a:r>
-              <a:rPr lang="en-IN" dirty="0">
-                <a:solidFill>
-                  <a:srgbClr val="586E75"/>
-                </a:solidFill>
-                <a:effectLst/>
-              </a:rPr>
-              <a:t>:</a:t>
-            </a:r>
-            <a:r>
-              <a:rPr lang="en-IN" dirty="0">
-                <a:solidFill>
-                  <a:srgbClr val="B58900"/>
-                </a:solidFill>
-                <a:effectLst/>
-              </a:rPr>
-              <a:t>'</a:t>
-            </a:r>
-            <a:r>
-              <a:rPr lang="en-IN" dirty="0" err="1">
-                <a:solidFill>
-                  <a:srgbClr val="B58900"/>
-                </a:solidFill>
-                <a:effectLst/>
-              </a:rPr>
-              <a:t>nashik</a:t>
-            </a:r>
-            <a:r>
-              <a:rPr lang="en-IN" dirty="0">
-                <a:solidFill>
-                  <a:srgbClr val="B58900"/>
-                </a:solidFill>
-                <a:effectLst/>
-              </a:rPr>
-              <a:t>’</a:t>
-            </a:r>
-            <a:r>
-              <a:rPr lang="en-IN" dirty="0">
-                <a:solidFill>
-                  <a:srgbClr val="586E75"/>
-                </a:solidFill>
-                <a:effectLst/>
-              </a:rPr>
-              <a:t>,</a:t>
-            </a:r>
-            <a:r>
-              <a:rPr lang="en-IN" dirty="0">
-                <a:solidFill>
-                  <a:srgbClr val="333333"/>
-                </a:solidFill>
-                <a:effectLst/>
-              </a:rPr>
-              <a:t>  phone</a:t>
-            </a:r>
-            <a:r>
-              <a:rPr lang="en-IN" dirty="0">
-                <a:solidFill>
-                  <a:srgbClr val="586E75"/>
-                </a:solidFill>
-                <a:effectLst/>
-              </a:rPr>
-              <a:t>:</a:t>
-            </a:r>
-            <a:r>
-              <a:rPr lang="en-IN" dirty="0">
-                <a:solidFill>
-                  <a:srgbClr val="2AA198"/>
-                </a:solidFill>
-                <a:effectLst/>
-              </a:rPr>
-              <a:t>300</a:t>
-            </a:r>
-            <a:r>
-              <a:rPr lang="en-IN" dirty="0">
-                <a:solidFill>
-                  <a:srgbClr val="586E75"/>
-                </a:solidFill>
-                <a:effectLst/>
-              </a:rPr>
-              <a:t>}),</a:t>
-            </a:r>
-            <a:endParaRPr lang="en-IN" dirty="0">
-              <a:solidFill>
-                <a:srgbClr val="000000"/>
-              </a:solidFill>
-              <a:effectLst/>
-            </a:endParaRPr>
-          </a:p>
-          <a:p>
-            <a:pPr marL="273050"/>
-            <a:r>
-              <a:rPr lang="en-IN" dirty="0">
-                <a:solidFill>
-                  <a:srgbClr val="586E75"/>
-                </a:solidFill>
-                <a:effectLst/>
-              </a:rPr>
-              <a:t>(</a:t>
-            </a:r>
-            <a:r>
-              <a:rPr lang="en-IN" dirty="0">
-                <a:solidFill>
-                  <a:srgbClr val="333333"/>
-                </a:solidFill>
-                <a:effectLst/>
-              </a:rPr>
-              <a:t>a4</a:t>
-            </a:r>
-            <a:r>
-              <a:rPr lang="en-IN" dirty="0">
-                <a:solidFill>
-                  <a:srgbClr val="586E75"/>
-                </a:solidFill>
-                <a:effectLst/>
-              </a:rPr>
-              <a:t>:</a:t>
-            </a:r>
-            <a:r>
-              <a:rPr lang="en-IN" dirty="0">
-                <a:solidFill>
-                  <a:srgbClr val="333333"/>
-                </a:solidFill>
-                <a:effectLst/>
-              </a:rPr>
-              <a:t>author</a:t>
-            </a:r>
-            <a:r>
-              <a:rPr lang="en-IN" dirty="0">
-                <a:solidFill>
-                  <a:srgbClr val="586E75"/>
-                </a:solidFill>
-                <a:effectLst/>
-              </a:rPr>
-              <a:t>{ </a:t>
-            </a:r>
-            <a:r>
-              <a:rPr lang="en-IN" dirty="0">
-                <a:solidFill>
-                  <a:srgbClr val="333333"/>
-                </a:solidFill>
-                <a:effectLst/>
-              </a:rPr>
-              <a:t>_id</a:t>
-            </a:r>
-            <a:r>
-              <a:rPr lang="en-IN" dirty="0">
-                <a:solidFill>
-                  <a:srgbClr val="586E75"/>
-                </a:solidFill>
-                <a:effectLst/>
-              </a:rPr>
-              <a:t>:</a:t>
-            </a:r>
-            <a:r>
-              <a:rPr lang="en-IN" dirty="0">
-                <a:solidFill>
-                  <a:srgbClr val="2AA198"/>
-                </a:solidFill>
-                <a:effectLst/>
-              </a:rPr>
-              <a:t>1004</a:t>
-            </a:r>
-            <a:r>
-              <a:rPr lang="en-IN" dirty="0">
-                <a:solidFill>
-                  <a:srgbClr val="586E75"/>
-                </a:solidFill>
-                <a:effectLst/>
-              </a:rPr>
-              <a:t>,</a:t>
-            </a:r>
-            <a:r>
-              <a:rPr lang="en-IN" dirty="0">
-                <a:solidFill>
-                  <a:srgbClr val="333333"/>
-                </a:solidFill>
-                <a:effectLst/>
-              </a:rPr>
-              <a:t>  name</a:t>
-            </a:r>
-            <a:r>
-              <a:rPr lang="en-IN" dirty="0">
-                <a:solidFill>
-                  <a:srgbClr val="586E75"/>
-                </a:solidFill>
-                <a:effectLst/>
-              </a:rPr>
-              <a:t>:</a:t>
-            </a:r>
-            <a:r>
-              <a:rPr lang="en-IN" dirty="0">
-                <a:solidFill>
-                  <a:srgbClr val="B58900"/>
-                </a:solidFill>
-                <a:effectLst/>
-              </a:rPr>
-              <a:t>'ruhan’</a:t>
-            </a:r>
-            <a:r>
-              <a:rPr lang="en-IN" dirty="0">
-                <a:solidFill>
-                  <a:srgbClr val="586E75"/>
-                </a:solidFill>
-                <a:effectLst/>
-              </a:rPr>
-              <a:t>,</a:t>
-            </a:r>
-            <a:r>
-              <a:rPr lang="en-IN" dirty="0">
-                <a:solidFill>
-                  <a:srgbClr val="333333"/>
-                </a:solidFill>
-                <a:effectLst/>
-              </a:rPr>
-              <a:t>  location</a:t>
-            </a:r>
-            <a:r>
-              <a:rPr lang="en-IN" dirty="0">
-                <a:solidFill>
-                  <a:srgbClr val="586E75"/>
-                </a:solidFill>
-                <a:effectLst/>
-              </a:rPr>
-              <a:t>:</a:t>
-            </a:r>
-            <a:r>
-              <a:rPr lang="en-IN" dirty="0">
-                <a:solidFill>
-                  <a:srgbClr val="B58900"/>
-                </a:solidFill>
-                <a:effectLst/>
-              </a:rPr>
-              <a:t>'pune’</a:t>
-            </a:r>
-            <a:r>
-              <a:rPr lang="en-IN" dirty="0">
-                <a:solidFill>
-                  <a:srgbClr val="586E75"/>
-                </a:solidFill>
-                <a:effectLst/>
-              </a:rPr>
-              <a:t>,</a:t>
-            </a:r>
-            <a:r>
-              <a:rPr lang="en-IN" dirty="0">
-                <a:solidFill>
-                  <a:srgbClr val="333333"/>
-                </a:solidFill>
-                <a:effectLst/>
-              </a:rPr>
-              <a:t>  phone</a:t>
-            </a:r>
-            <a:r>
-              <a:rPr lang="en-IN" dirty="0">
-                <a:solidFill>
-                  <a:srgbClr val="586E75"/>
-                </a:solidFill>
-                <a:effectLst/>
-              </a:rPr>
-              <a:t>:</a:t>
-            </a:r>
-            <a:r>
-              <a:rPr lang="en-IN" dirty="0">
-                <a:solidFill>
-                  <a:srgbClr val="2AA198"/>
-                </a:solidFill>
-                <a:effectLst/>
-              </a:rPr>
-              <a:t>400</a:t>
-            </a:r>
-            <a:r>
-              <a:rPr lang="en-IN" dirty="0">
-                <a:solidFill>
-                  <a:srgbClr val="586E75"/>
-                </a:solidFill>
-                <a:effectLst/>
-              </a:rPr>
-              <a:t>})</a:t>
-            </a:r>
-            <a:endParaRPr lang="en-IN" dirty="0">
-              <a:solidFill>
-                <a:srgbClr val="000000"/>
-              </a:solidFill>
-              <a:effectLst/>
-            </a:endParaRPr>
-          </a:p>
-          <a:p>
-            <a:pPr marL="273050"/>
-            <a:r>
-              <a:rPr lang="en-IN" dirty="0">
-                <a:solidFill>
-                  <a:srgbClr val="859900"/>
-                </a:solidFill>
-                <a:effectLst/>
-              </a:rPr>
-              <a:t>return</a:t>
-            </a:r>
-            <a:r>
-              <a:rPr lang="en-IN" dirty="0">
-                <a:solidFill>
-                  <a:srgbClr val="333333"/>
-                </a:solidFill>
-                <a:effectLst/>
-              </a:rPr>
-              <a:t> a1</a:t>
-            </a:r>
-            <a:r>
-              <a:rPr lang="en-IN" dirty="0">
-                <a:solidFill>
-                  <a:srgbClr val="586E75"/>
-                </a:solidFill>
-                <a:effectLst/>
-              </a:rPr>
-              <a:t>,</a:t>
-            </a:r>
-            <a:r>
-              <a:rPr lang="en-IN" dirty="0">
-                <a:solidFill>
-                  <a:srgbClr val="333333"/>
-                </a:solidFill>
-                <a:effectLst/>
-              </a:rPr>
-              <a:t> a2</a:t>
-            </a:r>
-            <a:r>
-              <a:rPr lang="en-IN" dirty="0">
-                <a:solidFill>
-                  <a:srgbClr val="586E75"/>
-                </a:solidFill>
-                <a:effectLst/>
-              </a:rPr>
-              <a:t>,</a:t>
-            </a:r>
-            <a:r>
-              <a:rPr lang="en-IN" dirty="0">
-                <a:solidFill>
-                  <a:srgbClr val="333333"/>
-                </a:solidFill>
-                <a:effectLst/>
-              </a:rPr>
-              <a:t> a3</a:t>
-            </a:r>
-            <a:r>
-              <a:rPr lang="en-IN" dirty="0">
-                <a:solidFill>
-                  <a:srgbClr val="586E75"/>
-                </a:solidFill>
-                <a:effectLst/>
-              </a:rPr>
-              <a:t>,</a:t>
-            </a:r>
-            <a:r>
-              <a:rPr lang="en-IN" dirty="0">
-                <a:solidFill>
-                  <a:srgbClr val="333333"/>
-                </a:solidFill>
-                <a:effectLst/>
-              </a:rPr>
-              <a:t> a4</a:t>
-            </a:r>
-          </a:p>
-          <a:p>
-            <a:pPr marL="273050"/>
-            <a:endParaRPr lang="en-IN" sz="800" dirty="0">
-              <a:solidFill>
-                <a:srgbClr val="333333"/>
-              </a:solidFill>
-            </a:endParaRPr>
-          </a:p>
-          <a:p>
-            <a:pPr marL="285750" indent="-285750">
-              <a:buFont typeface="Arial" panose="020B0604020202020204" pitchFamily="34" charset="0"/>
-              <a:buChar char="•"/>
-            </a:pPr>
-            <a:r>
-              <a:rPr lang="en-IN" dirty="0">
-                <a:solidFill>
-                  <a:schemeClr val="tx1">
-                    <a:lumMod val="50000"/>
-                    <a:lumOff val="50000"/>
-                  </a:schemeClr>
-                </a:solidFill>
-                <a:latin typeface="Gill Sans MT (Body)"/>
-              </a:rPr>
-              <a:t>neo4j$ </a:t>
-            </a:r>
-            <a:r>
-              <a:rPr lang="en-IN" dirty="0">
-                <a:solidFill>
-                  <a:srgbClr val="859900"/>
-                </a:solidFill>
-                <a:effectLst/>
-              </a:rPr>
-              <a:t>create</a:t>
-            </a:r>
-            <a:r>
-              <a:rPr lang="en-IN" dirty="0">
-                <a:solidFill>
-                  <a:srgbClr val="586E75"/>
-                </a:solidFill>
-                <a:effectLst/>
-              </a:rPr>
-              <a:t>(</a:t>
-            </a:r>
-            <a:r>
-              <a:rPr lang="en-IN" dirty="0">
-                <a:solidFill>
-                  <a:srgbClr val="333333"/>
-                </a:solidFill>
-                <a:effectLst/>
-              </a:rPr>
-              <a:t>b1</a:t>
-            </a:r>
-            <a:r>
-              <a:rPr lang="en-IN" dirty="0">
-                <a:solidFill>
-                  <a:srgbClr val="586E75"/>
-                </a:solidFill>
-                <a:effectLst/>
-              </a:rPr>
-              <a:t>:</a:t>
-            </a:r>
-            <a:r>
-              <a:rPr lang="en-IN" dirty="0">
-                <a:solidFill>
-                  <a:srgbClr val="333333"/>
-                </a:solidFill>
-                <a:effectLst/>
-              </a:rPr>
-              <a:t>book</a:t>
-            </a:r>
-            <a:r>
-              <a:rPr lang="en-IN" dirty="0">
-                <a:solidFill>
-                  <a:srgbClr val="586E75"/>
-                </a:solidFill>
-                <a:effectLst/>
-              </a:rPr>
-              <a:t>{</a:t>
-            </a:r>
-            <a:r>
-              <a:rPr lang="en-IN" dirty="0">
-                <a:solidFill>
-                  <a:srgbClr val="333333"/>
-                </a:solidFill>
-                <a:effectLst/>
-              </a:rPr>
-              <a:t> name</a:t>
-            </a:r>
-            <a:r>
-              <a:rPr lang="en-IN" dirty="0">
-                <a:solidFill>
-                  <a:srgbClr val="586E75"/>
-                </a:solidFill>
-                <a:effectLst/>
-              </a:rPr>
-              <a:t>:</a:t>
-            </a:r>
-            <a:r>
-              <a:rPr lang="en-IN" dirty="0">
-                <a:solidFill>
-                  <a:srgbClr val="B58900"/>
-                </a:solidFill>
-                <a:effectLst/>
-              </a:rPr>
-              <a:t>'redis'</a:t>
-            </a:r>
-            <a:r>
-              <a:rPr lang="en-IN" dirty="0">
-                <a:solidFill>
-                  <a:srgbClr val="586E75"/>
-                </a:solidFill>
-                <a:effectLst/>
-              </a:rPr>
-              <a:t>,</a:t>
-            </a:r>
-            <a:r>
-              <a:rPr lang="en-IN" dirty="0">
-                <a:solidFill>
-                  <a:srgbClr val="333333"/>
-                </a:solidFill>
-                <a:effectLst/>
-              </a:rPr>
-              <a:t> isbn</a:t>
-            </a:r>
-            <a:r>
-              <a:rPr lang="en-IN" dirty="0">
-                <a:solidFill>
-                  <a:srgbClr val="586E75"/>
-                </a:solidFill>
-                <a:effectLst/>
-              </a:rPr>
-              <a:t>:</a:t>
-            </a:r>
-            <a:r>
-              <a:rPr lang="en-IN" dirty="0">
-                <a:solidFill>
-                  <a:srgbClr val="B58900"/>
-                </a:solidFill>
-                <a:effectLst/>
-              </a:rPr>
-              <a:t>'redis-01'</a:t>
-            </a:r>
-            <a:r>
-              <a:rPr lang="en-IN" dirty="0">
-                <a:solidFill>
-                  <a:srgbClr val="586E75"/>
-                </a:solidFill>
-                <a:effectLst/>
-              </a:rPr>
-              <a:t>,</a:t>
-            </a:r>
-            <a:r>
-              <a:rPr lang="en-IN" dirty="0">
-                <a:solidFill>
-                  <a:srgbClr val="333333"/>
-                </a:solidFill>
-                <a:effectLst/>
-              </a:rPr>
-              <a:t> price</a:t>
-            </a:r>
-            <a:r>
-              <a:rPr lang="en-IN" dirty="0">
-                <a:solidFill>
-                  <a:srgbClr val="586E75"/>
-                </a:solidFill>
-                <a:effectLst/>
-              </a:rPr>
-              <a:t>:</a:t>
-            </a:r>
-            <a:r>
-              <a:rPr lang="en-IN" dirty="0">
-                <a:solidFill>
-                  <a:srgbClr val="2AA198"/>
-                </a:solidFill>
-                <a:effectLst/>
-              </a:rPr>
-              <a:t>175</a:t>
-            </a:r>
-            <a:r>
-              <a:rPr lang="en-IN" dirty="0">
-                <a:solidFill>
-                  <a:srgbClr val="586E75"/>
-                </a:solidFill>
-                <a:effectLst/>
-              </a:rPr>
-              <a:t>,</a:t>
-            </a:r>
-            <a:r>
-              <a:rPr lang="en-IN" dirty="0">
-                <a:solidFill>
-                  <a:srgbClr val="333333"/>
-                </a:solidFill>
-                <a:effectLst/>
-              </a:rPr>
-              <a:t> publishername</a:t>
-            </a:r>
-            <a:r>
-              <a:rPr lang="en-IN" dirty="0">
-                <a:solidFill>
-                  <a:srgbClr val="586E75"/>
-                </a:solidFill>
-                <a:effectLst/>
-              </a:rPr>
-              <a:t>:</a:t>
-            </a:r>
-            <a:r>
-              <a:rPr lang="en-IN" dirty="0">
-                <a:solidFill>
-                  <a:srgbClr val="B58900"/>
-                </a:solidFill>
-                <a:effectLst/>
-              </a:rPr>
-              <a:t>'universal publisher'</a:t>
-            </a:r>
-            <a:r>
-              <a:rPr lang="en-IN" dirty="0">
-                <a:solidFill>
-                  <a:srgbClr val="333333"/>
-                </a:solidFill>
-                <a:effectLst/>
-              </a:rPr>
-              <a:t> </a:t>
-            </a:r>
-            <a:r>
-              <a:rPr lang="en-IN" dirty="0">
-                <a:solidFill>
-                  <a:srgbClr val="586E75"/>
-                </a:solidFill>
-                <a:effectLst/>
-              </a:rPr>
-              <a:t>}),</a:t>
-            </a:r>
-            <a:endParaRPr lang="en-IN" dirty="0">
-              <a:solidFill>
-                <a:srgbClr val="000000"/>
-              </a:solidFill>
-              <a:effectLst/>
-            </a:endParaRPr>
-          </a:p>
-          <a:p>
-            <a:pPr marL="273050"/>
-            <a:r>
-              <a:rPr lang="en-IN" dirty="0">
-                <a:solidFill>
-                  <a:srgbClr val="586E75"/>
-                </a:solidFill>
-                <a:effectLst/>
-              </a:rPr>
-              <a:t>(</a:t>
-            </a:r>
-            <a:r>
-              <a:rPr lang="en-IN" dirty="0">
-                <a:solidFill>
-                  <a:srgbClr val="333333"/>
-                </a:solidFill>
-                <a:effectLst/>
-              </a:rPr>
-              <a:t>b2</a:t>
-            </a:r>
-            <a:r>
-              <a:rPr lang="en-IN" dirty="0">
-                <a:solidFill>
-                  <a:srgbClr val="586E75"/>
-                </a:solidFill>
-                <a:effectLst/>
-              </a:rPr>
-              <a:t>:</a:t>
-            </a:r>
-            <a:r>
-              <a:rPr lang="en-IN" dirty="0">
-                <a:solidFill>
-                  <a:srgbClr val="333333"/>
-                </a:solidFill>
-                <a:effectLst/>
-              </a:rPr>
-              <a:t>book</a:t>
-            </a:r>
-            <a:r>
-              <a:rPr lang="en-IN" dirty="0">
-                <a:solidFill>
-                  <a:srgbClr val="586E75"/>
-                </a:solidFill>
-                <a:effectLst/>
-              </a:rPr>
-              <a:t>{</a:t>
-            </a:r>
-            <a:r>
-              <a:rPr lang="en-IN" dirty="0">
-                <a:solidFill>
-                  <a:srgbClr val="333333"/>
-                </a:solidFill>
-                <a:effectLst/>
-              </a:rPr>
-              <a:t> name</a:t>
-            </a:r>
-            <a:r>
-              <a:rPr lang="en-IN" dirty="0">
-                <a:solidFill>
-                  <a:srgbClr val="586E75"/>
-                </a:solidFill>
-                <a:effectLst/>
-              </a:rPr>
-              <a:t>:</a:t>
-            </a:r>
-            <a:r>
-              <a:rPr lang="en-IN" dirty="0">
-                <a:solidFill>
-                  <a:srgbClr val="B58900"/>
-                </a:solidFill>
-                <a:effectLst/>
-              </a:rPr>
-              <a:t>'</a:t>
-            </a:r>
-            <a:r>
-              <a:rPr lang="en-IN" dirty="0" err="1">
-                <a:solidFill>
-                  <a:srgbClr val="B58900"/>
-                </a:solidFill>
-                <a:effectLst/>
-              </a:rPr>
-              <a:t>hbase</a:t>
-            </a:r>
-            <a:r>
-              <a:rPr lang="en-IN" dirty="0">
-                <a:solidFill>
-                  <a:srgbClr val="B58900"/>
-                </a:solidFill>
-                <a:effectLst/>
-              </a:rPr>
-              <a:t>'</a:t>
-            </a:r>
-            <a:r>
-              <a:rPr lang="en-IN" dirty="0">
-                <a:solidFill>
-                  <a:srgbClr val="586E75"/>
-                </a:solidFill>
-                <a:effectLst/>
-              </a:rPr>
-              <a:t>,</a:t>
-            </a:r>
-            <a:r>
-              <a:rPr lang="en-IN" dirty="0">
-                <a:solidFill>
-                  <a:srgbClr val="333333"/>
-                </a:solidFill>
-                <a:effectLst/>
-              </a:rPr>
-              <a:t> isbn</a:t>
-            </a:r>
-            <a:r>
-              <a:rPr lang="en-IN" dirty="0">
-                <a:solidFill>
-                  <a:srgbClr val="586E75"/>
-                </a:solidFill>
-                <a:effectLst/>
-              </a:rPr>
-              <a:t>:</a:t>
-            </a:r>
-            <a:r>
-              <a:rPr lang="en-IN" dirty="0">
-                <a:solidFill>
-                  <a:srgbClr val="B58900"/>
-                </a:solidFill>
-                <a:effectLst/>
-              </a:rPr>
-              <a:t>'hBase-02'</a:t>
-            </a:r>
-            <a:r>
-              <a:rPr lang="en-IN" dirty="0">
-                <a:solidFill>
-                  <a:srgbClr val="586E75"/>
-                </a:solidFill>
-                <a:effectLst/>
-              </a:rPr>
-              <a:t>,</a:t>
-            </a:r>
-            <a:r>
-              <a:rPr lang="en-IN" dirty="0">
-                <a:solidFill>
-                  <a:srgbClr val="333333"/>
-                </a:solidFill>
-                <a:effectLst/>
-              </a:rPr>
-              <a:t> price</a:t>
-            </a:r>
-            <a:r>
-              <a:rPr lang="en-IN" dirty="0">
-                <a:solidFill>
-                  <a:srgbClr val="586E75"/>
-                </a:solidFill>
-                <a:effectLst/>
-              </a:rPr>
-              <a:t>:</a:t>
-            </a:r>
-            <a:r>
-              <a:rPr lang="en-IN" dirty="0">
-                <a:solidFill>
-                  <a:srgbClr val="2AA198"/>
-                </a:solidFill>
-                <a:effectLst/>
-              </a:rPr>
-              <a:t>125</a:t>
-            </a:r>
-            <a:r>
-              <a:rPr lang="en-IN" dirty="0">
-                <a:solidFill>
-                  <a:srgbClr val="586E75"/>
-                </a:solidFill>
-                <a:effectLst/>
-              </a:rPr>
-              <a:t>,</a:t>
-            </a:r>
-            <a:r>
-              <a:rPr lang="en-IN" dirty="0">
-                <a:solidFill>
-                  <a:srgbClr val="333333"/>
-                </a:solidFill>
-                <a:effectLst/>
-              </a:rPr>
-              <a:t> publishername</a:t>
-            </a:r>
-            <a:r>
-              <a:rPr lang="en-IN" dirty="0">
-                <a:solidFill>
-                  <a:srgbClr val="586E75"/>
-                </a:solidFill>
-                <a:effectLst/>
-              </a:rPr>
-              <a:t>:</a:t>
-            </a:r>
-            <a:r>
-              <a:rPr lang="en-IN" dirty="0">
-                <a:solidFill>
-                  <a:srgbClr val="B58900"/>
-                </a:solidFill>
-                <a:effectLst/>
-              </a:rPr>
-              <a:t>'global publisher'</a:t>
-            </a:r>
-            <a:r>
-              <a:rPr lang="en-IN" dirty="0">
-                <a:solidFill>
-                  <a:srgbClr val="333333"/>
-                </a:solidFill>
-                <a:effectLst/>
-              </a:rPr>
-              <a:t> </a:t>
-            </a:r>
-            <a:r>
-              <a:rPr lang="en-IN" dirty="0">
-                <a:solidFill>
-                  <a:srgbClr val="586E75"/>
-                </a:solidFill>
-                <a:effectLst/>
-              </a:rPr>
-              <a:t>}),</a:t>
-            </a:r>
-            <a:endParaRPr lang="en-IN" dirty="0">
-              <a:solidFill>
-                <a:srgbClr val="000000"/>
-              </a:solidFill>
-              <a:effectLst/>
-            </a:endParaRPr>
-          </a:p>
-          <a:p>
-            <a:pPr marL="273050"/>
-            <a:r>
-              <a:rPr lang="en-IN" dirty="0">
-                <a:solidFill>
-                  <a:srgbClr val="586E75"/>
-                </a:solidFill>
-                <a:effectLst/>
-              </a:rPr>
-              <a:t>(</a:t>
-            </a:r>
-            <a:r>
-              <a:rPr lang="en-IN" dirty="0">
-                <a:solidFill>
-                  <a:srgbClr val="333333"/>
-                </a:solidFill>
-                <a:effectLst/>
-              </a:rPr>
-              <a:t>b3</a:t>
-            </a:r>
-            <a:r>
-              <a:rPr lang="en-IN" dirty="0">
-                <a:solidFill>
-                  <a:srgbClr val="586E75"/>
-                </a:solidFill>
-                <a:effectLst/>
-              </a:rPr>
-              <a:t>:</a:t>
-            </a:r>
-            <a:r>
-              <a:rPr lang="en-IN" dirty="0">
-                <a:solidFill>
-                  <a:srgbClr val="333333"/>
-                </a:solidFill>
-                <a:effectLst/>
-              </a:rPr>
-              <a:t>book</a:t>
-            </a:r>
-            <a:r>
-              <a:rPr lang="en-IN" dirty="0">
-                <a:solidFill>
-                  <a:srgbClr val="586E75"/>
-                </a:solidFill>
-                <a:effectLst/>
-              </a:rPr>
-              <a:t>{</a:t>
-            </a:r>
-            <a:r>
-              <a:rPr lang="en-IN" dirty="0">
-                <a:solidFill>
-                  <a:srgbClr val="333333"/>
-                </a:solidFill>
-                <a:effectLst/>
-              </a:rPr>
-              <a:t> name</a:t>
-            </a:r>
-            <a:r>
-              <a:rPr lang="en-IN" dirty="0">
-                <a:solidFill>
-                  <a:srgbClr val="586E75"/>
-                </a:solidFill>
-                <a:effectLst/>
-              </a:rPr>
-              <a:t>:</a:t>
-            </a:r>
-            <a:r>
-              <a:rPr lang="en-IN" dirty="0">
-                <a:solidFill>
-                  <a:srgbClr val="B58900"/>
-                </a:solidFill>
-                <a:effectLst/>
-              </a:rPr>
-              <a:t>'neo4j'</a:t>
-            </a:r>
-            <a:r>
-              <a:rPr lang="en-IN" dirty="0">
-                <a:solidFill>
-                  <a:srgbClr val="586E75"/>
-                </a:solidFill>
-                <a:effectLst/>
-              </a:rPr>
-              <a:t>,</a:t>
-            </a:r>
-            <a:r>
-              <a:rPr lang="en-IN" dirty="0">
-                <a:solidFill>
-                  <a:srgbClr val="333333"/>
-                </a:solidFill>
-                <a:effectLst/>
-              </a:rPr>
-              <a:t> isbn</a:t>
-            </a:r>
-            <a:r>
-              <a:rPr lang="en-IN" dirty="0">
-                <a:solidFill>
-                  <a:srgbClr val="586E75"/>
-                </a:solidFill>
-                <a:effectLst/>
-              </a:rPr>
-              <a:t>:</a:t>
-            </a:r>
-            <a:r>
-              <a:rPr lang="en-IN" dirty="0">
-                <a:solidFill>
-                  <a:srgbClr val="B58900"/>
-                </a:solidFill>
-                <a:effectLst/>
-              </a:rPr>
-              <a:t>'neo4j-03'</a:t>
-            </a:r>
-            <a:r>
-              <a:rPr lang="en-IN" dirty="0">
-                <a:solidFill>
-                  <a:srgbClr val="586E75"/>
-                </a:solidFill>
-                <a:effectLst/>
-              </a:rPr>
-              <a:t>,</a:t>
-            </a:r>
-            <a:r>
-              <a:rPr lang="en-IN" dirty="0">
-                <a:solidFill>
-                  <a:srgbClr val="333333"/>
-                </a:solidFill>
-                <a:effectLst/>
-              </a:rPr>
-              <a:t> price</a:t>
-            </a:r>
-            <a:r>
-              <a:rPr lang="en-IN" dirty="0">
-                <a:solidFill>
-                  <a:srgbClr val="586E75"/>
-                </a:solidFill>
-                <a:effectLst/>
-              </a:rPr>
-              <a:t>:</a:t>
-            </a:r>
-            <a:r>
-              <a:rPr lang="en-IN" dirty="0">
-                <a:solidFill>
-                  <a:srgbClr val="2AA198"/>
-                </a:solidFill>
-                <a:effectLst/>
-              </a:rPr>
-              <a:t>340</a:t>
-            </a:r>
-            <a:r>
-              <a:rPr lang="en-IN" dirty="0">
-                <a:solidFill>
-                  <a:srgbClr val="586E75"/>
-                </a:solidFill>
-                <a:effectLst/>
-              </a:rPr>
-              <a:t>,</a:t>
-            </a:r>
-            <a:r>
-              <a:rPr lang="en-IN" dirty="0">
-                <a:solidFill>
-                  <a:srgbClr val="333333"/>
-                </a:solidFill>
-                <a:effectLst/>
-              </a:rPr>
-              <a:t> publishername</a:t>
-            </a:r>
-            <a:r>
-              <a:rPr lang="en-IN" dirty="0">
-                <a:solidFill>
-                  <a:srgbClr val="586E75"/>
-                </a:solidFill>
-                <a:effectLst/>
-              </a:rPr>
-              <a:t>:</a:t>
-            </a:r>
-            <a:r>
-              <a:rPr lang="en-IN" dirty="0">
-                <a:solidFill>
-                  <a:srgbClr val="B58900"/>
-                </a:solidFill>
-                <a:effectLst/>
-              </a:rPr>
-              <a:t>'tech publisher'</a:t>
-            </a:r>
-            <a:r>
-              <a:rPr lang="en-IN" dirty="0">
-                <a:solidFill>
-                  <a:srgbClr val="333333"/>
-                </a:solidFill>
-                <a:effectLst/>
-              </a:rPr>
-              <a:t> </a:t>
-            </a:r>
-            <a:r>
-              <a:rPr lang="en-IN" dirty="0">
-                <a:solidFill>
-                  <a:srgbClr val="586E75"/>
-                </a:solidFill>
-                <a:effectLst/>
-              </a:rPr>
-              <a:t>}),</a:t>
-            </a:r>
-            <a:endParaRPr lang="en-IN" dirty="0">
-              <a:solidFill>
-                <a:srgbClr val="000000"/>
-              </a:solidFill>
-              <a:effectLst/>
-            </a:endParaRPr>
-          </a:p>
-          <a:p>
-            <a:pPr marL="273050"/>
-            <a:r>
-              <a:rPr lang="en-IN" dirty="0">
-                <a:solidFill>
-                  <a:srgbClr val="586E75"/>
-                </a:solidFill>
-                <a:effectLst/>
-              </a:rPr>
-              <a:t>(</a:t>
-            </a:r>
-            <a:r>
-              <a:rPr lang="en-IN" dirty="0">
-                <a:solidFill>
-                  <a:srgbClr val="333333"/>
-                </a:solidFill>
-                <a:effectLst/>
-              </a:rPr>
-              <a:t>b4</a:t>
-            </a:r>
-            <a:r>
-              <a:rPr lang="en-IN" dirty="0">
-                <a:solidFill>
-                  <a:srgbClr val="586E75"/>
-                </a:solidFill>
-                <a:effectLst/>
-              </a:rPr>
-              <a:t>:</a:t>
-            </a:r>
-            <a:r>
-              <a:rPr lang="en-IN" dirty="0">
-                <a:solidFill>
-                  <a:srgbClr val="333333"/>
-                </a:solidFill>
-                <a:effectLst/>
-              </a:rPr>
-              <a:t>book</a:t>
-            </a:r>
-            <a:r>
-              <a:rPr lang="en-IN" dirty="0">
-                <a:solidFill>
-                  <a:srgbClr val="586E75"/>
-                </a:solidFill>
-                <a:effectLst/>
-              </a:rPr>
-              <a:t>{</a:t>
-            </a:r>
-            <a:r>
-              <a:rPr lang="en-IN" dirty="0">
-                <a:solidFill>
-                  <a:srgbClr val="333333"/>
-                </a:solidFill>
-                <a:effectLst/>
-              </a:rPr>
-              <a:t> name</a:t>
-            </a:r>
-            <a:r>
-              <a:rPr lang="en-IN" dirty="0">
-                <a:solidFill>
-                  <a:srgbClr val="586E75"/>
-                </a:solidFill>
-                <a:effectLst/>
-              </a:rPr>
-              <a:t>:</a:t>
-            </a:r>
-            <a:r>
-              <a:rPr lang="en-IN" dirty="0">
-                <a:solidFill>
-                  <a:srgbClr val="B58900"/>
-                </a:solidFill>
-                <a:effectLst/>
-              </a:rPr>
-              <a:t>'</a:t>
-            </a:r>
-            <a:r>
-              <a:rPr lang="en-IN" dirty="0" err="1">
-                <a:solidFill>
-                  <a:srgbClr val="B58900"/>
-                </a:solidFill>
-                <a:effectLst/>
-              </a:rPr>
-              <a:t>mongodb</a:t>
-            </a:r>
-            <a:r>
-              <a:rPr lang="en-IN" dirty="0">
-                <a:solidFill>
-                  <a:srgbClr val="B58900"/>
-                </a:solidFill>
-                <a:effectLst/>
-              </a:rPr>
-              <a:t>'</a:t>
-            </a:r>
-            <a:r>
-              <a:rPr lang="en-IN" dirty="0">
-                <a:solidFill>
-                  <a:srgbClr val="586E75"/>
-                </a:solidFill>
-                <a:effectLst/>
-              </a:rPr>
-              <a:t>,</a:t>
-            </a:r>
-            <a:r>
-              <a:rPr lang="en-IN" dirty="0">
-                <a:solidFill>
-                  <a:srgbClr val="333333"/>
-                </a:solidFill>
-                <a:effectLst/>
-              </a:rPr>
-              <a:t> isbn</a:t>
-            </a:r>
-            <a:r>
-              <a:rPr lang="en-IN" dirty="0">
-                <a:solidFill>
-                  <a:srgbClr val="586E75"/>
-                </a:solidFill>
-                <a:effectLst/>
-              </a:rPr>
-              <a:t>:</a:t>
-            </a:r>
-            <a:r>
-              <a:rPr lang="en-IN" dirty="0">
-                <a:solidFill>
-                  <a:srgbClr val="B58900"/>
-                </a:solidFill>
-                <a:effectLst/>
-              </a:rPr>
-              <a:t>'mongodb-04'</a:t>
-            </a:r>
-            <a:r>
-              <a:rPr lang="en-IN" dirty="0">
-                <a:solidFill>
-                  <a:srgbClr val="586E75"/>
-                </a:solidFill>
-                <a:effectLst/>
-              </a:rPr>
-              <a:t>,</a:t>
-            </a:r>
-            <a:r>
-              <a:rPr lang="en-IN" dirty="0">
-                <a:solidFill>
-                  <a:srgbClr val="333333"/>
-                </a:solidFill>
-                <a:effectLst/>
-              </a:rPr>
-              <a:t> price</a:t>
-            </a:r>
-            <a:r>
-              <a:rPr lang="en-IN" dirty="0">
-                <a:solidFill>
-                  <a:srgbClr val="586E75"/>
-                </a:solidFill>
-                <a:effectLst/>
-              </a:rPr>
-              <a:t>:</a:t>
-            </a:r>
-            <a:r>
-              <a:rPr lang="en-IN" dirty="0">
-                <a:solidFill>
-                  <a:srgbClr val="2AA198"/>
-                </a:solidFill>
-                <a:effectLst/>
-              </a:rPr>
-              <a:t>180</a:t>
-            </a:r>
-            <a:r>
-              <a:rPr lang="en-IN" dirty="0">
-                <a:solidFill>
-                  <a:srgbClr val="586E75"/>
-                </a:solidFill>
-                <a:effectLst/>
-              </a:rPr>
-              <a:t>,</a:t>
-            </a:r>
-            <a:r>
-              <a:rPr lang="en-IN" dirty="0">
-                <a:solidFill>
-                  <a:srgbClr val="333333"/>
-                </a:solidFill>
-                <a:effectLst/>
-              </a:rPr>
-              <a:t> publishername</a:t>
-            </a:r>
-            <a:r>
-              <a:rPr lang="en-IN" dirty="0">
-                <a:solidFill>
-                  <a:srgbClr val="586E75"/>
-                </a:solidFill>
-                <a:effectLst/>
-              </a:rPr>
-              <a:t>:</a:t>
-            </a:r>
-            <a:r>
-              <a:rPr lang="en-IN" dirty="0">
-                <a:solidFill>
-                  <a:srgbClr val="B58900"/>
-                </a:solidFill>
-                <a:effectLst/>
-              </a:rPr>
-              <a:t>'universal publisher'</a:t>
-            </a:r>
-            <a:r>
-              <a:rPr lang="en-IN" dirty="0">
-                <a:solidFill>
-                  <a:srgbClr val="333333"/>
-                </a:solidFill>
-                <a:effectLst/>
-              </a:rPr>
-              <a:t> </a:t>
-            </a:r>
-            <a:r>
-              <a:rPr lang="en-IN" dirty="0">
-                <a:solidFill>
-                  <a:srgbClr val="586E75"/>
-                </a:solidFill>
-                <a:effectLst/>
-              </a:rPr>
-              <a:t>})</a:t>
-            </a:r>
-            <a:endParaRPr lang="en-IN" dirty="0">
-              <a:solidFill>
-                <a:srgbClr val="000000"/>
-              </a:solidFill>
-              <a:effectLst/>
-            </a:endParaRPr>
-          </a:p>
-          <a:p>
-            <a:pPr marL="273050"/>
-            <a:r>
-              <a:rPr lang="en-IN" dirty="0">
-                <a:solidFill>
-                  <a:srgbClr val="859900"/>
-                </a:solidFill>
-                <a:effectLst/>
-              </a:rPr>
-              <a:t>return</a:t>
-            </a:r>
-            <a:r>
-              <a:rPr lang="en-IN" dirty="0">
-                <a:solidFill>
-                  <a:srgbClr val="333333"/>
-                </a:solidFill>
-                <a:effectLst/>
-              </a:rPr>
-              <a:t> b1</a:t>
-            </a:r>
-            <a:r>
-              <a:rPr lang="en-IN" dirty="0">
-                <a:solidFill>
-                  <a:srgbClr val="586E75"/>
-                </a:solidFill>
-                <a:effectLst/>
-              </a:rPr>
-              <a:t>,</a:t>
-            </a:r>
-            <a:r>
-              <a:rPr lang="en-IN" dirty="0">
-                <a:solidFill>
-                  <a:srgbClr val="333333"/>
-                </a:solidFill>
-                <a:effectLst/>
-              </a:rPr>
-              <a:t> b2</a:t>
-            </a:r>
-            <a:r>
-              <a:rPr lang="en-IN" dirty="0">
-                <a:solidFill>
-                  <a:srgbClr val="586E75"/>
-                </a:solidFill>
-                <a:effectLst/>
-              </a:rPr>
-              <a:t>,</a:t>
-            </a:r>
-            <a:r>
-              <a:rPr lang="en-IN" dirty="0">
-                <a:solidFill>
-                  <a:srgbClr val="333333"/>
-                </a:solidFill>
-                <a:effectLst/>
-              </a:rPr>
-              <a:t> b3</a:t>
-            </a:r>
-            <a:r>
-              <a:rPr lang="en-IN" dirty="0">
-                <a:solidFill>
-                  <a:srgbClr val="586E75"/>
-                </a:solidFill>
-                <a:effectLst/>
-              </a:rPr>
-              <a:t>,</a:t>
-            </a:r>
-            <a:r>
-              <a:rPr lang="en-IN" dirty="0">
-                <a:solidFill>
-                  <a:srgbClr val="333333"/>
-                </a:solidFill>
-                <a:effectLst/>
-              </a:rPr>
-              <a:t> b4</a:t>
-            </a:r>
-            <a:endParaRPr lang="en-IN" dirty="0">
-              <a:solidFill>
-                <a:srgbClr val="000000"/>
-              </a:solidFill>
-              <a:effectLst/>
-            </a:endParaRPr>
           </a:p>
         </p:txBody>
       </p:sp>
@@ -8063,7 +6159,7 @@
         </p:nvSpPr>
         <p:spPr>
           <a:xfrm>
-            <a:off x="243604" y="5696497"/>
+            <a:off x="243604" y="5860142"/>
             <a:ext cx="11693880" cy="737210"/>
           </a:xfrm>
           <a:prstGeom prst="rect">
@@ -8151,7 +6247,7 @@
                 <a:effectLst/>
                 <a:latin typeface="Arial" panose="020B0604020202020204" pitchFamily="34" charset="0"/>
               </a:rPr>
-              <a:t>TODO</a:t>
+              <a:t>Keys are not to give in quotes either (single or double quotes).</a:t>
             </a:r>
             <a:endParaRPr lang="en-IN" sz="1800" strike="noStrike" spc="-1" dirty="0">
               <a:solidFill>
@@ -8219,7 +6315,33 @@
                 <a:latin typeface="Nunito Sans"/>
                 <a:ea typeface="DejaVu Sans"/>
               </a:rPr>
-              <a:t>delete all node</a:t>
+              <a:t>create </a:t>
+            </a:r>
+            <a:r>
+              <a:rPr lang="en-IN" sz="4000" spc="-1" dirty="0">
+                <a:solidFill>
+                  <a:schemeClr val="accent6">
+                    <a:lumMod val="60000"/>
+                    <a:lumOff val="40000"/>
+                  </a:schemeClr>
+                </a:solidFill>
+                <a:latin typeface="Nunito Sans"/>
+                <a:ea typeface="DejaVu Sans"/>
+              </a:rPr>
+              <a:t>node </a:t>
+            </a:r>
+            <a:r>
+              <a:rPr lang="en-IN" sz="4000" b="0" strike="noStrike" spc="-1" dirty="0">
+                <a:solidFill>
+                  <a:schemeClr val="accent6">
+                    <a:lumMod val="60000"/>
+                    <a:lumOff val="40000"/>
+                  </a:schemeClr>
+                </a:solidFill>
+                <a:latin typeface="Nunito Sans"/>
+                <a:ea typeface="DejaVu Sans"/>
+              </a:rPr>
+              <a:t>and add label and properties</a:t>
             </a:r>
             <a:endParaRPr lang="en-IN" sz="4000" b="0" strike="noStrike" spc="-1" dirty="0">
               <a:solidFill>
@@ -8297,31 +6419,24 @@
           <a:lstStyle/>
           <a:p>
             <a:r>
-              <a:rPr lang="pt-BR" spc="-1" dirty="0">
+              <a:rPr lang="en-IN" spc="-1" dirty="0">
                 <a:solidFill>
                   <a:srgbClr val="0070C0"/>
                 </a:solidFill>
                 <a:latin typeface="Consolas" panose="020B0609020204030204" pitchFamily="49" charset="0"/>
                 <a:cs typeface="Arial" panose="020B0604020202020204" pitchFamily="34" charset="0"/>
               </a:rPr>
-              <a:t>MATCH (n) DETACH DELETE n</a:t>
-            </a:r>
-            <a:endParaRPr lang="en-IN" spc="-1" dirty="0">
-              <a:solidFill>
-                <a:srgbClr val="0070C0"/>
-              </a:solidFill>
-              <a:latin typeface="Consolas" panose="020B0609020204030204" pitchFamily="49" charset="0"/>
-              <a:cs typeface="Arial" panose="020B0604020202020204" pitchFamily="34" charset="0"/>
-            </a:endParaRPr>
+              <a:t>CREATE (n:label_name { key1: value, key2: value, ... }), ...</a:t>
+            </a:r>
           </a:p>
         </p:txBody>
       </p:sp>
       <p:sp>
         <p:nvSpPr>
-          <p:cNvPr id="15" name="TextBox 14">
+          <p:cNvPr id="8" name="TextBox 7">
             <a:extLst>
               <a:ext uri="{FF2B5EF4-FFF2-40B4-BE49-F238E27FC236}">
-                <a16:creationId xmlns:a16="http://schemas.microsoft.com/office/drawing/2014/main" id="{187A7629-BDF9-4DE3-B954-5B2AC8376F52}"/>
+                <a16:creationId xmlns:a16="http://schemas.microsoft.com/office/drawing/2014/main" id="{DD61E77D-FAAC-491A-903A-4BF8DA4AF1A1}"/>
               </a:ext>
             </a:extLst>
           </p:cNvPr>
@@ -8330,8 +6445,8 @@
         </p:nvSpPr>
         <p:spPr>
           <a:xfrm>
-            <a:off x="243604" y="2134800"/>
-            <a:ext cx="11693880" cy="1508105"/>
+            <a:off x="243604" y="2132856"/>
+            <a:ext cx="11693880" cy="2985433"/>
           </a:xfrm>
           <a:prstGeom prst="rect">
             <a:avLst/>
@@ -8361,16 +6476,16 @@
               <a:t>neo4j$ </a:t>
             </a:r>
             <a:r>
-              <a:rPr lang="pt-BR" dirty="0">
+              <a:rPr lang="en-IN" dirty="0">
                 <a:solidFill>
                   <a:srgbClr val="859900"/>
                 </a:solidFill>
                 <a:effectLst/>
               </a:rPr>
-              <a:t>match</a:t>
-            </a:r>
-            <a:r>
-              <a:rPr lang="pt-BR" dirty="0">
+              <a:t>create</a:t>
+            </a:r>
+            <a:r>
+              <a:rPr lang="en-IN" dirty="0">
                 <a:solidFill>
                   <a:srgbClr val="586E75"/>
                 </a:solidFill>
@@ -8379,721 +6494,184 @@
               <a:t>(</a:t>
             </a:r>
             <a:r>
-              <a:rPr lang="pt-BR" dirty="0">
+              <a:rPr lang="en-IN" dirty="0">
                 <a:solidFill>
                   <a:srgbClr val="333333"/>
                 </a:solidFill>
                 <a:effectLst/>
               </a:rPr>
-              <a:t>n</a:t>
-            </a:r>
-            <a:r>
-              <a:rPr lang="pt-BR" dirty="0">
-                <a:solidFill>
-                  <a:srgbClr val="586E75"/>
-                </a:solidFill>
-                <a:effectLst/>
-              </a:rPr>
-              <a:t>)</a:t>
-            </a:r>
-            <a:r>
-              <a:rPr lang="pt-BR" dirty="0">
+              <a:t>a1</a:t>
+            </a:r>
+            <a:r>
+              <a:rPr lang="en-IN" dirty="0">
+                <a:solidFill>
+                  <a:srgbClr val="586E75"/>
+                </a:solidFill>
+                <a:effectLst/>
+              </a:rPr>
+              <a:t>:</a:t>
+            </a:r>
+            <a:r>
+              <a:rPr lang="en-IN" dirty="0">
                 <a:solidFill>
                   <a:srgbClr val="333333"/>
                 </a:solidFill>
                 <a:effectLst/>
               </a:rPr>
-              <a:t> </a:t>
-            </a:r>
-            <a:r>
-              <a:rPr lang="pt-BR" dirty="0">
-                <a:solidFill>
-                  <a:srgbClr val="859900"/>
-                </a:solidFill>
-                <a:effectLst/>
-              </a:rPr>
-              <a:t>detach</a:t>
-            </a:r>
-            <a:r>
-              <a:rPr lang="pt-BR" dirty="0">
+              <a:t>author</a:t>
+            </a:r>
+            <a:r>
+              <a:rPr lang="en-IN" dirty="0">
+                <a:solidFill>
+                  <a:srgbClr val="586E75"/>
+                </a:solidFill>
+                <a:effectLst/>
+              </a:rPr>
+              <a:t>{ </a:t>
+            </a:r>
+            <a:r>
+              <a:rPr lang="en-IN" dirty="0">
                 <a:solidFill>
                   <a:srgbClr val="333333"/>
                 </a:solidFill>
                 <a:effectLst/>
               </a:rPr>
-              <a:t> </a:t>
-            </a:r>
-            <a:r>
-              <a:rPr lang="pt-BR" dirty="0">
-                <a:solidFill>
-                  <a:srgbClr val="859900"/>
-                </a:solidFill>
-                <a:effectLst/>
-              </a:rPr>
-              <a:t>delete</a:t>
-            </a:r>
-            <a:r>
-              <a:rPr lang="pt-BR" dirty="0">
+              <a:t>_id</a:t>
+            </a:r>
+            <a:r>
+              <a:rPr lang="en-IN" dirty="0">
+                <a:solidFill>
+                  <a:srgbClr val="586E75"/>
+                </a:solidFill>
+                <a:effectLst/>
+              </a:rPr>
+              <a:t>:</a:t>
+            </a:r>
+            <a:r>
+              <a:rPr lang="en-IN" dirty="0">
+                <a:solidFill>
+                  <a:srgbClr val="2AA198"/>
+                </a:solidFill>
+                <a:effectLst/>
+              </a:rPr>
+              <a:t>1001</a:t>
+            </a:r>
+            <a:r>
+              <a:rPr lang="en-IN" dirty="0">
+                <a:solidFill>
+                  <a:srgbClr val="586E75"/>
+                </a:solidFill>
+                <a:effectLst/>
+              </a:rPr>
+              <a:t>,</a:t>
+            </a:r>
+            <a:r>
+              <a:rPr lang="en-IN" dirty="0">
                 <a:solidFill>
                   <a:srgbClr val="333333"/>
                 </a:solidFill>
                 <a:effectLst/>
               </a:rPr>
-              <a:t> n</a:t>
-            </a:r>
-          </a:p>
-          <a:p>
-            <a:pPr marL="285750" indent="-285750">
-              <a:buFont typeface="Arial" panose="020B0604020202020204" pitchFamily="34" charset="0"/>
-              <a:buChar char="•"/>
-            </a:pPr>
-            <a:endParaRPr lang="pt-BR" sz="800" dirty="0">
-              <a:solidFill>
-                <a:srgbClr val="333333"/>
-              </a:solidFill>
-            </a:endParaRPr>
-          </a:p>
-          <a:p>
-            <a:pPr marL="285750" indent="-285750">
-              <a:buFont typeface="Arial" panose="020B0604020202020204" pitchFamily="34" charset="0"/>
-              <a:buChar char="•"/>
-            </a:pPr>
-            <a:r>
-              <a:rPr lang="en-IN" dirty="0">
-                <a:solidFill>
-                  <a:schemeClr val="tx1">
-                    <a:lumMod val="50000"/>
-                    <a:lumOff val="50000"/>
-                  </a:schemeClr>
-                </a:solidFill>
-                <a:latin typeface="Gill Sans MT (Body)"/>
-              </a:rPr>
-              <a:t>neo4j$ </a:t>
-            </a:r>
-            <a:r>
-              <a:rPr lang="en-US" dirty="0">
-                <a:solidFill>
-                  <a:srgbClr val="859900"/>
-                </a:solidFill>
-                <a:effectLst/>
-              </a:rPr>
-              <a:t>match</a:t>
-            </a:r>
-            <a:r>
-              <a:rPr lang="en-US" dirty="0">
-                <a:solidFill>
-                  <a:srgbClr val="586E75"/>
-                </a:solidFill>
-                <a:effectLst/>
-              </a:rPr>
-              <a:t>(</a:t>
-            </a:r>
-            <a:r>
-              <a:rPr lang="en-US" dirty="0">
+              <a:t>  name</a:t>
+            </a:r>
+            <a:r>
+              <a:rPr lang="en-IN" dirty="0">
+                <a:solidFill>
+                  <a:srgbClr val="586E75"/>
+                </a:solidFill>
+                <a:effectLst/>
+              </a:rPr>
+              <a:t>:</a:t>
+            </a:r>
+            <a:r>
+              <a:rPr lang="en-IN" dirty="0">
+                <a:solidFill>
+                  <a:srgbClr val="B58900"/>
+                </a:solidFill>
+                <a:effectLst/>
+              </a:rPr>
+              <a:t>’saleel’</a:t>
+            </a:r>
+            <a:r>
+              <a:rPr lang="en-IN" dirty="0">
+                <a:solidFill>
+                  <a:srgbClr val="586E75"/>
+                </a:solidFill>
+                <a:effectLst/>
+              </a:rPr>
+              <a:t>,</a:t>
+            </a:r>
+            <a:r>
+              <a:rPr lang="en-IN" dirty="0">
                 <a:solidFill>
                   <a:srgbClr val="333333"/>
                 </a:solidFill>
                 <a:effectLst/>
               </a:rPr>
-              <a:t>n</a:t>
-            </a:r>
-            <a:r>
-              <a:rPr lang="en-US" dirty="0">
-                <a:solidFill>
-                  <a:srgbClr val="586E75"/>
-                </a:solidFill>
-                <a:effectLst/>
-              </a:rPr>
-              <a:t>)</a:t>
-            </a:r>
-            <a:r>
-              <a:rPr lang="en-US" dirty="0">
+              <a:t>  location</a:t>
+            </a:r>
+            <a:r>
+              <a:rPr lang="en-IN" dirty="0">
+                <a:solidFill>
+                  <a:srgbClr val="586E75"/>
+                </a:solidFill>
+                <a:effectLst/>
+              </a:rPr>
+              <a:t>:</a:t>
+            </a:r>
+            <a:r>
+              <a:rPr lang="en-IN" dirty="0">
+                <a:solidFill>
+                  <a:srgbClr val="B58900"/>
+                </a:solidFill>
+                <a:effectLst/>
+              </a:rPr>
+              <a:t>'baroda’</a:t>
+            </a:r>
+            <a:r>
+              <a:rPr lang="en-IN" dirty="0">
+                <a:solidFill>
+                  <a:srgbClr val="586E75"/>
+                </a:solidFill>
+                <a:effectLst/>
+              </a:rPr>
+              <a:t>,</a:t>
+            </a:r>
+            <a:r>
+              <a:rPr lang="en-IN" dirty="0">
                 <a:solidFill>
                   <a:srgbClr val="333333"/>
                 </a:solidFill>
                 <a:effectLst/>
               </a:rPr>
-              <a:t> </a:t>
-            </a:r>
-            <a:r>
-              <a:rPr lang="en-US" dirty="0">
-                <a:solidFill>
-                  <a:srgbClr val="859900"/>
-                </a:solidFill>
-                <a:effectLst/>
-              </a:rPr>
-              <a:t>where</a:t>
-            </a:r>
-            <a:r>
-              <a:rPr lang="en-US" dirty="0">
-                <a:solidFill>
-                  <a:srgbClr val="333333"/>
-                </a:solidFill>
-                <a:effectLst/>
-              </a:rPr>
-              <a:t> id</a:t>
-            </a:r>
-            <a:r>
-              <a:rPr lang="en-US" dirty="0">
-                <a:solidFill>
-                  <a:srgbClr val="586E75"/>
-                </a:solidFill>
-                <a:effectLst/>
-              </a:rPr>
-              <a:t>(</a:t>
-            </a:r>
-            <a:r>
-              <a:rPr lang="en-US" dirty="0">
-                <a:solidFill>
-                  <a:srgbClr val="333333"/>
-                </a:solidFill>
-                <a:effectLst/>
-              </a:rPr>
-              <a:t>n</a:t>
-            </a:r>
-            <a:r>
-              <a:rPr lang="en-US" dirty="0">
-                <a:solidFill>
-                  <a:srgbClr val="586E75"/>
-                </a:solidFill>
-                <a:effectLst/>
-              </a:rPr>
-              <a:t>)=</a:t>
-            </a:r>
-            <a:r>
-              <a:rPr lang="en-US" dirty="0">
+              <a:t>  phone</a:t>
+            </a:r>
+            <a:r>
+              <a:rPr lang="en-IN" dirty="0">
+                <a:solidFill>
+                  <a:srgbClr val="586E75"/>
+                </a:solidFill>
+                <a:effectLst/>
+              </a:rPr>
+              <a:t>:</a:t>
+            </a:r>
+            <a:r>
+              <a:rPr lang="en-IN" dirty="0">
                 <a:solidFill>
                   <a:srgbClr val="2AA198"/>
                 </a:solidFill>
                 <a:effectLst/>
               </a:rPr>
-              <a:t>0</a:t>
-            </a:r>
-            <a:r>
-              <a:rPr lang="en-US" dirty="0">
-                <a:solidFill>
-                  <a:srgbClr val="333333"/>
-                </a:solidFill>
-                <a:effectLst/>
-              </a:rPr>
-              <a:t> </a:t>
-            </a:r>
-            <a:r>
-              <a:rPr lang="en-US" dirty="0">
-                <a:solidFill>
-                  <a:srgbClr val="859900"/>
-                </a:solidFill>
-                <a:effectLst/>
-              </a:rPr>
-              <a:t>detach</a:t>
-            </a:r>
-            <a:r>
-              <a:rPr lang="en-US" dirty="0">
-                <a:solidFill>
-                  <a:srgbClr val="333333"/>
-                </a:solidFill>
-                <a:effectLst/>
-              </a:rPr>
-              <a:t> </a:t>
-            </a:r>
-            <a:r>
-              <a:rPr lang="en-US" dirty="0">
-                <a:solidFill>
-                  <a:srgbClr val="859900"/>
-                </a:solidFill>
-                <a:effectLst/>
-              </a:rPr>
-              <a:t>delete</a:t>
-            </a:r>
-            <a:r>
-              <a:rPr lang="en-US" dirty="0">
-                <a:solidFill>
-                  <a:srgbClr val="333333"/>
-                </a:solidFill>
-                <a:effectLst/>
-              </a:rPr>
-              <a:t> n</a:t>
-            </a:r>
-          </a:p>
-          <a:p>
-            <a:pPr marL="285750" indent="-285750">
-              <a:buFont typeface="Arial" panose="020B0604020202020204" pitchFamily="34" charset="0"/>
-              <a:buChar char="•"/>
-            </a:pPr>
-            <a:endParaRPr lang="en-US" sz="800" dirty="0">
-              <a:solidFill>
-                <a:srgbClr val="333333"/>
-              </a:solidFill>
-            </a:endParaRPr>
-          </a:p>
-          <a:p>
-            <a:pPr marL="285750" indent="-285750">
-              <a:buFont typeface="Arial" panose="020B0604020202020204" pitchFamily="34" charset="0"/>
-              <a:buChar char="•"/>
-            </a:pPr>
-            <a:r>
-              <a:rPr lang="en-IN" dirty="0">
-                <a:solidFill>
-                  <a:schemeClr val="tx1">
-                    <a:lumMod val="50000"/>
-                    <a:lumOff val="50000"/>
-                  </a:schemeClr>
-                </a:solidFill>
-                <a:latin typeface="Gill Sans MT (Body)"/>
-              </a:rPr>
-              <a:t>neo4j$ </a:t>
-            </a:r>
-            <a:r>
-              <a:rPr lang="en-IN" dirty="0">
-                <a:solidFill>
-                  <a:srgbClr val="859900"/>
-                </a:solidFill>
-                <a:effectLst/>
-              </a:rPr>
-              <a:t>match</a:t>
-            </a:r>
-            <a:r>
-              <a:rPr lang="en-IN" dirty="0">
-                <a:solidFill>
-                  <a:srgbClr val="586E75"/>
-                </a:solidFill>
-                <a:effectLst/>
-              </a:rPr>
-              <a:t>(</a:t>
-            </a:r>
-            <a:r>
-              <a:rPr lang="en-IN" dirty="0">
-                <a:solidFill>
-                  <a:srgbClr val="333333"/>
-                </a:solidFill>
-                <a:effectLst/>
-              </a:rPr>
-              <a:t>n</a:t>
-            </a:r>
-            <a:r>
-              <a:rPr lang="en-IN" dirty="0">
-                <a:solidFill>
-                  <a:srgbClr val="586E75"/>
-                </a:solidFill>
-                <a:effectLst/>
-              </a:rPr>
-              <a:t>)</a:t>
-            </a:r>
-            <a:r>
-              <a:rPr lang="en-IN" dirty="0">
-                <a:solidFill>
-                  <a:srgbClr val="333333"/>
-                </a:solidFill>
-                <a:effectLst/>
-              </a:rPr>
-              <a:t> </a:t>
-            </a:r>
-            <a:r>
-              <a:rPr lang="en-IN" dirty="0">
-                <a:solidFill>
-                  <a:srgbClr val="859900"/>
-                </a:solidFill>
-                <a:effectLst/>
-              </a:rPr>
-              <a:t>where</a:t>
-            </a:r>
-            <a:r>
-              <a:rPr lang="en-IN" dirty="0">
-                <a:solidFill>
-                  <a:srgbClr val="333333"/>
-                </a:solidFill>
-                <a:effectLst/>
-              </a:rPr>
-              <a:t> id</a:t>
-            </a:r>
-            <a:r>
-              <a:rPr lang="en-IN" dirty="0">
-                <a:solidFill>
-                  <a:srgbClr val="586E75"/>
-                </a:solidFill>
-                <a:effectLst/>
-              </a:rPr>
-              <a:t>(</a:t>
-            </a:r>
-            <a:r>
-              <a:rPr lang="en-IN" dirty="0">
-                <a:solidFill>
-                  <a:srgbClr val="333333"/>
-                </a:solidFill>
-                <a:effectLst/>
-              </a:rPr>
-              <a:t>n</a:t>
-            </a:r>
-            <a:r>
-              <a:rPr lang="en-IN" dirty="0">
-                <a:solidFill>
-                  <a:srgbClr val="586E75"/>
-                </a:solidFill>
-                <a:effectLst/>
-              </a:rPr>
-              <a:t>)=</a:t>
-            </a:r>
-            <a:r>
-              <a:rPr lang="en-IN" dirty="0">
-                <a:solidFill>
-                  <a:srgbClr val="2AA198"/>
-                </a:solidFill>
-                <a:effectLst/>
-              </a:rPr>
-              <a:t>2</a:t>
-            </a:r>
-            <a:r>
-              <a:rPr lang="en-IN" dirty="0">
-                <a:solidFill>
-                  <a:srgbClr val="333333"/>
-                </a:solidFill>
-                <a:effectLst/>
-              </a:rPr>
-              <a:t> </a:t>
-            </a:r>
-            <a:r>
-              <a:rPr lang="en-IN" dirty="0">
-                <a:solidFill>
-                  <a:srgbClr val="859900"/>
-                </a:solidFill>
-                <a:effectLst/>
-              </a:rPr>
-              <a:t>or</a:t>
-            </a:r>
-            <a:r>
-              <a:rPr lang="en-IN" dirty="0">
-                <a:solidFill>
-                  <a:srgbClr val="333333"/>
-                </a:solidFill>
-                <a:effectLst/>
-              </a:rPr>
-              <a:t> id</a:t>
-            </a:r>
-            <a:r>
-              <a:rPr lang="en-IN" dirty="0">
-                <a:solidFill>
-                  <a:srgbClr val="586E75"/>
-                </a:solidFill>
-                <a:effectLst/>
-              </a:rPr>
-              <a:t>(</a:t>
-            </a:r>
-            <a:r>
-              <a:rPr lang="en-IN" dirty="0">
-                <a:solidFill>
-                  <a:srgbClr val="333333"/>
-                </a:solidFill>
-                <a:effectLst/>
-              </a:rPr>
-              <a:t>n</a:t>
-            </a:r>
-            <a:r>
-              <a:rPr lang="en-IN" dirty="0">
-                <a:solidFill>
-                  <a:srgbClr val="586E75"/>
-                </a:solidFill>
-                <a:effectLst/>
-              </a:rPr>
-              <a:t>)=</a:t>
-            </a:r>
-            <a:r>
-              <a:rPr lang="en-IN" dirty="0">
-                <a:solidFill>
-                  <a:srgbClr val="2AA198"/>
-                </a:solidFill>
-                <a:effectLst/>
-              </a:rPr>
-              <a:t>3</a:t>
-            </a:r>
-            <a:r>
-              <a:rPr lang="en-IN" dirty="0">
-                <a:solidFill>
-                  <a:srgbClr val="333333"/>
-                </a:solidFill>
-                <a:effectLst/>
-              </a:rPr>
-              <a:t> </a:t>
-            </a:r>
-            <a:r>
-              <a:rPr lang="en-IN" dirty="0">
-                <a:solidFill>
-                  <a:srgbClr val="859900"/>
-                </a:solidFill>
-                <a:effectLst/>
-              </a:rPr>
-              <a:t>detach</a:t>
-            </a:r>
-            <a:r>
-              <a:rPr lang="en-IN" dirty="0">
-                <a:solidFill>
-                  <a:srgbClr val="333333"/>
-                </a:solidFill>
-                <a:effectLst/>
-              </a:rPr>
-              <a:t> </a:t>
-            </a:r>
-            <a:r>
-              <a:rPr lang="en-IN" dirty="0">
-                <a:solidFill>
-                  <a:srgbClr val="859900"/>
-                </a:solidFill>
-                <a:effectLst/>
-              </a:rPr>
-              <a:t>delete</a:t>
-            </a:r>
-            <a:r>
-              <a:rPr lang="en-IN" dirty="0">
-                <a:solidFill>
-                  <a:srgbClr val="333333"/>
-                </a:solidFill>
-                <a:effectLst/>
-              </a:rPr>
-              <a:t> n</a:t>
-            </a:r>
-          </a:p>
-          <a:p>
-            <a:pPr marL="285750" indent="-285750">
-              <a:buFont typeface="Arial" panose="020B0604020202020204" pitchFamily="34" charset="0"/>
-              <a:buChar char="•"/>
-            </a:pPr>
-            <a:endParaRPr lang="en-IN" sz="400" dirty="0">
-              <a:solidFill>
-                <a:srgbClr val="333333"/>
-              </a:solidFill>
-            </a:endParaRPr>
-          </a:p>
-          <a:p>
-            <a:pPr marL="285750" indent="-285750">
-              <a:buFont typeface="Arial" panose="020B0604020202020204" pitchFamily="34" charset="0"/>
-              <a:buChar char="•"/>
-            </a:pPr>
-            <a:r>
-              <a:rPr lang="en-IN" dirty="0">
-                <a:solidFill>
-                  <a:schemeClr val="tx1">
-                    <a:lumMod val="50000"/>
-                    <a:lumOff val="50000"/>
-                  </a:schemeClr>
-                </a:solidFill>
-                <a:latin typeface="Gill Sans MT (Body)"/>
-              </a:rPr>
-              <a:t>neo4j$ </a:t>
-            </a:r>
-            <a:r>
-              <a:rPr lang="en-IN" dirty="0">
-                <a:solidFill>
-                  <a:srgbClr val="859900"/>
-                </a:solidFill>
-                <a:effectLst/>
-              </a:rPr>
-              <a:t>match</a:t>
-            </a:r>
-            <a:r>
-              <a:rPr lang="en-IN" dirty="0">
-                <a:solidFill>
-                  <a:srgbClr val="586E75"/>
-                </a:solidFill>
-                <a:effectLst/>
-              </a:rPr>
-              <a:t>(</a:t>
-            </a:r>
-            <a:r>
-              <a:rPr lang="en-IN" dirty="0">
-                <a:solidFill>
-                  <a:srgbClr val="333333"/>
-                </a:solidFill>
-                <a:effectLst/>
-              </a:rPr>
-              <a:t>n</a:t>
-            </a:r>
-            <a:r>
-              <a:rPr lang="en-IN" dirty="0">
-                <a:solidFill>
-                  <a:srgbClr val="586E75"/>
-                </a:solidFill>
-                <a:effectLst/>
-              </a:rPr>
-              <a:t>)</a:t>
-            </a:r>
-            <a:r>
-              <a:rPr lang="en-IN" dirty="0">
-                <a:solidFill>
-                  <a:srgbClr val="333333"/>
-                </a:solidFill>
-                <a:effectLst/>
-              </a:rPr>
-              <a:t> </a:t>
-            </a:r>
-            <a:r>
-              <a:rPr lang="en-IN" dirty="0">
-                <a:solidFill>
-                  <a:srgbClr val="859900"/>
-                </a:solidFill>
-                <a:effectLst/>
-              </a:rPr>
-              <a:t>where</a:t>
-            </a:r>
-            <a:r>
-              <a:rPr lang="en-IN" dirty="0">
-                <a:solidFill>
-                  <a:srgbClr val="333333"/>
-                </a:solidFill>
-                <a:effectLst/>
-              </a:rPr>
-              <a:t> id</a:t>
-            </a:r>
-            <a:r>
-              <a:rPr lang="en-IN" dirty="0">
-                <a:solidFill>
-                  <a:srgbClr val="586E75"/>
-                </a:solidFill>
-                <a:effectLst/>
-              </a:rPr>
-              <a:t>(</a:t>
-            </a:r>
-            <a:r>
-              <a:rPr lang="en-IN" dirty="0">
-                <a:solidFill>
-                  <a:srgbClr val="333333"/>
-                </a:solidFill>
-                <a:effectLst/>
-              </a:rPr>
-              <a:t>n</a:t>
-            </a:r>
-            <a:r>
-              <a:rPr lang="en-IN" dirty="0">
-                <a:solidFill>
-                  <a:srgbClr val="586E75"/>
-                </a:solidFill>
-                <a:effectLst/>
-              </a:rPr>
-              <a:t>) </a:t>
-            </a:r>
-            <a:r>
-              <a:rPr lang="en-US" dirty="0">
-                <a:solidFill>
-                  <a:srgbClr val="859900"/>
-                </a:solidFill>
-                <a:effectLst/>
-              </a:rPr>
-              <a:t>in</a:t>
-            </a:r>
-            <a:r>
-              <a:rPr lang="en-US" dirty="0">
-                <a:solidFill>
-                  <a:srgbClr val="333333"/>
-                </a:solidFill>
-                <a:effectLst/>
-              </a:rPr>
-              <a:t> </a:t>
-            </a:r>
-            <a:r>
-              <a:rPr lang="en-US" dirty="0">
-                <a:solidFill>
-                  <a:srgbClr val="586E75"/>
-                </a:solidFill>
-                <a:effectLst/>
-              </a:rPr>
-              <a:t>[ </a:t>
-            </a:r>
-            <a:r>
-              <a:rPr lang="en-US" dirty="0">
-                <a:solidFill>
-                  <a:srgbClr val="2AA198"/>
-                </a:solidFill>
-                <a:effectLst/>
-              </a:rPr>
-              <a:t>2</a:t>
-            </a:r>
-            <a:r>
-              <a:rPr lang="en-US" dirty="0">
-                <a:solidFill>
-                  <a:srgbClr val="586E75"/>
-                </a:solidFill>
-                <a:effectLst/>
-              </a:rPr>
-              <a:t>, </a:t>
-            </a:r>
-            <a:r>
-              <a:rPr lang="en-US" dirty="0">
-                <a:solidFill>
-                  <a:srgbClr val="2AA198"/>
-                </a:solidFill>
-                <a:effectLst/>
-              </a:rPr>
-              <a:t>3 </a:t>
-            </a:r>
-            <a:r>
-              <a:rPr lang="en-US" dirty="0">
-                <a:solidFill>
-                  <a:srgbClr val="586E75"/>
-                </a:solidFill>
-                <a:effectLst/>
-              </a:rPr>
-              <a:t>]</a:t>
-            </a:r>
-            <a:r>
-              <a:rPr lang="en-US" dirty="0">
-                <a:solidFill>
-                  <a:srgbClr val="333333"/>
-                </a:solidFill>
-                <a:effectLst/>
-              </a:rPr>
-              <a:t> </a:t>
-            </a:r>
-            <a:r>
-              <a:rPr lang="en-IN" dirty="0">
-                <a:solidFill>
-                  <a:srgbClr val="333333"/>
-                </a:solidFill>
-                <a:effectLst/>
-              </a:rPr>
-              <a:t> </a:t>
-            </a:r>
-            <a:r>
-              <a:rPr lang="en-IN" dirty="0">
-                <a:solidFill>
-                  <a:srgbClr val="859900"/>
-                </a:solidFill>
-                <a:effectLst/>
-              </a:rPr>
-              <a:t>detach</a:t>
-            </a:r>
-            <a:r>
-              <a:rPr lang="en-IN" dirty="0">
-                <a:solidFill>
-                  <a:srgbClr val="333333"/>
-                </a:solidFill>
-                <a:effectLst/>
-              </a:rPr>
-              <a:t> </a:t>
-            </a:r>
-            <a:r>
-              <a:rPr lang="en-IN" dirty="0">
-                <a:solidFill>
-                  <a:srgbClr val="859900"/>
-                </a:solidFill>
-                <a:effectLst/>
-              </a:rPr>
-              <a:t>delete</a:t>
-            </a:r>
-            <a:r>
-              <a:rPr lang="en-IN" dirty="0">
-                <a:solidFill>
-                  <a:srgbClr val="333333"/>
-                </a:solidFill>
-                <a:effectLst/>
-              </a:rPr>
-              <a:t> </a:t>
-            </a:r>
-            <a:r>
-              <a:rPr lang="en-IN">
-                <a:solidFill>
-                  <a:srgbClr val="333333"/>
-                </a:solidFill>
-                <a:effectLst/>
-              </a:rPr>
-              <a:t>n </a:t>
+              <a:t>100 </a:t>
+            </a:r>
+            <a:r>
+              <a:rPr lang="en-IN" dirty="0">
+                <a:solidFill>
+                  <a:srgbClr val="586E75"/>
+                </a:solidFill>
+                <a:effectLst/>
+              </a:rPr>
+              <a:t>}),</a:t>
             </a:r>
             <a:endParaRPr lang="en-IN" dirty="0">
               <a:solidFill>
@@ -9102,12 +6680,1676 @@
               <a:effectLst/>
             </a:endParaRPr>
           </a:p>
+          <a:p>
+            <a:pPr marL="273050"/>
+            <a:r>
+              <a:rPr lang="en-IN" dirty="0">
+                <a:solidFill>
+                  <a:srgbClr val="586E75"/>
+                </a:solidFill>
+                <a:effectLst/>
+              </a:rPr>
+              <a:t>(</a:t>
+            </a:r>
+            <a:r>
+              <a:rPr lang="en-IN" dirty="0">
+                <a:solidFill>
+                  <a:srgbClr val="333333"/>
+                </a:solidFill>
+                <a:effectLst/>
+              </a:rPr>
+              <a:t>a2</a:t>
+            </a:r>
+            <a:r>
+              <a:rPr lang="en-IN" dirty="0">
+                <a:solidFill>
+                  <a:srgbClr val="586E75"/>
+                </a:solidFill>
+                <a:effectLst/>
+              </a:rPr>
+              <a:t>:</a:t>
+            </a:r>
+            <a:r>
+              <a:rPr lang="en-IN" dirty="0">
+                <a:solidFill>
+                  <a:srgbClr val="333333"/>
+                </a:solidFill>
+                <a:effectLst/>
+              </a:rPr>
+              <a:t>author</a:t>
+            </a:r>
+            <a:r>
+              <a:rPr lang="en-IN" dirty="0">
+                <a:solidFill>
+                  <a:srgbClr val="586E75"/>
+                </a:solidFill>
+                <a:effectLst/>
+              </a:rPr>
+              <a:t>{ </a:t>
+            </a:r>
+            <a:r>
+              <a:rPr lang="en-IN" dirty="0">
+                <a:solidFill>
+                  <a:srgbClr val="333333"/>
+                </a:solidFill>
+                <a:effectLst/>
+              </a:rPr>
+              <a:t>_id</a:t>
+            </a:r>
+            <a:r>
+              <a:rPr lang="en-IN" dirty="0">
+                <a:solidFill>
+                  <a:srgbClr val="586E75"/>
+                </a:solidFill>
+                <a:effectLst/>
+              </a:rPr>
+              <a:t>:</a:t>
+            </a:r>
+            <a:r>
+              <a:rPr lang="en-IN" dirty="0">
+                <a:solidFill>
+                  <a:srgbClr val="2AA198"/>
+                </a:solidFill>
+                <a:effectLst/>
+              </a:rPr>
+              <a:t>1002</a:t>
+            </a:r>
+            <a:r>
+              <a:rPr lang="en-IN" dirty="0">
+                <a:solidFill>
+                  <a:srgbClr val="586E75"/>
+                </a:solidFill>
+                <a:effectLst/>
+              </a:rPr>
+              <a:t>,</a:t>
+            </a:r>
+            <a:r>
+              <a:rPr lang="en-IN" dirty="0">
+                <a:solidFill>
+                  <a:srgbClr val="333333"/>
+                </a:solidFill>
+                <a:effectLst/>
+              </a:rPr>
+              <a:t>  name</a:t>
+            </a:r>
+            <a:r>
+              <a:rPr lang="en-IN" dirty="0">
+                <a:solidFill>
+                  <a:srgbClr val="586E75"/>
+                </a:solidFill>
+                <a:effectLst/>
+              </a:rPr>
+              <a:t>:</a:t>
+            </a:r>
+            <a:r>
+              <a:rPr lang="en-IN" dirty="0">
+                <a:solidFill>
+                  <a:srgbClr val="B58900"/>
+                </a:solidFill>
+                <a:effectLst/>
+              </a:rPr>
+              <a:t>'sharmin’</a:t>
+            </a:r>
+            <a:r>
+              <a:rPr lang="en-IN" dirty="0">
+                <a:solidFill>
+                  <a:srgbClr val="586E75"/>
+                </a:solidFill>
+                <a:effectLst/>
+              </a:rPr>
+              <a:t>,</a:t>
+            </a:r>
+            <a:r>
+              <a:rPr lang="en-IN" dirty="0">
+                <a:solidFill>
+                  <a:srgbClr val="333333"/>
+                </a:solidFill>
+                <a:effectLst/>
+              </a:rPr>
+              <a:t>  location</a:t>
+            </a:r>
+            <a:r>
+              <a:rPr lang="en-IN" dirty="0">
+                <a:solidFill>
+                  <a:srgbClr val="586E75"/>
+                </a:solidFill>
+                <a:effectLst/>
+              </a:rPr>
+              <a:t>:</a:t>
+            </a:r>
+            <a:r>
+              <a:rPr lang="en-IN" dirty="0">
+                <a:solidFill>
+                  <a:srgbClr val="B58900"/>
+                </a:solidFill>
+                <a:effectLst/>
+              </a:rPr>
+              <a:t>'pune’</a:t>
+            </a:r>
+            <a:r>
+              <a:rPr lang="en-IN" dirty="0">
+                <a:solidFill>
+                  <a:srgbClr val="586E75"/>
+                </a:solidFill>
+                <a:effectLst/>
+              </a:rPr>
+              <a:t>,</a:t>
+            </a:r>
+            <a:r>
+              <a:rPr lang="en-IN" dirty="0">
+                <a:solidFill>
+                  <a:srgbClr val="333333"/>
+                </a:solidFill>
+                <a:effectLst/>
+              </a:rPr>
+              <a:t>  phone</a:t>
+            </a:r>
+            <a:r>
+              <a:rPr lang="en-IN" dirty="0">
+                <a:solidFill>
+                  <a:srgbClr val="586E75"/>
+                </a:solidFill>
+                <a:effectLst/>
+              </a:rPr>
+              <a:t>:</a:t>
+            </a:r>
+            <a:r>
+              <a:rPr lang="en-IN" dirty="0">
+                <a:solidFill>
+                  <a:srgbClr val="2AA198"/>
+                </a:solidFill>
+                <a:effectLst/>
+              </a:rPr>
+              <a:t>200 </a:t>
+            </a:r>
+            <a:r>
+              <a:rPr lang="en-IN" dirty="0">
+                <a:solidFill>
+                  <a:srgbClr val="586E75"/>
+                </a:solidFill>
+                <a:effectLst/>
+              </a:rPr>
+              <a:t>}),</a:t>
+            </a:r>
+            <a:endParaRPr lang="en-IN" dirty="0">
+              <a:solidFill>
+                <a:srgbClr val="000000"/>
+              </a:solidFill>
+              <a:effectLst/>
+            </a:endParaRPr>
+          </a:p>
+          <a:p>
+            <a:pPr marL="273050"/>
+            <a:r>
+              <a:rPr lang="en-IN" dirty="0">
+                <a:solidFill>
+                  <a:srgbClr val="586E75"/>
+                </a:solidFill>
+                <a:effectLst/>
+              </a:rPr>
+              <a:t>(</a:t>
+            </a:r>
+            <a:r>
+              <a:rPr lang="en-IN" dirty="0">
+                <a:solidFill>
+                  <a:srgbClr val="333333"/>
+                </a:solidFill>
+                <a:effectLst/>
+              </a:rPr>
+              <a:t>a3</a:t>
+            </a:r>
+            <a:r>
+              <a:rPr lang="en-IN" dirty="0">
+                <a:solidFill>
+                  <a:srgbClr val="586E75"/>
+                </a:solidFill>
+                <a:effectLst/>
+              </a:rPr>
+              <a:t>:</a:t>
+            </a:r>
+            <a:r>
+              <a:rPr lang="en-IN" dirty="0">
+                <a:solidFill>
+                  <a:srgbClr val="333333"/>
+                </a:solidFill>
+                <a:effectLst/>
+              </a:rPr>
+              <a:t>author</a:t>
+            </a:r>
+            <a:r>
+              <a:rPr lang="en-IN" dirty="0">
+                <a:solidFill>
+                  <a:srgbClr val="586E75"/>
+                </a:solidFill>
+                <a:effectLst/>
+              </a:rPr>
+              <a:t>{ </a:t>
+            </a:r>
+            <a:r>
+              <a:rPr lang="en-IN" dirty="0">
+                <a:solidFill>
+                  <a:srgbClr val="333333"/>
+                </a:solidFill>
+                <a:effectLst/>
+              </a:rPr>
+              <a:t>_id</a:t>
+            </a:r>
+            <a:r>
+              <a:rPr lang="en-IN" dirty="0">
+                <a:solidFill>
+                  <a:srgbClr val="586E75"/>
+                </a:solidFill>
+                <a:effectLst/>
+              </a:rPr>
+              <a:t>:</a:t>
+            </a:r>
+            <a:r>
+              <a:rPr lang="en-IN" dirty="0">
+                <a:solidFill>
+                  <a:srgbClr val="2AA198"/>
+                </a:solidFill>
+                <a:effectLst/>
+              </a:rPr>
+              <a:t>1003</a:t>
+            </a:r>
+            <a:r>
+              <a:rPr lang="en-IN" dirty="0">
+                <a:solidFill>
+                  <a:srgbClr val="586E75"/>
+                </a:solidFill>
+                <a:effectLst/>
+              </a:rPr>
+              <a:t>, </a:t>
+            </a:r>
+            <a:r>
+              <a:rPr lang="en-IN" dirty="0">
+                <a:solidFill>
+                  <a:srgbClr val="333333"/>
+                </a:solidFill>
+                <a:effectLst/>
+              </a:rPr>
+              <a:t> name</a:t>
+            </a:r>
+            <a:r>
+              <a:rPr lang="en-IN" dirty="0">
+                <a:solidFill>
+                  <a:srgbClr val="586E75"/>
+                </a:solidFill>
+                <a:effectLst/>
+              </a:rPr>
+              <a:t>:</a:t>
+            </a:r>
+            <a:r>
+              <a:rPr lang="en-IN" dirty="0">
+                <a:solidFill>
+                  <a:srgbClr val="B58900"/>
+                </a:solidFill>
+                <a:effectLst/>
+              </a:rPr>
+              <a:t>'vrushali’</a:t>
+            </a:r>
+            <a:r>
+              <a:rPr lang="en-IN" dirty="0">
+                <a:solidFill>
+                  <a:srgbClr val="586E75"/>
+                </a:solidFill>
+                <a:effectLst/>
+              </a:rPr>
+              <a:t>,</a:t>
+            </a:r>
+            <a:r>
+              <a:rPr lang="en-IN" dirty="0">
+                <a:solidFill>
+                  <a:srgbClr val="333333"/>
+                </a:solidFill>
+                <a:effectLst/>
+              </a:rPr>
+              <a:t>  location</a:t>
+            </a:r>
+            <a:r>
+              <a:rPr lang="en-IN" dirty="0">
+                <a:solidFill>
+                  <a:srgbClr val="586E75"/>
+                </a:solidFill>
+                <a:effectLst/>
+              </a:rPr>
+              <a:t>:</a:t>
+            </a:r>
+            <a:r>
+              <a:rPr lang="en-IN" dirty="0">
+                <a:solidFill>
+                  <a:srgbClr val="B58900"/>
+                </a:solidFill>
+                <a:effectLst/>
+              </a:rPr>
+              <a:t>'</a:t>
+            </a:r>
+            <a:r>
+              <a:rPr lang="en-IN" dirty="0" err="1">
+                <a:solidFill>
+                  <a:srgbClr val="B58900"/>
+                </a:solidFill>
+                <a:effectLst/>
+              </a:rPr>
+              <a:t>nashik</a:t>
+            </a:r>
+            <a:r>
+              <a:rPr lang="en-IN" dirty="0">
+                <a:solidFill>
+                  <a:srgbClr val="B58900"/>
+                </a:solidFill>
+                <a:effectLst/>
+              </a:rPr>
+              <a:t>’</a:t>
+            </a:r>
+            <a:r>
+              <a:rPr lang="en-IN" dirty="0">
+                <a:solidFill>
+                  <a:srgbClr val="586E75"/>
+                </a:solidFill>
+                <a:effectLst/>
+              </a:rPr>
+              <a:t>,</a:t>
+            </a:r>
+            <a:r>
+              <a:rPr lang="en-IN" dirty="0">
+                <a:solidFill>
+                  <a:srgbClr val="333333"/>
+                </a:solidFill>
+                <a:effectLst/>
+              </a:rPr>
+              <a:t>  phone</a:t>
+            </a:r>
+            <a:r>
+              <a:rPr lang="en-IN" dirty="0">
+                <a:solidFill>
+                  <a:srgbClr val="586E75"/>
+                </a:solidFill>
+                <a:effectLst/>
+              </a:rPr>
+              <a:t>:</a:t>
+            </a:r>
+            <a:r>
+              <a:rPr lang="en-IN" dirty="0">
+                <a:solidFill>
+                  <a:srgbClr val="2AA198"/>
+                </a:solidFill>
+                <a:effectLst/>
+              </a:rPr>
+              <a:t>300</a:t>
+            </a:r>
+            <a:r>
+              <a:rPr lang="en-IN" dirty="0">
+                <a:solidFill>
+                  <a:srgbClr val="586E75"/>
+                </a:solidFill>
+                <a:effectLst/>
+              </a:rPr>
+              <a:t>}),</a:t>
+            </a:r>
+            <a:endParaRPr lang="en-IN" dirty="0">
+              <a:solidFill>
+                <a:srgbClr val="000000"/>
+              </a:solidFill>
+              <a:effectLst/>
+            </a:endParaRPr>
+          </a:p>
+          <a:p>
+            <a:pPr marL="273050"/>
+            <a:r>
+              <a:rPr lang="en-IN" dirty="0">
+                <a:solidFill>
+                  <a:srgbClr val="586E75"/>
+                </a:solidFill>
+                <a:effectLst/>
+              </a:rPr>
+              <a:t>(</a:t>
+            </a:r>
+            <a:r>
+              <a:rPr lang="en-IN" dirty="0">
+                <a:solidFill>
+                  <a:srgbClr val="333333"/>
+                </a:solidFill>
+                <a:effectLst/>
+              </a:rPr>
+              <a:t>a4</a:t>
+            </a:r>
+            <a:r>
+              <a:rPr lang="en-IN" dirty="0">
+                <a:solidFill>
+                  <a:srgbClr val="586E75"/>
+                </a:solidFill>
+                <a:effectLst/>
+              </a:rPr>
+              <a:t>:</a:t>
+            </a:r>
+            <a:r>
+              <a:rPr lang="en-IN" dirty="0">
+                <a:solidFill>
+                  <a:srgbClr val="333333"/>
+                </a:solidFill>
+                <a:effectLst/>
+              </a:rPr>
+              <a:t>author</a:t>
+            </a:r>
+            <a:r>
+              <a:rPr lang="en-IN" dirty="0">
+                <a:solidFill>
+                  <a:srgbClr val="586E75"/>
+                </a:solidFill>
+                <a:effectLst/>
+              </a:rPr>
+              <a:t>{ </a:t>
+            </a:r>
+            <a:r>
+              <a:rPr lang="en-IN" dirty="0">
+                <a:solidFill>
+                  <a:srgbClr val="333333"/>
+                </a:solidFill>
+                <a:effectLst/>
+              </a:rPr>
+              <a:t>_id</a:t>
+            </a:r>
+            <a:r>
+              <a:rPr lang="en-IN" dirty="0">
+                <a:solidFill>
+                  <a:srgbClr val="586E75"/>
+                </a:solidFill>
+                <a:effectLst/>
+              </a:rPr>
+              <a:t>:</a:t>
+            </a:r>
+            <a:r>
+              <a:rPr lang="en-IN" dirty="0">
+                <a:solidFill>
+                  <a:srgbClr val="2AA198"/>
+                </a:solidFill>
+                <a:effectLst/>
+              </a:rPr>
+              <a:t>1004</a:t>
+            </a:r>
+            <a:r>
+              <a:rPr lang="en-IN" dirty="0">
+                <a:solidFill>
+                  <a:srgbClr val="586E75"/>
+                </a:solidFill>
+                <a:effectLst/>
+              </a:rPr>
+              <a:t>,</a:t>
+            </a:r>
+            <a:r>
+              <a:rPr lang="en-IN" dirty="0">
+                <a:solidFill>
+                  <a:srgbClr val="333333"/>
+                </a:solidFill>
+                <a:effectLst/>
+              </a:rPr>
+              <a:t>  name</a:t>
+            </a:r>
+            <a:r>
+              <a:rPr lang="en-IN" dirty="0">
+                <a:solidFill>
+                  <a:srgbClr val="586E75"/>
+                </a:solidFill>
+                <a:effectLst/>
+              </a:rPr>
+              <a:t>:</a:t>
+            </a:r>
+            <a:r>
+              <a:rPr lang="en-IN" dirty="0">
+                <a:solidFill>
+                  <a:srgbClr val="B58900"/>
+                </a:solidFill>
+                <a:effectLst/>
+              </a:rPr>
+              <a:t>'ruhan’</a:t>
+            </a:r>
+            <a:r>
+              <a:rPr lang="en-IN" dirty="0">
+                <a:solidFill>
+                  <a:srgbClr val="586E75"/>
+                </a:solidFill>
+                <a:effectLst/>
+              </a:rPr>
+              <a:t>,</a:t>
+            </a:r>
+            <a:r>
+              <a:rPr lang="en-IN" dirty="0">
+                <a:solidFill>
+                  <a:srgbClr val="333333"/>
+                </a:solidFill>
+                <a:effectLst/>
+              </a:rPr>
+              <a:t>  location</a:t>
+            </a:r>
+            <a:r>
+              <a:rPr lang="en-IN" dirty="0">
+                <a:solidFill>
+                  <a:srgbClr val="586E75"/>
+                </a:solidFill>
+                <a:effectLst/>
+              </a:rPr>
+              <a:t>:</a:t>
+            </a:r>
+            <a:r>
+              <a:rPr lang="en-IN" dirty="0">
+                <a:solidFill>
+                  <a:srgbClr val="B58900"/>
+                </a:solidFill>
+                <a:effectLst/>
+              </a:rPr>
+              <a:t>'pune’</a:t>
+            </a:r>
+            <a:r>
+              <a:rPr lang="en-IN" dirty="0">
+                <a:solidFill>
+                  <a:srgbClr val="586E75"/>
+                </a:solidFill>
+                <a:effectLst/>
+              </a:rPr>
+              <a:t>,</a:t>
+            </a:r>
+            <a:r>
+              <a:rPr lang="en-IN" dirty="0">
+                <a:solidFill>
+                  <a:srgbClr val="333333"/>
+                </a:solidFill>
+                <a:effectLst/>
+              </a:rPr>
+              <a:t>  phone</a:t>
+            </a:r>
+            <a:r>
+              <a:rPr lang="en-IN" dirty="0">
+                <a:solidFill>
+                  <a:srgbClr val="586E75"/>
+                </a:solidFill>
+                <a:effectLst/>
+              </a:rPr>
+              <a:t>:</a:t>
+            </a:r>
+            <a:r>
+              <a:rPr lang="en-IN" dirty="0">
+                <a:solidFill>
+                  <a:srgbClr val="2AA198"/>
+                </a:solidFill>
+                <a:effectLst/>
+              </a:rPr>
+              <a:t>400</a:t>
+            </a:r>
+            <a:r>
+              <a:rPr lang="en-IN" dirty="0">
+                <a:solidFill>
+                  <a:srgbClr val="586E75"/>
+                </a:solidFill>
+                <a:effectLst/>
+              </a:rPr>
+              <a:t>})</a:t>
+            </a:r>
+            <a:endParaRPr lang="en-IN" dirty="0">
+              <a:solidFill>
+                <a:srgbClr val="000000"/>
+              </a:solidFill>
+              <a:effectLst/>
+            </a:endParaRPr>
+          </a:p>
+          <a:p>
+            <a:pPr marL="273050"/>
+            <a:r>
+              <a:rPr lang="en-IN" dirty="0">
+                <a:solidFill>
+                  <a:srgbClr val="859900"/>
+                </a:solidFill>
+                <a:effectLst/>
+              </a:rPr>
+              <a:t>return</a:t>
+            </a:r>
+            <a:r>
+              <a:rPr lang="en-IN" dirty="0">
+                <a:solidFill>
+                  <a:srgbClr val="333333"/>
+                </a:solidFill>
+                <a:effectLst/>
+              </a:rPr>
+              <a:t> a1</a:t>
+            </a:r>
+            <a:r>
+              <a:rPr lang="en-IN" dirty="0">
+                <a:solidFill>
+                  <a:srgbClr val="586E75"/>
+                </a:solidFill>
+                <a:effectLst/>
+              </a:rPr>
+              <a:t>,</a:t>
+            </a:r>
+            <a:r>
+              <a:rPr lang="en-IN" dirty="0">
+                <a:solidFill>
+                  <a:srgbClr val="333333"/>
+                </a:solidFill>
+                <a:effectLst/>
+              </a:rPr>
+              <a:t> a2</a:t>
+            </a:r>
+            <a:r>
+              <a:rPr lang="en-IN" dirty="0">
+                <a:solidFill>
+                  <a:srgbClr val="586E75"/>
+                </a:solidFill>
+                <a:effectLst/>
+              </a:rPr>
+              <a:t>,</a:t>
+            </a:r>
+            <a:r>
+              <a:rPr lang="en-IN" dirty="0">
+                <a:solidFill>
+                  <a:srgbClr val="333333"/>
+                </a:solidFill>
+                <a:effectLst/>
+              </a:rPr>
+              <a:t> a3</a:t>
+            </a:r>
+            <a:r>
+              <a:rPr lang="en-IN" dirty="0">
+                <a:solidFill>
+                  <a:srgbClr val="586E75"/>
+                </a:solidFill>
+                <a:effectLst/>
+              </a:rPr>
+              <a:t>,</a:t>
+            </a:r>
+            <a:r>
+              <a:rPr lang="en-IN" dirty="0">
+                <a:solidFill>
+                  <a:srgbClr val="333333"/>
+                </a:solidFill>
+                <a:effectLst/>
+              </a:rPr>
+              <a:t> a4</a:t>
+            </a:r>
+          </a:p>
+          <a:p>
+            <a:pPr marL="273050"/>
+            <a:endParaRPr lang="en-IN" sz="800" dirty="0">
+              <a:solidFill>
+                <a:srgbClr val="333333"/>
+              </a:solidFill>
+            </a:endParaRPr>
+          </a:p>
+          <a:p>
+            <a:pPr marL="285750" indent="-285750">
+              <a:buFont typeface="Arial" panose="020B0604020202020204" pitchFamily="34" charset="0"/>
+              <a:buChar char="•"/>
+            </a:pPr>
+            <a:r>
+              <a:rPr lang="en-IN" dirty="0">
+                <a:solidFill>
+                  <a:schemeClr val="tx1">
+                    <a:lumMod val="50000"/>
+                    <a:lumOff val="50000"/>
+                  </a:schemeClr>
+                </a:solidFill>
+                <a:latin typeface="Gill Sans MT (Body)"/>
+              </a:rPr>
+              <a:t>neo4j$ </a:t>
+            </a:r>
+            <a:r>
+              <a:rPr lang="en-IN" dirty="0">
+                <a:solidFill>
+                  <a:srgbClr val="859900"/>
+                </a:solidFill>
+                <a:effectLst/>
+              </a:rPr>
+              <a:t>create</a:t>
+            </a:r>
+            <a:r>
+              <a:rPr lang="en-IN" dirty="0">
+                <a:solidFill>
+                  <a:srgbClr val="586E75"/>
+                </a:solidFill>
+                <a:effectLst/>
+              </a:rPr>
+              <a:t>(</a:t>
+            </a:r>
+            <a:r>
+              <a:rPr lang="en-IN" dirty="0">
+                <a:solidFill>
+                  <a:srgbClr val="333333"/>
+                </a:solidFill>
+                <a:effectLst/>
+              </a:rPr>
+              <a:t>b1</a:t>
+            </a:r>
+            <a:r>
+              <a:rPr lang="en-IN" dirty="0">
+                <a:solidFill>
+                  <a:srgbClr val="586E75"/>
+                </a:solidFill>
+                <a:effectLst/>
+              </a:rPr>
+              <a:t>:</a:t>
+            </a:r>
+            <a:r>
+              <a:rPr lang="en-IN" dirty="0">
+                <a:solidFill>
+                  <a:srgbClr val="333333"/>
+                </a:solidFill>
+                <a:effectLst/>
+              </a:rPr>
+              <a:t>book</a:t>
+            </a:r>
+            <a:r>
+              <a:rPr lang="en-IN" dirty="0">
+                <a:solidFill>
+                  <a:srgbClr val="586E75"/>
+                </a:solidFill>
+                <a:effectLst/>
+              </a:rPr>
+              <a:t>{</a:t>
+            </a:r>
+            <a:r>
+              <a:rPr lang="en-IN" dirty="0">
+                <a:solidFill>
+                  <a:srgbClr val="333333"/>
+                </a:solidFill>
+                <a:effectLst/>
+              </a:rPr>
+              <a:t> name</a:t>
+            </a:r>
+            <a:r>
+              <a:rPr lang="en-IN" dirty="0">
+                <a:solidFill>
+                  <a:srgbClr val="586E75"/>
+                </a:solidFill>
+                <a:effectLst/>
+              </a:rPr>
+              <a:t>:</a:t>
+            </a:r>
+            <a:r>
+              <a:rPr lang="en-IN" dirty="0">
+                <a:solidFill>
+                  <a:srgbClr val="B58900"/>
+                </a:solidFill>
+                <a:effectLst/>
+              </a:rPr>
+              <a:t>'redis'</a:t>
+            </a:r>
+            <a:r>
+              <a:rPr lang="en-IN" dirty="0">
+                <a:solidFill>
+                  <a:srgbClr val="586E75"/>
+                </a:solidFill>
+                <a:effectLst/>
+              </a:rPr>
+              <a:t>,</a:t>
+            </a:r>
+            <a:r>
+              <a:rPr lang="en-IN" dirty="0">
+                <a:solidFill>
+                  <a:srgbClr val="333333"/>
+                </a:solidFill>
+                <a:effectLst/>
+              </a:rPr>
+              <a:t> isbn</a:t>
+            </a:r>
+            <a:r>
+              <a:rPr lang="en-IN" dirty="0">
+                <a:solidFill>
+                  <a:srgbClr val="586E75"/>
+                </a:solidFill>
+                <a:effectLst/>
+              </a:rPr>
+              <a:t>:</a:t>
+            </a:r>
+            <a:r>
+              <a:rPr lang="en-IN" dirty="0">
+                <a:solidFill>
+                  <a:srgbClr val="B58900"/>
+                </a:solidFill>
+                <a:effectLst/>
+              </a:rPr>
+              <a:t>'redis-01'</a:t>
+            </a:r>
+            <a:r>
+              <a:rPr lang="en-IN" dirty="0">
+                <a:solidFill>
+                  <a:srgbClr val="586E75"/>
+                </a:solidFill>
+                <a:effectLst/>
+              </a:rPr>
+              <a:t>,</a:t>
+            </a:r>
+            <a:r>
+              <a:rPr lang="en-IN" dirty="0">
+                <a:solidFill>
+                  <a:srgbClr val="333333"/>
+                </a:solidFill>
+                <a:effectLst/>
+              </a:rPr>
+              <a:t> price</a:t>
+            </a:r>
+            <a:r>
+              <a:rPr lang="en-IN" dirty="0">
+                <a:solidFill>
+                  <a:srgbClr val="586E75"/>
+                </a:solidFill>
+                <a:effectLst/>
+              </a:rPr>
+              <a:t>:</a:t>
+            </a:r>
+            <a:r>
+              <a:rPr lang="en-IN" dirty="0">
+                <a:solidFill>
+                  <a:srgbClr val="2AA198"/>
+                </a:solidFill>
+                <a:effectLst/>
+              </a:rPr>
+              <a:t>175</a:t>
+            </a:r>
+            <a:r>
+              <a:rPr lang="en-IN" dirty="0">
+                <a:solidFill>
+                  <a:srgbClr val="586E75"/>
+                </a:solidFill>
+                <a:effectLst/>
+              </a:rPr>
+              <a:t>,</a:t>
+            </a:r>
+            <a:r>
+              <a:rPr lang="en-IN" dirty="0">
+                <a:solidFill>
+                  <a:srgbClr val="333333"/>
+                </a:solidFill>
+                <a:effectLst/>
+              </a:rPr>
+              <a:t> publishername</a:t>
+            </a:r>
+            <a:r>
+              <a:rPr lang="en-IN" dirty="0">
+                <a:solidFill>
+                  <a:srgbClr val="586E75"/>
+                </a:solidFill>
+                <a:effectLst/>
+              </a:rPr>
+              <a:t>:</a:t>
+            </a:r>
+            <a:r>
+              <a:rPr lang="en-IN" dirty="0">
+                <a:solidFill>
+                  <a:srgbClr val="B58900"/>
+                </a:solidFill>
+                <a:effectLst/>
+              </a:rPr>
+              <a:t>'universal publisher'</a:t>
+            </a:r>
+            <a:r>
+              <a:rPr lang="en-IN" dirty="0">
+                <a:solidFill>
+                  <a:srgbClr val="333333"/>
+                </a:solidFill>
+                <a:effectLst/>
+              </a:rPr>
+              <a:t> </a:t>
+            </a:r>
+            <a:r>
+              <a:rPr lang="en-IN" dirty="0">
+                <a:solidFill>
+                  <a:srgbClr val="586E75"/>
+                </a:solidFill>
+                <a:effectLst/>
+              </a:rPr>
+              <a:t>}),</a:t>
+            </a:r>
+            <a:endParaRPr lang="en-IN" dirty="0">
+              <a:solidFill>
+                <a:srgbClr val="000000"/>
+              </a:solidFill>
+              <a:effectLst/>
+            </a:endParaRPr>
+          </a:p>
+          <a:p>
+            <a:pPr marL="273050"/>
+            <a:r>
+              <a:rPr lang="en-IN" dirty="0">
+                <a:solidFill>
+                  <a:srgbClr val="586E75"/>
+                </a:solidFill>
+                <a:effectLst/>
+              </a:rPr>
+              <a:t>(</a:t>
+            </a:r>
+            <a:r>
+              <a:rPr lang="en-IN" dirty="0">
+                <a:solidFill>
+                  <a:srgbClr val="333333"/>
+                </a:solidFill>
+                <a:effectLst/>
+              </a:rPr>
+              <a:t>b2</a:t>
+            </a:r>
+            <a:r>
+              <a:rPr lang="en-IN" dirty="0">
+                <a:solidFill>
+                  <a:srgbClr val="586E75"/>
+                </a:solidFill>
+                <a:effectLst/>
+              </a:rPr>
+              <a:t>:</a:t>
+            </a:r>
+            <a:r>
+              <a:rPr lang="en-IN" dirty="0">
+                <a:solidFill>
+                  <a:srgbClr val="333333"/>
+                </a:solidFill>
+                <a:effectLst/>
+              </a:rPr>
+              <a:t>book</a:t>
+            </a:r>
+            <a:r>
+              <a:rPr lang="en-IN" dirty="0">
+                <a:solidFill>
+                  <a:srgbClr val="586E75"/>
+                </a:solidFill>
+                <a:effectLst/>
+              </a:rPr>
+              <a:t>{</a:t>
+            </a:r>
+            <a:r>
+              <a:rPr lang="en-IN" dirty="0">
+                <a:solidFill>
+                  <a:srgbClr val="333333"/>
+                </a:solidFill>
+                <a:effectLst/>
+              </a:rPr>
+              <a:t> name</a:t>
+            </a:r>
+            <a:r>
+              <a:rPr lang="en-IN" dirty="0">
+                <a:solidFill>
+                  <a:srgbClr val="586E75"/>
+                </a:solidFill>
+                <a:effectLst/>
+              </a:rPr>
+              <a:t>:</a:t>
+            </a:r>
+            <a:r>
+              <a:rPr lang="en-IN" dirty="0">
+                <a:solidFill>
+                  <a:srgbClr val="B58900"/>
+                </a:solidFill>
+                <a:effectLst/>
+              </a:rPr>
+              <a:t>'</a:t>
+            </a:r>
+            <a:r>
+              <a:rPr lang="en-IN" dirty="0" err="1">
+                <a:solidFill>
+                  <a:srgbClr val="B58900"/>
+                </a:solidFill>
+                <a:effectLst/>
+              </a:rPr>
+              <a:t>hbase</a:t>
+            </a:r>
+            <a:r>
+              <a:rPr lang="en-IN" dirty="0">
+                <a:solidFill>
+                  <a:srgbClr val="B58900"/>
+                </a:solidFill>
+                <a:effectLst/>
+              </a:rPr>
+              <a:t>'</a:t>
+            </a:r>
+            <a:r>
+              <a:rPr lang="en-IN" dirty="0">
+                <a:solidFill>
+                  <a:srgbClr val="586E75"/>
+                </a:solidFill>
+                <a:effectLst/>
+              </a:rPr>
+              <a:t>,</a:t>
+            </a:r>
+            <a:r>
+              <a:rPr lang="en-IN" dirty="0">
+                <a:solidFill>
+                  <a:srgbClr val="333333"/>
+                </a:solidFill>
+                <a:effectLst/>
+              </a:rPr>
+              <a:t> isbn</a:t>
+            </a:r>
+            <a:r>
+              <a:rPr lang="en-IN" dirty="0">
+                <a:solidFill>
+                  <a:srgbClr val="586E75"/>
+                </a:solidFill>
+                <a:effectLst/>
+              </a:rPr>
+              <a:t>:</a:t>
+            </a:r>
+            <a:r>
+              <a:rPr lang="en-IN" dirty="0">
+                <a:solidFill>
+                  <a:srgbClr val="B58900"/>
+                </a:solidFill>
+                <a:effectLst/>
+              </a:rPr>
+              <a:t>'hBase-02'</a:t>
+            </a:r>
+            <a:r>
+              <a:rPr lang="en-IN" dirty="0">
+                <a:solidFill>
+                  <a:srgbClr val="586E75"/>
+                </a:solidFill>
+                <a:effectLst/>
+              </a:rPr>
+              <a:t>,</a:t>
+            </a:r>
+            <a:r>
+              <a:rPr lang="en-IN" dirty="0">
+                <a:solidFill>
+                  <a:srgbClr val="333333"/>
+                </a:solidFill>
+                <a:effectLst/>
+              </a:rPr>
+              <a:t> price</a:t>
+            </a:r>
+            <a:r>
+              <a:rPr lang="en-IN" dirty="0">
+                <a:solidFill>
+                  <a:srgbClr val="586E75"/>
+                </a:solidFill>
+                <a:effectLst/>
+              </a:rPr>
+              <a:t>:</a:t>
+            </a:r>
+            <a:r>
+              <a:rPr lang="en-IN" dirty="0">
+                <a:solidFill>
+                  <a:srgbClr val="2AA198"/>
+                </a:solidFill>
+                <a:effectLst/>
+              </a:rPr>
+              <a:t>125</a:t>
+            </a:r>
+            <a:r>
+              <a:rPr lang="en-IN" dirty="0">
+                <a:solidFill>
+                  <a:srgbClr val="586E75"/>
+                </a:solidFill>
+                <a:effectLst/>
+              </a:rPr>
+              <a:t>,</a:t>
+            </a:r>
+            <a:r>
+              <a:rPr lang="en-IN" dirty="0">
+                <a:solidFill>
+                  <a:srgbClr val="333333"/>
+                </a:solidFill>
+                <a:effectLst/>
+              </a:rPr>
+              <a:t> publishername</a:t>
+            </a:r>
+            <a:r>
+              <a:rPr lang="en-IN" dirty="0">
+                <a:solidFill>
+                  <a:srgbClr val="586E75"/>
+                </a:solidFill>
+                <a:effectLst/>
+              </a:rPr>
+              <a:t>:</a:t>
+            </a:r>
+            <a:r>
+              <a:rPr lang="en-IN" dirty="0">
+                <a:solidFill>
+                  <a:srgbClr val="B58900"/>
+                </a:solidFill>
+                <a:effectLst/>
+              </a:rPr>
+              <a:t>'global publisher'</a:t>
+            </a:r>
+            <a:r>
+              <a:rPr lang="en-IN" dirty="0">
+                <a:solidFill>
+                  <a:srgbClr val="333333"/>
+                </a:solidFill>
+                <a:effectLst/>
+              </a:rPr>
+              <a:t> </a:t>
+            </a:r>
+            <a:r>
+              <a:rPr lang="en-IN" dirty="0">
+                <a:solidFill>
+                  <a:srgbClr val="586E75"/>
+                </a:solidFill>
+                <a:effectLst/>
+              </a:rPr>
+              <a:t>}),</a:t>
+            </a:r>
+            <a:endParaRPr lang="en-IN" dirty="0">
+              <a:solidFill>
+                <a:srgbClr val="000000"/>
+              </a:solidFill>
+              <a:effectLst/>
+            </a:endParaRPr>
+          </a:p>
+          <a:p>
+            <a:pPr marL="273050"/>
+            <a:r>
+              <a:rPr lang="en-IN" dirty="0">
+                <a:solidFill>
+                  <a:srgbClr val="586E75"/>
+                </a:solidFill>
+                <a:effectLst/>
+              </a:rPr>
+              <a:t>(</a:t>
+            </a:r>
+            <a:r>
+              <a:rPr lang="en-IN" dirty="0">
+                <a:solidFill>
+                  <a:srgbClr val="333333"/>
+                </a:solidFill>
+                <a:effectLst/>
+              </a:rPr>
+              <a:t>b3</a:t>
+            </a:r>
+            <a:r>
+              <a:rPr lang="en-IN" dirty="0">
+                <a:solidFill>
+                  <a:srgbClr val="586E75"/>
+                </a:solidFill>
+                <a:effectLst/>
+              </a:rPr>
+              <a:t>:</a:t>
+            </a:r>
+            <a:r>
+              <a:rPr lang="en-IN" dirty="0">
+                <a:solidFill>
+                  <a:srgbClr val="333333"/>
+                </a:solidFill>
+                <a:effectLst/>
+              </a:rPr>
+              <a:t>book</a:t>
+            </a:r>
+            <a:r>
+              <a:rPr lang="en-IN" dirty="0">
+                <a:solidFill>
+                  <a:srgbClr val="586E75"/>
+                </a:solidFill>
+                <a:effectLst/>
+              </a:rPr>
+              <a:t>{</a:t>
+            </a:r>
+            <a:r>
+              <a:rPr lang="en-IN" dirty="0">
+                <a:solidFill>
+                  <a:srgbClr val="333333"/>
+                </a:solidFill>
+                <a:effectLst/>
+              </a:rPr>
+              <a:t> name</a:t>
+            </a:r>
+            <a:r>
+              <a:rPr lang="en-IN" dirty="0">
+                <a:solidFill>
+                  <a:srgbClr val="586E75"/>
+                </a:solidFill>
+                <a:effectLst/>
+              </a:rPr>
+              <a:t>:</a:t>
+            </a:r>
+            <a:r>
+              <a:rPr lang="en-IN" dirty="0">
+                <a:solidFill>
+                  <a:srgbClr val="B58900"/>
+                </a:solidFill>
+                <a:effectLst/>
+              </a:rPr>
+              <a:t>'neo4j'</a:t>
+            </a:r>
+            <a:r>
+              <a:rPr lang="en-IN" dirty="0">
+                <a:solidFill>
+                  <a:srgbClr val="586E75"/>
+                </a:solidFill>
+                <a:effectLst/>
+              </a:rPr>
+              <a:t>,</a:t>
+            </a:r>
+            <a:r>
+              <a:rPr lang="en-IN" dirty="0">
+                <a:solidFill>
+                  <a:srgbClr val="333333"/>
+                </a:solidFill>
+                <a:effectLst/>
+              </a:rPr>
+              <a:t> isbn</a:t>
+            </a:r>
+            <a:r>
+              <a:rPr lang="en-IN" dirty="0">
+                <a:solidFill>
+                  <a:srgbClr val="586E75"/>
+                </a:solidFill>
+                <a:effectLst/>
+              </a:rPr>
+              <a:t>:</a:t>
+            </a:r>
+            <a:r>
+              <a:rPr lang="en-IN" dirty="0">
+                <a:solidFill>
+                  <a:srgbClr val="B58900"/>
+                </a:solidFill>
+                <a:effectLst/>
+              </a:rPr>
+              <a:t>'neo4j-03'</a:t>
+            </a:r>
+            <a:r>
+              <a:rPr lang="en-IN" dirty="0">
+                <a:solidFill>
+                  <a:srgbClr val="586E75"/>
+                </a:solidFill>
+                <a:effectLst/>
+              </a:rPr>
+              <a:t>,</a:t>
+            </a:r>
+            <a:r>
+              <a:rPr lang="en-IN" dirty="0">
+                <a:solidFill>
+                  <a:srgbClr val="333333"/>
+                </a:solidFill>
+                <a:effectLst/>
+              </a:rPr>
+              <a:t> price</a:t>
+            </a:r>
+            <a:r>
+              <a:rPr lang="en-IN" dirty="0">
+                <a:solidFill>
+                  <a:srgbClr val="586E75"/>
+                </a:solidFill>
+                <a:effectLst/>
+              </a:rPr>
+              <a:t>:</a:t>
+            </a:r>
+            <a:r>
+              <a:rPr lang="en-IN" dirty="0">
+                <a:solidFill>
+                  <a:srgbClr val="2AA198"/>
+                </a:solidFill>
+                <a:effectLst/>
+              </a:rPr>
+              <a:t>340</a:t>
+            </a:r>
+            <a:r>
+              <a:rPr lang="en-IN" dirty="0">
+                <a:solidFill>
+                  <a:srgbClr val="586E75"/>
+                </a:solidFill>
+                <a:effectLst/>
+              </a:rPr>
+              <a:t>,</a:t>
+            </a:r>
+            <a:r>
+              <a:rPr lang="en-IN" dirty="0">
+                <a:solidFill>
+                  <a:srgbClr val="333333"/>
+                </a:solidFill>
+                <a:effectLst/>
+              </a:rPr>
+              <a:t> publishername</a:t>
+            </a:r>
+            <a:r>
+              <a:rPr lang="en-IN" dirty="0">
+                <a:solidFill>
+                  <a:srgbClr val="586E75"/>
+                </a:solidFill>
+                <a:effectLst/>
+              </a:rPr>
+              <a:t>:</a:t>
+            </a:r>
+            <a:r>
+              <a:rPr lang="en-IN" dirty="0">
+                <a:solidFill>
+                  <a:srgbClr val="B58900"/>
+                </a:solidFill>
+                <a:effectLst/>
+              </a:rPr>
+              <a:t>'tech publisher'</a:t>
+            </a:r>
+            <a:r>
+              <a:rPr lang="en-IN" dirty="0">
+                <a:solidFill>
+                  <a:srgbClr val="333333"/>
+                </a:solidFill>
+                <a:effectLst/>
+              </a:rPr>
+              <a:t> </a:t>
+            </a:r>
+            <a:r>
+              <a:rPr lang="en-IN" dirty="0">
+                <a:solidFill>
+                  <a:srgbClr val="586E75"/>
+                </a:solidFill>
+                <a:effectLst/>
+              </a:rPr>
+              <a:t>}),</a:t>
+            </a:r>
+            <a:endParaRPr lang="en-IN" dirty="0">
+              <a:solidFill>
+                <a:srgbClr val="000000"/>
+              </a:solidFill>
+              <a:effectLst/>
+            </a:endParaRPr>
+          </a:p>
+          <a:p>
+            <a:pPr marL="273050"/>
+            <a:r>
+              <a:rPr lang="en-IN" dirty="0">
+                <a:solidFill>
+                  <a:srgbClr val="586E75"/>
+                </a:solidFill>
+                <a:effectLst/>
+              </a:rPr>
+              <a:t>(</a:t>
+            </a:r>
+            <a:r>
+              <a:rPr lang="en-IN" dirty="0">
+                <a:solidFill>
+                  <a:srgbClr val="333333"/>
+                </a:solidFill>
+                <a:effectLst/>
+              </a:rPr>
+              <a:t>b4</a:t>
+            </a:r>
+            <a:r>
+              <a:rPr lang="en-IN" dirty="0">
+                <a:solidFill>
+                  <a:srgbClr val="586E75"/>
+                </a:solidFill>
+                <a:effectLst/>
+              </a:rPr>
+              <a:t>:</a:t>
+            </a:r>
+            <a:r>
+              <a:rPr lang="en-IN" dirty="0">
+                <a:solidFill>
+                  <a:srgbClr val="333333"/>
+                </a:solidFill>
+                <a:effectLst/>
+              </a:rPr>
+              <a:t>book</a:t>
+            </a:r>
+            <a:r>
+              <a:rPr lang="en-IN" dirty="0">
+                <a:solidFill>
+                  <a:srgbClr val="586E75"/>
+                </a:solidFill>
+                <a:effectLst/>
+              </a:rPr>
+              <a:t>{</a:t>
+            </a:r>
+            <a:r>
+              <a:rPr lang="en-IN" dirty="0">
+                <a:solidFill>
+                  <a:srgbClr val="333333"/>
+                </a:solidFill>
+                <a:effectLst/>
+              </a:rPr>
+              <a:t> name</a:t>
+            </a:r>
+            <a:r>
+              <a:rPr lang="en-IN" dirty="0">
+                <a:solidFill>
+                  <a:srgbClr val="586E75"/>
+                </a:solidFill>
+                <a:effectLst/>
+              </a:rPr>
+              <a:t>:</a:t>
+            </a:r>
+            <a:r>
+              <a:rPr lang="en-IN" dirty="0">
+                <a:solidFill>
+                  <a:srgbClr val="B58900"/>
+                </a:solidFill>
+                <a:effectLst/>
+              </a:rPr>
+              <a:t>'</a:t>
+            </a:r>
+            <a:r>
+              <a:rPr lang="en-IN" dirty="0" err="1">
+                <a:solidFill>
+                  <a:srgbClr val="B58900"/>
+                </a:solidFill>
+                <a:effectLst/>
+              </a:rPr>
+              <a:t>mongodb</a:t>
+            </a:r>
+            <a:r>
+              <a:rPr lang="en-IN" dirty="0">
+                <a:solidFill>
+                  <a:srgbClr val="B58900"/>
+                </a:solidFill>
+                <a:effectLst/>
+              </a:rPr>
+              <a:t>'</a:t>
+            </a:r>
+            <a:r>
+              <a:rPr lang="en-IN" dirty="0">
+                <a:solidFill>
+                  <a:srgbClr val="586E75"/>
+                </a:solidFill>
+                <a:effectLst/>
+              </a:rPr>
+              <a:t>,</a:t>
+            </a:r>
+            <a:r>
+              <a:rPr lang="en-IN" dirty="0">
+                <a:solidFill>
+                  <a:srgbClr val="333333"/>
+                </a:solidFill>
+                <a:effectLst/>
+              </a:rPr>
+              <a:t> isbn</a:t>
+            </a:r>
+            <a:r>
+              <a:rPr lang="en-IN" dirty="0">
+                <a:solidFill>
+                  <a:srgbClr val="586E75"/>
+                </a:solidFill>
+                <a:effectLst/>
+              </a:rPr>
+              <a:t>:</a:t>
+            </a:r>
+            <a:r>
+              <a:rPr lang="en-IN" dirty="0">
+                <a:solidFill>
+                  <a:srgbClr val="B58900"/>
+                </a:solidFill>
+                <a:effectLst/>
+              </a:rPr>
+              <a:t>'mongodb-04'</a:t>
+            </a:r>
+            <a:r>
+              <a:rPr lang="en-IN" dirty="0">
+                <a:solidFill>
+                  <a:srgbClr val="586E75"/>
+                </a:solidFill>
+                <a:effectLst/>
+              </a:rPr>
+              <a:t>,</a:t>
+            </a:r>
+            <a:r>
+              <a:rPr lang="en-IN" dirty="0">
+                <a:solidFill>
+                  <a:srgbClr val="333333"/>
+                </a:solidFill>
+                <a:effectLst/>
+              </a:rPr>
+              <a:t> price</a:t>
+            </a:r>
+            <a:r>
+              <a:rPr lang="en-IN" dirty="0">
+                <a:solidFill>
+                  <a:srgbClr val="586E75"/>
+                </a:solidFill>
+                <a:effectLst/>
+              </a:rPr>
+              <a:t>:</a:t>
+            </a:r>
+            <a:r>
+              <a:rPr lang="en-IN" dirty="0">
+                <a:solidFill>
+                  <a:srgbClr val="2AA198"/>
+                </a:solidFill>
+                <a:effectLst/>
+              </a:rPr>
+              <a:t>180</a:t>
+            </a:r>
+            <a:r>
+              <a:rPr lang="en-IN" dirty="0">
+                <a:solidFill>
+                  <a:srgbClr val="586E75"/>
+                </a:solidFill>
+                <a:effectLst/>
+              </a:rPr>
+              <a:t>,</a:t>
+            </a:r>
+            <a:r>
+              <a:rPr lang="en-IN" dirty="0">
+                <a:solidFill>
+                  <a:srgbClr val="333333"/>
+                </a:solidFill>
+                <a:effectLst/>
+              </a:rPr>
+              <a:t> publishername</a:t>
+            </a:r>
+            <a:r>
+              <a:rPr lang="en-IN" dirty="0">
+                <a:solidFill>
+                  <a:srgbClr val="586E75"/>
+                </a:solidFill>
+                <a:effectLst/>
+              </a:rPr>
+              <a:t>:</a:t>
+            </a:r>
+            <a:r>
+              <a:rPr lang="en-IN" dirty="0">
+                <a:solidFill>
+                  <a:srgbClr val="B58900"/>
+                </a:solidFill>
+                <a:effectLst/>
+              </a:rPr>
+              <a:t>'universal publisher'</a:t>
+            </a:r>
+            <a:r>
+              <a:rPr lang="en-IN" dirty="0">
+                <a:solidFill>
+                  <a:srgbClr val="333333"/>
+                </a:solidFill>
+                <a:effectLst/>
+              </a:rPr>
+              <a:t> </a:t>
+            </a:r>
+            <a:r>
+              <a:rPr lang="en-IN" dirty="0">
+                <a:solidFill>
+                  <a:srgbClr val="586E75"/>
+                </a:solidFill>
+                <a:effectLst/>
+              </a:rPr>
+              <a:t>})</a:t>
+            </a:r>
+            <a:endParaRPr lang="en-IN" dirty="0">
+              <a:solidFill>
+                <a:srgbClr val="000000"/>
+              </a:solidFill>
+              <a:effectLst/>
+            </a:endParaRPr>
+          </a:p>
+          <a:p>
+            <a:pPr marL="273050"/>
+            <a:r>
+              <a:rPr lang="en-IN" dirty="0">
+                <a:solidFill>
+                  <a:srgbClr val="859900"/>
+                </a:solidFill>
+                <a:effectLst/>
+              </a:rPr>
+              <a:t>return</a:t>
+            </a:r>
+            <a:r>
+              <a:rPr lang="en-IN" dirty="0">
+                <a:solidFill>
+                  <a:srgbClr val="333333"/>
+                </a:solidFill>
+                <a:effectLst/>
+              </a:rPr>
+              <a:t> b1</a:t>
+            </a:r>
+            <a:r>
+              <a:rPr lang="en-IN" dirty="0">
+                <a:solidFill>
+                  <a:srgbClr val="586E75"/>
+                </a:solidFill>
+                <a:effectLst/>
+              </a:rPr>
+              <a:t>,</a:t>
+            </a:r>
+            <a:r>
+              <a:rPr lang="en-IN" dirty="0">
+                <a:solidFill>
+                  <a:srgbClr val="333333"/>
+                </a:solidFill>
+                <a:effectLst/>
+              </a:rPr>
+              <a:t> b2</a:t>
+            </a:r>
+            <a:r>
+              <a:rPr lang="en-IN" dirty="0">
+                <a:solidFill>
+                  <a:srgbClr val="586E75"/>
+                </a:solidFill>
+                <a:effectLst/>
+              </a:rPr>
+              <a:t>,</a:t>
+            </a:r>
+            <a:r>
+              <a:rPr lang="en-IN" dirty="0">
+                <a:solidFill>
+                  <a:srgbClr val="333333"/>
+                </a:solidFill>
+                <a:effectLst/>
+              </a:rPr>
+              <a:t> b3</a:t>
+            </a:r>
+            <a:r>
+              <a:rPr lang="en-IN" dirty="0">
+                <a:solidFill>
+                  <a:srgbClr val="586E75"/>
+                </a:solidFill>
+                <a:effectLst/>
+              </a:rPr>
+              <a:t>,</a:t>
+            </a:r>
+            <a:r>
+              <a:rPr lang="en-IN" dirty="0">
+                <a:solidFill>
+                  <a:srgbClr val="333333"/>
+                </a:solidFill>
+                <a:effectLst/>
+              </a:rPr>
+              <a:t> b4</a:t>
+            </a:r>
+            <a:endParaRPr lang="en-IN" dirty="0">
+              <a:solidFill>
+                <a:srgbClr val="000000"/>
+              </a:solidFill>
+              <a:effectLst/>
+            </a:endParaRPr>
+          </a:p>
         </p:txBody>
       </p:sp>
     </p:spTree>
     <p:extLst>
       <p:ext uri="{BB962C8B-B14F-4D97-AF65-F5344CB8AC3E}">
-        <p14:creationId xmlns:p14="http://schemas.microsoft.com/office/powerpoint/2010/main" val="2360892772"/>
+        <p14:creationId xmlns:p14="http://schemas.microsoft.com/office/powerpoint/2010/main" val="1502721810"/>
       </p:ext>
     </p:extLst>
   </p:cSld>
@@ -9354,7 +8596,7 @@
                 <a:latin typeface="Nunito Sans"/>
                 <a:ea typeface="DejaVu Sans"/>
               </a:rPr>
-              <a:t>match</a:t>
+              <a:t>delete all node</a:t>
             </a:r>
             <a:endParaRPr lang="en-IN" sz="4000" b="0" strike="noStrike" spc="-1" dirty="0">
               <a:solidFill>
@@ -9432,15 +8674,22 @@
           <a:lstStyle/>
           <a:p>
             <a:r>
-              <a:rPr lang="en-IN" spc="-1" dirty="0">
+              <a:rPr lang="pt-BR" spc="-1" dirty="0">
                 <a:solidFill>
                   <a:srgbClr val="0070C0"/>
                 </a:solidFill>
                 <a:latin typeface="Consolas" panose="020B0609020204030204" pitchFamily="49" charset="0"/>
                 <a:cs typeface="Arial" panose="020B0604020202020204" pitchFamily="34" charset="0"/>
               </a:rPr>
-              <a:t>TODO</a:t>
-            </a:r>
+              <a:t>MATCH(n) DETACH DELETE n</a:t>
+            </a:r>
+            <a:endParaRPr lang="en-IN" spc="-1" dirty="0">
+              <a:solidFill>
+                <a:srgbClr val="0070C0"/>
+              </a:solidFill>
+              <a:latin typeface="Consolas" panose="020B0609020204030204" pitchFamily="49" charset="0"/>
+              <a:cs typeface="Arial" panose="020B0604020202020204" pitchFamily="34" charset="0"/>
+            </a:endParaRPr>
           </a:p>
         </p:txBody>
       </p:sp>
@@ -9459,7 +8708,7 @@
         <p:spPr>
           <a:xfrm>
             <a:off x="243604" y="2134800"/>
-            <a:ext cx="11693880" cy="2893100"/>
+            <a:ext cx="11693880" cy="1508105"/>
           </a:xfrm>
           <a:prstGeom prst="rect">
             <a:avLst/>
@@ -9489,46 +8738,85 @@
               <a:t>neo4j$ </a:t>
             </a:r>
             <a:r>
-              <a:rPr lang="en-US" dirty="0">
+              <a:rPr lang="pt-BR" dirty="0">
                 <a:solidFill>
                   <a:srgbClr val="859900"/>
                 </a:solidFill>
                 <a:effectLst/>
-                <a:latin typeface="Gill Sans MT (Body)"/>
               </a:rPr>
               <a:t>match</a:t>
             </a:r>
             <a:r>
-              <a:rPr lang="en-IN" dirty="0">
-                <a:solidFill>
-                  <a:schemeClr val="accent6">
-                    <a:lumMod val="50000"/>
-                  </a:schemeClr>
-                </a:solidFill>
-                <a:latin typeface="Gill Sans MT (Body)"/>
-              </a:rPr>
-              <a:t>(n) </a:t>
-            </a:r>
-            <a:r>
-              <a:rPr lang="en-US" dirty="0">
+              <a:rPr lang="pt-BR" dirty="0">
+                <a:solidFill>
+                  <a:srgbClr val="586E75"/>
+                </a:solidFill>
+                <a:effectLst/>
+              </a:rPr>
+              <a:t>(</a:t>
+            </a:r>
+            <a:r>
+              <a:rPr lang="pt-BR" dirty="0">
+                <a:solidFill>
+                  <a:srgbClr val="333333"/>
+                </a:solidFill>
+                <a:effectLst/>
+              </a:rPr>
+              <a:t>n</a:t>
+            </a:r>
+            <a:r>
+              <a:rPr lang="pt-BR" dirty="0">
+                <a:solidFill>
+                  <a:srgbClr val="586E75"/>
+                </a:solidFill>
+                <a:effectLst/>
+              </a:rPr>
+              <a:t>)</a:t>
+            </a:r>
+            <a:r>
+              <a:rPr lang="pt-BR" dirty="0">
+                <a:solidFill>
+                  <a:srgbClr val="333333"/>
+                </a:solidFill>
+                <a:effectLst/>
+              </a:rPr>
+              <a:t> </a:t>
+            </a:r>
+            <a:r>
+              <a:rPr lang="pt-BR" dirty="0">
                 <a:solidFill>
                   <a:srgbClr val="859900"/>
                 </a:solidFill>
                 <a:effectLst/>
-                <a:latin typeface="Gill Sans MT (Body)"/>
-              </a:rPr>
-              <a:t> return </a:t>
-            </a:r>
-            <a:r>
-              <a:rPr lang="en-IN" dirty="0">
-                <a:solidFill>
-                  <a:schemeClr val="accent6">
-                    <a:lumMod val="50000"/>
-                  </a:schemeClr>
-                </a:solidFill>
-                <a:latin typeface="Gill Sans MT (Body)"/>
-              </a:rPr>
-              <a:t> n	</a:t>
+              </a:rPr>
+              <a:t>detach</a:t>
+            </a:r>
+            <a:r>
+              <a:rPr lang="pt-BR" dirty="0">
+                <a:solidFill>
+                  <a:srgbClr val="333333"/>
+                </a:solidFill>
+                <a:effectLst/>
+              </a:rPr>
+              <a:t> </a:t>
+            </a:r>
+            <a:r>
+              <a:rPr lang="pt-BR" dirty="0">
+                <a:solidFill>
+                  <a:srgbClr val="859900"/>
+                </a:solidFill>
+                <a:effectLst/>
+              </a:rPr>
+              <a:t>delete</a:t>
+            </a:r>
+            <a:r>
+              <a:rPr lang="pt-BR" dirty="0">
+                <a:solidFill>
+                  <a:srgbClr val="333333"/>
+                </a:solidFill>
+                <a:effectLst/>
+              </a:rPr>
+              <a:t> n</a:t>
             </a:r>
           </a:p>
           <a:p>
@@ -9536,13 +8824,10 @@
               <a:buFont typeface="Arial" panose="020B0604020202020204" pitchFamily="34" charset="0"/>
               <a:buChar char="•"/>
             </a:pPr>
-            <a:endParaRPr lang="en-IN" sz="800" dirty="0">
+            <a:endParaRPr lang="pt-BR" sz="800" dirty="0">
               <a:solidFill>
-                <a:schemeClr val="accent6">
-                  <a:lumMod val="50000"/>
-                </a:schemeClr>
+                <a:srgbClr val="333333"/>
               </a:solidFill>
-              <a:latin typeface="Gill Sans MT (Body)"/>
             </a:endParaRPr>
           </a:p>
           <a:p>
@@ -9568,329 +8853,134 @@
                   <a:srgbClr val="859900"/>
                 </a:solidFill>
                 <a:effectLst/>
-                <a:latin typeface="Gill Sans MT (Body)"/>
               </a:rPr>
               <a:t>match</a:t>
             </a:r>
             <a:r>
               <a:rPr lang="en-US" dirty="0">
                 <a:solidFill>
-                  <a:schemeClr val="accent6">
-                    <a:lumMod val="50000"/>
-                  </a:schemeClr>
-                </a:solidFill>
-                <a:latin typeface="Gill Sans MT (Body)"/>
-              </a:rPr>
-              <a:t>(n:Person)</a:t>
-            </a:r>
-            <a:r>
-              <a:rPr lang="en-IN" dirty="0">
-                <a:solidFill>
-                  <a:schemeClr val="accent6">
-                    <a:lumMod val="50000"/>
-                  </a:schemeClr>
-                </a:solidFill>
-                <a:latin typeface="Gill Sans MT (Body)"/>
-              </a:rPr>
-              <a:t> </a:t>
+                  <a:srgbClr val="586E75"/>
+                </a:solidFill>
+                <a:effectLst/>
+              </a:rPr>
+              <a:t>(</a:t>
             </a:r>
             <a:r>
               <a:rPr lang="en-US" dirty="0">
                 <a:solidFill>
+                  <a:srgbClr val="333333"/>
+                </a:solidFill>
+                <a:effectLst/>
+              </a:rPr>
+              <a:t>n</a:t>
+            </a:r>
+            <a:r>
+              <a:rPr lang="en-US" dirty="0">
+                <a:solidFill>
+                  <a:srgbClr val="586E75"/>
+                </a:solidFill>
+                <a:effectLst/>
+              </a:rPr>
+              <a:t>)</a:t>
+            </a:r>
+            <a:r>
+              <a:rPr lang="en-US" dirty="0">
+                <a:solidFill>
+                  <a:srgbClr val="333333"/>
+                </a:solidFill>
+                <a:effectLst/>
+              </a:rPr>
+              <a:t> </a:t>
+            </a:r>
+            <a:r>
+              <a:rPr lang="en-US" dirty="0">
+                <a:solidFill>
                   <a:srgbClr val="859900"/>
                 </a:solidFill>
                 <a:effectLst/>
-                <a:latin typeface="Gill Sans MT (Body)"/>
-              </a:rPr>
-              <a:t>return</a:t>
-            </a:r>
-            <a:r>
-              <a:rPr lang="en-IN" dirty="0">
-                <a:solidFill>
-                  <a:schemeClr val="accent6">
-                    <a:lumMod val="50000"/>
-                  </a:schemeClr>
-                </a:solidFill>
-                <a:latin typeface="Gill Sans MT (Body)"/>
-              </a:rPr>
-              <a:t> n</a:t>
-            </a:r>
-            <a:endParaRPr lang="en-US" dirty="0">
-              <a:solidFill>
-                <a:schemeClr val="accent6">
-                  <a:lumMod val="50000"/>
-                </a:schemeClr>
-              </a:solidFill>
-              <a:latin typeface="Gill Sans MT (Body)"/>
-            </a:endParaRPr>
-          </a:p>
-          <a:p>
-            <a:pPr marL="285750" indent="-285750">
-              <a:buFont typeface="Arial" panose="020B0604020202020204" pitchFamily="34" charset="0"/>
-              <a:buChar char="•"/>
-            </a:pPr>
-            <a:endParaRPr lang="en-US" sz="800" dirty="0">
-              <a:solidFill>
-                <a:schemeClr val="accent6">
-                  <a:lumMod val="50000"/>
-                </a:schemeClr>
-              </a:solidFill>
-              <a:latin typeface="Gill Sans MT (Body)"/>
-            </a:endParaRPr>
-          </a:p>
-          <a:p>
-            <a:pPr marL="285750" indent="-285750">
-              <a:buFont typeface="Arial" panose="020B0604020202020204" pitchFamily="34" charset="0"/>
-              <a:buChar char="•"/>
-            </a:pPr>
-            <a:r>
-              <a:rPr lang="en-IN" dirty="0">
-                <a:solidFill>
-                  <a:schemeClr val="tx1">
-                    <a:lumMod val="50000"/>
-                    <a:lumOff val="50000"/>
-                  </a:schemeClr>
-                </a:solidFill>
-                <a:latin typeface="Gill Sans MT (Body)"/>
-              </a:rPr>
-              <a:t>neo4j$ </a:t>
+              </a:rPr>
+              <a:t>where</a:t>
             </a:r>
             <a:r>
               <a:rPr lang="en-US" dirty="0">
                 <a:solidFill>
+                  <a:srgbClr val="333333"/>
+                </a:solidFill>
+                <a:effectLst/>
+              </a:rPr>
+              <a:t> id</a:t>
+            </a:r>
+            <a:r>
+              <a:rPr lang="en-US" dirty="0">
+                <a:solidFill>
+                  <a:srgbClr val="586E75"/>
+                </a:solidFill>
+                <a:effectLst/>
+              </a:rPr>
+              <a:t>(</a:t>
+            </a:r>
+            <a:r>
+              <a:rPr lang="en-US" dirty="0">
+                <a:solidFill>
+                  <a:srgbClr val="333333"/>
+                </a:solidFill>
+                <a:effectLst/>
+              </a:rPr>
+              <a:t>n</a:t>
+            </a:r>
+            <a:r>
+              <a:rPr lang="en-US" dirty="0">
+                <a:solidFill>
+                  <a:srgbClr val="586E75"/>
+                </a:solidFill>
+                <a:effectLst/>
+              </a:rPr>
+              <a:t>)=</a:t>
+            </a:r>
+            <a:r>
+              <a:rPr lang="en-US" dirty="0">
+                <a:solidFill>
+                  <a:srgbClr val="2AA198"/>
+                </a:solidFill>
+                <a:effectLst/>
+              </a:rPr>
+              <a:t>0</a:t>
+            </a:r>
+            <a:r>
+              <a:rPr lang="en-US" dirty="0">
+                <a:solidFill>
+                  <a:srgbClr val="333333"/>
+                </a:solidFill>
+                <a:effectLst/>
+              </a:rPr>
+              <a:t> </a:t>
+            </a:r>
+            <a:r>
+              <a:rPr lang="en-US" dirty="0">
+                <a:solidFill>
                   <a:srgbClr val="859900"/>
                 </a:solidFill>
                 <a:effectLst/>
-                <a:latin typeface="Gill Sans MT (Body)"/>
-              </a:rPr>
-              <a:t>match</a:t>
+              </a:rPr>
+              <a:t>detach</a:t>
             </a:r>
             <a:r>
               <a:rPr lang="en-US" dirty="0">
                 <a:solidFill>
-                  <a:srgbClr val="586E75"/>
-                </a:solidFill>
-                <a:effectLst/>
-                <a:latin typeface="Gill Sans MT (Body)"/>
-              </a:rPr>
-              <a:t>(</a:t>
+                  <a:srgbClr val="333333"/>
+                </a:solidFill>
+                <a:effectLst/>
+              </a:rPr>
+              <a:t> </a:t>
             </a:r>
             <a:r>
               <a:rPr lang="en-US" dirty="0">
                 <a:solidFill>
-                  <a:srgbClr val="333333"/>
-                </a:solidFill>
-                <a:effectLst/>
-                <a:latin typeface="Gill Sans MT (Body)"/>
-              </a:rPr>
-              <a:t>n</a:t>
-            </a:r>
-            <a:r>
-              <a:rPr lang="en-US" dirty="0">
-                <a:solidFill>
-                  <a:srgbClr val="586E75"/>
-                </a:solidFill>
-                <a:effectLst/>
-                <a:latin typeface="Gill Sans MT (Body)"/>
-              </a:rPr>
-              <a:t>:</a:t>
-            </a:r>
-            <a:r>
-              <a:rPr lang="en-US" dirty="0">
-                <a:solidFill>
-                  <a:srgbClr val="333333"/>
-                </a:solidFill>
-                <a:effectLst/>
-                <a:latin typeface="Gill Sans MT (Body)"/>
-              </a:rPr>
-              <a:t>book</a:t>
-            </a:r>
-            <a:r>
-              <a:rPr lang="en-US" dirty="0">
-                <a:solidFill>
-                  <a:srgbClr val="586E75"/>
-                </a:solidFill>
-                <a:effectLst/>
-                <a:latin typeface="Gill Sans MT (Body)"/>
-              </a:rPr>
-              <a:t>)</a:t>
-            </a:r>
-            <a:r>
-              <a:rPr lang="en-US" dirty="0">
-                <a:solidFill>
-                  <a:srgbClr val="333333"/>
-                </a:solidFill>
-                <a:effectLst/>
-                <a:latin typeface="Gill Sans MT (Body)"/>
-              </a:rPr>
-              <a:t> </a:t>
-            </a:r>
-            <a:r>
-              <a:rPr lang="en-US" dirty="0">
-                <a:solidFill>
                   <a:srgbClr val="859900"/>
                 </a:solidFill>
                 <a:effectLst/>
-                <a:latin typeface="Gill Sans MT (Body)"/>
-              </a:rPr>
-              <a:t>return</a:t>
-            </a:r>
-            <a:r>
-              <a:rPr lang="en-US" dirty="0">
-                <a:solidFill>
-                  <a:srgbClr val="333333"/>
-                </a:solidFill>
-                <a:effectLst/>
-                <a:latin typeface="Gill Sans MT (Body)"/>
-              </a:rPr>
-              <a:t> n</a:t>
-            </a:r>
-          </a:p>
-          <a:p>
-            <a:pPr marL="285750" indent="-285750">
-              <a:buFont typeface="Arial" panose="020B0604020202020204" pitchFamily="34" charset="0"/>
-              <a:buChar char="•"/>
-            </a:pPr>
-            <a:endParaRPr lang="en-US" sz="800" dirty="0">
-              <a:solidFill>
-                <a:srgbClr val="333333"/>
-              </a:solidFill>
-              <a:latin typeface="Gill Sans MT (Body)"/>
-            </a:endParaRPr>
-          </a:p>
-          <a:p>
-            <a:pPr marL="285750" indent="-285750">
-              <a:buFont typeface="Arial" panose="020B0604020202020204" pitchFamily="34" charset="0"/>
-              <a:buChar char="•"/>
-            </a:pPr>
-            <a:r>
-              <a:rPr lang="en-IN" dirty="0">
-                <a:solidFill>
-                  <a:schemeClr val="tx1">
-                    <a:lumMod val="50000"/>
-                    <a:lumOff val="50000"/>
-                  </a:schemeClr>
-                </a:solidFill>
-                <a:latin typeface="Gill Sans MT (Body)"/>
-              </a:rPr>
-              <a:t>neo4j$ </a:t>
-            </a:r>
-            <a:r>
-              <a:rPr lang="en-US" dirty="0">
-                <a:solidFill>
-                  <a:srgbClr val="859900"/>
-                </a:solidFill>
-                <a:effectLst/>
-              </a:rPr>
-              <a:t>match</a:t>
-            </a:r>
-            <a:r>
-              <a:rPr lang="en-US" dirty="0">
-                <a:solidFill>
-                  <a:srgbClr val="586E75"/>
-                </a:solidFill>
-                <a:effectLst/>
-              </a:rPr>
-              <a:t>(</a:t>
-            </a:r>
-            <a:r>
-              <a:rPr lang="en-US" dirty="0">
-                <a:solidFill>
-                  <a:srgbClr val="333333"/>
-                </a:solidFill>
-                <a:effectLst/>
-              </a:rPr>
-              <a:t>n</a:t>
-            </a:r>
-            <a:r>
-              <a:rPr lang="en-US" dirty="0">
-                <a:solidFill>
-                  <a:srgbClr val="586E75"/>
-                </a:solidFill>
-                <a:effectLst/>
-              </a:rPr>
-              <a:t>)</a:t>
-            </a:r>
-            <a:r>
-              <a:rPr lang="en-US" dirty="0">
-                <a:solidFill>
-                  <a:srgbClr val="333333"/>
-                </a:solidFill>
-                <a:effectLst/>
-              </a:rPr>
-              <a:t> </a:t>
-            </a:r>
-            <a:r>
-              <a:rPr lang="en-US" dirty="0">
-                <a:solidFill>
-                  <a:srgbClr val="859900"/>
-                </a:solidFill>
-                <a:effectLst/>
-              </a:rPr>
-              <a:t>where</a:t>
-            </a:r>
-            <a:r>
-              <a:rPr lang="en-US" dirty="0">
-                <a:solidFill>
-                  <a:srgbClr val="333333"/>
-                </a:solidFill>
-                <a:effectLst/>
-              </a:rPr>
-              <a:t> id</a:t>
-            </a:r>
-            <a:r>
-              <a:rPr lang="en-US" dirty="0">
-                <a:solidFill>
-                  <a:srgbClr val="586E75"/>
-                </a:solidFill>
-                <a:effectLst/>
-              </a:rPr>
-              <a:t>(</a:t>
-            </a:r>
-            <a:r>
-              <a:rPr lang="en-US" dirty="0">
-                <a:solidFill>
-                  <a:srgbClr val="333333"/>
-                </a:solidFill>
-                <a:effectLst/>
-              </a:rPr>
-              <a:t>n</a:t>
-            </a:r>
-            <a:r>
-              <a:rPr lang="en-US" dirty="0">
-                <a:solidFill>
-                  <a:srgbClr val="586E75"/>
-                </a:solidFill>
-                <a:effectLst/>
-              </a:rPr>
-              <a:t>)=</a:t>
-            </a:r>
-            <a:r>
-              <a:rPr lang="en-US" dirty="0">
-                <a:solidFill>
-                  <a:srgbClr val="2AA198"/>
-                </a:solidFill>
-                <a:effectLst/>
-              </a:rPr>
-              <a:t>1</a:t>
-            </a:r>
-            <a:r>
-              <a:rPr lang="en-US" dirty="0">
-                <a:solidFill>
-                  <a:srgbClr val="333333"/>
-                </a:solidFill>
-                <a:effectLst/>
-              </a:rPr>
-              <a:t> </a:t>
-            </a:r>
-            <a:r>
-              <a:rPr lang="en-US" dirty="0">
-                <a:solidFill>
-                  <a:srgbClr val="859900"/>
-                </a:solidFill>
-                <a:effectLst/>
-              </a:rPr>
-              <a:t>return</a:t>
+              </a:rPr>
+              <a:t>delete</a:t>
             </a:r>
             <a:r>
               <a:rPr lang="en-US" dirty="0">
@@ -9931,13 +9021,339 @@
               <a:t>neo4j$ </a:t>
             </a:r>
             <a:r>
+              <a:rPr lang="en-IN" dirty="0">
+                <a:solidFill>
+                  <a:srgbClr val="859900"/>
+                </a:solidFill>
+                <a:effectLst/>
+              </a:rPr>
+              <a:t>match</a:t>
+            </a:r>
+            <a:r>
+              <a:rPr lang="en-IN" dirty="0">
+                <a:solidFill>
+                  <a:srgbClr val="586E75"/>
+                </a:solidFill>
+                <a:effectLst/>
+              </a:rPr>
+              <a:t>(</a:t>
+            </a:r>
+            <a:r>
+              <a:rPr lang="en-IN" dirty="0">
+                <a:solidFill>
+                  <a:srgbClr val="333333"/>
+                </a:solidFill>
+                <a:effectLst/>
+              </a:rPr>
+              <a:t>n</a:t>
+            </a:r>
+            <a:r>
+              <a:rPr lang="en-IN" dirty="0">
+                <a:solidFill>
+                  <a:srgbClr val="586E75"/>
+                </a:solidFill>
+                <a:effectLst/>
+              </a:rPr>
+              <a:t>)</a:t>
+            </a:r>
+            <a:r>
+              <a:rPr lang="en-IN" dirty="0">
+                <a:solidFill>
+                  <a:srgbClr val="333333"/>
+                </a:solidFill>
+                <a:effectLst/>
+              </a:rPr>
+              <a:t> </a:t>
+            </a:r>
+            <a:r>
+              <a:rPr lang="en-IN" dirty="0">
+                <a:solidFill>
+                  <a:srgbClr val="859900"/>
+                </a:solidFill>
+                <a:effectLst/>
+              </a:rPr>
+              <a:t>where</a:t>
+            </a:r>
+            <a:r>
+              <a:rPr lang="en-IN" dirty="0">
+                <a:solidFill>
+                  <a:srgbClr val="333333"/>
+                </a:solidFill>
+                <a:effectLst/>
+              </a:rPr>
+              <a:t> id</a:t>
+            </a:r>
+            <a:r>
+              <a:rPr lang="en-IN" dirty="0">
+                <a:solidFill>
+                  <a:srgbClr val="586E75"/>
+                </a:solidFill>
+                <a:effectLst/>
+              </a:rPr>
+              <a:t>(</a:t>
+            </a:r>
+            <a:r>
+              <a:rPr lang="en-IN" dirty="0">
+                <a:solidFill>
+                  <a:srgbClr val="333333"/>
+                </a:solidFill>
+                <a:effectLst/>
+              </a:rPr>
+              <a:t>n</a:t>
+            </a:r>
+            <a:r>
+              <a:rPr lang="en-IN" dirty="0">
+                <a:solidFill>
+                  <a:srgbClr val="586E75"/>
+                </a:solidFill>
+                <a:effectLst/>
+              </a:rPr>
+              <a:t>)=</a:t>
+            </a:r>
+            <a:r>
+              <a:rPr lang="en-IN" dirty="0">
+                <a:solidFill>
+                  <a:srgbClr val="2AA198"/>
+                </a:solidFill>
+                <a:effectLst/>
+              </a:rPr>
+              <a:t>2</a:t>
+            </a:r>
+            <a:r>
+              <a:rPr lang="en-IN" dirty="0">
+                <a:solidFill>
+                  <a:srgbClr val="333333"/>
+                </a:solidFill>
+                <a:effectLst/>
+              </a:rPr>
+              <a:t> </a:t>
+            </a:r>
+            <a:r>
+              <a:rPr lang="en-IN" dirty="0">
+                <a:solidFill>
+                  <a:srgbClr val="859900"/>
+                </a:solidFill>
+                <a:effectLst/>
+              </a:rPr>
+              <a:t>or</a:t>
+            </a:r>
+            <a:r>
+              <a:rPr lang="en-IN" dirty="0">
+                <a:solidFill>
+                  <a:srgbClr val="333333"/>
+                </a:solidFill>
+                <a:effectLst/>
+              </a:rPr>
+              <a:t> id</a:t>
+            </a:r>
+            <a:r>
+              <a:rPr lang="en-IN" dirty="0">
+                <a:solidFill>
+                  <a:srgbClr val="586E75"/>
+                </a:solidFill>
+                <a:effectLst/>
+              </a:rPr>
+              <a:t>(</a:t>
+            </a:r>
+            <a:r>
+              <a:rPr lang="en-IN" dirty="0">
+                <a:solidFill>
+                  <a:srgbClr val="333333"/>
+                </a:solidFill>
+                <a:effectLst/>
+              </a:rPr>
+              <a:t>n</a:t>
+            </a:r>
+            <a:r>
+              <a:rPr lang="en-IN" dirty="0">
+                <a:solidFill>
+                  <a:srgbClr val="586E75"/>
+                </a:solidFill>
+                <a:effectLst/>
+              </a:rPr>
+              <a:t>)=</a:t>
+            </a:r>
+            <a:r>
+              <a:rPr lang="en-IN" dirty="0">
+                <a:solidFill>
+                  <a:srgbClr val="2AA198"/>
+                </a:solidFill>
+                <a:effectLst/>
+              </a:rPr>
+              <a:t>3</a:t>
+            </a:r>
+            <a:r>
+              <a:rPr lang="en-IN" dirty="0">
+                <a:solidFill>
+                  <a:srgbClr val="333333"/>
+                </a:solidFill>
+                <a:effectLst/>
+              </a:rPr>
+              <a:t> </a:t>
+            </a:r>
+            <a:r>
+              <a:rPr lang="en-IN" dirty="0">
+                <a:solidFill>
+                  <a:srgbClr val="859900"/>
+                </a:solidFill>
+                <a:effectLst/>
+              </a:rPr>
+              <a:t>detach</a:t>
+            </a:r>
+            <a:r>
+              <a:rPr lang="en-IN" dirty="0">
+                <a:solidFill>
+                  <a:srgbClr val="333333"/>
+                </a:solidFill>
+                <a:effectLst/>
+              </a:rPr>
+              <a:t> </a:t>
+            </a:r>
+            <a:r>
+              <a:rPr lang="en-IN" dirty="0">
+                <a:solidFill>
+                  <a:srgbClr val="859900"/>
+                </a:solidFill>
+                <a:effectLst/>
+              </a:rPr>
+              <a:t>delete</a:t>
+            </a:r>
+            <a:r>
+              <a:rPr lang="en-IN" dirty="0">
+                <a:solidFill>
+                  <a:srgbClr val="333333"/>
+                </a:solidFill>
+                <a:effectLst/>
+              </a:rPr>
+              <a:t> n</a:t>
+            </a:r>
+          </a:p>
+          <a:p>
+            <a:pPr marL="285750" indent="-285750">
+              <a:buFont typeface="Arial" panose="020B0604020202020204" pitchFamily="34" charset="0"/>
+              <a:buChar char="•"/>
+            </a:pPr>
+            <a:endParaRPr lang="en-IN" sz="400" dirty="0">
+              <a:solidFill>
+                <a:srgbClr val="333333"/>
+              </a:solidFill>
+            </a:endParaRPr>
+          </a:p>
+          <a:p>
+            <a:pPr marL="285750" indent="-285750">
+              <a:buFont typeface="Arial" panose="020B0604020202020204" pitchFamily="34" charset="0"/>
+              <a:buChar char="•"/>
+            </a:pPr>
+            <a:r>
+              <a:rPr lang="en-IN" dirty="0">
+                <a:solidFill>
+                  <a:schemeClr val="tx1">
+                    <a:lumMod val="50000"/>
+                    <a:lumOff val="50000"/>
+                  </a:schemeClr>
+                </a:solidFill>
+                <a:latin typeface="Gill Sans MT (Body)"/>
+              </a:rPr>
+              <a:t>neo4j$ </a:t>
+            </a:r>
+            <a:r>
+              <a:rPr lang="en-IN" dirty="0">
+                <a:solidFill>
+                  <a:srgbClr val="859900"/>
+                </a:solidFill>
+                <a:effectLst/>
+              </a:rPr>
+              <a:t>match</a:t>
+            </a:r>
+            <a:r>
+              <a:rPr lang="en-IN" dirty="0">
+                <a:solidFill>
+                  <a:srgbClr val="586E75"/>
+                </a:solidFill>
+                <a:effectLst/>
+              </a:rPr>
+              <a:t>(</a:t>
+            </a:r>
+            <a:r>
+              <a:rPr lang="en-IN" dirty="0">
+                <a:solidFill>
+                  <a:srgbClr val="333333"/>
+                </a:solidFill>
+                <a:effectLst/>
+              </a:rPr>
+              <a:t>n</a:t>
+            </a:r>
+            <a:r>
+              <a:rPr lang="en-IN" dirty="0">
+                <a:solidFill>
+                  <a:srgbClr val="586E75"/>
+                </a:solidFill>
+                <a:effectLst/>
+              </a:rPr>
+              <a:t>)</a:t>
+            </a:r>
+            <a:r>
+              <a:rPr lang="en-IN" dirty="0">
+                <a:solidFill>
+                  <a:srgbClr val="333333"/>
+                </a:solidFill>
+                <a:effectLst/>
+              </a:rPr>
+              <a:t> </a:t>
+            </a:r>
+            <a:r>
+              <a:rPr lang="en-IN" dirty="0">
+                <a:solidFill>
+                  <a:srgbClr val="859900"/>
+                </a:solidFill>
+                <a:effectLst/>
+              </a:rPr>
+              <a:t>where</a:t>
+            </a:r>
+            <a:r>
+              <a:rPr lang="en-IN" dirty="0">
+                <a:solidFill>
+                  <a:srgbClr val="333333"/>
+                </a:solidFill>
+                <a:effectLst/>
+              </a:rPr>
+              <a:t> id</a:t>
+            </a:r>
+            <a:r>
+              <a:rPr lang="en-IN" dirty="0">
+                <a:solidFill>
+                  <a:srgbClr val="586E75"/>
+                </a:solidFill>
+                <a:effectLst/>
+              </a:rPr>
+              <a:t>(</a:t>
+            </a:r>
+            <a:r>
+              <a:rPr lang="en-IN" dirty="0">
+                <a:solidFill>
+                  <a:srgbClr val="333333"/>
+                </a:solidFill>
+                <a:effectLst/>
+              </a:rPr>
+              <a:t>n</a:t>
+            </a:r>
+            <a:r>
+              <a:rPr lang="en-IN" dirty="0">
+                <a:solidFill>
+                  <a:srgbClr val="586E75"/>
+                </a:solidFill>
+                <a:effectLst/>
+              </a:rPr>
+              <a:t>) </a:t>
+            </a:r>
+            <a:r>
               <a:rPr lang="en-US" dirty="0">
                 <a:solidFill>
                   <a:srgbClr val="859900"/>
                 </a:solidFill>
                 <a:effectLst/>
               </a:rPr>
-              <a:t>match</a:t>
+              <a:t>in</a:t>
             </a:r>
             <a:r>
               <a:rPr lang="en-US" dirty="0">
@@ -9955,28 +9371,55 @@
                 </a:solidFill>
                 <a:effectLst/>
               </a:rPr>
-              <a:t>(</a:t>
+              <a:t>[ </a:t>
             </a:r>
             <a:r>
               <a:rPr lang="en-US" dirty="0">
                 <a:solidFill>
+                  <a:srgbClr val="2AA198"/>
+                </a:solidFill>
+                <a:effectLst/>
+              </a:rPr>
+              <a:t>2</a:t>
+            </a:r>
+            <a:r>
+              <a:rPr lang="en-US" dirty="0">
+                <a:solidFill>
+                  <a:srgbClr val="586E75"/>
+                </a:solidFill>
+                <a:effectLst/>
+              </a:rPr>
+              <a:t>, </a:t>
+            </a:r>
+            <a:r>
+              <a:rPr lang="en-US" dirty="0">
+                <a:solidFill>
+                  <a:srgbClr val="2AA198"/>
+                </a:solidFill>
+                <a:effectLst/>
+              </a:rPr>
+              <a:t>3 </a:t>
+            </a:r>
+            <a:r>
+              <a:rPr lang="en-US" dirty="0">
+                <a:solidFill>
+                  <a:srgbClr val="586E75"/>
+                </a:solidFill>
+                <a:effectLst/>
+              </a:rPr>
+              <a:t>]</a:t>
+            </a:r>
+            <a:r>
+              <a:rPr lang="en-US" dirty="0">
+                <a:solidFill>
                   <a:srgbClr val="333333"/>
                 </a:solidFill>
                 <a:effectLst/>
               </a:rPr>
-              <a:t>n</a:t>
-            </a:r>
-            <a:r>
-              <a:rPr lang="en-US" dirty="0">
-                <a:solidFill>
-                  <a:srgbClr val="586E75"/>
-                </a:solidFill>
-                <a:effectLst/>
-              </a:rPr>
-              <a:t>)</a:t>
-            </a:r>
-            <a:r>
-              <a:rPr lang="en-US" dirty="0">
+              <a:t> </a:t>
+            </a:r>
+            <a:r>
+              <a:rPr lang="en-IN" dirty="0">
                 <a:solidFill>
                   <a:srgbClr val="333333"/>
                 </a:solidFill>
@@ -9985,604 +9428,54 @@
               <a:t> </a:t>
             </a:r>
             <a:r>
-              <a:rPr lang="en-US" dirty="0">
+              <a:rPr lang="en-IN" dirty="0">
                 <a:solidFill>
                   <a:srgbClr val="859900"/>
                 </a:solidFill>
                 <a:effectLst/>
               </a:rPr>
-              <a:t>return</a:t>
-            </a:r>
-            <a:r>
-              <a:rPr lang="en-US" dirty="0">
+              <a:t>detach</a:t>
+            </a:r>
+            <a:r>
+              <a:rPr lang="en-IN" dirty="0">
                 <a:solidFill>
                   <a:srgbClr val="333333"/>
                 </a:solidFill>
                 <a:effectLst/>
               </a:rPr>
-              <a:t> id</a:t>
-            </a:r>
-            <a:r>
-              <a:rPr lang="en-US" dirty="0">
-                <a:solidFill>
-                  <a:srgbClr val="586E75"/>
-                </a:solidFill>
-                <a:effectLst/>
-              </a:rPr>
-              <a:t>(</a:t>
-            </a:r>
-            <a:r>
-              <a:rPr lang="en-US" dirty="0">
+              <a:t> </a:t>
+            </a:r>
+            <a:r>
+              <a:rPr lang="en-IN" dirty="0">
+                <a:solidFill>
+                  <a:srgbClr val="859900"/>
+                </a:solidFill>
+                <a:effectLst/>
+              </a:rPr>
+              <a:t>delete</a:t>
+            </a:r>
+            <a:r>
+              <a:rPr lang="en-IN" dirty="0">
                 <a:solidFill>
                   <a:srgbClr val="333333"/>
                 </a:solidFill>
                 <a:effectLst/>
               </a:rPr>
-              <a:t>n</a:t>
-            </a:r>
-            <a:r>
-              <a:rPr lang="en-US" dirty="0">
-                <a:solidFill>
-                  <a:srgbClr val="586E75"/>
-                </a:solidFill>
-                <a:effectLst/>
-              </a:rPr>
-              <a:t>)</a:t>
-            </a:r>
-            <a:endParaRPr lang="en-US" dirty="0">
+              <a:t> n </a:t>
+            </a:r>
+            <a:endParaRPr lang="en-IN" dirty="0">
               <a:solidFill>
                 <a:srgbClr val="000000"/>
               </a:solidFill>
               <a:effectLst/>
             </a:endParaRPr>
           </a:p>
-          <a:p>
-            <a:pPr marL="285750" indent="-285750">
-              <a:buFont typeface="Arial" panose="020B0604020202020204" pitchFamily="34" charset="0"/>
-              <a:buChar char="•"/>
-            </a:pPr>
-            <a:endParaRPr lang="en-US" sz="800" dirty="0">
-              <a:solidFill>
-                <a:srgbClr val="333333"/>
-              </a:solidFill>
-              <a:effectLst/>
-            </a:endParaRPr>
-          </a:p>
-          <a:p>
-            <a:pPr marL="285750" indent="-285750">
-              <a:buFont typeface="Arial" panose="020B0604020202020204" pitchFamily="34" charset="0"/>
-              <a:buChar char="•"/>
-            </a:pPr>
-            <a:endParaRPr lang="en-US" sz="800" dirty="0">
-              <a:solidFill>
-                <a:srgbClr val="333333"/>
-              </a:solidFill>
-            </a:endParaRPr>
-          </a:p>
-          <a:p>
-            <a:pPr marL="285750" indent="-285750">
-              <a:buFont typeface="Arial" panose="020B0604020202020204" pitchFamily="34" charset="0"/>
-              <a:buChar char="•"/>
-            </a:pPr>
-            <a:r>
-              <a:rPr lang="en-IN" dirty="0">
-                <a:solidFill>
-                  <a:schemeClr val="tx1">
-                    <a:lumMod val="50000"/>
-                    <a:lumOff val="50000"/>
-                  </a:schemeClr>
-                </a:solidFill>
-                <a:latin typeface="Gill Sans MT (Body)"/>
-              </a:rPr>
-              <a:t>neo4j$ </a:t>
-            </a:r>
-            <a:r>
-              <a:rPr lang="en-US" dirty="0">
-                <a:solidFill>
-                  <a:srgbClr val="859900"/>
-                </a:solidFill>
-                <a:effectLst/>
-              </a:rPr>
-              <a:t>match</a:t>
-            </a:r>
-            <a:r>
-              <a:rPr lang="en-US" dirty="0">
-                <a:solidFill>
-                  <a:srgbClr val="586E75"/>
-                </a:solidFill>
-                <a:effectLst/>
-              </a:rPr>
-              <a:t>(</a:t>
-            </a:r>
-            <a:r>
-              <a:rPr lang="en-US" dirty="0">
-                <a:solidFill>
-                  <a:srgbClr val="333333"/>
-                </a:solidFill>
-                <a:effectLst/>
-              </a:rPr>
-              <a:t>n</a:t>
-            </a:r>
-            <a:r>
-              <a:rPr lang="en-US" dirty="0">
-                <a:solidFill>
-                  <a:srgbClr val="586E75"/>
-                </a:solidFill>
-                <a:effectLst/>
-              </a:rPr>
-              <a:t>)</a:t>
-            </a:r>
-            <a:r>
-              <a:rPr lang="en-US" dirty="0">
-                <a:solidFill>
-                  <a:srgbClr val="333333"/>
-                </a:solidFill>
-                <a:effectLst/>
-              </a:rPr>
-              <a:t> </a:t>
-            </a:r>
-            <a:r>
-              <a:rPr lang="en-US" dirty="0">
-                <a:solidFill>
-                  <a:srgbClr val="859900"/>
-                </a:solidFill>
-                <a:effectLst/>
-              </a:rPr>
-              <a:t>where</a:t>
-            </a:r>
-            <a:r>
-              <a:rPr lang="en-US" dirty="0">
-                <a:solidFill>
-                  <a:srgbClr val="333333"/>
-                </a:solidFill>
-                <a:effectLst/>
-              </a:rPr>
-              <a:t> id</a:t>
-            </a:r>
-            <a:r>
-              <a:rPr lang="en-US" dirty="0">
-                <a:solidFill>
-                  <a:srgbClr val="586E75"/>
-                </a:solidFill>
-                <a:effectLst/>
-              </a:rPr>
-              <a:t>(</a:t>
-            </a:r>
-            <a:r>
-              <a:rPr lang="en-US" dirty="0">
-                <a:solidFill>
-                  <a:srgbClr val="333333"/>
-                </a:solidFill>
-                <a:effectLst/>
-              </a:rPr>
-              <a:t>n</a:t>
-            </a:r>
-            <a:r>
-              <a:rPr lang="en-US" dirty="0">
-                <a:solidFill>
-                  <a:srgbClr val="586E75"/>
-                </a:solidFill>
-                <a:effectLst/>
-              </a:rPr>
-              <a:t>)=</a:t>
-            </a:r>
-            <a:r>
-              <a:rPr lang="en-US" dirty="0">
-                <a:solidFill>
-                  <a:srgbClr val="2AA198"/>
-                </a:solidFill>
-                <a:effectLst/>
-              </a:rPr>
-              <a:t>0</a:t>
-            </a:r>
-            <a:r>
-              <a:rPr lang="en-US" dirty="0">
-                <a:solidFill>
-                  <a:srgbClr val="333333"/>
-                </a:solidFill>
-                <a:effectLst/>
-              </a:rPr>
-              <a:t> </a:t>
-            </a:r>
-            <a:r>
-              <a:rPr lang="en-US" dirty="0">
-                <a:solidFill>
-                  <a:srgbClr val="859900"/>
-                </a:solidFill>
-                <a:effectLst/>
-              </a:rPr>
-              <a:t>or</a:t>
-            </a:r>
-            <a:r>
-              <a:rPr lang="en-US" dirty="0">
-                <a:solidFill>
-                  <a:srgbClr val="333333"/>
-                </a:solidFill>
-                <a:effectLst/>
-              </a:rPr>
-              <a:t> id</a:t>
-            </a:r>
-            <a:r>
-              <a:rPr lang="en-US" dirty="0">
-                <a:solidFill>
-                  <a:srgbClr val="586E75"/>
-                </a:solidFill>
-                <a:effectLst/>
-              </a:rPr>
-              <a:t>(</a:t>
-            </a:r>
-            <a:r>
-              <a:rPr lang="en-US" dirty="0">
-                <a:solidFill>
-                  <a:srgbClr val="333333"/>
-                </a:solidFill>
-                <a:effectLst/>
-              </a:rPr>
-              <a:t>n</a:t>
-            </a:r>
-            <a:r>
-              <a:rPr lang="en-US" dirty="0">
-                <a:solidFill>
-                  <a:srgbClr val="586E75"/>
-                </a:solidFill>
-                <a:effectLst/>
-              </a:rPr>
-              <a:t>)=</a:t>
-            </a:r>
-            <a:r>
-              <a:rPr lang="en-US" dirty="0">
-                <a:solidFill>
-                  <a:srgbClr val="2AA198"/>
-                </a:solidFill>
-                <a:effectLst/>
-              </a:rPr>
-              <a:t>2</a:t>
-            </a:r>
-            <a:r>
-              <a:rPr lang="en-US" dirty="0">
-                <a:solidFill>
-                  <a:srgbClr val="333333"/>
-                </a:solidFill>
-                <a:effectLst/>
-              </a:rPr>
-              <a:t> </a:t>
-            </a:r>
-            <a:r>
-              <a:rPr lang="en-US" dirty="0">
-                <a:solidFill>
-                  <a:srgbClr val="859900"/>
-                </a:solidFill>
-                <a:effectLst/>
-              </a:rPr>
-              <a:t>or</a:t>
-            </a:r>
-            <a:r>
-              <a:rPr lang="en-US" dirty="0">
-                <a:solidFill>
-                  <a:srgbClr val="333333"/>
-                </a:solidFill>
-                <a:effectLst/>
-              </a:rPr>
-              <a:t> id</a:t>
-            </a:r>
-            <a:r>
-              <a:rPr lang="en-US" dirty="0">
-                <a:solidFill>
-                  <a:srgbClr val="586E75"/>
-                </a:solidFill>
-                <a:effectLst/>
-              </a:rPr>
-              <a:t>(</a:t>
-            </a:r>
-            <a:r>
-              <a:rPr lang="en-US" dirty="0">
-                <a:solidFill>
-                  <a:srgbClr val="333333"/>
-                </a:solidFill>
-                <a:effectLst/>
-              </a:rPr>
-              <a:t>n</a:t>
-            </a:r>
-            <a:r>
-              <a:rPr lang="en-US" dirty="0">
-                <a:solidFill>
-                  <a:srgbClr val="586E75"/>
-                </a:solidFill>
-                <a:effectLst/>
-              </a:rPr>
-              <a:t>)=</a:t>
-            </a:r>
-            <a:r>
-              <a:rPr lang="en-US" dirty="0">
-                <a:solidFill>
-                  <a:srgbClr val="2AA198"/>
-                </a:solidFill>
-                <a:effectLst/>
-              </a:rPr>
-              <a:t>3</a:t>
-            </a:r>
-            <a:r>
-              <a:rPr lang="en-US" dirty="0">
-                <a:solidFill>
-                  <a:srgbClr val="333333"/>
-                </a:solidFill>
-                <a:effectLst/>
-              </a:rPr>
-              <a:t> </a:t>
-            </a:r>
-            <a:r>
-              <a:rPr lang="en-US" dirty="0">
-                <a:solidFill>
-                  <a:srgbClr val="859900"/>
-                </a:solidFill>
-                <a:effectLst/>
-              </a:rPr>
-              <a:t>return</a:t>
-            </a:r>
-            <a:r>
-              <a:rPr lang="en-US" dirty="0">
-                <a:solidFill>
-                  <a:srgbClr val="333333"/>
-                </a:solidFill>
-                <a:effectLst/>
-              </a:rPr>
-              <a:t> n</a:t>
-            </a:r>
-            <a:endParaRPr lang="en-US" dirty="0">
-              <a:solidFill>
-                <a:srgbClr val="000000"/>
-              </a:solidFill>
-              <a:effectLst/>
-            </a:endParaRPr>
-          </a:p>
-          <a:p>
-            <a:pPr marL="285750" indent="-285750">
-              <a:buFont typeface="Arial" panose="020B0604020202020204" pitchFamily="34" charset="0"/>
-              <a:buChar char="•"/>
-            </a:pPr>
-            <a:endParaRPr lang="en-US" sz="800" dirty="0">
-              <a:solidFill>
-                <a:srgbClr val="333333"/>
-              </a:solidFill>
-            </a:endParaRPr>
-          </a:p>
-          <a:p>
-            <a:pPr marL="285750" indent="-285750">
-              <a:buFont typeface="Arial" panose="020B0604020202020204" pitchFamily="34" charset="0"/>
-              <a:buChar char="•"/>
-            </a:pPr>
-            <a:r>
-              <a:rPr lang="en-IN" dirty="0">
-                <a:solidFill>
-                  <a:schemeClr val="tx1">
-                    <a:lumMod val="50000"/>
-                    <a:lumOff val="50000"/>
-                  </a:schemeClr>
-                </a:solidFill>
-                <a:latin typeface="Gill Sans MT (Body)"/>
-              </a:rPr>
-              <a:t>neo4j$ </a:t>
-            </a:r>
-            <a:r>
-              <a:rPr lang="en-US" dirty="0">
-                <a:solidFill>
-                  <a:srgbClr val="859900"/>
-                </a:solidFill>
-                <a:effectLst/>
-              </a:rPr>
-              <a:t>match</a:t>
-            </a:r>
-            <a:r>
-              <a:rPr lang="en-US" dirty="0">
-                <a:solidFill>
-                  <a:srgbClr val="586E75"/>
-                </a:solidFill>
-                <a:effectLst/>
-              </a:rPr>
-              <a:t>(</a:t>
-            </a:r>
-            <a:r>
-              <a:rPr lang="en-US" dirty="0">
-                <a:solidFill>
-                  <a:srgbClr val="333333"/>
-                </a:solidFill>
-                <a:effectLst/>
-              </a:rPr>
-              <a:t>n</a:t>
-            </a:r>
-            <a:r>
-              <a:rPr lang="en-US" dirty="0">
-                <a:solidFill>
-                  <a:srgbClr val="586E75"/>
-                </a:solidFill>
-                <a:effectLst/>
-              </a:rPr>
-              <a:t>)</a:t>
-            </a:r>
-            <a:r>
-              <a:rPr lang="en-US" dirty="0">
-                <a:solidFill>
-                  <a:srgbClr val="333333"/>
-                </a:solidFill>
-                <a:effectLst/>
-              </a:rPr>
-              <a:t> </a:t>
-            </a:r>
-            <a:r>
-              <a:rPr lang="en-US" dirty="0">
-                <a:solidFill>
-                  <a:srgbClr val="859900"/>
-                </a:solidFill>
-                <a:effectLst/>
-              </a:rPr>
-              <a:t>where</a:t>
-            </a:r>
-            <a:r>
-              <a:rPr lang="en-US" dirty="0">
-                <a:solidFill>
-                  <a:srgbClr val="333333"/>
-                </a:solidFill>
-                <a:effectLst/>
-              </a:rPr>
-              <a:t> id</a:t>
-            </a:r>
-            <a:r>
-              <a:rPr lang="en-US" dirty="0">
-                <a:solidFill>
-                  <a:srgbClr val="586E75"/>
-                </a:solidFill>
-                <a:effectLst/>
-              </a:rPr>
-              <a:t>(</a:t>
-            </a:r>
-            <a:r>
-              <a:rPr lang="en-US" dirty="0">
-                <a:solidFill>
-                  <a:srgbClr val="333333"/>
-                </a:solidFill>
-                <a:effectLst/>
-              </a:rPr>
-              <a:t>n</a:t>
-            </a:r>
-            <a:r>
-              <a:rPr lang="en-US" dirty="0">
-                <a:solidFill>
-                  <a:srgbClr val="586E75"/>
-                </a:solidFill>
-                <a:effectLst/>
-              </a:rPr>
-              <a:t>)</a:t>
-            </a:r>
-            <a:r>
-              <a:rPr lang="en-US" dirty="0">
-                <a:solidFill>
-                  <a:srgbClr val="333333"/>
-                </a:solidFill>
-                <a:effectLst/>
-              </a:rPr>
-              <a:t> </a:t>
-            </a:r>
-            <a:r>
-              <a:rPr lang="en-US" dirty="0">
-                <a:solidFill>
-                  <a:srgbClr val="859900"/>
-                </a:solidFill>
-                <a:effectLst/>
-              </a:rPr>
-              <a:t>in</a:t>
-            </a:r>
-            <a:r>
-              <a:rPr lang="en-US" dirty="0">
-                <a:solidFill>
-                  <a:srgbClr val="333333"/>
-                </a:solidFill>
-                <a:effectLst/>
-              </a:rPr>
-              <a:t> </a:t>
-            </a:r>
-            <a:r>
-              <a:rPr lang="en-US" dirty="0">
-                <a:solidFill>
-                  <a:srgbClr val="586E75"/>
-                </a:solidFill>
-                <a:effectLst/>
-              </a:rPr>
-              <a:t>[ </a:t>
-            </a:r>
-            <a:r>
-              <a:rPr lang="en-US" dirty="0">
-                <a:solidFill>
-                  <a:srgbClr val="2AA198"/>
-                </a:solidFill>
-                <a:effectLst/>
-              </a:rPr>
-              <a:t>0</a:t>
-            </a:r>
-            <a:r>
-              <a:rPr lang="en-US" dirty="0">
-                <a:solidFill>
-                  <a:srgbClr val="586E75"/>
-                </a:solidFill>
-                <a:effectLst/>
-              </a:rPr>
-              <a:t>, </a:t>
-            </a:r>
-            <a:r>
-              <a:rPr lang="en-US" dirty="0">
-                <a:solidFill>
-                  <a:srgbClr val="2AA198"/>
-                </a:solidFill>
-                <a:effectLst/>
-              </a:rPr>
-              <a:t>2</a:t>
-            </a:r>
-            <a:r>
-              <a:rPr lang="en-US" dirty="0">
-                <a:solidFill>
-                  <a:srgbClr val="586E75"/>
-                </a:solidFill>
-                <a:effectLst/>
-              </a:rPr>
-              <a:t>, </a:t>
-            </a:r>
-            <a:r>
-              <a:rPr lang="en-US" dirty="0">
-                <a:solidFill>
-                  <a:srgbClr val="2AA198"/>
-                </a:solidFill>
-                <a:effectLst/>
-              </a:rPr>
-              <a:t>3 </a:t>
-            </a:r>
-            <a:r>
-              <a:rPr lang="en-US" dirty="0">
-                <a:solidFill>
-                  <a:srgbClr val="586E75"/>
-                </a:solidFill>
-                <a:effectLst/>
-              </a:rPr>
-              <a:t>]</a:t>
-            </a:r>
-            <a:r>
-              <a:rPr lang="en-US" dirty="0">
-                <a:solidFill>
-                  <a:srgbClr val="333333"/>
-                </a:solidFill>
-                <a:effectLst/>
-              </a:rPr>
-              <a:t> </a:t>
-            </a:r>
-            <a:r>
-              <a:rPr lang="en-US" dirty="0">
-                <a:solidFill>
-                  <a:srgbClr val="859900"/>
-                </a:solidFill>
-                <a:effectLst/>
-              </a:rPr>
-              <a:t>return</a:t>
-            </a:r>
-            <a:r>
-              <a:rPr lang="en-US" dirty="0">
-                <a:solidFill>
-                  <a:srgbClr val="333333"/>
-                </a:solidFill>
-                <a:effectLst/>
-              </a:rPr>
-              <a:t> n</a:t>
-            </a:r>
-            <a:endParaRPr lang="en-US" dirty="0">
-              <a:solidFill>
-                <a:srgbClr val="000000"/>
-              </a:solidFill>
-              <a:effectLst/>
-            </a:endParaRPr>
-          </a:p>
         </p:txBody>
       </p:sp>
     </p:spTree>
     <p:extLst>
       <p:ext uri="{BB962C8B-B14F-4D97-AF65-F5344CB8AC3E}">
-        <p14:creationId xmlns:p14="http://schemas.microsoft.com/office/powerpoint/2010/main" val="1131250026"/>
+        <p14:creationId xmlns:p14="http://schemas.microsoft.com/office/powerpoint/2010/main" val="2360892772"/>
       </p:ext>
     </p:extLst>
   </p:cSld>
@@ -10829,7 +9722,7 @@
                 <a:latin typeface="Nunito Sans"/>
                 <a:ea typeface="DejaVu Sans"/>
               </a:rPr>
-              <a:t>match count nodes</a:t>
+              <a:t>match</a:t>
             </a:r>
             <a:endParaRPr lang="en-IN" sz="4000" b="0" strike="noStrike" spc="-1" dirty="0">
               <a:solidFill>
@@ -10934,6 +9827,1473 @@
         <p:spPr>
           <a:xfrm>
             <a:off x="243604" y="2134800"/>
+            <a:ext cx="11693880" cy="2769989"/>
+          </a:xfrm>
+          <a:prstGeom prst="rect">
+            <a:avLst/>
+          </a:prstGeom>
+          <a:noFill/>
+        </p:spPr>
+        <p:txBody>
+          <a:bodyPr wrap="square">
+            <a:spAutoFit/>
+          </a:bodyPr>
+          <a:lstStyle/>
+          <a:p>
+            <a:pPr marL="285750" indent="-285750">
+              <a:buFont typeface="Arial" panose="020B0604020202020204" pitchFamily="34" charset="0"/>
+              <a:buChar char="•"/>
+            </a:pPr>
+            <a:r>
+              <a:rPr lang="en-IN" dirty="0">
+                <a:solidFill>
+                  <a:schemeClr val="tx1">
+                    <a:lumMod val="50000"/>
+                    <a:lumOff val="50000"/>
+                  </a:schemeClr>
+                </a:solidFill>
+                <a:latin typeface="Gill Sans MT (Body)"/>
+              </a:rPr>
+              <a:t>neo4j$ </a:t>
+            </a:r>
+            <a:r>
+              <a:rPr lang="en-US" dirty="0">
+                <a:solidFill>
+                  <a:srgbClr val="859900"/>
+                </a:solidFill>
+                <a:effectLst/>
+                <a:latin typeface="Gill Sans MT (Body)"/>
+              </a:rPr>
+              <a:t>match</a:t>
+            </a:r>
+            <a:r>
+              <a:rPr lang="en-IN" dirty="0">
+                <a:solidFill>
+                  <a:schemeClr val="accent6">
+                    <a:lumMod val="50000"/>
+                  </a:schemeClr>
+                </a:solidFill>
+                <a:latin typeface="Gill Sans MT (Body)"/>
+              </a:rPr>
+              <a:t>(n) </a:t>
+            </a:r>
+            <a:r>
+              <a:rPr lang="en-US" dirty="0">
+                <a:solidFill>
+                  <a:srgbClr val="859900"/>
+                </a:solidFill>
+                <a:effectLst/>
+                <a:latin typeface="Gill Sans MT (Body)"/>
+              </a:rPr>
+              <a:t> return </a:t>
+            </a:r>
+            <a:r>
+              <a:rPr lang="en-IN" dirty="0">
+                <a:solidFill>
+                  <a:schemeClr val="accent6">
+                    <a:lumMod val="50000"/>
+                  </a:schemeClr>
+                </a:solidFill>
+                <a:latin typeface="Gill Sans MT (Body)"/>
+              </a:rPr>
+              <a:t> n	</a:t>
+            </a:r>
+          </a:p>
+          <a:p>
+            <a:pPr marL="285750" indent="-285750">
+              <a:buFont typeface="Arial" panose="020B0604020202020204" pitchFamily="34" charset="0"/>
+              <a:buChar char="•"/>
+            </a:pPr>
+            <a:endParaRPr lang="en-IN" sz="800" dirty="0">
+              <a:solidFill>
+                <a:schemeClr val="accent6">
+                  <a:lumMod val="50000"/>
+                </a:schemeClr>
+              </a:solidFill>
+              <a:latin typeface="Gill Sans MT (Body)"/>
+            </a:endParaRPr>
+          </a:p>
+          <a:p>
+            <a:pPr marL="285750" indent="-285750">
+              <a:buFont typeface="Arial" panose="020B0604020202020204" pitchFamily="34" charset="0"/>
+              <a:buChar char="•"/>
+            </a:pPr>
+            <a:r>
+              <a:rPr lang="en-IN" dirty="0">
+                <a:solidFill>
+                  <a:schemeClr val="tx1">
+                    <a:lumMod val="50000"/>
+                    <a:lumOff val="50000"/>
+                  </a:schemeClr>
+                </a:solidFill>
+                <a:latin typeface="Gill Sans MT (Body)"/>
+              </a:rPr>
+              <a:t>neo4j$ </a:t>
+            </a:r>
+            <a:r>
+              <a:rPr lang="en-US" dirty="0">
+                <a:solidFill>
+                  <a:srgbClr val="859900"/>
+                </a:solidFill>
+                <a:effectLst/>
+                <a:latin typeface="Gill Sans MT (Body)"/>
+              </a:rPr>
+              <a:t>match</a:t>
+            </a:r>
+            <a:r>
+              <a:rPr lang="en-US" dirty="0">
+                <a:solidFill>
+                  <a:schemeClr val="accent6">
+                    <a:lumMod val="50000"/>
+                  </a:schemeClr>
+                </a:solidFill>
+                <a:latin typeface="Gill Sans MT (Body)"/>
+              </a:rPr>
+              <a:t>(n:Person)</a:t>
+            </a:r>
+            <a:r>
+              <a:rPr lang="en-IN" dirty="0">
+                <a:solidFill>
+                  <a:schemeClr val="accent6">
+                    <a:lumMod val="50000"/>
+                  </a:schemeClr>
+                </a:solidFill>
+                <a:latin typeface="Gill Sans MT (Body)"/>
+              </a:rPr>
+              <a:t> </a:t>
+            </a:r>
+            <a:r>
+              <a:rPr lang="en-US" dirty="0">
+                <a:solidFill>
+                  <a:srgbClr val="859900"/>
+                </a:solidFill>
+                <a:effectLst/>
+                <a:latin typeface="Gill Sans MT (Body)"/>
+              </a:rPr>
+              <a:t>return</a:t>
+            </a:r>
+            <a:r>
+              <a:rPr lang="en-IN" dirty="0">
+                <a:solidFill>
+                  <a:schemeClr val="accent6">
+                    <a:lumMod val="50000"/>
+                  </a:schemeClr>
+                </a:solidFill>
+                <a:latin typeface="Gill Sans MT (Body)"/>
+              </a:rPr>
+              <a:t> n</a:t>
+            </a:r>
+            <a:endParaRPr lang="en-US" dirty="0">
+              <a:solidFill>
+                <a:schemeClr val="accent6">
+                  <a:lumMod val="50000"/>
+                </a:schemeClr>
+              </a:solidFill>
+              <a:latin typeface="Gill Sans MT (Body)"/>
+            </a:endParaRPr>
+          </a:p>
+          <a:p>
+            <a:pPr marL="285750" indent="-285750">
+              <a:buFont typeface="Arial" panose="020B0604020202020204" pitchFamily="34" charset="0"/>
+              <a:buChar char="•"/>
+            </a:pPr>
+            <a:endParaRPr lang="en-US" sz="800" dirty="0">
+              <a:solidFill>
+                <a:schemeClr val="accent6">
+                  <a:lumMod val="50000"/>
+                </a:schemeClr>
+              </a:solidFill>
+              <a:latin typeface="Gill Sans MT (Body)"/>
+            </a:endParaRPr>
+          </a:p>
+          <a:p>
+            <a:pPr marL="285750" indent="-285750">
+              <a:buFont typeface="Arial" panose="020B0604020202020204" pitchFamily="34" charset="0"/>
+              <a:buChar char="•"/>
+            </a:pPr>
+            <a:r>
+              <a:rPr lang="en-IN" dirty="0">
+                <a:solidFill>
+                  <a:schemeClr val="tx1">
+                    <a:lumMod val="50000"/>
+                    <a:lumOff val="50000"/>
+                  </a:schemeClr>
+                </a:solidFill>
+                <a:latin typeface="Gill Sans MT (Body)"/>
+              </a:rPr>
+              <a:t>neo4j$ </a:t>
+            </a:r>
+            <a:r>
+              <a:rPr lang="en-US" dirty="0">
+                <a:solidFill>
+                  <a:srgbClr val="859900"/>
+                </a:solidFill>
+                <a:effectLst/>
+                <a:latin typeface="Gill Sans MT (Body)"/>
+              </a:rPr>
+              <a:t>match</a:t>
+            </a:r>
+            <a:r>
+              <a:rPr lang="en-US" dirty="0">
+                <a:solidFill>
+                  <a:srgbClr val="586E75"/>
+                </a:solidFill>
+                <a:effectLst/>
+                <a:latin typeface="Gill Sans MT (Body)"/>
+              </a:rPr>
+              <a:t>(</a:t>
+            </a:r>
+            <a:r>
+              <a:rPr lang="en-US" dirty="0">
+                <a:solidFill>
+                  <a:srgbClr val="333333"/>
+                </a:solidFill>
+                <a:effectLst/>
+                <a:latin typeface="Gill Sans MT (Body)"/>
+              </a:rPr>
+              <a:t>n</a:t>
+            </a:r>
+            <a:r>
+              <a:rPr lang="en-US" dirty="0">
+                <a:solidFill>
+                  <a:srgbClr val="586E75"/>
+                </a:solidFill>
+                <a:effectLst/>
+                <a:latin typeface="Gill Sans MT (Body)"/>
+              </a:rPr>
+              <a:t>:</a:t>
+            </a:r>
+            <a:r>
+              <a:rPr lang="en-US" dirty="0">
+                <a:solidFill>
+                  <a:srgbClr val="333333"/>
+                </a:solidFill>
+                <a:effectLst/>
+                <a:latin typeface="Gill Sans MT (Body)"/>
+              </a:rPr>
+              <a:t>book</a:t>
+            </a:r>
+            <a:r>
+              <a:rPr lang="en-US" dirty="0">
+                <a:solidFill>
+                  <a:srgbClr val="586E75"/>
+                </a:solidFill>
+                <a:effectLst/>
+                <a:latin typeface="Gill Sans MT (Body)"/>
+              </a:rPr>
+              <a:t>)</a:t>
+            </a:r>
+            <a:r>
+              <a:rPr lang="en-US" dirty="0">
+                <a:solidFill>
+                  <a:srgbClr val="333333"/>
+                </a:solidFill>
+                <a:effectLst/>
+                <a:latin typeface="Gill Sans MT (Body)"/>
+              </a:rPr>
+              <a:t> </a:t>
+            </a:r>
+            <a:r>
+              <a:rPr lang="en-US" dirty="0">
+                <a:solidFill>
+                  <a:srgbClr val="859900"/>
+                </a:solidFill>
+                <a:effectLst/>
+                <a:latin typeface="Gill Sans MT (Body)"/>
+              </a:rPr>
+              <a:t>return</a:t>
+            </a:r>
+            <a:r>
+              <a:rPr lang="en-US" dirty="0">
+                <a:solidFill>
+                  <a:srgbClr val="333333"/>
+                </a:solidFill>
+                <a:effectLst/>
+                <a:latin typeface="Gill Sans MT (Body)"/>
+              </a:rPr>
+              <a:t> n</a:t>
+            </a:r>
+          </a:p>
+          <a:p>
+            <a:pPr marL="285750" indent="-285750">
+              <a:buFont typeface="Arial" panose="020B0604020202020204" pitchFamily="34" charset="0"/>
+              <a:buChar char="•"/>
+            </a:pPr>
+            <a:endParaRPr lang="en-US" sz="800" dirty="0">
+              <a:solidFill>
+                <a:srgbClr val="333333"/>
+              </a:solidFill>
+              <a:latin typeface="Gill Sans MT (Body)"/>
+            </a:endParaRPr>
+          </a:p>
+          <a:p>
+            <a:pPr marL="285750" indent="-285750">
+              <a:buFont typeface="Arial" panose="020B0604020202020204" pitchFamily="34" charset="0"/>
+              <a:buChar char="•"/>
+            </a:pPr>
+            <a:r>
+              <a:rPr lang="en-IN" dirty="0">
+                <a:solidFill>
+                  <a:schemeClr val="tx1">
+                    <a:lumMod val="50000"/>
+                    <a:lumOff val="50000"/>
+                  </a:schemeClr>
+                </a:solidFill>
+                <a:latin typeface="Gill Sans MT (Body)"/>
+              </a:rPr>
+              <a:t>neo4j$ </a:t>
+            </a:r>
+            <a:r>
+              <a:rPr lang="en-US" dirty="0">
+                <a:solidFill>
+                  <a:srgbClr val="859900"/>
+                </a:solidFill>
+                <a:effectLst/>
+              </a:rPr>
+              <a:t>match</a:t>
+            </a:r>
+            <a:r>
+              <a:rPr lang="en-US" dirty="0">
+                <a:solidFill>
+                  <a:srgbClr val="586E75"/>
+                </a:solidFill>
+                <a:effectLst/>
+              </a:rPr>
+              <a:t>(</a:t>
+            </a:r>
+            <a:r>
+              <a:rPr lang="en-US" dirty="0">
+                <a:solidFill>
+                  <a:srgbClr val="333333"/>
+                </a:solidFill>
+                <a:effectLst/>
+              </a:rPr>
+              <a:t>n</a:t>
+            </a:r>
+            <a:r>
+              <a:rPr lang="en-US" dirty="0">
+                <a:solidFill>
+                  <a:srgbClr val="586E75"/>
+                </a:solidFill>
+                <a:effectLst/>
+              </a:rPr>
+              <a:t>)</a:t>
+            </a:r>
+            <a:r>
+              <a:rPr lang="en-US" dirty="0">
+                <a:solidFill>
+                  <a:srgbClr val="333333"/>
+                </a:solidFill>
+                <a:effectLst/>
+              </a:rPr>
+              <a:t> </a:t>
+            </a:r>
+            <a:r>
+              <a:rPr lang="en-US" dirty="0">
+                <a:solidFill>
+                  <a:srgbClr val="859900"/>
+                </a:solidFill>
+                <a:effectLst/>
+              </a:rPr>
+              <a:t>where</a:t>
+            </a:r>
+            <a:r>
+              <a:rPr lang="en-US" dirty="0">
+                <a:solidFill>
+                  <a:srgbClr val="333333"/>
+                </a:solidFill>
+                <a:effectLst/>
+              </a:rPr>
+              <a:t> id</a:t>
+            </a:r>
+            <a:r>
+              <a:rPr lang="en-US" dirty="0">
+                <a:solidFill>
+                  <a:srgbClr val="586E75"/>
+                </a:solidFill>
+                <a:effectLst/>
+              </a:rPr>
+              <a:t>(</a:t>
+            </a:r>
+            <a:r>
+              <a:rPr lang="en-US" dirty="0">
+                <a:solidFill>
+                  <a:srgbClr val="333333"/>
+                </a:solidFill>
+                <a:effectLst/>
+              </a:rPr>
+              <a:t>n</a:t>
+            </a:r>
+            <a:r>
+              <a:rPr lang="en-US" dirty="0">
+                <a:solidFill>
+                  <a:srgbClr val="586E75"/>
+                </a:solidFill>
+                <a:effectLst/>
+              </a:rPr>
+              <a:t>)=</a:t>
+            </a:r>
+            <a:r>
+              <a:rPr lang="en-US" dirty="0">
+                <a:solidFill>
+                  <a:srgbClr val="2AA198"/>
+                </a:solidFill>
+                <a:effectLst/>
+              </a:rPr>
+              <a:t>1</a:t>
+            </a:r>
+            <a:r>
+              <a:rPr lang="en-US" dirty="0">
+                <a:solidFill>
+                  <a:srgbClr val="333333"/>
+                </a:solidFill>
+                <a:effectLst/>
+              </a:rPr>
+              <a:t> </a:t>
+            </a:r>
+            <a:r>
+              <a:rPr lang="en-US" dirty="0">
+                <a:solidFill>
+                  <a:srgbClr val="859900"/>
+                </a:solidFill>
+                <a:effectLst/>
+              </a:rPr>
+              <a:t>return</a:t>
+            </a:r>
+            <a:r>
+              <a:rPr lang="en-US" dirty="0">
+                <a:solidFill>
+                  <a:srgbClr val="333333"/>
+                </a:solidFill>
+                <a:effectLst/>
+              </a:rPr>
+              <a:t> n</a:t>
+            </a:r>
+          </a:p>
+          <a:p>
+            <a:pPr marL="285750" indent="-285750">
+              <a:buFont typeface="Arial" panose="020B0604020202020204" pitchFamily="34" charset="0"/>
+              <a:buChar char="•"/>
+            </a:pPr>
+            <a:endParaRPr lang="en-US" sz="800" dirty="0">
+              <a:solidFill>
+                <a:srgbClr val="333333"/>
+              </a:solidFill>
+            </a:endParaRPr>
+          </a:p>
+          <a:p>
+            <a:pPr marL="285750" indent="-285750">
+              <a:buFont typeface="Arial" panose="020B0604020202020204" pitchFamily="34" charset="0"/>
+              <a:buChar char="•"/>
+            </a:pPr>
+            <a:r>
+              <a:rPr lang="en-IN" dirty="0">
+                <a:solidFill>
+                  <a:schemeClr val="tx1">
+                    <a:lumMod val="50000"/>
+                    <a:lumOff val="50000"/>
+                  </a:schemeClr>
+                </a:solidFill>
+                <a:latin typeface="Gill Sans MT (Body)"/>
+              </a:rPr>
+              <a:t>neo4j$ </a:t>
+            </a:r>
+            <a:r>
+              <a:rPr lang="en-US" dirty="0">
+                <a:solidFill>
+                  <a:srgbClr val="859900"/>
+                </a:solidFill>
+                <a:effectLst/>
+              </a:rPr>
+              <a:t>match</a:t>
+            </a:r>
+            <a:r>
+              <a:rPr lang="en-US" dirty="0">
+                <a:solidFill>
+                  <a:srgbClr val="333333"/>
+                </a:solidFill>
+                <a:effectLst/>
+              </a:rPr>
+              <a:t> </a:t>
+            </a:r>
+            <a:r>
+              <a:rPr lang="en-US" dirty="0">
+                <a:solidFill>
+                  <a:srgbClr val="586E75"/>
+                </a:solidFill>
+                <a:effectLst/>
+              </a:rPr>
+              <a:t>(</a:t>
+            </a:r>
+            <a:r>
+              <a:rPr lang="en-US" dirty="0">
+                <a:solidFill>
+                  <a:srgbClr val="333333"/>
+                </a:solidFill>
+                <a:effectLst/>
+              </a:rPr>
+              <a:t>n</a:t>
+            </a:r>
+            <a:r>
+              <a:rPr lang="en-US" dirty="0">
+                <a:solidFill>
+                  <a:srgbClr val="586E75"/>
+                </a:solidFill>
+                <a:effectLst/>
+              </a:rPr>
+              <a:t>)</a:t>
+            </a:r>
+            <a:r>
+              <a:rPr lang="en-US" dirty="0">
+                <a:solidFill>
+                  <a:srgbClr val="333333"/>
+                </a:solidFill>
+                <a:effectLst/>
+              </a:rPr>
+              <a:t> </a:t>
+            </a:r>
+            <a:r>
+              <a:rPr lang="en-US" dirty="0">
+                <a:solidFill>
+                  <a:srgbClr val="859900"/>
+                </a:solidFill>
+                <a:effectLst/>
+              </a:rPr>
+              <a:t>return</a:t>
+            </a:r>
+            <a:r>
+              <a:rPr lang="en-US" dirty="0">
+                <a:solidFill>
+                  <a:srgbClr val="333333"/>
+                </a:solidFill>
+                <a:effectLst/>
+              </a:rPr>
+              <a:t> id</a:t>
+            </a:r>
+            <a:r>
+              <a:rPr lang="en-US" dirty="0">
+                <a:solidFill>
+                  <a:srgbClr val="586E75"/>
+                </a:solidFill>
+                <a:effectLst/>
+              </a:rPr>
+              <a:t>(</a:t>
+            </a:r>
+            <a:r>
+              <a:rPr lang="en-US" dirty="0">
+                <a:solidFill>
+                  <a:srgbClr val="333333"/>
+                </a:solidFill>
+                <a:effectLst/>
+              </a:rPr>
+              <a:t>n</a:t>
+            </a:r>
+            <a:r>
+              <a:rPr lang="en-US" dirty="0">
+                <a:solidFill>
+                  <a:srgbClr val="586E75"/>
+                </a:solidFill>
+                <a:effectLst/>
+              </a:rPr>
+              <a:t>)</a:t>
+            </a:r>
+            <a:endParaRPr lang="en-US" dirty="0">
+              <a:solidFill>
+                <a:srgbClr val="000000"/>
+              </a:solidFill>
+              <a:effectLst/>
+            </a:endParaRPr>
+          </a:p>
+          <a:p>
+            <a:pPr marL="285750" indent="-285750">
+              <a:buFont typeface="Arial" panose="020B0604020202020204" pitchFamily="34" charset="0"/>
+              <a:buChar char="•"/>
+            </a:pPr>
+            <a:endParaRPr lang="en-IN" sz="800" dirty="0">
+              <a:solidFill>
+                <a:schemeClr val="tx1">
+                  <a:lumMod val="50000"/>
+                  <a:lumOff val="50000"/>
+                </a:schemeClr>
+              </a:solidFill>
+              <a:latin typeface="Gill Sans MT (Body)"/>
+            </a:endParaRPr>
+          </a:p>
+          <a:p>
+            <a:pPr marL="285750" indent="-285750">
+              <a:buFont typeface="Arial" panose="020B0604020202020204" pitchFamily="34" charset="0"/>
+              <a:buChar char="•"/>
+            </a:pPr>
+            <a:r>
+              <a:rPr lang="en-IN" dirty="0">
+                <a:solidFill>
+                  <a:schemeClr val="tx1">
+                    <a:lumMod val="50000"/>
+                    <a:lumOff val="50000"/>
+                  </a:schemeClr>
+                </a:solidFill>
+                <a:latin typeface="Gill Sans MT (Body)"/>
+              </a:rPr>
+              <a:t>neo4j$ </a:t>
+            </a:r>
+            <a:r>
+              <a:rPr lang="en-US" dirty="0">
+                <a:solidFill>
+                  <a:srgbClr val="859900"/>
+                </a:solidFill>
+                <a:effectLst/>
+              </a:rPr>
+              <a:t>match</a:t>
+            </a:r>
+            <a:r>
+              <a:rPr lang="en-US" dirty="0">
+                <a:solidFill>
+                  <a:srgbClr val="586E75"/>
+                </a:solidFill>
+                <a:effectLst/>
+              </a:rPr>
+              <a:t>(</a:t>
+            </a:r>
+            <a:r>
+              <a:rPr lang="en-US" dirty="0">
+                <a:solidFill>
+                  <a:srgbClr val="333333"/>
+                </a:solidFill>
+                <a:effectLst/>
+              </a:rPr>
+              <a:t>n</a:t>
+            </a:r>
+            <a:r>
+              <a:rPr lang="en-US" dirty="0">
+                <a:solidFill>
+                  <a:srgbClr val="586E75"/>
+                </a:solidFill>
+                <a:effectLst/>
+              </a:rPr>
+              <a:t>)</a:t>
+            </a:r>
+            <a:r>
+              <a:rPr lang="en-US" dirty="0">
+                <a:solidFill>
+                  <a:srgbClr val="333333"/>
+                </a:solidFill>
+                <a:effectLst/>
+              </a:rPr>
+              <a:t> </a:t>
+            </a:r>
+            <a:r>
+              <a:rPr lang="en-US" dirty="0">
+                <a:solidFill>
+                  <a:srgbClr val="859900"/>
+                </a:solidFill>
+                <a:effectLst/>
+              </a:rPr>
+              <a:t>where</a:t>
+            </a:r>
+            <a:r>
+              <a:rPr lang="en-US" dirty="0">
+                <a:solidFill>
+                  <a:srgbClr val="333333"/>
+                </a:solidFill>
+                <a:effectLst/>
+              </a:rPr>
+              <a:t> id</a:t>
+            </a:r>
+            <a:r>
+              <a:rPr lang="en-US" dirty="0">
+                <a:solidFill>
+                  <a:srgbClr val="586E75"/>
+                </a:solidFill>
+                <a:effectLst/>
+              </a:rPr>
+              <a:t>(</a:t>
+            </a:r>
+            <a:r>
+              <a:rPr lang="en-US" dirty="0">
+                <a:solidFill>
+                  <a:srgbClr val="333333"/>
+                </a:solidFill>
+                <a:effectLst/>
+              </a:rPr>
+              <a:t>n</a:t>
+            </a:r>
+            <a:r>
+              <a:rPr lang="en-US" dirty="0">
+                <a:solidFill>
+                  <a:srgbClr val="586E75"/>
+                </a:solidFill>
+                <a:effectLst/>
+              </a:rPr>
+              <a:t>)=</a:t>
+            </a:r>
+            <a:r>
+              <a:rPr lang="en-US" dirty="0">
+                <a:solidFill>
+                  <a:srgbClr val="2AA198"/>
+                </a:solidFill>
+                <a:effectLst/>
+              </a:rPr>
+              <a:t>0</a:t>
+            </a:r>
+            <a:r>
+              <a:rPr lang="en-US" dirty="0">
+                <a:solidFill>
+                  <a:srgbClr val="333333"/>
+                </a:solidFill>
+                <a:effectLst/>
+              </a:rPr>
+              <a:t> </a:t>
+            </a:r>
+            <a:r>
+              <a:rPr lang="en-US" dirty="0">
+                <a:solidFill>
+                  <a:srgbClr val="859900"/>
+                </a:solidFill>
+                <a:effectLst/>
+              </a:rPr>
+              <a:t>or</a:t>
+            </a:r>
+            <a:r>
+              <a:rPr lang="en-US" dirty="0">
+                <a:solidFill>
+                  <a:srgbClr val="333333"/>
+                </a:solidFill>
+                <a:effectLst/>
+              </a:rPr>
+              <a:t> id</a:t>
+            </a:r>
+            <a:r>
+              <a:rPr lang="en-US" dirty="0">
+                <a:solidFill>
+                  <a:srgbClr val="586E75"/>
+                </a:solidFill>
+                <a:effectLst/>
+              </a:rPr>
+              <a:t>(</a:t>
+            </a:r>
+            <a:r>
+              <a:rPr lang="en-US" dirty="0">
+                <a:solidFill>
+                  <a:srgbClr val="333333"/>
+                </a:solidFill>
+                <a:effectLst/>
+              </a:rPr>
+              <a:t>n</a:t>
+            </a:r>
+            <a:r>
+              <a:rPr lang="en-US" dirty="0">
+                <a:solidFill>
+                  <a:srgbClr val="586E75"/>
+                </a:solidFill>
+                <a:effectLst/>
+              </a:rPr>
+              <a:t>)=</a:t>
+            </a:r>
+            <a:r>
+              <a:rPr lang="en-US" dirty="0">
+                <a:solidFill>
+                  <a:srgbClr val="2AA198"/>
+                </a:solidFill>
+                <a:effectLst/>
+              </a:rPr>
+              <a:t>2</a:t>
+            </a:r>
+            <a:r>
+              <a:rPr lang="en-US" dirty="0">
+                <a:solidFill>
+                  <a:srgbClr val="333333"/>
+                </a:solidFill>
+                <a:effectLst/>
+              </a:rPr>
+              <a:t> </a:t>
+            </a:r>
+            <a:r>
+              <a:rPr lang="en-US" dirty="0">
+                <a:solidFill>
+                  <a:srgbClr val="859900"/>
+                </a:solidFill>
+                <a:effectLst/>
+              </a:rPr>
+              <a:t>or</a:t>
+            </a:r>
+            <a:r>
+              <a:rPr lang="en-US" dirty="0">
+                <a:solidFill>
+                  <a:srgbClr val="333333"/>
+                </a:solidFill>
+                <a:effectLst/>
+              </a:rPr>
+              <a:t> id</a:t>
+            </a:r>
+            <a:r>
+              <a:rPr lang="en-US" dirty="0">
+                <a:solidFill>
+                  <a:srgbClr val="586E75"/>
+                </a:solidFill>
+                <a:effectLst/>
+              </a:rPr>
+              <a:t>(</a:t>
+            </a:r>
+            <a:r>
+              <a:rPr lang="en-US" dirty="0">
+                <a:solidFill>
+                  <a:srgbClr val="333333"/>
+                </a:solidFill>
+                <a:effectLst/>
+              </a:rPr>
+              <a:t>n</a:t>
+            </a:r>
+            <a:r>
+              <a:rPr lang="en-US" dirty="0">
+                <a:solidFill>
+                  <a:srgbClr val="586E75"/>
+                </a:solidFill>
+                <a:effectLst/>
+              </a:rPr>
+              <a:t>)=</a:t>
+            </a:r>
+            <a:r>
+              <a:rPr lang="en-US" dirty="0">
+                <a:solidFill>
+                  <a:srgbClr val="2AA198"/>
+                </a:solidFill>
+                <a:effectLst/>
+              </a:rPr>
+              <a:t>3</a:t>
+            </a:r>
+            <a:r>
+              <a:rPr lang="en-US" dirty="0">
+                <a:solidFill>
+                  <a:srgbClr val="333333"/>
+                </a:solidFill>
+                <a:effectLst/>
+              </a:rPr>
+              <a:t> </a:t>
+            </a:r>
+            <a:r>
+              <a:rPr lang="en-US" dirty="0">
+                <a:solidFill>
+                  <a:srgbClr val="859900"/>
+                </a:solidFill>
+                <a:effectLst/>
+              </a:rPr>
+              <a:t>return</a:t>
+            </a:r>
+            <a:r>
+              <a:rPr lang="en-US" dirty="0">
+                <a:solidFill>
+                  <a:srgbClr val="333333"/>
+                </a:solidFill>
+                <a:effectLst/>
+              </a:rPr>
+              <a:t> n</a:t>
+            </a:r>
+            <a:endParaRPr lang="en-US" dirty="0">
+              <a:solidFill>
+                <a:srgbClr val="000000"/>
+              </a:solidFill>
+              <a:effectLst/>
+            </a:endParaRPr>
+          </a:p>
+          <a:p>
+            <a:pPr marL="285750" indent="-285750">
+              <a:buFont typeface="Arial" panose="020B0604020202020204" pitchFamily="34" charset="0"/>
+              <a:buChar char="•"/>
+            </a:pPr>
+            <a:endParaRPr lang="en-US" sz="800" dirty="0">
+              <a:solidFill>
+                <a:srgbClr val="333333"/>
+              </a:solidFill>
+            </a:endParaRPr>
+          </a:p>
+          <a:p>
+            <a:pPr marL="285750" indent="-285750">
+              <a:buFont typeface="Arial" panose="020B0604020202020204" pitchFamily="34" charset="0"/>
+              <a:buChar char="•"/>
+            </a:pPr>
+            <a:r>
+              <a:rPr lang="en-IN" dirty="0">
+                <a:solidFill>
+                  <a:schemeClr val="tx1">
+                    <a:lumMod val="50000"/>
+                    <a:lumOff val="50000"/>
+                  </a:schemeClr>
+                </a:solidFill>
+                <a:latin typeface="Gill Sans MT (Body)"/>
+              </a:rPr>
+              <a:t>neo4j$ </a:t>
+            </a:r>
+            <a:r>
+              <a:rPr lang="en-US" dirty="0">
+                <a:solidFill>
+                  <a:srgbClr val="859900"/>
+                </a:solidFill>
+                <a:effectLst/>
+              </a:rPr>
+              <a:t>match</a:t>
+            </a:r>
+            <a:r>
+              <a:rPr lang="en-US" dirty="0">
+                <a:solidFill>
+                  <a:srgbClr val="586E75"/>
+                </a:solidFill>
+                <a:effectLst/>
+              </a:rPr>
+              <a:t>(</a:t>
+            </a:r>
+            <a:r>
+              <a:rPr lang="en-US" dirty="0">
+                <a:solidFill>
+                  <a:srgbClr val="333333"/>
+                </a:solidFill>
+                <a:effectLst/>
+              </a:rPr>
+              <a:t>n</a:t>
+            </a:r>
+            <a:r>
+              <a:rPr lang="en-US" dirty="0">
+                <a:solidFill>
+                  <a:srgbClr val="586E75"/>
+                </a:solidFill>
+                <a:effectLst/>
+              </a:rPr>
+              <a:t>)</a:t>
+            </a:r>
+            <a:r>
+              <a:rPr lang="en-US" dirty="0">
+                <a:solidFill>
+                  <a:srgbClr val="333333"/>
+                </a:solidFill>
+                <a:effectLst/>
+              </a:rPr>
+              <a:t> </a:t>
+            </a:r>
+            <a:r>
+              <a:rPr lang="en-US" dirty="0">
+                <a:solidFill>
+                  <a:srgbClr val="859900"/>
+                </a:solidFill>
+                <a:effectLst/>
+              </a:rPr>
+              <a:t>where</a:t>
+            </a:r>
+            <a:r>
+              <a:rPr lang="en-US" dirty="0">
+                <a:solidFill>
+                  <a:srgbClr val="333333"/>
+                </a:solidFill>
+                <a:effectLst/>
+              </a:rPr>
+              <a:t> id</a:t>
+            </a:r>
+            <a:r>
+              <a:rPr lang="en-US" dirty="0">
+                <a:solidFill>
+                  <a:srgbClr val="586E75"/>
+                </a:solidFill>
+                <a:effectLst/>
+              </a:rPr>
+              <a:t>(</a:t>
+            </a:r>
+            <a:r>
+              <a:rPr lang="en-US" dirty="0">
+                <a:solidFill>
+                  <a:srgbClr val="333333"/>
+                </a:solidFill>
+                <a:effectLst/>
+              </a:rPr>
+              <a:t>n</a:t>
+            </a:r>
+            <a:r>
+              <a:rPr lang="en-US" dirty="0">
+                <a:solidFill>
+                  <a:srgbClr val="586E75"/>
+                </a:solidFill>
+                <a:effectLst/>
+              </a:rPr>
+              <a:t>)</a:t>
+            </a:r>
+            <a:r>
+              <a:rPr lang="en-US" dirty="0">
+                <a:solidFill>
+                  <a:srgbClr val="333333"/>
+                </a:solidFill>
+                <a:effectLst/>
+              </a:rPr>
+              <a:t> </a:t>
+            </a:r>
+            <a:r>
+              <a:rPr lang="en-US" dirty="0">
+                <a:solidFill>
+                  <a:srgbClr val="859900"/>
+                </a:solidFill>
+                <a:effectLst/>
+              </a:rPr>
+              <a:t>in</a:t>
+            </a:r>
+            <a:r>
+              <a:rPr lang="en-US" dirty="0">
+                <a:solidFill>
+                  <a:srgbClr val="333333"/>
+                </a:solidFill>
+                <a:effectLst/>
+              </a:rPr>
+              <a:t> </a:t>
+            </a:r>
+            <a:r>
+              <a:rPr lang="en-US" dirty="0">
+                <a:solidFill>
+                  <a:srgbClr val="586E75"/>
+                </a:solidFill>
+                <a:effectLst/>
+              </a:rPr>
+              <a:t>[ </a:t>
+            </a:r>
+            <a:r>
+              <a:rPr lang="en-US" dirty="0">
+                <a:solidFill>
+                  <a:srgbClr val="2AA198"/>
+                </a:solidFill>
+                <a:effectLst/>
+              </a:rPr>
+              <a:t>0</a:t>
+            </a:r>
+            <a:r>
+              <a:rPr lang="en-US" dirty="0">
+                <a:solidFill>
+                  <a:srgbClr val="586E75"/>
+                </a:solidFill>
+                <a:effectLst/>
+              </a:rPr>
+              <a:t>, </a:t>
+            </a:r>
+            <a:r>
+              <a:rPr lang="en-US" dirty="0">
+                <a:solidFill>
+                  <a:srgbClr val="2AA198"/>
+                </a:solidFill>
+                <a:effectLst/>
+              </a:rPr>
+              <a:t>2</a:t>
+            </a:r>
+            <a:r>
+              <a:rPr lang="en-US" dirty="0">
+                <a:solidFill>
+                  <a:srgbClr val="586E75"/>
+                </a:solidFill>
+                <a:effectLst/>
+              </a:rPr>
+              <a:t>, </a:t>
+            </a:r>
+            <a:r>
+              <a:rPr lang="en-US" dirty="0">
+                <a:solidFill>
+                  <a:srgbClr val="2AA198"/>
+                </a:solidFill>
+                <a:effectLst/>
+              </a:rPr>
+              <a:t>3 </a:t>
+            </a:r>
+            <a:r>
+              <a:rPr lang="en-US" dirty="0">
+                <a:solidFill>
+                  <a:srgbClr val="586E75"/>
+                </a:solidFill>
+                <a:effectLst/>
+              </a:rPr>
+              <a:t>]</a:t>
+            </a:r>
+            <a:r>
+              <a:rPr lang="en-US" dirty="0">
+                <a:solidFill>
+                  <a:srgbClr val="333333"/>
+                </a:solidFill>
+                <a:effectLst/>
+              </a:rPr>
+              <a:t> </a:t>
+            </a:r>
+            <a:r>
+              <a:rPr lang="en-US" dirty="0">
+                <a:solidFill>
+                  <a:srgbClr val="859900"/>
+                </a:solidFill>
+                <a:effectLst/>
+              </a:rPr>
+              <a:t>return</a:t>
+            </a:r>
+            <a:r>
+              <a:rPr lang="en-US" dirty="0">
+                <a:solidFill>
+                  <a:srgbClr val="333333"/>
+                </a:solidFill>
+                <a:effectLst/>
+              </a:rPr>
+              <a:t> n</a:t>
+            </a:r>
+            <a:endParaRPr lang="en-US" dirty="0">
+              <a:solidFill>
+                <a:srgbClr val="000000"/>
+              </a:solidFill>
+              <a:effectLst/>
+            </a:endParaRPr>
+          </a:p>
+        </p:txBody>
+      </p:sp>
+    </p:spTree>
+    <p:extLst>
+      <p:ext uri="{BB962C8B-B14F-4D97-AF65-F5344CB8AC3E}">
+        <p14:creationId xmlns:p14="http://schemas.microsoft.com/office/powerpoint/2010/main" val="1131250026"/>
+      </p:ext>
+    </p:extLst>
+  </p:cSld>
+  <p:clrMapOvr>
+    <a:masterClrMapping/>
+  </p:clrMapOvr>
+</p:sld>
+</file>
+
+<file path=ppt/slides/slide16.xml><?xml version="1.0" encoding="utf-8"?>
+<p:sld xmlns:a="http://schemas.openxmlformats.org/drawingml/2006/main" xmlns:r="http://schemas.openxmlformats.org/officeDocument/2006/relationships" xmlns:p="http://schemas.openxmlformats.org/presentationml/2006/main">
+  <p:cSld>
+    <p:spTree>
+      <p:nvGrpSpPr>
+        <p:cNvPr id="1" name=""/>
+        <p:cNvGrpSpPr/>
+        <p:nvPr/>
+      </p:nvGrpSpPr>
+      <p:grpSpPr>
+        <a:xfrm>
+          <a:off x="0" y="0"/>
+          <a:ext cx="0" cy="0"/>
+          <a:chOff x="0" y="0"/>
+          <a:chExt cx="0" cy="0"/>
+        </a:xfrm>
+      </p:grpSpPr>
+      <p:sp>
+        <p:nvSpPr>
+          <p:cNvPr id="102" name="CustomShape 3"/>
+          <p:cNvSpPr/>
+          <p:nvPr/>
+        </p:nvSpPr>
+        <p:spPr>
+          <a:xfrm>
+            <a:off x="246600" y="762120"/>
+            <a:ext cx="11693880" cy="398655"/>
+          </a:xfrm>
+          <a:prstGeom prst="rect">
+            <a:avLst/>
+          </a:prstGeom>
+          <a:noFill/>
+          <a:ln>
+            <a:noFill/>
+          </a:ln>
+        </p:spPr>
+        <p:style>
+          <a:lnRef idx="0">
+            <a:scrgbClr r="0" g="0" b="0"/>
+          </a:lnRef>
+          <a:fillRef idx="0">
+            <a:scrgbClr r="0" g="0" b="0"/>
+          </a:fillRef>
+          <a:effectRef idx="0">
+            <a:scrgbClr r="0" g="0" b="0"/>
+          </a:effectRef>
+          <a:fontRef idx="minor"/>
+        </p:style>
+        <p:txBody>
+          <a:bodyPr lIns="90000" tIns="45000" rIns="90000" bIns="45000">
+            <a:spAutoFit/>
+          </a:bodyPr>
+          <a:lstStyle/>
+          <a:p>
+            <a:pPr algn="just"/>
+            <a:r>
+              <a:rPr lang="en-US" sz="2000" dirty="0">
+                <a:solidFill>
+                  <a:srgbClr val="2D3748"/>
+                </a:solidFill>
+                <a:latin typeface="Nunito Sans"/>
+              </a:rPr>
+              <a:t>TODO</a:t>
+            </a:r>
+            <a:endParaRPr lang="en-IN" sz="2000" dirty="0">
+              <a:solidFill>
+                <a:srgbClr val="2D3748"/>
+              </a:solidFill>
+              <a:latin typeface="Nunito Sans"/>
+            </a:endParaRPr>
+          </a:p>
+        </p:txBody>
+      </p:sp>
+      <p:sp>
+        <p:nvSpPr>
+          <p:cNvPr id="103" name="CustomShape 4"/>
+          <p:cNvSpPr/>
+          <p:nvPr/>
+        </p:nvSpPr>
+        <p:spPr>
+          <a:xfrm>
+            <a:off x="243604" y="5696497"/>
+            <a:ext cx="11693880" cy="737210"/>
+          </a:xfrm>
+          <a:prstGeom prst="rect">
+            <a:avLst/>
+          </a:prstGeom>
+          <a:noFill/>
+          <a:ln>
+            <a:noFill/>
+          </a:ln>
+        </p:spPr>
+        <p:style>
+          <a:lnRef idx="0">
+            <a:scrgbClr r="0" g="0" b="0"/>
+          </a:lnRef>
+          <a:fillRef idx="0">
+            <a:scrgbClr r="0" g="0" b="0"/>
+          </a:fillRef>
+          <a:effectRef idx="0">
+            <a:scrgbClr r="0" g="0" b="0"/>
+          </a:effectRef>
+          <a:fontRef idx="minor"/>
+        </p:style>
+        <p:txBody>
+          <a:bodyPr lIns="90000" tIns="45000" rIns="90000" bIns="45000">
+            <a:spAutoFit/>
+          </a:bodyPr>
+          <a:lstStyle/>
+          <a:p>
+            <a:pPr>
+              <a:lnSpc>
+                <a:spcPct val="100000"/>
+              </a:lnSpc>
+            </a:pPr>
+            <a:r>
+              <a:rPr lang="en-IN" sz="2000" b="1" strike="noStrike" spc="-1" dirty="0">
+                <a:solidFill>
+                  <a:srgbClr val="C00000"/>
+                </a:solidFill>
+                <a:latin typeface="Arial" panose="020B0604020202020204" pitchFamily="34" charset="0"/>
+                <a:ea typeface="Open Sans"/>
+                <a:cs typeface="Arial" panose="020B0604020202020204" pitchFamily="34" charset="0"/>
+              </a:rPr>
+              <a:t>Note:</a:t>
+            </a:r>
+            <a:endParaRPr lang="en-IN" sz="2000" b="0" strike="noStrike" spc="-1" dirty="0">
+              <a:latin typeface="Arial" panose="020B0604020202020204" pitchFamily="34" charset="0"/>
+              <a:cs typeface="Arial" panose="020B0604020202020204" pitchFamily="34" charset="0"/>
+            </a:endParaRPr>
+          </a:p>
+          <a:p>
+            <a:pPr>
+              <a:lnSpc>
+                <a:spcPct val="100000"/>
+              </a:lnSpc>
+            </a:pPr>
+            <a:r>
+              <a:rPr lang="en-IN" sz="400" b="0" strike="noStrike" spc="-1" dirty="0">
+                <a:solidFill>
+                  <a:srgbClr val="000000"/>
+                </a:solidFill>
+                <a:latin typeface="Arial" panose="020B0604020202020204" pitchFamily="34" charset="0"/>
+                <a:ea typeface="DejaVu Sans"/>
+                <a:cs typeface="Arial" panose="020B0604020202020204" pitchFamily="34" charset="0"/>
+              </a:rPr>
+              <a:t> </a:t>
+            </a:r>
+            <a:endParaRPr lang="en-IN" sz="400" b="0" strike="noStrike" spc="-1" dirty="0">
+              <a:latin typeface="Arial" panose="020B0604020202020204" pitchFamily="34" charset="0"/>
+              <a:cs typeface="Arial" panose="020B0604020202020204" pitchFamily="34" charset="0"/>
+            </a:endParaRPr>
+          </a:p>
+          <a:p>
+            <a:pPr marL="285840" indent="-262080">
+              <a:buClr>
+                <a:srgbClr val="000000"/>
+              </a:buClr>
+              <a:buFont typeface="Arial"/>
+              <a:buChar char="•"/>
+            </a:pPr>
+            <a:r>
+              <a:rPr lang="en-US" b="0" i="0" dirty="0">
+                <a:solidFill>
+                  <a:srgbClr val="333333"/>
+                </a:solidFill>
+                <a:effectLst/>
+                <a:latin typeface="Arial" panose="020B0604020202020204" pitchFamily="34" charset="0"/>
+              </a:rPr>
+              <a:t>TODO</a:t>
+            </a:r>
+            <a:endParaRPr lang="en-IN" sz="1800" strike="noStrike" spc="-1" dirty="0">
+              <a:solidFill>
+                <a:schemeClr val="tx1">
+                  <a:lumMod val="85000"/>
+                  <a:lumOff val="15000"/>
+                </a:schemeClr>
+              </a:solidFill>
+              <a:latin typeface="Arial" panose="020B0604020202020204" pitchFamily="34" charset="0"/>
+              <a:cs typeface="Arial" panose="020B0604020202020204" pitchFamily="34" charset="0"/>
+            </a:endParaRPr>
+          </a:p>
+        </p:txBody>
+      </p:sp>
+      <p:sp>
+        <p:nvSpPr>
+          <p:cNvPr id="105" name="CustomShape 6"/>
+          <p:cNvSpPr/>
+          <p:nvPr/>
+        </p:nvSpPr>
+        <p:spPr>
+          <a:xfrm>
+            <a:off x="246600" y="0"/>
+            <a:ext cx="11693880" cy="706432"/>
+          </a:xfrm>
+          <a:prstGeom prst="rect">
+            <a:avLst/>
+          </a:prstGeom>
+          <a:solidFill>
+            <a:schemeClr val="accent6">
+              <a:lumMod val="75000"/>
+            </a:schemeClr>
+          </a:solidFill>
+          <a:ln>
+            <a:noFill/>
+          </a:ln>
+        </p:spPr>
+        <p:style>
+          <a:lnRef idx="0">
+            <a:scrgbClr r="0" g="0" b="0"/>
+          </a:lnRef>
+          <a:fillRef idx="0">
+            <a:scrgbClr r="0" g="0" b="0"/>
+          </a:fillRef>
+          <a:effectRef idx="0">
+            <a:scrgbClr r="0" g="0" b="0"/>
+          </a:effectRef>
+          <a:fontRef idx="minor"/>
+        </p:style>
+        <p:txBody>
+          <a:bodyPr lIns="90000" tIns="45000" rIns="90000" bIns="45000">
+            <a:spAutoFit/>
+          </a:bodyPr>
+          <a:lstStyle/>
+          <a:p>
+            <a:pPr algn="r"/>
+            <a:r>
+              <a:rPr lang="en-IN" sz="4000" b="0" strike="noStrike" spc="-1" dirty="0">
+                <a:solidFill>
+                  <a:schemeClr val="accent6">
+                    <a:lumMod val="60000"/>
+                    <a:lumOff val="40000"/>
+                  </a:schemeClr>
+                </a:solidFill>
+                <a:latin typeface="Nunito Sans"/>
+                <a:ea typeface="DejaVu Sans"/>
+              </a:rPr>
+              <a:t>match count nodes</a:t>
+            </a:r>
+            <a:endParaRPr lang="en-IN" sz="4000" b="0" strike="noStrike" spc="-1" dirty="0">
+              <a:solidFill>
+                <a:schemeClr val="accent6">
+                  <a:lumMod val="60000"/>
+                  <a:lumOff val="40000"/>
+                </a:schemeClr>
+              </a:solidFill>
+              <a:latin typeface="Nunito Sans"/>
+            </a:endParaRPr>
+          </a:p>
+        </p:txBody>
+      </p:sp>
+      <p:sp>
+        <p:nvSpPr>
+          <p:cNvPr id="108" name="Line 9"/>
+          <p:cNvSpPr/>
+          <p:nvPr/>
+        </p:nvSpPr>
+        <p:spPr>
+          <a:xfrm>
+            <a:off x="0" y="1536120"/>
+            <a:ext cx="12191760" cy="0"/>
+          </a:xfrm>
+          <a:prstGeom prst="line">
+            <a:avLst/>
+          </a:prstGeom>
+          <a:ln w="12600">
+            <a:solidFill>
+              <a:srgbClr val="6E78A0"/>
+            </a:solidFill>
+            <a:prstDash val="dash"/>
+            <a:round/>
+          </a:ln>
+        </p:spPr>
+        <p:style>
+          <a:lnRef idx="1">
+            <a:schemeClr val="accent1"/>
+          </a:lnRef>
+          <a:fillRef idx="0">
+            <a:schemeClr val="accent1"/>
+          </a:fillRef>
+          <a:effectRef idx="0">
+            <a:schemeClr val="accent1"/>
+          </a:effectRef>
+          <a:fontRef idx="minor"/>
+        </p:style>
+      </p:sp>
+      <p:sp>
+        <p:nvSpPr>
+          <p:cNvPr id="12" name="TextBox 11">
+            <a:extLst>
+              <a:ext uri="{FF2B5EF4-FFF2-40B4-BE49-F238E27FC236}">
+                <a16:creationId xmlns:a16="http://schemas.microsoft.com/office/drawing/2014/main" id="{79242DF4-E3E0-4B3F-9DA3-EDDD02A6E7F5}"/>
+              </a:ext>
+            </a:extLst>
+          </p:cNvPr>
+          <p:cNvSpPr txBox="1"/>
+          <p:nvPr/>
+        </p:nvSpPr>
+        <p:spPr>
+          <a:xfrm>
+            <a:off x="246600" y="1686842"/>
+            <a:ext cx="11693880" cy="369332"/>
+          </a:xfrm>
+          <a:prstGeom prst="rect">
+            <a:avLst/>
+          </a:prstGeom>
+          <a:noFill/>
+        </p:spPr>
+        <p:txBody>
+          <a:bodyPr wrap="square">
+            <a:spAutoFit/>
+          </a:bodyPr>
+          <a:lstStyle/>
+          <a:p>
+            <a:r>
+              <a:rPr lang="en-IN" spc="-1" dirty="0">
+                <a:solidFill>
+                  <a:srgbClr val="0070C0"/>
+                </a:solidFill>
+                <a:latin typeface="Consolas" panose="020B0609020204030204" pitchFamily="49" charset="0"/>
+                <a:cs typeface="Arial" panose="020B0604020202020204" pitchFamily="34" charset="0"/>
+              </a:rPr>
+              <a:t>TODO</a:t>
+            </a:r>
+          </a:p>
+        </p:txBody>
+      </p:sp>
+      <p:sp>
+        <p:nvSpPr>
+          <p:cNvPr id="15" name="TextBox 14">
+            <a:extLst>
+              <a:ext uri="{FF2B5EF4-FFF2-40B4-BE49-F238E27FC236}">
+                <a16:creationId xmlns:a16="http://schemas.microsoft.com/office/drawing/2014/main" id="{187A7629-BDF9-4DE3-B954-5B2AC8376F52}"/>
+              </a:ext>
+            </a:extLst>
+          </p:cNvPr>
+          <p:cNvSpPr txBox="1"/>
+          <p:nvPr/>
+        </p:nvSpPr>
+        <p:spPr>
+          <a:xfrm>
+            <a:off x="243604" y="2134800"/>
             <a:ext cx="11693880" cy="369332"/>
           </a:xfrm>
           <a:prstGeom prst="rect">
@@ -11111,7 +11471,7 @@
 </p:sld>
 </file>
 
-<file path=ppt/slides/slide16.xml><?xml version="1.0" encoding="utf-8"?>
+<file path=ppt/slides/slide17.xml><?xml version="1.0" encoding="utf-8"?>
 <p:sld xmlns:a="http://schemas.openxmlformats.org/drawingml/2006/main" xmlns:r="http://schemas.openxmlformats.org/officeDocument/2006/relationships" xmlns:p="http://schemas.openxmlformats.org/presentationml/2006/main">
   <p:cSld>
     <p:spTree>
@@ -11141,7 +11501,7 @@
 </p:sld>
 </file>
 
-<file path=ppt/slides/slide17.xml><?xml version="1.0" encoding="utf-8"?>
+<file path=ppt/slides/slide18.xml><?xml version="1.0" encoding="utf-8"?>
 <p:sld xmlns:a="http://schemas.openxmlformats.org/drawingml/2006/main" xmlns:r="http://schemas.openxmlformats.org/officeDocument/2006/relationships" xmlns:p="http://schemas.openxmlformats.org/presentationml/2006/main">
   <p:cSld>
     <p:spTree>
@@ -11287,7 +11647,7 @@
 </p:sld>
 </file>
 
-<file path=ppt/slides/slide18.xml><?xml version="1.0" encoding="utf-8"?>
+<file path=ppt/slides/slide19.xml><?xml version="1.0" encoding="utf-8"?>
 <p:sld xmlns:a="http://schemas.openxmlformats.org/drawingml/2006/main" xmlns:r="http://schemas.openxmlformats.org/officeDocument/2006/relationships" xmlns:p="http://schemas.openxmlformats.org/presentationml/2006/main">
   <p:cSld>
     <p:spTree>

--- a/Neo4j.pptx
+++ b/Neo4j.pptx
@@ -5,7 +5,7 @@
     <p:sldMasterId id="2147483720" r:id="rId1"/>
   </p:sldMasterIdLst>
   <p:notesMasterIdLst>
-    <p:notesMasterId r:id="rId21"/>
+    <p:notesMasterId r:id="rId22"/>
   </p:notesMasterIdLst>
   <p:sldIdLst>
     <p:sldId id="256" r:id="rId2"/>
@@ -23,10 +23,11 @@
     <p:sldId id="1405" r:id="rId14"/>
     <p:sldId id="1402" r:id="rId15"/>
     <p:sldId id="1403" r:id="rId16"/>
-    <p:sldId id="1404" r:id="rId17"/>
-    <p:sldId id="1393" r:id="rId18"/>
-    <p:sldId id="350" r:id="rId19"/>
-    <p:sldId id="1398" r:id="rId20"/>
+    <p:sldId id="1406" r:id="rId17"/>
+    <p:sldId id="1404" r:id="rId18"/>
+    <p:sldId id="1393" r:id="rId19"/>
+    <p:sldId id="350" r:id="rId20"/>
+    <p:sldId id="1398" r:id="rId21"/>
   </p:sldIdLst>
   <p:sldSz cx="12192000" cy="6858000"/>
   <p:notesSz cx="6858000" cy="9144000"/>
@@ -6446,7 +6447,7 @@
         <p:spPr>
           <a:xfrm>
             <a:off x="243604" y="2132856"/>
-            <a:ext cx="11693880" cy="2985433"/>
+            <a:ext cx="11693880" cy="3539430"/>
           </a:xfrm>
           <a:prstGeom prst="rect">
             <a:avLst/>
@@ -6563,7 +6564,7 @@
                 </a:solidFill>
                 <a:effectLst/>
               </a:rPr>
-              <a:t>,</a:t>
+              <a:t>, </a:t>
             </a:r>
             <a:r>
               <a:rPr lang="en-IN" dirty="0">
@@ -6572,7 +6573,7 @@
                 </a:solidFill>
                 <a:effectLst/>
               </a:rPr>
-              <a:t>  name</a:t>
+              <a:t>name</a:t>
             </a:r>
             <a:r>
               <a:rPr lang="en-IN" dirty="0">
@@ -6590,16 +6591,16 @@
                 </a:solidFill>
                 <a:effectLst/>
               </a:rPr>
-              <a:t>’saleel’</a:t>
-            </a:r>
-            <a:r>
-              <a:rPr lang="en-IN" dirty="0">
-                <a:solidFill>
-                  <a:srgbClr val="586E75"/>
-                </a:solidFill>
-                <a:effectLst/>
-              </a:rPr>
-              <a:t>,</a:t>
+              <a:t>'saleel'</a:t>
+            </a:r>
+            <a:r>
+              <a:rPr lang="en-IN" dirty="0">
+                <a:solidFill>
+                  <a:srgbClr val="586E75"/>
+                </a:solidFill>
+                <a:effectLst/>
+              </a:rPr>
+              <a:t>, </a:t>
             </a:r>
             <a:r>
               <a:rPr lang="en-IN" dirty="0">
@@ -6608,7 +6609,7 @@
                 </a:solidFill>
                 <a:effectLst/>
               </a:rPr>
-              <a:t>  location</a:t>
+              <a:t>location</a:t>
             </a:r>
             <a:r>
               <a:rPr lang="en-IN" dirty="0">
@@ -6626,16 +6627,16 @@
                 </a:solidFill>
                 <a:effectLst/>
               </a:rPr>
-              <a:t>'baroda’</a:t>
-            </a:r>
-            <a:r>
-              <a:rPr lang="en-IN" dirty="0">
-                <a:solidFill>
-                  <a:srgbClr val="586E75"/>
-                </a:solidFill>
-                <a:effectLst/>
-              </a:rPr>
-              <a:t>,</a:t>
+              <a:t>'baroda'</a:t>
+            </a:r>
+            <a:r>
+              <a:rPr lang="en-IN" dirty="0">
+                <a:solidFill>
+                  <a:srgbClr val="586E75"/>
+                </a:solidFill>
+                <a:effectLst/>
+              </a:rPr>
+              <a:t>, </a:t>
             </a:r>
             <a:r>
               <a:rPr lang="en-IN" dirty="0">
@@ -6644,7 +6645,7 @@
                 </a:solidFill>
                 <a:effectLst/>
               </a:rPr>
-              <a:t>  phone</a:t>
+              <a:t>phone</a:t>
             </a:r>
             <a:r>
               <a:rPr lang="en-IN" dirty="0">
@@ -6662,7 +6663,7 @@
                 </a:solidFill>
                 <a:effectLst/>
               </a:rPr>
-              <a:t>100 </a:t>
+              <a:t>100</a:t>
             </a:r>
             <a:r>
               <a:rPr lang="en-IN" dirty="0">
@@ -6681,7 +6682,7 @@
             </a:endParaRPr>
           </a:p>
           <a:p>
-            <a:pPr marL="273050"/>
+            <a:pPr marL="266700"/>
             <a:r>
               <a:rPr lang="en-IN" dirty="0">
                 <a:solidFill>
@@ -6761,7 +6762,7 @@
                 </a:solidFill>
                 <a:effectLst/>
               </a:rPr>
-              <a:t>,</a:t>
+              <a:t>, </a:t>
             </a:r>
             <a:r>
               <a:rPr lang="en-IN" dirty="0">
@@ -6770,7 +6771,7 @@
                 </a:solidFill>
                 <a:effectLst/>
               </a:rPr>
-              <a:t>  name</a:t>
+              <a:t>name</a:t>
             </a:r>
             <a:r>
               <a:rPr lang="en-IN" dirty="0">
@@ -6788,16 +6789,16 @@
                 </a:solidFill>
                 <a:effectLst/>
               </a:rPr>
-              <a:t>'sharmin’</a:t>
-            </a:r>
-            <a:r>
-              <a:rPr lang="en-IN" dirty="0">
-                <a:solidFill>
-                  <a:srgbClr val="586E75"/>
-                </a:solidFill>
-                <a:effectLst/>
-              </a:rPr>
-              <a:t>,</a:t>
+              <a:t>'sharmin'</a:t>
+            </a:r>
+            <a:r>
+              <a:rPr lang="en-IN" dirty="0">
+                <a:solidFill>
+                  <a:srgbClr val="586E75"/>
+                </a:solidFill>
+                <a:effectLst/>
+              </a:rPr>
+              <a:t>, </a:t>
             </a:r>
             <a:r>
               <a:rPr lang="en-IN" dirty="0">
@@ -6806,7 +6807,7 @@
                 </a:solidFill>
                 <a:effectLst/>
               </a:rPr>
-              <a:t>  location</a:t>
+              <a:t>location</a:t>
             </a:r>
             <a:r>
               <a:rPr lang="en-IN" dirty="0">
@@ -6833,7 +6834,7 @@
                 </a:solidFill>
                 <a:effectLst/>
               </a:rPr>
-              <a:t>,</a:t>
+              <a:t>, </a:t>
             </a:r>
             <a:r>
               <a:rPr lang="en-IN" dirty="0">
@@ -6842,7 +6843,7 @@
                 </a:solidFill>
                 <a:effectLst/>
               </a:rPr>
-              <a:t>  phone</a:t>
+              <a:t>phone</a:t>
             </a:r>
             <a:r>
               <a:rPr lang="en-IN" dirty="0">
@@ -6879,7 +6880,7 @@
             </a:endParaRPr>
           </a:p>
           <a:p>
-            <a:pPr marL="273050"/>
+            <a:pPr marL="266700"/>
             <a:r>
               <a:rPr lang="en-IN" dirty="0">
                 <a:solidFill>
@@ -6968,7 +6969,7 @@
                 </a:solidFill>
                 <a:effectLst/>
               </a:rPr>
-              <a:t> name</a:t>
+              <a:t>name</a:t>
             </a:r>
             <a:r>
               <a:rPr lang="en-IN" dirty="0">
@@ -6995,7 +6996,7 @@
                 </a:solidFill>
                 <a:effectLst/>
               </a:rPr>
-              <a:t>,</a:t>
+              <a:t>, </a:t>
             </a:r>
             <a:r>
               <a:rPr lang="en-IN" dirty="0">
@@ -7004,7 +7005,7 @@
                 </a:solidFill>
                 <a:effectLst/>
               </a:rPr>
-              <a:t>  location</a:t>
+              <a:t>location</a:t>
             </a:r>
             <a:r>
               <a:rPr lang="en-IN" dirty="0">
@@ -7040,16 +7041,16 @@
                 </a:solidFill>
                 <a:effectLst/>
               </a:rPr>
-              <a:t>’</a:t>
-            </a:r>
-            <a:r>
-              <a:rPr lang="en-IN" dirty="0">
-                <a:solidFill>
-                  <a:srgbClr val="586E75"/>
-                </a:solidFill>
-                <a:effectLst/>
-              </a:rPr>
-              <a:t>,</a:t>
+              <a:t>'</a:t>
+            </a:r>
+            <a:r>
+              <a:rPr lang="en-IN" dirty="0">
+                <a:solidFill>
+                  <a:srgbClr val="586E75"/>
+                </a:solidFill>
+                <a:effectLst/>
+              </a:rPr>
+              <a:t>, </a:t>
             </a:r>
             <a:r>
               <a:rPr lang="en-IN" dirty="0">
@@ -7058,7 +7059,7 @@
                 </a:solidFill>
                 <a:effectLst/>
               </a:rPr>
-              <a:t>  phone</a:t>
+              <a:t>phone</a:t>
             </a:r>
             <a:r>
               <a:rPr lang="en-IN" dirty="0">
@@ -7076,7 +7077,7 @@
                 </a:solidFill>
                 <a:effectLst/>
               </a:rPr>
-              <a:t>300</a:t>
+              <a:t>300 </a:t>
             </a:r>
             <a:r>
               <a:rPr lang="en-IN" dirty="0">
@@ -7095,7 +7096,7 @@
             </a:endParaRPr>
           </a:p>
           <a:p>
-            <a:pPr marL="273050"/>
+            <a:pPr marL="266700"/>
             <a:r>
               <a:rPr lang="en-IN" dirty="0">
                 <a:solidFill>
@@ -7175,7 +7176,7 @@
                 </a:solidFill>
                 <a:effectLst/>
               </a:rPr>
-              <a:t>,</a:t>
+              <a:t>, </a:t>
             </a:r>
             <a:r>
               <a:rPr lang="en-IN" dirty="0">
@@ -7184,7 +7185,7 @@
                 </a:solidFill>
                 <a:effectLst/>
               </a:rPr>
-              <a:t>  name</a:t>
+              <a:t>name</a:t>
             </a:r>
             <a:r>
               <a:rPr lang="en-IN" dirty="0">
@@ -7202,16 +7203,16 @@
                 </a:solidFill>
                 <a:effectLst/>
               </a:rPr>
-              <a:t>'ruhan’</a:t>
-            </a:r>
-            <a:r>
-              <a:rPr lang="en-IN" dirty="0">
-                <a:solidFill>
-                  <a:srgbClr val="586E75"/>
-                </a:solidFill>
-                <a:effectLst/>
-              </a:rPr>
-              <a:t>,</a:t>
+              <a:t>'ruhan'</a:t>
+            </a:r>
+            <a:r>
+              <a:rPr lang="en-IN" dirty="0">
+                <a:solidFill>
+                  <a:srgbClr val="586E75"/>
+                </a:solidFill>
+                <a:effectLst/>
+              </a:rPr>
+              <a:t>, </a:t>
             </a:r>
             <a:r>
               <a:rPr lang="en-IN" dirty="0">
@@ -7220,7 +7221,7 @@
                 </a:solidFill>
                 <a:effectLst/>
               </a:rPr>
-              <a:t>  location</a:t>
+              <a:t>location</a:t>
             </a:r>
             <a:r>
               <a:rPr lang="en-IN" dirty="0">
@@ -7238,16 +7239,16 @@
                 </a:solidFill>
                 <a:effectLst/>
               </a:rPr>
-              <a:t>'pune’</a:t>
-            </a:r>
-            <a:r>
-              <a:rPr lang="en-IN" dirty="0">
-                <a:solidFill>
-                  <a:srgbClr val="586E75"/>
-                </a:solidFill>
-                <a:effectLst/>
-              </a:rPr>
-              <a:t>,</a:t>
+              <a:t>'pune'</a:t>
+            </a:r>
+            <a:r>
+              <a:rPr lang="en-IN" dirty="0">
+                <a:solidFill>
+                  <a:srgbClr val="586E75"/>
+                </a:solidFill>
+                <a:effectLst/>
+              </a:rPr>
+              <a:t>, </a:t>
             </a:r>
             <a:r>
               <a:rPr lang="en-IN" dirty="0">
@@ -7256,7 +7257,7 @@
                 </a:solidFill>
                 <a:effectLst/>
               </a:rPr>
-              <a:t>  phone</a:t>
+              <a:t>phone</a:t>
             </a:r>
             <a:r>
               <a:rPr lang="en-IN" dirty="0">
@@ -7274,7 +7275,7 @@
                 </a:solidFill>
                 <a:effectLst/>
               </a:rPr>
-              <a:t>400</a:t>
+              <a:t>400 </a:t>
             </a:r>
             <a:r>
               <a:rPr lang="en-IN" dirty="0">
@@ -7293,79 +7294,94 @@
             </a:endParaRPr>
           </a:p>
           <a:p>
+            <a:pPr marL="266700"/>
+            <a:r>
+              <a:rPr lang="en-IN" dirty="0">
+                <a:solidFill>
+                  <a:srgbClr val="859900"/>
+                </a:solidFill>
+                <a:effectLst/>
+              </a:rPr>
+              <a:t>return</a:t>
+            </a:r>
+            <a:r>
+              <a:rPr lang="en-IN" dirty="0">
+                <a:solidFill>
+                  <a:srgbClr val="333333"/>
+                </a:solidFill>
+                <a:effectLst/>
+              </a:rPr>
+              <a:t> a1</a:t>
+            </a:r>
+            <a:r>
+              <a:rPr lang="en-IN" dirty="0">
+                <a:solidFill>
+                  <a:srgbClr val="586E75"/>
+                </a:solidFill>
+                <a:effectLst/>
+              </a:rPr>
+              <a:t>, </a:t>
+            </a:r>
+            <a:r>
+              <a:rPr lang="en-IN" dirty="0">
+                <a:solidFill>
+                  <a:srgbClr val="333333"/>
+                </a:solidFill>
+                <a:effectLst/>
+              </a:rPr>
+              <a:t>a2</a:t>
+            </a:r>
+            <a:r>
+              <a:rPr lang="en-IN" dirty="0">
+                <a:solidFill>
+                  <a:srgbClr val="586E75"/>
+                </a:solidFill>
+                <a:effectLst/>
+              </a:rPr>
+              <a:t>, </a:t>
+            </a:r>
+            <a:r>
+              <a:rPr lang="en-IN" dirty="0">
+                <a:solidFill>
+                  <a:srgbClr val="333333"/>
+                </a:solidFill>
+                <a:effectLst/>
+              </a:rPr>
+              <a:t>a3</a:t>
+            </a:r>
+            <a:r>
+              <a:rPr lang="en-IN" dirty="0">
+                <a:solidFill>
+                  <a:srgbClr val="586E75"/>
+                </a:solidFill>
+                <a:effectLst/>
+              </a:rPr>
+              <a:t>, </a:t>
+            </a:r>
+            <a:r>
+              <a:rPr lang="en-IN" dirty="0">
+                <a:solidFill>
+                  <a:srgbClr val="333333"/>
+                </a:solidFill>
+                <a:effectLst/>
+              </a:rPr>
+              <a:t>a4</a:t>
+            </a:r>
+            <a:endParaRPr lang="en-IN" dirty="0">
+              <a:solidFill>
+                <a:srgbClr val="000000"/>
+              </a:solidFill>
+              <a:effectLst/>
+            </a:endParaRPr>
+          </a:p>
+          <a:p>
             <a:pPr marL="273050"/>
-            <a:r>
-              <a:rPr lang="en-IN" dirty="0">
-                <a:solidFill>
-                  <a:srgbClr val="859900"/>
-                </a:solidFill>
-                <a:effectLst/>
-              </a:rPr>
-              <a:t>return</a:t>
-            </a:r>
-            <a:r>
-              <a:rPr lang="en-IN" dirty="0">
-                <a:solidFill>
-                  <a:srgbClr val="333333"/>
-                </a:solidFill>
-                <a:effectLst/>
-              </a:rPr>
-              <a:t> a1</a:t>
-            </a:r>
-            <a:r>
-              <a:rPr lang="en-IN" dirty="0">
-                <a:solidFill>
-                  <a:srgbClr val="586E75"/>
-                </a:solidFill>
-                <a:effectLst/>
-              </a:rPr>
-              <a:t>,</a:t>
-            </a:r>
-            <a:r>
-              <a:rPr lang="en-IN" dirty="0">
-                <a:solidFill>
-                  <a:srgbClr val="333333"/>
-                </a:solidFill>
-                <a:effectLst/>
-              </a:rPr>
-              <a:t> a2</a:t>
-            </a:r>
-            <a:r>
-              <a:rPr lang="en-IN" dirty="0">
-                <a:solidFill>
-                  <a:srgbClr val="586E75"/>
-                </a:solidFill>
-                <a:effectLst/>
-              </a:rPr>
-              <a:t>,</a:t>
-            </a:r>
-            <a:r>
-              <a:rPr lang="en-IN" dirty="0">
-                <a:solidFill>
-                  <a:srgbClr val="333333"/>
-                </a:solidFill>
-                <a:effectLst/>
-              </a:rPr>
-              <a:t> a3</a:t>
-            </a:r>
-            <a:r>
-              <a:rPr lang="en-IN" dirty="0">
-                <a:solidFill>
-                  <a:srgbClr val="586E75"/>
-                </a:solidFill>
-                <a:effectLst/>
-              </a:rPr>
-              <a:t>,</a:t>
-            </a:r>
-            <a:r>
-              <a:rPr lang="en-IN" dirty="0">
-                <a:solidFill>
-                  <a:srgbClr val="333333"/>
-                </a:solidFill>
-                <a:effectLst/>
-              </a:rPr>
-              <a:t> a4</a:t>
-            </a:r>
+            <a:endParaRPr lang="en-IN" dirty="0">
+              <a:solidFill>
+                <a:srgbClr val="333333"/>
+              </a:solidFill>
+              <a:effectLst/>
+            </a:endParaRPr>
           </a:p>
           <a:p>
             <a:pPr marL="273050"/>
@@ -7376,10 +7392,6 @@
             </a:endParaRPr>
           </a:p>
           <a:p>
-            <a:pPr marL="285750" indent="-285750">
-              <a:buFont typeface="Arial" panose="020B0604020202020204" pitchFamily="34" charset="0"/>
-              <a:buChar char="•"/>
-            </a:pPr>
             <a:r>
               <a:rPr lang="en-IN" dirty="0">
                 <a:solidFill>
@@ -7444,6 +7456,197 @@
                 </a:solidFill>
                 <a:effectLst/>
               </a:rPr>
+              <a:t>{ </a:t>
+            </a:r>
+            <a:r>
+              <a:rPr lang="en-IN" dirty="0">
+                <a:solidFill>
+                  <a:srgbClr val="333333"/>
+                </a:solidFill>
+                <a:effectLst/>
+              </a:rPr>
+              <a:t>name</a:t>
+            </a:r>
+            <a:r>
+              <a:rPr lang="en-IN" dirty="0">
+                <a:solidFill>
+                  <a:srgbClr val="586E75"/>
+                </a:solidFill>
+                <a:effectLst/>
+              </a:rPr>
+              <a:t>:</a:t>
+            </a:r>
+            <a:r>
+              <a:rPr lang="en-IN" dirty="0">
+                <a:solidFill>
+                  <a:srgbClr val="B58900"/>
+                </a:solidFill>
+                <a:effectLst/>
+              </a:rPr>
+              <a:t>'redis'</a:t>
+            </a:r>
+            <a:r>
+              <a:rPr lang="en-IN" dirty="0">
+                <a:solidFill>
+                  <a:srgbClr val="586E75"/>
+                </a:solidFill>
+                <a:effectLst/>
+              </a:rPr>
+              <a:t>, </a:t>
+            </a:r>
+            <a:r>
+              <a:rPr lang="en-IN" dirty="0">
+                <a:solidFill>
+                  <a:srgbClr val="333333"/>
+                </a:solidFill>
+                <a:effectLst/>
+              </a:rPr>
+              <a:t>isbn</a:t>
+            </a:r>
+            <a:r>
+              <a:rPr lang="en-IN" dirty="0">
+                <a:solidFill>
+                  <a:srgbClr val="586E75"/>
+                </a:solidFill>
+                <a:effectLst/>
+              </a:rPr>
+              <a:t>:</a:t>
+            </a:r>
+            <a:r>
+              <a:rPr lang="en-IN" dirty="0">
+                <a:solidFill>
+                  <a:srgbClr val="B58900"/>
+                </a:solidFill>
+                <a:effectLst/>
+              </a:rPr>
+              <a:t>'redis-01'</a:t>
+            </a:r>
+            <a:r>
+              <a:rPr lang="en-IN" dirty="0">
+                <a:solidFill>
+                  <a:srgbClr val="586E75"/>
+                </a:solidFill>
+                <a:effectLst/>
+              </a:rPr>
+              <a:t>, </a:t>
+            </a:r>
+            <a:r>
+              <a:rPr lang="en-IN" dirty="0">
+                <a:solidFill>
+                  <a:srgbClr val="333333"/>
+                </a:solidFill>
+                <a:effectLst/>
+              </a:rPr>
+              <a:t>price</a:t>
+            </a:r>
+            <a:r>
+              <a:rPr lang="en-IN" dirty="0">
+                <a:solidFill>
+                  <a:srgbClr val="586E75"/>
+                </a:solidFill>
+                <a:effectLst/>
+              </a:rPr>
+              <a:t>:</a:t>
+            </a:r>
+            <a:r>
+              <a:rPr lang="en-IN" dirty="0">
+                <a:solidFill>
+                  <a:srgbClr val="2AA198"/>
+                </a:solidFill>
+                <a:effectLst/>
+              </a:rPr>
+              <a:t>175</a:t>
+            </a:r>
+            <a:r>
+              <a:rPr lang="en-IN" dirty="0">
+                <a:solidFill>
+                  <a:srgbClr val="586E75"/>
+                </a:solidFill>
+                <a:effectLst/>
+              </a:rPr>
+              <a:t>, </a:t>
+            </a:r>
+            <a:r>
+              <a:rPr lang="en-IN" dirty="0">
+                <a:solidFill>
+                  <a:srgbClr val="333333"/>
+                </a:solidFill>
+                <a:effectLst/>
+              </a:rPr>
+              <a:t>publishername</a:t>
+            </a:r>
+            <a:r>
+              <a:rPr lang="en-IN" dirty="0">
+                <a:solidFill>
+                  <a:srgbClr val="586E75"/>
+                </a:solidFill>
+                <a:effectLst/>
+              </a:rPr>
+              <a:t>:</a:t>
+            </a:r>
+            <a:r>
+              <a:rPr lang="en-IN" dirty="0">
+                <a:solidFill>
+                  <a:srgbClr val="B58900"/>
+                </a:solidFill>
+                <a:effectLst/>
+              </a:rPr>
+              <a:t>'universal publisher' </a:t>
+            </a:r>
+            <a:r>
+              <a:rPr lang="en-IN" dirty="0">
+                <a:solidFill>
+                  <a:srgbClr val="586E75"/>
+                </a:solidFill>
+                <a:effectLst/>
+              </a:rPr>
+              <a:t>}), </a:t>
+            </a:r>
+          </a:p>
+          <a:p>
+            <a:r>
+              <a:rPr lang="en-IN" dirty="0">
+                <a:solidFill>
+                  <a:srgbClr val="586E75"/>
+                </a:solidFill>
+                <a:effectLst/>
+              </a:rPr>
+              <a:t>(</a:t>
+            </a:r>
+            <a:r>
+              <a:rPr lang="en-IN" dirty="0">
+                <a:solidFill>
+                  <a:srgbClr val="333333"/>
+                </a:solidFill>
+                <a:effectLst/>
+              </a:rPr>
+              <a:t>b2</a:t>
+            </a:r>
+            <a:r>
+              <a:rPr lang="en-IN" dirty="0">
+                <a:solidFill>
+                  <a:srgbClr val="586E75"/>
+                </a:solidFill>
+                <a:effectLst/>
+              </a:rPr>
+              <a:t>:</a:t>
+            </a:r>
+            <a:r>
+              <a:rPr lang="en-IN" dirty="0">
+                <a:solidFill>
+                  <a:srgbClr val="333333"/>
+                </a:solidFill>
+                <a:effectLst/>
+              </a:rPr>
+              <a:t>book</a:t>
+            </a:r>
+            <a:r>
+              <a:rPr lang="en-IN" dirty="0">
+                <a:solidFill>
+                  <a:srgbClr val="586E75"/>
+                </a:solidFill>
+                <a:effectLst/>
+              </a:rPr>
               <a:t>{</a:t>
             </a:r>
             <a:r>
@@ -7453,7 +7656,7 @@
                 </a:solidFill>
                 <a:effectLst/>
               </a:rPr>
-              <a:t> name</a:t>
+              <a:t>name</a:t>
             </a:r>
             <a:r>
               <a:rPr lang="en-IN" dirty="0">
@@ -7471,7 +7674,61 @@
                 </a:solidFill>
                 <a:effectLst/>
               </a:rPr>
-              <a:t>'redis'</a:t>
+              <a:t>'</a:t>
+            </a:r>
+            <a:r>
+              <a:rPr lang="en-IN" dirty="0" err="1">
+                <a:solidFill>
+                  <a:srgbClr val="B58900"/>
+                </a:solidFill>
+                <a:effectLst/>
+              </a:rPr>
+              <a:t>hbase</a:t>
+            </a:r>
+            <a:r>
+              <a:rPr lang="en-IN" dirty="0">
+                <a:solidFill>
+                  <a:srgbClr val="B58900"/>
+                </a:solidFill>
+                <a:effectLst/>
+              </a:rPr>
+              <a:t>’</a:t>
+            </a:r>
+            <a:r>
+              <a:rPr lang="en-IN" dirty="0">
+                <a:solidFill>
+                  <a:srgbClr val="586E75"/>
+                </a:solidFill>
+                <a:effectLst/>
+              </a:rPr>
+              <a:t>, </a:t>
+            </a:r>
+            <a:r>
+              <a:rPr lang="en-IN" dirty="0">
+                <a:solidFill>
+                  <a:srgbClr val="333333"/>
+                </a:solidFill>
+                <a:effectLst/>
+              </a:rPr>
+              <a:t>isbn</a:t>
+            </a:r>
+            <a:r>
+              <a:rPr lang="en-IN" dirty="0">
+                <a:solidFill>
+                  <a:srgbClr val="586E75"/>
+                </a:solidFill>
+                <a:effectLst/>
+              </a:rPr>
+              <a:t>:</a:t>
+            </a:r>
+            <a:r>
+              <a:rPr lang="en-IN" dirty="0">
+                <a:solidFill>
+                  <a:srgbClr val="B58900"/>
+                </a:solidFill>
+                <a:effectLst/>
+              </a:rPr>
+              <a:t>'hBase-02'</a:t>
             </a:r>
             <a:r>
               <a:rPr lang="en-IN" dirty="0">
@@ -7489,7 +7746,7 @@
                 </a:solidFill>
                 <a:effectLst/>
               </a:rPr>
-              <a:t> isbn</a:t>
+              <a:t>price</a:t>
             </a:r>
             <a:r>
               <a:rPr lang="en-IN" dirty="0">
@@ -7503,92 +7760,47 @@
             <a:r>
               <a:rPr lang="en-IN" dirty="0">
                 <a:solidFill>
+                  <a:srgbClr val="2AA198"/>
+                </a:solidFill>
+                <a:effectLst/>
+              </a:rPr>
+              <a:t>125</a:t>
+            </a:r>
+            <a:r>
+              <a:rPr lang="en-IN" dirty="0">
+                <a:solidFill>
+                  <a:srgbClr val="586E75"/>
+                </a:solidFill>
+                <a:effectLst/>
+              </a:rPr>
+              <a:t>, </a:t>
+            </a:r>
+            <a:r>
+              <a:rPr lang="en-IN" dirty="0">
+                <a:solidFill>
+                  <a:srgbClr val="333333"/>
+                </a:solidFill>
+                <a:effectLst/>
+              </a:rPr>
+              <a:t>publishername</a:t>
+            </a:r>
+            <a:r>
+              <a:rPr lang="en-IN" dirty="0">
+                <a:solidFill>
+                  <a:srgbClr val="586E75"/>
+                </a:solidFill>
+                <a:effectLst/>
+              </a:rPr>
+              <a:t>:</a:t>
+            </a:r>
+            <a:r>
+              <a:rPr lang="en-IN" dirty="0">
+                <a:solidFill>
                   <a:srgbClr val="B58900"/>
                 </a:solidFill>
                 <a:effectLst/>
               </a:rPr>
-              <a:t>'redis-01'</a:t>
-            </a:r>
-            <a:r>
-              <a:rPr lang="en-IN" dirty="0">
-                <a:solidFill>
-                  <a:srgbClr val="586E75"/>
-                </a:solidFill>
-                <a:effectLst/>
-              </a:rPr>
-              <a:t>,</a:t>
-            </a:r>
-            <a:r>
-              <a:rPr lang="en-IN" dirty="0">
-                <a:solidFill>
-                  <a:srgbClr val="333333"/>
-                </a:solidFill>
-                <a:effectLst/>
-              </a:rPr>
-              <a:t> price</a:t>
-            </a:r>
-            <a:r>
-              <a:rPr lang="en-IN" dirty="0">
-                <a:solidFill>
-                  <a:srgbClr val="586E75"/>
-                </a:solidFill>
-                <a:effectLst/>
-              </a:rPr>
-              <a:t>:</a:t>
-            </a:r>
-            <a:r>
-              <a:rPr lang="en-IN" dirty="0">
-                <a:solidFill>
-                  <a:srgbClr val="2AA198"/>
-                </a:solidFill>
-                <a:effectLst/>
-              </a:rPr>
-              <a:t>175</a:t>
-            </a:r>
-            <a:r>
-              <a:rPr lang="en-IN" dirty="0">
-                <a:solidFill>
-                  <a:srgbClr val="586E75"/>
-                </a:solidFill>
-                <a:effectLst/>
-              </a:rPr>
-              <a:t>,</a:t>
-            </a:r>
-            <a:r>
-              <a:rPr lang="en-IN" dirty="0">
-                <a:solidFill>
-                  <a:srgbClr val="333333"/>
-                </a:solidFill>
-                <a:effectLst/>
-              </a:rPr>
-              <a:t> publishername</a:t>
-            </a:r>
-            <a:r>
-              <a:rPr lang="en-IN" dirty="0">
-                <a:solidFill>
-                  <a:srgbClr val="586E75"/>
-                </a:solidFill>
-                <a:effectLst/>
-              </a:rPr>
-              <a:t>:</a:t>
-            </a:r>
-            <a:r>
-              <a:rPr lang="en-IN" dirty="0">
-                <a:solidFill>
-                  <a:srgbClr val="B58900"/>
-                </a:solidFill>
-                <a:effectLst/>
-              </a:rPr>
-              <a:t>'universal publisher'</a:t>
-            </a:r>
-            <a:r>
-              <a:rPr lang="en-IN" dirty="0">
-                <a:solidFill>
-                  <a:srgbClr val="333333"/>
-                </a:solidFill>
-                <a:effectLst/>
-              </a:rPr>
-              <a:t> </a:t>
+              <a:t>'global publisher' </a:t>
             </a:r>
             <a:r>
               <a:rPr lang="en-IN" dirty="0">
@@ -7607,7 +7819,6 @@
             </a:endParaRPr>
           </a:p>
           <a:p>
-            <a:pPr marL="273050"/>
             <a:r>
               <a:rPr lang="en-IN" dirty="0">
                 <a:solidFill>
@@ -7624,7 +7835,7 @@
                 </a:solidFill>
                 <a:effectLst/>
               </a:rPr>
-              <a:t>b2</a:t>
+              <a:t>b3</a:t>
             </a:r>
             <a:r>
               <a:rPr lang="en-IN" dirty="0">
@@ -7651,7 +7862,7 @@
                 </a:solidFill>
                 <a:effectLst/>
               </a:rPr>
-              <a:t>{</a:t>
+              <a:t>{ </a:t>
             </a:r>
             <a:r>
               <a:rPr lang="en-IN" dirty="0">
@@ -7660,7 +7871,7 @@
                 </a:solidFill>
                 <a:effectLst/>
               </a:rPr>
-              <a:t> name</a:t>
+              <a:t>name</a:t>
             </a:r>
             <a:r>
               <a:rPr lang="en-IN" dirty="0">
@@ -7678,16 +7889,106 @@
                 </a:solidFill>
                 <a:effectLst/>
               </a:rPr>
-              <a:t>'</a:t>
-            </a:r>
-            <a:r>
-              <a:rPr lang="en-IN" dirty="0" err="1">
+              <a:t>'neo4j'</a:t>
+            </a:r>
+            <a:r>
+              <a:rPr lang="en-IN" dirty="0">
+                <a:solidFill>
+                  <a:srgbClr val="586E75"/>
+                </a:solidFill>
+                <a:effectLst/>
+              </a:rPr>
+              <a:t>, </a:t>
+            </a:r>
+            <a:r>
+              <a:rPr lang="en-IN" dirty="0">
+                <a:solidFill>
+                  <a:srgbClr val="333333"/>
+                </a:solidFill>
+                <a:effectLst/>
+              </a:rPr>
+              <a:t>isbn</a:t>
+            </a:r>
+            <a:r>
+              <a:rPr lang="en-IN" dirty="0">
+                <a:solidFill>
+                  <a:srgbClr val="586E75"/>
+                </a:solidFill>
+                <a:effectLst/>
+              </a:rPr>
+              <a:t>:</a:t>
+            </a:r>
+            <a:r>
+              <a:rPr lang="en-IN" dirty="0">
                 <a:solidFill>
                   <a:srgbClr val="B58900"/>
                 </a:solidFill>
                 <a:effectLst/>
               </a:rPr>
-              <a:t>hbase</a:t>
+              <a:t>'neo4j-03'</a:t>
+            </a:r>
+            <a:r>
+              <a:rPr lang="en-IN" dirty="0">
+                <a:solidFill>
+                  <a:srgbClr val="586E75"/>
+                </a:solidFill>
+                <a:effectLst/>
+              </a:rPr>
+              <a:t>, </a:t>
+            </a:r>
+            <a:r>
+              <a:rPr lang="en-IN" dirty="0">
+                <a:solidFill>
+                  <a:srgbClr val="333333"/>
+                </a:solidFill>
+                <a:effectLst/>
+              </a:rPr>
+              <a:t>price</a:t>
+            </a:r>
+            <a:r>
+              <a:rPr lang="en-IN" dirty="0">
+                <a:solidFill>
+                  <a:srgbClr val="586E75"/>
+                </a:solidFill>
+                <a:effectLst/>
+              </a:rPr>
+              <a:t>:</a:t>
+            </a:r>
+            <a:r>
+              <a:rPr lang="en-IN" dirty="0">
+                <a:solidFill>
+                  <a:srgbClr val="2AA198"/>
+                </a:solidFill>
+                <a:effectLst/>
+              </a:rPr>
+              <a:t>340</a:t>
+            </a:r>
+            <a:r>
+              <a:rPr lang="en-IN" dirty="0">
+                <a:solidFill>
+                  <a:srgbClr val="586E75"/>
+                </a:solidFill>
+                <a:effectLst/>
+              </a:rPr>
+              <a:t>, </a:t>
+            </a:r>
+            <a:r>
+              <a:rPr lang="en-IN" dirty="0">
+                <a:solidFill>
+                  <a:srgbClr val="333333"/>
+                </a:solidFill>
+                <a:effectLst/>
+              </a:rPr>
+              <a:t>publishername</a:t>
+            </a:r>
+            <a:r>
+              <a:rPr lang="en-IN" dirty="0">
+                <a:solidFill>
+                  <a:srgbClr val="586E75"/>
+                </a:solidFill>
+                <a:effectLst/>
+              </a:rPr>
+              <a:t>:</a:t>
             </a:r>
             <a:r>
               <a:rPr lang="en-IN" dirty="0">
@@ -7696,124 +7997,7 @@
                 </a:solidFill>
                 <a:effectLst/>
               </a:rPr>
-              <a:t>'</a:t>
-            </a:r>
-            <a:r>
-              <a:rPr lang="en-IN" dirty="0">
-                <a:solidFill>
-                  <a:srgbClr val="586E75"/>
-                </a:solidFill>
-                <a:effectLst/>
-              </a:rPr>
-              <a:t>,</a:t>
-            </a:r>
-            <a:r>
-              <a:rPr lang="en-IN" dirty="0">
-                <a:solidFill>
-                  <a:srgbClr val="333333"/>
-                </a:solidFill>
-                <a:effectLst/>
-              </a:rPr>
-              <a:t> isbn</a:t>
-            </a:r>
-            <a:r>
-              <a:rPr lang="en-IN" dirty="0">
-                <a:solidFill>
-                  <a:srgbClr val="586E75"/>
-                </a:solidFill>
-                <a:effectLst/>
-              </a:rPr>
-              <a:t>:</a:t>
-            </a:r>
-            <a:r>
-              <a:rPr lang="en-IN" dirty="0">
-                <a:solidFill>
-                  <a:srgbClr val="B58900"/>
-                </a:solidFill>
-                <a:effectLst/>
-              </a:rPr>
-              <a:t>'hBase-02'</a:t>
-            </a:r>
-            <a:r>
-              <a:rPr lang="en-IN" dirty="0">
-                <a:solidFill>
-                  <a:srgbClr val="586E75"/>
-                </a:solidFill>
-                <a:effectLst/>
-              </a:rPr>
-              <a:t>,</a:t>
-            </a:r>
-            <a:r>
-              <a:rPr lang="en-IN" dirty="0">
-                <a:solidFill>
-                  <a:srgbClr val="333333"/>
-                </a:solidFill>
-                <a:effectLst/>
-              </a:rPr>
-              <a:t> price</a:t>
-            </a:r>
-            <a:r>
-              <a:rPr lang="en-IN" dirty="0">
-                <a:solidFill>
-                  <a:srgbClr val="586E75"/>
-                </a:solidFill>
-                <a:effectLst/>
-              </a:rPr>
-              <a:t>:</a:t>
-            </a:r>
-            <a:r>
-              <a:rPr lang="en-IN" dirty="0">
-                <a:solidFill>
-                  <a:srgbClr val="2AA198"/>
-                </a:solidFill>
-                <a:effectLst/>
-              </a:rPr>
-              <a:t>125</a:t>
-            </a:r>
-            <a:r>
-              <a:rPr lang="en-IN" dirty="0">
-                <a:solidFill>
-                  <a:srgbClr val="586E75"/>
-                </a:solidFill>
-                <a:effectLst/>
-              </a:rPr>
-              <a:t>,</a:t>
-            </a:r>
-            <a:r>
-              <a:rPr lang="en-IN" dirty="0">
-                <a:solidFill>
-                  <a:srgbClr val="333333"/>
-                </a:solidFill>
-                <a:effectLst/>
-              </a:rPr>
-              <a:t> publishername</a:t>
-            </a:r>
-            <a:r>
-              <a:rPr lang="en-IN" dirty="0">
-                <a:solidFill>
-                  <a:srgbClr val="586E75"/>
-                </a:solidFill>
-                <a:effectLst/>
-              </a:rPr>
-              <a:t>:</a:t>
-            </a:r>
-            <a:r>
-              <a:rPr lang="en-IN" dirty="0">
-                <a:solidFill>
-                  <a:srgbClr val="B58900"/>
-                </a:solidFill>
-                <a:effectLst/>
-              </a:rPr>
-              <a:t>'global publisher'</a:t>
-            </a:r>
-            <a:r>
-              <a:rPr lang="en-IN" dirty="0">
-                <a:solidFill>
-                  <a:srgbClr val="333333"/>
-                </a:solidFill>
-                <a:effectLst/>
-              </a:rPr>
-              <a:t> </a:t>
+              <a:t>'tech publisher' </a:t>
             </a:r>
             <a:r>
               <a:rPr lang="en-IN" dirty="0">
@@ -7832,7 +8016,6 @@
             </a:endParaRPr>
           </a:p>
           <a:p>
-            <a:pPr marL="273050"/>
             <a:r>
               <a:rPr lang="en-IN" dirty="0">
                 <a:solidFill>
@@ -7849,7 +8032,7 @@
                 </a:solidFill>
                 <a:effectLst/>
               </a:rPr>
-              <a:t>b3</a:t>
+              <a:t>b4</a:t>
             </a:r>
             <a:r>
               <a:rPr lang="en-IN" dirty="0">
@@ -7876,7 +8059,7 @@
                 </a:solidFill>
                 <a:effectLst/>
               </a:rPr>
-              <a:t>{</a:t>
+              <a:t>{ </a:t>
             </a:r>
             <a:r>
               <a:rPr lang="en-IN" dirty="0">
@@ -7885,7 +8068,7 @@
                 </a:solidFill>
                 <a:effectLst/>
               </a:rPr>
-              <a:t> name</a:t>
+              <a:t>name</a:t>
             </a:r>
             <a:r>
               <a:rPr lang="en-IN" dirty="0">
@@ -7903,16 +8086,34 @@
                 </a:solidFill>
                 <a:effectLst/>
               </a:rPr>
-              <a:t>'neo4j'</a:t>
-            </a:r>
-            <a:r>
-              <a:rPr lang="en-IN" dirty="0">
-                <a:solidFill>
-                  <a:srgbClr val="586E75"/>
-                </a:solidFill>
-                <a:effectLst/>
-              </a:rPr>
-              <a:t>,</a:t>
+              <a:t>'</a:t>
+            </a:r>
+            <a:r>
+              <a:rPr lang="en-IN" dirty="0" err="1">
+                <a:solidFill>
+                  <a:srgbClr val="B58900"/>
+                </a:solidFill>
+                <a:effectLst/>
+              </a:rPr>
+              <a:t>mongodb</a:t>
+            </a:r>
+            <a:r>
+              <a:rPr lang="en-IN" dirty="0">
+                <a:solidFill>
+                  <a:srgbClr val="B58900"/>
+                </a:solidFill>
+                <a:effectLst/>
+              </a:rPr>
+              <a:t>’</a:t>
+            </a:r>
+            <a:r>
+              <a:rPr lang="en-IN" dirty="0">
+                <a:solidFill>
+                  <a:srgbClr val="586E75"/>
+                </a:solidFill>
+                <a:effectLst/>
+              </a:rPr>
+              <a:t>, </a:t>
             </a:r>
             <a:r>
               <a:rPr lang="en-IN" dirty="0">
@@ -7921,7 +8122,7 @@
                 </a:solidFill>
                 <a:effectLst/>
               </a:rPr>
-              <a:t> isbn</a:t>
+              <a:t>isbn</a:t>
             </a:r>
             <a:r>
               <a:rPr lang="en-IN" dirty="0">
@@ -7939,16 +8140,16 @@
                 </a:solidFill>
                 <a:effectLst/>
               </a:rPr>
-              <a:t>'neo4j-03'</a:t>
-            </a:r>
-            <a:r>
-              <a:rPr lang="en-IN" dirty="0">
-                <a:solidFill>
-                  <a:srgbClr val="586E75"/>
-                </a:solidFill>
-                <a:effectLst/>
-              </a:rPr>
-              <a:t>,</a:t>
+              <a:t>'mongodb-04’</a:t>
+            </a:r>
+            <a:r>
+              <a:rPr lang="en-IN" dirty="0">
+                <a:solidFill>
+                  <a:srgbClr val="586E75"/>
+                </a:solidFill>
+                <a:effectLst/>
+              </a:rPr>
+              <a:t>, </a:t>
             </a:r>
             <a:r>
               <a:rPr lang="en-IN" dirty="0">
@@ -7957,7 +8158,7 @@
                 </a:solidFill>
                 <a:effectLst/>
               </a:rPr>
-              <a:t> price</a:t>
+              <a:t>price</a:t>
             </a:r>
             <a:r>
               <a:rPr lang="en-IN" dirty="0">
@@ -7975,16 +8176,16 @@
                 </a:solidFill>
                 <a:effectLst/>
               </a:rPr>
-              <a:t>340</a:t>
-            </a:r>
-            <a:r>
-              <a:rPr lang="en-IN" dirty="0">
-                <a:solidFill>
-                  <a:srgbClr val="586E75"/>
-                </a:solidFill>
-                <a:effectLst/>
-              </a:rPr>
-              <a:t>,</a:t>
+              <a:t>180</a:t>
+            </a:r>
+            <a:r>
+              <a:rPr lang="en-IN" dirty="0">
+                <a:solidFill>
+                  <a:srgbClr val="586E75"/>
+                </a:solidFill>
+                <a:effectLst/>
+              </a:rPr>
+              <a:t>, </a:t>
             </a:r>
             <a:r>
               <a:rPr lang="en-IN" dirty="0">
@@ -7993,7 +8194,7 @@
                 </a:solidFill>
                 <a:effectLst/>
               </a:rPr>
-              <a:t> publishername</a:t>
+              <a:t>publishername</a:t>
             </a:r>
             <a:r>
               <a:rPr lang="en-IN" dirty="0">
@@ -8011,25 +8212,16 @@
                 </a:solidFill>
                 <a:effectLst/>
               </a:rPr>
-              <a:t>'tech publisher'</a:t>
-            </a:r>
-            <a:r>
-              <a:rPr lang="en-IN" dirty="0">
-                <a:solidFill>
-                  <a:srgbClr val="333333"/>
-                </a:solidFill>
-                <a:effectLst/>
-              </a:rPr>
-              <a:t> </a:t>
-            </a:r>
-            <a:r>
-              <a:rPr lang="en-IN" dirty="0">
-                <a:solidFill>
-                  <a:srgbClr val="586E75"/>
-                </a:solidFill>
-                <a:effectLst/>
-              </a:rPr>
-              <a:t>}),</a:t>
+              <a:t>'universal publisher' </a:t>
+            </a:r>
+            <a:r>
+              <a:rPr lang="en-IN" dirty="0">
+                <a:solidFill>
+                  <a:srgbClr val="586E75"/>
+                </a:solidFill>
+                <a:effectLst/>
+              </a:rPr>
+              <a:t>})</a:t>
             </a:r>
             <a:endParaRPr lang="en-IN" dirty="0">
               <a:solidFill>
@@ -8039,15 +8231,14 @@
             </a:endParaRPr>
           </a:p>
           <a:p>
-            <a:pPr marL="273050"/>
-            <a:r>
-              <a:rPr lang="en-IN" dirty="0">
-                <a:solidFill>
-                  <a:srgbClr val="586E75"/>
-                </a:solidFill>
-                <a:effectLst/>
-              </a:rPr>
-              <a:t>(</a:t>
+            <a:r>
+              <a:rPr lang="en-IN" dirty="0">
+                <a:solidFill>
+                  <a:srgbClr val="859900"/>
+                </a:solidFill>
+                <a:effectLst/>
+              </a:rPr>
+              <a:t>return</a:t>
             </a:r>
             <a:r>
               <a:rPr lang="en-IN" dirty="0">
@@ -8056,205 +8247,61 @@
                 </a:solidFill>
                 <a:effectLst/>
               </a:rPr>
+              <a:t> b1</a:t>
+            </a:r>
+            <a:r>
+              <a:rPr lang="en-IN" dirty="0">
+                <a:solidFill>
+                  <a:srgbClr val="586E75"/>
+                </a:solidFill>
+                <a:effectLst/>
+              </a:rPr>
+              <a:t>, </a:t>
+            </a:r>
+            <a:r>
+              <a:rPr lang="en-IN" dirty="0">
+                <a:solidFill>
+                  <a:srgbClr val="333333"/>
+                </a:solidFill>
+                <a:effectLst/>
+              </a:rPr>
+              <a:t>b2</a:t>
+            </a:r>
+            <a:r>
+              <a:rPr lang="en-IN" dirty="0">
+                <a:solidFill>
+                  <a:srgbClr val="586E75"/>
+                </a:solidFill>
+                <a:effectLst/>
+              </a:rPr>
+              <a:t>, </a:t>
+            </a:r>
+            <a:r>
+              <a:rPr lang="en-IN" dirty="0">
+                <a:solidFill>
+                  <a:srgbClr val="333333"/>
+                </a:solidFill>
+                <a:effectLst/>
+              </a:rPr>
+              <a:t>b3</a:t>
+            </a:r>
+            <a:r>
+              <a:rPr lang="en-IN" dirty="0">
+                <a:solidFill>
+                  <a:srgbClr val="586E75"/>
+                </a:solidFill>
+                <a:effectLst/>
+              </a:rPr>
+              <a:t>, </a:t>
+            </a:r>
+            <a:r>
+              <a:rPr lang="en-IN" dirty="0">
+                <a:solidFill>
+                  <a:srgbClr val="333333"/>
+                </a:solidFill>
+                <a:effectLst/>
+              </a:rPr>
               <a:t>b4</a:t>
-            </a:r>
-            <a:r>
-              <a:rPr lang="en-IN" dirty="0">
-                <a:solidFill>
-                  <a:srgbClr val="586E75"/>
-                </a:solidFill>
-                <a:effectLst/>
-              </a:rPr>
-              <a:t>:</a:t>
-            </a:r>
-            <a:r>
-              <a:rPr lang="en-IN" dirty="0">
-                <a:solidFill>
-                  <a:srgbClr val="333333"/>
-                </a:solidFill>
-                <a:effectLst/>
-              </a:rPr>
-              <a:t>book</a:t>
-            </a:r>
-            <a:r>
-              <a:rPr lang="en-IN" dirty="0">
-                <a:solidFill>
-                  <a:srgbClr val="586E75"/>
-                </a:solidFill>
-                <a:effectLst/>
-              </a:rPr>
-              <a:t>{</a:t>
-            </a:r>
-            <a:r>
-              <a:rPr lang="en-IN" dirty="0">
-                <a:solidFill>
-                  <a:srgbClr val="333333"/>
-                </a:solidFill>
-                <a:effectLst/>
-              </a:rPr>
-              <a:t> name</a:t>
-            </a:r>
-            <a:r>
-              <a:rPr lang="en-IN" dirty="0">
-                <a:solidFill>
-                  <a:srgbClr val="586E75"/>
-                </a:solidFill>
-                <a:effectLst/>
-              </a:rPr>
-              <a:t>:</a:t>
-            </a:r>
-            <a:r>
-              <a:rPr lang="en-IN" dirty="0">
-                <a:solidFill>
-                  <a:srgbClr val="B58900"/>
-                </a:solidFill>
-                <a:effectLst/>
-              </a:rPr>
-              <a:t>'</a:t>
-            </a:r>
-            <a:r>
-              <a:rPr lang="en-IN" dirty="0" err="1">
-                <a:solidFill>
-                  <a:srgbClr val="B58900"/>
-                </a:solidFill>
-                <a:effectLst/>
-              </a:rPr>
-              <a:t>mongodb</a:t>
-            </a:r>
-            <a:r>
-              <a:rPr lang="en-IN" dirty="0">
-                <a:solidFill>
-                  <a:srgbClr val="B58900"/>
-                </a:solidFill>
-                <a:effectLst/>
-              </a:rPr>
-              <a:t>'</a:t>
-            </a:r>
-            <a:r>
-              <a:rPr lang="en-IN" dirty="0">
-                <a:solidFill>
-                  <a:srgbClr val="586E75"/>
-                </a:solidFill>
-                <a:effectLst/>
-              </a:rPr>
-              <a:t>,</a:t>
-            </a:r>
-            <a:r>
-              <a:rPr lang="en-IN" dirty="0">
-                <a:solidFill>
-                  <a:srgbClr val="333333"/>
-                </a:solidFill>
-                <a:effectLst/>
-              </a:rPr>
-              <a:t> isbn</a:t>
-            </a:r>
-            <a:r>
-              <a:rPr lang="en-IN" dirty="0">
-                <a:solidFill>
-                  <a:srgbClr val="586E75"/>
-                </a:solidFill>
-                <a:effectLst/>
-              </a:rPr>
-              <a:t>:</a:t>
-            </a:r>
-            <a:r>
-              <a:rPr lang="en-IN" dirty="0">
-                <a:solidFill>
-                  <a:srgbClr val="B58900"/>
-                </a:solidFill>
-                <a:effectLst/>
-              </a:rPr>
-              <a:t>'mongodb-04'</a:t>
-            </a:r>
-            <a:r>
-              <a:rPr lang="en-IN" dirty="0">
-                <a:solidFill>
-                  <a:srgbClr val="586E75"/>
-                </a:solidFill>
-                <a:effectLst/>
-              </a:rPr>
-              <a:t>,</a:t>
-            </a:r>
-            <a:r>
-              <a:rPr lang="en-IN" dirty="0">
-                <a:solidFill>
-                  <a:srgbClr val="333333"/>
-                </a:solidFill>
-                <a:effectLst/>
-              </a:rPr>
-              <a:t> price</a:t>
-            </a:r>
-            <a:r>
-              <a:rPr lang="en-IN" dirty="0">
-                <a:solidFill>
-                  <a:srgbClr val="586E75"/>
-                </a:solidFill>
-                <a:effectLst/>
-              </a:rPr>
-              <a:t>:</a:t>
-            </a:r>
-            <a:r>
-              <a:rPr lang="en-IN" dirty="0">
-                <a:solidFill>
-                  <a:srgbClr val="2AA198"/>
-                </a:solidFill>
-                <a:effectLst/>
-              </a:rPr>
-              <a:t>180</a:t>
-            </a:r>
-            <a:r>
-              <a:rPr lang="en-IN" dirty="0">
-                <a:solidFill>
-                  <a:srgbClr val="586E75"/>
-                </a:solidFill>
-                <a:effectLst/>
-              </a:rPr>
-              <a:t>,</a:t>
-            </a:r>
-            <a:r>
-              <a:rPr lang="en-IN" dirty="0">
-                <a:solidFill>
-                  <a:srgbClr val="333333"/>
-                </a:solidFill>
-                <a:effectLst/>
-              </a:rPr>
-              <a:t> publishername</a:t>
-            </a:r>
-            <a:r>
-              <a:rPr lang="en-IN" dirty="0">
-                <a:solidFill>
-                  <a:srgbClr val="586E75"/>
-                </a:solidFill>
-                <a:effectLst/>
-              </a:rPr>
-              <a:t>:</a:t>
-            </a:r>
-            <a:r>
-              <a:rPr lang="en-IN" dirty="0">
-                <a:solidFill>
-                  <a:srgbClr val="B58900"/>
-                </a:solidFill>
-                <a:effectLst/>
-              </a:rPr>
-              <a:t>'universal publisher'</a:t>
-            </a:r>
-            <a:r>
-              <a:rPr lang="en-IN" dirty="0">
-                <a:solidFill>
-                  <a:srgbClr val="333333"/>
-                </a:solidFill>
-                <a:effectLst/>
-              </a:rPr>
-              <a:t> </a:t>
-            </a:r>
-            <a:r>
-              <a:rPr lang="en-IN" dirty="0">
-                <a:solidFill>
-                  <a:srgbClr val="586E75"/>
-                </a:solidFill>
-                <a:effectLst/>
-              </a:rPr>
-              <a:t>})</a:t>
             </a:r>
             <a:endParaRPr lang="en-IN" dirty="0">
               <a:solidFill>
@@ -8265,78 +8312,6 @@
           </a:p>
           <a:p>
             <a:pPr marL="273050"/>
-            <a:r>
-              <a:rPr lang="en-IN" dirty="0">
-                <a:solidFill>
-                  <a:srgbClr val="859900"/>
-                </a:solidFill>
-                <a:effectLst/>
-              </a:rPr>
-              <a:t>return</a:t>
-            </a:r>
-            <a:r>
-              <a:rPr lang="en-IN" dirty="0">
-                <a:solidFill>
-                  <a:srgbClr val="333333"/>
-                </a:solidFill>
-                <a:effectLst/>
-              </a:rPr>
-              <a:t> b1</a:t>
-            </a:r>
-            <a:r>
-              <a:rPr lang="en-IN" dirty="0">
-                <a:solidFill>
-                  <a:srgbClr val="586E75"/>
-                </a:solidFill>
-                <a:effectLst/>
-              </a:rPr>
-              <a:t>,</a:t>
-            </a:r>
-            <a:r>
-              <a:rPr lang="en-IN" dirty="0">
-                <a:solidFill>
-                  <a:srgbClr val="333333"/>
-                </a:solidFill>
-                <a:effectLst/>
-              </a:rPr>
-              <a:t> b2</a:t>
-            </a:r>
-            <a:r>
-              <a:rPr lang="en-IN" dirty="0">
-                <a:solidFill>
-                  <a:srgbClr val="586E75"/>
-                </a:solidFill>
-                <a:effectLst/>
-              </a:rPr>
-              <a:t>,</a:t>
-            </a:r>
-            <a:r>
-              <a:rPr lang="en-IN" dirty="0">
-                <a:solidFill>
-                  <a:srgbClr val="333333"/>
-                </a:solidFill>
-                <a:effectLst/>
-              </a:rPr>
-              <a:t> b3</a:t>
-            </a:r>
-            <a:r>
-              <a:rPr lang="en-IN" dirty="0">
-                <a:solidFill>
-                  <a:srgbClr val="586E75"/>
-                </a:solidFill>
-                <a:effectLst/>
-              </a:rPr>
-              <a:t>,</a:t>
-            </a:r>
-            <a:r>
-              <a:rPr lang="en-IN" dirty="0">
-                <a:solidFill>
-                  <a:srgbClr val="333333"/>
-                </a:solidFill>
-                <a:effectLst/>
-              </a:rPr>
-              <a:t> b4</a:t>
-            </a:r>
             <a:endParaRPr lang="en-IN" dirty="0">
               <a:solidFill>
                 <a:srgbClr val="000000"/>
@@ -9722,7 +9697,7 @@
                 <a:latin typeface="Nunito Sans"/>
                 <a:ea typeface="DejaVu Sans"/>
               </a:rPr>
-              <a:t>match</a:t>
+              <a:t>match(n) where</a:t>
             </a:r>
             <a:endParaRPr lang="en-IN" sz="4000" b="0" strike="noStrike" spc="-1" dirty="0">
               <a:solidFill>
@@ -9845,7 +9820,7 @@
               <a:buChar char="•"/>
             </a:pPr>
             <a:r>
-              <a:rPr lang="en-IN" dirty="0">
+              <a:rPr lang="en-IN">
                 <a:solidFill>
                   <a:schemeClr val="tx1">
                     <a:lumMod val="50000"/>
@@ -9857,7 +9832,7 @@
               <a:t>neo4j$ </a:t>
             </a:r>
             <a:r>
-              <a:rPr lang="en-US" dirty="0">
+              <a:rPr lang="en-US">
                 <a:solidFill>
                   <a:srgbClr val="859900"/>
                 </a:solidFill>
@@ -9867,7 +9842,7 @@
               <a:t>match</a:t>
             </a:r>
             <a:r>
-              <a:rPr lang="en-IN" dirty="0">
+              <a:rPr lang="en-IN">
                 <a:solidFill>
                   <a:schemeClr val="accent6">
                     <a:lumMod val="50000"/>
@@ -9878,7 +9853,7 @@
               <a:t>(n) </a:t>
             </a:r>
             <a:r>
-              <a:rPr lang="en-US" dirty="0">
+              <a:rPr lang="en-US">
                 <a:solidFill>
                   <a:srgbClr val="859900"/>
                 </a:solidFill>
@@ -9888,7 +9863,7 @@
               <a:t> return </a:t>
             </a:r>
             <a:r>
-              <a:rPr lang="en-IN" dirty="0">
+              <a:rPr lang="en-IN">
                 <a:solidFill>
                   <a:schemeClr val="accent6">
                     <a:lumMod val="50000"/>
@@ -9904,7 +9879,7 @@
               <a:buFont typeface="Arial" panose="020B0604020202020204" pitchFamily="34" charset="0"/>
               <a:buChar char="•"/>
             </a:pPr>
-            <a:endParaRPr lang="en-IN" sz="800" dirty="0">
+            <a:endParaRPr lang="en-IN" sz="800">
               <a:solidFill>
                 <a:schemeClr val="accent6">
                   <a:lumMod val="50000"/>
@@ -9919,7 +9894,7 @@
               <a:buChar char="•"/>
             </a:pPr>
             <a:r>
-              <a:rPr lang="en-IN" dirty="0">
+              <a:rPr lang="en-IN">
                 <a:solidFill>
                   <a:schemeClr val="tx1">
                     <a:lumMod val="50000"/>
@@ -9931,7 +9906,7 @@
               <a:t>neo4j$ </a:t>
             </a:r>
             <a:r>
-              <a:rPr lang="en-US" dirty="0">
+              <a:rPr lang="en-US">
                 <a:solidFill>
                   <a:srgbClr val="859900"/>
                 </a:solidFill>
@@ -9941,7 +9916,7 @@
               <a:t>match</a:t>
             </a:r>
             <a:r>
-              <a:rPr lang="en-US" dirty="0">
+              <a:rPr lang="en-US">
                 <a:solidFill>
                   <a:schemeClr val="accent6">
                     <a:lumMod val="50000"/>
@@ -9952,7 +9927,7 @@
               <a:t>(n:Person)</a:t>
             </a:r>
             <a:r>
-              <a:rPr lang="en-IN" dirty="0">
+              <a:rPr lang="en-IN">
                 <a:solidFill>
                   <a:schemeClr val="accent6">
                     <a:lumMod val="50000"/>
@@ -9963,7 +9938,7 @@
               <a:t> </a:t>
             </a:r>
             <a:r>
-              <a:rPr lang="en-US" dirty="0">
+              <a:rPr lang="en-US">
                 <a:solidFill>
                   <a:srgbClr val="859900"/>
                 </a:solidFill>
@@ -9973,7 +9948,7 @@
               <a:t>return</a:t>
             </a:r>
             <a:r>
-              <a:rPr lang="en-IN" dirty="0">
+              <a:rPr lang="en-IN">
                 <a:solidFill>
                   <a:schemeClr val="accent6">
                     <a:lumMod val="50000"/>
@@ -9983,7 +9958,7 @@
               </a:rPr>
               <a:t> n</a:t>
             </a:r>
-            <a:endParaRPr lang="en-US" dirty="0">
+            <a:endParaRPr lang="en-US">
               <a:solidFill>
                 <a:schemeClr val="accent6">
                   <a:lumMod val="50000"/>
@@ -9997,7 +9972,7 @@
               <a:buFont typeface="Arial" panose="020B0604020202020204" pitchFamily="34" charset="0"/>
               <a:buChar char="•"/>
             </a:pPr>
-            <a:endParaRPr lang="en-US" sz="800" dirty="0">
+            <a:endParaRPr lang="en-US" sz="800">
               <a:solidFill>
                 <a:schemeClr val="accent6">
                   <a:lumMod val="50000"/>
@@ -10012,7 +9987,7 @@
               <a:buChar char="•"/>
             </a:pPr>
             <a:r>
-              <a:rPr lang="en-IN" dirty="0">
+              <a:rPr lang="en-IN">
                 <a:solidFill>
                   <a:schemeClr val="tx1">
                     <a:lumMod val="50000"/>
@@ -10024,7 +9999,7 @@
               <a:t>neo4j$ </a:t>
             </a:r>
             <a:r>
-              <a:rPr lang="en-US" dirty="0">
+              <a:rPr lang="en-US">
                 <a:solidFill>
                   <a:srgbClr val="859900"/>
                 </a:solidFill>
@@ -10034,7 +10009,7 @@
               <a:t>match</a:t>
             </a:r>
             <a:r>
-              <a:rPr lang="en-US" dirty="0">
+              <a:rPr lang="en-US">
                 <a:solidFill>
                   <a:srgbClr val="586E75"/>
                 </a:solidFill>
@@ -10044,7 +10019,7 @@
               <a:t>(</a:t>
             </a:r>
             <a:r>
-              <a:rPr lang="en-US" dirty="0">
+              <a:rPr lang="en-US">
                 <a:solidFill>
                   <a:srgbClr val="333333"/>
                 </a:solidFill>
@@ -10054,7 +10029,7 @@
               <a:t>n</a:t>
             </a:r>
             <a:r>
-              <a:rPr lang="en-US" dirty="0">
+              <a:rPr lang="en-US">
                 <a:solidFill>
                   <a:srgbClr val="586E75"/>
                 </a:solidFill>
@@ -10064,7 +10039,7 @@
               <a:t>:</a:t>
             </a:r>
             <a:r>
-              <a:rPr lang="en-US" dirty="0">
+              <a:rPr lang="en-US">
                 <a:solidFill>
                   <a:srgbClr val="333333"/>
                 </a:solidFill>
@@ -10074,7 +10049,7 @@
               <a:t>book</a:t>
             </a:r>
             <a:r>
-              <a:rPr lang="en-US" dirty="0">
+              <a:rPr lang="en-US">
                 <a:solidFill>
                   <a:srgbClr val="586E75"/>
                 </a:solidFill>
@@ -10084,7 +10059,7 @@
               <a:t>)</a:t>
             </a:r>
             <a:r>
-              <a:rPr lang="en-US" dirty="0">
+              <a:rPr lang="en-US">
                 <a:solidFill>
                   <a:srgbClr val="333333"/>
                 </a:solidFill>
@@ -10094,7 +10069,7 @@
               <a:t> </a:t>
             </a:r>
             <a:r>
-              <a:rPr lang="en-US" dirty="0">
+              <a:rPr lang="en-US">
                 <a:solidFill>
                   <a:srgbClr val="859900"/>
                 </a:solidFill>
@@ -10104,7 +10079,7 @@
               <a:t>return</a:t>
             </a:r>
             <a:r>
-              <a:rPr lang="en-US" dirty="0">
+              <a:rPr lang="en-US">
                 <a:solidFill>
                   <a:srgbClr val="333333"/>
                 </a:solidFill>
@@ -10119,7 +10094,7 @@
               <a:buFont typeface="Arial" panose="020B0604020202020204" pitchFamily="34" charset="0"/>
               <a:buChar char="•"/>
             </a:pPr>
-            <a:endParaRPr lang="en-US" sz="800" dirty="0">
+            <a:endParaRPr lang="en-US" sz="800">
               <a:solidFill>
                 <a:srgbClr val="333333"/>
               </a:solidFill>
@@ -10132,7 +10107,7 @@
               <a:buChar char="•"/>
             </a:pPr>
             <a:r>
-              <a:rPr lang="en-IN" dirty="0">
+              <a:rPr lang="en-IN">
                 <a:solidFill>
                   <a:schemeClr val="tx1">
                     <a:lumMod val="50000"/>
@@ -10144,7 +10119,7 @@
               <a:t>neo4j$ </a:t>
             </a:r>
             <a:r>
-              <a:rPr lang="en-US" dirty="0">
+              <a:rPr lang="en-US">
                 <a:solidFill>
                   <a:srgbClr val="859900"/>
                 </a:solidFill>
@@ -10153,7 +10128,7 @@
               <a:t>match</a:t>
             </a:r>
             <a:r>
-              <a:rPr lang="en-US" dirty="0">
+              <a:rPr lang="en-US">
                 <a:solidFill>
                   <a:srgbClr val="586E75"/>
                 </a:solidFill>
@@ -10162,7 +10137,7 @@
               <a:t>(</a:t>
             </a:r>
             <a:r>
-              <a:rPr lang="en-US" dirty="0">
+              <a:rPr lang="en-US">
                 <a:solidFill>
                   <a:srgbClr val="333333"/>
                 </a:solidFill>
@@ -10171,7 +10146,7 @@
               <a:t>n</a:t>
             </a:r>
             <a:r>
-              <a:rPr lang="en-US" dirty="0">
+              <a:rPr lang="en-US">
                 <a:solidFill>
                   <a:srgbClr val="586E75"/>
                 </a:solidFill>
@@ -10180,7 +10155,7 @@
               <a:t>)</a:t>
             </a:r>
             <a:r>
-              <a:rPr lang="en-US" dirty="0">
+              <a:rPr lang="en-US">
                 <a:solidFill>
                   <a:srgbClr val="333333"/>
                 </a:solidFill>
@@ -10189,7 +10164,7 @@
               <a:t> </a:t>
             </a:r>
             <a:r>
-              <a:rPr lang="en-US" dirty="0">
+              <a:rPr lang="en-US">
                 <a:solidFill>
                   <a:srgbClr val="859900"/>
                 </a:solidFill>
@@ -10198,7 +10173,7 @@
               <a:t>where</a:t>
             </a:r>
             <a:r>
-              <a:rPr lang="en-US" dirty="0">
+              <a:rPr lang="en-US">
                 <a:solidFill>
                   <a:srgbClr val="333333"/>
                 </a:solidFill>
@@ -10207,7 +10182,7 @@
               <a:t> id</a:t>
             </a:r>
             <a:r>
-              <a:rPr lang="en-US" dirty="0">
+              <a:rPr lang="en-US">
                 <a:solidFill>
                   <a:srgbClr val="586E75"/>
                 </a:solidFill>
@@ -10216,7 +10191,7 @@
               <a:t>(</a:t>
             </a:r>
             <a:r>
-              <a:rPr lang="en-US" dirty="0">
+              <a:rPr lang="en-US">
                 <a:solidFill>
                   <a:srgbClr val="333333"/>
                 </a:solidFill>
@@ -10225,7 +10200,7 @@
               <a:t>n</a:t>
             </a:r>
             <a:r>
-              <a:rPr lang="en-US" dirty="0">
+              <a:rPr lang="en-US">
                 <a:solidFill>
                   <a:srgbClr val="586E75"/>
                 </a:solidFill>
@@ -10234,7 +10209,7 @@
               <a:t>)=</a:t>
             </a:r>
             <a:r>
-              <a:rPr lang="en-US" dirty="0">
+              <a:rPr lang="en-US">
                 <a:solidFill>
                   <a:srgbClr val="2AA198"/>
                 </a:solidFill>
@@ -10243,7 +10218,7 @@
               <a:t>1</a:t>
             </a:r>
             <a:r>
-              <a:rPr lang="en-US" dirty="0">
+              <a:rPr lang="en-US">
                 <a:solidFill>
                   <a:srgbClr val="333333"/>
                 </a:solidFill>
@@ -10252,7 +10227,7 @@
               <a:t> </a:t>
             </a:r>
             <a:r>
-              <a:rPr lang="en-US" dirty="0">
+              <a:rPr lang="en-US">
                 <a:solidFill>
                   <a:srgbClr val="859900"/>
                 </a:solidFill>
@@ -10261,7 +10236,7 @@
               <a:t>return</a:t>
             </a:r>
             <a:r>
-              <a:rPr lang="en-US" dirty="0">
+              <a:rPr lang="en-US">
                 <a:solidFill>
                   <a:srgbClr val="333333"/>
                 </a:solidFill>
@@ -10275,7 +10250,7 @@
               <a:buFont typeface="Arial" panose="020B0604020202020204" pitchFamily="34" charset="0"/>
               <a:buChar char="•"/>
             </a:pPr>
-            <a:endParaRPr lang="en-US" sz="800" dirty="0">
+            <a:endParaRPr lang="en-US" sz="800">
               <a:solidFill>
                 <a:srgbClr val="333333"/>
               </a:solidFill>
@@ -10287,7 +10262,7 @@
               <a:buChar char="•"/>
             </a:pPr>
             <a:r>
-              <a:rPr lang="en-IN" dirty="0">
+              <a:rPr lang="en-IN">
                 <a:solidFill>
                   <a:schemeClr val="tx1">
                     <a:lumMod val="50000"/>
@@ -10299,7 +10274,7 @@
               <a:t>neo4j$ </a:t>
             </a:r>
             <a:r>
-              <a:rPr lang="en-US" dirty="0">
+              <a:rPr lang="en-US">
                 <a:solidFill>
                   <a:srgbClr val="859900"/>
                 </a:solidFill>
@@ -10308,16 +10283,61 @@
               <a:t>match</a:t>
             </a:r>
             <a:r>
-              <a:rPr lang="en-US" dirty="0">
+              <a:rPr lang="en-US">
+                <a:solidFill>
+                  <a:srgbClr val="586E75"/>
+                </a:solidFill>
+                <a:effectLst/>
+              </a:rPr>
+              <a:t>(</a:t>
+            </a:r>
+            <a:r>
+              <a:rPr lang="en-US">
                 <a:solidFill>
                   <a:srgbClr val="333333"/>
                 </a:solidFill>
                 <a:effectLst/>
               </a:rPr>
+              <a:t>n</a:t>
+            </a:r>
+            <a:r>
+              <a:rPr lang="en-US">
+                <a:solidFill>
+                  <a:srgbClr val="586E75"/>
+                </a:solidFill>
+                <a:effectLst/>
+              </a:rPr>
+              <a:t>)</a:t>
+            </a:r>
+            <a:r>
+              <a:rPr lang="en-US">
+                <a:solidFill>
+                  <a:srgbClr val="333333"/>
+                </a:solidFill>
+                <a:effectLst/>
+              </a:rPr>
               <a:t> </a:t>
             </a:r>
             <a:r>
-              <a:rPr lang="en-US" dirty="0">
+              <a:rPr lang="en-US">
+                <a:solidFill>
+                  <a:srgbClr val="859900"/>
+                </a:solidFill>
+                <a:effectLst/>
+              </a:rPr>
+              <a:t>return</a:t>
+            </a:r>
+            <a:r>
+              <a:rPr lang="en-US">
+                <a:solidFill>
+                  <a:srgbClr val="333333"/>
+                </a:solidFill>
+                <a:effectLst/>
+              </a:rPr>
+              <a:t> id</a:t>
+            </a:r>
+            <a:r>
+              <a:rPr lang="en-US">
                 <a:solidFill>
                   <a:srgbClr val="586E75"/>
                 </a:solidFill>
@@ -10326,7 +10346,7 @@
               <a:t>(</a:t>
             </a:r>
             <a:r>
-              <a:rPr lang="en-US" dirty="0">
+              <a:rPr lang="en-US">
                 <a:solidFill>
                   <a:srgbClr val="333333"/>
                 </a:solidFill>
@@ -10335,7 +10355,7 @@
               <a:t>n</a:t>
             </a:r>
             <a:r>
-              <a:rPr lang="en-US" dirty="0">
+              <a:rPr lang="en-US">
                 <a:solidFill>
                   <a:srgbClr val="586E75"/>
                 </a:solidFill>
@@ -10343,61 +10363,7 @@
               </a:rPr>
               <a:t>)</a:t>
             </a:r>
-            <a:r>
-              <a:rPr lang="en-US" dirty="0">
-                <a:solidFill>
-                  <a:srgbClr val="333333"/>
-                </a:solidFill>
-                <a:effectLst/>
-              </a:rPr>
-              <a:t> </a:t>
-            </a:r>
-            <a:r>
-              <a:rPr lang="en-US" dirty="0">
-                <a:solidFill>
-                  <a:srgbClr val="859900"/>
-                </a:solidFill>
-                <a:effectLst/>
-              </a:rPr>
-              <a:t>return</a:t>
-            </a:r>
-            <a:r>
-              <a:rPr lang="en-US" dirty="0">
-                <a:solidFill>
-                  <a:srgbClr val="333333"/>
-                </a:solidFill>
-                <a:effectLst/>
-              </a:rPr>
-              <a:t> id</a:t>
-            </a:r>
-            <a:r>
-              <a:rPr lang="en-US" dirty="0">
-                <a:solidFill>
-                  <a:srgbClr val="586E75"/>
-                </a:solidFill>
-                <a:effectLst/>
-              </a:rPr>
-              <a:t>(</a:t>
-            </a:r>
-            <a:r>
-              <a:rPr lang="en-US" dirty="0">
-                <a:solidFill>
-                  <a:srgbClr val="333333"/>
-                </a:solidFill>
-                <a:effectLst/>
-              </a:rPr>
-              <a:t>n</a:t>
-            </a:r>
-            <a:r>
-              <a:rPr lang="en-US" dirty="0">
-                <a:solidFill>
-                  <a:srgbClr val="586E75"/>
-                </a:solidFill>
-                <a:effectLst/>
-              </a:rPr>
-              <a:t>)</a:t>
-            </a:r>
-            <a:endParaRPr lang="en-US" dirty="0">
+            <a:endParaRPr lang="en-US">
               <a:solidFill>
                 <a:srgbClr val="000000"/>
               </a:solidFill>
@@ -10409,7 +10375,7 @@
               <a:buFont typeface="Arial" panose="020B0604020202020204" pitchFamily="34" charset="0"/>
               <a:buChar char="•"/>
             </a:pPr>
-            <a:endParaRPr lang="en-IN" sz="800" dirty="0">
+            <a:endParaRPr lang="en-IN" sz="800">
               <a:solidFill>
                 <a:schemeClr val="tx1">
                   <a:lumMod val="50000"/>
@@ -10425,7 +10391,7 @@
               <a:buChar char="•"/>
             </a:pPr>
             <a:r>
-              <a:rPr lang="en-IN" dirty="0">
+              <a:rPr lang="en-IN">
                 <a:solidFill>
                   <a:schemeClr val="tx1">
                     <a:lumMod val="50000"/>
@@ -10437,7 +10403,7 @@
               <a:t>neo4j$ </a:t>
             </a:r>
             <a:r>
-              <a:rPr lang="en-US" dirty="0">
+              <a:rPr lang="en-US">
                 <a:solidFill>
                   <a:srgbClr val="859900"/>
                 </a:solidFill>
@@ -10446,7 +10412,7 @@
               <a:t>match</a:t>
             </a:r>
             <a:r>
-              <a:rPr lang="en-US" dirty="0">
+              <a:rPr lang="en-US">
                 <a:solidFill>
                   <a:srgbClr val="586E75"/>
                 </a:solidFill>
@@ -10455,7 +10421,7 @@
               <a:t>(</a:t>
             </a:r>
             <a:r>
-              <a:rPr lang="en-US" dirty="0">
+              <a:rPr lang="en-US">
                 <a:solidFill>
                   <a:srgbClr val="333333"/>
                 </a:solidFill>
@@ -10464,7 +10430,7 @@
               <a:t>n</a:t>
             </a:r>
             <a:r>
-              <a:rPr lang="en-US" dirty="0">
+              <a:rPr lang="en-US">
                 <a:solidFill>
                   <a:srgbClr val="586E75"/>
                 </a:solidFill>
@@ -10473,7 +10439,7 @@
               <a:t>)</a:t>
             </a:r>
             <a:r>
-              <a:rPr lang="en-US" dirty="0">
+              <a:rPr lang="en-US">
                 <a:solidFill>
                   <a:srgbClr val="333333"/>
                 </a:solidFill>
@@ -10482,7 +10448,7 @@
               <a:t> </a:t>
             </a:r>
             <a:r>
-              <a:rPr lang="en-US" dirty="0">
+              <a:rPr lang="en-US">
                 <a:solidFill>
                   <a:srgbClr val="859900"/>
                 </a:solidFill>
@@ -10491,7 +10457,7 @@
               <a:t>where</a:t>
             </a:r>
             <a:r>
-              <a:rPr lang="en-US" dirty="0">
+              <a:rPr lang="en-US">
                 <a:solidFill>
                   <a:srgbClr val="333333"/>
                 </a:solidFill>
@@ -10500,7 +10466,7 @@
               <a:t> id</a:t>
             </a:r>
             <a:r>
-              <a:rPr lang="en-US" dirty="0">
+              <a:rPr lang="en-US">
                 <a:solidFill>
                   <a:srgbClr val="586E75"/>
                 </a:solidFill>
@@ -10509,7 +10475,7 @@
               <a:t>(</a:t>
             </a:r>
             <a:r>
-              <a:rPr lang="en-US" dirty="0">
+              <a:rPr lang="en-US">
                 <a:solidFill>
                   <a:srgbClr val="333333"/>
                 </a:solidFill>
@@ -10518,7 +10484,7 @@
               <a:t>n</a:t>
             </a:r>
             <a:r>
-              <a:rPr lang="en-US" dirty="0">
+              <a:rPr lang="en-US">
                 <a:solidFill>
                   <a:srgbClr val="586E75"/>
                 </a:solidFill>
@@ -10527,7 +10493,7 @@
               <a:t>)=</a:t>
             </a:r>
             <a:r>
-              <a:rPr lang="en-US" dirty="0">
+              <a:rPr lang="en-US">
                 <a:solidFill>
                   <a:srgbClr val="2AA198"/>
                 </a:solidFill>
@@ -10536,7 +10502,7 @@
               <a:t>0</a:t>
             </a:r>
             <a:r>
-              <a:rPr lang="en-US" dirty="0">
+              <a:rPr lang="en-US">
                 <a:solidFill>
                   <a:srgbClr val="333333"/>
                 </a:solidFill>
@@ -10545,7 +10511,7 @@
               <a:t> </a:t>
             </a:r>
             <a:r>
-              <a:rPr lang="en-US" dirty="0">
+              <a:rPr lang="en-US">
                 <a:solidFill>
                   <a:srgbClr val="859900"/>
                 </a:solidFill>
@@ -10554,7 +10520,7 @@
               <a:t>or</a:t>
             </a:r>
             <a:r>
-              <a:rPr lang="en-US" dirty="0">
+              <a:rPr lang="en-US">
                 <a:solidFill>
                   <a:srgbClr val="333333"/>
                 </a:solidFill>
@@ -10563,7 +10529,7 @@
               <a:t> id</a:t>
             </a:r>
             <a:r>
-              <a:rPr lang="en-US" dirty="0">
+              <a:rPr lang="en-US">
                 <a:solidFill>
                   <a:srgbClr val="586E75"/>
                 </a:solidFill>
@@ -10572,7 +10538,7 @@
               <a:t>(</a:t>
             </a:r>
             <a:r>
-              <a:rPr lang="en-US" dirty="0">
+              <a:rPr lang="en-US">
                 <a:solidFill>
                   <a:srgbClr val="333333"/>
                 </a:solidFill>
@@ -10581,7 +10547,7 @@
               <a:t>n</a:t>
             </a:r>
             <a:r>
-              <a:rPr lang="en-US" dirty="0">
+              <a:rPr lang="en-US">
                 <a:solidFill>
                   <a:srgbClr val="586E75"/>
                 </a:solidFill>
@@ -10590,7 +10556,7 @@
               <a:t>)=</a:t>
             </a:r>
             <a:r>
-              <a:rPr lang="en-US" dirty="0">
+              <a:rPr lang="en-US">
                 <a:solidFill>
                   <a:srgbClr val="2AA198"/>
                 </a:solidFill>
@@ -10599,7 +10565,7 @@
               <a:t>2</a:t>
             </a:r>
             <a:r>
-              <a:rPr lang="en-US" dirty="0">
+              <a:rPr lang="en-US">
                 <a:solidFill>
                   <a:srgbClr val="333333"/>
                 </a:solidFill>
@@ -10608,7 +10574,7 @@
               <a:t> </a:t>
             </a:r>
             <a:r>
-              <a:rPr lang="en-US" dirty="0">
+              <a:rPr lang="en-US">
                 <a:solidFill>
                   <a:srgbClr val="859900"/>
                 </a:solidFill>
@@ -10617,7 +10583,7 @@
               <a:t>or</a:t>
             </a:r>
             <a:r>
-              <a:rPr lang="en-US" dirty="0">
+              <a:rPr lang="en-US">
                 <a:solidFill>
                   <a:srgbClr val="333333"/>
                 </a:solidFill>
@@ -10626,7 +10592,7 @@
               <a:t> id</a:t>
             </a:r>
             <a:r>
-              <a:rPr lang="en-US" dirty="0">
+              <a:rPr lang="en-US">
                 <a:solidFill>
                   <a:srgbClr val="586E75"/>
                 </a:solidFill>
@@ -10635,7 +10601,7 @@
               <a:t>(</a:t>
             </a:r>
             <a:r>
-              <a:rPr lang="en-US" dirty="0">
+              <a:rPr lang="en-US">
                 <a:solidFill>
                   <a:srgbClr val="333333"/>
                 </a:solidFill>
@@ -10644,7 +10610,7 @@
               <a:t>n</a:t>
             </a:r>
             <a:r>
-              <a:rPr lang="en-US" dirty="0">
+              <a:rPr lang="en-US">
                 <a:solidFill>
                   <a:srgbClr val="586E75"/>
                 </a:solidFill>
@@ -10653,7 +10619,7 @@
               <a:t>)=</a:t>
             </a:r>
             <a:r>
-              <a:rPr lang="en-US" dirty="0">
+              <a:rPr lang="en-US">
                 <a:solidFill>
                   <a:srgbClr val="2AA198"/>
                 </a:solidFill>
@@ -10662,7 +10628,7 @@
               <a:t>3</a:t>
             </a:r>
             <a:r>
-              <a:rPr lang="en-US" dirty="0">
+              <a:rPr lang="en-US">
                 <a:solidFill>
                   <a:srgbClr val="333333"/>
                 </a:solidFill>
@@ -10671,7 +10637,7 @@
               <a:t> </a:t>
             </a:r>
             <a:r>
-              <a:rPr lang="en-US" dirty="0">
+              <a:rPr lang="en-US">
                 <a:solidFill>
                   <a:srgbClr val="859900"/>
                 </a:solidFill>
@@ -10680,7 +10646,7 @@
               <a:t>return</a:t>
             </a:r>
             <a:r>
-              <a:rPr lang="en-US" dirty="0">
+              <a:rPr lang="en-US">
                 <a:solidFill>
                   <a:srgbClr val="333333"/>
                 </a:solidFill>
@@ -10688,7 +10654,7 @@
               </a:rPr>
               <a:t> n</a:t>
             </a:r>
-            <a:endParaRPr lang="en-US" dirty="0">
+            <a:endParaRPr lang="en-US">
               <a:solidFill>
                 <a:srgbClr val="000000"/>
               </a:solidFill>
@@ -10700,7 +10666,7 @@
               <a:buFont typeface="Arial" panose="020B0604020202020204" pitchFamily="34" charset="0"/>
               <a:buChar char="•"/>
             </a:pPr>
-            <a:endParaRPr lang="en-US" sz="800" dirty="0">
+            <a:endParaRPr lang="en-US" sz="800">
               <a:solidFill>
                 <a:srgbClr val="333333"/>
               </a:solidFill>
@@ -10712,7 +10678,7 @@
               <a:buChar char="•"/>
             </a:pPr>
             <a:r>
-              <a:rPr lang="en-IN" dirty="0">
+              <a:rPr lang="en-IN">
                 <a:solidFill>
                   <a:schemeClr val="tx1">
                     <a:lumMod val="50000"/>
@@ -10724,7 +10690,7 @@
               <a:t>neo4j$ </a:t>
             </a:r>
             <a:r>
-              <a:rPr lang="en-US" dirty="0">
+              <a:rPr lang="en-US">
                 <a:solidFill>
                   <a:srgbClr val="859900"/>
                 </a:solidFill>
@@ -10733,7 +10699,7 @@
               <a:t>match</a:t>
             </a:r>
             <a:r>
-              <a:rPr lang="en-US" dirty="0">
+              <a:rPr lang="en-US">
                 <a:solidFill>
                   <a:srgbClr val="586E75"/>
                 </a:solidFill>
@@ -10742,7 +10708,7 @@
               <a:t>(</a:t>
             </a:r>
             <a:r>
-              <a:rPr lang="en-US" dirty="0">
+              <a:rPr lang="en-US">
                 <a:solidFill>
                   <a:srgbClr val="333333"/>
                 </a:solidFill>
@@ -10751,7 +10717,7 @@
               <a:t>n</a:t>
             </a:r>
             <a:r>
-              <a:rPr lang="en-US" dirty="0">
+              <a:rPr lang="en-US">
                 <a:solidFill>
                   <a:srgbClr val="586E75"/>
                 </a:solidFill>
@@ -10760,7 +10726,7 @@
               <a:t>)</a:t>
             </a:r>
             <a:r>
-              <a:rPr lang="en-US" dirty="0">
+              <a:rPr lang="en-US">
                 <a:solidFill>
                   <a:srgbClr val="333333"/>
                 </a:solidFill>
@@ -10769,7 +10735,7 @@
               <a:t> </a:t>
             </a:r>
             <a:r>
-              <a:rPr lang="en-US" dirty="0">
+              <a:rPr lang="en-US">
                 <a:solidFill>
                   <a:srgbClr val="859900"/>
                 </a:solidFill>
@@ -10778,7 +10744,7 @@
               <a:t>where</a:t>
             </a:r>
             <a:r>
-              <a:rPr lang="en-US" dirty="0">
+              <a:rPr lang="en-US">
                 <a:solidFill>
                   <a:srgbClr val="333333"/>
                 </a:solidFill>
@@ -10787,7 +10753,7 @@
               <a:t> id</a:t>
             </a:r>
             <a:r>
-              <a:rPr lang="en-US" dirty="0">
+              <a:rPr lang="en-US">
                 <a:solidFill>
                   <a:srgbClr val="586E75"/>
                 </a:solidFill>
@@ -10796,7 +10762,7 @@
               <a:t>(</a:t>
             </a:r>
             <a:r>
-              <a:rPr lang="en-US" dirty="0">
+              <a:rPr lang="en-US">
                 <a:solidFill>
                   <a:srgbClr val="333333"/>
                 </a:solidFill>
@@ -10805,7 +10771,7 @@
               <a:t>n</a:t>
             </a:r>
             <a:r>
-              <a:rPr lang="en-US" dirty="0">
+              <a:rPr lang="en-US">
                 <a:solidFill>
                   <a:srgbClr val="586E75"/>
                 </a:solidFill>
@@ -10814,7 +10780,7 @@
               <a:t>)</a:t>
             </a:r>
             <a:r>
-              <a:rPr lang="en-US" dirty="0">
+              <a:rPr lang="en-US">
                 <a:solidFill>
                   <a:srgbClr val="333333"/>
                 </a:solidFill>
@@ -10823,7 +10789,7 @@
               <a:t> </a:t>
             </a:r>
             <a:r>
-              <a:rPr lang="en-US" dirty="0">
+              <a:rPr lang="en-US">
                 <a:solidFill>
                   <a:srgbClr val="859900"/>
                 </a:solidFill>
@@ -10832,7 +10798,7 @@
               <a:t>in</a:t>
             </a:r>
             <a:r>
-              <a:rPr lang="en-US" dirty="0">
+              <a:rPr lang="en-US">
                 <a:solidFill>
                   <a:srgbClr val="333333"/>
                 </a:solidFill>
@@ -10841,7 +10807,7 @@
               <a:t> </a:t>
             </a:r>
             <a:r>
-              <a:rPr lang="en-US" dirty="0">
+              <a:rPr lang="en-US">
                 <a:solidFill>
                   <a:srgbClr val="586E75"/>
                 </a:solidFill>
@@ -10850,7 +10816,7 @@
               <a:t>[ </a:t>
             </a:r>
             <a:r>
-              <a:rPr lang="en-US" dirty="0">
+              <a:rPr lang="en-US">
                 <a:solidFill>
                   <a:srgbClr val="2AA198"/>
                 </a:solidFill>
@@ -10859,7 +10825,7 @@
               <a:t>0</a:t>
             </a:r>
             <a:r>
-              <a:rPr lang="en-US" dirty="0">
+              <a:rPr lang="en-US">
                 <a:solidFill>
                   <a:srgbClr val="586E75"/>
                 </a:solidFill>
@@ -10868,7 +10834,7 @@
               <a:t>, </a:t>
             </a:r>
             <a:r>
-              <a:rPr lang="en-US" dirty="0">
+              <a:rPr lang="en-US">
                 <a:solidFill>
                   <a:srgbClr val="2AA198"/>
                 </a:solidFill>
@@ -10877,7 +10843,7 @@
               <a:t>2</a:t>
             </a:r>
             <a:r>
-              <a:rPr lang="en-US" dirty="0">
+              <a:rPr lang="en-US">
                 <a:solidFill>
                   <a:srgbClr val="586E75"/>
                 </a:solidFill>
@@ -10886,7 +10852,7 @@
               <a:t>, </a:t>
             </a:r>
             <a:r>
-              <a:rPr lang="en-US" dirty="0">
+              <a:rPr lang="en-US">
                 <a:solidFill>
                   <a:srgbClr val="2AA198"/>
                 </a:solidFill>
@@ -10895,7 +10861,7 @@
               <a:t>3 </a:t>
             </a:r>
             <a:r>
-              <a:rPr lang="en-US" dirty="0">
+              <a:rPr lang="en-US">
                 <a:solidFill>
                   <a:srgbClr val="586E75"/>
                 </a:solidFill>
@@ -10904,7 +10870,7 @@
               <a:t>]</a:t>
             </a:r>
             <a:r>
-              <a:rPr lang="en-US" dirty="0">
+              <a:rPr lang="en-US">
                 <a:solidFill>
                   <a:srgbClr val="333333"/>
                 </a:solidFill>
@@ -10913,7 +10879,7 @@
               <a:t> </a:t>
             </a:r>
             <a:r>
-              <a:rPr lang="en-US" dirty="0">
+              <a:rPr lang="en-US">
                 <a:solidFill>
                   <a:srgbClr val="859900"/>
                 </a:solidFill>
@@ -10922,7 +10888,7 @@
               <a:t>return</a:t>
             </a:r>
             <a:r>
-              <a:rPr lang="en-US" dirty="0">
+              <a:rPr lang="en-US">
                 <a:solidFill>
                   <a:srgbClr val="333333"/>
                 </a:solidFill>
@@ -11189,7 +11155,7 @@
                 <a:latin typeface="Nunito Sans"/>
                 <a:ea typeface="DejaVu Sans"/>
               </a:rPr>
-              <a:t>match count nodes</a:t>
+              <a:t>match</a:t>
             </a:r>
             <a:endParaRPr lang="en-IN" sz="4000" b="0" strike="noStrike" spc="-1" dirty="0">
               <a:solidFill>
@@ -11294,6 +11260,854 @@
         <p:spPr>
           <a:xfrm>
             <a:off x="243604" y="2134800"/>
+            <a:ext cx="11693880" cy="2769989"/>
+          </a:xfrm>
+          <a:prstGeom prst="rect">
+            <a:avLst/>
+          </a:prstGeom>
+          <a:noFill/>
+        </p:spPr>
+        <p:txBody>
+          <a:bodyPr wrap="square">
+            <a:spAutoFit/>
+          </a:bodyPr>
+          <a:lstStyle/>
+          <a:p>
+            <a:pPr marL="285750" indent="-285750">
+              <a:buFont typeface="Arial" panose="020B0604020202020204" pitchFamily="34" charset="0"/>
+              <a:buChar char="•"/>
+            </a:pPr>
+            <a:r>
+              <a:rPr lang="en-IN" dirty="0">
+                <a:solidFill>
+                  <a:schemeClr val="tx1">
+                    <a:lumMod val="50000"/>
+                    <a:lumOff val="50000"/>
+                  </a:schemeClr>
+                </a:solidFill>
+                <a:latin typeface="Gill Sans MT (Body)"/>
+              </a:rPr>
+              <a:t>neo4j$ </a:t>
+            </a:r>
+            <a:r>
+              <a:rPr lang="en-US" dirty="0">
+                <a:solidFill>
+                  <a:srgbClr val="859900"/>
+                </a:solidFill>
+                <a:effectLst/>
+              </a:rPr>
+              <a:t>match</a:t>
+            </a:r>
+            <a:r>
+              <a:rPr lang="en-US" dirty="0">
+                <a:solidFill>
+                  <a:srgbClr val="586E75"/>
+                </a:solidFill>
+                <a:effectLst/>
+              </a:rPr>
+              <a:t>(</a:t>
+            </a:r>
+            <a:r>
+              <a:rPr lang="en-US" dirty="0">
+                <a:solidFill>
+                  <a:srgbClr val="333333"/>
+                </a:solidFill>
+                <a:effectLst/>
+              </a:rPr>
+              <a:t>n</a:t>
+            </a:r>
+            <a:r>
+              <a:rPr lang="en-US" dirty="0">
+                <a:solidFill>
+                  <a:srgbClr val="586E75"/>
+                </a:solidFill>
+                <a:effectLst/>
+              </a:rPr>
+              <a:t>:</a:t>
+            </a:r>
+            <a:r>
+              <a:rPr lang="en-US" dirty="0">
+                <a:solidFill>
+                  <a:srgbClr val="333333"/>
+                </a:solidFill>
+                <a:effectLst/>
+              </a:rPr>
+              <a:t>book</a:t>
+            </a:r>
+            <a:r>
+              <a:rPr lang="en-US" dirty="0">
+                <a:solidFill>
+                  <a:srgbClr val="586E75"/>
+                </a:solidFill>
+                <a:effectLst/>
+              </a:rPr>
+              <a:t>)</a:t>
+            </a:r>
+            <a:r>
+              <a:rPr lang="en-US" dirty="0">
+                <a:solidFill>
+                  <a:srgbClr val="333333"/>
+                </a:solidFill>
+                <a:effectLst/>
+              </a:rPr>
+              <a:t> </a:t>
+            </a:r>
+            <a:r>
+              <a:rPr lang="en-US" dirty="0">
+                <a:solidFill>
+                  <a:srgbClr val="859900"/>
+                </a:solidFill>
+                <a:effectLst/>
+              </a:rPr>
+              <a:t>return</a:t>
+            </a:r>
+            <a:r>
+              <a:rPr lang="en-US" dirty="0">
+                <a:solidFill>
+                  <a:srgbClr val="333333"/>
+                </a:solidFill>
+                <a:effectLst/>
+              </a:rPr>
+              <a:t> n</a:t>
+            </a:r>
+            <a:r>
+              <a:rPr lang="en-US" dirty="0">
+                <a:solidFill>
+                  <a:srgbClr val="586E75"/>
+                </a:solidFill>
+                <a:effectLst/>
+              </a:rPr>
+              <a:t>.</a:t>
+            </a:r>
+            <a:r>
+              <a:rPr lang="en-US" dirty="0">
+                <a:solidFill>
+                  <a:srgbClr val="333333"/>
+                </a:solidFill>
+                <a:effectLst/>
+              </a:rPr>
+              <a:t>name </a:t>
+            </a:r>
+            <a:r>
+              <a:rPr lang="en-US" dirty="0">
+                <a:solidFill>
+                  <a:srgbClr val="859900"/>
+                </a:solidFill>
+                <a:effectLst/>
+              </a:rPr>
+              <a:t>as</a:t>
+            </a:r>
+            <a:r>
+              <a:rPr lang="en-US" dirty="0">
+                <a:solidFill>
+                  <a:srgbClr val="333333"/>
+                </a:solidFill>
+                <a:effectLst/>
+              </a:rPr>
+              <a:t> `Book Names`</a:t>
+            </a:r>
+            <a:r>
+              <a:rPr lang="en-US" dirty="0">
+                <a:solidFill>
+                  <a:srgbClr val="586E75"/>
+                </a:solidFill>
+                <a:effectLst/>
+              </a:rPr>
+              <a:t>,</a:t>
+            </a:r>
+            <a:r>
+              <a:rPr lang="en-US" dirty="0">
+                <a:solidFill>
+                  <a:srgbClr val="333333"/>
+                </a:solidFill>
+                <a:effectLst/>
+              </a:rPr>
+              <a:t> </a:t>
+            </a:r>
+            <a:r>
+              <a:rPr lang="en-US" dirty="0" err="1">
+                <a:solidFill>
+                  <a:srgbClr val="333333"/>
+                </a:solidFill>
+                <a:effectLst/>
+              </a:rPr>
+              <a:t>n</a:t>
+            </a:r>
+            <a:r>
+              <a:rPr lang="en-US" dirty="0" err="1">
+                <a:solidFill>
+                  <a:srgbClr val="586E75"/>
+                </a:solidFill>
+                <a:effectLst/>
+              </a:rPr>
+              <a:t>.</a:t>
+            </a:r>
+            <a:r>
+              <a:rPr lang="en-US" dirty="0" err="1">
+                <a:solidFill>
+                  <a:srgbClr val="333333"/>
+                </a:solidFill>
+                <a:effectLst/>
+              </a:rPr>
+              <a:t>price</a:t>
+            </a:r>
+            <a:r>
+              <a:rPr lang="en-US" dirty="0">
+                <a:solidFill>
+                  <a:srgbClr val="333333"/>
+                </a:solidFill>
+                <a:effectLst/>
+              </a:rPr>
+              <a:t>  </a:t>
+            </a:r>
+            <a:r>
+              <a:rPr lang="en-US" dirty="0">
+                <a:solidFill>
+                  <a:srgbClr val="859900"/>
+                </a:solidFill>
+                <a:effectLst/>
+              </a:rPr>
+              <a:t>as</a:t>
+            </a:r>
+            <a:r>
+              <a:rPr lang="en-US" dirty="0">
+                <a:solidFill>
+                  <a:srgbClr val="333333"/>
+                </a:solidFill>
+                <a:effectLst/>
+              </a:rPr>
+              <a:t> `Price`</a:t>
+            </a:r>
+            <a:endParaRPr lang="en-US" dirty="0">
+              <a:solidFill>
+                <a:srgbClr val="000000"/>
+              </a:solidFill>
+              <a:effectLst/>
+            </a:endParaRPr>
+          </a:p>
+          <a:p>
+            <a:pPr marL="285750" indent="-285750">
+              <a:buFont typeface="Arial" panose="020B0604020202020204" pitchFamily="34" charset="0"/>
+              <a:buChar char="•"/>
+            </a:pPr>
+            <a:endParaRPr lang="en-IN" sz="800" dirty="0">
+              <a:solidFill>
+                <a:schemeClr val="accent6">
+                  <a:lumMod val="50000"/>
+                </a:schemeClr>
+              </a:solidFill>
+              <a:latin typeface="Gill Sans MT (Body)"/>
+            </a:endParaRPr>
+          </a:p>
+          <a:p>
+            <a:pPr marL="285750" indent="-285750">
+              <a:buFont typeface="Arial" panose="020B0604020202020204" pitchFamily="34" charset="0"/>
+              <a:buChar char="•"/>
+            </a:pPr>
+            <a:r>
+              <a:rPr lang="en-IN" dirty="0">
+                <a:solidFill>
+                  <a:schemeClr val="tx1">
+                    <a:lumMod val="50000"/>
+                    <a:lumOff val="50000"/>
+                  </a:schemeClr>
+                </a:solidFill>
+                <a:latin typeface="Gill Sans MT (Body)"/>
+              </a:rPr>
+              <a:t>neo4j$</a:t>
+            </a:r>
+            <a:endParaRPr lang="en-US" dirty="0">
+              <a:solidFill>
+                <a:schemeClr val="accent6">
+                  <a:lumMod val="50000"/>
+                </a:schemeClr>
+              </a:solidFill>
+              <a:latin typeface="Gill Sans MT (Body)"/>
+            </a:endParaRPr>
+          </a:p>
+          <a:p>
+            <a:pPr marL="285750" indent="-285750">
+              <a:buFont typeface="Arial" panose="020B0604020202020204" pitchFamily="34" charset="0"/>
+              <a:buChar char="•"/>
+            </a:pPr>
+            <a:endParaRPr lang="en-US" sz="800" dirty="0">
+              <a:solidFill>
+                <a:schemeClr val="accent6">
+                  <a:lumMod val="50000"/>
+                </a:schemeClr>
+              </a:solidFill>
+              <a:latin typeface="Gill Sans MT (Body)"/>
+            </a:endParaRPr>
+          </a:p>
+          <a:p>
+            <a:pPr marL="285750" indent="-285750">
+              <a:buFont typeface="Arial" panose="020B0604020202020204" pitchFamily="34" charset="0"/>
+              <a:buChar char="•"/>
+            </a:pPr>
+            <a:r>
+              <a:rPr lang="en-IN" dirty="0">
+                <a:solidFill>
+                  <a:schemeClr val="tx1">
+                    <a:lumMod val="50000"/>
+                    <a:lumOff val="50000"/>
+                  </a:schemeClr>
+                </a:solidFill>
+                <a:latin typeface="Gill Sans MT (Body)"/>
+              </a:rPr>
+              <a:t>neo4j$</a:t>
+            </a:r>
+            <a:endParaRPr lang="en-US" dirty="0">
+              <a:solidFill>
+                <a:srgbClr val="333333"/>
+              </a:solidFill>
+              <a:effectLst/>
+              <a:latin typeface="Gill Sans MT (Body)"/>
+            </a:endParaRPr>
+          </a:p>
+          <a:p>
+            <a:pPr marL="285750" indent="-285750">
+              <a:buFont typeface="Arial" panose="020B0604020202020204" pitchFamily="34" charset="0"/>
+              <a:buChar char="•"/>
+            </a:pPr>
+            <a:endParaRPr lang="en-US" sz="800" dirty="0">
+              <a:solidFill>
+                <a:srgbClr val="333333"/>
+              </a:solidFill>
+              <a:latin typeface="Gill Sans MT (Body)"/>
+            </a:endParaRPr>
+          </a:p>
+          <a:p>
+            <a:pPr marL="285750" indent="-285750">
+              <a:buFont typeface="Arial" panose="020B0604020202020204" pitchFamily="34" charset="0"/>
+              <a:buChar char="•"/>
+            </a:pPr>
+            <a:r>
+              <a:rPr lang="en-IN" dirty="0">
+                <a:solidFill>
+                  <a:schemeClr val="tx1">
+                    <a:lumMod val="50000"/>
+                    <a:lumOff val="50000"/>
+                  </a:schemeClr>
+                </a:solidFill>
+                <a:latin typeface="Gill Sans MT (Body)"/>
+              </a:rPr>
+              <a:t>neo4j$</a:t>
+            </a:r>
+            <a:endParaRPr lang="en-US" dirty="0">
+              <a:solidFill>
+                <a:srgbClr val="333333"/>
+              </a:solidFill>
+              <a:effectLst/>
+            </a:endParaRPr>
+          </a:p>
+          <a:p>
+            <a:pPr marL="285750" indent="-285750">
+              <a:buFont typeface="Arial" panose="020B0604020202020204" pitchFamily="34" charset="0"/>
+              <a:buChar char="•"/>
+            </a:pPr>
+            <a:endParaRPr lang="en-US" sz="800" dirty="0">
+              <a:solidFill>
+                <a:srgbClr val="333333"/>
+              </a:solidFill>
+            </a:endParaRPr>
+          </a:p>
+          <a:p>
+            <a:pPr marL="285750" indent="-285750">
+              <a:buFont typeface="Arial" panose="020B0604020202020204" pitchFamily="34" charset="0"/>
+              <a:buChar char="•"/>
+            </a:pPr>
+            <a:r>
+              <a:rPr lang="en-IN" dirty="0">
+                <a:solidFill>
+                  <a:schemeClr val="tx1">
+                    <a:lumMod val="50000"/>
+                    <a:lumOff val="50000"/>
+                  </a:schemeClr>
+                </a:solidFill>
+                <a:latin typeface="Gill Sans MT (Body)"/>
+              </a:rPr>
+              <a:t>neo4j$</a:t>
+            </a:r>
+            <a:endParaRPr lang="en-US" dirty="0">
+              <a:solidFill>
+                <a:srgbClr val="000000"/>
+              </a:solidFill>
+              <a:effectLst/>
+            </a:endParaRPr>
+          </a:p>
+          <a:p>
+            <a:pPr marL="285750" indent="-285750">
+              <a:buFont typeface="Arial" panose="020B0604020202020204" pitchFamily="34" charset="0"/>
+              <a:buChar char="•"/>
+            </a:pPr>
+            <a:endParaRPr lang="en-IN" sz="800" dirty="0">
+              <a:solidFill>
+                <a:schemeClr val="tx1">
+                  <a:lumMod val="50000"/>
+                  <a:lumOff val="50000"/>
+                </a:schemeClr>
+              </a:solidFill>
+              <a:latin typeface="Gill Sans MT (Body)"/>
+            </a:endParaRPr>
+          </a:p>
+          <a:p>
+            <a:pPr marL="285750" indent="-285750">
+              <a:buFont typeface="Arial" panose="020B0604020202020204" pitchFamily="34" charset="0"/>
+              <a:buChar char="•"/>
+            </a:pPr>
+            <a:r>
+              <a:rPr lang="en-IN" dirty="0">
+                <a:solidFill>
+                  <a:schemeClr val="tx1">
+                    <a:lumMod val="50000"/>
+                    <a:lumOff val="50000"/>
+                  </a:schemeClr>
+                </a:solidFill>
+                <a:latin typeface="Gill Sans MT (Body)"/>
+              </a:rPr>
+              <a:t>neo4j$</a:t>
+            </a:r>
+            <a:endParaRPr lang="en-US" dirty="0">
+              <a:solidFill>
+                <a:srgbClr val="000000"/>
+              </a:solidFill>
+              <a:effectLst/>
+            </a:endParaRPr>
+          </a:p>
+          <a:p>
+            <a:pPr marL="285750" indent="-285750">
+              <a:buFont typeface="Arial" panose="020B0604020202020204" pitchFamily="34" charset="0"/>
+              <a:buChar char="•"/>
+            </a:pPr>
+            <a:endParaRPr lang="en-US" sz="800" dirty="0">
+              <a:solidFill>
+                <a:srgbClr val="333333"/>
+              </a:solidFill>
+            </a:endParaRPr>
+          </a:p>
+          <a:p>
+            <a:pPr marL="285750" indent="-285750">
+              <a:buFont typeface="Arial" panose="020B0604020202020204" pitchFamily="34" charset="0"/>
+              <a:buChar char="•"/>
+            </a:pPr>
+            <a:r>
+              <a:rPr lang="en-IN" dirty="0">
+                <a:solidFill>
+                  <a:schemeClr val="tx1">
+                    <a:lumMod val="50000"/>
+                    <a:lumOff val="50000"/>
+                  </a:schemeClr>
+                </a:solidFill>
+                <a:latin typeface="Gill Sans MT (Body)"/>
+              </a:rPr>
+              <a:t>neo4j$</a:t>
+            </a:r>
+            <a:endParaRPr lang="en-US" dirty="0">
+              <a:solidFill>
+                <a:srgbClr val="000000"/>
+              </a:solidFill>
+              <a:effectLst/>
+            </a:endParaRPr>
+          </a:p>
+        </p:txBody>
+      </p:sp>
+    </p:spTree>
+    <p:extLst>
+      <p:ext uri="{BB962C8B-B14F-4D97-AF65-F5344CB8AC3E}">
+        <p14:creationId xmlns:p14="http://schemas.microsoft.com/office/powerpoint/2010/main" val="3721093997"/>
+      </p:ext>
+    </p:extLst>
+  </p:cSld>
+  <p:clrMapOvr>
+    <a:masterClrMapping/>
+  </p:clrMapOvr>
+</p:sld>
+</file>
+
+<file path=ppt/slides/slide17.xml><?xml version="1.0" encoding="utf-8"?>
+<p:sld xmlns:a="http://schemas.openxmlformats.org/drawingml/2006/main" xmlns:r="http://schemas.openxmlformats.org/officeDocument/2006/relationships" xmlns:p="http://schemas.openxmlformats.org/presentationml/2006/main">
+  <p:cSld>
+    <p:spTree>
+      <p:nvGrpSpPr>
+        <p:cNvPr id="1" name=""/>
+        <p:cNvGrpSpPr/>
+        <p:nvPr/>
+      </p:nvGrpSpPr>
+      <p:grpSpPr>
+        <a:xfrm>
+          <a:off x="0" y="0"/>
+          <a:ext cx="0" cy="0"/>
+          <a:chOff x="0" y="0"/>
+          <a:chExt cx="0" cy="0"/>
+        </a:xfrm>
+      </p:grpSpPr>
+      <p:sp>
+        <p:nvSpPr>
+          <p:cNvPr id="102" name="CustomShape 3"/>
+          <p:cNvSpPr/>
+          <p:nvPr/>
+        </p:nvSpPr>
+        <p:spPr>
+          <a:xfrm>
+            <a:off x="246600" y="762120"/>
+            <a:ext cx="11693880" cy="398655"/>
+          </a:xfrm>
+          <a:prstGeom prst="rect">
+            <a:avLst/>
+          </a:prstGeom>
+          <a:noFill/>
+          <a:ln>
+            <a:noFill/>
+          </a:ln>
+        </p:spPr>
+        <p:style>
+          <a:lnRef idx="0">
+            <a:scrgbClr r="0" g="0" b="0"/>
+          </a:lnRef>
+          <a:fillRef idx="0">
+            <a:scrgbClr r="0" g="0" b="0"/>
+          </a:fillRef>
+          <a:effectRef idx="0">
+            <a:scrgbClr r="0" g="0" b="0"/>
+          </a:effectRef>
+          <a:fontRef idx="minor"/>
+        </p:style>
+        <p:txBody>
+          <a:bodyPr lIns="90000" tIns="45000" rIns="90000" bIns="45000">
+            <a:spAutoFit/>
+          </a:bodyPr>
+          <a:lstStyle/>
+          <a:p>
+            <a:pPr algn="just"/>
+            <a:r>
+              <a:rPr lang="en-US" sz="2000" dirty="0">
+                <a:solidFill>
+                  <a:srgbClr val="2D3748"/>
+                </a:solidFill>
+                <a:latin typeface="Nunito Sans"/>
+              </a:rPr>
+              <a:t>TODO</a:t>
+            </a:r>
+            <a:endParaRPr lang="en-IN" sz="2000" dirty="0">
+              <a:solidFill>
+                <a:srgbClr val="2D3748"/>
+              </a:solidFill>
+              <a:latin typeface="Nunito Sans"/>
+            </a:endParaRPr>
+          </a:p>
+        </p:txBody>
+      </p:sp>
+      <p:sp>
+        <p:nvSpPr>
+          <p:cNvPr id="103" name="CustomShape 4"/>
+          <p:cNvSpPr/>
+          <p:nvPr/>
+        </p:nvSpPr>
+        <p:spPr>
+          <a:xfrm>
+            <a:off x="243604" y="5696497"/>
+            <a:ext cx="11693880" cy="737210"/>
+          </a:xfrm>
+          <a:prstGeom prst="rect">
+            <a:avLst/>
+          </a:prstGeom>
+          <a:noFill/>
+          <a:ln>
+            <a:noFill/>
+          </a:ln>
+        </p:spPr>
+        <p:style>
+          <a:lnRef idx="0">
+            <a:scrgbClr r="0" g="0" b="0"/>
+          </a:lnRef>
+          <a:fillRef idx="0">
+            <a:scrgbClr r="0" g="0" b="0"/>
+          </a:fillRef>
+          <a:effectRef idx="0">
+            <a:scrgbClr r="0" g="0" b="0"/>
+          </a:effectRef>
+          <a:fontRef idx="minor"/>
+        </p:style>
+        <p:txBody>
+          <a:bodyPr lIns="90000" tIns="45000" rIns="90000" bIns="45000">
+            <a:spAutoFit/>
+          </a:bodyPr>
+          <a:lstStyle/>
+          <a:p>
+            <a:pPr>
+              <a:lnSpc>
+                <a:spcPct val="100000"/>
+              </a:lnSpc>
+            </a:pPr>
+            <a:r>
+              <a:rPr lang="en-IN" sz="2000" b="1" strike="noStrike" spc="-1" dirty="0">
+                <a:solidFill>
+                  <a:srgbClr val="C00000"/>
+                </a:solidFill>
+                <a:latin typeface="Arial" panose="020B0604020202020204" pitchFamily="34" charset="0"/>
+                <a:ea typeface="Open Sans"/>
+                <a:cs typeface="Arial" panose="020B0604020202020204" pitchFamily="34" charset="0"/>
+              </a:rPr>
+              <a:t>Note:</a:t>
+            </a:r>
+            <a:endParaRPr lang="en-IN" sz="2000" b="0" strike="noStrike" spc="-1" dirty="0">
+              <a:latin typeface="Arial" panose="020B0604020202020204" pitchFamily="34" charset="0"/>
+              <a:cs typeface="Arial" panose="020B0604020202020204" pitchFamily="34" charset="0"/>
+            </a:endParaRPr>
+          </a:p>
+          <a:p>
+            <a:pPr>
+              <a:lnSpc>
+                <a:spcPct val="100000"/>
+              </a:lnSpc>
+            </a:pPr>
+            <a:r>
+              <a:rPr lang="en-IN" sz="400" b="0" strike="noStrike" spc="-1" dirty="0">
+                <a:solidFill>
+                  <a:srgbClr val="000000"/>
+                </a:solidFill>
+                <a:latin typeface="Arial" panose="020B0604020202020204" pitchFamily="34" charset="0"/>
+                <a:ea typeface="DejaVu Sans"/>
+                <a:cs typeface="Arial" panose="020B0604020202020204" pitchFamily="34" charset="0"/>
+              </a:rPr>
+              <a:t> </a:t>
+            </a:r>
+            <a:endParaRPr lang="en-IN" sz="400" b="0" strike="noStrike" spc="-1" dirty="0">
+              <a:latin typeface="Arial" panose="020B0604020202020204" pitchFamily="34" charset="0"/>
+              <a:cs typeface="Arial" panose="020B0604020202020204" pitchFamily="34" charset="0"/>
+            </a:endParaRPr>
+          </a:p>
+          <a:p>
+            <a:pPr marL="285840" indent="-262080">
+              <a:buClr>
+                <a:srgbClr val="000000"/>
+              </a:buClr>
+              <a:buFont typeface="Arial"/>
+              <a:buChar char="•"/>
+            </a:pPr>
+            <a:r>
+              <a:rPr lang="en-US" b="0" i="0" dirty="0">
+                <a:solidFill>
+                  <a:srgbClr val="333333"/>
+                </a:solidFill>
+                <a:effectLst/>
+                <a:latin typeface="Arial" panose="020B0604020202020204" pitchFamily="34" charset="0"/>
+              </a:rPr>
+              <a:t>TODO</a:t>
+            </a:r>
+            <a:endParaRPr lang="en-IN" sz="1800" strike="noStrike" spc="-1" dirty="0">
+              <a:solidFill>
+                <a:schemeClr val="tx1">
+                  <a:lumMod val="85000"/>
+                  <a:lumOff val="15000"/>
+                </a:schemeClr>
+              </a:solidFill>
+              <a:latin typeface="Arial" panose="020B0604020202020204" pitchFamily="34" charset="0"/>
+              <a:cs typeface="Arial" panose="020B0604020202020204" pitchFamily="34" charset="0"/>
+            </a:endParaRPr>
+          </a:p>
+        </p:txBody>
+      </p:sp>
+      <p:sp>
+        <p:nvSpPr>
+          <p:cNvPr id="105" name="CustomShape 6"/>
+          <p:cNvSpPr/>
+          <p:nvPr/>
+        </p:nvSpPr>
+        <p:spPr>
+          <a:xfrm>
+            <a:off x="246600" y="0"/>
+            <a:ext cx="11693880" cy="706432"/>
+          </a:xfrm>
+          <a:prstGeom prst="rect">
+            <a:avLst/>
+          </a:prstGeom>
+          <a:solidFill>
+            <a:schemeClr val="accent6">
+              <a:lumMod val="75000"/>
+            </a:schemeClr>
+          </a:solidFill>
+          <a:ln>
+            <a:noFill/>
+          </a:ln>
+        </p:spPr>
+        <p:style>
+          <a:lnRef idx="0">
+            <a:scrgbClr r="0" g="0" b="0"/>
+          </a:lnRef>
+          <a:fillRef idx="0">
+            <a:scrgbClr r="0" g="0" b="0"/>
+          </a:fillRef>
+          <a:effectRef idx="0">
+            <a:scrgbClr r="0" g="0" b="0"/>
+          </a:effectRef>
+          <a:fontRef idx="minor"/>
+        </p:style>
+        <p:txBody>
+          <a:bodyPr lIns="90000" tIns="45000" rIns="90000" bIns="45000">
+            <a:spAutoFit/>
+          </a:bodyPr>
+          <a:lstStyle/>
+          <a:p>
+            <a:pPr algn="r"/>
+            <a:r>
+              <a:rPr lang="en-IN" sz="4000" spc="-1" dirty="0">
+                <a:solidFill>
+                  <a:schemeClr val="accent6">
+                    <a:lumMod val="60000"/>
+                    <a:lumOff val="40000"/>
+                  </a:schemeClr>
+                </a:solidFill>
+                <a:latin typeface="Nunito Sans"/>
+              </a:rPr>
+              <a:t>Aggregating functions</a:t>
+            </a:r>
+          </a:p>
+        </p:txBody>
+      </p:sp>
+      <p:sp>
+        <p:nvSpPr>
+          <p:cNvPr id="108" name="Line 9"/>
+          <p:cNvSpPr/>
+          <p:nvPr/>
+        </p:nvSpPr>
+        <p:spPr>
+          <a:xfrm>
+            <a:off x="0" y="1536120"/>
+            <a:ext cx="12191760" cy="0"/>
+          </a:xfrm>
+          <a:prstGeom prst="line">
+            <a:avLst/>
+          </a:prstGeom>
+          <a:ln w="12600">
+            <a:solidFill>
+              <a:srgbClr val="6E78A0"/>
+            </a:solidFill>
+            <a:prstDash val="dash"/>
+            <a:round/>
+          </a:ln>
+        </p:spPr>
+        <p:style>
+          <a:lnRef idx="1">
+            <a:schemeClr val="accent1"/>
+          </a:lnRef>
+          <a:fillRef idx="0">
+            <a:schemeClr val="accent1"/>
+          </a:fillRef>
+          <a:effectRef idx="0">
+            <a:schemeClr val="accent1"/>
+          </a:effectRef>
+          <a:fontRef idx="minor"/>
+        </p:style>
+      </p:sp>
+      <p:sp>
+        <p:nvSpPr>
+          <p:cNvPr id="12" name="TextBox 11">
+            <a:extLst>
+              <a:ext uri="{FF2B5EF4-FFF2-40B4-BE49-F238E27FC236}">
+                <a16:creationId xmlns:a16="http://schemas.microsoft.com/office/drawing/2014/main" id="{79242DF4-E3E0-4B3F-9DA3-EDDD02A6E7F5}"/>
+              </a:ext>
+            </a:extLst>
+          </p:cNvPr>
+          <p:cNvSpPr txBox="1"/>
+          <p:nvPr/>
+        </p:nvSpPr>
+        <p:spPr>
+          <a:xfrm>
+            <a:off x="246600" y="1686842"/>
+            <a:ext cx="11693880" cy="2062103"/>
+          </a:xfrm>
+          <a:prstGeom prst="rect">
+            <a:avLst/>
+          </a:prstGeom>
+          <a:noFill/>
+        </p:spPr>
+        <p:txBody>
+          <a:bodyPr wrap="square">
+            <a:spAutoFit/>
+          </a:bodyPr>
+          <a:lstStyle>
+            <a:defPPr>
+              <a:defRPr lang="en-US"/>
+            </a:defPPr>
+            <a:lvl1pPr>
+              <a:defRPr spc="-1">
+                <a:solidFill>
+                  <a:srgbClr val="0070C0"/>
+                </a:solidFill>
+                <a:latin typeface="Consolas" panose="020B0609020204030204" pitchFamily="49" charset="0"/>
+                <a:cs typeface="Arial" panose="020B0604020202020204" pitchFamily="34" charset="0"/>
+              </a:defRPr>
+            </a:lvl1pPr>
+          </a:lstStyle>
+          <a:p>
+            <a:r>
+              <a:rPr lang="en-IN" dirty="0"/>
+              <a:t>sum(expression)</a:t>
+            </a:r>
+          </a:p>
+          <a:p>
+            <a:endParaRPr lang="en-IN" sz="400" dirty="0"/>
+          </a:p>
+          <a:p>
+            <a:r>
+              <a:rPr lang="en-IN" dirty="0"/>
+              <a:t>avg(expression)</a:t>
+            </a:r>
+          </a:p>
+          <a:p>
+            <a:endParaRPr lang="en-IN" sz="400" dirty="0"/>
+          </a:p>
+          <a:p>
+            <a:r>
+              <a:rPr lang="en-IN" dirty="0"/>
+              <a:t>count(*/expression)</a:t>
+            </a:r>
+          </a:p>
+          <a:p>
+            <a:endParaRPr lang="en-IN" sz="400" dirty="0"/>
+          </a:p>
+          <a:p>
+            <a:r>
+              <a:rPr lang="en-IN" dirty="0"/>
+              <a:t>max(expression)</a:t>
+            </a:r>
+          </a:p>
+          <a:p>
+            <a:endParaRPr lang="en-IN" sz="400" dirty="0"/>
+          </a:p>
+          <a:p>
+            <a:r>
+              <a:rPr lang="en-IN" dirty="0"/>
+              <a:t>min(expression)</a:t>
+            </a:r>
+          </a:p>
+          <a:p>
+            <a:endParaRPr lang="en-IN" sz="400" dirty="0"/>
+          </a:p>
+          <a:p>
+            <a:r>
+              <a:rPr lang="en-IN" dirty="0"/>
+              <a:t>collect(expression)</a:t>
+            </a:r>
+          </a:p>
+        </p:txBody>
+      </p:sp>
+      <p:sp>
+        <p:nvSpPr>
+          <p:cNvPr id="15" name="TextBox 14">
+            <a:extLst>
+              <a:ext uri="{FF2B5EF4-FFF2-40B4-BE49-F238E27FC236}">
+                <a16:creationId xmlns:a16="http://schemas.microsoft.com/office/drawing/2014/main" id="{187A7629-BDF9-4DE3-B954-5B2AC8376F52}"/>
+              </a:ext>
+            </a:extLst>
+          </p:cNvPr>
+          <p:cNvSpPr txBox="1"/>
+          <p:nvPr/>
+        </p:nvSpPr>
+        <p:spPr>
+          <a:xfrm>
+            <a:off x="243604" y="3923764"/>
             <a:ext cx="11693880" cy="369332"/>
           </a:xfrm>
           <a:prstGeom prst="rect">
@@ -11471,7 +12285,7 @@
 </p:sld>
 </file>
 
-<file path=ppt/slides/slide17.xml><?xml version="1.0" encoding="utf-8"?>
+<file path=ppt/slides/slide18.xml><?xml version="1.0" encoding="utf-8"?>
 <p:sld xmlns:a="http://schemas.openxmlformats.org/drawingml/2006/main" xmlns:r="http://schemas.openxmlformats.org/officeDocument/2006/relationships" xmlns:p="http://schemas.openxmlformats.org/presentationml/2006/main">
   <p:cSld>
     <p:spTree>
@@ -11501,7 +12315,7 @@
 </p:sld>
 </file>
 
-<file path=ppt/slides/slide18.xml><?xml version="1.0" encoding="utf-8"?>
+<file path=ppt/slides/slide19.xml><?xml version="1.0" encoding="utf-8"?>
 <p:sld xmlns:a="http://schemas.openxmlformats.org/drawingml/2006/main" xmlns:r="http://schemas.openxmlformats.org/officeDocument/2006/relationships" xmlns:p="http://schemas.openxmlformats.org/presentationml/2006/main">
   <p:cSld>
     <p:spTree>
@@ -11640,891 +12454,6 @@
         </p:spPr>
       </p:pic>
     </p:spTree>
-  </p:cSld>
-  <p:clrMapOvr>
-    <a:masterClrMapping/>
-  </p:clrMapOvr>
-</p:sld>
-</file>
-
-<file path=ppt/slides/slide19.xml><?xml version="1.0" encoding="utf-8"?>
-<p:sld xmlns:a="http://schemas.openxmlformats.org/drawingml/2006/main" xmlns:r="http://schemas.openxmlformats.org/officeDocument/2006/relationships" xmlns:p="http://schemas.openxmlformats.org/presentationml/2006/main">
-  <p:cSld>
-    <p:spTree>
-      <p:nvGrpSpPr>
-        <p:cNvPr id="1" name=""/>
-        <p:cNvGrpSpPr/>
-        <p:nvPr/>
-      </p:nvGrpSpPr>
-      <p:grpSpPr>
-        <a:xfrm>
-          <a:off x="0" y="0"/>
-          <a:ext cx="0" cy="0"/>
-          <a:chOff x="0" y="0"/>
-          <a:chExt cx="0" cy="0"/>
-        </a:xfrm>
-      </p:grpSpPr>
-      <p:sp>
-        <p:nvSpPr>
-          <p:cNvPr id="100" name="CustomShape 1"/>
-          <p:cNvSpPr/>
-          <p:nvPr/>
-        </p:nvSpPr>
-        <p:spPr>
-          <a:xfrm>
-            <a:off x="246600" y="2563200"/>
-            <a:ext cx="11693880" cy="851400"/>
-          </a:xfrm>
-          <a:prstGeom prst="rect">
-            <a:avLst/>
-          </a:prstGeom>
-          <a:noFill/>
-          <a:ln>
-            <a:noFill/>
-          </a:ln>
-        </p:spPr>
-        <p:style>
-          <a:lnRef idx="0">
-            <a:scrgbClr r="0" g="0" b="0"/>
-          </a:lnRef>
-          <a:fillRef idx="0">
-            <a:scrgbClr r="0" g="0" b="0"/>
-          </a:fillRef>
-          <a:effectRef idx="0">
-            <a:scrgbClr r="0" g="0" b="0"/>
-          </a:effectRef>
-          <a:fontRef idx="minor"/>
-        </p:style>
-        <p:txBody>
-          <a:bodyPr lIns="90000" tIns="45000" rIns="90000" bIns="45000">
-            <a:spAutoFit/>
-          </a:bodyPr>
-          <a:lstStyle/>
-          <a:p>
-            <a:pPr marL="343080" indent="-319320">
-              <a:lnSpc>
-                <a:spcPct val="100000"/>
-              </a:lnSpc>
-              <a:buClr>
-                <a:srgbClr val="000000"/>
-              </a:buClr>
-              <a:buFont typeface="Wingdings" charset="2"/>
-              <a:buChar char=""/>
-            </a:pPr>
-            <a:r>
-              <a:rPr lang="en-IN" sz="1800" b="0" strike="noStrike" spc="-1">
-                <a:solidFill>
-                  <a:srgbClr val="000000"/>
-                </a:solidFill>
-                <a:latin typeface="Consolas"/>
-                <a:ea typeface="Tahoma"/>
-              </a:rPr>
-              <a:t>C:\&gt;</a:t>
-            </a:r>
-            <a:r>
-              <a:rPr lang="en-IN" sz="1800" b="0" strike="noStrike" spc="-1">
-                <a:solidFill>
-                  <a:srgbClr val="528693"/>
-                </a:solidFill>
-                <a:latin typeface="Consolas"/>
-                <a:ea typeface="Tahoma"/>
-              </a:rPr>
-              <a:t> redis-server --redis.conf --protected-mode no   </a:t>
-            </a:r>
-            <a:r>
-              <a:rPr lang="en-IN" sz="1400" b="0" strike="noStrike" spc="-1">
-                <a:solidFill>
-                  <a:srgbClr val="92D050"/>
-                </a:solidFill>
-                <a:latin typeface="Consolas"/>
-                <a:ea typeface="Tahoma"/>
-              </a:rPr>
-              <a:t>//start server</a:t>
-            </a:r>
-            <a:endParaRPr lang="en-IN" sz="1400" b="0" strike="noStrike" spc="-1">
-              <a:latin typeface="Arial"/>
-            </a:endParaRPr>
-          </a:p>
-          <a:p>
-            <a:pPr>
-              <a:lnSpc>
-                <a:spcPct val="100000"/>
-              </a:lnSpc>
-            </a:pPr>
-            <a:endParaRPr lang="en-IN" sz="1400" b="0" strike="noStrike" spc="-1">
-              <a:latin typeface="Arial"/>
-            </a:endParaRPr>
-          </a:p>
-          <a:p>
-            <a:pPr marL="343080" indent="-319320">
-              <a:lnSpc>
-                <a:spcPct val="100000"/>
-              </a:lnSpc>
-              <a:buClr>
-                <a:srgbClr val="000000"/>
-              </a:buClr>
-              <a:buFont typeface="Wingdings" charset="2"/>
-              <a:buChar char=""/>
-            </a:pPr>
-            <a:r>
-              <a:rPr lang="en-IN" sz="1800" b="0" strike="noStrike" spc="-1">
-                <a:solidFill>
-                  <a:srgbClr val="000000"/>
-                </a:solidFill>
-                <a:latin typeface="Consolas"/>
-                <a:ea typeface="Tahoma"/>
-              </a:rPr>
-              <a:t>C:\&gt;</a:t>
-            </a:r>
-            <a:r>
-              <a:rPr lang="en-IN" sz="1800" b="0" strike="noStrike" spc="-1">
-                <a:solidFill>
-                  <a:srgbClr val="528693"/>
-                </a:solidFill>
-                <a:latin typeface="Consolas"/>
-                <a:ea typeface="Tahoma"/>
-              </a:rPr>
-              <a:t> redis-cli –h 127.0.0.1 –p6379 –n 1 </a:t>
-            </a:r>
-            <a:r>
-              <a:rPr lang="en-IN" sz="1400" b="0" strike="noStrike" spc="-1">
-                <a:solidFill>
-                  <a:srgbClr val="92D050"/>
-                </a:solidFill>
-                <a:latin typeface="Consolas"/>
-                <a:ea typeface="Tahoma"/>
-              </a:rPr>
-              <a:t>//</a:t>
-            </a:r>
-            <a:r>
-              <a:rPr lang="en-IN" sz="1400" b="0" strike="noStrike" spc="-1">
-                <a:solidFill>
-                  <a:srgbClr val="528693"/>
-                </a:solidFill>
-                <a:latin typeface="Consolas"/>
-                <a:ea typeface="Tahoma"/>
-              </a:rPr>
-              <a:t> </a:t>
-            </a:r>
-            <a:r>
-              <a:rPr lang="en-IN" sz="1400" b="0" strike="noStrike" spc="-1">
-                <a:solidFill>
-                  <a:srgbClr val="92D050"/>
-                </a:solidFill>
-                <a:latin typeface="Consolas"/>
-                <a:ea typeface="Tahoma"/>
-              </a:rPr>
-              <a:t>redis-cli is the Redis command line interface</a:t>
-            </a:r>
-            <a:endParaRPr lang="en-IN" sz="1400" b="0" strike="noStrike" spc="-1">
-              <a:latin typeface="Arial"/>
-            </a:endParaRPr>
-          </a:p>
-        </p:txBody>
-      </p:sp>
-      <p:sp>
-        <p:nvSpPr>
-          <p:cNvPr id="101" name="CustomShape 2"/>
-          <p:cNvSpPr/>
-          <p:nvPr/>
-        </p:nvSpPr>
-        <p:spPr>
-          <a:xfrm>
-            <a:off x="246600" y="1742040"/>
-            <a:ext cx="11693880" cy="394560"/>
-          </a:xfrm>
-          <a:prstGeom prst="rect">
-            <a:avLst/>
-          </a:prstGeom>
-          <a:noFill/>
-          <a:ln>
-            <a:noFill/>
-          </a:ln>
-        </p:spPr>
-        <p:style>
-          <a:lnRef idx="0">
-            <a:scrgbClr r="0" g="0" b="0"/>
-          </a:lnRef>
-          <a:fillRef idx="0">
-            <a:scrgbClr r="0" g="0" b="0"/>
-          </a:fillRef>
-          <a:effectRef idx="0">
-            <a:scrgbClr r="0" g="0" b="0"/>
-          </a:effectRef>
-          <a:fontRef idx="minor"/>
-        </p:style>
-        <p:txBody>
-          <a:bodyPr lIns="90000" tIns="45000" rIns="90000" bIns="45000">
-            <a:spAutoFit/>
-          </a:bodyPr>
-          <a:lstStyle/>
-          <a:p>
-            <a:pPr>
-              <a:lnSpc>
-                <a:spcPct val="100000"/>
-              </a:lnSpc>
-            </a:pPr>
-            <a:r>
-              <a:rPr lang="en-US" sz="2000" b="0" strike="noStrike" spc="-1">
-                <a:solidFill>
-                  <a:srgbClr val="00B0F0"/>
-                </a:solidFill>
-                <a:latin typeface="Consolas"/>
-                <a:ea typeface="DejaVu Sans"/>
-              </a:rPr>
-              <a:t> redis-cli -h host -p port –n dbIndexNumber</a:t>
-            </a:r>
-            <a:endParaRPr lang="en-IN" sz="2000" b="0" strike="noStrike" spc="-1">
-              <a:latin typeface="Arial"/>
-            </a:endParaRPr>
-          </a:p>
-        </p:txBody>
-      </p:sp>
-      <p:sp>
-        <p:nvSpPr>
-          <p:cNvPr id="102" name="CustomShape 3"/>
-          <p:cNvSpPr/>
-          <p:nvPr/>
-        </p:nvSpPr>
-        <p:spPr>
-          <a:xfrm>
-            <a:off x="246600" y="762120"/>
-            <a:ext cx="11693880" cy="363960"/>
-          </a:xfrm>
-          <a:prstGeom prst="rect">
-            <a:avLst/>
-          </a:prstGeom>
-          <a:noFill/>
-          <a:ln>
-            <a:noFill/>
-          </a:ln>
-        </p:spPr>
-        <p:style>
-          <a:lnRef idx="0">
-            <a:scrgbClr r="0" g="0" b="0"/>
-          </a:lnRef>
-          <a:fillRef idx="0">
-            <a:scrgbClr r="0" g="0" b="0"/>
-          </a:fillRef>
-          <a:effectRef idx="0">
-            <a:scrgbClr r="0" g="0" b="0"/>
-          </a:effectRef>
-          <a:fontRef idx="minor"/>
-        </p:style>
-        <p:txBody>
-          <a:bodyPr lIns="90000" tIns="45000" rIns="90000" bIns="45000">
-            <a:spAutoFit/>
-          </a:bodyPr>
-          <a:lstStyle/>
-          <a:p>
-            <a:pPr algn="just">
-              <a:lnSpc>
-                <a:spcPct val="100000"/>
-              </a:lnSpc>
-            </a:pPr>
-            <a:r>
-              <a:rPr lang="en-US" sz="1800" b="0" strike="noStrike" spc="-1">
-                <a:solidFill>
-                  <a:srgbClr val="000000"/>
-                </a:solidFill>
-                <a:latin typeface="Arial"/>
-                <a:ea typeface="DejaVu Sans"/>
-              </a:rPr>
-              <a:t>To run commands on Redis remote server, you need to connect to the server by the same client </a:t>
-            </a:r>
-            <a:r>
-              <a:rPr lang="en-US" sz="1800" b="1" strike="noStrike" spc="-1">
-                <a:solidFill>
-                  <a:srgbClr val="000000"/>
-                </a:solidFill>
-                <a:latin typeface="Arial"/>
-                <a:ea typeface="DejaVu Sans"/>
-              </a:rPr>
-              <a:t>redis-cli</a:t>
-            </a:r>
-            <a:endParaRPr lang="en-IN" sz="1800" b="0" strike="noStrike" spc="-1">
-              <a:latin typeface="Arial"/>
-            </a:endParaRPr>
-          </a:p>
-        </p:txBody>
-      </p:sp>
-      <p:sp>
-        <p:nvSpPr>
-          <p:cNvPr id="103" name="CustomShape 4"/>
-          <p:cNvSpPr/>
-          <p:nvPr/>
-        </p:nvSpPr>
-        <p:spPr>
-          <a:xfrm>
-            <a:off x="246600" y="4239720"/>
-            <a:ext cx="11693880" cy="1994040"/>
-          </a:xfrm>
-          <a:prstGeom prst="rect">
-            <a:avLst/>
-          </a:prstGeom>
-          <a:noFill/>
-          <a:ln>
-            <a:noFill/>
-          </a:ln>
-        </p:spPr>
-        <p:style>
-          <a:lnRef idx="0">
-            <a:scrgbClr r="0" g="0" b="0"/>
-          </a:lnRef>
-          <a:fillRef idx="0">
-            <a:scrgbClr r="0" g="0" b="0"/>
-          </a:fillRef>
-          <a:effectRef idx="0">
-            <a:scrgbClr r="0" g="0" b="0"/>
-          </a:effectRef>
-          <a:fontRef idx="minor"/>
-        </p:style>
-        <p:txBody>
-          <a:bodyPr lIns="90000" tIns="45000" rIns="90000" bIns="45000">
-            <a:spAutoFit/>
-          </a:bodyPr>
-          <a:lstStyle/>
-          <a:p>
-            <a:pPr>
-              <a:lnSpc>
-                <a:spcPct val="100000"/>
-              </a:lnSpc>
-            </a:pPr>
-            <a:r>
-              <a:rPr lang="en-IN" sz="2000" b="1" strike="noStrike" spc="-1" dirty="0">
-                <a:solidFill>
-                  <a:srgbClr val="C00000"/>
-                </a:solidFill>
-                <a:latin typeface="Open Sans"/>
-                <a:ea typeface="Open Sans"/>
-              </a:rPr>
-              <a:t>Note:</a:t>
-            </a:r>
-            <a:endParaRPr lang="en-IN" sz="2000" b="0" strike="noStrike" spc="-1" dirty="0">
-              <a:latin typeface="Arial"/>
-            </a:endParaRPr>
-          </a:p>
-          <a:p>
-            <a:pPr>
-              <a:lnSpc>
-                <a:spcPct val="100000"/>
-              </a:lnSpc>
-            </a:pPr>
-            <a:r>
-              <a:rPr lang="en-IN" sz="800" b="0" strike="noStrike" spc="-1" dirty="0">
-                <a:solidFill>
-                  <a:srgbClr val="000000"/>
-                </a:solidFill>
-                <a:latin typeface="Arial"/>
-                <a:ea typeface="DejaVu Sans"/>
-              </a:rPr>
-              <a:t> </a:t>
-            </a:r>
-            <a:endParaRPr lang="en-IN" sz="800" b="0" strike="noStrike" spc="-1" dirty="0">
-              <a:latin typeface="Arial"/>
-            </a:endParaRPr>
-          </a:p>
-          <a:p>
-            <a:pPr marL="285840" indent="-262080">
-              <a:lnSpc>
-                <a:spcPct val="100000"/>
-              </a:lnSpc>
-              <a:buClr>
-                <a:srgbClr val="000000"/>
-              </a:buClr>
-              <a:buFont typeface="Arial"/>
-              <a:buChar char="•"/>
-            </a:pPr>
-            <a:r>
-              <a:rPr lang="en-IN" sz="1800" b="0" strike="noStrike" spc="-1" dirty="0">
-                <a:solidFill>
-                  <a:srgbClr val="000000"/>
-                </a:solidFill>
-                <a:latin typeface="Open Sans"/>
-                <a:ea typeface="Open Sans"/>
-              </a:rPr>
-              <a:t>By default</a:t>
-            </a:r>
-            <a:r>
-              <a:rPr lang="en-IN" sz="1800" b="1" strike="noStrike" spc="-1" dirty="0">
-                <a:solidFill>
-                  <a:srgbClr val="000000"/>
-                </a:solidFill>
-                <a:latin typeface="Open Sans"/>
-                <a:ea typeface="Open Sans"/>
-              </a:rPr>
-              <a:t> </a:t>
-            </a:r>
-            <a:r>
-              <a:rPr lang="en-IN" sz="1800" b="0" strike="noStrike" spc="-1" dirty="0">
-                <a:solidFill>
-                  <a:srgbClr val="000000"/>
-                </a:solidFill>
-                <a:latin typeface="Open Sans"/>
-                <a:ea typeface="Open Sans"/>
-              </a:rPr>
-              <a:t>redis-cli connects to the server at 127.0.0.1 port 6379</a:t>
-            </a:r>
-            <a:endParaRPr lang="en-IN" sz="1800" b="0" strike="noStrike" spc="-1" dirty="0">
-              <a:latin typeface="Arial"/>
-            </a:endParaRPr>
-          </a:p>
-          <a:p>
-            <a:pPr marL="285840" indent="-262080">
-              <a:lnSpc>
-                <a:spcPct val="100000"/>
-              </a:lnSpc>
-              <a:buClr>
-                <a:srgbClr val="000000"/>
-              </a:buClr>
-              <a:buFont typeface="Arial"/>
-              <a:buChar char="•"/>
-            </a:pPr>
-            <a:r>
-              <a:rPr lang="en-IN" sz="1800" b="0" strike="noStrike" spc="-1" dirty="0">
-                <a:solidFill>
-                  <a:srgbClr val="000000"/>
-                </a:solidFill>
-                <a:latin typeface="Open Sans"/>
-                <a:ea typeface="Open Sans"/>
-              </a:rPr>
-              <a:t>It's possible to run the same command multiple times by prefixing the command name by a number.</a:t>
-            </a:r>
-            <a:endParaRPr lang="en-IN" sz="1800" b="0" strike="noStrike" spc="-1" dirty="0">
-              <a:latin typeface="Arial"/>
-            </a:endParaRPr>
-          </a:p>
-          <a:p>
-            <a:pPr>
-              <a:lnSpc>
-                <a:spcPct val="100000"/>
-              </a:lnSpc>
-            </a:pPr>
-            <a:r>
-              <a:rPr lang="en-IN" sz="1600" b="0" strike="noStrike" spc="-1" dirty="0">
-                <a:solidFill>
-                  <a:srgbClr val="E53935"/>
-                </a:solidFill>
-                <a:latin typeface="Open Sans"/>
-                <a:ea typeface="Open Sans"/>
-              </a:rPr>
-              <a:t>e.g.</a:t>
-            </a:r>
-            <a:endParaRPr lang="en-IN" sz="1600" b="0" strike="noStrike" spc="-1" dirty="0">
-              <a:latin typeface="Arial"/>
-            </a:endParaRPr>
-          </a:p>
-          <a:p>
-            <a:pPr marL="285840" indent="-262080">
-              <a:lnSpc>
-                <a:spcPct val="150000"/>
-              </a:lnSpc>
-              <a:buClr>
-                <a:srgbClr val="000000"/>
-              </a:buClr>
-              <a:buFont typeface="Arial"/>
-              <a:buChar char="•"/>
-            </a:pPr>
-            <a:r>
-              <a:rPr lang="en-IN" sz="1800" b="0" strike="noStrike" spc="-1" dirty="0">
-                <a:solidFill>
-                  <a:srgbClr val="808080"/>
-                </a:solidFill>
-                <a:latin typeface="Consolas"/>
-                <a:ea typeface="SimSun"/>
-              </a:rPr>
-              <a:t>127.0.0.1:6379&gt; </a:t>
-            </a:r>
-            <a:r>
-              <a:rPr lang="en-IN" sz="1800" b="0" strike="noStrike" spc="-1" dirty="0">
-                <a:solidFill>
-                  <a:srgbClr val="FF5733"/>
-                </a:solidFill>
-                <a:latin typeface="Consolas"/>
-                <a:ea typeface="SimSun"/>
-              </a:rPr>
-              <a:t>5</a:t>
-            </a:r>
-            <a:r>
-              <a:rPr lang="en-IN" sz="1800" b="0" strike="noStrike" spc="-1" dirty="0">
-                <a:solidFill>
-                  <a:srgbClr val="000000"/>
-                </a:solidFill>
-                <a:latin typeface="Consolas"/>
-                <a:ea typeface="SimSun"/>
-              </a:rPr>
-              <a:t> </a:t>
-            </a:r>
-            <a:r>
-              <a:rPr lang="en-IN" sz="1800" b="0" strike="noStrike" spc="-1" dirty="0">
-                <a:solidFill>
-                  <a:srgbClr val="FF5733"/>
-                </a:solidFill>
-                <a:latin typeface="Consolas"/>
-                <a:ea typeface="SimSun"/>
-              </a:rPr>
-              <a:t>keys *</a:t>
-            </a:r>
-            <a:endParaRPr lang="en-IN" sz="1800" b="0" strike="noStrike" spc="-1" dirty="0">
-              <a:latin typeface="Arial"/>
-            </a:endParaRPr>
-          </a:p>
-        </p:txBody>
-      </p:sp>
-      <p:sp>
-        <p:nvSpPr>
-          <p:cNvPr id="104" name="CustomShape 5"/>
-          <p:cNvSpPr/>
-          <p:nvPr/>
-        </p:nvSpPr>
-        <p:spPr>
-          <a:xfrm>
-            <a:off x="246600" y="3678480"/>
-            <a:ext cx="8688600" cy="332640"/>
-          </a:xfrm>
-          <a:prstGeom prst="rect">
-            <a:avLst/>
-          </a:prstGeom>
-          <a:noFill/>
-          <a:ln>
-            <a:noFill/>
-          </a:ln>
-        </p:spPr>
-        <p:style>
-          <a:lnRef idx="0">
-            <a:scrgbClr r="0" g="0" b="0"/>
-          </a:lnRef>
-          <a:fillRef idx="0">
-            <a:scrgbClr r="0" g="0" b="0"/>
-          </a:fillRef>
-          <a:effectRef idx="0">
-            <a:scrgbClr r="0" g="0" b="0"/>
-          </a:effectRef>
-          <a:fontRef idx="minor"/>
-        </p:style>
-        <p:txBody>
-          <a:bodyPr lIns="90000" tIns="45000" rIns="90000" bIns="45000">
-            <a:noAutofit/>
-          </a:bodyPr>
-          <a:lstStyle/>
-          <a:p>
-            <a:pPr>
-              <a:lnSpc>
-                <a:spcPct val="100000"/>
-              </a:lnSpc>
-            </a:pPr>
-            <a:r>
-              <a:rPr lang="en-IN" sz="1800" b="0" strike="noStrike" spc="-1">
-                <a:solidFill>
-                  <a:srgbClr val="808080"/>
-                </a:solidFill>
-                <a:latin typeface="Consolas"/>
-                <a:ea typeface="SimSun"/>
-              </a:rPr>
-              <a:t>127.0.0.1:6379&gt;</a:t>
-            </a:r>
-            <a:r>
-              <a:rPr lang="en-IN" sz="1800" b="0" strike="noStrike" spc="-1">
-                <a:solidFill>
-                  <a:srgbClr val="000000"/>
-                </a:solidFill>
-                <a:latin typeface="Consolas"/>
-                <a:ea typeface="SimSun"/>
-              </a:rPr>
-              <a:t> </a:t>
-            </a:r>
-            <a:r>
-              <a:rPr lang="en-IN" sz="1800" b="0" strike="noStrike" spc="-1">
-                <a:solidFill>
-                  <a:srgbClr val="FF5733"/>
-                </a:solidFill>
-                <a:latin typeface="Consolas"/>
-                <a:ea typeface="SimSun"/>
-              </a:rPr>
-              <a:t>clear</a:t>
-            </a:r>
-            <a:endParaRPr lang="en-IN" sz="1800" b="0" strike="noStrike" spc="-1">
-              <a:latin typeface="Arial"/>
-            </a:endParaRPr>
-          </a:p>
-        </p:txBody>
-      </p:sp>
-      <p:sp>
-        <p:nvSpPr>
-          <p:cNvPr id="105" name="CustomShape 6"/>
-          <p:cNvSpPr/>
-          <p:nvPr/>
-        </p:nvSpPr>
-        <p:spPr>
-          <a:xfrm>
-            <a:off x="246600" y="0"/>
-            <a:ext cx="11693880" cy="706432"/>
-          </a:xfrm>
-          <a:prstGeom prst="rect">
-            <a:avLst/>
-          </a:prstGeom>
-          <a:solidFill>
-            <a:srgbClr val="5E4C34"/>
-          </a:solidFill>
-          <a:ln>
-            <a:noFill/>
-          </a:ln>
-        </p:spPr>
-        <p:style>
-          <a:lnRef idx="0">
-            <a:scrgbClr r="0" g="0" b="0"/>
-          </a:lnRef>
-          <a:fillRef idx="0">
-            <a:scrgbClr r="0" g="0" b="0"/>
-          </a:fillRef>
-          <a:effectRef idx="0">
-            <a:scrgbClr r="0" g="0" b="0"/>
-          </a:effectRef>
-          <a:fontRef idx="minor"/>
-        </p:style>
-        <p:txBody>
-          <a:bodyPr lIns="90000" tIns="45000" rIns="90000" bIns="45000">
-            <a:spAutoFit/>
-          </a:bodyPr>
-          <a:lstStyle/>
-          <a:p>
-            <a:pPr algn="ctr">
-              <a:lnSpc>
-                <a:spcPct val="100000"/>
-              </a:lnSpc>
-            </a:pPr>
-            <a:r>
-              <a:rPr lang="en-IN" sz="4000" b="0" strike="noStrike" spc="-1" dirty="0">
-                <a:solidFill>
-                  <a:schemeClr val="accent6">
-                    <a:lumMod val="60000"/>
-                    <a:lumOff val="40000"/>
-                  </a:schemeClr>
-                </a:solidFill>
-                <a:latin typeface="Open Sans"/>
-                <a:ea typeface="DejaVu Sans"/>
-              </a:rPr>
-              <a:t>Getting Started</a:t>
-            </a:r>
-            <a:endParaRPr lang="en-IN" sz="4000" b="0" strike="noStrike" spc="-1" dirty="0">
-              <a:solidFill>
-                <a:schemeClr val="accent6">
-                  <a:lumMod val="60000"/>
-                  <a:lumOff val="40000"/>
-                </a:schemeClr>
-              </a:solidFill>
-              <a:latin typeface="Arial"/>
-            </a:endParaRPr>
-          </a:p>
-        </p:txBody>
-      </p:sp>
-      <p:sp>
-        <p:nvSpPr>
-          <p:cNvPr id="106" name="CustomShape 7"/>
-          <p:cNvSpPr/>
-          <p:nvPr/>
-        </p:nvSpPr>
-        <p:spPr>
-          <a:xfrm>
-            <a:off x="246600" y="6212880"/>
-            <a:ext cx="11227320" cy="476640"/>
-          </a:xfrm>
-          <a:prstGeom prst="rect">
-            <a:avLst/>
-          </a:prstGeom>
-          <a:noFill/>
-          <a:ln>
-            <a:noFill/>
-          </a:ln>
-        </p:spPr>
-        <p:style>
-          <a:lnRef idx="0">
-            <a:scrgbClr r="0" g="0" b="0"/>
-          </a:lnRef>
-          <a:fillRef idx="0">
-            <a:scrgbClr r="0" g="0" b="0"/>
-          </a:fillRef>
-          <a:effectRef idx="0">
-            <a:scrgbClr r="0" g="0" b="0"/>
-          </a:effectRef>
-          <a:fontRef idx="minor"/>
-        </p:style>
-        <p:txBody>
-          <a:bodyPr lIns="90000" tIns="45000" rIns="90000" bIns="45000">
-            <a:noAutofit/>
-          </a:bodyPr>
-          <a:lstStyle/>
-          <a:p>
-            <a:pPr>
-              <a:lnSpc>
-                <a:spcPct val="150000"/>
-              </a:lnSpc>
-            </a:pPr>
-            <a:r>
-              <a:rPr lang="en-IN" sz="1800" b="0" strike="noStrike" spc="-1" dirty="0">
-                <a:solidFill>
-                  <a:srgbClr val="757575"/>
-                </a:solidFill>
-                <a:latin typeface="Arial"/>
-                <a:ea typeface="DejaVu Sans"/>
-              </a:rPr>
-              <a:t>saleel@saleel-Latitude-E6430:~$ </a:t>
-            </a:r>
-            <a:r>
-              <a:rPr lang="en-IN" sz="1800" b="0" strike="noStrike" spc="-1" dirty="0">
-                <a:solidFill>
-                  <a:srgbClr val="FF5733"/>
-                </a:solidFill>
-                <a:latin typeface="Consolas"/>
-                <a:ea typeface="SimSun"/>
-              </a:rPr>
-              <a:t>redis-cli -h 127.0.0.1 -p 6379 -n 5 </a:t>
-            </a:r>
-            <a:r>
-              <a:rPr lang="en-IN" sz="2400" b="0" strike="noStrike" spc="-1" dirty="0">
-                <a:solidFill>
-                  <a:srgbClr val="FF5733"/>
-                </a:solidFill>
-                <a:latin typeface="Consolas"/>
-                <a:ea typeface="SimSun"/>
-              </a:rPr>
-              <a:t>-r</a:t>
-            </a:r>
-            <a:r>
-              <a:rPr lang="en-IN" sz="1800" b="0" strike="noStrike" spc="-1" dirty="0">
-                <a:solidFill>
-                  <a:srgbClr val="FF5733"/>
-                </a:solidFill>
-                <a:latin typeface="Consolas"/>
-                <a:ea typeface="SimSun"/>
-              </a:rPr>
-              <a:t> 10 incr cnt</a:t>
-            </a:r>
-            <a:endParaRPr lang="en-IN" sz="1800" b="0" strike="noStrike" spc="-1" dirty="0">
-              <a:latin typeface="Arial"/>
-            </a:endParaRPr>
-          </a:p>
-        </p:txBody>
-      </p:sp>
-      <p:sp>
-        <p:nvSpPr>
-          <p:cNvPr id="107" name="CustomShape 8"/>
-          <p:cNvSpPr/>
-          <p:nvPr/>
-        </p:nvSpPr>
-        <p:spPr>
-          <a:xfrm>
-            <a:off x="6357240" y="5906160"/>
-            <a:ext cx="6236280" cy="368640"/>
-          </a:xfrm>
-          <a:prstGeom prst="rect">
-            <a:avLst/>
-          </a:prstGeom>
-          <a:noFill/>
-          <a:ln>
-            <a:noFill/>
-          </a:ln>
-        </p:spPr>
-        <p:style>
-          <a:lnRef idx="0">
-            <a:scrgbClr r="0" g="0" b="0"/>
-          </a:lnRef>
-          <a:fillRef idx="0">
-            <a:scrgbClr r="0" g="0" b="0"/>
-          </a:fillRef>
-          <a:effectRef idx="0">
-            <a:scrgbClr r="0" g="0" b="0"/>
-          </a:effectRef>
-          <a:fontRef idx="minor"/>
-        </p:style>
-        <p:txBody>
-          <a:bodyPr lIns="90000" tIns="45000" rIns="90000" bIns="45000">
-            <a:noAutofit/>
-          </a:bodyPr>
-          <a:lstStyle/>
-          <a:p>
-            <a:pPr>
-              <a:lnSpc>
-                <a:spcPct val="100000"/>
-              </a:lnSpc>
-            </a:pPr>
-            <a:r>
-              <a:rPr lang="en-IN" sz="1800" b="1" i="1" strike="noStrike" spc="-1">
-                <a:solidFill>
-                  <a:srgbClr val="000000"/>
-                </a:solidFill>
-                <a:latin typeface="Arial"/>
-                <a:ea typeface="DejaVu Sans"/>
-              </a:rPr>
-              <a:t>-r</a:t>
-            </a:r>
-            <a:r>
-              <a:rPr lang="en-IN" sz="1800" b="1" strike="noStrike" spc="-1">
-                <a:solidFill>
-                  <a:srgbClr val="000000"/>
-                </a:solidFill>
-                <a:latin typeface="Arial"/>
-                <a:ea typeface="DejaVu Sans"/>
-              </a:rPr>
-              <a:t> &lt;count&gt;</a:t>
-            </a:r>
-            <a:r>
-              <a:rPr lang="en-IN" sz="1800" b="0" strike="noStrike" spc="-1">
-                <a:solidFill>
-                  <a:srgbClr val="000000"/>
-                </a:solidFill>
-                <a:latin typeface="Arial"/>
-                <a:ea typeface="DejaVu Sans"/>
-              </a:rPr>
-              <a:t>, means how many times to run a command.</a:t>
-            </a:r>
-            <a:endParaRPr lang="en-IN" sz="1800" b="0" strike="noStrike" spc="-1">
-              <a:latin typeface="Arial"/>
-            </a:endParaRPr>
-          </a:p>
-        </p:txBody>
-      </p:sp>
-      <p:sp>
-        <p:nvSpPr>
-          <p:cNvPr id="108" name="Line 9"/>
-          <p:cNvSpPr/>
-          <p:nvPr/>
-        </p:nvSpPr>
-        <p:spPr>
-          <a:xfrm>
-            <a:off x="0" y="1536120"/>
-            <a:ext cx="12191760" cy="0"/>
-          </a:xfrm>
-          <a:prstGeom prst="line">
-            <a:avLst/>
-          </a:prstGeom>
-          <a:ln w="12600">
-            <a:solidFill>
-              <a:srgbClr val="6E78A0"/>
-            </a:solidFill>
-            <a:prstDash val="dash"/>
-            <a:round/>
-          </a:ln>
-        </p:spPr>
-        <p:style>
-          <a:lnRef idx="1">
-            <a:schemeClr val="accent1"/>
-          </a:lnRef>
-          <a:fillRef idx="0">
-            <a:schemeClr val="accent1"/>
-          </a:fillRef>
-          <a:effectRef idx="0">
-            <a:schemeClr val="accent1"/>
-          </a:effectRef>
-          <a:fontRef idx="minor"/>
-        </p:style>
-      </p:sp>
-    </p:spTree>
-    <p:extLst>
-      <p:ext uri="{BB962C8B-B14F-4D97-AF65-F5344CB8AC3E}">
-        <p14:creationId xmlns:p14="http://schemas.microsoft.com/office/powerpoint/2010/main" val="2530738110"/>
-      </p:ext>
-    </p:extLst>
   </p:cSld>
   <p:clrMapOvr>
     <a:masterClrMapping/>
@@ -12668,6 +12597,891 @@
         </p:txBody>
       </p:sp>
     </p:spTree>
+  </p:cSld>
+  <p:clrMapOvr>
+    <a:masterClrMapping/>
+  </p:clrMapOvr>
+</p:sld>
+</file>
+
+<file path=ppt/slides/slide20.xml><?xml version="1.0" encoding="utf-8"?>
+<p:sld xmlns:a="http://schemas.openxmlformats.org/drawingml/2006/main" xmlns:r="http://schemas.openxmlformats.org/officeDocument/2006/relationships" xmlns:p="http://schemas.openxmlformats.org/presentationml/2006/main">
+  <p:cSld>
+    <p:spTree>
+      <p:nvGrpSpPr>
+        <p:cNvPr id="1" name=""/>
+        <p:cNvGrpSpPr/>
+        <p:nvPr/>
+      </p:nvGrpSpPr>
+      <p:grpSpPr>
+        <a:xfrm>
+          <a:off x="0" y="0"/>
+          <a:ext cx="0" cy="0"/>
+          <a:chOff x="0" y="0"/>
+          <a:chExt cx="0" cy="0"/>
+        </a:xfrm>
+      </p:grpSpPr>
+      <p:sp>
+        <p:nvSpPr>
+          <p:cNvPr id="100" name="CustomShape 1"/>
+          <p:cNvSpPr/>
+          <p:nvPr/>
+        </p:nvSpPr>
+        <p:spPr>
+          <a:xfrm>
+            <a:off x="246600" y="2563200"/>
+            <a:ext cx="11693880" cy="851400"/>
+          </a:xfrm>
+          <a:prstGeom prst="rect">
+            <a:avLst/>
+          </a:prstGeom>
+          <a:noFill/>
+          <a:ln>
+            <a:noFill/>
+          </a:ln>
+        </p:spPr>
+        <p:style>
+          <a:lnRef idx="0">
+            <a:scrgbClr r="0" g="0" b="0"/>
+          </a:lnRef>
+          <a:fillRef idx="0">
+            <a:scrgbClr r="0" g="0" b="0"/>
+          </a:fillRef>
+          <a:effectRef idx="0">
+            <a:scrgbClr r="0" g="0" b="0"/>
+          </a:effectRef>
+          <a:fontRef idx="minor"/>
+        </p:style>
+        <p:txBody>
+          <a:bodyPr lIns="90000" tIns="45000" rIns="90000" bIns="45000">
+            <a:spAutoFit/>
+          </a:bodyPr>
+          <a:lstStyle/>
+          <a:p>
+            <a:pPr marL="343080" indent="-319320">
+              <a:lnSpc>
+                <a:spcPct val="100000"/>
+              </a:lnSpc>
+              <a:buClr>
+                <a:srgbClr val="000000"/>
+              </a:buClr>
+              <a:buFont typeface="Wingdings" charset="2"/>
+              <a:buChar char=""/>
+            </a:pPr>
+            <a:r>
+              <a:rPr lang="en-IN" sz="1800" b="0" strike="noStrike" spc="-1">
+                <a:solidFill>
+                  <a:srgbClr val="000000"/>
+                </a:solidFill>
+                <a:latin typeface="Consolas"/>
+                <a:ea typeface="Tahoma"/>
+              </a:rPr>
+              <a:t>C:\&gt;</a:t>
+            </a:r>
+            <a:r>
+              <a:rPr lang="en-IN" sz="1800" b="0" strike="noStrike" spc="-1">
+                <a:solidFill>
+                  <a:srgbClr val="528693"/>
+                </a:solidFill>
+                <a:latin typeface="Consolas"/>
+                <a:ea typeface="Tahoma"/>
+              </a:rPr>
+              <a:t> redis-server --redis.conf --protected-mode no   </a:t>
+            </a:r>
+            <a:r>
+              <a:rPr lang="en-IN" sz="1400" b="0" strike="noStrike" spc="-1">
+                <a:solidFill>
+                  <a:srgbClr val="92D050"/>
+                </a:solidFill>
+                <a:latin typeface="Consolas"/>
+                <a:ea typeface="Tahoma"/>
+              </a:rPr>
+              <a:t>//start server</a:t>
+            </a:r>
+            <a:endParaRPr lang="en-IN" sz="1400" b="0" strike="noStrike" spc="-1">
+              <a:latin typeface="Arial"/>
+            </a:endParaRPr>
+          </a:p>
+          <a:p>
+            <a:pPr>
+              <a:lnSpc>
+                <a:spcPct val="100000"/>
+              </a:lnSpc>
+            </a:pPr>
+            <a:endParaRPr lang="en-IN" sz="1400" b="0" strike="noStrike" spc="-1">
+              <a:latin typeface="Arial"/>
+            </a:endParaRPr>
+          </a:p>
+          <a:p>
+            <a:pPr marL="343080" indent="-319320">
+              <a:lnSpc>
+                <a:spcPct val="100000"/>
+              </a:lnSpc>
+              <a:buClr>
+                <a:srgbClr val="000000"/>
+              </a:buClr>
+              <a:buFont typeface="Wingdings" charset="2"/>
+              <a:buChar char=""/>
+            </a:pPr>
+            <a:r>
+              <a:rPr lang="en-IN" sz="1800" b="0" strike="noStrike" spc="-1">
+                <a:solidFill>
+                  <a:srgbClr val="000000"/>
+                </a:solidFill>
+                <a:latin typeface="Consolas"/>
+                <a:ea typeface="Tahoma"/>
+              </a:rPr>
+              <a:t>C:\&gt;</a:t>
+            </a:r>
+            <a:r>
+              <a:rPr lang="en-IN" sz="1800" b="0" strike="noStrike" spc="-1">
+                <a:solidFill>
+                  <a:srgbClr val="528693"/>
+                </a:solidFill>
+                <a:latin typeface="Consolas"/>
+                <a:ea typeface="Tahoma"/>
+              </a:rPr>
+              <a:t> redis-cli –h 127.0.0.1 –p6379 –n 1 </a:t>
+            </a:r>
+            <a:r>
+              <a:rPr lang="en-IN" sz="1400" b="0" strike="noStrike" spc="-1">
+                <a:solidFill>
+                  <a:srgbClr val="92D050"/>
+                </a:solidFill>
+                <a:latin typeface="Consolas"/>
+                <a:ea typeface="Tahoma"/>
+              </a:rPr>
+              <a:t>//</a:t>
+            </a:r>
+            <a:r>
+              <a:rPr lang="en-IN" sz="1400" b="0" strike="noStrike" spc="-1">
+                <a:solidFill>
+                  <a:srgbClr val="528693"/>
+                </a:solidFill>
+                <a:latin typeface="Consolas"/>
+                <a:ea typeface="Tahoma"/>
+              </a:rPr>
+              <a:t> </a:t>
+            </a:r>
+            <a:r>
+              <a:rPr lang="en-IN" sz="1400" b="0" strike="noStrike" spc="-1">
+                <a:solidFill>
+                  <a:srgbClr val="92D050"/>
+                </a:solidFill>
+                <a:latin typeface="Consolas"/>
+                <a:ea typeface="Tahoma"/>
+              </a:rPr>
+              <a:t>redis-cli is the Redis command line interface</a:t>
+            </a:r>
+            <a:endParaRPr lang="en-IN" sz="1400" b="0" strike="noStrike" spc="-1">
+              <a:latin typeface="Arial"/>
+            </a:endParaRPr>
+          </a:p>
+        </p:txBody>
+      </p:sp>
+      <p:sp>
+        <p:nvSpPr>
+          <p:cNvPr id="101" name="CustomShape 2"/>
+          <p:cNvSpPr/>
+          <p:nvPr/>
+        </p:nvSpPr>
+        <p:spPr>
+          <a:xfrm>
+            <a:off x="246600" y="1742040"/>
+            <a:ext cx="11693880" cy="394560"/>
+          </a:xfrm>
+          <a:prstGeom prst="rect">
+            <a:avLst/>
+          </a:prstGeom>
+          <a:noFill/>
+          <a:ln>
+            <a:noFill/>
+          </a:ln>
+        </p:spPr>
+        <p:style>
+          <a:lnRef idx="0">
+            <a:scrgbClr r="0" g="0" b="0"/>
+          </a:lnRef>
+          <a:fillRef idx="0">
+            <a:scrgbClr r="0" g="0" b="0"/>
+          </a:fillRef>
+          <a:effectRef idx="0">
+            <a:scrgbClr r="0" g="0" b="0"/>
+          </a:effectRef>
+          <a:fontRef idx="minor"/>
+        </p:style>
+        <p:txBody>
+          <a:bodyPr lIns="90000" tIns="45000" rIns="90000" bIns="45000">
+            <a:spAutoFit/>
+          </a:bodyPr>
+          <a:lstStyle/>
+          <a:p>
+            <a:pPr>
+              <a:lnSpc>
+                <a:spcPct val="100000"/>
+              </a:lnSpc>
+            </a:pPr>
+            <a:r>
+              <a:rPr lang="en-US" sz="2000" b="0" strike="noStrike" spc="-1">
+                <a:solidFill>
+                  <a:srgbClr val="00B0F0"/>
+                </a:solidFill>
+                <a:latin typeface="Consolas"/>
+                <a:ea typeface="DejaVu Sans"/>
+              </a:rPr>
+              <a:t> redis-cli -h host -p port –n dbIndexNumber</a:t>
+            </a:r>
+            <a:endParaRPr lang="en-IN" sz="2000" b="0" strike="noStrike" spc="-1">
+              <a:latin typeface="Arial"/>
+            </a:endParaRPr>
+          </a:p>
+        </p:txBody>
+      </p:sp>
+      <p:sp>
+        <p:nvSpPr>
+          <p:cNvPr id="102" name="CustomShape 3"/>
+          <p:cNvSpPr/>
+          <p:nvPr/>
+        </p:nvSpPr>
+        <p:spPr>
+          <a:xfrm>
+            <a:off x="246600" y="762120"/>
+            <a:ext cx="11693880" cy="363960"/>
+          </a:xfrm>
+          <a:prstGeom prst="rect">
+            <a:avLst/>
+          </a:prstGeom>
+          <a:noFill/>
+          <a:ln>
+            <a:noFill/>
+          </a:ln>
+        </p:spPr>
+        <p:style>
+          <a:lnRef idx="0">
+            <a:scrgbClr r="0" g="0" b="0"/>
+          </a:lnRef>
+          <a:fillRef idx="0">
+            <a:scrgbClr r="0" g="0" b="0"/>
+          </a:fillRef>
+          <a:effectRef idx="0">
+            <a:scrgbClr r="0" g="0" b="0"/>
+          </a:effectRef>
+          <a:fontRef idx="minor"/>
+        </p:style>
+        <p:txBody>
+          <a:bodyPr lIns="90000" tIns="45000" rIns="90000" bIns="45000">
+            <a:spAutoFit/>
+          </a:bodyPr>
+          <a:lstStyle/>
+          <a:p>
+            <a:pPr algn="just">
+              <a:lnSpc>
+                <a:spcPct val="100000"/>
+              </a:lnSpc>
+            </a:pPr>
+            <a:r>
+              <a:rPr lang="en-US" sz="1800" b="0" strike="noStrike" spc="-1">
+                <a:solidFill>
+                  <a:srgbClr val="000000"/>
+                </a:solidFill>
+                <a:latin typeface="Arial"/>
+                <a:ea typeface="DejaVu Sans"/>
+              </a:rPr>
+              <a:t>To run commands on Redis remote server, you need to connect to the server by the same client </a:t>
+            </a:r>
+            <a:r>
+              <a:rPr lang="en-US" sz="1800" b="1" strike="noStrike" spc="-1">
+                <a:solidFill>
+                  <a:srgbClr val="000000"/>
+                </a:solidFill>
+                <a:latin typeface="Arial"/>
+                <a:ea typeface="DejaVu Sans"/>
+              </a:rPr>
+              <a:t>redis-cli</a:t>
+            </a:r>
+            <a:endParaRPr lang="en-IN" sz="1800" b="0" strike="noStrike" spc="-1">
+              <a:latin typeface="Arial"/>
+            </a:endParaRPr>
+          </a:p>
+        </p:txBody>
+      </p:sp>
+      <p:sp>
+        <p:nvSpPr>
+          <p:cNvPr id="103" name="CustomShape 4"/>
+          <p:cNvSpPr/>
+          <p:nvPr/>
+        </p:nvSpPr>
+        <p:spPr>
+          <a:xfrm>
+            <a:off x="246600" y="4239720"/>
+            <a:ext cx="11693880" cy="1994040"/>
+          </a:xfrm>
+          <a:prstGeom prst="rect">
+            <a:avLst/>
+          </a:prstGeom>
+          <a:noFill/>
+          <a:ln>
+            <a:noFill/>
+          </a:ln>
+        </p:spPr>
+        <p:style>
+          <a:lnRef idx="0">
+            <a:scrgbClr r="0" g="0" b="0"/>
+          </a:lnRef>
+          <a:fillRef idx="0">
+            <a:scrgbClr r="0" g="0" b="0"/>
+          </a:fillRef>
+          <a:effectRef idx="0">
+            <a:scrgbClr r="0" g="0" b="0"/>
+          </a:effectRef>
+          <a:fontRef idx="minor"/>
+        </p:style>
+        <p:txBody>
+          <a:bodyPr lIns="90000" tIns="45000" rIns="90000" bIns="45000">
+            <a:spAutoFit/>
+          </a:bodyPr>
+          <a:lstStyle/>
+          <a:p>
+            <a:pPr>
+              <a:lnSpc>
+                <a:spcPct val="100000"/>
+              </a:lnSpc>
+            </a:pPr>
+            <a:r>
+              <a:rPr lang="en-IN" sz="2000" b="1" strike="noStrike" spc="-1" dirty="0">
+                <a:solidFill>
+                  <a:srgbClr val="C00000"/>
+                </a:solidFill>
+                <a:latin typeface="Open Sans"/>
+                <a:ea typeface="Open Sans"/>
+              </a:rPr>
+              <a:t>Note:</a:t>
+            </a:r>
+            <a:endParaRPr lang="en-IN" sz="2000" b="0" strike="noStrike" spc="-1" dirty="0">
+              <a:latin typeface="Arial"/>
+            </a:endParaRPr>
+          </a:p>
+          <a:p>
+            <a:pPr>
+              <a:lnSpc>
+                <a:spcPct val="100000"/>
+              </a:lnSpc>
+            </a:pPr>
+            <a:r>
+              <a:rPr lang="en-IN" sz="800" b="0" strike="noStrike" spc="-1" dirty="0">
+                <a:solidFill>
+                  <a:srgbClr val="000000"/>
+                </a:solidFill>
+                <a:latin typeface="Arial"/>
+                <a:ea typeface="DejaVu Sans"/>
+              </a:rPr>
+              <a:t> </a:t>
+            </a:r>
+            <a:endParaRPr lang="en-IN" sz="800" b="0" strike="noStrike" spc="-1" dirty="0">
+              <a:latin typeface="Arial"/>
+            </a:endParaRPr>
+          </a:p>
+          <a:p>
+            <a:pPr marL="285840" indent="-262080">
+              <a:lnSpc>
+                <a:spcPct val="100000"/>
+              </a:lnSpc>
+              <a:buClr>
+                <a:srgbClr val="000000"/>
+              </a:buClr>
+              <a:buFont typeface="Arial"/>
+              <a:buChar char="•"/>
+            </a:pPr>
+            <a:r>
+              <a:rPr lang="en-IN" sz="1800" b="0" strike="noStrike" spc="-1" dirty="0">
+                <a:solidFill>
+                  <a:srgbClr val="000000"/>
+                </a:solidFill>
+                <a:latin typeface="Open Sans"/>
+                <a:ea typeface="Open Sans"/>
+              </a:rPr>
+              <a:t>By default</a:t>
+            </a:r>
+            <a:r>
+              <a:rPr lang="en-IN" sz="1800" b="1" strike="noStrike" spc="-1" dirty="0">
+                <a:solidFill>
+                  <a:srgbClr val="000000"/>
+                </a:solidFill>
+                <a:latin typeface="Open Sans"/>
+                <a:ea typeface="Open Sans"/>
+              </a:rPr>
+              <a:t> </a:t>
+            </a:r>
+            <a:r>
+              <a:rPr lang="en-IN" sz="1800" b="0" strike="noStrike" spc="-1" dirty="0">
+                <a:solidFill>
+                  <a:srgbClr val="000000"/>
+                </a:solidFill>
+                <a:latin typeface="Open Sans"/>
+                <a:ea typeface="Open Sans"/>
+              </a:rPr>
+              <a:t>redis-cli connects to the server at 127.0.0.1 port 6379</a:t>
+            </a:r>
+            <a:endParaRPr lang="en-IN" sz="1800" b="0" strike="noStrike" spc="-1" dirty="0">
+              <a:latin typeface="Arial"/>
+            </a:endParaRPr>
+          </a:p>
+          <a:p>
+            <a:pPr marL="285840" indent="-262080">
+              <a:lnSpc>
+                <a:spcPct val="100000"/>
+              </a:lnSpc>
+              <a:buClr>
+                <a:srgbClr val="000000"/>
+              </a:buClr>
+              <a:buFont typeface="Arial"/>
+              <a:buChar char="•"/>
+            </a:pPr>
+            <a:r>
+              <a:rPr lang="en-IN" sz="1800" b="0" strike="noStrike" spc="-1" dirty="0">
+                <a:solidFill>
+                  <a:srgbClr val="000000"/>
+                </a:solidFill>
+                <a:latin typeface="Open Sans"/>
+                <a:ea typeface="Open Sans"/>
+              </a:rPr>
+              <a:t>It's possible to run the same command multiple times by prefixing the command name by a number.</a:t>
+            </a:r>
+            <a:endParaRPr lang="en-IN" sz="1800" b="0" strike="noStrike" spc="-1" dirty="0">
+              <a:latin typeface="Arial"/>
+            </a:endParaRPr>
+          </a:p>
+          <a:p>
+            <a:pPr>
+              <a:lnSpc>
+                <a:spcPct val="100000"/>
+              </a:lnSpc>
+            </a:pPr>
+            <a:r>
+              <a:rPr lang="en-IN" sz="1600" b="0" strike="noStrike" spc="-1" dirty="0">
+                <a:solidFill>
+                  <a:srgbClr val="E53935"/>
+                </a:solidFill>
+                <a:latin typeface="Open Sans"/>
+                <a:ea typeface="Open Sans"/>
+              </a:rPr>
+              <a:t>e.g.</a:t>
+            </a:r>
+            <a:endParaRPr lang="en-IN" sz="1600" b="0" strike="noStrike" spc="-1" dirty="0">
+              <a:latin typeface="Arial"/>
+            </a:endParaRPr>
+          </a:p>
+          <a:p>
+            <a:pPr marL="285840" indent="-262080">
+              <a:lnSpc>
+                <a:spcPct val="150000"/>
+              </a:lnSpc>
+              <a:buClr>
+                <a:srgbClr val="000000"/>
+              </a:buClr>
+              <a:buFont typeface="Arial"/>
+              <a:buChar char="•"/>
+            </a:pPr>
+            <a:r>
+              <a:rPr lang="en-IN" sz="1800" b="0" strike="noStrike" spc="-1" dirty="0">
+                <a:solidFill>
+                  <a:srgbClr val="808080"/>
+                </a:solidFill>
+                <a:latin typeface="Consolas"/>
+                <a:ea typeface="SimSun"/>
+              </a:rPr>
+              <a:t>127.0.0.1:6379&gt; </a:t>
+            </a:r>
+            <a:r>
+              <a:rPr lang="en-IN" sz="1800" b="0" strike="noStrike" spc="-1" dirty="0">
+                <a:solidFill>
+                  <a:srgbClr val="FF5733"/>
+                </a:solidFill>
+                <a:latin typeface="Consolas"/>
+                <a:ea typeface="SimSun"/>
+              </a:rPr>
+              <a:t>5</a:t>
+            </a:r>
+            <a:r>
+              <a:rPr lang="en-IN" sz="1800" b="0" strike="noStrike" spc="-1" dirty="0">
+                <a:solidFill>
+                  <a:srgbClr val="000000"/>
+                </a:solidFill>
+                <a:latin typeface="Consolas"/>
+                <a:ea typeface="SimSun"/>
+              </a:rPr>
+              <a:t> </a:t>
+            </a:r>
+            <a:r>
+              <a:rPr lang="en-IN" sz="1800" b="0" strike="noStrike" spc="-1" dirty="0">
+                <a:solidFill>
+                  <a:srgbClr val="FF5733"/>
+                </a:solidFill>
+                <a:latin typeface="Consolas"/>
+                <a:ea typeface="SimSun"/>
+              </a:rPr>
+              <a:t>keys *</a:t>
+            </a:r>
+            <a:endParaRPr lang="en-IN" sz="1800" b="0" strike="noStrike" spc="-1" dirty="0">
+              <a:latin typeface="Arial"/>
+            </a:endParaRPr>
+          </a:p>
+        </p:txBody>
+      </p:sp>
+      <p:sp>
+        <p:nvSpPr>
+          <p:cNvPr id="104" name="CustomShape 5"/>
+          <p:cNvSpPr/>
+          <p:nvPr/>
+        </p:nvSpPr>
+        <p:spPr>
+          <a:xfrm>
+            <a:off x="246600" y="3678480"/>
+            <a:ext cx="8688600" cy="332640"/>
+          </a:xfrm>
+          <a:prstGeom prst="rect">
+            <a:avLst/>
+          </a:prstGeom>
+          <a:noFill/>
+          <a:ln>
+            <a:noFill/>
+          </a:ln>
+        </p:spPr>
+        <p:style>
+          <a:lnRef idx="0">
+            <a:scrgbClr r="0" g="0" b="0"/>
+          </a:lnRef>
+          <a:fillRef idx="0">
+            <a:scrgbClr r="0" g="0" b="0"/>
+          </a:fillRef>
+          <a:effectRef idx="0">
+            <a:scrgbClr r="0" g="0" b="0"/>
+          </a:effectRef>
+          <a:fontRef idx="minor"/>
+        </p:style>
+        <p:txBody>
+          <a:bodyPr lIns="90000" tIns="45000" rIns="90000" bIns="45000">
+            <a:noAutofit/>
+          </a:bodyPr>
+          <a:lstStyle/>
+          <a:p>
+            <a:pPr>
+              <a:lnSpc>
+                <a:spcPct val="100000"/>
+              </a:lnSpc>
+            </a:pPr>
+            <a:r>
+              <a:rPr lang="en-IN" sz="1800" b="0" strike="noStrike" spc="-1">
+                <a:solidFill>
+                  <a:srgbClr val="808080"/>
+                </a:solidFill>
+                <a:latin typeface="Consolas"/>
+                <a:ea typeface="SimSun"/>
+              </a:rPr>
+              <a:t>127.0.0.1:6379&gt;</a:t>
+            </a:r>
+            <a:r>
+              <a:rPr lang="en-IN" sz="1800" b="0" strike="noStrike" spc="-1">
+                <a:solidFill>
+                  <a:srgbClr val="000000"/>
+                </a:solidFill>
+                <a:latin typeface="Consolas"/>
+                <a:ea typeface="SimSun"/>
+              </a:rPr>
+              <a:t> </a:t>
+            </a:r>
+            <a:r>
+              <a:rPr lang="en-IN" sz="1800" b="0" strike="noStrike" spc="-1">
+                <a:solidFill>
+                  <a:srgbClr val="FF5733"/>
+                </a:solidFill>
+                <a:latin typeface="Consolas"/>
+                <a:ea typeface="SimSun"/>
+              </a:rPr>
+              <a:t>clear</a:t>
+            </a:r>
+            <a:endParaRPr lang="en-IN" sz="1800" b="0" strike="noStrike" spc="-1">
+              <a:latin typeface="Arial"/>
+            </a:endParaRPr>
+          </a:p>
+        </p:txBody>
+      </p:sp>
+      <p:sp>
+        <p:nvSpPr>
+          <p:cNvPr id="105" name="CustomShape 6"/>
+          <p:cNvSpPr/>
+          <p:nvPr/>
+        </p:nvSpPr>
+        <p:spPr>
+          <a:xfrm>
+            <a:off x="246600" y="0"/>
+            <a:ext cx="11693880" cy="706432"/>
+          </a:xfrm>
+          <a:prstGeom prst="rect">
+            <a:avLst/>
+          </a:prstGeom>
+          <a:solidFill>
+            <a:srgbClr val="5E4C34"/>
+          </a:solidFill>
+          <a:ln>
+            <a:noFill/>
+          </a:ln>
+        </p:spPr>
+        <p:style>
+          <a:lnRef idx="0">
+            <a:scrgbClr r="0" g="0" b="0"/>
+          </a:lnRef>
+          <a:fillRef idx="0">
+            <a:scrgbClr r="0" g="0" b="0"/>
+          </a:fillRef>
+          <a:effectRef idx="0">
+            <a:scrgbClr r="0" g="0" b="0"/>
+          </a:effectRef>
+          <a:fontRef idx="minor"/>
+        </p:style>
+        <p:txBody>
+          <a:bodyPr lIns="90000" tIns="45000" rIns="90000" bIns="45000">
+            <a:spAutoFit/>
+          </a:bodyPr>
+          <a:lstStyle/>
+          <a:p>
+            <a:pPr algn="ctr">
+              <a:lnSpc>
+                <a:spcPct val="100000"/>
+              </a:lnSpc>
+            </a:pPr>
+            <a:r>
+              <a:rPr lang="en-IN" sz="4000" b="0" strike="noStrike" spc="-1" dirty="0">
+                <a:solidFill>
+                  <a:schemeClr val="accent6">
+                    <a:lumMod val="60000"/>
+                    <a:lumOff val="40000"/>
+                  </a:schemeClr>
+                </a:solidFill>
+                <a:latin typeface="Open Sans"/>
+                <a:ea typeface="DejaVu Sans"/>
+              </a:rPr>
+              <a:t>Getting Started</a:t>
+            </a:r>
+            <a:endParaRPr lang="en-IN" sz="4000" b="0" strike="noStrike" spc="-1" dirty="0">
+              <a:solidFill>
+                <a:schemeClr val="accent6">
+                  <a:lumMod val="60000"/>
+                  <a:lumOff val="40000"/>
+                </a:schemeClr>
+              </a:solidFill>
+              <a:latin typeface="Arial"/>
+            </a:endParaRPr>
+          </a:p>
+        </p:txBody>
+      </p:sp>
+      <p:sp>
+        <p:nvSpPr>
+          <p:cNvPr id="106" name="CustomShape 7"/>
+          <p:cNvSpPr/>
+          <p:nvPr/>
+        </p:nvSpPr>
+        <p:spPr>
+          <a:xfrm>
+            <a:off x="246600" y="6212880"/>
+            <a:ext cx="11227320" cy="476640"/>
+          </a:xfrm>
+          <a:prstGeom prst="rect">
+            <a:avLst/>
+          </a:prstGeom>
+          <a:noFill/>
+          <a:ln>
+            <a:noFill/>
+          </a:ln>
+        </p:spPr>
+        <p:style>
+          <a:lnRef idx="0">
+            <a:scrgbClr r="0" g="0" b="0"/>
+          </a:lnRef>
+          <a:fillRef idx="0">
+            <a:scrgbClr r="0" g="0" b="0"/>
+          </a:fillRef>
+          <a:effectRef idx="0">
+            <a:scrgbClr r="0" g="0" b="0"/>
+          </a:effectRef>
+          <a:fontRef idx="minor"/>
+        </p:style>
+        <p:txBody>
+          <a:bodyPr lIns="90000" tIns="45000" rIns="90000" bIns="45000">
+            <a:noAutofit/>
+          </a:bodyPr>
+          <a:lstStyle/>
+          <a:p>
+            <a:pPr>
+              <a:lnSpc>
+                <a:spcPct val="150000"/>
+              </a:lnSpc>
+            </a:pPr>
+            <a:r>
+              <a:rPr lang="en-IN" sz="1800" b="0" strike="noStrike" spc="-1" dirty="0">
+                <a:solidFill>
+                  <a:srgbClr val="757575"/>
+                </a:solidFill>
+                <a:latin typeface="Arial"/>
+                <a:ea typeface="DejaVu Sans"/>
+              </a:rPr>
+              <a:t>saleel@saleel-Latitude-E6430:~$ </a:t>
+            </a:r>
+            <a:r>
+              <a:rPr lang="en-IN" sz="1800" b="0" strike="noStrike" spc="-1" dirty="0">
+                <a:solidFill>
+                  <a:srgbClr val="FF5733"/>
+                </a:solidFill>
+                <a:latin typeface="Consolas"/>
+                <a:ea typeface="SimSun"/>
+              </a:rPr>
+              <a:t>redis-cli -h 127.0.0.1 -p 6379 -n 5 </a:t>
+            </a:r>
+            <a:r>
+              <a:rPr lang="en-IN" sz="2400" b="0" strike="noStrike" spc="-1" dirty="0">
+                <a:solidFill>
+                  <a:srgbClr val="FF5733"/>
+                </a:solidFill>
+                <a:latin typeface="Consolas"/>
+                <a:ea typeface="SimSun"/>
+              </a:rPr>
+              <a:t>-r</a:t>
+            </a:r>
+            <a:r>
+              <a:rPr lang="en-IN" sz="1800" b="0" strike="noStrike" spc="-1" dirty="0">
+                <a:solidFill>
+                  <a:srgbClr val="FF5733"/>
+                </a:solidFill>
+                <a:latin typeface="Consolas"/>
+                <a:ea typeface="SimSun"/>
+              </a:rPr>
+              <a:t> 10 incr cnt</a:t>
+            </a:r>
+            <a:endParaRPr lang="en-IN" sz="1800" b="0" strike="noStrike" spc="-1" dirty="0">
+              <a:latin typeface="Arial"/>
+            </a:endParaRPr>
+          </a:p>
+        </p:txBody>
+      </p:sp>
+      <p:sp>
+        <p:nvSpPr>
+          <p:cNvPr id="107" name="CustomShape 8"/>
+          <p:cNvSpPr/>
+          <p:nvPr/>
+        </p:nvSpPr>
+        <p:spPr>
+          <a:xfrm>
+            <a:off x="6357240" y="5906160"/>
+            <a:ext cx="6236280" cy="368640"/>
+          </a:xfrm>
+          <a:prstGeom prst="rect">
+            <a:avLst/>
+          </a:prstGeom>
+          <a:noFill/>
+          <a:ln>
+            <a:noFill/>
+          </a:ln>
+        </p:spPr>
+        <p:style>
+          <a:lnRef idx="0">
+            <a:scrgbClr r="0" g="0" b="0"/>
+          </a:lnRef>
+          <a:fillRef idx="0">
+            <a:scrgbClr r="0" g="0" b="0"/>
+          </a:fillRef>
+          <a:effectRef idx="0">
+            <a:scrgbClr r="0" g="0" b="0"/>
+          </a:effectRef>
+          <a:fontRef idx="minor"/>
+        </p:style>
+        <p:txBody>
+          <a:bodyPr lIns="90000" tIns="45000" rIns="90000" bIns="45000">
+            <a:noAutofit/>
+          </a:bodyPr>
+          <a:lstStyle/>
+          <a:p>
+            <a:pPr>
+              <a:lnSpc>
+                <a:spcPct val="100000"/>
+              </a:lnSpc>
+            </a:pPr>
+            <a:r>
+              <a:rPr lang="en-IN" sz="1800" b="1" i="1" strike="noStrike" spc="-1">
+                <a:solidFill>
+                  <a:srgbClr val="000000"/>
+                </a:solidFill>
+                <a:latin typeface="Arial"/>
+                <a:ea typeface="DejaVu Sans"/>
+              </a:rPr>
+              <a:t>-r</a:t>
+            </a:r>
+            <a:r>
+              <a:rPr lang="en-IN" sz="1800" b="1" strike="noStrike" spc="-1">
+                <a:solidFill>
+                  <a:srgbClr val="000000"/>
+                </a:solidFill>
+                <a:latin typeface="Arial"/>
+                <a:ea typeface="DejaVu Sans"/>
+              </a:rPr>
+              <a:t> &lt;count&gt;</a:t>
+            </a:r>
+            <a:r>
+              <a:rPr lang="en-IN" sz="1800" b="0" strike="noStrike" spc="-1">
+                <a:solidFill>
+                  <a:srgbClr val="000000"/>
+                </a:solidFill>
+                <a:latin typeface="Arial"/>
+                <a:ea typeface="DejaVu Sans"/>
+              </a:rPr>
+              <a:t>, means how many times to run a command.</a:t>
+            </a:r>
+            <a:endParaRPr lang="en-IN" sz="1800" b="0" strike="noStrike" spc="-1">
+              <a:latin typeface="Arial"/>
+            </a:endParaRPr>
+          </a:p>
+        </p:txBody>
+      </p:sp>
+      <p:sp>
+        <p:nvSpPr>
+          <p:cNvPr id="108" name="Line 9"/>
+          <p:cNvSpPr/>
+          <p:nvPr/>
+        </p:nvSpPr>
+        <p:spPr>
+          <a:xfrm>
+            <a:off x="0" y="1536120"/>
+            <a:ext cx="12191760" cy="0"/>
+          </a:xfrm>
+          <a:prstGeom prst="line">
+            <a:avLst/>
+          </a:prstGeom>
+          <a:ln w="12600">
+            <a:solidFill>
+              <a:srgbClr val="6E78A0"/>
+            </a:solidFill>
+            <a:prstDash val="dash"/>
+            <a:round/>
+          </a:ln>
+        </p:spPr>
+        <p:style>
+          <a:lnRef idx="1">
+            <a:schemeClr val="accent1"/>
+          </a:lnRef>
+          <a:fillRef idx="0">
+            <a:schemeClr val="accent1"/>
+          </a:fillRef>
+          <a:effectRef idx="0">
+            <a:schemeClr val="accent1"/>
+          </a:effectRef>
+          <a:fontRef idx="minor"/>
+        </p:style>
+      </p:sp>
+    </p:spTree>
+    <p:extLst>
+      <p:ext uri="{BB962C8B-B14F-4D97-AF65-F5344CB8AC3E}">
+        <p14:creationId xmlns:p14="http://schemas.microsoft.com/office/powerpoint/2010/main" val="2530738110"/>
+      </p:ext>
+    </p:extLst>
   </p:cSld>
   <p:clrMapOvr>
     <a:masterClrMapping/>

--- a/Neo4j.pptx
+++ b/Neo4j.pptx
@@ -240,7 +240,7 @@
             <a:fld id="{757F699C-254E-44B6-B18D-E7E82B2FC743}" type="datetimeFigureOut">
               <a:rPr lang="en-IN" smtClean="0"/>
               <a:pPr/>
-              <a:t>24-06-2021</a:t>
+              <a:t>25-06-2021</a:t>
             </a:fld>
             <a:endParaRPr lang="en-IN"/>
           </a:p>
@@ -1066,7 +1066,7 @@
             <a:fld id="{52F73076-280E-4994-B9AF-08CB19D7A53F}" type="datetimeFigureOut">
               <a:rPr lang="en-US" smtClean="0"/>
               <a:pPr/>
-              <a:t>6/24/2021</a:t>
+              <a:t>6/25/2021</a:t>
             </a:fld>
             <a:endParaRPr lang="en-US" dirty="0"/>
           </a:p>
@@ -1511,7 +1511,7 @@
             <a:fld id="{52F73076-280E-4994-B9AF-08CB19D7A53F}" type="datetimeFigureOut">
               <a:rPr lang="en-US" smtClean="0"/>
               <a:pPr/>
-              <a:t>6/24/2021</a:t>
+              <a:t>6/25/2021</a:t>
             </a:fld>
             <a:endParaRPr lang="en-US" dirty="0"/>
           </a:p>
@@ -2443,7 +2443,7 @@
             <a:fld id="{52F73076-280E-4994-B9AF-08CB19D7A53F}" type="datetimeFigureOut">
               <a:rPr lang="en-US" smtClean="0"/>
               <a:pPr/>
-              <a:t>6/24/2021</a:t>
+              <a:t>6/25/2021</a:t>
             </a:fld>
             <a:endParaRPr lang="en-US" dirty="0"/>
           </a:p>
@@ -2861,7 +2861,7 @@
             <a:fld id="{52F73076-280E-4994-B9AF-08CB19D7A53F}" type="datetimeFigureOut">
               <a:rPr lang="en-US" smtClean="0"/>
               <a:pPr/>
-              <a:t>6/24/2021</a:t>
+              <a:t>6/25/2021</a:t>
             </a:fld>
             <a:endParaRPr lang="en-US" dirty="0"/>
           </a:p>
@@ -9697,7 +9697,7 @@
                 <a:latin typeface="Nunito Sans"/>
                 <a:ea typeface="DejaVu Sans"/>
               </a:rPr>
-              <a:t>match(n) where</a:t>
+              <a:t>match(n)</a:t>
             </a:r>
             <a:endParaRPr lang="en-IN" sz="4000" b="0" strike="noStrike" spc="-1" dirty="0">
               <a:solidFill>
@@ -11104,73 +11104,6 @@
       </p:sp>
       <p:sp>
         <p:nvSpPr>
-          <p:cNvPr id="105" name="CustomShape 6"/>
-          <p:cNvSpPr/>
-          <p:nvPr/>
-        </p:nvSpPr>
-        <p:spPr>
-          <a:xfrm>
-            <a:off x="246600" y="0"/>
-            <a:ext cx="11693880" cy="706432"/>
-          </a:xfrm>
-          <a:prstGeom prst="rect">
-            <a:avLst/>
-          </a:prstGeom>
-          <a:solidFill>
-            <a:schemeClr val="accent6">
-              <a:lumMod val="75000"/>
-            </a:schemeClr>
-          </a:solidFill>
-          <a:ln>
-            <a:noFill/>
-          </a:ln>
-        </p:spPr>
-        <p:style>
-          <a:lnRef idx="0">
-            <a:scrgbClr r="0" g="0" b="0"/>
-          </a:lnRef>
-          <a:fillRef idx="0">
-            <a:scrgbClr r="0" g="0" b="0"/>
-          </a:fillRef>
-          <a:effectRef idx="0">
-            <a:scrgbClr r="0" g="0" b="0"/>
-          </a:effectRef>
-          <a:fontRef idx="minor"/>
-        </p:style>
-        <p:txBody>
-          <a:bodyPr lIns="90000" tIns="45000" rIns="90000" bIns="45000">
-            <a:spAutoFit/>
-          </a:bodyPr>
-          <a:lstStyle/>
-          <a:p>
-            <a:pPr algn="r"/>
-            <a:r>
-              <a:rPr lang="en-IN" sz="4000" b="0" strike="noStrike" spc="-1" dirty="0">
-                <a:solidFill>
-                  <a:schemeClr val="accent6">
-                    <a:lumMod val="60000"/>
-                    <a:lumOff val="40000"/>
-                  </a:schemeClr>
-                </a:solidFill>
-                <a:latin typeface="Nunito Sans"/>
-                <a:ea typeface="DejaVu Sans"/>
-              </a:rPr>
-              <a:t>match</a:t>
-            </a:r>
-            <a:endParaRPr lang="en-IN" sz="4000" b="0" strike="noStrike" spc="-1" dirty="0">
-              <a:solidFill>
-                <a:schemeClr val="accent6">
-                  <a:lumMod val="60000"/>
-                  <a:lumOff val="40000"/>
-                </a:schemeClr>
-              </a:solidFill>
-              <a:latin typeface="Nunito Sans"/>
-            </a:endParaRPr>
-          </a:p>
-        </p:txBody>
-      </p:sp>
-      <p:sp>
-        <p:nvSpPr>
           <p:cNvPr id="108" name="Line 9"/>
           <p:cNvSpPr/>
           <p:nvPr/>
@@ -11422,19 +11355,10 @@
                 </a:solidFill>
                 <a:effectLst/>
               </a:rPr>
-              <a:t> </a:t>
-            </a:r>
-            <a:r>
-              <a:rPr lang="en-US" dirty="0" err="1">
-                <a:solidFill>
-                  <a:srgbClr val="333333"/>
-                </a:solidFill>
-                <a:effectLst/>
-              </a:rPr>
-              <a:t>n</a:t>
-            </a:r>
-            <a:r>
-              <a:rPr lang="en-US" dirty="0" err="1">
+              <a:t> n</a:t>
+            </a:r>
+            <a:r>
+              <a:rPr lang="en-US" dirty="0">
                 <a:solidFill>
                   <a:srgbClr val="586E75"/>
                 </a:solidFill>
@@ -11443,22 +11367,13 @@
               <a:t>.</a:t>
             </a:r>
             <a:r>
-              <a:rPr lang="en-US" dirty="0" err="1">
-                <a:solidFill>
-                  <a:srgbClr val="333333"/>
-                </a:solidFill>
-                <a:effectLst/>
-              </a:rPr>
-              <a:t>price</a:t>
-            </a:r>
-            <a:r>
               <a:rPr lang="en-US" dirty="0">
                 <a:solidFill>
                   <a:srgbClr val="333333"/>
                 </a:solidFill>
                 <a:effectLst/>
               </a:rPr>
-              <a:t>  </a:t>
+              <a:t>price  </a:t>
             </a:r>
             <a:r>
               <a:rPr lang="en-US" dirty="0">
@@ -11514,7 +11429,303 @@
                 </a:solidFill>
                 <a:latin typeface="Gill Sans MT (Body)"/>
               </a:rPr>
-              <a:t>neo4j$</a:t>
+              <a:t>neo4j$ </a:t>
+            </a:r>
+            <a:r>
+              <a:rPr lang="en-US" dirty="0">
+                <a:solidFill>
+                  <a:srgbClr val="859900"/>
+                </a:solidFill>
+                <a:effectLst/>
+              </a:rPr>
+              <a:t>match</a:t>
+            </a:r>
+            <a:r>
+              <a:rPr lang="en-US" dirty="0">
+                <a:solidFill>
+                  <a:srgbClr val="586E75"/>
+                </a:solidFill>
+                <a:effectLst/>
+              </a:rPr>
+              <a:t>(</a:t>
+            </a:r>
+            <a:r>
+              <a:rPr lang="en-US" dirty="0">
+                <a:solidFill>
+                  <a:srgbClr val="333333"/>
+                </a:solidFill>
+                <a:effectLst/>
+              </a:rPr>
+              <a:t>n</a:t>
+            </a:r>
+            <a:r>
+              <a:rPr lang="en-US" dirty="0">
+                <a:solidFill>
+                  <a:srgbClr val="586E75"/>
+                </a:solidFill>
+                <a:effectLst/>
+              </a:rPr>
+              <a:t>:</a:t>
+            </a:r>
+            <a:r>
+              <a:rPr lang="en-US" dirty="0">
+                <a:solidFill>
+                  <a:srgbClr val="333333"/>
+                </a:solidFill>
+                <a:effectLst/>
+              </a:rPr>
+              <a:t>book</a:t>
+            </a:r>
+            <a:r>
+              <a:rPr lang="en-US" dirty="0">
+                <a:solidFill>
+                  <a:srgbClr val="586E75"/>
+                </a:solidFill>
+                <a:effectLst/>
+              </a:rPr>
+              <a:t>)</a:t>
+            </a:r>
+            <a:r>
+              <a:rPr lang="en-US" dirty="0">
+                <a:solidFill>
+                  <a:srgbClr val="333333"/>
+                </a:solidFill>
+                <a:effectLst/>
+              </a:rPr>
+              <a:t> </a:t>
+            </a:r>
+            <a:r>
+              <a:rPr lang="en-US" dirty="0">
+                <a:solidFill>
+                  <a:srgbClr val="859900"/>
+                </a:solidFill>
+                <a:effectLst/>
+              </a:rPr>
+              <a:t>return</a:t>
+            </a:r>
+            <a:r>
+              <a:rPr lang="en-US" dirty="0">
+                <a:solidFill>
+                  <a:srgbClr val="333333"/>
+                </a:solidFill>
+                <a:effectLst/>
+              </a:rPr>
+              <a:t> n</a:t>
+            </a:r>
+            <a:r>
+              <a:rPr lang="en-US" dirty="0">
+                <a:solidFill>
+                  <a:srgbClr val="586E75"/>
+                </a:solidFill>
+                <a:effectLst/>
+              </a:rPr>
+              <a:t>.</a:t>
+            </a:r>
+            <a:r>
+              <a:rPr lang="en-US" dirty="0">
+                <a:solidFill>
+                  <a:srgbClr val="333333"/>
+                </a:solidFill>
+                <a:effectLst/>
+              </a:rPr>
+              <a:t>name</a:t>
+            </a:r>
+            <a:r>
+              <a:rPr lang="en-US" dirty="0">
+                <a:solidFill>
+                  <a:srgbClr val="586E75"/>
+                </a:solidFill>
+                <a:effectLst/>
+              </a:rPr>
+              <a:t>,</a:t>
+            </a:r>
+            <a:r>
+              <a:rPr lang="en-US" dirty="0">
+                <a:solidFill>
+                  <a:srgbClr val="333333"/>
+                </a:solidFill>
+                <a:effectLst/>
+              </a:rPr>
+              <a:t> n</a:t>
+            </a:r>
+            <a:r>
+              <a:rPr lang="en-US" dirty="0">
+                <a:solidFill>
+                  <a:srgbClr val="586E75"/>
+                </a:solidFill>
+                <a:effectLst/>
+              </a:rPr>
+              <a:t>.</a:t>
+            </a:r>
+            <a:r>
+              <a:rPr lang="en-US" dirty="0">
+                <a:solidFill>
+                  <a:srgbClr val="333333"/>
+                </a:solidFill>
+                <a:effectLst/>
+              </a:rPr>
+              <a:t>price</a:t>
+            </a:r>
+            <a:r>
+              <a:rPr lang="en-US" dirty="0">
+                <a:solidFill>
+                  <a:srgbClr val="586E75"/>
+                </a:solidFill>
+                <a:effectLst/>
+              </a:rPr>
+              <a:t>,</a:t>
+            </a:r>
+            <a:r>
+              <a:rPr lang="en-US" dirty="0">
+                <a:solidFill>
+                  <a:srgbClr val="333333"/>
+                </a:solidFill>
+              </a:rPr>
+              <a:t> </a:t>
+            </a:r>
+            <a:r>
+              <a:rPr lang="en-US" dirty="0">
+                <a:solidFill>
+                  <a:srgbClr val="333333"/>
+                </a:solidFill>
+                <a:effectLst/>
+              </a:rPr>
+              <a:t>n</a:t>
+            </a:r>
+            <a:r>
+              <a:rPr lang="en-US" dirty="0">
+                <a:solidFill>
+                  <a:srgbClr val="586E75"/>
+                </a:solidFill>
+                <a:effectLst/>
+              </a:rPr>
+              <a:t>.</a:t>
+            </a:r>
+            <a:r>
+              <a:rPr lang="en-US" dirty="0">
+                <a:solidFill>
+                  <a:srgbClr val="333333"/>
+                </a:solidFill>
+                <a:effectLst/>
+              </a:rPr>
+              <a:t>price </a:t>
+            </a:r>
+            <a:r>
+              <a:rPr lang="en-US" dirty="0">
+                <a:solidFill>
+                  <a:srgbClr val="586E75"/>
+                </a:solidFill>
+                <a:effectLst/>
+              </a:rPr>
+              <a:t>+</a:t>
+            </a:r>
+            <a:r>
+              <a:rPr lang="en-US" dirty="0">
+                <a:solidFill>
+                  <a:srgbClr val="333333"/>
+                </a:solidFill>
+                <a:effectLst/>
+              </a:rPr>
+              <a:t> </a:t>
+            </a:r>
+            <a:r>
+              <a:rPr lang="en-US" dirty="0">
+                <a:solidFill>
+                  <a:srgbClr val="586E75"/>
+                </a:solidFill>
+                <a:effectLst/>
+              </a:rPr>
+              <a:t>(</a:t>
+            </a:r>
+            <a:r>
+              <a:rPr lang="en-US" dirty="0">
+                <a:solidFill>
+                  <a:srgbClr val="333333"/>
+                </a:solidFill>
+                <a:effectLst/>
+              </a:rPr>
+              <a:t>n</a:t>
+            </a:r>
+            <a:r>
+              <a:rPr lang="en-US" dirty="0">
+                <a:solidFill>
+                  <a:srgbClr val="586E75"/>
+                </a:solidFill>
+                <a:effectLst/>
+              </a:rPr>
+              <a:t>.</a:t>
+            </a:r>
+            <a:r>
+              <a:rPr lang="en-US" dirty="0">
+                <a:solidFill>
+                  <a:srgbClr val="333333"/>
+                </a:solidFill>
+                <a:effectLst/>
+              </a:rPr>
+              <a:t>price </a:t>
+            </a:r>
+            <a:r>
+              <a:rPr lang="en-US" dirty="0">
+                <a:solidFill>
+                  <a:srgbClr val="586E75"/>
+                </a:solidFill>
+                <a:effectLst/>
+              </a:rPr>
+              <a:t>*</a:t>
+            </a:r>
+            <a:r>
+              <a:rPr lang="en-US" dirty="0">
+                <a:solidFill>
+                  <a:srgbClr val="333333"/>
+                </a:solidFill>
+                <a:effectLst/>
+              </a:rPr>
+              <a:t> </a:t>
+            </a:r>
+            <a:r>
+              <a:rPr lang="en-US" dirty="0">
+                <a:solidFill>
+                  <a:srgbClr val="2AA198"/>
+                </a:solidFill>
+                <a:effectLst/>
+              </a:rPr>
+              <a:t>.10</a:t>
+            </a:r>
+            <a:r>
+              <a:rPr lang="en-US" dirty="0">
+                <a:solidFill>
+                  <a:srgbClr val="586E75"/>
+                </a:solidFill>
+                <a:effectLst/>
+              </a:rPr>
+              <a:t>)</a:t>
+            </a:r>
+            <a:r>
+              <a:rPr lang="en-US" dirty="0">
+                <a:solidFill>
+                  <a:srgbClr val="333333"/>
+                </a:solidFill>
+                <a:effectLst/>
+              </a:rPr>
+              <a:t> </a:t>
+            </a:r>
+            <a:r>
+              <a:rPr lang="en-US" dirty="0">
+                <a:solidFill>
+                  <a:srgbClr val="859900"/>
+                </a:solidFill>
+                <a:effectLst/>
+              </a:rPr>
+              <a:t>as</a:t>
+            </a:r>
+            <a:r>
+              <a:rPr lang="en-US" dirty="0">
+                <a:solidFill>
+                  <a:srgbClr val="333333"/>
+                </a:solidFill>
+                <a:effectLst/>
+              </a:rPr>
+              <a:t> `New Price`</a:t>
             </a:r>
             <a:endParaRPr lang="en-US" dirty="0">
               <a:solidFill>
@@ -11707,6 +11918,79 @@
                 <a:srgbClr val="000000"/>
               </a:solidFill>
               <a:effectLst/>
+            </a:endParaRPr>
+          </a:p>
+        </p:txBody>
+      </p:sp>
+      <p:sp>
+        <p:nvSpPr>
+          <p:cNvPr id="8" name="CustomShape 6">
+            <a:extLst>
+              <a:ext uri="{FF2B5EF4-FFF2-40B4-BE49-F238E27FC236}">
+                <a16:creationId xmlns:a16="http://schemas.microsoft.com/office/drawing/2014/main" id="{8D4BD6EA-70A3-4098-B595-3811FA3CBFB5}"/>
+              </a:ext>
+            </a:extLst>
+          </p:cNvPr>
+          <p:cNvSpPr/>
+          <p:nvPr/>
+        </p:nvSpPr>
+        <p:spPr>
+          <a:xfrm>
+            <a:off x="246600" y="0"/>
+            <a:ext cx="11693880" cy="706432"/>
+          </a:xfrm>
+          <a:prstGeom prst="rect">
+            <a:avLst/>
+          </a:prstGeom>
+          <a:solidFill>
+            <a:schemeClr val="accent6">
+              <a:lumMod val="75000"/>
+            </a:schemeClr>
+          </a:solidFill>
+          <a:ln>
+            <a:noFill/>
+          </a:ln>
+        </p:spPr>
+        <p:style>
+          <a:lnRef idx="0">
+            <a:scrgbClr r="0" g="0" b="0"/>
+          </a:lnRef>
+          <a:fillRef idx="0">
+            <a:scrgbClr r="0" g="0" b="0"/>
+          </a:fillRef>
+          <a:effectRef idx="0">
+            <a:scrgbClr r="0" g="0" b="0"/>
+          </a:effectRef>
+          <a:fontRef idx="minor"/>
+        </p:style>
+        <p:txBody>
+          <a:bodyPr lIns="90000" tIns="45000" rIns="90000" bIns="45000">
+            <a:spAutoFit/>
+          </a:bodyPr>
+          <a:lstStyle/>
+          <a:p>
+            <a:pPr algn="r"/>
+            <a:r>
+              <a:rPr lang="en-IN" sz="4000" b="0" strike="noStrike" spc="-1" dirty="0">
+                <a:solidFill>
+                  <a:schemeClr val="accent6">
+                    <a:lumMod val="60000"/>
+                    <a:lumOff val="40000"/>
+                  </a:schemeClr>
+                </a:solidFill>
+                <a:latin typeface="Nunito Sans"/>
+                <a:ea typeface="DejaVu Sans"/>
+              </a:rPr>
+              <a:t>match(n)</a:t>
+            </a:r>
+            <a:endParaRPr lang="en-IN" sz="4000" b="0" strike="noStrike" spc="-1" dirty="0">
+              <a:solidFill>
+                <a:schemeClr val="accent6">
+                  <a:lumMod val="60000"/>
+                  <a:lumOff val="40000"/>
+                </a:schemeClr>
+              </a:solidFill>
+              <a:latin typeface="Nunito Sans"/>
             </a:endParaRPr>
           </a:p>
         </p:txBody>
@@ -11960,7 +12244,7 @@
                 </a:solidFill>
                 <a:latin typeface="Nunito Sans"/>
               </a:rPr>
-              <a:t>Aggregating functions</a:t>
+              <a:t>aggregating functions</a:t>
             </a:r>
           </a:p>
         </p:txBody>
@@ -12061,7 +12345,7 @@
           <a:p>
             <a:r>
               <a:rPr lang="en-IN" dirty="0"/>
-              <a:t>count(*/expression)</a:t>
+              <a:t>count(*), count(expression)</a:t>
             </a:r>
           </a:p>
           <a:p>
@@ -13604,7 +13888,7 @@
                 <a:latin typeface="Nunito Sans"/>
                 <a:ea typeface="Verdana" panose="020B0604030504040204" pitchFamily="34" charset="0"/>
               </a:rPr>
-              <a:t>Getting started</a:t>
+              <a:t>getting started</a:t>
             </a:r>
             <a:endParaRPr lang="en-IN" sz="4000" b="0" strike="noStrike" spc="-1" dirty="0">
               <a:solidFill>

--- a/Neo4j.pptx
+++ b/Neo4j.pptx
@@ -5,7 +5,7 @@
     <p:sldMasterId id="2147483720" r:id="rId1"/>
   </p:sldMasterIdLst>
   <p:notesMasterIdLst>
-    <p:notesMasterId r:id="rId22"/>
+    <p:notesMasterId r:id="rId24"/>
   </p:notesMasterIdLst>
   <p:sldIdLst>
     <p:sldId id="256" r:id="rId2"/>
@@ -23,11 +23,13 @@
     <p:sldId id="1405" r:id="rId14"/>
     <p:sldId id="1402" r:id="rId15"/>
     <p:sldId id="1403" r:id="rId16"/>
-    <p:sldId id="1406" r:id="rId17"/>
-    <p:sldId id="1404" r:id="rId18"/>
-    <p:sldId id="1393" r:id="rId19"/>
-    <p:sldId id="350" r:id="rId20"/>
-    <p:sldId id="1398" r:id="rId21"/>
+    <p:sldId id="1408" r:id="rId17"/>
+    <p:sldId id="1406" r:id="rId18"/>
+    <p:sldId id="1407" r:id="rId19"/>
+    <p:sldId id="1404" r:id="rId20"/>
+    <p:sldId id="1393" r:id="rId21"/>
+    <p:sldId id="350" r:id="rId22"/>
+    <p:sldId id="1398" r:id="rId23"/>
   </p:sldIdLst>
   <p:sldSz cx="12192000" cy="6858000"/>
   <p:notesSz cx="6858000" cy="9144000"/>
@@ -240,7 +242,7 @@
             <a:fld id="{757F699C-254E-44B6-B18D-E7E82B2FC743}" type="datetimeFigureOut">
               <a:rPr lang="en-IN" smtClean="0"/>
               <a:pPr/>
-              <a:t>25-06-2021</a:t>
+              <a:t>27-06-2021</a:t>
             </a:fld>
             <a:endParaRPr lang="en-IN"/>
           </a:p>
@@ -1066,7 +1068,7 @@
             <a:fld id="{52F73076-280E-4994-B9AF-08CB19D7A53F}" type="datetimeFigureOut">
               <a:rPr lang="en-US" smtClean="0"/>
               <a:pPr/>
-              <a:t>6/25/2021</a:t>
+              <a:t>6/27/2021</a:t>
             </a:fld>
             <a:endParaRPr lang="en-US" dirty="0"/>
           </a:p>
@@ -1511,7 +1513,7 @@
             <a:fld id="{52F73076-280E-4994-B9AF-08CB19D7A53F}" type="datetimeFigureOut">
               <a:rPr lang="en-US" smtClean="0"/>
               <a:pPr/>
-              <a:t>6/25/2021</a:t>
+              <a:t>6/27/2021</a:t>
             </a:fld>
             <a:endParaRPr lang="en-US" dirty="0"/>
           </a:p>
@@ -2443,7 +2445,7 @@
             <a:fld id="{52F73076-280E-4994-B9AF-08CB19D7A53F}" type="datetimeFigureOut">
               <a:rPr lang="en-US" smtClean="0"/>
               <a:pPr/>
-              <a:t>6/25/2021</a:t>
+              <a:t>6/27/2021</a:t>
             </a:fld>
             <a:endParaRPr lang="en-US" dirty="0"/>
           </a:p>
@@ -2861,7 +2863,7 @@
             <a:fld id="{52F73076-280E-4994-B9AF-08CB19D7A53F}" type="datetimeFigureOut">
               <a:rPr lang="en-US" smtClean="0"/>
               <a:pPr/>
-              <a:t>6/25/2021</a:t>
+              <a:t>6/27/2021</a:t>
             </a:fld>
             <a:endParaRPr lang="en-US" dirty="0"/>
           </a:p>
@@ -6446,8 +6448,8 @@
         </p:nvSpPr>
         <p:spPr>
           <a:xfrm>
-            <a:off x="243604" y="2132856"/>
-            <a:ext cx="11693880" cy="3539430"/>
+            <a:off x="243604" y="2387783"/>
+            <a:ext cx="11693880" cy="2985433"/>
           </a:xfrm>
           <a:prstGeom prst="rect">
             <a:avLst/>
@@ -7376,7 +7378,7 @@
           </a:p>
           <a:p>
             <a:pPr marL="273050"/>
-            <a:endParaRPr lang="en-IN" dirty="0">
+            <a:endParaRPr lang="en-IN" sz="800" dirty="0">
               <a:solidFill>
                 <a:srgbClr val="333333"/>
               </a:solidFill>
@@ -7384,14 +7386,10 @@
             </a:endParaRPr>
           </a:p>
           <a:p>
-            <a:pPr marL="273050"/>
-            <a:endParaRPr lang="en-IN" sz="800" dirty="0">
-              <a:solidFill>
-                <a:srgbClr val="333333"/>
-              </a:solidFill>
-            </a:endParaRPr>
-          </a:p>
-          <a:p>
+            <a:pPr marL="285750" indent="-285750">
+              <a:buFont typeface="Arial" panose="020B0604020202020204" pitchFamily="34" charset="0"/>
+              <a:buChar char="•"/>
+            </a:pPr>
             <a:r>
               <a:rPr lang="en-IN" dirty="0">
                 <a:solidFill>
@@ -7604,6 +7602,7 @@
             </a:r>
           </a:p>
           <a:p>
+            <a:pPr marL="273050"/>
             <a:r>
               <a:rPr lang="en-IN" dirty="0">
                 <a:solidFill>
@@ -7819,6 +7818,7 @@
             </a:endParaRPr>
           </a:p>
           <a:p>
+            <a:pPr marL="273050"/>
             <a:r>
               <a:rPr lang="en-IN" dirty="0">
                 <a:solidFill>
@@ -8016,6 +8016,7 @@
             </a:endParaRPr>
           </a:p>
           <a:p>
+            <a:pPr marL="273050"/>
             <a:r>
               <a:rPr lang="en-IN" dirty="0">
                 <a:solidFill>
@@ -8231,6 +8232,7 @@
             </a:endParaRPr>
           </a:p>
           <a:p>
+            <a:pPr marL="273050"/>
             <a:r>
               <a:rPr lang="en-IN" dirty="0">
                 <a:solidFill>
@@ -8303,21 +8305,6 @@
               </a:rPr>
               <a:t>b4</a:t>
             </a:r>
-            <a:endParaRPr lang="en-IN" dirty="0">
-              <a:solidFill>
-                <a:srgbClr val="000000"/>
-              </a:solidFill>
-              <a:effectLst/>
-            </a:endParaRPr>
-          </a:p>
-          <a:p>
-            <a:pPr marL="273050"/>
-            <a:endParaRPr lang="en-IN" dirty="0">
-              <a:solidFill>
-                <a:srgbClr val="000000"/>
-              </a:solidFill>
-              <a:effectLst/>
-            </a:endParaRPr>
           </a:p>
         </p:txBody>
       </p:sp>
@@ -8635,7 +8622,7 @@
         <p:spPr>
           <a:xfrm>
             <a:off x="246600" y="1686842"/>
-            <a:ext cx="11693880" cy="369332"/>
+            <a:ext cx="11693880" cy="707886"/>
           </a:xfrm>
           <a:prstGeom prst="rect">
             <a:avLst/>
@@ -8647,6 +8634,27 @@
             <a:spAutoFit/>
           </a:bodyPr>
           <a:lstStyle/>
+          <a:p>
+            <a:r>
+              <a:rPr lang="pt-BR" spc="-1" dirty="0">
+                <a:solidFill>
+                  <a:srgbClr val="0070C0"/>
+                </a:solidFill>
+                <a:latin typeface="Consolas" panose="020B0609020204030204" pitchFamily="49" charset="0"/>
+                <a:cs typeface="Arial" panose="020B0604020202020204" pitchFamily="34" charset="0"/>
+              </a:rPr>
+              <a:t>MATCH(n) DELETE n</a:t>
+            </a:r>
+          </a:p>
+          <a:p>
+            <a:endParaRPr lang="pt-BR" sz="400" spc="-1" dirty="0">
+              <a:solidFill>
+                <a:srgbClr val="0070C0"/>
+              </a:solidFill>
+              <a:latin typeface="Consolas" panose="020B0609020204030204" pitchFamily="49" charset="0"/>
+              <a:cs typeface="Arial" panose="020B0604020202020204" pitchFamily="34" charset="0"/>
+            </a:endParaRPr>
+          </a:p>
           <a:p>
             <a:r>
               <a:rPr lang="pt-BR" spc="-1" dirty="0">
@@ -8682,8 +8690,8 @@
         </p:nvSpPr>
         <p:spPr>
           <a:xfrm>
-            <a:off x="243604" y="2134800"/>
-            <a:ext cx="11693880" cy="1508105"/>
+            <a:off x="243604" y="2600905"/>
+            <a:ext cx="11693880" cy="1908215"/>
           </a:xfrm>
           <a:prstGeom prst="rect">
             <a:avLst/>
@@ -8755,25 +8763,7 @@
                 </a:solidFill>
                 <a:effectLst/>
               </a:rPr>
-              <a:t> </a:t>
-            </a:r>
-            <a:r>
-              <a:rPr lang="pt-BR" dirty="0">
-                <a:solidFill>
-                  <a:srgbClr val="859900"/>
-                </a:solidFill>
-                <a:effectLst/>
-              </a:rPr>
-              <a:t>detach</a:t>
-            </a:r>
-            <a:r>
-              <a:rPr lang="pt-BR" dirty="0">
-                <a:solidFill>
-                  <a:srgbClr val="333333"/>
-                </a:solidFill>
-                <a:effectLst/>
-              </a:rPr>
-              <a:t> </a:t>
+              <a:t>  </a:t>
             </a:r>
             <a:r>
               <a:rPr lang="pt-BR" dirty="0">
@@ -8799,6 +8789,113 @@
               <a:buFont typeface="Arial" panose="020B0604020202020204" pitchFamily="34" charset="0"/>
               <a:buChar char="•"/>
             </a:pPr>
+            <a:endParaRPr lang="pt-BR" sz="800" dirty="0">
+              <a:solidFill>
+                <a:srgbClr val="333333"/>
+              </a:solidFill>
+              <a:effectLst/>
+            </a:endParaRPr>
+          </a:p>
+          <a:p>
+            <a:pPr marL="285750" indent="-285750">
+              <a:buFont typeface="Arial" panose="020B0604020202020204" pitchFamily="34" charset="0"/>
+              <a:buChar char="•"/>
+            </a:pPr>
+            <a:r>
+              <a:rPr lang="en-IN" dirty="0">
+                <a:solidFill>
+                  <a:schemeClr val="tx1">
+                    <a:lumMod val="50000"/>
+                    <a:lumOff val="50000"/>
+                  </a:schemeClr>
+                </a:solidFill>
+                <a:latin typeface="Gill Sans MT (Body)"/>
+              </a:rPr>
+              <a:t>neo4j$ </a:t>
+            </a:r>
+            <a:r>
+              <a:rPr lang="pt-BR" dirty="0">
+                <a:solidFill>
+                  <a:srgbClr val="859900"/>
+                </a:solidFill>
+                <a:effectLst/>
+              </a:rPr>
+              <a:t>match</a:t>
+            </a:r>
+            <a:r>
+              <a:rPr lang="pt-BR" dirty="0">
+                <a:solidFill>
+                  <a:srgbClr val="586E75"/>
+                </a:solidFill>
+                <a:effectLst/>
+              </a:rPr>
+              <a:t>(</a:t>
+            </a:r>
+            <a:r>
+              <a:rPr lang="pt-BR" dirty="0">
+                <a:solidFill>
+                  <a:srgbClr val="333333"/>
+                </a:solidFill>
+                <a:effectLst/>
+              </a:rPr>
+              <a:t>n</a:t>
+            </a:r>
+            <a:r>
+              <a:rPr lang="pt-BR" dirty="0">
+                <a:solidFill>
+                  <a:srgbClr val="586E75"/>
+                </a:solidFill>
+                <a:effectLst/>
+              </a:rPr>
+              <a:t>)</a:t>
+            </a:r>
+            <a:r>
+              <a:rPr lang="pt-BR" dirty="0">
+                <a:solidFill>
+                  <a:srgbClr val="333333"/>
+                </a:solidFill>
+                <a:effectLst/>
+              </a:rPr>
+              <a:t> </a:t>
+            </a:r>
+            <a:r>
+              <a:rPr lang="pt-BR" dirty="0">
+                <a:solidFill>
+                  <a:srgbClr val="859900"/>
+                </a:solidFill>
+                <a:effectLst/>
+              </a:rPr>
+              <a:t>detach</a:t>
+            </a:r>
+            <a:r>
+              <a:rPr lang="pt-BR" dirty="0">
+                <a:solidFill>
+                  <a:srgbClr val="333333"/>
+                </a:solidFill>
+                <a:effectLst/>
+              </a:rPr>
+              <a:t> </a:t>
+            </a:r>
+            <a:r>
+              <a:rPr lang="pt-BR" dirty="0">
+                <a:solidFill>
+                  <a:srgbClr val="859900"/>
+                </a:solidFill>
+                <a:effectLst/>
+              </a:rPr>
+              <a:t>delete</a:t>
+            </a:r>
+            <a:r>
+              <a:rPr lang="pt-BR" dirty="0">
+                <a:solidFill>
+                  <a:srgbClr val="333333"/>
+                </a:solidFill>
+                <a:effectLst/>
+              </a:rPr>
+              <a:t> n</a:t>
+            </a:r>
+          </a:p>
+          <a:p>
             <a:endParaRPr lang="pt-BR" sz="800" dirty="0">
               <a:solidFill>
                 <a:srgbClr val="333333"/>
@@ -9436,14 +9533,8 @@
                 </a:solidFill>
                 <a:effectLst/>
               </a:rPr>
-              <a:t> n </a:t>
-            </a:r>
-            <a:endParaRPr lang="en-IN" dirty="0">
-              <a:solidFill>
-                <a:srgbClr val="000000"/>
-              </a:solidFill>
-              <a:effectLst/>
-            </a:endParaRPr>
+              <a:t> n</a:t>
+            </a:r>
           </a:p>
         </p:txBody>
       </p:sp>
@@ -9697,7 +9788,7 @@
                 <a:latin typeface="Nunito Sans"/>
                 <a:ea typeface="DejaVu Sans"/>
               </a:rPr>
-              <a:t>match(n)</a:t>
+              <a:t>match(n) with label and ID</a:t>
             </a:r>
             <a:endParaRPr lang="en-IN" sz="4000" b="0" strike="noStrike" spc="-1" dirty="0">
               <a:solidFill>
@@ -9820,7 +9911,7 @@
               <a:buChar char="•"/>
             </a:pPr>
             <a:r>
-              <a:rPr lang="en-IN">
+              <a:rPr lang="en-IN" dirty="0">
                 <a:solidFill>
                   <a:schemeClr val="tx1">
                     <a:lumMod val="50000"/>
@@ -9832,7 +9923,7 @@
               <a:t>neo4j$ </a:t>
             </a:r>
             <a:r>
-              <a:rPr lang="en-US">
+              <a:rPr lang="en-US" dirty="0">
                 <a:solidFill>
                   <a:srgbClr val="859900"/>
                 </a:solidFill>
@@ -9842,7 +9933,7 @@
               <a:t>match</a:t>
             </a:r>
             <a:r>
-              <a:rPr lang="en-IN">
+              <a:rPr lang="en-IN" dirty="0">
                 <a:solidFill>
                   <a:schemeClr val="accent6">
                     <a:lumMod val="50000"/>
@@ -9853,7 +9944,7 @@
               <a:t>(n) </a:t>
             </a:r>
             <a:r>
-              <a:rPr lang="en-US">
+              <a:rPr lang="en-US" dirty="0">
                 <a:solidFill>
                   <a:srgbClr val="859900"/>
                 </a:solidFill>
@@ -9863,7 +9954,7 @@
               <a:t> return </a:t>
             </a:r>
             <a:r>
-              <a:rPr lang="en-IN">
+              <a:rPr lang="en-IN" dirty="0">
                 <a:solidFill>
                   <a:schemeClr val="accent6">
                     <a:lumMod val="50000"/>
@@ -9871,7 +9962,7 @@
                 </a:solidFill>
                 <a:latin typeface="Gill Sans MT (Body)"/>
               </a:rPr>
-              <a:t> n	</a:t>
+              <a:t> n</a:t>
             </a:r>
           </a:p>
           <a:p>
@@ -9879,7 +9970,7 @@
               <a:buFont typeface="Arial" panose="020B0604020202020204" pitchFamily="34" charset="0"/>
               <a:buChar char="•"/>
             </a:pPr>
-            <a:endParaRPr lang="en-IN" sz="800">
+            <a:endParaRPr lang="en-IN" sz="800" dirty="0">
               <a:solidFill>
                 <a:schemeClr val="accent6">
                   <a:lumMod val="50000"/>
@@ -9894,7 +9985,7 @@
               <a:buChar char="•"/>
             </a:pPr>
             <a:r>
-              <a:rPr lang="en-IN">
+              <a:rPr lang="en-IN" dirty="0">
                 <a:solidFill>
                   <a:schemeClr val="tx1">
                     <a:lumMod val="50000"/>
@@ -9906,7 +9997,7 @@
               <a:t>neo4j$ </a:t>
             </a:r>
             <a:r>
-              <a:rPr lang="en-US">
+              <a:rPr lang="en-US" dirty="0">
                 <a:solidFill>
                   <a:srgbClr val="859900"/>
                 </a:solidFill>
@@ -9916,7 +10007,7 @@
               <a:t>match</a:t>
             </a:r>
             <a:r>
-              <a:rPr lang="en-US">
+              <a:rPr lang="en-US" dirty="0">
                 <a:solidFill>
                   <a:schemeClr val="accent6">
                     <a:lumMod val="50000"/>
@@ -9927,7 +10018,7 @@
               <a:t>(n:Person)</a:t>
             </a:r>
             <a:r>
-              <a:rPr lang="en-IN">
+              <a:rPr lang="en-IN" dirty="0">
                 <a:solidFill>
                   <a:schemeClr val="accent6">
                     <a:lumMod val="50000"/>
@@ -9938,7 +10029,7 @@
               <a:t> </a:t>
             </a:r>
             <a:r>
-              <a:rPr lang="en-US">
+              <a:rPr lang="en-US" dirty="0">
                 <a:solidFill>
                   <a:srgbClr val="859900"/>
                 </a:solidFill>
@@ -9948,7 +10039,7 @@
               <a:t>return</a:t>
             </a:r>
             <a:r>
-              <a:rPr lang="en-IN">
+              <a:rPr lang="en-IN" dirty="0">
                 <a:solidFill>
                   <a:schemeClr val="accent6">
                     <a:lumMod val="50000"/>
@@ -9958,7 +10049,19 @@
               </a:rPr>
               <a:t> n</a:t>
             </a:r>
-            <a:endParaRPr lang="en-US">
+            <a:endParaRPr lang="en-US" dirty="0">
+              <a:solidFill>
+                <a:srgbClr val="C00000"/>
+              </a:solidFill>
+              <a:latin typeface="Gill Sans MT (Body)"/>
+            </a:endParaRPr>
+          </a:p>
+          <a:p>
+            <a:pPr marL="285750" indent="-285750">
+              <a:buFont typeface="Arial" panose="020B0604020202020204" pitchFamily="34" charset="0"/>
+              <a:buChar char="•"/>
+            </a:pPr>
+            <a:endParaRPr lang="en-US" sz="800" dirty="0">
               <a:solidFill>
                 <a:schemeClr val="accent6">
                   <a:lumMod val="50000"/>
@@ -9972,129 +10075,126 @@
               <a:buFont typeface="Arial" panose="020B0604020202020204" pitchFamily="34" charset="0"/>
               <a:buChar char="•"/>
             </a:pPr>
-            <a:endParaRPr lang="en-US" sz="800">
-              <a:solidFill>
-                <a:schemeClr val="accent6">
-                  <a:lumMod val="50000"/>
-                </a:schemeClr>
-              </a:solidFill>
-              <a:latin typeface="Gill Sans MT (Body)"/>
-            </a:endParaRPr>
+            <a:r>
+              <a:rPr lang="en-IN" dirty="0">
+                <a:solidFill>
+                  <a:schemeClr val="tx1">
+                    <a:lumMod val="50000"/>
+                    <a:lumOff val="50000"/>
+                  </a:schemeClr>
+                </a:solidFill>
+                <a:latin typeface="Gill Sans MT (Body)"/>
+              </a:rPr>
+              <a:t>neo4j$ </a:t>
+            </a:r>
+            <a:r>
+              <a:rPr lang="en-US" dirty="0">
+                <a:solidFill>
+                  <a:srgbClr val="859900"/>
+                </a:solidFill>
+                <a:effectLst/>
+                <a:latin typeface="Gill Sans MT (Body)"/>
+              </a:rPr>
+              <a:t>match</a:t>
+            </a:r>
+            <a:r>
+              <a:rPr lang="en-US" dirty="0">
+                <a:solidFill>
+                  <a:srgbClr val="586E75"/>
+                </a:solidFill>
+                <a:effectLst/>
+                <a:latin typeface="Gill Sans MT (Body)"/>
+              </a:rPr>
+              <a:t>(</a:t>
+            </a:r>
+            <a:r>
+              <a:rPr lang="en-US" dirty="0">
+                <a:solidFill>
+                  <a:srgbClr val="333333"/>
+                </a:solidFill>
+                <a:effectLst/>
+                <a:latin typeface="Gill Sans MT (Body)"/>
+              </a:rPr>
+              <a:t>n</a:t>
+            </a:r>
+            <a:r>
+              <a:rPr lang="en-US" dirty="0">
+                <a:solidFill>
+                  <a:srgbClr val="586E75"/>
+                </a:solidFill>
+                <a:effectLst/>
+                <a:latin typeface="Gill Sans MT (Body)"/>
+              </a:rPr>
+              <a:t>:</a:t>
+            </a:r>
+            <a:r>
+              <a:rPr lang="en-US" dirty="0">
+                <a:solidFill>
+                  <a:srgbClr val="333333"/>
+                </a:solidFill>
+                <a:effectLst/>
+                <a:latin typeface="Gill Sans MT (Body)"/>
+              </a:rPr>
+              <a:t>book</a:t>
+            </a:r>
+            <a:r>
+              <a:rPr lang="en-US" dirty="0">
+                <a:solidFill>
+                  <a:srgbClr val="586E75"/>
+                </a:solidFill>
+                <a:effectLst/>
+                <a:latin typeface="Gill Sans MT (Body)"/>
+              </a:rPr>
+              <a:t>), </a:t>
+            </a:r>
+            <a:r>
+              <a:rPr lang="en-US" dirty="0">
+                <a:solidFill>
+                  <a:schemeClr val="accent6">
+                    <a:lumMod val="50000"/>
+                  </a:schemeClr>
+                </a:solidFill>
+                <a:latin typeface="Gill Sans MT (Body)"/>
+              </a:rPr>
+              <a:t>(m:Person) </a:t>
+            </a:r>
+            <a:r>
+              <a:rPr lang="en-US" dirty="0">
+                <a:solidFill>
+                  <a:srgbClr val="333333"/>
+                </a:solidFill>
+                <a:effectLst/>
+                <a:latin typeface="Gill Sans MT (Body)"/>
+              </a:rPr>
+              <a:t> </a:t>
+            </a:r>
+            <a:r>
+              <a:rPr lang="en-US" dirty="0">
+                <a:solidFill>
+                  <a:srgbClr val="859900"/>
+                </a:solidFill>
+                <a:effectLst/>
+                <a:latin typeface="Gill Sans MT (Body)"/>
+              </a:rPr>
+              <a:t>return</a:t>
+            </a:r>
+            <a:r>
+              <a:rPr lang="en-US" dirty="0">
+                <a:solidFill>
+                  <a:srgbClr val="333333"/>
+                </a:solidFill>
+                <a:effectLst/>
+                <a:latin typeface="Gill Sans MT (Body)"/>
+              </a:rPr>
+              <a:t> n, m</a:t>
+            </a:r>
           </a:p>
           <a:p>
             <a:pPr marL="285750" indent="-285750">
               <a:buFont typeface="Arial" panose="020B0604020202020204" pitchFamily="34" charset="0"/>
               <a:buChar char="•"/>
             </a:pPr>
-            <a:r>
-              <a:rPr lang="en-IN">
-                <a:solidFill>
-                  <a:schemeClr val="tx1">
-                    <a:lumMod val="50000"/>
-                    <a:lumOff val="50000"/>
-                  </a:schemeClr>
-                </a:solidFill>
-                <a:latin typeface="Gill Sans MT (Body)"/>
-              </a:rPr>
-              <a:t>neo4j$ </a:t>
-            </a:r>
-            <a:r>
-              <a:rPr lang="en-US">
-                <a:solidFill>
-                  <a:srgbClr val="859900"/>
-                </a:solidFill>
-                <a:effectLst/>
-                <a:latin typeface="Gill Sans MT (Body)"/>
-              </a:rPr>
-              <a:t>match</a:t>
-            </a:r>
-            <a:r>
-              <a:rPr lang="en-US">
-                <a:solidFill>
-                  <a:srgbClr val="586E75"/>
-                </a:solidFill>
-                <a:effectLst/>
-                <a:latin typeface="Gill Sans MT (Body)"/>
-              </a:rPr>
-              <a:t>(</a:t>
-            </a:r>
-            <a:r>
-              <a:rPr lang="en-US">
-                <a:solidFill>
-                  <a:srgbClr val="333333"/>
-                </a:solidFill>
-                <a:effectLst/>
-                <a:latin typeface="Gill Sans MT (Body)"/>
-              </a:rPr>
-              <a:t>n</a:t>
-            </a:r>
-            <a:r>
-              <a:rPr lang="en-US">
-                <a:solidFill>
-                  <a:srgbClr val="586E75"/>
-                </a:solidFill>
-                <a:effectLst/>
-                <a:latin typeface="Gill Sans MT (Body)"/>
-              </a:rPr>
-              <a:t>:</a:t>
-            </a:r>
-            <a:r>
-              <a:rPr lang="en-US">
-                <a:solidFill>
-                  <a:srgbClr val="333333"/>
-                </a:solidFill>
-                <a:effectLst/>
-                <a:latin typeface="Gill Sans MT (Body)"/>
-              </a:rPr>
-              <a:t>book</a:t>
-            </a:r>
-            <a:r>
-              <a:rPr lang="en-US">
-                <a:solidFill>
-                  <a:srgbClr val="586E75"/>
-                </a:solidFill>
-                <a:effectLst/>
-                <a:latin typeface="Gill Sans MT (Body)"/>
-              </a:rPr>
-              <a:t>)</a:t>
-            </a:r>
-            <a:r>
-              <a:rPr lang="en-US">
-                <a:solidFill>
-                  <a:srgbClr val="333333"/>
-                </a:solidFill>
-                <a:effectLst/>
-                <a:latin typeface="Gill Sans MT (Body)"/>
-              </a:rPr>
-              <a:t> </a:t>
-            </a:r>
-            <a:r>
-              <a:rPr lang="en-US">
-                <a:solidFill>
-                  <a:srgbClr val="859900"/>
-                </a:solidFill>
-                <a:effectLst/>
-                <a:latin typeface="Gill Sans MT (Body)"/>
-              </a:rPr>
-              <a:t>return</a:t>
-            </a:r>
-            <a:r>
-              <a:rPr lang="en-US">
-                <a:solidFill>
-                  <a:srgbClr val="333333"/>
-                </a:solidFill>
-                <a:effectLst/>
-                <a:latin typeface="Gill Sans MT (Body)"/>
-              </a:rPr>
-              <a:t> n</a:t>
-            </a:r>
-          </a:p>
-          <a:p>
-            <a:pPr marL="285750" indent="-285750">
-              <a:buFont typeface="Arial" panose="020B0604020202020204" pitchFamily="34" charset="0"/>
-              <a:buChar char="•"/>
-            </a:pPr>
-            <a:endParaRPr lang="en-US" sz="800">
+            <a:endParaRPr lang="en-US" sz="800" dirty="0">
               <a:solidFill>
                 <a:srgbClr val="333333"/>
               </a:solidFill>
@@ -10107,7 +10207,7 @@
               <a:buChar char="•"/>
             </a:pPr>
             <a:r>
-              <a:rPr lang="en-IN">
+              <a:rPr lang="en-IN" dirty="0">
                 <a:solidFill>
                   <a:schemeClr val="tx1">
                     <a:lumMod val="50000"/>
@@ -10119,7 +10219,7 @@
               <a:t>neo4j$ </a:t>
             </a:r>
             <a:r>
-              <a:rPr lang="en-US">
+              <a:rPr lang="en-US" dirty="0">
                 <a:solidFill>
                   <a:srgbClr val="859900"/>
                 </a:solidFill>
@@ -10128,7 +10228,7 @@
               <a:t>match</a:t>
             </a:r>
             <a:r>
-              <a:rPr lang="en-US">
+              <a:rPr lang="en-US" dirty="0">
                 <a:solidFill>
                   <a:srgbClr val="586E75"/>
                 </a:solidFill>
@@ -10137,7 +10237,7 @@
               <a:t>(</a:t>
             </a:r>
             <a:r>
-              <a:rPr lang="en-US">
+              <a:rPr lang="en-US" dirty="0">
                 <a:solidFill>
                   <a:srgbClr val="333333"/>
                 </a:solidFill>
@@ -10146,7 +10246,7 @@
               <a:t>n</a:t>
             </a:r>
             <a:r>
-              <a:rPr lang="en-US">
+              <a:rPr lang="en-US" dirty="0">
                 <a:solidFill>
                   <a:srgbClr val="586E75"/>
                 </a:solidFill>
@@ -10155,7 +10255,7 @@
               <a:t>)</a:t>
             </a:r>
             <a:r>
-              <a:rPr lang="en-US">
+              <a:rPr lang="en-US" dirty="0">
                 <a:solidFill>
                   <a:srgbClr val="333333"/>
                 </a:solidFill>
@@ -10164,7 +10264,7 @@
               <a:t> </a:t>
             </a:r>
             <a:r>
-              <a:rPr lang="en-US">
+              <a:rPr lang="en-US" dirty="0">
                 <a:solidFill>
                   <a:srgbClr val="859900"/>
                 </a:solidFill>
@@ -10173,7 +10273,7 @@
               <a:t>where</a:t>
             </a:r>
             <a:r>
-              <a:rPr lang="en-US">
+              <a:rPr lang="en-US" dirty="0">
                 <a:solidFill>
                   <a:srgbClr val="333333"/>
                 </a:solidFill>
@@ -10182,7 +10282,7 @@
               <a:t> id</a:t>
             </a:r>
             <a:r>
-              <a:rPr lang="en-US">
+              <a:rPr lang="en-US" dirty="0">
                 <a:solidFill>
                   <a:srgbClr val="586E75"/>
                 </a:solidFill>
@@ -10191,7 +10291,7 @@
               <a:t>(</a:t>
             </a:r>
             <a:r>
-              <a:rPr lang="en-US">
+              <a:rPr lang="en-US" dirty="0">
                 <a:solidFill>
                   <a:srgbClr val="333333"/>
                 </a:solidFill>
@@ -10200,57 +10300,27 @@
               <a:t>n</a:t>
             </a:r>
             <a:r>
-              <a:rPr lang="en-US">
-                <a:solidFill>
-                  <a:srgbClr val="586E75"/>
-                </a:solidFill>
-                <a:effectLst/>
-              </a:rPr>
-              <a:t>)=</a:t>
-            </a:r>
-            <a:r>
-              <a:rPr lang="en-US">
-                <a:solidFill>
-                  <a:srgbClr val="2AA198"/>
-                </a:solidFill>
-                <a:effectLst/>
-              </a:rPr>
-              <a:t>1</a:t>
-            </a:r>
-            <a:r>
-              <a:rPr lang="en-US">
-                <a:solidFill>
-                  <a:srgbClr val="333333"/>
-                </a:solidFill>
-                <a:effectLst/>
-              </a:rPr>
-              <a:t> </a:t>
-            </a:r>
-            <a:r>
-              <a:rPr lang="en-US">
-                <a:solidFill>
-                  <a:srgbClr val="859900"/>
-                </a:solidFill>
-                <a:effectLst/>
-              </a:rPr>
-              <a:t>return</a:t>
-            </a:r>
-            <a:r>
-              <a:rPr lang="en-US">
-                <a:solidFill>
-                  <a:srgbClr val="333333"/>
-                </a:solidFill>
-                <a:effectLst/>
-              </a:rPr>
-              <a:t> n</a:t>
-            </a:r>
+              <a:rPr lang="en-US" dirty="0">
+                <a:solidFill>
+                  <a:srgbClr val="586E75"/>
+                </a:solidFill>
+                <a:effectLst/>
+              </a:rPr>
+              <a:t>)</a:t>
+            </a:r>
+            <a:endParaRPr lang="en-US" dirty="0">
+              <a:solidFill>
+                <a:srgbClr val="333333"/>
+              </a:solidFill>
+              <a:effectLst/>
+            </a:endParaRPr>
           </a:p>
           <a:p>
             <a:pPr marL="285750" indent="-285750">
               <a:buFont typeface="Arial" panose="020B0604020202020204" pitchFamily="34" charset="0"/>
               <a:buChar char="•"/>
             </a:pPr>
-            <a:endParaRPr lang="en-US" sz="800">
+            <a:endParaRPr lang="en-US" sz="800" dirty="0">
               <a:solidFill>
                 <a:srgbClr val="333333"/>
               </a:solidFill>
@@ -10262,7 +10332,7 @@
               <a:buChar char="•"/>
             </a:pPr>
             <a:r>
-              <a:rPr lang="en-IN">
+              <a:rPr lang="en-IN" dirty="0">
                 <a:solidFill>
                   <a:schemeClr val="tx1">
                     <a:lumMod val="50000"/>
@@ -10274,7 +10344,7 @@
               <a:t>neo4j$ </a:t>
             </a:r>
             <a:r>
-              <a:rPr lang="en-US">
+              <a:rPr lang="en-US" dirty="0">
                 <a:solidFill>
                   <a:srgbClr val="859900"/>
                 </a:solidFill>
@@ -10283,7 +10353,7 @@
               <a:t>match</a:t>
             </a:r>
             <a:r>
-              <a:rPr lang="en-US">
+              <a:rPr lang="en-US" dirty="0">
                 <a:solidFill>
                   <a:srgbClr val="586E75"/>
                 </a:solidFill>
@@ -10292,7 +10362,7 @@
               <a:t>(</a:t>
             </a:r>
             <a:r>
-              <a:rPr lang="en-US">
+              <a:rPr lang="en-US" dirty="0">
                 <a:solidFill>
                   <a:srgbClr val="333333"/>
                 </a:solidFill>
@@ -10301,7 +10371,7 @@
               <a:t>n</a:t>
             </a:r>
             <a:r>
-              <a:rPr lang="en-US">
+              <a:rPr lang="en-US" dirty="0">
                 <a:solidFill>
                   <a:srgbClr val="586E75"/>
                 </a:solidFill>
@@ -10310,7 +10380,7 @@
               <a:t>)</a:t>
             </a:r>
             <a:r>
-              <a:rPr lang="en-US">
+              <a:rPr lang="en-US" dirty="0">
                 <a:solidFill>
                   <a:srgbClr val="333333"/>
                 </a:solidFill>
@@ -10319,7 +10389,7 @@
               <a:t> </a:t>
             </a:r>
             <a:r>
-              <a:rPr lang="en-US">
+              <a:rPr lang="en-US" dirty="0">
                 <a:solidFill>
                   <a:srgbClr val="859900"/>
                 </a:solidFill>
@@ -10328,7 +10398,7 @@
               <a:t>return</a:t>
             </a:r>
             <a:r>
-              <a:rPr lang="en-US">
+              <a:rPr lang="en-US" dirty="0">
                 <a:solidFill>
                   <a:srgbClr val="333333"/>
                 </a:solidFill>
@@ -10337,7 +10407,7 @@
               <a:t> id</a:t>
             </a:r>
             <a:r>
-              <a:rPr lang="en-US">
+              <a:rPr lang="en-US" dirty="0">
                 <a:solidFill>
                   <a:srgbClr val="586E75"/>
                 </a:solidFill>
@@ -10346,7 +10416,7 @@
               <a:t>(</a:t>
             </a:r>
             <a:r>
-              <a:rPr lang="en-US">
+              <a:rPr lang="en-US" dirty="0">
                 <a:solidFill>
                   <a:srgbClr val="333333"/>
                 </a:solidFill>
@@ -10355,15 +10425,51 @@
               <a:t>n</a:t>
             </a:r>
             <a:r>
-              <a:rPr lang="en-US">
-                <a:solidFill>
-                  <a:srgbClr val="586E75"/>
-                </a:solidFill>
-                <a:effectLst/>
-              </a:rPr>
-              <a:t>)</a:t>
-            </a:r>
-            <a:endParaRPr lang="en-US">
+              <a:rPr lang="en-US" dirty="0">
+                <a:solidFill>
+                  <a:srgbClr val="586E75"/>
+                </a:solidFill>
+                <a:effectLst/>
+              </a:rPr>
+              <a:t>) =</a:t>
+            </a:r>
+            <a:r>
+              <a:rPr lang="en-US" dirty="0">
+                <a:solidFill>
+                  <a:srgbClr val="2AA198"/>
+                </a:solidFill>
+                <a:effectLst/>
+              </a:rPr>
+              <a:t>1</a:t>
+            </a:r>
+            <a:r>
+              <a:rPr lang="en-US" dirty="0">
+                <a:solidFill>
+                  <a:srgbClr val="333333"/>
+                </a:solidFill>
+                <a:effectLst/>
+              </a:rPr>
+              <a:t> </a:t>
+            </a:r>
+            <a:r>
+              <a:rPr lang="en-US" dirty="0">
+                <a:solidFill>
+                  <a:srgbClr val="859900"/>
+                </a:solidFill>
+                <a:effectLst/>
+              </a:rPr>
+              <a:t>return</a:t>
+            </a:r>
+            <a:r>
+              <a:rPr lang="en-US" dirty="0">
+                <a:solidFill>
+                  <a:srgbClr val="333333"/>
+                </a:solidFill>
+                <a:effectLst/>
+              </a:rPr>
+              <a:t> n</a:t>
+            </a:r>
+            <a:endParaRPr lang="en-US" dirty="0">
               <a:solidFill>
                 <a:srgbClr val="000000"/>
               </a:solidFill>
@@ -10375,7 +10481,7 @@
               <a:buFont typeface="Arial" panose="020B0604020202020204" pitchFamily="34" charset="0"/>
               <a:buChar char="•"/>
             </a:pPr>
-            <a:endParaRPr lang="en-IN" sz="800">
+            <a:endParaRPr lang="en-IN" sz="800" dirty="0">
               <a:solidFill>
                 <a:schemeClr val="tx1">
                   <a:lumMod val="50000"/>
@@ -10391,7 +10497,7 @@
               <a:buChar char="•"/>
             </a:pPr>
             <a:r>
-              <a:rPr lang="en-IN">
+              <a:rPr lang="en-IN" dirty="0">
                 <a:solidFill>
                   <a:schemeClr val="tx1">
                     <a:lumMod val="50000"/>
@@ -10403,7 +10509,7 @@
               <a:t>neo4j$ </a:t>
             </a:r>
             <a:r>
-              <a:rPr lang="en-US">
+              <a:rPr lang="en-US" dirty="0">
                 <a:solidFill>
                   <a:srgbClr val="859900"/>
                 </a:solidFill>
@@ -10412,7 +10518,7 @@
               <a:t>match</a:t>
             </a:r>
             <a:r>
-              <a:rPr lang="en-US">
+              <a:rPr lang="en-US" dirty="0">
                 <a:solidFill>
                   <a:srgbClr val="586E75"/>
                 </a:solidFill>
@@ -10421,7 +10527,7 @@
               <a:t>(</a:t>
             </a:r>
             <a:r>
-              <a:rPr lang="en-US">
+              <a:rPr lang="en-US" dirty="0">
                 <a:solidFill>
                   <a:srgbClr val="333333"/>
                 </a:solidFill>
@@ -10430,7 +10536,7 @@
               <a:t>n</a:t>
             </a:r>
             <a:r>
-              <a:rPr lang="en-US">
+              <a:rPr lang="en-US" dirty="0">
                 <a:solidFill>
                   <a:srgbClr val="586E75"/>
                 </a:solidFill>
@@ -10439,7 +10545,7 @@
               <a:t>)</a:t>
             </a:r>
             <a:r>
-              <a:rPr lang="en-US">
+              <a:rPr lang="en-US" dirty="0">
                 <a:solidFill>
                   <a:srgbClr val="333333"/>
                 </a:solidFill>
@@ -10448,7 +10554,7 @@
               <a:t> </a:t>
             </a:r>
             <a:r>
-              <a:rPr lang="en-US">
+              <a:rPr lang="en-US" dirty="0">
                 <a:solidFill>
                   <a:srgbClr val="859900"/>
                 </a:solidFill>
@@ -10457,7 +10563,7 @@
               <a:t>where</a:t>
             </a:r>
             <a:r>
-              <a:rPr lang="en-US">
+              <a:rPr lang="en-US" dirty="0">
                 <a:solidFill>
                   <a:srgbClr val="333333"/>
                 </a:solidFill>
@@ -10466,7 +10572,7 @@
               <a:t> id</a:t>
             </a:r>
             <a:r>
-              <a:rPr lang="en-US">
+              <a:rPr lang="en-US" dirty="0">
                 <a:solidFill>
                   <a:srgbClr val="586E75"/>
                 </a:solidFill>
@@ -10475,7 +10581,7 @@
               <a:t>(</a:t>
             </a:r>
             <a:r>
-              <a:rPr lang="en-US">
+              <a:rPr lang="en-US" dirty="0">
                 <a:solidFill>
                   <a:srgbClr val="333333"/>
                 </a:solidFill>
@@ -10484,7 +10590,7 @@
               <a:t>n</a:t>
             </a:r>
             <a:r>
-              <a:rPr lang="en-US">
+              <a:rPr lang="en-US" dirty="0">
                 <a:solidFill>
                   <a:srgbClr val="586E75"/>
                 </a:solidFill>
@@ -10493,7 +10599,7 @@
               <a:t>)=</a:t>
             </a:r>
             <a:r>
-              <a:rPr lang="en-US">
+              <a:rPr lang="en-US" dirty="0">
                 <a:solidFill>
                   <a:srgbClr val="2AA198"/>
                 </a:solidFill>
@@ -10502,7 +10608,7 @@
               <a:t>0</a:t>
             </a:r>
             <a:r>
-              <a:rPr lang="en-US">
+              <a:rPr lang="en-US" dirty="0">
                 <a:solidFill>
                   <a:srgbClr val="333333"/>
                 </a:solidFill>
@@ -10511,7 +10617,7 @@
               <a:t> </a:t>
             </a:r>
             <a:r>
-              <a:rPr lang="en-US">
+              <a:rPr lang="en-US" dirty="0">
                 <a:solidFill>
                   <a:srgbClr val="859900"/>
                 </a:solidFill>
@@ -10520,7 +10626,7 @@
               <a:t>or</a:t>
             </a:r>
             <a:r>
-              <a:rPr lang="en-US">
+              <a:rPr lang="en-US" dirty="0">
                 <a:solidFill>
                   <a:srgbClr val="333333"/>
                 </a:solidFill>
@@ -10529,7 +10635,7 @@
               <a:t> id</a:t>
             </a:r>
             <a:r>
-              <a:rPr lang="en-US">
+              <a:rPr lang="en-US" dirty="0">
                 <a:solidFill>
                   <a:srgbClr val="586E75"/>
                 </a:solidFill>
@@ -10538,7 +10644,7 @@
               <a:t>(</a:t>
             </a:r>
             <a:r>
-              <a:rPr lang="en-US">
+              <a:rPr lang="en-US" dirty="0">
                 <a:solidFill>
                   <a:srgbClr val="333333"/>
                 </a:solidFill>
@@ -10547,7 +10653,7 @@
               <a:t>n</a:t>
             </a:r>
             <a:r>
-              <a:rPr lang="en-US">
+              <a:rPr lang="en-US" dirty="0">
                 <a:solidFill>
                   <a:srgbClr val="586E75"/>
                 </a:solidFill>
@@ -10556,7 +10662,7 @@
               <a:t>)=</a:t>
             </a:r>
             <a:r>
-              <a:rPr lang="en-US">
+              <a:rPr lang="en-US" dirty="0">
                 <a:solidFill>
                   <a:srgbClr val="2AA198"/>
                 </a:solidFill>
@@ -10565,7 +10671,7 @@
               <a:t>2</a:t>
             </a:r>
             <a:r>
-              <a:rPr lang="en-US">
+              <a:rPr lang="en-US" dirty="0">
                 <a:solidFill>
                   <a:srgbClr val="333333"/>
                 </a:solidFill>
@@ -10574,7 +10680,7 @@
               <a:t> </a:t>
             </a:r>
             <a:r>
-              <a:rPr lang="en-US">
+              <a:rPr lang="en-US" dirty="0">
                 <a:solidFill>
                   <a:srgbClr val="859900"/>
                 </a:solidFill>
@@ -10583,7 +10689,7 @@
               <a:t>or</a:t>
             </a:r>
             <a:r>
-              <a:rPr lang="en-US">
+              <a:rPr lang="en-US" dirty="0">
                 <a:solidFill>
                   <a:srgbClr val="333333"/>
                 </a:solidFill>
@@ -10592,7 +10698,7 @@
               <a:t> id</a:t>
             </a:r>
             <a:r>
-              <a:rPr lang="en-US">
+              <a:rPr lang="en-US" dirty="0">
                 <a:solidFill>
                   <a:srgbClr val="586E75"/>
                 </a:solidFill>
@@ -10601,7 +10707,7 @@
               <a:t>(</a:t>
             </a:r>
             <a:r>
-              <a:rPr lang="en-US">
+              <a:rPr lang="en-US" dirty="0">
                 <a:solidFill>
                   <a:srgbClr val="333333"/>
                 </a:solidFill>
@@ -10610,7 +10716,7 @@
               <a:t>n</a:t>
             </a:r>
             <a:r>
-              <a:rPr lang="en-US">
+              <a:rPr lang="en-US" dirty="0">
                 <a:solidFill>
                   <a:srgbClr val="586E75"/>
                 </a:solidFill>
@@ -10619,7 +10725,7 @@
               <a:t>)=</a:t>
             </a:r>
             <a:r>
-              <a:rPr lang="en-US">
+              <a:rPr lang="en-US" dirty="0">
                 <a:solidFill>
                   <a:srgbClr val="2AA198"/>
                 </a:solidFill>
@@ -10628,7 +10734,7 @@
               <a:t>3</a:t>
             </a:r>
             <a:r>
-              <a:rPr lang="en-US">
+              <a:rPr lang="en-US" dirty="0">
                 <a:solidFill>
                   <a:srgbClr val="333333"/>
                 </a:solidFill>
@@ -10637,7 +10743,7 @@
               <a:t> </a:t>
             </a:r>
             <a:r>
-              <a:rPr lang="en-US">
+              <a:rPr lang="en-US" dirty="0">
                 <a:solidFill>
                   <a:srgbClr val="859900"/>
                 </a:solidFill>
@@ -10646,249 +10752,7 @@
               <a:t>return</a:t>
             </a:r>
             <a:r>
-              <a:rPr lang="en-US">
-                <a:solidFill>
-                  <a:srgbClr val="333333"/>
-                </a:solidFill>
-                <a:effectLst/>
-              </a:rPr>
-              <a:t> n</a:t>
-            </a:r>
-            <a:endParaRPr lang="en-US">
-              <a:solidFill>
-                <a:srgbClr val="000000"/>
-              </a:solidFill>
-              <a:effectLst/>
-            </a:endParaRPr>
-          </a:p>
-          <a:p>
-            <a:pPr marL="285750" indent="-285750">
-              <a:buFont typeface="Arial" panose="020B0604020202020204" pitchFamily="34" charset="0"/>
-              <a:buChar char="•"/>
-            </a:pPr>
-            <a:endParaRPr lang="en-US" sz="800">
-              <a:solidFill>
-                <a:srgbClr val="333333"/>
-              </a:solidFill>
-            </a:endParaRPr>
-          </a:p>
-          <a:p>
-            <a:pPr marL="285750" indent="-285750">
-              <a:buFont typeface="Arial" panose="020B0604020202020204" pitchFamily="34" charset="0"/>
-              <a:buChar char="•"/>
-            </a:pPr>
-            <a:r>
-              <a:rPr lang="en-IN">
-                <a:solidFill>
-                  <a:schemeClr val="tx1">
-                    <a:lumMod val="50000"/>
-                    <a:lumOff val="50000"/>
-                  </a:schemeClr>
-                </a:solidFill>
-                <a:latin typeface="Gill Sans MT (Body)"/>
-              </a:rPr>
-              <a:t>neo4j$ </a:t>
-            </a:r>
-            <a:r>
-              <a:rPr lang="en-US">
-                <a:solidFill>
-                  <a:srgbClr val="859900"/>
-                </a:solidFill>
-                <a:effectLst/>
-              </a:rPr>
-              <a:t>match</a:t>
-            </a:r>
-            <a:r>
-              <a:rPr lang="en-US">
-                <a:solidFill>
-                  <a:srgbClr val="586E75"/>
-                </a:solidFill>
-                <a:effectLst/>
-              </a:rPr>
-              <a:t>(</a:t>
-            </a:r>
-            <a:r>
-              <a:rPr lang="en-US">
-                <a:solidFill>
-                  <a:srgbClr val="333333"/>
-                </a:solidFill>
-                <a:effectLst/>
-              </a:rPr>
-              <a:t>n</a:t>
-            </a:r>
-            <a:r>
-              <a:rPr lang="en-US">
-                <a:solidFill>
-                  <a:srgbClr val="586E75"/>
-                </a:solidFill>
-                <a:effectLst/>
-              </a:rPr>
-              <a:t>)</a:t>
-            </a:r>
-            <a:r>
-              <a:rPr lang="en-US">
-                <a:solidFill>
-                  <a:srgbClr val="333333"/>
-                </a:solidFill>
-                <a:effectLst/>
-              </a:rPr>
-              <a:t> </a:t>
-            </a:r>
-            <a:r>
-              <a:rPr lang="en-US">
-                <a:solidFill>
-                  <a:srgbClr val="859900"/>
-                </a:solidFill>
-                <a:effectLst/>
-              </a:rPr>
-              <a:t>where</a:t>
-            </a:r>
-            <a:r>
-              <a:rPr lang="en-US">
-                <a:solidFill>
-                  <a:srgbClr val="333333"/>
-                </a:solidFill>
-                <a:effectLst/>
-              </a:rPr>
-              <a:t> id</a:t>
-            </a:r>
-            <a:r>
-              <a:rPr lang="en-US">
-                <a:solidFill>
-                  <a:srgbClr val="586E75"/>
-                </a:solidFill>
-                <a:effectLst/>
-              </a:rPr>
-              <a:t>(</a:t>
-            </a:r>
-            <a:r>
-              <a:rPr lang="en-US">
-                <a:solidFill>
-                  <a:srgbClr val="333333"/>
-                </a:solidFill>
-                <a:effectLst/>
-              </a:rPr>
-              <a:t>n</a:t>
-            </a:r>
-            <a:r>
-              <a:rPr lang="en-US">
-                <a:solidFill>
-                  <a:srgbClr val="586E75"/>
-                </a:solidFill>
-                <a:effectLst/>
-              </a:rPr>
-              <a:t>)</a:t>
-            </a:r>
-            <a:r>
-              <a:rPr lang="en-US">
-                <a:solidFill>
-                  <a:srgbClr val="333333"/>
-                </a:solidFill>
-                <a:effectLst/>
-              </a:rPr>
-              <a:t> </a:t>
-            </a:r>
-            <a:r>
-              <a:rPr lang="en-US">
-                <a:solidFill>
-                  <a:srgbClr val="859900"/>
-                </a:solidFill>
-                <a:effectLst/>
-              </a:rPr>
-              <a:t>in</a:t>
-            </a:r>
-            <a:r>
-              <a:rPr lang="en-US">
-                <a:solidFill>
-                  <a:srgbClr val="333333"/>
-                </a:solidFill>
-                <a:effectLst/>
-              </a:rPr>
-              <a:t> </a:t>
-            </a:r>
-            <a:r>
-              <a:rPr lang="en-US">
-                <a:solidFill>
-                  <a:srgbClr val="586E75"/>
-                </a:solidFill>
-                <a:effectLst/>
-              </a:rPr>
-              <a:t>[ </a:t>
-            </a:r>
-            <a:r>
-              <a:rPr lang="en-US">
-                <a:solidFill>
-                  <a:srgbClr val="2AA198"/>
-                </a:solidFill>
-                <a:effectLst/>
-              </a:rPr>
-              <a:t>0</a:t>
-            </a:r>
-            <a:r>
-              <a:rPr lang="en-US">
-                <a:solidFill>
-                  <a:srgbClr val="586E75"/>
-                </a:solidFill>
-                <a:effectLst/>
-              </a:rPr>
-              <a:t>, </a:t>
-            </a:r>
-            <a:r>
-              <a:rPr lang="en-US">
-                <a:solidFill>
-                  <a:srgbClr val="2AA198"/>
-                </a:solidFill>
-                <a:effectLst/>
-              </a:rPr>
-              <a:t>2</a:t>
-            </a:r>
-            <a:r>
-              <a:rPr lang="en-US">
-                <a:solidFill>
-                  <a:srgbClr val="586E75"/>
-                </a:solidFill>
-                <a:effectLst/>
-              </a:rPr>
-              <a:t>, </a:t>
-            </a:r>
-            <a:r>
-              <a:rPr lang="en-US">
-                <a:solidFill>
-                  <a:srgbClr val="2AA198"/>
-                </a:solidFill>
-                <a:effectLst/>
-              </a:rPr>
-              <a:t>3 </a:t>
-            </a:r>
-            <a:r>
-              <a:rPr lang="en-US">
-                <a:solidFill>
-                  <a:srgbClr val="586E75"/>
-                </a:solidFill>
-                <a:effectLst/>
-              </a:rPr>
-              <a:t>]</a:t>
-            </a:r>
-            <a:r>
-              <a:rPr lang="en-US">
-                <a:solidFill>
-                  <a:srgbClr val="333333"/>
-                </a:solidFill>
-                <a:effectLst/>
-              </a:rPr>
-              <a:t> </a:t>
-            </a:r>
-            <a:r>
-              <a:rPr lang="en-US">
-                <a:solidFill>
-                  <a:srgbClr val="859900"/>
-                </a:solidFill>
-                <a:effectLst/>
-              </a:rPr>
-              <a:t>return</a:t>
-            </a:r>
-            <a:r>
-              <a:rPr lang="en-US">
+              <a:rPr lang="en-US" dirty="0">
                 <a:solidFill>
                   <a:srgbClr val="333333"/>
                 </a:solidFill>
@@ -10902,6 +10766,242 @@
               </a:solidFill>
               <a:effectLst/>
             </a:endParaRPr>
+          </a:p>
+          <a:p>
+            <a:pPr marL="285750" indent="-285750">
+              <a:buFont typeface="Arial" panose="020B0604020202020204" pitchFamily="34" charset="0"/>
+              <a:buChar char="•"/>
+            </a:pPr>
+            <a:endParaRPr lang="en-US" sz="800" dirty="0">
+              <a:solidFill>
+                <a:srgbClr val="333333"/>
+              </a:solidFill>
+            </a:endParaRPr>
+          </a:p>
+          <a:p>
+            <a:pPr marL="285750" indent="-285750">
+              <a:buFont typeface="Arial" panose="020B0604020202020204" pitchFamily="34" charset="0"/>
+              <a:buChar char="•"/>
+            </a:pPr>
+            <a:r>
+              <a:rPr lang="en-IN" dirty="0">
+                <a:solidFill>
+                  <a:schemeClr val="tx1">
+                    <a:lumMod val="50000"/>
+                    <a:lumOff val="50000"/>
+                  </a:schemeClr>
+                </a:solidFill>
+                <a:latin typeface="Gill Sans MT (Body)"/>
+              </a:rPr>
+              <a:t>neo4j$ </a:t>
+            </a:r>
+            <a:r>
+              <a:rPr lang="en-US" dirty="0">
+                <a:solidFill>
+                  <a:srgbClr val="859900"/>
+                </a:solidFill>
+                <a:effectLst/>
+              </a:rPr>
+              <a:t>match</a:t>
+            </a:r>
+            <a:r>
+              <a:rPr lang="en-US" dirty="0">
+                <a:solidFill>
+                  <a:srgbClr val="586E75"/>
+                </a:solidFill>
+                <a:effectLst/>
+              </a:rPr>
+              <a:t>(</a:t>
+            </a:r>
+            <a:r>
+              <a:rPr lang="en-US" dirty="0">
+                <a:solidFill>
+                  <a:srgbClr val="333333"/>
+                </a:solidFill>
+                <a:effectLst/>
+              </a:rPr>
+              <a:t>n</a:t>
+            </a:r>
+            <a:r>
+              <a:rPr lang="en-US" dirty="0">
+                <a:solidFill>
+                  <a:srgbClr val="586E75"/>
+                </a:solidFill>
+                <a:effectLst/>
+              </a:rPr>
+              <a:t>)</a:t>
+            </a:r>
+            <a:r>
+              <a:rPr lang="en-US" dirty="0">
+                <a:solidFill>
+                  <a:srgbClr val="333333"/>
+                </a:solidFill>
+                <a:effectLst/>
+              </a:rPr>
+              <a:t> </a:t>
+            </a:r>
+            <a:r>
+              <a:rPr lang="en-US" dirty="0">
+                <a:solidFill>
+                  <a:srgbClr val="859900"/>
+                </a:solidFill>
+                <a:effectLst/>
+              </a:rPr>
+              <a:t>where</a:t>
+            </a:r>
+            <a:r>
+              <a:rPr lang="en-US" dirty="0">
+                <a:solidFill>
+                  <a:srgbClr val="333333"/>
+                </a:solidFill>
+                <a:effectLst/>
+              </a:rPr>
+              <a:t> id</a:t>
+            </a:r>
+            <a:r>
+              <a:rPr lang="en-US" dirty="0">
+                <a:solidFill>
+                  <a:srgbClr val="586E75"/>
+                </a:solidFill>
+                <a:effectLst/>
+              </a:rPr>
+              <a:t>(</a:t>
+            </a:r>
+            <a:r>
+              <a:rPr lang="en-US" dirty="0">
+                <a:solidFill>
+                  <a:srgbClr val="333333"/>
+                </a:solidFill>
+                <a:effectLst/>
+              </a:rPr>
+              <a:t>n</a:t>
+            </a:r>
+            <a:r>
+              <a:rPr lang="en-US" dirty="0">
+                <a:solidFill>
+                  <a:srgbClr val="586E75"/>
+                </a:solidFill>
+                <a:effectLst/>
+              </a:rPr>
+              <a:t>)</a:t>
+            </a:r>
+            <a:r>
+              <a:rPr lang="en-US" dirty="0">
+                <a:solidFill>
+                  <a:srgbClr val="333333"/>
+                </a:solidFill>
+                <a:effectLst/>
+              </a:rPr>
+              <a:t> </a:t>
+            </a:r>
+            <a:r>
+              <a:rPr lang="en-US" dirty="0">
+                <a:solidFill>
+                  <a:srgbClr val="859900"/>
+                </a:solidFill>
+                <a:effectLst/>
+              </a:rPr>
+              <a:t>in</a:t>
+            </a:r>
+            <a:r>
+              <a:rPr lang="en-US" dirty="0">
+                <a:solidFill>
+                  <a:srgbClr val="333333"/>
+                </a:solidFill>
+                <a:effectLst/>
+              </a:rPr>
+              <a:t> </a:t>
+            </a:r>
+            <a:r>
+              <a:rPr lang="en-US" dirty="0">
+                <a:solidFill>
+                  <a:srgbClr val="586E75"/>
+                </a:solidFill>
+                <a:effectLst/>
+              </a:rPr>
+              <a:t>[ </a:t>
+            </a:r>
+            <a:r>
+              <a:rPr lang="en-US" dirty="0">
+                <a:solidFill>
+                  <a:srgbClr val="2AA198"/>
+                </a:solidFill>
+                <a:effectLst/>
+              </a:rPr>
+              <a:t>0</a:t>
+            </a:r>
+            <a:r>
+              <a:rPr lang="en-US" dirty="0">
+                <a:solidFill>
+                  <a:srgbClr val="586E75"/>
+                </a:solidFill>
+                <a:effectLst/>
+              </a:rPr>
+              <a:t>, </a:t>
+            </a:r>
+            <a:r>
+              <a:rPr lang="en-US" dirty="0">
+                <a:solidFill>
+                  <a:srgbClr val="2AA198"/>
+                </a:solidFill>
+                <a:effectLst/>
+              </a:rPr>
+              <a:t>2</a:t>
+            </a:r>
+            <a:r>
+              <a:rPr lang="en-US" dirty="0">
+                <a:solidFill>
+                  <a:srgbClr val="586E75"/>
+                </a:solidFill>
+                <a:effectLst/>
+              </a:rPr>
+              <a:t>, </a:t>
+            </a:r>
+            <a:r>
+              <a:rPr lang="en-US" dirty="0">
+                <a:solidFill>
+                  <a:srgbClr val="2AA198"/>
+                </a:solidFill>
+                <a:effectLst/>
+              </a:rPr>
+              <a:t>3 </a:t>
+            </a:r>
+            <a:r>
+              <a:rPr lang="en-US" dirty="0">
+                <a:solidFill>
+                  <a:srgbClr val="586E75"/>
+                </a:solidFill>
+                <a:effectLst/>
+              </a:rPr>
+              <a:t>]</a:t>
+            </a:r>
+            <a:r>
+              <a:rPr lang="en-US" dirty="0">
+                <a:solidFill>
+                  <a:srgbClr val="333333"/>
+                </a:solidFill>
+                <a:effectLst/>
+              </a:rPr>
+              <a:t> </a:t>
+            </a:r>
+            <a:r>
+              <a:rPr lang="en-US" dirty="0">
+                <a:solidFill>
+                  <a:srgbClr val="859900"/>
+                </a:solidFill>
+                <a:effectLst/>
+              </a:rPr>
+              <a:t>return</a:t>
+            </a:r>
+            <a:r>
+              <a:rPr lang="en-US" dirty="0">
+                <a:solidFill>
+                  <a:srgbClr val="333333"/>
+                </a:solidFill>
+                <a:effectLst/>
+              </a:rPr>
+              <a:t> n</a:t>
+            </a:r>
           </a:p>
         </p:txBody>
       </p:sp>
@@ -11104,6 +11204,73 @@
       </p:sp>
       <p:sp>
         <p:nvSpPr>
+          <p:cNvPr id="105" name="CustomShape 6"/>
+          <p:cNvSpPr/>
+          <p:nvPr/>
+        </p:nvSpPr>
+        <p:spPr>
+          <a:xfrm>
+            <a:off x="246600" y="0"/>
+            <a:ext cx="11693880" cy="706432"/>
+          </a:xfrm>
+          <a:prstGeom prst="rect">
+            <a:avLst/>
+          </a:prstGeom>
+          <a:solidFill>
+            <a:schemeClr val="accent6">
+              <a:lumMod val="75000"/>
+            </a:schemeClr>
+          </a:solidFill>
+          <a:ln>
+            <a:noFill/>
+          </a:ln>
+        </p:spPr>
+        <p:style>
+          <a:lnRef idx="0">
+            <a:scrgbClr r="0" g="0" b="0"/>
+          </a:lnRef>
+          <a:fillRef idx="0">
+            <a:scrgbClr r="0" g="0" b="0"/>
+          </a:fillRef>
+          <a:effectRef idx="0">
+            <a:scrgbClr r="0" g="0" b="0"/>
+          </a:effectRef>
+          <a:fontRef idx="minor"/>
+        </p:style>
+        <p:txBody>
+          <a:bodyPr lIns="90000" tIns="45000" rIns="90000" bIns="45000">
+            <a:spAutoFit/>
+          </a:bodyPr>
+          <a:lstStyle/>
+          <a:p>
+            <a:pPr algn="r"/>
+            <a:r>
+              <a:rPr lang="en-IN" sz="4000" b="0" strike="noStrike" spc="-1" dirty="0">
+                <a:solidFill>
+                  <a:schemeClr val="accent6">
+                    <a:lumMod val="60000"/>
+                    <a:lumOff val="40000"/>
+                  </a:schemeClr>
+                </a:solidFill>
+                <a:latin typeface="Nunito Sans"/>
+                <a:ea typeface="DejaVu Sans"/>
+              </a:rPr>
+              <a:t>match(n) with property</a:t>
+            </a:r>
+            <a:endParaRPr lang="en-IN" sz="4000" b="0" strike="noStrike" spc="-1" dirty="0">
+              <a:solidFill>
+                <a:schemeClr val="accent6">
+                  <a:lumMod val="60000"/>
+                  <a:lumOff val="40000"/>
+                </a:schemeClr>
+              </a:solidFill>
+              <a:latin typeface="Nunito Sans"/>
+            </a:endParaRPr>
+          </a:p>
+        </p:txBody>
+      </p:sp>
+      <p:sp>
+        <p:nvSpPr>
           <p:cNvPr id="108" name="Line 9"/>
           <p:cNvSpPr/>
           <p:nvPr/>
@@ -11193,6 +11360,751 @@
         <p:spPr>
           <a:xfrm>
             <a:off x="243604" y="2134800"/>
+            <a:ext cx="11693880" cy="1169551"/>
+          </a:xfrm>
+          <a:prstGeom prst="rect">
+            <a:avLst/>
+          </a:prstGeom>
+          <a:noFill/>
+        </p:spPr>
+        <p:txBody>
+          <a:bodyPr wrap="square">
+            <a:spAutoFit/>
+          </a:bodyPr>
+          <a:lstStyle/>
+          <a:p>
+            <a:pPr marL="285750" indent="-285750">
+              <a:buFont typeface="Arial" panose="020B0604020202020204" pitchFamily="34" charset="0"/>
+              <a:buChar char="•"/>
+            </a:pPr>
+            <a:r>
+              <a:rPr lang="en-IN" dirty="0">
+                <a:solidFill>
+                  <a:schemeClr val="tx1">
+                    <a:lumMod val="50000"/>
+                    <a:lumOff val="50000"/>
+                  </a:schemeClr>
+                </a:solidFill>
+                <a:latin typeface="Gill Sans MT (Body)"/>
+              </a:rPr>
+              <a:t>neo4j$ </a:t>
+            </a:r>
+            <a:r>
+              <a:rPr lang="en-US" dirty="0">
+                <a:solidFill>
+                  <a:srgbClr val="859900"/>
+                </a:solidFill>
+                <a:effectLst/>
+              </a:rPr>
+              <a:t>match</a:t>
+            </a:r>
+            <a:r>
+              <a:rPr lang="en-US" dirty="0">
+                <a:solidFill>
+                  <a:srgbClr val="586E75"/>
+                </a:solidFill>
+                <a:effectLst/>
+              </a:rPr>
+              <a:t>(</a:t>
+            </a:r>
+            <a:r>
+              <a:rPr lang="en-US" dirty="0">
+                <a:solidFill>
+                  <a:srgbClr val="333333"/>
+                </a:solidFill>
+                <a:effectLst/>
+              </a:rPr>
+              <a:t>n</a:t>
+            </a:r>
+            <a:r>
+              <a:rPr lang="en-US" dirty="0">
+                <a:solidFill>
+                  <a:srgbClr val="586E75"/>
+                </a:solidFill>
+                <a:effectLst/>
+              </a:rPr>
+              <a:t>)</a:t>
+            </a:r>
+            <a:r>
+              <a:rPr lang="en-US" dirty="0">
+                <a:solidFill>
+                  <a:srgbClr val="333333"/>
+                </a:solidFill>
+                <a:effectLst/>
+              </a:rPr>
+              <a:t> </a:t>
+            </a:r>
+            <a:r>
+              <a:rPr lang="en-US" dirty="0">
+                <a:solidFill>
+                  <a:srgbClr val="859900"/>
+                </a:solidFill>
+                <a:effectLst/>
+              </a:rPr>
+              <a:t>where</a:t>
+            </a:r>
+            <a:r>
+              <a:rPr lang="en-US" dirty="0">
+                <a:solidFill>
+                  <a:srgbClr val="333333"/>
+                </a:solidFill>
+                <a:effectLst/>
+              </a:rPr>
+              <a:t> n</a:t>
+            </a:r>
+            <a:r>
+              <a:rPr lang="en-US" dirty="0">
+                <a:solidFill>
+                  <a:srgbClr val="586E75"/>
+                </a:solidFill>
+                <a:effectLst/>
+              </a:rPr>
+              <a:t>.</a:t>
+            </a:r>
+            <a:r>
+              <a:rPr lang="en-US" dirty="0">
+                <a:solidFill>
+                  <a:srgbClr val="333333"/>
+                </a:solidFill>
+                <a:effectLst/>
+              </a:rPr>
+              <a:t>name </a:t>
+            </a:r>
+            <a:r>
+              <a:rPr lang="en-US" dirty="0">
+                <a:solidFill>
+                  <a:srgbClr val="586E75"/>
+                </a:solidFill>
+                <a:effectLst/>
+              </a:rPr>
+              <a:t>=</a:t>
+            </a:r>
+            <a:r>
+              <a:rPr lang="en-US" dirty="0">
+                <a:solidFill>
+                  <a:srgbClr val="B58900"/>
+                </a:solidFill>
+                <a:effectLst/>
+              </a:rPr>
+              <a:t>'ruhan'</a:t>
+            </a:r>
+            <a:r>
+              <a:rPr lang="en-US" dirty="0">
+                <a:solidFill>
+                  <a:srgbClr val="333333"/>
+                </a:solidFill>
+                <a:effectLst/>
+              </a:rPr>
+              <a:t> </a:t>
+            </a:r>
+            <a:r>
+              <a:rPr lang="en-US" dirty="0">
+                <a:solidFill>
+                  <a:srgbClr val="859900"/>
+                </a:solidFill>
+                <a:effectLst/>
+              </a:rPr>
+              <a:t>return</a:t>
+            </a:r>
+            <a:r>
+              <a:rPr lang="en-US" dirty="0">
+                <a:solidFill>
+                  <a:srgbClr val="333333"/>
+                </a:solidFill>
+                <a:effectLst/>
+              </a:rPr>
+              <a:t> n</a:t>
+            </a:r>
+          </a:p>
+          <a:p>
+            <a:pPr marL="285750" indent="-285750">
+              <a:buFont typeface="Arial" panose="020B0604020202020204" pitchFamily="34" charset="0"/>
+              <a:buChar char="•"/>
+            </a:pPr>
+            <a:endParaRPr lang="en-US" sz="800" dirty="0">
+              <a:solidFill>
+                <a:srgbClr val="000000"/>
+              </a:solidFill>
+              <a:effectLst/>
+            </a:endParaRPr>
+          </a:p>
+          <a:p>
+            <a:pPr marL="285750" indent="-285750">
+              <a:buFont typeface="Arial" panose="020B0604020202020204" pitchFamily="34" charset="0"/>
+              <a:buChar char="•"/>
+            </a:pPr>
+            <a:r>
+              <a:rPr lang="en-IN" dirty="0">
+                <a:solidFill>
+                  <a:schemeClr val="tx1">
+                    <a:lumMod val="50000"/>
+                    <a:lumOff val="50000"/>
+                  </a:schemeClr>
+                </a:solidFill>
+                <a:latin typeface="Gill Sans MT (Body)"/>
+              </a:rPr>
+              <a:t>neo4j$ </a:t>
+            </a:r>
+            <a:r>
+              <a:rPr lang="en-US" dirty="0">
+                <a:solidFill>
+                  <a:srgbClr val="859900"/>
+                </a:solidFill>
+                <a:effectLst/>
+              </a:rPr>
+              <a:t>match</a:t>
+            </a:r>
+            <a:r>
+              <a:rPr lang="en-US" dirty="0">
+                <a:solidFill>
+                  <a:srgbClr val="586E75"/>
+                </a:solidFill>
+                <a:effectLst/>
+              </a:rPr>
+              <a:t>(</a:t>
+            </a:r>
+            <a:r>
+              <a:rPr lang="en-US" dirty="0">
+                <a:solidFill>
+                  <a:srgbClr val="333333"/>
+                </a:solidFill>
+                <a:effectLst/>
+              </a:rPr>
+              <a:t>n</a:t>
+            </a:r>
+            <a:r>
+              <a:rPr lang="en-US" dirty="0">
+                <a:solidFill>
+                  <a:srgbClr val="586E75"/>
+                </a:solidFill>
+                <a:effectLst/>
+              </a:rPr>
+              <a:t>{</a:t>
+            </a:r>
+            <a:r>
+              <a:rPr lang="en-US" dirty="0">
+                <a:solidFill>
+                  <a:srgbClr val="333333"/>
+                </a:solidFill>
+                <a:effectLst/>
+              </a:rPr>
+              <a:t>name</a:t>
+            </a:r>
+            <a:r>
+              <a:rPr lang="en-US" dirty="0">
+                <a:solidFill>
+                  <a:srgbClr val="586E75"/>
+                </a:solidFill>
+                <a:effectLst/>
+              </a:rPr>
+              <a:t>:</a:t>
+            </a:r>
+            <a:r>
+              <a:rPr lang="en-US" dirty="0">
+                <a:solidFill>
+                  <a:srgbClr val="B58900"/>
+                </a:solidFill>
+                <a:effectLst/>
+              </a:rPr>
+              <a:t>'ruhan'</a:t>
+            </a:r>
+            <a:r>
+              <a:rPr lang="en-US" dirty="0">
+                <a:solidFill>
+                  <a:srgbClr val="586E75"/>
+                </a:solidFill>
+                <a:effectLst/>
+              </a:rPr>
+              <a:t>})</a:t>
+            </a:r>
+            <a:r>
+              <a:rPr lang="en-US" dirty="0">
+                <a:solidFill>
+                  <a:srgbClr val="333333"/>
+                </a:solidFill>
+                <a:effectLst/>
+              </a:rPr>
+              <a:t> </a:t>
+            </a:r>
+            <a:r>
+              <a:rPr lang="en-US" dirty="0">
+                <a:solidFill>
+                  <a:srgbClr val="859900"/>
+                </a:solidFill>
+                <a:effectLst/>
+              </a:rPr>
+              <a:t>return</a:t>
+            </a:r>
+            <a:r>
+              <a:rPr lang="en-US" dirty="0">
+                <a:solidFill>
+                  <a:srgbClr val="333333"/>
+                </a:solidFill>
+                <a:effectLst/>
+              </a:rPr>
+              <a:t> n</a:t>
+            </a:r>
+          </a:p>
+          <a:p>
+            <a:pPr marL="285750" indent="-285750">
+              <a:buFont typeface="Arial" panose="020B0604020202020204" pitchFamily="34" charset="0"/>
+              <a:buChar char="•"/>
+            </a:pPr>
+            <a:endParaRPr lang="en-US" sz="800" dirty="0">
+              <a:solidFill>
+                <a:srgbClr val="333333"/>
+              </a:solidFill>
+            </a:endParaRPr>
+          </a:p>
+          <a:p>
+            <a:pPr marL="285750" indent="-285750">
+              <a:buFont typeface="Arial" panose="020B0604020202020204" pitchFamily="34" charset="0"/>
+              <a:buChar char="•"/>
+            </a:pPr>
+            <a:r>
+              <a:rPr lang="en-IN" dirty="0">
+                <a:solidFill>
+                  <a:schemeClr val="tx1">
+                    <a:lumMod val="50000"/>
+                    <a:lumOff val="50000"/>
+                  </a:schemeClr>
+                </a:solidFill>
+                <a:latin typeface="Gill Sans MT (Body)"/>
+              </a:rPr>
+              <a:t>neo4j$ </a:t>
+            </a:r>
+            <a:r>
+              <a:rPr lang="en-US" dirty="0">
+                <a:solidFill>
+                  <a:srgbClr val="859900"/>
+                </a:solidFill>
+                <a:effectLst/>
+              </a:rPr>
+              <a:t>match</a:t>
+            </a:r>
+            <a:r>
+              <a:rPr lang="en-US" dirty="0">
+                <a:solidFill>
+                  <a:srgbClr val="586E75"/>
+                </a:solidFill>
+                <a:effectLst/>
+              </a:rPr>
+              <a:t>(</a:t>
+            </a:r>
+            <a:r>
+              <a:rPr lang="en-US" dirty="0">
+                <a:solidFill>
+                  <a:srgbClr val="333333"/>
+                </a:solidFill>
+                <a:effectLst/>
+              </a:rPr>
+              <a:t>n</a:t>
+            </a:r>
+            <a:r>
+              <a:rPr lang="en-US" dirty="0">
+                <a:solidFill>
+                  <a:srgbClr val="586E75"/>
+                </a:solidFill>
+                <a:effectLst/>
+              </a:rPr>
+              <a:t>{</a:t>
+            </a:r>
+            <a:r>
+              <a:rPr lang="en-US" dirty="0">
+                <a:solidFill>
+                  <a:srgbClr val="333333"/>
+                </a:solidFill>
+                <a:effectLst/>
+              </a:rPr>
+              <a:t>name</a:t>
+            </a:r>
+            <a:r>
+              <a:rPr lang="en-US" dirty="0">
+                <a:solidFill>
+                  <a:srgbClr val="586E75"/>
+                </a:solidFill>
+                <a:effectLst/>
+              </a:rPr>
+              <a:t>:</a:t>
+            </a:r>
+            <a:r>
+              <a:rPr lang="en-US" dirty="0">
+                <a:solidFill>
+                  <a:srgbClr val="B58900"/>
+                </a:solidFill>
+                <a:effectLst/>
+              </a:rPr>
+              <a:t>'ruhan'</a:t>
+            </a:r>
+            <a:r>
+              <a:rPr lang="en-US" dirty="0">
+                <a:solidFill>
+                  <a:srgbClr val="586E75"/>
+                </a:solidFill>
+                <a:effectLst/>
+              </a:rPr>
+              <a:t>,</a:t>
+            </a:r>
+            <a:r>
+              <a:rPr lang="en-US" dirty="0">
+                <a:solidFill>
+                  <a:srgbClr val="333333"/>
+                </a:solidFill>
+                <a:effectLst/>
+              </a:rPr>
+              <a:t> Salary</a:t>
+            </a:r>
+            <a:r>
+              <a:rPr lang="en-US" dirty="0">
+                <a:solidFill>
+                  <a:srgbClr val="586E75"/>
+                </a:solidFill>
+                <a:effectLst/>
+              </a:rPr>
+              <a:t>:</a:t>
+            </a:r>
+            <a:r>
+              <a:rPr lang="en-US" dirty="0">
+                <a:solidFill>
+                  <a:srgbClr val="2AA198"/>
+                </a:solidFill>
+                <a:effectLst/>
+              </a:rPr>
+              <a:t>32000</a:t>
+            </a:r>
+            <a:r>
+              <a:rPr lang="en-US" dirty="0">
+                <a:solidFill>
+                  <a:srgbClr val="586E75"/>
+                </a:solidFill>
+                <a:effectLst/>
+              </a:rPr>
+              <a:t>})</a:t>
+            </a:r>
+            <a:r>
+              <a:rPr lang="en-US" dirty="0">
+                <a:solidFill>
+                  <a:srgbClr val="333333"/>
+                </a:solidFill>
+                <a:effectLst/>
+              </a:rPr>
+              <a:t> </a:t>
+            </a:r>
+            <a:r>
+              <a:rPr lang="en-US" dirty="0">
+                <a:solidFill>
+                  <a:srgbClr val="859900"/>
+                </a:solidFill>
+                <a:effectLst/>
+              </a:rPr>
+              <a:t>return</a:t>
+            </a:r>
+            <a:r>
+              <a:rPr lang="en-US" dirty="0">
+                <a:solidFill>
+                  <a:srgbClr val="333333"/>
+                </a:solidFill>
+                <a:effectLst/>
+              </a:rPr>
+              <a:t> n</a:t>
+            </a:r>
+            <a:endParaRPr lang="en-US" dirty="0">
+              <a:solidFill>
+                <a:srgbClr val="000000"/>
+              </a:solidFill>
+              <a:effectLst/>
+            </a:endParaRPr>
+          </a:p>
+        </p:txBody>
+      </p:sp>
+    </p:spTree>
+    <p:extLst>
+      <p:ext uri="{BB962C8B-B14F-4D97-AF65-F5344CB8AC3E}">
+        <p14:creationId xmlns:p14="http://schemas.microsoft.com/office/powerpoint/2010/main" val="3949832393"/>
+      </p:ext>
+    </p:extLst>
+  </p:cSld>
+  <p:clrMapOvr>
+    <a:masterClrMapping/>
+  </p:clrMapOvr>
+</p:sld>
+</file>
+
+<file path=ppt/slides/slide17.xml><?xml version="1.0" encoding="utf-8"?>
+<p:sld xmlns:a="http://schemas.openxmlformats.org/drawingml/2006/main" xmlns:r="http://schemas.openxmlformats.org/officeDocument/2006/relationships" xmlns:p="http://schemas.openxmlformats.org/presentationml/2006/main">
+  <p:cSld>
+    <p:spTree>
+      <p:nvGrpSpPr>
+        <p:cNvPr id="1" name=""/>
+        <p:cNvGrpSpPr/>
+        <p:nvPr/>
+      </p:nvGrpSpPr>
+      <p:grpSpPr>
+        <a:xfrm>
+          <a:off x="0" y="0"/>
+          <a:ext cx="0" cy="0"/>
+          <a:chOff x="0" y="0"/>
+          <a:chExt cx="0" cy="0"/>
+        </a:xfrm>
+      </p:grpSpPr>
+      <p:sp>
+        <p:nvSpPr>
+          <p:cNvPr id="102" name="CustomShape 3"/>
+          <p:cNvSpPr/>
+          <p:nvPr/>
+        </p:nvSpPr>
+        <p:spPr>
+          <a:xfrm>
+            <a:off x="246600" y="762120"/>
+            <a:ext cx="11693880" cy="398655"/>
+          </a:xfrm>
+          <a:prstGeom prst="rect">
+            <a:avLst/>
+          </a:prstGeom>
+          <a:noFill/>
+          <a:ln>
+            <a:noFill/>
+          </a:ln>
+        </p:spPr>
+        <p:style>
+          <a:lnRef idx="0">
+            <a:scrgbClr r="0" g="0" b="0"/>
+          </a:lnRef>
+          <a:fillRef idx="0">
+            <a:scrgbClr r="0" g="0" b="0"/>
+          </a:fillRef>
+          <a:effectRef idx="0">
+            <a:scrgbClr r="0" g="0" b="0"/>
+          </a:effectRef>
+          <a:fontRef idx="minor"/>
+        </p:style>
+        <p:txBody>
+          <a:bodyPr lIns="90000" tIns="45000" rIns="90000" bIns="45000">
+            <a:spAutoFit/>
+          </a:bodyPr>
+          <a:lstStyle/>
+          <a:p>
+            <a:pPr algn="just"/>
+            <a:r>
+              <a:rPr lang="en-US" sz="2000" dirty="0">
+                <a:solidFill>
+                  <a:srgbClr val="2D3748"/>
+                </a:solidFill>
+                <a:latin typeface="Nunito Sans"/>
+              </a:rPr>
+              <a:t>TODO</a:t>
+            </a:r>
+            <a:endParaRPr lang="en-IN" sz="2000" dirty="0">
+              <a:solidFill>
+                <a:srgbClr val="2D3748"/>
+              </a:solidFill>
+              <a:latin typeface="Nunito Sans"/>
+            </a:endParaRPr>
+          </a:p>
+        </p:txBody>
+      </p:sp>
+      <p:sp>
+        <p:nvSpPr>
+          <p:cNvPr id="103" name="CustomShape 4"/>
+          <p:cNvSpPr/>
+          <p:nvPr/>
+        </p:nvSpPr>
+        <p:spPr>
+          <a:xfrm>
+            <a:off x="243604" y="5696497"/>
+            <a:ext cx="11693880" cy="737210"/>
+          </a:xfrm>
+          <a:prstGeom prst="rect">
+            <a:avLst/>
+          </a:prstGeom>
+          <a:noFill/>
+          <a:ln>
+            <a:noFill/>
+          </a:ln>
+        </p:spPr>
+        <p:style>
+          <a:lnRef idx="0">
+            <a:scrgbClr r="0" g="0" b="0"/>
+          </a:lnRef>
+          <a:fillRef idx="0">
+            <a:scrgbClr r="0" g="0" b="0"/>
+          </a:fillRef>
+          <a:effectRef idx="0">
+            <a:scrgbClr r="0" g="0" b="0"/>
+          </a:effectRef>
+          <a:fontRef idx="minor"/>
+        </p:style>
+        <p:txBody>
+          <a:bodyPr lIns="90000" tIns="45000" rIns="90000" bIns="45000">
+            <a:spAutoFit/>
+          </a:bodyPr>
+          <a:lstStyle/>
+          <a:p>
+            <a:pPr>
+              <a:lnSpc>
+                <a:spcPct val="100000"/>
+              </a:lnSpc>
+            </a:pPr>
+            <a:r>
+              <a:rPr lang="en-IN" sz="2000" b="1" strike="noStrike" spc="-1" dirty="0">
+                <a:solidFill>
+                  <a:srgbClr val="C00000"/>
+                </a:solidFill>
+                <a:latin typeface="Arial" panose="020B0604020202020204" pitchFamily="34" charset="0"/>
+                <a:ea typeface="Open Sans"/>
+                <a:cs typeface="Arial" panose="020B0604020202020204" pitchFamily="34" charset="0"/>
+              </a:rPr>
+              <a:t>Note:</a:t>
+            </a:r>
+            <a:endParaRPr lang="en-IN" sz="2000" b="0" strike="noStrike" spc="-1" dirty="0">
+              <a:latin typeface="Arial" panose="020B0604020202020204" pitchFamily="34" charset="0"/>
+              <a:cs typeface="Arial" panose="020B0604020202020204" pitchFamily="34" charset="0"/>
+            </a:endParaRPr>
+          </a:p>
+          <a:p>
+            <a:pPr>
+              <a:lnSpc>
+                <a:spcPct val="100000"/>
+              </a:lnSpc>
+            </a:pPr>
+            <a:r>
+              <a:rPr lang="en-IN" sz="400" b="0" strike="noStrike" spc="-1" dirty="0">
+                <a:solidFill>
+                  <a:srgbClr val="000000"/>
+                </a:solidFill>
+                <a:latin typeface="Arial" panose="020B0604020202020204" pitchFamily="34" charset="0"/>
+                <a:ea typeface="DejaVu Sans"/>
+                <a:cs typeface="Arial" panose="020B0604020202020204" pitchFamily="34" charset="0"/>
+              </a:rPr>
+              <a:t> </a:t>
+            </a:r>
+            <a:endParaRPr lang="en-IN" sz="400" b="0" strike="noStrike" spc="-1" dirty="0">
+              <a:latin typeface="Arial" panose="020B0604020202020204" pitchFamily="34" charset="0"/>
+              <a:cs typeface="Arial" panose="020B0604020202020204" pitchFamily="34" charset="0"/>
+            </a:endParaRPr>
+          </a:p>
+          <a:p>
+            <a:pPr marL="285840" indent="-262080">
+              <a:buClr>
+                <a:srgbClr val="000000"/>
+              </a:buClr>
+              <a:buFont typeface="Arial"/>
+              <a:buChar char="•"/>
+            </a:pPr>
+            <a:r>
+              <a:rPr lang="en-US" b="0" i="0" dirty="0">
+                <a:solidFill>
+                  <a:srgbClr val="333333"/>
+                </a:solidFill>
+                <a:effectLst/>
+                <a:latin typeface="Arial" panose="020B0604020202020204" pitchFamily="34" charset="0"/>
+              </a:rPr>
+              <a:t>TODO</a:t>
+            </a:r>
+            <a:endParaRPr lang="en-IN" sz="1800" strike="noStrike" spc="-1" dirty="0">
+              <a:solidFill>
+                <a:schemeClr val="tx1">
+                  <a:lumMod val="85000"/>
+                  <a:lumOff val="15000"/>
+                </a:schemeClr>
+              </a:solidFill>
+              <a:latin typeface="Arial" panose="020B0604020202020204" pitchFamily="34" charset="0"/>
+              <a:cs typeface="Arial" panose="020B0604020202020204" pitchFamily="34" charset="0"/>
+            </a:endParaRPr>
+          </a:p>
+        </p:txBody>
+      </p:sp>
+      <p:sp>
+        <p:nvSpPr>
+          <p:cNvPr id="108" name="Line 9"/>
+          <p:cNvSpPr/>
+          <p:nvPr/>
+        </p:nvSpPr>
+        <p:spPr>
+          <a:xfrm>
+            <a:off x="0" y="1536120"/>
+            <a:ext cx="12191760" cy="0"/>
+          </a:xfrm>
+          <a:prstGeom prst="line">
+            <a:avLst/>
+          </a:prstGeom>
+          <a:ln w="12600">
+            <a:solidFill>
+              <a:srgbClr val="6E78A0"/>
+            </a:solidFill>
+            <a:prstDash val="dash"/>
+            <a:round/>
+          </a:ln>
+        </p:spPr>
+        <p:style>
+          <a:lnRef idx="1">
+            <a:schemeClr val="accent1"/>
+          </a:lnRef>
+          <a:fillRef idx="0">
+            <a:schemeClr val="accent1"/>
+          </a:fillRef>
+          <a:effectRef idx="0">
+            <a:schemeClr val="accent1"/>
+          </a:effectRef>
+          <a:fontRef idx="minor"/>
+        </p:style>
+      </p:sp>
+      <p:sp>
+        <p:nvSpPr>
+          <p:cNvPr id="12" name="TextBox 11">
+            <a:extLst>
+              <a:ext uri="{FF2B5EF4-FFF2-40B4-BE49-F238E27FC236}">
+                <a16:creationId xmlns:a16="http://schemas.microsoft.com/office/drawing/2014/main" id="{79242DF4-E3E0-4B3F-9DA3-EDDD02A6E7F5}"/>
+              </a:ext>
+            </a:extLst>
+          </p:cNvPr>
+          <p:cNvSpPr txBox="1"/>
+          <p:nvPr/>
+        </p:nvSpPr>
+        <p:spPr>
+          <a:xfrm>
+            <a:off x="246600" y="1686842"/>
+            <a:ext cx="11693880" cy="369332"/>
+          </a:xfrm>
+          <a:prstGeom prst="rect">
+            <a:avLst/>
+          </a:prstGeom>
+          <a:noFill/>
+        </p:spPr>
+        <p:txBody>
+          <a:bodyPr wrap="square">
+            <a:spAutoFit/>
+          </a:bodyPr>
+          <a:lstStyle/>
+          <a:p>
+            <a:r>
+              <a:rPr lang="en-IN" spc="-1" dirty="0">
+                <a:solidFill>
+                  <a:srgbClr val="0070C0"/>
+                </a:solidFill>
+                <a:latin typeface="Consolas" panose="020B0609020204030204" pitchFamily="49" charset="0"/>
+                <a:cs typeface="Arial" panose="020B0604020202020204" pitchFamily="34" charset="0"/>
+              </a:rPr>
+              <a:t>TODO</a:t>
+            </a:r>
+          </a:p>
+        </p:txBody>
+      </p:sp>
+      <p:sp>
+        <p:nvSpPr>
+          <p:cNvPr id="15" name="TextBox 14">
+            <a:extLst>
+              <a:ext uri="{FF2B5EF4-FFF2-40B4-BE49-F238E27FC236}">
+                <a16:creationId xmlns:a16="http://schemas.microsoft.com/office/drawing/2014/main" id="{187A7629-BDF9-4DE3-B954-5B2AC8376F52}"/>
+              </a:ext>
+            </a:extLst>
+          </p:cNvPr>
+          <p:cNvSpPr txBox="1"/>
+          <p:nvPr/>
+        </p:nvSpPr>
+        <p:spPr>
+          <a:xfrm>
+            <a:off x="243604" y="2134800"/>
             <a:ext cx="11693880" cy="2769989"/>
           </a:xfrm>
           <a:prstGeom prst="rect">
@@ -12008,7 +12920,1097 @@
 </p:sld>
 </file>
 
-<file path=ppt/slides/slide17.xml><?xml version="1.0" encoding="utf-8"?>
+<file path=ppt/slides/slide18.xml><?xml version="1.0" encoding="utf-8"?>
+<p:sld xmlns:a="http://schemas.openxmlformats.org/drawingml/2006/main" xmlns:r="http://schemas.openxmlformats.org/officeDocument/2006/relationships" xmlns:p="http://schemas.openxmlformats.org/presentationml/2006/main">
+  <p:cSld>
+    <p:spTree>
+      <p:nvGrpSpPr>
+        <p:cNvPr id="1" name=""/>
+        <p:cNvGrpSpPr/>
+        <p:nvPr/>
+      </p:nvGrpSpPr>
+      <p:grpSpPr>
+        <a:xfrm>
+          <a:off x="0" y="0"/>
+          <a:ext cx="0" cy="0"/>
+          <a:chOff x="0" y="0"/>
+          <a:chExt cx="0" cy="0"/>
+        </a:xfrm>
+      </p:grpSpPr>
+      <p:sp>
+        <p:nvSpPr>
+          <p:cNvPr id="102" name="CustomShape 3"/>
+          <p:cNvSpPr/>
+          <p:nvPr/>
+        </p:nvSpPr>
+        <p:spPr>
+          <a:xfrm>
+            <a:off x="246600" y="762120"/>
+            <a:ext cx="11693880" cy="398655"/>
+          </a:xfrm>
+          <a:prstGeom prst="rect">
+            <a:avLst/>
+          </a:prstGeom>
+          <a:noFill/>
+          <a:ln>
+            <a:noFill/>
+          </a:ln>
+        </p:spPr>
+        <p:style>
+          <a:lnRef idx="0">
+            <a:scrgbClr r="0" g="0" b="0"/>
+          </a:lnRef>
+          <a:fillRef idx="0">
+            <a:scrgbClr r="0" g="0" b="0"/>
+          </a:fillRef>
+          <a:effectRef idx="0">
+            <a:scrgbClr r="0" g="0" b="0"/>
+          </a:effectRef>
+          <a:fontRef idx="minor"/>
+        </p:style>
+        <p:txBody>
+          <a:bodyPr lIns="90000" tIns="45000" rIns="90000" bIns="45000">
+            <a:spAutoFit/>
+          </a:bodyPr>
+          <a:lstStyle/>
+          <a:p>
+            <a:pPr algn="just"/>
+            <a:r>
+              <a:rPr lang="en-US" sz="2000" dirty="0">
+                <a:solidFill>
+                  <a:srgbClr val="2D3748"/>
+                </a:solidFill>
+                <a:latin typeface="Nunito Sans"/>
+              </a:rPr>
+              <a:t>TODO</a:t>
+            </a:r>
+            <a:endParaRPr lang="en-IN" sz="2000" dirty="0">
+              <a:solidFill>
+                <a:srgbClr val="2D3748"/>
+              </a:solidFill>
+              <a:latin typeface="Nunito Sans"/>
+            </a:endParaRPr>
+          </a:p>
+        </p:txBody>
+      </p:sp>
+      <p:sp>
+        <p:nvSpPr>
+          <p:cNvPr id="103" name="CustomShape 4"/>
+          <p:cNvSpPr/>
+          <p:nvPr/>
+        </p:nvSpPr>
+        <p:spPr>
+          <a:xfrm>
+            <a:off x="243604" y="5696497"/>
+            <a:ext cx="11693880" cy="737210"/>
+          </a:xfrm>
+          <a:prstGeom prst="rect">
+            <a:avLst/>
+          </a:prstGeom>
+          <a:noFill/>
+          <a:ln>
+            <a:noFill/>
+          </a:ln>
+        </p:spPr>
+        <p:style>
+          <a:lnRef idx="0">
+            <a:scrgbClr r="0" g="0" b="0"/>
+          </a:lnRef>
+          <a:fillRef idx="0">
+            <a:scrgbClr r="0" g="0" b="0"/>
+          </a:fillRef>
+          <a:effectRef idx="0">
+            <a:scrgbClr r="0" g="0" b="0"/>
+          </a:effectRef>
+          <a:fontRef idx="minor"/>
+        </p:style>
+        <p:txBody>
+          <a:bodyPr lIns="90000" tIns="45000" rIns="90000" bIns="45000">
+            <a:spAutoFit/>
+          </a:bodyPr>
+          <a:lstStyle/>
+          <a:p>
+            <a:pPr>
+              <a:lnSpc>
+                <a:spcPct val="100000"/>
+              </a:lnSpc>
+            </a:pPr>
+            <a:r>
+              <a:rPr lang="en-IN" sz="2000" b="1" strike="noStrike" spc="-1" dirty="0">
+                <a:solidFill>
+                  <a:srgbClr val="C00000"/>
+                </a:solidFill>
+                <a:latin typeface="Arial" panose="020B0604020202020204" pitchFamily="34" charset="0"/>
+                <a:ea typeface="Open Sans"/>
+                <a:cs typeface="Arial" panose="020B0604020202020204" pitchFamily="34" charset="0"/>
+              </a:rPr>
+              <a:t>Note:</a:t>
+            </a:r>
+            <a:endParaRPr lang="en-IN" sz="2000" b="0" strike="noStrike" spc="-1" dirty="0">
+              <a:latin typeface="Arial" panose="020B0604020202020204" pitchFamily="34" charset="0"/>
+              <a:cs typeface="Arial" panose="020B0604020202020204" pitchFamily="34" charset="0"/>
+            </a:endParaRPr>
+          </a:p>
+          <a:p>
+            <a:pPr>
+              <a:lnSpc>
+                <a:spcPct val="100000"/>
+              </a:lnSpc>
+            </a:pPr>
+            <a:r>
+              <a:rPr lang="en-IN" sz="400" b="0" strike="noStrike" spc="-1" dirty="0">
+                <a:solidFill>
+                  <a:srgbClr val="000000"/>
+                </a:solidFill>
+                <a:latin typeface="Arial" panose="020B0604020202020204" pitchFamily="34" charset="0"/>
+                <a:ea typeface="DejaVu Sans"/>
+                <a:cs typeface="Arial" panose="020B0604020202020204" pitchFamily="34" charset="0"/>
+              </a:rPr>
+              <a:t> </a:t>
+            </a:r>
+            <a:endParaRPr lang="en-IN" sz="400" b="0" strike="noStrike" spc="-1" dirty="0">
+              <a:latin typeface="Arial" panose="020B0604020202020204" pitchFamily="34" charset="0"/>
+              <a:cs typeface="Arial" panose="020B0604020202020204" pitchFamily="34" charset="0"/>
+            </a:endParaRPr>
+          </a:p>
+          <a:p>
+            <a:pPr marL="285840" indent="-262080">
+              <a:buClr>
+                <a:srgbClr val="000000"/>
+              </a:buClr>
+              <a:buFont typeface="Arial"/>
+              <a:buChar char="•"/>
+            </a:pPr>
+            <a:r>
+              <a:rPr lang="en-US" b="0" i="0" dirty="0">
+                <a:solidFill>
+                  <a:srgbClr val="333333"/>
+                </a:solidFill>
+                <a:effectLst/>
+                <a:latin typeface="Arial" panose="020B0604020202020204" pitchFamily="34" charset="0"/>
+              </a:rPr>
+              <a:t>TODO</a:t>
+            </a:r>
+            <a:endParaRPr lang="en-IN" sz="1800" strike="noStrike" spc="-1" dirty="0">
+              <a:solidFill>
+                <a:schemeClr val="tx1">
+                  <a:lumMod val="85000"/>
+                  <a:lumOff val="15000"/>
+                </a:schemeClr>
+              </a:solidFill>
+              <a:latin typeface="Arial" panose="020B0604020202020204" pitchFamily="34" charset="0"/>
+              <a:cs typeface="Arial" panose="020B0604020202020204" pitchFamily="34" charset="0"/>
+            </a:endParaRPr>
+          </a:p>
+        </p:txBody>
+      </p:sp>
+      <p:sp>
+        <p:nvSpPr>
+          <p:cNvPr id="108" name="Line 9"/>
+          <p:cNvSpPr/>
+          <p:nvPr/>
+        </p:nvSpPr>
+        <p:spPr>
+          <a:xfrm>
+            <a:off x="0" y="1536120"/>
+            <a:ext cx="12191760" cy="0"/>
+          </a:xfrm>
+          <a:prstGeom prst="line">
+            <a:avLst/>
+          </a:prstGeom>
+          <a:ln w="12600">
+            <a:solidFill>
+              <a:srgbClr val="6E78A0"/>
+            </a:solidFill>
+            <a:prstDash val="dash"/>
+            <a:round/>
+          </a:ln>
+        </p:spPr>
+        <p:style>
+          <a:lnRef idx="1">
+            <a:schemeClr val="accent1"/>
+          </a:lnRef>
+          <a:fillRef idx="0">
+            <a:schemeClr val="accent1"/>
+          </a:fillRef>
+          <a:effectRef idx="0">
+            <a:schemeClr val="accent1"/>
+          </a:effectRef>
+          <a:fontRef idx="minor"/>
+        </p:style>
+      </p:sp>
+      <p:sp>
+        <p:nvSpPr>
+          <p:cNvPr id="12" name="TextBox 11">
+            <a:extLst>
+              <a:ext uri="{FF2B5EF4-FFF2-40B4-BE49-F238E27FC236}">
+                <a16:creationId xmlns:a16="http://schemas.microsoft.com/office/drawing/2014/main" id="{79242DF4-E3E0-4B3F-9DA3-EDDD02A6E7F5}"/>
+              </a:ext>
+            </a:extLst>
+          </p:cNvPr>
+          <p:cNvSpPr txBox="1"/>
+          <p:nvPr/>
+        </p:nvSpPr>
+        <p:spPr>
+          <a:xfrm>
+            <a:off x="246600" y="1686842"/>
+            <a:ext cx="11693880" cy="369332"/>
+          </a:xfrm>
+          <a:prstGeom prst="rect">
+            <a:avLst/>
+          </a:prstGeom>
+          <a:noFill/>
+        </p:spPr>
+        <p:txBody>
+          <a:bodyPr wrap="square">
+            <a:spAutoFit/>
+          </a:bodyPr>
+          <a:lstStyle/>
+          <a:p>
+            <a:r>
+              <a:rPr lang="en-IN" spc="-1" dirty="0">
+                <a:solidFill>
+                  <a:srgbClr val="0070C0"/>
+                </a:solidFill>
+                <a:latin typeface="Consolas" panose="020B0609020204030204" pitchFamily="49" charset="0"/>
+                <a:cs typeface="Arial" panose="020B0604020202020204" pitchFamily="34" charset="0"/>
+              </a:rPr>
+              <a:t>TODO</a:t>
+            </a:r>
+          </a:p>
+        </p:txBody>
+      </p:sp>
+      <p:sp>
+        <p:nvSpPr>
+          <p:cNvPr id="15" name="TextBox 14">
+            <a:extLst>
+              <a:ext uri="{FF2B5EF4-FFF2-40B4-BE49-F238E27FC236}">
+                <a16:creationId xmlns:a16="http://schemas.microsoft.com/office/drawing/2014/main" id="{187A7629-BDF9-4DE3-B954-5B2AC8376F52}"/>
+              </a:ext>
+            </a:extLst>
+          </p:cNvPr>
+          <p:cNvSpPr txBox="1"/>
+          <p:nvPr/>
+        </p:nvSpPr>
+        <p:spPr>
+          <a:xfrm>
+            <a:off x="243604" y="2134800"/>
+            <a:ext cx="11693880" cy="2769989"/>
+          </a:xfrm>
+          <a:prstGeom prst="rect">
+            <a:avLst/>
+          </a:prstGeom>
+          <a:noFill/>
+        </p:spPr>
+        <p:txBody>
+          <a:bodyPr wrap="square">
+            <a:spAutoFit/>
+          </a:bodyPr>
+          <a:lstStyle/>
+          <a:p>
+            <a:pPr marL="285750" indent="-285750">
+              <a:buFont typeface="Arial" panose="020B0604020202020204" pitchFamily="34" charset="0"/>
+              <a:buChar char="•"/>
+            </a:pPr>
+            <a:r>
+              <a:rPr lang="en-IN" dirty="0">
+                <a:solidFill>
+                  <a:schemeClr val="tx1">
+                    <a:lumMod val="50000"/>
+                    <a:lumOff val="50000"/>
+                  </a:schemeClr>
+                </a:solidFill>
+                <a:latin typeface="Gill Sans MT (Body)"/>
+              </a:rPr>
+              <a:t>neo4j$ </a:t>
+            </a:r>
+            <a:r>
+              <a:rPr lang="en-US" dirty="0">
+                <a:solidFill>
+                  <a:srgbClr val="859900"/>
+                </a:solidFill>
+                <a:effectLst/>
+              </a:rPr>
+              <a:t>match</a:t>
+            </a:r>
+            <a:r>
+              <a:rPr lang="en-US" dirty="0">
+                <a:solidFill>
+                  <a:srgbClr val="586E75"/>
+                </a:solidFill>
+                <a:effectLst/>
+              </a:rPr>
+              <a:t>(</a:t>
+            </a:r>
+            <a:r>
+              <a:rPr lang="en-US" dirty="0">
+                <a:solidFill>
+                  <a:srgbClr val="333333"/>
+                </a:solidFill>
+                <a:effectLst/>
+              </a:rPr>
+              <a:t>n</a:t>
+            </a:r>
+            <a:r>
+              <a:rPr lang="en-US" dirty="0">
+                <a:solidFill>
+                  <a:srgbClr val="586E75"/>
+                </a:solidFill>
+                <a:effectLst/>
+              </a:rPr>
+              <a:t>:</a:t>
+            </a:r>
+            <a:r>
+              <a:rPr lang="en-US" dirty="0">
+                <a:solidFill>
+                  <a:srgbClr val="333333"/>
+                </a:solidFill>
+                <a:effectLst/>
+              </a:rPr>
+              <a:t>book</a:t>
+            </a:r>
+            <a:r>
+              <a:rPr lang="en-US" dirty="0">
+                <a:solidFill>
+                  <a:srgbClr val="586E75"/>
+                </a:solidFill>
+                <a:effectLst/>
+              </a:rPr>
+              <a:t>)</a:t>
+            </a:r>
+            <a:r>
+              <a:rPr lang="en-US" dirty="0">
+                <a:solidFill>
+                  <a:srgbClr val="333333"/>
+                </a:solidFill>
+                <a:effectLst/>
+              </a:rPr>
+              <a:t> </a:t>
+            </a:r>
+            <a:r>
+              <a:rPr lang="en-US" dirty="0">
+                <a:solidFill>
+                  <a:srgbClr val="859900"/>
+                </a:solidFill>
+                <a:effectLst/>
+              </a:rPr>
+              <a:t>return</a:t>
+            </a:r>
+            <a:r>
+              <a:rPr lang="en-US" dirty="0">
+                <a:solidFill>
+                  <a:srgbClr val="333333"/>
+                </a:solidFill>
+                <a:effectLst/>
+              </a:rPr>
+              <a:t> n</a:t>
+            </a:r>
+            <a:r>
+              <a:rPr lang="en-US" dirty="0">
+                <a:solidFill>
+                  <a:srgbClr val="586E75"/>
+                </a:solidFill>
+                <a:effectLst/>
+              </a:rPr>
+              <a:t>.</a:t>
+            </a:r>
+            <a:r>
+              <a:rPr lang="en-US" dirty="0">
+                <a:solidFill>
+                  <a:srgbClr val="333333"/>
+                </a:solidFill>
+                <a:effectLst/>
+              </a:rPr>
+              <a:t>name </a:t>
+            </a:r>
+            <a:r>
+              <a:rPr lang="en-US" dirty="0">
+                <a:solidFill>
+                  <a:srgbClr val="859900"/>
+                </a:solidFill>
+                <a:effectLst/>
+              </a:rPr>
+              <a:t>as</a:t>
+            </a:r>
+            <a:r>
+              <a:rPr lang="en-US" dirty="0">
+                <a:solidFill>
+                  <a:srgbClr val="333333"/>
+                </a:solidFill>
+                <a:effectLst/>
+              </a:rPr>
+              <a:t> `Book Names`</a:t>
+            </a:r>
+            <a:r>
+              <a:rPr lang="en-US" dirty="0">
+                <a:solidFill>
+                  <a:srgbClr val="586E75"/>
+                </a:solidFill>
+                <a:effectLst/>
+              </a:rPr>
+              <a:t>,</a:t>
+            </a:r>
+            <a:r>
+              <a:rPr lang="en-US" dirty="0">
+                <a:solidFill>
+                  <a:srgbClr val="333333"/>
+                </a:solidFill>
+                <a:effectLst/>
+              </a:rPr>
+              <a:t> n</a:t>
+            </a:r>
+            <a:r>
+              <a:rPr lang="en-US" dirty="0">
+                <a:solidFill>
+                  <a:srgbClr val="586E75"/>
+                </a:solidFill>
+                <a:effectLst/>
+              </a:rPr>
+              <a:t>.</a:t>
+            </a:r>
+            <a:r>
+              <a:rPr lang="en-US" dirty="0">
+                <a:solidFill>
+                  <a:srgbClr val="333333"/>
+                </a:solidFill>
+                <a:effectLst/>
+              </a:rPr>
+              <a:t>price  </a:t>
+            </a:r>
+            <a:r>
+              <a:rPr lang="en-US" dirty="0">
+                <a:solidFill>
+                  <a:srgbClr val="859900"/>
+                </a:solidFill>
+                <a:effectLst/>
+              </a:rPr>
+              <a:t>as</a:t>
+            </a:r>
+            <a:r>
+              <a:rPr lang="en-US" dirty="0">
+                <a:solidFill>
+                  <a:srgbClr val="333333"/>
+                </a:solidFill>
+                <a:effectLst/>
+              </a:rPr>
+              <a:t> `Price`</a:t>
+            </a:r>
+            <a:endParaRPr lang="en-US" dirty="0">
+              <a:solidFill>
+                <a:srgbClr val="000000"/>
+              </a:solidFill>
+              <a:effectLst/>
+            </a:endParaRPr>
+          </a:p>
+          <a:p>
+            <a:pPr marL="285750" indent="-285750">
+              <a:buFont typeface="Arial" panose="020B0604020202020204" pitchFamily="34" charset="0"/>
+              <a:buChar char="•"/>
+            </a:pPr>
+            <a:endParaRPr lang="en-IN" sz="800" dirty="0">
+              <a:solidFill>
+                <a:schemeClr val="accent6">
+                  <a:lumMod val="50000"/>
+                </a:schemeClr>
+              </a:solidFill>
+              <a:latin typeface="Gill Sans MT (Body)"/>
+            </a:endParaRPr>
+          </a:p>
+          <a:p>
+            <a:pPr marL="285750" indent="-285750">
+              <a:buFont typeface="Arial" panose="020B0604020202020204" pitchFamily="34" charset="0"/>
+              <a:buChar char="•"/>
+            </a:pPr>
+            <a:r>
+              <a:rPr lang="en-IN" dirty="0">
+                <a:solidFill>
+                  <a:schemeClr val="tx1">
+                    <a:lumMod val="50000"/>
+                    <a:lumOff val="50000"/>
+                  </a:schemeClr>
+                </a:solidFill>
+                <a:latin typeface="Gill Sans MT (Body)"/>
+              </a:rPr>
+              <a:t>neo4j$ </a:t>
+            </a:r>
+            <a:r>
+              <a:rPr lang="en-US" dirty="0">
+                <a:solidFill>
+                  <a:srgbClr val="859900"/>
+                </a:solidFill>
+                <a:effectLst/>
+              </a:rPr>
+              <a:t>match</a:t>
+            </a:r>
+            <a:r>
+              <a:rPr lang="en-US" dirty="0">
+                <a:solidFill>
+                  <a:srgbClr val="586E75"/>
+                </a:solidFill>
+                <a:effectLst/>
+              </a:rPr>
+              <a:t>(</a:t>
+            </a:r>
+            <a:r>
+              <a:rPr lang="en-US" dirty="0">
+                <a:solidFill>
+                  <a:srgbClr val="333333"/>
+                </a:solidFill>
+                <a:effectLst/>
+              </a:rPr>
+              <a:t>n</a:t>
+            </a:r>
+            <a:r>
+              <a:rPr lang="en-US" dirty="0">
+                <a:solidFill>
+                  <a:srgbClr val="586E75"/>
+                </a:solidFill>
+                <a:effectLst/>
+              </a:rPr>
+              <a:t>:</a:t>
+            </a:r>
+            <a:r>
+              <a:rPr lang="en-US" dirty="0">
+                <a:solidFill>
+                  <a:srgbClr val="333333"/>
+                </a:solidFill>
+                <a:effectLst/>
+              </a:rPr>
+              <a:t>book</a:t>
+            </a:r>
+            <a:r>
+              <a:rPr lang="en-US" dirty="0">
+                <a:solidFill>
+                  <a:srgbClr val="586E75"/>
+                </a:solidFill>
+                <a:effectLst/>
+              </a:rPr>
+              <a:t>)</a:t>
+            </a:r>
+            <a:r>
+              <a:rPr lang="en-US" dirty="0">
+                <a:solidFill>
+                  <a:srgbClr val="333333"/>
+                </a:solidFill>
+                <a:effectLst/>
+              </a:rPr>
+              <a:t> </a:t>
+            </a:r>
+            <a:r>
+              <a:rPr lang="en-US" dirty="0">
+                <a:solidFill>
+                  <a:srgbClr val="859900"/>
+                </a:solidFill>
+                <a:effectLst/>
+              </a:rPr>
+              <a:t>return</a:t>
+            </a:r>
+            <a:r>
+              <a:rPr lang="en-US" dirty="0">
+                <a:solidFill>
+                  <a:srgbClr val="333333"/>
+                </a:solidFill>
+                <a:effectLst/>
+              </a:rPr>
+              <a:t> n</a:t>
+            </a:r>
+            <a:r>
+              <a:rPr lang="en-US" dirty="0">
+                <a:solidFill>
+                  <a:srgbClr val="586E75"/>
+                </a:solidFill>
+                <a:effectLst/>
+              </a:rPr>
+              <a:t>.</a:t>
+            </a:r>
+            <a:r>
+              <a:rPr lang="en-US" dirty="0">
+                <a:solidFill>
+                  <a:srgbClr val="333333"/>
+                </a:solidFill>
+                <a:effectLst/>
+              </a:rPr>
+              <a:t>name</a:t>
+            </a:r>
+            <a:r>
+              <a:rPr lang="en-US" dirty="0">
+                <a:solidFill>
+                  <a:srgbClr val="586E75"/>
+                </a:solidFill>
+                <a:effectLst/>
+              </a:rPr>
+              <a:t>,</a:t>
+            </a:r>
+            <a:r>
+              <a:rPr lang="en-US" dirty="0">
+                <a:solidFill>
+                  <a:srgbClr val="333333"/>
+                </a:solidFill>
+                <a:effectLst/>
+              </a:rPr>
+              <a:t> n</a:t>
+            </a:r>
+            <a:r>
+              <a:rPr lang="en-US" dirty="0">
+                <a:solidFill>
+                  <a:srgbClr val="586E75"/>
+                </a:solidFill>
+                <a:effectLst/>
+              </a:rPr>
+              <a:t>.</a:t>
+            </a:r>
+            <a:r>
+              <a:rPr lang="en-US" dirty="0">
+                <a:solidFill>
+                  <a:srgbClr val="333333"/>
+                </a:solidFill>
+                <a:effectLst/>
+              </a:rPr>
+              <a:t>price</a:t>
+            </a:r>
+            <a:r>
+              <a:rPr lang="en-US" dirty="0">
+                <a:solidFill>
+                  <a:srgbClr val="586E75"/>
+                </a:solidFill>
+                <a:effectLst/>
+              </a:rPr>
+              <a:t>,</a:t>
+            </a:r>
+            <a:r>
+              <a:rPr lang="en-US" dirty="0">
+                <a:solidFill>
+                  <a:srgbClr val="333333"/>
+                </a:solidFill>
+              </a:rPr>
+              <a:t> </a:t>
+            </a:r>
+            <a:r>
+              <a:rPr lang="en-US" dirty="0">
+                <a:solidFill>
+                  <a:srgbClr val="333333"/>
+                </a:solidFill>
+                <a:effectLst/>
+              </a:rPr>
+              <a:t>n</a:t>
+            </a:r>
+            <a:r>
+              <a:rPr lang="en-US" dirty="0">
+                <a:solidFill>
+                  <a:srgbClr val="586E75"/>
+                </a:solidFill>
+                <a:effectLst/>
+              </a:rPr>
+              <a:t>.</a:t>
+            </a:r>
+            <a:r>
+              <a:rPr lang="en-US" dirty="0">
+                <a:solidFill>
+                  <a:srgbClr val="333333"/>
+                </a:solidFill>
+                <a:effectLst/>
+              </a:rPr>
+              <a:t>price </a:t>
+            </a:r>
+            <a:r>
+              <a:rPr lang="en-US" dirty="0">
+                <a:solidFill>
+                  <a:srgbClr val="586E75"/>
+                </a:solidFill>
+                <a:effectLst/>
+              </a:rPr>
+              <a:t>+</a:t>
+            </a:r>
+            <a:r>
+              <a:rPr lang="en-US" dirty="0">
+                <a:solidFill>
+                  <a:srgbClr val="333333"/>
+                </a:solidFill>
+                <a:effectLst/>
+              </a:rPr>
+              <a:t> </a:t>
+            </a:r>
+            <a:r>
+              <a:rPr lang="en-US" dirty="0">
+                <a:solidFill>
+                  <a:srgbClr val="586E75"/>
+                </a:solidFill>
+                <a:effectLst/>
+              </a:rPr>
+              <a:t>(</a:t>
+            </a:r>
+            <a:r>
+              <a:rPr lang="en-US" dirty="0">
+                <a:solidFill>
+                  <a:srgbClr val="333333"/>
+                </a:solidFill>
+                <a:effectLst/>
+              </a:rPr>
+              <a:t>n</a:t>
+            </a:r>
+            <a:r>
+              <a:rPr lang="en-US" dirty="0">
+                <a:solidFill>
+                  <a:srgbClr val="586E75"/>
+                </a:solidFill>
+                <a:effectLst/>
+              </a:rPr>
+              <a:t>.</a:t>
+            </a:r>
+            <a:r>
+              <a:rPr lang="en-US" dirty="0">
+                <a:solidFill>
+                  <a:srgbClr val="333333"/>
+                </a:solidFill>
+                <a:effectLst/>
+              </a:rPr>
+              <a:t>price </a:t>
+            </a:r>
+            <a:r>
+              <a:rPr lang="en-US" dirty="0">
+                <a:solidFill>
+                  <a:srgbClr val="586E75"/>
+                </a:solidFill>
+                <a:effectLst/>
+              </a:rPr>
+              <a:t>*</a:t>
+            </a:r>
+            <a:r>
+              <a:rPr lang="en-US" dirty="0">
+                <a:solidFill>
+                  <a:srgbClr val="333333"/>
+                </a:solidFill>
+                <a:effectLst/>
+              </a:rPr>
+              <a:t> </a:t>
+            </a:r>
+            <a:r>
+              <a:rPr lang="en-US" dirty="0">
+                <a:solidFill>
+                  <a:srgbClr val="2AA198"/>
+                </a:solidFill>
+                <a:effectLst/>
+              </a:rPr>
+              <a:t>.10</a:t>
+            </a:r>
+            <a:r>
+              <a:rPr lang="en-US" dirty="0">
+                <a:solidFill>
+                  <a:srgbClr val="586E75"/>
+                </a:solidFill>
+                <a:effectLst/>
+              </a:rPr>
+              <a:t>)</a:t>
+            </a:r>
+            <a:r>
+              <a:rPr lang="en-US" dirty="0">
+                <a:solidFill>
+                  <a:srgbClr val="333333"/>
+                </a:solidFill>
+                <a:effectLst/>
+              </a:rPr>
+              <a:t> </a:t>
+            </a:r>
+            <a:r>
+              <a:rPr lang="en-US" dirty="0">
+                <a:solidFill>
+                  <a:srgbClr val="859900"/>
+                </a:solidFill>
+                <a:effectLst/>
+              </a:rPr>
+              <a:t>as</a:t>
+            </a:r>
+            <a:r>
+              <a:rPr lang="en-US" dirty="0">
+                <a:solidFill>
+                  <a:srgbClr val="333333"/>
+                </a:solidFill>
+                <a:effectLst/>
+              </a:rPr>
+              <a:t> `New Price`</a:t>
+            </a:r>
+            <a:endParaRPr lang="en-US" dirty="0">
+              <a:solidFill>
+                <a:schemeClr val="accent6">
+                  <a:lumMod val="50000"/>
+                </a:schemeClr>
+              </a:solidFill>
+              <a:latin typeface="Gill Sans MT (Body)"/>
+            </a:endParaRPr>
+          </a:p>
+          <a:p>
+            <a:pPr marL="285750" indent="-285750">
+              <a:buFont typeface="Arial" panose="020B0604020202020204" pitchFamily="34" charset="0"/>
+              <a:buChar char="•"/>
+            </a:pPr>
+            <a:endParaRPr lang="en-US" sz="800" dirty="0">
+              <a:solidFill>
+                <a:schemeClr val="accent6">
+                  <a:lumMod val="50000"/>
+                </a:schemeClr>
+              </a:solidFill>
+              <a:latin typeface="Gill Sans MT (Body)"/>
+            </a:endParaRPr>
+          </a:p>
+          <a:p>
+            <a:pPr marL="285750" indent="-285750">
+              <a:buFont typeface="Arial" panose="020B0604020202020204" pitchFamily="34" charset="0"/>
+              <a:buChar char="•"/>
+            </a:pPr>
+            <a:r>
+              <a:rPr lang="en-IN" dirty="0">
+                <a:solidFill>
+                  <a:schemeClr val="tx1">
+                    <a:lumMod val="50000"/>
+                    <a:lumOff val="50000"/>
+                  </a:schemeClr>
+                </a:solidFill>
+                <a:latin typeface="Gill Sans MT (Body)"/>
+              </a:rPr>
+              <a:t>neo4j$</a:t>
+            </a:r>
+            <a:endParaRPr lang="en-US" dirty="0">
+              <a:solidFill>
+                <a:srgbClr val="333333"/>
+              </a:solidFill>
+              <a:effectLst/>
+              <a:latin typeface="Gill Sans MT (Body)"/>
+            </a:endParaRPr>
+          </a:p>
+          <a:p>
+            <a:pPr marL="285750" indent="-285750">
+              <a:buFont typeface="Arial" panose="020B0604020202020204" pitchFamily="34" charset="0"/>
+              <a:buChar char="•"/>
+            </a:pPr>
+            <a:endParaRPr lang="en-US" sz="800" dirty="0">
+              <a:solidFill>
+                <a:srgbClr val="333333"/>
+              </a:solidFill>
+              <a:latin typeface="Gill Sans MT (Body)"/>
+            </a:endParaRPr>
+          </a:p>
+          <a:p>
+            <a:pPr marL="285750" indent="-285750">
+              <a:buFont typeface="Arial" panose="020B0604020202020204" pitchFamily="34" charset="0"/>
+              <a:buChar char="•"/>
+            </a:pPr>
+            <a:r>
+              <a:rPr lang="en-IN" dirty="0">
+                <a:solidFill>
+                  <a:schemeClr val="tx1">
+                    <a:lumMod val="50000"/>
+                    <a:lumOff val="50000"/>
+                  </a:schemeClr>
+                </a:solidFill>
+                <a:latin typeface="Gill Sans MT (Body)"/>
+              </a:rPr>
+              <a:t>neo4j$</a:t>
+            </a:r>
+            <a:endParaRPr lang="en-US" dirty="0">
+              <a:solidFill>
+                <a:srgbClr val="333333"/>
+              </a:solidFill>
+              <a:effectLst/>
+            </a:endParaRPr>
+          </a:p>
+          <a:p>
+            <a:pPr marL="285750" indent="-285750">
+              <a:buFont typeface="Arial" panose="020B0604020202020204" pitchFamily="34" charset="0"/>
+              <a:buChar char="•"/>
+            </a:pPr>
+            <a:endParaRPr lang="en-US" sz="800" dirty="0">
+              <a:solidFill>
+                <a:srgbClr val="333333"/>
+              </a:solidFill>
+            </a:endParaRPr>
+          </a:p>
+          <a:p>
+            <a:pPr marL="285750" indent="-285750">
+              <a:buFont typeface="Arial" panose="020B0604020202020204" pitchFamily="34" charset="0"/>
+              <a:buChar char="•"/>
+            </a:pPr>
+            <a:r>
+              <a:rPr lang="en-IN" dirty="0">
+                <a:solidFill>
+                  <a:schemeClr val="tx1">
+                    <a:lumMod val="50000"/>
+                    <a:lumOff val="50000"/>
+                  </a:schemeClr>
+                </a:solidFill>
+                <a:latin typeface="Gill Sans MT (Body)"/>
+              </a:rPr>
+              <a:t>neo4j$</a:t>
+            </a:r>
+            <a:endParaRPr lang="en-US" dirty="0">
+              <a:solidFill>
+                <a:srgbClr val="000000"/>
+              </a:solidFill>
+              <a:effectLst/>
+            </a:endParaRPr>
+          </a:p>
+          <a:p>
+            <a:pPr marL="285750" indent="-285750">
+              <a:buFont typeface="Arial" panose="020B0604020202020204" pitchFamily="34" charset="0"/>
+              <a:buChar char="•"/>
+            </a:pPr>
+            <a:endParaRPr lang="en-IN" sz="800" dirty="0">
+              <a:solidFill>
+                <a:schemeClr val="tx1">
+                  <a:lumMod val="50000"/>
+                  <a:lumOff val="50000"/>
+                </a:schemeClr>
+              </a:solidFill>
+              <a:latin typeface="Gill Sans MT (Body)"/>
+            </a:endParaRPr>
+          </a:p>
+          <a:p>
+            <a:pPr marL="285750" indent="-285750">
+              <a:buFont typeface="Arial" panose="020B0604020202020204" pitchFamily="34" charset="0"/>
+              <a:buChar char="•"/>
+            </a:pPr>
+            <a:r>
+              <a:rPr lang="en-IN" dirty="0">
+                <a:solidFill>
+                  <a:schemeClr val="tx1">
+                    <a:lumMod val="50000"/>
+                    <a:lumOff val="50000"/>
+                  </a:schemeClr>
+                </a:solidFill>
+                <a:latin typeface="Gill Sans MT (Body)"/>
+              </a:rPr>
+              <a:t>neo4j$</a:t>
+            </a:r>
+            <a:endParaRPr lang="en-US" dirty="0">
+              <a:solidFill>
+                <a:srgbClr val="000000"/>
+              </a:solidFill>
+              <a:effectLst/>
+            </a:endParaRPr>
+          </a:p>
+          <a:p>
+            <a:pPr marL="285750" indent="-285750">
+              <a:buFont typeface="Arial" panose="020B0604020202020204" pitchFamily="34" charset="0"/>
+              <a:buChar char="•"/>
+            </a:pPr>
+            <a:endParaRPr lang="en-US" sz="800" dirty="0">
+              <a:solidFill>
+                <a:srgbClr val="333333"/>
+              </a:solidFill>
+            </a:endParaRPr>
+          </a:p>
+          <a:p>
+            <a:pPr marL="285750" indent="-285750">
+              <a:buFont typeface="Arial" panose="020B0604020202020204" pitchFamily="34" charset="0"/>
+              <a:buChar char="•"/>
+            </a:pPr>
+            <a:r>
+              <a:rPr lang="en-IN" dirty="0">
+                <a:solidFill>
+                  <a:schemeClr val="tx1">
+                    <a:lumMod val="50000"/>
+                    <a:lumOff val="50000"/>
+                  </a:schemeClr>
+                </a:solidFill>
+                <a:latin typeface="Gill Sans MT (Body)"/>
+              </a:rPr>
+              <a:t>neo4j$</a:t>
+            </a:r>
+            <a:endParaRPr lang="en-US" dirty="0">
+              <a:solidFill>
+                <a:srgbClr val="000000"/>
+              </a:solidFill>
+              <a:effectLst/>
+            </a:endParaRPr>
+          </a:p>
+        </p:txBody>
+      </p:sp>
+      <p:sp>
+        <p:nvSpPr>
+          <p:cNvPr id="8" name="CustomShape 6">
+            <a:extLst>
+              <a:ext uri="{FF2B5EF4-FFF2-40B4-BE49-F238E27FC236}">
+                <a16:creationId xmlns:a16="http://schemas.microsoft.com/office/drawing/2014/main" id="{8D4BD6EA-70A3-4098-B595-3811FA3CBFB5}"/>
+              </a:ext>
+            </a:extLst>
+          </p:cNvPr>
+          <p:cNvSpPr/>
+          <p:nvPr/>
+        </p:nvSpPr>
+        <p:spPr>
+          <a:xfrm>
+            <a:off x="246600" y="0"/>
+            <a:ext cx="11693880" cy="706432"/>
+          </a:xfrm>
+          <a:prstGeom prst="rect">
+            <a:avLst/>
+          </a:prstGeom>
+          <a:solidFill>
+            <a:schemeClr val="accent6">
+              <a:lumMod val="75000"/>
+            </a:schemeClr>
+          </a:solidFill>
+          <a:ln>
+            <a:noFill/>
+          </a:ln>
+        </p:spPr>
+        <p:style>
+          <a:lnRef idx="0">
+            <a:scrgbClr r="0" g="0" b="0"/>
+          </a:lnRef>
+          <a:fillRef idx="0">
+            <a:scrgbClr r="0" g="0" b="0"/>
+          </a:fillRef>
+          <a:effectRef idx="0">
+            <a:scrgbClr r="0" g="0" b="0"/>
+          </a:effectRef>
+          <a:fontRef idx="minor"/>
+        </p:style>
+        <p:txBody>
+          <a:bodyPr lIns="90000" tIns="45000" rIns="90000" bIns="45000">
+            <a:spAutoFit/>
+          </a:bodyPr>
+          <a:lstStyle/>
+          <a:p>
+            <a:pPr algn="r"/>
+            <a:r>
+              <a:rPr lang="en-IN" sz="4000" b="0" strike="noStrike" spc="-1" dirty="0">
+                <a:solidFill>
+                  <a:schemeClr val="accent6">
+                    <a:lumMod val="60000"/>
+                    <a:lumOff val="40000"/>
+                  </a:schemeClr>
+                </a:solidFill>
+                <a:latin typeface="Nunito Sans"/>
+                <a:ea typeface="DejaVu Sans"/>
+              </a:rPr>
+              <a:t>list</a:t>
+            </a:r>
+            <a:endParaRPr lang="en-IN" sz="4000" b="0" strike="noStrike" spc="-1" dirty="0">
+              <a:solidFill>
+                <a:schemeClr val="accent6">
+                  <a:lumMod val="60000"/>
+                  <a:lumOff val="40000"/>
+                </a:schemeClr>
+              </a:solidFill>
+              <a:latin typeface="Nunito Sans"/>
+            </a:endParaRPr>
+          </a:p>
+        </p:txBody>
+      </p:sp>
+    </p:spTree>
+    <p:extLst>
+      <p:ext uri="{BB962C8B-B14F-4D97-AF65-F5344CB8AC3E}">
+        <p14:creationId xmlns:p14="http://schemas.microsoft.com/office/powerpoint/2010/main" val="2239106577"/>
+      </p:ext>
+    </p:extLst>
+  </p:cSld>
+  <p:clrMapOvr>
+    <a:masterClrMapping/>
+  </p:clrMapOvr>
+</p:sld>
+</file>
+
+<file path=ppt/slides/slide19.xml><?xml version="1.0" encoding="utf-8"?>
 <p:sld xmlns:a="http://schemas.openxmlformats.org/drawingml/2006/main" xmlns:r="http://schemas.openxmlformats.org/officeDocument/2006/relationships" xmlns:p="http://schemas.openxmlformats.org/presentationml/2006/main">
   <p:cSld>
     <p:spTree>
@@ -12569,182 +14571,6 @@
 </p:sld>
 </file>
 
-<file path=ppt/slides/slide18.xml><?xml version="1.0" encoding="utf-8"?>
-<p:sld xmlns:a="http://schemas.openxmlformats.org/drawingml/2006/main" xmlns:r="http://schemas.openxmlformats.org/officeDocument/2006/relationships" xmlns:p="http://schemas.openxmlformats.org/presentationml/2006/main">
-  <p:cSld>
-    <p:spTree>
-      <p:nvGrpSpPr>
-        <p:cNvPr id="1" name=""/>
-        <p:cNvGrpSpPr/>
-        <p:nvPr/>
-      </p:nvGrpSpPr>
-      <p:grpSpPr>
-        <a:xfrm>
-          <a:off x="0" y="0"/>
-          <a:ext cx="0" cy="0"/>
-          <a:chOff x="0" y="0"/>
-          <a:chExt cx="0" cy="0"/>
-        </a:xfrm>
-      </p:grpSpPr>
-    </p:spTree>
-    <p:extLst>
-      <p:ext uri="{BB962C8B-B14F-4D97-AF65-F5344CB8AC3E}">
-        <p14:creationId xmlns:p14="http://schemas.microsoft.com/office/powerpoint/2010/main" val="746346864"/>
-      </p:ext>
-    </p:extLst>
-  </p:cSld>
-  <p:clrMapOvr>
-    <a:masterClrMapping/>
-  </p:clrMapOvr>
-</p:sld>
-</file>
-
-<file path=ppt/slides/slide19.xml><?xml version="1.0" encoding="utf-8"?>
-<p:sld xmlns:a="http://schemas.openxmlformats.org/drawingml/2006/main" xmlns:r="http://schemas.openxmlformats.org/officeDocument/2006/relationships" xmlns:p="http://schemas.openxmlformats.org/presentationml/2006/main">
-  <p:cSld>
-    <p:spTree>
-      <p:nvGrpSpPr>
-        <p:cNvPr id="1" name=""/>
-        <p:cNvGrpSpPr/>
-        <p:nvPr/>
-      </p:nvGrpSpPr>
-      <p:grpSpPr>
-        <a:xfrm>
-          <a:off x="0" y="0"/>
-          <a:ext cx="0" cy="0"/>
-          <a:chOff x="0" y="0"/>
-          <a:chExt cx="0" cy="0"/>
-        </a:xfrm>
-      </p:grpSpPr>
-      <p:sp>
-        <p:nvSpPr>
-          <p:cNvPr id="462" name="CustomShape 1"/>
-          <p:cNvSpPr/>
-          <p:nvPr/>
-        </p:nvSpPr>
-        <p:spPr>
-          <a:xfrm>
-            <a:off x="1365840" y="188640"/>
-            <a:ext cx="9659160" cy="2192400"/>
-          </a:xfrm>
-          <a:prstGeom prst="rect">
-            <a:avLst/>
-          </a:prstGeom>
-          <a:noFill/>
-          <a:ln>
-            <a:noFill/>
-          </a:ln>
-        </p:spPr>
-        <p:style>
-          <a:lnRef idx="0">
-            <a:scrgbClr r="0" g="0" b="0"/>
-          </a:lnRef>
-          <a:fillRef idx="0">
-            <a:scrgbClr r="0" g="0" b="0"/>
-          </a:fillRef>
-          <a:effectRef idx="0">
-            <a:scrgbClr r="0" g="0" b="0"/>
-          </a:effectRef>
-          <a:fontRef idx="minor"/>
-        </p:style>
-        <p:txBody>
-          <a:bodyPr lIns="90000" tIns="45000" rIns="90000" bIns="45000">
-            <a:spAutoFit/>
-          </a:bodyPr>
-          <a:lstStyle/>
-          <a:p>
-            <a:pPr algn="ctr">
-              <a:lnSpc>
-                <a:spcPct val="100000"/>
-              </a:lnSpc>
-            </a:pPr>
-            <a:r>
-              <a:rPr lang="en-IN" sz="4000" b="0" strike="noStrike" spc="-1">
-                <a:solidFill>
-                  <a:srgbClr val="FF5733"/>
-                </a:solidFill>
-                <a:latin typeface="Segoe Print"/>
-                <a:ea typeface="DejaVu Sans"/>
-              </a:rPr>
-              <a:t>“</a:t>
-            </a:r>
-            <a:r>
-              <a:rPr lang="en-US" sz="4000" b="0" strike="noStrike" spc="-1">
-                <a:solidFill>
-                  <a:srgbClr val="FF5733"/>
-                </a:solidFill>
-                <a:latin typeface="Segoe Print"/>
-                <a:ea typeface="DejaVu Sans"/>
-              </a:rPr>
-              <a:t>Accept your past without regret, handle our present with confidence and face your future without fear.</a:t>
-            </a:r>
-            <a:r>
-              <a:rPr lang="en-IN" sz="4000" b="0" strike="noStrike" spc="-1">
-                <a:solidFill>
-                  <a:srgbClr val="FF5733"/>
-                </a:solidFill>
-                <a:latin typeface="Segoe Print"/>
-                <a:ea typeface="DejaVu Sans"/>
-              </a:rPr>
-              <a:t>”</a:t>
-            </a:r>
-            <a:endParaRPr lang="en-IN" sz="4000" b="0" strike="noStrike" spc="-1">
-              <a:latin typeface="Arial"/>
-            </a:endParaRPr>
-          </a:p>
-          <a:p>
-            <a:pPr algn="r">
-              <a:lnSpc>
-                <a:spcPct val="100000"/>
-              </a:lnSpc>
-            </a:pPr>
-            <a:r>
-              <a:rPr lang="en-IN" sz="1800" b="0" strike="noStrike" spc="-1">
-                <a:solidFill>
-                  <a:srgbClr val="111111"/>
-                </a:solidFill>
-                <a:latin typeface="-apple-system"/>
-                <a:ea typeface="DejaVu Sans"/>
-              </a:rPr>
-              <a:t>~ Dr. APJ. Abdul Kalam</a:t>
-            </a:r>
-            <a:endParaRPr lang="en-IN" sz="1800" b="0" strike="noStrike" spc="-1">
-              <a:latin typeface="Arial"/>
-            </a:endParaRPr>
-          </a:p>
-        </p:txBody>
-      </p:sp>
-      <p:pic>
-        <p:nvPicPr>
-          <p:cNvPr id="463" name="Picture 2" descr="http://www.bvctch.vn/vnt_upload/weblink/thks.jpg"/>
-          <p:cNvPicPr/>
-          <p:nvPr/>
-        </p:nvPicPr>
-        <p:blipFill>
-          <a:blip r:embed="rId2"/>
-          <a:stretch/>
-        </p:blipFill>
-        <p:spPr>
-          <a:xfrm>
-            <a:off x="4404600" y="2036160"/>
-            <a:ext cx="3102840" cy="4639680"/>
-          </a:xfrm>
-          <a:prstGeom prst="rect">
-            <a:avLst/>
-          </a:prstGeom>
-          <a:ln>
-            <a:noFill/>
-          </a:ln>
-        </p:spPr>
-      </p:pic>
-    </p:spTree>
-  </p:cSld>
-  <p:clrMapOvr>
-    <a:masterClrMapping/>
-  </p:clrMapOvr>
-</p:sld>
-</file>
-
 <file path=ppt/slides/slide2.xml><?xml version="1.0" encoding="utf-8"?>
 <p:sld xmlns:a="http://schemas.openxmlformats.org/drawingml/2006/main" xmlns:r="http://schemas.openxmlformats.org/officeDocument/2006/relationships" xmlns:p="http://schemas.openxmlformats.org/presentationml/2006/main">
   <p:cSld>
@@ -12889,6 +14715,182 @@
 </file>
 
 <file path=ppt/slides/slide20.xml><?xml version="1.0" encoding="utf-8"?>
+<p:sld xmlns:a="http://schemas.openxmlformats.org/drawingml/2006/main" xmlns:r="http://schemas.openxmlformats.org/officeDocument/2006/relationships" xmlns:p="http://schemas.openxmlformats.org/presentationml/2006/main">
+  <p:cSld>
+    <p:spTree>
+      <p:nvGrpSpPr>
+        <p:cNvPr id="1" name=""/>
+        <p:cNvGrpSpPr/>
+        <p:nvPr/>
+      </p:nvGrpSpPr>
+      <p:grpSpPr>
+        <a:xfrm>
+          <a:off x="0" y="0"/>
+          <a:ext cx="0" cy="0"/>
+          <a:chOff x="0" y="0"/>
+          <a:chExt cx="0" cy="0"/>
+        </a:xfrm>
+      </p:grpSpPr>
+    </p:spTree>
+    <p:extLst>
+      <p:ext uri="{BB962C8B-B14F-4D97-AF65-F5344CB8AC3E}">
+        <p14:creationId xmlns:p14="http://schemas.microsoft.com/office/powerpoint/2010/main" val="746346864"/>
+      </p:ext>
+    </p:extLst>
+  </p:cSld>
+  <p:clrMapOvr>
+    <a:masterClrMapping/>
+  </p:clrMapOvr>
+</p:sld>
+</file>
+
+<file path=ppt/slides/slide21.xml><?xml version="1.0" encoding="utf-8"?>
+<p:sld xmlns:a="http://schemas.openxmlformats.org/drawingml/2006/main" xmlns:r="http://schemas.openxmlformats.org/officeDocument/2006/relationships" xmlns:p="http://schemas.openxmlformats.org/presentationml/2006/main">
+  <p:cSld>
+    <p:spTree>
+      <p:nvGrpSpPr>
+        <p:cNvPr id="1" name=""/>
+        <p:cNvGrpSpPr/>
+        <p:nvPr/>
+      </p:nvGrpSpPr>
+      <p:grpSpPr>
+        <a:xfrm>
+          <a:off x="0" y="0"/>
+          <a:ext cx="0" cy="0"/>
+          <a:chOff x="0" y="0"/>
+          <a:chExt cx="0" cy="0"/>
+        </a:xfrm>
+      </p:grpSpPr>
+      <p:sp>
+        <p:nvSpPr>
+          <p:cNvPr id="462" name="CustomShape 1"/>
+          <p:cNvSpPr/>
+          <p:nvPr/>
+        </p:nvSpPr>
+        <p:spPr>
+          <a:xfrm>
+            <a:off x="1365840" y="188640"/>
+            <a:ext cx="9659160" cy="2192400"/>
+          </a:xfrm>
+          <a:prstGeom prst="rect">
+            <a:avLst/>
+          </a:prstGeom>
+          <a:noFill/>
+          <a:ln>
+            <a:noFill/>
+          </a:ln>
+        </p:spPr>
+        <p:style>
+          <a:lnRef idx="0">
+            <a:scrgbClr r="0" g="0" b="0"/>
+          </a:lnRef>
+          <a:fillRef idx="0">
+            <a:scrgbClr r="0" g="0" b="0"/>
+          </a:fillRef>
+          <a:effectRef idx="0">
+            <a:scrgbClr r="0" g="0" b="0"/>
+          </a:effectRef>
+          <a:fontRef idx="minor"/>
+        </p:style>
+        <p:txBody>
+          <a:bodyPr lIns="90000" tIns="45000" rIns="90000" bIns="45000">
+            <a:spAutoFit/>
+          </a:bodyPr>
+          <a:lstStyle/>
+          <a:p>
+            <a:pPr algn="ctr">
+              <a:lnSpc>
+                <a:spcPct val="100000"/>
+              </a:lnSpc>
+            </a:pPr>
+            <a:r>
+              <a:rPr lang="en-IN" sz="4000" b="0" strike="noStrike" spc="-1">
+                <a:solidFill>
+                  <a:srgbClr val="FF5733"/>
+                </a:solidFill>
+                <a:latin typeface="Segoe Print"/>
+                <a:ea typeface="DejaVu Sans"/>
+              </a:rPr>
+              <a:t>“</a:t>
+            </a:r>
+            <a:r>
+              <a:rPr lang="en-US" sz="4000" b="0" strike="noStrike" spc="-1">
+                <a:solidFill>
+                  <a:srgbClr val="FF5733"/>
+                </a:solidFill>
+                <a:latin typeface="Segoe Print"/>
+                <a:ea typeface="DejaVu Sans"/>
+              </a:rPr>
+              <a:t>Accept your past without regret, handle our present with confidence and face your future without fear.</a:t>
+            </a:r>
+            <a:r>
+              <a:rPr lang="en-IN" sz="4000" b="0" strike="noStrike" spc="-1">
+                <a:solidFill>
+                  <a:srgbClr val="FF5733"/>
+                </a:solidFill>
+                <a:latin typeface="Segoe Print"/>
+                <a:ea typeface="DejaVu Sans"/>
+              </a:rPr>
+              <a:t>”</a:t>
+            </a:r>
+            <a:endParaRPr lang="en-IN" sz="4000" b="0" strike="noStrike" spc="-1">
+              <a:latin typeface="Arial"/>
+            </a:endParaRPr>
+          </a:p>
+          <a:p>
+            <a:pPr algn="r">
+              <a:lnSpc>
+                <a:spcPct val="100000"/>
+              </a:lnSpc>
+            </a:pPr>
+            <a:r>
+              <a:rPr lang="en-IN" sz="1800" b="0" strike="noStrike" spc="-1">
+                <a:solidFill>
+                  <a:srgbClr val="111111"/>
+                </a:solidFill>
+                <a:latin typeface="-apple-system"/>
+                <a:ea typeface="DejaVu Sans"/>
+              </a:rPr>
+              <a:t>~ Dr. APJ. Abdul Kalam</a:t>
+            </a:r>
+            <a:endParaRPr lang="en-IN" sz="1800" b="0" strike="noStrike" spc="-1">
+              <a:latin typeface="Arial"/>
+            </a:endParaRPr>
+          </a:p>
+        </p:txBody>
+      </p:sp>
+      <p:pic>
+        <p:nvPicPr>
+          <p:cNvPr id="463" name="Picture 2" descr="http://www.bvctch.vn/vnt_upload/weblink/thks.jpg"/>
+          <p:cNvPicPr/>
+          <p:nvPr/>
+        </p:nvPicPr>
+        <p:blipFill>
+          <a:blip r:embed="rId2"/>
+          <a:stretch/>
+        </p:blipFill>
+        <p:spPr>
+          <a:xfrm>
+            <a:off x="4404600" y="2036160"/>
+            <a:ext cx="3102840" cy="4639680"/>
+          </a:xfrm>
+          <a:prstGeom prst="rect">
+            <a:avLst/>
+          </a:prstGeom>
+          <a:ln>
+            <a:noFill/>
+          </a:ln>
+        </p:spPr>
+      </p:pic>
+    </p:spTree>
+  </p:cSld>
+  <p:clrMapOvr>
+    <a:masterClrMapping/>
+  </p:clrMapOvr>
+</p:sld>
+</file>
+
+<file path=ppt/slides/slide22.xml><?xml version="1.0" encoding="utf-8"?>
 <p:sld xmlns:a="http://schemas.openxmlformats.org/drawingml/2006/main" xmlns:r="http://schemas.openxmlformats.org/officeDocument/2006/relationships" xmlns:p="http://schemas.openxmlformats.org/presentationml/2006/main">
   <p:cSld>
     <p:spTree>

--- a/Neo4j.pptx
+++ b/Neo4j.pptx
@@ -9893,7 +9893,7 @@
         <p:spPr>
           <a:xfrm>
             <a:off x="243604" y="2134800"/>
-            <a:ext cx="11693880" cy="2769989"/>
+            <a:ext cx="11693880" cy="3847207"/>
           </a:xfrm>
           <a:prstGeom prst="rect">
             <a:avLst/>
@@ -10198,6 +10198,249 @@
               <a:solidFill>
                 <a:srgbClr val="333333"/>
               </a:solidFill>
+              <a:effectLst/>
+              <a:latin typeface="Gill Sans MT (Body)"/>
+            </a:endParaRPr>
+          </a:p>
+          <a:p>
+            <a:pPr marL="285750" indent="-285750">
+              <a:buFont typeface="Arial" panose="020B0604020202020204" pitchFamily="34" charset="0"/>
+              <a:buChar char="•"/>
+            </a:pPr>
+            <a:r>
+              <a:rPr lang="en-IN" dirty="0">
+                <a:solidFill>
+                  <a:schemeClr val="tx1">
+                    <a:lumMod val="50000"/>
+                    <a:lumOff val="50000"/>
+                  </a:schemeClr>
+                </a:solidFill>
+                <a:latin typeface="Gill Sans MT (Body)"/>
+              </a:rPr>
+              <a:t>neo4j$ </a:t>
+            </a:r>
+            <a:r>
+              <a:rPr lang="en-US" dirty="0">
+                <a:solidFill>
+                  <a:srgbClr val="859900"/>
+                </a:solidFill>
+                <a:effectLst/>
+              </a:rPr>
+              <a:t>match</a:t>
+            </a:r>
+            <a:r>
+              <a:rPr lang="en-US" dirty="0">
+                <a:solidFill>
+                  <a:srgbClr val="586E75"/>
+                </a:solidFill>
+                <a:effectLst/>
+              </a:rPr>
+              <a:t>(</a:t>
+            </a:r>
+            <a:r>
+              <a:rPr lang="en-US" dirty="0">
+                <a:solidFill>
+                  <a:srgbClr val="333333"/>
+                </a:solidFill>
+                <a:effectLst/>
+              </a:rPr>
+              <a:t>n</a:t>
+            </a:r>
+            <a:r>
+              <a:rPr lang="en-US" dirty="0">
+                <a:solidFill>
+                  <a:srgbClr val="586E75"/>
+                </a:solidFill>
+                <a:effectLst/>
+              </a:rPr>
+              <a:t>{</a:t>
+            </a:r>
+            <a:r>
+              <a:rPr lang="en-US" dirty="0">
+                <a:solidFill>
+                  <a:srgbClr val="333333"/>
+                </a:solidFill>
+                <a:effectLst/>
+              </a:rPr>
+              <a:t>name</a:t>
+            </a:r>
+            <a:r>
+              <a:rPr lang="en-US">
+                <a:solidFill>
+                  <a:srgbClr val="586E75"/>
+                </a:solidFill>
+                <a:effectLst/>
+              </a:rPr>
+              <a:t>:</a:t>
+            </a:r>
+            <a:r>
+              <a:rPr lang="en-US">
+                <a:solidFill>
+                  <a:srgbClr val="B58900"/>
+                </a:solidFill>
+                <a:effectLst/>
+              </a:rPr>
+              <a:t>'ruhan'</a:t>
+            </a:r>
+            <a:r>
+              <a:rPr lang="en-US">
+                <a:solidFill>
+                  <a:srgbClr val="586E75"/>
+                </a:solidFill>
+                <a:effectLst/>
+              </a:rPr>
+              <a:t>})</a:t>
+            </a:r>
+            <a:endParaRPr lang="en-US" dirty="0">
+              <a:solidFill>
+                <a:srgbClr val="000000"/>
+              </a:solidFill>
+              <a:effectLst/>
+            </a:endParaRPr>
+          </a:p>
+          <a:p>
+            <a:r>
+              <a:rPr lang="en-US" dirty="0">
+                <a:solidFill>
+                  <a:srgbClr val="859900"/>
+                </a:solidFill>
+                <a:effectLst/>
+              </a:rPr>
+              <a:t>               match</a:t>
+            </a:r>
+            <a:r>
+              <a:rPr lang="en-US" dirty="0">
+                <a:solidFill>
+                  <a:srgbClr val="586E75"/>
+                </a:solidFill>
+                <a:effectLst/>
+              </a:rPr>
+              <a:t>(</a:t>
+            </a:r>
+            <a:r>
+              <a:rPr lang="en-US" dirty="0">
+                <a:solidFill>
+                  <a:srgbClr val="333333"/>
+                </a:solidFill>
+                <a:effectLst/>
+              </a:rPr>
+              <a:t>m</a:t>
+            </a:r>
+            <a:r>
+              <a:rPr lang="en-US" dirty="0">
+                <a:solidFill>
+                  <a:srgbClr val="586E75"/>
+                </a:solidFill>
+                <a:effectLst/>
+              </a:rPr>
+              <a:t>{</a:t>
+            </a:r>
+            <a:r>
+              <a:rPr lang="en-US" dirty="0">
+                <a:solidFill>
+                  <a:srgbClr val="333333"/>
+                </a:solidFill>
+                <a:effectLst/>
+              </a:rPr>
+              <a:t>name</a:t>
+            </a:r>
+            <a:r>
+              <a:rPr lang="en-US" dirty="0">
+                <a:solidFill>
+                  <a:srgbClr val="586E75"/>
+                </a:solidFill>
+                <a:effectLst/>
+              </a:rPr>
+              <a:t>:</a:t>
+            </a:r>
+            <a:r>
+              <a:rPr lang="en-US" dirty="0">
+                <a:solidFill>
+                  <a:srgbClr val="B58900"/>
+                </a:solidFill>
+                <a:effectLst/>
+              </a:rPr>
+              <a:t>'neel'</a:t>
+            </a:r>
+            <a:r>
+              <a:rPr lang="en-US" dirty="0">
+                <a:solidFill>
+                  <a:srgbClr val="586E75"/>
+                </a:solidFill>
+                <a:effectLst/>
+              </a:rPr>
+              <a:t>})</a:t>
+            </a:r>
+            <a:r>
+              <a:rPr lang="en-US" dirty="0">
+                <a:solidFill>
+                  <a:srgbClr val="333333"/>
+                </a:solidFill>
+                <a:effectLst/>
+              </a:rPr>
+              <a:t> </a:t>
+            </a:r>
+            <a:endParaRPr lang="en-US" dirty="0">
+              <a:solidFill>
+                <a:srgbClr val="000000"/>
+              </a:solidFill>
+              <a:effectLst/>
+            </a:endParaRPr>
+          </a:p>
+          <a:p>
+            <a:r>
+              <a:rPr lang="en-US" dirty="0">
+                <a:solidFill>
+                  <a:srgbClr val="859900"/>
+                </a:solidFill>
+                <a:effectLst/>
+              </a:rPr>
+              <a:t>               return</a:t>
+            </a:r>
+            <a:r>
+              <a:rPr lang="en-US" dirty="0">
+                <a:solidFill>
+                  <a:srgbClr val="333333"/>
+                </a:solidFill>
+                <a:effectLst/>
+              </a:rPr>
+              <a:t> n</a:t>
+            </a:r>
+            <a:r>
+              <a:rPr lang="en-US" dirty="0">
+                <a:solidFill>
+                  <a:srgbClr val="586E75"/>
+                </a:solidFill>
+                <a:effectLst/>
+              </a:rPr>
+              <a:t>,</a:t>
+            </a:r>
+            <a:r>
+              <a:rPr lang="en-US" dirty="0">
+                <a:solidFill>
+                  <a:srgbClr val="333333"/>
+                </a:solidFill>
+                <a:effectLst/>
+              </a:rPr>
+              <a:t> m</a:t>
+            </a:r>
+            <a:endParaRPr lang="en-US" dirty="0">
+              <a:solidFill>
+                <a:srgbClr val="000000"/>
+              </a:solidFill>
+              <a:effectLst/>
+            </a:endParaRPr>
+          </a:p>
+          <a:p>
+            <a:pPr marL="285750" indent="-285750">
+              <a:buFont typeface="Arial" panose="020B0604020202020204" pitchFamily="34" charset="0"/>
+              <a:buChar char="•"/>
+            </a:pPr>
+            <a:endParaRPr lang="en-US" sz="800" dirty="0">
+              <a:solidFill>
+                <a:srgbClr val="333333"/>
+              </a:solidFill>
+              <a:effectLst/>
               <a:latin typeface="Gill Sans MT (Body)"/>
             </a:endParaRPr>
           </a:p>

--- a/Neo4j.pptx
+++ b/Neo4j.pptx
@@ -242,7 +242,7 @@
             <a:fld id="{757F699C-254E-44B6-B18D-E7E82B2FC743}" type="datetimeFigureOut">
               <a:rPr lang="en-IN" smtClean="0"/>
               <a:pPr/>
-              <a:t>27-06-2021</a:t>
+              <a:t>29-06-2021</a:t>
             </a:fld>
             <a:endParaRPr lang="en-IN"/>
           </a:p>
@@ -1068,7 +1068,7 @@
             <a:fld id="{52F73076-280E-4994-B9AF-08CB19D7A53F}" type="datetimeFigureOut">
               <a:rPr lang="en-US" smtClean="0"/>
               <a:pPr/>
-              <a:t>6/27/2021</a:t>
+              <a:t>6/29/2021</a:t>
             </a:fld>
             <a:endParaRPr lang="en-US" dirty="0"/>
           </a:p>
@@ -1513,7 +1513,7 @@
             <a:fld id="{52F73076-280E-4994-B9AF-08CB19D7A53F}" type="datetimeFigureOut">
               <a:rPr lang="en-US" smtClean="0"/>
               <a:pPr/>
-              <a:t>6/27/2021</a:t>
+              <a:t>6/29/2021</a:t>
             </a:fld>
             <a:endParaRPr lang="en-US" dirty="0"/>
           </a:p>
@@ -2445,7 +2445,7 @@
             <a:fld id="{52F73076-280E-4994-B9AF-08CB19D7A53F}" type="datetimeFigureOut">
               <a:rPr lang="en-US" smtClean="0"/>
               <a:pPr/>
-              <a:t>6/27/2021</a:t>
+              <a:t>6/29/2021</a:t>
             </a:fld>
             <a:endParaRPr lang="en-US" dirty="0"/>
           </a:p>
@@ -2863,7 +2863,7 @@
             <a:fld id="{52F73076-280E-4994-B9AF-08CB19D7A53F}" type="datetimeFigureOut">
               <a:rPr lang="en-US" smtClean="0"/>
               <a:pPr/>
-              <a:t>6/27/2021</a:t>
+              <a:t>6/29/2021</a:t>
             </a:fld>
             <a:endParaRPr lang="en-US" dirty="0"/>
           </a:p>
@@ -8622,7 +8622,7 @@
         <p:spPr>
           <a:xfrm>
             <a:off x="246600" y="1686842"/>
-            <a:ext cx="11693880" cy="707886"/>
+            <a:ext cx="11693880" cy="1046440"/>
           </a:xfrm>
           <a:prstGeom prst="rect">
             <a:avLst/>
@@ -8644,6 +8644,27 @@
                 <a:cs typeface="Arial" panose="020B0604020202020204" pitchFamily="34" charset="0"/>
               </a:rPr>
               <a:t>MATCH(n) DELETE n</a:t>
+            </a:r>
+          </a:p>
+          <a:p>
+            <a:endParaRPr lang="pt-BR" sz="400" spc="-1" dirty="0">
+              <a:solidFill>
+                <a:srgbClr val="0070C0"/>
+              </a:solidFill>
+              <a:latin typeface="Consolas" panose="020B0609020204030204" pitchFamily="49" charset="0"/>
+              <a:cs typeface="Arial" panose="020B0604020202020204" pitchFamily="34" charset="0"/>
+            </a:endParaRPr>
+          </a:p>
+          <a:p>
+            <a:r>
+              <a:rPr lang="pt-BR" spc="-1" dirty="0">
+                <a:solidFill>
+                  <a:srgbClr val="0070C0"/>
+                </a:solidFill>
+                <a:latin typeface="Consolas" panose="020B0609020204030204" pitchFamily="49" charset="0"/>
+                <a:cs typeface="Arial" panose="020B0604020202020204" pitchFamily="34" charset="0"/>
+              </a:rPr>
+              <a:t>MATCH(n) MATCH(m) DELETE n, m</a:t>
             </a:r>
           </a:p>
           <a:p>
@@ -8690,8 +8711,8 @@
         </p:nvSpPr>
         <p:spPr>
           <a:xfrm>
-            <a:off x="243604" y="2600905"/>
-            <a:ext cx="11693880" cy="1908215"/>
+            <a:off x="243604" y="2992884"/>
+            <a:ext cx="11693880" cy="2431435"/>
           </a:xfrm>
           <a:prstGeom prst="rect">
             <a:avLst/>
@@ -8793,7 +8814,6 @@
               <a:solidFill>
                 <a:srgbClr val="333333"/>
               </a:solidFill>
-              <a:effectLst/>
             </a:endParaRPr>
           </a:p>
           <a:p>
@@ -8812,6 +8832,216 @@
                 <a:latin typeface="Gill Sans MT (Body)"/>
               </a:rPr>
               <a:t>neo4j$ </a:t>
+            </a:r>
+            <a:r>
+              <a:rPr lang="en-US" dirty="0">
+                <a:solidFill>
+                  <a:srgbClr val="859900"/>
+                </a:solidFill>
+                <a:effectLst/>
+              </a:rPr>
+              <a:t>match</a:t>
+            </a:r>
+            <a:r>
+              <a:rPr lang="en-US" dirty="0">
+                <a:solidFill>
+                  <a:srgbClr val="586E75"/>
+                </a:solidFill>
+                <a:effectLst/>
+              </a:rPr>
+              <a:t>(</a:t>
+            </a:r>
+            <a:r>
+              <a:rPr lang="en-US" dirty="0">
+                <a:solidFill>
+                  <a:srgbClr val="333333"/>
+                </a:solidFill>
+                <a:effectLst/>
+              </a:rPr>
+              <a:t>n</a:t>
+            </a:r>
+            <a:r>
+              <a:rPr lang="en-US" dirty="0">
+                <a:solidFill>
+                  <a:srgbClr val="586E75"/>
+                </a:solidFill>
+                <a:effectLst/>
+              </a:rPr>
+              <a:t>:</a:t>
+            </a:r>
+            <a:r>
+              <a:rPr lang="en-US" dirty="0">
+                <a:solidFill>
+                  <a:srgbClr val="333333"/>
+                </a:solidFill>
+                <a:effectLst/>
+              </a:rPr>
+              <a:t>author1</a:t>
+            </a:r>
+            <a:r>
+              <a:rPr lang="en-US" dirty="0">
+                <a:solidFill>
+                  <a:srgbClr val="586E75"/>
+                </a:solidFill>
+                <a:effectLst/>
+              </a:rPr>
+              <a:t>)</a:t>
+            </a:r>
+            <a:r>
+              <a:rPr lang="en-US" dirty="0">
+                <a:solidFill>
+                  <a:srgbClr val="333333"/>
+                </a:solidFill>
+                <a:effectLst/>
+              </a:rPr>
+              <a:t> </a:t>
+            </a:r>
+            <a:r>
+              <a:rPr lang="en-US" dirty="0">
+                <a:solidFill>
+                  <a:srgbClr val="859900"/>
+                </a:solidFill>
+                <a:effectLst/>
+              </a:rPr>
+              <a:t>match</a:t>
+            </a:r>
+            <a:r>
+              <a:rPr lang="en-US" dirty="0">
+                <a:solidFill>
+                  <a:srgbClr val="586E75"/>
+                </a:solidFill>
+                <a:effectLst/>
+              </a:rPr>
+              <a:t>(</a:t>
+            </a:r>
+            <a:r>
+              <a:rPr lang="en-US" dirty="0">
+                <a:solidFill>
+                  <a:srgbClr val="333333"/>
+                </a:solidFill>
+                <a:effectLst/>
+              </a:rPr>
+              <a:t>m</a:t>
+            </a:r>
+            <a:r>
+              <a:rPr lang="en-US" dirty="0">
+                <a:solidFill>
+                  <a:srgbClr val="586E75"/>
+                </a:solidFill>
+                <a:effectLst/>
+              </a:rPr>
+              <a:t>:</a:t>
+            </a:r>
+            <a:r>
+              <a:rPr lang="en-US" dirty="0">
+                <a:solidFill>
+                  <a:srgbClr val="333333"/>
+                </a:solidFill>
+                <a:effectLst/>
+              </a:rPr>
+              <a:t>author2</a:t>
+            </a:r>
+            <a:r>
+              <a:rPr lang="en-US" dirty="0">
+                <a:solidFill>
+                  <a:srgbClr val="586E75"/>
+                </a:solidFill>
+                <a:effectLst/>
+              </a:rPr>
+              <a:t>)</a:t>
+            </a:r>
+            <a:r>
+              <a:rPr lang="en-US" dirty="0">
+                <a:solidFill>
+                  <a:srgbClr val="333333"/>
+                </a:solidFill>
+                <a:effectLst/>
+              </a:rPr>
+              <a:t> </a:t>
+            </a:r>
+            <a:r>
+              <a:rPr lang="en-US" dirty="0">
+                <a:solidFill>
+                  <a:srgbClr val="859900"/>
+                </a:solidFill>
+                <a:effectLst/>
+              </a:rPr>
+              <a:t>delete</a:t>
+            </a:r>
+            <a:r>
+              <a:rPr lang="en-US" dirty="0">
+                <a:solidFill>
+                  <a:srgbClr val="333333"/>
+                </a:solidFill>
+                <a:effectLst/>
+              </a:rPr>
+              <a:t> n</a:t>
+            </a:r>
+            <a:r>
+              <a:rPr lang="en-US" dirty="0">
+                <a:solidFill>
+                  <a:srgbClr val="586E75"/>
+                </a:solidFill>
+                <a:effectLst/>
+              </a:rPr>
+              <a:t>,</a:t>
+            </a:r>
+            <a:r>
+              <a:rPr lang="en-US" dirty="0">
+                <a:solidFill>
+                  <a:srgbClr val="333333"/>
+                </a:solidFill>
+                <a:effectLst/>
+              </a:rPr>
+              <a:t> m </a:t>
+            </a:r>
+            <a:endParaRPr lang="en-US" dirty="0">
+              <a:solidFill>
+                <a:srgbClr val="000000"/>
+              </a:solidFill>
+              <a:effectLst/>
+            </a:endParaRPr>
+          </a:p>
+          <a:p>
+            <a:pPr marL="285750" indent="-285750">
+              <a:buFont typeface="Arial" panose="020B0604020202020204" pitchFamily="34" charset="0"/>
+              <a:buChar char="•"/>
+            </a:pPr>
+            <a:endParaRPr lang="pt-BR" sz="800" dirty="0">
+              <a:solidFill>
+                <a:srgbClr val="333333"/>
+              </a:solidFill>
+              <a:effectLst/>
+            </a:endParaRPr>
+          </a:p>
+          <a:p>
+            <a:pPr marL="285750" indent="-285750">
+              <a:buFont typeface="Arial" panose="020B0604020202020204" pitchFamily="34" charset="0"/>
+              <a:buChar char="•"/>
+            </a:pPr>
+            <a:r>
+              <a:rPr lang="en-IN">
+                <a:solidFill>
+                  <a:schemeClr val="tx1">
+                    <a:lumMod val="50000"/>
+                    <a:lumOff val="50000"/>
+                  </a:schemeClr>
+                </a:solidFill>
+                <a:latin typeface="Gill Sans MT (Body)"/>
+              </a:rPr>
+              <a:t>neo4j</a:t>
+            </a:r>
+            <a:r>
+              <a:rPr lang="en-IN" dirty="0">
+                <a:solidFill>
+                  <a:schemeClr val="tx1">
+                    <a:lumMod val="50000"/>
+                    <a:lumOff val="50000"/>
+                  </a:schemeClr>
+                </a:solidFill>
+                <a:latin typeface="Gill Sans MT (Body)"/>
+              </a:rPr>
+              <a:t>$ </a:t>
             </a:r>
             <a:r>
               <a:rPr lang="pt-BR" dirty="0">
@@ -9535,6 +9765,17 @@
               </a:rPr>
               <a:t> n</a:t>
             </a:r>
+          </a:p>
+          <a:p>
+            <a:pPr marL="285750" indent="-285750">
+              <a:buFont typeface="Arial" panose="020B0604020202020204" pitchFamily="34" charset="0"/>
+              <a:buChar char="•"/>
+            </a:pPr>
+            <a:endParaRPr lang="en-IN" sz="800" dirty="0">
+              <a:solidFill>
+                <a:srgbClr val="333333"/>
+              </a:solidFill>
+            </a:endParaRPr>
           </a:p>
         </p:txBody>
       </p:sp>

--- a/Neo4j.pptx
+++ b/Neo4j.pptx
@@ -6429,7 +6429,7 @@
                 <a:latin typeface="Consolas" panose="020B0609020204030204" pitchFamily="49" charset="0"/>
                 <a:cs typeface="Arial" panose="020B0604020202020204" pitchFamily="34" charset="0"/>
               </a:rPr>
-              <a:t>CREATE (n:label_name { key1: value, key2: value, ... }), ...</a:t>
+              <a:t>CREATE (n:label_name { key1: value, key2: value, ... }), ... [return n, m, ...]</a:t>
             </a:r>
           </a:p>
         </p:txBody>
@@ -6448,8 +6448,8 @@
         </p:nvSpPr>
         <p:spPr>
           <a:xfrm>
-            <a:off x="243604" y="2387783"/>
-            <a:ext cx="11693880" cy="2985433"/>
+            <a:off x="243604" y="2204864"/>
+            <a:ext cx="11693880" cy="3816429"/>
           </a:xfrm>
           <a:prstGeom prst="rect">
             <a:avLst/>
@@ -6530,16 +6530,16 @@
                 </a:solidFill>
                 <a:effectLst/>
               </a:rPr>
-              <a:t>{ </a:t>
-            </a:r>
-            <a:r>
-              <a:rPr lang="en-IN" dirty="0">
-                <a:solidFill>
-                  <a:srgbClr val="333333"/>
-                </a:solidFill>
-                <a:effectLst/>
-              </a:rPr>
-              <a:t>_id</a:t>
+              <a:t>{</a:t>
+            </a:r>
+            <a:r>
+              <a:rPr lang="en-IN" dirty="0">
+                <a:solidFill>
+                  <a:srgbClr val="333333"/>
+                </a:solidFill>
+                <a:effectLst/>
+              </a:rPr>
+              <a:t>name</a:t>
             </a:r>
             <a:r>
               <a:rPr lang="en-IN" dirty="0">
@@ -6553,29 +6553,29 @@
             <a:r>
               <a:rPr lang="en-IN" dirty="0">
                 <a:solidFill>
-                  <a:srgbClr val="2AA198"/>
-                </a:solidFill>
-                <a:effectLst/>
-              </a:rPr>
-              <a:t>1001</a:t>
-            </a:r>
-            <a:r>
-              <a:rPr lang="en-IN" dirty="0">
-                <a:solidFill>
-                  <a:srgbClr val="586E75"/>
-                </a:solidFill>
-                <a:effectLst/>
-              </a:rPr>
-              <a:t>, </a:t>
-            </a:r>
-            <a:r>
-              <a:rPr lang="en-IN" dirty="0">
-                <a:solidFill>
-                  <a:srgbClr val="333333"/>
-                </a:solidFill>
-                <a:effectLst/>
-              </a:rPr>
-              <a:t>name</a:t>
+                  <a:srgbClr val="B58900"/>
+                </a:solidFill>
+                <a:effectLst/>
+              </a:rPr>
+              <a:t>'saleel'</a:t>
+            </a:r>
+            <a:r>
+              <a:rPr lang="en-IN" dirty="0">
+                <a:solidFill>
+                  <a:srgbClr val="586E75"/>
+                </a:solidFill>
+                <a:effectLst/>
+              </a:rPr>
+              <a:t>,</a:t>
+            </a:r>
+            <a:r>
+              <a:rPr lang="en-IN" dirty="0">
+                <a:solidFill>
+                  <a:srgbClr val="333333"/>
+                </a:solidFill>
+                <a:effectLst/>
+              </a:rPr>
+              <a:t> location</a:t>
             </a:r>
             <a:r>
               <a:rPr lang="en-IN" dirty="0">
@@ -6593,25 +6593,25 @@
                 </a:solidFill>
                 <a:effectLst/>
               </a:rPr>
-              <a:t>'saleel'</a:t>
-            </a:r>
-            <a:r>
-              <a:rPr lang="en-IN" dirty="0">
-                <a:solidFill>
-                  <a:srgbClr val="586E75"/>
-                </a:solidFill>
-                <a:effectLst/>
-              </a:rPr>
-              <a:t>, </a:t>
-            </a:r>
-            <a:r>
-              <a:rPr lang="en-IN" dirty="0">
-                <a:solidFill>
-                  <a:srgbClr val="333333"/>
-                </a:solidFill>
-                <a:effectLst/>
-              </a:rPr>
-              <a:t>location</a:t>
+              <a:t>'baroda'</a:t>
+            </a:r>
+            <a:r>
+              <a:rPr lang="en-IN" dirty="0">
+                <a:solidFill>
+                  <a:srgbClr val="586E75"/>
+                </a:solidFill>
+                <a:effectLst/>
+              </a:rPr>
+              <a:t>,</a:t>
+            </a:r>
+            <a:r>
+              <a:rPr lang="en-IN" dirty="0">
+                <a:solidFill>
+                  <a:srgbClr val="333333"/>
+                </a:solidFill>
+                <a:effectLst/>
+              </a:rPr>
+              <a:t> emailid</a:t>
             </a:r>
             <a:r>
               <a:rPr lang="en-IN" dirty="0">
@@ -6629,43 +6629,7 @@
                 </a:solidFill>
                 <a:effectLst/>
               </a:rPr>
-              <a:t>'baroda'</a:t>
-            </a:r>
-            <a:r>
-              <a:rPr lang="en-IN" dirty="0">
-                <a:solidFill>
-                  <a:srgbClr val="586E75"/>
-                </a:solidFill>
-                <a:effectLst/>
-              </a:rPr>
-              <a:t>, </a:t>
-            </a:r>
-            <a:r>
-              <a:rPr lang="en-IN" dirty="0">
-                <a:solidFill>
-                  <a:srgbClr val="333333"/>
-                </a:solidFill>
-                <a:effectLst/>
-              </a:rPr>
-              <a:t>phone</a:t>
-            </a:r>
-            <a:r>
-              <a:rPr lang="en-IN" dirty="0">
-                <a:solidFill>
-                  <a:srgbClr val="586E75"/>
-                </a:solidFill>
-                <a:effectLst/>
-              </a:rPr>
-              <a:t>:</a:t>
-            </a:r>
-            <a:r>
-              <a:rPr lang="en-IN" dirty="0">
-                <a:solidFill>
-                  <a:srgbClr val="2AA198"/>
-                </a:solidFill>
-                <a:effectLst/>
-              </a:rPr>
-              <a:t>100</a:t>
+              <a:t>'saleel@gmail.com'</a:t>
             </a:r>
             <a:r>
               <a:rPr lang="en-IN" dirty="0">
@@ -6675,6 +6639,15 @@
                 <a:effectLst/>
               </a:rPr>
               <a:t>}),</a:t>
+            </a:r>
+            <a:r>
+              <a:rPr lang="en-IN" dirty="0">
+                <a:solidFill>
+                  <a:srgbClr val="333333"/>
+                </a:solidFill>
+                <a:effectLst/>
+              </a:rPr>
+              <a:t> </a:t>
             </a:r>
             <a:endParaRPr lang="en-IN" dirty="0">
               <a:solidFill>
@@ -6684,7 +6657,15 @@
             </a:endParaRPr>
           </a:p>
           <a:p>
-            <a:pPr marL="266700"/>
+            <a:r>
+              <a:rPr lang="en-IN" dirty="0">
+                <a:solidFill>
+                  <a:srgbClr val="333333"/>
+                </a:solidFill>
+                <a:effectLst/>
+              </a:rPr>
+              <a:t>            </a:t>
+            </a:r>
             <a:r>
               <a:rPr lang="en-IN" dirty="0">
                 <a:solidFill>
@@ -6728,16 +6709,16 @@
                 </a:solidFill>
                 <a:effectLst/>
               </a:rPr>
-              <a:t>{ </a:t>
-            </a:r>
-            <a:r>
-              <a:rPr lang="en-IN" dirty="0">
-                <a:solidFill>
-                  <a:srgbClr val="333333"/>
-                </a:solidFill>
-                <a:effectLst/>
-              </a:rPr>
-              <a:t>_id</a:t>
+              <a:t>{</a:t>
+            </a:r>
+            <a:r>
+              <a:rPr lang="en-IN" dirty="0">
+                <a:solidFill>
+                  <a:srgbClr val="333333"/>
+                </a:solidFill>
+                <a:effectLst/>
+              </a:rPr>
+              <a:t>name</a:t>
             </a:r>
             <a:r>
               <a:rPr lang="en-IN" dirty="0">
@@ -6751,29 +6732,29 @@
             <a:r>
               <a:rPr lang="en-IN" dirty="0">
                 <a:solidFill>
-                  <a:srgbClr val="2AA198"/>
-                </a:solidFill>
-                <a:effectLst/>
-              </a:rPr>
-              <a:t>1002</a:t>
-            </a:r>
-            <a:r>
-              <a:rPr lang="en-IN" dirty="0">
-                <a:solidFill>
-                  <a:srgbClr val="586E75"/>
-                </a:solidFill>
-                <a:effectLst/>
-              </a:rPr>
-              <a:t>, </a:t>
-            </a:r>
-            <a:r>
-              <a:rPr lang="en-IN" dirty="0">
-                <a:solidFill>
-                  <a:srgbClr val="333333"/>
-                </a:solidFill>
-                <a:effectLst/>
-              </a:rPr>
-              <a:t>name</a:t>
+                  <a:srgbClr val="B58900"/>
+                </a:solidFill>
+                <a:effectLst/>
+              </a:rPr>
+              <a:t>'sharmin'</a:t>
+            </a:r>
+            <a:r>
+              <a:rPr lang="en-IN" dirty="0">
+                <a:solidFill>
+                  <a:srgbClr val="586E75"/>
+                </a:solidFill>
+                <a:effectLst/>
+              </a:rPr>
+              <a:t>,</a:t>
+            </a:r>
+            <a:r>
+              <a:rPr lang="en-IN" dirty="0">
+                <a:solidFill>
+                  <a:srgbClr val="333333"/>
+                </a:solidFill>
+                <a:effectLst/>
+              </a:rPr>
+              <a:t> location</a:t>
             </a:r>
             <a:r>
               <a:rPr lang="en-IN" dirty="0">
@@ -6791,25 +6772,25 @@
                 </a:solidFill>
                 <a:effectLst/>
               </a:rPr>
-              <a:t>'sharmin'</a:t>
-            </a:r>
-            <a:r>
-              <a:rPr lang="en-IN" dirty="0">
-                <a:solidFill>
-                  <a:srgbClr val="586E75"/>
-                </a:solidFill>
-                <a:effectLst/>
-              </a:rPr>
-              <a:t>, </a:t>
-            </a:r>
-            <a:r>
-              <a:rPr lang="en-IN" dirty="0">
-                <a:solidFill>
-                  <a:srgbClr val="333333"/>
-                </a:solidFill>
-                <a:effectLst/>
-              </a:rPr>
-              <a:t>location</a:t>
+              <a:t>'pune'</a:t>
+            </a:r>
+            <a:r>
+              <a:rPr lang="en-IN" dirty="0">
+                <a:solidFill>
+                  <a:srgbClr val="586E75"/>
+                </a:solidFill>
+                <a:effectLst/>
+              </a:rPr>
+              <a:t>,</a:t>
+            </a:r>
+            <a:r>
+              <a:rPr lang="en-IN" dirty="0">
+                <a:solidFill>
+                  <a:srgbClr val="333333"/>
+                </a:solidFill>
+                <a:effectLst/>
+              </a:rPr>
+              <a:t> emailid</a:t>
             </a:r>
             <a:r>
               <a:rPr lang="en-IN" dirty="0">
@@ -6827,43 +6808,7 @@
                 </a:solidFill>
                 <a:effectLst/>
               </a:rPr>
-              <a:t>'pune’</a:t>
-            </a:r>
-            <a:r>
-              <a:rPr lang="en-IN" dirty="0">
-                <a:solidFill>
-                  <a:srgbClr val="586E75"/>
-                </a:solidFill>
-                <a:effectLst/>
-              </a:rPr>
-              <a:t>, </a:t>
-            </a:r>
-            <a:r>
-              <a:rPr lang="en-IN" dirty="0">
-                <a:solidFill>
-                  <a:srgbClr val="333333"/>
-                </a:solidFill>
-                <a:effectLst/>
-              </a:rPr>
-              <a:t>phone</a:t>
-            </a:r>
-            <a:r>
-              <a:rPr lang="en-IN" dirty="0">
-                <a:solidFill>
-                  <a:srgbClr val="586E75"/>
-                </a:solidFill>
-                <a:effectLst/>
-              </a:rPr>
-              <a:t>:</a:t>
-            </a:r>
-            <a:r>
-              <a:rPr lang="en-IN" dirty="0">
-                <a:solidFill>
-                  <a:srgbClr val="2AA198"/>
-                </a:solidFill>
-                <a:effectLst/>
-              </a:rPr>
-              <a:t>200 </a:t>
+              <a:t>'sharmin@gmail.com'</a:t>
             </a:r>
             <a:r>
               <a:rPr lang="en-IN" dirty="0">
@@ -6882,7 +6827,15 @@
             </a:endParaRPr>
           </a:p>
           <a:p>
-            <a:pPr marL="266700"/>
+            <a:r>
+              <a:rPr lang="en-IN" dirty="0">
+                <a:solidFill>
+                  <a:srgbClr val="333333"/>
+                </a:solidFill>
+                <a:effectLst/>
+              </a:rPr>
+              <a:t>            </a:t>
+            </a:r>
             <a:r>
               <a:rPr lang="en-IN" dirty="0">
                 <a:solidFill>
@@ -6926,16 +6879,16 @@
                 </a:solidFill>
                 <a:effectLst/>
               </a:rPr>
-              <a:t>{ </a:t>
-            </a:r>
-            <a:r>
-              <a:rPr lang="en-IN" dirty="0">
-                <a:solidFill>
-                  <a:srgbClr val="333333"/>
-                </a:solidFill>
-                <a:effectLst/>
-              </a:rPr>
-              <a:t>_id</a:t>
+              <a:t>{</a:t>
+            </a:r>
+            <a:r>
+              <a:rPr lang="en-IN" dirty="0">
+                <a:solidFill>
+                  <a:srgbClr val="333333"/>
+                </a:solidFill>
+                <a:effectLst/>
+              </a:rPr>
+              <a:t>name</a:t>
             </a:r>
             <a:r>
               <a:rPr lang="en-IN" dirty="0">
@@ -6949,29 +6902,29 @@
             <a:r>
               <a:rPr lang="en-IN" dirty="0">
                 <a:solidFill>
-                  <a:srgbClr val="2AA198"/>
-                </a:solidFill>
-                <a:effectLst/>
-              </a:rPr>
-              <a:t>1003</a:t>
-            </a:r>
-            <a:r>
-              <a:rPr lang="en-IN" dirty="0">
-                <a:solidFill>
-                  <a:srgbClr val="586E75"/>
-                </a:solidFill>
-                <a:effectLst/>
-              </a:rPr>
-              <a:t>, </a:t>
-            </a:r>
-            <a:r>
-              <a:rPr lang="en-IN" dirty="0">
-                <a:solidFill>
-                  <a:srgbClr val="333333"/>
-                </a:solidFill>
-                <a:effectLst/>
-              </a:rPr>
-              <a:t>name</a:t>
+                  <a:srgbClr val="B58900"/>
+                </a:solidFill>
+                <a:effectLst/>
+              </a:rPr>
+              <a:t>'ruhan'</a:t>
+            </a:r>
+            <a:r>
+              <a:rPr lang="en-IN" dirty="0">
+                <a:solidFill>
+                  <a:srgbClr val="586E75"/>
+                </a:solidFill>
+                <a:effectLst/>
+              </a:rPr>
+              <a:t>,</a:t>
+            </a:r>
+            <a:r>
+              <a:rPr lang="en-IN" dirty="0">
+                <a:solidFill>
+                  <a:srgbClr val="333333"/>
+                </a:solidFill>
+                <a:effectLst/>
+              </a:rPr>
+              <a:t> location</a:t>
             </a:r>
             <a:r>
               <a:rPr lang="en-IN" dirty="0">
@@ -6989,25 +6942,25 @@
                 </a:solidFill>
                 <a:effectLst/>
               </a:rPr>
-              <a:t>'vrushali’</a:t>
-            </a:r>
-            <a:r>
-              <a:rPr lang="en-IN" dirty="0">
-                <a:solidFill>
-                  <a:srgbClr val="586E75"/>
-                </a:solidFill>
-                <a:effectLst/>
-              </a:rPr>
-              <a:t>, </a:t>
-            </a:r>
-            <a:r>
-              <a:rPr lang="en-IN" dirty="0">
-                <a:solidFill>
-                  <a:srgbClr val="333333"/>
-                </a:solidFill>
-                <a:effectLst/>
-              </a:rPr>
-              <a:t>location</a:t>
+              <a:t>'pune'</a:t>
+            </a:r>
+            <a:r>
+              <a:rPr lang="en-IN" dirty="0">
+                <a:solidFill>
+                  <a:srgbClr val="586E75"/>
+                </a:solidFill>
+                <a:effectLst/>
+              </a:rPr>
+              <a:t>,</a:t>
+            </a:r>
+            <a:r>
+              <a:rPr lang="en-IN" dirty="0">
+                <a:solidFill>
+                  <a:srgbClr val="333333"/>
+                </a:solidFill>
+                <a:effectLst/>
+              </a:rPr>
+              <a:t> emailid</a:t>
             </a:r>
             <a:r>
               <a:rPr lang="en-IN" dirty="0">
@@ -7025,61 +6978,7 @@
                 </a:solidFill>
                 <a:effectLst/>
               </a:rPr>
-              <a:t>'</a:t>
-            </a:r>
-            <a:r>
-              <a:rPr lang="en-IN" dirty="0" err="1">
-                <a:solidFill>
-                  <a:srgbClr val="B58900"/>
-                </a:solidFill>
-                <a:effectLst/>
-              </a:rPr>
-              <a:t>nashik</a:t>
-            </a:r>
-            <a:r>
-              <a:rPr lang="en-IN" dirty="0">
-                <a:solidFill>
-                  <a:srgbClr val="B58900"/>
-                </a:solidFill>
-                <a:effectLst/>
-              </a:rPr>
-              <a:t>'</a:t>
-            </a:r>
-            <a:r>
-              <a:rPr lang="en-IN" dirty="0">
-                <a:solidFill>
-                  <a:srgbClr val="586E75"/>
-                </a:solidFill>
-                <a:effectLst/>
-              </a:rPr>
-              <a:t>, </a:t>
-            </a:r>
-            <a:r>
-              <a:rPr lang="en-IN" dirty="0">
-                <a:solidFill>
-                  <a:srgbClr val="333333"/>
-                </a:solidFill>
-                <a:effectLst/>
-              </a:rPr>
-              <a:t>phone</a:t>
-            </a:r>
-            <a:r>
-              <a:rPr lang="en-IN" dirty="0">
-                <a:solidFill>
-                  <a:srgbClr val="586E75"/>
-                </a:solidFill>
-                <a:effectLst/>
-              </a:rPr>
-              <a:t>:</a:t>
-            </a:r>
-            <a:r>
-              <a:rPr lang="en-IN" dirty="0">
-                <a:solidFill>
-                  <a:srgbClr val="2AA198"/>
-                </a:solidFill>
-                <a:effectLst/>
-              </a:rPr>
-              <a:t>300 </a:t>
+              <a:t>'ruhan@gmail.com'</a:t>
             </a:r>
             <a:r>
               <a:rPr lang="en-IN" dirty="0">
@@ -7098,7 +6997,15 @@
             </a:endParaRPr>
           </a:p>
           <a:p>
-            <a:pPr marL="266700"/>
+            <a:r>
+              <a:rPr lang="en-IN" dirty="0">
+                <a:solidFill>
+                  <a:srgbClr val="333333"/>
+                </a:solidFill>
+                <a:effectLst/>
+              </a:rPr>
+              <a:t>            </a:t>
+            </a:r>
             <a:r>
               <a:rPr lang="en-IN" dirty="0">
                 <a:solidFill>
@@ -7142,16 +7049,16 @@
                 </a:solidFill>
                 <a:effectLst/>
               </a:rPr>
-              <a:t>{ </a:t>
-            </a:r>
-            <a:r>
-              <a:rPr lang="en-IN" dirty="0">
-                <a:solidFill>
-                  <a:srgbClr val="333333"/>
-                </a:solidFill>
-                <a:effectLst/>
-              </a:rPr>
-              <a:t>_id</a:t>
+              <a:t>{</a:t>
+            </a:r>
+            <a:r>
+              <a:rPr lang="en-IN" dirty="0">
+                <a:solidFill>
+                  <a:srgbClr val="333333"/>
+                </a:solidFill>
+                <a:effectLst/>
+              </a:rPr>
+              <a:t>name</a:t>
             </a:r>
             <a:r>
               <a:rPr lang="en-IN" dirty="0">
@@ -7165,29 +7072,29 @@
             <a:r>
               <a:rPr lang="en-IN" dirty="0">
                 <a:solidFill>
-                  <a:srgbClr val="2AA198"/>
-                </a:solidFill>
-                <a:effectLst/>
-              </a:rPr>
-              <a:t>1004</a:t>
-            </a:r>
-            <a:r>
-              <a:rPr lang="en-IN" dirty="0">
-                <a:solidFill>
-                  <a:srgbClr val="586E75"/>
-                </a:solidFill>
-                <a:effectLst/>
-              </a:rPr>
-              <a:t>, </a:t>
-            </a:r>
-            <a:r>
-              <a:rPr lang="en-IN" dirty="0">
-                <a:solidFill>
-                  <a:srgbClr val="333333"/>
-                </a:solidFill>
-                <a:effectLst/>
-              </a:rPr>
-              <a:t>name</a:t>
+                  <a:srgbClr val="B58900"/>
+                </a:solidFill>
+                <a:effectLst/>
+              </a:rPr>
+              <a:t>'vrushali'</a:t>
+            </a:r>
+            <a:r>
+              <a:rPr lang="en-IN" dirty="0">
+                <a:solidFill>
+                  <a:srgbClr val="586E75"/>
+                </a:solidFill>
+                <a:effectLst/>
+              </a:rPr>
+              <a:t>,</a:t>
+            </a:r>
+            <a:r>
+              <a:rPr lang="en-IN" dirty="0">
+                <a:solidFill>
+                  <a:srgbClr val="333333"/>
+                </a:solidFill>
+                <a:effectLst/>
+              </a:rPr>
+              <a:t> location</a:t>
             </a:r>
             <a:r>
               <a:rPr lang="en-IN" dirty="0">
@@ -7205,25 +7112,43 @@
                 </a:solidFill>
                 <a:effectLst/>
               </a:rPr>
-              <a:t>'ruhan'</a:t>
-            </a:r>
-            <a:r>
-              <a:rPr lang="en-IN" dirty="0">
-                <a:solidFill>
-                  <a:srgbClr val="586E75"/>
-                </a:solidFill>
-                <a:effectLst/>
-              </a:rPr>
-              <a:t>, </a:t>
-            </a:r>
-            <a:r>
-              <a:rPr lang="en-IN" dirty="0">
-                <a:solidFill>
-                  <a:srgbClr val="333333"/>
-                </a:solidFill>
-                <a:effectLst/>
-              </a:rPr>
-              <a:t>location</a:t>
+              <a:t>'</a:t>
+            </a:r>
+            <a:r>
+              <a:rPr lang="en-IN" dirty="0" err="1">
+                <a:solidFill>
+                  <a:srgbClr val="B58900"/>
+                </a:solidFill>
+                <a:effectLst/>
+              </a:rPr>
+              <a:t>mumbai</a:t>
+            </a:r>
+            <a:r>
+              <a:rPr lang="en-IN" dirty="0">
+                <a:solidFill>
+                  <a:srgbClr val="B58900"/>
+                </a:solidFill>
+                <a:effectLst/>
+              </a:rPr>
+              <a:t>'</a:t>
+            </a:r>
+            <a:r>
+              <a:rPr lang="en-IN" dirty="0">
+                <a:solidFill>
+                  <a:srgbClr val="586E75"/>
+                </a:solidFill>
+                <a:effectLst/>
+              </a:rPr>
+              <a:t>,</a:t>
+            </a:r>
+            <a:r>
+              <a:rPr lang="en-IN" dirty="0">
+                <a:solidFill>
+                  <a:srgbClr val="333333"/>
+                </a:solidFill>
+                <a:effectLst/>
+              </a:rPr>
+              <a:t> emailid</a:t>
             </a:r>
             <a:r>
               <a:rPr lang="en-IN" dirty="0">
@@ -7241,43 +7166,7 @@
                 </a:solidFill>
                 <a:effectLst/>
               </a:rPr>
-              <a:t>'pune'</a:t>
-            </a:r>
-            <a:r>
-              <a:rPr lang="en-IN" dirty="0">
-                <a:solidFill>
-                  <a:srgbClr val="586E75"/>
-                </a:solidFill>
-                <a:effectLst/>
-              </a:rPr>
-              <a:t>, </a:t>
-            </a:r>
-            <a:r>
-              <a:rPr lang="en-IN" dirty="0">
-                <a:solidFill>
-                  <a:srgbClr val="333333"/>
-                </a:solidFill>
-                <a:effectLst/>
-              </a:rPr>
-              <a:t>phone</a:t>
-            </a:r>
-            <a:r>
-              <a:rPr lang="en-IN" dirty="0">
-                <a:solidFill>
-                  <a:srgbClr val="586E75"/>
-                </a:solidFill>
-                <a:effectLst/>
-              </a:rPr>
-              <a:t>:</a:t>
-            </a:r>
-            <a:r>
-              <a:rPr lang="en-IN" dirty="0">
-                <a:solidFill>
-                  <a:srgbClr val="2AA198"/>
-                </a:solidFill>
-                <a:effectLst/>
-              </a:rPr>
-              <a:t>400 </a:t>
+              <a:t>'vrushali@gmail.com’</a:t>
             </a:r>
             <a:r>
               <a:rPr lang="en-IN" dirty="0">
@@ -7288,15 +7177,8 @@
               </a:rPr>
               <a:t>})</a:t>
             </a:r>
-            <a:endParaRPr lang="en-IN" dirty="0">
-              <a:solidFill>
-                <a:srgbClr val="000000"/>
-              </a:solidFill>
-              <a:effectLst/>
-            </a:endParaRPr>
-          </a:p>
-          <a:p>
-            <a:pPr marL="266700"/>
+          </a:p>
+          <a:p>
             <a:r>
               <a:rPr lang="en-IN" dirty="0">
                 <a:solidFill>
@@ -7304,77 +7186,16 @@
                 </a:solidFill>
                 <a:effectLst/>
               </a:rPr>
-              <a:t>return</a:t>
-            </a:r>
-            <a:r>
-              <a:rPr lang="en-IN" dirty="0">
-                <a:solidFill>
-                  <a:srgbClr val="333333"/>
-                </a:solidFill>
-                <a:effectLst/>
-              </a:rPr>
-              <a:t> a1</a:t>
-            </a:r>
-            <a:r>
-              <a:rPr lang="en-IN" dirty="0">
-                <a:solidFill>
-                  <a:srgbClr val="586E75"/>
-                </a:solidFill>
-                <a:effectLst/>
-              </a:rPr>
-              <a:t>, </a:t>
-            </a:r>
-            <a:r>
-              <a:rPr lang="en-IN" dirty="0">
-                <a:solidFill>
-                  <a:srgbClr val="333333"/>
-                </a:solidFill>
-                <a:effectLst/>
-              </a:rPr>
-              <a:t>a2</a:t>
-            </a:r>
-            <a:r>
-              <a:rPr lang="en-IN" dirty="0">
-                <a:solidFill>
-                  <a:srgbClr val="586E75"/>
-                </a:solidFill>
-                <a:effectLst/>
-              </a:rPr>
-              <a:t>, </a:t>
-            </a:r>
-            <a:r>
-              <a:rPr lang="en-IN" dirty="0">
-                <a:solidFill>
-                  <a:srgbClr val="333333"/>
-                </a:solidFill>
-                <a:effectLst/>
-              </a:rPr>
-              <a:t>a3</a:t>
-            </a:r>
-            <a:r>
-              <a:rPr lang="en-IN" dirty="0">
-                <a:solidFill>
-                  <a:srgbClr val="586E75"/>
-                </a:solidFill>
-                <a:effectLst/>
-              </a:rPr>
-              <a:t>, </a:t>
-            </a:r>
-            <a:r>
-              <a:rPr lang="en-IN" dirty="0">
-                <a:solidFill>
-                  <a:srgbClr val="333333"/>
-                </a:solidFill>
-                <a:effectLst/>
-              </a:rPr>
-              <a:t>a4</a:t>
-            </a:r>
-            <a:endParaRPr lang="en-IN" dirty="0">
-              <a:solidFill>
-                <a:srgbClr val="000000"/>
-              </a:solidFill>
-              <a:effectLst/>
-            </a:endParaRPr>
+              <a:t>            return </a:t>
+            </a:r>
+            <a:r>
+              <a:rPr lang="en-IN" dirty="0">
+                <a:solidFill>
+                  <a:srgbClr val="333333"/>
+                </a:solidFill>
+              </a:rPr>
+              <a:t>a1, a2, a3, a4</a:t>
+            </a:r>
           </a:p>
           <a:p>
             <a:pPr marL="273050"/>
@@ -7454,16 +7275,16 @@
                 </a:solidFill>
                 <a:effectLst/>
               </a:rPr>
-              <a:t>{ </a:t>
-            </a:r>
-            <a:r>
-              <a:rPr lang="en-IN" dirty="0">
-                <a:solidFill>
-                  <a:srgbClr val="333333"/>
-                </a:solidFill>
-                <a:effectLst/>
-              </a:rPr>
-              <a:t>name</a:t>
+              <a:t>{</a:t>
+            </a:r>
+            <a:r>
+              <a:rPr lang="en-IN" dirty="0">
+                <a:solidFill>
+                  <a:srgbClr val="333333"/>
+                </a:solidFill>
+                <a:effectLst/>
+              </a:rPr>
+              <a:t>isbn</a:t>
             </a:r>
             <a:r>
               <a:rPr lang="en-IN" dirty="0">
@@ -7481,6 +7302,42 @@
                 </a:solidFill>
                 <a:effectLst/>
               </a:rPr>
+              <a:t>'redis-001'</a:t>
+            </a:r>
+            <a:r>
+              <a:rPr lang="en-IN" dirty="0">
+                <a:solidFill>
+                  <a:srgbClr val="586E75"/>
+                </a:solidFill>
+                <a:effectLst/>
+              </a:rPr>
+              <a:t>,</a:t>
+            </a:r>
+            <a:r>
+              <a:rPr lang="en-IN" dirty="0">
+                <a:solidFill>
+                  <a:srgbClr val="333333"/>
+                </a:solidFill>
+                <a:effectLst/>
+              </a:rPr>
+              <a:t> name</a:t>
+            </a:r>
+            <a:r>
+              <a:rPr lang="en-IN" dirty="0">
+                <a:solidFill>
+                  <a:srgbClr val="586E75"/>
+                </a:solidFill>
+                <a:effectLst/>
+              </a:rPr>
+              <a:t>:</a:t>
+            </a:r>
+            <a:r>
+              <a:rPr lang="en-IN" dirty="0">
+                <a:solidFill>
+                  <a:srgbClr val="B58900"/>
+                </a:solidFill>
+                <a:effectLst/>
+              </a:rPr>
               <a:t>'redis'</a:t>
             </a:r>
             <a:r>
@@ -7490,16 +7347,16 @@
                 </a:solidFill>
                 <a:effectLst/>
               </a:rPr>
-              <a:t>, </a:t>
-            </a:r>
-            <a:r>
-              <a:rPr lang="en-IN" dirty="0">
-                <a:solidFill>
-                  <a:srgbClr val="333333"/>
-                </a:solidFill>
-                <a:effectLst/>
-              </a:rPr>
-              <a:t>isbn</a:t>
+              <a:t>,</a:t>
+            </a:r>
+            <a:r>
+              <a:rPr lang="en-IN" dirty="0">
+                <a:solidFill>
+                  <a:srgbClr val="333333"/>
+                </a:solidFill>
+                <a:effectLst/>
+              </a:rPr>
+              <a:t> cover</a:t>
             </a:r>
             <a:r>
               <a:rPr lang="en-IN" dirty="0">
@@ -7517,25 +7374,25 @@
                 </a:solidFill>
                 <a:effectLst/>
               </a:rPr>
-              <a:t>'redis-01'</a:t>
-            </a:r>
-            <a:r>
-              <a:rPr lang="en-IN" dirty="0">
-                <a:solidFill>
-                  <a:srgbClr val="586E75"/>
-                </a:solidFill>
-                <a:effectLst/>
-              </a:rPr>
-              <a:t>, </a:t>
-            </a:r>
-            <a:r>
-              <a:rPr lang="en-IN" dirty="0">
-                <a:solidFill>
-                  <a:srgbClr val="333333"/>
-                </a:solidFill>
-                <a:effectLst/>
-              </a:rPr>
-              <a:t>price</a:t>
+              <a:t>'paper cover'</a:t>
+            </a:r>
+            <a:r>
+              <a:rPr lang="en-IN" dirty="0">
+                <a:solidFill>
+                  <a:srgbClr val="586E75"/>
+                </a:solidFill>
+                <a:effectLst/>
+              </a:rPr>
+              <a:t>,</a:t>
+            </a:r>
+            <a:r>
+              <a:rPr lang="en-IN" dirty="0">
+                <a:solidFill>
+                  <a:srgbClr val="333333"/>
+                </a:solidFill>
+                <a:effectLst/>
+              </a:rPr>
+              <a:t> pages</a:t>
             </a:r>
             <a:r>
               <a:rPr lang="en-IN" dirty="0">
@@ -7553,253 +7410,7 @@
                 </a:solidFill>
                 <a:effectLst/>
               </a:rPr>
-              <a:t>175</a:t>
-            </a:r>
-            <a:r>
-              <a:rPr lang="en-IN" dirty="0">
-                <a:solidFill>
-                  <a:srgbClr val="586E75"/>
-                </a:solidFill>
-                <a:effectLst/>
-              </a:rPr>
-              <a:t>, </a:t>
-            </a:r>
-            <a:r>
-              <a:rPr lang="en-IN" dirty="0">
-                <a:solidFill>
-                  <a:srgbClr val="333333"/>
-                </a:solidFill>
-                <a:effectLst/>
-              </a:rPr>
-              <a:t>publishername</a:t>
-            </a:r>
-            <a:r>
-              <a:rPr lang="en-IN" dirty="0">
-                <a:solidFill>
-                  <a:srgbClr val="586E75"/>
-                </a:solidFill>
-                <a:effectLst/>
-              </a:rPr>
-              <a:t>:</a:t>
-            </a:r>
-            <a:r>
-              <a:rPr lang="en-IN" dirty="0">
-                <a:solidFill>
-                  <a:srgbClr val="B58900"/>
-                </a:solidFill>
-                <a:effectLst/>
-              </a:rPr>
-              <a:t>'universal publisher' </a:t>
-            </a:r>
-            <a:r>
-              <a:rPr lang="en-IN" dirty="0">
-                <a:solidFill>
-                  <a:srgbClr val="586E75"/>
-                </a:solidFill>
-                <a:effectLst/>
-              </a:rPr>
-              <a:t>}), </a:t>
-            </a:r>
-          </a:p>
-          <a:p>
-            <a:pPr marL="273050"/>
-            <a:r>
-              <a:rPr lang="en-IN" dirty="0">
-                <a:solidFill>
-                  <a:srgbClr val="586E75"/>
-                </a:solidFill>
-                <a:effectLst/>
-              </a:rPr>
-              <a:t>(</a:t>
-            </a:r>
-            <a:r>
-              <a:rPr lang="en-IN" dirty="0">
-                <a:solidFill>
-                  <a:srgbClr val="333333"/>
-                </a:solidFill>
-                <a:effectLst/>
-              </a:rPr>
-              <a:t>b2</a:t>
-            </a:r>
-            <a:r>
-              <a:rPr lang="en-IN" dirty="0">
-                <a:solidFill>
-                  <a:srgbClr val="586E75"/>
-                </a:solidFill>
-                <a:effectLst/>
-              </a:rPr>
-              <a:t>:</a:t>
-            </a:r>
-            <a:r>
-              <a:rPr lang="en-IN" dirty="0">
-                <a:solidFill>
-                  <a:srgbClr val="333333"/>
-                </a:solidFill>
-                <a:effectLst/>
-              </a:rPr>
-              <a:t>book</a:t>
-            </a:r>
-            <a:r>
-              <a:rPr lang="en-IN" dirty="0">
-                <a:solidFill>
-                  <a:srgbClr val="586E75"/>
-                </a:solidFill>
-                <a:effectLst/>
-              </a:rPr>
-              <a:t>{</a:t>
-            </a:r>
-            <a:r>
-              <a:rPr lang="en-IN" dirty="0">
-                <a:solidFill>
-                  <a:srgbClr val="333333"/>
-                </a:solidFill>
-                <a:effectLst/>
-              </a:rPr>
-              <a:t>name</a:t>
-            </a:r>
-            <a:r>
-              <a:rPr lang="en-IN" dirty="0">
-                <a:solidFill>
-                  <a:srgbClr val="586E75"/>
-                </a:solidFill>
-                <a:effectLst/>
-              </a:rPr>
-              <a:t>:</a:t>
-            </a:r>
-            <a:r>
-              <a:rPr lang="en-IN" dirty="0">
-                <a:solidFill>
-                  <a:srgbClr val="B58900"/>
-                </a:solidFill>
-                <a:effectLst/>
-              </a:rPr>
-              <a:t>'</a:t>
-            </a:r>
-            <a:r>
-              <a:rPr lang="en-IN" dirty="0" err="1">
-                <a:solidFill>
-                  <a:srgbClr val="B58900"/>
-                </a:solidFill>
-                <a:effectLst/>
-              </a:rPr>
-              <a:t>hbase</a:t>
-            </a:r>
-            <a:r>
-              <a:rPr lang="en-IN" dirty="0">
-                <a:solidFill>
-                  <a:srgbClr val="B58900"/>
-                </a:solidFill>
-                <a:effectLst/>
-              </a:rPr>
-              <a:t>’</a:t>
-            </a:r>
-            <a:r>
-              <a:rPr lang="en-IN" dirty="0">
-                <a:solidFill>
-                  <a:srgbClr val="586E75"/>
-                </a:solidFill>
-                <a:effectLst/>
-              </a:rPr>
-              <a:t>, </a:t>
-            </a:r>
-            <a:r>
-              <a:rPr lang="en-IN" dirty="0">
-                <a:solidFill>
-                  <a:srgbClr val="333333"/>
-                </a:solidFill>
-                <a:effectLst/>
-              </a:rPr>
-              <a:t>isbn</a:t>
-            </a:r>
-            <a:r>
-              <a:rPr lang="en-IN" dirty="0">
-                <a:solidFill>
-                  <a:srgbClr val="586E75"/>
-                </a:solidFill>
-                <a:effectLst/>
-              </a:rPr>
-              <a:t>:</a:t>
-            </a:r>
-            <a:r>
-              <a:rPr lang="en-IN" dirty="0">
-                <a:solidFill>
-                  <a:srgbClr val="B58900"/>
-                </a:solidFill>
-                <a:effectLst/>
-              </a:rPr>
-              <a:t>'hBase-02'</a:t>
-            </a:r>
-            <a:r>
-              <a:rPr lang="en-IN" dirty="0">
-                <a:solidFill>
-                  <a:srgbClr val="586E75"/>
-                </a:solidFill>
-                <a:effectLst/>
-              </a:rPr>
-              <a:t>,</a:t>
-            </a:r>
-            <a:r>
-              <a:rPr lang="en-IN" dirty="0">
-                <a:solidFill>
-                  <a:srgbClr val="333333"/>
-                </a:solidFill>
-                <a:effectLst/>
-              </a:rPr>
-              <a:t>price</a:t>
-            </a:r>
-            <a:r>
-              <a:rPr lang="en-IN" dirty="0">
-                <a:solidFill>
-                  <a:srgbClr val="586E75"/>
-                </a:solidFill>
-                <a:effectLst/>
-              </a:rPr>
-              <a:t>:</a:t>
-            </a:r>
-            <a:r>
-              <a:rPr lang="en-IN" dirty="0">
-                <a:solidFill>
-                  <a:srgbClr val="2AA198"/>
-                </a:solidFill>
-                <a:effectLst/>
-              </a:rPr>
-              <a:t>125</a:t>
-            </a:r>
-            <a:r>
-              <a:rPr lang="en-IN" dirty="0">
-                <a:solidFill>
-                  <a:srgbClr val="586E75"/>
-                </a:solidFill>
-                <a:effectLst/>
-              </a:rPr>
-              <a:t>, </a:t>
-            </a:r>
-            <a:r>
-              <a:rPr lang="en-IN" dirty="0">
-                <a:solidFill>
-                  <a:srgbClr val="333333"/>
-                </a:solidFill>
-                <a:effectLst/>
-              </a:rPr>
-              <a:t>publishername</a:t>
-            </a:r>
-            <a:r>
-              <a:rPr lang="en-IN" dirty="0">
-                <a:solidFill>
-                  <a:srgbClr val="586E75"/>
-                </a:solidFill>
-                <a:effectLst/>
-              </a:rPr>
-              <a:t>:</a:t>
-            </a:r>
-            <a:r>
-              <a:rPr lang="en-IN" dirty="0">
-                <a:solidFill>
-                  <a:srgbClr val="B58900"/>
-                </a:solidFill>
-                <a:effectLst/>
-              </a:rPr>
-              <a:t>'global publisher' </a:t>
+              <a:t>1000</a:t>
             </a:r>
             <a:r>
               <a:rPr lang="en-IN" dirty="0">
@@ -7818,7 +7429,15 @@
             </a:endParaRPr>
           </a:p>
           <a:p>
-            <a:pPr marL="273050"/>
+            <a:r>
+              <a:rPr lang="en-IN" dirty="0">
+                <a:solidFill>
+                  <a:srgbClr val="333333"/>
+                </a:solidFill>
+                <a:effectLst/>
+              </a:rPr>
+              <a:t>            </a:t>
+            </a:r>
             <a:r>
               <a:rPr lang="en-IN" dirty="0">
                 <a:solidFill>
@@ -7835,7 +7454,7 @@
                 </a:solidFill>
                 <a:effectLst/>
               </a:rPr>
-              <a:t>b3</a:t>
+              <a:t>b2</a:t>
             </a:r>
             <a:r>
               <a:rPr lang="en-IN" dirty="0">
@@ -7862,16 +7481,16 @@
                 </a:solidFill>
                 <a:effectLst/>
               </a:rPr>
-              <a:t>{ </a:t>
-            </a:r>
-            <a:r>
-              <a:rPr lang="en-IN" dirty="0">
-                <a:solidFill>
-                  <a:srgbClr val="333333"/>
-                </a:solidFill>
-                <a:effectLst/>
-              </a:rPr>
-              <a:t>name</a:t>
+              <a:t>{</a:t>
+            </a:r>
+            <a:r>
+              <a:rPr lang="en-IN" dirty="0">
+                <a:solidFill>
+                  <a:srgbClr val="333333"/>
+                </a:solidFill>
+                <a:effectLst/>
+              </a:rPr>
+              <a:t>isbn</a:t>
             </a:r>
             <a:r>
               <a:rPr lang="en-IN" dirty="0">
@@ -7889,25 +7508,25 @@
                 </a:solidFill>
                 <a:effectLst/>
               </a:rPr>
-              <a:t>'neo4j'</a:t>
-            </a:r>
-            <a:r>
-              <a:rPr lang="en-IN" dirty="0">
-                <a:solidFill>
-                  <a:srgbClr val="586E75"/>
-                </a:solidFill>
-                <a:effectLst/>
-              </a:rPr>
-              <a:t>, </a:t>
-            </a:r>
-            <a:r>
-              <a:rPr lang="en-IN" dirty="0">
-                <a:solidFill>
-                  <a:srgbClr val="333333"/>
-                </a:solidFill>
-                <a:effectLst/>
-              </a:rPr>
-              <a:t>isbn</a:t>
+              <a:t>'mongodb-001'</a:t>
+            </a:r>
+            <a:r>
+              <a:rPr lang="en-IN" dirty="0">
+                <a:solidFill>
+                  <a:srgbClr val="586E75"/>
+                </a:solidFill>
+                <a:effectLst/>
+              </a:rPr>
+              <a:t>,</a:t>
+            </a:r>
+            <a:r>
+              <a:rPr lang="en-IN" dirty="0">
+                <a:solidFill>
+                  <a:srgbClr val="333333"/>
+                </a:solidFill>
+                <a:effectLst/>
+              </a:rPr>
+              <a:t> name</a:t>
             </a:r>
             <a:r>
               <a:rPr lang="en-IN" dirty="0">
@@ -7925,28 +7544,55 @@
                 </a:solidFill>
                 <a:effectLst/>
               </a:rPr>
-              <a:t>'neo4j-03'</a:t>
-            </a:r>
-            <a:r>
-              <a:rPr lang="en-IN" dirty="0">
-                <a:solidFill>
-                  <a:srgbClr val="586E75"/>
-                </a:solidFill>
-                <a:effectLst/>
-              </a:rPr>
-              <a:t>, </a:t>
-            </a:r>
-            <a:r>
-              <a:rPr lang="en-IN" dirty="0">
-                <a:solidFill>
-                  <a:srgbClr val="333333"/>
-                </a:solidFill>
-                <a:effectLst/>
-              </a:rPr>
-              <a:t>price</a:t>
-            </a:r>
-            <a:r>
-              <a:rPr lang="en-IN" dirty="0">
+              <a:t>'</a:t>
+            </a:r>
+            <a:r>
+              <a:rPr lang="en-IN" dirty="0" err="1">
+                <a:solidFill>
+                  <a:srgbClr val="B58900"/>
+                </a:solidFill>
+                <a:effectLst/>
+              </a:rPr>
+              <a:t>mongodb</a:t>
+            </a:r>
+            <a:r>
+              <a:rPr lang="en-IN" dirty="0">
+                <a:solidFill>
+                  <a:srgbClr val="B58900"/>
+                </a:solidFill>
+                <a:effectLst/>
+              </a:rPr>
+              <a:t>'</a:t>
+            </a:r>
+            <a:r>
+              <a:rPr lang="en-IN" dirty="0">
+                <a:solidFill>
+                  <a:srgbClr val="586E75"/>
+                </a:solidFill>
+                <a:effectLst/>
+              </a:rPr>
+              <a:t>,</a:t>
+            </a:r>
+            <a:r>
+              <a:rPr lang="en-IN" dirty="0">
+                <a:solidFill>
+                  <a:srgbClr val="333333"/>
+                </a:solidFill>
+                <a:effectLst/>
+              </a:rPr>
+              <a:t> </a:t>
+            </a:r>
+            <a:r>
+              <a:rPr lang="en-IN" dirty="0" err="1">
+                <a:solidFill>
+                  <a:srgbClr val="333333"/>
+                </a:solidFill>
+                <a:effectLst/>
+              </a:rPr>
+              <a:t>cover</a:t>
+            </a:r>
+            <a:r>
+              <a:rPr lang="en-IN" dirty="0" err="1">
                 <a:solidFill>
                   <a:srgbClr val="586E75"/>
                 </a:solidFill>
@@ -7955,49 +7601,58 @@
               <a:t>:</a:t>
             </a:r>
             <a:r>
+              <a:rPr lang="en-IN" dirty="0" err="1">
+                <a:solidFill>
+                  <a:srgbClr val="B58900"/>
+                </a:solidFill>
+                <a:effectLst/>
+              </a:rPr>
+              <a:t>'hard</a:t>
+            </a:r>
+            <a:r>
+              <a:rPr lang="en-IN" dirty="0">
+                <a:solidFill>
+                  <a:srgbClr val="B58900"/>
+                </a:solidFill>
+                <a:effectLst/>
+              </a:rPr>
+              <a:t> cover'</a:t>
+            </a:r>
+            <a:r>
+              <a:rPr lang="en-IN" dirty="0">
+                <a:solidFill>
+                  <a:srgbClr val="586E75"/>
+                </a:solidFill>
+                <a:effectLst/>
+              </a:rPr>
+              <a:t>,</a:t>
+            </a:r>
+            <a:r>
+              <a:rPr lang="en-IN" dirty="0">
+                <a:solidFill>
+                  <a:srgbClr val="333333"/>
+                </a:solidFill>
+                <a:effectLst/>
+              </a:rPr>
+              <a:t> pages</a:t>
+            </a:r>
+            <a:r>
+              <a:rPr lang="en-IN" dirty="0">
+                <a:solidFill>
+                  <a:srgbClr val="586E75"/>
+                </a:solidFill>
+                <a:effectLst/>
+              </a:rPr>
+              <a:t>:</a:t>
+            </a:r>
+            <a:r>
               <a:rPr lang="en-IN" dirty="0">
                 <a:solidFill>
                   <a:srgbClr val="2AA198"/>
                 </a:solidFill>
                 <a:effectLst/>
               </a:rPr>
-              <a:t>340</a:t>
-            </a:r>
-            <a:r>
-              <a:rPr lang="en-IN" dirty="0">
-                <a:solidFill>
-                  <a:srgbClr val="586E75"/>
-                </a:solidFill>
-                <a:effectLst/>
-              </a:rPr>
-              <a:t>, </a:t>
-            </a:r>
-            <a:r>
-              <a:rPr lang="en-IN" dirty="0">
-                <a:solidFill>
-                  <a:srgbClr val="333333"/>
-                </a:solidFill>
-                <a:effectLst/>
-              </a:rPr>
-              <a:t>publishername</a:t>
-            </a:r>
-            <a:r>
-              <a:rPr lang="en-IN" dirty="0">
-                <a:solidFill>
-                  <a:srgbClr val="586E75"/>
-                </a:solidFill>
-                <a:effectLst/>
-              </a:rPr>
-              <a:t>:</a:t>
-            </a:r>
-            <a:r>
-              <a:rPr lang="en-IN" dirty="0">
-                <a:solidFill>
-                  <a:srgbClr val="B58900"/>
-                </a:solidFill>
-                <a:effectLst/>
-              </a:rPr>
-              <a:t>'tech publisher' </a:t>
+              <a:t>1250</a:t>
             </a:r>
             <a:r>
               <a:rPr lang="en-IN" dirty="0">
@@ -8016,7 +7671,15 @@
             </a:endParaRPr>
           </a:p>
           <a:p>
-            <a:pPr marL="273050"/>
+            <a:r>
+              <a:rPr lang="en-IN" dirty="0">
+                <a:solidFill>
+                  <a:srgbClr val="333333"/>
+                </a:solidFill>
+                <a:effectLst/>
+              </a:rPr>
+              <a:t>            </a:t>
+            </a:r>
             <a:r>
               <a:rPr lang="en-IN" dirty="0">
                 <a:solidFill>
@@ -8033,7 +7696,7 @@
                 </a:solidFill>
                 <a:effectLst/>
               </a:rPr>
-              <a:t>b4</a:t>
+              <a:t>b3</a:t>
             </a:r>
             <a:r>
               <a:rPr lang="en-IN" dirty="0">
@@ -8060,16 +7723,16 @@
                 </a:solidFill>
                 <a:effectLst/>
               </a:rPr>
-              <a:t>{ </a:t>
-            </a:r>
-            <a:r>
-              <a:rPr lang="en-IN" dirty="0">
-                <a:solidFill>
-                  <a:srgbClr val="333333"/>
-                </a:solidFill>
-                <a:effectLst/>
-              </a:rPr>
-              <a:t>name</a:t>
+              <a:t>{</a:t>
+            </a:r>
+            <a:r>
+              <a:rPr lang="en-IN" dirty="0">
+                <a:solidFill>
+                  <a:srgbClr val="333333"/>
+                </a:solidFill>
+                <a:effectLst/>
+              </a:rPr>
+              <a:t>isbn</a:t>
             </a:r>
             <a:r>
               <a:rPr lang="en-IN" dirty="0">
@@ -8087,6 +7750,42 @@
                 </a:solidFill>
                 <a:effectLst/>
               </a:rPr>
+              <a:t>'hbase-001'</a:t>
+            </a:r>
+            <a:r>
+              <a:rPr lang="en-IN" dirty="0">
+                <a:solidFill>
+                  <a:srgbClr val="586E75"/>
+                </a:solidFill>
+                <a:effectLst/>
+              </a:rPr>
+              <a:t>,</a:t>
+            </a:r>
+            <a:r>
+              <a:rPr lang="en-IN" dirty="0">
+                <a:solidFill>
+                  <a:srgbClr val="333333"/>
+                </a:solidFill>
+                <a:effectLst/>
+              </a:rPr>
+              <a:t> name</a:t>
+            </a:r>
+            <a:r>
+              <a:rPr lang="en-IN" dirty="0">
+                <a:solidFill>
+                  <a:srgbClr val="586E75"/>
+                </a:solidFill>
+                <a:effectLst/>
+              </a:rPr>
+              <a:t>:</a:t>
+            </a:r>
+            <a:r>
+              <a:rPr lang="en-IN" dirty="0">
+                <a:solidFill>
+                  <a:srgbClr val="B58900"/>
+                </a:solidFill>
+                <a:effectLst/>
+              </a:rPr>
               <a:t>'</a:t>
             </a:r>
             <a:r>
@@ -8096,7 +7795,7 @@
                 </a:solidFill>
                 <a:effectLst/>
               </a:rPr>
-              <a:t>mongodb</a:t>
+              <a:t>hbase</a:t>
             </a:r>
             <a:r>
               <a:rPr lang="en-IN" dirty="0">
@@ -8105,28 +7804,37 @@
                 </a:solidFill>
                 <a:effectLst/>
               </a:rPr>
-              <a:t>’</a:t>
-            </a:r>
-            <a:r>
-              <a:rPr lang="en-IN" dirty="0">
-                <a:solidFill>
-                  <a:srgbClr val="586E75"/>
-                </a:solidFill>
-                <a:effectLst/>
-              </a:rPr>
-              <a:t>, </a:t>
-            </a:r>
-            <a:r>
-              <a:rPr lang="en-IN" dirty="0">
-                <a:solidFill>
-                  <a:srgbClr val="333333"/>
-                </a:solidFill>
-                <a:effectLst/>
-              </a:rPr>
-              <a:t>isbn</a:t>
-            </a:r>
-            <a:r>
-              <a:rPr lang="en-IN" dirty="0">
+              <a:t>'</a:t>
+            </a:r>
+            <a:r>
+              <a:rPr lang="en-IN" dirty="0">
+                <a:solidFill>
+                  <a:srgbClr val="586E75"/>
+                </a:solidFill>
+                <a:effectLst/>
+              </a:rPr>
+              <a:t>,</a:t>
+            </a:r>
+            <a:r>
+              <a:rPr lang="en-IN" dirty="0">
+                <a:solidFill>
+                  <a:srgbClr val="333333"/>
+                </a:solidFill>
+                <a:effectLst/>
+              </a:rPr>
+              <a:t> </a:t>
+            </a:r>
+            <a:r>
+              <a:rPr lang="en-IN" dirty="0" err="1">
+                <a:solidFill>
+                  <a:srgbClr val="333333"/>
+                </a:solidFill>
+                <a:effectLst/>
+              </a:rPr>
+              <a:t>cover</a:t>
+            </a:r>
+            <a:r>
+              <a:rPr lang="en-IN" dirty="0" err="1">
                 <a:solidFill>
                   <a:srgbClr val="586E75"/>
                 </a:solidFill>
@@ -8135,31 +7843,40 @@
               <a:t>:</a:t>
             </a:r>
             <a:r>
-              <a:rPr lang="en-IN" dirty="0">
+              <a:rPr lang="en-IN" dirty="0" err="1">
                 <a:solidFill>
                   <a:srgbClr val="B58900"/>
                 </a:solidFill>
                 <a:effectLst/>
               </a:rPr>
-              <a:t>'mongodb-04’</a:t>
-            </a:r>
-            <a:r>
-              <a:rPr lang="en-IN" dirty="0">
-                <a:solidFill>
-                  <a:srgbClr val="586E75"/>
-                </a:solidFill>
-                <a:effectLst/>
-              </a:rPr>
-              <a:t>, </a:t>
-            </a:r>
-            <a:r>
-              <a:rPr lang="en-IN" dirty="0">
-                <a:solidFill>
-                  <a:srgbClr val="333333"/>
-                </a:solidFill>
-                <a:effectLst/>
-              </a:rPr>
-              <a:t>price</a:t>
+              <a:t>'soft-paper</a:t>
+            </a:r>
+            <a:r>
+              <a:rPr lang="en-IN" dirty="0">
+                <a:solidFill>
+                  <a:srgbClr val="B58900"/>
+                </a:solidFill>
+                <a:effectLst/>
+              </a:rPr>
+              <a:t> cover'</a:t>
+            </a:r>
+            <a:r>
+              <a:rPr lang="en-IN" dirty="0">
+                <a:solidFill>
+                  <a:srgbClr val="586E75"/>
+                </a:solidFill>
+                <a:effectLst/>
+              </a:rPr>
+              <a:t>,</a:t>
+            </a:r>
+            <a:r>
+              <a:rPr lang="en-IN" dirty="0">
+                <a:solidFill>
+                  <a:srgbClr val="333333"/>
+                </a:solidFill>
+                <a:effectLst/>
+              </a:rPr>
+              <a:t> pages</a:t>
             </a:r>
             <a:r>
               <a:rPr lang="en-IN" dirty="0">
@@ -8177,52 +7894,16 @@
                 </a:solidFill>
                 <a:effectLst/>
               </a:rPr>
-              <a:t>180</a:t>
-            </a:r>
-            <a:r>
-              <a:rPr lang="en-IN" dirty="0">
-                <a:solidFill>
-                  <a:srgbClr val="586E75"/>
-                </a:solidFill>
-                <a:effectLst/>
-              </a:rPr>
-              <a:t>, </a:t>
-            </a:r>
-            <a:r>
-              <a:rPr lang="en-IN" dirty="0">
-                <a:solidFill>
-                  <a:srgbClr val="333333"/>
-                </a:solidFill>
-                <a:effectLst/>
-              </a:rPr>
-              <a:t>publishername</a:t>
-            </a:r>
-            <a:r>
-              <a:rPr lang="en-IN" dirty="0">
-                <a:solidFill>
-                  <a:srgbClr val="586E75"/>
-                </a:solidFill>
-                <a:effectLst/>
-              </a:rPr>
-              <a:t>:</a:t>
-            </a:r>
-            <a:r>
-              <a:rPr lang="en-IN" dirty="0">
-                <a:solidFill>
-                  <a:srgbClr val="B58900"/>
-                </a:solidFill>
-                <a:effectLst/>
-              </a:rPr>
-              <a:t>'universal publisher' </a:t>
-            </a:r>
-            <a:r>
-              <a:rPr lang="en-IN" dirty="0">
-                <a:solidFill>
-                  <a:srgbClr val="586E75"/>
-                </a:solidFill>
-                <a:effectLst/>
-              </a:rPr>
-              <a:t>})</a:t>
+              <a:t>1200</a:t>
+            </a:r>
+            <a:r>
+              <a:rPr lang="en-IN" dirty="0">
+                <a:solidFill>
+                  <a:srgbClr val="586E75"/>
+                </a:solidFill>
+                <a:effectLst/>
+              </a:rPr>
+              <a:t>}),</a:t>
             </a:r>
             <a:endParaRPr lang="en-IN" dirty="0">
               <a:solidFill>
@@ -8232,7 +7913,842 @@
             </a:endParaRPr>
           </a:p>
           <a:p>
-            <a:pPr marL="273050"/>
+            <a:r>
+              <a:rPr lang="en-IN" dirty="0">
+                <a:solidFill>
+                  <a:srgbClr val="333333"/>
+                </a:solidFill>
+                <a:effectLst/>
+              </a:rPr>
+              <a:t>            </a:t>
+            </a:r>
+            <a:r>
+              <a:rPr lang="en-IN" dirty="0">
+                <a:solidFill>
+                  <a:srgbClr val="586E75"/>
+                </a:solidFill>
+                <a:effectLst/>
+              </a:rPr>
+              <a:t>(</a:t>
+            </a:r>
+            <a:r>
+              <a:rPr lang="en-IN" dirty="0">
+                <a:solidFill>
+                  <a:srgbClr val="333333"/>
+                </a:solidFill>
+                <a:effectLst/>
+              </a:rPr>
+              <a:t>b4</a:t>
+            </a:r>
+            <a:r>
+              <a:rPr lang="en-IN" dirty="0">
+                <a:solidFill>
+                  <a:srgbClr val="586E75"/>
+                </a:solidFill>
+                <a:effectLst/>
+              </a:rPr>
+              <a:t>:</a:t>
+            </a:r>
+            <a:r>
+              <a:rPr lang="en-IN" dirty="0">
+                <a:solidFill>
+                  <a:srgbClr val="333333"/>
+                </a:solidFill>
+                <a:effectLst/>
+              </a:rPr>
+              <a:t>book</a:t>
+            </a:r>
+            <a:r>
+              <a:rPr lang="en-IN" dirty="0">
+                <a:solidFill>
+                  <a:srgbClr val="586E75"/>
+                </a:solidFill>
+                <a:effectLst/>
+              </a:rPr>
+              <a:t>{</a:t>
+            </a:r>
+            <a:r>
+              <a:rPr lang="en-IN" dirty="0">
+                <a:solidFill>
+                  <a:srgbClr val="333333"/>
+                </a:solidFill>
+                <a:effectLst/>
+              </a:rPr>
+              <a:t>isbn</a:t>
+            </a:r>
+            <a:r>
+              <a:rPr lang="en-IN" dirty="0">
+                <a:solidFill>
+                  <a:srgbClr val="586E75"/>
+                </a:solidFill>
+                <a:effectLst/>
+              </a:rPr>
+              <a:t>:</a:t>
+            </a:r>
+            <a:r>
+              <a:rPr lang="en-IN" dirty="0">
+                <a:solidFill>
+                  <a:srgbClr val="B58900"/>
+                </a:solidFill>
+                <a:effectLst/>
+              </a:rPr>
+              <a:t>'neo4j-001'</a:t>
+            </a:r>
+            <a:r>
+              <a:rPr lang="en-IN" dirty="0">
+                <a:solidFill>
+                  <a:srgbClr val="586E75"/>
+                </a:solidFill>
+                <a:effectLst/>
+              </a:rPr>
+              <a:t>,</a:t>
+            </a:r>
+            <a:r>
+              <a:rPr lang="en-IN" dirty="0">
+                <a:solidFill>
+                  <a:srgbClr val="333333"/>
+                </a:solidFill>
+                <a:effectLst/>
+              </a:rPr>
+              <a:t> name</a:t>
+            </a:r>
+            <a:r>
+              <a:rPr lang="en-IN" dirty="0">
+                <a:solidFill>
+                  <a:srgbClr val="586E75"/>
+                </a:solidFill>
+                <a:effectLst/>
+              </a:rPr>
+              <a:t>:</a:t>
+            </a:r>
+            <a:r>
+              <a:rPr lang="en-IN" dirty="0">
+                <a:solidFill>
+                  <a:srgbClr val="B58900"/>
+                </a:solidFill>
+                <a:effectLst/>
+              </a:rPr>
+              <a:t>'neo4j'</a:t>
+            </a:r>
+            <a:r>
+              <a:rPr lang="en-IN" dirty="0">
+                <a:solidFill>
+                  <a:srgbClr val="586E75"/>
+                </a:solidFill>
+                <a:effectLst/>
+              </a:rPr>
+              <a:t>,</a:t>
+            </a:r>
+            <a:r>
+              <a:rPr lang="en-IN" dirty="0">
+                <a:solidFill>
+                  <a:srgbClr val="333333"/>
+                </a:solidFill>
+                <a:effectLst/>
+              </a:rPr>
+              <a:t> cover</a:t>
+            </a:r>
+            <a:r>
+              <a:rPr lang="en-IN" dirty="0">
+                <a:solidFill>
+                  <a:srgbClr val="586E75"/>
+                </a:solidFill>
+                <a:effectLst/>
+              </a:rPr>
+              <a:t>:</a:t>
+            </a:r>
+            <a:r>
+              <a:rPr lang="en-IN" dirty="0">
+                <a:solidFill>
+                  <a:srgbClr val="B58900"/>
+                </a:solidFill>
+                <a:effectLst/>
+              </a:rPr>
+              <a:t>'paper cover'</a:t>
+            </a:r>
+            <a:r>
+              <a:rPr lang="en-IN" dirty="0">
+                <a:solidFill>
+                  <a:srgbClr val="586E75"/>
+                </a:solidFill>
+                <a:effectLst/>
+              </a:rPr>
+              <a:t>,</a:t>
+            </a:r>
+            <a:r>
+              <a:rPr lang="en-IN" dirty="0">
+                <a:solidFill>
+                  <a:srgbClr val="333333"/>
+                </a:solidFill>
+                <a:effectLst/>
+              </a:rPr>
+              <a:t> pages</a:t>
+            </a:r>
+            <a:r>
+              <a:rPr lang="en-IN" dirty="0">
+                <a:solidFill>
+                  <a:srgbClr val="586E75"/>
+                </a:solidFill>
+                <a:effectLst/>
+              </a:rPr>
+              <a:t>:</a:t>
+            </a:r>
+            <a:r>
+              <a:rPr lang="en-IN" dirty="0">
+                <a:solidFill>
+                  <a:srgbClr val="2AA198"/>
+                </a:solidFill>
+                <a:effectLst/>
+              </a:rPr>
+              <a:t>1000</a:t>
+            </a:r>
+            <a:r>
+              <a:rPr lang="en-IN" dirty="0">
+                <a:solidFill>
+                  <a:srgbClr val="586E75"/>
+                </a:solidFill>
+                <a:effectLst/>
+              </a:rPr>
+              <a:t>}),</a:t>
+            </a:r>
+            <a:endParaRPr lang="en-IN" dirty="0">
+              <a:solidFill>
+                <a:srgbClr val="000000"/>
+              </a:solidFill>
+              <a:effectLst/>
+            </a:endParaRPr>
+          </a:p>
+          <a:p>
+            <a:r>
+              <a:rPr lang="en-IN" dirty="0">
+                <a:solidFill>
+                  <a:srgbClr val="333333"/>
+                </a:solidFill>
+                <a:effectLst/>
+              </a:rPr>
+              <a:t>            </a:t>
+            </a:r>
+            <a:r>
+              <a:rPr lang="en-IN" dirty="0">
+                <a:solidFill>
+                  <a:srgbClr val="586E75"/>
+                </a:solidFill>
+                <a:effectLst/>
+              </a:rPr>
+              <a:t>(</a:t>
+            </a:r>
+            <a:r>
+              <a:rPr lang="en-IN" dirty="0">
+                <a:solidFill>
+                  <a:srgbClr val="333333"/>
+                </a:solidFill>
+                <a:effectLst/>
+              </a:rPr>
+              <a:t>b5</a:t>
+            </a:r>
+            <a:r>
+              <a:rPr lang="en-IN" dirty="0">
+                <a:solidFill>
+                  <a:srgbClr val="586E75"/>
+                </a:solidFill>
+                <a:effectLst/>
+              </a:rPr>
+              <a:t>:</a:t>
+            </a:r>
+            <a:r>
+              <a:rPr lang="en-IN" dirty="0">
+                <a:solidFill>
+                  <a:srgbClr val="333333"/>
+                </a:solidFill>
+                <a:effectLst/>
+              </a:rPr>
+              <a:t>book</a:t>
+            </a:r>
+            <a:r>
+              <a:rPr lang="en-IN" dirty="0">
+                <a:solidFill>
+                  <a:srgbClr val="586E75"/>
+                </a:solidFill>
+                <a:effectLst/>
+              </a:rPr>
+              <a:t>{</a:t>
+            </a:r>
+            <a:r>
+              <a:rPr lang="en-IN" dirty="0">
+                <a:solidFill>
+                  <a:srgbClr val="333333"/>
+                </a:solidFill>
+                <a:effectLst/>
+              </a:rPr>
+              <a:t>isbn</a:t>
+            </a:r>
+            <a:r>
+              <a:rPr lang="en-IN" dirty="0">
+                <a:solidFill>
+                  <a:srgbClr val="586E75"/>
+                </a:solidFill>
+                <a:effectLst/>
+              </a:rPr>
+              <a:t>:</a:t>
+            </a:r>
+            <a:r>
+              <a:rPr lang="en-IN" dirty="0">
+                <a:solidFill>
+                  <a:srgbClr val="B58900"/>
+                </a:solidFill>
+                <a:effectLst/>
+              </a:rPr>
+              <a:t>'node-001'</a:t>
+            </a:r>
+            <a:r>
+              <a:rPr lang="en-IN" dirty="0">
+                <a:solidFill>
+                  <a:srgbClr val="586E75"/>
+                </a:solidFill>
+                <a:effectLst/>
+              </a:rPr>
+              <a:t>,</a:t>
+            </a:r>
+            <a:r>
+              <a:rPr lang="en-IN" dirty="0">
+                <a:solidFill>
+                  <a:srgbClr val="333333"/>
+                </a:solidFill>
+                <a:effectLst/>
+              </a:rPr>
+              <a:t> name</a:t>
+            </a:r>
+            <a:r>
+              <a:rPr lang="en-IN" dirty="0">
+                <a:solidFill>
+                  <a:srgbClr val="586E75"/>
+                </a:solidFill>
+                <a:effectLst/>
+              </a:rPr>
+              <a:t>:</a:t>
+            </a:r>
+            <a:r>
+              <a:rPr lang="en-IN" dirty="0">
+                <a:solidFill>
+                  <a:srgbClr val="B58900"/>
+                </a:solidFill>
+                <a:effectLst/>
+              </a:rPr>
+              <a:t>'node'</a:t>
+            </a:r>
+            <a:r>
+              <a:rPr lang="en-IN" dirty="0">
+                <a:solidFill>
+                  <a:srgbClr val="586E75"/>
+                </a:solidFill>
+                <a:effectLst/>
+              </a:rPr>
+              <a:t>,</a:t>
+            </a:r>
+            <a:r>
+              <a:rPr lang="en-IN" dirty="0">
+                <a:solidFill>
+                  <a:srgbClr val="333333"/>
+                </a:solidFill>
+                <a:effectLst/>
+              </a:rPr>
+              <a:t> </a:t>
+            </a:r>
+            <a:r>
+              <a:rPr lang="en-IN" dirty="0" err="1">
+                <a:solidFill>
+                  <a:srgbClr val="333333"/>
+                </a:solidFill>
+                <a:effectLst/>
+              </a:rPr>
+              <a:t>cover</a:t>
+            </a:r>
+            <a:r>
+              <a:rPr lang="en-IN" dirty="0" err="1">
+                <a:solidFill>
+                  <a:srgbClr val="586E75"/>
+                </a:solidFill>
+                <a:effectLst/>
+              </a:rPr>
+              <a:t>:</a:t>
+            </a:r>
+            <a:r>
+              <a:rPr lang="en-IN" dirty="0" err="1">
+                <a:solidFill>
+                  <a:srgbClr val="B58900"/>
+                </a:solidFill>
+                <a:effectLst/>
+              </a:rPr>
+              <a:t>'hard</a:t>
+            </a:r>
+            <a:r>
+              <a:rPr lang="en-IN" dirty="0">
+                <a:solidFill>
+                  <a:srgbClr val="B58900"/>
+                </a:solidFill>
+                <a:effectLst/>
+              </a:rPr>
+              <a:t> cover'</a:t>
+            </a:r>
+            <a:r>
+              <a:rPr lang="en-IN" dirty="0">
+                <a:solidFill>
+                  <a:srgbClr val="586E75"/>
+                </a:solidFill>
+                <a:effectLst/>
+              </a:rPr>
+              <a:t>,</a:t>
+            </a:r>
+            <a:r>
+              <a:rPr lang="en-IN" dirty="0">
+                <a:solidFill>
+                  <a:srgbClr val="333333"/>
+                </a:solidFill>
+                <a:effectLst/>
+              </a:rPr>
+              <a:t> pages</a:t>
+            </a:r>
+            <a:r>
+              <a:rPr lang="en-IN" dirty="0">
+                <a:solidFill>
+                  <a:srgbClr val="586E75"/>
+                </a:solidFill>
+                <a:effectLst/>
+              </a:rPr>
+              <a:t>:</a:t>
+            </a:r>
+            <a:r>
+              <a:rPr lang="en-IN" dirty="0">
+                <a:solidFill>
+                  <a:srgbClr val="2AA198"/>
+                </a:solidFill>
+                <a:effectLst/>
+              </a:rPr>
+              <a:t>1250</a:t>
+            </a:r>
+            <a:r>
+              <a:rPr lang="en-IN" dirty="0">
+                <a:solidFill>
+                  <a:srgbClr val="586E75"/>
+                </a:solidFill>
+                <a:effectLst/>
+              </a:rPr>
+              <a:t>}),</a:t>
+            </a:r>
+            <a:endParaRPr lang="en-IN" dirty="0">
+              <a:solidFill>
+                <a:srgbClr val="000000"/>
+              </a:solidFill>
+              <a:effectLst/>
+            </a:endParaRPr>
+          </a:p>
+          <a:p>
+            <a:r>
+              <a:rPr lang="en-IN" dirty="0">
+                <a:solidFill>
+                  <a:srgbClr val="333333"/>
+                </a:solidFill>
+                <a:effectLst/>
+              </a:rPr>
+              <a:t>            </a:t>
+            </a:r>
+            <a:r>
+              <a:rPr lang="en-IN" dirty="0">
+                <a:solidFill>
+                  <a:srgbClr val="586E75"/>
+                </a:solidFill>
+                <a:effectLst/>
+              </a:rPr>
+              <a:t>(</a:t>
+            </a:r>
+            <a:r>
+              <a:rPr lang="en-IN" dirty="0">
+                <a:solidFill>
+                  <a:srgbClr val="333333"/>
+                </a:solidFill>
+                <a:effectLst/>
+              </a:rPr>
+              <a:t>b6</a:t>
+            </a:r>
+            <a:r>
+              <a:rPr lang="en-IN" dirty="0">
+                <a:solidFill>
+                  <a:srgbClr val="586E75"/>
+                </a:solidFill>
+                <a:effectLst/>
+              </a:rPr>
+              <a:t>:</a:t>
+            </a:r>
+            <a:r>
+              <a:rPr lang="en-IN" dirty="0">
+                <a:solidFill>
+                  <a:srgbClr val="333333"/>
+                </a:solidFill>
+                <a:effectLst/>
+              </a:rPr>
+              <a:t>book</a:t>
+            </a:r>
+            <a:r>
+              <a:rPr lang="en-IN" dirty="0">
+                <a:solidFill>
+                  <a:srgbClr val="586E75"/>
+                </a:solidFill>
+                <a:effectLst/>
+              </a:rPr>
+              <a:t>{</a:t>
+            </a:r>
+            <a:r>
+              <a:rPr lang="en-IN" dirty="0">
+                <a:solidFill>
+                  <a:srgbClr val="333333"/>
+                </a:solidFill>
+                <a:effectLst/>
+              </a:rPr>
+              <a:t>isbn</a:t>
+            </a:r>
+            <a:r>
+              <a:rPr lang="en-IN" dirty="0">
+                <a:solidFill>
+                  <a:srgbClr val="586E75"/>
+                </a:solidFill>
+                <a:effectLst/>
+              </a:rPr>
+              <a:t>:</a:t>
+            </a:r>
+            <a:r>
+              <a:rPr lang="en-IN" dirty="0">
+                <a:solidFill>
+                  <a:srgbClr val="B58900"/>
+                </a:solidFill>
+                <a:effectLst/>
+              </a:rPr>
+              <a:t>'c++-001'</a:t>
+            </a:r>
+            <a:r>
+              <a:rPr lang="en-IN" dirty="0">
+                <a:solidFill>
+                  <a:srgbClr val="586E75"/>
+                </a:solidFill>
+                <a:effectLst/>
+              </a:rPr>
+              <a:t>,</a:t>
+            </a:r>
+            <a:r>
+              <a:rPr lang="en-IN" dirty="0">
+                <a:solidFill>
+                  <a:srgbClr val="333333"/>
+                </a:solidFill>
+                <a:effectLst/>
+              </a:rPr>
+              <a:t> name</a:t>
+            </a:r>
+            <a:r>
+              <a:rPr lang="en-IN" dirty="0">
+                <a:solidFill>
+                  <a:srgbClr val="586E75"/>
+                </a:solidFill>
+                <a:effectLst/>
+              </a:rPr>
+              <a:t>:</a:t>
+            </a:r>
+            <a:r>
+              <a:rPr lang="en-IN" dirty="0">
+                <a:solidFill>
+                  <a:srgbClr val="B58900"/>
+                </a:solidFill>
+                <a:effectLst/>
+              </a:rPr>
+              <a:t>'c++'</a:t>
+            </a:r>
+            <a:r>
+              <a:rPr lang="en-IN" dirty="0">
+                <a:solidFill>
+                  <a:srgbClr val="586E75"/>
+                </a:solidFill>
+                <a:effectLst/>
+              </a:rPr>
+              <a:t>,</a:t>
+            </a:r>
+            <a:r>
+              <a:rPr lang="en-IN" dirty="0">
+                <a:solidFill>
+                  <a:srgbClr val="333333"/>
+                </a:solidFill>
+                <a:effectLst/>
+              </a:rPr>
+              <a:t> cover</a:t>
+            </a:r>
+            <a:r>
+              <a:rPr lang="en-IN" dirty="0">
+                <a:solidFill>
+                  <a:srgbClr val="586E75"/>
+                </a:solidFill>
+                <a:effectLst/>
+              </a:rPr>
+              <a:t>:</a:t>
+            </a:r>
+            <a:r>
+              <a:rPr lang="en-IN" dirty="0">
+                <a:solidFill>
+                  <a:srgbClr val="B58900"/>
+                </a:solidFill>
+                <a:effectLst/>
+              </a:rPr>
+              <a:t>'soft-paper cover'</a:t>
+            </a:r>
+            <a:r>
+              <a:rPr lang="en-IN" dirty="0">
+                <a:solidFill>
+                  <a:srgbClr val="586E75"/>
+                </a:solidFill>
+                <a:effectLst/>
+              </a:rPr>
+              <a:t>,</a:t>
+            </a:r>
+            <a:r>
+              <a:rPr lang="en-IN" dirty="0">
+                <a:solidFill>
+                  <a:srgbClr val="333333"/>
+                </a:solidFill>
+                <a:effectLst/>
+              </a:rPr>
+              <a:t> pages</a:t>
+            </a:r>
+            <a:r>
+              <a:rPr lang="en-IN" dirty="0">
+                <a:solidFill>
+                  <a:srgbClr val="586E75"/>
+                </a:solidFill>
+                <a:effectLst/>
+              </a:rPr>
+              <a:t>:</a:t>
+            </a:r>
+            <a:r>
+              <a:rPr lang="en-IN" dirty="0">
+                <a:solidFill>
+                  <a:srgbClr val="2AA198"/>
+                </a:solidFill>
+                <a:effectLst/>
+              </a:rPr>
+              <a:t>890</a:t>
+            </a:r>
+            <a:r>
+              <a:rPr lang="en-IN" dirty="0">
+                <a:solidFill>
+                  <a:srgbClr val="586E75"/>
+                </a:solidFill>
+                <a:effectLst/>
+              </a:rPr>
+              <a:t>}),</a:t>
+            </a:r>
+            <a:endParaRPr lang="en-IN" dirty="0">
+              <a:solidFill>
+                <a:srgbClr val="000000"/>
+              </a:solidFill>
+              <a:effectLst/>
+            </a:endParaRPr>
+          </a:p>
+          <a:p>
+            <a:r>
+              <a:rPr lang="en-IN" dirty="0">
+                <a:solidFill>
+                  <a:srgbClr val="333333"/>
+                </a:solidFill>
+                <a:effectLst/>
+              </a:rPr>
+              <a:t>            </a:t>
+            </a:r>
+            <a:r>
+              <a:rPr lang="en-IN" dirty="0">
+                <a:solidFill>
+                  <a:srgbClr val="586E75"/>
+                </a:solidFill>
+                <a:effectLst/>
+              </a:rPr>
+              <a:t>(</a:t>
+            </a:r>
+            <a:r>
+              <a:rPr lang="en-IN" dirty="0">
+                <a:solidFill>
+                  <a:srgbClr val="333333"/>
+                </a:solidFill>
+                <a:effectLst/>
+              </a:rPr>
+              <a:t>b7</a:t>
+            </a:r>
+            <a:r>
+              <a:rPr lang="en-IN" dirty="0">
+                <a:solidFill>
+                  <a:srgbClr val="586E75"/>
+                </a:solidFill>
+                <a:effectLst/>
+              </a:rPr>
+              <a:t>:</a:t>
+            </a:r>
+            <a:r>
+              <a:rPr lang="en-IN" dirty="0">
+                <a:solidFill>
+                  <a:srgbClr val="333333"/>
+                </a:solidFill>
+                <a:effectLst/>
+              </a:rPr>
+              <a:t>book</a:t>
+            </a:r>
+            <a:r>
+              <a:rPr lang="en-IN" dirty="0">
+                <a:solidFill>
+                  <a:srgbClr val="586E75"/>
+                </a:solidFill>
+                <a:effectLst/>
+              </a:rPr>
+              <a:t>{</a:t>
+            </a:r>
+            <a:r>
+              <a:rPr lang="en-IN" dirty="0">
+                <a:solidFill>
+                  <a:srgbClr val="333333"/>
+                </a:solidFill>
+                <a:effectLst/>
+              </a:rPr>
+              <a:t>isbn</a:t>
+            </a:r>
+            <a:r>
+              <a:rPr lang="en-IN" dirty="0">
+                <a:solidFill>
+                  <a:srgbClr val="586E75"/>
+                </a:solidFill>
+                <a:effectLst/>
+              </a:rPr>
+              <a:t>:</a:t>
+            </a:r>
+            <a:r>
+              <a:rPr lang="en-IN" dirty="0">
+                <a:solidFill>
+                  <a:srgbClr val="B58900"/>
+                </a:solidFill>
+                <a:effectLst/>
+              </a:rPr>
+              <a:t>'java-001'</a:t>
+            </a:r>
+            <a:r>
+              <a:rPr lang="en-IN" dirty="0">
+                <a:solidFill>
+                  <a:srgbClr val="586E75"/>
+                </a:solidFill>
+                <a:effectLst/>
+              </a:rPr>
+              <a:t>,</a:t>
+            </a:r>
+            <a:r>
+              <a:rPr lang="en-IN" dirty="0">
+                <a:solidFill>
+                  <a:srgbClr val="333333"/>
+                </a:solidFill>
+                <a:effectLst/>
+              </a:rPr>
+              <a:t> name</a:t>
+            </a:r>
+            <a:r>
+              <a:rPr lang="en-IN" dirty="0">
+                <a:solidFill>
+                  <a:srgbClr val="586E75"/>
+                </a:solidFill>
+                <a:effectLst/>
+              </a:rPr>
+              <a:t>:</a:t>
+            </a:r>
+            <a:r>
+              <a:rPr lang="en-IN" dirty="0">
+                <a:solidFill>
+                  <a:srgbClr val="B58900"/>
+                </a:solidFill>
+                <a:effectLst/>
+              </a:rPr>
+              <a:t>'java'</a:t>
+            </a:r>
+            <a:r>
+              <a:rPr lang="en-IN" dirty="0">
+                <a:solidFill>
+                  <a:srgbClr val="586E75"/>
+                </a:solidFill>
+                <a:effectLst/>
+              </a:rPr>
+              <a:t>,</a:t>
+            </a:r>
+            <a:r>
+              <a:rPr lang="en-IN" dirty="0">
+                <a:solidFill>
+                  <a:srgbClr val="333333"/>
+                </a:solidFill>
+                <a:effectLst/>
+              </a:rPr>
+              <a:t> cover</a:t>
+            </a:r>
+            <a:r>
+              <a:rPr lang="en-IN" dirty="0">
+                <a:solidFill>
+                  <a:srgbClr val="586E75"/>
+                </a:solidFill>
+                <a:effectLst/>
+              </a:rPr>
+              <a:t>:</a:t>
+            </a:r>
+            <a:r>
+              <a:rPr lang="en-IN" dirty="0">
+                <a:solidFill>
+                  <a:srgbClr val="B58900"/>
+                </a:solidFill>
+                <a:effectLst/>
+              </a:rPr>
+              <a:t>'paper cover'</a:t>
+            </a:r>
+            <a:r>
+              <a:rPr lang="en-IN" dirty="0">
+                <a:solidFill>
+                  <a:srgbClr val="586E75"/>
+                </a:solidFill>
+                <a:effectLst/>
+              </a:rPr>
+              <a:t>,</a:t>
+            </a:r>
+            <a:r>
+              <a:rPr lang="en-IN" dirty="0">
+                <a:solidFill>
+                  <a:srgbClr val="333333"/>
+                </a:solidFill>
+                <a:effectLst/>
+              </a:rPr>
+              <a:t> pages</a:t>
+            </a:r>
+            <a:r>
+              <a:rPr lang="en-IN" dirty="0">
+                <a:solidFill>
+                  <a:srgbClr val="586E75"/>
+                </a:solidFill>
+                <a:effectLst/>
+              </a:rPr>
+              <a:t>:</a:t>
+            </a:r>
+            <a:r>
+              <a:rPr lang="en-IN" dirty="0">
+                <a:solidFill>
+                  <a:srgbClr val="2AA198"/>
+                </a:solidFill>
+                <a:effectLst/>
+              </a:rPr>
+              <a:t>890</a:t>
+            </a:r>
+            <a:r>
+              <a:rPr lang="en-IN" dirty="0">
+                <a:solidFill>
+                  <a:srgbClr val="586E75"/>
+                </a:solidFill>
+                <a:effectLst/>
+              </a:rPr>
+              <a:t>})</a:t>
+            </a:r>
+          </a:p>
+          <a:p>
             <a:r>
               <a:rPr lang="en-IN" dirty="0">
                 <a:solidFill>
@@ -8240,71 +8756,22 @@
                 </a:solidFill>
                 <a:effectLst/>
               </a:rPr>
-              <a:t>return</a:t>
-            </a:r>
-            <a:r>
-              <a:rPr lang="en-IN" dirty="0">
-                <a:solidFill>
-                  <a:srgbClr val="333333"/>
-                </a:solidFill>
-                <a:effectLst/>
-              </a:rPr>
-              <a:t> b1</a:t>
-            </a:r>
-            <a:r>
-              <a:rPr lang="en-IN" dirty="0">
-                <a:solidFill>
-                  <a:srgbClr val="586E75"/>
-                </a:solidFill>
-                <a:effectLst/>
-              </a:rPr>
-              <a:t>, </a:t>
-            </a:r>
-            <a:r>
-              <a:rPr lang="en-IN" dirty="0">
-                <a:solidFill>
-                  <a:srgbClr val="333333"/>
-                </a:solidFill>
-                <a:effectLst/>
-              </a:rPr>
-              <a:t>b2</a:t>
-            </a:r>
-            <a:r>
-              <a:rPr lang="en-IN" dirty="0">
-                <a:solidFill>
-                  <a:srgbClr val="586E75"/>
-                </a:solidFill>
-                <a:effectLst/>
-              </a:rPr>
-              <a:t>, </a:t>
-            </a:r>
-            <a:r>
-              <a:rPr lang="en-IN" dirty="0">
-                <a:solidFill>
-                  <a:srgbClr val="333333"/>
-                </a:solidFill>
-                <a:effectLst/>
-              </a:rPr>
-              <a:t>b3</a:t>
-            </a:r>
-            <a:r>
-              <a:rPr lang="en-IN" dirty="0">
-                <a:solidFill>
-                  <a:srgbClr val="586E75"/>
-                </a:solidFill>
-                <a:effectLst/>
-              </a:rPr>
-              <a:t>, </a:t>
-            </a:r>
-            <a:r>
-              <a:rPr lang="en-IN" dirty="0">
-                <a:solidFill>
-                  <a:srgbClr val="333333"/>
-                </a:solidFill>
-                <a:effectLst/>
-              </a:rPr>
-              <a:t>b4</a:t>
-            </a:r>
+              <a:t>            return </a:t>
+            </a:r>
+            <a:r>
+              <a:rPr lang="en-IN" dirty="0">
+                <a:solidFill>
+                  <a:srgbClr val="333333"/>
+                </a:solidFill>
+              </a:rPr>
+              <a:t>b1, b2, b3, b4, b5, b6, b7</a:t>
+            </a:r>
+            <a:endParaRPr lang="en-IN" dirty="0">
+              <a:solidFill>
+                <a:srgbClr val="000000"/>
+              </a:solidFill>
+              <a:effectLst/>
+            </a:endParaRPr>
           </a:p>
         </p:txBody>
       </p:sp>

--- a/Neo4j.pptx
+++ b/Neo4j.pptx
@@ -5,7 +5,7 @@
     <p:sldMasterId id="2147483720" r:id="rId1"/>
   </p:sldMasterIdLst>
   <p:notesMasterIdLst>
-    <p:notesMasterId r:id="rId24"/>
+    <p:notesMasterId r:id="rId25"/>
   </p:notesMasterIdLst>
   <p:sldIdLst>
     <p:sldId id="256" r:id="rId2"/>
@@ -21,15 +21,16 @@
     <p:sldId id="1399" r:id="rId12"/>
     <p:sldId id="1400" r:id="rId13"/>
     <p:sldId id="1405" r:id="rId14"/>
-    <p:sldId id="1402" r:id="rId15"/>
-    <p:sldId id="1403" r:id="rId16"/>
-    <p:sldId id="1408" r:id="rId17"/>
-    <p:sldId id="1406" r:id="rId18"/>
-    <p:sldId id="1407" r:id="rId19"/>
-    <p:sldId id="1404" r:id="rId20"/>
-    <p:sldId id="1393" r:id="rId21"/>
-    <p:sldId id="350" r:id="rId22"/>
-    <p:sldId id="1398" r:id="rId23"/>
+    <p:sldId id="1403" r:id="rId15"/>
+    <p:sldId id="1408" r:id="rId16"/>
+    <p:sldId id="1406" r:id="rId17"/>
+    <p:sldId id="1409" r:id="rId18"/>
+    <p:sldId id="1402" r:id="rId19"/>
+    <p:sldId id="1407" r:id="rId20"/>
+    <p:sldId id="1404" r:id="rId21"/>
+    <p:sldId id="1393" r:id="rId22"/>
+    <p:sldId id="350" r:id="rId23"/>
+    <p:sldId id="1398" r:id="rId24"/>
   </p:sldIdLst>
   <p:sldSz cx="12192000" cy="6858000"/>
   <p:notesSz cx="6858000" cy="9144000"/>
@@ -242,7 +243,7 @@
             <a:fld id="{757F699C-254E-44B6-B18D-E7E82B2FC743}" type="datetimeFigureOut">
               <a:rPr lang="en-IN" smtClean="0"/>
               <a:pPr/>
-              <a:t>29-06-2021</a:t>
+              <a:t>01-07-2021</a:t>
             </a:fld>
             <a:endParaRPr lang="en-IN"/>
           </a:p>
@@ -1068,7 +1069,7 @@
             <a:fld id="{52F73076-280E-4994-B9AF-08CB19D7A53F}" type="datetimeFigureOut">
               <a:rPr lang="en-US" smtClean="0"/>
               <a:pPr/>
-              <a:t>6/29/2021</a:t>
+              <a:t>7/1/2021</a:t>
             </a:fld>
             <a:endParaRPr lang="en-US" dirty="0"/>
           </a:p>
@@ -1513,7 +1514,7 @@
             <a:fld id="{52F73076-280E-4994-B9AF-08CB19D7A53F}" type="datetimeFigureOut">
               <a:rPr lang="en-US" smtClean="0"/>
               <a:pPr/>
-              <a:t>6/29/2021</a:t>
+              <a:t>7/1/2021</a:t>
             </a:fld>
             <a:endParaRPr lang="en-US" dirty="0"/>
           </a:p>
@@ -2445,7 +2446,7 @@
             <a:fld id="{52F73076-280E-4994-B9AF-08CB19D7A53F}" type="datetimeFigureOut">
               <a:rPr lang="en-US" smtClean="0"/>
               <a:pPr/>
-              <a:t>6/29/2021</a:t>
+              <a:t>7/1/2021</a:t>
             </a:fld>
             <a:endParaRPr lang="en-US" dirty="0"/>
           </a:p>
@@ -2863,7 +2864,7 @@
             <a:fld id="{52F73076-280E-4994-B9AF-08CB19D7A53F}" type="datetimeFigureOut">
               <a:rPr lang="en-US" smtClean="0"/>
               <a:pPr/>
-              <a:t>6/29/2021</a:t>
+              <a:t>7/1/2021</a:t>
             </a:fld>
             <a:endParaRPr lang="en-US" dirty="0"/>
           </a:p>
@@ -7580,19 +7581,10 @@
                 </a:solidFill>
                 <a:effectLst/>
               </a:rPr>
-              <a:t> </a:t>
-            </a:r>
-            <a:r>
-              <a:rPr lang="en-IN" dirty="0" err="1">
-                <a:solidFill>
-                  <a:srgbClr val="333333"/>
-                </a:solidFill>
-                <a:effectLst/>
-              </a:rPr>
-              <a:t>cover</a:t>
-            </a:r>
-            <a:r>
-              <a:rPr lang="en-IN" dirty="0" err="1">
+              <a:t> cover</a:t>
+            </a:r>
+            <a:r>
+              <a:rPr lang="en-IN" dirty="0">
                 <a:solidFill>
                   <a:srgbClr val="586E75"/>
                 </a:solidFill>
@@ -7601,22 +7593,13 @@
               <a:t>:</a:t>
             </a:r>
             <a:r>
-              <a:rPr lang="en-IN" dirty="0" err="1">
+              <a:rPr lang="en-IN" dirty="0">
                 <a:solidFill>
                   <a:srgbClr val="B58900"/>
                 </a:solidFill>
                 <a:effectLst/>
               </a:rPr>
-              <a:t>'hard</a:t>
-            </a:r>
-            <a:r>
-              <a:rPr lang="en-IN" dirty="0">
-                <a:solidFill>
-                  <a:srgbClr val="B58900"/>
-                </a:solidFill>
-                <a:effectLst/>
-              </a:rPr>
-              <a:t> cover'</a:t>
+              <a:t>'hard cover'</a:t>
             </a:r>
             <a:r>
               <a:rPr lang="en-IN" dirty="0">
@@ -7822,19 +7805,10 @@
                 </a:solidFill>
                 <a:effectLst/>
               </a:rPr>
-              <a:t> </a:t>
-            </a:r>
-            <a:r>
-              <a:rPr lang="en-IN" dirty="0" err="1">
-                <a:solidFill>
-                  <a:srgbClr val="333333"/>
-                </a:solidFill>
-                <a:effectLst/>
-              </a:rPr>
-              <a:t>cover</a:t>
-            </a:r>
-            <a:r>
-              <a:rPr lang="en-IN" dirty="0" err="1">
+              <a:t> cover</a:t>
+            </a:r>
+            <a:r>
+              <a:rPr lang="en-IN" dirty="0">
                 <a:solidFill>
                   <a:srgbClr val="586E75"/>
                 </a:solidFill>
@@ -7843,22 +7817,13 @@
               <a:t>:</a:t>
             </a:r>
             <a:r>
-              <a:rPr lang="en-IN" dirty="0" err="1">
+              <a:rPr lang="en-IN" dirty="0">
                 <a:solidFill>
                   <a:srgbClr val="B58900"/>
                 </a:solidFill>
                 <a:effectLst/>
               </a:rPr>
-              <a:t>'soft-paper</a:t>
-            </a:r>
-            <a:r>
-              <a:rPr lang="en-IN" dirty="0">
-                <a:solidFill>
-                  <a:srgbClr val="B58900"/>
-                </a:solidFill>
-                <a:effectLst/>
-              </a:rPr>
-              <a:t> cover'</a:t>
+              <a:t>'soft-paper cover'</a:t>
             </a:r>
             <a:r>
               <a:rPr lang="en-IN" dirty="0">
@@ -8252,19 +8217,10 @@
                 </a:solidFill>
                 <a:effectLst/>
               </a:rPr>
-              <a:t> </a:t>
-            </a:r>
-            <a:r>
-              <a:rPr lang="en-IN" dirty="0" err="1">
-                <a:solidFill>
-                  <a:srgbClr val="333333"/>
-                </a:solidFill>
-                <a:effectLst/>
-              </a:rPr>
-              <a:t>cover</a:t>
-            </a:r>
-            <a:r>
-              <a:rPr lang="en-IN" dirty="0" err="1">
+              <a:t> cover</a:t>
+            </a:r>
+            <a:r>
+              <a:rPr lang="en-IN" dirty="0">
                 <a:solidFill>
                   <a:srgbClr val="586E75"/>
                 </a:solidFill>
@@ -8273,22 +8229,13 @@
               <a:t>:</a:t>
             </a:r>
             <a:r>
-              <a:rPr lang="en-IN" dirty="0" err="1">
+              <a:rPr lang="en-IN" dirty="0">
                 <a:solidFill>
                   <a:srgbClr val="B58900"/>
                 </a:solidFill>
                 <a:effectLst/>
               </a:rPr>
-              <a:t>'hard</a:t>
-            </a:r>
-            <a:r>
-              <a:rPr lang="en-IN" dirty="0">
-                <a:solidFill>
-                  <a:srgbClr val="B58900"/>
-                </a:solidFill>
-                <a:effectLst/>
-              </a:rPr>
-              <a:t> cover'</a:t>
+              <a:t>'hard cover'</a:t>
             </a:r>
             <a:r>
               <a:rPr lang="en-IN" dirty="0">
@@ -9025,1477 +8972,6 @@
                 <a:latin typeface="Nunito Sans"/>
                 <a:ea typeface="DejaVu Sans"/>
               </a:rPr>
-              <a:t>delete all node</a:t>
-            </a:r>
-            <a:endParaRPr lang="en-IN" sz="4000" b="0" strike="noStrike" spc="-1" dirty="0">
-              <a:solidFill>
-                <a:schemeClr val="accent6">
-                  <a:lumMod val="60000"/>
-                  <a:lumOff val="40000"/>
-                </a:schemeClr>
-              </a:solidFill>
-              <a:latin typeface="Nunito Sans"/>
-            </a:endParaRPr>
-          </a:p>
-        </p:txBody>
-      </p:sp>
-      <p:sp>
-        <p:nvSpPr>
-          <p:cNvPr id="108" name="Line 9"/>
-          <p:cNvSpPr/>
-          <p:nvPr/>
-        </p:nvSpPr>
-        <p:spPr>
-          <a:xfrm>
-            <a:off x="0" y="1536120"/>
-            <a:ext cx="12191760" cy="0"/>
-          </a:xfrm>
-          <a:prstGeom prst="line">
-            <a:avLst/>
-          </a:prstGeom>
-          <a:ln w="12600">
-            <a:solidFill>
-              <a:srgbClr val="6E78A0"/>
-            </a:solidFill>
-            <a:prstDash val="dash"/>
-            <a:round/>
-          </a:ln>
-        </p:spPr>
-        <p:style>
-          <a:lnRef idx="1">
-            <a:schemeClr val="accent1"/>
-          </a:lnRef>
-          <a:fillRef idx="0">
-            <a:schemeClr val="accent1"/>
-          </a:fillRef>
-          <a:effectRef idx="0">
-            <a:schemeClr val="accent1"/>
-          </a:effectRef>
-          <a:fontRef idx="minor"/>
-        </p:style>
-      </p:sp>
-      <p:sp>
-        <p:nvSpPr>
-          <p:cNvPr id="12" name="TextBox 11">
-            <a:extLst>
-              <a:ext uri="{FF2B5EF4-FFF2-40B4-BE49-F238E27FC236}">
-                <a16:creationId xmlns:a16="http://schemas.microsoft.com/office/drawing/2014/main" id="{79242DF4-E3E0-4B3F-9DA3-EDDD02A6E7F5}"/>
-              </a:ext>
-            </a:extLst>
-          </p:cNvPr>
-          <p:cNvSpPr txBox="1"/>
-          <p:nvPr/>
-        </p:nvSpPr>
-        <p:spPr>
-          <a:xfrm>
-            <a:off x="246600" y="1686842"/>
-            <a:ext cx="11693880" cy="1046440"/>
-          </a:xfrm>
-          <a:prstGeom prst="rect">
-            <a:avLst/>
-          </a:prstGeom>
-          <a:noFill/>
-        </p:spPr>
-        <p:txBody>
-          <a:bodyPr wrap="square">
-            <a:spAutoFit/>
-          </a:bodyPr>
-          <a:lstStyle/>
-          <a:p>
-            <a:r>
-              <a:rPr lang="pt-BR" spc="-1" dirty="0">
-                <a:solidFill>
-                  <a:srgbClr val="0070C0"/>
-                </a:solidFill>
-                <a:latin typeface="Consolas" panose="020B0609020204030204" pitchFamily="49" charset="0"/>
-                <a:cs typeface="Arial" panose="020B0604020202020204" pitchFamily="34" charset="0"/>
-              </a:rPr>
-              <a:t>MATCH(n) DELETE n</a:t>
-            </a:r>
-          </a:p>
-          <a:p>
-            <a:endParaRPr lang="pt-BR" sz="400" spc="-1" dirty="0">
-              <a:solidFill>
-                <a:srgbClr val="0070C0"/>
-              </a:solidFill>
-              <a:latin typeface="Consolas" panose="020B0609020204030204" pitchFamily="49" charset="0"/>
-              <a:cs typeface="Arial" panose="020B0604020202020204" pitchFamily="34" charset="0"/>
-            </a:endParaRPr>
-          </a:p>
-          <a:p>
-            <a:r>
-              <a:rPr lang="pt-BR" spc="-1" dirty="0">
-                <a:solidFill>
-                  <a:srgbClr val="0070C0"/>
-                </a:solidFill>
-                <a:latin typeface="Consolas" panose="020B0609020204030204" pitchFamily="49" charset="0"/>
-                <a:cs typeface="Arial" panose="020B0604020202020204" pitchFamily="34" charset="0"/>
-              </a:rPr>
-              <a:t>MATCH(n) MATCH(m) DELETE n, m</a:t>
-            </a:r>
-          </a:p>
-          <a:p>
-            <a:endParaRPr lang="pt-BR" sz="400" spc="-1" dirty="0">
-              <a:solidFill>
-                <a:srgbClr val="0070C0"/>
-              </a:solidFill>
-              <a:latin typeface="Consolas" panose="020B0609020204030204" pitchFamily="49" charset="0"/>
-              <a:cs typeface="Arial" panose="020B0604020202020204" pitchFamily="34" charset="0"/>
-            </a:endParaRPr>
-          </a:p>
-          <a:p>
-            <a:r>
-              <a:rPr lang="pt-BR" spc="-1" dirty="0">
-                <a:solidFill>
-                  <a:srgbClr val="0070C0"/>
-                </a:solidFill>
-                <a:latin typeface="Consolas" panose="020B0609020204030204" pitchFamily="49" charset="0"/>
-                <a:cs typeface="Arial" panose="020B0604020202020204" pitchFamily="34" charset="0"/>
-              </a:rPr>
-              <a:t>MATCH(n) DETACH DELETE n</a:t>
-            </a:r>
-            <a:endParaRPr lang="en-IN" spc="-1" dirty="0">
-              <a:solidFill>
-                <a:srgbClr val="0070C0"/>
-              </a:solidFill>
-              <a:latin typeface="Consolas" panose="020B0609020204030204" pitchFamily="49" charset="0"/>
-              <a:cs typeface="Arial" panose="020B0604020202020204" pitchFamily="34" charset="0"/>
-            </a:endParaRPr>
-          </a:p>
-        </p:txBody>
-      </p:sp>
-      <p:sp>
-        <p:nvSpPr>
-          <p:cNvPr id="15" name="TextBox 14">
-            <a:extLst>
-              <a:ext uri="{FF2B5EF4-FFF2-40B4-BE49-F238E27FC236}">
-                <a16:creationId xmlns:a16="http://schemas.microsoft.com/office/drawing/2014/main" id="{187A7629-BDF9-4DE3-B954-5B2AC8376F52}"/>
-              </a:ext>
-            </a:extLst>
-          </p:cNvPr>
-          <p:cNvSpPr txBox="1"/>
-          <p:nvPr/>
-        </p:nvSpPr>
-        <p:spPr>
-          <a:xfrm>
-            <a:off x="243604" y="2992884"/>
-            <a:ext cx="11693880" cy="2431435"/>
-          </a:xfrm>
-          <a:prstGeom prst="rect">
-            <a:avLst/>
-          </a:prstGeom>
-          <a:noFill/>
-        </p:spPr>
-        <p:txBody>
-          <a:bodyPr wrap="square">
-            <a:spAutoFit/>
-          </a:bodyPr>
-          <a:lstStyle/>
-          <a:p>
-            <a:pPr marL="285750" indent="-285750">
-              <a:buFont typeface="Arial" panose="020B0604020202020204" pitchFamily="34" charset="0"/>
-              <a:buChar char="•"/>
-            </a:pPr>
-            <a:r>
-              <a:rPr lang="en-IN" dirty="0">
-                <a:solidFill>
-                  <a:schemeClr val="tx1">
-                    <a:lumMod val="50000"/>
-                    <a:lumOff val="50000"/>
-                  </a:schemeClr>
-                </a:solidFill>
-                <a:latin typeface="Gill Sans MT (Body)"/>
-              </a:rPr>
-              <a:t>neo4j$ </a:t>
-            </a:r>
-            <a:r>
-              <a:rPr lang="pt-BR" dirty="0">
-                <a:solidFill>
-                  <a:srgbClr val="859900"/>
-                </a:solidFill>
-                <a:effectLst/>
-              </a:rPr>
-              <a:t>match</a:t>
-            </a:r>
-            <a:r>
-              <a:rPr lang="pt-BR" dirty="0">
-                <a:solidFill>
-                  <a:srgbClr val="586E75"/>
-                </a:solidFill>
-                <a:effectLst/>
-              </a:rPr>
-              <a:t>(</a:t>
-            </a:r>
-            <a:r>
-              <a:rPr lang="pt-BR" dirty="0">
-                <a:solidFill>
-                  <a:srgbClr val="333333"/>
-                </a:solidFill>
-                <a:effectLst/>
-              </a:rPr>
-              <a:t>n</a:t>
-            </a:r>
-            <a:r>
-              <a:rPr lang="pt-BR" dirty="0">
-                <a:solidFill>
-                  <a:srgbClr val="586E75"/>
-                </a:solidFill>
-                <a:effectLst/>
-              </a:rPr>
-              <a:t>)</a:t>
-            </a:r>
-            <a:r>
-              <a:rPr lang="pt-BR" dirty="0">
-                <a:solidFill>
-                  <a:srgbClr val="333333"/>
-                </a:solidFill>
-                <a:effectLst/>
-              </a:rPr>
-              <a:t>  </a:t>
-            </a:r>
-            <a:r>
-              <a:rPr lang="pt-BR" dirty="0">
-                <a:solidFill>
-                  <a:srgbClr val="859900"/>
-                </a:solidFill>
-                <a:effectLst/>
-              </a:rPr>
-              <a:t>delete</a:t>
-            </a:r>
-            <a:r>
-              <a:rPr lang="pt-BR" dirty="0">
-                <a:solidFill>
-                  <a:srgbClr val="333333"/>
-                </a:solidFill>
-                <a:effectLst/>
-              </a:rPr>
-              <a:t> n</a:t>
-            </a:r>
-          </a:p>
-          <a:p>
-            <a:pPr marL="285750" indent="-285750">
-              <a:buFont typeface="Arial" panose="020B0604020202020204" pitchFamily="34" charset="0"/>
-              <a:buChar char="•"/>
-            </a:pPr>
-            <a:endParaRPr lang="pt-BR" sz="800" dirty="0">
-              <a:solidFill>
-                <a:srgbClr val="333333"/>
-              </a:solidFill>
-            </a:endParaRPr>
-          </a:p>
-          <a:p>
-            <a:pPr marL="285750" indent="-285750">
-              <a:buFont typeface="Arial" panose="020B0604020202020204" pitchFamily="34" charset="0"/>
-              <a:buChar char="•"/>
-            </a:pPr>
-            <a:r>
-              <a:rPr lang="en-IN" dirty="0">
-                <a:solidFill>
-                  <a:schemeClr val="tx1">
-                    <a:lumMod val="50000"/>
-                    <a:lumOff val="50000"/>
-                  </a:schemeClr>
-                </a:solidFill>
-                <a:latin typeface="Gill Sans MT (Body)"/>
-              </a:rPr>
-              <a:t>neo4j$ </a:t>
-            </a:r>
-            <a:r>
-              <a:rPr lang="en-US" dirty="0">
-                <a:solidFill>
-                  <a:srgbClr val="859900"/>
-                </a:solidFill>
-                <a:effectLst/>
-              </a:rPr>
-              <a:t>match</a:t>
-            </a:r>
-            <a:r>
-              <a:rPr lang="en-US" dirty="0">
-                <a:solidFill>
-                  <a:srgbClr val="586E75"/>
-                </a:solidFill>
-                <a:effectLst/>
-              </a:rPr>
-              <a:t>(</a:t>
-            </a:r>
-            <a:r>
-              <a:rPr lang="en-US" dirty="0">
-                <a:solidFill>
-                  <a:srgbClr val="333333"/>
-                </a:solidFill>
-                <a:effectLst/>
-              </a:rPr>
-              <a:t>n</a:t>
-            </a:r>
-            <a:r>
-              <a:rPr lang="en-US" dirty="0">
-                <a:solidFill>
-                  <a:srgbClr val="586E75"/>
-                </a:solidFill>
-                <a:effectLst/>
-              </a:rPr>
-              <a:t>:</a:t>
-            </a:r>
-            <a:r>
-              <a:rPr lang="en-US" dirty="0">
-                <a:solidFill>
-                  <a:srgbClr val="333333"/>
-                </a:solidFill>
-                <a:effectLst/>
-              </a:rPr>
-              <a:t>author1</a:t>
-            </a:r>
-            <a:r>
-              <a:rPr lang="en-US" dirty="0">
-                <a:solidFill>
-                  <a:srgbClr val="586E75"/>
-                </a:solidFill>
-                <a:effectLst/>
-              </a:rPr>
-              <a:t>)</a:t>
-            </a:r>
-            <a:r>
-              <a:rPr lang="en-US" dirty="0">
-                <a:solidFill>
-                  <a:srgbClr val="333333"/>
-                </a:solidFill>
-                <a:effectLst/>
-              </a:rPr>
-              <a:t> </a:t>
-            </a:r>
-            <a:r>
-              <a:rPr lang="en-US" dirty="0">
-                <a:solidFill>
-                  <a:srgbClr val="859900"/>
-                </a:solidFill>
-                <a:effectLst/>
-              </a:rPr>
-              <a:t>match</a:t>
-            </a:r>
-            <a:r>
-              <a:rPr lang="en-US" dirty="0">
-                <a:solidFill>
-                  <a:srgbClr val="586E75"/>
-                </a:solidFill>
-                <a:effectLst/>
-              </a:rPr>
-              <a:t>(</a:t>
-            </a:r>
-            <a:r>
-              <a:rPr lang="en-US" dirty="0">
-                <a:solidFill>
-                  <a:srgbClr val="333333"/>
-                </a:solidFill>
-                <a:effectLst/>
-              </a:rPr>
-              <a:t>m</a:t>
-            </a:r>
-            <a:r>
-              <a:rPr lang="en-US" dirty="0">
-                <a:solidFill>
-                  <a:srgbClr val="586E75"/>
-                </a:solidFill>
-                <a:effectLst/>
-              </a:rPr>
-              <a:t>:</a:t>
-            </a:r>
-            <a:r>
-              <a:rPr lang="en-US" dirty="0">
-                <a:solidFill>
-                  <a:srgbClr val="333333"/>
-                </a:solidFill>
-                <a:effectLst/>
-              </a:rPr>
-              <a:t>author2</a:t>
-            </a:r>
-            <a:r>
-              <a:rPr lang="en-US" dirty="0">
-                <a:solidFill>
-                  <a:srgbClr val="586E75"/>
-                </a:solidFill>
-                <a:effectLst/>
-              </a:rPr>
-              <a:t>)</a:t>
-            </a:r>
-            <a:r>
-              <a:rPr lang="en-US" dirty="0">
-                <a:solidFill>
-                  <a:srgbClr val="333333"/>
-                </a:solidFill>
-                <a:effectLst/>
-              </a:rPr>
-              <a:t> </a:t>
-            </a:r>
-            <a:r>
-              <a:rPr lang="en-US" dirty="0">
-                <a:solidFill>
-                  <a:srgbClr val="859900"/>
-                </a:solidFill>
-                <a:effectLst/>
-              </a:rPr>
-              <a:t>delete</a:t>
-            </a:r>
-            <a:r>
-              <a:rPr lang="en-US" dirty="0">
-                <a:solidFill>
-                  <a:srgbClr val="333333"/>
-                </a:solidFill>
-                <a:effectLst/>
-              </a:rPr>
-              <a:t> n</a:t>
-            </a:r>
-            <a:r>
-              <a:rPr lang="en-US" dirty="0">
-                <a:solidFill>
-                  <a:srgbClr val="586E75"/>
-                </a:solidFill>
-                <a:effectLst/>
-              </a:rPr>
-              <a:t>,</a:t>
-            </a:r>
-            <a:r>
-              <a:rPr lang="en-US" dirty="0">
-                <a:solidFill>
-                  <a:srgbClr val="333333"/>
-                </a:solidFill>
-                <a:effectLst/>
-              </a:rPr>
-              <a:t> m </a:t>
-            </a:r>
-            <a:endParaRPr lang="en-US" dirty="0">
-              <a:solidFill>
-                <a:srgbClr val="000000"/>
-              </a:solidFill>
-              <a:effectLst/>
-            </a:endParaRPr>
-          </a:p>
-          <a:p>
-            <a:pPr marL="285750" indent="-285750">
-              <a:buFont typeface="Arial" panose="020B0604020202020204" pitchFamily="34" charset="0"/>
-              <a:buChar char="•"/>
-            </a:pPr>
-            <a:endParaRPr lang="pt-BR" sz="800" dirty="0">
-              <a:solidFill>
-                <a:srgbClr val="333333"/>
-              </a:solidFill>
-              <a:effectLst/>
-            </a:endParaRPr>
-          </a:p>
-          <a:p>
-            <a:pPr marL="285750" indent="-285750">
-              <a:buFont typeface="Arial" panose="020B0604020202020204" pitchFamily="34" charset="0"/>
-              <a:buChar char="•"/>
-            </a:pPr>
-            <a:r>
-              <a:rPr lang="en-IN">
-                <a:solidFill>
-                  <a:schemeClr val="tx1">
-                    <a:lumMod val="50000"/>
-                    <a:lumOff val="50000"/>
-                  </a:schemeClr>
-                </a:solidFill>
-                <a:latin typeface="Gill Sans MT (Body)"/>
-              </a:rPr>
-              <a:t>neo4j</a:t>
-            </a:r>
-            <a:r>
-              <a:rPr lang="en-IN" dirty="0">
-                <a:solidFill>
-                  <a:schemeClr val="tx1">
-                    <a:lumMod val="50000"/>
-                    <a:lumOff val="50000"/>
-                  </a:schemeClr>
-                </a:solidFill>
-                <a:latin typeface="Gill Sans MT (Body)"/>
-              </a:rPr>
-              <a:t>$ </a:t>
-            </a:r>
-            <a:r>
-              <a:rPr lang="pt-BR" dirty="0">
-                <a:solidFill>
-                  <a:srgbClr val="859900"/>
-                </a:solidFill>
-                <a:effectLst/>
-              </a:rPr>
-              <a:t>match</a:t>
-            </a:r>
-            <a:r>
-              <a:rPr lang="pt-BR" dirty="0">
-                <a:solidFill>
-                  <a:srgbClr val="586E75"/>
-                </a:solidFill>
-                <a:effectLst/>
-              </a:rPr>
-              <a:t>(</a:t>
-            </a:r>
-            <a:r>
-              <a:rPr lang="pt-BR" dirty="0">
-                <a:solidFill>
-                  <a:srgbClr val="333333"/>
-                </a:solidFill>
-                <a:effectLst/>
-              </a:rPr>
-              <a:t>n</a:t>
-            </a:r>
-            <a:r>
-              <a:rPr lang="pt-BR" dirty="0">
-                <a:solidFill>
-                  <a:srgbClr val="586E75"/>
-                </a:solidFill>
-                <a:effectLst/>
-              </a:rPr>
-              <a:t>)</a:t>
-            </a:r>
-            <a:r>
-              <a:rPr lang="pt-BR" dirty="0">
-                <a:solidFill>
-                  <a:srgbClr val="333333"/>
-                </a:solidFill>
-                <a:effectLst/>
-              </a:rPr>
-              <a:t> </a:t>
-            </a:r>
-            <a:r>
-              <a:rPr lang="pt-BR" dirty="0">
-                <a:solidFill>
-                  <a:srgbClr val="859900"/>
-                </a:solidFill>
-                <a:effectLst/>
-              </a:rPr>
-              <a:t>detach</a:t>
-            </a:r>
-            <a:r>
-              <a:rPr lang="pt-BR" dirty="0">
-                <a:solidFill>
-                  <a:srgbClr val="333333"/>
-                </a:solidFill>
-                <a:effectLst/>
-              </a:rPr>
-              <a:t> </a:t>
-            </a:r>
-            <a:r>
-              <a:rPr lang="pt-BR" dirty="0">
-                <a:solidFill>
-                  <a:srgbClr val="859900"/>
-                </a:solidFill>
-                <a:effectLst/>
-              </a:rPr>
-              <a:t>delete</a:t>
-            </a:r>
-            <a:r>
-              <a:rPr lang="pt-BR" dirty="0">
-                <a:solidFill>
-                  <a:srgbClr val="333333"/>
-                </a:solidFill>
-                <a:effectLst/>
-              </a:rPr>
-              <a:t> n</a:t>
-            </a:r>
-          </a:p>
-          <a:p>
-            <a:endParaRPr lang="pt-BR" sz="800" dirty="0">
-              <a:solidFill>
-                <a:srgbClr val="333333"/>
-              </a:solidFill>
-            </a:endParaRPr>
-          </a:p>
-          <a:p>
-            <a:pPr marL="285750" indent="-285750">
-              <a:buFont typeface="Arial" panose="020B0604020202020204" pitchFamily="34" charset="0"/>
-              <a:buChar char="•"/>
-            </a:pPr>
-            <a:r>
-              <a:rPr lang="en-IN" dirty="0">
-                <a:solidFill>
-                  <a:schemeClr val="tx1">
-                    <a:lumMod val="50000"/>
-                    <a:lumOff val="50000"/>
-                  </a:schemeClr>
-                </a:solidFill>
-                <a:latin typeface="Gill Sans MT (Body)"/>
-              </a:rPr>
-              <a:t>neo4j$ </a:t>
-            </a:r>
-            <a:r>
-              <a:rPr lang="en-US" dirty="0">
-                <a:solidFill>
-                  <a:srgbClr val="859900"/>
-                </a:solidFill>
-                <a:effectLst/>
-              </a:rPr>
-              <a:t>match</a:t>
-            </a:r>
-            <a:r>
-              <a:rPr lang="en-US" dirty="0">
-                <a:solidFill>
-                  <a:srgbClr val="586E75"/>
-                </a:solidFill>
-                <a:effectLst/>
-              </a:rPr>
-              <a:t>(</a:t>
-            </a:r>
-            <a:r>
-              <a:rPr lang="en-US" dirty="0">
-                <a:solidFill>
-                  <a:srgbClr val="333333"/>
-                </a:solidFill>
-                <a:effectLst/>
-              </a:rPr>
-              <a:t>n</a:t>
-            </a:r>
-            <a:r>
-              <a:rPr lang="en-US" dirty="0">
-                <a:solidFill>
-                  <a:srgbClr val="586E75"/>
-                </a:solidFill>
-                <a:effectLst/>
-              </a:rPr>
-              <a:t>)</a:t>
-            </a:r>
-            <a:r>
-              <a:rPr lang="en-US" dirty="0">
-                <a:solidFill>
-                  <a:srgbClr val="333333"/>
-                </a:solidFill>
-                <a:effectLst/>
-              </a:rPr>
-              <a:t> </a:t>
-            </a:r>
-            <a:r>
-              <a:rPr lang="en-US" dirty="0">
-                <a:solidFill>
-                  <a:srgbClr val="859900"/>
-                </a:solidFill>
-                <a:effectLst/>
-              </a:rPr>
-              <a:t>where</a:t>
-            </a:r>
-            <a:r>
-              <a:rPr lang="en-US" dirty="0">
-                <a:solidFill>
-                  <a:srgbClr val="333333"/>
-                </a:solidFill>
-                <a:effectLst/>
-              </a:rPr>
-              <a:t> id</a:t>
-            </a:r>
-            <a:r>
-              <a:rPr lang="en-US" dirty="0">
-                <a:solidFill>
-                  <a:srgbClr val="586E75"/>
-                </a:solidFill>
-                <a:effectLst/>
-              </a:rPr>
-              <a:t>(</a:t>
-            </a:r>
-            <a:r>
-              <a:rPr lang="en-US" dirty="0">
-                <a:solidFill>
-                  <a:srgbClr val="333333"/>
-                </a:solidFill>
-                <a:effectLst/>
-              </a:rPr>
-              <a:t>n</a:t>
-            </a:r>
-            <a:r>
-              <a:rPr lang="en-US" dirty="0">
-                <a:solidFill>
-                  <a:srgbClr val="586E75"/>
-                </a:solidFill>
-                <a:effectLst/>
-              </a:rPr>
-              <a:t>)=</a:t>
-            </a:r>
-            <a:r>
-              <a:rPr lang="en-US" dirty="0">
-                <a:solidFill>
-                  <a:srgbClr val="2AA198"/>
-                </a:solidFill>
-                <a:effectLst/>
-              </a:rPr>
-              <a:t>0</a:t>
-            </a:r>
-            <a:r>
-              <a:rPr lang="en-US" dirty="0">
-                <a:solidFill>
-                  <a:srgbClr val="333333"/>
-                </a:solidFill>
-                <a:effectLst/>
-              </a:rPr>
-              <a:t> </a:t>
-            </a:r>
-            <a:r>
-              <a:rPr lang="en-US" dirty="0">
-                <a:solidFill>
-                  <a:srgbClr val="859900"/>
-                </a:solidFill>
-                <a:effectLst/>
-              </a:rPr>
-              <a:t>detach</a:t>
-            </a:r>
-            <a:r>
-              <a:rPr lang="en-US" dirty="0">
-                <a:solidFill>
-                  <a:srgbClr val="333333"/>
-                </a:solidFill>
-                <a:effectLst/>
-              </a:rPr>
-              <a:t> </a:t>
-            </a:r>
-            <a:r>
-              <a:rPr lang="en-US" dirty="0">
-                <a:solidFill>
-                  <a:srgbClr val="859900"/>
-                </a:solidFill>
-                <a:effectLst/>
-              </a:rPr>
-              <a:t>delete</a:t>
-            </a:r>
-            <a:r>
-              <a:rPr lang="en-US" dirty="0">
-                <a:solidFill>
-                  <a:srgbClr val="333333"/>
-                </a:solidFill>
-                <a:effectLst/>
-              </a:rPr>
-              <a:t> n</a:t>
-            </a:r>
-          </a:p>
-          <a:p>
-            <a:pPr marL="285750" indent="-285750">
-              <a:buFont typeface="Arial" panose="020B0604020202020204" pitchFamily="34" charset="0"/>
-              <a:buChar char="•"/>
-            </a:pPr>
-            <a:endParaRPr lang="en-US" sz="800" dirty="0">
-              <a:solidFill>
-                <a:srgbClr val="333333"/>
-              </a:solidFill>
-            </a:endParaRPr>
-          </a:p>
-          <a:p>
-            <a:pPr marL="285750" indent="-285750">
-              <a:buFont typeface="Arial" panose="020B0604020202020204" pitchFamily="34" charset="0"/>
-              <a:buChar char="•"/>
-            </a:pPr>
-            <a:r>
-              <a:rPr lang="en-IN" dirty="0">
-                <a:solidFill>
-                  <a:schemeClr val="tx1">
-                    <a:lumMod val="50000"/>
-                    <a:lumOff val="50000"/>
-                  </a:schemeClr>
-                </a:solidFill>
-                <a:latin typeface="Gill Sans MT (Body)"/>
-              </a:rPr>
-              <a:t>neo4j$ </a:t>
-            </a:r>
-            <a:r>
-              <a:rPr lang="en-IN" dirty="0">
-                <a:solidFill>
-                  <a:srgbClr val="859900"/>
-                </a:solidFill>
-                <a:effectLst/>
-              </a:rPr>
-              <a:t>match</a:t>
-            </a:r>
-            <a:r>
-              <a:rPr lang="en-IN" dirty="0">
-                <a:solidFill>
-                  <a:srgbClr val="586E75"/>
-                </a:solidFill>
-                <a:effectLst/>
-              </a:rPr>
-              <a:t>(</a:t>
-            </a:r>
-            <a:r>
-              <a:rPr lang="en-IN" dirty="0">
-                <a:solidFill>
-                  <a:srgbClr val="333333"/>
-                </a:solidFill>
-                <a:effectLst/>
-              </a:rPr>
-              <a:t>n</a:t>
-            </a:r>
-            <a:r>
-              <a:rPr lang="en-IN" dirty="0">
-                <a:solidFill>
-                  <a:srgbClr val="586E75"/>
-                </a:solidFill>
-                <a:effectLst/>
-              </a:rPr>
-              <a:t>)</a:t>
-            </a:r>
-            <a:r>
-              <a:rPr lang="en-IN" dirty="0">
-                <a:solidFill>
-                  <a:srgbClr val="333333"/>
-                </a:solidFill>
-                <a:effectLst/>
-              </a:rPr>
-              <a:t> </a:t>
-            </a:r>
-            <a:r>
-              <a:rPr lang="en-IN" dirty="0">
-                <a:solidFill>
-                  <a:srgbClr val="859900"/>
-                </a:solidFill>
-                <a:effectLst/>
-              </a:rPr>
-              <a:t>where</a:t>
-            </a:r>
-            <a:r>
-              <a:rPr lang="en-IN" dirty="0">
-                <a:solidFill>
-                  <a:srgbClr val="333333"/>
-                </a:solidFill>
-                <a:effectLst/>
-              </a:rPr>
-              <a:t> id</a:t>
-            </a:r>
-            <a:r>
-              <a:rPr lang="en-IN" dirty="0">
-                <a:solidFill>
-                  <a:srgbClr val="586E75"/>
-                </a:solidFill>
-                <a:effectLst/>
-              </a:rPr>
-              <a:t>(</a:t>
-            </a:r>
-            <a:r>
-              <a:rPr lang="en-IN" dirty="0">
-                <a:solidFill>
-                  <a:srgbClr val="333333"/>
-                </a:solidFill>
-                <a:effectLst/>
-              </a:rPr>
-              <a:t>n</a:t>
-            </a:r>
-            <a:r>
-              <a:rPr lang="en-IN" dirty="0">
-                <a:solidFill>
-                  <a:srgbClr val="586E75"/>
-                </a:solidFill>
-                <a:effectLst/>
-              </a:rPr>
-              <a:t>)=</a:t>
-            </a:r>
-            <a:r>
-              <a:rPr lang="en-IN" dirty="0">
-                <a:solidFill>
-                  <a:srgbClr val="2AA198"/>
-                </a:solidFill>
-                <a:effectLst/>
-              </a:rPr>
-              <a:t>2</a:t>
-            </a:r>
-            <a:r>
-              <a:rPr lang="en-IN" dirty="0">
-                <a:solidFill>
-                  <a:srgbClr val="333333"/>
-                </a:solidFill>
-                <a:effectLst/>
-              </a:rPr>
-              <a:t> </a:t>
-            </a:r>
-            <a:r>
-              <a:rPr lang="en-IN" dirty="0">
-                <a:solidFill>
-                  <a:srgbClr val="859900"/>
-                </a:solidFill>
-                <a:effectLst/>
-              </a:rPr>
-              <a:t>or</a:t>
-            </a:r>
-            <a:r>
-              <a:rPr lang="en-IN" dirty="0">
-                <a:solidFill>
-                  <a:srgbClr val="333333"/>
-                </a:solidFill>
-                <a:effectLst/>
-              </a:rPr>
-              <a:t> id</a:t>
-            </a:r>
-            <a:r>
-              <a:rPr lang="en-IN" dirty="0">
-                <a:solidFill>
-                  <a:srgbClr val="586E75"/>
-                </a:solidFill>
-                <a:effectLst/>
-              </a:rPr>
-              <a:t>(</a:t>
-            </a:r>
-            <a:r>
-              <a:rPr lang="en-IN" dirty="0">
-                <a:solidFill>
-                  <a:srgbClr val="333333"/>
-                </a:solidFill>
-                <a:effectLst/>
-              </a:rPr>
-              <a:t>n</a:t>
-            </a:r>
-            <a:r>
-              <a:rPr lang="en-IN" dirty="0">
-                <a:solidFill>
-                  <a:srgbClr val="586E75"/>
-                </a:solidFill>
-                <a:effectLst/>
-              </a:rPr>
-              <a:t>)=</a:t>
-            </a:r>
-            <a:r>
-              <a:rPr lang="en-IN" dirty="0">
-                <a:solidFill>
-                  <a:srgbClr val="2AA198"/>
-                </a:solidFill>
-                <a:effectLst/>
-              </a:rPr>
-              <a:t>3</a:t>
-            </a:r>
-            <a:r>
-              <a:rPr lang="en-IN" dirty="0">
-                <a:solidFill>
-                  <a:srgbClr val="333333"/>
-                </a:solidFill>
-                <a:effectLst/>
-              </a:rPr>
-              <a:t> </a:t>
-            </a:r>
-            <a:r>
-              <a:rPr lang="en-IN" dirty="0">
-                <a:solidFill>
-                  <a:srgbClr val="859900"/>
-                </a:solidFill>
-                <a:effectLst/>
-              </a:rPr>
-              <a:t>detach</a:t>
-            </a:r>
-            <a:r>
-              <a:rPr lang="en-IN" dirty="0">
-                <a:solidFill>
-                  <a:srgbClr val="333333"/>
-                </a:solidFill>
-                <a:effectLst/>
-              </a:rPr>
-              <a:t> </a:t>
-            </a:r>
-            <a:r>
-              <a:rPr lang="en-IN" dirty="0">
-                <a:solidFill>
-                  <a:srgbClr val="859900"/>
-                </a:solidFill>
-                <a:effectLst/>
-              </a:rPr>
-              <a:t>delete</a:t>
-            </a:r>
-            <a:r>
-              <a:rPr lang="en-IN" dirty="0">
-                <a:solidFill>
-                  <a:srgbClr val="333333"/>
-                </a:solidFill>
-                <a:effectLst/>
-              </a:rPr>
-              <a:t> n</a:t>
-            </a:r>
-          </a:p>
-          <a:p>
-            <a:pPr marL="285750" indent="-285750">
-              <a:buFont typeface="Arial" panose="020B0604020202020204" pitchFamily="34" charset="0"/>
-              <a:buChar char="•"/>
-            </a:pPr>
-            <a:endParaRPr lang="en-IN" sz="400" dirty="0">
-              <a:solidFill>
-                <a:srgbClr val="333333"/>
-              </a:solidFill>
-            </a:endParaRPr>
-          </a:p>
-          <a:p>
-            <a:pPr marL="285750" indent="-285750">
-              <a:buFont typeface="Arial" panose="020B0604020202020204" pitchFamily="34" charset="0"/>
-              <a:buChar char="•"/>
-            </a:pPr>
-            <a:r>
-              <a:rPr lang="en-IN" dirty="0">
-                <a:solidFill>
-                  <a:schemeClr val="tx1">
-                    <a:lumMod val="50000"/>
-                    <a:lumOff val="50000"/>
-                  </a:schemeClr>
-                </a:solidFill>
-                <a:latin typeface="Gill Sans MT (Body)"/>
-              </a:rPr>
-              <a:t>neo4j$ </a:t>
-            </a:r>
-            <a:r>
-              <a:rPr lang="en-IN" dirty="0">
-                <a:solidFill>
-                  <a:srgbClr val="859900"/>
-                </a:solidFill>
-                <a:effectLst/>
-              </a:rPr>
-              <a:t>match</a:t>
-            </a:r>
-            <a:r>
-              <a:rPr lang="en-IN" dirty="0">
-                <a:solidFill>
-                  <a:srgbClr val="586E75"/>
-                </a:solidFill>
-                <a:effectLst/>
-              </a:rPr>
-              <a:t>(</a:t>
-            </a:r>
-            <a:r>
-              <a:rPr lang="en-IN" dirty="0">
-                <a:solidFill>
-                  <a:srgbClr val="333333"/>
-                </a:solidFill>
-                <a:effectLst/>
-              </a:rPr>
-              <a:t>n</a:t>
-            </a:r>
-            <a:r>
-              <a:rPr lang="en-IN" dirty="0">
-                <a:solidFill>
-                  <a:srgbClr val="586E75"/>
-                </a:solidFill>
-                <a:effectLst/>
-              </a:rPr>
-              <a:t>)</a:t>
-            </a:r>
-            <a:r>
-              <a:rPr lang="en-IN" dirty="0">
-                <a:solidFill>
-                  <a:srgbClr val="333333"/>
-                </a:solidFill>
-                <a:effectLst/>
-              </a:rPr>
-              <a:t> </a:t>
-            </a:r>
-            <a:r>
-              <a:rPr lang="en-IN" dirty="0">
-                <a:solidFill>
-                  <a:srgbClr val="859900"/>
-                </a:solidFill>
-                <a:effectLst/>
-              </a:rPr>
-              <a:t>where</a:t>
-            </a:r>
-            <a:r>
-              <a:rPr lang="en-IN" dirty="0">
-                <a:solidFill>
-                  <a:srgbClr val="333333"/>
-                </a:solidFill>
-                <a:effectLst/>
-              </a:rPr>
-              <a:t> id</a:t>
-            </a:r>
-            <a:r>
-              <a:rPr lang="en-IN" dirty="0">
-                <a:solidFill>
-                  <a:srgbClr val="586E75"/>
-                </a:solidFill>
-                <a:effectLst/>
-              </a:rPr>
-              <a:t>(</a:t>
-            </a:r>
-            <a:r>
-              <a:rPr lang="en-IN" dirty="0">
-                <a:solidFill>
-                  <a:srgbClr val="333333"/>
-                </a:solidFill>
-                <a:effectLst/>
-              </a:rPr>
-              <a:t>n</a:t>
-            </a:r>
-            <a:r>
-              <a:rPr lang="en-IN" dirty="0">
-                <a:solidFill>
-                  <a:srgbClr val="586E75"/>
-                </a:solidFill>
-                <a:effectLst/>
-              </a:rPr>
-              <a:t>) </a:t>
-            </a:r>
-            <a:r>
-              <a:rPr lang="en-US" dirty="0">
-                <a:solidFill>
-                  <a:srgbClr val="859900"/>
-                </a:solidFill>
-                <a:effectLst/>
-              </a:rPr>
-              <a:t>in</a:t>
-            </a:r>
-            <a:r>
-              <a:rPr lang="en-US" dirty="0">
-                <a:solidFill>
-                  <a:srgbClr val="333333"/>
-                </a:solidFill>
-                <a:effectLst/>
-              </a:rPr>
-              <a:t> </a:t>
-            </a:r>
-            <a:r>
-              <a:rPr lang="en-US" dirty="0">
-                <a:solidFill>
-                  <a:srgbClr val="586E75"/>
-                </a:solidFill>
-                <a:effectLst/>
-              </a:rPr>
-              <a:t>[ </a:t>
-            </a:r>
-            <a:r>
-              <a:rPr lang="en-US" dirty="0">
-                <a:solidFill>
-                  <a:srgbClr val="2AA198"/>
-                </a:solidFill>
-                <a:effectLst/>
-              </a:rPr>
-              <a:t>2</a:t>
-            </a:r>
-            <a:r>
-              <a:rPr lang="en-US" dirty="0">
-                <a:solidFill>
-                  <a:srgbClr val="586E75"/>
-                </a:solidFill>
-                <a:effectLst/>
-              </a:rPr>
-              <a:t>, </a:t>
-            </a:r>
-            <a:r>
-              <a:rPr lang="en-US" dirty="0">
-                <a:solidFill>
-                  <a:srgbClr val="2AA198"/>
-                </a:solidFill>
-                <a:effectLst/>
-              </a:rPr>
-              <a:t>3 </a:t>
-            </a:r>
-            <a:r>
-              <a:rPr lang="en-US" dirty="0">
-                <a:solidFill>
-                  <a:srgbClr val="586E75"/>
-                </a:solidFill>
-                <a:effectLst/>
-              </a:rPr>
-              <a:t>]</a:t>
-            </a:r>
-            <a:r>
-              <a:rPr lang="en-US" dirty="0">
-                <a:solidFill>
-                  <a:srgbClr val="333333"/>
-                </a:solidFill>
-                <a:effectLst/>
-              </a:rPr>
-              <a:t> </a:t>
-            </a:r>
-            <a:r>
-              <a:rPr lang="en-IN" dirty="0">
-                <a:solidFill>
-                  <a:srgbClr val="333333"/>
-                </a:solidFill>
-                <a:effectLst/>
-              </a:rPr>
-              <a:t> </a:t>
-            </a:r>
-            <a:r>
-              <a:rPr lang="en-IN" dirty="0">
-                <a:solidFill>
-                  <a:srgbClr val="859900"/>
-                </a:solidFill>
-                <a:effectLst/>
-              </a:rPr>
-              <a:t>detach</a:t>
-            </a:r>
-            <a:r>
-              <a:rPr lang="en-IN" dirty="0">
-                <a:solidFill>
-                  <a:srgbClr val="333333"/>
-                </a:solidFill>
-                <a:effectLst/>
-              </a:rPr>
-              <a:t> </a:t>
-            </a:r>
-            <a:r>
-              <a:rPr lang="en-IN" dirty="0">
-                <a:solidFill>
-                  <a:srgbClr val="859900"/>
-                </a:solidFill>
-                <a:effectLst/>
-              </a:rPr>
-              <a:t>delete</a:t>
-            </a:r>
-            <a:r>
-              <a:rPr lang="en-IN" dirty="0">
-                <a:solidFill>
-                  <a:srgbClr val="333333"/>
-                </a:solidFill>
-                <a:effectLst/>
-              </a:rPr>
-              <a:t> n</a:t>
-            </a:r>
-          </a:p>
-          <a:p>
-            <a:pPr marL="285750" indent="-285750">
-              <a:buFont typeface="Arial" panose="020B0604020202020204" pitchFamily="34" charset="0"/>
-              <a:buChar char="•"/>
-            </a:pPr>
-            <a:endParaRPr lang="en-IN" sz="800" dirty="0">
-              <a:solidFill>
-                <a:srgbClr val="333333"/>
-              </a:solidFill>
-            </a:endParaRPr>
-          </a:p>
-        </p:txBody>
-      </p:sp>
-    </p:spTree>
-    <p:extLst>
-      <p:ext uri="{BB962C8B-B14F-4D97-AF65-F5344CB8AC3E}">
-        <p14:creationId xmlns:p14="http://schemas.microsoft.com/office/powerpoint/2010/main" val="2360892772"/>
-      </p:ext>
-    </p:extLst>
-  </p:cSld>
-  <p:clrMapOvr>
-    <a:masterClrMapping/>
-  </p:clrMapOvr>
-</p:sld>
-</file>
-
-<file path=ppt/slides/slide15.xml><?xml version="1.0" encoding="utf-8"?>
-<p:sld xmlns:a="http://schemas.openxmlformats.org/drawingml/2006/main" xmlns:r="http://schemas.openxmlformats.org/officeDocument/2006/relationships" xmlns:p="http://schemas.openxmlformats.org/presentationml/2006/main">
-  <p:cSld>
-    <p:spTree>
-      <p:nvGrpSpPr>
-        <p:cNvPr id="1" name=""/>
-        <p:cNvGrpSpPr/>
-        <p:nvPr/>
-      </p:nvGrpSpPr>
-      <p:grpSpPr>
-        <a:xfrm>
-          <a:off x="0" y="0"/>
-          <a:ext cx="0" cy="0"/>
-          <a:chOff x="0" y="0"/>
-          <a:chExt cx="0" cy="0"/>
-        </a:xfrm>
-      </p:grpSpPr>
-      <p:sp>
-        <p:nvSpPr>
-          <p:cNvPr id="102" name="CustomShape 3"/>
-          <p:cNvSpPr/>
-          <p:nvPr/>
-        </p:nvSpPr>
-        <p:spPr>
-          <a:xfrm>
-            <a:off x="246600" y="762120"/>
-            <a:ext cx="11693880" cy="398655"/>
-          </a:xfrm>
-          <a:prstGeom prst="rect">
-            <a:avLst/>
-          </a:prstGeom>
-          <a:noFill/>
-          <a:ln>
-            <a:noFill/>
-          </a:ln>
-        </p:spPr>
-        <p:style>
-          <a:lnRef idx="0">
-            <a:scrgbClr r="0" g="0" b="0"/>
-          </a:lnRef>
-          <a:fillRef idx="0">
-            <a:scrgbClr r="0" g="0" b="0"/>
-          </a:fillRef>
-          <a:effectRef idx="0">
-            <a:scrgbClr r="0" g="0" b="0"/>
-          </a:effectRef>
-          <a:fontRef idx="minor"/>
-        </p:style>
-        <p:txBody>
-          <a:bodyPr lIns="90000" tIns="45000" rIns="90000" bIns="45000">
-            <a:spAutoFit/>
-          </a:bodyPr>
-          <a:lstStyle/>
-          <a:p>
-            <a:pPr algn="just"/>
-            <a:r>
-              <a:rPr lang="en-US" sz="2000" dirty="0">
-                <a:solidFill>
-                  <a:srgbClr val="2D3748"/>
-                </a:solidFill>
-                <a:latin typeface="Nunito Sans"/>
-              </a:rPr>
-              <a:t>TODO</a:t>
-            </a:r>
-            <a:endParaRPr lang="en-IN" sz="2000" dirty="0">
-              <a:solidFill>
-                <a:srgbClr val="2D3748"/>
-              </a:solidFill>
-              <a:latin typeface="Nunito Sans"/>
-            </a:endParaRPr>
-          </a:p>
-        </p:txBody>
-      </p:sp>
-      <p:sp>
-        <p:nvSpPr>
-          <p:cNvPr id="103" name="CustomShape 4"/>
-          <p:cNvSpPr/>
-          <p:nvPr/>
-        </p:nvSpPr>
-        <p:spPr>
-          <a:xfrm>
-            <a:off x="243604" y="5696497"/>
-            <a:ext cx="11693880" cy="737210"/>
-          </a:xfrm>
-          <a:prstGeom prst="rect">
-            <a:avLst/>
-          </a:prstGeom>
-          <a:noFill/>
-          <a:ln>
-            <a:noFill/>
-          </a:ln>
-        </p:spPr>
-        <p:style>
-          <a:lnRef idx="0">
-            <a:scrgbClr r="0" g="0" b="0"/>
-          </a:lnRef>
-          <a:fillRef idx="0">
-            <a:scrgbClr r="0" g="0" b="0"/>
-          </a:fillRef>
-          <a:effectRef idx="0">
-            <a:scrgbClr r="0" g="0" b="0"/>
-          </a:effectRef>
-          <a:fontRef idx="minor"/>
-        </p:style>
-        <p:txBody>
-          <a:bodyPr lIns="90000" tIns="45000" rIns="90000" bIns="45000">
-            <a:spAutoFit/>
-          </a:bodyPr>
-          <a:lstStyle/>
-          <a:p>
-            <a:pPr>
-              <a:lnSpc>
-                <a:spcPct val="100000"/>
-              </a:lnSpc>
-            </a:pPr>
-            <a:r>
-              <a:rPr lang="en-IN" sz="2000" b="1" strike="noStrike" spc="-1" dirty="0">
-                <a:solidFill>
-                  <a:srgbClr val="C00000"/>
-                </a:solidFill>
-                <a:latin typeface="Arial" panose="020B0604020202020204" pitchFamily="34" charset="0"/>
-                <a:ea typeface="Open Sans"/>
-                <a:cs typeface="Arial" panose="020B0604020202020204" pitchFamily="34" charset="0"/>
-              </a:rPr>
-              <a:t>Note:</a:t>
-            </a:r>
-            <a:endParaRPr lang="en-IN" sz="2000" b="0" strike="noStrike" spc="-1" dirty="0">
-              <a:latin typeface="Arial" panose="020B0604020202020204" pitchFamily="34" charset="0"/>
-              <a:cs typeface="Arial" panose="020B0604020202020204" pitchFamily="34" charset="0"/>
-            </a:endParaRPr>
-          </a:p>
-          <a:p>
-            <a:pPr>
-              <a:lnSpc>
-                <a:spcPct val="100000"/>
-              </a:lnSpc>
-            </a:pPr>
-            <a:r>
-              <a:rPr lang="en-IN" sz="400" b="0" strike="noStrike" spc="-1" dirty="0">
-                <a:solidFill>
-                  <a:srgbClr val="000000"/>
-                </a:solidFill>
-                <a:latin typeface="Arial" panose="020B0604020202020204" pitchFamily="34" charset="0"/>
-                <a:ea typeface="DejaVu Sans"/>
-                <a:cs typeface="Arial" panose="020B0604020202020204" pitchFamily="34" charset="0"/>
-              </a:rPr>
-              <a:t> </a:t>
-            </a:r>
-            <a:endParaRPr lang="en-IN" sz="400" b="0" strike="noStrike" spc="-1" dirty="0">
-              <a:latin typeface="Arial" panose="020B0604020202020204" pitchFamily="34" charset="0"/>
-              <a:cs typeface="Arial" panose="020B0604020202020204" pitchFamily="34" charset="0"/>
-            </a:endParaRPr>
-          </a:p>
-          <a:p>
-            <a:pPr marL="285840" indent="-262080">
-              <a:buClr>
-                <a:srgbClr val="000000"/>
-              </a:buClr>
-              <a:buFont typeface="Arial"/>
-              <a:buChar char="•"/>
-            </a:pPr>
-            <a:r>
-              <a:rPr lang="en-US" b="0" i="0" dirty="0">
-                <a:solidFill>
-                  <a:srgbClr val="333333"/>
-                </a:solidFill>
-                <a:effectLst/>
-                <a:latin typeface="Arial" panose="020B0604020202020204" pitchFamily="34" charset="0"/>
-              </a:rPr>
-              <a:t>TODO</a:t>
-            </a:r>
-            <a:endParaRPr lang="en-IN" sz="1800" strike="noStrike" spc="-1" dirty="0">
-              <a:solidFill>
-                <a:schemeClr val="tx1">
-                  <a:lumMod val="85000"/>
-                  <a:lumOff val="15000"/>
-                </a:schemeClr>
-              </a:solidFill>
-              <a:latin typeface="Arial" panose="020B0604020202020204" pitchFamily="34" charset="0"/>
-              <a:cs typeface="Arial" panose="020B0604020202020204" pitchFamily="34" charset="0"/>
-            </a:endParaRPr>
-          </a:p>
-        </p:txBody>
-      </p:sp>
-      <p:sp>
-        <p:nvSpPr>
-          <p:cNvPr id="105" name="CustomShape 6"/>
-          <p:cNvSpPr/>
-          <p:nvPr/>
-        </p:nvSpPr>
-        <p:spPr>
-          <a:xfrm>
-            <a:off x="246600" y="0"/>
-            <a:ext cx="11693880" cy="706432"/>
-          </a:xfrm>
-          <a:prstGeom prst="rect">
-            <a:avLst/>
-          </a:prstGeom>
-          <a:solidFill>
-            <a:schemeClr val="accent6">
-              <a:lumMod val="75000"/>
-            </a:schemeClr>
-          </a:solidFill>
-          <a:ln>
-            <a:noFill/>
-          </a:ln>
-        </p:spPr>
-        <p:style>
-          <a:lnRef idx="0">
-            <a:scrgbClr r="0" g="0" b="0"/>
-          </a:lnRef>
-          <a:fillRef idx="0">
-            <a:scrgbClr r="0" g="0" b="0"/>
-          </a:fillRef>
-          <a:effectRef idx="0">
-            <a:scrgbClr r="0" g="0" b="0"/>
-          </a:effectRef>
-          <a:fontRef idx="minor"/>
-        </p:style>
-        <p:txBody>
-          <a:bodyPr lIns="90000" tIns="45000" rIns="90000" bIns="45000">
-            <a:spAutoFit/>
-          </a:bodyPr>
-          <a:lstStyle/>
-          <a:p>
-            <a:pPr algn="r"/>
-            <a:r>
-              <a:rPr lang="en-IN" sz="4000" b="0" strike="noStrike" spc="-1" dirty="0">
-                <a:solidFill>
-                  <a:schemeClr val="accent6">
-                    <a:lumMod val="60000"/>
-                    <a:lumOff val="40000"/>
-                  </a:schemeClr>
-                </a:solidFill>
-                <a:latin typeface="Nunito Sans"/>
-                <a:ea typeface="DejaVu Sans"/>
-              </a:rPr>
               <a:t>match(n) with label and ID</a:t>
             </a:r>
             <a:endParaRPr lang="en-IN" sz="4000" b="0" strike="noStrike" spc="-1" dirty="0">
@@ -10574,15 +9050,62 @@
           <a:lstStyle/>
           <a:p>
             <a:r>
-              <a:rPr lang="en-IN" spc="-1" dirty="0">
+              <a:rPr lang="pt-BR" spc="-1" dirty="0">
                 <a:solidFill>
                   <a:srgbClr val="0070C0"/>
                 </a:solidFill>
                 <a:latin typeface="Consolas" panose="020B0609020204030204" pitchFamily="49" charset="0"/>
                 <a:cs typeface="Arial" panose="020B0604020202020204" pitchFamily="34" charset="0"/>
               </a:rPr>
-              <a:t>TODO</a:t>
-            </a:r>
+              <a:t>MATCH(n</a:t>
+            </a:r>
+            <a:r>
+              <a:rPr lang="en-IN" spc="-1" dirty="0">
+                <a:solidFill>
+                  <a:srgbClr val="0070C0"/>
+                </a:solidFill>
+                <a:latin typeface="Consolas" panose="020B0609020204030204" pitchFamily="49" charset="0"/>
+                <a:cs typeface="Arial" panose="020B0604020202020204" pitchFamily="34" charset="0"/>
+              </a:rPr>
+              <a:t>:label_name </a:t>
+            </a:r>
+            <a:r>
+              <a:rPr lang="pt-BR" spc="-1" dirty="0">
+                <a:solidFill>
+                  <a:srgbClr val="0070C0"/>
+                </a:solidFill>
+                <a:latin typeface="Consolas" panose="020B0609020204030204" pitchFamily="49" charset="0"/>
+                <a:cs typeface="Arial" panose="020B0604020202020204" pitchFamily="34" charset="0"/>
+              </a:rPr>
+              <a:t>{ </a:t>
+            </a:r>
+            <a:r>
+              <a:rPr lang="en-IN" spc="-1" dirty="0">
+                <a:solidFill>
+                  <a:srgbClr val="0070C0"/>
+                </a:solidFill>
+                <a:latin typeface="Consolas" panose="020B0609020204030204" pitchFamily="49" charset="0"/>
+                <a:cs typeface="Arial" panose="020B0604020202020204" pitchFamily="34" charset="0"/>
+              </a:rPr>
+              <a:t>key1: value, key2: value, ... </a:t>
+            </a:r>
+            <a:r>
+              <a:rPr lang="pt-BR" spc="-1" dirty="0">
+                <a:solidFill>
+                  <a:srgbClr val="0070C0"/>
+                </a:solidFill>
+                <a:latin typeface="Consolas" panose="020B0609020204030204" pitchFamily="49" charset="0"/>
+                <a:cs typeface="Arial" panose="020B0604020202020204" pitchFamily="34" charset="0"/>
+              </a:rPr>
+              <a:t>}) RETURN n, </a:t>
+            </a:r>
+            <a:endParaRPr lang="en-IN" spc="-1" dirty="0">
+              <a:solidFill>
+                <a:srgbClr val="0070C0"/>
+              </a:solidFill>
+              <a:latin typeface="Consolas" panose="020B0609020204030204" pitchFamily="49" charset="0"/>
+              <a:cs typeface="Arial" panose="020B0604020202020204" pitchFamily="34" charset="0"/>
+            </a:endParaRPr>
           </a:p>
         </p:txBody>
       </p:sp>
@@ -10973,7 +9496,7 @@
               <a:t>name</a:t>
             </a:r>
             <a:r>
-              <a:rPr lang="en-US">
+              <a:rPr lang="en-US" dirty="0">
                 <a:solidFill>
                   <a:srgbClr val="586E75"/>
                 </a:solidFill>
@@ -10982,7 +9505,7 @@
               <a:t>:</a:t>
             </a:r>
             <a:r>
-              <a:rPr lang="en-US">
+              <a:rPr lang="en-US" dirty="0">
                 <a:solidFill>
                   <a:srgbClr val="B58900"/>
                 </a:solidFill>
@@ -10991,7 +9514,7 @@
               <a:t>'ruhan'</a:t>
             </a:r>
             <a:r>
-              <a:rPr lang="en-US">
+              <a:rPr lang="en-US" dirty="0">
                 <a:solidFill>
                   <a:srgbClr val="586E75"/>
                 </a:solidFill>
@@ -11960,6 +10483,865 @@
     <p:extLst>
       <p:ext uri="{BB962C8B-B14F-4D97-AF65-F5344CB8AC3E}">
         <p14:creationId xmlns:p14="http://schemas.microsoft.com/office/powerpoint/2010/main" val="1131250026"/>
+      </p:ext>
+    </p:extLst>
+  </p:cSld>
+  <p:clrMapOvr>
+    <a:masterClrMapping/>
+  </p:clrMapOvr>
+</p:sld>
+</file>
+
+<file path=ppt/slides/slide15.xml><?xml version="1.0" encoding="utf-8"?>
+<p:sld xmlns:a="http://schemas.openxmlformats.org/drawingml/2006/main" xmlns:r="http://schemas.openxmlformats.org/officeDocument/2006/relationships" xmlns:p="http://schemas.openxmlformats.org/presentationml/2006/main">
+  <p:cSld>
+    <p:spTree>
+      <p:nvGrpSpPr>
+        <p:cNvPr id="1" name=""/>
+        <p:cNvGrpSpPr/>
+        <p:nvPr/>
+      </p:nvGrpSpPr>
+      <p:grpSpPr>
+        <a:xfrm>
+          <a:off x="0" y="0"/>
+          <a:ext cx="0" cy="0"/>
+          <a:chOff x="0" y="0"/>
+          <a:chExt cx="0" cy="0"/>
+        </a:xfrm>
+      </p:grpSpPr>
+      <p:sp>
+        <p:nvSpPr>
+          <p:cNvPr id="102" name="CustomShape 3"/>
+          <p:cNvSpPr/>
+          <p:nvPr/>
+        </p:nvSpPr>
+        <p:spPr>
+          <a:xfrm>
+            <a:off x="246600" y="762120"/>
+            <a:ext cx="11693880" cy="398655"/>
+          </a:xfrm>
+          <a:prstGeom prst="rect">
+            <a:avLst/>
+          </a:prstGeom>
+          <a:noFill/>
+          <a:ln>
+            <a:noFill/>
+          </a:ln>
+        </p:spPr>
+        <p:style>
+          <a:lnRef idx="0">
+            <a:scrgbClr r="0" g="0" b="0"/>
+          </a:lnRef>
+          <a:fillRef idx="0">
+            <a:scrgbClr r="0" g="0" b="0"/>
+          </a:fillRef>
+          <a:effectRef idx="0">
+            <a:scrgbClr r="0" g="0" b="0"/>
+          </a:effectRef>
+          <a:fontRef idx="minor"/>
+        </p:style>
+        <p:txBody>
+          <a:bodyPr lIns="90000" tIns="45000" rIns="90000" bIns="45000">
+            <a:spAutoFit/>
+          </a:bodyPr>
+          <a:lstStyle/>
+          <a:p>
+            <a:pPr algn="just"/>
+            <a:r>
+              <a:rPr lang="en-US" sz="2000" dirty="0">
+                <a:solidFill>
+                  <a:srgbClr val="2D3748"/>
+                </a:solidFill>
+                <a:latin typeface="Nunito Sans"/>
+              </a:rPr>
+              <a:t>TODO</a:t>
+            </a:r>
+            <a:endParaRPr lang="en-IN" sz="2000" dirty="0">
+              <a:solidFill>
+                <a:srgbClr val="2D3748"/>
+              </a:solidFill>
+              <a:latin typeface="Nunito Sans"/>
+            </a:endParaRPr>
+          </a:p>
+        </p:txBody>
+      </p:sp>
+      <p:sp>
+        <p:nvSpPr>
+          <p:cNvPr id="103" name="CustomShape 4"/>
+          <p:cNvSpPr/>
+          <p:nvPr/>
+        </p:nvSpPr>
+        <p:spPr>
+          <a:xfrm>
+            <a:off x="243604" y="5696497"/>
+            <a:ext cx="11693880" cy="737210"/>
+          </a:xfrm>
+          <a:prstGeom prst="rect">
+            <a:avLst/>
+          </a:prstGeom>
+          <a:noFill/>
+          <a:ln>
+            <a:noFill/>
+          </a:ln>
+        </p:spPr>
+        <p:style>
+          <a:lnRef idx="0">
+            <a:scrgbClr r="0" g="0" b="0"/>
+          </a:lnRef>
+          <a:fillRef idx="0">
+            <a:scrgbClr r="0" g="0" b="0"/>
+          </a:fillRef>
+          <a:effectRef idx="0">
+            <a:scrgbClr r="0" g="0" b="0"/>
+          </a:effectRef>
+          <a:fontRef idx="minor"/>
+        </p:style>
+        <p:txBody>
+          <a:bodyPr lIns="90000" tIns="45000" rIns="90000" bIns="45000">
+            <a:spAutoFit/>
+          </a:bodyPr>
+          <a:lstStyle/>
+          <a:p>
+            <a:pPr>
+              <a:lnSpc>
+                <a:spcPct val="100000"/>
+              </a:lnSpc>
+            </a:pPr>
+            <a:r>
+              <a:rPr lang="en-IN" sz="2000" b="1" strike="noStrike" spc="-1" dirty="0">
+                <a:solidFill>
+                  <a:srgbClr val="C00000"/>
+                </a:solidFill>
+                <a:latin typeface="Arial" panose="020B0604020202020204" pitchFamily="34" charset="0"/>
+                <a:ea typeface="Open Sans"/>
+                <a:cs typeface="Arial" panose="020B0604020202020204" pitchFamily="34" charset="0"/>
+              </a:rPr>
+              <a:t>Note:</a:t>
+            </a:r>
+            <a:endParaRPr lang="en-IN" sz="2000" b="0" strike="noStrike" spc="-1" dirty="0">
+              <a:latin typeface="Arial" panose="020B0604020202020204" pitchFamily="34" charset="0"/>
+              <a:cs typeface="Arial" panose="020B0604020202020204" pitchFamily="34" charset="0"/>
+            </a:endParaRPr>
+          </a:p>
+          <a:p>
+            <a:pPr>
+              <a:lnSpc>
+                <a:spcPct val="100000"/>
+              </a:lnSpc>
+            </a:pPr>
+            <a:r>
+              <a:rPr lang="en-IN" sz="400" b="0" strike="noStrike" spc="-1" dirty="0">
+                <a:solidFill>
+                  <a:srgbClr val="000000"/>
+                </a:solidFill>
+                <a:latin typeface="Arial" panose="020B0604020202020204" pitchFamily="34" charset="0"/>
+                <a:ea typeface="DejaVu Sans"/>
+                <a:cs typeface="Arial" panose="020B0604020202020204" pitchFamily="34" charset="0"/>
+              </a:rPr>
+              <a:t> </a:t>
+            </a:r>
+            <a:endParaRPr lang="en-IN" sz="400" b="0" strike="noStrike" spc="-1" dirty="0">
+              <a:latin typeface="Arial" panose="020B0604020202020204" pitchFamily="34" charset="0"/>
+              <a:cs typeface="Arial" panose="020B0604020202020204" pitchFamily="34" charset="0"/>
+            </a:endParaRPr>
+          </a:p>
+          <a:p>
+            <a:pPr marL="285840" indent="-262080">
+              <a:buClr>
+                <a:srgbClr val="000000"/>
+              </a:buClr>
+              <a:buFont typeface="Arial"/>
+              <a:buChar char="•"/>
+            </a:pPr>
+            <a:r>
+              <a:rPr lang="en-US" b="0" i="0" dirty="0">
+                <a:solidFill>
+                  <a:srgbClr val="333333"/>
+                </a:solidFill>
+                <a:effectLst/>
+                <a:latin typeface="Arial" panose="020B0604020202020204" pitchFamily="34" charset="0"/>
+              </a:rPr>
+              <a:t>TODO</a:t>
+            </a:r>
+            <a:endParaRPr lang="en-IN" sz="1800" strike="noStrike" spc="-1" dirty="0">
+              <a:solidFill>
+                <a:schemeClr val="tx1">
+                  <a:lumMod val="85000"/>
+                  <a:lumOff val="15000"/>
+                </a:schemeClr>
+              </a:solidFill>
+              <a:latin typeface="Arial" panose="020B0604020202020204" pitchFamily="34" charset="0"/>
+              <a:cs typeface="Arial" panose="020B0604020202020204" pitchFamily="34" charset="0"/>
+            </a:endParaRPr>
+          </a:p>
+        </p:txBody>
+      </p:sp>
+      <p:sp>
+        <p:nvSpPr>
+          <p:cNvPr id="105" name="CustomShape 6"/>
+          <p:cNvSpPr/>
+          <p:nvPr/>
+        </p:nvSpPr>
+        <p:spPr>
+          <a:xfrm>
+            <a:off x="246600" y="0"/>
+            <a:ext cx="11693880" cy="706432"/>
+          </a:xfrm>
+          <a:prstGeom prst="rect">
+            <a:avLst/>
+          </a:prstGeom>
+          <a:solidFill>
+            <a:schemeClr val="accent6">
+              <a:lumMod val="75000"/>
+            </a:schemeClr>
+          </a:solidFill>
+          <a:ln>
+            <a:noFill/>
+          </a:ln>
+        </p:spPr>
+        <p:style>
+          <a:lnRef idx="0">
+            <a:scrgbClr r="0" g="0" b="0"/>
+          </a:lnRef>
+          <a:fillRef idx="0">
+            <a:scrgbClr r="0" g="0" b="0"/>
+          </a:fillRef>
+          <a:effectRef idx="0">
+            <a:scrgbClr r="0" g="0" b="0"/>
+          </a:effectRef>
+          <a:fontRef idx="minor"/>
+        </p:style>
+        <p:txBody>
+          <a:bodyPr lIns="90000" tIns="45000" rIns="90000" bIns="45000">
+            <a:spAutoFit/>
+          </a:bodyPr>
+          <a:lstStyle/>
+          <a:p>
+            <a:pPr algn="r"/>
+            <a:r>
+              <a:rPr lang="en-IN" sz="4000" b="0" strike="noStrike" spc="-1" dirty="0">
+                <a:solidFill>
+                  <a:schemeClr val="accent6">
+                    <a:lumMod val="60000"/>
+                    <a:lumOff val="40000"/>
+                  </a:schemeClr>
+                </a:solidFill>
+                <a:latin typeface="Nunito Sans"/>
+                <a:ea typeface="DejaVu Sans"/>
+              </a:rPr>
+              <a:t>match(n) with property</a:t>
+            </a:r>
+            <a:endParaRPr lang="en-IN" sz="4000" b="0" strike="noStrike" spc="-1" dirty="0">
+              <a:solidFill>
+                <a:schemeClr val="accent6">
+                  <a:lumMod val="60000"/>
+                  <a:lumOff val="40000"/>
+                </a:schemeClr>
+              </a:solidFill>
+              <a:latin typeface="Nunito Sans"/>
+            </a:endParaRPr>
+          </a:p>
+        </p:txBody>
+      </p:sp>
+      <p:sp>
+        <p:nvSpPr>
+          <p:cNvPr id="108" name="Line 9"/>
+          <p:cNvSpPr/>
+          <p:nvPr/>
+        </p:nvSpPr>
+        <p:spPr>
+          <a:xfrm>
+            <a:off x="0" y="1536120"/>
+            <a:ext cx="12191760" cy="0"/>
+          </a:xfrm>
+          <a:prstGeom prst="line">
+            <a:avLst/>
+          </a:prstGeom>
+          <a:ln w="12600">
+            <a:solidFill>
+              <a:srgbClr val="6E78A0"/>
+            </a:solidFill>
+            <a:prstDash val="dash"/>
+            <a:round/>
+          </a:ln>
+        </p:spPr>
+        <p:style>
+          <a:lnRef idx="1">
+            <a:schemeClr val="accent1"/>
+          </a:lnRef>
+          <a:fillRef idx="0">
+            <a:schemeClr val="accent1"/>
+          </a:fillRef>
+          <a:effectRef idx="0">
+            <a:schemeClr val="accent1"/>
+          </a:effectRef>
+          <a:fontRef idx="minor"/>
+        </p:style>
+      </p:sp>
+      <p:sp>
+        <p:nvSpPr>
+          <p:cNvPr id="15" name="TextBox 14">
+            <a:extLst>
+              <a:ext uri="{FF2B5EF4-FFF2-40B4-BE49-F238E27FC236}">
+                <a16:creationId xmlns:a16="http://schemas.microsoft.com/office/drawing/2014/main" id="{187A7629-BDF9-4DE3-B954-5B2AC8376F52}"/>
+              </a:ext>
+            </a:extLst>
+          </p:cNvPr>
+          <p:cNvSpPr txBox="1"/>
+          <p:nvPr/>
+        </p:nvSpPr>
+        <p:spPr>
+          <a:xfrm>
+            <a:off x="243604" y="2134800"/>
+            <a:ext cx="11693880" cy="1169551"/>
+          </a:xfrm>
+          <a:prstGeom prst="rect">
+            <a:avLst/>
+          </a:prstGeom>
+          <a:noFill/>
+        </p:spPr>
+        <p:txBody>
+          <a:bodyPr wrap="square">
+            <a:spAutoFit/>
+          </a:bodyPr>
+          <a:lstStyle/>
+          <a:p>
+            <a:pPr marL="285750" indent="-285750">
+              <a:buFont typeface="Arial" panose="020B0604020202020204" pitchFamily="34" charset="0"/>
+              <a:buChar char="•"/>
+            </a:pPr>
+            <a:r>
+              <a:rPr lang="en-IN" dirty="0">
+                <a:solidFill>
+                  <a:schemeClr val="tx1">
+                    <a:lumMod val="50000"/>
+                    <a:lumOff val="50000"/>
+                  </a:schemeClr>
+                </a:solidFill>
+                <a:latin typeface="Gill Sans MT (Body)"/>
+              </a:rPr>
+              <a:t>neo4j$ </a:t>
+            </a:r>
+            <a:r>
+              <a:rPr lang="en-US" dirty="0">
+                <a:solidFill>
+                  <a:srgbClr val="859900"/>
+                </a:solidFill>
+                <a:effectLst/>
+              </a:rPr>
+              <a:t>match</a:t>
+            </a:r>
+            <a:r>
+              <a:rPr lang="en-US" dirty="0">
+                <a:solidFill>
+                  <a:srgbClr val="586E75"/>
+                </a:solidFill>
+                <a:effectLst/>
+              </a:rPr>
+              <a:t>(</a:t>
+            </a:r>
+            <a:r>
+              <a:rPr lang="en-US" dirty="0">
+                <a:solidFill>
+                  <a:srgbClr val="333333"/>
+                </a:solidFill>
+                <a:effectLst/>
+              </a:rPr>
+              <a:t>n</a:t>
+            </a:r>
+            <a:r>
+              <a:rPr lang="en-US" dirty="0">
+                <a:solidFill>
+                  <a:srgbClr val="586E75"/>
+                </a:solidFill>
+                <a:effectLst/>
+              </a:rPr>
+              <a:t>)</a:t>
+            </a:r>
+            <a:r>
+              <a:rPr lang="en-US" dirty="0">
+                <a:solidFill>
+                  <a:srgbClr val="333333"/>
+                </a:solidFill>
+                <a:effectLst/>
+              </a:rPr>
+              <a:t> </a:t>
+            </a:r>
+            <a:r>
+              <a:rPr lang="en-US" dirty="0">
+                <a:solidFill>
+                  <a:srgbClr val="859900"/>
+                </a:solidFill>
+                <a:effectLst/>
+              </a:rPr>
+              <a:t>where</a:t>
+            </a:r>
+            <a:r>
+              <a:rPr lang="en-US" dirty="0">
+                <a:solidFill>
+                  <a:srgbClr val="333333"/>
+                </a:solidFill>
+                <a:effectLst/>
+              </a:rPr>
+              <a:t> n</a:t>
+            </a:r>
+            <a:r>
+              <a:rPr lang="en-US" dirty="0">
+                <a:solidFill>
+                  <a:srgbClr val="586E75"/>
+                </a:solidFill>
+                <a:effectLst/>
+              </a:rPr>
+              <a:t>.</a:t>
+            </a:r>
+            <a:r>
+              <a:rPr lang="en-US" dirty="0">
+                <a:solidFill>
+                  <a:srgbClr val="333333"/>
+                </a:solidFill>
+                <a:effectLst/>
+              </a:rPr>
+              <a:t>name </a:t>
+            </a:r>
+            <a:r>
+              <a:rPr lang="en-US" dirty="0">
+                <a:solidFill>
+                  <a:srgbClr val="586E75"/>
+                </a:solidFill>
+                <a:effectLst/>
+              </a:rPr>
+              <a:t>=</a:t>
+            </a:r>
+            <a:r>
+              <a:rPr lang="en-US" dirty="0">
+                <a:solidFill>
+                  <a:srgbClr val="B58900"/>
+                </a:solidFill>
+                <a:effectLst/>
+              </a:rPr>
+              <a:t>'ruhan'</a:t>
+            </a:r>
+            <a:r>
+              <a:rPr lang="en-US" dirty="0">
+                <a:solidFill>
+                  <a:srgbClr val="333333"/>
+                </a:solidFill>
+                <a:effectLst/>
+              </a:rPr>
+              <a:t> </a:t>
+            </a:r>
+            <a:r>
+              <a:rPr lang="en-US" dirty="0">
+                <a:solidFill>
+                  <a:srgbClr val="859900"/>
+                </a:solidFill>
+                <a:effectLst/>
+              </a:rPr>
+              <a:t>return</a:t>
+            </a:r>
+            <a:r>
+              <a:rPr lang="en-US" dirty="0">
+                <a:solidFill>
+                  <a:srgbClr val="333333"/>
+                </a:solidFill>
+                <a:effectLst/>
+              </a:rPr>
+              <a:t> n</a:t>
+            </a:r>
+          </a:p>
+          <a:p>
+            <a:pPr marL="285750" indent="-285750">
+              <a:buFont typeface="Arial" panose="020B0604020202020204" pitchFamily="34" charset="0"/>
+              <a:buChar char="•"/>
+            </a:pPr>
+            <a:endParaRPr lang="en-US" sz="800" dirty="0">
+              <a:solidFill>
+                <a:srgbClr val="000000"/>
+              </a:solidFill>
+              <a:effectLst/>
+            </a:endParaRPr>
+          </a:p>
+          <a:p>
+            <a:pPr marL="285750" indent="-285750">
+              <a:buFont typeface="Arial" panose="020B0604020202020204" pitchFamily="34" charset="0"/>
+              <a:buChar char="•"/>
+            </a:pPr>
+            <a:r>
+              <a:rPr lang="en-IN" dirty="0">
+                <a:solidFill>
+                  <a:schemeClr val="tx1">
+                    <a:lumMod val="50000"/>
+                    <a:lumOff val="50000"/>
+                  </a:schemeClr>
+                </a:solidFill>
+                <a:latin typeface="Gill Sans MT (Body)"/>
+              </a:rPr>
+              <a:t>neo4j$ </a:t>
+            </a:r>
+            <a:r>
+              <a:rPr lang="en-US" dirty="0">
+                <a:solidFill>
+                  <a:srgbClr val="859900"/>
+                </a:solidFill>
+                <a:effectLst/>
+              </a:rPr>
+              <a:t>match</a:t>
+            </a:r>
+            <a:r>
+              <a:rPr lang="en-US" dirty="0">
+                <a:solidFill>
+                  <a:srgbClr val="586E75"/>
+                </a:solidFill>
+                <a:effectLst/>
+              </a:rPr>
+              <a:t>(</a:t>
+            </a:r>
+            <a:r>
+              <a:rPr lang="en-US" dirty="0">
+                <a:solidFill>
+                  <a:srgbClr val="333333"/>
+                </a:solidFill>
+                <a:effectLst/>
+              </a:rPr>
+              <a:t>n</a:t>
+            </a:r>
+            <a:r>
+              <a:rPr lang="en-US" dirty="0">
+                <a:solidFill>
+                  <a:srgbClr val="586E75"/>
+                </a:solidFill>
+                <a:effectLst/>
+              </a:rPr>
+              <a:t>{</a:t>
+            </a:r>
+            <a:r>
+              <a:rPr lang="en-US" dirty="0">
+                <a:solidFill>
+                  <a:srgbClr val="333333"/>
+                </a:solidFill>
+                <a:effectLst/>
+              </a:rPr>
+              <a:t>name</a:t>
+            </a:r>
+            <a:r>
+              <a:rPr lang="en-US" dirty="0">
+                <a:solidFill>
+                  <a:srgbClr val="586E75"/>
+                </a:solidFill>
+                <a:effectLst/>
+              </a:rPr>
+              <a:t>:</a:t>
+            </a:r>
+            <a:r>
+              <a:rPr lang="en-US" dirty="0">
+                <a:solidFill>
+                  <a:srgbClr val="B58900"/>
+                </a:solidFill>
+                <a:effectLst/>
+              </a:rPr>
+              <a:t>'ruhan'</a:t>
+            </a:r>
+            <a:r>
+              <a:rPr lang="en-US" dirty="0">
+                <a:solidFill>
+                  <a:srgbClr val="586E75"/>
+                </a:solidFill>
+                <a:effectLst/>
+              </a:rPr>
+              <a:t>})</a:t>
+            </a:r>
+            <a:r>
+              <a:rPr lang="en-US" dirty="0">
+                <a:solidFill>
+                  <a:srgbClr val="333333"/>
+                </a:solidFill>
+                <a:effectLst/>
+              </a:rPr>
+              <a:t> </a:t>
+            </a:r>
+            <a:r>
+              <a:rPr lang="en-US" dirty="0">
+                <a:solidFill>
+                  <a:srgbClr val="859900"/>
+                </a:solidFill>
+                <a:effectLst/>
+              </a:rPr>
+              <a:t>return</a:t>
+            </a:r>
+            <a:r>
+              <a:rPr lang="en-US" dirty="0">
+                <a:solidFill>
+                  <a:srgbClr val="333333"/>
+                </a:solidFill>
+                <a:effectLst/>
+              </a:rPr>
+              <a:t> n</a:t>
+            </a:r>
+          </a:p>
+          <a:p>
+            <a:pPr marL="285750" indent="-285750">
+              <a:buFont typeface="Arial" panose="020B0604020202020204" pitchFamily="34" charset="0"/>
+              <a:buChar char="•"/>
+            </a:pPr>
+            <a:endParaRPr lang="en-US" sz="800" dirty="0">
+              <a:solidFill>
+                <a:srgbClr val="333333"/>
+              </a:solidFill>
+            </a:endParaRPr>
+          </a:p>
+          <a:p>
+            <a:pPr marL="285750" indent="-285750">
+              <a:buFont typeface="Arial" panose="020B0604020202020204" pitchFamily="34" charset="0"/>
+              <a:buChar char="•"/>
+            </a:pPr>
+            <a:r>
+              <a:rPr lang="en-IN" dirty="0">
+                <a:solidFill>
+                  <a:schemeClr val="tx1">
+                    <a:lumMod val="50000"/>
+                    <a:lumOff val="50000"/>
+                  </a:schemeClr>
+                </a:solidFill>
+                <a:latin typeface="Gill Sans MT (Body)"/>
+              </a:rPr>
+              <a:t>neo4j$ </a:t>
+            </a:r>
+            <a:r>
+              <a:rPr lang="en-US" dirty="0">
+                <a:solidFill>
+                  <a:srgbClr val="859900"/>
+                </a:solidFill>
+                <a:effectLst/>
+              </a:rPr>
+              <a:t>match</a:t>
+            </a:r>
+            <a:r>
+              <a:rPr lang="en-US" dirty="0">
+                <a:solidFill>
+                  <a:srgbClr val="586E75"/>
+                </a:solidFill>
+                <a:effectLst/>
+              </a:rPr>
+              <a:t>(</a:t>
+            </a:r>
+            <a:r>
+              <a:rPr lang="en-US" dirty="0">
+                <a:solidFill>
+                  <a:srgbClr val="333333"/>
+                </a:solidFill>
+                <a:effectLst/>
+              </a:rPr>
+              <a:t>n</a:t>
+            </a:r>
+            <a:r>
+              <a:rPr lang="en-US" dirty="0">
+                <a:solidFill>
+                  <a:srgbClr val="586E75"/>
+                </a:solidFill>
+                <a:effectLst/>
+              </a:rPr>
+              <a:t>{</a:t>
+            </a:r>
+            <a:r>
+              <a:rPr lang="en-US" dirty="0">
+                <a:solidFill>
+                  <a:srgbClr val="333333"/>
+                </a:solidFill>
+                <a:effectLst/>
+              </a:rPr>
+              <a:t>name</a:t>
+            </a:r>
+            <a:r>
+              <a:rPr lang="en-US" dirty="0">
+                <a:solidFill>
+                  <a:srgbClr val="586E75"/>
+                </a:solidFill>
+                <a:effectLst/>
+              </a:rPr>
+              <a:t>:</a:t>
+            </a:r>
+            <a:r>
+              <a:rPr lang="en-US" dirty="0">
+                <a:solidFill>
+                  <a:srgbClr val="B58900"/>
+                </a:solidFill>
+                <a:effectLst/>
+              </a:rPr>
+              <a:t>'ruhan'</a:t>
+            </a:r>
+            <a:r>
+              <a:rPr lang="en-US" dirty="0">
+                <a:solidFill>
+                  <a:srgbClr val="586E75"/>
+                </a:solidFill>
+                <a:effectLst/>
+              </a:rPr>
+              <a:t>,</a:t>
+            </a:r>
+            <a:r>
+              <a:rPr lang="en-US" dirty="0">
+                <a:solidFill>
+                  <a:srgbClr val="333333"/>
+                </a:solidFill>
+                <a:effectLst/>
+              </a:rPr>
+              <a:t> Salary</a:t>
+            </a:r>
+            <a:r>
+              <a:rPr lang="en-US" dirty="0">
+                <a:solidFill>
+                  <a:srgbClr val="586E75"/>
+                </a:solidFill>
+                <a:effectLst/>
+              </a:rPr>
+              <a:t>:</a:t>
+            </a:r>
+            <a:r>
+              <a:rPr lang="en-US" dirty="0">
+                <a:solidFill>
+                  <a:srgbClr val="2AA198"/>
+                </a:solidFill>
+                <a:effectLst/>
+              </a:rPr>
+              <a:t>32000</a:t>
+            </a:r>
+            <a:r>
+              <a:rPr lang="en-US" dirty="0">
+                <a:solidFill>
+                  <a:srgbClr val="586E75"/>
+                </a:solidFill>
+                <a:effectLst/>
+              </a:rPr>
+              <a:t>})</a:t>
+            </a:r>
+            <a:r>
+              <a:rPr lang="en-US" dirty="0">
+                <a:solidFill>
+                  <a:srgbClr val="333333"/>
+                </a:solidFill>
+                <a:effectLst/>
+              </a:rPr>
+              <a:t> </a:t>
+            </a:r>
+            <a:r>
+              <a:rPr lang="en-US" dirty="0">
+                <a:solidFill>
+                  <a:srgbClr val="859900"/>
+                </a:solidFill>
+                <a:effectLst/>
+              </a:rPr>
+              <a:t>return</a:t>
+            </a:r>
+            <a:r>
+              <a:rPr lang="en-US" dirty="0">
+                <a:solidFill>
+                  <a:srgbClr val="333333"/>
+                </a:solidFill>
+                <a:effectLst/>
+              </a:rPr>
+              <a:t> n</a:t>
+            </a:r>
+            <a:endParaRPr lang="en-US" dirty="0">
+              <a:solidFill>
+                <a:srgbClr val="000000"/>
+              </a:solidFill>
+              <a:effectLst/>
+            </a:endParaRPr>
+          </a:p>
+        </p:txBody>
+      </p:sp>
+      <p:sp>
+        <p:nvSpPr>
+          <p:cNvPr id="8" name="TextBox 7">
+            <a:extLst>
+              <a:ext uri="{FF2B5EF4-FFF2-40B4-BE49-F238E27FC236}">
+                <a16:creationId xmlns:a16="http://schemas.microsoft.com/office/drawing/2014/main" id="{72B820CF-BEA7-4D4A-AFED-DF40DBE58E36}"/>
+              </a:ext>
+            </a:extLst>
+          </p:cNvPr>
+          <p:cNvSpPr txBox="1"/>
+          <p:nvPr/>
+        </p:nvSpPr>
+        <p:spPr>
+          <a:xfrm>
+            <a:off x="246600" y="1686842"/>
+            <a:ext cx="11693880" cy="369332"/>
+          </a:xfrm>
+          <a:prstGeom prst="rect">
+            <a:avLst/>
+          </a:prstGeom>
+          <a:noFill/>
+        </p:spPr>
+        <p:txBody>
+          <a:bodyPr wrap="square">
+            <a:spAutoFit/>
+          </a:bodyPr>
+          <a:lstStyle/>
+          <a:p>
+            <a:r>
+              <a:rPr lang="pt-BR" spc="-1" dirty="0">
+                <a:solidFill>
+                  <a:srgbClr val="0070C0"/>
+                </a:solidFill>
+                <a:latin typeface="Consolas" panose="020B0609020204030204" pitchFamily="49" charset="0"/>
+                <a:cs typeface="Arial" panose="020B0604020202020204" pitchFamily="34" charset="0"/>
+              </a:rPr>
+              <a:t>MATCH(n</a:t>
+            </a:r>
+            <a:r>
+              <a:rPr lang="en-IN" spc="-1" dirty="0">
+                <a:solidFill>
+                  <a:srgbClr val="0070C0"/>
+                </a:solidFill>
+                <a:latin typeface="Consolas" panose="020B0609020204030204" pitchFamily="49" charset="0"/>
+                <a:cs typeface="Arial" panose="020B0604020202020204" pitchFamily="34" charset="0"/>
+              </a:rPr>
+              <a:t>:label_name </a:t>
+            </a:r>
+            <a:r>
+              <a:rPr lang="pt-BR" spc="-1" dirty="0">
+                <a:solidFill>
+                  <a:srgbClr val="0070C0"/>
+                </a:solidFill>
+                <a:latin typeface="Consolas" panose="020B0609020204030204" pitchFamily="49" charset="0"/>
+                <a:cs typeface="Arial" panose="020B0604020202020204" pitchFamily="34" charset="0"/>
+              </a:rPr>
+              <a:t>{ </a:t>
+            </a:r>
+            <a:r>
+              <a:rPr lang="en-IN" spc="-1" dirty="0">
+                <a:solidFill>
+                  <a:srgbClr val="0070C0"/>
+                </a:solidFill>
+                <a:latin typeface="Consolas" panose="020B0609020204030204" pitchFamily="49" charset="0"/>
+                <a:cs typeface="Arial" panose="020B0604020202020204" pitchFamily="34" charset="0"/>
+              </a:rPr>
+              <a:t>key1: value, key2: value, ... </a:t>
+            </a:r>
+            <a:r>
+              <a:rPr lang="pt-BR" spc="-1" dirty="0">
+                <a:solidFill>
+                  <a:srgbClr val="0070C0"/>
+                </a:solidFill>
+                <a:latin typeface="Consolas" panose="020B0609020204030204" pitchFamily="49" charset="0"/>
+                <a:cs typeface="Arial" panose="020B0604020202020204" pitchFamily="34" charset="0"/>
+              </a:rPr>
+              <a:t>}) RETURN n </a:t>
+            </a:r>
+            <a:endParaRPr lang="en-IN" spc="-1" dirty="0">
+              <a:solidFill>
+                <a:srgbClr val="0070C0"/>
+              </a:solidFill>
+              <a:latin typeface="Consolas" panose="020B0609020204030204" pitchFamily="49" charset="0"/>
+              <a:cs typeface="Arial" panose="020B0604020202020204" pitchFamily="34" charset="0"/>
+            </a:endParaRPr>
+          </a:p>
+        </p:txBody>
+      </p:sp>
+    </p:spTree>
+    <p:extLst>
+      <p:ext uri="{BB962C8B-B14F-4D97-AF65-F5344CB8AC3E}">
+        <p14:creationId xmlns:p14="http://schemas.microsoft.com/office/powerpoint/2010/main" val="3949832393"/>
       </p:ext>
     </p:extLst>
   </p:cSld>
@@ -12149,73 +11531,6 @@
               </a:solidFill>
               <a:latin typeface="Arial" panose="020B0604020202020204" pitchFamily="34" charset="0"/>
               <a:cs typeface="Arial" panose="020B0604020202020204" pitchFamily="34" charset="0"/>
-            </a:endParaRPr>
-          </a:p>
-        </p:txBody>
-      </p:sp>
-      <p:sp>
-        <p:nvSpPr>
-          <p:cNvPr id="105" name="CustomShape 6"/>
-          <p:cNvSpPr/>
-          <p:nvPr/>
-        </p:nvSpPr>
-        <p:spPr>
-          <a:xfrm>
-            <a:off x="246600" y="0"/>
-            <a:ext cx="11693880" cy="706432"/>
-          </a:xfrm>
-          <a:prstGeom prst="rect">
-            <a:avLst/>
-          </a:prstGeom>
-          <a:solidFill>
-            <a:schemeClr val="accent6">
-              <a:lumMod val="75000"/>
-            </a:schemeClr>
-          </a:solidFill>
-          <a:ln>
-            <a:noFill/>
-          </a:ln>
-        </p:spPr>
-        <p:style>
-          <a:lnRef idx="0">
-            <a:scrgbClr r="0" g="0" b="0"/>
-          </a:lnRef>
-          <a:fillRef idx="0">
-            <a:scrgbClr r="0" g="0" b="0"/>
-          </a:fillRef>
-          <a:effectRef idx="0">
-            <a:scrgbClr r="0" g="0" b="0"/>
-          </a:effectRef>
-          <a:fontRef idx="minor"/>
-        </p:style>
-        <p:txBody>
-          <a:bodyPr lIns="90000" tIns="45000" rIns="90000" bIns="45000">
-            <a:spAutoFit/>
-          </a:bodyPr>
-          <a:lstStyle/>
-          <a:p>
-            <a:pPr algn="r"/>
-            <a:r>
-              <a:rPr lang="en-IN" sz="4000" b="0" strike="noStrike" spc="-1" dirty="0">
-                <a:solidFill>
-                  <a:schemeClr val="accent6">
-                    <a:lumMod val="60000"/>
-                    <a:lumOff val="40000"/>
-                  </a:schemeClr>
-                </a:solidFill>
-                <a:latin typeface="Nunito Sans"/>
-                <a:ea typeface="DejaVu Sans"/>
-              </a:rPr>
-              <a:t>match(n) with property</a:t>
-            </a:r>
-            <a:endParaRPr lang="en-IN" sz="4000" b="0" strike="noStrike" spc="-1" dirty="0">
-              <a:solidFill>
-                <a:schemeClr val="accent6">
-                  <a:lumMod val="60000"/>
-                  <a:lumOff val="40000"/>
-                </a:schemeClr>
-              </a:solidFill>
-              <a:latin typeface="Nunito Sans"/>
             </a:endParaRPr>
           </a:p>
         </p:txBody>
@@ -12311,7 +11626,7 @@
         <p:spPr>
           <a:xfrm>
             <a:off x="243604" y="2134800"/>
-            <a:ext cx="11693880" cy="1169551"/>
+            <a:ext cx="11693880" cy="2769989"/>
           </a:xfrm>
           <a:prstGeom prst="rect">
             <a:avLst/>
@@ -12374,6 +11689,24 @@
                 </a:solidFill>
                 <a:effectLst/>
               </a:rPr>
+              <a:t>:</a:t>
+            </a:r>
+            <a:r>
+              <a:rPr lang="en-US" dirty="0">
+                <a:solidFill>
+                  <a:srgbClr val="333333"/>
+                </a:solidFill>
+                <a:effectLst/>
+              </a:rPr>
+              <a:t>book</a:t>
+            </a:r>
+            <a:r>
+              <a:rPr lang="en-US" dirty="0">
+                <a:solidFill>
+                  <a:srgbClr val="586E75"/>
+                </a:solidFill>
+                <a:effectLst/>
+              </a:rPr>
               <a:t>)</a:t>
             </a:r>
             <a:r>
@@ -12392,7 +11725,7 @@
                 </a:solidFill>
                 <a:effectLst/>
               </a:rPr>
-              <a:t>where</a:t>
+              <a:t>return</a:t>
             </a:r>
             <a:r>
               <a:rPr lang="en-US" dirty="0">
@@ -12424,20 +11757,166 @@
             <a:r>
               <a:rPr lang="en-US" dirty="0">
                 <a:solidFill>
-                  <a:srgbClr val="586E75"/>
-                </a:solidFill>
-                <a:effectLst/>
-              </a:rPr>
-              <a:t>=</a:t>
-            </a:r>
-            <a:r>
-              <a:rPr lang="en-US" dirty="0">
-                <a:solidFill>
-                  <a:srgbClr val="B58900"/>
-                </a:solidFill>
-                <a:effectLst/>
-              </a:rPr>
-              <a:t>'ruhan'</a:t>
+                  <a:srgbClr val="859900"/>
+                </a:solidFill>
+                <a:effectLst/>
+              </a:rPr>
+              <a:t>as</a:t>
+            </a:r>
+            <a:r>
+              <a:rPr lang="en-US" dirty="0">
+                <a:solidFill>
+                  <a:srgbClr val="333333"/>
+                </a:solidFill>
+                <a:effectLst/>
+              </a:rPr>
+              <a:t> `Book Names`</a:t>
+            </a:r>
+            <a:r>
+              <a:rPr lang="en-US" dirty="0">
+                <a:solidFill>
+                  <a:srgbClr val="586E75"/>
+                </a:solidFill>
+                <a:effectLst/>
+              </a:rPr>
+              <a:t>,</a:t>
+            </a:r>
+            <a:r>
+              <a:rPr lang="en-US" dirty="0">
+                <a:solidFill>
+                  <a:srgbClr val="333333"/>
+                </a:solidFill>
+                <a:effectLst/>
+              </a:rPr>
+              <a:t> n</a:t>
+            </a:r>
+            <a:r>
+              <a:rPr lang="en-US" dirty="0">
+                <a:solidFill>
+                  <a:srgbClr val="586E75"/>
+                </a:solidFill>
+                <a:effectLst/>
+              </a:rPr>
+              <a:t>.</a:t>
+            </a:r>
+            <a:r>
+              <a:rPr lang="en-US" dirty="0">
+                <a:solidFill>
+                  <a:srgbClr val="333333"/>
+                </a:solidFill>
+                <a:effectLst/>
+              </a:rPr>
+              <a:t>price  </a:t>
+            </a:r>
+            <a:r>
+              <a:rPr lang="en-US" dirty="0">
+                <a:solidFill>
+                  <a:srgbClr val="859900"/>
+                </a:solidFill>
+                <a:effectLst/>
+              </a:rPr>
+              <a:t>as</a:t>
+            </a:r>
+            <a:r>
+              <a:rPr lang="en-US" dirty="0">
+                <a:solidFill>
+                  <a:srgbClr val="333333"/>
+                </a:solidFill>
+                <a:effectLst/>
+              </a:rPr>
+              <a:t> `Price`</a:t>
+            </a:r>
+            <a:endParaRPr lang="en-US" dirty="0">
+              <a:solidFill>
+                <a:srgbClr val="000000"/>
+              </a:solidFill>
+              <a:effectLst/>
+            </a:endParaRPr>
+          </a:p>
+          <a:p>
+            <a:pPr marL="285750" indent="-285750">
+              <a:buFont typeface="Arial" panose="020B0604020202020204" pitchFamily="34" charset="0"/>
+              <a:buChar char="•"/>
+            </a:pPr>
+            <a:endParaRPr lang="en-IN" sz="800" dirty="0">
+              <a:solidFill>
+                <a:schemeClr val="accent6">
+                  <a:lumMod val="50000"/>
+                </a:schemeClr>
+              </a:solidFill>
+              <a:latin typeface="Gill Sans MT (Body)"/>
+            </a:endParaRPr>
+          </a:p>
+          <a:p>
+            <a:pPr marL="285750" indent="-285750">
+              <a:buFont typeface="Arial" panose="020B0604020202020204" pitchFamily="34" charset="0"/>
+              <a:buChar char="•"/>
+            </a:pPr>
+            <a:r>
+              <a:rPr lang="en-IN" dirty="0">
+                <a:solidFill>
+                  <a:schemeClr val="tx1">
+                    <a:lumMod val="50000"/>
+                    <a:lumOff val="50000"/>
+                  </a:schemeClr>
+                </a:solidFill>
+                <a:latin typeface="Gill Sans MT (Body)"/>
+              </a:rPr>
+              <a:t>neo4j$ </a:t>
+            </a:r>
+            <a:r>
+              <a:rPr lang="en-US" dirty="0">
+                <a:solidFill>
+                  <a:srgbClr val="859900"/>
+                </a:solidFill>
+                <a:effectLst/>
+              </a:rPr>
+              <a:t>match</a:t>
+            </a:r>
+            <a:r>
+              <a:rPr lang="en-US" dirty="0">
+                <a:solidFill>
+                  <a:srgbClr val="586E75"/>
+                </a:solidFill>
+                <a:effectLst/>
+              </a:rPr>
+              <a:t>(</a:t>
+            </a:r>
+            <a:r>
+              <a:rPr lang="en-US" dirty="0">
+                <a:solidFill>
+                  <a:srgbClr val="333333"/>
+                </a:solidFill>
+                <a:effectLst/>
+              </a:rPr>
+              <a:t>n</a:t>
+            </a:r>
+            <a:r>
+              <a:rPr lang="en-US" dirty="0">
+                <a:solidFill>
+                  <a:srgbClr val="586E75"/>
+                </a:solidFill>
+                <a:effectLst/>
+              </a:rPr>
+              <a:t>:</a:t>
+            </a:r>
+            <a:r>
+              <a:rPr lang="en-US" dirty="0">
+                <a:solidFill>
+                  <a:srgbClr val="333333"/>
+                </a:solidFill>
+                <a:effectLst/>
+              </a:rPr>
+              <a:t>book</a:t>
+            </a:r>
+            <a:r>
+              <a:rPr lang="en-US" dirty="0">
+                <a:solidFill>
+                  <a:srgbClr val="586E75"/>
+                </a:solidFill>
+                <a:effectLst/>
+              </a:rPr>
+              <a:t>)</a:t>
             </a:r>
             <a:r>
               <a:rPr lang="en-US" dirty="0">
@@ -12466,6 +11945,229 @@
               </a:rPr>
               <a:t> n</a:t>
             </a:r>
+            <a:r>
+              <a:rPr lang="en-US" dirty="0">
+                <a:solidFill>
+                  <a:srgbClr val="586E75"/>
+                </a:solidFill>
+                <a:effectLst/>
+              </a:rPr>
+              <a:t>.</a:t>
+            </a:r>
+            <a:r>
+              <a:rPr lang="en-US" dirty="0">
+                <a:solidFill>
+                  <a:srgbClr val="333333"/>
+                </a:solidFill>
+                <a:effectLst/>
+              </a:rPr>
+              <a:t>name</a:t>
+            </a:r>
+            <a:r>
+              <a:rPr lang="en-US" dirty="0">
+                <a:solidFill>
+                  <a:srgbClr val="586E75"/>
+                </a:solidFill>
+                <a:effectLst/>
+              </a:rPr>
+              <a:t>,</a:t>
+            </a:r>
+            <a:r>
+              <a:rPr lang="en-US" dirty="0">
+                <a:solidFill>
+                  <a:srgbClr val="333333"/>
+                </a:solidFill>
+                <a:effectLst/>
+              </a:rPr>
+              <a:t> n</a:t>
+            </a:r>
+            <a:r>
+              <a:rPr lang="en-US" dirty="0">
+                <a:solidFill>
+                  <a:srgbClr val="586E75"/>
+                </a:solidFill>
+                <a:effectLst/>
+              </a:rPr>
+              <a:t>.</a:t>
+            </a:r>
+            <a:r>
+              <a:rPr lang="en-US" dirty="0">
+                <a:solidFill>
+                  <a:srgbClr val="333333"/>
+                </a:solidFill>
+                <a:effectLst/>
+              </a:rPr>
+              <a:t>price</a:t>
+            </a:r>
+            <a:r>
+              <a:rPr lang="en-US" dirty="0">
+                <a:solidFill>
+                  <a:srgbClr val="586E75"/>
+                </a:solidFill>
+                <a:effectLst/>
+              </a:rPr>
+              <a:t>,</a:t>
+            </a:r>
+            <a:r>
+              <a:rPr lang="en-US" dirty="0">
+                <a:solidFill>
+                  <a:srgbClr val="333333"/>
+                </a:solidFill>
+              </a:rPr>
+              <a:t> </a:t>
+            </a:r>
+            <a:r>
+              <a:rPr lang="en-US" dirty="0">
+                <a:solidFill>
+                  <a:srgbClr val="333333"/>
+                </a:solidFill>
+                <a:effectLst/>
+              </a:rPr>
+              <a:t>n</a:t>
+            </a:r>
+            <a:r>
+              <a:rPr lang="en-US" dirty="0">
+                <a:solidFill>
+                  <a:srgbClr val="586E75"/>
+                </a:solidFill>
+                <a:effectLst/>
+              </a:rPr>
+              <a:t>.</a:t>
+            </a:r>
+            <a:r>
+              <a:rPr lang="en-US" dirty="0">
+                <a:solidFill>
+                  <a:srgbClr val="333333"/>
+                </a:solidFill>
+                <a:effectLst/>
+              </a:rPr>
+              <a:t>price </a:t>
+            </a:r>
+            <a:r>
+              <a:rPr lang="en-US" dirty="0">
+                <a:solidFill>
+                  <a:srgbClr val="586E75"/>
+                </a:solidFill>
+                <a:effectLst/>
+              </a:rPr>
+              <a:t>+</a:t>
+            </a:r>
+            <a:r>
+              <a:rPr lang="en-US" dirty="0">
+                <a:solidFill>
+                  <a:srgbClr val="333333"/>
+                </a:solidFill>
+                <a:effectLst/>
+              </a:rPr>
+              <a:t> </a:t>
+            </a:r>
+            <a:r>
+              <a:rPr lang="en-US" dirty="0">
+                <a:solidFill>
+                  <a:srgbClr val="586E75"/>
+                </a:solidFill>
+                <a:effectLst/>
+              </a:rPr>
+              <a:t>(</a:t>
+            </a:r>
+            <a:r>
+              <a:rPr lang="en-US" dirty="0">
+                <a:solidFill>
+                  <a:srgbClr val="333333"/>
+                </a:solidFill>
+                <a:effectLst/>
+              </a:rPr>
+              <a:t>n</a:t>
+            </a:r>
+            <a:r>
+              <a:rPr lang="en-US" dirty="0">
+                <a:solidFill>
+                  <a:srgbClr val="586E75"/>
+                </a:solidFill>
+                <a:effectLst/>
+              </a:rPr>
+              <a:t>.</a:t>
+            </a:r>
+            <a:r>
+              <a:rPr lang="en-US" dirty="0">
+                <a:solidFill>
+                  <a:srgbClr val="333333"/>
+                </a:solidFill>
+                <a:effectLst/>
+              </a:rPr>
+              <a:t>price </a:t>
+            </a:r>
+            <a:r>
+              <a:rPr lang="en-US" dirty="0">
+                <a:solidFill>
+                  <a:srgbClr val="586E75"/>
+                </a:solidFill>
+                <a:effectLst/>
+              </a:rPr>
+              <a:t>*</a:t>
+            </a:r>
+            <a:r>
+              <a:rPr lang="en-US" dirty="0">
+                <a:solidFill>
+                  <a:srgbClr val="333333"/>
+                </a:solidFill>
+                <a:effectLst/>
+              </a:rPr>
+              <a:t> </a:t>
+            </a:r>
+            <a:r>
+              <a:rPr lang="en-US" dirty="0">
+                <a:solidFill>
+                  <a:srgbClr val="2AA198"/>
+                </a:solidFill>
+                <a:effectLst/>
+              </a:rPr>
+              <a:t>.10</a:t>
+            </a:r>
+            <a:r>
+              <a:rPr lang="en-US" dirty="0">
+                <a:solidFill>
+                  <a:srgbClr val="586E75"/>
+                </a:solidFill>
+                <a:effectLst/>
+              </a:rPr>
+              <a:t>)</a:t>
+            </a:r>
+            <a:r>
+              <a:rPr lang="en-US" dirty="0">
+                <a:solidFill>
+                  <a:srgbClr val="333333"/>
+                </a:solidFill>
+                <a:effectLst/>
+              </a:rPr>
+              <a:t> </a:t>
+            </a:r>
+            <a:r>
+              <a:rPr lang="en-US" dirty="0">
+                <a:solidFill>
+                  <a:srgbClr val="859900"/>
+                </a:solidFill>
+                <a:effectLst/>
+              </a:rPr>
+              <a:t>as</a:t>
+            </a:r>
+            <a:r>
+              <a:rPr lang="en-US" dirty="0">
+                <a:solidFill>
+                  <a:srgbClr val="333333"/>
+                </a:solidFill>
+                <a:effectLst/>
+              </a:rPr>
+              <a:t> `New Price`</a:t>
+            </a:r>
+            <a:endParaRPr lang="en-US" dirty="0">
+              <a:solidFill>
+                <a:schemeClr val="accent6">
+                  <a:lumMod val="50000"/>
+                </a:schemeClr>
+              </a:solidFill>
+              <a:latin typeface="Gill Sans MT (Body)"/>
+            </a:endParaRPr>
           </a:p>
           <a:p>
             <a:pPr marL="285750" indent="-285750">
@@ -12474,9 +12176,11 @@
             </a:pPr>
             <a:endParaRPr lang="en-US" sz="800" dirty="0">
               <a:solidFill>
-                <a:srgbClr val="000000"/>
+                <a:schemeClr val="accent6">
+                  <a:lumMod val="50000"/>
+                </a:schemeClr>
               </a:solidFill>
-              <a:effectLst/>
+              <a:latin typeface="Gill Sans MT (Body)"/>
             </a:endParaRPr>
           </a:p>
           <a:p>
@@ -12494,107 +12198,51 @@
                 </a:solidFill>
                 <a:latin typeface="Gill Sans MT (Body)"/>
               </a:rPr>
-              <a:t>neo4j$ </a:t>
-            </a:r>
-            <a:r>
-              <a:rPr lang="en-US" dirty="0">
-                <a:solidFill>
-                  <a:srgbClr val="859900"/>
-                </a:solidFill>
-                <a:effectLst/>
-              </a:rPr>
-              <a:t>match</a:t>
-            </a:r>
-            <a:r>
-              <a:rPr lang="en-US" dirty="0">
-                <a:solidFill>
-                  <a:srgbClr val="586E75"/>
-                </a:solidFill>
-                <a:effectLst/>
-              </a:rPr>
-              <a:t>(</a:t>
-            </a:r>
-            <a:r>
-              <a:rPr lang="en-US" dirty="0">
-                <a:solidFill>
-                  <a:srgbClr val="333333"/>
-                </a:solidFill>
-                <a:effectLst/>
-              </a:rPr>
-              <a:t>n</a:t>
-            </a:r>
-            <a:r>
-              <a:rPr lang="en-US" dirty="0">
-                <a:solidFill>
-                  <a:srgbClr val="586E75"/>
-                </a:solidFill>
-                <a:effectLst/>
-              </a:rPr>
-              <a:t>{</a:t>
-            </a:r>
-            <a:r>
-              <a:rPr lang="en-US" dirty="0">
-                <a:solidFill>
-                  <a:srgbClr val="333333"/>
-                </a:solidFill>
-                <a:effectLst/>
-              </a:rPr>
-              <a:t>name</a:t>
-            </a:r>
-            <a:r>
-              <a:rPr lang="en-US" dirty="0">
-                <a:solidFill>
-                  <a:srgbClr val="586E75"/>
-                </a:solidFill>
-                <a:effectLst/>
-              </a:rPr>
-              <a:t>:</a:t>
-            </a:r>
-            <a:r>
-              <a:rPr lang="en-US" dirty="0">
-                <a:solidFill>
-                  <a:srgbClr val="B58900"/>
-                </a:solidFill>
-                <a:effectLst/>
-              </a:rPr>
-              <a:t>'ruhan'</a:t>
-            </a:r>
-            <a:r>
-              <a:rPr lang="en-US" dirty="0">
-                <a:solidFill>
-                  <a:srgbClr val="586E75"/>
-                </a:solidFill>
-                <a:effectLst/>
-              </a:rPr>
-              <a:t>})</a:t>
-            </a:r>
-            <a:r>
-              <a:rPr lang="en-US" dirty="0">
-                <a:solidFill>
-                  <a:srgbClr val="333333"/>
-                </a:solidFill>
-                <a:effectLst/>
-              </a:rPr>
-              <a:t> </a:t>
-            </a:r>
-            <a:r>
-              <a:rPr lang="en-US" dirty="0">
-                <a:solidFill>
-                  <a:srgbClr val="859900"/>
-                </a:solidFill>
-                <a:effectLst/>
-              </a:rPr>
-              <a:t>return</a:t>
-            </a:r>
-            <a:r>
-              <a:rPr lang="en-US" dirty="0">
-                <a:solidFill>
-                  <a:srgbClr val="333333"/>
-                </a:solidFill>
-                <a:effectLst/>
-              </a:rPr>
-              <a:t> n</a:t>
-            </a:r>
+              <a:t>neo4j$</a:t>
+            </a:r>
+            <a:endParaRPr lang="en-US" dirty="0">
+              <a:solidFill>
+                <a:srgbClr val="333333"/>
+              </a:solidFill>
+              <a:effectLst/>
+              <a:latin typeface="Gill Sans MT (Body)"/>
+            </a:endParaRPr>
+          </a:p>
+          <a:p>
+            <a:pPr marL="285750" indent="-285750">
+              <a:buFont typeface="Arial" panose="020B0604020202020204" pitchFamily="34" charset="0"/>
+              <a:buChar char="•"/>
+            </a:pPr>
+            <a:endParaRPr lang="en-US" sz="800" dirty="0">
+              <a:solidFill>
+                <a:srgbClr val="333333"/>
+              </a:solidFill>
+              <a:latin typeface="Gill Sans MT (Body)"/>
+            </a:endParaRPr>
+          </a:p>
+          <a:p>
+            <a:pPr marL="285750" indent="-285750">
+              <a:buFont typeface="Arial" panose="020B0604020202020204" pitchFamily="34" charset="0"/>
+              <a:buChar char="•"/>
+            </a:pPr>
+            <a:r>
+              <a:rPr lang="en-IN" dirty="0">
+                <a:solidFill>
+                  <a:schemeClr val="tx1">
+                    <a:lumMod val="50000"/>
+                    <a:lumOff val="50000"/>
+                  </a:schemeClr>
+                </a:solidFill>
+                <a:latin typeface="Gill Sans MT (Body)"/>
+              </a:rPr>
+              <a:t>neo4j$</a:t>
+            </a:r>
+            <a:endParaRPr lang="en-US" dirty="0">
+              <a:solidFill>
+                <a:srgbClr val="333333"/>
+              </a:solidFill>
+              <a:effectLst/>
+            </a:endParaRPr>
           </a:p>
           <a:p>
             <a:pPr marL="285750" indent="-285750">
@@ -12622,142 +12270,7 @@
                 </a:solidFill>
                 <a:latin typeface="Gill Sans MT (Body)"/>
               </a:rPr>
-              <a:t>neo4j$ </a:t>
-            </a:r>
-            <a:r>
-              <a:rPr lang="en-US" dirty="0">
-                <a:solidFill>
-                  <a:srgbClr val="859900"/>
-                </a:solidFill>
-                <a:effectLst/>
-              </a:rPr>
-              <a:t>match</a:t>
-            </a:r>
-            <a:r>
-              <a:rPr lang="en-US" dirty="0">
-                <a:solidFill>
-                  <a:srgbClr val="586E75"/>
-                </a:solidFill>
-                <a:effectLst/>
-              </a:rPr>
-              <a:t>(</a:t>
-            </a:r>
-            <a:r>
-              <a:rPr lang="en-US" dirty="0">
-                <a:solidFill>
-                  <a:srgbClr val="333333"/>
-                </a:solidFill>
-                <a:effectLst/>
-              </a:rPr>
-              <a:t>n</a:t>
-            </a:r>
-            <a:r>
-              <a:rPr lang="en-US" dirty="0">
-                <a:solidFill>
-                  <a:srgbClr val="586E75"/>
-                </a:solidFill>
-                <a:effectLst/>
-              </a:rPr>
-              <a:t>{</a:t>
-            </a:r>
-            <a:r>
-              <a:rPr lang="en-US" dirty="0">
-                <a:solidFill>
-                  <a:srgbClr val="333333"/>
-                </a:solidFill>
-                <a:effectLst/>
-              </a:rPr>
-              <a:t>name</a:t>
-            </a:r>
-            <a:r>
-              <a:rPr lang="en-US" dirty="0">
-                <a:solidFill>
-                  <a:srgbClr val="586E75"/>
-                </a:solidFill>
-                <a:effectLst/>
-              </a:rPr>
-              <a:t>:</a:t>
-            </a:r>
-            <a:r>
-              <a:rPr lang="en-US" dirty="0">
-                <a:solidFill>
-                  <a:srgbClr val="B58900"/>
-                </a:solidFill>
-                <a:effectLst/>
-              </a:rPr>
-              <a:t>'ruhan'</a:t>
-            </a:r>
-            <a:r>
-              <a:rPr lang="en-US" dirty="0">
-                <a:solidFill>
-                  <a:srgbClr val="586E75"/>
-                </a:solidFill>
-                <a:effectLst/>
-              </a:rPr>
-              <a:t>,</a:t>
-            </a:r>
-            <a:r>
-              <a:rPr lang="en-US" dirty="0">
-                <a:solidFill>
-                  <a:srgbClr val="333333"/>
-                </a:solidFill>
-                <a:effectLst/>
-              </a:rPr>
-              <a:t> Salary</a:t>
-            </a:r>
-            <a:r>
-              <a:rPr lang="en-US" dirty="0">
-                <a:solidFill>
-                  <a:srgbClr val="586E75"/>
-                </a:solidFill>
-                <a:effectLst/>
-              </a:rPr>
-              <a:t>:</a:t>
-            </a:r>
-            <a:r>
-              <a:rPr lang="en-US" dirty="0">
-                <a:solidFill>
-                  <a:srgbClr val="2AA198"/>
-                </a:solidFill>
-                <a:effectLst/>
-              </a:rPr>
-              <a:t>32000</a:t>
-            </a:r>
-            <a:r>
-              <a:rPr lang="en-US" dirty="0">
-                <a:solidFill>
-                  <a:srgbClr val="586E75"/>
-                </a:solidFill>
-                <a:effectLst/>
-              </a:rPr>
-              <a:t>})</a:t>
-            </a:r>
-            <a:r>
-              <a:rPr lang="en-US" dirty="0">
-                <a:solidFill>
-                  <a:srgbClr val="333333"/>
-                </a:solidFill>
-                <a:effectLst/>
-              </a:rPr>
-              <a:t> </a:t>
-            </a:r>
-            <a:r>
-              <a:rPr lang="en-US" dirty="0">
-                <a:solidFill>
-                  <a:srgbClr val="859900"/>
-                </a:solidFill>
-                <a:effectLst/>
-              </a:rPr>
-              <a:t>return</a:t>
-            </a:r>
-            <a:r>
-              <a:rPr lang="en-US" dirty="0">
-                <a:solidFill>
-                  <a:srgbClr val="333333"/>
-                </a:solidFill>
-                <a:effectLst/>
-              </a:rPr>
-              <a:t> n</a:t>
+              <a:t>neo4j$</a:t>
             </a:r>
             <a:endParaRPr lang="en-US" dirty="0">
               <a:solidFill>
@@ -12766,12 +12279,159 @@
               <a:effectLst/>
             </a:endParaRPr>
           </a:p>
+          <a:p>
+            <a:pPr marL="285750" indent="-285750">
+              <a:buFont typeface="Arial" panose="020B0604020202020204" pitchFamily="34" charset="0"/>
+              <a:buChar char="•"/>
+            </a:pPr>
+            <a:endParaRPr lang="en-IN" sz="800" dirty="0">
+              <a:solidFill>
+                <a:schemeClr val="tx1">
+                  <a:lumMod val="50000"/>
+                  <a:lumOff val="50000"/>
+                </a:schemeClr>
+              </a:solidFill>
+              <a:latin typeface="Gill Sans MT (Body)"/>
+            </a:endParaRPr>
+          </a:p>
+          <a:p>
+            <a:pPr marL="285750" indent="-285750">
+              <a:buFont typeface="Arial" panose="020B0604020202020204" pitchFamily="34" charset="0"/>
+              <a:buChar char="•"/>
+            </a:pPr>
+            <a:r>
+              <a:rPr lang="en-IN" dirty="0">
+                <a:solidFill>
+                  <a:schemeClr val="tx1">
+                    <a:lumMod val="50000"/>
+                    <a:lumOff val="50000"/>
+                  </a:schemeClr>
+                </a:solidFill>
+                <a:latin typeface="Gill Sans MT (Body)"/>
+              </a:rPr>
+              <a:t>neo4j$</a:t>
+            </a:r>
+            <a:endParaRPr lang="en-US" dirty="0">
+              <a:solidFill>
+                <a:srgbClr val="000000"/>
+              </a:solidFill>
+              <a:effectLst/>
+            </a:endParaRPr>
+          </a:p>
+          <a:p>
+            <a:pPr marL="285750" indent="-285750">
+              <a:buFont typeface="Arial" panose="020B0604020202020204" pitchFamily="34" charset="0"/>
+              <a:buChar char="•"/>
+            </a:pPr>
+            <a:endParaRPr lang="en-US" sz="800" dirty="0">
+              <a:solidFill>
+                <a:srgbClr val="333333"/>
+              </a:solidFill>
+            </a:endParaRPr>
+          </a:p>
+          <a:p>
+            <a:pPr marL="285750" indent="-285750">
+              <a:buFont typeface="Arial" panose="020B0604020202020204" pitchFamily="34" charset="0"/>
+              <a:buChar char="•"/>
+            </a:pPr>
+            <a:r>
+              <a:rPr lang="en-IN" dirty="0">
+                <a:solidFill>
+                  <a:schemeClr val="tx1">
+                    <a:lumMod val="50000"/>
+                    <a:lumOff val="50000"/>
+                  </a:schemeClr>
+                </a:solidFill>
+                <a:latin typeface="Gill Sans MT (Body)"/>
+              </a:rPr>
+              <a:t>neo4j$</a:t>
+            </a:r>
+            <a:endParaRPr lang="en-US" dirty="0">
+              <a:solidFill>
+                <a:srgbClr val="000000"/>
+              </a:solidFill>
+              <a:effectLst/>
+            </a:endParaRPr>
+          </a:p>
+        </p:txBody>
+      </p:sp>
+      <p:sp>
+        <p:nvSpPr>
+          <p:cNvPr id="8" name="CustomShape 6">
+            <a:extLst>
+              <a:ext uri="{FF2B5EF4-FFF2-40B4-BE49-F238E27FC236}">
+                <a16:creationId xmlns:a16="http://schemas.microsoft.com/office/drawing/2014/main" id="{8D4BD6EA-70A3-4098-B595-3811FA3CBFB5}"/>
+              </a:ext>
+            </a:extLst>
+          </p:cNvPr>
+          <p:cNvSpPr/>
+          <p:nvPr/>
+        </p:nvSpPr>
+        <p:spPr>
+          <a:xfrm>
+            <a:off x="246600" y="0"/>
+            <a:ext cx="11693880" cy="706432"/>
+          </a:xfrm>
+          <a:prstGeom prst="rect">
+            <a:avLst/>
+          </a:prstGeom>
+          <a:solidFill>
+            <a:schemeClr val="accent6">
+              <a:lumMod val="75000"/>
+            </a:schemeClr>
+          </a:solidFill>
+          <a:ln>
+            <a:noFill/>
+          </a:ln>
+        </p:spPr>
+        <p:style>
+          <a:lnRef idx="0">
+            <a:scrgbClr r="0" g="0" b="0"/>
+          </a:lnRef>
+          <a:fillRef idx="0">
+            <a:scrgbClr r="0" g="0" b="0"/>
+          </a:fillRef>
+          <a:effectRef idx="0">
+            <a:scrgbClr r="0" g="0" b="0"/>
+          </a:effectRef>
+          <a:fontRef idx="minor"/>
+        </p:style>
+        <p:txBody>
+          <a:bodyPr lIns="90000" tIns="45000" rIns="90000" bIns="45000">
+            <a:spAutoFit/>
+          </a:bodyPr>
+          <a:lstStyle/>
+          <a:p>
+            <a:pPr algn="r"/>
+            <a:r>
+              <a:rPr lang="en-IN" sz="4000" b="0" strike="noStrike" spc="-1" dirty="0">
+                <a:solidFill>
+                  <a:schemeClr val="accent6">
+                    <a:lumMod val="60000"/>
+                    <a:lumOff val="40000"/>
+                  </a:schemeClr>
+                </a:solidFill>
+                <a:latin typeface="Nunito Sans"/>
+                <a:ea typeface="DejaVu Sans"/>
+              </a:rPr>
+              <a:t>match(n)</a:t>
+            </a:r>
+            <a:endParaRPr lang="en-IN" sz="4000" b="0" strike="noStrike" spc="-1" dirty="0">
+              <a:solidFill>
+                <a:schemeClr val="accent6">
+                  <a:lumMod val="60000"/>
+                  <a:lumOff val="40000"/>
+                </a:schemeClr>
+              </a:solidFill>
+              <a:latin typeface="Nunito Sans"/>
+            </a:endParaRPr>
+          </a:p>
         </p:txBody>
       </p:sp>
     </p:spTree>
     <p:extLst>
       <p:ext uri="{BB962C8B-B14F-4D97-AF65-F5344CB8AC3E}">
-        <p14:creationId xmlns:p14="http://schemas.microsoft.com/office/powerpoint/2010/main" val="3949832393"/>
+        <p14:creationId xmlns:p14="http://schemas.microsoft.com/office/powerpoint/2010/main" val="3721093997"/>
       </p:ext>
     </p:extLst>
   </p:cSld>
@@ -12782,6 +12442,3283 @@
 </file>
 
 <file path=ppt/slides/slide17.xml><?xml version="1.0" encoding="utf-8"?>
+<p:sld xmlns:a="http://schemas.openxmlformats.org/drawingml/2006/main" xmlns:r="http://schemas.openxmlformats.org/officeDocument/2006/relationships" xmlns:p="http://schemas.openxmlformats.org/presentationml/2006/main">
+  <p:cSld>
+    <p:spTree>
+      <p:nvGrpSpPr>
+        <p:cNvPr id="1" name=""/>
+        <p:cNvGrpSpPr/>
+        <p:nvPr/>
+      </p:nvGrpSpPr>
+      <p:grpSpPr>
+        <a:xfrm>
+          <a:off x="0" y="0"/>
+          <a:ext cx="0" cy="0"/>
+          <a:chOff x="0" y="0"/>
+          <a:chExt cx="0" cy="0"/>
+        </a:xfrm>
+      </p:grpSpPr>
+      <p:sp>
+        <p:nvSpPr>
+          <p:cNvPr id="102" name="CustomShape 3"/>
+          <p:cNvSpPr/>
+          <p:nvPr/>
+        </p:nvSpPr>
+        <p:spPr>
+          <a:xfrm>
+            <a:off x="246600" y="762120"/>
+            <a:ext cx="11693880" cy="398655"/>
+          </a:xfrm>
+          <a:prstGeom prst="rect">
+            <a:avLst/>
+          </a:prstGeom>
+          <a:noFill/>
+          <a:ln>
+            <a:noFill/>
+          </a:ln>
+        </p:spPr>
+        <p:style>
+          <a:lnRef idx="0">
+            <a:scrgbClr r="0" g="0" b="0"/>
+          </a:lnRef>
+          <a:fillRef idx="0">
+            <a:scrgbClr r="0" g="0" b="0"/>
+          </a:fillRef>
+          <a:effectRef idx="0">
+            <a:scrgbClr r="0" g="0" b="0"/>
+          </a:effectRef>
+          <a:fontRef idx="minor"/>
+        </p:style>
+        <p:txBody>
+          <a:bodyPr lIns="90000" tIns="45000" rIns="90000" bIns="45000">
+            <a:spAutoFit/>
+          </a:bodyPr>
+          <a:lstStyle/>
+          <a:p>
+            <a:pPr algn="just"/>
+            <a:r>
+              <a:rPr lang="en-US" sz="2000" dirty="0">
+                <a:solidFill>
+                  <a:srgbClr val="2D3748"/>
+                </a:solidFill>
+                <a:latin typeface="Nunito Sans"/>
+              </a:rPr>
+              <a:t>The </a:t>
+            </a:r>
+            <a:r>
+              <a:rPr lang="en-US" sz="2000" dirty="0">
+                <a:solidFill>
+                  <a:srgbClr val="39AE0A"/>
+                </a:solidFill>
+                <a:latin typeface="Nunito Sans"/>
+              </a:rPr>
+              <a:t>SET</a:t>
+            </a:r>
+            <a:r>
+              <a:rPr lang="en-US" sz="2000" dirty="0">
+                <a:solidFill>
+                  <a:srgbClr val="2D3748"/>
+                </a:solidFill>
+                <a:latin typeface="Nunito Sans"/>
+              </a:rPr>
+              <a:t> clause is used to update labels on nodes and properties on nodes and relationships.</a:t>
+            </a:r>
+            <a:endParaRPr lang="en-IN" sz="2000" dirty="0">
+              <a:solidFill>
+                <a:srgbClr val="2D3748"/>
+              </a:solidFill>
+              <a:latin typeface="Nunito Sans"/>
+            </a:endParaRPr>
+          </a:p>
+        </p:txBody>
+      </p:sp>
+      <p:sp>
+        <p:nvSpPr>
+          <p:cNvPr id="103" name="CustomShape 4"/>
+          <p:cNvSpPr/>
+          <p:nvPr/>
+        </p:nvSpPr>
+        <p:spPr>
+          <a:xfrm>
+            <a:off x="243604" y="5696497"/>
+            <a:ext cx="11693880" cy="737210"/>
+          </a:xfrm>
+          <a:prstGeom prst="rect">
+            <a:avLst/>
+          </a:prstGeom>
+          <a:noFill/>
+          <a:ln>
+            <a:noFill/>
+          </a:ln>
+        </p:spPr>
+        <p:style>
+          <a:lnRef idx="0">
+            <a:scrgbClr r="0" g="0" b="0"/>
+          </a:lnRef>
+          <a:fillRef idx="0">
+            <a:scrgbClr r="0" g="0" b="0"/>
+          </a:fillRef>
+          <a:effectRef idx="0">
+            <a:scrgbClr r="0" g="0" b="0"/>
+          </a:effectRef>
+          <a:fontRef idx="minor"/>
+        </p:style>
+        <p:txBody>
+          <a:bodyPr lIns="90000" tIns="45000" rIns="90000" bIns="45000">
+            <a:spAutoFit/>
+          </a:bodyPr>
+          <a:lstStyle/>
+          <a:p>
+            <a:pPr>
+              <a:lnSpc>
+                <a:spcPct val="100000"/>
+              </a:lnSpc>
+            </a:pPr>
+            <a:r>
+              <a:rPr lang="en-IN" sz="2000" b="1" strike="noStrike" spc="-1" dirty="0">
+                <a:solidFill>
+                  <a:srgbClr val="C00000"/>
+                </a:solidFill>
+                <a:latin typeface="Arial" panose="020B0604020202020204" pitchFamily="34" charset="0"/>
+                <a:ea typeface="Open Sans"/>
+                <a:cs typeface="Arial" panose="020B0604020202020204" pitchFamily="34" charset="0"/>
+              </a:rPr>
+              <a:t>Note:</a:t>
+            </a:r>
+            <a:endParaRPr lang="en-IN" sz="2000" b="0" strike="noStrike" spc="-1" dirty="0">
+              <a:latin typeface="Arial" panose="020B0604020202020204" pitchFamily="34" charset="0"/>
+              <a:cs typeface="Arial" panose="020B0604020202020204" pitchFamily="34" charset="0"/>
+            </a:endParaRPr>
+          </a:p>
+          <a:p>
+            <a:pPr>
+              <a:lnSpc>
+                <a:spcPct val="100000"/>
+              </a:lnSpc>
+            </a:pPr>
+            <a:r>
+              <a:rPr lang="en-IN" sz="400" b="0" strike="noStrike" spc="-1" dirty="0">
+                <a:solidFill>
+                  <a:srgbClr val="000000"/>
+                </a:solidFill>
+                <a:latin typeface="Arial" panose="020B0604020202020204" pitchFamily="34" charset="0"/>
+                <a:ea typeface="DejaVu Sans"/>
+                <a:cs typeface="Arial" panose="020B0604020202020204" pitchFamily="34" charset="0"/>
+              </a:rPr>
+              <a:t> </a:t>
+            </a:r>
+            <a:endParaRPr lang="en-IN" sz="400" b="0" strike="noStrike" spc="-1" dirty="0">
+              <a:latin typeface="Arial" panose="020B0604020202020204" pitchFamily="34" charset="0"/>
+              <a:cs typeface="Arial" panose="020B0604020202020204" pitchFamily="34" charset="0"/>
+            </a:endParaRPr>
+          </a:p>
+          <a:p>
+            <a:pPr marL="285840" indent="-262080">
+              <a:buClr>
+                <a:srgbClr val="000000"/>
+              </a:buClr>
+              <a:buFont typeface="Arial"/>
+              <a:buChar char="•"/>
+            </a:pPr>
+            <a:r>
+              <a:rPr lang="en-US" b="0" i="0" dirty="0">
+                <a:solidFill>
+                  <a:srgbClr val="333333"/>
+                </a:solidFill>
+                <a:effectLst/>
+                <a:latin typeface="Arial" panose="020B0604020202020204" pitchFamily="34" charset="0"/>
+              </a:rPr>
+              <a:t>TODO</a:t>
+            </a:r>
+            <a:endParaRPr lang="en-IN" sz="1800" strike="noStrike" spc="-1" dirty="0">
+              <a:solidFill>
+                <a:schemeClr val="tx1">
+                  <a:lumMod val="85000"/>
+                  <a:lumOff val="15000"/>
+                </a:schemeClr>
+              </a:solidFill>
+              <a:latin typeface="Arial" panose="020B0604020202020204" pitchFamily="34" charset="0"/>
+              <a:cs typeface="Arial" panose="020B0604020202020204" pitchFamily="34" charset="0"/>
+            </a:endParaRPr>
+          </a:p>
+        </p:txBody>
+      </p:sp>
+      <p:sp>
+        <p:nvSpPr>
+          <p:cNvPr id="105" name="CustomShape 6"/>
+          <p:cNvSpPr/>
+          <p:nvPr/>
+        </p:nvSpPr>
+        <p:spPr>
+          <a:xfrm>
+            <a:off x="246600" y="0"/>
+            <a:ext cx="11693880" cy="706432"/>
+          </a:xfrm>
+          <a:prstGeom prst="rect">
+            <a:avLst/>
+          </a:prstGeom>
+          <a:solidFill>
+            <a:schemeClr val="accent6">
+              <a:lumMod val="75000"/>
+            </a:schemeClr>
+          </a:solidFill>
+          <a:ln>
+            <a:noFill/>
+          </a:ln>
+        </p:spPr>
+        <p:style>
+          <a:lnRef idx="0">
+            <a:scrgbClr r="0" g="0" b="0"/>
+          </a:lnRef>
+          <a:fillRef idx="0">
+            <a:scrgbClr r="0" g="0" b="0"/>
+          </a:fillRef>
+          <a:effectRef idx="0">
+            <a:scrgbClr r="0" g="0" b="0"/>
+          </a:effectRef>
+          <a:fontRef idx="minor"/>
+        </p:style>
+        <p:txBody>
+          <a:bodyPr lIns="90000" tIns="45000" rIns="90000" bIns="45000">
+            <a:spAutoFit/>
+          </a:bodyPr>
+          <a:lstStyle/>
+          <a:p>
+            <a:pPr algn="r"/>
+            <a:r>
+              <a:rPr lang="en-IN" sz="4000" b="0" strike="noStrike" spc="-1" dirty="0">
+                <a:solidFill>
+                  <a:schemeClr val="accent6">
+                    <a:lumMod val="60000"/>
+                    <a:lumOff val="40000"/>
+                  </a:schemeClr>
+                </a:solidFill>
+                <a:latin typeface="Nunito Sans"/>
+                <a:ea typeface="DejaVu Sans"/>
+              </a:rPr>
+              <a:t>set node</a:t>
+            </a:r>
+            <a:endParaRPr lang="en-IN" sz="4000" b="0" strike="noStrike" spc="-1" dirty="0">
+              <a:solidFill>
+                <a:schemeClr val="accent6">
+                  <a:lumMod val="60000"/>
+                  <a:lumOff val="40000"/>
+                </a:schemeClr>
+              </a:solidFill>
+              <a:latin typeface="Nunito Sans"/>
+            </a:endParaRPr>
+          </a:p>
+        </p:txBody>
+      </p:sp>
+      <p:sp>
+        <p:nvSpPr>
+          <p:cNvPr id="108" name="Line 9"/>
+          <p:cNvSpPr/>
+          <p:nvPr/>
+        </p:nvSpPr>
+        <p:spPr>
+          <a:xfrm>
+            <a:off x="0" y="1536120"/>
+            <a:ext cx="12191760" cy="0"/>
+          </a:xfrm>
+          <a:prstGeom prst="line">
+            <a:avLst/>
+          </a:prstGeom>
+          <a:ln w="12600">
+            <a:solidFill>
+              <a:srgbClr val="6E78A0"/>
+            </a:solidFill>
+            <a:prstDash val="dash"/>
+            <a:round/>
+          </a:ln>
+        </p:spPr>
+        <p:style>
+          <a:lnRef idx="1">
+            <a:schemeClr val="accent1"/>
+          </a:lnRef>
+          <a:fillRef idx="0">
+            <a:schemeClr val="accent1"/>
+          </a:fillRef>
+          <a:effectRef idx="0">
+            <a:schemeClr val="accent1"/>
+          </a:effectRef>
+          <a:fontRef idx="minor"/>
+        </p:style>
+      </p:sp>
+      <p:sp>
+        <p:nvSpPr>
+          <p:cNvPr id="12" name="TextBox 11">
+            <a:extLst>
+              <a:ext uri="{FF2B5EF4-FFF2-40B4-BE49-F238E27FC236}">
+                <a16:creationId xmlns:a16="http://schemas.microsoft.com/office/drawing/2014/main" id="{79242DF4-E3E0-4B3F-9DA3-EDDD02A6E7F5}"/>
+              </a:ext>
+            </a:extLst>
+          </p:cNvPr>
+          <p:cNvSpPr txBox="1"/>
+          <p:nvPr/>
+        </p:nvSpPr>
+        <p:spPr>
+          <a:xfrm>
+            <a:off x="119336" y="1686842"/>
+            <a:ext cx="11953328" cy="1723549"/>
+          </a:xfrm>
+          <a:prstGeom prst="rect">
+            <a:avLst/>
+          </a:prstGeom>
+          <a:noFill/>
+        </p:spPr>
+        <p:txBody>
+          <a:bodyPr wrap="square">
+            <a:spAutoFit/>
+          </a:bodyPr>
+          <a:lstStyle/>
+          <a:p>
+            <a:r>
+              <a:rPr lang="pt-BR" spc="-1" dirty="0">
+                <a:solidFill>
+                  <a:srgbClr val="0070C0"/>
+                </a:solidFill>
+                <a:latin typeface="Consolas" panose="020B0609020204030204" pitchFamily="49" charset="0"/>
+                <a:cs typeface="Arial" panose="020B0604020202020204" pitchFamily="34" charset="0"/>
+              </a:rPr>
+              <a:t>MATCH(n</a:t>
+            </a:r>
+            <a:r>
+              <a:rPr lang="en-IN" spc="-1" dirty="0">
+                <a:solidFill>
+                  <a:srgbClr val="0070C0"/>
+                </a:solidFill>
+                <a:latin typeface="Consolas" panose="020B0609020204030204" pitchFamily="49" charset="0"/>
+                <a:cs typeface="Arial" panose="020B0604020202020204" pitchFamily="34" charset="0"/>
+              </a:rPr>
+              <a:t>:label_name </a:t>
+            </a:r>
+            <a:r>
+              <a:rPr lang="pt-BR" spc="-1" dirty="0">
+                <a:solidFill>
+                  <a:srgbClr val="0070C0"/>
+                </a:solidFill>
+                <a:latin typeface="Consolas" panose="020B0609020204030204" pitchFamily="49" charset="0"/>
+                <a:cs typeface="Arial" panose="020B0604020202020204" pitchFamily="34" charset="0"/>
+              </a:rPr>
+              <a:t>{ </a:t>
+            </a:r>
+            <a:r>
+              <a:rPr lang="en-IN" spc="-1" dirty="0">
+                <a:solidFill>
+                  <a:srgbClr val="0070C0"/>
+                </a:solidFill>
+                <a:latin typeface="Consolas" panose="020B0609020204030204" pitchFamily="49" charset="0"/>
+                <a:cs typeface="Arial" panose="020B0604020202020204" pitchFamily="34" charset="0"/>
+              </a:rPr>
+              <a:t>key1: value, key2: value, ... </a:t>
+            </a:r>
+            <a:r>
+              <a:rPr lang="pt-BR" spc="-1" dirty="0">
+                <a:solidFill>
+                  <a:srgbClr val="0070C0"/>
+                </a:solidFill>
+                <a:latin typeface="Consolas" panose="020B0609020204030204" pitchFamily="49" charset="0"/>
+                <a:cs typeface="Arial" panose="020B0604020202020204" pitchFamily="34" charset="0"/>
+              </a:rPr>
+              <a:t>}) SET n.newField=value</a:t>
+            </a:r>
+          </a:p>
+          <a:p>
+            <a:endParaRPr lang="pt-BR" sz="400" spc="-1" dirty="0">
+              <a:solidFill>
+                <a:srgbClr val="0070C0"/>
+              </a:solidFill>
+              <a:latin typeface="Consolas" panose="020B0609020204030204" pitchFamily="49" charset="0"/>
+              <a:cs typeface="Arial" panose="020B0604020202020204" pitchFamily="34" charset="0"/>
+            </a:endParaRPr>
+          </a:p>
+          <a:p>
+            <a:r>
+              <a:rPr lang="pt-BR" spc="-1" dirty="0">
+                <a:solidFill>
+                  <a:srgbClr val="0070C0"/>
+                </a:solidFill>
+                <a:latin typeface="Consolas" panose="020B0609020204030204" pitchFamily="49" charset="0"/>
+                <a:cs typeface="Arial" panose="020B0604020202020204" pitchFamily="34" charset="0"/>
+              </a:rPr>
+              <a:t>MATCH(n</a:t>
+            </a:r>
+            <a:r>
+              <a:rPr lang="en-IN" spc="-1" dirty="0">
+                <a:solidFill>
+                  <a:srgbClr val="0070C0"/>
+                </a:solidFill>
+                <a:latin typeface="Consolas" panose="020B0609020204030204" pitchFamily="49" charset="0"/>
+                <a:cs typeface="Arial" panose="020B0604020202020204" pitchFamily="34" charset="0"/>
+              </a:rPr>
+              <a:t>:label_name </a:t>
+            </a:r>
+            <a:r>
+              <a:rPr lang="pt-BR" spc="-1" dirty="0">
+                <a:solidFill>
+                  <a:srgbClr val="0070C0"/>
+                </a:solidFill>
+                <a:latin typeface="Consolas" panose="020B0609020204030204" pitchFamily="49" charset="0"/>
+                <a:cs typeface="Arial" panose="020B0604020202020204" pitchFamily="34" charset="0"/>
+              </a:rPr>
+              <a:t>{ </a:t>
+            </a:r>
+            <a:r>
+              <a:rPr lang="en-IN" spc="-1" dirty="0">
+                <a:solidFill>
+                  <a:srgbClr val="0070C0"/>
+                </a:solidFill>
+                <a:latin typeface="Consolas" panose="020B0609020204030204" pitchFamily="49" charset="0"/>
+                <a:cs typeface="Arial" panose="020B0604020202020204" pitchFamily="34" charset="0"/>
+              </a:rPr>
+              <a:t>key1: value, key2: value, ... </a:t>
+            </a:r>
+            <a:r>
+              <a:rPr lang="pt-BR" spc="-1" dirty="0">
+                <a:solidFill>
+                  <a:srgbClr val="0070C0"/>
+                </a:solidFill>
+                <a:latin typeface="Consolas" panose="020B0609020204030204" pitchFamily="49" charset="0"/>
+                <a:cs typeface="Arial" panose="020B0604020202020204" pitchFamily="34" charset="0"/>
+              </a:rPr>
+              <a:t>}) SET n={ </a:t>
+            </a:r>
+            <a:r>
+              <a:rPr lang="en-IN" spc="-1" dirty="0">
+                <a:solidFill>
+                  <a:srgbClr val="0070C0"/>
+                </a:solidFill>
+                <a:latin typeface="Consolas" panose="020B0609020204030204" pitchFamily="49" charset="0"/>
+                <a:cs typeface="Arial" panose="020B0604020202020204" pitchFamily="34" charset="0"/>
+              </a:rPr>
+              <a:t>key1: value, key2: value, ... </a:t>
+            </a:r>
+            <a:r>
+              <a:rPr lang="pt-BR" spc="-1" dirty="0">
+                <a:solidFill>
+                  <a:srgbClr val="0070C0"/>
+                </a:solidFill>
+                <a:latin typeface="Consolas" panose="020B0609020204030204" pitchFamily="49" charset="0"/>
+                <a:cs typeface="Arial" panose="020B0604020202020204" pitchFamily="34" charset="0"/>
+              </a:rPr>
+              <a:t>}</a:t>
+            </a:r>
+          </a:p>
+          <a:p>
+            <a:r>
+              <a:rPr lang="pt-BR" sz="400" spc="-1" dirty="0">
+                <a:solidFill>
+                  <a:srgbClr val="0070C0"/>
+                </a:solidFill>
+                <a:latin typeface="Consolas" panose="020B0609020204030204" pitchFamily="49" charset="0"/>
+                <a:cs typeface="Arial" panose="020B0604020202020204" pitchFamily="34" charset="0"/>
+              </a:rPr>
+              <a:t>]</a:t>
+            </a:r>
+          </a:p>
+          <a:p>
+            <a:r>
+              <a:rPr lang="pt-BR" spc="-1" dirty="0">
+                <a:solidFill>
+                  <a:srgbClr val="0070C0"/>
+                </a:solidFill>
+                <a:latin typeface="Consolas" panose="020B0609020204030204" pitchFamily="49" charset="0"/>
+                <a:cs typeface="Arial" panose="020B0604020202020204" pitchFamily="34" charset="0"/>
+              </a:rPr>
+              <a:t>MATCH(n</a:t>
+            </a:r>
+            <a:r>
+              <a:rPr lang="en-IN" spc="-1" dirty="0">
+                <a:solidFill>
+                  <a:srgbClr val="0070C0"/>
+                </a:solidFill>
+                <a:latin typeface="Consolas" panose="020B0609020204030204" pitchFamily="49" charset="0"/>
+                <a:cs typeface="Arial" panose="020B0604020202020204" pitchFamily="34" charset="0"/>
+              </a:rPr>
+              <a:t>:label_name </a:t>
+            </a:r>
+            <a:r>
+              <a:rPr lang="pt-BR" spc="-1" dirty="0">
+                <a:solidFill>
+                  <a:srgbClr val="0070C0"/>
+                </a:solidFill>
+                <a:latin typeface="Consolas" panose="020B0609020204030204" pitchFamily="49" charset="0"/>
+                <a:cs typeface="Arial" panose="020B0604020202020204" pitchFamily="34" charset="0"/>
+              </a:rPr>
+              <a:t>{ </a:t>
+            </a:r>
+            <a:r>
+              <a:rPr lang="en-IN" spc="-1" dirty="0">
+                <a:solidFill>
+                  <a:srgbClr val="0070C0"/>
+                </a:solidFill>
+                <a:latin typeface="Consolas" panose="020B0609020204030204" pitchFamily="49" charset="0"/>
+                <a:cs typeface="Arial" panose="020B0604020202020204" pitchFamily="34" charset="0"/>
+              </a:rPr>
+              <a:t>key1: value, key2: value, ... </a:t>
+            </a:r>
+            <a:r>
+              <a:rPr lang="pt-BR" spc="-1" dirty="0">
+                <a:solidFill>
+                  <a:srgbClr val="0070C0"/>
+                </a:solidFill>
+                <a:latin typeface="Consolas" panose="020B0609020204030204" pitchFamily="49" charset="0"/>
+                <a:cs typeface="Arial" panose="020B0604020202020204" pitchFamily="34" charset="0"/>
+              </a:rPr>
+              <a:t>}) REMOVE n.oldField</a:t>
+            </a:r>
+            <a:endParaRPr lang="pt-BR" sz="400" spc="-1" dirty="0">
+              <a:solidFill>
+                <a:srgbClr val="0070C0"/>
+              </a:solidFill>
+              <a:latin typeface="Consolas" panose="020B0609020204030204" pitchFamily="49" charset="0"/>
+              <a:cs typeface="Arial" panose="020B0604020202020204" pitchFamily="34" charset="0"/>
+            </a:endParaRPr>
+          </a:p>
+          <a:p>
+            <a:r>
+              <a:rPr lang="pt-BR" sz="400" spc="-1" dirty="0">
+                <a:solidFill>
+                  <a:srgbClr val="0070C0"/>
+                </a:solidFill>
+                <a:latin typeface="Consolas" panose="020B0609020204030204" pitchFamily="49" charset="0"/>
+                <a:cs typeface="Arial" panose="020B0604020202020204" pitchFamily="34" charset="0"/>
+              </a:rPr>
+              <a:t> </a:t>
+            </a:r>
+          </a:p>
+          <a:p>
+            <a:r>
+              <a:rPr lang="pt-BR" spc="-1" dirty="0">
+                <a:solidFill>
+                  <a:srgbClr val="0070C0"/>
+                </a:solidFill>
+                <a:latin typeface="Consolas" panose="020B0609020204030204" pitchFamily="49" charset="0"/>
+                <a:cs typeface="Arial" panose="020B0604020202020204" pitchFamily="34" charset="0"/>
+              </a:rPr>
+              <a:t>MATCH(n</a:t>
+            </a:r>
+            <a:r>
+              <a:rPr lang="en-IN" spc="-1" dirty="0">
+                <a:solidFill>
+                  <a:srgbClr val="0070C0"/>
+                </a:solidFill>
+                <a:latin typeface="Consolas" panose="020B0609020204030204" pitchFamily="49" charset="0"/>
+                <a:cs typeface="Arial" panose="020B0604020202020204" pitchFamily="34" charset="0"/>
+              </a:rPr>
+              <a:t>:label_name </a:t>
+            </a:r>
+            <a:r>
+              <a:rPr lang="pt-BR" spc="-1" dirty="0">
+                <a:solidFill>
+                  <a:srgbClr val="0070C0"/>
+                </a:solidFill>
+                <a:latin typeface="Consolas" panose="020B0609020204030204" pitchFamily="49" charset="0"/>
+                <a:cs typeface="Arial" panose="020B0604020202020204" pitchFamily="34" charset="0"/>
+              </a:rPr>
+              <a:t>{ </a:t>
+            </a:r>
+            <a:r>
+              <a:rPr lang="en-IN" spc="-1" dirty="0">
+                <a:solidFill>
+                  <a:srgbClr val="0070C0"/>
+                </a:solidFill>
+                <a:latin typeface="Consolas" panose="020B0609020204030204" pitchFamily="49" charset="0"/>
+                <a:cs typeface="Arial" panose="020B0604020202020204" pitchFamily="34" charset="0"/>
+              </a:rPr>
+              <a:t>key1: value, key2: value, ... </a:t>
+            </a:r>
+            <a:r>
+              <a:rPr lang="pt-BR" spc="-1" dirty="0">
+                <a:solidFill>
+                  <a:srgbClr val="0070C0"/>
+                </a:solidFill>
+                <a:latin typeface="Consolas" panose="020B0609020204030204" pitchFamily="49" charset="0"/>
+                <a:cs typeface="Arial" panose="020B0604020202020204" pitchFamily="34" charset="0"/>
+              </a:rPr>
+              <a:t>}) REMOVE n.oldField SET n.newField=value</a:t>
+            </a:r>
+          </a:p>
+          <a:p>
+            <a:endParaRPr lang="pt-BR" sz="400" spc="-1" dirty="0">
+              <a:solidFill>
+                <a:srgbClr val="0070C0"/>
+              </a:solidFill>
+              <a:latin typeface="Consolas" panose="020B0609020204030204" pitchFamily="49" charset="0"/>
+              <a:cs typeface="Arial" panose="020B0604020202020204" pitchFamily="34" charset="0"/>
+            </a:endParaRPr>
+          </a:p>
+          <a:p>
+            <a:r>
+              <a:rPr lang="pt-BR" spc="-1" dirty="0">
+                <a:solidFill>
+                  <a:srgbClr val="0070C0"/>
+                </a:solidFill>
+                <a:latin typeface="Consolas" panose="020B0609020204030204" pitchFamily="49" charset="0"/>
+                <a:cs typeface="Arial" panose="020B0604020202020204" pitchFamily="34" charset="0"/>
+              </a:rPr>
+              <a:t>MATCH(n</a:t>
+            </a:r>
+            <a:r>
+              <a:rPr lang="en-IN" spc="-1" dirty="0">
+                <a:solidFill>
+                  <a:srgbClr val="0070C0"/>
+                </a:solidFill>
+                <a:latin typeface="Consolas" panose="020B0609020204030204" pitchFamily="49" charset="0"/>
+                <a:cs typeface="Arial" panose="020B0604020202020204" pitchFamily="34" charset="0"/>
+              </a:rPr>
+              <a:t>:label_name </a:t>
+            </a:r>
+            <a:r>
+              <a:rPr lang="pt-BR" spc="-1" dirty="0">
+                <a:solidFill>
+                  <a:srgbClr val="0070C0"/>
+                </a:solidFill>
+                <a:latin typeface="Consolas" panose="020B0609020204030204" pitchFamily="49" charset="0"/>
+                <a:cs typeface="Arial" panose="020B0604020202020204" pitchFamily="34" charset="0"/>
+              </a:rPr>
+              <a:t>{ </a:t>
+            </a:r>
+            <a:r>
+              <a:rPr lang="en-IN" spc="-1" dirty="0">
+                <a:solidFill>
+                  <a:srgbClr val="0070C0"/>
+                </a:solidFill>
+                <a:latin typeface="Consolas" panose="020B0609020204030204" pitchFamily="49" charset="0"/>
+                <a:cs typeface="Arial" panose="020B0604020202020204" pitchFamily="34" charset="0"/>
+              </a:rPr>
+              <a:t>key1: value, key2: value, ... </a:t>
+            </a:r>
+            <a:r>
+              <a:rPr lang="pt-BR" spc="-1" dirty="0">
+                <a:solidFill>
+                  <a:srgbClr val="0070C0"/>
+                </a:solidFill>
+                <a:latin typeface="Consolas" panose="020B0609020204030204" pitchFamily="49" charset="0"/>
+                <a:cs typeface="Arial" panose="020B0604020202020204" pitchFamily="34" charset="0"/>
+              </a:rPr>
+              <a:t>}), (m{}) SET n = m</a:t>
+            </a:r>
+            <a:endParaRPr lang="en-IN" spc="-1" dirty="0">
+              <a:solidFill>
+                <a:srgbClr val="0070C0"/>
+              </a:solidFill>
+              <a:latin typeface="Consolas" panose="020B0609020204030204" pitchFamily="49" charset="0"/>
+              <a:cs typeface="Arial" panose="020B0604020202020204" pitchFamily="34" charset="0"/>
+            </a:endParaRPr>
+          </a:p>
+        </p:txBody>
+      </p:sp>
+      <p:sp>
+        <p:nvSpPr>
+          <p:cNvPr id="15" name="TextBox 14">
+            <a:extLst>
+              <a:ext uri="{FF2B5EF4-FFF2-40B4-BE49-F238E27FC236}">
+                <a16:creationId xmlns:a16="http://schemas.microsoft.com/office/drawing/2014/main" id="{187A7629-BDF9-4DE3-B954-5B2AC8376F52}"/>
+              </a:ext>
+            </a:extLst>
+          </p:cNvPr>
+          <p:cNvSpPr txBox="1"/>
+          <p:nvPr/>
+        </p:nvSpPr>
+        <p:spPr>
+          <a:xfrm>
+            <a:off x="243604" y="3558495"/>
+            <a:ext cx="11693880" cy="2246769"/>
+          </a:xfrm>
+          <a:prstGeom prst="rect">
+            <a:avLst/>
+          </a:prstGeom>
+          <a:noFill/>
+        </p:spPr>
+        <p:txBody>
+          <a:bodyPr wrap="square">
+            <a:spAutoFit/>
+          </a:bodyPr>
+          <a:lstStyle/>
+          <a:p>
+            <a:pPr marL="285750" indent="-285750">
+              <a:buFont typeface="Arial" panose="020B0604020202020204" pitchFamily="34" charset="0"/>
+              <a:buChar char="•"/>
+            </a:pPr>
+            <a:r>
+              <a:rPr lang="en-IN" dirty="0">
+                <a:solidFill>
+                  <a:schemeClr val="tx1">
+                    <a:lumMod val="50000"/>
+                    <a:lumOff val="50000"/>
+                  </a:schemeClr>
+                </a:solidFill>
+                <a:latin typeface="Gill Sans MT (Body)"/>
+              </a:rPr>
+              <a:t>neo4j$ </a:t>
+            </a:r>
+            <a:r>
+              <a:rPr lang="en-US" dirty="0">
+                <a:solidFill>
+                  <a:srgbClr val="859900"/>
+                </a:solidFill>
+                <a:effectLst/>
+              </a:rPr>
+              <a:t>match</a:t>
+            </a:r>
+            <a:r>
+              <a:rPr lang="en-US" dirty="0">
+                <a:solidFill>
+                  <a:srgbClr val="586E75"/>
+                </a:solidFill>
+                <a:effectLst/>
+              </a:rPr>
+              <a:t>(</a:t>
+            </a:r>
+            <a:r>
+              <a:rPr lang="en-US" dirty="0">
+                <a:solidFill>
+                  <a:srgbClr val="333333"/>
+                </a:solidFill>
+                <a:effectLst/>
+              </a:rPr>
+              <a:t>n</a:t>
+            </a:r>
+            <a:r>
+              <a:rPr lang="en-US" dirty="0">
+                <a:solidFill>
+                  <a:srgbClr val="586E75"/>
+                </a:solidFill>
+                <a:effectLst/>
+              </a:rPr>
+              <a:t>{</a:t>
+            </a:r>
+            <a:r>
+              <a:rPr lang="en-US" dirty="0">
+                <a:solidFill>
+                  <a:srgbClr val="333333"/>
+                </a:solidFill>
+                <a:effectLst/>
+              </a:rPr>
+              <a:t>name</a:t>
+            </a:r>
+            <a:r>
+              <a:rPr lang="en-US" dirty="0">
+                <a:solidFill>
+                  <a:srgbClr val="586E75"/>
+                </a:solidFill>
+                <a:effectLst/>
+              </a:rPr>
+              <a:t>:</a:t>
+            </a:r>
+            <a:r>
+              <a:rPr lang="en-US" dirty="0">
+                <a:solidFill>
+                  <a:srgbClr val="B58900"/>
+                </a:solidFill>
+                <a:effectLst/>
+              </a:rPr>
+              <a:t>'sharmin'</a:t>
+            </a:r>
+            <a:r>
+              <a:rPr lang="en-US" dirty="0">
+                <a:solidFill>
+                  <a:srgbClr val="586E75"/>
+                </a:solidFill>
+                <a:effectLst/>
+              </a:rPr>
+              <a:t>})</a:t>
+            </a:r>
+            <a:r>
+              <a:rPr lang="en-US" dirty="0">
+                <a:solidFill>
+                  <a:srgbClr val="333333"/>
+                </a:solidFill>
+                <a:effectLst/>
+              </a:rPr>
+              <a:t> </a:t>
+            </a:r>
+            <a:r>
+              <a:rPr lang="en-US" dirty="0">
+                <a:solidFill>
+                  <a:srgbClr val="859900"/>
+                </a:solidFill>
+                <a:effectLst/>
+              </a:rPr>
+              <a:t>set</a:t>
+            </a:r>
+            <a:r>
+              <a:rPr lang="en-US" dirty="0">
+                <a:solidFill>
+                  <a:srgbClr val="333333"/>
+                </a:solidFill>
+                <a:effectLst/>
+              </a:rPr>
+              <a:t> n</a:t>
+            </a:r>
+            <a:r>
+              <a:rPr lang="en-US" dirty="0">
+                <a:solidFill>
+                  <a:srgbClr val="586E75"/>
+                </a:solidFill>
+                <a:effectLst/>
+              </a:rPr>
+              <a:t>.</a:t>
+            </a:r>
+            <a:r>
+              <a:rPr lang="en-US" dirty="0">
+                <a:solidFill>
+                  <a:srgbClr val="333333"/>
+                </a:solidFill>
+                <a:effectLst/>
+              </a:rPr>
+              <a:t>salary</a:t>
+            </a:r>
+            <a:r>
+              <a:rPr lang="en-US" dirty="0">
+                <a:solidFill>
+                  <a:srgbClr val="586E75"/>
+                </a:solidFill>
+                <a:effectLst/>
+              </a:rPr>
+              <a:t>=</a:t>
+            </a:r>
+            <a:r>
+              <a:rPr lang="en-US" dirty="0">
+                <a:solidFill>
+                  <a:srgbClr val="2AA198"/>
+                </a:solidFill>
+                <a:effectLst/>
+              </a:rPr>
+              <a:t>42000</a:t>
+            </a:r>
+          </a:p>
+          <a:p>
+            <a:pPr marL="285750" indent="-285750">
+              <a:buFont typeface="Arial" panose="020B0604020202020204" pitchFamily="34" charset="0"/>
+              <a:buChar char="•"/>
+            </a:pPr>
+            <a:endParaRPr lang="en-US" sz="800" dirty="0">
+              <a:solidFill>
+                <a:srgbClr val="2AA198"/>
+              </a:solidFill>
+            </a:endParaRPr>
+          </a:p>
+          <a:p>
+            <a:pPr marL="285750" indent="-285750">
+              <a:buFont typeface="Arial" panose="020B0604020202020204" pitchFamily="34" charset="0"/>
+              <a:buChar char="•"/>
+            </a:pPr>
+            <a:r>
+              <a:rPr lang="en-IN" dirty="0">
+                <a:solidFill>
+                  <a:schemeClr val="tx1">
+                    <a:lumMod val="50000"/>
+                    <a:lumOff val="50000"/>
+                  </a:schemeClr>
+                </a:solidFill>
+                <a:latin typeface="Gill Sans MT (Body)"/>
+              </a:rPr>
+              <a:t>neo4j$ </a:t>
+            </a:r>
+            <a:r>
+              <a:rPr lang="en-US" dirty="0">
+                <a:solidFill>
+                  <a:srgbClr val="859900"/>
+                </a:solidFill>
+                <a:effectLst/>
+              </a:rPr>
+              <a:t>match</a:t>
+            </a:r>
+            <a:r>
+              <a:rPr lang="en-US" dirty="0">
+                <a:solidFill>
+                  <a:srgbClr val="586E75"/>
+                </a:solidFill>
+                <a:effectLst/>
+              </a:rPr>
+              <a:t>(</a:t>
+            </a:r>
+            <a:r>
+              <a:rPr lang="en-US" dirty="0">
+                <a:solidFill>
+                  <a:srgbClr val="333333"/>
+                </a:solidFill>
+                <a:effectLst/>
+              </a:rPr>
+              <a:t>n</a:t>
+            </a:r>
+            <a:r>
+              <a:rPr lang="en-US" dirty="0">
+                <a:solidFill>
+                  <a:srgbClr val="586E75"/>
+                </a:solidFill>
+                <a:effectLst/>
+              </a:rPr>
+              <a:t>)</a:t>
+            </a:r>
+            <a:r>
+              <a:rPr lang="en-US" dirty="0">
+                <a:solidFill>
+                  <a:srgbClr val="333333"/>
+                </a:solidFill>
+                <a:effectLst/>
+              </a:rPr>
+              <a:t> </a:t>
+            </a:r>
+            <a:r>
+              <a:rPr lang="en-US" dirty="0">
+                <a:solidFill>
+                  <a:srgbClr val="859900"/>
+                </a:solidFill>
+                <a:effectLst/>
+              </a:rPr>
+              <a:t>where</a:t>
+            </a:r>
+            <a:r>
+              <a:rPr lang="en-US" dirty="0">
+                <a:solidFill>
+                  <a:srgbClr val="333333"/>
+                </a:solidFill>
+                <a:effectLst/>
+              </a:rPr>
+              <a:t> id</a:t>
+            </a:r>
+            <a:r>
+              <a:rPr lang="en-US" dirty="0">
+                <a:solidFill>
+                  <a:srgbClr val="586E75"/>
+                </a:solidFill>
+                <a:effectLst/>
+              </a:rPr>
+              <a:t>(</a:t>
+            </a:r>
+            <a:r>
+              <a:rPr lang="en-US" dirty="0">
+                <a:solidFill>
+                  <a:srgbClr val="333333"/>
+                </a:solidFill>
+                <a:effectLst/>
+              </a:rPr>
+              <a:t>n</a:t>
+            </a:r>
+            <a:r>
+              <a:rPr lang="en-US" dirty="0">
+                <a:solidFill>
+                  <a:srgbClr val="586E75"/>
+                </a:solidFill>
+                <a:effectLst/>
+              </a:rPr>
+              <a:t>)=</a:t>
+            </a:r>
+            <a:r>
+              <a:rPr lang="en-US" dirty="0">
+                <a:solidFill>
+                  <a:srgbClr val="2AA198"/>
+                </a:solidFill>
+                <a:effectLst/>
+              </a:rPr>
+              <a:t>2</a:t>
+            </a:r>
+            <a:r>
+              <a:rPr lang="en-US" dirty="0">
+                <a:solidFill>
+                  <a:srgbClr val="333333"/>
+                </a:solidFill>
+                <a:effectLst/>
+              </a:rPr>
+              <a:t> </a:t>
+            </a:r>
+            <a:r>
+              <a:rPr lang="en-US" dirty="0">
+                <a:solidFill>
+                  <a:srgbClr val="859900"/>
+                </a:solidFill>
+                <a:effectLst/>
+              </a:rPr>
+              <a:t>set</a:t>
+            </a:r>
+            <a:r>
+              <a:rPr lang="en-US" dirty="0">
+                <a:solidFill>
+                  <a:srgbClr val="333333"/>
+                </a:solidFill>
+                <a:effectLst/>
+              </a:rPr>
+              <a:t> n</a:t>
+            </a:r>
+            <a:r>
+              <a:rPr lang="en-US" dirty="0">
+                <a:solidFill>
+                  <a:srgbClr val="586E75"/>
+                </a:solidFill>
+                <a:effectLst/>
+              </a:rPr>
+              <a:t>.</a:t>
+            </a:r>
+            <a:r>
+              <a:rPr lang="en-US" dirty="0">
+                <a:solidFill>
+                  <a:srgbClr val="333333"/>
+                </a:solidFill>
+                <a:effectLst/>
+              </a:rPr>
+              <a:t>name</a:t>
+            </a:r>
+            <a:r>
+              <a:rPr lang="en-US" dirty="0">
+                <a:solidFill>
+                  <a:srgbClr val="586E75"/>
+                </a:solidFill>
+                <a:effectLst/>
+              </a:rPr>
+              <a:t>=</a:t>
+            </a:r>
+            <a:r>
+              <a:rPr lang="en-US" dirty="0">
+                <a:solidFill>
+                  <a:srgbClr val="B58900"/>
+                </a:solidFill>
+                <a:effectLst/>
+              </a:rPr>
+              <a:t>'ruhan'</a:t>
+            </a:r>
+            <a:endParaRPr lang="en-US" dirty="0">
+              <a:solidFill>
+                <a:srgbClr val="000000"/>
+              </a:solidFill>
+              <a:effectLst/>
+            </a:endParaRPr>
+          </a:p>
+          <a:p>
+            <a:pPr marL="285750" indent="-285750">
+              <a:buFont typeface="Arial" panose="020B0604020202020204" pitchFamily="34" charset="0"/>
+              <a:buChar char="•"/>
+            </a:pPr>
+            <a:endParaRPr lang="pt-BR" sz="800" dirty="0">
+              <a:solidFill>
+                <a:srgbClr val="333333"/>
+              </a:solidFill>
+            </a:endParaRPr>
+          </a:p>
+          <a:p>
+            <a:pPr marL="285750" indent="-285750">
+              <a:buFont typeface="Arial" panose="020B0604020202020204" pitchFamily="34" charset="0"/>
+              <a:buChar char="•"/>
+            </a:pPr>
+            <a:r>
+              <a:rPr lang="en-IN" dirty="0">
+                <a:solidFill>
+                  <a:schemeClr val="tx1">
+                    <a:lumMod val="50000"/>
+                    <a:lumOff val="50000"/>
+                  </a:schemeClr>
+                </a:solidFill>
+                <a:latin typeface="Gill Sans MT (Body)"/>
+              </a:rPr>
+              <a:t>neo4j$ </a:t>
+            </a:r>
+            <a:r>
+              <a:rPr lang="en-US" dirty="0">
+                <a:solidFill>
+                  <a:srgbClr val="859900"/>
+                </a:solidFill>
+                <a:effectLst/>
+              </a:rPr>
+              <a:t>match</a:t>
+            </a:r>
+            <a:r>
+              <a:rPr lang="en-US" dirty="0">
+                <a:solidFill>
+                  <a:srgbClr val="586E75"/>
+                </a:solidFill>
+                <a:effectLst/>
+              </a:rPr>
+              <a:t>(</a:t>
+            </a:r>
+            <a:r>
+              <a:rPr lang="en-US" dirty="0">
+                <a:solidFill>
+                  <a:srgbClr val="333333"/>
+                </a:solidFill>
+                <a:effectLst/>
+              </a:rPr>
+              <a:t>n</a:t>
+            </a:r>
+            <a:r>
+              <a:rPr lang="en-US" dirty="0">
+                <a:solidFill>
+                  <a:srgbClr val="586E75"/>
+                </a:solidFill>
+                <a:effectLst/>
+              </a:rPr>
+              <a:t>{</a:t>
+            </a:r>
+            <a:r>
+              <a:rPr lang="en-US" dirty="0">
+                <a:solidFill>
+                  <a:srgbClr val="333333"/>
+                </a:solidFill>
+                <a:effectLst/>
+              </a:rPr>
+              <a:t>name</a:t>
+            </a:r>
+            <a:r>
+              <a:rPr lang="en-US" dirty="0">
+                <a:solidFill>
+                  <a:srgbClr val="586E75"/>
+                </a:solidFill>
+                <a:effectLst/>
+              </a:rPr>
+              <a:t>:</a:t>
+            </a:r>
+            <a:r>
+              <a:rPr lang="en-US" dirty="0">
+                <a:solidFill>
+                  <a:srgbClr val="B58900"/>
+                </a:solidFill>
+                <a:effectLst/>
+              </a:rPr>
+              <a:t>'sharmin'</a:t>
+            </a:r>
+            <a:r>
+              <a:rPr lang="en-US" dirty="0">
+                <a:solidFill>
+                  <a:srgbClr val="586E75"/>
+                </a:solidFill>
+                <a:effectLst/>
+              </a:rPr>
+              <a:t>})</a:t>
+            </a:r>
+            <a:r>
+              <a:rPr lang="en-US" dirty="0">
+                <a:solidFill>
+                  <a:srgbClr val="333333"/>
+                </a:solidFill>
+                <a:effectLst/>
+              </a:rPr>
+              <a:t> </a:t>
+            </a:r>
+            <a:r>
+              <a:rPr lang="en-US" dirty="0">
+                <a:solidFill>
+                  <a:srgbClr val="859900"/>
+                </a:solidFill>
+                <a:effectLst/>
+              </a:rPr>
+              <a:t>remove</a:t>
+            </a:r>
+            <a:r>
+              <a:rPr lang="en-US" dirty="0">
+                <a:solidFill>
+                  <a:srgbClr val="333333"/>
+                </a:solidFill>
+                <a:effectLst/>
+              </a:rPr>
+              <a:t> n</a:t>
+            </a:r>
+            <a:r>
+              <a:rPr lang="en-US" dirty="0">
+                <a:solidFill>
+                  <a:srgbClr val="586E75"/>
+                </a:solidFill>
+                <a:effectLst/>
+              </a:rPr>
+              <a:t>.</a:t>
+            </a:r>
+            <a:r>
+              <a:rPr lang="en-US" dirty="0">
+                <a:solidFill>
+                  <a:srgbClr val="333333"/>
+                </a:solidFill>
+                <a:effectLst/>
+              </a:rPr>
+              <a:t>salary</a:t>
+            </a:r>
+            <a:endParaRPr lang="en-US" dirty="0">
+              <a:solidFill>
+                <a:srgbClr val="000000"/>
+              </a:solidFill>
+              <a:effectLst/>
+            </a:endParaRPr>
+          </a:p>
+          <a:p>
+            <a:pPr marL="285750" indent="-285750">
+              <a:buFont typeface="Arial" panose="020B0604020202020204" pitchFamily="34" charset="0"/>
+              <a:buChar char="•"/>
+            </a:pPr>
+            <a:endParaRPr lang="pt-BR" sz="800" dirty="0">
+              <a:solidFill>
+                <a:srgbClr val="333333"/>
+              </a:solidFill>
+              <a:effectLst/>
+            </a:endParaRPr>
+          </a:p>
+          <a:p>
+            <a:pPr marL="285750" indent="-285750">
+              <a:buFont typeface="Arial" panose="020B0604020202020204" pitchFamily="34" charset="0"/>
+              <a:buChar char="•"/>
+            </a:pPr>
+            <a:r>
+              <a:rPr lang="en-IN" dirty="0">
+                <a:solidFill>
+                  <a:schemeClr val="tx1">
+                    <a:lumMod val="50000"/>
+                    <a:lumOff val="50000"/>
+                  </a:schemeClr>
+                </a:solidFill>
+                <a:latin typeface="Gill Sans MT (Body)"/>
+              </a:rPr>
+              <a:t>neo4j$ </a:t>
+            </a:r>
+            <a:r>
+              <a:rPr lang="en-US" dirty="0">
+                <a:solidFill>
+                  <a:srgbClr val="859900"/>
+                </a:solidFill>
+                <a:effectLst/>
+              </a:rPr>
+              <a:t>match</a:t>
+            </a:r>
+            <a:r>
+              <a:rPr lang="en-US" dirty="0">
+                <a:solidFill>
+                  <a:srgbClr val="586E75"/>
+                </a:solidFill>
+                <a:effectLst/>
+              </a:rPr>
+              <a:t>(</a:t>
+            </a:r>
+            <a:r>
+              <a:rPr lang="en-US" dirty="0">
+                <a:solidFill>
+                  <a:srgbClr val="333333"/>
+                </a:solidFill>
+                <a:effectLst/>
+              </a:rPr>
+              <a:t>n</a:t>
+            </a:r>
+            <a:r>
+              <a:rPr lang="en-US" dirty="0">
+                <a:solidFill>
+                  <a:srgbClr val="586E75"/>
+                </a:solidFill>
+                <a:effectLst/>
+              </a:rPr>
+              <a:t>{</a:t>
+            </a:r>
+            <a:r>
+              <a:rPr lang="en-US" dirty="0">
+                <a:solidFill>
+                  <a:srgbClr val="333333"/>
+                </a:solidFill>
+                <a:effectLst/>
+              </a:rPr>
+              <a:t>name</a:t>
+            </a:r>
+            <a:r>
+              <a:rPr lang="en-US" dirty="0">
+                <a:solidFill>
+                  <a:srgbClr val="586E75"/>
+                </a:solidFill>
+                <a:effectLst/>
+              </a:rPr>
+              <a:t>:</a:t>
+            </a:r>
+            <a:r>
+              <a:rPr lang="en-US" dirty="0">
+                <a:solidFill>
+                  <a:srgbClr val="B58900"/>
+                </a:solidFill>
+                <a:effectLst/>
+              </a:rPr>
+              <a:t>'sharmin'</a:t>
+            </a:r>
+            <a:r>
+              <a:rPr lang="en-US" dirty="0">
+                <a:solidFill>
+                  <a:srgbClr val="586E75"/>
+                </a:solidFill>
+                <a:effectLst/>
+              </a:rPr>
+              <a:t>})</a:t>
+            </a:r>
+            <a:r>
+              <a:rPr lang="en-US" dirty="0">
+                <a:solidFill>
+                  <a:srgbClr val="333333"/>
+                </a:solidFill>
+                <a:effectLst/>
+              </a:rPr>
+              <a:t> </a:t>
+            </a:r>
+            <a:r>
+              <a:rPr lang="en-US" dirty="0">
+                <a:solidFill>
+                  <a:srgbClr val="859900"/>
+                </a:solidFill>
+                <a:effectLst/>
+              </a:rPr>
+              <a:t>remove</a:t>
+            </a:r>
+            <a:r>
+              <a:rPr lang="en-US" dirty="0">
+                <a:solidFill>
+                  <a:srgbClr val="333333"/>
+                </a:solidFill>
+                <a:effectLst/>
+              </a:rPr>
+              <a:t> n</a:t>
+            </a:r>
+            <a:r>
+              <a:rPr lang="en-US" dirty="0">
+                <a:solidFill>
+                  <a:srgbClr val="586E75"/>
+                </a:solidFill>
+                <a:effectLst/>
+              </a:rPr>
+              <a:t>.</a:t>
+            </a:r>
+            <a:r>
+              <a:rPr lang="en-US" dirty="0">
+                <a:solidFill>
+                  <a:srgbClr val="333333"/>
+                </a:solidFill>
+                <a:effectLst/>
+              </a:rPr>
+              <a:t>salary </a:t>
+            </a:r>
+            <a:r>
+              <a:rPr lang="en-US" dirty="0">
+                <a:solidFill>
+                  <a:srgbClr val="859900"/>
+                </a:solidFill>
+                <a:effectLst/>
+              </a:rPr>
+              <a:t>set</a:t>
+            </a:r>
+            <a:r>
+              <a:rPr lang="en-US" dirty="0">
+                <a:solidFill>
+                  <a:srgbClr val="333333"/>
+                </a:solidFill>
+                <a:effectLst/>
+              </a:rPr>
+              <a:t> n</a:t>
+            </a:r>
+            <a:r>
+              <a:rPr lang="en-US" dirty="0">
+                <a:solidFill>
+                  <a:srgbClr val="586E75"/>
+                </a:solidFill>
+                <a:effectLst/>
+              </a:rPr>
+              <a:t>.</a:t>
+            </a:r>
+            <a:r>
+              <a:rPr lang="en-US" dirty="0">
+                <a:solidFill>
+                  <a:srgbClr val="333333"/>
+                </a:solidFill>
+                <a:effectLst/>
+              </a:rPr>
+              <a:t>salary</a:t>
+            </a:r>
+            <a:r>
+              <a:rPr lang="en-US" dirty="0">
+                <a:solidFill>
+                  <a:srgbClr val="586E75"/>
+                </a:solidFill>
+                <a:effectLst/>
+              </a:rPr>
+              <a:t>=</a:t>
+            </a:r>
+            <a:r>
+              <a:rPr lang="en-US" dirty="0">
+                <a:solidFill>
+                  <a:srgbClr val="2AA198"/>
+                </a:solidFill>
+                <a:effectLst/>
+              </a:rPr>
+              <a:t>42000	</a:t>
+            </a:r>
+            <a:endParaRPr lang="en-US" dirty="0">
+              <a:solidFill>
+                <a:srgbClr val="2CE041"/>
+              </a:solidFill>
+              <a:effectLst/>
+            </a:endParaRPr>
+          </a:p>
+          <a:p>
+            <a:pPr marL="285750" indent="-285750">
+              <a:buFont typeface="Arial" panose="020B0604020202020204" pitchFamily="34" charset="0"/>
+              <a:buChar char="•"/>
+            </a:pPr>
+            <a:endParaRPr lang="en-US" sz="800" dirty="0">
+              <a:solidFill>
+                <a:srgbClr val="2CE041"/>
+              </a:solidFill>
+            </a:endParaRPr>
+          </a:p>
+          <a:p>
+            <a:pPr marL="285750" indent="-285750">
+              <a:buFont typeface="Arial" panose="020B0604020202020204" pitchFamily="34" charset="0"/>
+              <a:buChar char="•"/>
+            </a:pPr>
+            <a:r>
+              <a:rPr lang="en-IN" dirty="0">
+                <a:solidFill>
+                  <a:schemeClr val="tx1">
+                    <a:lumMod val="50000"/>
+                    <a:lumOff val="50000"/>
+                  </a:schemeClr>
+                </a:solidFill>
+                <a:latin typeface="Gill Sans MT (Body)"/>
+              </a:rPr>
+              <a:t>neo4j$ </a:t>
+            </a:r>
+            <a:r>
+              <a:rPr lang="en-US" dirty="0">
+                <a:solidFill>
+                  <a:srgbClr val="859900"/>
+                </a:solidFill>
+                <a:effectLst/>
+              </a:rPr>
+              <a:t>match</a:t>
+            </a:r>
+            <a:r>
+              <a:rPr lang="en-US" dirty="0">
+                <a:solidFill>
+                  <a:srgbClr val="586E75"/>
+                </a:solidFill>
+                <a:effectLst/>
+              </a:rPr>
+              <a:t>(</a:t>
+            </a:r>
+            <a:r>
+              <a:rPr lang="en-US" dirty="0">
+                <a:solidFill>
+                  <a:srgbClr val="333333"/>
+                </a:solidFill>
+                <a:effectLst/>
+              </a:rPr>
+              <a:t>n</a:t>
+            </a:r>
+            <a:r>
+              <a:rPr lang="en-US" dirty="0">
+                <a:solidFill>
+                  <a:srgbClr val="586E75"/>
+                </a:solidFill>
+                <a:effectLst/>
+              </a:rPr>
+              <a:t>{</a:t>
+            </a:r>
+            <a:r>
+              <a:rPr lang="en-US" dirty="0">
+                <a:solidFill>
+                  <a:srgbClr val="333333"/>
+                </a:solidFill>
+                <a:effectLst/>
+              </a:rPr>
+              <a:t>name</a:t>
+            </a:r>
+            <a:r>
+              <a:rPr lang="en-US" dirty="0">
+                <a:solidFill>
+                  <a:srgbClr val="586E75"/>
+                </a:solidFill>
+                <a:effectLst/>
+              </a:rPr>
+              <a:t>:</a:t>
+            </a:r>
+            <a:r>
+              <a:rPr lang="en-US" dirty="0">
+                <a:solidFill>
+                  <a:srgbClr val="B58900"/>
+                </a:solidFill>
+                <a:effectLst/>
+              </a:rPr>
+              <a:t>'saleel'</a:t>
+            </a:r>
+            <a:r>
+              <a:rPr lang="en-US" dirty="0">
+                <a:solidFill>
+                  <a:srgbClr val="586E75"/>
+                </a:solidFill>
+                <a:effectLst/>
+              </a:rPr>
+              <a:t>}),(</a:t>
+            </a:r>
+            <a:r>
+              <a:rPr lang="en-US" dirty="0">
+                <a:solidFill>
+                  <a:srgbClr val="333333"/>
+                </a:solidFill>
+                <a:effectLst/>
+              </a:rPr>
+              <a:t>m</a:t>
+            </a:r>
+            <a:r>
+              <a:rPr lang="en-US" dirty="0">
+                <a:solidFill>
+                  <a:srgbClr val="586E75"/>
+                </a:solidFill>
+                <a:effectLst/>
+              </a:rPr>
+              <a:t>)</a:t>
+            </a:r>
+            <a:r>
+              <a:rPr lang="en-US" dirty="0">
+                <a:solidFill>
+                  <a:srgbClr val="333333"/>
+                </a:solidFill>
+                <a:effectLst/>
+              </a:rPr>
+              <a:t> </a:t>
+            </a:r>
+            <a:r>
+              <a:rPr lang="en-US" dirty="0">
+                <a:solidFill>
+                  <a:srgbClr val="859900"/>
+                </a:solidFill>
+                <a:effectLst/>
+              </a:rPr>
+              <a:t>where</a:t>
+            </a:r>
+            <a:r>
+              <a:rPr lang="en-US" dirty="0">
+                <a:solidFill>
+                  <a:srgbClr val="333333"/>
+                </a:solidFill>
+                <a:effectLst/>
+              </a:rPr>
+              <a:t> id</a:t>
+            </a:r>
+            <a:r>
+              <a:rPr lang="en-US" dirty="0">
+                <a:solidFill>
+                  <a:srgbClr val="586E75"/>
+                </a:solidFill>
+                <a:effectLst/>
+              </a:rPr>
+              <a:t>(</a:t>
+            </a:r>
+            <a:r>
+              <a:rPr lang="en-US" dirty="0">
+                <a:solidFill>
+                  <a:srgbClr val="333333"/>
+                </a:solidFill>
+                <a:effectLst/>
+              </a:rPr>
+              <a:t>m</a:t>
+            </a:r>
+            <a:r>
+              <a:rPr lang="en-US" dirty="0">
+                <a:solidFill>
+                  <a:srgbClr val="586E75"/>
+                </a:solidFill>
+                <a:effectLst/>
+              </a:rPr>
+              <a:t>)=</a:t>
+            </a:r>
+            <a:r>
+              <a:rPr lang="en-US" dirty="0">
+                <a:solidFill>
+                  <a:srgbClr val="2AA198"/>
+                </a:solidFill>
+                <a:effectLst/>
+              </a:rPr>
+              <a:t>2</a:t>
+            </a:r>
+            <a:endParaRPr lang="en-US" dirty="0">
+              <a:solidFill>
+                <a:srgbClr val="000000"/>
+              </a:solidFill>
+              <a:effectLst/>
+            </a:endParaRPr>
+          </a:p>
+          <a:p>
+            <a:r>
+              <a:rPr lang="en-US" dirty="0">
+                <a:solidFill>
+                  <a:srgbClr val="859900"/>
+                </a:solidFill>
+                <a:effectLst/>
+              </a:rPr>
+              <a:t>                set</a:t>
+            </a:r>
+            <a:r>
+              <a:rPr lang="en-US" dirty="0">
+                <a:solidFill>
+                  <a:srgbClr val="333333"/>
+                </a:solidFill>
+                <a:effectLst/>
+              </a:rPr>
+              <a:t> m </a:t>
+            </a:r>
+            <a:r>
+              <a:rPr lang="en-US" dirty="0">
+                <a:solidFill>
+                  <a:srgbClr val="586E75"/>
+                </a:solidFill>
+                <a:effectLst/>
+              </a:rPr>
+              <a:t>=</a:t>
+            </a:r>
+            <a:r>
+              <a:rPr lang="en-US" dirty="0">
+                <a:solidFill>
+                  <a:srgbClr val="333333"/>
+                </a:solidFill>
+                <a:effectLst/>
+              </a:rPr>
+              <a:t> n</a:t>
+            </a:r>
+            <a:r>
+              <a:rPr lang="en-IN" dirty="0">
+                <a:solidFill>
+                  <a:srgbClr val="2CE041"/>
+                </a:solidFill>
+                <a:effectLst/>
+              </a:rPr>
+              <a:t>						//</a:t>
+            </a:r>
+            <a:r>
+              <a:rPr lang="en-IN" dirty="0">
+                <a:solidFill>
+                  <a:srgbClr val="2CE041"/>
+                </a:solidFill>
+              </a:rPr>
+              <a:t> Copy properties between nodes</a:t>
+            </a:r>
+            <a:endParaRPr lang="en-US" dirty="0">
+              <a:solidFill>
+                <a:srgbClr val="000000"/>
+              </a:solidFill>
+              <a:effectLst/>
+            </a:endParaRPr>
+          </a:p>
+        </p:txBody>
+      </p:sp>
+    </p:spTree>
+    <p:extLst>
+      <p:ext uri="{BB962C8B-B14F-4D97-AF65-F5344CB8AC3E}">
+        <p14:creationId xmlns:p14="http://schemas.microsoft.com/office/powerpoint/2010/main" val="2166043743"/>
+      </p:ext>
+    </p:extLst>
+  </p:cSld>
+  <p:clrMapOvr>
+    <a:masterClrMapping/>
+  </p:clrMapOvr>
+</p:sld>
+</file>
+
+<file path=ppt/slides/slide18.xml><?xml version="1.0" encoding="utf-8"?>
+<p:sld xmlns:a="http://schemas.openxmlformats.org/drawingml/2006/main" xmlns:r="http://schemas.openxmlformats.org/officeDocument/2006/relationships" xmlns:p="http://schemas.openxmlformats.org/presentationml/2006/main">
+  <p:cSld>
+    <p:spTree>
+      <p:nvGrpSpPr>
+        <p:cNvPr id="1" name=""/>
+        <p:cNvGrpSpPr/>
+        <p:nvPr/>
+      </p:nvGrpSpPr>
+      <p:grpSpPr>
+        <a:xfrm>
+          <a:off x="0" y="0"/>
+          <a:ext cx="0" cy="0"/>
+          <a:chOff x="0" y="0"/>
+          <a:chExt cx="0" cy="0"/>
+        </a:xfrm>
+      </p:grpSpPr>
+      <p:sp>
+        <p:nvSpPr>
+          <p:cNvPr id="102" name="CustomShape 3"/>
+          <p:cNvSpPr/>
+          <p:nvPr/>
+        </p:nvSpPr>
+        <p:spPr>
+          <a:xfrm>
+            <a:off x="246600" y="762120"/>
+            <a:ext cx="11693880" cy="398655"/>
+          </a:xfrm>
+          <a:prstGeom prst="rect">
+            <a:avLst/>
+          </a:prstGeom>
+          <a:noFill/>
+          <a:ln>
+            <a:noFill/>
+          </a:ln>
+        </p:spPr>
+        <p:style>
+          <a:lnRef idx="0">
+            <a:scrgbClr r="0" g="0" b="0"/>
+          </a:lnRef>
+          <a:fillRef idx="0">
+            <a:scrgbClr r="0" g="0" b="0"/>
+          </a:fillRef>
+          <a:effectRef idx="0">
+            <a:scrgbClr r="0" g="0" b="0"/>
+          </a:effectRef>
+          <a:fontRef idx="minor"/>
+        </p:style>
+        <p:txBody>
+          <a:bodyPr lIns="90000" tIns="45000" rIns="90000" bIns="45000">
+            <a:spAutoFit/>
+          </a:bodyPr>
+          <a:lstStyle/>
+          <a:p>
+            <a:pPr algn="just"/>
+            <a:r>
+              <a:rPr lang="en-US" sz="2000" dirty="0">
+                <a:solidFill>
+                  <a:srgbClr val="2D3748"/>
+                </a:solidFill>
+                <a:latin typeface="Nunito Sans"/>
+              </a:rPr>
+              <a:t>TODO</a:t>
+            </a:r>
+            <a:endParaRPr lang="en-IN" sz="2000" dirty="0">
+              <a:solidFill>
+                <a:srgbClr val="2D3748"/>
+              </a:solidFill>
+              <a:latin typeface="Nunito Sans"/>
+            </a:endParaRPr>
+          </a:p>
+        </p:txBody>
+      </p:sp>
+      <p:sp>
+        <p:nvSpPr>
+          <p:cNvPr id="103" name="CustomShape 4"/>
+          <p:cNvSpPr/>
+          <p:nvPr/>
+        </p:nvSpPr>
+        <p:spPr>
+          <a:xfrm>
+            <a:off x="243604" y="5696497"/>
+            <a:ext cx="11693880" cy="737210"/>
+          </a:xfrm>
+          <a:prstGeom prst="rect">
+            <a:avLst/>
+          </a:prstGeom>
+          <a:noFill/>
+          <a:ln>
+            <a:noFill/>
+          </a:ln>
+        </p:spPr>
+        <p:style>
+          <a:lnRef idx="0">
+            <a:scrgbClr r="0" g="0" b="0"/>
+          </a:lnRef>
+          <a:fillRef idx="0">
+            <a:scrgbClr r="0" g="0" b="0"/>
+          </a:fillRef>
+          <a:effectRef idx="0">
+            <a:scrgbClr r="0" g="0" b="0"/>
+          </a:effectRef>
+          <a:fontRef idx="minor"/>
+        </p:style>
+        <p:txBody>
+          <a:bodyPr lIns="90000" tIns="45000" rIns="90000" bIns="45000">
+            <a:spAutoFit/>
+          </a:bodyPr>
+          <a:lstStyle/>
+          <a:p>
+            <a:pPr>
+              <a:lnSpc>
+                <a:spcPct val="100000"/>
+              </a:lnSpc>
+            </a:pPr>
+            <a:r>
+              <a:rPr lang="en-IN" sz="2000" b="1" strike="noStrike" spc="-1" dirty="0">
+                <a:solidFill>
+                  <a:srgbClr val="C00000"/>
+                </a:solidFill>
+                <a:latin typeface="Arial" panose="020B0604020202020204" pitchFamily="34" charset="0"/>
+                <a:ea typeface="Open Sans"/>
+                <a:cs typeface="Arial" panose="020B0604020202020204" pitchFamily="34" charset="0"/>
+              </a:rPr>
+              <a:t>Note:</a:t>
+            </a:r>
+            <a:endParaRPr lang="en-IN" sz="2000" b="0" strike="noStrike" spc="-1" dirty="0">
+              <a:latin typeface="Arial" panose="020B0604020202020204" pitchFamily="34" charset="0"/>
+              <a:cs typeface="Arial" panose="020B0604020202020204" pitchFamily="34" charset="0"/>
+            </a:endParaRPr>
+          </a:p>
+          <a:p>
+            <a:pPr>
+              <a:lnSpc>
+                <a:spcPct val="100000"/>
+              </a:lnSpc>
+            </a:pPr>
+            <a:r>
+              <a:rPr lang="en-IN" sz="400" b="0" strike="noStrike" spc="-1" dirty="0">
+                <a:solidFill>
+                  <a:srgbClr val="000000"/>
+                </a:solidFill>
+                <a:latin typeface="Arial" panose="020B0604020202020204" pitchFamily="34" charset="0"/>
+                <a:ea typeface="DejaVu Sans"/>
+                <a:cs typeface="Arial" panose="020B0604020202020204" pitchFamily="34" charset="0"/>
+              </a:rPr>
+              <a:t> </a:t>
+            </a:r>
+            <a:endParaRPr lang="en-IN" sz="400" b="0" strike="noStrike" spc="-1" dirty="0">
+              <a:latin typeface="Arial" panose="020B0604020202020204" pitchFamily="34" charset="0"/>
+              <a:cs typeface="Arial" panose="020B0604020202020204" pitchFamily="34" charset="0"/>
+            </a:endParaRPr>
+          </a:p>
+          <a:p>
+            <a:pPr marL="285840" indent="-262080">
+              <a:buClr>
+                <a:srgbClr val="000000"/>
+              </a:buClr>
+              <a:buFont typeface="Arial"/>
+              <a:buChar char="•"/>
+            </a:pPr>
+            <a:r>
+              <a:rPr lang="en-US" b="0" i="0" dirty="0">
+                <a:solidFill>
+                  <a:srgbClr val="333333"/>
+                </a:solidFill>
+                <a:effectLst/>
+                <a:latin typeface="Arial" panose="020B0604020202020204" pitchFamily="34" charset="0"/>
+              </a:rPr>
+              <a:t>TODO</a:t>
+            </a:r>
+            <a:endParaRPr lang="en-IN" sz="1800" strike="noStrike" spc="-1" dirty="0">
+              <a:solidFill>
+                <a:schemeClr val="tx1">
+                  <a:lumMod val="85000"/>
+                  <a:lumOff val="15000"/>
+                </a:schemeClr>
+              </a:solidFill>
+              <a:latin typeface="Arial" panose="020B0604020202020204" pitchFamily="34" charset="0"/>
+              <a:cs typeface="Arial" panose="020B0604020202020204" pitchFamily="34" charset="0"/>
+            </a:endParaRPr>
+          </a:p>
+        </p:txBody>
+      </p:sp>
+      <p:sp>
+        <p:nvSpPr>
+          <p:cNvPr id="105" name="CustomShape 6"/>
+          <p:cNvSpPr/>
+          <p:nvPr/>
+        </p:nvSpPr>
+        <p:spPr>
+          <a:xfrm>
+            <a:off x="246600" y="0"/>
+            <a:ext cx="11693880" cy="706432"/>
+          </a:xfrm>
+          <a:prstGeom prst="rect">
+            <a:avLst/>
+          </a:prstGeom>
+          <a:solidFill>
+            <a:schemeClr val="accent6">
+              <a:lumMod val="75000"/>
+            </a:schemeClr>
+          </a:solidFill>
+          <a:ln>
+            <a:noFill/>
+          </a:ln>
+        </p:spPr>
+        <p:style>
+          <a:lnRef idx="0">
+            <a:scrgbClr r="0" g="0" b="0"/>
+          </a:lnRef>
+          <a:fillRef idx="0">
+            <a:scrgbClr r="0" g="0" b="0"/>
+          </a:fillRef>
+          <a:effectRef idx="0">
+            <a:scrgbClr r="0" g="0" b="0"/>
+          </a:effectRef>
+          <a:fontRef idx="minor"/>
+        </p:style>
+        <p:txBody>
+          <a:bodyPr lIns="90000" tIns="45000" rIns="90000" bIns="45000">
+            <a:spAutoFit/>
+          </a:bodyPr>
+          <a:lstStyle/>
+          <a:p>
+            <a:pPr algn="r"/>
+            <a:r>
+              <a:rPr lang="en-IN" sz="4000" b="0" strike="noStrike" spc="-1" dirty="0">
+                <a:solidFill>
+                  <a:schemeClr val="accent6">
+                    <a:lumMod val="60000"/>
+                    <a:lumOff val="40000"/>
+                  </a:schemeClr>
+                </a:solidFill>
+                <a:latin typeface="Nunito Sans"/>
+                <a:ea typeface="DejaVu Sans"/>
+              </a:rPr>
+              <a:t>delete all node</a:t>
+            </a:r>
+            <a:endParaRPr lang="en-IN" sz="4000" b="0" strike="noStrike" spc="-1" dirty="0">
+              <a:solidFill>
+                <a:schemeClr val="accent6">
+                  <a:lumMod val="60000"/>
+                  <a:lumOff val="40000"/>
+                </a:schemeClr>
+              </a:solidFill>
+              <a:latin typeface="Nunito Sans"/>
+            </a:endParaRPr>
+          </a:p>
+        </p:txBody>
+      </p:sp>
+      <p:sp>
+        <p:nvSpPr>
+          <p:cNvPr id="108" name="Line 9"/>
+          <p:cNvSpPr/>
+          <p:nvPr/>
+        </p:nvSpPr>
+        <p:spPr>
+          <a:xfrm>
+            <a:off x="0" y="1536120"/>
+            <a:ext cx="12191760" cy="0"/>
+          </a:xfrm>
+          <a:prstGeom prst="line">
+            <a:avLst/>
+          </a:prstGeom>
+          <a:ln w="12600">
+            <a:solidFill>
+              <a:srgbClr val="6E78A0"/>
+            </a:solidFill>
+            <a:prstDash val="dash"/>
+            <a:round/>
+          </a:ln>
+        </p:spPr>
+        <p:style>
+          <a:lnRef idx="1">
+            <a:schemeClr val="accent1"/>
+          </a:lnRef>
+          <a:fillRef idx="0">
+            <a:schemeClr val="accent1"/>
+          </a:fillRef>
+          <a:effectRef idx="0">
+            <a:schemeClr val="accent1"/>
+          </a:effectRef>
+          <a:fontRef idx="minor"/>
+        </p:style>
+      </p:sp>
+      <p:sp>
+        <p:nvSpPr>
+          <p:cNvPr id="12" name="TextBox 11">
+            <a:extLst>
+              <a:ext uri="{FF2B5EF4-FFF2-40B4-BE49-F238E27FC236}">
+                <a16:creationId xmlns:a16="http://schemas.microsoft.com/office/drawing/2014/main" id="{79242DF4-E3E0-4B3F-9DA3-EDDD02A6E7F5}"/>
+              </a:ext>
+            </a:extLst>
+          </p:cNvPr>
+          <p:cNvSpPr txBox="1"/>
+          <p:nvPr/>
+        </p:nvSpPr>
+        <p:spPr>
+          <a:xfrm>
+            <a:off x="118800" y="1686842"/>
+            <a:ext cx="11952000" cy="1323439"/>
+          </a:xfrm>
+          <a:prstGeom prst="rect">
+            <a:avLst/>
+          </a:prstGeom>
+          <a:noFill/>
+        </p:spPr>
+        <p:txBody>
+          <a:bodyPr wrap="square">
+            <a:spAutoFit/>
+          </a:bodyPr>
+          <a:lstStyle/>
+          <a:p>
+            <a:r>
+              <a:rPr lang="pt-BR" spc="-1" dirty="0">
+                <a:solidFill>
+                  <a:srgbClr val="0070C0"/>
+                </a:solidFill>
+                <a:latin typeface="Consolas" panose="020B0609020204030204" pitchFamily="49" charset="0"/>
+                <a:cs typeface="Arial" panose="020B0604020202020204" pitchFamily="34" charset="0"/>
+              </a:rPr>
+              <a:t>MATCH(n</a:t>
+            </a:r>
+            <a:r>
+              <a:rPr lang="en-IN" spc="-1" dirty="0">
+                <a:solidFill>
+                  <a:srgbClr val="0070C0"/>
+                </a:solidFill>
+                <a:latin typeface="Consolas" panose="020B0609020204030204" pitchFamily="49" charset="0"/>
+                <a:cs typeface="Arial" panose="020B0604020202020204" pitchFamily="34" charset="0"/>
+              </a:rPr>
+              <a:t>:label_name </a:t>
+            </a:r>
+            <a:r>
+              <a:rPr lang="pt-BR" spc="-1" dirty="0">
+                <a:solidFill>
+                  <a:srgbClr val="0070C0"/>
+                </a:solidFill>
+                <a:latin typeface="Consolas" panose="020B0609020204030204" pitchFamily="49" charset="0"/>
+                <a:cs typeface="Arial" panose="020B0604020202020204" pitchFamily="34" charset="0"/>
+              </a:rPr>
+              <a:t>{ </a:t>
+            </a:r>
+            <a:r>
+              <a:rPr lang="en-IN" spc="-1" dirty="0">
+                <a:solidFill>
+                  <a:srgbClr val="0070C0"/>
+                </a:solidFill>
+                <a:latin typeface="Consolas" panose="020B0609020204030204" pitchFamily="49" charset="0"/>
+                <a:cs typeface="Arial" panose="020B0604020202020204" pitchFamily="34" charset="0"/>
+              </a:rPr>
+              <a:t>key1: value, key2: value, ... </a:t>
+            </a:r>
+            <a:r>
+              <a:rPr lang="pt-BR" spc="-1" dirty="0">
+                <a:solidFill>
+                  <a:srgbClr val="0070C0"/>
+                </a:solidFill>
+                <a:latin typeface="Consolas" panose="020B0609020204030204" pitchFamily="49" charset="0"/>
+                <a:cs typeface="Arial" panose="020B0604020202020204" pitchFamily="34" charset="0"/>
+              </a:rPr>
+              <a:t>}) DELETE n</a:t>
+            </a:r>
+          </a:p>
+          <a:p>
+            <a:endParaRPr lang="pt-BR" sz="400" spc="-1" dirty="0">
+              <a:solidFill>
+                <a:srgbClr val="0070C0"/>
+              </a:solidFill>
+              <a:latin typeface="Consolas" panose="020B0609020204030204" pitchFamily="49" charset="0"/>
+              <a:cs typeface="Arial" panose="020B0604020202020204" pitchFamily="34" charset="0"/>
+            </a:endParaRPr>
+          </a:p>
+          <a:p>
+            <a:r>
+              <a:rPr lang="pt-BR" spc="-1" dirty="0">
+                <a:solidFill>
+                  <a:srgbClr val="0070C0"/>
+                </a:solidFill>
+                <a:latin typeface="Consolas" panose="020B0609020204030204" pitchFamily="49" charset="0"/>
+                <a:cs typeface="Arial" panose="020B0604020202020204" pitchFamily="34" charset="0"/>
+              </a:rPr>
+              <a:t>MATCH(n</a:t>
+            </a:r>
+            <a:r>
+              <a:rPr lang="en-IN" spc="-1" dirty="0">
+                <a:solidFill>
+                  <a:srgbClr val="0070C0"/>
+                </a:solidFill>
+                <a:latin typeface="Consolas" panose="020B0609020204030204" pitchFamily="49" charset="0"/>
+                <a:cs typeface="Arial" panose="020B0604020202020204" pitchFamily="34" charset="0"/>
+              </a:rPr>
+              <a:t>:label_name </a:t>
+            </a:r>
+            <a:r>
+              <a:rPr lang="pt-BR" spc="-1" dirty="0">
+                <a:solidFill>
+                  <a:srgbClr val="0070C0"/>
+                </a:solidFill>
+                <a:latin typeface="Consolas" panose="020B0609020204030204" pitchFamily="49" charset="0"/>
+                <a:cs typeface="Arial" panose="020B0604020202020204" pitchFamily="34" charset="0"/>
+              </a:rPr>
+              <a:t>{ </a:t>
+            </a:r>
+            <a:r>
+              <a:rPr lang="en-IN" spc="-1" dirty="0">
+                <a:solidFill>
+                  <a:srgbClr val="0070C0"/>
+                </a:solidFill>
+                <a:latin typeface="Consolas" panose="020B0609020204030204" pitchFamily="49" charset="0"/>
+                <a:cs typeface="Arial" panose="020B0604020202020204" pitchFamily="34" charset="0"/>
+              </a:rPr>
+              <a:t>key1: value, key2: value, ... </a:t>
+            </a:r>
+            <a:r>
+              <a:rPr lang="pt-BR" spc="-1" dirty="0">
+                <a:solidFill>
+                  <a:srgbClr val="0070C0"/>
+                </a:solidFill>
+                <a:latin typeface="Consolas" panose="020B0609020204030204" pitchFamily="49" charset="0"/>
+                <a:cs typeface="Arial" panose="020B0604020202020204" pitchFamily="34" charset="0"/>
+              </a:rPr>
+              <a:t>}) MATCH(m</a:t>
+            </a:r>
+            <a:r>
+              <a:rPr lang="en-IN" spc="-1" dirty="0">
+                <a:solidFill>
+                  <a:srgbClr val="0070C0"/>
+                </a:solidFill>
+                <a:latin typeface="Consolas" panose="020B0609020204030204" pitchFamily="49" charset="0"/>
+                <a:cs typeface="Arial" panose="020B0604020202020204" pitchFamily="34" charset="0"/>
+              </a:rPr>
+              <a:t>:label_name </a:t>
+            </a:r>
+            <a:r>
+              <a:rPr lang="pt-BR" spc="-1" dirty="0">
+                <a:solidFill>
+                  <a:srgbClr val="0070C0"/>
+                </a:solidFill>
+                <a:latin typeface="Consolas" panose="020B0609020204030204" pitchFamily="49" charset="0"/>
+                <a:cs typeface="Arial" panose="020B0604020202020204" pitchFamily="34" charset="0"/>
+              </a:rPr>
+              <a:t>{ </a:t>
+            </a:r>
+            <a:r>
+              <a:rPr lang="en-IN" spc="-1" dirty="0">
+                <a:solidFill>
+                  <a:srgbClr val="0070C0"/>
+                </a:solidFill>
+                <a:latin typeface="Consolas" panose="020B0609020204030204" pitchFamily="49" charset="0"/>
+                <a:cs typeface="Arial" panose="020B0604020202020204" pitchFamily="34" charset="0"/>
+              </a:rPr>
+              <a:t>key1: value, key2: value, ... </a:t>
+            </a:r>
+            <a:r>
+              <a:rPr lang="pt-BR" spc="-1" dirty="0">
+                <a:solidFill>
+                  <a:srgbClr val="0070C0"/>
+                </a:solidFill>
+                <a:latin typeface="Consolas" panose="020B0609020204030204" pitchFamily="49" charset="0"/>
+                <a:cs typeface="Arial" panose="020B0604020202020204" pitchFamily="34" charset="0"/>
+              </a:rPr>
+              <a:t>}) DELETE n, m</a:t>
+            </a:r>
+          </a:p>
+          <a:p>
+            <a:endParaRPr lang="pt-BR" sz="400" spc="-1" dirty="0">
+              <a:solidFill>
+                <a:srgbClr val="0070C0"/>
+              </a:solidFill>
+              <a:latin typeface="Consolas" panose="020B0609020204030204" pitchFamily="49" charset="0"/>
+              <a:cs typeface="Arial" panose="020B0604020202020204" pitchFamily="34" charset="0"/>
+            </a:endParaRPr>
+          </a:p>
+          <a:p>
+            <a:r>
+              <a:rPr lang="pt-BR" spc="-1" dirty="0">
+                <a:solidFill>
+                  <a:srgbClr val="0070C0"/>
+                </a:solidFill>
+                <a:latin typeface="Consolas" panose="020B0609020204030204" pitchFamily="49" charset="0"/>
+                <a:cs typeface="Arial" panose="020B0604020202020204" pitchFamily="34" charset="0"/>
+              </a:rPr>
+              <a:t>MATCH(n</a:t>
+            </a:r>
+            <a:r>
+              <a:rPr lang="en-IN" spc="-1" dirty="0">
+                <a:solidFill>
+                  <a:srgbClr val="0070C0"/>
+                </a:solidFill>
+                <a:latin typeface="Consolas" panose="020B0609020204030204" pitchFamily="49" charset="0"/>
+                <a:cs typeface="Arial" panose="020B0604020202020204" pitchFamily="34" charset="0"/>
+              </a:rPr>
+              <a:t>:label_name </a:t>
+            </a:r>
+            <a:r>
+              <a:rPr lang="pt-BR" spc="-1" dirty="0">
+                <a:solidFill>
+                  <a:srgbClr val="0070C0"/>
+                </a:solidFill>
+                <a:latin typeface="Consolas" panose="020B0609020204030204" pitchFamily="49" charset="0"/>
+                <a:cs typeface="Arial" panose="020B0604020202020204" pitchFamily="34" charset="0"/>
+              </a:rPr>
+              <a:t>{ </a:t>
+            </a:r>
+            <a:r>
+              <a:rPr lang="en-IN" spc="-1" dirty="0">
+                <a:solidFill>
+                  <a:srgbClr val="0070C0"/>
+                </a:solidFill>
+                <a:latin typeface="Consolas" panose="020B0609020204030204" pitchFamily="49" charset="0"/>
+                <a:cs typeface="Arial" panose="020B0604020202020204" pitchFamily="34" charset="0"/>
+              </a:rPr>
+              <a:t>key1: value, key2: value, ... </a:t>
+            </a:r>
+            <a:r>
+              <a:rPr lang="pt-BR" spc="-1" dirty="0">
+                <a:solidFill>
+                  <a:srgbClr val="0070C0"/>
+                </a:solidFill>
+                <a:latin typeface="Consolas" panose="020B0609020204030204" pitchFamily="49" charset="0"/>
+                <a:cs typeface="Arial" panose="020B0604020202020204" pitchFamily="34" charset="0"/>
+              </a:rPr>
+              <a:t>}) DETACH DELETE n</a:t>
+            </a:r>
+            <a:endParaRPr lang="en-IN" spc="-1" dirty="0">
+              <a:solidFill>
+                <a:srgbClr val="0070C0"/>
+              </a:solidFill>
+              <a:latin typeface="Consolas" panose="020B0609020204030204" pitchFamily="49" charset="0"/>
+              <a:cs typeface="Arial" panose="020B0604020202020204" pitchFamily="34" charset="0"/>
+            </a:endParaRPr>
+          </a:p>
+        </p:txBody>
+      </p:sp>
+      <p:sp>
+        <p:nvSpPr>
+          <p:cNvPr id="15" name="TextBox 14">
+            <a:extLst>
+              <a:ext uri="{FF2B5EF4-FFF2-40B4-BE49-F238E27FC236}">
+                <a16:creationId xmlns:a16="http://schemas.microsoft.com/office/drawing/2014/main" id="{187A7629-BDF9-4DE3-B954-5B2AC8376F52}"/>
+              </a:ext>
+            </a:extLst>
+          </p:cNvPr>
+          <p:cNvSpPr txBox="1"/>
+          <p:nvPr/>
+        </p:nvSpPr>
+        <p:spPr>
+          <a:xfrm>
+            <a:off x="243604" y="3157805"/>
+            <a:ext cx="11693880" cy="2308324"/>
+          </a:xfrm>
+          <a:prstGeom prst="rect">
+            <a:avLst/>
+          </a:prstGeom>
+          <a:noFill/>
+        </p:spPr>
+        <p:txBody>
+          <a:bodyPr wrap="square">
+            <a:spAutoFit/>
+          </a:bodyPr>
+          <a:lstStyle/>
+          <a:p>
+            <a:pPr marL="285750" indent="-285750">
+              <a:buFont typeface="Arial" panose="020B0604020202020204" pitchFamily="34" charset="0"/>
+              <a:buChar char="•"/>
+            </a:pPr>
+            <a:r>
+              <a:rPr lang="en-IN" dirty="0">
+                <a:solidFill>
+                  <a:schemeClr val="tx1">
+                    <a:lumMod val="50000"/>
+                    <a:lumOff val="50000"/>
+                  </a:schemeClr>
+                </a:solidFill>
+                <a:latin typeface="Gill Sans MT (Body)"/>
+              </a:rPr>
+              <a:t>neo4j$ </a:t>
+            </a:r>
+            <a:r>
+              <a:rPr lang="pt-BR" dirty="0">
+                <a:solidFill>
+                  <a:srgbClr val="859900"/>
+                </a:solidFill>
+                <a:effectLst/>
+              </a:rPr>
+              <a:t>match</a:t>
+            </a:r>
+            <a:r>
+              <a:rPr lang="pt-BR" dirty="0">
+                <a:solidFill>
+                  <a:srgbClr val="586E75"/>
+                </a:solidFill>
+                <a:effectLst/>
+              </a:rPr>
+              <a:t>(</a:t>
+            </a:r>
+            <a:r>
+              <a:rPr lang="pt-BR" dirty="0">
+                <a:solidFill>
+                  <a:srgbClr val="333333"/>
+                </a:solidFill>
+                <a:effectLst/>
+              </a:rPr>
+              <a:t>n</a:t>
+            </a:r>
+            <a:r>
+              <a:rPr lang="pt-BR" dirty="0">
+                <a:solidFill>
+                  <a:srgbClr val="586E75"/>
+                </a:solidFill>
+                <a:effectLst/>
+              </a:rPr>
+              <a:t>)</a:t>
+            </a:r>
+            <a:r>
+              <a:rPr lang="pt-BR" dirty="0">
+                <a:solidFill>
+                  <a:srgbClr val="333333"/>
+                </a:solidFill>
+                <a:effectLst/>
+              </a:rPr>
+              <a:t>  </a:t>
+            </a:r>
+            <a:r>
+              <a:rPr lang="pt-BR" dirty="0">
+                <a:solidFill>
+                  <a:srgbClr val="859900"/>
+                </a:solidFill>
+                <a:effectLst/>
+              </a:rPr>
+              <a:t>delete</a:t>
+            </a:r>
+            <a:r>
+              <a:rPr lang="pt-BR" dirty="0">
+                <a:solidFill>
+                  <a:srgbClr val="333333"/>
+                </a:solidFill>
+                <a:effectLst/>
+              </a:rPr>
+              <a:t> n</a:t>
+            </a:r>
+          </a:p>
+          <a:p>
+            <a:pPr marL="285750" indent="-285750">
+              <a:buFont typeface="Arial" panose="020B0604020202020204" pitchFamily="34" charset="0"/>
+              <a:buChar char="•"/>
+            </a:pPr>
+            <a:endParaRPr lang="pt-BR" sz="800" dirty="0">
+              <a:solidFill>
+                <a:srgbClr val="333333"/>
+              </a:solidFill>
+            </a:endParaRPr>
+          </a:p>
+          <a:p>
+            <a:pPr marL="285750" indent="-285750">
+              <a:buFont typeface="Arial" panose="020B0604020202020204" pitchFamily="34" charset="0"/>
+              <a:buChar char="•"/>
+            </a:pPr>
+            <a:r>
+              <a:rPr lang="en-IN" dirty="0">
+                <a:solidFill>
+                  <a:schemeClr val="tx1">
+                    <a:lumMod val="50000"/>
+                    <a:lumOff val="50000"/>
+                  </a:schemeClr>
+                </a:solidFill>
+                <a:latin typeface="Gill Sans MT (Body)"/>
+              </a:rPr>
+              <a:t>neo4j$ </a:t>
+            </a:r>
+            <a:r>
+              <a:rPr lang="en-US" dirty="0">
+                <a:solidFill>
+                  <a:srgbClr val="859900"/>
+                </a:solidFill>
+                <a:effectLst/>
+              </a:rPr>
+              <a:t>match</a:t>
+            </a:r>
+            <a:r>
+              <a:rPr lang="en-US" dirty="0">
+                <a:solidFill>
+                  <a:srgbClr val="586E75"/>
+                </a:solidFill>
+                <a:effectLst/>
+              </a:rPr>
+              <a:t>(</a:t>
+            </a:r>
+            <a:r>
+              <a:rPr lang="en-US" dirty="0">
+                <a:solidFill>
+                  <a:srgbClr val="333333"/>
+                </a:solidFill>
+                <a:effectLst/>
+              </a:rPr>
+              <a:t>n</a:t>
+            </a:r>
+            <a:r>
+              <a:rPr lang="en-US" dirty="0">
+                <a:solidFill>
+                  <a:srgbClr val="586E75"/>
+                </a:solidFill>
+                <a:effectLst/>
+              </a:rPr>
+              <a:t>:</a:t>
+            </a:r>
+            <a:r>
+              <a:rPr lang="en-US" dirty="0">
+                <a:solidFill>
+                  <a:srgbClr val="333333"/>
+                </a:solidFill>
+                <a:effectLst/>
+              </a:rPr>
+              <a:t>author1</a:t>
+            </a:r>
+            <a:r>
+              <a:rPr lang="en-US" dirty="0">
+                <a:solidFill>
+                  <a:srgbClr val="586E75"/>
+                </a:solidFill>
+                <a:effectLst/>
+              </a:rPr>
+              <a:t>)</a:t>
+            </a:r>
+            <a:r>
+              <a:rPr lang="en-US" dirty="0">
+                <a:solidFill>
+                  <a:srgbClr val="333333"/>
+                </a:solidFill>
+                <a:effectLst/>
+              </a:rPr>
+              <a:t> </a:t>
+            </a:r>
+            <a:r>
+              <a:rPr lang="en-US" dirty="0">
+                <a:solidFill>
+                  <a:srgbClr val="859900"/>
+                </a:solidFill>
+                <a:effectLst/>
+              </a:rPr>
+              <a:t>match</a:t>
+            </a:r>
+            <a:r>
+              <a:rPr lang="en-US" dirty="0">
+                <a:solidFill>
+                  <a:srgbClr val="586E75"/>
+                </a:solidFill>
+                <a:effectLst/>
+              </a:rPr>
+              <a:t>(</a:t>
+            </a:r>
+            <a:r>
+              <a:rPr lang="en-US" dirty="0">
+                <a:solidFill>
+                  <a:srgbClr val="333333"/>
+                </a:solidFill>
+                <a:effectLst/>
+              </a:rPr>
+              <a:t>m</a:t>
+            </a:r>
+            <a:r>
+              <a:rPr lang="en-US" dirty="0">
+                <a:solidFill>
+                  <a:srgbClr val="586E75"/>
+                </a:solidFill>
+                <a:effectLst/>
+              </a:rPr>
+              <a:t>:</a:t>
+            </a:r>
+            <a:r>
+              <a:rPr lang="en-US" dirty="0">
+                <a:solidFill>
+                  <a:srgbClr val="333333"/>
+                </a:solidFill>
+                <a:effectLst/>
+              </a:rPr>
+              <a:t>author2</a:t>
+            </a:r>
+            <a:r>
+              <a:rPr lang="en-US" dirty="0">
+                <a:solidFill>
+                  <a:srgbClr val="586E75"/>
+                </a:solidFill>
+                <a:effectLst/>
+              </a:rPr>
+              <a:t>)</a:t>
+            </a:r>
+            <a:r>
+              <a:rPr lang="en-US" dirty="0">
+                <a:solidFill>
+                  <a:srgbClr val="333333"/>
+                </a:solidFill>
+                <a:effectLst/>
+              </a:rPr>
+              <a:t> </a:t>
+            </a:r>
+            <a:r>
+              <a:rPr lang="en-US" dirty="0">
+                <a:solidFill>
+                  <a:srgbClr val="859900"/>
+                </a:solidFill>
+                <a:effectLst/>
+              </a:rPr>
+              <a:t>delete</a:t>
+            </a:r>
+            <a:r>
+              <a:rPr lang="en-US" dirty="0">
+                <a:solidFill>
+                  <a:srgbClr val="333333"/>
+                </a:solidFill>
+                <a:effectLst/>
+              </a:rPr>
+              <a:t> n</a:t>
+            </a:r>
+            <a:r>
+              <a:rPr lang="en-US" dirty="0">
+                <a:solidFill>
+                  <a:srgbClr val="586E75"/>
+                </a:solidFill>
+                <a:effectLst/>
+              </a:rPr>
+              <a:t>,</a:t>
+            </a:r>
+            <a:r>
+              <a:rPr lang="en-US" dirty="0">
+                <a:solidFill>
+                  <a:srgbClr val="333333"/>
+                </a:solidFill>
+                <a:effectLst/>
+              </a:rPr>
+              <a:t> m </a:t>
+            </a:r>
+            <a:endParaRPr lang="en-US" dirty="0">
+              <a:solidFill>
+                <a:srgbClr val="000000"/>
+              </a:solidFill>
+              <a:effectLst/>
+            </a:endParaRPr>
+          </a:p>
+          <a:p>
+            <a:pPr marL="285750" indent="-285750">
+              <a:buFont typeface="Arial" panose="020B0604020202020204" pitchFamily="34" charset="0"/>
+              <a:buChar char="•"/>
+            </a:pPr>
+            <a:endParaRPr lang="pt-BR" sz="800" dirty="0">
+              <a:solidFill>
+                <a:srgbClr val="333333"/>
+              </a:solidFill>
+              <a:effectLst/>
+            </a:endParaRPr>
+          </a:p>
+          <a:p>
+            <a:pPr marL="285750" indent="-285750">
+              <a:buFont typeface="Arial" panose="020B0604020202020204" pitchFamily="34" charset="0"/>
+              <a:buChar char="•"/>
+            </a:pPr>
+            <a:r>
+              <a:rPr lang="en-IN" dirty="0">
+                <a:solidFill>
+                  <a:schemeClr val="tx1">
+                    <a:lumMod val="50000"/>
+                    <a:lumOff val="50000"/>
+                  </a:schemeClr>
+                </a:solidFill>
+                <a:latin typeface="Gill Sans MT (Body)"/>
+              </a:rPr>
+              <a:t>neo4j$ </a:t>
+            </a:r>
+            <a:r>
+              <a:rPr lang="pt-BR" dirty="0">
+                <a:solidFill>
+                  <a:srgbClr val="859900"/>
+                </a:solidFill>
+                <a:effectLst/>
+              </a:rPr>
+              <a:t>match</a:t>
+            </a:r>
+            <a:r>
+              <a:rPr lang="pt-BR" dirty="0">
+                <a:solidFill>
+                  <a:srgbClr val="586E75"/>
+                </a:solidFill>
+                <a:effectLst/>
+              </a:rPr>
+              <a:t>(</a:t>
+            </a:r>
+            <a:r>
+              <a:rPr lang="pt-BR" dirty="0">
+                <a:solidFill>
+                  <a:srgbClr val="333333"/>
+                </a:solidFill>
+                <a:effectLst/>
+              </a:rPr>
+              <a:t>n</a:t>
+            </a:r>
+            <a:r>
+              <a:rPr lang="pt-BR" dirty="0">
+                <a:solidFill>
+                  <a:srgbClr val="586E75"/>
+                </a:solidFill>
+                <a:effectLst/>
+              </a:rPr>
+              <a:t>)</a:t>
+            </a:r>
+            <a:r>
+              <a:rPr lang="pt-BR" dirty="0">
+                <a:solidFill>
+                  <a:srgbClr val="333333"/>
+                </a:solidFill>
+                <a:effectLst/>
+              </a:rPr>
+              <a:t> </a:t>
+            </a:r>
+            <a:r>
+              <a:rPr lang="pt-BR" dirty="0">
+                <a:solidFill>
+                  <a:srgbClr val="859900"/>
+                </a:solidFill>
+                <a:effectLst/>
+              </a:rPr>
+              <a:t>detach</a:t>
+            </a:r>
+            <a:r>
+              <a:rPr lang="pt-BR" dirty="0">
+                <a:solidFill>
+                  <a:srgbClr val="333333"/>
+                </a:solidFill>
+                <a:effectLst/>
+              </a:rPr>
+              <a:t> </a:t>
+            </a:r>
+            <a:r>
+              <a:rPr lang="pt-BR" dirty="0">
+                <a:solidFill>
+                  <a:srgbClr val="859900"/>
+                </a:solidFill>
+                <a:effectLst/>
+              </a:rPr>
+              <a:t>delete</a:t>
+            </a:r>
+            <a:r>
+              <a:rPr lang="pt-BR" dirty="0">
+                <a:solidFill>
+                  <a:srgbClr val="333333"/>
+                </a:solidFill>
+                <a:effectLst/>
+              </a:rPr>
+              <a:t> n</a:t>
+            </a:r>
+          </a:p>
+          <a:p>
+            <a:endParaRPr lang="pt-BR" sz="800" dirty="0">
+              <a:solidFill>
+                <a:srgbClr val="333333"/>
+              </a:solidFill>
+            </a:endParaRPr>
+          </a:p>
+          <a:p>
+            <a:pPr marL="285750" indent="-285750">
+              <a:buFont typeface="Arial" panose="020B0604020202020204" pitchFamily="34" charset="0"/>
+              <a:buChar char="•"/>
+            </a:pPr>
+            <a:r>
+              <a:rPr lang="en-IN" dirty="0">
+                <a:solidFill>
+                  <a:schemeClr val="tx1">
+                    <a:lumMod val="50000"/>
+                    <a:lumOff val="50000"/>
+                  </a:schemeClr>
+                </a:solidFill>
+                <a:latin typeface="Gill Sans MT (Body)"/>
+              </a:rPr>
+              <a:t>neo4j$ </a:t>
+            </a:r>
+            <a:r>
+              <a:rPr lang="en-US" dirty="0">
+                <a:solidFill>
+                  <a:srgbClr val="859900"/>
+                </a:solidFill>
+                <a:effectLst/>
+              </a:rPr>
+              <a:t>match</a:t>
+            </a:r>
+            <a:r>
+              <a:rPr lang="en-US" dirty="0">
+                <a:solidFill>
+                  <a:srgbClr val="586E75"/>
+                </a:solidFill>
+                <a:effectLst/>
+              </a:rPr>
+              <a:t>(</a:t>
+            </a:r>
+            <a:r>
+              <a:rPr lang="en-US" dirty="0">
+                <a:solidFill>
+                  <a:srgbClr val="333333"/>
+                </a:solidFill>
+                <a:effectLst/>
+              </a:rPr>
+              <a:t>n</a:t>
+            </a:r>
+            <a:r>
+              <a:rPr lang="en-US" dirty="0">
+                <a:solidFill>
+                  <a:srgbClr val="586E75"/>
+                </a:solidFill>
+                <a:effectLst/>
+              </a:rPr>
+              <a:t>)</a:t>
+            </a:r>
+            <a:r>
+              <a:rPr lang="en-US" dirty="0">
+                <a:solidFill>
+                  <a:srgbClr val="333333"/>
+                </a:solidFill>
+                <a:effectLst/>
+              </a:rPr>
+              <a:t> </a:t>
+            </a:r>
+            <a:r>
+              <a:rPr lang="en-US" dirty="0">
+                <a:solidFill>
+                  <a:srgbClr val="859900"/>
+                </a:solidFill>
+                <a:effectLst/>
+              </a:rPr>
+              <a:t>where</a:t>
+            </a:r>
+            <a:r>
+              <a:rPr lang="en-US" dirty="0">
+                <a:solidFill>
+                  <a:srgbClr val="333333"/>
+                </a:solidFill>
+                <a:effectLst/>
+              </a:rPr>
+              <a:t> id</a:t>
+            </a:r>
+            <a:r>
+              <a:rPr lang="en-US" dirty="0">
+                <a:solidFill>
+                  <a:srgbClr val="586E75"/>
+                </a:solidFill>
+                <a:effectLst/>
+              </a:rPr>
+              <a:t>(</a:t>
+            </a:r>
+            <a:r>
+              <a:rPr lang="en-US" dirty="0">
+                <a:solidFill>
+                  <a:srgbClr val="333333"/>
+                </a:solidFill>
+                <a:effectLst/>
+              </a:rPr>
+              <a:t>n</a:t>
+            </a:r>
+            <a:r>
+              <a:rPr lang="en-US" dirty="0">
+                <a:solidFill>
+                  <a:srgbClr val="586E75"/>
+                </a:solidFill>
+                <a:effectLst/>
+              </a:rPr>
+              <a:t>)=</a:t>
+            </a:r>
+            <a:r>
+              <a:rPr lang="en-US" dirty="0">
+                <a:solidFill>
+                  <a:srgbClr val="2AA198"/>
+                </a:solidFill>
+                <a:effectLst/>
+              </a:rPr>
+              <a:t>0</a:t>
+            </a:r>
+            <a:r>
+              <a:rPr lang="en-US" dirty="0">
+                <a:solidFill>
+                  <a:srgbClr val="333333"/>
+                </a:solidFill>
+                <a:effectLst/>
+              </a:rPr>
+              <a:t> </a:t>
+            </a:r>
+            <a:r>
+              <a:rPr lang="en-US" dirty="0">
+                <a:solidFill>
+                  <a:srgbClr val="859900"/>
+                </a:solidFill>
+                <a:effectLst/>
+              </a:rPr>
+              <a:t>detach</a:t>
+            </a:r>
+            <a:r>
+              <a:rPr lang="en-US" dirty="0">
+                <a:solidFill>
+                  <a:srgbClr val="333333"/>
+                </a:solidFill>
+                <a:effectLst/>
+              </a:rPr>
+              <a:t> </a:t>
+            </a:r>
+            <a:r>
+              <a:rPr lang="en-US" dirty="0">
+                <a:solidFill>
+                  <a:srgbClr val="859900"/>
+                </a:solidFill>
+                <a:effectLst/>
+              </a:rPr>
+              <a:t>delete</a:t>
+            </a:r>
+            <a:r>
+              <a:rPr lang="en-US" dirty="0">
+                <a:solidFill>
+                  <a:srgbClr val="333333"/>
+                </a:solidFill>
+                <a:effectLst/>
+              </a:rPr>
+              <a:t> n</a:t>
+            </a:r>
+          </a:p>
+          <a:p>
+            <a:pPr marL="285750" indent="-285750">
+              <a:buFont typeface="Arial" panose="020B0604020202020204" pitchFamily="34" charset="0"/>
+              <a:buChar char="•"/>
+            </a:pPr>
+            <a:endParaRPr lang="en-US" sz="800" dirty="0">
+              <a:solidFill>
+                <a:srgbClr val="333333"/>
+              </a:solidFill>
+            </a:endParaRPr>
+          </a:p>
+          <a:p>
+            <a:pPr marL="285750" indent="-285750">
+              <a:buFont typeface="Arial" panose="020B0604020202020204" pitchFamily="34" charset="0"/>
+              <a:buChar char="•"/>
+            </a:pPr>
+            <a:r>
+              <a:rPr lang="en-IN" dirty="0">
+                <a:solidFill>
+                  <a:schemeClr val="tx1">
+                    <a:lumMod val="50000"/>
+                    <a:lumOff val="50000"/>
+                  </a:schemeClr>
+                </a:solidFill>
+                <a:latin typeface="Gill Sans MT (Body)"/>
+              </a:rPr>
+              <a:t>neo4j$ </a:t>
+            </a:r>
+            <a:r>
+              <a:rPr lang="en-IN" dirty="0">
+                <a:solidFill>
+                  <a:srgbClr val="859900"/>
+                </a:solidFill>
+                <a:effectLst/>
+              </a:rPr>
+              <a:t>match</a:t>
+            </a:r>
+            <a:r>
+              <a:rPr lang="en-IN" dirty="0">
+                <a:solidFill>
+                  <a:srgbClr val="586E75"/>
+                </a:solidFill>
+                <a:effectLst/>
+              </a:rPr>
+              <a:t>(</a:t>
+            </a:r>
+            <a:r>
+              <a:rPr lang="en-IN" dirty="0">
+                <a:solidFill>
+                  <a:srgbClr val="333333"/>
+                </a:solidFill>
+                <a:effectLst/>
+              </a:rPr>
+              <a:t>n</a:t>
+            </a:r>
+            <a:r>
+              <a:rPr lang="en-IN" dirty="0">
+                <a:solidFill>
+                  <a:srgbClr val="586E75"/>
+                </a:solidFill>
+                <a:effectLst/>
+              </a:rPr>
+              <a:t>)</a:t>
+            </a:r>
+            <a:r>
+              <a:rPr lang="en-IN" dirty="0">
+                <a:solidFill>
+                  <a:srgbClr val="333333"/>
+                </a:solidFill>
+                <a:effectLst/>
+              </a:rPr>
+              <a:t> </a:t>
+            </a:r>
+            <a:r>
+              <a:rPr lang="en-IN" dirty="0">
+                <a:solidFill>
+                  <a:srgbClr val="859900"/>
+                </a:solidFill>
+                <a:effectLst/>
+              </a:rPr>
+              <a:t>where</a:t>
+            </a:r>
+            <a:r>
+              <a:rPr lang="en-IN" dirty="0">
+                <a:solidFill>
+                  <a:srgbClr val="333333"/>
+                </a:solidFill>
+                <a:effectLst/>
+              </a:rPr>
+              <a:t> id</a:t>
+            </a:r>
+            <a:r>
+              <a:rPr lang="en-IN" dirty="0">
+                <a:solidFill>
+                  <a:srgbClr val="586E75"/>
+                </a:solidFill>
+                <a:effectLst/>
+              </a:rPr>
+              <a:t>(</a:t>
+            </a:r>
+            <a:r>
+              <a:rPr lang="en-IN" dirty="0">
+                <a:solidFill>
+                  <a:srgbClr val="333333"/>
+                </a:solidFill>
+                <a:effectLst/>
+              </a:rPr>
+              <a:t>n</a:t>
+            </a:r>
+            <a:r>
+              <a:rPr lang="en-IN" dirty="0">
+                <a:solidFill>
+                  <a:srgbClr val="586E75"/>
+                </a:solidFill>
+                <a:effectLst/>
+              </a:rPr>
+              <a:t>)=</a:t>
+            </a:r>
+            <a:r>
+              <a:rPr lang="en-IN" dirty="0">
+                <a:solidFill>
+                  <a:srgbClr val="2AA198"/>
+                </a:solidFill>
+                <a:effectLst/>
+              </a:rPr>
+              <a:t>2</a:t>
+            </a:r>
+            <a:r>
+              <a:rPr lang="en-IN" dirty="0">
+                <a:solidFill>
+                  <a:srgbClr val="333333"/>
+                </a:solidFill>
+                <a:effectLst/>
+              </a:rPr>
+              <a:t> </a:t>
+            </a:r>
+            <a:r>
+              <a:rPr lang="en-IN" dirty="0">
+                <a:solidFill>
+                  <a:srgbClr val="859900"/>
+                </a:solidFill>
+                <a:effectLst/>
+              </a:rPr>
+              <a:t>or</a:t>
+            </a:r>
+            <a:r>
+              <a:rPr lang="en-IN" dirty="0">
+                <a:solidFill>
+                  <a:srgbClr val="333333"/>
+                </a:solidFill>
+                <a:effectLst/>
+              </a:rPr>
+              <a:t> id</a:t>
+            </a:r>
+            <a:r>
+              <a:rPr lang="en-IN" dirty="0">
+                <a:solidFill>
+                  <a:srgbClr val="586E75"/>
+                </a:solidFill>
+                <a:effectLst/>
+              </a:rPr>
+              <a:t>(</a:t>
+            </a:r>
+            <a:r>
+              <a:rPr lang="en-IN" dirty="0">
+                <a:solidFill>
+                  <a:srgbClr val="333333"/>
+                </a:solidFill>
+                <a:effectLst/>
+              </a:rPr>
+              <a:t>n</a:t>
+            </a:r>
+            <a:r>
+              <a:rPr lang="en-IN" dirty="0">
+                <a:solidFill>
+                  <a:srgbClr val="586E75"/>
+                </a:solidFill>
+                <a:effectLst/>
+              </a:rPr>
+              <a:t>)=</a:t>
+            </a:r>
+            <a:r>
+              <a:rPr lang="en-IN" dirty="0">
+                <a:solidFill>
+                  <a:srgbClr val="2AA198"/>
+                </a:solidFill>
+                <a:effectLst/>
+              </a:rPr>
+              <a:t>3</a:t>
+            </a:r>
+            <a:r>
+              <a:rPr lang="en-IN" dirty="0">
+                <a:solidFill>
+                  <a:srgbClr val="333333"/>
+                </a:solidFill>
+                <a:effectLst/>
+              </a:rPr>
+              <a:t> </a:t>
+            </a:r>
+            <a:r>
+              <a:rPr lang="en-IN" dirty="0">
+                <a:solidFill>
+                  <a:srgbClr val="859900"/>
+                </a:solidFill>
+                <a:effectLst/>
+              </a:rPr>
+              <a:t>detach</a:t>
+            </a:r>
+            <a:r>
+              <a:rPr lang="en-IN" dirty="0">
+                <a:solidFill>
+                  <a:srgbClr val="333333"/>
+                </a:solidFill>
+                <a:effectLst/>
+              </a:rPr>
+              <a:t> </a:t>
+            </a:r>
+            <a:r>
+              <a:rPr lang="en-IN" dirty="0">
+                <a:solidFill>
+                  <a:srgbClr val="859900"/>
+                </a:solidFill>
+                <a:effectLst/>
+              </a:rPr>
+              <a:t>delete</a:t>
+            </a:r>
+            <a:r>
+              <a:rPr lang="en-IN" dirty="0">
+                <a:solidFill>
+                  <a:srgbClr val="333333"/>
+                </a:solidFill>
+                <a:effectLst/>
+              </a:rPr>
+              <a:t> n</a:t>
+            </a:r>
+          </a:p>
+          <a:p>
+            <a:pPr marL="285750" indent="-285750">
+              <a:buFont typeface="Arial" panose="020B0604020202020204" pitchFamily="34" charset="0"/>
+              <a:buChar char="•"/>
+            </a:pPr>
+            <a:endParaRPr lang="en-IN" sz="400" dirty="0">
+              <a:solidFill>
+                <a:srgbClr val="333333"/>
+              </a:solidFill>
+            </a:endParaRPr>
+          </a:p>
+          <a:p>
+            <a:pPr marL="285750" indent="-285750">
+              <a:buFont typeface="Arial" panose="020B0604020202020204" pitchFamily="34" charset="0"/>
+              <a:buChar char="•"/>
+            </a:pPr>
+            <a:r>
+              <a:rPr lang="en-IN" dirty="0">
+                <a:solidFill>
+                  <a:schemeClr val="tx1">
+                    <a:lumMod val="50000"/>
+                    <a:lumOff val="50000"/>
+                  </a:schemeClr>
+                </a:solidFill>
+                <a:latin typeface="Gill Sans MT (Body)"/>
+              </a:rPr>
+              <a:t>neo4j$ </a:t>
+            </a:r>
+            <a:r>
+              <a:rPr lang="en-IN" dirty="0">
+                <a:solidFill>
+                  <a:srgbClr val="859900"/>
+                </a:solidFill>
+                <a:effectLst/>
+              </a:rPr>
+              <a:t>match</a:t>
+            </a:r>
+            <a:r>
+              <a:rPr lang="en-IN" dirty="0">
+                <a:solidFill>
+                  <a:srgbClr val="586E75"/>
+                </a:solidFill>
+                <a:effectLst/>
+              </a:rPr>
+              <a:t>(</a:t>
+            </a:r>
+            <a:r>
+              <a:rPr lang="en-IN" dirty="0">
+                <a:solidFill>
+                  <a:srgbClr val="333333"/>
+                </a:solidFill>
+                <a:effectLst/>
+              </a:rPr>
+              <a:t>n</a:t>
+            </a:r>
+            <a:r>
+              <a:rPr lang="en-IN" dirty="0">
+                <a:solidFill>
+                  <a:srgbClr val="586E75"/>
+                </a:solidFill>
+                <a:effectLst/>
+              </a:rPr>
+              <a:t>)</a:t>
+            </a:r>
+            <a:r>
+              <a:rPr lang="en-IN" dirty="0">
+                <a:solidFill>
+                  <a:srgbClr val="333333"/>
+                </a:solidFill>
+                <a:effectLst/>
+              </a:rPr>
+              <a:t> </a:t>
+            </a:r>
+            <a:r>
+              <a:rPr lang="en-IN" dirty="0">
+                <a:solidFill>
+                  <a:srgbClr val="859900"/>
+                </a:solidFill>
+                <a:effectLst/>
+              </a:rPr>
+              <a:t>where</a:t>
+            </a:r>
+            <a:r>
+              <a:rPr lang="en-IN" dirty="0">
+                <a:solidFill>
+                  <a:srgbClr val="333333"/>
+                </a:solidFill>
+                <a:effectLst/>
+              </a:rPr>
+              <a:t> id</a:t>
+            </a:r>
+            <a:r>
+              <a:rPr lang="en-IN" dirty="0">
+                <a:solidFill>
+                  <a:srgbClr val="586E75"/>
+                </a:solidFill>
+                <a:effectLst/>
+              </a:rPr>
+              <a:t>(</a:t>
+            </a:r>
+            <a:r>
+              <a:rPr lang="en-IN" dirty="0">
+                <a:solidFill>
+                  <a:srgbClr val="333333"/>
+                </a:solidFill>
+                <a:effectLst/>
+              </a:rPr>
+              <a:t>n</a:t>
+            </a:r>
+            <a:r>
+              <a:rPr lang="en-IN" dirty="0">
+                <a:solidFill>
+                  <a:srgbClr val="586E75"/>
+                </a:solidFill>
+                <a:effectLst/>
+              </a:rPr>
+              <a:t>) </a:t>
+            </a:r>
+            <a:r>
+              <a:rPr lang="en-US" dirty="0">
+                <a:solidFill>
+                  <a:srgbClr val="859900"/>
+                </a:solidFill>
+                <a:effectLst/>
+              </a:rPr>
+              <a:t>in</a:t>
+            </a:r>
+            <a:r>
+              <a:rPr lang="en-US" dirty="0">
+                <a:solidFill>
+                  <a:srgbClr val="333333"/>
+                </a:solidFill>
+                <a:effectLst/>
+              </a:rPr>
+              <a:t> </a:t>
+            </a:r>
+            <a:r>
+              <a:rPr lang="en-US" dirty="0">
+                <a:solidFill>
+                  <a:srgbClr val="586E75"/>
+                </a:solidFill>
+                <a:effectLst/>
+              </a:rPr>
+              <a:t>[ </a:t>
+            </a:r>
+            <a:r>
+              <a:rPr lang="en-US" dirty="0">
+                <a:solidFill>
+                  <a:srgbClr val="2AA198"/>
+                </a:solidFill>
+                <a:effectLst/>
+              </a:rPr>
+              <a:t>2</a:t>
+            </a:r>
+            <a:r>
+              <a:rPr lang="en-US" dirty="0">
+                <a:solidFill>
+                  <a:srgbClr val="586E75"/>
+                </a:solidFill>
+                <a:effectLst/>
+              </a:rPr>
+              <a:t>, </a:t>
+            </a:r>
+            <a:r>
+              <a:rPr lang="en-US" dirty="0">
+                <a:solidFill>
+                  <a:srgbClr val="2AA198"/>
+                </a:solidFill>
+                <a:effectLst/>
+              </a:rPr>
+              <a:t>3 </a:t>
+            </a:r>
+            <a:r>
+              <a:rPr lang="en-US" dirty="0">
+                <a:solidFill>
+                  <a:srgbClr val="586E75"/>
+                </a:solidFill>
+                <a:effectLst/>
+              </a:rPr>
+              <a:t>]</a:t>
+            </a:r>
+            <a:r>
+              <a:rPr lang="en-US" dirty="0">
+                <a:solidFill>
+                  <a:srgbClr val="333333"/>
+                </a:solidFill>
+                <a:effectLst/>
+              </a:rPr>
+              <a:t> </a:t>
+            </a:r>
+            <a:r>
+              <a:rPr lang="en-IN" dirty="0">
+                <a:solidFill>
+                  <a:srgbClr val="333333"/>
+                </a:solidFill>
+                <a:effectLst/>
+              </a:rPr>
+              <a:t> </a:t>
+            </a:r>
+            <a:r>
+              <a:rPr lang="en-IN" dirty="0">
+                <a:solidFill>
+                  <a:srgbClr val="859900"/>
+                </a:solidFill>
+                <a:effectLst/>
+              </a:rPr>
+              <a:t>detach</a:t>
+            </a:r>
+            <a:r>
+              <a:rPr lang="en-IN" dirty="0">
+                <a:solidFill>
+                  <a:srgbClr val="333333"/>
+                </a:solidFill>
+                <a:effectLst/>
+              </a:rPr>
+              <a:t> </a:t>
+            </a:r>
+            <a:r>
+              <a:rPr lang="en-IN" dirty="0">
+                <a:solidFill>
+                  <a:srgbClr val="859900"/>
+                </a:solidFill>
+                <a:effectLst/>
+              </a:rPr>
+              <a:t>delete</a:t>
+            </a:r>
+            <a:r>
+              <a:rPr lang="en-IN" dirty="0">
+                <a:solidFill>
+                  <a:srgbClr val="333333"/>
+                </a:solidFill>
+                <a:effectLst/>
+              </a:rPr>
+              <a:t> n</a:t>
+            </a:r>
+          </a:p>
+        </p:txBody>
+      </p:sp>
+    </p:spTree>
+    <p:extLst>
+      <p:ext uri="{BB962C8B-B14F-4D97-AF65-F5344CB8AC3E}">
+        <p14:creationId xmlns:p14="http://schemas.microsoft.com/office/powerpoint/2010/main" val="3669044858"/>
+      </p:ext>
+    </p:extLst>
+  </p:cSld>
+  <p:clrMapOvr>
+    <a:masterClrMapping/>
+  </p:clrMapOvr>
+</p:sld>
+</file>
+
+<file path=ppt/slides/slide19.xml><?xml version="1.0" encoding="utf-8"?>
 <p:sld xmlns:a="http://schemas.openxmlformats.org/drawingml/2006/main" xmlns:r="http://schemas.openxmlformats.org/officeDocument/2006/relationships" xmlns:p="http://schemas.openxmlformats.org/presentationml/2006/main">
   <p:cSld>
     <p:spTree>
@@ -13844,7 +16781,7 @@
                 <a:latin typeface="Nunito Sans"/>
                 <a:ea typeface="DejaVu Sans"/>
               </a:rPr>
-              <a:t>match(n)</a:t>
+              <a:t>list</a:t>
             </a:r>
             <a:endParaRPr lang="en-IN" sz="4000" b="0" strike="noStrike" spc="-1" dirty="0">
               <a:solidFill>
@@ -13861,7 +16798,7 @@
     </p:spTree>
     <p:extLst>
       <p:ext uri="{BB962C8B-B14F-4D97-AF65-F5344CB8AC3E}">
-        <p14:creationId xmlns:p14="http://schemas.microsoft.com/office/powerpoint/2010/main" val="3721093997"/>
+        <p14:creationId xmlns:p14="http://schemas.microsoft.com/office/powerpoint/2010/main" val="2239106577"/>
       </p:ext>
     </p:extLst>
   </p:cSld>
@@ -13871,7 +16808,7 @@
 </p:sld>
 </file>
 
-<file path=ppt/slides/slide18.xml><?xml version="1.0" encoding="utf-8"?>
+<file path=ppt/slides/slide2.xml><?xml version="1.0" encoding="utf-8"?>
 <p:sld xmlns:a="http://schemas.openxmlformats.org/drawingml/2006/main" xmlns:r="http://schemas.openxmlformats.org/officeDocument/2006/relationships" xmlns:p="http://schemas.openxmlformats.org/presentationml/2006/main">
   <p:cSld>
     <p:spTree>
@@ -13890,14 +16827,78 @@
       </p:grpSpPr>
       <p:sp>
         <p:nvSpPr>
-          <p:cNvPr id="102" name="CustomShape 3"/>
+          <p:cNvPr id="97" name="CustomShape 2"/>
           <p:cNvSpPr/>
           <p:nvPr/>
         </p:nvSpPr>
         <p:spPr>
           <a:xfrm>
-            <a:off x="246600" y="762120"/>
-            <a:ext cx="11693880" cy="398655"/>
+            <a:off x="1666800" y="3531600"/>
+            <a:ext cx="8815320" cy="367878"/>
+          </a:xfrm>
+          <a:prstGeom prst="rect">
+            <a:avLst/>
+          </a:prstGeom>
+          <a:noFill/>
+          <a:ln>
+            <a:noFill/>
+          </a:ln>
+        </p:spPr>
+        <p:style>
+          <a:lnRef idx="0">
+            <a:scrgbClr r="0" g="0" b="0"/>
+          </a:lnRef>
+          <a:fillRef idx="0">
+            <a:scrgbClr r="0" g="0" b="0"/>
+          </a:fillRef>
+          <a:effectRef idx="0">
+            <a:scrgbClr r="0" g="0" b="0"/>
+          </a:effectRef>
+          <a:fontRef idx="minor"/>
+        </p:style>
+        <p:txBody>
+          <a:bodyPr wrap="square" lIns="90000" tIns="45000" rIns="90000" bIns="45000">
+            <a:spAutoFit/>
+          </a:bodyPr>
+          <a:lstStyle/>
+          <a:p>
+            <a:pPr algn="just">
+              <a:lnSpc>
+                <a:spcPct val="100000"/>
+              </a:lnSpc>
+            </a:pPr>
+            <a:r>
+              <a:rPr lang="en-IN" sz="1800" b="0" strike="noStrike" spc="-1" dirty="0">
+                <a:solidFill>
+                  <a:srgbClr val="BB0643"/>
+                </a:solidFill>
+                <a:latin typeface="Segoe UI"/>
+                <a:ea typeface="DejaVu Sans"/>
+              </a:rPr>
+              <a:t>TODO</a:t>
+            </a:r>
+            <a:endParaRPr lang="en-IN" sz="1800" b="0" strike="noStrike" spc="-1" dirty="0">
+              <a:latin typeface="Arial"/>
+            </a:endParaRPr>
+          </a:p>
+        </p:txBody>
+      </p:sp>
+      <p:sp>
+        <p:nvSpPr>
+          <p:cNvPr id="4" name="CustomShape 1">
+            <a:extLst>
+              <a:ext uri="{FF2B5EF4-FFF2-40B4-BE49-F238E27FC236}">
+                <a16:creationId xmlns:a16="http://schemas.microsoft.com/office/drawing/2014/main" id="{B03AE819-5793-4C2D-A808-F947BC614CB9}"/>
+              </a:ext>
+            </a:extLst>
+          </p:cNvPr>
+          <p:cNvSpPr/>
+          <p:nvPr/>
+        </p:nvSpPr>
+        <p:spPr>
+          <a:xfrm>
+            <a:off x="1676520" y="2362320"/>
+            <a:ext cx="8815320" cy="921876"/>
           </a:xfrm>
           <a:prstGeom prst="rect">
             <a:avLst/>
@@ -13925,1035 +16926,24 @@
           </a:bodyPr>
           <a:lstStyle/>
           <a:p>
-            <a:pPr algn="just"/>
-            <a:r>
-              <a:rPr lang="en-US" sz="2000" dirty="0">
-                <a:solidFill>
-                  <a:srgbClr val="2D3748"/>
-                </a:solidFill>
-                <a:latin typeface="Nunito Sans"/>
-              </a:rPr>
-              <a:t>TODO</a:t>
-            </a:r>
-            <a:endParaRPr lang="en-IN" sz="2000" dirty="0">
-              <a:solidFill>
-                <a:srgbClr val="2D3748"/>
-              </a:solidFill>
-              <a:latin typeface="Nunito Sans"/>
-            </a:endParaRPr>
-          </a:p>
-        </p:txBody>
-      </p:sp>
-      <p:sp>
-        <p:nvSpPr>
-          <p:cNvPr id="103" name="CustomShape 4"/>
-          <p:cNvSpPr/>
-          <p:nvPr/>
-        </p:nvSpPr>
-        <p:spPr>
-          <a:xfrm>
-            <a:off x="243604" y="5696497"/>
-            <a:ext cx="11693880" cy="737210"/>
-          </a:xfrm>
-          <a:prstGeom prst="rect">
-            <a:avLst/>
-          </a:prstGeom>
-          <a:noFill/>
-          <a:ln>
-            <a:noFill/>
-          </a:ln>
-        </p:spPr>
-        <p:style>
-          <a:lnRef idx="0">
-            <a:scrgbClr r="0" g="0" b="0"/>
-          </a:lnRef>
-          <a:fillRef idx="0">
-            <a:scrgbClr r="0" g="0" b="0"/>
-          </a:fillRef>
-          <a:effectRef idx="0">
-            <a:scrgbClr r="0" g="0" b="0"/>
-          </a:effectRef>
-          <a:fontRef idx="minor"/>
-        </p:style>
-        <p:txBody>
-          <a:bodyPr lIns="90000" tIns="45000" rIns="90000" bIns="45000">
-            <a:spAutoFit/>
-          </a:bodyPr>
-          <a:lstStyle/>
-          <a:p>
-            <a:pPr>
+            <a:pPr algn="ctr">
               <a:lnSpc>
                 <a:spcPct val="100000"/>
               </a:lnSpc>
             </a:pPr>
             <a:r>
-              <a:rPr lang="en-IN" sz="2000" b="1" strike="noStrike" spc="-1" dirty="0">
-                <a:solidFill>
-                  <a:srgbClr val="C00000"/>
-                </a:solidFill>
-                <a:latin typeface="Arial" panose="020B0604020202020204" pitchFamily="34" charset="0"/>
-                <a:ea typeface="Open Sans"/>
-                <a:cs typeface="Arial" panose="020B0604020202020204" pitchFamily="34" charset="0"/>
-              </a:rPr>
-              <a:t>Note:</a:t>
-            </a:r>
-            <a:endParaRPr lang="en-IN" sz="2000" b="0" strike="noStrike" spc="-1" dirty="0">
-              <a:latin typeface="Arial" panose="020B0604020202020204" pitchFamily="34" charset="0"/>
-              <a:cs typeface="Arial" panose="020B0604020202020204" pitchFamily="34" charset="0"/>
-            </a:endParaRPr>
-          </a:p>
-          <a:p>
-            <a:pPr>
-              <a:lnSpc>
-                <a:spcPct val="100000"/>
-              </a:lnSpc>
-            </a:pPr>
-            <a:r>
-              <a:rPr lang="en-IN" sz="400" b="0" strike="noStrike" spc="-1" dirty="0">
-                <a:solidFill>
-                  <a:srgbClr val="000000"/>
-                </a:solidFill>
-                <a:latin typeface="Arial" panose="020B0604020202020204" pitchFamily="34" charset="0"/>
-                <a:ea typeface="DejaVu Sans"/>
-                <a:cs typeface="Arial" panose="020B0604020202020204" pitchFamily="34" charset="0"/>
-              </a:rPr>
-              <a:t> </a:t>
-            </a:r>
-            <a:endParaRPr lang="en-IN" sz="400" b="0" strike="noStrike" spc="-1" dirty="0">
-              <a:latin typeface="Arial" panose="020B0604020202020204" pitchFamily="34" charset="0"/>
-              <a:cs typeface="Arial" panose="020B0604020202020204" pitchFamily="34" charset="0"/>
-            </a:endParaRPr>
-          </a:p>
-          <a:p>
-            <a:pPr marL="285840" indent="-262080">
-              <a:buClr>
-                <a:srgbClr val="000000"/>
-              </a:buClr>
-              <a:buFont typeface="Arial"/>
-              <a:buChar char="•"/>
-            </a:pPr>
-            <a:r>
-              <a:rPr lang="en-US" b="0" i="0" dirty="0">
-                <a:solidFill>
-                  <a:srgbClr val="333333"/>
-                </a:solidFill>
-                <a:effectLst/>
-                <a:latin typeface="Arial" panose="020B0604020202020204" pitchFamily="34" charset="0"/>
-              </a:rPr>
-              <a:t>TODO</a:t>
-            </a:r>
-            <a:endParaRPr lang="en-IN" sz="1800" strike="noStrike" spc="-1" dirty="0">
-              <a:solidFill>
-                <a:schemeClr val="tx1">
-                  <a:lumMod val="85000"/>
-                  <a:lumOff val="15000"/>
-                </a:schemeClr>
-              </a:solidFill>
-              <a:latin typeface="Arial" panose="020B0604020202020204" pitchFamily="34" charset="0"/>
-              <a:cs typeface="Arial" panose="020B0604020202020204" pitchFamily="34" charset="0"/>
-            </a:endParaRPr>
-          </a:p>
-        </p:txBody>
-      </p:sp>
-      <p:sp>
-        <p:nvSpPr>
-          <p:cNvPr id="108" name="Line 9"/>
-          <p:cNvSpPr/>
-          <p:nvPr/>
-        </p:nvSpPr>
-        <p:spPr>
-          <a:xfrm>
-            <a:off x="0" y="1536120"/>
-            <a:ext cx="12191760" cy="0"/>
-          </a:xfrm>
-          <a:prstGeom prst="line">
-            <a:avLst/>
-          </a:prstGeom>
-          <a:ln w="12600">
-            <a:solidFill>
-              <a:srgbClr val="6E78A0"/>
-            </a:solidFill>
-            <a:prstDash val="dash"/>
-            <a:round/>
-          </a:ln>
-        </p:spPr>
-        <p:style>
-          <a:lnRef idx="1">
-            <a:schemeClr val="accent1"/>
-          </a:lnRef>
-          <a:fillRef idx="0">
-            <a:schemeClr val="accent1"/>
-          </a:fillRef>
-          <a:effectRef idx="0">
-            <a:schemeClr val="accent1"/>
-          </a:effectRef>
-          <a:fontRef idx="minor"/>
-        </p:style>
-      </p:sp>
-      <p:sp>
-        <p:nvSpPr>
-          <p:cNvPr id="12" name="TextBox 11">
-            <a:extLst>
-              <a:ext uri="{FF2B5EF4-FFF2-40B4-BE49-F238E27FC236}">
-                <a16:creationId xmlns:a16="http://schemas.microsoft.com/office/drawing/2014/main" id="{79242DF4-E3E0-4B3F-9DA3-EDDD02A6E7F5}"/>
-              </a:ext>
-            </a:extLst>
-          </p:cNvPr>
-          <p:cNvSpPr txBox="1"/>
-          <p:nvPr/>
-        </p:nvSpPr>
-        <p:spPr>
-          <a:xfrm>
-            <a:off x="246600" y="1686842"/>
-            <a:ext cx="11693880" cy="369332"/>
-          </a:xfrm>
-          <a:prstGeom prst="rect">
-            <a:avLst/>
-          </a:prstGeom>
-          <a:noFill/>
-        </p:spPr>
-        <p:txBody>
-          <a:bodyPr wrap="square">
-            <a:spAutoFit/>
-          </a:bodyPr>
-          <a:lstStyle/>
-          <a:p>
-            <a:r>
-              <a:rPr lang="en-IN" spc="-1" dirty="0">
-                <a:solidFill>
-                  <a:srgbClr val="0070C0"/>
-                </a:solidFill>
-                <a:latin typeface="Consolas" panose="020B0609020204030204" pitchFamily="49" charset="0"/>
-                <a:cs typeface="Arial" panose="020B0604020202020204" pitchFamily="34" charset="0"/>
-              </a:rPr>
-              <a:t>TODO</a:t>
-            </a:r>
-          </a:p>
-        </p:txBody>
-      </p:sp>
-      <p:sp>
-        <p:nvSpPr>
-          <p:cNvPr id="15" name="TextBox 14">
-            <a:extLst>
-              <a:ext uri="{FF2B5EF4-FFF2-40B4-BE49-F238E27FC236}">
-                <a16:creationId xmlns:a16="http://schemas.microsoft.com/office/drawing/2014/main" id="{187A7629-BDF9-4DE3-B954-5B2AC8376F52}"/>
-              </a:ext>
-            </a:extLst>
-          </p:cNvPr>
-          <p:cNvSpPr txBox="1"/>
-          <p:nvPr/>
-        </p:nvSpPr>
-        <p:spPr>
-          <a:xfrm>
-            <a:off x="243604" y="2134800"/>
-            <a:ext cx="11693880" cy="2769989"/>
-          </a:xfrm>
-          <a:prstGeom prst="rect">
-            <a:avLst/>
-          </a:prstGeom>
-          <a:noFill/>
-        </p:spPr>
-        <p:txBody>
-          <a:bodyPr wrap="square">
-            <a:spAutoFit/>
-          </a:bodyPr>
-          <a:lstStyle/>
-          <a:p>
-            <a:pPr marL="285750" indent="-285750">
-              <a:buFont typeface="Arial" panose="020B0604020202020204" pitchFamily="34" charset="0"/>
-              <a:buChar char="•"/>
-            </a:pPr>
-            <a:r>
-              <a:rPr lang="en-IN" dirty="0">
-                <a:solidFill>
-                  <a:schemeClr val="tx1">
-                    <a:lumMod val="50000"/>
-                    <a:lumOff val="50000"/>
-                  </a:schemeClr>
-                </a:solidFill>
-                <a:latin typeface="Gill Sans MT (Body)"/>
-              </a:rPr>
-              <a:t>neo4j$ </a:t>
-            </a:r>
-            <a:r>
-              <a:rPr lang="en-US" dirty="0">
-                <a:solidFill>
-                  <a:srgbClr val="859900"/>
-                </a:solidFill>
-                <a:effectLst/>
-              </a:rPr>
-              <a:t>match</a:t>
-            </a:r>
-            <a:r>
-              <a:rPr lang="en-US" dirty="0">
-                <a:solidFill>
-                  <a:srgbClr val="586E75"/>
-                </a:solidFill>
-                <a:effectLst/>
-              </a:rPr>
-              <a:t>(</a:t>
-            </a:r>
-            <a:r>
-              <a:rPr lang="en-US" dirty="0">
-                <a:solidFill>
-                  <a:srgbClr val="333333"/>
-                </a:solidFill>
-                <a:effectLst/>
-              </a:rPr>
-              <a:t>n</a:t>
-            </a:r>
-            <a:r>
-              <a:rPr lang="en-US" dirty="0">
-                <a:solidFill>
-                  <a:srgbClr val="586E75"/>
-                </a:solidFill>
-                <a:effectLst/>
-              </a:rPr>
-              <a:t>:</a:t>
-            </a:r>
-            <a:r>
-              <a:rPr lang="en-US" dirty="0">
-                <a:solidFill>
-                  <a:srgbClr val="333333"/>
-                </a:solidFill>
-                <a:effectLst/>
-              </a:rPr>
-              <a:t>book</a:t>
-            </a:r>
-            <a:r>
-              <a:rPr lang="en-US" dirty="0">
-                <a:solidFill>
-                  <a:srgbClr val="586E75"/>
-                </a:solidFill>
-                <a:effectLst/>
-              </a:rPr>
-              <a:t>)</a:t>
-            </a:r>
-            <a:r>
-              <a:rPr lang="en-US" dirty="0">
-                <a:solidFill>
-                  <a:srgbClr val="333333"/>
-                </a:solidFill>
-                <a:effectLst/>
-              </a:rPr>
-              <a:t> </a:t>
-            </a:r>
-            <a:r>
-              <a:rPr lang="en-US" dirty="0">
-                <a:solidFill>
-                  <a:srgbClr val="859900"/>
-                </a:solidFill>
-                <a:effectLst/>
-              </a:rPr>
-              <a:t>return</a:t>
-            </a:r>
-            <a:r>
-              <a:rPr lang="en-US" dirty="0">
-                <a:solidFill>
-                  <a:srgbClr val="333333"/>
-                </a:solidFill>
-                <a:effectLst/>
-              </a:rPr>
-              <a:t> n</a:t>
-            </a:r>
-            <a:r>
-              <a:rPr lang="en-US" dirty="0">
-                <a:solidFill>
-                  <a:srgbClr val="586E75"/>
-                </a:solidFill>
-                <a:effectLst/>
-              </a:rPr>
-              <a:t>.</a:t>
-            </a:r>
-            <a:r>
-              <a:rPr lang="en-US" dirty="0">
-                <a:solidFill>
-                  <a:srgbClr val="333333"/>
-                </a:solidFill>
-                <a:effectLst/>
-              </a:rPr>
-              <a:t>name </a:t>
-            </a:r>
-            <a:r>
-              <a:rPr lang="en-US" dirty="0">
-                <a:solidFill>
-                  <a:srgbClr val="859900"/>
-                </a:solidFill>
-                <a:effectLst/>
-              </a:rPr>
-              <a:t>as</a:t>
-            </a:r>
-            <a:r>
-              <a:rPr lang="en-US" dirty="0">
-                <a:solidFill>
-                  <a:srgbClr val="333333"/>
-                </a:solidFill>
-                <a:effectLst/>
-              </a:rPr>
-              <a:t> `Book Names`</a:t>
-            </a:r>
-            <a:r>
-              <a:rPr lang="en-US" dirty="0">
-                <a:solidFill>
-                  <a:srgbClr val="586E75"/>
-                </a:solidFill>
-                <a:effectLst/>
-              </a:rPr>
-              <a:t>,</a:t>
-            </a:r>
-            <a:r>
-              <a:rPr lang="en-US" dirty="0">
-                <a:solidFill>
-                  <a:srgbClr val="333333"/>
-                </a:solidFill>
-                <a:effectLst/>
-              </a:rPr>
-              <a:t> n</a:t>
-            </a:r>
-            <a:r>
-              <a:rPr lang="en-US" dirty="0">
-                <a:solidFill>
-                  <a:srgbClr val="586E75"/>
-                </a:solidFill>
-                <a:effectLst/>
-              </a:rPr>
-              <a:t>.</a:t>
-            </a:r>
-            <a:r>
-              <a:rPr lang="en-US" dirty="0">
-                <a:solidFill>
-                  <a:srgbClr val="333333"/>
-                </a:solidFill>
-                <a:effectLst/>
-              </a:rPr>
-              <a:t>price  </a:t>
-            </a:r>
-            <a:r>
-              <a:rPr lang="en-US" dirty="0">
-                <a:solidFill>
-                  <a:srgbClr val="859900"/>
-                </a:solidFill>
-                <a:effectLst/>
-              </a:rPr>
-              <a:t>as</a:t>
-            </a:r>
-            <a:r>
-              <a:rPr lang="en-US" dirty="0">
-                <a:solidFill>
-                  <a:srgbClr val="333333"/>
-                </a:solidFill>
-                <a:effectLst/>
-              </a:rPr>
-              <a:t> `Price`</a:t>
-            </a:r>
-            <a:endParaRPr lang="en-US" dirty="0">
-              <a:solidFill>
-                <a:srgbClr val="000000"/>
-              </a:solidFill>
-              <a:effectLst/>
-            </a:endParaRPr>
-          </a:p>
-          <a:p>
-            <a:pPr marL="285750" indent="-285750">
-              <a:buFont typeface="Arial" panose="020B0604020202020204" pitchFamily="34" charset="0"/>
-              <a:buChar char="•"/>
-            </a:pPr>
-            <a:endParaRPr lang="en-IN" sz="800" dirty="0">
-              <a:solidFill>
-                <a:schemeClr val="accent6">
-                  <a:lumMod val="50000"/>
-                </a:schemeClr>
-              </a:solidFill>
-              <a:latin typeface="Gill Sans MT (Body)"/>
-            </a:endParaRPr>
-          </a:p>
-          <a:p>
-            <a:pPr marL="285750" indent="-285750">
-              <a:buFont typeface="Arial" panose="020B0604020202020204" pitchFamily="34" charset="0"/>
-              <a:buChar char="•"/>
-            </a:pPr>
-            <a:r>
-              <a:rPr lang="en-IN" dirty="0">
-                <a:solidFill>
-                  <a:schemeClr val="tx1">
-                    <a:lumMod val="50000"/>
-                    <a:lumOff val="50000"/>
-                  </a:schemeClr>
-                </a:solidFill>
-                <a:latin typeface="Gill Sans MT (Body)"/>
-              </a:rPr>
-              <a:t>neo4j$ </a:t>
-            </a:r>
-            <a:r>
-              <a:rPr lang="en-US" dirty="0">
-                <a:solidFill>
-                  <a:srgbClr val="859900"/>
-                </a:solidFill>
-                <a:effectLst/>
-              </a:rPr>
-              <a:t>match</a:t>
-            </a:r>
-            <a:r>
-              <a:rPr lang="en-US" dirty="0">
-                <a:solidFill>
-                  <a:srgbClr val="586E75"/>
-                </a:solidFill>
-                <a:effectLst/>
-              </a:rPr>
-              <a:t>(</a:t>
-            </a:r>
-            <a:r>
-              <a:rPr lang="en-US" dirty="0">
-                <a:solidFill>
-                  <a:srgbClr val="333333"/>
-                </a:solidFill>
-                <a:effectLst/>
-              </a:rPr>
-              <a:t>n</a:t>
-            </a:r>
-            <a:r>
-              <a:rPr lang="en-US" dirty="0">
-                <a:solidFill>
-                  <a:srgbClr val="586E75"/>
-                </a:solidFill>
-                <a:effectLst/>
-              </a:rPr>
-              <a:t>:</a:t>
-            </a:r>
-            <a:r>
-              <a:rPr lang="en-US" dirty="0">
-                <a:solidFill>
-                  <a:srgbClr val="333333"/>
-                </a:solidFill>
-                <a:effectLst/>
-              </a:rPr>
-              <a:t>book</a:t>
-            </a:r>
-            <a:r>
-              <a:rPr lang="en-US" dirty="0">
-                <a:solidFill>
-                  <a:srgbClr val="586E75"/>
-                </a:solidFill>
-                <a:effectLst/>
-              </a:rPr>
-              <a:t>)</a:t>
-            </a:r>
-            <a:r>
-              <a:rPr lang="en-US" dirty="0">
-                <a:solidFill>
-                  <a:srgbClr val="333333"/>
-                </a:solidFill>
-                <a:effectLst/>
-              </a:rPr>
-              <a:t> </a:t>
-            </a:r>
-            <a:r>
-              <a:rPr lang="en-US" dirty="0">
-                <a:solidFill>
-                  <a:srgbClr val="859900"/>
-                </a:solidFill>
-                <a:effectLst/>
-              </a:rPr>
-              <a:t>return</a:t>
-            </a:r>
-            <a:r>
-              <a:rPr lang="en-US" dirty="0">
-                <a:solidFill>
-                  <a:srgbClr val="333333"/>
-                </a:solidFill>
-                <a:effectLst/>
-              </a:rPr>
-              <a:t> n</a:t>
-            </a:r>
-            <a:r>
-              <a:rPr lang="en-US" dirty="0">
-                <a:solidFill>
-                  <a:srgbClr val="586E75"/>
-                </a:solidFill>
-                <a:effectLst/>
-              </a:rPr>
-              <a:t>.</a:t>
-            </a:r>
-            <a:r>
-              <a:rPr lang="en-US" dirty="0">
-                <a:solidFill>
-                  <a:srgbClr val="333333"/>
-                </a:solidFill>
-                <a:effectLst/>
-              </a:rPr>
-              <a:t>name</a:t>
-            </a:r>
-            <a:r>
-              <a:rPr lang="en-US" dirty="0">
-                <a:solidFill>
-                  <a:srgbClr val="586E75"/>
-                </a:solidFill>
-                <a:effectLst/>
-              </a:rPr>
-              <a:t>,</a:t>
-            </a:r>
-            <a:r>
-              <a:rPr lang="en-US" dirty="0">
-                <a:solidFill>
-                  <a:srgbClr val="333333"/>
-                </a:solidFill>
-                <a:effectLst/>
-              </a:rPr>
-              <a:t> n</a:t>
-            </a:r>
-            <a:r>
-              <a:rPr lang="en-US" dirty="0">
-                <a:solidFill>
-                  <a:srgbClr val="586E75"/>
-                </a:solidFill>
-                <a:effectLst/>
-              </a:rPr>
-              <a:t>.</a:t>
-            </a:r>
-            <a:r>
-              <a:rPr lang="en-US" dirty="0">
-                <a:solidFill>
-                  <a:srgbClr val="333333"/>
-                </a:solidFill>
-                <a:effectLst/>
-              </a:rPr>
-              <a:t>price</a:t>
-            </a:r>
-            <a:r>
-              <a:rPr lang="en-US" dirty="0">
-                <a:solidFill>
-                  <a:srgbClr val="586E75"/>
-                </a:solidFill>
-                <a:effectLst/>
-              </a:rPr>
-              <a:t>,</a:t>
-            </a:r>
-            <a:r>
-              <a:rPr lang="en-US" dirty="0">
-                <a:solidFill>
-                  <a:srgbClr val="333333"/>
-                </a:solidFill>
-              </a:rPr>
-              <a:t> </a:t>
-            </a:r>
-            <a:r>
-              <a:rPr lang="en-US" dirty="0">
-                <a:solidFill>
-                  <a:srgbClr val="333333"/>
-                </a:solidFill>
-                <a:effectLst/>
-              </a:rPr>
-              <a:t>n</a:t>
-            </a:r>
-            <a:r>
-              <a:rPr lang="en-US" dirty="0">
-                <a:solidFill>
-                  <a:srgbClr val="586E75"/>
-                </a:solidFill>
-                <a:effectLst/>
-              </a:rPr>
-              <a:t>.</a:t>
-            </a:r>
-            <a:r>
-              <a:rPr lang="en-US" dirty="0">
-                <a:solidFill>
-                  <a:srgbClr val="333333"/>
-                </a:solidFill>
-                <a:effectLst/>
-              </a:rPr>
-              <a:t>price </a:t>
-            </a:r>
-            <a:r>
-              <a:rPr lang="en-US" dirty="0">
-                <a:solidFill>
-                  <a:srgbClr val="586E75"/>
-                </a:solidFill>
-                <a:effectLst/>
-              </a:rPr>
-              <a:t>+</a:t>
-            </a:r>
-            <a:r>
-              <a:rPr lang="en-US" dirty="0">
-                <a:solidFill>
-                  <a:srgbClr val="333333"/>
-                </a:solidFill>
-                <a:effectLst/>
-              </a:rPr>
-              <a:t> </a:t>
-            </a:r>
-            <a:r>
-              <a:rPr lang="en-US" dirty="0">
-                <a:solidFill>
-                  <a:srgbClr val="586E75"/>
-                </a:solidFill>
-                <a:effectLst/>
-              </a:rPr>
-              <a:t>(</a:t>
-            </a:r>
-            <a:r>
-              <a:rPr lang="en-US" dirty="0">
-                <a:solidFill>
-                  <a:srgbClr val="333333"/>
-                </a:solidFill>
-                <a:effectLst/>
-              </a:rPr>
-              <a:t>n</a:t>
-            </a:r>
-            <a:r>
-              <a:rPr lang="en-US" dirty="0">
-                <a:solidFill>
-                  <a:srgbClr val="586E75"/>
-                </a:solidFill>
-                <a:effectLst/>
-              </a:rPr>
-              <a:t>.</a:t>
-            </a:r>
-            <a:r>
-              <a:rPr lang="en-US" dirty="0">
-                <a:solidFill>
-                  <a:srgbClr val="333333"/>
-                </a:solidFill>
-                <a:effectLst/>
-              </a:rPr>
-              <a:t>price </a:t>
-            </a:r>
-            <a:r>
-              <a:rPr lang="en-US" dirty="0">
-                <a:solidFill>
-                  <a:srgbClr val="586E75"/>
-                </a:solidFill>
-                <a:effectLst/>
-              </a:rPr>
-              <a:t>*</a:t>
-            </a:r>
-            <a:r>
-              <a:rPr lang="en-US" dirty="0">
-                <a:solidFill>
-                  <a:srgbClr val="333333"/>
-                </a:solidFill>
-                <a:effectLst/>
-              </a:rPr>
-              <a:t> </a:t>
-            </a:r>
-            <a:r>
-              <a:rPr lang="en-US" dirty="0">
-                <a:solidFill>
-                  <a:srgbClr val="2AA198"/>
-                </a:solidFill>
-                <a:effectLst/>
-              </a:rPr>
-              <a:t>.10</a:t>
-            </a:r>
-            <a:r>
-              <a:rPr lang="en-US" dirty="0">
-                <a:solidFill>
-                  <a:srgbClr val="586E75"/>
-                </a:solidFill>
-                <a:effectLst/>
-              </a:rPr>
-              <a:t>)</a:t>
-            </a:r>
-            <a:r>
-              <a:rPr lang="en-US" dirty="0">
-                <a:solidFill>
-                  <a:srgbClr val="333333"/>
-                </a:solidFill>
-                <a:effectLst/>
-              </a:rPr>
-              <a:t> </a:t>
-            </a:r>
-            <a:r>
-              <a:rPr lang="en-US" dirty="0">
-                <a:solidFill>
-                  <a:srgbClr val="859900"/>
-                </a:solidFill>
-                <a:effectLst/>
-              </a:rPr>
-              <a:t>as</a:t>
-            </a:r>
-            <a:r>
-              <a:rPr lang="en-US" dirty="0">
-                <a:solidFill>
-                  <a:srgbClr val="333333"/>
-                </a:solidFill>
-                <a:effectLst/>
-              </a:rPr>
-              <a:t> `New Price`</a:t>
-            </a:r>
-            <a:endParaRPr lang="en-US" dirty="0">
-              <a:solidFill>
-                <a:schemeClr val="accent6">
-                  <a:lumMod val="50000"/>
-                </a:schemeClr>
-              </a:solidFill>
-              <a:latin typeface="Gill Sans MT (Body)"/>
-            </a:endParaRPr>
-          </a:p>
-          <a:p>
-            <a:pPr marL="285750" indent="-285750">
-              <a:buFont typeface="Arial" panose="020B0604020202020204" pitchFamily="34" charset="0"/>
-              <a:buChar char="•"/>
-            </a:pPr>
-            <a:endParaRPr lang="en-US" sz="800" dirty="0">
-              <a:solidFill>
-                <a:schemeClr val="accent6">
-                  <a:lumMod val="50000"/>
-                </a:schemeClr>
-              </a:solidFill>
-              <a:latin typeface="Gill Sans MT (Body)"/>
-            </a:endParaRPr>
-          </a:p>
-          <a:p>
-            <a:pPr marL="285750" indent="-285750">
-              <a:buFont typeface="Arial" panose="020B0604020202020204" pitchFamily="34" charset="0"/>
-              <a:buChar char="•"/>
-            </a:pPr>
-            <a:r>
-              <a:rPr lang="en-IN" dirty="0">
-                <a:solidFill>
-                  <a:schemeClr val="tx1">
-                    <a:lumMod val="50000"/>
-                    <a:lumOff val="50000"/>
-                  </a:schemeClr>
-                </a:solidFill>
-                <a:latin typeface="Gill Sans MT (Body)"/>
-              </a:rPr>
-              <a:t>neo4j$</a:t>
-            </a:r>
-            <a:endParaRPr lang="en-US" dirty="0">
-              <a:solidFill>
-                <a:srgbClr val="333333"/>
-              </a:solidFill>
-              <a:effectLst/>
-              <a:latin typeface="Gill Sans MT (Body)"/>
-            </a:endParaRPr>
-          </a:p>
-          <a:p>
-            <a:pPr marL="285750" indent="-285750">
-              <a:buFont typeface="Arial" panose="020B0604020202020204" pitchFamily="34" charset="0"/>
-              <a:buChar char="•"/>
-            </a:pPr>
-            <a:endParaRPr lang="en-US" sz="800" dirty="0">
-              <a:solidFill>
-                <a:srgbClr val="333333"/>
-              </a:solidFill>
-              <a:latin typeface="Gill Sans MT (Body)"/>
-            </a:endParaRPr>
-          </a:p>
-          <a:p>
-            <a:pPr marL="285750" indent="-285750">
-              <a:buFont typeface="Arial" panose="020B0604020202020204" pitchFamily="34" charset="0"/>
-              <a:buChar char="•"/>
-            </a:pPr>
-            <a:r>
-              <a:rPr lang="en-IN" dirty="0">
-                <a:solidFill>
-                  <a:schemeClr val="tx1">
-                    <a:lumMod val="50000"/>
-                    <a:lumOff val="50000"/>
-                  </a:schemeClr>
-                </a:solidFill>
-                <a:latin typeface="Gill Sans MT (Body)"/>
-              </a:rPr>
-              <a:t>neo4j$</a:t>
-            </a:r>
-            <a:endParaRPr lang="en-US" dirty="0">
-              <a:solidFill>
-                <a:srgbClr val="333333"/>
-              </a:solidFill>
-              <a:effectLst/>
-            </a:endParaRPr>
-          </a:p>
-          <a:p>
-            <a:pPr marL="285750" indent="-285750">
-              <a:buFont typeface="Arial" panose="020B0604020202020204" pitchFamily="34" charset="0"/>
-              <a:buChar char="•"/>
-            </a:pPr>
-            <a:endParaRPr lang="en-US" sz="800" dirty="0">
-              <a:solidFill>
-                <a:srgbClr val="333333"/>
-              </a:solidFill>
-            </a:endParaRPr>
-          </a:p>
-          <a:p>
-            <a:pPr marL="285750" indent="-285750">
-              <a:buFont typeface="Arial" panose="020B0604020202020204" pitchFamily="34" charset="0"/>
-              <a:buChar char="•"/>
-            </a:pPr>
-            <a:r>
-              <a:rPr lang="en-IN" dirty="0">
-                <a:solidFill>
-                  <a:schemeClr val="tx1">
-                    <a:lumMod val="50000"/>
-                    <a:lumOff val="50000"/>
-                  </a:schemeClr>
-                </a:solidFill>
-                <a:latin typeface="Gill Sans MT (Body)"/>
-              </a:rPr>
-              <a:t>neo4j$</a:t>
-            </a:r>
-            <a:endParaRPr lang="en-US" dirty="0">
-              <a:solidFill>
-                <a:srgbClr val="000000"/>
-              </a:solidFill>
-              <a:effectLst/>
-            </a:endParaRPr>
-          </a:p>
-          <a:p>
-            <a:pPr marL="285750" indent="-285750">
-              <a:buFont typeface="Arial" panose="020B0604020202020204" pitchFamily="34" charset="0"/>
-              <a:buChar char="•"/>
-            </a:pPr>
-            <a:endParaRPr lang="en-IN" sz="800" dirty="0">
-              <a:solidFill>
-                <a:schemeClr val="tx1">
-                  <a:lumMod val="50000"/>
-                  <a:lumOff val="50000"/>
-                </a:schemeClr>
-              </a:solidFill>
-              <a:latin typeface="Gill Sans MT (Body)"/>
-            </a:endParaRPr>
-          </a:p>
-          <a:p>
-            <a:pPr marL="285750" indent="-285750">
-              <a:buFont typeface="Arial" panose="020B0604020202020204" pitchFamily="34" charset="0"/>
-              <a:buChar char="•"/>
-            </a:pPr>
-            <a:r>
-              <a:rPr lang="en-IN" dirty="0">
-                <a:solidFill>
-                  <a:schemeClr val="tx1">
-                    <a:lumMod val="50000"/>
-                    <a:lumOff val="50000"/>
-                  </a:schemeClr>
-                </a:solidFill>
-                <a:latin typeface="Gill Sans MT (Body)"/>
-              </a:rPr>
-              <a:t>neo4j$</a:t>
-            </a:r>
-            <a:endParaRPr lang="en-US" dirty="0">
-              <a:solidFill>
-                <a:srgbClr val="000000"/>
-              </a:solidFill>
-              <a:effectLst/>
-            </a:endParaRPr>
-          </a:p>
-          <a:p>
-            <a:pPr marL="285750" indent="-285750">
-              <a:buFont typeface="Arial" panose="020B0604020202020204" pitchFamily="34" charset="0"/>
-              <a:buChar char="•"/>
-            </a:pPr>
-            <a:endParaRPr lang="en-US" sz="800" dirty="0">
-              <a:solidFill>
-                <a:srgbClr val="333333"/>
-              </a:solidFill>
-            </a:endParaRPr>
-          </a:p>
-          <a:p>
-            <a:pPr marL="285750" indent="-285750">
-              <a:buFont typeface="Arial" panose="020B0604020202020204" pitchFamily="34" charset="0"/>
-              <a:buChar char="•"/>
-            </a:pPr>
-            <a:r>
-              <a:rPr lang="en-IN" dirty="0">
-                <a:solidFill>
-                  <a:schemeClr val="tx1">
-                    <a:lumMod val="50000"/>
-                    <a:lumOff val="50000"/>
-                  </a:schemeClr>
-                </a:solidFill>
-                <a:latin typeface="Gill Sans MT (Body)"/>
-              </a:rPr>
-              <a:t>neo4j$</a:t>
-            </a:r>
-            <a:endParaRPr lang="en-US" dirty="0">
-              <a:solidFill>
-                <a:srgbClr val="000000"/>
-              </a:solidFill>
-              <a:effectLst/>
-            </a:endParaRPr>
-          </a:p>
-        </p:txBody>
-      </p:sp>
-      <p:sp>
-        <p:nvSpPr>
-          <p:cNvPr id="8" name="CustomShape 6">
-            <a:extLst>
-              <a:ext uri="{FF2B5EF4-FFF2-40B4-BE49-F238E27FC236}">
-                <a16:creationId xmlns:a16="http://schemas.microsoft.com/office/drawing/2014/main" id="{8D4BD6EA-70A3-4098-B595-3811FA3CBFB5}"/>
-              </a:ext>
-            </a:extLst>
-          </p:cNvPr>
-          <p:cNvSpPr/>
-          <p:nvPr/>
-        </p:nvSpPr>
-        <p:spPr>
-          <a:xfrm>
-            <a:off x="246600" y="0"/>
-            <a:ext cx="11693880" cy="706432"/>
-          </a:xfrm>
-          <a:prstGeom prst="rect">
-            <a:avLst/>
-          </a:prstGeom>
-          <a:solidFill>
-            <a:schemeClr val="accent6">
-              <a:lumMod val="75000"/>
-            </a:schemeClr>
-          </a:solidFill>
-          <a:ln>
-            <a:noFill/>
-          </a:ln>
-        </p:spPr>
-        <p:style>
-          <a:lnRef idx="0">
-            <a:scrgbClr r="0" g="0" b="0"/>
-          </a:lnRef>
-          <a:fillRef idx="0">
-            <a:scrgbClr r="0" g="0" b="0"/>
-          </a:fillRef>
-          <a:effectRef idx="0">
-            <a:scrgbClr r="0" g="0" b="0"/>
-          </a:effectRef>
-          <a:fontRef idx="minor"/>
-        </p:style>
-        <p:txBody>
-          <a:bodyPr lIns="90000" tIns="45000" rIns="90000" bIns="45000">
-            <a:spAutoFit/>
-          </a:bodyPr>
-          <a:lstStyle/>
-          <a:p>
-            <a:pPr algn="r"/>
-            <a:r>
-              <a:rPr lang="en-IN" sz="4000" b="0" strike="noStrike" spc="-1" dirty="0">
-                <a:solidFill>
-                  <a:schemeClr val="accent6">
-                    <a:lumMod val="60000"/>
-                    <a:lumOff val="40000"/>
-                  </a:schemeClr>
-                </a:solidFill>
-                <a:latin typeface="Nunito Sans"/>
-                <a:ea typeface="DejaVu Sans"/>
-              </a:rPr>
-              <a:t>list</a:t>
-            </a:r>
-            <a:endParaRPr lang="en-IN" sz="4000" b="0" strike="noStrike" spc="-1" dirty="0">
-              <a:solidFill>
-                <a:schemeClr val="accent6">
-                  <a:lumMod val="60000"/>
-                  <a:lumOff val="40000"/>
-                </a:schemeClr>
-              </a:solidFill>
-              <a:latin typeface="Nunito Sans"/>
-            </a:endParaRPr>
+              <a:rPr lang="en-IN" sz="5400" i="1" spc="-1" dirty="0">
+                <a:solidFill>
+                  <a:srgbClr val="781632"/>
+                </a:solidFill>
+                <a:latin typeface="Century"/>
+              </a:rPr>
+              <a:t>neo4j</a:t>
+            </a:r>
           </a:p>
         </p:txBody>
       </p:sp>
     </p:spTree>
-    <p:extLst>
-      <p:ext uri="{BB962C8B-B14F-4D97-AF65-F5344CB8AC3E}">
-        <p14:creationId xmlns:p14="http://schemas.microsoft.com/office/powerpoint/2010/main" val="2239106577"/>
-      </p:ext>
-    </p:extLst>
   </p:cSld>
   <p:clrMapOvr>
     <a:masterClrMapping/>
@@ -14961,7 +16951,7 @@
 </p:sld>
 </file>
 
-<file path=ppt/slides/slide19.xml><?xml version="1.0" encoding="utf-8"?>
+<file path=ppt/slides/slide20.xml><?xml version="1.0" encoding="utf-8"?>
 <p:sld xmlns:a="http://schemas.openxmlformats.org/drawingml/2006/main" xmlns:r="http://schemas.openxmlformats.org/officeDocument/2006/relationships" xmlns:p="http://schemas.openxmlformats.org/presentationml/2006/main">
   <p:cSld>
     <p:spTree>
@@ -15522,150 +17512,7 @@
 </p:sld>
 </file>
 
-<file path=ppt/slides/slide2.xml><?xml version="1.0" encoding="utf-8"?>
-<p:sld xmlns:a="http://schemas.openxmlformats.org/drawingml/2006/main" xmlns:r="http://schemas.openxmlformats.org/officeDocument/2006/relationships" xmlns:p="http://schemas.openxmlformats.org/presentationml/2006/main">
-  <p:cSld>
-    <p:spTree>
-      <p:nvGrpSpPr>
-        <p:cNvPr id="1" name=""/>
-        <p:cNvGrpSpPr/>
-        <p:nvPr/>
-      </p:nvGrpSpPr>
-      <p:grpSpPr>
-        <a:xfrm>
-          <a:off x="0" y="0"/>
-          <a:ext cx="0" cy="0"/>
-          <a:chOff x="0" y="0"/>
-          <a:chExt cx="0" cy="0"/>
-        </a:xfrm>
-      </p:grpSpPr>
-      <p:sp>
-        <p:nvSpPr>
-          <p:cNvPr id="97" name="CustomShape 2"/>
-          <p:cNvSpPr/>
-          <p:nvPr/>
-        </p:nvSpPr>
-        <p:spPr>
-          <a:xfrm>
-            <a:off x="1666800" y="3531600"/>
-            <a:ext cx="8815320" cy="367878"/>
-          </a:xfrm>
-          <a:prstGeom prst="rect">
-            <a:avLst/>
-          </a:prstGeom>
-          <a:noFill/>
-          <a:ln>
-            <a:noFill/>
-          </a:ln>
-        </p:spPr>
-        <p:style>
-          <a:lnRef idx="0">
-            <a:scrgbClr r="0" g="0" b="0"/>
-          </a:lnRef>
-          <a:fillRef idx="0">
-            <a:scrgbClr r="0" g="0" b="0"/>
-          </a:fillRef>
-          <a:effectRef idx="0">
-            <a:scrgbClr r="0" g="0" b="0"/>
-          </a:effectRef>
-          <a:fontRef idx="minor"/>
-        </p:style>
-        <p:txBody>
-          <a:bodyPr wrap="square" lIns="90000" tIns="45000" rIns="90000" bIns="45000">
-            <a:spAutoFit/>
-          </a:bodyPr>
-          <a:lstStyle/>
-          <a:p>
-            <a:pPr algn="just">
-              <a:lnSpc>
-                <a:spcPct val="100000"/>
-              </a:lnSpc>
-            </a:pPr>
-            <a:r>
-              <a:rPr lang="en-IN" sz="1800" b="0" strike="noStrike" spc="-1" dirty="0">
-                <a:solidFill>
-                  <a:srgbClr val="BB0643"/>
-                </a:solidFill>
-                <a:latin typeface="Segoe UI"/>
-                <a:ea typeface="DejaVu Sans"/>
-              </a:rPr>
-              <a:t>TODO</a:t>
-            </a:r>
-            <a:endParaRPr lang="en-IN" sz="1800" b="0" strike="noStrike" spc="-1" dirty="0">
-              <a:latin typeface="Arial"/>
-            </a:endParaRPr>
-          </a:p>
-        </p:txBody>
-      </p:sp>
-      <p:sp>
-        <p:nvSpPr>
-          <p:cNvPr id="4" name="CustomShape 1">
-            <a:extLst>
-              <a:ext uri="{FF2B5EF4-FFF2-40B4-BE49-F238E27FC236}">
-                <a16:creationId xmlns:a16="http://schemas.microsoft.com/office/drawing/2014/main" id="{B03AE819-5793-4C2D-A808-F947BC614CB9}"/>
-              </a:ext>
-            </a:extLst>
-          </p:cNvPr>
-          <p:cNvSpPr/>
-          <p:nvPr/>
-        </p:nvSpPr>
-        <p:spPr>
-          <a:xfrm>
-            <a:off x="1676520" y="2362320"/>
-            <a:ext cx="8815320" cy="921876"/>
-          </a:xfrm>
-          <a:prstGeom prst="rect">
-            <a:avLst/>
-          </a:prstGeom>
-          <a:noFill/>
-          <a:ln>
-            <a:noFill/>
-          </a:ln>
-        </p:spPr>
-        <p:style>
-          <a:lnRef idx="0">
-            <a:scrgbClr r="0" g="0" b="0"/>
-          </a:lnRef>
-          <a:fillRef idx="0">
-            <a:scrgbClr r="0" g="0" b="0"/>
-          </a:fillRef>
-          <a:effectRef idx="0">
-            <a:scrgbClr r="0" g="0" b="0"/>
-          </a:effectRef>
-          <a:fontRef idx="minor"/>
-        </p:style>
-        <p:txBody>
-          <a:bodyPr lIns="90000" tIns="45000" rIns="90000" bIns="45000">
-            <a:spAutoFit/>
-          </a:bodyPr>
-          <a:lstStyle/>
-          <a:p>
-            <a:pPr algn="ctr">
-              <a:lnSpc>
-                <a:spcPct val="100000"/>
-              </a:lnSpc>
-            </a:pPr>
-            <a:r>
-              <a:rPr lang="en-IN" sz="5400" i="1" spc="-1" dirty="0">
-                <a:solidFill>
-                  <a:srgbClr val="781632"/>
-                </a:solidFill>
-                <a:latin typeface="Century"/>
-              </a:rPr>
-              <a:t>neo4j</a:t>
-            </a:r>
-          </a:p>
-        </p:txBody>
-      </p:sp>
-    </p:spTree>
-  </p:cSld>
-  <p:clrMapOvr>
-    <a:masterClrMapping/>
-  </p:clrMapOvr>
-</p:sld>
-</file>
-
-<file path=ppt/slides/slide20.xml><?xml version="1.0" encoding="utf-8"?>
+<file path=ppt/slides/slide21.xml><?xml version="1.0" encoding="utf-8"?>
 <p:sld xmlns:a="http://schemas.openxmlformats.org/drawingml/2006/main" xmlns:r="http://schemas.openxmlformats.org/officeDocument/2006/relationships" xmlns:p="http://schemas.openxmlformats.org/presentationml/2006/main">
   <p:cSld>
     <p:spTree>
@@ -15695,7 +17542,7 @@
 </p:sld>
 </file>
 
-<file path=ppt/slides/slide21.xml><?xml version="1.0" encoding="utf-8"?>
+<file path=ppt/slides/slide22.xml><?xml version="1.0" encoding="utf-8"?>
 <p:sld xmlns:a="http://schemas.openxmlformats.org/drawingml/2006/main" xmlns:r="http://schemas.openxmlformats.org/officeDocument/2006/relationships" xmlns:p="http://schemas.openxmlformats.org/presentationml/2006/main">
   <p:cSld>
     <p:spTree>
@@ -15841,7 +17688,7 @@
 </p:sld>
 </file>
 
-<file path=ppt/slides/slide22.xml><?xml version="1.0" encoding="utf-8"?>
+<file path=ppt/slides/slide23.xml><?xml version="1.0" encoding="utf-8"?>
 <p:sld xmlns:a="http://schemas.openxmlformats.org/drawingml/2006/main" xmlns:r="http://schemas.openxmlformats.org/officeDocument/2006/relationships" xmlns:p="http://schemas.openxmlformats.org/presentationml/2006/main">
   <p:cSld>
     <p:spTree>

--- a/Neo4j.pptx
+++ b/Neo4j.pptx
@@ -5,7 +5,7 @@
     <p:sldMasterId id="2147483720" r:id="rId1"/>
   </p:sldMasterIdLst>
   <p:notesMasterIdLst>
-    <p:notesMasterId r:id="rId25"/>
+    <p:notesMasterId r:id="rId26"/>
   </p:notesMasterIdLst>
   <p:sldIdLst>
     <p:sldId id="256" r:id="rId2"/>
@@ -25,12 +25,13 @@
     <p:sldId id="1408" r:id="rId16"/>
     <p:sldId id="1406" r:id="rId17"/>
     <p:sldId id="1409" r:id="rId18"/>
-    <p:sldId id="1402" r:id="rId19"/>
-    <p:sldId id="1407" r:id="rId20"/>
-    <p:sldId id="1404" r:id="rId21"/>
-    <p:sldId id="1393" r:id="rId22"/>
-    <p:sldId id="350" r:id="rId23"/>
-    <p:sldId id="1398" r:id="rId24"/>
+    <p:sldId id="1410" r:id="rId19"/>
+    <p:sldId id="1402" r:id="rId20"/>
+    <p:sldId id="1407" r:id="rId21"/>
+    <p:sldId id="1404" r:id="rId22"/>
+    <p:sldId id="1393" r:id="rId23"/>
+    <p:sldId id="350" r:id="rId24"/>
+    <p:sldId id="1398" r:id="rId25"/>
   </p:sldIdLst>
   <p:sldSz cx="12192000" cy="6858000"/>
   <p:notesSz cx="6858000" cy="9144000"/>
@@ -12534,117 +12535,6 @@
       </p:sp>
       <p:sp>
         <p:nvSpPr>
-          <p:cNvPr id="103" name="CustomShape 4"/>
-          <p:cNvSpPr/>
-          <p:nvPr/>
-        </p:nvSpPr>
-        <p:spPr>
-          <a:xfrm>
-            <a:off x="243604" y="5696497"/>
-            <a:ext cx="11693880" cy="737210"/>
-          </a:xfrm>
-          <a:prstGeom prst="rect">
-            <a:avLst/>
-          </a:prstGeom>
-          <a:noFill/>
-          <a:ln>
-            <a:noFill/>
-          </a:ln>
-        </p:spPr>
-        <p:style>
-          <a:lnRef idx="0">
-            <a:scrgbClr r="0" g="0" b="0"/>
-          </a:lnRef>
-          <a:fillRef idx="0">
-            <a:scrgbClr r="0" g="0" b="0"/>
-          </a:fillRef>
-          <a:effectRef idx="0">
-            <a:scrgbClr r="0" g="0" b="0"/>
-          </a:effectRef>
-          <a:fontRef idx="minor"/>
-        </p:style>
-        <p:txBody>
-          <a:bodyPr lIns="90000" tIns="45000" rIns="90000" bIns="45000">
-            <a:spAutoFit/>
-          </a:bodyPr>
-          <a:lstStyle/>
-          <a:p>
-            <a:pPr>
-              <a:lnSpc>
-                <a:spcPct val="100000"/>
-              </a:lnSpc>
-            </a:pPr>
-            <a:r>
-              <a:rPr lang="en-IN" sz="2000" b="1" strike="noStrike" spc="-1" dirty="0">
-                <a:solidFill>
-                  <a:srgbClr val="C00000"/>
-                </a:solidFill>
-                <a:latin typeface="Arial" panose="020B0604020202020204" pitchFamily="34" charset="0"/>
-                <a:ea typeface="Open Sans"/>
-                <a:cs typeface="Arial" panose="020B0604020202020204" pitchFamily="34" charset="0"/>
-              </a:rPr>
-              <a:t>Note:</a:t>
-            </a:r>
-            <a:endParaRPr lang="en-IN" sz="2000" b="0" strike="noStrike" spc="-1" dirty="0">
-              <a:latin typeface="Arial" panose="020B0604020202020204" pitchFamily="34" charset="0"/>
-              <a:cs typeface="Arial" panose="020B0604020202020204" pitchFamily="34" charset="0"/>
-            </a:endParaRPr>
-          </a:p>
-          <a:p>
-            <a:pPr>
-              <a:lnSpc>
-                <a:spcPct val="100000"/>
-              </a:lnSpc>
-            </a:pPr>
-            <a:r>
-              <a:rPr lang="en-IN" sz="400" b="0" strike="noStrike" spc="-1" dirty="0">
-                <a:solidFill>
-                  <a:srgbClr val="000000"/>
-                </a:solidFill>
-                <a:latin typeface="Arial" panose="020B0604020202020204" pitchFamily="34" charset="0"/>
-                <a:ea typeface="DejaVu Sans"/>
-                <a:cs typeface="Arial" panose="020B0604020202020204" pitchFamily="34" charset="0"/>
-              </a:rPr>
-              <a:t> </a:t>
-            </a:r>
-            <a:endParaRPr lang="en-IN" sz="400" b="0" strike="noStrike" spc="-1" dirty="0">
-              <a:latin typeface="Arial" panose="020B0604020202020204" pitchFamily="34" charset="0"/>
-              <a:cs typeface="Arial" panose="020B0604020202020204" pitchFamily="34" charset="0"/>
-            </a:endParaRPr>
-          </a:p>
-          <a:p>
-            <a:pPr marL="285840" indent="-262080">
-              <a:buClr>
-                <a:srgbClr val="000000"/>
-              </a:buClr>
-              <a:buFont typeface="Arial"/>
-              <a:buChar char="•"/>
-            </a:pPr>
-            <a:r>
-              <a:rPr lang="en-US" b="0" i="0" dirty="0">
-                <a:solidFill>
-                  <a:srgbClr val="333333"/>
-                </a:solidFill>
-                <a:effectLst/>
-                <a:latin typeface="Arial" panose="020B0604020202020204" pitchFamily="34" charset="0"/>
-              </a:rPr>
-              <a:t>TODO</a:t>
-            </a:r>
-            <a:endParaRPr lang="en-IN" sz="1800" strike="noStrike" spc="-1" dirty="0">
-              <a:solidFill>
-                <a:schemeClr val="tx1">
-                  <a:lumMod val="85000"/>
-                  <a:lumOff val="15000"/>
-                </a:schemeClr>
-              </a:solidFill>
-              <a:latin typeface="Arial" panose="020B0604020202020204" pitchFamily="34" charset="0"/>
-              <a:cs typeface="Arial" panose="020B0604020202020204" pitchFamily="34" charset="0"/>
-            </a:endParaRPr>
-          </a:p>
-        </p:txBody>
-      </p:sp>
-      <p:sp>
-        <p:nvSpPr>
           <p:cNvPr id="105" name="CustomShape 6"/>
           <p:cNvSpPr/>
           <p:nvPr/>
@@ -12760,7 +12650,7 @@
         <p:spPr>
           <a:xfrm>
             <a:off x="119336" y="1686842"/>
-            <a:ext cx="11953328" cy="1723549"/>
+            <a:ext cx="11953328" cy="2062103"/>
           </a:xfrm>
           <a:prstGeom prst="rect">
             <a:avLst/>
@@ -12823,6 +12713,91 @@
               </a:rPr>
               <a:t>}) SET n.newField=value</a:t>
             </a:r>
+          </a:p>
+          <a:p>
+            <a:endParaRPr lang="pt-BR" sz="400" spc="-1" dirty="0">
+              <a:solidFill>
+                <a:srgbClr val="0070C0"/>
+              </a:solidFill>
+              <a:latin typeface="Consolas" panose="020B0609020204030204" pitchFamily="49" charset="0"/>
+              <a:cs typeface="Arial" panose="020B0604020202020204" pitchFamily="34" charset="0"/>
+            </a:endParaRPr>
+          </a:p>
+          <a:p>
+            <a:r>
+              <a:rPr lang="pt-BR" spc="-1" dirty="0">
+                <a:solidFill>
+                  <a:srgbClr val="0070C0"/>
+                </a:solidFill>
+                <a:latin typeface="Consolas" panose="020B0609020204030204" pitchFamily="49" charset="0"/>
+                <a:cs typeface="Arial" panose="020B0604020202020204" pitchFamily="34" charset="0"/>
+              </a:rPr>
+              <a:t>MATCH(n</a:t>
+            </a:r>
+            <a:r>
+              <a:rPr lang="en-IN" spc="-1" dirty="0">
+                <a:solidFill>
+                  <a:srgbClr val="0070C0"/>
+                </a:solidFill>
+                <a:latin typeface="Consolas" panose="020B0609020204030204" pitchFamily="49" charset="0"/>
+                <a:cs typeface="Arial" panose="020B0604020202020204" pitchFamily="34" charset="0"/>
+              </a:rPr>
+              <a:t>:label_name </a:t>
+            </a:r>
+            <a:r>
+              <a:rPr lang="pt-BR" spc="-1" dirty="0">
+                <a:solidFill>
+                  <a:srgbClr val="0070C0"/>
+                </a:solidFill>
+                <a:latin typeface="Consolas" panose="020B0609020204030204" pitchFamily="49" charset="0"/>
+                <a:cs typeface="Arial" panose="020B0604020202020204" pitchFamily="34" charset="0"/>
+              </a:rPr>
+              <a:t>{ </a:t>
+            </a:r>
+            <a:r>
+              <a:rPr lang="en-IN" spc="-1" dirty="0">
+                <a:solidFill>
+                  <a:srgbClr val="0070C0"/>
+                </a:solidFill>
+                <a:latin typeface="Consolas" panose="020B0609020204030204" pitchFamily="49" charset="0"/>
+                <a:cs typeface="Arial" panose="020B0604020202020204" pitchFamily="34" charset="0"/>
+              </a:rPr>
+              <a:t>key1: value, key2: value, ... </a:t>
+            </a:r>
+            <a:r>
+              <a:rPr lang="pt-BR" spc="-1" dirty="0">
+                <a:solidFill>
+                  <a:srgbClr val="0070C0"/>
+                </a:solidFill>
+                <a:latin typeface="Consolas" panose="020B0609020204030204" pitchFamily="49" charset="0"/>
+                <a:cs typeface="Arial" panose="020B0604020202020204" pitchFamily="34" charset="0"/>
+              </a:rPr>
+              <a:t>}) SET n={} </a:t>
+            </a:r>
+            <a:r>
+              <a:rPr lang="en-IN" dirty="0">
+                <a:solidFill>
+                  <a:srgbClr val="2CE041"/>
+                </a:solidFill>
+                <a:effectLst/>
+              </a:rPr>
+              <a:t>//</a:t>
+            </a:r>
+            <a:r>
+              <a:rPr lang="en-IN" dirty="0">
+                <a:solidFill>
+                  <a:srgbClr val="2CE041"/>
+                </a:solidFill>
+              </a:rPr>
+              <a:t> Removes all properties from nodes</a:t>
+            </a:r>
+            <a:endParaRPr lang="pt-BR" spc="-1" dirty="0">
+              <a:solidFill>
+                <a:srgbClr val="0070C0"/>
+              </a:solidFill>
+              <a:latin typeface="Consolas" panose="020B0609020204030204" pitchFamily="49" charset="0"/>
+              <a:cs typeface="Arial" panose="020B0604020202020204" pitchFamily="34" charset="0"/>
+            </a:endParaRPr>
           </a:p>
           <a:p>
             <a:endParaRPr lang="pt-BR" sz="400" spc="-1" dirty="0">
@@ -13124,8 +13099,8 @@
         </p:nvSpPr>
         <p:spPr>
           <a:xfrm>
-            <a:off x="243604" y="3558495"/>
-            <a:ext cx="11693880" cy="2246769"/>
+            <a:off x="243604" y="3846527"/>
+            <a:ext cx="11693880" cy="1569660"/>
           </a:xfrm>
           <a:prstGeom prst="rect">
             <a:avLst/>
@@ -13846,253 +13821,121 @@
               <a:effectLst/>
             </a:endParaRPr>
           </a:p>
-          <a:p>
-            <a:pPr marL="285750" indent="-285750">
-              <a:buFont typeface="Arial" panose="020B0604020202020204" pitchFamily="34" charset="0"/>
+        </p:txBody>
+      </p:sp>
+      <p:sp>
+        <p:nvSpPr>
+          <p:cNvPr id="8" name="CustomShape 4">
+            <a:extLst>
+              <a:ext uri="{FF2B5EF4-FFF2-40B4-BE49-F238E27FC236}">
+                <a16:creationId xmlns:a16="http://schemas.microsoft.com/office/drawing/2014/main" id="{44E4B61F-C325-409D-B48E-5E0617F2140E}"/>
+              </a:ext>
+            </a:extLst>
+          </p:cNvPr>
+          <p:cNvSpPr/>
+          <p:nvPr/>
+        </p:nvSpPr>
+        <p:spPr>
+          <a:xfrm>
+            <a:off x="243604" y="5696497"/>
+            <a:ext cx="11693880" cy="737210"/>
+          </a:xfrm>
+          <a:prstGeom prst="rect">
+            <a:avLst/>
+          </a:prstGeom>
+          <a:noFill/>
+          <a:ln>
+            <a:noFill/>
+          </a:ln>
+        </p:spPr>
+        <p:style>
+          <a:lnRef idx="0">
+            <a:scrgbClr r="0" g="0" b="0"/>
+          </a:lnRef>
+          <a:fillRef idx="0">
+            <a:scrgbClr r="0" g="0" b="0"/>
+          </a:fillRef>
+          <a:effectRef idx="0">
+            <a:scrgbClr r="0" g="0" b="0"/>
+          </a:effectRef>
+          <a:fontRef idx="minor"/>
+        </p:style>
+        <p:txBody>
+          <a:bodyPr lIns="90000" tIns="45000" rIns="90000" bIns="45000">
+            <a:spAutoFit/>
+          </a:bodyPr>
+          <a:lstStyle/>
+          <a:p>
+            <a:pPr>
+              <a:lnSpc>
+                <a:spcPct val="100000"/>
+              </a:lnSpc>
+            </a:pPr>
+            <a:r>
+              <a:rPr lang="en-IN" sz="2000" b="1" strike="noStrike" spc="-1" dirty="0">
+                <a:solidFill>
+                  <a:srgbClr val="C00000"/>
+                </a:solidFill>
+                <a:latin typeface="Arial" panose="020B0604020202020204" pitchFamily="34" charset="0"/>
+                <a:ea typeface="Open Sans"/>
+                <a:cs typeface="Arial" panose="020B0604020202020204" pitchFamily="34" charset="0"/>
+              </a:rPr>
+              <a:t>Note:</a:t>
+            </a:r>
+            <a:endParaRPr lang="en-IN" sz="2000" b="0" strike="noStrike" spc="-1" dirty="0">
+              <a:latin typeface="Arial" panose="020B0604020202020204" pitchFamily="34" charset="0"/>
+              <a:cs typeface="Arial" panose="020B0604020202020204" pitchFamily="34" charset="0"/>
+            </a:endParaRPr>
+          </a:p>
+          <a:p>
+            <a:pPr>
+              <a:lnSpc>
+                <a:spcPct val="100000"/>
+              </a:lnSpc>
+            </a:pPr>
+            <a:r>
+              <a:rPr lang="en-IN" sz="400" b="0" strike="noStrike" spc="-1" dirty="0">
+                <a:solidFill>
+                  <a:srgbClr val="000000"/>
+                </a:solidFill>
+                <a:latin typeface="Arial" panose="020B0604020202020204" pitchFamily="34" charset="0"/>
+                <a:ea typeface="DejaVu Sans"/>
+                <a:cs typeface="Arial" panose="020B0604020202020204" pitchFamily="34" charset="0"/>
+              </a:rPr>
+              <a:t> </a:t>
+            </a:r>
+            <a:endParaRPr lang="en-IN" sz="400" b="0" strike="noStrike" spc="-1" dirty="0">
+              <a:latin typeface="Arial" panose="020B0604020202020204" pitchFamily="34" charset="0"/>
+              <a:cs typeface="Arial" panose="020B0604020202020204" pitchFamily="34" charset="0"/>
+            </a:endParaRPr>
+          </a:p>
+          <a:p>
+            <a:pPr marL="285840" indent="-262080">
+              <a:buClr>
+                <a:srgbClr val="000000"/>
+              </a:buClr>
+              <a:buFont typeface="Arial"/>
               <a:buChar char="•"/>
             </a:pPr>
-            <a:endParaRPr lang="en-US" sz="800" dirty="0">
+            <a:r>
+              <a:rPr lang="en-US" b="0" i="0" dirty="0">
+                <a:solidFill>
+                  <a:srgbClr val="333333"/>
+                </a:solidFill>
+                <a:effectLst/>
+                <a:latin typeface="Arial" panose="020B0604020202020204" pitchFamily="34" charset="0"/>
+              </a:rPr>
+              <a:t>TODO</a:t>
+            </a:r>
+            <a:endParaRPr lang="en-IN" sz="1800" strike="noStrike" spc="-1" dirty="0">
               <a:solidFill>
-                <a:srgbClr val="2CE041"/>
+                <a:schemeClr val="tx1">
+                  <a:lumMod val="85000"/>
+                  <a:lumOff val="15000"/>
+                </a:schemeClr>
               </a:solidFill>
-            </a:endParaRPr>
-          </a:p>
-          <a:p>
-            <a:pPr marL="285750" indent="-285750">
-              <a:buFont typeface="Arial" panose="020B0604020202020204" pitchFamily="34" charset="0"/>
-              <a:buChar char="•"/>
-            </a:pPr>
-            <a:r>
-              <a:rPr lang="en-IN" dirty="0">
-                <a:solidFill>
-                  <a:schemeClr val="tx1">
-                    <a:lumMod val="50000"/>
-                    <a:lumOff val="50000"/>
-                  </a:schemeClr>
-                </a:solidFill>
-                <a:latin typeface="Gill Sans MT (Body)"/>
-              </a:rPr>
-              <a:t>neo4j$ </a:t>
-            </a:r>
-            <a:r>
-              <a:rPr lang="en-US" dirty="0">
-                <a:solidFill>
-                  <a:srgbClr val="859900"/>
-                </a:solidFill>
-                <a:effectLst/>
-              </a:rPr>
-              <a:t>match</a:t>
-            </a:r>
-            <a:r>
-              <a:rPr lang="en-US" dirty="0">
-                <a:solidFill>
-                  <a:srgbClr val="586E75"/>
-                </a:solidFill>
-                <a:effectLst/>
-              </a:rPr>
-              <a:t>(</a:t>
-            </a:r>
-            <a:r>
-              <a:rPr lang="en-US" dirty="0">
-                <a:solidFill>
-                  <a:srgbClr val="333333"/>
-                </a:solidFill>
-                <a:effectLst/>
-              </a:rPr>
-              <a:t>n</a:t>
-            </a:r>
-            <a:r>
-              <a:rPr lang="en-US" dirty="0">
-                <a:solidFill>
-                  <a:srgbClr val="586E75"/>
-                </a:solidFill>
-                <a:effectLst/>
-              </a:rPr>
-              <a:t>{</a:t>
-            </a:r>
-            <a:r>
-              <a:rPr lang="en-US" dirty="0">
-                <a:solidFill>
-                  <a:srgbClr val="333333"/>
-                </a:solidFill>
-                <a:effectLst/>
-              </a:rPr>
-              <a:t>name</a:t>
-            </a:r>
-            <a:r>
-              <a:rPr lang="en-US" dirty="0">
-                <a:solidFill>
-                  <a:srgbClr val="586E75"/>
-                </a:solidFill>
-                <a:effectLst/>
-              </a:rPr>
-              <a:t>:</a:t>
-            </a:r>
-            <a:r>
-              <a:rPr lang="en-US" dirty="0">
-                <a:solidFill>
-                  <a:srgbClr val="B58900"/>
-                </a:solidFill>
-                <a:effectLst/>
-              </a:rPr>
-              <a:t>'saleel'</a:t>
-            </a:r>
-            <a:r>
-              <a:rPr lang="en-US" dirty="0">
-                <a:solidFill>
-                  <a:srgbClr val="586E75"/>
-                </a:solidFill>
-                <a:effectLst/>
-              </a:rPr>
-              <a:t>}),(</a:t>
-            </a:r>
-            <a:r>
-              <a:rPr lang="en-US" dirty="0">
-                <a:solidFill>
-                  <a:srgbClr val="333333"/>
-                </a:solidFill>
-                <a:effectLst/>
-              </a:rPr>
-              <a:t>m</a:t>
-            </a:r>
-            <a:r>
-              <a:rPr lang="en-US" dirty="0">
-                <a:solidFill>
-                  <a:srgbClr val="586E75"/>
-                </a:solidFill>
-                <a:effectLst/>
-              </a:rPr>
-              <a:t>)</a:t>
-            </a:r>
-            <a:r>
-              <a:rPr lang="en-US" dirty="0">
-                <a:solidFill>
-                  <a:srgbClr val="333333"/>
-                </a:solidFill>
-                <a:effectLst/>
-              </a:rPr>
-              <a:t> </a:t>
-            </a:r>
-            <a:r>
-              <a:rPr lang="en-US" dirty="0">
-                <a:solidFill>
-                  <a:srgbClr val="859900"/>
-                </a:solidFill>
-                <a:effectLst/>
-              </a:rPr>
-              <a:t>where</a:t>
-            </a:r>
-            <a:r>
-              <a:rPr lang="en-US" dirty="0">
-                <a:solidFill>
-                  <a:srgbClr val="333333"/>
-                </a:solidFill>
-                <a:effectLst/>
-              </a:rPr>
-              <a:t> id</a:t>
-            </a:r>
-            <a:r>
-              <a:rPr lang="en-US" dirty="0">
-                <a:solidFill>
-                  <a:srgbClr val="586E75"/>
-                </a:solidFill>
-                <a:effectLst/>
-              </a:rPr>
-              <a:t>(</a:t>
-            </a:r>
-            <a:r>
-              <a:rPr lang="en-US" dirty="0">
-                <a:solidFill>
-                  <a:srgbClr val="333333"/>
-                </a:solidFill>
-                <a:effectLst/>
-              </a:rPr>
-              <a:t>m</a:t>
-            </a:r>
-            <a:r>
-              <a:rPr lang="en-US" dirty="0">
-                <a:solidFill>
-                  <a:srgbClr val="586E75"/>
-                </a:solidFill>
-                <a:effectLst/>
-              </a:rPr>
-              <a:t>)=</a:t>
-            </a:r>
-            <a:r>
-              <a:rPr lang="en-US" dirty="0">
-                <a:solidFill>
-                  <a:srgbClr val="2AA198"/>
-                </a:solidFill>
-                <a:effectLst/>
-              </a:rPr>
-              <a:t>2</a:t>
-            </a:r>
-            <a:endParaRPr lang="en-US" dirty="0">
-              <a:solidFill>
-                <a:srgbClr val="000000"/>
-              </a:solidFill>
-              <a:effectLst/>
-            </a:endParaRPr>
-          </a:p>
-          <a:p>
-            <a:r>
-              <a:rPr lang="en-US" dirty="0">
-                <a:solidFill>
-                  <a:srgbClr val="859900"/>
-                </a:solidFill>
-                <a:effectLst/>
-              </a:rPr>
-              <a:t>                set</a:t>
-            </a:r>
-            <a:r>
-              <a:rPr lang="en-US" dirty="0">
-                <a:solidFill>
-                  <a:srgbClr val="333333"/>
-                </a:solidFill>
-                <a:effectLst/>
-              </a:rPr>
-              <a:t> m </a:t>
-            </a:r>
-            <a:r>
-              <a:rPr lang="en-US" dirty="0">
-                <a:solidFill>
-                  <a:srgbClr val="586E75"/>
-                </a:solidFill>
-                <a:effectLst/>
-              </a:rPr>
-              <a:t>=</a:t>
-            </a:r>
-            <a:r>
-              <a:rPr lang="en-US" dirty="0">
-                <a:solidFill>
-                  <a:srgbClr val="333333"/>
-                </a:solidFill>
-                <a:effectLst/>
-              </a:rPr>
-              <a:t> n</a:t>
-            </a:r>
-            <a:r>
-              <a:rPr lang="en-IN" dirty="0">
-                <a:solidFill>
-                  <a:srgbClr val="2CE041"/>
-                </a:solidFill>
-                <a:effectLst/>
-              </a:rPr>
-              <a:t>						//</a:t>
-            </a:r>
-            <a:r>
-              <a:rPr lang="en-IN" dirty="0">
-                <a:solidFill>
-                  <a:srgbClr val="2CE041"/>
-                </a:solidFill>
-              </a:rPr>
-              <a:t> Copy properties between nodes</a:t>
-            </a:r>
-            <a:endParaRPr lang="en-US" dirty="0">
-              <a:solidFill>
-                <a:srgbClr val="000000"/>
-              </a:solidFill>
-              <a:effectLst/>
+              <a:latin typeface="Arial" panose="020B0604020202020204" pitchFamily="34" charset="0"/>
+              <a:cs typeface="Arial" panose="020B0604020202020204" pitchFamily="34" charset="0"/>
             </a:endParaRPr>
           </a:p>
         </p:txBody>
@@ -14172,6 +14015,1206 @@
                 </a:solidFill>
                 <a:latin typeface="Nunito Sans"/>
               </a:rPr>
+              <a:t>The </a:t>
+            </a:r>
+            <a:r>
+              <a:rPr lang="en-US" sz="2000" dirty="0">
+                <a:solidFill>
+                  <a:srgbClr val="39AE0A"/>
+                </a:solidFill>
+                <a:latin typeface="Nunito Sans"/>
+              </a:rPr>
+              <a:t>SET</a:t>
+            </a:r>
+            <a:r>
+              <a:rPr lang="en-US" sz="2000" dirty="0">
+                <a:solidFill>
+                  <a:srgbClr val="2D3748"/>
+                </a:solidFill>
+                <a:latin typeface="Nunito Sans"/>
+              </a:rPr>
+              <a:t> clause is used to update labels on nodes and properties on nodes and relationships.</a:t>
+            </a:r>
+            <a:endParaRPr lang="en-IN" sz="2000" dirty="0">
+              <a:solidFill>
+                <a:srgbClr val="2D3748"/>
+              </a:solidFill>
+              <a:latin typeface="Nunito Sans"/>
+            </a:endParaRPr>
+          </a:p>
+        </p:txBody>
+      </p:sp>
+      <p:sp>
+        <p:nvSpPr>
+          <p:cNvPr id="105" name="CustomShape 6"/>
+          <p:cNvSpPr/>
+          <p:nvPr/>
+        </p:nvSpPr>
+        <p:spPr>
+          <a:xfrm>
+            <a:off x="246600" y="0"/>
+            <a:ext cx="11693880" cy="706432"/>
+          </a:xfrm>
+          <a:prstGeom prst="rect">
+            <a:avLst/>
+          </a:prstGeom>
+          <a:solidFill>
+            <a:schemeClr val="accent6">
+              <a:lumMod val="75000"/>
+            </a:schemeClr>
+          </a:solidFill>
+          <a:ln>
+            <a:noFill/>
+          </a:ln>
+        </p:spPr>
+        <p:style>
+          <a:lnRef idx="0">
+            <a:scrgbClr r="0" g="0" b="0"/>
+          </a:lnRef>
+          <a:fillRef idx="0">
+            <a:scrgbClr r="0" g="0" b="0"/>
+          </a:fillRef>
+          <a:effectRef idx="0">
+            <a:scrgbClr r="0" g="0" b="0"/>
+          </a:effectRef>
+          <a:fontRef idx="minor"/>
+        </p:style>
+        <p:txBody>
+          <a:bodyPr lIns="90000" tIns="45000" rIns="90000" bIns="45000">
+            <a:spAutoFit/>
+          </a:bodyPr>
+          <a:lstStyle/>
+          <a:p>
+            <a:pPr algn="r"/>
+            <a:r>
+              <a:rPr lang="en-IN" sz="4000" b="0" strike="noStrike" spc="-1" dirty="0">
+                <a:solidFill>
+                  <a:schemeClr val="accent6">
+                    <a:lumMod val="60000"/>
+                    <a:lumOff val="40000"/>
+                  </a:schemeClr>
+                </a:solidFill>
+                <a:latin typeface="Nunito Sans"/>
+                <a:ea typeface="DejaVu Sans"/>
+              </a:rPr>
+              <a:t>set node</a:t>
+            </a:r>
+            <a:endParaRPr lang="en-IN" sz="4000" b="0" strike="noStrike" spc="-1" dirty="0">
+              <a:solidFill>
+                <a:schemeClr val="accent6">
+                  <a:lumMod val="60000"/>
+                  <a:lumOff val="40000"/>
+                </a:schemeClr>
+              </a:solidFill>
+              <a:latin typeface="Nunito Sans"/>
+            </a:endParaRPr>
+          </a:p>
+        </p:txBody>
+      </p:sp>
+      <p:sp>
+        <p:nvSpPr>
+          <p:cNvPr id="108" name="Line 9"/>
+          <p:cNvSpPr/>
+          <p:nvPr/>
+        </p:nvSpPr>
+        <p:spPr>
+          <a:xfrm>
+            <a:off x="0" y="1536120"/>
+            <a:ext cx="12191760" cy="0"/>
+          </a:xfrm>
+          <a:prstGeom prst="line">
+            <a:avLst/>
+          </a:prstGeom>
+          <a:ln w="12600">
+            <a:solidFill>
+              <a:srgbClr val="6E78A0"/>
+            </a:solidFill>
+            <a:prstDash val="dash"/>
+            <a:round/>
+          </a:ln>
+        </p:spPr>
+        <p:style>
+          <a:lnRef idx="1">
+            <a:schemeClr val="accent1"/>
+          </a:lnRef>
+          <a:fillRef idx="0">
+            <a:schemeClr val="accent1"/>
+          </a:fillRef>
+          <a:effectRef idx="0">
+            <a:schemeClr val="accent1"/>
+          </a:effectRef>
+          <a:fontRef idx="minor"/>
+        </p:style>
+      </p:sp>
+      <p:sp>
+        <p:nvSpPr>
+          <p:cNvPr id="12" name="TextBox 11">
+            <a:extLst>
+              <a:ext uri="{FF2B5EF4-FFF2-40B4-BE49-F238E27FC236}">
+                <a16:creationId xmlns:a16="http://schemas.microsoft.com/office/drawing/2014/main" id="{79242DF4-E3E0-4B3F-9DA3-EDDD02A6E7F5}"/>
+              </a:ext>
+            </a:extLst>
+          </p:cNvPr>
+          <p:cNvSpPr txBox="1"/>
+          <p:nvPr/>
+        </p:nvSpPr>
+        <p:spPr>
+          <a:xfrm>
+            <a:off x="119336" y="1686842"/>
+            <a:ext cx="11953328" cy="2062103"/>
+          </a:xfrm>
+          <a:prstGeom prst="rect">
+            <a:avLst/>
+          </a:prstGeom>
+          <a:noFill/>
+        </p:spPr>
+        <p:txBody>
+          <a:bodyPr wrap="square">
+            <a:spAutoFit/>
+          </a:bodyPr>
+          <a:lstStyle/>
+          <a:p>
+            <a:r>
+              <a:rPr lang="pt-BR" spc="-1" dirty="0">
+                <a:solidFill>
+                  <a:srgbClr val="0070C0"/>
+                </a:solidFill>
+                <a:latin typeface="Consolas" panose="020B0609020204030204" pitchFamily="49" charset="0"/>
+                <a:cs typeface="Arial" panose="020B0604020202020204" pitchFamily="34" charset="0"/>
+              </a:rPr>
+              <a:t>MATCH(n</a:t>
+            </a:r>
+            <a:r>
+              <a:rPr lang="en-IN" spc="-1" dirty="0">
+                <a:solidFill>
+                  <a:srgbClr val="0070C0"/>
+                </a:solidFill>
+                <a:latin typeface="Consolas" panose="020B0609020204030204" pitchFamily="49" charset="0"/>
+                <a:cs typeface="Arial" panose="020B0604020202020204" pitchFamily="34" charset="0"/>
+              </a:rPr>
+              <a:t>:label_name </a:t>
+            </a:r>
+            <a:r>
+              <a:rPr lang="pt-BR" spc="-1" dirty="0">
+                <a:solidFill>
+                  <a:srgbClr val="0070C0"/>
+                </a:solidFill>
+                <a:latin typeface="Consolas" panose="020B0609020204030204" pitchFamily="49" charset="0"/>
+                <a:cs typeface="Arial" panose="020B0604020202020204" pitchFamily="34" charset="0"/>
+              </a:rPr>
+              <a:t>{ </a:t>
+            </a:r>
+            <a:r>
+              <a:rPr lang="en-IN" spc="-1" dirty="0">
+                <a:solidFill>
+                  <a:srgbClr val="0070C0"/>
+                </a:solidFill>
+                <a:latin typeface="Consolas" panose="020B0609020204030204" pitchFamily="49" charset="0"/>
+                <a:cs typeface="Arial" panose="020B0604020202020204" pitchFamily="34" charset="0"/>
+              </a:rPr>
+              <a:t>key1: value, key2: value, ... </a:t>
+            </a:r>
+            <a:r>
+              <a:rPr lang="pt-BR" spc="-1" dirty="0">
+                <a:solidFill>
+                  <a:srgbClr val="0070C0"/>
+                </a:solidFill>
+                <a:latin typeface="Consolas" panose="020B0609020204030204" pitchFamily="49" charset="0"/>
+                <a:cs typeface="Arial" panose="020B0604020202020204" pitchFamily="34" charset="0"/>
+              </a:rPr>
+              <a:t>}) SET n.newField=value</a:t>
+            </a:r>
+          </a:p>
+          <a:p>
+            <a:endParaRPr lang="pt-BR" sz="400" spc="-1" dirty="0">
+              <a:solidFill>
+                <a:srgbClr val="0070C0"/>
+              </a:solidFill>
+              <a:latin typeface="Consolas" panose="020B0609020204030204" pitchFamily="49" charset="0"/>
+              <a:cs typeface="Arial" panose="020B0604020202020204" pitchFamily="34" charset="0"/>
+            </a:endParaRPr>
+          </a:p>
+          <a:p>
+            <a:r>
+              <a:rPr lang="pt-BR" spc="-1" dirty="0">
+                <a:solidFill>
+                  <a:srgbClr val="0070C0"/>
+                </a:solidFill>
+                <a:latin typeface="Consolas" panose="020B0609020204030204" pitchFamily="49" charset="0"/>
+                <a:cs typeface="Arial" panose="020B0604020202020204" pitchFamily="34" charset="0"/>
+              </a:rPr>
+              <a:t>MATCH(n</a:t>
+            </a:r>
+            <a:r>
+              <a:rPr lang="en-IN" spc="-1" dirty="0">
+                <a:solidFill>
+                  <a:srgbClr val="0070C0"/>
+                </a:solidFill>
+                <a:latin typeface="Consolas" panose="020B0609020204030204" pitchFamily="49" charset="0"/>
+                <a:cs typeface="Arial" panose="020B0604020202020204" pitchFamily="34" charset="0"/>
+              </a:rPr>
+              <a:t>:label_name </a:t>
+            </a:r>
+            <a:r>
+              <a:rPr lang="pt-BR" spc="-1" dirty="0">
+                <a:solidFill>
+                  <a:srgbClr val="0070C0"/>
+                </a:solidFill>
+                <a:latin typeface="Consolas" panose="020B0609020204030204" pitchFamily="49" charset="0"/>
+                <a:cs typeface="Arial" panose="020B0604020202020204" pitchFamily="34" charset="0"/>
+              </a:rPr>
+              <a:t>{ </a:t>
+            </a:r>
+            <a:r>
+              <a:rPr lang="en-IN" spc="-1" dirty="0">
+                <a:solidFill>
+                  <a:srgbClr val="0070C0"/>
+                </a:solidFill>
+                <a:latin typeface="Consolas" panose="020B0609020204030204" pitchFamily="49" charset="0"/>
+                <a:cs typeface="Arial" panose="020B0604020202020204" pitchFamily="34" charset="0"/>
+              </a:rPr>
+              <a:t>key1: value, key2: value, ... </a:t>
+            </a:r>
+            <a:r>
+              <a:rPr lang="pt-BR" spc="-1" dirty="0">
+                <a:solidFill>
+                  <a:srgbClr val="0070C0"/>
+                </a:solidFill>
+                <a:latin typeface="Consolas" panose="020B0609020204030204" pitchFamily="49" charset="0"/>
+                <a:cs typeface="Arial" panose="020B0604020202020204" pitchFamily="34" charset="0"/>
+              </a:rPr>
+              <a:t>}) SET n={} </a:t>
+            </a:r>
+            <a:r>
+              <a:rPr lang="en-IN" dirty="0">
+                <a:solidFill>
+                  <a:srgbClr val="2CE041"/>
+                </a:solidFill>
+                <a:effectLst/>
+              </a:rPr>
+              <a:t>//</a:t>
+            </a:r>
+            <a:r>
+              <a:rPr lang="en-IN" dirty="0">
+                <a:solidFill>
+                  <a:srgbClr val="2CE041"/>
+                </a:solidFill>
+              </a:rPr>
+              <a:t> Removes all properties from nodes</a:t>
+            </a:r>
+            <a:endParaRPr lang="pt-BR" spc="-1" dirty="0">
+              <a:solidFill>
+                <a:srgbClr val="0070C0"/>
+              </a:solidFill>
+              <a:latin typeface="Consolas" panose="020B0609020204030204" pitchFamily="49" charset="0"/>
+              <a:cs typeface="Arial" panose="020B0604020202020204" pitchFamily="34" charset="0"/>
+            </a:endParaRPr>
+          </a:p>
+          <a:p>
+            <a:endParaRPr lang="pt-BR" sz="400" spc="-1" dirty="0">
+              <a:solidFill>
+                <a:srgbClr val="0070C0"/>
+              </a:solidFill>
+              <a:latin typeface="Consolas" panose="020B0609020204030204" pitchFamily="49" charset="0"/>
+              <a:cs typeface="Arial" panose="020B0604020202020204" pitchFamily="34" charset="0"/>
+            </a:endParaRPr>
+          </a:p>
+          <a:p>
+            <a:r>
+              <a:rPr lang="pt-BR" spc="-1" dirty="0">
+                <a:solidFill>
+                  <a:srgbClr val="0070C0"/>
+                </a:solidFill>
+                <a:latin typeface="Consolas" panose="020B0609020204030204" pitchFamily="49" charset="0"/>
+                <a:cs typeface="Arial" panose="020B0604020202020204" pitchFamily="34" charset="0"/>
+              </a:rPr>
+              <a:t>MATCH(n</a:t>
+            </a:r>
+            <a:r>
+              <a:rPr lang="en-IN" spc="-1" dirty="0">
+                <a:solidFill>
+                  <a:srgbClr val="0070C0"/>
+                </a:solidFill>
+                <a:latin typeface="Consolas" panose="020B0609020204030204" pitchFamily="49" charset="0"/>
+                <a:cs typeface="Arial" panose="020B0604020202020204" pitchFamily="34" charset="0"/>
+              </a:rPr>
+              <a:t>:label_name </a:t>
+            </a:r>
+            <a:r>
+              <a:rPr lang="pt-BR" spc="-1" dirty="0">
+                <a:solidFill>
+                  <a:srgbClr val="0070C0"/>
+                </a:solidFill>
+                <a:latin typeface="Consolas" panose="020B0609020204030204" pitchFamily="49" charset="0"/>
+                <a:cs typeface="Arial" panose="020B0604020202020204" pitchFamily="34" charset="0"/>
+              </a:rPr>
+              <a:t>{ </a:t>
+            </a:r>
+            <a:r>
+              <a:rPr lang="en-IN" spc="-1" dirty="0">
+                <a:solidFill>
+                  <a:srgbClr val="0070C0"/>
+                </a:solidFill>
+                <a:latin typeface="Consolas" panose="020B0609020204030204" pitchFamily="49" charset="0"/>
+                <a:cs typeface="Arial" panose="020B0604020202020204" pitchFamily="34" charset="0"/>
+              </a:rPr>
+              <a:t>key1: value, key2: value, ... </a:t>
+            </a:r>
+            <a:r>
+              <a:rPr lang="pt-BR" spc="-1" dirty="0">
+                <a:solidFill>
+                  <a:srgbClr val="0070C0"/>
+                </a:solidFill>
+                <a:latin typeface="Consolas" panose="020B0609020204030204" pitchFamily="49" charset="0"/>
+                <a:cs typeface="Arial" panose="020B0604020202020204" pitchFamily="34" charset="0"/>
+              </a:rPr>
+              <a:t>}) SET n={ </a:t>
+            </a:r>
+            <a:r>
+              <a:rPr lang="en-IN" spc="-1" dirty="0">
+                <a:solidFill>
+                  <a:srgbClr val="0070C0"/>
+                </a:solidFill>
+                <a:latin typeface="Consolas" panose="020B0609020204030204" pitchFamily="49" charset="0"/>
+                <a:cs typeface="Arial" panose="020B0604020202020204" pitchFamily="34" charset="0"/>
+              </a:rPr>
+              <a:t>key1: value, key2: value, ... </a:t>
+            </a:r>
+            <a:r>
+              <a:rPr lang="pt-BR" spc="-1" dirty="0">
+                <a:solidFill>
+                  <a:srgbClr val="0070C0"/>
+                </a:solidFill>
+                <a:latin typeface="Consolas" panose="020B0609020204030204" pitchFamily="49" charset="0"/>
+                <a:cs typeface="Arial" panose="020B0604020202020204" pitchFamily="34" charset="0"/>
+              </a:rPr>
+              <a:t>}</a:t>
+            </a:r>
+          </a:p>
+          <a:p>
+            <a:r>
+              <a:rPr lang="pt-BR" sz="400" spc="-1" dirty="0">
+                <a:solidFill>
+                  <a:srgbClr val="0070C0"/>
+                </a:solidFill>
+                <a:latin typeface="Consolas" panose="020B0609020204030204" pitchFamily="49" charset="0"/>
+                <a:cs typeface="Arial" panose="020B0604020202020204" pitchFamily="34" charset="0"/>
+              </a:rPr>
+              <a:t>]</a:t>
+            </a:r>
+          </a:p>
+          <a:p>
+            <a:r>
+              <a:rPr lang="pt-BR" spc="-1" dirty="0">
+                <a:solidFill>
+                  <a:srgbClr val="0070C0"/>
+                </a:solidFill>
+                <a:latin typeface="Consolas" panose="020B0609020204030204" pitchFamily="49" charset="0"/>
+                <a:cs typeface="Arial" panose="020B0604020202020204" pitchFamily="34" charset="0"/>
+              </a:rPr>
+              <a:t>MATCH(n</a:t>
+            </a:r>
+            <a:r>
+              <a:rPr lang="en-IN" spc="-1" dirty="0">
+                <a:solidFill>
+                  <a:srgbClr val="0070C0"/>
+                </a:solidFill>
+                <a:latin typeface="Consolas" panose="020B0609020204030204" pitchFamily="49" charset="0"/>
+                <a:cs typeface="Arial" panose="020B0604020202020204" pitchFamily="34" charset="0"/>
+              </a:rPr>
+              <a:t>:label_name </a:t>
+            </a:r>
+            <a:r>
+              <a:rPr lang="pt-BR" spc="-1" dirty="0">
+                <a:solidFill>
+                  <a:srgbClr val="0070C0"/>
+                </a:solidFill>
+                <a:latin typeface="Consolas" panose="020B0609020204030204" pitchFamily="49" charset="0"/>
+                <a:cs typeface="Arial" panose="020B0604020202020204" pitchFamily="34" charset="0"/>
+              </a:rPr>
+              <a:t>{ </a:t>
+            </a:r>
+            <a:r>
+              <a:rPr lang="en-IN" spc="-1" dirty="0">
+                <a:solidFill>
+                  <a:srgbClr val="0070C0"/>
+                </a:solidFill>
+                <a:latin typeface="Consolas" panose="020B0609020204030204" pitchFamily="49" charset="0"/>
+                <a:cs typeface="Arial" panose="020B0604020202020204" pitchFamily="34" charset="0"/>
+              </a:rPr>
+              <a:t>key1: value, key2: value, ... </a:t>
+            </a:r>
+            <a:r>
+              <a:rPr lang="pt-BR" spc="-1" dirty="0">
+                <a:solidFill>
+                  <a:srgbClr val="0070C0"/>
+                </a:solidFill>
+                <a:latin typeface="Consolas" panose="020B0609020204030204" pitchFamily="49" charset="0"/>
+                <a:cs typeface="Arial" panose="020B0604020202020204" pitchFamily="34" charset="0"/>
+              </a:rPr>
+              <a:t>}) REMOVE n.oldField</a:t>
+            </a:r>
+            <a:endParaRPr lang="pt-BR" sz="400" spc="-1" dirty="0">
+              <a:solidFill>
+                <a:srgbClr val="0070C0"/>
+              </a:solidFill>
+              <a:latin typeface="Consolas" panose="020B0609020204030204" pitchFamily="49" charset="0"/>
+              <a:cs typeface="Arial" panose="020B0604020202020204" pitchFamily="34" charset="0"/>
+            </a:endParaRPr>
+          </a:p>
+          <a:p>
+            <a:r>
+              <a:rPr lang="pt-BR" sz="400" spc="-1" dirty="0">
+                <a:solidFill>
+                  <a:srgbClr val="0070C0"/>
+                </a:solidFill>
+                <a:latin typeface="Consolas" panose="020B0609020204030204" pitchFamily="49" charset="0"/>
+                <a:cs typeface="Arial" panose="020B0604020202020204" pitchFamily="34" charset="0"/>
+              </a:rPr>
+              <a:t> </a:t>
+            </a:r>
+          </a:p>
+          <a:p>
+            <a:r>
+              <a:rPr lang="pt-BR" spc="-1" dirty="0">
+                <a:solidFill>
+                  <a:srgbClr val="0070C0"/>
+                </a:solidFill>
+                <a:latin typeface="Consolas" panose="020B0609020204030204" pitchFamily="49" charset="0"/>
+                <a:cs typeface="Arial" panose="020B0604020202020204" pitchFamily="34" charset="0"/>
+              </a:rPr>
+              <a:t>MATCH(n</a:t>
+            </a:r>
+            <a:r>
+              <a:rPr lang="en-IN" spc="-1" dirty="0">
+                <a:solidFill>
+                  <a:srgbClr val="0070C0"/>
+                </a:solidFill>
+                <a:latin typeface="Consolas" panose="020B0609020204030204" pitchFamily="49" charset="0"/>
+                <a:cs typeface="Arial" panose="020B0604020202020204" pitchFamily="34" charset="0"/>
+              </a:rPr>
+              <a:t>:label_name </a:t>
+            </a:r>
+            <a:r>
+              <a:rPr lang="pt-BR" spc="-1" dirty="0">
+                <a:solidFill>
+                  <a:srgbClr val="0070C0"/>
+                </a:solidFill>
+                <a:latin typeface="Consolas" panose="020B0609020204030204" pitchFamily="49" charset="0"/>
+                <a:cs typeface="Arial" panose="020B0604020202020204" pitchFamily="34" charset="0"/>
+              </a:rPr>
+              <a:t>{ </a:t>
+            </a:r>
+            <a:r>
+              <a:rPr lang="en-IN" spc="-1" dirty="0">
+                <a:solidFill>
+                  <a:srgbClr val="0070C0"/>
+                </a:solidFill>
+                <a:latin typeface="Consolas" panose="020B0609020204030204" pitchFamily="49" charset="0"/>
+                <a:cs typeface="Arial" panose="020B0604020202020204" pitchFamily="34" charset="0"/>
+              </a:rPr>
+              <a:t>key1: value, key2: value, ... </a:t>
+            </a:r>
+            <a:r>
+              <a:rPr lang="pt-BR" spc="-1" dirty="0">
+                <a:solidFill>
+                  <a:srgbClr val="0070C0"/>
+                </a:solidFill>
+                <a:latin typeface="Consolas" panose="020B0609020204030204" pitchFamily="49" charset="0"/>
+                <a:cs typeface="Arial" panose="020B0604020202020204" pitchFamily="34" charset="0"/>
+              </a:rPr>
+              <a:t>}) REMOVE n.oldField SET n.newField=value</a:t>
+            </a:r>
+          </a:p>
+          <a:p>
+            <a:endParaRPr lang="pt-BR" sz="400" spc="-1" dirty="0">
+              <a:solidFill>
+                <a:srgbClr val="0070C0"/>
+              </a:solidFill>
+              <a:latin typeface="Consolas" panose="020B0609020204030204" pitchFamily="49" charset="0"/>
+              <a:cs typeface="Arial" panose="020B0604020202020204" pitchFamily="34" charset="0"/>
+            </a:endParaRPr>
+          </a:p>
+          <a:p>
+            <a:r>
+              <a:rPr lang="pt-BR" spc="-1" dirty="0">
+                <a:solidFill>
+                  <a:srgbClr val="0070C0"/>
+                </a:solidFill>
+                <a:latin typeface="Consolas" panose="020B0609020204030204" pitchFamily="49" charset="0"/>
+                <a:cs typeface="Arial" panose="020B0604020202020204" pitchFamily="34" charset="0"/>
+              </a:rPr>
+              <a:t>MATCH(n</a:t>
+            </a:r>
+            <a:r>
+              <a:rPr lang="en-IN" spc="-1" dirty="0">
+                <a:solidFill>
+                  <a:srgbClr val="0070C0"/>
+                </a:solidFill>
+                <a:latin typeface="Consolas" panose="020B0609020204030204" pitchFamily="49" charset="0"/>
+                <a:cs typeface="Arial" panose="020B0604020202020204" pitchFamily="34" charset="0"/>
+              </a:rPr>
+              <a:t>:label_name </a:t>
+            </a:r>
+            <a:r>
+              <a:rPr lang="pt-BR" spc="-1" dirty="0">
+                <a:solidFill>
+                  <a:srgbClr val="0070C0"/>
+                </a:solidFill>
+                <a:latin typeface="Consolas" panose="020B0609020204030204" pitchFamily="49" charset="0"/>
+                <a:cs typeface="Arial" panose="020B0604020202020204" pitchFamily="34" charset="0"/>
+              </a:rPr>
+              <a:t>{ </a:t>
+            </a:r>
+            <a:r>
+              <a:rPr lang="en-IN" spc="-1" dirty="0">
+                <a:solidFill>
+                  <a:srgbClr val="0070C0"/>
+                </a:solidFill>
+                <a:latin typeface="Consolas" panose="020B0609020204030204" pitchFamily="49" charset="0"/>
+                <a:cs typeface="Arial" panose="020B0604020202020204" pitchFamily="34" charset="0"/>
+              </a:rPr>
+              <a:t>key1: value, key2: value, ... </a:t>
+            </a:r>
+            <a:r>
+              <a:rPr lang="pt-BR" spc="-1" dirty="0">
+                <a:solidFill>
+                  <a:srgbClr val="0070C0"/>
+                </a:solidFill>
+                <a:latin typeface="Consolas" panose="020B0609020204030204" pitchFamily="49" charset="0"/>
+                <a:cs typeface="Arial" panose="020B0604020202020204" pitchFamily="34" charset="0"/>
+              </a:rPr>
+              <a:t>}), (m{}) SET n = m</a:t>
+            </a:r>
+            <a:endParaRPr lang="en-IN" spc="-1" dirty="0">
+              <a:solidFill>
+                <a:srgbClr val="0070C0"/>
+              </a:solidFill>
+              <a:latin typeface="Consolas" panose="020B0609020204030204" pitchFamily="49" charset="0"/>
+              <a:cs typeface="Arial" panose="020B0604020202020204" pitchFamily="34" charset="0"/>
+            </a:endParaRPr>
+          </a:p>
+        </p:txBody>
+      </p:sp>
+      <p:sp>
+        <p:nvSpPr>
+          <p:cNvPr id="15" name="TextBox 14">
+            <a:extLst>
+              <a:ext uri="{FF2B5EF4-FFF2-40B4-BE49-F238E27FC236}">
+                <a16:creationId xmlns:a16="http://schemas.microsoft.com/office/drawing/2014/main" id="{187A7629-BDF9-4DE3-B954-5B2AC8376F52}"/>
+              </a:ext>
+            </a:extLst>
+          </p:cNvPr>
+          <p:cNvSpPr txBox="1"/>
+          <p:nvPr/>
+        </p:nvSpPr>
+        <p:spPr>
+          <a:xfrm>
+            <a:off x="243604" y="3846527"/>
+            <a:ext cx="11693880" cy="1046440"/>
+          </a:xfrm>
+          <a:prstGeom prst="rect">
+            <a:avLst/>
+          </a:prstGeom>
+          <a:noFill/>
+        </p:spPr>
+        <p:txBody>
+          <a:bodyPr wrap="square">
+            <a:spAutoFit/>
+          </a:bodyPr>
+          <a:lstStyle/>
+          <a:p>
+            <a:pPr marL="285750" indent="-285750">
+              <a:buFont typeface="Arial" panose="020B0604020202020204" pitchFamily="34" charset="0"/>
+              <a:buChar char="•"/>
+            </a:pPr>
+            <a:r>
+              <a:rPr lang="en-IN" dirty="0">
+                <a:solidFill>
+                  <a:schemeClr val="tx1">
+                    <a:lumMod val="50000"/>
+                    <a:lumOff val="50000"/>
+                  </a:schemeClr>
+                </a:solidFill>
+                <a:latin typeface="Gill Sans MT (Body)"/>
+              </a:rPr>
+              <a:t>neo4j$ </a:t>
+            </a:r>
+            <a:r>
+              <a:rPr lang="en-US" dirty="0">
+                <a:solidFill>
+                  <a:srgbClr val="859900"/>
+                </a:solidFill>
+                <a:effectLst/>
+              </a:rPr>
+              <a:t>match</a:t>
+            </a:r>
+            <a:r>
+              <a:rPr lang="en-US" dirty="0">
+                <a:solidFill>
+                  <a:srgbClr val="586E75"/>
+                </a:solidFill>
+                <a:effectLst/>
+              </a:rPr>
+              <a:t>(</a:t>
+            </a:r>
+            <a:r>
+              <a:rPr lang="en-US" dirty="0">
+                <a:solidFill>
+                  <a:srgbClr val="333333"/>
+                </a:solidFill>
+                <a:effectLst/>
+              </a:rPr>
+              <a:t>n</a:t>
+            </a:r>
+            <a:r>
+              <a:rPr lang="en-US" dirty="0">
+                <a:solidFill>
+                  <a:srgbClr val="586E75"/>
+                </a:solidFill>
+                <a:effectLst/>
+              </a:rPr>
+              <a:t>)</a:t>
+            </a:r>
+            <a:r>
+              <a:rPr lang="en-US" dirty="0">
+                <a:solidFill>
+                  <a:srgbClr val="333333"/>
+                </a:solidFill>
+                <a:effectLst/>
+              </a:rPr>
+              <a:t> </a:t>
+            </a:r>
+            <a:r>
+              <a:rPr lang="en-US" dirty="0">
+                <a:solidFill>
+                  <a:srgbClr val="859900"/>
+                </a:solidFill>
+                <a:effectLst/>
+              </a:rPr>
+              <a:t>where</a:t>
+            </a:r>
+            <a:r>
+              <a:rPr lang="en-US" dirty="0">
+                <a:solidFill>
+                  <a:srgbClr val="333333"/>
+                </a:solidFill>
+                <a:effectLst/>
+              </a:rPr>
+              <a:t> id</a:t>
+            </a:r>
+            <a:r>
+              <a:rPr lang="en-US" dirty="0">
+                <a:solidFill>
+                  <a:srgbClr val="586E75"/>
+                </a:solidFill>
+                <a:effectLst/>
+              </a:rPr>
+              <a:t>(</a:t>
+            </a:r>
+            <a:r>
+              <a:rPr lang="en-US" dirty="0">
+                <a:solidFill>
+                  <a:srgbClr val="333333"/>
+                </a:solidFill>
+                <a:effectLst/>
+              </a:rPr>
+              <a:t>n</a:t>
+            </a:r>
+            <a:r>
+              <a:rPr lang="en-US" dirty="0">
+                <a:solidFill>
+                  <a:srgbClr val="586E75"/>
+                </a:solidFill>
+                <a:effectLst/>
+              </a:rPr>
+              <a:t>)=</a:t>
+            </a:r>
+            <a:r>
+              <a:rPr lang="en-US" dirty="0">
+                <a:solidFill>
+                  <a:srgbClr val="2AA198"/>
+                </a:solidFill>
+                <a:effectLst/>
+              </a:rPr>
+              <a:t>3</a:t>
+            </a:r>
+            <a:r>
+              <a:rPr lang="en-US" dirty="0">
+                <a:solidFill>
+                  <a:srgbClr val="333333"/>
+                </a:solidFill>
+                <a:effectLst/>
+              </a:rPr>
+              <a:t> </a:t>
+            </a:r>
+            <a:r>
+              <a:rPr lang="en-US" dirty="0">
+                <a:solidFill>
+                  <a:srgbClr val="859900"/>
+                </a:solidFill>
+                <a:effectLst/>
+              </a:rPr>
+              <a:t>set</a:t>
+            </a:r>
+            <a:r>
+              <a:rPr lang="en-US" dirty="0">
+                <a:solidFill>
+                  <a:srgbClr val="333333"/>
+                </a:solidFill>
+                <a:effectLst/>
+              </a:rPr>
+              <a:t> n</a:t>
+            </a:r>
+            <a:r>
+              <a:rPr lang="en-US" dirty="0">
+                <a:solidFill>
+                  <a:srgbClr val="586E75"/>
+                </a:solidFill>
+                <a:effectLst/>
+              </a:rPr>
+              <a:t>={}</a:t>
+            </a:r>
+          </a:p>
+          <a:p>
+            <a:endParaRPr lang="en-US" sz="800" dirty="0">
+              <a:solidFill>
+                <a:srgbClr val="2CE041"/>
+              </a:solidFill>
+            </a:endParaRPr>
+          </a:p>
+          <a:p>
+            <a:pPr marL="285750" indent="-285750">
+              <a:buFont typeface="Arial" panose="020B0604020202020204" pitchFamily="34" charset="0"/>
+              <a:buChar char="•"/>
+            </a:pPr>
+            <a:r>
+              <a:rPr lang="en-IN" dirty="0">
+                <a:solidFill>
+                  <a:schemeClr val="tx1">
+                    <a:lumMod val="50000"/>
+                    <a:lumOff val="50000"/>
+                  </a:schemeClr>
+                </a:solidFill>
+                <a:latin typeface="Gill Sans MT (Body)"/>
+              </a:rPr>
+              <a:t>neo4j$ </a:t>
+            </a:r>
+            <a:r>
+              <a:rPr lang="en-US" dirty="0">
+                <a:solidFill>
+                  <a:srgbClr val="859900"/>
+                </a:solidFill>
+                <a:effectLst/>
+              </a:rPr>
+              <a:t>match</a:t>
+            </a:r>
+            <a:r>
+              <a:rPr lang="en-US" dirty="0">
+                <a:solidFill>
+                  <a:srgbClr val="586E75"/>
+                </a:solidFill>
+                <a:effectLst/>
+              </a:rPr>
+              <a:t>(</a:t>
+            </a:r>
+            <a:r>
+              <a:rPr lang="en-US" dirty="0">
+                <a:solidFill>
+                  <a:srgbClr val="333333"/>
+                </a:solidFill>
+                <a:effectLst/>
+              </a:rPr>
+              <a:t>n</a:t>
+            </a:r>
+            <a:r>
+              <a:rPr lang="en-US" dirty="0">
+                <a:solidFill>
+                  <a:srgbClr val="586E75"/>
+                </a:solidFill>
+                <a:effectLst/>
+              </a:rPr>
+              <a:t>{</a:t>
+            </a:r>
+            <a:r>
+              <a:rPr lang="en-US" dirty="0">
+                <a:solidFill>
+                  <a:srgbClr val="333333"/>
+                </a:solidFill>
+                <a:effectLst/>
+              </a:rPr>
+              <a:t>name</a:t>
+            </a:r>
+            <a:r>
+              <a:rPr lang="en-US" dirty="0">
+                <a:solidFill>
+                  <a:srgbClr val="586E75"/>
+                </a:solidFill>
+                <a:effectLst/>
+              </a:rPr>
+              <a:t>:</a:t>
+            </a:r>
+            <a:r>
+              <a:rPr lang="en-US" dirty="0">
+                <a:solidFill>
+                  <a:srgbClr val="B58900"/>
+                </a:solidFill>
+                <a:effectLst/>
+              </a:rPr>
+              <a:t>'saleel'</a:t>
+            </a:r>
+            <a:r>
+              <a:rPr lang="en-US" dirty="0">
+                <a:solidFill>
+                  <a:srgbClr val="586E75"/>
+                </a:solidFill>
+                <a:effectLst/>
+              </a:rPr>
+              <a:t>}),(</a:t>
+            </a:r>
+            <a:r>
+              <a:rPr lang="en-US" dirty="0">
+                <a:solidFill>
+                  <a:srgbClr val="333333"/>
+                </a:solidFill>
+                <a:effectLst/>
+              </a:rPr>
+              <a:t>m</a:t>
+            </a:r>
+            <a:r>
+              <a:rPr lang="en-US" dirty="0">
+                <a:solidFill>
+                  <a:srgbClr val="586E75"/>
+                </a:solidFill>
+                <a:effectLst/>
+              </a:rPr>
+              <a:t>)</a:t>
+            </a:r>
+            <a:r>
+              <a:rPr lang="en-US" dirty="0">
+                <a:solidFill>
+                  <a:srgbClr val="333333"/>
+                </a:solidFill>
+                <a:effectLst/>
+              </a:rPr>
+              <a:t> </a:t>
+            </a:r>
+            <a:r>
+              <a:rPr lang="en-US" dirty="0">
+                <a:solidFill>
+                  <a:srgbClr val="859900"/>
+                </a:solidFill>
+                <a:effectLst/>
+              </a:rPr>
+              <a:t>where</a:t>
+            </a:r>
+            <a:r>
+              <a:rPr lang="en-US" dirty="0">
+                <a:solidFill>
+                  <a:srgbClr val="333333"/>
+                </a:solidFill>
+                <a:effectLst/>
+              </a:rPr>
+              <a:t> id</a:t>
+            </a:r>
+            <a:r>
+              <a:rPr lang="en-US" dirty="0">
+                <a:solidFill>
+                  <a:srgbClr val="586E75"/>
+                </a:solidFill>
+                <a:effectLst/>
+              </a:rPr>
+              <a:t>(</a:t>
+            </a:r>
+            <a:r>
+              <a:rPr lang="en-US" dirty="0">
+                <a:solidFill>
+                  <a:srgbClr val="333333"/>
+                </a:solidFill>
+                <a:effectLst/>
+              </a:rPr>
+              <a:t>m</a:t>
+            </a:r>
+            <a:r>
+              <a:rPr lang="en-US" dirty="0">
+                <a:solidFill>
+                  <a:srgbClr val="586E75"/>
+                </a:solidFill>
+                <a:effectLst/>
+              </a:rPr>
+              <a:t>)=</a:t>
+            </a:r>
+            <a:r>
+              <a:rPr lang="en-US" dirty="0">
+                <a:solidFill>
+                  <a:srgbClr val="2AA198"/>
+                </a:solidFill>
+                <a:effectLst/>
+              </a:rPr>
+              <a:t>2</a:t>
+            </a:r>
+            <a:endParaRPr lang="en-US" dirty="0">
+              <a:solidFill>
+                <a:srgbClr val="000000"/>
+              </a:solidFill>
+              <a:effectLst/>
+            </a:endParaRPr>
+          </a:p>
+          <a:p>
+            <a:r>
+              <a:rPr lang="en-US" dirty="0">
+                <a:solidFill>
+                  <a:srgbClr val="859900"/>
+                </a:solidFill>
+                <a:effectLst/>
+              </a:rPr>
+              <a:t>                set</a:t>
+            </a:r>
+            <a:r>
+              <a:rPr lang="en-US" dirty="0">
+                <a:solidFill>
+                  <a:srgbClr val="333333"/>
+                </a:solidFill>
+                <a:effectLst/>
+              </a:rPr>
+              <a:t> m </a:t>
+            </a:r>
+            <a:r>
+              <a:rPr lang="en-US" dirty="0">
+                <a:solidFill>
+                  <a:srgbClr val="586E75"/>
+                </a:solidFill>
+                <a:effectLst/>
+              </a:rPr>
+              <a:t>=</a:t>
+            </a:r>
+            <a:r>
+              <a:rPr lang="en-US" dirty="0">
+                <a:solidFill>
+                  <a:srgbClr val="333333"/>
+                </a:solidFill>
+                <a:effectLst/>
+              </a:rPr>
+              <a:t> n</a:t>
+            </a:r>
+            <a:r>
+              <a:rPr lang="en-IN" dirty="0">
+                <a:solidFill>
+                  <a:srgbClr val="2CE041"/>
+                </a:solidFill>
+                <a:effectLst/>
+              </a:rPr>
+              <a:t>						//</a:t>
+            </a:r>
+            <a:r>
+              <a:rPr lang="en-IN" dirty="0">
+                <a:solidFill>
+                  <a:srgbClr val="2CE041"/>
+                </a:solidFill>
+              </a:rPr>
+              <a:t> Copy properties between nodes</a:t>
+            </a:r>
+            <a:endParaRPr lang="en-US" dirty="0">
+              <a:solidFill>
+                <a:srgbClr val="000000"/>
+              </a:solidFill>
+              <a:effectLst/>
+            </a:endParaRPr>
+          </a:p>
+        </p:txBody>
+      </p:sp>
+      <p:sp>
+        <p:nvSpPr>
+          <p:cNvPr id="8" name="CustomShape 4">
+            <a:extLst>
+              <a:ext uri="{FF2B5EF4-FFF2-40B4-BE49-F238E27FC236}">
+                <a16:creationId xmlns:a16="http://schemas.microsoft.com/office/drawing/2014/main" id="{2D408494-C04D-4F0D-919A-D50685297985}"/>
+              </a:ext>
+            </a:extLst>
+          </p:cNvPr>
+          <p:cNvSpPr/>
+          <p:nvPr/>
+        </p:nvSpPr>
+        <p:spPr>
+          <a:xfrm>
+            <a:off x="243604" y="5696497"/>
+            <a:ext cx="11693880" cy="737210"/>
+          </a:xfrm>
+          <a:prstGeom prst="rect">
+            <a:avLst/>
+          </a:prstGeom>
+          <a:noFill/>
+          <a:ln>
+            <a:noFill/>
+          </a:ln>
+        </p:spPr>
+        <p:style>
+          <a:lnRef idx="0">
+            <a:scrgbClr r="0" g="0" b="0"/>
+          </a:lnRef>
+          <a:fillRef idx="0">
+            <a:scrgbClr r="0" g="0" b="0"/>
+          </a:fillRef>
+          <a:effectRef idx="0">
+            <a:scrgbClr r="0" g="0" b="0"/>
+          </a:effectRef>
+          <a:fontRef idx="minor"/>
+        </p:style>
+        <p:txBody>
+          <a:bodyPr lIns="90000" tIns="45000" rIns="90000" bIns="45000">
+            <a:spAutoFit/>
+          </a:bodyPr>
+          <a:lstStyle/>
+          <a:p>
+            <a:pPr>
+              <a:lnSpc>
+                <a:spcPct val="100000"/>
+              </a:lnSpc>
+            </a:pPr>
+            <a:r>
+              <a:rPr lang="en-IN" sz="2000" b="1" strike="noStrike" spc="-1" dirty="0">
+                <a:solidFill>
+                  <a:srgbClr val="C00000"/>
+                </a:solidFill>
+                <a:latin typeface="Arial" panose="020B0604020202020204" pitchFamily="34" charset="0"/>
+                <a:ea typeface="Open Sans"/>
+                <a:cs typeface="Arial" panose="020B0604020202020204" pitchFamily="34" charset="0"/>
+              </a:rPr>
+              <a:t>Note:</a:t>
+            </a:r>
+            <a:endParaRPr lang="en-IN" sz="2000" b="0" strike="noStrike" spc="-1" dirty="0">
+              <a:latin typeface="Arial" panose="020B0604020202020204" pitchFamily="34" charset="0"/>
+              <a:cs typeface="Arial" panose="020B0604020202020204" pitchFamily="34" charset="0"/>
+            </a:endParaRPr>
+          </a:p>
+          <a:p>
+            <a:pPr>
+              <a:lnSpc>
+                <a:spcPct val="100000"/>
+              </a:lnSpc>
+            </a:pPr>
+            <a:r>
+              <a:rPr lang="en-IN" sz="400" b="0" strike="noStrike" spc="-1" dirty="0">
+                <a:solidFill>
+                  <a:srgbClr val="000000"/>
+                </a:solidFill>
+                <a:latin typeface="Arial" panose="020B0604020202020204" pitchFamily="34" charset="0"/>
+                <a:ea typeface="DejaVu Sans"/>
+                <a:cs typeface="Arial" panose="020B0604020202020204" pitchFamily="34" charset="0"/>
+              </a:rPr>
+              <a:t> </a:t>
+            </a:r>
+            <a:endParaRPr lang="en-IN" sz="400" b="0" strike="noStrike" spc="-1" dirty="0">
+              <a:latin typeface="Arial" panose="020B0604020202020204" pitchFamily="34" charset="0"/>
+              <a:cs typeface="Arial" panose="020B0604020202020204" pitchFamily="34" charset="0"/>
+            </a:endParaRPr>
+          </a:p>
+          <a:p>
+            <a:pPr marL="285840" indent="-262080">
+              <a:buClr>
+                <a:srgbClr val="000000"/>
+              </a:buClr>
+              <a:buFont typeface="Arial"/>
+              <a:buChar char="•"/>
+            </a:pPr>
+            <a:r>
+              <a:rPr lang="en-US" b="0" i="0" dirty="0">
+                <a:solidFill>
+                  <a:srgbClr val="333333"/>
+                </a:solidFill>
+                <a:effectLst/>
+                <a:latin typeface="Arial" panose="020B0604020202020204" pitchFamily="34" charset="0"/>
+              </a:rPr>
+              <a:t>TODO</a:t>
+            </a:r>
+            <a:endParaRPr lang="en-IN" sz="1800" strike="noStrike" spc="-1" dirty="0">
+              <a:solidFill>
+                <a:schemeClr val="tx1">
+                  <a:lumMod val="85000"/>
+                  <a:lumOff val="15000"/>
+                </a:schemeClr>
+              </a:solidFill>
+              <a:latin typeface="Arial" panose="020B0604020202020204" pitchFamily="34" charset="0"/>
+              <a:cs typeface="Arial" panose="020B0604020202020204" pitchFamily="34" charset="0"/>
+            </a:endParaRPr>
+          </a:p>
+        </p:txBody>
+      </p:sp>
+    </p:spTree>
+    <p:extLst>
+      <p:ext uri="{BB962C8B-B14F-4D97-AF65-F5344CB8AC3E}">
+        <p14:creationId xmlns:p14="http://schemas.microsoft.com/office/powerpoint/2010/main" val="963686842"/>
+      </p:ext>
+    </p:extLst>
+  </p:cSld>
+  <p:clrMapOvr>
+    <a:masterClrMapping/>
+  </p:clrMapOvr>
+</p:sld>
+</file>
+
+<file path=ppt/slides/slide19.xml><?xml version="1.0" encoding="utf-8"?>
+<p:sld xmlns:a="http://schemas.openxmlformats.org/drawingml/2006/main" xmlns:r="http://schemas.openxmlformats.org/officeDocument/2006/relationships" xmlns:p="http://schemas.openxmlformats.org/presentationml/2006/main">
+  <p:cSld>
+    <p:spTree>
+      <p:nvGrpSpPr>
+        <p:cNvPr id="1" name=""/>
+        <p:cNvGrpSpPr/>
+        <p:nvPr/>
+      </p:nvGrpSpPr>
+      <p:grpSpPr>
+        <a:xfrm>
+          <a:off x="0" y="0"/>
+          <a:ext cx="0" cy="0"/>
+          <a:chOff x="0" y="0"/>
+          <a:chExt cx="0" cy="0"/>
+        </a:xfrm>
+      </p:grpSpPr>
+      <p:sp>
+        <p:nvSpPr>
+          <p:cNvPr id="102" name="CustomShape 3"/>
+          <p:cNvSpPr/>
+          <p:nvPr/>
+        </p:nvSpPr>
+        <p:spPr>
+          <a:xfrm>
+            <a:off x="246600" y="762120"/>
+            <a:ext cx="11693880" cy="398655"/>
+          </a:xfrm>
+          <a:prstGeom prst="rect">
+            <a:avLst/>
+          </a:prstGeom>
+          <a:noFill/>
+          <a:ln>
+            <a:noFill/>
+          </a:ln>
+        </p:spPr>
+        <p:style>
+          <a:lnRef idx="0">
+            <a:scrgbClr r="0" g="0" b="0"/>
+          </a:lnRef>
+          <a:fillRef idx="0">
+            <a:scrgbClr r="0" g="0" b="0"/>
+          </a:fillRef>
+          <a:effectRef idx="0">
+            <a:scrgbClr r="0" g="0" b="0"/>
+          </a:effectRef>
+          <a:fontRef idx="minor"/>
+        </p:style>
+        <p:txBody>
+          <a:bodyPr lIns="90000" tIns="45000" rIns="90000" bIns="45000">
+            <a:spAutoFit/>
+          </a:bodyPr>
+          <a:lstStyle/>
+          <a:p>
+            <a:pPr algn="just"/>
+            <a:r>
+              <a:rPr lang="en-US" sz="2000" dirty="0">
+                <a:solidFill>
+                  <a:srgbClr val="2D3748"/>
+                </a:solidFill>
+                <a:latin typeface="Nunito Sans"/>
+              </a:rPr>
               <a:t>TODO</a:t>
             </a:r>
             <a:endParaRPr lang="en-IN" sz="2000" dirty="0">
@@ -15718,7 +16761,150 @@
 </p:sld>
 </file>
 
-<file path=ppt/slides/slide19.xml><?xml version="1.0" encoding="utf-8"?>
+<file path=ppt/slides/slide2.xml><?xml version="1.0" encoding="utf-8"?>
+<p:sld xmlns:a="http://schemas.openxmlformats.org/drawingml/2006/main" xmlns:r="http://schemas.openxmlformats.org/officeDocument/2006/relationships" xmlns:p="http://schemas.openxmlformats.org/presentationml/2006/main">
+  <p:cSld>
+    <p:spTree>
+      <p:nvGrpSpPr>
+        <p:cNvPr id="1" name=""/>
+        <p:cNvGrpSpPr/>
+        <p:nvPr/>
+      </p:nvGrpSpPr>
+      <p:grpSpPr>
+        <a:xfrm>
+          <a:off x="0" y="0"/>
+          <a:ext cx="0" cy="0"/>
+          <a:chOff x="0" y="0"/>
+          <a:chExt cx="0" cy="0"/>
+        </a:xfrm>
+      </p:grpSpPr>
+      <p:sp>
+        <p:nvSpPr>
+          <p:cNvPr id="97" name="CustomShape 2"/>
+          <p:cNvSpPr/>
+          <p:nvPr/>
+        </p:nvSpPr>
+        <p:spPr>
+          <a:xfrm>
+            <a:off x="1666800" y="3531600"/>
+            <a:ext cx="8815320" cy="367878"/>
+          </a:xfrm>
+          <a:prstGeom prst="rect">
+            <a:avLst/>
+          </a:prstGeom>
+          <a:noFill/>
+          <a:ln>
+            <a:noFill/>
+          </a:ln>
+        </p:spPr>
+        <p:style>
+          <a:lnRef idx="0">
+            <a:scrgbClr r="0" g="0" b="0"/>
+          </a:lnRef>
+          <a:fillRef idx="0">
+            <a:scrgbClr r="0" g="0" b="0"/>
+          </a:fillRef>
+          <a:effectRef idx="0">
+            <a:scrgbClr r="0" g="0" b="0"/>
+          </a:effectRef>
+          <a:fontRef idx="minor"/>
+        </p:style>
+        <p:txBody>
+          <a:bodyPr wrap="square" lIns="90000" tIns="45000" rIns="90000" bIns="45000">
+            <a:spAutoFit/>
+          </a:bodyPr>
+          <a:lstStyle/>
+          <a:p>
+            <a:pPr algn="just">
+              <a:lnSpc>
+                <a:spcPct val="100000"/>
+              </a:lnSpc>
+            </a:pPr>
+            <a:r>
+              <a:rPr lang="en-IN" sz="1800" b="0" strike="noStrike" spc="-1" dirty="0">
+                <a:solidFill>
+                  <a:srgbClr val="BB0643"/>
+                </a:solidFill>
+                <a:latin typeface="Segoe UI"/>
+                <a:ea typeface="DejaVu Sans"/>
+              </a:rPr>
+              <a:t>TODO</a:t>
+            </a:r>
+            <a:endParaRPr lang="en-IN" sz="1800" b="0" strike="noStrike" spc="-1" dirty="0">
+              <a:latin typeface="Arial"/>
+            </a:endParaRPr>
+          </a:p>
+        </p:txBody>
+      </p:sp>
+      <p:sp>
+        <p:nvSpPr>
+          <p:cNvPr id="4" name="CustomShape 1">
+            <a:extLst>
+              <a:ext uri="{FF2B5EF4-FFF2-40B4-BE49-F238E27FC236}">
+                <a16:creationId xmlns:a16="http://schemas.microsoft.com/office/drawing/2014/main" id="{B03AE819-5793-4C2D-A808-F947BC614CB9}"/>
+              </a:ext>
+            </a:extLst>
+          </p:cNvPr>
+          <p:cNvSpPr/>
+          <p:nvPr/>
+        </p:nvSpPr>
+        <p:spPr>
+          <a:xfrm>
+            <a:off x="1676520" y="2362320"/>
+            <a:ext cx="8815320" cy="921876"/>
+          </a:xfrm>
+          <a:prstGeom prst="rect">
+            <a:avLst/>
+          </a:prstGeom>
+          <a:noFill/>
+          <a:ln>
+            <a:noFill/>
+          </a:ln>
+        </p:spPr>
+        <p:style>
+          <a:lnRef idx="0">
+            <a:scrgbClr r="0" g="0" b="0"/>
+          </a:lnRef>
+          <a:fillRef idx="0">
+            <a:scrgbClr r="0" g="0" b="0"/>
+          </a:fillRef>
+          <a:effectRef idx="0">
+            <a:scrgbClr r="0" g="0" b="0"/>
+          </a:effectRef>
+          <a:fontRef idx="minor"/>
+        </p:style>
+        <p:txBody>
+          <a:bodyPr lIns="90000" tIns="45000" rIns="90000" bIns="45000">
+            <a:spAutoFit/>
+          </a:bodyPr>
+          <a:lstStyle/>
+          <a:p>
+            <a:pPr algn="ctr">
+              <a:lnSpc>
+                <a:spcPct val="100000"/>
+              </a:lnSpc>
+            </a:pPr>
+            <a:r>
+              <a:rPr lang="en-IN" sz="5400" i="1" spc="-1" dirty="0">
+                <a:solidFill>
+                  <a:srgbClr val="781632"/>
+                </a:solidFill>
+                <a:latin typeface="Century"/>
+              </a:rPr>
+              <a:t>neo4j</a:t>
+            </a:r>
+          </a:p>
+        </p:txBody>
+      </p:sp>
+    </p:spTree>
+  </p:cSld>
+  <p:clrMapOvr>
+    <a:masterClrMapping/>
+  </p:clrMapOvr>
+</p:sld>
+</file>
+
+<file path=ppt/slides/slide20.xml><?xml version="1.0" encoding="utf-8"?>
 <p:sld xmlns:a="http://schemas.openxmlformats.org/drawingml/2006/main" xmlns:r="http://schemas.openxmlformats.org/officeDocument/2006/relationships" xmlns:p="http://schemas.openxmlformats.org/presentationml/2006/main">
   <p:cSld>
     <p:spTree>
@@ -16808,150 +17994,7 @@
 </p:sld>
 </file>
 
-<file path=ppt/slides/slide2.xml><?xml version="1.0" encoding="utf-8"?>
-<p:sld xmlns:a="http://schemas.openxmlformats.org/drawingml/2006/main" xmlns:r="http://schemas.openxmlformats.org/officeDocument/2006/relationships" xmlns:p="http://schemas.openxmlformats.org/presentationml/2006/main">
-  <p:cSld>
-    <p:spTree>
-      <p:nvGrpSpPr>
-        <p:cNvPr id="1" name=""/>
-        <p:cNvGrpSpPr/>
-        <p:nvPr/>
-      </p:nvGrpSpPr>
-      <p:grpSpPr>
-        <a:xfrm>
-          <a:off x="0" y="0"/>
-          <a:ext cx="0" cy="0"/>
-          <a:chOff x="0" y="0"/>
-          <a:chExt cx="0" cy="0"/>
-        </a:xfrm>
-      </p:grpSpPr>
-      <p:sp>
-        <p:nvSpPr>
-          <p:cNvPr id="97" name="CustomShape 2"/>
-          <p:cNvSpPr/>
-          <p:nvPr/>
-        </p:nvSpPr>
-        <p:spPr>
-          <a:xfrm>
-            <a:off x="1666800" y="3531600"/>
-            <a:ext cx="8815320" cy="367878"/>
-          </a:xfrm>
-          <a:prstGeom prst="rect">
-            <a:avLst/>
-          </a:prstGeom>
-          <a:noFill/>
-          <a:ln>
-            <a:noFill/>
-          </a:ln>
-        </p:spPr>
-        <p:style>
-          <a:lnRef idx="0">
-            <a:scrgbClr r="0" g="0" b="0"/>
-          </a:lnRef>
-          <a:fillRef idx="0">
-            <a:scrgbClr r="0" g="0" b="0"/>
-          </a:fillRef>
-          <a:effectRef idx="0">
-            <a:scrgbClr r="0" g="0" b="0"/>
-          </a:effectRef>
-          <a:fontRef idx="minor"/>
-        </p:style>
-        <p:txBody>
-          <a:bodyPr wrap="square" lIns="90000" tIns="45000" rIns="90000" bIns="45000">
-            <a:spAutoFit/>
-          </a:bodyPr>
-          <a:lstStyle/>
-          <a:p>
-            <a:pPr algn="just">
-              <a:lnSpc>
-                <a:spcPct val="100000"/>
-              </a:lnSpc>
-            </a:pPr>
-            <a:r>
-              <a:rPr lang="en-IN" sz="1800" b="0" strike="noStrike" spc="-1" dirty="0">
-                <a:solidFill>
-                  <a:srgbClr val="BB0643"/>
-                </a:solidFill>
-                <a:latin typeface="Segoe UI"/>
-                <a:ea typeface="DejaVu Sans"/>
-              </a:rPr>
-              <a:t>TODO</a:t>
-            </a:r>
-            <a:endParaRPr lang="en-IN" sz="1800" b="0" strike="noStrike" spc="-1" dirty="0">
-              <a:latin typeface="Arial"/>
-            </a:endParaRPr>
-          </a:p>
-        </p:txBody>
-      </p:sp>
-      <p:sp>
-        <p:nvSpPr>
-          <p:cNvPr id="4" name="CustomShape 1">
-            <a:extLst>
-              <a:ext uri="{FF2B5EF4-FFF2-40B4-BE49-F238E27FC236}">
-                <a16:creationId xmlns:a16="http://schemas.microsoft.com/office/drawing/2014/main" id="{B03AE819-5793-4C2D-A808-F947BC614CB9}"/>
-              </a:ext>
-            </a:extLst>
-          </p:cNvPr>
-          <p:cNvSpPr/>
-          <p:nvPr/>
-        </p:nvSpPr>
-        <p:spPr>
-          <a:xfrm>
-            <a:off x="1676520" y="2362320"/>
-            <a:ext cx="8815320" cy="921876"/>
-          </a:xfrm>
-          <a:prstGeom prst="rect">
-            <a:avLst/>
-          </a:prstGeom>
-          <a:noFill/>
-          <a:ln>
-            <a:noFill/>
-          </a:ln>
-        </p:spPr>
-        <p:style>
-          <a:lnRef idx="0">
-            <a:scrgbClr r="0" g="0" b="0"/>
-          </a:lnRef>
-          <a:fillRef idx="0">
-            <a:scrgbClr r="0" g="0" b="0"/>
-          </a:fillRef>
-          <a:effectRef idx="0">
-            <a:scrgbClr r="0" g="0" b="0"/>
-          </a:effectRef>
-          <a:fontRef idx="minor"/>
-        </p:style>
-        <p:txBody>
-          <a:bodyPr lIns="90000" tIns="45000" rIns="90000" bIns="45000">
-            <a:spAutoFit/>
-          </a:bodyPr>
-          <a:lstStyle/>
-          <a:p>
-            <a:pPr algn="ctr">
-              <a:lnSpc>
-                <a:spcPct val="100000"/>
-              </a:lnSpc>
-            </a:pPr>
-            <a:r>
-              <a:rPr lang="en-IN" sz="5400" i="1" spc="-1" dirty="0">
-                <a:solidFill>
-                  <a:srgbClr val="781632"/>
-                </a:solidFill>
-                <a:latin typeface="Century"/>
-              </a:rPr>
-              <a:t>neo4j</a:t>
-            </a:r>
-          </a:p>
-        </p:txBody>
-      </p:sp>
-    </p:spTree>
-  </p:cSld>
-  <p:clrMapOvr>
-    <a:masterClrMapping/>
-  </p:clrMapOvr>
-</p:sld>
-</file>
-
-<file path=ppt/slides/slide20.xml><?xml version="1.0" encoding="utf-8"?>
+<file path=ppt/slides/slide21.xml><?xml version="1.0" encoding="utf-8"?>
 <p:sld xmlns:a="http://schemas.openxmlformats.org/drawingml/2006/main" xmlns:r="http://schemas.openxmlformats.org/officeDocument/2006/relationships" xmlns:p="http://schemas.openxmlformats.org/presentationml/2006/main">
   <p:cSld>
     <p:spTree>
@@ -17512,7 +18555,7 @@
 </p:sld>
 </file>
 
-<file path=ppt/slides/slide21.xml><?xml version="1.0" encoding="utf-8"?>
+<file path=ppt/slides/slide22.xml><?xml version="1.0" encoding="utf-8"?>
 <p:sld xmlns:a="http://schemas.openxmlformats.org/drawingml/2006/main" xmlns:r="http://schemas.openxmlformats.org/officeDocument/2006/relationships" xmlns:p="http://schemas.openxmlformats.org/presentationml/2006/main">
   <p:cSld>
     <p:spTree>
@@ -17542,7 +18585,7 @@
 </p:sld>
 </file>
 
-<file path=ppt/slides/slide22.xml><?xml version="1.0" encoding="utf-8"?>
+<file path=ppt/slides/slide23.xml><?xml version="1.0" encoding="utf-8"?>
 <p:sld xmlns:a="http://schemas.openxmlformats.org/drawingml/2006/main" xmlns:r="http://schemas.openxmlformats.org/officeDocument/2006/relationships" xmlns:p="http://schemas.openxmlformats.org/presentationml/2006/main">
   <p:cSld>
     <p:spTree>
@@ -17688,7 +18731,7 @@
 </p:sld>
 </file>
 
-<file path=ppt/slides/slide23.xml><?xml version="1.0" encoding="utf-8"?>
+<file path=ppt/slides/slide24.xml><?xml version="1.0" encoding="utf-8"?>
 <p:sld xmlns:a="http://schemas.openxmlformats.org/drawingml/2006/main" xmlns:r="http://schemas.openxmlformats.org/officeDocument/2006/relationships" xmlns:p="http://schemas.openxmlformats.org/presentationml/2006/main">
   <p:cSld>
     <p:spTree>

--- a/Neo4j.pptx
+++ b/Neo4j.pptx
@@ -5,7 +5,7 @@
     <p:sldMasterId id="2147483720" r:id="rId1"/>
   </p:sldMasterIdLst>
   <p:notesMasterIdLst>
-    <p:notesMasterId r:id="rId26"/>
+    <p:notesMasterId r:id="rId27"/>
   </p:notesMasterIdLst>
   <p:sldIdLst>
     <p:sldId id="256" r:id="rId2"/>
@@ -26,12 +26,13 @@
     <p:sldId id="1406" r:id="rId17"/>
     <p:sldId id="1409" r:id="rId18"/>
     <p:sldId id="1410" r:id="rId19"/>
-    <p:sldId id="1402" r:id="rId20"/>
-    <p:sldId id="1407" r:id="rId21"/>
-    <p:sldId id="1404" r:id="rId22"/>
-    <p:sldId id="1393" r:id="rId23"/>
-    <p:sldId id="350" r:id="rId24"/>
-    <p:sldId id="1398" r:id="rId25"/>
+    <p:sldId id="1411" r:id="rId20"/>
+    <p:sldId id="1402" r:id="rId21"/>
+    <p:sldId id="1407" r:id="rId22"/>
+    <p:sldId id="1404" r:id="rId23"/>
+    <p:sldId id="1393" r:id="rId24"/>
+    <p:sldId id="350" r:id="rId25"/>
+    <p:sldId id="1398" r:id="rId26"/>
   </p:sldIdLst>
   <p:sldSz cx="12192000" cy="6858000"/>
   <p:notesSz cx="6858000" cy="9144000"/>
@@ -12586,7 +12587,7 @@
                 <a:latin typeface="Nunito Sans"/>
                 <a:ea typeface="DejaVu Sans"/>
               </a:rPr>
-              <a:t>set node</a:t>
+              <a:t>set label{property}</a:t>
             </a:r>
             <a:endParaRPr lang="en-IN" sz="4000" b="0" strike="noStrike" spc="-1" dirty="0">
               <a:solidFill>
@@ -12637,456 +12638,6 @@
       </p:sp>
       <p:sp>
         <p:nvSpPr>
-          <p:cNvPr id="12" name="TextBox 11">
-            <a:extLst>
-              <a:ext uri="{FF2B5EF4-FFF2-40B4-BE49-F238E27FC236}">
-                <a16:creationId xmlns:a16="http://schemas.microsoft.com/office/drawing/2014/main" id="{79242DF4-E3E0-4B3F-9DA3-EDDD02A6E7F5}"/>
-              </a:ext>
-            </a:extLst>
-          </p:cNvPr>
-          <p:cNvSpPr txBox="1"/>
-          <p:nvPr/>
-        </p:nvSpPr>
-        <p:spPr>
-          <a:xfrm>
-            <a:off x="119336" y="1686842"/>
-            <a:ext cx="11953328" cy="2062103"/>
-          </a:xfrm>
-          <a:prstGeom prst="rect">
-            <a:avLst/>
-          </a:prstGeom>
-          <a:noFill/>
-        </p:spPr>
-        <p:txBody>
-          <a:bodyPr wrap="square">
-            <a:spAutoFit/>
-          </a:bodyPr>
-          <a:lstStyle/>
-          <a:p>
-            <a:r>
-              <a:rPr lang="pt-BR" spc="-1" dirty="0">
-                <a:solidFill>
-                  <a:srgbClr val="0070C0"/>
-                </a:solidFill>
-                <a:latin typeface="Consolas" panose="020B0609020204030204" pitchFamily="49" charset="0"/>
-                <a:cs typeface="Arial" panose="020B0604020202020204" pitchFamily="34" charset="0"/>
-              </a:rPr>
-              <a:t>MATCH(n</a:t>
-            </a:r>
-            <a:r>
-              <a:rPr lang="en-IN" spc="-1" dirty="0">
-                <a:solidFill>
-                  <a:srgbClr val="0070C0"/>
-                </a:solidFill>
-                <a:latin typeface="Consolas" panose="020B0609020204030204" pitchFamily="49" charset="0"/>
-                <a:cs typeface="Arial" panose="020B0604020202020204" pitchFamily="34" charset="0"/>
-              </a:rPr>
-              <a:t>:label_name </a:t>
-            </a:r>
-            <a:r>
-              <a:rPr lang="pt-BR" spc="-1" dirty="0">
-                <a:solidFill>
-                  <a:srgbClr val="0070C0"/>
-                </a:solidFill>
-                <a:latin typeface="Consolas" panose="020B0609020204030204" pitchFamily="49" charset="0"/>
-                <a:cs typeface="Arial" panose="020B0604020202020204" pitchFamily="34" charset="0"/>
-              </a:rPr>
-              <a:t>{ </a:t>
-            </a:r>
-            <a:r>
-              <a:rPr lang="en-IN" spc="-1" dirty="0">
-                <a:solidFill>
-                  <a:srgbClr val="0070C0"/>
-                </a:solidFill>
-                <a:latin typeface="Consolas" panose="020B0609020204030204" pitchFamily="49" charset="0"/>
-                <a:cs typeface="Arial" panose="020B0604020202020204" pitchFamily="34" charset="0"/>
-              </a:rPr>
-              <a:t>key1: value, key2: value, ... </a:t>
-            </a:r>
-            <a:r>
-              <a:rPr lang="pt-BR" spc="-1" dirty="0">
-                <a:solidFill>
-                  <a:srgbClr val="0070C0"/>
-                </a:solidFill>
-                <a:latin typeface="Consolas" panose="020B0609020204030204" pitchFamily="49" charset="0"/>
-                <a:cs typeface="Arial" panose="020B0604020202020204" pitchFamily="34" charset="0"/>
-              </a:rPr>
-              <a:t>}) SET n.newField=value</a:t>
-            </a:r>
-          </a:p>
-          <a:p>
-            <a:endParaRPr lang="pt-BR" sz="400" spc="-1" dirty="0">
-              <a:solidFill>
-                <a:srgbClr val="0070C0"/>
-              </a:solidFill>
-              <a:latin typeface="Consolas" panose="020B0609020204030204" pitchFamily="49" charset="0"/>
-              <a:cs typeface="Arial" panose="020B0604020202020204" pitchFamily="34" charset="0"/>
-            </a:endParaRPr>
-          </a:p>
-          <a:p>
-            <a:r>
-              <a:rPr lang="pt-BR" spc="-1" dirty="0">
-                <a:solidFill>
-                  <a:srgbClr val="0070C0"/>
-                </a:solidFill>
-                <a:latin typeface="Consolas" panose="020B0609020204030204" pitchFamily="49" charset="0"/>
-                <a:cs typeface="Arial" panose="020B0604020202020204" pitchFamily="34" charset="0"/>
-              </a:rPr>
-              <a:t>MATCH(n</a:t>
-            </a:r>
-            <a:r>
-              <a:rPr lang="en-IN" spc="-1" dirty="0">
-                <a:solidFill>
-                  <a:srgbClr val="0070C0"/>
-                </a:solidFill>
-                <a:latin typeface="Consolas" panose="020B0609020204030204" pitchFamily="49" charset="0"/>
-                <a:cs typeface="Arial" panose="020B0604020202020204" pitchFamily="34" charset="0"/>
-              </a:rPr>
-              <a:t>:label_name </a:t>
-            </a:r>
-            <a:r>
-              <a:rPr lang="pt-BR" spc="-1" dirty="0">
-                <a:solidFill>
-                  <a:srgbClr val="0070C0"/>
-                </a:solidFill>
-                <a:latin typeface="Consolas" panose="020B0609020204030204" pitchFamily="49" charset="0"/>
-                <a:cs typeface="Arial" panose="020B0604020202020204" pitchFamily="34" charset="0"/>
-              </a:rPr>
-              <a:t>{ </a:t>
-            </a:r>
-            <a:r>
-              <a:rPr lang="en-IN" spc="-1" dirty="0">
-                <a:solidFill>
-                  <a:srgbClr val="0070C0"/>
-                </a:solidFill>
-                <a:latin typeface="Consolas" panose="020B0609020204030204" pitchFamily="49" charset="0"/>
-                <a:cs typeface="Arial" panose="020B0604020202020204" pitchFamily="34" charset="0"/>
-              </a:rPr>
-              <a:t>key1: value, key2: value, ... </a:t>
-            </a:r>
-            <a:r>
-              <a:rPr lang="pt-BR" spc="-1" dirty="0">
-                <a:solidFill>
-                  <a:srgbClr val="0070C0"/>
-                </a:solidFill>
-                <a:latin typeface="Consolas" panose="020B0609020204030204" pitchFamily="49" charset="0"/>
-                <a:cs typeface="Arial" panose="020B0604020202020204" pitchFamily="34" charset="0"/>
-              </a:rPr>
-              <a:t>}) SET n={} </a:t>
-            </a:r>
-            <a:r>
-              <a:rPr lang="en-IN" dirty="0">
-                <a:solidFill>
-                  <a:srgbClr val="2CE041"/>
-                </a:solidFill>
-                <a:effectLst/>
-              </a:rPr>
-              <a:t>//</a:t>
-            </a:r>
-            <a:r>
-              <a:rPr lang="en-IN" dirty="0">
-                <a:solidFill>
-                  <a:srgbClr val="2CE041"/>
-                </a:solidFill>
-              </a:rPr>
-              <a:t> Removes all properties from nodes</a:t>
-            </a:r>
-            <a:endParaRPr lang="pt-BR" spc="-1" dirty="0">
-              <a:solidFill>
-                <a:srgbClr val="0070C0"/>
-              </a:solidFill>
-              <a:latin typeface="Consolas" panose="020B0609020204030204" pitchFamily="49" charset="0"/>
-              <a:cs typeface="Arial" panose="020B0604020202020204" pitchFamily="34" charset="0"/>
-            </a:endParaRPr>
-          </a:p>
-          <a:p>
-            <a:endParaRPr lang="pt-BR" sz="400" spc="-1" dirty="0">
-              <a:solidFill>
-                <a:srgbClr val="0070C0"/>
-              </a:solidFill>
-              <a:latin typeface="Consolas" panose="020B0609020204030204" pitchFamily="49" charset="0"/>
-              <a:cs typeface="Arial" panose="020B0604020202020204" pitchFamily="34" charset="0"/>
-            </a:endParaRPr>
-          </a:p>
-          <a:p>
-            <a:r>
-              <a:rPr lang="pt-BR" spc="-1" dirty="0">
-                <a:solidFill>
-                  <a:srgbClr val="0070C0"/>
-                </a:solidFill>
-                <a:latin typeface="Consolas" panose="020B0609020204030204" pitchFamily="49" charset="0"/>
-                <a:cs typeface="Arial" panose="020B0604020202020204" pitchFamily="34" charset="0"/>
-              </a:rPr>
-              <a:t>MATCH(n</a:t>
-            </a:r>
-            <a:r>
-              <a:rPr lang="en-IN" spc="-1" dirty="0">
-                <a:solidFill>
-                  <a:srgbClr val="0070C0"/>
-                </a:solidFill>
-                <a:latin typeface="Consolas" panose="020B0609020204030204" pitchFamily="49" charset="0"/>
-                <a:cs typeface="Arial" panose="020B0604020202020204" pitchFamily="34" charset="0"/>
-              </a:rPr>
-              <a:t>:label_name </a:t>
-            </a:r>
-            <a:r>
-              <a:rPr lang="pt-BR" spc="-1" dirty="0">
-                <a:solidFill>
-                  <a:srgbClr val="0070C0"/>
-                </a:solidFill>
-                <a:latin typeface="Consolas" panose="020B0609020204030204" pitchFamily="49" charset="0"/>
-                <a:cs typeface="Arial" panose="020B0604020202020204" pitchFamily="34" charset="0"/>
-              </a:rPr>
-              <a:t>{ </a:t>
-            </a:r>
-            <a:r>
-              <a:rPr lang="en-IN" spc="-1" dirty="0">
-                <a:solidFill>
-                  <a:srgbClr val="0070C0"/>
-                </a:solidFill>
-                <a:latin typeface="Consolas" panose="020B0609020204030204" pitchFamily="49" charset="0"/>
-                <a:cs typeface="Arial" panose="020B0604020202020204" pitchFamily="34" charset="0"/>
-              </a:rPr>
-              <a:t>key1: value, key2: value, ... </a:t>
-            </a:r>
-            <a:r>
-              <a:rPr lang="pt-BR" spc="-1" dirty="0">
-                <a:solidFill>
-                  <a:srgbClr val="0070C0"/>
-                </a:solidFill>
-                <a:latin typeface="Consolas" panose="020B0609020204030204" pitchFamily="49" charset="0"/>
-                <a:cs typeface="Arial" panose="020B0604020202020204" pitchFamily="34" charset="0"/>
-              </a:rPr>
-              <a:t>}) SET n={ </a:t>
-            </a:r>
-            <a:r>
-              <a:rPr lang="en-IN" spc="-1" dirty="0">
-                <a:solidFill>
-                  <a:srgbClr val="0070C0"/>
-                </a:solidFill>
-                <a:latin typeface="Consolas" panose="020B0609020204030204" pitchFamily="49" charset="0"/>
-                <a:cs typeface="Arial" panose="020B0604020202020204" pitchFamily="34" charset="0"/>
-              </a:rPr>
-              <a:t>key1: value, key2: value, ... </a:t>
-            </a:r>
-            <a:r>
-              <a:rPr lang="pt-BR" spc="-1" dirty="0">
-                <a:solidFill>
-                  <a:srgbClr val="0070C0"/>
-                </a:solidFill>
-                <a:latin typeface="Consolas" panose="020B0609020204030204" pitchFamily="49" charset="0"/>
-                <a:cs typeface="Arial" panose="020B0604020202020204" pitchFamily="34" charset="0"/>
-              </a:rPr>
-              <a:t>}</a:t>
-            </a:r>
-          </a:p>
-          <a:p>
-            <a:r>
-              <a:rPr lang="pt-BR" sz="400" spc="-1" dirty="0">
-                <a:solidFill>
-                  <a:srgbClr val="0070C0"/>
-                </a:solidFill>
-                <a:latin typeface="Consolas" panose="020B0609020204030204" pitchFamily="49" charset="0"/>
-                <a:cs typeface="Arial" panose="020B0604020202020204" pitchFamily="34" charset="0"/>
-              </a:rPr>
-              <a:t>]</a:t>
-            </a:r>
-          </a:p>
-          <a:p>
-            <a:r>
-              <a:rPr lang="pt-BR" spc="-1" dirty="0">
-                <a:solidFill>
-                  <a:srgbClr val="0070C0"/>
-                </a:solidFill>
-                <a:latin typeface="Consolas" panose="020B0609020204030204" pitchFamily="49" charset="0"/>
-                <a:cs typeface="Arial" panose="020B0604020202020204" pitchFamily="34" charset="0"/>
-              </a:rPr>
-              <a:t>MATCH(n</a:t>
-            </a:r>
-            <a:r>
-              <a:rPr lang="en-IN" spc="-1" dirty="0">
-                <a:solidFill>
-                  <a:srgbClr val="0070C0"/>
-                </a:solidFill>
-                <a:latin typeface="Consolas" panose="020B0609020204030204" pitchFamily="49" charset="0"/>
-                <a:cs typeface="Arial" panose="020B0604020202020204" pitchFamily="34" charset="0"/>
-              </a:rPr>
-              <a:t>:label_name </a:t>
-            </a:r>
-            <a:r>
-              <a:rPr lang="pt-BR" spc="-1" dirty="0">
-                <a:solidFill>
-                  <a:srgbClr val="0070C0"/>
-                </a:solidFill>
-                <a:latin typeface="Consolas" panose="020B0609020204030204" pitchFamily="49" charset="0"/>
-                <a:cs typeface="Arial" panose="020B0604020202020204" pitchFamily="34" charset="0"/>
-              </a:rPr>
-              <a:t>{ </a:t>
-            </a:r>
-            <a:r>
-              <a:rPr lang="en-IN" spc="-1" dirty="0">
-                <a:solidFill>
-                  <a:srgbClr val="0070C0"/>
-                </a:solidFill>
-                <a:latin typeface="Consolas" panose="020B0609020204030204" pitchFamily="49" charset="0"/>
-                <a:cs typeface="Arial" panose="020B0604020202020204" pitchFamily="34" charset="0"/>
-              </a:rPr>
-              <a:t>key1: value, key2: value, ... </a:t>
-            </a:r>
-            <a:r>
-              <a:rPr lang="pt-BR" spc="-1" dirty="0">
-                <a:solidFill>
-                  <a:srgbClr val="0070C0"/>
-                </a:solidFill>
-                <a:latin typeface="Consolas" panose="020B0609020204030204" pitchFamily="49" charset="0"/>
-                <a:cs typeface="Arial" panose="020B0604020202020204" pitchFamily="34" charset="0"/>
-              </a:rPr>
-              <a:t>}) REMOVE n.oldField</a:t>
-            </a:r>
-            <a:endParaRPr lang="pt-BR" sz="400" spc="-1" dirty="0">
-              <a:solidFill>
-                <a:srgbClr val="0070C0"/>
-              </a:solidFill>
-              <a:latin typeface="Consolas" panose="020B0609020204030204" pitchFamily="49" charset="0"/>
-              <a:cs typeface="Arial" panose="020B0604020202020204" pitchFamily="34" charset="0"/>
-            </a:endParaRPr>
-          </a:p>
-          <a:p>
-            <a:r>
-              <a:rPr lang="pt-BR" sz="400" spc="-1" dirty="0">
-                <a:solidFill>
-                  <a:srgbClr val="0070C0"/>
-                </a:solidFill>
-                <a:latin typeface="Consolas" panose="020B0609020204030204" pitchFamily="49" charset="0"/>
-                <a:cs typeface="Arial" panose="020B0604020202020204" pitchFamily="34" charset="0"/>
-              </a:rPr>
-              <a:t> </a:t>
-            </a:r>
-          </a:p>
-          <a:p>
-            <a:r>
-              <a:rPr lang="pt-BR" spc="-1" dirty="0">
-                <a:solidFill>
-                  <a:srgbClr val="0070C0"/>
-                </a:solidFill>
-                <a:latin typeface="Consolas" panose="020B0609020204030204" pitchFamily="49" charset="0"/>
-                <a:cs typeface="Arial" panose="020B0604020202020204" pitchFamily="34" charset="0"/>
-              </a:rPr>
-              <a:t>MATCH(n</a:t>
-            </a:r>
-            <a:r>
-              <a:rPr lang="en-IN" spc="-1" dirty="0">
-                <a:solidFill>
-                  <a:srgbClr val="0070C0"/>
-                </a:solidFill>
-                <a:latin typeface="Consolas" panose="020B0609020204030204" pitchFamily="49" charset="0"/>
-                <a:cs typeface="Arial" panose="020B0604020202020204" pitchFamily="34" charset="0"/>
-              </a:rPr>
-              <a:t>:label_name </a:t>
-            </a:r>
-            <a:r>
-              <a:rPr lang="pt-BR" spc="-1" dirty="0">
-                <a:solidFill>
-                  <a:srgbClr val="0070C0"/>
-                </a:solidFill>
-                <a:latin typeface="Consolas" panose="020B0609020204030204" pitchFamily="49" charset="0"/>
-                <a:cs typeface="Arial" panose="020B0604020202020204" pitchFamily="34" charset="0"/>
-              </a:rPr>
-              <a:t>{ </a:t>
-            </a:r>
-            <a:r>
-              <a:rPr lang="en-IN" spc="-1" dirty="0">
-                <a:solidFill>
-                  <a:srgbClr val="0070C0"/>
-                </a:solidFill>
-                <a:latin typeface="Consolas" panose="020B0609020204030204" pitchFamily="49" charset="0"/>
-                <a:cs typeface="Arial" panose="020B0604020202020204" pitchFamily="34" charset="0"/>
-              </a:rPr>
-              <a:t>key1: value, key2: value, ... </a:t>
-            </a:r>
-            <a:r>
-              <a:rPr lang="pt-BR" spc="-1" dirty="0">
-                <a:solidFill>
-                  <a:srgbClr val="0070C0"/>
-                </a:solidFill>
-                <a:latin typeface="Consolas" panose="020B0609020204030204" pitchFamily="49" charset="0"/>
-                <a:cs typeface="Arial" panose="020B0604020202020204" pitchFamily="34" charset="0"/>
-              </a:rPr>
-              <a:t>}) REMOVE n.oldField SET n.newField=value</a:t>
-            </a:r>
-          </a:p>
-          <a:p>
-            <a:endParaRPr lang="pt-BR" sz="400" spc="-1" dirty="0">
-              <a:solidFill>
-                <a:srgbClr val="0070C0"/>
-              </a:solidFill>
-              <a:latin typeface="Consolas" panose="020B0609020204030204" pitchFamily="49" charset="0"/>
-              <a:cs typeface="Arial" panose="020B0604020202020204" pitchFamily="34" charset="0"/>
-            </a:endParaRPr>
-          </a:p>
-          <a:p>
-            <a:r>
-              <a:rPr lang="pt-BR" spc="-1" dirty="0">
-                <a:solidFill>
-                  <a:srgbClr val="0070C0"/>
-                </a:solidFill>
-                <a:latin typeface="Consolas" panose="020B0609020204030204" pitchFamily="49" charset="0"/>
-                <a:cs typeface="Arial" panose="020B0604020202020204" pitchFamily="34" charset="0"/>
-              </a:rPr>
-              <a:t>MATCH(n</a:t>
-            </a:r>
-            <a:r>
-              <a:rPr lang="en-IN" spc="-1" dirty="0">
-                <a:solidFill>
-                  <a:srgbClr val="0070C0"/>
-                </a:solidFill>
-                <a:latin typeface="Consolas" panose="020B0609020204030204" pitchFamily="49" charset="0"/>
-                <a:cs typeface="Arial" panose="020B0604020202020204" pitchFamily="34" charset="0"/>
-              </a:rPr>
-              <a:t>:label_name </a:t>
-            </a:r>
-            <a:r>
-              <a:rPr lang="pt-BR" spc="-1" dirty="0">
-                <a:solidFill>
-                  <a:srgbClr val="0070C0"/>
-                </a:solidFill>
-                <a:latin typeface="Consolas" panose="020B0609020204030204" pitchFamily="49" charset="0"/>
-                <a:cs typeface="Arial" panose="020B0604020202020204" pitchFamily="34" charset="0"/>
-              </a:rPr>
-              <a:t>{ </a:t>
-            </a:r>
-            <a:r>
-              <a:rPr lang="en-IN" spc="-1" dirty="0">
-                <a:solidFill>
-                  <a:srgbClr val="0070C0"/>
-                </a:solidFill>
-                <a:latin typeface="Consolas" panose="020B0609020204030204" pitchFamily="49" charset="0"/>
-                <a:cs typeface="Arial" panose="020B0604020202020204" pitchFamily="34" charset="0"/>
-              </a:rPr>
-              <a:t>key1: value, key2: value, ... </a:t>
-            </a:r>
-            <a:r>
-              <a:rPr lang="pt-BR" spc="-1" dirty="0">
-                <a:solidFill>
-                  <a:srgbClr val="0070C0"/>
-                </a:solidFill>
-                <a:latin typeface="Consolas" panose="020B0609020204030204" pitchFamily="49" charset="0"/>
-                <a:cs typeface="Arial" panose="020B0604020202020204" pitchFamily="34" charset="0"/>
-              </a:rPr>
-              <a:t>}), (m{}) SET n = m</a:t>
-            </a:r>
-            <a:endParaRPr lang="en-IN" spc="-1" dirty="0">
-              <a:solidFill>
-                <a:srgbClr val="0070C0"/>
-              </a:solidFill>
-              <a:latin typeface="Consolas" panose="020B0609020204030204" pitchFamily="49" charset="0"/>
-              <a:cs typeface="Arial" panose="020B0604020202020204" pitchFamily="34" charset="0"/>
-            </a:endParaRPr>
-          </a:p>
-        </p:txBody>
-      </p:sp>
-      <p:sp>
-        <p:nvSpPr>
           <p:cNvPr id="15" name="TextBox 14">
             <a:extLst>
               <a:ext uri="{FF2B5EF4-FFF2-40B4-BE49-F238E27FC236}">
@@ -13099,8 +12650,8 @@
         </p:nvSpPr>
         <p:spPr>
           <a:xfrm>
-            <a:off x="243604" y="3846527"/>
-            <a:ext cx="11693880" cy="1569660"/>
+            <a:off x="243604" y="3284984"/>
+            <a:ext cx="11693880" cy="1169551"/>
           </a:xfrm>
           <a:prstGeom prst="rect">
             <a:avLst/>
@@ -13453,23 +13004,17 @@
                 </a:solidFill>
                 <a:effectLst/>
               </a:rPr>
-              <a:t>'ruhan'</a:t>
-            </a:r>
-            <a:endParaRPr lang="en-US" dirty="0">
-              <a:solidFill>
-                <a:srgbClr val="000000"/>
-              </a:solidFill>
-              <a:effectLst/>
-            </a:endParaRPr>
+              <a:t>'ruhan’</a:t>
+            </a:r>
           </a:p>
           <a:p>
             <a:pPr marL="285750" indent="-285750">
               <a:buFont typeface="Arial" panose="020B0604020202020204" pitchFamily="34" charset="0"/>
               <a:buChar char="•"/>
             </a:pPr>
-            <a:endParaRPr lang="pt-BR" sz="800" dirty="0">
+            <a:endParaRPr lang="en-US" sz="800" dirty="0">
               <a:solidFill>
-                <a:srgbClr val="333333"/>
+                <a:srgbClr val="B58900"/>
               </a:solidFill>
             </a:endParaRPr>
           </a:p>
@@ -13524,16 +13069,97 @@
                 </a:solidFill>
                 <a:effectLst/>
               </a:rPr>
-              <a:t>{</a:t>
-            </a:r>
-            <a:r>
-              <a:rPr lang="en-US" dirty="0">
-                <a:solidFill>
-                  <a:srgbClr val="333333"/>
-                </a:solidFill>
-                <a:effectLst/>
-              </a:rPr>
-              <a:t>name</a:t>
+              <a:t>)</a:t>
+            </a:r>
+            <a:r>
+              <a:rPr lang="en-US" dirty="0">
+                <a:solidFill>
+                  <a:srgbClr val="333333"/>
+                </a:solidFill>
+                <a:effectLst/>
+              </a:rPr>
+              <a:t> </a:t>
+            </a:r>
+            <a:r>
+              <a:rPr lang="en-US" dirty="0">
+                <a:solidFill>
+                  <a:srgbClr val="859900"/>
+                </a:solidFill>
+                <a:effectLst/>
+              </a:rPr>
+              <a:t>where</a:t>
+            </a:r>
+            <a:r>
+              <a:rPr lang="en-US" dirty="0">
+                <a:solidFill>
+                  <a:srgbClr val="333333"/>
+                </a:solidFill>
+                <a:effectLst/>
+              </a:rPr>
+              <a:t> id</a:t>
+            </a:r>
+            <a:r>
+              <a:rPr lang="en-US" dirty="0">
+                <a:solidFill>
+                  <a:srgbClr val="586E75"/>
+                </a:solidFill>
+                <a:effectLst/>
+              </a:rPr>
+              <a:t>(</a:t>
+            </a:r>
+            <a:r>
+              <a:rPr lang="en-US" dirty="0">
+                <a:solidFill>
+                  <a:srgbClr val="333333"/>
+                </a:solidFill>
+                <a:effectLst/>
+              </a:rPr>
+              <a:t>n</a:t>
+            </a:r>
+            <a:r>
+              <a:rPr lang="en-US" dirty="0">
+                <a:solidFill>
+                  <a:srgbClr val="586E75"/>
+                </a:solidFill>
+                <a:effectLst/>
+              </a:rPr>
+              <a:t>)=</a:t>
+            </a:r>
+            <a:r>
+              <a:rPr lang="en-US" dirty="0">
+                <a:solidFill>
+                  <a:srgbClr val="2AA198"/>
+                </a:solidFill>
+                <a:effectLst/>
+              </a:rPr>
+              <a:t>3</a:t>
+            </a:r>
+            <a:r>
+              <a:rPr lang="en-US" dirty="0">
+                <a:solidFill>
+                  <a:srgbClr val="333333"/>
+                </a:solidFill>
+                <a:effectLst/>
+              </a:rPr>
+              <a:t> </a:t>
+            </a:r>
+            <a:r>
+              <a:rPr lang="en-US" dirty="0">
+                <a:solidFill>
+                  <a:srgbClr val="859900"/>
+                </a:solidFill>
+                <a:effectLst/>
+              </a:rPr>
+              <a:t>set</a:t>
+            </a:r>
+            <a:r>
+              <a:rPr lang="en-US" dirty="0">
+                <a:solidFill>
+                  <a:srgbClr val="333333"/>
+                </a:solidFill>
+                <a:effectLst/>
+              </a:rPr>
+              <a:t> n</a:t>
             </a:r>
             <a:r>
               <a:rPr lang="en-US" dirty="0">
@@ -13547,276 +13173,40 @@
             <a:r>
               <a:rPr lang="en-US" dirty="0">
                 <a:solidFill>
-                  <a:srgbClr val="B58900"/>
-                </a:solidFill>
-                <a:effectLst/>
-              </a:rPr>
-              <a:t>'sharmin'</a:t>
-            </a:r>
-            <a:r>
-              <a:rPr lang="en-US" dirty="0">
-                <a:solidFill>
-                  <a:srgbClr val="586E75"/>
-                </a:solidFill>
-                <a:effectLst/>
-              </a:rPr>
-              <a:t>})</a:t>
-            </a:r>
-            <a:r>
-              <a:rPr lang="en-US" dirty="0">
-                <a:solidFill>
-                  <a:srgbClr val="333333"/>
-                </a:solidFill>
-                <a:effectLst/>
-              </a:rPr>
-              <a:t> </a:t>
-            </a:r>
-            <a:r>
-              <a:rPr lang="en-US" dirty="0">
-                <a:solidFill>
-                  <a:srgbClr val="859900"/>
-                </a:solidFill>
-                <a:effectLst/>
-              </a:rPr>
-              <a:t>remove</a:t>
-            </a:r>
-            <a:r>
-              <a:rPr lang="en-US" dirty="0">
-                <a:solidFill>
-                  <a:srgbClr val="333333"/>
-                </a:solidFill>
-                <a:effectLst/>
-              </a:rPr>
-              <a:t> n</a:t>
-            </a:r>
-            <a:r>
-              <a:rPr lang="en-US" dirty="0">
-                <a:solidFill>
-                  <a:srgbClr val="586E75"/>
-                </a:solidFill>
-                <a:effectLst/>
-              </a:rPr>
-              <a:t>.</a:t>
-            </a:r>
-            <a:r>
-              <a:rPr lang="en-US" dirty="0">
-                <a:solidFill>
-                  <a:srgbClr val="333333"/>
-                </a:solidFill>
-                <a:effectLst/>
-              </a:rPr>
-              <a:t>salary</a:t>
+                  <a:srgbClr val="333333"/>
+                </a:solidFill>
+                <a:effectLst/>
+              </a:rPr>
+              <a:t>object1	</a:t>
+            </a:r>
+            <a:r>
+              <a:rPr lang="en-IN" dirty="0">
+                <a:solidFill>
+                  <a:srgbClr val="2CE041"/>
+                </a:solidFill>
+                <a:effectLst/>
+              </a:rPr>
+              <a:t> 		//</a:t>
+            </a:r>
+            <a:r>
+              <a:rPr lang="en-IN" dirty="0">
+                <a:solidFill>
+                  <a:srgbClr val="2CE041"/>
+                </a:solidFill>
+              </a:rPr>
+              <a:t> SET </a:t>
+            </a:r>
+            <a:r>
+              <a:rPr lang="en-IN">
+                <a:solidFill>
+                  <a:srgbClr val="2CE041"/>
+                </a:solidFill>
+              </a:rPr>
+              <a:t>label name </a:t>
             </a:r>
             <a:endParaRPr lang="en-US" dirty="0">
               <a:solidFill>
                 <a:srgbClr val="000000"/>
-              </a:solidFill>
-              <a:effectLst/>
-            </a:endParaRPr>
-          </a:p>
-          <a:p>
-            <a:pPr marL="285750" indent="-285750">
-              <a:buFont typeface="Arial" panose="020B0604020202020204" pitchFamily="34" charset="0"/>
-              <a:buChar char="•"/>
-            </a:pPr>
-            <a:endParaRPr lang="pt-BR" sz="800" dirty="0">
-              <a:solidFill>
-                <a:srgbClr val="333333"/>
-              </a:solidFill>
-              <a:effectLst/>
-            </a:endParaRPr>
-          </a:p>
-          <a:p>
-            <a:pPr marL="285750" indent="-285750">
-              <a:buFont typeface="Arial" panose="020B0604020202020204" pitchFamily="34" charset="0"/>
-              <a:buChar char="•"/>
-            </a:pPr>
-            <a:r>
-              <a:rPr lang="en-IN" dirty="0">
-                <a:solidFill>
-                  <a:schemeClr val="tx1">
-                    <a:lumMod val="50000"/>
-                    <a:lumOff val="50000"/>
-                  </a:schemeClr>
-                </a:solidFill>
-                <a:latin typeface="Gill Sans MT (Body)"/>
-              </a:rPr>
-              <a:t>neo4j$ </a:t>
-            </a:r>
-            <a:r>
-              <a:rPr lang="en-US" dirty="0">
-                <a:solidFill>
-                  <a:srgbClr val="859900"/>
-                </a:solidFill>
-                <a:effectLst/>
-              </a:rPr>
-              <a:t>match</a:t>
-            </a:r>
-            <a:r>
-              <a:rPr lang="en-US" dirty="0">
-                <a:solidFill>
-                  <a:srgbClr val="586E75"/>
-                </a:solidFill>
-                <a:effectLst/>
-              </a:rPr>
-              <a:t>(</a:t>
-            </a:r>
-            <a:r>
-              <a:rPr lang="en-US" dirty="0">
-                <a:solidFill>
-                  <a:srgbClr val="333333"/>
-                </a:solidFill>
-                <a:effectLst/>
-              </a:rPr>
-              <a:t>n</a:t>
-            </a:r>
-            <a:r>
-              <a:rPr lang="en-US" dirty="0">
-                <a:solidFill>
-                  <a:srgbClr val="586E75"/>
-                </a:solidFill>
-                <a:effectLst/>
-              </a:rPr>
-              <a:t>{</a:t>
-            </a:r>
-            <a:r>
-              <a:rPr lang="en-US" dirty="0">
-                <a:solidFill>
-                  <a:srgbClr val="333333"/>
-                </a:solidFill>
-                <a:effectLst/>
-              </a:rPr>
-              <a:t>name</a:t>
-            </a:r>
-            <a:r>
-              <a:rPr lang="en-US" dirty="0">
-                <a:solidFill>
-                  <a:srgbClr val="586E75"/>
-                </a:solidFill>
-                <a:effectLst/>
-              </a:rPr>
-              <a:t>:</a:t>
-            </a:r>
-            <a:r>
-              <a:rPr lang="en-US" dirty="0">
-                <a:solidFill>
-                  <a:srgbClr val="B58900"/>
-                </a:solidFill>
-                <a:effectLst/>
-              </a:rPr>
-              <a:t>'sharmin'</a:t>
-            </a:r>
-            <a:r>
-              <a:rPr lang="en-US" dirty="0">
-                <a:solidFill>
-                  <a:srgbClr val="586E75"/>
-                </a:solidFill>
-                <a:effectLst/>
-              </a:rPr>
-              <a:t>})</a:t>
-            </a:r>
-            <a:r>
-              <a:rPr lang="en-US" dirty="0">
-                <a:solidFill>
-                  <a:srgbClr val="333333"/>
-                </a:solidFill>
-                <a:effectLst/>
-              </a:rPr>
-              <a:t> </a:t>
-            </a:r>
-            <a:r>
-              <a:rPr lang="en-US" dirty="0">
-                <a:solidFill>
-                  <a:srgbClr val="859900"/>
-                </a:solidFill>
-                <a:effectLst/>
-              </a:rPr>
-              <a:t>remove</a:t>
-            </a:r>
-            <a:r>
-              <a:rPr lang="en-US" dirty="0">
-                <a:solidFill>
-                  <a:srgbClr val="333333"/>
-                </a:solidFill>
-                <a:effectLst/>
-              </a:rPr>
-              <a:t> n</a:t>
-            </a:r>
-            <a:r>
-              <a:rPr lang="en-US" dirty="0">
-                <a:solidFill>
-                  <a:srgbClr val="586E75"/>
-                </a:solidFill>
-                <a:effectLst/>
-              </a:rPr>
-              <a:t>.</a:t>
-            </a:r>
-            <a:r>
-              <a:rPr lang="en-US" dirty="0">
-                <a:solidFill>
-                  <a:srgbClr val="333333"/>
-                </a:solidFill>
-                <a:effectLst/>
-              </a:rPr>
-              <a:t>salary </a:t>
-            </a:r>
-            <a:r>
-              <a:rPr lang="en-US" dirty="0">
-                <a:solidFill>
-                  <a:srgbClr val="859900"/>
-                </a:solidFill>
-                <a:effectLst/>
-              </a:rPr>
-              <a:t>set</a:t>
-            </a:r>
-            <a:r>
-              <a:rPr lang="en-US" dirty="0">
-                <a:solidFill>
-                  <a:srgbClr val="333333"/>
-                </a:solidFill>
-                <a:effectLst/>
-              </a:rPr>
-              <a:t> n</a:t>
-            </a:r>
-            <a:r>
-              <a:rPr lang="en-US" dirty="0">
-                <a:solidFill>
-                  <a:srgbClr val="586E75"/>
-                </a:solidFill>
-                <a:effectLst/>
-              </a:rPr>
-              <a:t>.</a:t>
-            </a:r>
-            <a:r>
-              <a:rPr lang="en-US" dirty="0">
-                <a:solidFill>
-                  <a:srgbClr val="333333"/>
-                </a:solidFill>
-                <a:effectLst/>
-              </a:rPr>
-              <a:t>salary</a:t>
-            </a:r>
-            <a:r>
-              <a:rPr lang="en-US" dirty="0">
-                <a:solidFill>
-                  <a:srgbClr val="586E75"/>
-                </a:solidFill>
-                <a:effectLst/>
-              </a:rPr>
-              <a:t>=</a:t>
-            </a:r>
-            <a:r>
-              <a:rPr lang="en-US" dirty="0">
-                <a:solidFill>
-                  <a:srgbClr val="2AA198"/>
-                </a:solidFill>
-                <a:effectLst/>
-              </a:rPr>
-              <a:t>42000	</a:t>
-            </a:r>
-            <a:endParaRPr lang="en-US" dirty="0">
-              <a:solidFill>
-                <a:srgbClr val="2CE041"/>
               </a:solidFill>
               <a:effectLst/>
             </a:endParaRPr>
@@ -13935,6 +13325,297 @@
                 </a:schemeClr>
               </a:solidFill>
               <a:latin typeface="Arial" panose="020B0604020202020204" pitchFamily="34" charset="0"/>
+              <a:cs typeface="Arial" panose="020B0604020202020204" pitchFamily="34" charset="0"/>
+            </a:endParaRPr>
+          </a:p>
+        </p:txBody>
+      </p:sp>
+      <p:sp>
+        <p:nvSpPr>
+          <p:cNvPr id="9" name="TextBox 8">
+            <a:extLst>
+              <a:ext uri="{FF2B5EF4-FFF2-40B4-BE49-F238E27FC236}">
+                <a16:creationId xmlns:a16="http://schemas.microsoft.com/office/drawing/2014/main" id="{DC6F1AF7-ED8D-45B6-A8CF-01C818605D5C}"/>
+              </a:ext>
+            </a:extLst>
+          </p:cNvPr>
+          <p:cNvSpPr txBox="1"/>
+          <p:nvPr/>
+        </p:nvSpPr>
+        <p:spPr>
+          <a:xfrm>
+            <a:off x="119336" y="1686842"/>
+            <a:ext cx="11953328" cy="1384995"/>
+          </a:xfrm>
+          <a:prstGeom prst="rect">
+            <a:avLst/>
+          </a:prstGeom>
+          <a:noFill/>
+        </p:spPr>
+        <p:txBody>
+          <a:bodyPr wrap="square">
+            <a:spAutoFit/>
+          </a:bodyPr>
+          <a:lstStyle/>
+          <a:p>
+            <a:r>
+              <a:rPr lang="pt-BR" spc="-1" dirty="0">
+                <a:solidFill>
+                  <a:srgbClr val="0070C0"/>
+                </a:solidFill>
+                <a:latin typeface="Consolas" panose="020B0609020204030204" pitchFamily="49" charset="0"/>
+                <a:cs typeface="Arial" panose="020B0604020202020204" pitchFamily="34" charset="0"/>
+              </a:rPr>
+              <a:t>MATCH(n</a:t>
+            </a:r>
+            <a:r>
+              <a:rPr lang="en-IN" spc="-1" dirty="0">
+                <a:solidFill>
+                  <a:srgbClr val="0070C0"/>
+                </a:solidFill>
+                <a:latin typeface="Consolas" panose="020B0609020204030204" pitchFamily="49" charset="0"/>
+                <a:cs typeface="Arial" panose="020B0604020202020204" pitchFamily="34" charset="0"/>
+              </a:rPr>
+              <a:t>:label_name </a:t>
+            </a:r>
+            <a:r>
+              <a:rPr lang="pt-BR" spc="-1" dirty="0">
+                <a:solidFill>
+                  <a:srgbClr val="0070C0"/>
+                </a:solidFill>
+                <a:latin typeface="Consolas" panose="020B0609020204030204" pitchFamily="49" charset="0"/>
+                <a:cs typeface="Arial" panose="020B0604020202020204" pitchFamily="34" charset="0"/>
+              </a:rPr>
+              <a:t>{ </a:t>
+            </a:r>
+            <a:r>
+              <a:rPr lang="en-IN" spc="-1" dirty="0">
+                <a:solidFill>
+                  <a:srgbClr val="0070C0"/>
+                </a:solidFill>
+                <a:latin typeface="Consolas" panose="020B0609020204030204" pitchFamily="49" charset="0"/>
+                <a:cs typeface="Arial" panose="020B0604020202020204" pitchFamily="34" charset="0"/>
+              </a:rPr>
+              <a:t>key1: value, key2: value, ... </a:t>
+            </a:r>
+            <a:r>
+              <a:rPr lang="pt-BR" spc="-1" dirty="0">
+                <a:solidFill>
+                  <a:srgbClr val="0070C0"/>
+                </a:solidFill>
+                <a:latin typeface="Consolas" panose="020B0609020204030204" pitchFamily="49" charset="0"/>
+                <a:cs typeface="Arial" panose="020B0604020202020204" pitchFamily="34" charset="0"/>
+              </a:rPr>
+              <a:t>}) SET n.newField=value</a:t>
+            </a:r>
+          </a:p>
+          <a:p>
+            <a:endParaRPr lang="pt-BR" sz="400" spc="-1" dirty="0">
+              <a:solidFill>
+                <a:srgbClr val="0070C0"/>
+              </a:solidFill>
+              <a:latin typeface="Consolas" panose="020B0609020204030204" pitchFamily="49" charset="0"/>
+              <a:cs typeface="Arial" panose="020B0604020202020204" pitchFamily="34" charset="0"/>
+            </a:endParaRPr>
+          </a:p>
+          <a:p>
+            <a:r>
+              <a:rPr lang="pt-BR" spc="-1" dirty="0">
+                <a:solidFill>
+                  <a:srgbClr val="0070C0"/>
+                </a:solidFill>
+                <a:latin typeface="Consolas" panose="020B0609020204030204" pitchFamily="49" charset="0"/>
+                <a:cs typeface="Arial" panose="020B0604020202020204" pitchFamily="34" charset="0"/>
+              </a:rPr>
+              <a:t>MATCH(n</a:t>
+            </a:r>
+            <a:r>
+              <a:rPr lang="en-IN" spc="-1" dirty="0">
+                <a:solidFill>
+                  <a:srgbClr val="0070C0"/>
+                </a:solidFill>
+                <a:latin typeface="Consolas" panose="020B0609020204030204" pitchFamily="49" charset="0"/>
+                <a:cs typeface="Arial" panose="020B0604020202020204" pitchFamily="34" charset="0"/>
+              </a:rPr>
+              <a:t>:label_name </a:t>
+            </a:r>
+            <a:r>
+              <a:rPr lang="pt-BR" spc="-1" dirty="0">
+                <a:solidFill>
+                  <a:srgbClr val="0070C0"/>
+                </a:solidFill>
+                <a:latin typeface="Consolas" panose="020B0609020204030204" pitchFamily="49" charset="0"/>
+                <a:cs typeface="Arial" panose="020B0604020202020204" pitchFamily="34" charset="0"/>
+              </a:rPr>
+              <a:t>{ </a:t>
+            </a:r>
+            <a:r>
+              <a:rPr lang="en-IN" spc="-1" dirty="0">
+                <a:solidFill>
+                  <a:srgbClr val="0070C0"/>
+                </a:solidFill>
+                <a:latin typeface="Consolas" panose="020B0609020204030204" pitchFamily="49" charset="0"/>
+                <a:cs typeface="Arial" panose="020B0604020202020204" pitchFamily="34" charset="0"/>
+              </a:rPr>
+              <a:t>key1: value, key2: value, ... </a:t>
+            </a:r>
+            <a:r>
+              <a:rPr lang="pt-BR" spc="-1" dirty="0">
+                <a:solidFill>
+                  <a:srgbClr val="0070C0"/>
+                </a:solidFill>
+                <a:latin typeface="Consolas" panose="020B0609020204030204" pitchFamily="49" charset="0"/>
+                <a:cs typeface="Arial" panose="020B0604020202020204" pitchFamily="34" charset="0"/>
+              </a:rPr>
+              <a:t>}) SET n={ </a:t>
+            </a:r>
+            <a:r>
+              <a:rPr lang="en-IN" spc="-1" dirty="0">
+                <a:solidFill>
+                  <a:srgbClr val="0070C0"/>
+                </a:solidFill>
+                <a:latin typeface="Consolas" panose="020B0609020204030204" pitchFamily="49" charset="0"/>
+                <a:cs typeface="Arial" panose="020B0604020202020204" pitchFamily="34" charset="0"/>
+              </a:rPr>
+              <a:t>key1: value, key2: value, ... </a:t>
+            </a:r>
+            <a:r>
+              <a:rPr lang="pt-BR" spc="-1" dirty="0">
+                <a:solidFill>
+                  <a:srgbClr val="0070C0"/>
+                </a:solidFill>
+                <a:latin typeface="Consolas" panose="020B0609020204030204" pitchFamily="49" charset="0"/>
+                <a:cs typeface="Arial" panose="020B0604020202020204" pitchFamily="34" charset="0"/>
+              </a:rPr>
+              <a:t>}</a:t>
+            </a:r>
+          </a:p>
+          <a:p>
+            <a:endParaRPr lang="pt-BR" sz="400" spc="-1" dirty="0">
+              <a:solidFill>
+                <a:srgbClr val="0070C0"/>
+              </a:solidFill>
+              <a:latin typeface="Consolas" panose="020B0609020204030204" pitchFamily="49" charset="0"/>
+              <a:cs typeface="Arial" panose="020B0604020202020204" pitchFamily="34" charset="0"/>
+            </a:endParaRPr>
+          </a:p>
+          <a:p>
+            <a:r>
+              <a:rPr lang="pt-BR" spc="-1" dirty="0">
+                <a:solidFill>
+                  <a:srgbClr val="0070C0"/>
+                </a:solidFill>
+                <a:latin typeface="Consolas" panose="020B0609020204030204" pitchFamily="49" charset="0"/>
+                <a:cs typeface="Arial" panose="020B0604020202020204" pitchFamily="34" charset="0"/>
+              </a:rPr>
+              <a:t>MATCH(n</a:t>
+            </a:r>
+            <a:r>
+              <a:rPr lang="en-IN" spc="-1" dirty="0">
+                <a:solidFill>
+                  <a:srgbClr val="0070C0"/>
+                </a:solidFill>
+                <a:latin typeface="Consolas" panose="020B0609020204030204" pitchFamily="49" charset="0"/>
+                <a:cs typeface="Arial" panose="020B0604020202020204" pitchFamily="34" charset="0"/>
+              </a:rPr>
+              <a:t>:label_name </a:t>
+            </a:r>
+            <a:r>
+              <a:rPr lang="pt-BR" spc="-1" dirty="0">
+                <a:solidFill>
+                  <a:srgbClr val="0070C0"/>
+                </a:solidFill>
+                <a:latin typeface="Consolas" panose="020B0609020204030204" pitchFamily="49" charset="0"/>
+                <a:cs typeface="Arial" panose="020B0604020202020204" pitchFamily="34" charset="0"/>
+              </a:rPr>
+              <a:t>{ </a:t>
+            </a:r>
+            <a:r>
+              <a:rPr lang="en-IN" spc="-1" dirty="0">
+                <a:solidFill>
+                  <a:srgbClr val="0070C0"/>
+                </a:solidFill>
+                <a:latin typeface="Consolas" panose="020B0609020204030204" pitchFamily="49" charset="0"/>
+                <a:cs typeface="Arial" panose="020B0604020202020204" pitchFamily="34" charset="0"/>
+              </a:rPr>
+              <a:t>key1: value, key2: value, ... </a:t>
+            </a:r>
+            <a:r>
+              <a:rPr lang="pt-BR" spc="-1" dirty="0">
+                <a:solidFill>
+                  <a:srgbClr val="0070C0"/>
+                </a:solidFill>
+                <a:latin typeface="Consolas" panose="020B0609020204030204" pitchFamily="49" charset="0"/>
+                <a:cs typeface="Arial" panose="020B0604020202020204" pitchFamily="34" charset="0"/>
+              </a:rPr>
+              <a:t>}) REMOVE n.oldField SET n.newField=value</a:t>
+            </a:r>
+          </a:p>
+          <a:p>
+            <a:endParaRPr lang="pt-BR" sz="400" spc="-1" dirty="0">
+              <a:solidFill>
+                <a:srgbClr val="0070C0"/>
+              </a:solidFill>
+              <a:latin typeface="Consolas" panose="020B0609020204030204" pitchFamily="49" charset="0"/>
+              <a:cs typeface="Arial" panose="020B0604020202020204" pitchFamily="34" charset="0"/>
+            </a:endParaRPr>
+          </a:p>
+          <a:p>
+            <a:r>
+              <a:rPr lang="pt-BR" spc="-1" dirty="0">
+                <a:solidFill>
+                  <a:srgbClr val="0070C0"/>
+                </a:solidFill>
+                <a:latin typeface="Consolas" panose="020B0609020204030204" pitchFamily="49" charset="0"/>
+                <a:cs typeface="Arial" panose="020B0604020202020204" pitchFamily="34" charset="0"/>
+              </a:rPr>
+              <a:t>MATCH(n</a:t>
+            </a:r>
+            <a:r>
+              <a:rPr lang="en-IN" spc="-1" dirty="0">
+                <a:solidFill>
+                  <a:srgbClr val="0070C0"/>
+                </a:solidFill>
+                <a:latin typeface="Consolas" panose="020B0609020204030204" pitchFamily="49" charset="0"/>
+                <a:cs typeface="Arial" panose="020B0604020202020204" pitchFamily="34" charset="0"/>
+              </a:rPr>
+              <a:t>:label_name </a:t>
+            </a:r>
+            <a:r>
+              <a:rPr lang="pt-BR" spc="-1" dirty="0">
+                <a:solidFill>
+                  <a:srgbClr val="0070C0"/>
+                </a:solidFill>
+                <a:latin typeface="Consolas" panose="020B0609020204030204" pitchFamily="49" charset="0"/>
+                <a:cs typeface="Arial" panose="020B0604020202020204" pitchFamily="34" charset="0"/>
+              </a:rPr>
+              <a:t>{ </a:t>
+            </a:r>
+            <a:r>
+              <a:rPr lang="en-IN" spc="-1" dirty="0">
+                <a:solidFill>
+                  <a:srgbClr val="0070C0"/>
+                </a:solidFill>
+                <a:latin typeface="Consolas" panose="020B0609020204030204" pitchFamily="49" charset="0"/>
+                <a:cs typeface="Arial" panose="020B0604020202020204" pitchFamily="34" charset="0"/>
+              </a:rPr>
+              <a:t>key1: value, key2: value, ... </a:t>
+            </a:r>
+            <a:r>
+              <a:rPr lang="pt-BR" spc="-1" dirty="0">
+                <a:solidFill>
+                  <a:srgbClr val="0070C0"/>
+                </a:solidFill>
+                <a:latin typeface="Consolas" panose="020B0609020204030204" pitchFamily="49" charset="0"/>
+                <a:cs typeface="Arial" panose="020B0604020202020204" pitchFamily="34" charset="0"/>
+              </a:rPr>
+              <a:t>}), (m{}) SET n = m</a:t>
+            </a:r>
+            <a:endParaRPr lang="en-IN" spc="-1" dirty="0">
+              <a:solidFill>
+                <a:srgbClr val="0070C0"/>
+              </a:solidFill>
+              <a:latin typeface="Consolas" panose="020B0609020204030204" pitchFamily="49" charset="0"/>
               <a:cs typeface="Arial" panose="020B0604020202020204" pitchFamily="34" charset="0"/>
             </a:endParaRPr>
           </a:p>
@@ -14097,7 +13778,7 @@
                 <a:latin typeface="Nunito Sans"/>
                 <a:ea typeface="DejaVu Sans"/>
               </a:rPr>
-              <a:t>set node</a:t>
+              <a:t>set label{property}</a:t>
             </a:r>
             <a:endParaRPr lang="en-IN" sz="4000" b="0" strike="noStrike" spc="-1" dirty="0">
               <a:solidFill>
@@ -14161,7 +13842,7 @@
         <p:spPr>
           <a:xfrm>
             <a:off x="119336" y="1686842"/>
-            <a:ext cx="11953328" cy="2062103"/>
+            <a:ext cx="11953328" cy="1384995"/>
           </a:xfrm>
           <a:prstGeom prst="rect">
             <a:avLst/>
@@ -14283,32 +13964,28 @@
                 <a:latin typeface="Consolas" panose="020B0609020204030204" pitchFamily="49" charset="0"/>
                 <a:cs typeface="Arial" panose="020B0604020202020204" pitchFamily="34" charset="0"/>
               </a:rPr>
-              <a:t>}) SET n={} </a:t>
-            </a:r>
-            <a:r>
-              <a:rPr lang="en-IN" dirty="0">
-                <a:solidFill>
-                  <a:srgbClr val="2CE041"/>
-                </a:solidFill>
-                <a:effectLst/>
-              </a:rPr>
-              <a:t>//</a:t>
-            </a:r>
-            <a:r>
-              <a:rPr lang="en-IN" dirty="0">
-                <a:solidFill>
-                  <a:srgbClr val="2CE041"/>
-                </a:solidFill>
-              </a:rPr>
-              <a:t> Removes all properties from nodes</a:t>
-            </a:r>
-            <a:endParaRPr lang="pt-BR" spc="-1" dirty="0">
-              <a:solidFill>
-                <a:srgbClr val="0070C0"/>
-              </a:solidFill>
-              <a:latin typeface="Consolas" panose="020B0609020204030204" pitchFamily="49" charset="0"/>
-              <a:cs typeface="Arial" panose="020B0604020202020204" pitchFamily="34" charset="0"/>
-            </a:endParaRPr>
+              <a:t>}) SET n={ </a:t>
+            </a:r>
+            <a:r>
+              <a:rPr lang="en-IN" spc="-1" dirty="0">
+                <a:solidFill>
+                  <a:srgbClr val="0070C0"/>
+                </a:solidFill>
+                <a:latin typeface="Consolas" panose="020B0609020204030204" pitchFamily="49" charset="0"/>
+                <a:cs typeface="Arial" panose="020B0604020202020204" pitchFamily="34" charset="0"/>
+              </a:rPr>
+              <a:t>key1: value, key2: value, ... </a:t>
+            </a:r>
+            <a:r>
+              <a:rPr lang="pt-BR" spc="-1" dirty="0">
+                <a:solidFill>
+                  <a:srgbClr val="0070C0"/>
+                </a:solidFill>
+                <a:latin typeface="Consolas" panose="020B0609020204030204" pitchFamily="49" charset="0"/>
+                <a:cs typeface="Arial" panose="020B0604020202020204" pitchFamily="34" charset="0"/>
+              </a:rPr>
+              <a:t>}</a:t>
+            </a:r>
           </a:p>
           <a:p>
             <a:endParaRPr lang="pt-BR" sz="400" spc="-1" dirty="0">
@@ -14318,161 +13995,6 @@
               <a:latin typeface="Consolas" panose="020B0609020204030204" pitchFamily="49" charset="0"/>
               <a:cs typeface="Arial" panose="020B0604020202020204" pitchFamily="34" charset="0"/>
             </a:endParaRPr>
-          </a:p>
-          <a:p>
-            <a:r>
-              <a:rPr lang="pt-BR" spc="-1" dirty="0">
-                <a:solidFill>
-                  <a:srgbClr val="0070C0"/>
-                </a:solidFill>
-                <a:latin typeface="Consolas" panose="020B0609020204030204" pitchFamily="49" charset="0"/>
-                <a:cs typeface="Arial" panose="020B0604020202020204" pitchFamily="34" charset="0"/>
-              </a:rPr>
-              <a:t>MATCH(n</a:t>
-            </a:r>
-            <a:r>
-              <a:rPr lang="en-IN" spc="-1" dirty="0">
-                <a:solidFill>
-                  <a:srgbClr val="0070C0"/>
-                </a:solidFill>
-                <a:latin typeface="Consolas" panose="020B0609020204030204" pitchFamily="49" charset="0"/>
-                <a:cs typeface="Arial" panose="020B0604020202020204" pitchFamily="34" charset="0"/>
-              </a:rPr>
-              <a:t>:label_name </a:t>
-            </a:r>
-            <a:r>
-              <a:rPr lang="pt-BR" spc="-1" dirty="0">
-                <a:solidFill>
-                  <a:srgbClr val="0070C0"/>
-                </a:solidFill>
-                <a:latin typeface="Consolas" panose="020B0609020204030204" pitchFamily="49" charset="0"/>
-                <a:cs typeface="Arial" panose="020B0604020202020204" pitchFamily="34" charset="0"/>
-              </a:rPr>
-              <a:t>{ </a:t>
-            </a:r>
-            <a:r>
-              <a:rPr lang="en-IN" spc="-1" dirty="0">
-                <a:solidFill>
-                  <a:srgbClr val="0070C0"/>
-                </a:solidFill>
-                <a:latin typeface="Consolas" panose="020B0609020204030204" pitchFamily="49" charset="0"/>
-                <a:cs typeface="Arial" panose="020B0604020202020204" pitchFamily="34" charset="0"/>
-              </a:rPr>
-              <a:t>key1: value, key2: value, ... </a:t>
-            </a:r>
-            <a:r>
-              <a:rPr lang="pt-BR" spc="-1" dirty="0">
-                <a:solidFill>
-                  <a:srgbClr val="0070C0"/>
-                </a:solidFill>
-                <a:latin typeface="Consolas" panose="020B0609020204030204" pitchFamily="49" charset="0"/>
-                <a:cs typeface="Arial" panose="020B0604020202020204" pitchFamily="34" charset="0"/>
-              </a:rPr>
-              <a:t>}) SET n={ </a:t>
-            </a:r>
-            <a:r>
-              <a:rPr lang="en-IN" spc="-1" dirty="0">
-                <a:solidFill>
-                  <a:srgbClr val="0070C0"/>
-                </a:solidFill>
-                <a:latin typeface="Consolas" panose="020B0609020204030204" pitchFamily="49" charset="0"/>
-                <a:cs typeface="Arial" panose="020B0604020202020204" pitchFamily="34" charset="0"/>
-              </a:rPr>
-              <a:t>key1: value, key2: value, ... </a:t>
-            </a:r>
-            <a:r>
-              <a:rPr lang="pt-BR" spc="-1" dirty="0">
-                <a:solidFill>
-                  <a:srgbClr val="0070C0"/>
-                </a:solidFill>
-                <a:latin typeface="Consolas" panose="020B0609020204030204" pitchFamily="49" charset="0"/>
-                <a:cs typeface="Arial" panose="020B0604020202020204" pitchFamily="34" charset="0"/>
-              </a:rPr>
-              <a:t>}</a:t>
-            </a:r>
-          </a:p>
-          <a:p>
-            <a:r>
-              <a:rPr lang="pt-BR" sz="400" spc="-1" dirty="0">
-                <a:solidFill>
-                  <a:srgbClr val="0070C0"/>
-                </a:solidFill>
-                <a:latin typeface="Consolas" panose="020B0609020204030204" pitchFamily="49" charset="0"/>
-                <a:cs typeface="Arial" panose="020B0604020202020204" pitchFamily="34" charset="0"/>
-              </a:rPr>
-              <a:t>]</a:t>
-            </a:r>
-          </a:p>
-          <a:p>
-            <a:r>
-              <a:rPr lang="pt-BR" spc="-1" dirty="0">
-                <a:solidFill>
-                  <a:srgbClr val="0070C0"/>
-                </a:solidFill>
-                <a:latin typeface="Consolas" panose="020B0609020204030204" pitchFamily="49" charset="0"/>
-                <a:cs typeface="Arial" panose="020B0604020202020204" pitchFamily="34" charset="0"/>
-              </a:rPr>
-              <a:t>MATCH(n</a:t>
-            </a:r>
-            <a:r>
-              <a:rPr lang="en-IN" spc="-1" dirty="0">
-                <a:solidFill>
-                  <a:srgbClr val="0070C0"/>
-                </a:solidFill>
-                <a:latin typeface="Consolas" panose="020B0609020204030204" pitchFamily="49" charset="0"/>
-                <a:cs typeface="Arial" panose="020B0604020202020204" pitchFamily="34" charset="0"/>
-              </a:rPr>
-              <a:t>:label_name </a:t>
-            </a:r>
-            <a:r>
-              <a:rPr lang="pt-BR" spc="-1" dirty="0">
-                <a:solidFill>
-                  <a:srgbClr val="0070C0"/>
-                </a:solidFill>
-                <a:latin typeface="Consolas" panose="020B0609020204030204" pitchFamily="49" charset="0"/>
-                <a:cs typeface="Arial" panose="020B0604020202020204" pitchFamily="34" charset="0"/>
-              </a:rPr>
-              <a:t>{ </a:t>
-            </a:r>
-            <a:r>
-              <a:rPr lang="en-IN" spc="-1" dirty="0">
-                <a:solidFill>
-                  <a:srgbClr val="0070C0"/>
-                </a:solidFill>
-                <a:latin typeface="Consolas" panose="020B0609020204030204" pitchFamily="49" charset="0"/>
-                <a:cs typeface="Arial" panose="020B0604020202020204" pitchFamily="34" charset="0"/>
-              </a:rPr>
-              <a:t>key1: value, key2: value, ... </a:t>
-            </a:r>
-            <a:r>
-              <a:rPr lang="pt-BR" spc="-1" dirty="0">
-                <a:solidFill>
-                  <a:srgbClr val="0070C0"/>
-                </a:solidFill>
-                <a:latin typeface="Consolas" panose="020B0609020204030204" pitchFamily="49" charset="0"/>
-                <a:cs typeface="Arial" panose="020B0604020202020204" pitchFamily="34" charset="0"/>
-              </a:rPr>
-              <a:t>}) REMOVE n.oldField</a:t>
-            </a:r>
-            <a:endParaRPr lang="pt-BR" sz="400" spc="-1" dirty="0">
-              <a:solidFill>
-                <a:srgbClr val="0070C0"/>
-              </a:solidFill>
-              <a:latin typeface="Consolas" panose="020B0609020204030204" pitchFamily="49" charset="0"/>
-              <a:cs typeface="Arial" panose="020B0604020202020204" pitchFamily="34" charset="0"/>
-            </a:endParaRPr>
-          </a:p>
-          <a:p>
-            <a:r>
-              <a:rPr lang="pt-BR" sz="400" spc="-1" dirty="0">
-                <a:solidFill>
-                  <a:srgbClr val="0070C0"/>
-                </a:solidFill>
-                <a:latin typeface="Consolas" panose="020B0609020204030204" pitchFamily="49" charset="0"/>
-                <a:cs typeface="Arial" panose="020B0604020202020204" pitchFamily="34" charset="0"/>
-              </a:rPr>
-              <a:t> </a:t>
-            </a:r>
           </a:p>
           <a:p>
             <a:r>
@@ -14610,7 +14132,7 @@
         </p:nvSpPr>
         <p:spPr>
           <a:xfrm>
-            <a:off x="243604" y="3846527"/>
+            <a:off x="243604" y="3286800"/>
             <a:ext cx="11693880" cy="1046440"/>
           </a:xfrm>
           <a:prstGeom prst="rect">
@@ -15215,6 +14737,1271 @@
                 </a:solidFill>
                 <a:latin typeface="Nunito Sans"/>
               </a:rPr>
+              <a:t>The </a:t>
+            </a:r>
+            <a:r>
+              <a:rPr lang="en-US" sz="2000" dirty="0">
+                <a:solidFill>
+                  <a:srgbClr val="39AE0A"/>
+                </a:solidFill>
+                <a:latin typeface="Nunito Sans"/>
+              </a:rPr>
+              <a:t>SET</a:t>
+            </a:r>
+            <a:r>
+              <a:rPr lang="en-US" sz="2000" dirty="0">
+                <a:solidFill>
+                  <a:srgbClr val="2D3748"/>
+                </a:solidFill>
+                <a:latin typeface="Nunito Sans"/>
+              </a:rPr>
+              <a:t> clause is used to update labels on nodes and properties on nodes and relationships.</a:t>
+            </a:r>
+            <a:endParaRPr lang="en-IN" sz="2000" dirty="0">
+              <a:solidFill>
+                <a:srgbClr val="2D3748"/>
+              </a:solidFill>
+              <a:latin typeface="Nunito Sans"/>
+            </a:endParaRPr>
+          </a:p>
+        </p:txBody>
+      </p:sp>
+      <p:sp>
+        <p:nvSpPr>
+          <p:cNvPr id="105" name="CustomShape 6"/>
+          <p:cNvSpPr/>
+          <p:nvPr/>
+        </p:nvSpPr>
+        <p:spPr>
+          <a:xfrm>
+            <a:off x="246600" y="0"/>
+            <a:ext cx="11693880" cy="706432"/>
+          </a:xfrm>
+          <a:prstGeom prst="rect">
+            <a:avLst/>
+          </a:prstGeom>
+          <a:solidFill>
+            <a:schemeClr val="accent6">
+              <a:lumMod val="75000"/>
+            </a:schemeClr>
+          </a:solidFill>
+          <a:ln>
+            <a:noFill/>
+          </a:ln>
+        </p:spPr>
+        <p:style>
+          <a:lnRef idx="0">
+            <a:scrgbClr r="0" g="0" b="0"/>
+          </a:lnRef>
+          <a:fillRef idx="0">
+            <a:scrgbClr r="0" g="0" b="0"/>
+          </a:fillRef>
+          <a:effectRef idx="0">
+            <a:scrgbClr r="0" g="0" b="0"/>
+          </a:effectRef>
+          <a:fontRef idx="minor"/>
+        </p:style>
+        <p:txBody>
+          <a:bodyPr lIns="90000" tIns="45000" rIns="90000" bIns="45000">
+            <a:spAutoFit/>
+          </a:bodyPr>
+          <a:lstStyle/>
+          <a:p>
+            <a:pPr algn="r"/>
+            <a:r>
+              <a:rPr lang="en-IN" sz="4000" b="0" strike="noStrike" spc="-1" dirty="0">
+                <a:solidFill>
+                  <a:schemeClr val="accent6">
+                    <a:lumMod val="60000"/>
+                    <a:lumOff val="40000"/>
+                  </a:schemeClr>
+                </a:solidFill>
+                <a:latin typeface="Nunito Sans"/>
+                <a:ea typeface="DejaVu Sans"/>
+              </a:rPr>
+              <a:t>remove label{property}</a:t>
+            </a:r>
+            <a:endParaRPr lang="en-IN" sz="4000" b="0" strike="noStrike" spc="-1" dirty="0">
+              <a:solidFill>
+                <a:schemeClr val="accent6">
+                  <a:lumMod val="60000"/>
+                  <a:lumOff val="40000"/>
+                </a:schemeClr>
+              </a:solidFill>
+              <a:latin typeface="Nunito Sans"/>
+            </a:endParaRPr>
+          </a:p>
+        </p:txBody>
+      </p:sp>
+      <p:sp>
+        <p:nvSpPr>
+          <p:cNvPr id="108" name="Line 9"/>
+          <p:cNvSpPr/>
+          <p:nvPr/>
+        </p:nvSpPr>
+        <p:spPr>
+          <a:xfrm>
+            <a:off x="0" y="1536120"/>
+            <a:ext cx="12191760" cy="0"/>
+          </a:xfrm>
+          <a:prstGeom prst="line">
+            <a:avLst/>
+          </a:prstGeom>
+          <a:ln w="12600">
+            <a:solidFill>
+              <a:srgbClr val="6E78A0"/>
+            </a:solidFill>
+            <a:prstDash val="dash"/>
+            <a:round/>
+          </a:ln>
+        </p:spPr>
+        <p:style>
+          <a:lnRef idx="1">
+            <a:schemeClr val="accent1"/>
+          </a:lnRef>
+          <a:fillRef idx="0">
+            <a:schemeClr val="accent1"/>
+          </a:fillRef>
+          <a:effectRef idx="0">
+            <a:schemeClr val="accent1"/>
+          </a:effectRef>
+          <a:fontRef idx="minor"/>
+        </p:style>
+      </p:sp>
+      <p:sp>
+        <p:nvSpPr>
+          <p:cNvPr id="12" name="TextBox 11">
+            <a:extLst>
+              <a:ext uri="{FF2B5EF4-FFF2-40B4-BE49-F238E27FC236}">
+                <a16:creationId xmlns:a16="http://schemas.microsoft.com/office/drawing/2014/main" id="{79242DF4-E3E0-4B3F-9DA3-EDDD02A6E7F5}"/>
+              </a:ext>
+            </a:extLst>
+          </p:cNvPr>
+          <p:cNvSpPr txBox="1"/>
+          <p:nvPr/>
+        </p:nvSpPr>
+        <p:spPr>
+          <a:xfrm>
+            <a:off x="119336" y="1686842"/>
+            <a:ext cx="11953328" cy="1169551"/>
+          </a:xfrm>
+          <a:prstGeom prst="rect">
+            <a:avLst/>
+          </a:prstGeom>
+          <a:noFill/>
+        </p:spPr>
+        <p:txBody>
+          <a:bodyPr wrap="square">
+            <a:spAutoFit/>
+          </a:bodyPr>
+          <a:lstStyle/>
+          <a:p>
+            <a:endParaRPr lang="pt-BR" sz="400" spc="-1" dirty="0">
+              <a:solidFill>
+                <a:srgbClr val="0070C0"/>
+              </a:solidFill>
+              <a:latin typeface="Consolas" panose="020B0609020204030204" pitchFamily="49" charset="0"/>
+              <a:cs typeface="Arial" panose="020B0604020202020204" pitchFamily="34" charset="0"/>
+            </a:endParaRPr>
+          </a:p>
+          <a:p>
+            <a:r>
+              <a:rPr lang="pt-BR" spc="-1" dirty="0">
+                <a:solidFill>
+                  <a:srgbClr val="0070C0"/>
+                </a:solidFill>
+                <a:latin typeface="Consolas" panose="020B0609020204030204" pitchFamily="49" charset="0"/>
+                <a:cs typeface="Arial" panose="020B0604020202020204" pitchFamily="34" charset="0"/>
+              </a:rPr>
+              <a:t>MATCH(n</a:t>
+            </a:r>
+            <a:r>
+              <a:rPr lang="en-IN" spc="-1" dirty="0">
+                <a:solidFill>
+                  <a:srgbClr val="0070C0"/>
+                </a:solidFill>
+                <a:latin typeface="Consolas" panose="020B0609020204030204" pitchFamily="49" charset="0"/>
+                <a:cs typeface="Arial" panose="020B0604020202020204" pitchFamily="34" charset="0"/>
+              </a:rPr>
+              <a:t>:label_name </a:t>
+            </a:r>
+            <a:r>
+              <a:rPr lang="pt-BR" spc="-1" dirty="0">
+                <a:solidFill>
+                  <a:srgbClr val="0070C0"/>
+                </a:solidFill>
+                <a:latin typeface="Consolas" panose="020B0609020204030204" pitchFamily="49" charset="0"/>
+                <a:cs typeface="Arial" panose="020B0604020202020204" pitchFamily="34" charset="0"/>
+              </a:rPr>
+              <a:t>{ </a:t>
+            </a:r>
+            <a:r>
+              <a:rPr lang="en-IN" spc="-1" dirty="0">
+                <a:solidFill>
+                  <a:srgbClr val="0070C0"/>
+                </a:solidFill>
+                <a:latin typeface="Consolas" panose="020B0609020204030204" pitchFamily="49" charset="0"/>
+                <a:cs typeface="Arial" panose="020B0604020202020204" pitchFamily="34" charset="0"/>
+              </a:rPr>
+              <a:t>key1: value, key2: value, ... </a:t>
+            </a:r>
+            <a:r>
+              <a:rPr lang="pt-BR" spc="-1" dirty="0">
+                <a:solidFill>
+                  <a:srgbClr val="0070C0"/>
+                </a:solidFill>
+                <a:latin typeface="Consolas" panose="020B0609020204030204" pitchFamily="49" charset="0"/>
+                <a:cs typeface="Arial" panose="020B0604020202020204" pitchFamily="34" charset="0"/>
+              </a:rPr>
+              <a:t>}) SET n={} </a:t>
+            </a:r>
+            <a:r>
+              <a:rPr lang="en-IN" dirty="0">
+                <a:solidFill>
+                  <a:srgbClr val="2CE041"/>
+                </a:solidFill>
+                <a:effectLst/>
+              </a:rPr>
+              <a:t>//</a:t>
+            </a:r>
+            <a:r>
+              <a:rPr lang="en-IN" dirty="0">
+                <a:solidFill>
+                  <a:srgbClr val="2CE041"/>
+                </a:solidFill>
+              </a:rPr>
+              <a:t> Removes all properties from nodes</a:t>
+            </a:r>
+            <a:endParaRPr lang="pt-BR" spc="-1" dirty="0">
+              <a:solidFill>
+                <a:srgbClr val="0070C0"/>
+              </a:solidFill>
+              <a:latin typeface="Consolas" panose="020B0609020204030204" pitchFamily="49" charset="0"/>
+              <a:cs typeface="Arial" panose="020B0604020202020204" pitchFamily="34" charset="0"/>
+            </a:endParaRPr>
+          </a:p>
+          <a:p>
+            <a:endParaRPr lang="pt-BR" sz="400" spc="-1" dirty="0">
+              <a:solidFill>
+                <a:srgbClr val="0070C0"/>
+              </a:solidFill>
+              <a:latin typeface="Consolas" panose="020B0609020204030204" pitchFamily="49" charset="0"/>
+              <a:cs typeface="Arial" panose="020B0604020202020204" pitchFamily="34" charset="0"/>
+            </a:endParaRPr>
+          </a:p>
+          <a:p>
+            <a:r>
+              <a:rPr lang="pt-BR" sz="400" spc="-1" dirty="0">
+                <a:solidFill>
+                  <a:srgbClr val="0070C0"/>
+                </a:solidFill>
+                <a:latin typeface="Consolas" panose="020B0609020204030204" pitchFamily="49" charset="0"/>
+                <a:cs typeface="Arial" panose="020B0604020202020204" pitchFamily="34" charset="0"/>
+              </a:rPr>
+              <a:t>]</a:t>
+            </a:r>
+          </a:p>
+          <a:p>
+            <a:r>
+              <a:rPr lang="pt-BR" spc="-1" dirty="0">
+                <a:solidFill>
+                  <a:srgbClr val="0070C0"/>
+                </a:solidFill>
+                <a:latin typeface="Consolas" panose="020B0609020204030204" pitchFamily="49" charset="0"/>
+                <a:cs typeface="Arial" panose="020B0604020202020204" pitchFamily="34" charset="0"/>
+              </a:rPr>
+              <a:t>MATCH(n</a:t>
+            </a:r>
+            <a:r>
+              <a:rPr lang="en-IN" spc="-1" dirty="0">
+                <a:solidFill>
+                  <a:srgbClr val="0070C0"/>
+                </a:solidFill>
+                <a:latin typeface="Consolas" panose="020B0609020204030204" pitchFamily="49" charset="0"/>
+                <a:cs typeface="Arial" panose="020B0604020202020204" pitchFamily="34" charset="0"/>
+              </a:rPr>
+              <a:t>:label_name </a:t>
+            </a:r>
+            <a:r>
+              <a:rPr lang="pt-BR" spc="-1" dirty="0">
+                <a:solidFill>
+                  <a:srgbClr val="0070C0"/>
+                </a:solidFill>
+                <a:latin typeface="Consolas" panose="020B0609020204030204" pitchFamily="49" charset="0"/>
+                <a:cs typeface="Arial" panose="020B0604020202020204" pitchFamily="34" charset="0"/>
+              </a:rPr>
+              <a:t>{ </a:t>
+            </a:r>
+            <a:r>
+              <a:rPr lang="en-IN" spc="-1" dirty="0">
+                <a:solidFill>
+                  <a:srgbClr val="0070C0"/>
+                </a:solidFill>
+                <a:latin typeface="Consolas" panose="020B0609020204030204" pitchFamily="49" charset="0"/>
+                <a:cs typeface="Arial" panose="020B0604020202020204" pitchFamily="34" charset="0"/>
+              </a:rPr>
+              <a:t>key1: value, key2: value, ... </a:t>
+            </a:r>
+            <a:r>
+              <a:rPr lang="pt-BR" spc="-1" dirty="0">
+                <a:solidFill>
+                  <a:srgbClr val="0070C0"/>
+                </a:solidFill>
+                <a:latin typeface="Consolas" panose="020B0609020204030204" pitchFamily="49" charset="0"/>
+                <a:cs typeface="Arial" panose="020B0604020202020204" pitchFamily="34" charset="0"/>
+              </a:rPr>
+              <a:t>}) REMOVE n.oldField</a:t>
+            </a:r>
+            <a:endParaRPr lang="pt-BR" sz="400" spc="-1" dirty="0">
+              <a:solidFill>
+                <a:srgbClr val="0070C0"/>
+              </a:solidFill>
+              <a:latin typeface="Consolas" panose="020B0609020204030204" pitchFamily="49" charset="0"/>
+              <a:cs typeface="Arial" panose="020B0604020202020204" pitchFamily="34" charset="0"/>
+            </a:endParaRPr>
+          </a:p>
+          <a:p>
+            <a:r>
+              <a:rPr lang="pt-BR" sz="400" spc="-1" dirty="0">
+                <a:solidFill>
+                  <a:srgbClr val="0070C0"/>
+                </a:solidFill>
+                <a:latin typeface="Consolas" panose="020B0609020204030204" pitchFamily="49" charset="0"/>
+                <a:cs typeface="Arial" panose="020B0604020202020204" pitchFamily="34" charset="0"/>
+              </a:rPr>
+              <a:t> </a:t>
+            </a:r>
+          </a:p>
+          <a:p>
+            <a:r>
+              <a:rPr lang="pt-BR" spc="-1" dirty="0">
+                <a:solidFill>
+                  <a:srgbClr val="0070C0"/>
+                </a:solidFill>
+                <a:latin typeface="Consolas" panose="020B0609020204030204" pitchFamily="49" charset="0"/>
+                <a:cs typeface="Arial" panose="020B0604020202020204" pitchFamily="34" charset="0"/>
+              </a:rPr>
+              <a:t>MATCH(n</a:t>
+            </a:r>
+            <a:r>
+              <a:rPr lang="en-IN" spc="-1" dirty="0">
+                <a:solidFill>
+                  <a:srgbClr val="0070C0"/>
+                </a:solidFill>
+                <a:latin typeface="Consolas" panose="020B0609020204030204" pitchFamily="49" charset="0"/>
+                <a:cs typeface="Arial" panose="020B0604020202020204" pitchFamily="34" charset="0"/>
+              </a:rPr>
+              <a:t>:label_name </a:t>
+            </a:r>
+            <a:r>
+              <a:rPr lang="pt-BR" spc="-1" dirty="0">
+                <a:solidFill>
+                  <a:srgbClr val="0070C0"/>
+                </a:solidFill>
+                <a:latin typeface="Consolas" panose="020B0609020204030204" pitchFamily="49" charset="0"/>
+                <a:cs typeface="Arial" panose="020B0604020202020204" pitchFamily="34" charset="0"/>
+              </a:rPr>
+              <a:t>{ </a:t>
+            </a:r>
+            <a:r>
+              <a:rPr lang="en-IN" spc="-1" dirty="0">
+                <a:solidFill>
+                  <a:srgbClr val="0070C0"/>
+                </a:solidFill>
+                <a:latin typeface="Consolas" panose="020B0609020204030204" pitchFamily="49" charset="0"/>
+                <a:cs typeface="Arial" panose="020B0604020202020204" pitchFamily="34" charset="0"/>
+              </a:rPr>
+              <a:t>key1: value, key2: value, ... </a:t>
+            </a:r>
+            <a:r>
+              <a:rPr lang="pt-BR" spc="-1" dirty="0">
+                <a:solidFill>
+                  <a:srgbClr val="0070C0"/>
+                </a:solidFill>
+                <a:latin typeface="Consolas" panose="020B0609020204030204" pitchFamily="49" charset="0"/>
+                <a:cs typeface="Arial" panose="020B0604020202020204" pitchFamily="34" charset="0"/>
+              </a:rPr>
+              <a:t>}) REMOVE n.oldField SET n.newField=value</a:t>
+            </a:r>
+          </a:p>
+        </p:txBody>
+      </p:sp>
+      <p:sp>
+        <p:nvSpPr>
+          <p:cNvPr id="15" name="TextBox 14">
+            <a:extLst>
+              <a:ext uri="{FF2B5EF4-FFF2-40B4-BE49-F238E27FC236}">
+                <a16:creationId xmlns:a16="http://schemas.microsoft.com/office/drawing/2014/main" id="{187A7629-BDF9-4DE3-B954-5B2AC8376F52}"/>
+              </a:ext>
+            </a:extLst>
+          </p:cNvPr>
+          <p:cNvSpPr txBox="1"/>
+          <p:nvPr/>
+        </p:nvSpPr>
+        <p:spPr>
+          <a:xfrm>
+            <a:off x="243604" y="3286800"/>
+            <a:ext cx="11693880" cy="1169551"/>
+          </a:xfrm>
+          <a:prstGeom prst="rect">
+            <a:avLst/>
+          </a:prstGeom>
+          <a:noFill/>
+        </p:spPr>
+        <p:txBody>
+          <a:bodyPr wrap="square">
+            <a:spAutoFit/>
+          </a:bodyPr>
+          <a:lstStyle/>
+          <a:p>
+            <a:pPr marL="285750" indent="-285750">
+              <a:buFont typeface="Arial" panose="020B0604020202020204" pitchFamily="34" charset="0"/>
+              <a:buChar char="•"/>
+            </a:pPr>
+            <a:r>
+              <a:rPr lang="en-IN" dirty="0">
+                <a:solidFill>
+                  <a:schemeClr val="tx1">
+                    <a:lumMod val="50000"/>
+                    <a:lumOff val="50000"/>
+                  </a:schemeClr>
+                </a:solidFill>
+                <a:latin typeface="Gill Sans MT (Body)"/>
+              </a:rPr>
+              <a:t>neo4j$ </a:t>
+            </a:r>
+            <a:r>
+              <a:rPr lang="en-US" dirty="0">
+                <a:solidFill>
+                  <a:srgbClr val="859900"/>
+                </a:solidFill>
+                <a:effectLst/>
+              </a:rPr>
+              <a:t>match</a:t>
+            </a:r>
+            <a:r>
+              <a:rPr lang="en-US" dirty="0">
+                <a:solidFill>
+                  <a:srgbClr val="586E75"/>
+                </a:solidFill>
+                <a:effectLst/>
+              </a:rPr>
+              <a:t>(</a:t>
+            </a:r>
+            <a:r>
+              <a:rPr lang="en-US" dirty="0">
+                <a:solidFill>
+                  <a:srgbClr val="333333"/>
+                </a:solidFill>
+                <a:effectLst/>
+              </a:rPr>
+              <a:t>n</a:t>
+            </a:r>
+            <a:r>
+              <a:rPr lang="en-US" dirty="0">
+                <a:solidFill>
+                  <a:srgbClr val="586E75"/>
+                </a:solidFill>
+                <a:effectLst/>
+              </a:rPr>
+              <a:t>{</a:t>
+            </a:r>
+            <a:r>
+              <a:rPr lang="en-US" dirty="0">
+                <a:solidFill>
+                  <a:srgbClr val="333333"/>
+                </a:solidFill>
+                <a:effectLst/>
+              </a:rPr>
+              <a:t>name</a:t>
+            </a:r>
+            <a:r>
+              <a:rPr lang="en-US" dirty="0">
+                <a:solidFill>
+                  <a:srgbClr val="586E75"/>
+                </a:solidFill>
+                <a:effectLst/>
+              </a:rPr>
+              <a:t>:</a:t>
+            </a:r>
+            <a:r>
+              <a:rPr lang="en-US" dirty="0">
+                <a:solidFill>
+                  <a:srgbClr val="B58900"/>
+                </a:solidFill>
+                <a:effectLst/>
+              </a:rPr>
+              <a:t>'sharmin'</a:t>
+            </a:r>
+            <a:r>
+              <a:rPr lang="en-US" dirty="0">
+                <a:solidFill>
+                  <a:srgbClr val="586E75"/>
+                </a:solidFill>
+                <a:effectLst/>
+              </a:rPr>
+              <a:t>})</a:t>
+            </a:r>
+            <a:r>
+              <a:rPr lang="en-US" dirty="0">
+                <a:solidFill>
+                  <a:srgbClr val="333333"/>
+                </a:solidFill>
+                <a:effectLst/>
+              </a:rPr>
+              <a:t> </a:t>
+            </a:r>
+            <a:r>
+              <a:rPr lang="en-US" dirty="0">
+                <a:solidFill>
+                  <a:srgbClr val="859900"/>
+                </a:solidFill>
+                <a:effectLst/>
+              </a:rPr>
+              <a:t>remove</a:t>
+            </a:r>
+            <a:r>
+              <a:rPr lang="en-US" dirty="0">
+                <a:solidFill>
+                  <a:srgbClr val="333333"/>
+                </a:solidFill>
+                <a:effectLst/>
+              </a:rPr>
+              <a:t> n</a:t>
+            </a:r>
+            <a:r>
+              <a:rPr lang="en-US" dirty="0">
+                <a:solidFill>
+                  <a:srgbClr val="586E75"/>
+                </a:solidFill>
+                <a:effectLst/>
+              </a:rPr>
+              <a:t>.</a:t>
+            </a:r>
+            <a:r>
+              <a:rPr lang="en-US" dirty="0">
+                <a:solidFill>
+                  <a:srgbClr val="333333"/>
+                </a:solidFill>
+                <a:effectLst/>
+              </a:rPr>
+              <a:t>salary</a:t>
+            </a:r>
+          </a:p>
+          <a:p>
+            <a:pPr marL="285750" indent="-285750">
+              <a:buFont typeface="Arial" panose="020B0604020202020204" pitchFamily="34" charset="0"/>
+              <a:buChar char="•"/>
+            </a:pPr>
+            <a:endParaRPr lang="en-US" sz="800" dirty="0">
+              <a:solidFill>
+                <a:srgbClr val="333333"/>
+              </a:solidFill>
+            </a:endParaRPr>
+          </a:p>
+          <a:p>
+            <a:pPr marL="285750" indent="-285750">
+              <a:buFont typeface="Arial" panose="020B0604020202020204" pitchFamily="34" charset="0"/>
+              <a:buChar char="•"/>
+            </a:pPr>
+            <a:r>
+              <a:rPr lang="en-IN" dirty="0">
+                <a:solidFill>
+                  <a:schemeClr val="tx1">
+                    <a:lumMod val="50000"/>
+                    <a:lumOff val="50000"/>
+                  </a:schemeClr>
+                </a:solidFill>
+                <a:latin typeface="Gill Sans MT (Body)"/>
+              </a:rPr>
+              <a:t>neo4j$ </a:t>
+            </a:r>
+            <a:r>
+              <a:rPr lang="en-US" dirty="0">
+                <a:solidFill>
+                  <a:srgbClr val="859900"/>
+                </a:solidFill>
+                <a:effectLst/>
+              </a:rPr>
+              <a:t>match</a:t>
+            </a:r>
+            <a:r>
+              <a:rPr lang="en-US" dirty="0">
+                <a:solidFill>
+                  <a:srgbClr val="586E75"/>
+                </a:solidFill>
+                <a:effectLst/>
+              </a:rPr>
+              <a:t>(</a:t>
+            </a:r>
+            <a:r>
+              <a:rPr lang="en-US" dirty="0">
+                <a:solidFill>
+                  <a:srgbClr val="333333"/>
+                </a:solidFill>
+                <a:effectLst/>
+              </a:rPr>
+              <a:t>n</a:t>
+            </a:r>
+            <a:r>
+              <a:rPr lang="en-US" dirty="0">
+                <a:solidFill>
+                  <a:srgbClr val="586E75"/>
+                </a:solidFill>
+                <a:effectLst/>
+              </a:rPr>
+              <a:t>)</a:t>
+            </a:r>
+            <a:r>
+              <a:rPr lang="en-US" dirty="0">
+                <a:solidFill>
+                  <a:srgbClr val="333333"/>
+                </a:solidFill>
+                <a:effectLst/>
+              </a:rPr>
+              <a:t> </a:t>
+            </a:r>
+            <a:r>
+              <a:rPr lang="en-US" dirty="0">
+                <a:solidFill>
+                  <a:srgbClr val="859900"/>
+                </a:solidFill>
+                <a:effectLst/>
+              </a:rPr>
+              <a:t>where</a:t>
+            </a:r>
+            <a:r>
+              <a:rPr lang="en-US" dirty="0">
+                <a:solidFill>
+                  <a:srgbClr val="333333"/>
+                </a:solidFill>
+                <a:effectLst/>
+              </a:rPr>
+              <a:t> id</a:t>
+            </a:r>
+            <a:r>
+              <a:rPr lang="en-US" dirty="0">
+                <a:solidFill>
+                  <a:srgbClr val="586E75"/>
+                </a:solidFill>
+                <a:effectLst/>
+              </a:rPr>
+              <a:t>(</a:t>
+            </a:r>
+            <a:r>
+              <a:rPr lang="en-US" dirty="0">
+                <a:solidFill>
+                  <a:srgbClr val="333333"/>
+                </a:solidFill>
+                <a:effectLst/>
+              </a:rPr>
+              <a:t>n</a:t>
+            </a:r>
+            <a:r>
+              <a:rPr lang="en-US" dirty="0">
+                <a:solidFill>
+                  <a:srgbClr val="586E75"/>
+                </a:solidFill>
+                <a:effectLst/>
+              </a:rPr>
+              <a:t>)=</a:t>
+            </a:r>
+            <a:r>
+              <a:rPr lang="en-US" dirty="0">
+                <a:solidFill>
+                  <a:srgbClr val="2AA198"/>
+                </a:solidFill>
+                <a:effectLst/>
+              </a:rPr>
+              <a:t>3</a:t>
+            </a:r>
+            <a:r>
+              <a:rPr lang="en-US" dirty="0">
+                <a:solidFill>
+                  <a:srgbClr val="333333"/>
+                </a:solidFill>
+                <a:effectLst/>
+              </a:rPr>
+              <a:t> </a:t>
+            </a:r>
+            <a:r>
+              <a:rPr lang="en-US" dirty="0">
+                <a:solidFill>
+                  <a:srgbClr val="859900"/>
+                </a:solidFill>
+                <a:effectLst/>
+              </a:rPr>
+              <a:t>set</a:t>
+            </a:r>
+            <a:r>
+              <a:rPr lang="en-US" dirty="0">
+                <a:solidFill>
+                  <a:srgbClr val="333333"/>
+                </a:solidFill>
+                <a:effectLst/>
+              </a:rPr>
+              <a:t> n</a:t>
+            </a:r>
+            <a:r>
+              <a:rPr lang="en-US" dirty="0">
+                <a:solidFill>
+                  <a:srgbClr val="586E75"/>
+                </a:solidFill>
+                <a:effectLst/>
+              </a:rPr>
+              <a:t>={}</a:t>
+            </a:r>
+            <a:endParaRPr lang="en-US" dirty="0">
+              <a:solidFill>
+                <a:srgbClr val="000000"/>
+              </a:solidFill>
+              <a:effectLst/>
+            </a:endParaRPr>
+          </a:p>
+          <a:p>
+            <a:pPr marL="285750" indent="-285750">
+              <a:buFont typeface="Arial" panose="020B0604020202020204" pitchFamily="34" charset="0"/>
+              <a:buChar char="•"/>
+            </a:pPr>
+            <a:endParaRPr lang="pt-BR" sz="800" dirty="0">
+              <a:solidFill>
+                <a:srgbClr val="333333"/>
+              </a:solidFill>
+              <a:effectLst/>
+            </a:endParaRPr>
+          </a:p>
+          <a:p>
+            <a:pPr marL="285750" indent="-285750">
+              <a:buFont typeface="Arial" panose="020B0604020202020204" pitchFamily="34" charset="0"/>
+              <a:buChar char="•"/>
+            </a:pPr>
+            <a:r>
+              <a:rPr lang="en-IN" dirty="0">
+                <a:solidFill>
+                  <a:schemeClr val="tx1">
+                    <a:lumMod val="50000"/>
+                    <a:lumOff val="50000"/>
+                  </a:schemeClr>
+                </a:solidFill>
+                <a:latin typeface="Gill Sans MT (Body)"/>
+              </a:rPr>
+              <a:t>neo4j$ </a:t>
+            </a:r>
+            <a:r>
+              <a:rPr lang="en-US" dirty="0">
+                <a:solidFill>
+                  <a:srgbClr val="859900"/>
+                </a:solidFill>
+                <a:effectLst/>
+              </a:rPr>
+              <a:t>match</a:t>
+            </a:r>
+            <a:r>
+              <a:rPr lang="en-US" dirty="0">
+                <a:solidFill>
+                  <a:srgbClr val="586E75"/>
+                </a:solidFill>
+                <a:effectLst/>
+              </a:rPr>
+              <a:t>(</a:t>
+            </a:r>
+            <a:r>
+              <a:rPr lang="en-US" dirty="0">
+                <a:solidFill>
+                  <a:srgbClr val="333333"/>
+                </a:solidFill>
+                <a:effectLst/>
+              </a:rPr>
+              <a:t>n</a:t>
+            </a:r>
+            <a:r>
+              <a:rPr lang="en-US" dirty="0">
+                <a:solidFill>
+                  <a:srgbClr val="586E75"/>
+                </a:solidFill>
+                <a:effectLst/>
+              </a:rPr>
+              <a:t>{</a:t>
+            </a:r>
+            <a:r>
+              <a:rPr lang="en-US" dirty="0">
+                <a:solidFill>
+                  <a:srgbClr val="333333"/>
+                </a:solidFill>
+                <a:effectLst/>
+              </a:rPr>
+              <a:t>name</a:t>
+            </a:r>
+            <a:r>
+              <a:rPr lang="en-US" dirty="0">
+                <a:solidFill>
+                  <a:srgbClr val="586E75"/>
+                </a:solidFill>
+                <a:effectLst/>
+              </a:rPr>
+              <a:t>:</a:t>
+            </a:r>
+            <a:r>
+              <a:rPr lang="en-US" dirty="0">
+                <a:solidFill>
+                  <a:srgbClr val="B58900"/>
+                </a:solidFill>
+                <a:effectLst/>
+              </a:rPr>
+              <a:t>'sharmin'</a:t>
+            </a:r>
+            <a:r>
+              <a:rPr lang="en-US" dirty="0">
+                <a:solidFill>
+                  <a:srgbClr val="586E75"/>
+                </a:solidFill>
+                <a:effectLst/>
+              </a:rPr>
+              <a:t>})</a:t>
+            </a:r>
+            <a:r>
+              <a:rPr lang="en-US" dirty="0">
+                <a:solidFill>
+                  <a:srgbClr val="333333"/>
+                </a:solidFill>
+                <a:effectLst/>
+              </a:rPr>
+              <a:t> </a:t>
+            </a:r>
+            <a:r>
+              <a:rPr lang="en-US" dirty="0">
+                <a:solidFill>
+                  <a:srgbClr val="859900"/>
+                </a:solidFill>
+                <a:effectLst/>
+              </a:rPr>
+              <a:t>remove</a:t>
+            </a:r>
+            <a:r>
+              <a:rPr lang="en-US" dirty="0">
+                <a:solidFill>
+                  <a:srgbClr val="333333"/>
+                </a:solidFill>
+                <a:effectLst/>
+              </a:rPr>
+              <a:t> n</a:t>
+            </a:r>
+            <a:r>
+              <a:rPr lang="en-US" dirty="0">
+                <a:solidFill>
+                  <a:srgbClr val="586E75"/>
+                </a:solidFill>
+                <a:effectLst/>
+              </a:rPr>
+              <a:t>.</a:t>
+            </a:r>
+            <a:r>
+              <a:rPr lang="en-US" dirty="0">
+                <a:solidFill>
+                  <a:srgbClr val="333333"/>
+                </a:solidFill>
+                <a:effectLst/>
+              </a:rPr>
+              <a:t>salary </a:t>
+            </a:r>
+            <a:r>
+              <a:rPr lang="en-US" dirty="0">
+                <a:solidFill>
+                  <a:srgbClr val="859900"/>
+                </a:solidFill>
+                <a:effectLst/>
+              </a:rPr>
+              <a:t>set</a:t>
+            </a:r>
+            <a:r>
+              <a:rPr lang="en-US" dirty="0">
+                <a:solidFill>
+                  <a:srgbClr val="333333"/>
+                </a:solidFill>
+                <a:effectLst/>
+              </a:rPr>
+              <a:t> n</a:t>
+            </a:r>
+            <a:r>
+              <a:rPr lang="en-US" dirty="0">
+                <a:solidFill>
+                  <a:srgbClr val="586E75"/>
+                </a:solidFill>
+                <a:effectLst/>
+              </a:rPr>
+              <a:t>.</a:t>
+            </a:r>
+            <a:r>
+              <a:rPr lang="en-US" dirty="0">
+                <a:solidFill>
+                  <a:srgbClr val="333333"/>
+                </a:solidFill>
+                <a:effectLst/>
+              </a:rPr>
+              <a:t>salary</a:t>
+            </a:r>
+            <a:r>
+              <a:rPr lang="en-US" dirty="0">
+                <a:solidFill>
+                  <a:srgbClr val="586E75"/>
+                </a:solidFill>
+                <a:effectLst/>
+              </a:rPr>
+              <a:t>=</a:t>
+            </a:r>
+            <a:r>
+              <a:rPr lang="en-US" dirty="0">
+                <a:solidFill>
+                  <a:srgbClr val="2AA198"/>
+                </a:solidFill>
+                <a:effectLst/>
+              </a:rPr>
+              <a:t>42000	</a:t>
+            </a:r>
+            <a:endParaRPr lang="en-US" dirty="0">
+              <a:solidFill>
+                <a:srgbClr val="2CE041"/>
+              </a:solidFill>
+              <a:effectLst/>
+            </a:endParaRPr>
+          </a:p>
+        </p:txBody>
+      </p:sp>
+      <p:sp>
+        <p:nvSpPr>
+          <p:cNvPr id="8" name="CustomShape 4">
+            <a:extLst>
+              <a:ext uri="{FF2B5EF4-FFF2-40B4-BE49-F238E27FC236}">
+                <a16:creationId xmlns:a16="http://schemas.microsoft.com/office/drawing/2014/main" id="{44E4B61F-C325-409D-B48E-5E0617F2140E}"/>
+              </a:ext>
+            </a:extLst>
+          </p:cNvPr>
+          <p:cNvSpPr/>
+          <p:nvPr/>
+        </p:nvSpPr>
+        <p:spPr>
+          <a:xfrm>
+            <a:off x="243604" y="5696497"/>
+            <a:ext cx="11693880" cy="737210"/>
+          </a:xfrm>
+          <a:prstGeom prst="rect">
+            <a:avLst/>
+          </a:prstGeom>
+          <a:noFill/>
+          <a:ln>
+            <a:noFill/>
+          </a:ln>
+        </p:spPr>
+        <p:style>
+          <a:lnRef idx="0">
+            <a:scrgbClr r="0" g="0" b="0"/>
+          </a:lnRef>
+          <a:fillRef idx="0">
+            <a:scrgbClr r="0" g="0" b="0"/>
+          </a:fillRef>
+          <a:effectRef idx="0">
+            <a:scrgbClr r="0" g="0" b="0"/>
+          </a:effectRef>
+          <a:fontRef idx="minor"/>
+        </p:style>
+        <p:txBody>
+          <a:bodyPr lIns="90000" tIns="45000" rIns="90000" bIns="45000">
+            <a:spAutoFit/>
+          </a:bodyPr>
+          <a:lstStyle/>
+          <a:p>
+            <a:pPr>
+              <a:lnSpc>
+                <a:spcPct val="100000"/>
+              </a:lnSpc>
+            </a:pPr>
+            <a:r>
+              <a:rPr lang="en-IN" sz="2000" b="1" strike="noStrike" spc="-1" dirty="0">
+                <a:solidFill>
+                  <a:srgbClr val="C00000"/>
+                </a:solidFill>
+                <a:latin typeface="Arial" panose="020B0604020202020204" pitchFamily="34" charset="0"/>
+                <a:ea typeface="Open Sans"/>
+                <a:cs typeface="Arial" panose="020B0604020202020204" pitchFamily="34" charset="0"/>
+              </a:rPr>
+              <a:t>Note:</a:t>
+            </a:r>
+            <a:endParaRPr lang="en-IN" sz="2000" b="0" strike="noStrike" spc="-1" dirty="0">
+              <a:latin typeface="Arial" panose="020B0604020202020204" pitchFamily="34" charset="0"/>
+              <a:cs typeface="Arial" panose="020B0604020202020204" pitchFamily="34" charset="0"/>
+            </a:endParaRPr>
+          </a:p>
+          <a:p>
+            <a:pPr>
+              <a:lnSpc>
+                <a:spcPct val="100000"/>
+              </a:lnSpc>
+            </a:pPr>
+            <a:r>
+              <a:rPr lang="en-IN" sz="400" b="0" strike="noStrike" spc="-1" dirty="0">
+                <a:solidFill>
+                  <a:srgbClr val="000000"/>
+                </a:solidFill>
+                <a:latin typeface="Arial" panose="020B0604020202020204" pitchFamily="34" charset="0"/>
+                <a:ea typeface="DejaVu Sans"/>
+                <a:cs typeface="Arial" panose="020B0604020202020204" pitchFamily="34" charset="0"/>
+              </a:rPr>
+              <a:t> </a:t>
+            </a:r>
+            <a:endParaRPr lang="en-IN" sz="400" b="0" strike="noStrike" spc="-1" dirty="0">
+              <a:latin typeface="Arial" panose="020B0604020202020204" pitchFamily="34" charset="0"/>
+              <a:cs typeface="Arial" panose="020B0604020202020204" pitchFamily="34" charset="0"/>
+            </a:endParaRPr>
+          </a:p>
+          <a:p>
+            <a:pPr marL="285840" indent="-262080">
+              <a:buClr>
+                <a:srgbClr val="000000"/>
+              </a:buClr>
+              <a:buFont typeface="Arial"/>
+              <a:buChar char="•"/>
+            </a:pPr>
+            <a:r>
+              <a:rPr lang="en-US" b="0" i="0" dirty="0">
+                <a:solidFill>
+                  <a:srgbClr val="333333"/>
+                </a:solidFill>
+                <a:effectLst/>
+                <a:latin typeface="Arial" panose="020B0604020202020204" pitchFamily="34" charset="0"/>
+              </a:rPr>
+              <a:t>TODO</a:t>
+            </a:r>
+            <a:endParaRPr lang="en-IN" sz="1800" strike="noStrike" spc="-1" dirty="0">
+              <a:solidFill>
+                <a:schemeClr val="tx1">
+                  <a:lumMod val="85000"/>
+                  <a:lumOff val="15000"/>
+                </a:schemeClr>
+              </a:solidFill>
+              <a:latin typeface="Arial" panose="020B0604020202020204" pitchFamily="34" charset="0"/>
+              <a:cs typeface="Arial" panose="020B0604020202020204" pitchFamily="34" charset="0"/>
+            </a:endParaRPr>
+          </a:p>
+        </p:txBody>
+      </p:sp>
+    </p:spTree>
+    <p:extLst>
+      <p:ext uri="{BB962C8B-B14F-4D97-AF65-F5344CB8AC3E}">
+        <p14:creationId xmlns:p14="http://schemas.microsoft.com/office/powerpoint/2010/main" val="4075586300"/>
+      </p:ext>
+    </p:extLst>
+  </p:cSld>
+  <p:clrMapOvr>
+    <a:masterClrMapping/>
+  </p:clrMapOvr>
+</p:sld>
+</file>
+
+<file path=ppt/slides/slide2.xml><?xml version="1.0" encoding="utf-8"?>
+<p:sld xmlns:a="http://schemas.openxmlformats.org/drawingml/2006/main" xmlns:r="http://schemas.openxmlformats.org/officeDocument/2006/relationships" xmlns:p="http://schemas.openxmlformats.org/presentationml/2006/main">
+  <p:cSld>
+    <p:spTree>
+      <p:nvGrpSpPr>
+        <p:cNvPr id="1" name=""/>
+        <p:cNvGrpSpPr/>
+        <p:nvPr/>
+      </p:nvGrpSpPr>
+      <p:grpSpPr>
+        <a:xfrm>
+          <a:off x="0" y="0"/>
+          <a:ext cx="0" cy="0"/>
+          <a:chOff x="0" y="0"/>
+          <a:chExt cx="0" cy="0"/>
+        </a:xfrm>
+      </p:grpSpPr>
+      <p:sp>
+        <p:nvSpPr>
+          <p:cNvPr id="97" name="CustomShape 2"/>
+          <p:cNvSpPr/>
+          <p:nvPr/>
+        </p:nvSpPr>
+        <p:spPr>
+          <a:xfrm>
+            <a:off x="1666800" y="3531600"/>
+            <a:ext cx="8815320" cy="367878"/>
+          </a:xfrm>
+          <a:prstGeom prst="rect">
+            <a:avLst/>
+          </a:prstGeom>
+          <a:noFill/>
+          <a:ln>
+            <a:noFill/>
+          </a:ln>
+        </p:spPr>
+        <p:style>
+          <a:lnRef idx="0">
+            <a:scrgbClr r="0" g="0" b="0"/>
+          </a:lnRef>
+          <a:fillRef idx="0">
+            <a:scrgbClr r="0" g="0" b="0"/>
+          </a:fillRef>
+          <a:effectRef idx="0">
+            <a:scrgbClr r="0" g="0" b="0"/>
+          </a:effectRef>
+          <a:fontRef idx="minor"/>
+        </p:style>
+        <p:txBody>
+          <a:bodyPr wrap="square" lIns="90000" tIns="45000" rIns="90000" bIns="45000">
+            <a:spAutoFit/>
+          </a:bodyPr>
+          <a:lstStyle/>
+          <a:p>
+            <a:pPr algn="just">
+              <a:lnSpc>
+                <a:spcPct val="100000"/>
+              </a:lnSpc>
+            </a:pPr>
+            <a:r>
+              <a:rPr lang="en-IN" sz="1800" b="0" strike="noStrike" spc="-1" dirty="0">
+                <a:solidFill>
+                  <a:srgbClr val="BB0643"/>
+                </a:solidFill>
+                <a:latin typeface="Segoe UI"/>
+                <a:ea typeface="DejaVu Sans"/>
+              </a:rPr>
+              <a:t>TODO</a:t>
+            </a:r>
+            <a:endParaRPr lang="en-IN" sz="1800" b="0" strike="noStrike" spc="-1" dirty="0">
+              <a:latin typeface="Arial"/>
+            </a:endParaRPr>
+          </a:p>
+        </p:txBody>
+      </p:sp>
+      <p:sp>
+        <p:nvSpPr>
+          <p:cNvPr id="4" name="CustomShape 1">
+            <a:extLst>
+              <a:ext uri="{FF2B5EF4-FFF2-40B4-BE49-F238E27FC236}">
+                <a16:creationId xmlns:a16="http://schemas.microsoft.com/office/drawing/2014/main" id="{B03AE819-5793-4C2D-A808-F947BC614CB9}"/>
+              </a:ext>
+            </a:extLst>
+          </p:cNvPr>
+          <p:cNvSpPr/>
+          <p:nvPr/>
+        </p:nvSpPr>
+        <p:spPr>
+          <a:xfrm>
+            <a:off x="1676520" y="2362320"/>
+            <a:ext cx="8815320" cy="921876"/>
+          </a:xfrm>
+          <a:prstGeom prst="rect">
+            <a:avLst/>
+          </a:prstGeom>
+          <a:noFill/>
+          <a:ln>
+            <a:noFill/>
+          </a:ln>
+        </p:spPr>
+        <p:style>
+          <a:lnRef idx="0">
+            <a:scrgbClr r="0" g="0" b="0"/>
+          </a:lnRef>
+          <a:fillRef idx="0">
+            <a:scrgbClr r="0" g="0" b="0"/>
+          </a:fillRef>
+          <a:effectRef idx="0">
+            <a:scrgbClr r="0" g="0" b="0"/>
+          </a:effectRef>
+          <a:fontRef idx="minor"/>
+        </p:style>
+        <p:txBody>
+          <a:bodyPr lIns="90000" tIns="45000" rIns="90000" bIns="45000">
+            <a:spAutoFit/>
+          </a:bodyPr>
+          <a:lstStyle/>
+          <a:p>
+            <a:pPr algn="ctr">
+              <a:lnSpc>
+                <a:spcPct val="100000"/>
+              </a:lnSpc>
+            </a:pPr>
+            <a:r>
+              <a:rPr lang="en-IN" sz="5400" i="1" spc="-1" dirty="0">
+                <a:solidFill>
+                  <a:srgbClr val="781632"/>
+                </a:solidFill>
+                <a:latin typeface="Century"/>
+              </a:rPr>
+              <a:t>neo4j</a:t>
+            </a:r>
+          </a:p>
+        </p:txBody>
+      </p:sp>
+    </p:spTree>
+  </p:cSld>
+  <p:clrMapOvr>
+    <a:masterClrMapping/>
+  </p:clrMapOvr>
+</p:sld>
+</file>
+
+<file path=ppt/slides/slide20.xml><?xml version="1.0" encoding="utf-8"?>
+<p:sld xmlns:a="http://schemas.openxmlformats.org/drawingml/2006/main" xmlns:r="http://schemas.openxmlformats.org/officeDocument/2006/relationships" xmlns:p="http://schemas.openxmlformats.org/presentationml/2006/main">
+  <p:cSld>
+    <p:spTree>
+      <p:nvGrpSpPr>
+        <p:cNvPr id="1" name=""/>
+        <p:cNvGrpSpPr/>
+        <p:nvPr/>
+      </p:nvGrpSpPr>
+      <p:grpSpPr>
+        <a:xfrm>
+          <a:off x="0" y="0"/>
+          <a:ext cx="0" cy="0"/>
+          <a:chOff x="0" y="0"/>
+          <a:chExt cx="0" cy="0"/>
+        </a:xfrm>
+      </p:grpSpPr>
+      <p:sp>
+        <p:nvSpPr>
+          <p:cNvPr id="102" name="CustomShape 3"/>
+          <p:cNvSpPr/>
+          <p:nvPr/>
+        </p:nvSpPr>
+        <p:spPr>
+          <a:xfrm>
+            <a:off x="246600" y="762120"/>
+            <a:ext cx="11693880" cy="398655"/>
+          </a:xfrm>
+          <a:prstGeom prst="rect">
+            <a:avLst/>
+          </a:prstGeom>
+          <a:noFill/>
+          <a:ln>
+            <a:noFill/>
+          </a:ln>
+        </p:spPr>
+        <p:style>
+          <a:lnRef idx="0">
+            <a:scrgbClr r="0" g="0" b="0"/>
+          </a:lnRef>
+          <a:fillRef idx="0">
+            <a:scrgbClr r="0" g="0" b="0"/>
+          </a:fillRef>
+          <a:effectRef idx="0">
+            <a:scrgbClr r="0" g="0" b="0"/>
+          </a:effectRef>
+          <a:fontRef idx="minor"/>
+        </p:style>
+        <p:txBody>
+          <a:bodyPr lIns="90000" tIns="45000" rIns="90000" bIns="45000">
+            <a:spAutoFit/>
+          </a:bodyPr>
+          <a:lstStyle/>
+          <a:p>
+            <a:pPr algn="just"/>
+            <a:r>
+              <a:rPr lang="en-US" sz="2000" dirty="0">
+                <a:solidFill>
+                  <a:srgbClr val="2D3748"/>
+                </a:solidFill>
+                <a:latin typeface="Nunito Sans"/>
+              </a:rPr>
               <a:t>TODO</a:t>
             </a:r>
             <a:endParaRPr lang="en-IN" sz="2000" dirty="0">
@@ -16761,150 +17548,7 @@
 </p:sld>
 </file>
 
-<file path=ppt/slides/slide2.xml><?xml version="1.0" encoding="utf-8"?>
-<p:sld xmlns:a="http://schemas.openxmlformats.org/drawingml/2006/main" xmlns:r="http://schemas.openxmlformats.org/officeDocument/2006/relationships" xmlns:p="http://schemas.openxmlformats.org/presentationml/2006/main">
-  <p:cSld>
-    <p:spTree>
-      <p:nvGrpSpPr>
-        <p:cNvPr id="1" name=""/>
-        <p:cNvGrpSpPr/>
-        <p:nvPr/>
-      </p:nvGrpSpPr>
-      <p:grpSpPr>
-        <a:xfrm>
-          <a:off x="0" y="0"/>
-          <a:ext cx="0" cy="0"/>
-          <a:chOff x="0" y="0"/>
-          <a:chExt cx="0" cy="0"/>
-        </a:xfrm>
-      </p:grpSpPr>
-      <p:sp>
-        <p:nvSpPr>
-          <p:cNvPr id="97" name="CustomShape 2"/>
-          <p:cNvSpPr/>
-          <p:nvPr/>
-        </p:nvSpPr>
-        <p:spPr>
-          <a:xfrm>
-            <a:off x="1666800" y="3531600"/>
-            <a:ext cx="8815320" cy="367878"/>
-          </a:xfrm>
-          <a:prstGeom prst="rect">
-            <a:avLst/>
-          </a:prstGeom>
-          <a:noFill/>
-          <a:ln>
-            <a:noFill/>
-          </a:ln>
-        </p:spPr>
-        <p:style>
-          <a:lnRef idx="0">
-            <a:scrgbClr r="0" g="0" b="0"/>
-          </a:lnRef>
-          <a:fillRef idx="0">
-            <a:scrgbClr r="0" g="0" b="0"/>
-          </a:fillRef>
-          <a:effectRef idx="0">
-            <a:scrgbClr r="0" g="0" b="0"/>
-          </a:effectRef>
-          <a:fontRef idx="minor"/>
-        </p:style>
-        <p:txBody>
-          <a:bodyPr wrap="square" lIns="90000" tIns="45000" rIns="90000" bIns="45000">
-            <a:spAutoFit/>
-          </a:bodyPr>
-          <a:lstStyle/>
-          <a:p>
-            <a:pPr algn="just">
-              <a:lnSpc>
-                <a:spcPct val="100000"/>
-              </a:lnSpc>
-            </a:pPr>
-            <a:r>
-              <a:rPr lang="en-IN" sz="1800" b="0" strike="noStrike" spc="-1" dirty="0">
-                <a:solidFill>
-                  <a:srgbClr val="BB0643"/>
-                </a:solidFill>
-                <a:latin typeface="Segoe UI"/>
-                <a:ea typeface="DejaVu Sans"/>
-              </a:rPr>
-              <a:t>TODO</a:t>
-            </a:r>
-            <a:endParaRPr lang="en-IN" sz="1800" b="0" strike="noStrike" spc="-1" dirty="0">
-              <a:latin typeface="Arial"/>
-            </a:endParaRPr>
-          </a:p>
-        </p:txBody>
-      </p:sp>
-      <p:sp>
-        <p:nvSpPr>
-          <p:cNvPr id="4" name="CustomShape 1">
-            <a:extLst>
-              <a:ext uri="{FF2B5EF4-FFF2-40B4-BE49-F238E27FC236}">
-                <a16:creationId xmlns:a16="http://schemas.microsoft.com/office/drawing/2014/main" id="{B03AE819-5793-4C2D-A808-F947BC614CB9}"/>
-              </a:ext>
-            </a:extLst>
-          </p:cNvPr>
-          <p:cNvSpPr/>
-          <p:nvPr/>
-        </p:nvSpPr>
-        <p:spPr>
-          <a:xfrm>
-            <a:off x="1676520" y="2362320"/>
-            <a:ext cx="8815320" cy="921876"/>
-          </a:xfrm>
-          <a:prstGeom prst="rect">
-            <a:avLst/>
-          </a:prstGeom>
-          <a:noFill/>
-          <a:ln>
-            <a:noFill/>
-          </a:ln>
-        </p:spPr>
-        <p:style>
-          <a:lnRef idx="0">
-            <a:scrgbClr r="0" g="0" b="0"/>
-          </a:lnRef>
-          <a:fillRef idx="0">
-            <a:scrgbClr r="0" g="0" b="0"/>
-          </a:fillRef>
-          <a:effectRef idx="0">
-            <a:scrgbClr r="0" g="0" b="0"/>
-          </a:effectRef>
-          <a:fontRef idx="minor"/>
-        </p:style>
-        <p:txBody>
-          <a:bodyPr lIns="90000" tIns="45000" rIns="90000" bIns="45000">
-            <a:spAutoFit/>
-          </a:bodyPr>
-          <a:lstStyle/>
-          <a:p>
-            <a:pPr algn="ctr">
-              <a:lnSpc>
-                <a:spcPct val="100000"/>
-              </a:lnSpc>
-            </a:pPr>
-            <a:r>
-              <a:rPr lang="en-IN" sz="5400" i="1" spc="-1" dirty="0">
-                <a:solidFill>
-                  <a:srgbClr val="781632"/>
-                </a:solidFill>
-                <a:latin typeface="Century"/>
-              </a:rPr>
-              <a:t>neo4j</a:t>
-            </a:r>
-          </a:p>
-        </p:txBody>
-      </p:sp>
-    </p:spTree>
-  </p:cSld>
-  <p:clrMapOvr>
-    <a:masterClrMapping/>
-  </p:clrMapOvr>
-</p:sld>
-</file>
-
-<file path=ppt/slides/slide20.xml><?xml version="1.0" encoding="utf-8"?>
+<file path=ppt/slides/slide21.xml><?xml version="1.0" encoding="utf-8"?>
 <p:sld xmlns:a="http://schemas.openxmlformats.org/drawingml/2006/main" xmlns:r="http://schemas.openxmlformats.org/officeDocument/2006/relationships" xmlns:p="http://schemas.openxmlformats.org/presentationml/2006/main">
   <p:cSld>
     <p:spTree>
@@ -17994,7 +18638,7 @@
 </p:sld>
 </file>
 
-<file path=ppt/slides/slide21.xml><?xml version="1.0" encoding="utf-8"?>
+<file path=ppt/slides/slide22.xml><?xml version="1.0" encoding="utf-8"?>
 <p:sld xmlns:a="http://schemas.openxmlformats.org/drawingml/2006/main" xmlns:r="http://schemas.openxmlformats.org/officeDocument/2006/relationships" xmlns:p="http://schemas.openxmlformats.org/presentationml/2006/main">
   <p:cSld>
     <p:spTree>
@@ -18555,7 +19199,7 @@
 </p:sld>
 </file>
 
-<file path=ppt/slides/slide22.xml><?xml version="1.0" encoding="utf-8"?>
+<file path=ppt/slides/slide23.xml><?xml version="1.0" encoding="utf-8"?>
 <p:sld xmlns:a="http://schemas.openxmlformats.org/drawingml/2006/main" xmlns:r="http://schemas.openxmlformats.org/officeDocument/2006/relationships" xmlns:p="http://schemas.openxmlformats.org/presentationml/2006/main">
   <p:cSld>
     <p:spTree>
@@ -18585,7 +19229,7 @@
 </p:sld>
 </file>
 
-<file path=ppt/slides/slide23.xml><?xml version="1.0" encoding="utf-8"?>
+<file path=ppt/slides/slide24.xml><?xml version="1.0" encoding="utf-8"?>
 <p:sld xmlns:a="http://schemas.openxmlformats.org/drawingml/2006/main" xmlns:r="http://schemas.openxmlformats.org/officeDocument/2006/relationships" xmlns:p="http://schemas.openxmlformats.org/presentationml/2006/main">
   <p:cSld>
     <p:spTree>
@@ -18731,7 +19375,7 @@
 </p:sld>
 </file>
 
-<file path=ppt/slides/slide24.xml><?xml version="1.0" encoding="utf-8"?>
+<file path=ppt/slides/slide25.xml><?xml version="1.0" encoding="utf-8"?>
 <p:sld xmlns:a="http://schemas.openxmlformats.org/drawingml/2006/main" xmlns:r="http://schemas.openxmlformats.org/officeDocument/2006/relationships" xmlns:p="http://schemas.openxmlformats.org/presentationml/2006/main">
   <p:cSld>
     <p:spTree>

--- a/Neo4j.pptx
+++ b/Neo4j.pptx
@@ -245,7 +245,7 @@
             <a:fld id="{757F699C-254E-44B6-B18D-E7E82B2FC743}" type="datetimeFigureOut">
               <a:rPr lang="en-IN" smtClean="0"/>
               <a:pPr/>
-              <a:t>01-07-2021</a:t>
+              <a:t>23-07-2021</a:t>
             </a:fld>
             <a:endParaRPr lang="en-IN"/>
           </a:p>
@@ -1071,7 +1071,7 @@
             <a:fld id="{52F73076-280E-4994-B9AF-08CB19D7A53F}" type="datetimeFigureOut">
               <a:rPr lang="en-US" smtClean="0"/>
               <a:pPr/>
-              <a:t>7/1/2021</a:t>
+              <a:t>7/23/2021</a:t>
             </a:fld>
             <a:endParaRPr lang="en-US" dirty="0"/>
           </a:p>
@@ -1516,7 +1516,7 @@
             <a:fld id="{52F73076-280E-4994-B9AF-08CB19D7A53F}" type="datetimeFigureOut">
               <a:rPr lang="en-US" smtClean="0"/>
               <a:pPr/>
-              <a:t>7/1/2021</a:t>
+              <a:t>7/23/2021</a:t>
             </a:fld>
             <a:endParaRPr lang="en-US" dirty="0"/>
           </a:p>
@@ -2448,7 +2448,7 @@
             <a:fld id="{52F73076-280E-4994-B9AF-08CB19D7A53F}" type="datetimeFigureOut">
               <a:rPr lang="en-US" smtClean="0"/>
               <a:pPr/>
-              <a:t>7/1/2021</a:t>
+              <a:t>7/23/2021</a:t>
             </a:fld>
             <a:endParaRPr lang="en-US" dirty="0"/>
           </a:p>
@@ -2866,7 +2866,7 @@
             <a:fld id="{52F73076-280E-4994-B9AF-08CB19D7A53F}" type="datetimeFigureOut">
               <a:rPr lang="en-US" smtClean="0"/>
               <a:pPr/>
-              <a:t>7/1/2021</a:t>
+              <a:t>7/23/2021</a:t>
             </a:fld>
             <a:endParaRPr lang="en-US" dirty="0"/>
           </a:p>

--- a/Neo4j.pptx
+++ b/Neo4j.pptx
@@ -245,7 +245,7 @@
             <a:fld id="{757F699C-254E-44B6-B18D-E7E82B2FC743}" type="datetimeFigureOut">
               <a:rPr lang="en-IN" smtClean="0"/>
               <a:pPr/>
-              <a:t>23-07-2021</a:t>
+              <a:t>02-11-2021</a:t>
             </a:fld>
             <a:endParaRPr lang="en-IN"/>
           </a:p>
@@ -1071,7 +1071,7 @@
             <a:fld id="{52F73076-280E-4994-B9AF-08CB19D7A53F}" type="datetimeFigureOut">
               <a:rPr lang="en-US" smtClean="0"/>
               <a:pPr/>
-              <a:t>7/23/2021</a:t>
+              <a:t>11/2/2021</a:t>
             </a:fld>
             <a:endParaRPr lang="en-US" dirty="0"/>
           </a:p>
@@ -1516,7 +1516,7 @@
             <a:fld id="{52F73076-280E-4994-B9AF-08CB19D7A53F}" type="datetimeFigureOut">
               <a:rPr lang="en-US" smtClean="0"/>
               <a:pPr/>
-              <a:t>7/23/2021</a:t>
+              <a:t>11/2/2021</a:t>
             </a:fld>
             <a:endParaRPr lang="en-US" dirty="0"/>
           </a:p>
@@ -2448,7 +2448,7 @@
             <a:fld id="{52F73076-280E-4994-B9AF-08CB19D7A53F}" type="datetimeFigureOut">
               <a:rPr lang="en-US" smtClean="0"/>
               <a:pPr/>
-              <a:t>7/23/2021</a:t>
+              <a:t>11/2/2021</a:t>
             </a:fld>
             <a:endParaRPr lang="en-US" dirty="0"/>
           </a:p>
@@ -2866,7 +2866,7 @@
             <a:fld id="{52F73076-280E-4994-B9AF-08CB19D7A53F}" type="datetimeFigureOut">
               <a:rPr lang="en-US" smtClean="0"/>
               <a:pPr/>
-              <a:t>7/23/2021</a:t>
+              <a:t>11/2/2021</a:t>
             </a:fld>
             <a:endParaRPr lang="en-US" dirty="0"/>
           </a:p>
@@ -4523,7 +4523,7 @@
         <p:spPr>
           <a:xfrm>
             <a:off x="246600" y="1686842"/>
-            <a:ext cx="11693880" cy="369332"/>
+            <a:ext cx="11693880" cy="738664"/>
           </a:xfrm>
           <a:prstGeom prst="rect">
             <a:avLst/>
@@ -4537,14 +4537,71 @@
           <a:lstStyle/>
           <a:p>
             <a:r>
+              <a:rPr lang="en-IN" dirty="0">
+                <a:solidFill>
+                  <a:srgbClr val="718096"/>
+                </a:solidFill>
+                <a:latin typeface="Roboto Mono"/>
+              </a:rPr>
+              <a:t>CREATE</a:t>
+            </a:r>
+            <a:r>
               <a:rPr lang="en-IN" spc="-1" dirty="0">
                 <a:solidFill>
                   <a:srgbClr val="0070C0"/>
                 </a:solidFill>
-                <a:latin typeface="Consolas" panose="020B0609020204030204" pitchFamily="49" charset="0"/>
+                <a:latin typeface="Roboto Mono"/>
                 <a:cs typeface="Arial" panose="020B0604020202020204" pitchFamily="34" charset="0"/>
               </a:rPr>
-              <a:t>CREATE (n), (m), ...</a:t>
+              <a:t> </a:t>
+            </a:r>
+            <a:r>
+              <a:rPr lang="en-IN" dirty="0">
+                <a:solidFill>
+                  <a:srgbClr val="2D3748"/>
+                </a:solidFill>
+                <a:latin typeface="Roboto Mono"/>
+              </a:rPr>
+              <a:t>(n)</a:t>
+            </a:r>
+          </a:p>
+          <a:p>
+            <a:endParaRPr lang="en-IN" sz="600" spc="-1" dirty="0">
+              <a:solidFill>
+                <a:srgbClr val="0070C0"/>
+              </a:solidFill>
+              <a:latin typeface="Roboto Mono"/>
+              <a:cs typeface="Arial" panose="020B0604020202020204" pitchFamily="34" charset="0"/>
+            </a:endParaRPr>
+          </a:p>
+          <a:p>
+            <a:r>
+              <a:rPr lang="en-IN" dirty="0">
+                <a:solidFill>
+                  <a:srgbClr val="718096"/>
+                </a:solidFill>
+                <a:latin typeface="Roboto Mono"/>
+              </a:rPr>
+              <a:t>CREATE</a:t>
+            </a:r>
+            <a:r>
+              <a:rPr lang="en-IN" spc="-1" dirty="0">
+                <a:solidFill>
+                  <a:srgbClr val="0070C0"/>
+                </a:solidFill>
+                <a:latin typeface="Roboto Mono"/>
+                <a:cs typeface="Arial" panose="020B0604020202020204" pitchFamily="34" charset="0"/>
+              </a:rPr>
+              <a:t> </a:t>
+            </a:r>
+            <a:r>
+              <a:rPr lang="en-IN" dirty="0">
+                <a:solidFill>
+                  <a:srgbClr val="2D3748"/>
+                </a:solidFill>
+                <a:latin typeface="Roboto Mono"/>
+              </a:rPr>
+              <a:t>(n), (m), . . .</a:t>
             </a:r>
           </a:p>
         </p:txBody>
@@ -4563,8 +4620,8 @@
         </p:nvSpPr>
         <p:spPr>
           <a:xfrm>
-            <a:off x="243604" y="2204864"/>
-            <a:ext cx="11693880" cy="769441"/>
+            <a:off x="243604" y="2708920"/>
+            <a:ext cx="11693880" cy="1169551"/>
           </a:xfrm>
           <a:prstGeom prst="rect">
             <a:avLst/>
@@ -4589,7 +4646,7 @@
                     <a:lumOff val="50000"/>
                   </a:schemeClr>
                 </a:solidFill>
-                <a:latin typeface="Gill Sans MT (Body)"/>
+                <a:latin typeface="Monaco"/>
               </a:rPr>
               <a:t>neo4j$ </a:t>
             </a:r>
@@ -4598,7 +4655,7 @@
                 <a:solidFill>
                   <a:srgbClr val="859900"/>
                 </a:solidFill>
-                <a:latin typeface="Gill Sans MT (Body)"/>
+                <a:latin typeface="Monaco"/>
               </a:rPr>
               <a:t>create</a:t>
             </a:r>
@@ -4609,9 +4666,9 @@
                     <a:lumMod val="50000"/>
                   </a:schemeClr>
                 </a:solidFill>
-                <a:latin typeface="Gill Sans MT (Body)"/>
-              </a:rPr>
-              <a:t>(Saleel)</a:t>
+                <a:latin typeface="Monaco"/>
+              </a:rPr>
+              <a:t>()</a:t>
             </a:r>
           </a:p>
           <a:p>
@@ -4625,7 +4682,7 @@
                   <a:lumMod val="50000"/>
                 </a:schemeClr>
               </a:solidFill>
-              <a:latin typeface="Gill Sans MT (Body)"/>
+              <a:latin typeface="Monaco"/>
             </a:endParaRPr>
           </a:p>
           <a:p>
@@ -4641,7 +4698,7 @@
                     <a:lumOff val="50000"/>
                   </a:schemeClr>
                 </a:solidFill>
-                <a:latin typeface="Gill Sans MT (Body)"/>
+                <a:latin typeface="Monaco"/>
               </a:rPr>
               <a:t>neo4j$ </a:t>
             </a:r>
@@ -4650,7 +4707,7 @@
                 <a:solidFill>
                   <a:srgbClr val="859900"/>
                 </a:solidFill>
-                <a:latin typeface="Gill Sans MT (Body)"/>
+                <a:latin typeface="Monaco"/>
               </a:rPr>
               <a:t>create</a:t>
             </a:r>
@@ -4661,9 +4718,61 @@
                     <a:lumMod val="50000"/>
                   </a:schemeClr>
                 </a:solidFill>
-                <a:latin typeface="Gill Sans MT (Body)"/>
-              </a:rPr>
-              <a:t>(Sharmin), (Vrushali) </a:t>
+                <a:latin typeface="Monaco"/>
+              </a:rPr>
+              <a:t>(n)</a:t>
+            </a:r>
+          </a:p>
+          <a:p>
+            <a:pPr marL="285750" indent="-285750">
+              <a:buFont typeface="Arial" panose="020B0604020202020204" pitchFamily="34" charset="0"/>
+              <a:buChar char="•"/>
+            </a:pPr>
+            <a:endParaRPr lang="en-IN" sz="800" dirty="0">
+              <a:solidFill>
+                <a:schemeClr val="accent6">
+                  <a:lumMod val="50000"/>
+                </a:schemeClr>
+              </a:solidFill>
+              <a:latin typeface="Monaco"/>
+            </a:endParaRPr>
+          </a:p>
+          <a:p>
+            <a:pPr marL="285750" indent="-285750">
+              <a:buFont typeface="Arial" panose="020B0604020202020204" pitchFamily="34" charset="0"/>
+              <a:buChar char="•"/>
+            </a:pPr>
+            <a:r>
+              <a:rPr lang="en-IN" dirty="0">
+                <a:solidFill>
+                  <a:schemeClr val="tx1">
+                    <a:lumMod val="50000"/>
+                    <a:lumOff val="50000"/>
+                  </a:schemeClr>
+                </a:solidFill>
+                <a:latin typeface="Monaco"/>
+              </a:rPr>
+              <a:t>neo4j$ </a:t>
+            </a:r>
+            <a:r>
+              <a:rPr lang="en-IN" dirty="0">
+                <a:solidFill>
+                  <a:srgbClr val="859900"/>
+                </a:solidFill>
+                <a:latin typeface="Monaco"/>
+              </a:rPr>
+              <a:t>create</a:t>
+            </a:r>
+            <a:r>
+              <a:rPr lang="en-IN" dirty="0">
+                <a:solidFill>
+                  <a:schemeClr val="accent6">
+                    <a:lumMod val="50000"/>
+                  </a:schemeClr>
+                </a:solidFill>
+                <a:latin typeface="Monaco"/>
+              </a:rPr>
+              <a:t>(n), (m) </a:t>
             </a:r>
           </a:p>
         </p:txBody>
@@ -5008,7 +5117,7 @@
         <p:spPr>
           <a:xfrm>
             <a:off x="246600" y="1686842"/>
-            <a:ext cx="11693880" cy="707886"/>
+            <a:ext cx="11693880" cy="738664"/>
           </a:xfrm>
           <a:prstGeom prst="rect">
             <a:avLst/>
@@ -5022,36 +5131,224 @@
           <a:lstStyle/>
           <a:p>
             <a:r>
+              <a:rPr lang="en-IN" dirty="0">
+                <a:solidFill>
+                  <a:srgbClr val="718096"/>
+                </a:solidFill>
+                <a:latin typeface="Roboto Mono"/>
+              </a:rPr>
+              <a:t>CREATE</a:t>
+            </a:r>
+            <a:r>
               <a:rPr lang="en-IN" spc="-1" dirty="0">
                 <a:solidFill>
                   <a:srgbClr val="0070C0"/>
                 </a:solidFill>
-                <a:latin typeface="Consolas" panose="020B0609020204030204" pitchFamily="49" charset="0"/>
+                <a:latin typeface="Roboto Mono"/>
                 <a:cs typeface="Arial" panose="020B0604020202020204" pitchFamily="34" charset="0"/>
               </a:rPr>
-              <a:t>CREATE (n:label_name), (m:label_name), ...</a:t>
-            </a:r>
-          </a:p>
-          <a:p>
-            <a:endParaRPr lang="en-IN" sz="400" b="0" i="0" spc="-1" dirty="0">
+              <a:t> </a:t>
+            </a:r>
+            <a:r>
+              <a:rPr lang="en-IN" dirty="0">
+                <a:solidFill>
+                  <a:srgbClr val="2D3748"/>
+                </a:solidFill>
+                <a:latin typeface="Roboto Mono"/>
+              </a:rPr>
+              <a:t>(n:</a:t>
+            </a:r>
+            <a:r>
+              <a:rPr lang="en-IN" spc="-1" dirty="0">
+                <a:solidFill>
+                  <a:srgbClr val="0070C0"/>
+                </a:solidFill>
+                <a:latin typeface="Roboto Mono"/>
+                <a:cs typeface="Arial" panose="020B0604020202020204" pitchFamily="34" charset="0"/>
+              </a:rPr>
+              <a:t>label_name</a:t>
+            </a:r>
+            <a:r>
+              <a:rPr lang="en-IN" dirty="0">
+                <a:solidFill>
+                  <a:srgbClr val="2D3748"/>
+                </a:solidFill>
+                <a:latin typeface="Roboto Mono"/>
+              </a:rPr>
+              <a:t>), (m:</a:t>
+            </a:r>
+            <a:r>
+              <a:rPr lang="en-IN" spc="-1" dirty="0">
+                <a:solidFill>
+                  <a:srgbClr val="0070C0"/>
+                </a:solidFill>
+                <a:latin typeface="Roboto Mono"/>
+                <a:cs typeface="Arial" panose="020B0604020202020204" pitchFamily="34" charset="0"/>
+              </a:rPr>
+              <a:t>label_name</a:t>
+            </a:r>
+            <a:r>
+              <a:rPr lang="en-IN" dirty="0">
+                <a:solidFill>
+                  <a:srgbClr val="2D3748"/>
+                </a:solidFill>
+                <a:latin typeface="Roboto Mono"/>
+              </a:rPr>
+              <a:t>), . . .</a:t>
+            </a:r>
+          </a:p>
+          <a:p>
+            <a:endParaRPr lang="en-IN" sz="600" b="0" i="0" spc="-1" dirty="0">
               <a:solidFill>
                 <a:srgbClr val="0070C0"/>
               </a:solidFill>
               <a:effectLst/>
-              <a:latin typeface="Consolas" panose="020B0609020204030204" pitchFamily="49" charset="0"/>
+              <a:latin typeface="Roboto Mono"/>
               <a:cs typeface="Arial" panose="020B0604020202020204" pitchFamily="34" charset="0"/>
             </a:endParaRPr>
           </a:p>
           <a:p>
             <a:r>
+              <a:rPr lang="en-IN" dirty="0">
+                <a:solidFill>
+                  <a:srgbClr val="718096"/>
+                </a:solidFill>
+                <a:latin typeface="Roboto Mono"/>
+              </a:rPr>
+              <a:t>CREATE</a:t>
+            </a:r>
+            <a:r>
               <a:rPr lang="en-IN" spc="-1" dirty="0">
                 <a:solidFill>
                   <a:srgbClr val="0070C0"/>
                 </a:solidFill>
-                <a:latin typeface="Consolas" panose="020B0609020204030204" pitchFamily="49" charset="0"/>
+                <a:latin typeface="Roboto Mono"/>
                 <a:cs typeface="Arial" panose="020B0604020202020204" pitchFamily="34" charset="0"/>
               </a:rPr>
-              <a:t>CREATE (n:label1:label2:labelN), (m:label1:label2:labelN), ...</a:t>
+              <a:t> </a:t>
+            </a:r>
+            <a:r>
+              <a:rPr lang="en-IN" dirty="0">
+                <a:solidFill>
+                  <a:srgbClr val="2D3748"/>
+                </a:solidFill>
+                <a:latin typeface="Roboto Mono"/>
+              </a:rPr>
+              <a:t>(n:</a:t>
+            </a:r>
+            <a:r>
+              <a:rPr lang="en-IN" spc="-1" dirty="0">
+                <a:solidFill>
+                  <a:srgbClr val="0070C0"/>
+                </a:solidFill>
+                <a:latin typeface="Roboto Mono"/>
+                <a:cs typeface="Arial" panose="020B0604020202020204" pitchFamily="34" charset="0"/>
+              </a:rPr>
+              <a:t>label1</a:t>
+            </a:r>
+            <a:r>
+              <a:rPr lang="en-IN" dirty="0">
+                <a:solidFill>
+                  <a:srgbClr val="2D3748"/>
+                </a:solidFill>
+                <a:latin typeface="Roboto Mono"/>
+              </a:rPr>
+              <a:t>:</a:t>
+            </a:r>
+            <a:r>
+              <a:rPr lang="en-IN" spc="-1" dirty="0">
+                <a:solidFill>
+                  <a:srgbClr val="0070C0"/>
+                </a:solidFill>
+                <a:latin typeface="Roboto Mono"/>
+                <a:cs typeface="Arial" panose="020B0604020202020204" pitchFamily="34" charset="0"/>
+              </a:rPr>
+              <a:t>label2</a:t>
+            </a:r>
+            <a:r>
+              <a:rPr lang="en-IN" dirty="0">
+                <a:solidFill>
+                  <a:srgbClr val="2D3748"/>
+                </a:solidFill>
+                <a:latin typeface="Roboto Mono"/>
+              </a:rPr>
+              <a:t>:</a:t>
+            </a:r>
+            <a:r>
+              <a:rPr lang="en-IN" spc="-1" dirty="0">
+                <a:solidFill>
+                  <a:srgbClr val="0070C0"/>
+                </a:solidFill>
+                <a:latin typeface="Roboto Mono"/>
+                <a:cs typeface="Arial" panose="020B0604020202020204" pitchFamily="34" charset="0"/>
+              </a:rPr>
+              <a:t>labelN</a:t>
+            </a:r>
+            <a:r>
+              <a:rPr lang="en-IN" dirty="0">
+                <a:solidFill>
+                  <a:srgbClr val="2D3748"/>
+                </a:solidFill>
+                <a:latin typeface="Roboto Mono"/>
+              </a:rPr>
+              <a:t>), (m:</a:t>
+            </a:r>
+            <a:r>
+              <a:rPr lang="en-IN" spc="-1" dirty="0">
+                <a:solidFill>
+                  <a:srgbClr val="0070C0"/>
+                </a:solidFill>
+                <a:latin typeface="Roboto Mono"/>
+                <a:cs typeface="Arial" panose="020B0604020202020204" pitchFamily="34" charset="0"/>
+              </a:rPr>
+              <a:t>label1</a:t>
+            </a:r>
+            <a:r>
+              <a:rPr lang="en-IN" dirty="0">
+                <a:solidFill>
+                  <a:srgbClr val="2D3748"/>
+                </a:solidFill>
+                <a:latin typeface="Roboto Mono"/>
+              </a:rPr>
+              <a:t>:</a:t>
+            </a:r>
+            <a:r>
+              <a:rPr lang="en-IN" spc="-1" dirty="0">
+                <a:solidFill>
+                  <a:srgbClr val="0070C0"/>
+                </a:solidFill>
+                <a:latin typeface="Roboto Mono"/>
+                <a:cs typeface="Arial" panose="020B0604020202020204" pitchFamily="34" charset="0"/>
+              </a:rPr>
+              <a:t>label2</a:t>
+            </a:r>
+            <a:r>
+              <a:rPr lang="en-IN" dirty="0">
+                <a:solidFill>
+                  <a:srgbClr val="2D3748"/>
+                </a:solidFill>
+                <a:latin typeface="Roboto Mono"/>
+              </a:rPr>
+              <a:t>:</a:t>
+            </a:r>
+            <a:r>
+              <a:rPr lang="en-IN" spc="-1" dirty="0">
+                <a:solidFill>
+                  <a:srgbClr val="0070C0"/>
+                </a:solidFill>
+                <a:latin typeface="Roboto Mono"/>
+                <a:cs typeface="Arial" panose="020B0604020202020204" pitchFamily="34" charset="0"/>
+              </a:rPr>
+              <a:t>labelN</a:t>
+            </a:r>
+            <a:r>
+              <a:rPr lang="en-IN" dirty="0">
+                <a:solidFill>
+                  <a:srgbClr val="2D3748"/>
+                </a:solidFill>
+                <a:latin typeface="Roboto Mono"/>
+              </a:rPr>
+              <a:t>), . . .</a:t>
             </a:r>
           </a:p>
         </p:txBody>
@@ -5070,7 +5367,7 @@
         </p:nvSpPr>
         <p:spPr>
           <a:xfrm>
-            <a:off x="243604" y="2515543"/>
+            <a:off x="243604" y="2587551"/>
             <a:ext cx="11693880" cy="769441"/>
           </a:xfrm>
           <a:prstGeom prst="rect">
@@ -5096,7 +5393,7 @@
                     <a:lumOff val="50000"/>
                   </a:schemeClr>
                 </a:solidFill>
-                <a:latin typeface="Gill Sans MT (Body)"/>
+                <a:latin typeface="Monaco"/>
               </a:rPr>
               <a:t>neo4j$ </a:t>
             </a:r>
@@ -5106,6 +5403,7 @@
                   <a:srgbClr val="859900"/>
                 </a:solidFill>
                 <a:effectLst/>
+                <a:latin typeface="Monaco"/>
               </a:rPr>
               <a:t>create</a:t>
             </a:r>
@@ -5115,6 +5413,7 @@
                   <a:srgbClr val="586E75"/>
                 </a:solidFill>
                 <a:effectLst/>
+                <a:latin typeface="Monaco"/>
               </a:rPr>
               <a:t>(</a:t>
             </a:r>
@@ -5124,15 +5423,17 @@
                   <a:srgbClr val="333333"/>
                 </a:solidFill>
                 <a:effectLst/>
-              </a:rPr>
-              <a:t>Saleel</a:t>
-            </a:r>
-            <a:r>
-              <a:rPr lang="en-IN" dirty="0">
-                <a:solidFill>
-                  <a:srgbClr val="586E75"/>
-                </a:solidFill>
-                <a:effectLst/>
+                <a:latin typeface="Monaco"/>
+              </a:rPr>
+              <a:t>saleel</a:t>
+            </a:r>
+            <a:r>
+              <a:rPr lang="en-IN" dirty="0">
+                <a:solidFill>
+                  <a:srgbClr val="586E75"/>
+                </a:solidFill>
+                <a:effectLst/>
+                <a:latin typeface="Monaco"/>
               </a:rPr>
               <a:t>:</a:t>
             </a:r>
@@ -5142,15 +5443,17 @@
                   <a:srgbClr val="333333"/>
                 </a:solidFill>
                 <a:effectLst/>
-              </a:rPr>
-              <a:t>Person</a:t>
-            </a:r>
-            <a:r>
-              <a:rPr lang="en-IN" dirty="0">
-                <a:solidFill>
-                  <a:srgbClr val="586E75"/>
-                </a:solidFill>
-                <a:effectLst/>
+                <a:latin typeface="Monaco"/>
+              </a:rPr>
+              <a:t>person</a:t>
+            </a:r>
+            <a:r>
+              <a:rPr lang="en-IN" dirty="0">
+                <a:solidFill>
+                  <a:srgbClr val="586E75"/>
+                </a:solidFill>
+                <a:effectLst/>
+                <a:latin typeface="Monaco"/>
               </a:rPr>
               <a:t>)</a:t>
             </a:r>
@@ -5159,6 +5462,7 @@
                 <a:srgbClr val="000000"/>
               </a:solidFill>
               <a:effectLst/>
+              <a:latin typeface="Monaco"/>
             </a:endParaRPr>
           </a:p>
           <a:p>
@@ -5172,7 +5476,7 @@
                   <a:lumMod val="50000"/>
                 </a:schemeClr>
               </a:solidFill>
-              <a:latin typeface="Gill Sans MT (Body)"/>
+              <a:latin typeface="Monaco"/>
             </a:endParaRPr>
           </a:p>
           <a:p>
@@ -5188,7 +5492,7 @@
                     <a:lumOff val="50000"/>
                   </a:schemeClr>
                 </a:solidFill>
-                <a:latin typeface="Gill Sans MT (Body)"/>
+                <a:latin typeface="Monaco"/>
               </a:rPr>
               <a:t>neo4j$ </a:t>
             </a:r>
@@ -5197,7 +5501,7 @@
                 <a:solidFill>
                   <a:srgbClr val="859900"/>
                 </a:solidFill>
-                <a:latin typeface="Gill Sans MT (Body)"/>
+                <a:latin typeface="Monaco"/>
               </a:rPr>
               <a:t>create</a:t>
             </a:r>
@@ -5208,9 +5512,9 @@
                     <a:lumMod val="50000"/>
                   </a:schemeClr>
                 </a:solidFill>
-                <a:latin typeface="Gill Sans MT (Body)"/>
-              </a:rPr>
-              <a:t>(Sharmin:Person:Client), (Vrushali:Person:Client) </a:t>
+                <a:latin typeface="Monaco"/>
+              </a:rPr>
+              <a:t>(sharmin:person:client), (vrushali:person:client) </a:t>
             </a:r>
           </a:p>
         </p:txBody>
@@ -5573,7 +5877,7 @@
                 <a:solidFill>
                   <a:srgbClr val="0070C0"/>
                 </a:solidFill>
-                <a:latin typeface="Consolas" panose="020B0609020204030204" pitchFamily="49" charset="0"/>
+                <a:latin typeface="Roboto Mono"/>
                 <a:cs typeface="Arial" panose="020B0604020202020204" pitchFamily="34" charset="0"/>
               </a:rPr>
               <a:t>CREATE (n:label_name { key1: value, key2: value, ... }), ...</a:t>
@@ -5621,7 +5925,7 @@
                     <a:lumOff val="50000"/>
                   </a:schemeClr>
                 </a:solidFill>
-                <a:latin typeface="Gill Sans MT (Body)"/>
+                <a:latin typeface="Monaco"/>
               </a:rPr>
               <a:t>neo4j$ </a:t>
             </a:r>
@@ -5631,6 +5935,7 @@
                   <a:srgbClr val="859900"/>
                 </a:solidFill>
                 <a:effectLst/>
+                <a:latin typeface="Monaco"/>
               </a:rPr>
               <a:t>create</a:t>
             </a:r>
@@ -5640,6 +5945,7 @@
                   <a:srgbClr val="586E75"/>
                 </a:solidFill>
                 <a:effectLst/>
+                <a:latin typeface="Monaco"/>
               </a:rPr>
               <a:t>(</a:t>
             </a:r>
@@ -5649,15 +5955,17 @@
                   <a:srgbClr val="333333"/>
                 </a:solidFill>
                 <a:effectLst/>
-              </a:rPr>
-              <a:t>Saleel</a:t>
-            </a:r>
-            <a:r>
-              <a:rPr lang="en-US" dirty="0">
-                <a:solidFill>
-                  <a:srgbClr val="586E75"/>
-                </a:solidFill>
-                <a:effectLst/>
+                <a:latin typeface="Monaco"/>
+              </a:rPr>
+              <a:t>saleel</a:t>
+            </a:r>
+            <a:r>
+              <a:rPr lang="en-US" dirty="0">
+                <a:solidFill>
+                  <a:srgbClr val="586E75"/>
+                </a:solidFill>
+                <a:effectLst/>
+                <a:latin typeface="Monaco"/>
               </a:rPr>
               <a:t>:</a:t>
             </a:r>
@@ -5667,15 +5975,17 @@
                   <a:srgbClr val="333333"/>
                 </a:solidFill>
                 <a:effectLst/>
-              </a:rPr>
-              <a:t>Person </a:t>
-            </a:r>
-            <a:r>
-              <a:rPr lang="en-US" dirty="0">
-                <a:solidFill>
-                  <a:srgbClr val="586E75"/>
-                </a:solidFill>
-                <a:effectLst/>
+                <a:latin typeface="Monaco"/>
+              </a:rPr>
+              <a:t>person </a:t>
+            </a:r>
+            <a:r>
+              <a:rPr lang="en-US" dirty="0">
+                <a:solidFill>
+                  <a:srgbClr val="586E75"/>
+                </a:solidFill>
+                <a:effectLst/>
+                <a:latin typeface="Monaco"/>
               </a:rPr>
               <a:t>{</a:t>
             </a:r>
@@ -5685,6 +5995,7 @@
                   <a:srgbClr val="333333"/>
                 </a:solidFill>
                 <a:effectLst/>
+                <a:latin typeface="Monaco"/>
               </a:rPr>
               <a:t>name</a:t>
             </a:r>
@@ -5694,6 +6005,7 @@
                   <a:srgbClr val="586E75"/>
                 </a:solidFill>
                 <a:effectLst/>
+                <a:latin typeface="Monaco"/>
               </a:rPr>
               <a:t>:</a:t>
             </a:r>
@@ -5703,6 +6015,7 @@
                   <a:srgbClr val="333333"/>
                 </a:solidFill>
                 <a:effectLst/>
+                <a:latin typeface="Monaco"/>
               </a:rPr>
               <a:t> </a:t>
             </a:r>
@@ -5712,6 +6025,7 @@
                   <a:srgbClr val="B58900"/>
                 </a:solidFill>
                 <a:effectLst/>
+                <a:latin typeface="Monaco"/>
               </a:rPr>
               <a:t>"Saleel Bagde"</a:t>
             </a:r>
@@ -5721,6 +6035,7 @@
                   <a:srgbClr val="586E75"/>
                 </a:solidFill>
                 <a:effectLst/>
+                <a:latin typeface="Monaco"/>
               </a:rPr>
               <a:t>,</a:t>
             </a:r>
@@ -5730,6 +6045,7 @@
                   <a:srgbClr val="333333"/>
                 </a:solidFill>
                 <a:effectLst/>
+                <a:latin typeface="Monaco"/>
               </a:rPr>
               <a:t> color</a:t>
             </a:r>
@@ -5739,6 +6055,7 @@
                   <a:srgbClr val="586E75"/>
                 </a:solidFill>
                 <a:effectLst/>
+                <a:latin typeface="Monaco"/>
               </a:rPr>
               <a:t>:</a:t>
             </a:r>
@@ -5748,6 +6065,7 @@
                   <a:srgbClr val="333333"/>
                 </a:solidFill>
                 <a:effectLst/>
+                <a:latin typeface="Monaco"/>
               </a:rPr>
               <a:t> </a:t>
             </a:r>
@@ -5757,6 +6075,7 @@
                   <a:srgbClr val="B58900"/>
                 </a:solidFill>
                 <a:effectLst/>
+                <a:latin typeface="Monaco"/>
               </a:rPr>
               <a:t>"Blue"</a:t>
             </a:r>
@@ -5766,6 +6085,7 @@
                   <a:srgbClr val="333333"/>
                 </a:solidFill>
                 <a:effectLst/>
+                <a:latin typeface="Monaco"/>
               </a:rPr>
               <a:t> "</a:t>
             </a:r>
@@ -5775,6 +6095,7 @@
                   <a:srgbClr val="586E75"/>
                 </a:solidFill>
                 <a:effectLst/>
+                <a:latin typeface="Monaco"/>
               </a:rPr>
               <a:t>,</a:t>
             </a:r>
@@ -5784,6 +6105,7 @@
                   <a:srgbClr val="333333"/>
                 </a:solidFill>
                 <a:effectLst/>
+                <a:latin typeface="Monaco"/>
               </a:rPr>
               <a:t> isActive</a:t>
             </a:r>
@@ -5793,6 +6115,7 @@
                   <a:srgbClr val="586E75"/>
                 </a:solidFill>
                 <a:effectLst/>
+                <a:latin typeface="Monaco"/>
               </a:rPr>
               <a:t>:</a:t>
             </a:r>
@@ -5802,6 +6125,7 @@
                   <a:srgbClr val="333333"/>
                 </a:solidFill>
                 <a:effectLst/>
+                <a:latin typeface="Monaco"/>
               </a:rPr>
               <a:t> </a:t>
             </a:r>
@@ -5811,6 +6135,7 @@
                   <a:srgbClr val="859900"/>
                 </a:solidFill>
                 <a:effectLst/>
+                <a:latin typeface="Monaco"/>
               </a:rPr>
               <a:t>true</a:t>
             </a:r>
@@ -5820,6 +6145,7 @@
                   <a:srgbClr val="333333"/>
                 </a:solidFill>
                 <a:effectLst/>
+                <a:latin typeface="Monaco"/>
               </a:rPr>
               <a:t> </a:t>
             </a:r>
@@ -5829,6 +6155,7 @@
                   <a:srgbClr val="586E75"/>
                 </a:solidFill>
                 <a:effectLst/>
+                <a:latin typeface="Monaco"/>
               </a:rPr>
               <a:t>})</a:t>
             </a:r>
@@ -5837,6 +6164,7 @@
                 <a:srgbClr val="000000"/>
               </a:solidFill>
               <a:effectLst/>
+              <a:latin typeface="Monaco"/>
             </a:endParaRPr>
           </a:p>
           <a:p>
@@ -5850,7 +6178,7 @@
                   <a:lumMod val="50000"/>
                 </a:schemeClr>
               </a:solidFill>
-              <a:latin typeface="Gill Sans MT (Body)"/>
+              <a:latin typeface="Monaco"/>
             </a:endParaRPr>
           </a:p>
           <a:p>
@@ -5866,7 +6194,7 @@
                     <a:lumOff val="50000"/>
                   </a:schemeClr>
                 </a:solidFill>
-                <a:latin typeface="Gill Sans MT (Body)"/>
+                <a:latin typeface="Monaco"/>
               </a:rPr>
               <a:t>neo4j$ </a:t>
             </a:r>
@@ -5876,6 +6204,7 @@
                   <a:srgbClr val="859900"/>
                 </a:solidFill>
                 <a:effectLst/>
+                <a:latin typeface="Monaco"/>
               </a:rPr>
               <a:t>create</a:t>
             </a:r>
@@ -5885,6 +6214,7 @@
                   <a:srgbClr val="586E75"/>
                 </a:solidFill>
                 <a:effectLst/>
+                <a:latin typeface="Monaco"/>
               </a:rPr>
               <a:t>(</a:t>
             </a:r>
@@ -5894,6 +6224,7 @@
                   <a:srgbClr val="333333"/>
                 </a:solidFill>
                 <a:effectLst/>
+                <a:latin typeface="Monaco"/>
               </a:rPr>
               <a:t>Sharmin</a:t>
             </a:r>
@@ -5903,6 +6234,7 @@
                   <a:srgbClr val="586E75"/>
                 </a:solidFill>
                 <a:effectLst/>
+                <a:latin typeface="Monaco"/>
               </a:rPr>
               <a:t>:</a:t>
             </a:r>
@@ -5912,6 +6244,7 @@
                   <a:srgbClr val="333333"/>
                 </a:solidFill>
                 <a:effectLst/>
+                <a:latin typeface="Monaco"/>
               </a:rPr>
               <a:t>Person </a:t>
             </a:r>
@@ -5921,6 +6254,7 @@
                   <a:srgbClr val="586E75"/>
                 </a:solidFill>
                 <a:effectLst/>
+                <a:latin typeface="Monaco"/>
               </a:rPr>
               <a:t>{</a:t>
             </a:r>
@@ -5930,6 +6264,7 @@
                   <a:srgbClr val="333333"/>
                 </a:solidFill>
                 <a:effectLst/>
+                <a:latin typeface="Monaco"/>
               </a:rPr>
               <a:t>name</a:t>
             </a:r>
@@ -5939,6 +6274,7 @@
                   <a:srgbClr val="586E75"/>
                 </a:solidFill>
                 <a:effectLst/>
+                <a:latin typeface="Monaco"/>
               </a:rPr>
               <a:t>:</a:t>
             </a:r>
@@ -5948,6 +6284,7 @@
                   <a:srgbClr val="333333"/>
                 </a:solidFill>
                 <a:effectLst/>
+                <a:latin typeface="Monaco"/>
               </a:rPr>
               <a:t> </a:t>
             </a:r>
@@ -5957,6 +6294,7 @@
                   <a:srgbClr val="B58900"/>
                 </a:solidFill>
                 <a:effectLst/>
+                <a:latin typeface="Monaco"/>
               </a:rPr>
               <a:t>"Sharmin Bagde"</a:t>
             </a:r>
@@ -5966,6 +6304,7 @@
                   <a:srgbClr val="586E75"/>
                 </a:solidFill>
                 <a:effectLst/>
+                <a:latin typeface="Monaco"/>
               </a:rPr>
               <a:t>, </a:t>
             </a:r>
@@ -5975,6 +6314,7 @@
                   <a:srgbClr val="333333"/>
                 </a:solidFill>
                 <a:effectLst/>
+                <a:latin typeface="Monaco"/>
               </a:rPr>
               <a:t> color</a:t>
             </a:r>
@@ -5984,6 +6324,7 @@
                   <a:srgbClr val="586E75"/>
                 </a:solidFill>
                 <a:effectLst/>
+                <a:latin typeface="Monaco"/>
               </a:rPr>
               <a:t>:</a:t>
             </a:r>
@@ -5993,6 +6334,7 @@
                   <a:srgbClr val="333333"/>
                 </a:solidFill>
                 <a:effectLst/>
+                <a:latin typeface="Monaco"/>
               </a:rPr>
               <a:t> </a:t>
             </a:r>
@@ -6002,6 +6344,7 @@
                   <a:srgbClr val="B58900"/>
                 </a:solidFill>
                 <a:effectLst/>
+                <a:latin typeface="Monaco"/>
               </a:rPr>
               <a:t>"Pink"</a:t>
             </a:r>
@@ -6011,6 +6354,7 @@
                   <a:srgbClr val="586E75"/>
                 </a:solidFill>
                 <a:effectLst/>
+                <a:latin typeface="Monaco"/>
               </a:rPr>
               <a:t>,</a:t>
             </a:r>
@@ -6020,6 +6364,7 @@
                   <a:srgbClr val="333333"/>
                 </a:solidFill>
                 <a:effectLst/>
+                <a:latin typeface="Monaco"/>
               </a:rPr>
               <a:t>  isActive</a:t>
             </a:r>
@@ -6029,6 +6374,7 @@
                   <a:srgbClr val="586E75"/>
                 </a:solidFill>
                 <a:effectLst/>
+                <a:latin typeface="Monaco"/>
               </a:rPr>
               <a:t>:</a:t>
             </a:r>
@@ -6038,6 +6384,7 @@
                   <a:srgbClr val="333333"/>
                 </a:solidFill>
                 <a:effectLst/>
+                <a:latin typeface="Monaco"/>
               </a:rPr>
               <a:t> </a:t>
             </a:r>
@@ -6047,6 +6394,7 @@
                   <a:srgbClr val="859900"/>
                 </a:solidFill>
                 <a:effectLst/>
+                <a:latin typeface="Monaco"/>
               </a:rPr>
               <a:t>false</a:t>
             </a:r>
@@ -6056,6 +6404,7 @@
                   <a:srgbClr val="333333"/>
                 </a:solidFill>
                 <a:effectLst/>
+                <a:latin typeface="Monaco"/>
               </a:rPr>
               <a:t> </a:t>
             </a:r>
@@ -6065,6 +6414,7 @@
                   <a:srgbClr val="586E75"/>
                 </a:solidFill>
                 <a:effectLst/>
+                <a:latin typeface="Monaco"/>
               </a:rPr>
               <a:t>})</a:t>
             </a:r>
@@ -6429,7 +6779,7 @@
                 <a:solidFill>
                   <a:srgbClr val="0070C0"/>
                 </a:solidFill>
-                <a:latin typeface="Consolas" panose="020B0609020204030204" pitchFamily="49" charset="0"/>
+                <a:latin typeface="Roboto Mono"/>
                 <a:cs typeface="Arial" panose="020B0604020202020204" pitchFamily="34" charset="0"/>
               </a:rPr>
               <a:t>CREATE (n:label_name { key1: value, key2: value, ... }), ... [return n, m, ...]</a:t>
@@ -6477,7 +6827,7 @@
                     <a:lumOff val="50000"/>
                   </a:schemeClr>
                 </a:solidFill>
-                <a:latin typeface="Gill Sans MT (Body)"/>
+                <a:latin typeface="Monaco"/>
               </a:rPr>
               <a:t>neo4j$ </a:t>
             </a:r>
@@ -6487,6 +6837,7 @@
                   <a:srgbClr val="859900"/>
                 </a:solidFill>
                 <a:effectLst/>
+                <a:latin typeface="Monaco"/>
               </a:rPr>
               <a:t>create</a:t>
             </a:r>
@@ -6496,6 +6847,7 @@
                   <a:srgbClr val="586E75"/>
                 </a:solidFill>
                 <a:effectLst/>
+                <a:latin typeface="Monaco"/>
               </a:rPr>
               <a:t>(</a:t>
             </a:r>
@@ -6505,6 +6857,7 @@
                   <a:srgbClr val="333333"/>
                 </a:solidFill>
                 <a:effectLst/>
+                <a:latin typeface="Monaco"/>
               </a:rPr>
               <a:t>a1</a:t>
             </a:r>
@@ -6514,6 +6867,7 @@
                   <a:srgbClr val="586E75"/>
                 </a:solidFill>
                 <a:effectLst/>
+                <a:latin typeface="Monaco"/>
               </a:rPr>
               <a:t>:</a:t>
             </a:r>
@@ -6523,6 +6877,7 @@
                   <a:srgbClr val="333333"/>
                 </a:solidFill>
                 <a:effectLst/>
+                <a:latin typeface="Monaco"/>
               </a:rPr>
               <a:t>author</a:t>
             </a:r>
@@ -6532,6 +6887,7 @@
                   <a:srgbClr val="586E75"/>
                 </a:solidFill>
                 <a:effectLst/>
+                <a:latin typeface="Monaco"/>
               </a:rPr>
               <a:t>{</a:t>
             </a:r>
@@ -6541,6 +6897,7 @@
                   <a:srgbClr val="333333"/>
                 </a:solidFill>
                 <a:effectLst/>
+                <a:latin typeface="Monaco"/>
               </a:rPr>
               <a:t>name</a:t>
             </a:r>
@@ -6550,6 +6907,7 @@
                   <a:srgbClr val="586E75"/>
                 </a:solidFill>
                 <a:effectLst/>
+                <a:latin typeface="Monaco"/>
               </a:rPr>
               <a:t>:</a:t>
             </a:r>
@@ -6559,6 +6917,7 @@
                   <a:srgbClr val="B58900"/>
                 </a:solidFill>
                 <a:effectLst/>
+                <a:latin typeface="Monaco"/>
               </a:rPr>
               <a:t>'saleel'</a:t>
             </a:r>
@@ -6568,6 +6927,7 @@
                   <a:srgbClr val="586E75"/>
                 </a:solidFill>
                 <a:effectLst/>
+                <a:latin typeface="Monaco"/>
               </a:rPr>
               <a:t>,</a:t>
             </a:r>
@@ -6577,6 +6937,7 @@
                   <a:srgbClr val="333333"/>
                 </a:solidFill>
                 <a:effectLst/>
+                <a:latin typeface="Monaco"/>
               </a:rPr>
               <a:t> location</a:t>
             </a:r>
@@ -6586,6 +6947,7 @@
                   <a:srgbClr val="586E75"/>
                 </a:solidFill>
                 <a:effectLst/>
+                <a:latin typeface="Monaco"/>
               </a:rPr>
               <a:t>:</a:t>
             </a:r>
@@ -6595,6 +6957,7 @@
                   <a:srgbClr val="B58900"/>
                 </a:solidFill>
                 <a:effectLst/>
+                <a:latin typeface="Monaco"/>
               </a:rPr>
               <a:t>'baroda'</a:t>
             </a:r>
@@ -6604,6 +6967,7 @@
                   <a:srgbClr val="586E75"/>
                 </a:solidFill>
                 <a:effectLst/>
+                <a:latin typeface="Monaco"/>
               </a:rPr>
               <a:t>,</a:t>
             </a:r>
@@ -6613,6 +6977,7 @@
                   <a:srgbClr val="333333"/>
                 </a:solidFill>
                 <a:effectLst/>
+                <a:latin typeface="Monaco"/>
               </a:rPr>
               <a:t> emailid</a:t>
             </a:r>
@@ -6622,6 +6987,7 @@
                   <a:srgbClr val="586E75"/>
                 </a:solidFill>
                 <a:effectLst/>
+                <a:latin typeface="Monaco"/>
               </a:rPr>
               <a:t>:</a:t>
             </a:r>
@@ -6631,6 +6997,7 @@
                   <a:srgbClr val="B58900"/>
                 </a:solidFill>
                 <a:effectLst/>
+                <a:latin typeface="Monaco"/>
               </a:rPr>
               <a:t>'saleel@gmail.com'</a:t>
             </a:r>
@@ -6640,6 +7007,7 @@
                   <a:srgbClr val="586E75"/>
                 </a:solidFill>
                 <a:effectLst/>
+                <a:latin typeface="Monaco"/>
               </a:rPr>
               <a:t>}),</a:t>
             </a:r>
@@ -6649,6 +7017,7 @@
                   <a:srgbClr val="333333"/>
                 </a:solidFill>
                 <a:effectLst/>
+                <a:latin typeface="Monaco"/>
               </a:rPr>
               <a:t> </a:t>
             </a:r>
@@ -6657,6 +7026,7 @@
                 <a:srgbClr val="000000"/>
               </a:solidFill>
               <a:effectLst/>
+              <a:latin typeface="Monaco"/>
             </a:endParaRPr>
           </a:p>
           <a:p>
@@ -6666,6 +7036,7 @@
                   <a:srgbClr val="333333"/>
                 </a:solidFill>
                 <a:effectLst/>
+                <a:latin typeface="Monaco"/>
               </a:rPr>
               <a:t>            </a:t>
             </a:r>
@@ -6675,6 +7046,7 @@
                   <a:srgbClr val="586E75"/>
                 </a:solidFill>
                 <a:effectLst/>
+                <a:latin typeface="Monaco"/>
               </a:rPr>
               <a:t>(</a:t>
             </a:r>
@@ -6684,6 +7056,7 @@
                   <a:srgbClr val="333333"/>
                 </a:solidFill>
                 <a:effectLst/>
+                <a:latin typeface="Monaco"/>
               </a:rPr>
               <a:t>a2</a:t>
             </a:r>
@@ -6693,6 +7066,7 @@
                   <a:srgbClr val="586E75"/>
                 </a:solidFill>
                 <a:effectLst/>
+                <a:latin typeface="Monaco"/>
               </a:rPr>
               <a:t>:</a:t>
             </a:r>
@@ -6702,6 +7076,7 @@
                   <a:srgbClr val="333333"/>
                 </a:solidFill>
                 <a:effectLst/>
+                <a:latin typeface="Monaco"/>
               </a:rPr>
               <a:t>author</a:t>
             </a:r>
@@ -6711,6 +7086,7 @@
                   <a:srgbClr val="586E75"/>
                 </a:solidFill>
                 <a:effectLst/>
+                <a:latin typeface="Monaco"/>
               </a:rPr>
               <a:t>{</a:t>
             </a:r>
@@ -6720,6 +7096,7 @@
                   <a:srgbClr val="333333"/>
                 </a:solidFill>
                 <a:effectLst/>
+                <a:latin typeface="Monaco"/>
               </a:rPr>
               <a:t>name</a:t>
             </a:r>
@@ -6729,6 +7106,7 @@
                   <a:srgbClr val="586E75"/>
                 </a:solidFill>
                 <a:effectLst/>
+                <a:latin typeface="Monaco"/>
               </a:rPr>
               <a:t>:</a:t>
             </a:r>
@@ -6738,6 +7116,7 @@
                   <a:srgbClr val="B58900"/>
                 </a:solidFill>
                 <a:effectLst/>
+                <a:latin typeface="Monaco"/>
               </a:rPr>
               <a:t>'sharmin'</a:t>
             </a:r>
@@ -6747,6 +7126,7 @@
                   <a:srgbClr val="586E75"/>
                 </a:solidFill>
                 <a:effectLst/>
+                <a:latin typeface="Monaco"/>
               </a:rPr>
               <a:t>,</a:t>
             </a:r>
@@ -6756,6 +7136,7 @@
                   <a:srgbClr val="333333"/>
                 </a:solidFill>
                 <a:effectLst/>
+                <a:latin typeface="Monaco"/>
               </a:rPr>
               <a:t> location</a:t>
             </a:r>
@@ -6765,6 +7146,7 @@
                   <a:srgbClr val="586E75"/>
                 </a:solidFill>
                 <a:effectLst/>
+                <a:latin typeface="Monaco"/>
               </a:rPr>
               <a:t>:</a:t>
             </a:r>
@@ -6774,6 +7156,7 @@
                   <a:srgbClr val="B58900"/>
                 </a:solidFill>
                 <a:effectLst/>
+                <a:latin typeface="Monaco"/>
               </a:rPr>
               <a:t>'pune'</a:t>
             </a:r>
@@ -6783,6 +7166,7 @@
                   <a:srgbClr val="586E75"/>
                 </a:solidFill>
                 <a:effectLst/>
+                <a:latin typeface="Monaco"/>
               </a:rPr>
               <a:t>,</a:t>
             </a:r>
@@ -6792,6 +7176,7 @@
                   <a:srgbClr val="333333"/>
                 </a:solidFill>
                 <a:effectLst/>
+                <a:latin typeface="Monaco"/>
               </a:rPr>
               <a:t> emailid</a:t>
             </a:r>
@@ -6801,6 +7186,7 @@
                   <a:srgbClr val="586E75"/>
                 </a:solidFill>
                 <a:effectLst/>
+                <a:latin typeface="Monaco"/>
               </a:rPr>
               <a:t>:</a:t>
             </a:r>
@@ -6810,6 +7196,7 @@
                   <a:srgbClr val="B58900"/>
                 </a:solidFill>
                 <a:effectLst/>
+                <a:latin typeface="Monaco"/>
               </a:rPr>
               <a:t>'sharmin@gmail.com'</a:t>
             </a:r>
@@ -6819,6 +7206,7 @@
                   <a:srgbClr val="586E75"/>
                 </a:solidFill>
                 <a:effectLst/>
+                <a:latin typeface="Monaco"/>
               </a:rPr>
               <a:t>}),</a:t>
             </a:r>
@@ -6827,6 +7215,7 @@
                 <a:srgbClr val="000000"/>
               </a:solidFill>
               <a:effectLst/>
+              <a:latin typeface="Monaco"/>
             </a:endParaRPr>
           </a:p>
           <a:p>
@@ -6836,6 +7225,7 @@
                   <a:srgbClr val="333333"/>
                 </a:solidFill>
                 <a:effectLst/>
+                <a:latin typeface="Monaco"/>
               </a:rPr>
               <a:t>            </a:t>
             </a:r>
@@ -6845,6 +7235,7 @@
                   <a:srgbClr val="586E75"/>
                 </a:solidFill>
                 <a:effectLst/>
+                <a:latin typeface="Monaco"/>
               </a:rPr>
               <a:t>(</a:t>
             </a:r>
@@ -6854,6 +7245,7 @@
                   <a:srgbClr val="333333"/>
                 </a:solidFill>
                 <a:effectLst/>
+                <a:latin typeface="Monaco"/>
               </a:rPr>
               <a:t>a3</a:t>
             </a:r>
@@ -6863,6 +7255,7 @@
                   <a:srgbClr val="586E75"/>
                 </a:solidFill>
                 <a:effectLst/>
+                <a:latin typeface="Monaco"/>
               </a:rPr>
               <a:t>:</a:t>
             </a:r>
@@ -6872,6 +7265,7 @@
                   <a:srgbClr val="333333"/>
                 </a:solidFill>
                 <a:effectLst/>
+                <a:latin typeface="Monaco"/>
               </a:rPr>
               <a:t>author</a:t>
             </a:r>
@@ -6881,6 +7275,7 @@
                   <a:srgbClr val="586E75"/>
                 </a:solidFill>
                 <a:effectLst/>
+                <a:latin typeface="Monaco"/>
               </a:rPr>
               <a:t>{</a:t>
             </a:r>
@@ -6890,6 +7285,7 @@
                   <a:srgbClr val="333333"/>
                 </a:solidFill>
                 <a:effectLst/>
+                <a:latin typeface="Monaco"/>
               </a:rPr>
               <a:t>name</a:t>
             </a:r>
@@ -6899,6 +7295,7 @@
                   <a:srgbClr val="586E75"/>
                 </a:solidFill>
                 <a:effectLst/>
+                <a:latin typeface="Monaco"/>
               </a:rPr>
               <a:t>:</a:t>
             </a:r>
@@ -6908,6 +7305,7 @@
                   <a:srgbClr val="B58900"/>
                 </a:solidFill>
                 <a:effectLst/>
+                <a:latin typeface="Monaco"/>
               </a:rPr>
               <a:t>'ruhan'</a:t>
             </a:r>
@@ -6917,6 +7315,7 @@
                   <a:srgbClr val="586E75"/>
                 </a:solidFill>
                 <a:effectLst/>
+                <a:latin typeface="Monaco"/>
               </a:rPr>
               <a:t>,</a:t>
             </a:r>
@@ -6926,6 +7325,7 @@
                   <a:srgbClr val="333333"/>
                 </a:solidFill>
                 <a:effectLst/>
+                <a:latin typeface="Monaco"/>
               </a:rPr>
               <a:t> location</a:t>
             </a:r>
@@ -6935,6 +7335,7 @@
                   <a:srgbClr val="586E75"/>
                 </a:solidFill>
                 <a:effectLst/>
+                <a:latin typeface="Monaco"/>
               </a:rPr>
               <a:t>:</a:t>
             </a:r>
@@ -6944,6 +7345,7 @@
                   <a:srgbClr val="B58900"/>
                 </a:solidFill>
                 <a:effectLst/>
+                <a:latin typeface="Monaco"/>
               </a:rPr>
               <a:t>'pune'</a:t>
             </a:r>
@@ -6953,6 +7355,7 @@
                   <a:srgbClr val="586E75"/>
                 </a:solidFill>
                 <a:effectLst/>
+                <a:latin typeface="Monaco"/>
               </a:rPr>
               <a:t>,</a:t>
             </a:r>
@@ -6962,6 +7365,7 @@
                   <a:srgbClr val="333333"/>
                 </a:solidFill>
                 <a:effectLst/>
+                <a:latin typeface="Monaco"/>
               </a:rPr>
               <a:t> emailid</a:t>
             </a:r>
@@ -6971,6 +7375,7 @@
                   <a:srgbClr val="586E75"/>
                 </a:solidFill>
                 <a:effectLst/>
+                <a:latin typeface="Monaco"/>
               </a:rPr>
               <a:t>:</a:t>
             </a:r>
@@ -6980,6 +7385,7 @@
                   <a:srgbClr val="B58900"/>
                 </a:solidFill>
                 <a:effectLst/>
+                <a:latin typeface="Monaco"/>
               </a:rPr>
               <a:t>'ruhan@gmail.com'</a:t>
             </a:r>
@@ -6989,6 +7395,7 @@
                   <a:srgbClr val="586E75"/>
                 </a:solidFill>
                 <a:effectLst/>
+                <a:latin typeface="Monaco"/>
               </a:rPr>
               <a:t>}),</a:t>
             </a:r>
@@ -6997,6 +7404,7 @@
                 <a:srgbClr val="000000"/>
               </a:solidFill>
               <a:effectLst/>
+              <a:latin typeface="Monaco"/>
             </a:endParaRPr>
           </a:p>
           <a:p>
@@ -7006,6 +7414,7 @@
                   <a:srgbClr val="333333"/>
                 </a:solidFill>
                 <a:effectLst/>
+                <a:latin typeface="Monaco"/>
               </a:rPr>
               <a:t>            </a:t>
             </a:r>
@@ -7015,6 +7424,7 @@
                   <a:srgbClr val="586E75"/>
                 </a:solidFill>
                 <a:effectLst/>
+                <a:latin typeface="Monaco"/>
               </a:rPr>
               <a:t>(</a:t>
             </a:r>
@@ -7024,6 +7434,7 @@
                   <a:srgbClr val="333333"/>
                 </a:solidFill>
                 <a:effectLst/>
+                <a:latin typeface="Monaco"/>
               </a:rPr>
               <a:t>a4</a:t>
             </a:r>
@@ -7033,6 +7444,7 @@
                   <a:srgbClr val="586E75"/>
                 </a:solidFill>
                 <a:effectLst/>
+                <a:latin typeface="Monaco"/>
               </a:rPr>
               <a:t>:</a:t>
             </a:r>
@@ -7042,6 +7454,7 @@
                   <a:srgbClr val="333333"/>
                 </a:solidFill>
                 <a:effectLst/>
+                <a:latin typeface="Monaco"/>
               </a:rPr>
               <a:t>author</a:t>
             </a:r>
@@ -7051,6 +7464,7 @@
                   <a:srgbClr val="586E75"/>
                 </a:solidFill>
                 <a:effectLst/>
+                <a:latin typeface="Monaco"/>
               </a:rPr>
               <a:t>{</a:t>
             </a:r>
@@ -7060,6 +7474,7 @@
                   <a:srgbClr val="333333"/>
                 </a:solidFill>
                 <a:effectLst/>
+                <a:latin typeface="Monaco"/>
               </a:rPr>
               <a:t>name</a:t>
             </a:r>
@@ -7069,6 +7484,7 @@
                   <a:srgbClr val="586E75"/>
                 </a:solidFill>
                 <a:effectLst/>
+                <a:latin typeface="Monaco"/>
               </a:rPr>
               <a:t>:</a:t>
             </a:r>
@@ -7078,6 +7494,7 @@
                   <a:srgbClr val="B58900"/>
                 </a:solidFill>
                 <a:effectLst/>
+                <a:latin typeface="Monaco"/>
               </a:rPr>
               <a:t>'vrushali'</a:t>
             </a:r>
@@ -7087,6 +7504,7 @@
                   <a:srgbClr val="586E75"/>
                 </a:solidFill>
                 <a:effectLst/>
+                <a:latin typeface="Monaco"/>
               </a:rPr>
               <a:t>,</a:t>
             </a:r>
@@ -7096,6 +7514,7 @@
                   <a:srgbClr val="333333"/>
                 </a:solidFill>
                 <a:effectLst/>
+                <a:latin typeface="Monaco"/>
               </a:rPr>
               <a:t> location</a:t>
             </a:r>
@@ -7105,6 +7524,7 @@
                   <a:srgbClr val="586E75"/>
                 </a:solidFill>
                 <a:effectLst/>
+                <a:latin typeface="Monaco"/>
               </a:rPr>
               <a:t>:</a:t>
             </a:r>
@@ -7114,6 +7534,7 @@
                   <a:srgbClr val="B58900"/>
                 </a:solidFill>
                 <a:effectLst/>
+                <a:latin typeface="Monaco"/>
               </a:rPr>
               <a:t>'</a:t>
             </a:r>
@@ -7123,6 +7544,7 @@
                   <a:srgbClr val="B58900"/>
                 </a:solidFill>
                 <a:effectLst/>
+                <a:latin typeface="Monaco"/>
               </a:rPr>
               <a:t>mumbai</a:t>
             </a:r>
@@ -7132,6 +7554,7 @@
                   <a:srgbClr val="B58900"/>
                 </a:solidFill>
                 <a:effectLst/>
+                <a:latin typeface="Monaco"/>
               </a:rPr>
               <a:t>'</a:t>
             </a:r>
@@ -7141,6 +7564,7 @@
                   <a:srgbClr val="586E75"/>
                 </a:solidFill>
                 <a:effectLst/>
+                <a:latin typeface="Monaco"/>
               </a:rPr>
               <a:t>,</a:t>
             </a:r>
@@ -7150,6 +7574,7 @@
                   <a:srgbClr val="333333"/>
                 </a:solidFill>
                 <a:effectLst/>
+                <a:latin typeface="Monaco"/>
               </a:rPr>
               <a:t> emailid</a:t>
             </a:r>
@@ -7159,6 +7584,7 @@
                   <a:srgbClr val="586E75"/>
                 </a:solidFill>
                 <a:effectLst/>
+                <a:latin typeface="Monaco"/>
               </a:rPr>
               <a:t>:</a:t>
             </a:r>
@@ -7168,6 +7594,7 @@
                   <a:srgbClr val="B58900"/>
                 </a:solidFill>
                 <a:effectLst/>
+                <a:latin typeface="Monaco"/>
               </a:rPr>
               <a:t>'vrushali@gmail.com’</a:t>
             </a:r>
@@ -7177,6 +7604,7 @@
                   <a:srgbClr val="586E75"/>
                 </a:solidFill>
                 <a:effectLst/>
+                <a:latin typeface="Monaco"/>
               </a:rPr>
               <a:t>})</a:t>
             </a:r>
@@ -7188,6 +7616,7 @@
                   <a:srgbClr val="859900"/>
                 </a:solidFill>
                 <a:effectLst/>
+                <a:latin typeface="Monaco"/>
               </a:rPr>
               <a:t>            return </a:t>
             </a:r>
@@ -7196,6 +7625,7 @@
                 <a:solidFill>
                   <a:srgbClr val="333333"/>
                 </a:solidFill>
+                <a:latin typeface="Monaco"/>
               </a:rPr>
               <a:t>a1, a2, a3, a4</a:t>
             </a:r>
@@ -7207,6 +7637,7 @@
                 <a:srgbClr val="333333"/>
               </a:solidFill>
               <a:effectLst/>
+              <a:latin typeface="Monaco"/>
             </a:endParaRPr>
           </a:p>
           <a:p>
@@ -7222,7 +7653,7 @@
                     <a:lumOff val="50000"/>
                   </a:schemeClr>
                 </a:solidFill>
-                <a:latin typeface="Gill Sans MT (Body)"/>
+                <a:latin typeface="Monaco"/>
               </a:rPr>
               <a:t>neo4j$ </a:t>
             </a:r>
@@ -7232,6 +7663,7 @@
                   <a:srgbClr val="859900"/>
                 </a:solidFill>
                 <a:effectLst/>
+                <a:latin typeface="Monaco"/>
               </a:rPr>
               <a:t>create</a:t>
             </a:r>
@@ -7241,6 +7673,7 @@
                   <a:srgbClr val="586E75"/>
                 </a:solidFill>
                 <a:effectLst/>
+                <a:latin typeface="Monaco"/>
               </a:rPr>
               <a:t>(</a:t>
             </a:r>
@@ -7250,6 +7683,7 @@
                   <a:srgbClr val="333333"/>
                 </a:solidFill>
                 <a:effectLst/>
+                <a:latin typeface="Monaco"/>
               </a:rPr>
               <a:t>b1</a:t>
             </a:r>
@@ -7259,6 +7693,7 @@
                   <a:srgbClr val="586E75"/>
                 </a:solidFill>
                 <a:effectLst/>
+                <a:latin typeface="Monaco"/>
               </a:rPr>
               <a:t>:</a:t>
             </a:r>
@@ -7268,6 +7703,7 @@
                   <a:srgbClr val="333333"/>
                 </a:solidFill>
                 <a:effectLst/>
+                <a:latin typeface="Monaco"/>
               </a:rPr>
               <a:t>book</a:t>
             </a:r>
@@ -7277,6 +7713,7 @@
                   <a:srgbClr val="586E75"/>
                 </a:solidFill>
                 <a:effectLst/>
+                <a:latin typeface="Monaco"/>
               </a:rPr>
               <a:t>{</a:t>
             </a:r>
@@ -7286,6 +7723,7 @@
                   <a:srgbClr val="333333"/>
                 </a:solidFill>
                 <a:effectLst/>
+                <a:latin typeface="Monaco"/>
               </a:rPr>
               <a:t>isbn</a:t>
             </a:r>
@@ -7295,6 +7733,7 @@
                   <a:srgbClr val="586E75"/>
                 </a:solidFill>
                 <a:effectLst/>
+                <a:latin typeface="Monaco"/>
               </a:rPr>
               <a:t>:</a:t>
             </a:r>
@@ -7304,6 +7743,7 @@
                   <a:srgbClr val="B58900"/>
                 </a:solidFill>
                 <a:effectLst/>
+                <a:latin typeface="Monaco"/>
               </a:rPr>
               <a:t>'redis-001'</a:t>
             </a:r>
@@ -7313,6 +7753,7 @@
                   <a:srgbClr val="586E75"/>
                 </a:solidFill>
                 <a:effectLst/>
+                <a:latin typeface="Monaco"/>
               </a:rPr>
               <a:t>,</a:t>
             </a:r>
@@ -7322,6 +7763,7 @@
                   <a:srgbClr val="333333"/>
                 </a:solidFill>
                 <a:effectLst/>
+                <a:latin typeface="Monaco"/>
               </a:rPr>
               <a:t> name</a:t>
             </a:r>
@@ -7331,6 +7773,7 @@
                   <a:srgbClr val="586E75"/>
                 </a:solidFill>
                 <a:effectLst/>
+                <a:latin typeface="Monaco"/>
               </a:rPr>
               <a:t>:</a:t>
             </a:r>
@@ -7340,6 +7783,7 @@
                   <a:srgbClr val="B58900"/>
                 </a:solidFill>
                 <a:effectLst/>
+                <a:latin typeface="Monaco"/>
               </a:rPr>
               <a:t>'redis'</a:t>
             </a:r>
@@ -7349,6 +7793,7 @@
                   <a:srgbClr val="586E75"/>
                 </a:solidFill>
                 <a:effectLst/>
+                <a:latin typeface="Monaco"/>
               </a:rPr>
               <a:t>,</a:t>
             </a:r>
@@ -7358,6 +7803,7 @@
                   <a:srgbClr val="333333"/>
                 </a:solidFill>
                 <a:effectLst/>
+                <a:latin typeface="Monaco"/>
               </a:rPr>
               <a:t> cover</a:t>
             </a:r>
@@ -7367,6 +7813,7 @@
                   <a:srgbClr val="586E75"/>
                 </a:solidFill>
                 <a:effectLst/>
+                <a:latin typeface="Monaco"/>
               </a:rPr>
               <a:t>:</a:t>
             </a:r>
@@ -7376,6 +7823,7 @@
                   <a:srgbClr val="B58900"/>
                 </a:solidFill>
                 <a:effectLst/>
+                <a:latin typeface="Monaco"/>
               </a:rPr>
               <a:t>'paper cover'</a:t>
             </a:r>
@@ -7385,6 +7833,7 @@
                   <a:srgbClr val="586E75"/>
                 </a:solidFill>
                 <a:effectLst/>
+                <a:latin typeface="Monaco"/>
               </a:rPr>
               <a:t>,</a:t>
             </a:r>
@@ -7394,6 +7843,7 @@
                   <a:srgbClr val="333333"/>
                 </a:solidFill>
                 <a:effectLst/>
+                <a:latin typeface="Monaco"/>
               </a:rPr>
               <a:t> pages</a:t>
             </a:r>
@@ -7403,6 +7853,7 @@
                   <a:srgbClr val="586E75"/>
                 </a:solidFill>
                 <a:effectLst/>
+                <a:latin typeface="Monaco"/>
               </a:rPr>
               <a:t>:</a:t>
             </a:r>
@@ -7412,6 +7863,7 @@
                   <a:srgbClr val="2AA198"/>
                 </a:solidFill>
                 <a:effectLst/>
+                <a:latin typeface="Monaco"/>
               </a:rPr>
               <a:t>1000</a:t>
             </a:r>
@@ -7421,6 +7873,7 @@
                   <a:srgbClr val="586E75"/>
                 </a:solidFill>
                 <a:effectLst/>
+                <a:latin typeface="Monaco"/>
               </a:rPr>
               <a:t>}),</a:t>
             </a:r>
@@ -7429,6 +7882,7 @@
                 <a:srgbClr val="000000"/>
               </a:solidFill>
               <a:effectLst/>
+              <a:latin typeface="Monaco"/>
             </a:endParaRPr>
           </a:p>
           <a:p>
@@ -7438,6 +7892,7 @@
                   <a:srgbClr val="333333"/>
                 </a:solidFill>
                 <a:effectLst/>
+                <a:latin typeface="Monaco"/>
               </a:rPr>
               <a:t>            </a:t>
             </a:r>
@@ -7447,6 +7902,7 @@
                   <a:srgbClr val="586E75"/>
                 </a:solidFill>
                 <a:effectLst/>
+                <a:latin typeface="Monaco"/>
               </a:rPr>
               <a:t>(</a:t>
             </a:r>
@@ -7456,6 +7912,7 @@
                   <a:srgbClr val="333333"/>
                 </a:solidFill>
                 <a:effectLst/>
+                <a:latin typeface="Monaco"/>
               </a:rPr>
               <a:t>b2</a:t>
             </a:r>
@@ -7465,6 +7922,7 @@
                   <a:srgbClr val="586E75"/>
                 </a:solidFill>
                 <a:effectLst/>
+                <a:latin typeface="Monaco"/>
               </a:rPr>
               <a:t>:</a:t>
             </a:r>
@@ -7474,6 +7932,7 @@
                   <a:srgbClr val="333333"/>
                 </a:solidFill>
                 <a:effectLst/>
+                <a:latin typeface="Monaco"/>
               </a:rPr>
               <a:t>book</a:t>
             </a:r>
@@ -7483,6 +7942,7 @@
                   <a:srgbClr val="586E75"/>
                 </a:solidFill>
                 <a:effectLst/>
+                <a:latin typeface="Monaco"/>
               </a:rPr>
               <a:t>{</a:t>
             </a:r>
@@ -7492,6 +7952,7 @@
                   <a:srgbClr val="333333"/>
                 </a:solidFill>
                 <a:effectLst/>
+                <a:latin typeface="Monaco"/>
               </a:rPr>
               <a:t>isbn</a:t>
             </a:r>
@@ -7501,6 +7962,7 @@
                   <a:srgbClr val="586E75"/>
                 </a:solidFill>
                 <a:effectLst/>
+                <a:latin typeface="Monaco"/>
               </a:rPr>
               <a:t>:</a:t>
             </a:r>
@@ -7510,6 +7972,7 @@
                   <a:srgbClr val="B58900"/>
                 </a:solidFill>
                 <a:effectLst/>
+                <a:latin typeface="Monaco"/>
               </a:rPr>
               <a:t>'mongodb-001'</a:t>
             </a:r>
@@ -7519,6 +7982,7 @@
                   <a:srgbClr val="586E75"/>
                 </a:solidFill>
                 <a:effectLst/>
+                <a:latin typeface="Monaco"/>
               </a:rPr>
               <a:t>,</a:t>
             </a:r>
@@ -7528,6 +7992,7 @@
                   <a:srgbClr val="333333"/>
                 </a:solidFill>
                 <a:effectLst/>
+                <a:latin typeface="Monaco"/>
               </a:rPr>
               <a:t> name</a:t>
             </a:r>
@@ -7537,6 +8002,7 @@
                   <a:srgbClr val="586E75"/>
                 </a:solidFill>
                 <a:effectLst/>
+                <a:latin typeface="Monaco"/>
               </a:rPr>
               <a:t>:</a:t>
             </a:r>
@@ -7546,6 +8012,7 @@
                   <a:srgbClr val="B58900"/>
                 </a:solidFill>
                 <a:effectLst/>
+                <a:latin typeface="Monaco"/>
               </a:rPr>
               <a:t>'</a:t>
             </a:r>
@@ -7555,6 +8022,7 @@
                   <a:srgbClr val="B58900"/>
                 </a:solidFill>
                 <a:effectLst/>
+                <a:latin typeface="Monaco"/>
               </a:rPr>
               <a:t>mongodb</a:t>
             </a:r>
@@ -7564,6 +8032,7 @@
                   <a:srgbClr val="B58900"/>
                 </a:solidFill>
                 <a:effectLst/>
+                <a:latin typeface="Monaco"/>
               </a:rPr>
               <a:t>'</a:t>
             </a:r>
@@ -7573,6 +8042,7 @@
                   <a:srgbClr val="586E75"/>
                 </a:solidFill>
                 <a:effectLst/>
+                <a:latin typeface="Monaco"/>
               </a:rPr>
               <a:t>,</a:t>
             </a:r>
@@ -7582,6 +8052,7 @@
                   <a:srgbClr val="333333"/>
                 </a:solidFill>
                 <a:effectLst/>
+                <a:latin typeface="Monaco"/>
               </a:rPr>
               <a:t> cover</a:t>
             </a:r>
@@ -7591,6 +8062,7 @@
                   <a:srgbClr val="586E75"/>
                 </a:solidFill>
                 <a:effectLst/>
+                <a:latin typeface="Monaco"/>
               </a:rPr>
               <a:t>:</a:t>
             </a:r>
@@ -7600,6 +8072,7 @@
                   <a:srgbClr val="B58900"/>
                 </a:solidFill>
                 <a:effectLst/>
+                <a:latin typeface="Monaco"/>
               </a:rPr>
               <a:t>'hard cover'</a:t>
             </a:r>
@@ -7609,6 +8082,7 @@
                   <a:srgbClr val="586E75"/>
                 </a:solidFill>
                 <a:effectLst/>
+                <a:latin typeface="Monaco"/>
               </a:rPr>
               <a:t>,</a:t>
             </a:r>
@@ -7618,6 +8092,7 @@
                   <a:srgbClr val="333333"/>
                 </a:solidFill>
                 <a:effectLst/>
+                <a:latin typeface="Monaco"/>
               </a:rPr>
               <a:t> pages</a:t>
             </a:r>
@@ -7627,6 +8102,7 @@
                   <a:srgbClr val="586E75"/>
                 </a:solidFill>
                 <a:effectLst/>
+                <a:latin typeface="Monaco"/>
               </a:rPr>
               <a:t>:</a:t>
             </a:r>
@@ -7636,6 +8112,7 @@
                   <a:srgbClr val="2AA198"/>
                 </a:solidFill>
                 <a:effectLst/>
+                <a:latin typeface="Monaco"/>
               </a:rPr>
               <a:t>1250</a:t>
             </a:r>
@@ -7645,6 +8122,7 @@
                   <a:srgbClr val="586E75"/>
                 </a:solidFill>
                 <a:effectLst/>
+                <a:latin typeface="Monaco"/>
               </a:rPr>
               <a:t>}),</a:t>
             </a:r>
@@ -7653,6 +8131,7 @@
                 <a:srgbClr val="000000"/>
               </a:solidFill>
               <a:effectLst/>
+              <a:latin typeface="Monaco"/>
             </a:endParaRPr>
           </a:p>
           <a:p>
@@ -7662,6 +8141,7 @@
                   <a:srgbClr val="333333"/>
                 </a:solidFill>
                 <a:effectLst/>
+                <a:latin typeface="Monaco"/>
               </a:rPr>
               <a:t>            </a:t>
             </a:r>
@@ -7671,6 +8151,7 @@
                   <a:srgbClr val="586E75"/>
                 </a:solidFill>
                 <a:effectLst/>
+                <a:latin typeface="Monaco"/>
               </a:rPr>
               <a:t>(</a:t>
             </a:r>
@@ -7680,6 +8161,7 @@
                   <a:srgbClr val="333333"/>
                 </a:solidFill>
                 <a:effectLst/>
+                <a:latin typeface="Monaco"/>
               </a:rPr>
               <a:t>b3</a:t>
             </a:r>
@@ -7689,6 +8171,7 @@
                   <a:srgbClr val="586E75"/>
                 </a:solidFill>
                 <a:effectLst/>
+                <a:latin typeface="Monaco"/>
               </a:rPr>
               <a:t>:</a:t>
             </a:r>
@@ -7698,6 +8181,7 @@
                   <a:srgbClr val="333333"/>
                 </a:solidFill>
                 <a:effectLst/>
+                <a:latin typeface="Monaco"/>
               </a:rPr>
               <a:t>book</a:t>
             </a:r>
@@ -7707,6 +8191,7 @@
                   <a:srgbClr val="586E75"/>
                 </a:solidFill>
                 <a:effectLst/>
+                <a:latin typeface="Monaco"/>
               </a:rPr>
               <a:t>{</a:t>
             </a:r>
@@ -7716,6 +8201,7 @@
                   <a:srgbClr val="333333"/>
                 </a:solidFill>
                 <a:effectLst/>
+                <a:latin typeface="Monaco"/>
               </a:rPr>
               <a:t>isbn</a:t>
             </a:r>
@@ -7725,6 +8211,7 @@
                   <a:srgbClr val="586E75"/>
                 </a:solidFill>
                 <a:effectLst/>
+                <a:latin typeface="Monaco"/>
               </a:rPr>
               <a:t>:</a:t>
             </a:r>
@@ -7734,6 +8221,7 @@
                   <a:srgbClr val="B58900"/>
                 </a:solidFill>
                 <a:effectLst/>
+                <a:latin typeface="Monaco"/>
               </a:rPr>
               <a:t>'hbase-001'</a:t>
             </a:r>
@@ -7743,6 +8231,7 @@
                   <a:srgbClr val="586E75"/>
                 </a:solidFill>
                 <a:effectLst/>
+                <a:latin typeface="Monaco"/>
               </a:rPr>
               <a:t>,</a:t>
             </a:r>
@@ -7752,6 +8241,7 @@
                   <a:srgbClr val="333333"/>
                 </a:solidFill>
                 <a:effectLst/>
+                <a:latin typeface="Monaco"/>
               </a:rPr>
               <a:t> name</a:t>
             </a:r>
@@ -7761,6 +8251,7 @@
                   <a:srgbClr val="586E75"/>
                 </a:solidFill>
                 <a:effectLst/>
+                <a:latin typeface="Monaco"/>
               </a:rPr>
               <a:t>:</a:t>
             </a:r>
@@ -7770,6 +8261,7 @@
                   <a:srgbClr val="B58900"/>
                 </a:solidFill>
                 <a:effectLst/>
+                <a:latin typeface="Monaco"/>
               </a:rPr>
               <a:t>'</a:t>
             </a:r>
@@ -7779,6 +8271,7 @@
                   <a:srgbClr val="B58900"/>
                 </a:solidFill>
                 <a:effectLst/>
+                <a:latin typeface="Monaco"/>
               </a:rPr>
               <a:t>hbase</a:t>
             </a:r>
@@ -7788,6 +8281,7 @@
                   <a:srgbClr val="B58900"/>
                 </a:solidFill>
                 <a:effectLst/>
+                <a:latin typeface="Monaco"/>
               </a:rPr>
               <a:t>'</a:t>
             </a:r>
@@ -7797,6 +8291,7 @@
                   <a:srgbClr val="586E75"/>
                 </a:solidFill>
                 <a:effectLst/>
+                <a:latin typeface="Monaco"/>
               </a:rPr>
               <a:t>,</a:t>
             </a:r>
@@ -7806,6 +8301,7 @@
                   <a:srgbClr val="333333"/>
                 </a:solidFill>
                 <a:effectLst/>
+                <a:latin typeface="Monaco"/>
               </a:rPr>
               <a:t> cover</a:t>
             </a:r>
@@ -7815,6 +8311,7 @@
                   <a:srgbClr val="586E75"/>
                 </a:solidFill>
                 <a:effectLst/>
+                <a:latin typeface="Monaco"/>
               </a:rPr>
               <a:t>:</a:t>
             </a:r>
@@ -7824,6 +8321,7 @@
                   <a:srgbClr val="B58900"/>
                 </a:solidFill>
                 <a:effectLst/>
+                <a:latin typeface="Monaco"/>
               </a:rPr>
               <a:t>'soft-paper cover'</a:t>
             </a:r>
@@ -7833,6 +8331,7 @@
                   <a:srgbClr val="586E75"/>
                 </a:solidFill>
                 <a:effectLst/>
+                <a:latin typeface="Monaco"/>
               </a:rPr>
               <a:t>,</a:t>
             </a:r>
@@ -7842,6 +8341,7 @@
                   <a:srgbClr val="333333"/>
                 </a:solidFill>
                 <a:effectLst/>
+                <a:latin typeface="Monaco"/>
               </a:rPr>
               <a:t> pages</a:t>
             </a:r>
@@ -7851,6 +8351,7 @@
                   <a:srgbClr val="586E75"/>
                 </a:solidFill>
                 <a:effectLst/>
+                <a:latin typeface="Monaco"/>
               </a:rPr>
               <a:t>:</a:t>
             </a:r>
@@ -7860,6 +8361,7 @@
                   <a:srgbClr val="2AA198"/>
                 </a:solidFill>
                 <a:effectLst/>
+                <a:latin typeface="Monaco"/>
               </a:rPr>
               <a:t>1200</a:t>
             </a:r>
@@ -7869,6 +8371,7 @@
                   <a:srgbClr val="586E75"/>
                 </a:solidFill>
                 <a:effectLst/>
+                <a:latin typeface="Monaco"/>
               </a:rPr>
               <a:t>}),</a:t>
             </a:r>
@@ -7877,6 +8380,7 @@
                 <a:srgbClr val="000000"/>
               </a:solidFill>
               <a:effectLst/>
+              <a:latin typeface="Monaco"/>
             </a:endParaRPr>
           </a:p>
           <a:p>
@@ -7886,6 +8390,7 @@
                   <a:srgbClr val="333333"/>
                 </a:solidFill>
                 <a:effectLst/>
+                <a:latin typeface="Monaco"/>
               </a:rPr>
               <a:t>            </a:t>
             </a:r>
@@ -7895,6 +8400,7 @@
                   <a:srgbClr val="586E75"/>
                 </a:solidFill>
                 <a:effectLst/>
+                <a:latin typeface="Monaco"/>
               </a:rPr>
               <a:t>(</a:t>
             </a:r>
@@ -7904,6 +8410,7 @@
                   <a:srgbClr val="333333"/>
                 </a:solidFill>
                 <a:effectLst/>
+                <a:latin typeface="Monaco"/>
               </a:rPr>
               <a:t>b4</a:t>
             </a:r>
@@ -7913,6 +8420,7 @@
                   <a:srgbClr val="586E75"/>
                 </a:solidFill>
                 <a:effectLst/>
+                <a:latin typeface="Monaco"/>
               </a:rPr>
               <a:t>:</a:t>
             </a:r>
@@ -7922,6 +8430,7 @@
                   <a:srgbClr val="333333"/>
                 </a:solidFill>
                 <a:effectLst/>
+                <a:latin typeface="Monaco"/>
               </a:rPr>
               <a:t>book</a:t>
             </a:r>
@@ -7931,6 +8440,7 @@
                   <a:srgbClr val="586E75"/>
                 </a:solidFill>
                 <a:effectLst/>
+                <a:latin typeface="Monaco"/>
               </a:rPr>
               <a:t>{</a:t>
             </a:r>
@@ -7940,6 +8450,7 @@
                   <a:srgbClr val="333333"/>
                 </a:solidFill>
                 <a:effectLst/>
+                <a:latin typeface="Monaco"/>
               </a:rPr>
               <a:t>isbn</a:t>
             </a:r>
@@ -7949,6 +8460,7 @@
                   <a:srgbClr val="586E75"/>
                 </a:solidFill>
                 <a:effectLst/>
+                <a:latin typeface="Monaco"/>
               </a:rPr>
               <a:t>:</a:t>
             </a:r>
@@ -7958,6 +8470,7 @@
                   <a:srgbClr val="B58900"/>
                 </a:solidFill>
                 <a:effectLst/>
+                <a:latin typeface="Monaco"/>
               </a:rPr>
               <a:t>'neo4j-001'</a:t>
             </a:r>
@@ -7967,6 +8480,7 @@
                   <a:srgbClr val="586E75"/>
                 </a:solidFill>
                 <a:effectLst/>
+                <a:latin typeface="Monaco"/>
               </a:rPr>
               <a:t>,</a:t>
             </a:r>
@@ -7976,6 +8490,7 @@
                   <a:srgbClr val="333333"/>
                 </a:solidFill>
                 <a:effectLst/>
+                <a:latin typeface="Monaco"/>
               </a:rPr>
               <a:t> name</a:t>
             </a:r>
@@ -7985,6 +8500,7 @@
                   <a:srgbClr val="586E75"/>
                 </a:solidFill>
                 <a:effectLst/>
+                <a:latin typeface="Monaco"/>
               </a:rPr>
               <a:t>:</a:t>
             </a:r>
@@ -7994,6 +8510,7 @@
                   <a:srgbClr val="B58900"/>
                 </a:solidFill>
                 <a:effectLst/>
+                <a:latin typeface="Monaco"/>
               </a:rPr>
               <a:t>'neo4j'</a:t>
             </a:r>
@@ -8003,6 +8520,7 @@
                   <a:srgbClr val="586E75"/>
                 </a:solidFill>
                 <a:effectLst/>
+                <a:latin typeface="Monaco"/>
               </a:rPr>
               <a:t>,</a:t>
             </a:r>
@@ -8012,6 +8530,7 @@
                   <a:srgbClr val="333333"/>
                 </a:solidFill>
                 <a:effectLst/>
+                <a:latin typeface="Monaco"/>
               </a:rPr>
               <a:t> cover</a:t>
             </a:r>
@@ -8021,6 +8540,7 @@
                   <a:srgbClr val="586E75"/>
                 </a:solidFill>
                 <a:effectLst/>
+                <a:latin typeface="Monaco"/>
               </a:rPr>
               <a:t>:</a:t>
             </a:r>
@@ -8030,6 +8550,7 @@
                   <a:srgbClr val="B58900"/>
                 </a:solidFill>
                 <a:effectLst/>
+                <a:latin typeface="Monaco"/>
               </a:rPr>
               <a:t>'paper cover'</a:t>
             </a:r>
@@ -8039,6 +8560,7 @@
                   <a:srgbClr val="586E75"/>
                 </a:solidFill>
                 <a:effectLst/>
+                <a:latin typeface="Monaco"/>
               </a:rPr>
               <a:t>,</a:t>
             </a:r>
@@ -8048,6 +8570,7 @@
                   <a:srgbClr val="333333"/>
                 </a:solidFill>
                 <a:effectLst/>
+                <a:latin typeface="Monaco"/>
               </a:rPr>
               <a:t> pages</a:t>
             </a:r>
@@ -8057,6 +8580,7 @@
                   <a:srgbClr val="586E75"/>
                 </a:solidFill>
                 <a:effectLst/>
+                <a:latin typeface="Monaco"/>
               </a:rPr>
               <a:t>:</a:t>
             </a:r>
@@ -8066,6 +8590,7 @@
                   <a:srgbClr val="2AA198"/>
                 </a:solidFill>
                 <a:effectLst/>
+                <a:latin typeface="Monaco"/>
               </a:rPr>
               <a:t>1000</a:t>
             </a:r>
@@ -8075,6 +8600,7 @@
                   <a:srgbClr val="586E75"/>
                 </a:solidFill>
                 <a:effectLst/>
+                <a:latin typeface="Monaco"/>
               </a:rPr>
               <a:t>}),</a:t>
             </a:r>
@@ -8083,6 +8609,7 @@
                 <a:srgbClr val="000000"/>
               </a:solidFill>
               <a:effectLst/>
+              <a:latin typeface="Monaco"/>
             </a:endParaRPr>
           </a:p>
           <a:p>
@@ -8092,6 +8619,7 @@
                   <a:srgbClr val="333333"/>
                 </a:solidFill>
                 <a:effectLst/>
+                <a:latin typeface="Monaco"/>
               </a:rPr>
               <a:t>            </a:t>
             </a:r>
@@ -8101,6 +8629,7 @@
                   <a:srgbClr val="586E75"/>
                 </a:solidFill>
                 <a:effectLst/>
+                <a:latin typeface="Monaco"/>
               </a:rPr>
               <a:t>(</a:t>
             </a:r>
@@ -8110,6 +8639,7 @@
                   <a:srgbClr val="333333"/>
                 </a:solidFill>
                 <a:effectLst/>
+                <a:latin typeface="Monaco"/>
               </a:rPr>
               <a:t>b5</a:t>
             </a:r>
@@ -8119,6 +8649,7 @@
                   <a:srgbClr val="586E75"/>
                 </a:solidFill>
                 <a:effectLst/>
+                <a:latin typeface="Monaco"/>
               </a:rPr>
               <a:t>:</a:t>
             </a:r>
@@ -8128,6 +8659,7 @@
                   <a:srgbClr val="333333"/>
                 </a:solidFill>
                 <a:effectLst/>
+                <a:latin typeface="Monaco"/>
               </a:rPr>
               <a:t>book</a:t>
             </a:r>
@@ -8137,6 +8669,7 @@
                   <a:srgbClr val="586E75"/>
                 </a:solidFill>
                 <a:effectLst/>
+                <a:latin typeface="Monaco"/>
               </a:rPr>
               <a:t>{</a:t>
             </a:r>
@@ -8146,6 +8679,7 @@
                   <a:srgbClr val="333333"/>
                 </a:solidFill>
                 <a:effectLst/>
+                <a:latin typeface="Monaco"/>
               </a:rPr>
               <a:t>isbn</a:t>
             </a:r>
@@ -8155,6 +8689,7 @@
                   <a:srgbClr val="586E75"/>
                 </a:solidFill>
                 <a:effectLst/>
+                <a:latin typeface="Monaco"/>
               </a:rPr>
               <a:t>:</a:t>
             </a:r>
@@ -8164,6 +8699,7 @@
                   <a:srgbClr val="B58900"/>
                 </a:solidFill>
                 <a:effectLst/>
+                <a:latin typeface="Monaco"/>
               </a:rPr>
               <a:t>'node-001'</a:t>
             </a:r>
@@ -8173,6 +8709,7 @@
                   <a:srgbClr val="586E75"/>
                 </a:solidFill>
                 <a:effectLst/>
+                <a:latin typeface="Monaco"/>
               </a:rPr>
               <a:t>,</a:t>
             </a:r>
@@ -8182,6 +8719,7 @@
                   <a:srgbClr val="333333"/>
                 </a:solidFill>
                 <a:effectLst/>
+                <a:latin typeface="Monaco"/>
               </a:rPr>
               <a:t> name</a:t>
             </a:r>
@@ -8191,6 +8729,7 @@
                   <a:srgbClr val="586E75"/>
                 </a:solidFill>
                 <a:effectLst/>
+                <a:latin typeface="Monaco"/>
               </a:rPr>
               <a:t>:</a:t>
             </a:r>
@@ -8200,6 +8739,7 @@
                   <a:srgbClr val="B58900"/>
                 </a:solidFill>
                 <a:effectLst/>
+                <a:latin typeface="Monaco"/>
               </a:rPr>
               <a:t>'node'</a:t>
             </a:r>
@@ -8209,6 +8749,7 @@
                   <a:srgbClr val="586E75"/>
                 </a:solidFill>
                 <a:effectLst/>
+                <a:latin typeface="Monaco"/>
               </a:rPr>
               <a:t>,</a:t>
             </a:r>
@@ -8218,6 +8759,7 @@
                   <a:srgbClr val="333333"/>
                 </a:solidFill>
                 <a:effectLst/>
+                <a:latin typeface="Monaco"/>
               </a:rPr>
               <a:t> cover</a:t>
             </a:r>
@@ -8227,6 +8769,7 @@
                   <a:srgbClr val="586E75"/>
                 </a:solidFill>
                 <a:effectLst/>
+                <a:latin typeface="Monaco"/>
               </a:rPr>
               <a:t>:</a:t>
             </a:r>
@@ -8236,6 +8779,7 @@
                   <a:srgbClr val="B58900"/>
                 </a:solidFill>
                 <a:effectLst/>
+                <a:latin typeface="Monaco"/>
               </a:rPr>
               <a:t>'hard cover'</a:t>
             </a:r>
@@ -8245,6 +8789,7 @@
                   <a:srgbClr val="586E75"/>
                 </a:solidFill>
                 <a:effectLst/>
+                <a:latin typeface="Monaco"/>
               </a:rPr>
               <a:t>,</a:t>
             </a:r>
@@ -8254,6 +8799,7 @@
                   <a:srgbClr val="333333"/>
                 </a:solidFill>
                 <a:effectLst/>
+                <a:latin typeface="Monaco"/>
               </a:rPr>
               <a:t> pages</a:t>
             </a:r>
@@ -8263,6 +8809,7 @@
                   <a:srgbClr val="586E75"/>
                 </a:solidFill>
                 <a:effectLst/>
+                <a:latin typeface="Monaco"/>
               </a:rPr>
               <a:t>:</a:t>
             </a:r>
@@ -8272,6 +8819,7 @@
                   <a:srgbClr val="2AA198"/>
                 </a:solidFill>
                 <a:effectLst/>
+                <a:latin typeface="Monaco"/>
               </a:rPr>
               <a:t>1250</a:t>
             </a:r>
@@ -8281,6 +8829,7 @@
                   <a:srgbClr val="586E75"/>
                 </a:solidFill>
                 <a:effectLst/>
+                <a:latin typeface="Monaco"/>
               </a:rPr>
               <a:t>}),</a:t>
             </a:r>
@@ -8289,6 +8838,7 @@
                 <a:srgbClr val="000000"/>
               </a:solidFill>
               <a:effectLst/>
+              <a:latin typeface="Monaco"/>
             </a:endParaRPr>
           </a:p>
           <a:p>
@@ -8298,6 +8848,7 @@
                   <a:srgbClr val="333333"/>
                 </a:solidFill>
                 <a:effectLst/>
+                <a:latin typeface="Monaco"/>
               </a:rPr>
               <a:t>            </a:t>
             </a:r>
@@ -8307,6 +8858,7 @@
                   <a:srgbClr val="586E75"/>
                 </a:solidFill>
                 <a:effectLst/>
+                <a:latin typeface="Monaco"/>
               </a:rPr>
               <a:t>(</a:t>
             </a:r>
@@ -8316,6 +8868,7 @@
                   <a:srgbClr val="333333"/>
                 </a:solidFill>
                 <a:effectLst/>
+                <a:latin typeface="Monaco"/>
               </a:rPr>
               <a:t>b6</a:t>
             </a:r>
@@ -8325,6 +8878,7 @@
                   <a:srgbClr val="586E75"/>
                 </a:solidFill>
                 <a:effectLst/>
+                <a:latin typeface="Monaco"/>
               </a:rPr>
               <a:t>:</a:t>
             </a:r>
@@ -8334,6 +8888,7 @@
                   <a:srgbClr val="333333"/>
                 </a:solidFill>
                 <a:effectLst/>
+                <a:latin typeface="Monaco"/>
               </a:rPr>
               <a:t>book</a:t>
             </a:r>
@@ -8343,6 +8898,7 @@
                   <a:srgbClr val="586E75"/>
                 </a:solidFill>
                 <a:effectLst/>
+                <a:latin typeface="Monaco"/>
               </a:rPr>
               <a:t>{</a:t>
             </a:r>
@@ -8352,6 +8908,7 @@
                   <a:srgbClr val="333333"/>
                 </a:solidFill>
                 <a:effectLst/>
+                <a:latin typeface="Monaco"/>
               </a:rPr>
               <a:t>isbn</a:t>
             </a:r>
@@ -8361,6 +8918,7 @@
                   <a:srgbClr val="586E75"/>
                 </a:solidFill>
                 <a:effectLst/>
+                <a:latin typeface="Monaco"/>
               </a:rPr>
               <a:t>:</a:t>
             </a:r>
@@ -8370,6 +8928,7 @@
                   <a:srgbClr val="B58900"/>
                 </a:solidFill>
                 <a:effectLst/>
+                <a:latin typeface="Monaco"/>
               </a:rPr>
               <a:t>'c++-001'</a:t>
             </a:r>
@@ -8379,6 +8938,7 @@
                   <a:srgbClr val="586E75"/>
                 </a:solidFill>
                 <a:effectLst/>
+                <a:latin typeface="Monaco"/>
               </a:rPr>
               <a:t>,</a:t>
             </a:r>
@@ -8388,6 +8948,7 @@
                   <a:srgbClr val="333333"/>
                 </a:solidFill>
                 <a:effectLst/>
+                <a:latin typeface="Monaco"/>
               </a:rPr>
               <a:t> name</a:t>
             </a:r>
@@ -8397,6 +8958,7 @@
                   <a:srgbClr val="586E75"/>
                 </a:solidFill>
                 <a:effectLst/>
+                <a:latin typeface="Monaco"/>
               </a:rPr>
               <a:t>:</a:t>
             </a:r>
@@ -8406,6 +8968,7 @@
                   <a:srgbClr val="B58900"/>
                 </a:solidFill>
                 <a:effectLst/>
+                <a:latin typeface="Monaco"/>
               </a:rPr>
               <a:t>'c++'</a:t>
             </a:r>
@@ -8415,6 +8978,7 @@
                   <a:srgbClr val="586E75"/>
                 </a:solidFill>
                 <a:effectLst/>
+                <a:latin typeface="Monaco"/>
               </a:rPr>
               <a:t>,</a:t>
             </a:r>
@@ -8424,6 +8988,7 @@
                   <a:srgbClr val="333333"/>
                 </a:solidFill>
                 <a:effectLst/>
+                <a:latin typeface="Monaco"/>
               </a:rPr>
               <a:t> cover</a:t>
             </a:r>
@@ -8433,6 +8998,7 @@
                   <a:srgbClr val="586E75"/>
                 </a:solidFill>
                 <a:effectLst/>
+                <a:latin typeface="Monaco"/>
               </a:rPr>
               <a:t>:</a:t>
             </a:r>
@@ -8442,6 +9008,7 @@
                   <a:srgbClr val="B58900"/>
                 </a:solidFill>
                 <a:effectLst/>
+                <a:latin typeface="Monaco"/>
               </a:rPr>
               <a:t>'soft-paper cover'</a:t>
             </a:r>
@@ -8451,6 +9018,7 @@
                   <a:srgbClr val="586E75"/>
                 </a:solidFill>
                 <a:effectLst/>
+                <a:latin typeface="Monaco"/>
               </a:rPr>
               <a:t>,</a:t>
             </a:r>
@@ -8460,6 +9028,7 @@
                   <a:srgbClr val="333333"/>
                 </a:solidFill>
                 <a:effectLst/>
+                <a:latin typeface="Monaco"/>
               </a:rPr>
               <a:t> pages</a:t>
             </a:r>
@@ -8469,6 +9038,7 @@
                   <a:srgbClr val="586E75"/>
                 </a:solidFill>
                 <a:effectLst/>
+                <a:latin typeface="Monaco"/>
               </a:rPr>
               <a:t>:</a:t>
             </a:r>
@@ -8478,6 +9048,7 @@
                   <a:srgbClr val="2AA198"/>
                 </a:solidFill>
                 <a:effectLst/>
+                <a:latin typeface="Monaco"/>
               </a:rPr>
               <a:t>890</a:t>
             </a:r>
@@ -8487,6 +9058,7 @@
                   <a:srgbClr val="586E75"/>
                 </a:solidFill>
                 <a:effectLst/>
+                <a:latin typeface="Monaco"/>
               </a:rPr>
               <a:t>}),</a:t>
             </a:r>
@@ -8495,6 +9067,7 @@
                 <a:srgbClr val="000000"/>
               </a:solidFill>
               <a:effectLst/>
+              <a:latin typeface="Monaco"/>
             </a:endParaRPr>
           </a:p>
           <a:p>
@@ -8504,6 +9077,7 @@
                   <a:srgbClr val="333333"/>
                 </a:solidFill>
                 <a:effectLst/>
+                <a:latin typeface="Monaco"/>
               </a:rPr>
               <a:t>            </a:t>
             </a:r>
@@ -8513,6 +9087,7 @@
                   <a:srgbClr val="586E75"/>
                 </a:solidFill>
                 <a:effectLst/>
+                <a:latin typeface="Monaco"/>
               </a:rPr>
               <a:t>(</a:t>
             </a:r>
@@ -8522,6 +9097,7 @@
                   <a:srgbClr val="333333"/>
                 </a:solidFill>
                 <a:effectLst/>
+                <a:latin typeface="Monaco"/>
               </a:rPr>
               <a:t>b7</a:t>
             </a:r>
@@ -8531,6 +9107,7 @@
                   <a:srgbClr val="586E75"/>
                 </a:solidFill>
                 <a:effectLst/>
+                <a:latin typeface="Monaco"/>
               </a:rPr>
               <a:t>:</a:t>
             </a:r>
@@ -8540,6 +9117,7 @@
                   <a:srgbClr val="333333"/>
                 </a:solidFill>
                 <a:effectLst/>
+                <a:latin typeface="Monaco"/>
               </a:rPr>
               <a:t>book</a:t>
             </a:r>
@@ -8549,6 +9127,7 @@
                   <a:srgbClr val="586E75"/>
                 </a:solidFill>
                 <a:effectLst/>
+                <a:latin typeface="Monaco"/>
               </a:rPr>
               <a:t>{</a:t>
             </a:r>
@@ -8558,6 +9137,7 @@
                   <a:srgbClr val="333333"/>
                 </a:solidFill>
                 <a:effectLst/>
+                <a:latin typeface="Monaco"/>
               </a:rPr>
               <a:t>isbn</a:t>
             </a:r>
@@ -8567,6 +9147,7 @@
                   <a:srgbClr val="586E75"/>
                 </a:solidFill>
                 <a:effectLst/>
+                <a:latin typeface="Monaco"/>
               </a:rPr>
               <a:t>:</a:t>
             </a:r>
@@ -8576,6 +9157,7 @@
                   <a:srgbClr val="B58900"/>
                 </a:solidFill>
                 <a:effectLst/>
+                <a:latin typeface="Monaco"/>
               </a:rPr>
               <a:t>'java-001'</a:t>
             </a:r>
@@ -8585,6 +9167,7 @@
                   <a:srgbClr val="586E75"/>
                 </a:solidFill>
                 <a:effectLst/>
+                <a:latin typeface="Monaco"/>
               </a:rPr>
               <a:t>,</a:t>
             </a:r>
@@ -8594,6 +9177,7 @@
                   <a:srgbClr val="333333"/>
                 </a:solidFill>
                 <a:effectLst/>
+                <a:latin typeface="Monaco"/>
               </a:rPr>
               <a:t> name</a:t>
             </a:r>
@@ -8603,6 +9187,7 @@
                   <a:srgbClr val="586E75"/>
                 </a:solidFill>
                 <a:effectLst/>
+                <a:latin typeface="Monaco"/>
               </a:rPr>
               <a:t>:</a:t>
             </a:r>
@@ -8612,6 +9197,7 @@
                   <a:srgbClr val="B58900"/>
                 </a:solidFill>
                 <a:effectLst/>
+                <a:latin typeface="Monaco"/>
               </a:rPr>
               <a:t>'java'</a:t>
             </a:r>
@@ -8621,6 +9207,7 @@
                   <a:srgbClr val="586E75"/>
                 </a:solidFill>
                 <a:effectLst/>
+                <a:latin typeface="Monaco"/>
               </a:rPr>
               <a:t>,</a:t>
             </a:r>
@@ -8630,6 +9217,7 @@
                   <a:srgbClr val="333333"/>
                 </a:solidFill>
                 <a:effectLst/>
+                <a:latin typeface="Monaco"/>
               </a:rPr>
               <a:t> cover</a:t>
             </a:r>
@@ -8639,6 +9227,7 @@
                   <a:srgbClr val="586E75"/>
                 </a:solidFill>
                 <a:effectLst/>
+                <a:latin typeface="Monaco"/>
               </a:rPr>
               <a:t>:</a:t>
             </a:r>
@@ -8648,6 +9237,7 @@
                   <a:srgbClr val="B58900"/>
                 </a:solidFill>
                 <a:effectLst/>
+                <a:latin typeface="Monaco"/>
               </a:rPr>
               <a:t>'paper cover'</a:t>
             </a:r>
@@ -8657,6 +9247,7 @@
                   <a:srgbClr val="586E75"/>
                 </a:solidFill>
                 <a:effectLst/>
+                <a:latin typeface="Monaco"/>
               </a:rPr>
               <a:t>,</a:t>
             </a:r>
@@ -8666,6 +9257,7 @@
                   <a:srgbClr val="333333"/>
                 </a:solidFill>
                 <a:effectLst/>
+                <a:latin typeface="Monaco"/>
               </a:rPr>
               <a:t> pages</a:t>
             </a:r>
@@ -8675,6 +9267,7 @@
                   <a:srgbClr val="586E75"/>
                 </a:solidFill>
                 <a:effectLst/>
+                <a:latin typeface="Monaco"/>
               </a:rPr>
               <a:t>:</a:t>
             </a:r>
@@ -8684,6 +9277,7 @@
                   <a:srgbClr val="2AA198"/>
                 </a:solidFill>
                 <a:effectLst/>
+                <a:latin typeface="Monaco"/>
               </a:rPr>
               <a:t>890</a:t>
             </a:r>
@@ -8693,6 +9287,7 @@
                   <a:srgbClr val="586E75"/>
                 </a:solidFill>
                 <a:effectLst/>
+                <a:latin typeface="Monaco"/>
               </a:rPr>
               <a:t>})</a:t>
             </a:r>
@@ -8704,6 +9299,7 @@
                   <a:srgbClr val="859900"/>
                 </a:solidFill>
                 <a:effectLst/>
+                <a:latin typeface="Monaco"/>
               </a:rPr>
               <a:t>            return </a:t>
             </a:r>
@@ -8712,6 +9308,7 @@
                 <a:solidFill>
                   <a:srgbClr val="333333"/>
                 </a:solidFill>
+                <a:latin typeface="Monaco"/>
               </a:rPr>
               <a:t>b1, b2, b3, b4, b5, b6, b7</a:t>
             </a:r>
@@ -8720,6 +9317,7 @@
                 <a:srgbClr val="000000"/>
               </a:solidFill>
               <a:effectLst/>
+              <a:latin typeface="Monaco"/>
             </a:endParaRPr>
           </a:p>
         </p:txBody>
@@ -9056,7 +9654,7 @@
                 <a:solidFill>
                   <a:srgbClr val="0070C0"/>
                 </a:solidFill>
-                <a:latin typeface="Consolas" panose="020B0609020204030204" pitchFamily="49" charset="0"/>
+                <a:latin typeface="Roboto Mono"/>
                 <a:cs typeface="Arial" panose="020B0604020202020204" pitchFamily="34" charset="0"/>
               </a:rPr>
               <a:t>MATCH(n</a:t>
@@ -9066,7 +9664,7 @@
                 <a:solidFill>
                   <a:srgbClr val="0070C0"/>
                 </a:solidFill>
-                <a:latin typeface="Consolas" panose="020B0609020204030204" pitchFamily="49" charset="0"/>
+                <a:latin typeface="Roboto Mono"/>
                 <a:cs typeface="Arial" panose="020B0604020202020204" pitchFamily="34" charset="0"/>
               </a:rPr>
               <a:t>:label_name </a:t>
@@ -9076,7 +9674,7 @@
                 <a:solidFill>
                   <a:srgbClr val="0070C0"/>
                 </a:solidFill>
-                <a:latin typeface="Consolas" panose="020B0609020204030204" pitchFamily="49" charset="0"/>
+                <a:latin typeface="Roboto Mono"/>
                 <a:cs typeface="Arial" panose="020B0604020202020204" pitchFamily="34" charset="0"/>
               </a:rPr>
               <a:t>{ </a:t>
@@ -9086,7 +9684,7 @@
                 <a:solidFill>
                   <a:srgbClr val="0070C0"/>
                 </a:solidFill>
-                <a:latin typeface="Consolas" panose="020B0609020204030204" pitchFamily="49" charset="0"/>
+                <a:latin typeface="Roboto Mono"/>
                 <a:cs typeface="Arial" panose="020B0604020202020204" pitchFamily="34" charset="0"/>
               </a:rPr>
               <a:t>key1: value, key2: value, ... </a:t>
@@ -9096,7 +9694,7 @@
                 <a:solidFill>
                   <a:srgbClr val="0070C0"/>
                 </a:solidFill>
-                <a:latin typeface="Consolas" panose="020B0609020204030204" pitchFamily="49" charset="0"/>
+                <a:latin typeface="Roboto Mono"/>
                 <a:cs typeface="Arial" panose="020B0604020202020204" pitchFamily="34" charset="0"/>
               </a:rPr>
               <a:t>}) RETURN n, </a:t>
@@ -9105,7 +9703,7 @@
               <a:solidFill>
                 <a:srgbClr val="0070C0"/>
               </a:solidFill>
-              <a:latin typeface="Consolas" panose="020B0609020204030204" pitchFamily="49" charset="0"/>
+              <a:latin typeface="Roboto Mono"/>
               <a:cs typeface="Arial" panose="020B0604020202020204" pitchFamily="34" charset="0"/>
             </a:endParaRPr>
           </a:p>
@@ -9151,7 +9749,7 @@
                     <a:lumOff val="50000"/>
                   </a:schemeClr>
                 </a:solidFill>
-                <a:latin typeface="Gill Sans MT (Body)"/>
+                <a:latin typeface="Monaco"/>
               </a:rPr>
               <a:t>neo4j$ </a:t>
             </a:r>
@@ -9161,7 +9759,7 @@
                   <a:srgbClr val="859900"/>
                 </a:solidFill>
                 <a:effectLst/>
-                <a:latin typeface="Gill Sans MT (Body)"/>
+                <a:latin typeface="Monaco"/>
               </a:rPr>
               <a:t>match</a:t>
             </a:r>
@@ -9172,7 +9770,7 @@
                     <a:lumMod val="50000"/>
                   </a:schemeClr>
                 </a:solidFill>
-                <a:latin typeface="Gill Sans MT (Body)"/>
+                <a:latin typeface="Monaco"/>
               </a:rPr>
               <a:t>(n) </a:t>
             </a:r>
@@ -9182,7 +9780,7 @@
                   <a:srgbClr val="859900"/>
                 </a:solidFill>
                 <a:effectLst/>
-                <a:latin typeface="Gill Sans MT (Body)"/>
+                <a:latin typeface="Monaco"/>
               </a:rPr>
               <a:t> return </a:t>
             </a:r>
@@ -9193,7 +9791,7 @@
                     <a:lumMod val="50000"/>
                   </a:schemeClr>
                 </a:solidFill>
-                <a:latin typeface="Gill Sans MT (Body)"/>
+                <a:latin typeface="Monaco"/>
               </a:rPr>
               <a:t> n</a:t>
             </a:r>
@@ -9209,7 +9807,7 @@
                   <a:lumMod val="50000"/>
                 </a:schemeClr>
               </a:solidFill>
-              <a:latin typeface="Gill Sans MT (Body)"/>
+              <a:latin typeface="Monaco"/>
             </a:endParaRPr>
           </a:p>
           <a:p>
@@ -9225,7 +9823,7 @@
                     <a:lumOff val="50000"/>
                   </a:schemeClr>
                 </a:solidFill>
-                <a:latin typeface="Gill Sans MT (Body)"/>
+                <a:latin typeface="Monaco"/>
               </a:rPr>
               <a:t>neo4j$ </a:t>
             </a:r>
@@ -9235,7 +9833,7 @@
                   <a:srgbClr val="859900"/>
                 </a:solidFill>
                 <a:effectLst/>
-                <a:latin typeface="Gill Sans MT (Body)"/>
+                <a:latin typeface="Monaco"/>
               </a:rPr>
               <a:t>match</a:t>
             </a:r>
@@ -9246,7 +9844,7 @@
                     <a:lumMod val="50000"/>
                   </a:schemeClr>
                 </a:solidFill>
-                <a:latin typeface="Gill Sans MT (Body)"/>
+                <a:latin typeface="Monaco"/>
               </a:rPr>
               <a:t>(n:Person)</a:t>
             </a:r>
@@ -9257,7 +9855,7 @@
                     <a:lumMod val="50000"/>
                   </a:schemeClr>
                 </a:solidFill>
-                <a:latin typeface="Gill Sans MT (Body)"/>
+                <a:latin typeface="Monaco"/>
               </a:rPr>
               <a:t> </a:t>
             </a:r>
@@ -9267,7 +9865,7 @@
                   <a:srgbClr val="859900"/>
                 </a:solidFill>
                 <a:effectLst/>
-                <a:latin typeface="Gill Sans MT (Body)"/>
+                <a:latin typeface="Monaco"/>
               </a:rPr>
               <a:t>return</a:t>
             </a:r>
@@ -9278,7 +9876,7 @@
                     <a:lumMod val="50000"/>
                   </a:schemeClr>
                 </a:solidFill>
-                <a:latin typeface="Gill Sans MT (Body)"/>
+                <a:latin typeface="Monaco"/>
               </a:rPr>
               <a:t> n</a:t>
             </a:r>
@@ -9286,7 +9884,7 @@
               <a:solidFill>
                 <a:srgbClr val="C00000"/>
               </a:solidFill>
-              <a:latin typeface="Gill Sans MT (Body)"/>
+              <a:latin typeface="Monaco"/>
             </a:endParaRPr>
           </a:p>
           <a:p>
@@ -9300,7 +9898,7 @@
                   <a:lumMod val="50000"/>
                 </a:schemeClr>
               </a:solidFill>
-              <a:latin typeface="Gill Sans MT (Body)"/>
+              <a:latin typeface="Monaco"/>
             </a:endParaRPr>
           </a:p>
           <a:p>
@@ -9316,7 +9914,7 @@
                     <a:lumOff val="50000"/>
                   </a:schemeClr>
                 </a:solidFill>
-                <a:latin typeface="Gill Sans MT (Body)"/>
+                <a:latin typeface="Monaco"/>
               </a:rPr>
               <a:t>neo4j$ </a:t>
             </a:r>
@@ -9326,7 +9924,7 @@
                   <a:srgbClr val="859900"/>
                 </a:solidFill>
                 <a:effectLst/>
-                <a:latin typeface="Gill Sans MT (Body)"/>
+                <a:latin typeface="Monaco"/>
               </a:rPr>
               <a:t>match</a:t>
             </a:r>
@@ -9336,7 +9934,7 @@
                   <a:srgbClr val="586E75"/>
                 </a:solidFill>
                 <a:effectLst/>
-                <a:latin typeface="Gill Sans MT (Body)"/>
+                <a:latin typeface="Monaco"/>
               </a:rPr>
               <a:t>(</a:t>
             </a:r>
@@ -9346,7 +9944,7 @@
                   <a:srgbClr val="333333"/>
                 </a:solidFill>
                 <a:effectLst/>
-                <a:latin typeface="Gill Sans MT (Body)"/>
+                <a:latin typeface="Monaco"/>
               </a:rPr>
               <a:t>n</a:t>
             </a:r>
@@ -9356,7 +9954,7 @@
                   <a:srgbClr val="586E75"/>
                 </a:solidFill>
                 <a:effectLst/>
-                <a:latin typeface="Gill Sans MT (Body)"/>
+                <a:latin typeface="Monaco"/>
               </a:rPr>
               <a:t>:</a:t>
             </a:r>
@@ -9366,7 +9964,7 @@
                   <a:srgbClr val="333333"/>
                 </a:solidFill>
                 <a:effectLst/>
-                <a:latin typeface="Gill Sans MT (Body)"/>
+                <a:latin typeface="Monaco"/>
               </a:rPr>
               <a:t>book</a:t>
             </a:r>
@@ -9376,7 +9974,7 @@
                   <a:srgbClr val="586E75"/>
                 </a:solidFill>
                 <a:effectLst/>
-                <a:latin typeface="Gill Sans MT (Body)"/>
+                <a:latin typeface="Monaco"/>
               </a:rPr>
               <a:t>), </a:t>
             </a:r>
@@ -9387,7 +9985,7 @@
                     <a:lumMod val="50000"/>
                   </a:schemeClr>
                 </a:solidFill>
-                <a:latin typeface="Gill Sans MT (Body)"/>
+                <a:latin typeface="Monaco"/>
               </a:rPr>
               <a:t>(m:Person) </a:t>
             </a:r>
@@ -9397,7 +9995,7 @@
                   <a:srgbClr val="333333"/>
                 </a:solidFill>
                 <a:effectLst/>
-                <a:latin typeface="Gill Sans MT (Body)"/>
+                <a:latin typeface="Monaco"/>
               </a:rPr>
               <a:t> </a:t>
             </a:r>
@@ -9407,7 +10005,7 @@
                   <a:srgbClr val="859900"/>
                 </a:solidFill>
                 <a:effectLst/>
-                <a:latin typeface="Gill Sans MT (Body)"/>
+                <a:latin typeface="Monaco"/>
               </a:rPr>
               <a:t>return</a:t>
             </a:r>
@@ -9417,7 +10015,7 @@
                   <a:srgbClr val="333333"/>
                 </a:solidFill>
                 <a:effectLst/>
-                <a:latin typeface="Gill Sans MT (Body)"/>
+                <a:latin typeface="Monaco"/>
               </a:rPr>
               <a:t> n, m</a:t>
             </a:r>
@@ -9432,7 +10030,7 @@
                 <a:srgbClr val="333333"/>
               </a:solidFill>
               <a:effectLst/>
-              <a:latin typeface="Gill Sans MT (Body)"/>
+              <a:latin typeface="Monaco"/>
             </a:endParaRPr>
           </a:p>
           <a:p>
@@ -9448,7 +10046,7 @@
                     <a:lumOff val="50000"/>
                   </a:schemeClr>
                 </a:solidFill>
-                <a:latin typeface="Gill Sans MT (Body)"/>
+                <a:latin typeface="Monaco"/>
               </a:rPr>
               <a:t>neo4j$ </a:t>
             </a:r>
@@ -9458,6 +10056,7 @@
                   <a:srgbClr val="859900"/>
                 </a:solidFill>
                 <a:effectLst/>
+                <a:latin typeface="Monaco"/>
               </a:rPr>
               <a:t>match</a:t>
             </a:r>
@@ -9467,6 +10066,7 @@
                   <a:srgbClr val="586E75"/>
                 </a:solidFill>
                 <a:effectLst/>
+                <a:latin typeface="Monaco"/>
               </a:rPr>
               <a:t>(</a:t>
             </a:r>
@@ -9476,6 +10076,7 @@
                   <a:srgbClr val="333333"/>
                 </a:solidFill>
                 <a:effectLst/>
+                <a:latin typeface="Monaco"/>
               </a:rPr>
               <a:t>n</a:t>
             </a:r>
@@ -9485,6 +10086,7 @@
                   <a:srgbClr val="586E75"/>
                 </a:solidFill>
                 <a:effectLst/>
+                <a:latin typeface="Monaco"/>
               </a:rPr>
               <a:t>{</a:t>
             </a:r>
@@ -9494,6 +10096,7 @@
                   <a:srgbClr val="333333"/>
                 </a:solidFill>
                 <a:effectLst/>
+                <a:latin typeface="Monaco"/>
               </a:rPr>
               <a:t>name</a:t>
             </a:r>
@@ -9503,6 +10106,7 @@
                   <a:srgbClr val="586E75"/>
                 </a:solidFill>
                 <a:effectLst/>
+                <a:latin typeface="Monaco"/>
               </a:rPr>
               <a:t>:</a:t>
             </a:r>
@@ -9512,6 +10116,7 @@
                   <a:srgbClr val="B58900"/>
                 </a:solidFill>
                 <a:effectLst/>
+                <a:latin typeface="Monaco"/>
               </a:rPr>
               <a:t>'ruhan'</a:t>
             </a:r>
@@ -9521,6 +10126,7 @@
                   <a:srgbClr val="586E75"/>
                 </a:solidFill>
                 <a:effectLst/>
+                <a:latin typeface="Monaco"/>
               </a:rPr>
               <a:t>})</a:t>
             </a:r>
@@ -9529,6 +10135,7 @@
                 <a:srgbClr val="000000"/>
               </a:solidFill>
               <a:effectLst/>
+              <a:latin typeface="Monaco"/>
             </a:endParaRPr>
           </a:p>
           <a:p>
@@ -9538,6 +10145,7 @@
                   <a:srgbClr val="859900"/>
                 </a:solidFill>
                 <a:effectLst/>
+                <a:latin typeface="Monaco"/>
               </a:rPr>
               <a:t>               match</a:t>
             </a:r>
@@ -9547,6 +10155,7 @@
                   <a:srgbClr val="586E75"/>
                 </a:solidFill>
                 <a:effectLst/>
+                <a:latin typeface="Monaco"/>
               </a:rPr>
               <a:t>(</a:t>
             </a:r>
@@ -9556,6 +10165,7 @@
                   <a:srgbClr val="333333"/>
                 </a:solidFill>
                 <a:effectLst/>
+                <a:latin typeface="Monaco"/>
               </a:rPr>
               <a:t>m</a:t>
             </a:r>
@@ -9565,6 +10175,7 @@
                   <a:srgbClr val="586E75"/>
                 </a:solidFill>
                 <a:effectLst/>
+                <a:latin typeface="Monaco"/>
               </a:rPr>
               <a:t>{</a:t>
             </a:r>
@@ -9574,6 +10185,7 @@
                   <a:srgbClr val="333333"/>
                 </a:solidFill>
                 <a:effectLst/>
+                <a:latin typeface="Monaco"/>
               </a:rPr>
               <a:t>name</a:t>
             </a:r>
@@ -9583,6 +10195,7 @@
                   <a:srgbClr val="586E75"/>
                 </a:solidFill>
                 <a:effectLst/>
+                <a:latin typeface="Monaco"/>
               </a:rPr>
               <a:t>:</a:t>
             </a:r>
@@ -9592,6 +10205,7 @@
                   <a:srgbClr val="B58900"/>
                 </a:solidFill>
                 <a:effectLst/>
+                <a:latin typeface="Monaco"/>
               </a:rPr>
               <a:t>'neel'</a:t>
             </a:r>
@@ -9601,6 +10215,7 @@
                   <a:srgbClr val="586E75"/>
                 </a:solidFill>
                 <a:effectLst/>
+                <a:latin typeface="Monaco"/>
               </a:rPr>
               <a:t>})</a:t>
             </a:r>
@@ -9610,6 +10225,7 @@
                   <a:srgbClr val="333333"/>
                 </a:solidFill>
                 <a:effectLst/>
+                <a:latin typeface="Monaco"/>
               </a:rPr>
               <a:t> </a:t>
             </a:r>
@@ -9618,6 +10234,7 @@
                 <a:srgbClr val="000000"/>
               </a:solidFill>
               <a:effectLst/>
+              <a:latin typeface="Monaco"/>
             </a:endParaRPr>
           </a:p>
           <a:p>
@@ -9627,6 +10244,7 @@
                   <a:srgbClr val="859900"/>
                 </a:solidFill>
                 <a:effectLst/>
+                <a:latin typeface="Monaco"/>
               </a:rPr>
               <a:t>               return</a:t>
             </a:r>
@@ -9636,6 +10254,7 @@
                   <a:srgbClr val="333333"/>
                 </a:solidFill>
                 <a:effectLst/>
+                <a:latin typeface="Monaco"/>
               </a:rPr>
               <a:t> n</a:t>
             </a:r>
@@ -9645,6 +10264,7 @@
                   <a:srgbClr val="586E75"/>
                 </a:solidFill>
                 <a:effectLst/>
+                <a:latin typeface="Monaco"/>
               </a:rPr>
               <a:t>,</a:t>
             </a:r>
@@ -9654,6 +10274,7 @@
                   <a:srgbClr val="333333"/>
                 </a:solidFill>
                 <a:effectLst/>
+                <a:latin typeface="Monaco"/>
               </a:rPr>
               <a:t> m</a:t>
             </a:r>
@@ -9662,6 +10283,7 @@
                 <a:srgbClr val="000000"/>
               </a:solidFill>
               <a:effectLst/>
+              <a:latin typeface="Monaco"/>
             </a:endParaRPr>
           </a:p>
           <a:p>
@@ -9674,7 +10296,7 @@
                 <a:srgbClr val="333333"/>
               </a:solidFill>
               <a:effectLst/>
-              <a:latin typeface="Gill Sans MT (Body)"/>
+              <a:latin typeface="Monaco"/>
             </a:endParaRPr>
           </a:p>
           <a:p>
@@ -9690,7 +10312,7 @@
                     <a:lumOff val="50000"/>
                   </a:schemeClr>
                 </a:solidFill>
-                <a:latin typeface="Gill Sans MT (Body)"/>
+                <a:latin typeface="Monaco"/>
               </a:rPr>
               <a:t>neo4j$ </a:t>
             </a:r>
@@ -9700,6 +10322,7 @@
                   <a:srgbClr val="859900"/>
                 </a:solidFill>
                 <a:effectLst/>
+                <a:latin typeface="Monaco"/>
               </a:rPr>
               <a:t>match</a:t>
             </a:r>
@@ -9709,6 +10332,7 @@
                   <a:srgbClr val="586E75"/>
                 </a:solidFill>
                 <a:effectLst/>
+                <a:latin typeface="Monaco"/>
               </a:rPr>
               <a:t>(</a:t>
             </a:r>
@@ -9718,6 +10342,7 @@
                   <a:srgbClr val="333333"/>
                 </a:solidFill>
                 <a:effectLst/>
+                <a:latin typeface="Monaco"/>
               </a:rPr>
               <a:t>n</a:t>
             </a:r>
@@ -9727,6 +10352,7 @@
                   <a:srgbClr val="586E75"/>
                 </a:solidFill>
                 <a:effectLst/>
+                <a:latin typeface="Monaco"/>
               </a:rPr>
               <a:t>)</a:t>
             </a:r>
@@ -9736,6 +10362,7 @@
                   <a:srgbClr val="333333"/>
                 </a:solidFill>
                 <a:effectLst/>
+                <a:latin typeface="Monaco"/>
               </a:rPr>
               <a:t> </a:t>
             </a:r>
@@ -9745,6 +10372,7 @@
                   <a:srgbClr val="859900"/>
                 </a:solidFill>
                 <a:effectLst/>
+                <a:latin typeface="Monaco"/>
               </a:rPr>
               <a:t>where</a:t>
             </a:r>
@@ -9754,6 +10382,7 @@
                   <a:srgbClr val="333333"/>
                 </a:solidFill>
                 <a:effectLst/>
+                <a:latin typeface="Monaco"/>
               </a:rPr>
               <a:t> id</a:t>
             </a:r>
@@ -9763,6 +10392,7 @@
                   <a:srgbClr val="586E75"/>
                 </a:solidFill>
                 <a:effectLst/>
+                <a:latin typeface="Monaco"/>
               </a:rPr>
               <a:t>(</a:t>
             </a:r>
@@ -9772,6 +10402,7 @@
                   <a:srgbClr val="333333"/>
                 </a:solidFill>
                 <a:effectLst/>
+                <a:latin typeface="Monaco"/>
               </a:rPr>
               <a:t>n</a:t>
             </a:r>
@@ -9781,6 +10412,7 @@
                   <a:srgbClr val="586E75"/>
                 </a:solidFill>
                 <a:effectLst/>
+                <a:latin typeface="Monaco"/>
               </a:rPr>
               <a:t>)</a:t>
             </a:r>
@@ -9789,6 +10421,7 @@
                 <a:srgbClr val="333333"/>
               </a:solidFill>
               <a:effectLst/>
+              <a:latin typeface="Monaco"/>
             </a:endParaRPr>
           </a:p>
           <a:p>
@@ -9800,6 +10433,7 @@
               <a:solidFill>
                 <a:srgbClr val="333333"/>
               </a:solidFill>
+              <a:latin typeface="Monaco"/>
             </a:endParaRPr>
           </a:p>
           <a:p>
@@ -9815,7 +10449,7 @@
                     <a:lumOff val="50000"/>
                   </a:schemeClr>
                 </a:solidFill>
-                <a:latin typeface="Gill Sans MT (Body)"/>
+                <a:latin typeface="Monaco"/>
               </a:rPr>
               <a:t>neo4j$ </a:t>
             </a:r>
@@ -9825,6 +10459,7 @@
                   <a:srgbClr val="859900"/>
                 </a:solidFill>
                 <a:effectLst/>
+                <a:latin typeface="Monaco"/>
               </a:rPr>
               <a:t>match</a:t>
             </a:r>
@@ -9834,6 +10469,7 @@
                   <a:srgbClr val="586E75"/>
                 </a:solidFill>
                 <a:effectLst/>
+                <a:latin typeface="Monaco"/>
               </a:rPr>
               <a:t>(</a:t>
             </a:r>
@@ -9843,6 +10479,7 @@
                   <a:srgbClr val="333333"/>
                 </a:solidFill>
                 <a:effectLst/>
+                <a:latin typeface="Monaco"/>
               </a:rPr>
               <a:t>n</a:t>
             </a:r>
@@ -9852,6 +10489,7 @@
                   <a:srgbClr val="586E75"/>
                 </a:solidFill>
                 <a:effectLst/>
+                <a:latin typeface="Monaco"/>
               </a:rPr>
               <a:t>)</a:t>
             </a:r>
@@ -9861,6 +10499,7 @@
                   <a:srgbClr val="333333"/>
                 </a:solidFill>
                 <a:effectLst/>
+                <a:latin typeface="Monaco"/>
               </a:rPr>
               <a:t> </a:t>
             </a:r>
@@ -9870,6 +10509,7 @@
                   <a:srgbClr val="859900"/>
                 </a:solidFill>
                 <a:effectLst/>
+                <a:latin typeface="Monaco"/>
               </a:rPr>
               <a:t>return</a:t>
             </a:r>
@@ -9879,6 +10519,7 @@
                   <a:srgbClr val="333333"/>
                 </a:solidFill>
                 <a:effectLst/>
+                <a:latin typeface="Monaco"/>
               </a:rPr>
               <a:t> id</a:t>
             </a:r>
@@ -9888,6 +10529,7 @@
                   <a:srgbClr val="586E75"/>
                 </a:solidFill>
                 <a:effectLst/>
+                <a:latin typeface="Monaco"/>
               </a:rPr>
               <a:t>(</a:t>
             </a:r>
@@ -9897,6 +10539,7 @@
                   <a:srgbClr val="333333"/>
                 </a:solidFill>
                 <a:effectLst/>
+                <a:latin typeface="Monaco"/>
               </a:rPr>
               <a:t>n</a:t>
             </a:r>
@@ -9906,6 +10549,7 @@
                   <a:srgbClr val="586E75"/>
                 </a:solidFill>
                 <a:effectLst/>
+                <a:latin typeface="Monaco"/>
               </a:rPr>
               <a:t>) =</a:t>
             </a:r>
@@ -9915,6 +10559,7 @@
                   <a:srgbClr val="2AA198"/>
                 </a:solidFill>
                 <a:effectLst/>
+                <a:latin typeface="Monaco"/>
               </a:rPr>
               <a:t>1</a:t>
             </a:r>
@@ -9924,6 +10569,7 @@
                   <a:srgbClr val="333333"/>
                 </a:solidFill>
                 <a:effectLst/>
+                <a:latin typeface="Monaco"/>
               </a:rPr>
               <a:t> </a:t>
             </a:r>
@@ -9933,6 +10579,7 @@
                   <a:srgbClr val="859900"/>
                 </a:solidFill>
                 <a:effectLst/>
+                <a:latin typeface="Monaco"/>
               </a:rPr>
               <a:t>return</a:t>
             </a:r>
@@ -9942,6 +10589,7 @@
                   <a:srgbClr val="333333"/>
                 </a:solidFill>
                 <a:effectLst/>
+                <a:latin typeface="Monaco"/>
               </a:rPr>
               <a:t> n</a:t>
             </a:r>
@@ -9950,6 +10598,7 @@
                 <a:srgbClr val="000000"/>
               </a:solidFill>
               <a:effectLst/>
+              <a:latin typeface="Monaco"/>
             </a:endParaRPr>
           </a:p>
           <a:p>
@@ -9964,7 +10613,7 @@
                   <a:lumOff val="50000"/>
                 </a:schemeClr>
               </a:solidFill>
-              <a:latin typeface="Gill Sans MT (Body)"/>
+              <a:latin typeface="Monaco"/>
             </a:endParaRPr>
           </a:p>
           <a:p>
@@ -9980,7 +10629,7 @@
                     <a:lumOff val="50000"/>
                   </a:schemeClr>
                 </a:solidFill>
-                <a:latin typeface="Gill Sans MT (Body)"/>
+                <a:latin typeface="Monaco"/>
               </a:rPr>
               <a:t>neo4j$ </a:t>
             </a:r>
@@ -9990,6 +10639,7 @@
                   <a:srgbClr val="859900"/>
                 </a:solidFill>
                 <a:effectLst/>
+                <a:latin typeface="Monaco"/>
               </a:rPr>
               <a:t>match</a:t>
             </a:r>
@@ -9999,6 +10649,7 @@
                   <a:srgbClr val="586E75"/>
                 </a:solidFill>
                 <a:effectLst/>
+                <a:latin typeface="Monaco"/>
               </a:rPr>
               <a:t>(</a:t>
             </a:r>
@@ -10008,6 +10659,7 @@
                   <a:srgbClr val="333333"/>
                 </a:solidFill>
                 <a:effectLst/>
+                <a:latin typeface="Monaco"/>
               </a:rPr>
               <a:t>n</a:t>
             </a:r>
@@ -10017,6 +10669,7 @@
                   <a:srgbClr val="586E75"/>
                 </a:solidFill>
                 <a:effectLst/>
+                <a:latin typeface="Monaco"/>
               </a:rPr>
               <a:t>)</a:t>
             </a:r>
@@ -10026,6 +10679,7 @@
                   <a:srgbClr val="333333"/>
                 </a:solidFill>
                 <a:effectLst/>
+                <a:latin typeface="Monaco"/>
               </a:rPr>
               <a:t> </a:t>
             </a:r>
@@ -10035,6 +10689,7 @@
                   <a:srgbClr val="859900"/>
                 </a:solidFill>
                 <a:effectLst/>
+                <a:latin typeface="Monaco"/>
               </a:rPr>
               <a:t>where</a:t>
             </a:r>
@@ -10044,6 +10699,7 @@
                   <a:srgbClr val="333333"/>
                 </a:solidFill>
                 <a:effectLst/>
+                <a:latin typeface="Monaco"/>
               </a:rPr>
               <a:t> id</a:t>
             </a:r>
@@ -10053,6 +10709,7 @@
                   <a:srgbClr val="586E75"/>
                 </a:solidFill>
                 <a:effectLst/>
+                <a:latin typeface="Monaco"/>
               </a:rPr>
               <a:t>(</a:t>
             </a:r>
@@ -10062,6 +10719,7 @@
                   <a:srgbClr val="333333"/>
                 </a:solidFill>
                 <a:effectLst/>
+                <a:latin typeface="Monaco"/>
               </a:rPr>
               <a:t>n</a:t>
             </a:r>
@@ -10071,6 +10729,7 @@
                   <a:srgbClr val="586E75"/>
                 </a:solidFill>
                 <a:effectLst/>
+                <a:latin typeface="Monaco"/>
               </a:rPr>
               <a:t>)=</a:t>
             </a:r>
@@ -10080,6 +10739,7 @@
                   <a:srgbClr val="2AA198"/>
                 </a:solidFill>
                 <a:effectLst/>
+                <a:latin typeface="Monaco"/>
               </a:rPr>
               <a:t>0</a:t>
             </a:r>
@@ -10089,6 +10749,7 @@
                   <a:srgbClr val="333333"/>
                 </a:solidFill>
                 <a:effectLst/>
+                <a:latin typeface="Monaco"/>
               </a:rPr>
               <a:t> </a:t>
             </a:r>
@@ -10098,6 +10759,7 @@
                   <a:srgbClr val="859900"/>
                 </a:solidFill>
                 <a:effectLst/>
+                <a:latin typeface="Monaco"/>
               </a:rPr>
               <a:t>or</a:t>
             </a:r>
@@ -10107,6 +10769,7 @@
                   <a:srgbClr val="333333"/>
                 </a:solidFill>
                 <a:effectLst/>
+                <a:latin typeface="Monaco"/>
               </a:rPr>
               <a:t> id</a:t>
             </a:r>
@@ -10116,6 +10779,7 @@
                   <a:srgbClr val="586E75"/>
                 </a:solidFill>
                 <a:effectLst/>
+                <a:latin typeface="Monaco"/>
               </a:rPr>
               <a:t>(</a:t>
             </a:r>
@@ -10125,6 +10789,7 @@
                   <a:srgbClr val="333333"/>
                 </a:solidFill>
                 <a:effectLst/>
+                <a:latin typeface="Monaco"/>
               </a:rPr>
               <a:t>n</a:t>
             </a:r>
@@ -10134,6 +10799,7 @@
                   <a:srgbClr val="586E75"/>
                 </a:solidFill>
                 <a:effectLst/>
+                <a:latin typeface="Monaco"/>
               </a:rPr>
               <a:t>)=</a:t>
             </a:r>
@@ -10143,6 +10809,7 @@
                   <a:srgbClr val="2AA198"/>
                 </a:solidFill>
                 <a:effectLst/>
+                <a:latin typeface="Monaco"/>
               </a:rPr>
               <a:t>2</a:t>
             </a:r>
@@ -10152,6 +10819,7 @@
                   <a:srgbClr val="333333"/>
                 </a:solidFill>
                 <a:effectLst/>
+                <a:latin typeface="Monaco"/>
               </a:rPr>
               <a:t> </a:t>
             </a:r>
@@ -10161,6 +10829,7 @@
                   <a:srgbClr val="859900"/>
                 </a:solidFill>
                 <a:effectLst/>
+                <a:latin typeface="Monaco"/>
               </a:rPr>
               <a:t>or</a:t>
             </a:r>
@@ -10170,6 +10839,7 @@
                   <a:srgbClr val="333333"/>
                 </a:solidFill>
                 <a:effectLst/>
+                <a:latin typeface="Monaco"/>
               </a:rPr>
               <a:t> id</a:t>
             </a:r>
@@ -10179,6 +10849,7 @@
                   <a:srgbClr val="586E75"/>
                 </a:solidFill>
                 <a:effectLst/>
+                <a:latin typeface="Monaco"/>
               </a:rPr>
               <a:t>(</a:t>
             </a:r>
@@ -10188,6 +10859,7 @@
                   <a:srgbClr val="333333"/>
                 </a:solidFill>
                 <a:effectLst/>
+                <a:latin typeface="Monaco"/>
               </a:rPr>
               <a:t>n</a:t>
             </a:r>
@@ -10197,6 +10869,7 @@
                   <a:srgbClr val="586E75"/>
                 </a:solidFill>
                 <a:effectLst/>
+                <a:latin typeface="Monaco"/>
               </a:rPr>
               <a:t>)=</a:t>
             </a:r>
@@ -10206,6 +10879,7 @@
                   <a:srgbClr val="2AA198"/>
                 </a:solidFill>
                 <a:effectLst/>
+                <a:latin typeface="Monaco"/>
               </a:rPr>
               <a:t>3</a:t>
             </a:r>
@@ -10215,6 +10889,7 @@
                   <a:srgbClr val="333333"/>
                 </a:solidFill>
                 <a:effectLst/>
+                <a:latin typeface="Monaco"/>
               </a:rPr>
               <a:t> </a:t>
             </a:r>
@@ -10224,6 +10899,7 @@
                   <a:srgbClr val="859900"/>
                 </a:solidFill>
                 <a:effectLst/>
+                <a:latin typeface="Monaco"/>
               </a:rPr>
               <a:t>return</a:t>
             </a:r>
@@ -10233,6 +10909,7 @@
                   <a:srgbClr val="333333"/>
                 </a:solidFill>
                 <a:effectLst/>
+                <a:latin typeface="Monaco"/>
               </a:rPr>
               <a:t> n</a:t>
             </a:r>
@@ -10241,6 +10918,7 @@
                 <a:srgbClr val="000000"/>
               </a:solidFill>
               <a:effectLst/>
+              <a:latin typeface="Monaco"/>
             </a:endParaRPr>
           </a:p>
           <a:p>
@@ -10252,6 +10930,7 @@
               <a:solidFill>
                 <a:srgbClr val="333333"/>
               </a:solidFill>
+              <a:latin typeface="Monaco"/>
             </a:endParaRPr>
           </a:p>
           <a:p>
@@ -10267,7 +10946,7 @@
                     <a:lumOff val="50000"/>
                   </a:schemeClr>
                 </a:solidFill>
-                <a:latin typeface="Gill Sans MT (Body)"/>
+                <a:latin typeface="Monaco"/>
               </a:rPr>
               <a:t>neo4j$ </a:t>
             </a:r>
@@ -10277,6 +10956,7 @@
                   <a:srgbClr val="859900"/>
                 </a:solidFill>
                 <a:effectLst/>
+                <a:latin typeface="Monaco"/>
               </a:rPr>
               <a:t>match</a:t>
             </a:r>
@@ -10286,6 +10966,7 @@
                   <a:srgbClr val="586E75"/>
                 </a:solidFill>
                 <a:effectLst/>
+                <a:latin typeface="Monaco"/>
               </a:rPr>
               <a:t>(</a:t>
             </a:r>
@@ -10295,6 +10976,7 @@
                   <a:srgbClr val="333333"/>
                 </a:solidFill>
                 <a:effectLst/>
+                <a:latin typeface="Monaco"/>
               </a:rPr>
               <a:t>n</a:t>
             </a:r>
@@ -10304,6 +10986,7 @@
                   <a:srgbClr val="586E75"/>
                 </a:solidFill>
                 <a:effectLst/>
+                <a:latin typeface="Monaco"/>
               </a:rPr>
               <a:t>)</a:t>
             </a:r>
@@ -10313,6 +10996,7 @@
                   <a:srgbClr val="333333"/>
                 </a:solidFill>
                 <a:effectLst/>
+                <a:latin typeface="Monaco"/>
               </a:rPr>
               <a:t> </a:t>
             </a:r>
@@ -10322,6 +11006,7 @@
                   <a:srgbClr val="859900"/>
                 </a:solidFill>
                 <a:effectLst/>
+                <a:latin typeface="Monaco"/>
               </a:rPr>
               <a:t>where</a:t>
             </a:r>
@@ -10331,6 +11016,7 @@
                   <a:srgbClr val="333333"/>
                 </a:solidFill>
                 <a:effectLst/>
+                <a:latin typeface="Monaco"/>
               </a:rPr>
               <a:t> id</a:t>
             </a:r>
@@ -10340,6 +11026,7 @@
                   <a:srgbClr val="586E75"/>
                 </a:solidFill>
                 <a:effectLst/>
+                <a:latin typeface="Monaco"/>
               </a:rPr>
               <a:t>(</a:t>
             </a:r>
@@ -10349,6 +11036,7 @@
                   <a:srgbClr val="333333"/>
                 </a:solidFill>
                 <a:effectLst/>
+                <a:latin typeface="Monaco"/>
               </a:rPr>
               <a:t>n</a:t>
             </a:r>
@@ -10358,6 +11046,7 @@
                   <a:srgbClr val="586E75"/>
                 </a:solidFill>
                 <a:effectLst/>
+                <a:latin typeface="Monaco"/>
               </a:rPr>
               <a:t>)</a:t>
             </a:r>
@@ -10367,6 +11056,7 @@
                   <a:srgbClr val="333333"/>
                 </a:solidFill>
                 <a:effectLst/>
+                <a:latin typeface="Monaco"/>
               </a:rPr>
               <a:t> </a:t>
             </a:r>
@@ -10376,6 +11066,7 @@
                   <a:srgbClr val="859900"/>
                 </a:solidFill>
                 <a:effectLst/>
+                <a:latin typeface="Monaco"/>
               </a:rPr>
               <a:t>in</a:t>
             </a:r>
@@ -10385,6 +11076,7 @@
                   <a:srgbClr val="333333"/>
                 </a:solidFill>
                 <a:effectLst/>
+                <a:latin typeface="Monaco"/>
               </a:rPr>
               <a:t> </a:t>
             </a:r>
@@ -10394,6 +11086,7 @@
                   <a:srgbClr val="586E75"/>
                 </a:solidFill>
                 <a:effectLst/>
+                <a:latin typeface="Monaco"/>
               </a:rPr>
               <a:t>[ </a:t>
             </a:r>
@@ -10403,6 +11096,7 @@
                   <a:srgbClr val="2AA198"/>
                 </a:solidFill>
                 <a:effectLst/>
+                <a:latin typeface="Monaco"/>
               </a:rPr>
               <a:t>0</a:t>
             </a:r>
@@ -10412,6 +11106,7 @@
                   <a:srgbClr val="586E75"/>
                 </a:solidFill>
                 <a:effectLst/>
+                <a:latin typeface="Monaco"/>
               </a:rPr>
               <a:t>, </a:t>
             </a:r>
@@ -10421,6 +11116,7 @@
                   <a:srgbClr val="2AA198"/>
                 </a:solidFill>
                 <a:effectLst/>
+                <a:latin typeface="Monaco"/>
               </a:rPr>
               <a:t>2</a:t>
             </a:r>
@@ -10430,6 +11126,7 @@
                   <a:srgbClr val="586E75"/>
                 </a:solidFill>
                 <a:effectLst/>
+                <a:latin typeface="Monaco"/>
               </a:rPr>
               <a:t>, </a:t>
             </a:r>
@@ -10439,6 +11136,7 @@
                   <a:srgbClr val="2AA198"/>
                 </a:solidFill>
                 <a:effectLst/>
+                <a:latin typeface="Monaco"/>
               </a:rPr>
               <a:t>3 </a:t>
             </a:r>
@@ -10448,6 +11146,7 @@
                   <a:srgbClr val="586E75"/>
                 </a:solidFill>
                 <a:effectLst/>
+                <a:latin typeface="Monaco"/>
               </a:rPr>
               <a:t>]</a:t>
             </a:r>
@@ -10457,6 +11156,7 @@
                   <a:srgbClr val="333333"/>
                 </a:solidFill>
                 <a:effectLst/>
+                <a:latin typeface="Monaco"/>
               </a:rPr>
               <a:t> </a:t>
             </a:r>
@@ -10466,6 +11166,7 @@
                   <a:srgbClr val="859900"/>
                 </a:solidFill>
                 <a:effectLst/>
+                <a:latin typeface="Monaco"/>
               </a:rPr>
               <a:t>return</a:t>
             </a:r>
@@ -10475,6 +11176,7 @@
                   <a:srgbClr val="333333"/>
                 </a:solidFill>
                 <a:effectLst/>
+                <a:latin typeface="Monaco"/>
               </a:rPr>
               <a:t> n</a:t>
             </a:r>
@@ -10820,7 +11522,7 @@
                     <a:lumOff val="50000"/>
                   </a:schemeClr>
                 </a:solidFill>
-                <a:latin typeface="Gill Sans MT (Body)"/>
+                <a:latin typeface="Monaco"/>
               </a:rPr>
               <a:t>neo4j$ </a:t>
             </a:r>
@@ -10830,6 +11532,7 @@
                   <a:srgbClr val="859900"/>
                 </a:solidFill>
                 <a:effectLst/>
+                <a:latin typeface="Monaco"/>
               </a:rPr>
               <a:t>match</a:t>
             </a:r>
@@ -10839,6 +11542,7 @@
                   <a:srgbClr val="586E75"/>
                 </a:solidFill>
                 <a:effectLst/>
+                <a:latin typeface="Monaco"/>
               </a:rPr>
               <a:t>(</a:t>
             </a:r>
@@ -10848,6 +11552,7 @@
                   <a:srgbClr val="333333"/>
                 </a:solidFill>
                 <a:effectLst/>
+                <a:latin typeface="Monaco"/>
               </a:rPr>
               <a:t>n</a:t>
             </a:r>
@@ -10857,6 +11562,7 @@
                   <a:srgbClr val="586E75"/>
                 </a:solidFill>
                 <a:effectLst/>
+                <a:latin typeface="Monaco"/>
               </a:rPr>
               <a:t>)</a:t>
             </a:r>
@@ -10866,6 +11572,7 @@
                   <a:srgbClr val="333333"/>
                 </a:solidFill>
                 <a:effectLst/>
+                <a:latin typeface="Monaco"/>
               </a:rPr>
               <a:t> </a:t>
             </a:r>
@@ -10875,6 +11582,7 @@
                   <a:srgbClr val="859900"/>
                 </a:solidFill>
                 <a:effectLst/>
+                <a:latin typeface="Monaco"/>
               </a:rPr>
               <a:t>where</a:t>
             </a:r>
@@ -10884,6 +11592,7 @@
                   <a:srgbClr val="333333"/>
                 </a:solidFill>
                 <a:effectLst/>
+                <a:latin typeface="Monaco"/>
               </a:rPr>
               <a:t> n</a:t>
             </a:r>
@@ -10893,6 +11602,7 @@
                   <a:srgbClr val="586E75"/>
                 </a:solidFill>
                 <a:effectLst/>
+                <a:latin typeface="Monaco"/>
               </a:rPr>
               <a:t>.</a:t>
             </a:r>
@@ -10902,6 +11612,7 @@
                   <a:srgbClr val="333333"/>
                 </a:solidFill>
                 <a:effectLst/>
+                <a:latin typeface="Monaco"/>
               </a:rPr>
               <a:t>name </a:t>
             </a:r>
@@ -10911,6 +11622,7 @@
                   <a:srgbClr val="586E75"/>
                 </a:solidFill>
                 <a:effectLst/>
+                <a:latin typeface="Monaco"/>
               </a:rPr>
               <a:t>=</a:t>
             </a:r>
@@ -10920,6 +11632,7 @@
                   <a:srgbClr val="B58900"/>
                 </a:solidFill>
                 <a:effectLst/>
+                <a:latin typeface="Monaco"/>
               </a:rPr>
               <a:t>'ruhan'</a:t>
             </a:r>
@@ -10929,6 +11642,7 @@
                   <a:srgbClr val="333333"/>
                 </a:solidFill>
                 <a:effectLst/>
+                <a:latin typeface="Monaco"/>
               </a:rPr>
               <a:t> </a:t>
             </a:r>
@@ -10938,6 +11652,7 @@
                   <a:srgbClr val="859900"/>
                 </a:solidFill>
                 <a:effectLst/>
+                <a:latin typeface="Monaco"/>
               </a:rPr>
               <a:t>return</a:t>
             </a:r>
@@ -10947,6 +11662,7 @@
                   <a:srgbClr val="333333"/>
                 </a:solidFill>
                 <a:effectLst/>
+                <a:latin typeface="Monaco"/>
               </a:rPr>
               <a:t> n</a:t>
             </a:r>
@@ -10961,6 +11677,7 @@
                 <a:srgbClr val="000000"/>
               </a:solidFill>
               <a:effectLst/>
+              <a:latin typeface="Monaco"/>
             </a:endParaRPr>
           </a:p>
           <a:p>
@@ -10976,7 +11693,7 @@
                     <a:lumOff val="50000"/>
                   </a:schemeClr>
                 </a:solidFill>
-                <a:latin typeface="Gill Sans MT (Body)"/>
+                <a:latin typeface="Monaco"/>
               </a:rPr>
               <a:t>neo4j$ </a:t>
             </a:r>
@@ -10986,6 +11703,7 @@
                   <a:srgbClr val="859900"/>
                 </a:solidFill>
                 <a:effectLst/>
+                <a:latin typeface="Monaco"/>
               </a:rPr>
               <a:t>match</a:t>
             </a:r>
@@ -10995,6 +11713,7 @@
                   <a:srgbClr val="586E75"/>
                 </a:solidFill>
                 <a:effectLst/>
+                <a:latin typeface="Monaco"/>
               </a:rPr>
               <a:t>(</a:t>
             </a:r>
@@ -11004,6 +11723,7 @@
                   <a:srgbClr val="333333"/>
                 </a:solidFill>
                 <a:effectLst/>
+                <a:latin typeface="Monaco"/>
               </a:rPr>
               <a:t>n</a:t>
             </a:r>
@@ -11013,6 +11733,7 @@
                   <a:srgbClr val="586E75"/>
                 </a:solidFill>
                 <a:effectLst/>
+                <a:latin typeface="Monaco"/>
               </a:rPr>
               <a:t>{</a:t>
             </a:r>
@@ -11022,6 +11743,7 @@
                   <a:srgbClr val="333333"/>
                 </a:solidFill>
                 <a:effectLst/>
+                <a:latin typeface="Monaco"/>
               </a:rPr>
               <a:t>name</a:t>
             </a:r>
@@ -11031,6 +11753,7 @@
                   <a:srgbClr val="586E75"/>
                 </a:solidFill>
                 <a:effectLst/>
+                <a:latin typeface="Monaco"/>
               </a:rPr>
               <a:t>:</a:t>
             </a:r>
@@ -11040,6 +11763,7 @@
                   <a:srgbClr val="B58900"/>
                 </a:solidFill>
                 <a:effectLst/>
+                <a:latin typeface="Monaco"/>
               </a:rPr>
               <a:t>'ruhan'</a:t>
             </a:r>
@@ -11049,6 +11773,7 @@
                   <a:srgbClr val="586E75"/>
                 </a:solidFill>
                 <a:effectLst/>
+                <a:latin typeface="Monaco"/>
               </a:rPr>
               <a:t>})</a:t>
             </a:r>
@@ -11058,6 +11783,7 @@
                   <a:srgbClr val="333333"/>
                 </a:solidFill>
                 <a:effectLst/>
+                <a:latin typeface="Monaco"/>
               </a:rPr>
               <a:t> </a:t>
             </a:r>
@@ -11067,6 +11793,7 @@
                   <a:srgbClr val="859900"/>
                 </a:solidFill>
                 <a:effectLst/>
+                <a:latin typeface="Monaco"/>
               </a:rPr>
               <a:t>return</a:t>
             </a:r>
@@ -11076,6 +11803,7 @@
                   <a:srgbClr val="333333"/>
                 </a:solidFill>
                 <a:effectLst/>
+                <a:latin typeface="Monaco"/>
               </a:rPr>
               <a:t> n</a:t>
             </a:r>
@@ -11089,6 +11817,7 @@
               <a:solidFill>
                 <a:srgbClr val="333333"/>
               </a:solidFill>
+              <a:latin typeface="Monaco"/>
             </a:endParaRPr>
           </a:p>
           <a:p>
@@ -11104,7 +11833,7 @@
                     <a:lumOff val="50000"/>
                   </a:schemeClr>
                 </a:solidFill>
-                <a:latin typeface="Gill Sans MT (Body)"/>
+                <a:latin typeface="Monaco"/>
               </a:rPr>
               <a:t>neo4j$ </a:t>
             </a:r>
@@ -11114,6 +11843,7 @@
                   <a:srgbClr val="859900"/>
                 </a:solidFill>
                 <a:effectLst/>
+                <a:latin typeface="Monaco"/>
               </a:rPr>
               <a:t>match</a:t>
             </a:r>
@@ -11123,6 +11853,7 @@
                   <a:srgbClr val="586E75"/>
                 </a:solidFill>
                 <a:effectLst/>
+                <a:latin typeface="Monaco"/>
               </a:rPr>
               <a:t>(</a:t>
             </a:r>
@@ -11132,6 +11863,7 @@
                   <a:srgbClr val="333333"/>
                 </a:solidFill>
                 <a:effectLst/>
+                <a:latin typeface="Monaco"/>
               </a:rPr>
               <a:t>n</a:t>
             </a:r>
@@ -11141,6 +11873,7 @@
                   <a:srgbClr val="586E75"/>
                 </a:solidFill>
                 <a:effectLst/>
+                <a:latin typeface="Monaco"/>
               </a:rPr>
               <a:t>{</a:t>
             </a:r>
@@ -11150,6 +11883,7 @@
                   <a:srgbClr val="333333"/>
                 </a:solidFill>
                 <a:effectLst/>
+                <a:latin typeface="Monaco"/>
               </a:rPr>
               <a:t>name</a:t>
             </a:r>
@@ -11159,6 +11893,7 @@
                   <a:srgbClr val="586E75"/>
                 </a:solidFill>
                 <a:effectLst/>
+                <a:latin typeface="Monaco"/>
               </a:rPr>
               <a:t>:</a:t>
             </a:r>
@@ -11168,6 +11903,7 @@
                   <a:srgbClr val="B58900"/>
                 </a:solidFill>
                 <a:effectLst/>
+                <a:latin typeface="Monaco"/>
               </a:rPr>
               <a:t>'ruhan'</a:t>
             </a:r>
@@ -11177,6 +11913,7 @@
                   <a:srgbClr val="586E75"/>
                 </a:solidFill>
                 <a:effectLst/>
+                <a:latin typeface="Monaco"/>
               </a:rPr>
               <a:t>,</a:t>
             </a:r>
@@ -11186,6 +11923,7 @@
                   <a:srgbClr val="333333"/>
                 </a:solidFill>
                 <a:effectLst/>
+                <a:latin typeface="Monaco"/>
               </a:rPr>
               <a:t> Salary</a:t>
             </a:r>
@@ -11195,6 +11933,7 @@
                   <a:srgbClr val="586E75"/>
                 </a:solidFill>
                 <a:effectLst/>
+                <a:latin typeface="Monaco"/>
               </a:rPr>
               <a:t>:</a:t>
             </a:r>
@@ -11204,6 +11943,7 @@
                   <a:srgbClr val="2AA198"/>
                 </a:solidFill>
                 <a:effectLst/>
+                <a:latin typeface="Monaco"/>
               </a:rPr>
               <a:t>32000</a:t>
             </a:r>
@@ -11213,6 +11953,7 @@
                   <a:srgbClr val="586E75"/>
                 </a:solidFill>
                 <a:effectLst/>
+                <a:latin typeface="Monaco"/>
               </a:rPr>
               <a:t>})</a:t>
             </a:r>
@@ -11222,6 +11963,7 @@
                   <a:srgbClr val="333333"/>
                 </a:solidFill>
                 <a:effectLst/>
+                <a:latin typeface="Monaco"/>
               </a:rPr>
               <a:t> </a:t>
             </a:r>
@@ -11231,6 +11973,7 @@
                   <a:srgbClr val="859900"/>
                 </a:solidFill>
                 <a:effectLst/>
+                <a:latin typeface="Monaco"/>
               </a:rPr>
               <a:t>return</a:t>
             </a:r>
@@ -11240,6 +11983,7 @@
                   <a:srgbClr val="333333"/>
                 </a:solidFill>
                 <a:effectLst/>
+                <a:latin typeface="Monaco"/>
               </a:rPr>
               <a:t> n</a:t>
             </a:r>
@@ -11248,6 +11992,7 @@
                 <a:srgbClr val="000000"/>
               </a:solidFill>
               <a:effectLst/>
+              <a:latin typeface="Monaco"/>
             </a:endParaRPr>
           </a:p>
         </p:txBody>
@@ -11285,7 +12030,7 @@
                 <a:solidFill>
                   <a:srgbClr val="0070C0"/>
                 </a:solidFill>
-                <a:latin typeface="Consolas" panose="020B0609020204030204" pitchFamily="49" charset="0"/>
+                <a:latin typeface="Roboto Mono"/>
                 <a:cs typeface="Arial" panose="020B0604020202020204" pitchFamily="34" charset="0"/>
               </a:rPr>
               <a:t>MATCH(n</a:t>
@@ -11295,7 +12040,7 @@
                 <a:solidFill>
                   <a:srgbClr val="0070C0"/>
                 </a:solidFill>
-                <a:latin typeface="Consolas" panose="020B0609020204030204" pitchFamily="49" charset="0"/>
+                <a:latin typeface="Roboto Mono"/>
                 <a:cs typeface="Arial" panose="020B0604020202020204" pitchFamily="34" charset="0"/>
               </a:rPr>
               <a:t>:label_name </a:t>
@@ -11305,7 +12050,7 @@
                 <a:solidFill>
                   <a:srgbClr val="0070C0"/>
                 </a:solidFill>
-                <a:latin typeface="Consolas" panose="020B0609020204030204" pitchFamily="49" charset="0"/>
+                <a:latin typeface="Roboto Mono"/>
                 <a:cs typeface="Arial" panose="020B0604020202020204" pitchFamily="34" charset="0"/>
               </a:rPr>
               <a:t>{ </a:t>
@@ -11315,7 +12060,7 @@
                 <a:solidFill>
                   <a:srgbClr val="0070C0"/>
                 </a:solidFill>
-                <a:latin typeface="Consolas" panose="020B0609020204030204" pitchFamily="49" charset="0"/>
+                <a:latin typeface="Roboto Mono"/>
                 <a:cs typeface="Arial" panose="020B0604020202020204" pitchFamily="34" charset="0"/>
               </a:rPr>
               <a:t>key1: value, key2: value, ... </a:t>
@@ -11325,7 +12070,7 @@
                 <a:solidFill>
                   <a:srgbClr val="0070C0"/>
                 </a:solidFill>
-                <a:latin typeface="Consolas" panose="020B0609020204030204" pitchFamily="49" charset="0"/>
+                <a:latin typeface="Roboto Mono"/>
                 <a:cs typeface="Arial" panose="020B0604020202020204" pitchFamily="34" charset="0"/>
               </a:rPr>
               <a:t>}) RETURN n </a:t>
@@ -11334,7 +12079,7 @@
               <a:solidFill>
                 <a:srgbClr val="0070C0"/>
               </a:solidFill>
-              <a:latin typeface="Consolas" panose="020B0609020204030204" pitchFamily="49" charset="0"/>
+              <a:latin typeface="Roboto Mono"/>
               <a:cs typeface="Arial" panose="020B0604020202020204" pitchFamily="34" charset="0"/>
             </a:endParaRPr>
           </a:p>
@@ -11605,7 +12350,7 @@
                 <a:solidFill>
                   <a:srgbClr val="0070C0"/>
                 </a:solidFill>
-                <a:latin typeface="Consolas" panose="020B0609020204030204" pitchFamily="49" charset="0"/>
+                <a:latin typeface="Roboto Mono"/>
                 <a:cs typeface="Arial" panose="020B0604020202020204" pitchFamily="34" charset="0"/>
               </a:rPr>
               <a:t>TODO</a:t>
@@ -11653,7 +12398,7 @@
                     <a:lumOff val="50000"/>
                   </a:schemeClr>
                 </a:solidFill>
-                <a:latin typeface="Gill Sans MT (Body)"/>
+                <a:latin typeface="Monaco"/>
               </a:rPr>
               <a:t>neo4j$ </a:t>
             </a:r>
@@ -11663,6 +12408,7 @@
                   <a:srgbClr val="859900"/>
                 </a:solidFill>
                 <a:effectLst/>
+                <a:latin typeface="Monaco"/>
               </a:rPr>
               <a:t>match</a:t>
             </a:r>
@@ -11672,6 +12418,7 @@
                   <a:srgbClr val="586E75"/>
                 </a:solidFill>
                 <a:effectLst/>
+                <a:latin typeface="Monaco"/>
               </a:rPr>
               <a:t>(</a:t>
             </a:r>
@@ -11681,6 +12428,7 @@
                   <a:srgbClr val="333333"/>
                 </a:solidFill>
                 <a:effectLst/>
+                <a:latin typeface="Monaco"/>
               </a:rPr>
               <a:t>n</a:t>
             </a:r>
@@ -11690,6 +12438,7 @@
                   <a:srgbClr val="586E75"/>
                 </a:solidFill>
                 <a:effectLst/>
+                <a:latin typeface="Monaco"/>
               </a:rPr>
               <a:t>:</a:t>
             </a:r>
@@ -11699,6 +12448,7 @@
                   <a:srgbClr val="333333"/>
                 </a:solidFill>
                 <a:effectLst/>
+                <a:latin typeface="Monaco"/>
               </a:rPr>
               <a:t>book</a:t>
             </a:r>
@@ -11708,6 +12458,7 @@
                   <a:srgbClr val="586E75"/>
                 </a:solidFill>
                 <a:effectLst/>
+                <a:latin typeface="Monaco"/>
               </a:rPr>
               <a:t>)</a:t>
             </a:r>
@@ -11717,6 +12468,7 @@
                   <a:srgbClr val="333333"/>
                 </a:solidFill>
                 <a:effectLst/>
+                <a:latin typeface="Monaco"/>
               </a:rPr>
               <a:t> </a:t>
             </a:r>
@@ -11726,6 +12478,7 @@
                   <a:srgbClr val="859900"/>
                 </a:solidFill>
                 <a:effectLst/>
+                <a:latin typeface="Monaco"/>
               </a:rPr>
               <a:t>return</a:t>
             </a:r>
@@ -11735,6 +12488,7 @@
                   <a:srgbClr val="333333"/>
                 </a:solidFill>
                 <a:effectLst/>
+                <a:latin typeface="Monaco"/>
               </a:rPr>
               <a:t> n</a:t>
             </a:r>
@@ -11744,6 +12498,7 @@
                   <a:srgbClr val="586E75"/>
                 </a:solidFill>
                 <a:effectLst/>
+                <a:latin typeface="Monaco"/>
               </a:rPr>
               <a:t>.</a:t>
             </a:r>
@@ -11753,6 +12508,7 @@
                   <a:srgbClr val="333333"/>
                 </a:solidFill>
                 <a:effectLst/>
+                <a:latin typeface="Monaco"/>
               </a:rPr>
               <a:t>name </a:t>
             </a:r>
@@ -11762,6 +12518,7 @@
                   <a:srgbClr val="859900"/>
                 </a:solidFill>
                 <a:effectLst/>
+                <a:latin typeface="Monaco"/>
               </a:rPr>
               <a:t>as</a:t>
             </a:r>
@@ -11771,6 +12528,7 @@
                   <a:srgbClr val="333333"/>
                 </a:solidFill>
                 <a:effectLst/>
+                <a:latin typeface="Monaco"/>
               </a:rPr>
               <a:t> `Book Names`</a:t>
             </a:r>
@@ -11780,6 +12538,7 @@
                   <a:srgbClr val="586E75"/>
                 </a:solidFill>
                 <a:effectLst/>
+                <a:latin typeface="Monaco"/>
               </a:rPr>
               <a:t>,</a:t>
             </a:r>
@@ -11789,6 +12548,7 @@
                   <a:srgbClr val="333333"/>
                 </a:solidFill>
                 <a:effectLst/>
+                <a:latin typeface="Monaco"/>
               </a:rPr>
               <a:t> n</a:t>
             </a:r>
@@ -11798,6 +12558,7 @@
                   <a:srgbClr val="586E75"/>
                 </a:solidFill>
                 <a:effectLst/>
+                <a:latin typeface="Monaco"/>
               </a:rPr>
               <a:t>.</a:t>
             </a:r>
@@ -11807,6 +12568,7 @@
                   <a:srgbClr val="333333"/>
                 </a:solidFill>
                 <a:effectLst/>
+                <a:latin typeface="Monaco"/>
               </a:rPr>
               <a:t>price  </a:t>
             </a:r>
@@ -11816,6 +12578,7 @@
                   <a:srgbClr val="859900"/>
                 </a:solidFill>
                 <a:effectLst/>
+                <a:latin typeface="Monaco"/>
               </a:rPr>
               <a:t>as</a:t>
             </a:r>
@@ -11825,6 +12588,7 @@
                   <a:srgbClr val="333333"/>
                 </a:solidFill>
                 <a:effectLst/>
+                <a:latin typeface="Monaco"/>
               </a:rPr>
               <a:t> `Price`</a:t>
             </a:r>
@@ -11833,6 +12597,7 @@
                 <a:srgbClr val="000000"/>
               </a:solidFill>
               <a:effectLst/>
+              <a:latin typeface="Monaco"/>
             </a:endParaRPr>
           </a:p>
           <a:p>
@@ -11846,7 +12611,7 @@
                   <a:lumMod val="50000"/>
                 </a:schemeClr>
               </a:solidFill>
-              <a:latin typeface="Gill Sans MT (Body)"/>
+              <a:latin typeface="Monaco"/>
             </a:endParaRPr>
           </a:p>
           <a:p>
@@ -11862,7 +12627,7 @@
                     <a:lumOff val="50000"/>
                   </a:schemeClr>
                 </a:solidFill>
-                <a:latin typeface="Gill Sans MT (Body)"/>
+                <a:latin typeface="Monaco"/>
               </a:rPr>
               <a:t>neo4j$ </a:t>
             </a:r>
@@ -11872,6 +12637,7 @@
                   <a:srgbClr val="859900"/>
                 </a:solidFill>
                 <a:effectLst/>
+                <a:latin typeface="Monaco"/>
               </a:rPr>
               <a:t>match</a:t>
             </a:r>
@@ -11881,6 +12647,7 @@
                   <a:srgbClr val="586E75"/>
                 </a:solidFill>
                 <a:effectLst/>
+                <a:latin typeface="Monaco"/>
               </a:rPr>
               <a:t>(</a:t>
             </a:r>
@@ -11890,6 +12657,7 @@
                   <a:srgbClr val="333333"/>
                 </a:solidFill>
                 <a:effectLst/>
+                <a:latin typeface="Monaco"/>
               </a:rPr>
               <a:t>n</a:t>
             </a:r>
@@ -11899,6 +12667,7 @@
                   <a:srgbClr val="586E75"/>
                 </a:solidFill>
                 <a:effectLst/>
+                <a:latin typeface="Monaco"/>
               </a:rPr>
               <a:t>:</a:t>
             </a:r>
@@ -11908,6 +12677,7 @@
                   <a:srgbClr val="333333"/>
                 </a:solidFill>
                 <a:effectLst/>
+                <a:latin typeface="Monaco"/>
               </a:rPr>
               <a:t>book</a:t>
             </a:r>
@@ -11917,6 +12687,7 @@
                   <a:srgbClr val="586E75"/>
                 </a:solidFill>
                 <a:effectLst/>
+                <a:latin typeface="Monaco"/>
               </a:rPr>
               <a:t>)</a:t>
             </a:r>
@@ -11926,6 +12697,7 @@
                   <a:srgbClr val="333333"/>
                 </a:solidFill>
                 <a:effectLst/>
+                <a:latin typeface="Monaco"/>
               </a:rPr>
               <a:t> </a:t>
             </a:r>
@@ -11935,6 +12707,7 @@
                   <a:srgbClr val="859900"/>
                 </a:solidFill>
                 <a:effectLst/>
+                <a:latin typeface="Monaco"/>
               </a:rPr>
               <a:t>return</a:t>
             </a:r>
@@ -11944,6 +12717,7 @@
                   <a:srgbClr val="333333"/>
                 </a:solidFill>
                 <a:effectLst/>
+                <a:latin typeface="Monaco"/>
               </a:rPr>
               <a:t> n</a:t>
             </a:r>
@@ -11953,6 +12727,7 @@
                   <a:srgbClr val="586E75"/>
                 </a:solidFill>
                 <a:effectLst/>
+                <a:latin typeface="Monaco"/>
               </a:rPr>
               <a:t>.</a:t>
             </a:r>
@@ -11962,6 +12737,7 @@
                   <a:srgbClr val="333333"/>
                 </a:solidFill>
                 <a:effectLst/>
+                <a:latin typeface="Monaco"/>
               </a:rPr>
               <a:t>name</a:t>
             </a:r>
@@ -11971,6 +12747,7 @@
                   <a:srgbClr val="586E75"/>
                 </a:solidFill>
                 <a:effectLst/>
+                <a:latin typeface="Monaco"/>
               </a:rPr>
               <a:t>,</a:t>
             </a:r>
@@ -11980,6 +12757,7 @@
                   <a:srgbClr val="333333"/>
                 </a:solidFill>
                 <a:effectLst/>
+                <a:latin typeface="Monaco"/>
               </a:rPr>
               <a:t> n</a:t>
             </a:r>
@@ -11989,6 +12767,7 @@
                   <a:srgbClr val="586E75"/>
                 </a:solidFill>
                 <a:effectLst/>
+                <a:latin typeface="Monaco"/>
               </a:rPr>
               <a:t>.</a:t>
             </a:r>
@@ -11998,6 +12777,7 @@
                   <a:srgbClr val="333333"/>
                 </a:solidFill>
                 <a:effectLst/>
+                <a:latin typeface="Monaco"/>
               </a:rPr>
               <a:t>price</a:t>
             </a:r>
@@ -12007,6 +12787,7 @@
                   <a:srgbClr val="586E75"/>
                 </a:solidFill>
                 <a:effectLst/>
+                <a:latin typeface="Monaco"/>
               </a:rPr>
               <a:t>,</a:t>
             </a:r>
@@ -12015,6 +12796,7 @@
                 <a:solidFill>
                   <a:srgbClr val="333333"/>
                 </a:solidFill>
+                <a:latin typeface="Monaco"/>
               </a:rPr>
               <a:t> </a:t>
             </a:r>
@@ -12024,6 +12806,7 @@
                   <a:srgbClr val="333333"/>
                 </a:solidFill>
                 <a:effectLst/>
+                <a:latin typeface="Monaco"/>
               </a:rPr>
               <a:t>n</a:t>
             </a:r>
@@ -12033,6 +12816,7 @@
                   <a:srgbClr val="586E75"/>
                 </a:solidFill>
                 <a:effectLst/>
+                <a:latin typeface="Monaco"/>
               </a:rPr>
               <a:t>.</a:t>
             </a:r>
@@ -12042,6 +12826,7 @@
                   <a:srgbClr val="333333"/>
                 </a:solidFill>
                 <a:effectLst/>
+                <a:latin typeface="Monaco"/>
               </a:rPr>
               <a:t>price </a:t>
             </a:r>
@@ -12051,6 +12836,7 @@
                   <a:srgbClr val="586E75"/>
                 </a:solidFill>
                 <a:effectLst/>
+                <a:latin typeface="Monaco"/>
               </a:rPr>
               <a:t>+</a:t>
             </a:r>
@@ -12060,6 +12846,7 @@
                   <a:srgbClr val="333333"/>
                 </a:solidFill>
                 <a:effectLst/>
+                <a:latin typeface="Monaco"/>
               </a:rPr>
               <a:t> </a:t>
             </a:r>
@@ -12069,6 +12856,7 @@
                   <a:srgbClr val="586E75"/>
                 </a:solidFill>
                 <a:effectLst/>
+                <a:latin typeface="Monaco"/>
               </a:rPr>
               <a:t>(</a:t>
             </a:r>
@@ -12078,6 +12866,7 @@
                   <a:srgbClr val="333333"/>
                 </a:solidFill>
                 <a:effectLst/>
+                <a:latin typeface="Monaco"/>
               </a:rPr>
               <a:t>n</a:t>
             </a:r>
@@ -12087,6 +12876,7 @@
                   <a:srgbClr val="586E75"/>
                 </a:solidFill>
                 <a:effectLst/>
+                <a:latin typeface="Monaco"/>
               </a:rPr>
               <a:t>.</a:t>
             </a:r>
@@ -12096,6 +12886,7 @@
                   <a:srgbClr val="333333"/>
                 </a:solidFill>
                 <a:effectLst/>
+                <a:latin typeface="Monaco"/>
               </a:rPr>
               <a:t>price </a:t>
             </a:r>
@@ -12105,6 +12896,7 @@
                   <a:srgbClr val="586E75"/>
                 </a:solidFill>
                 <a:effectLst/>
+                <a:latin typeface="Monaco"/>
               </a:rPr>
               <a:t>*</a:t>
             </a:r>
@@ -12114,6 +12906,7 @@
                   <a:srgbClr val="333333"/>
                 </a:solidFill>
                 <a:effectLst/>
+                <a:latin typeface="Monaco"/>
               </a:rPr>
               <a:t> </a:t>
             </a:r>
@@ -12123,6 +12916,7 @@
                   <a:srgbClr val="2AA198"/>
                 </a:solidFill>
                 <a:effectLst/>
+                <a:latin typeface="Monaco"/>
               </a:rPr>
               <a:t>.10</a:t>
             </a:r>
@@ -12132,6 +12926,7 @@
                   <a:srgbClr val="586E75"/>
                 </a:solidFill>
                 <a:effectLst/>
+                <a:latin typeface="Monaco"/>
               </a:rPr>
               <a:t>)</a:t>
             </a:r>
@@ -12141,6 +12936,7 @@
                   <a:srgbClr val="333333"/>
                 </a:solidFill>
                 <a:effectLst/>
+                <a:latin typeface="Monaco"/>
               </a:rPr>
               <a:t> </a:t>
             </a:r>
@@ -12150,6 +12946,7 @@
                   <a:srgbClr val="859900"/>
                 </a:solidFill>
                 <a:effectLst/>
+                <a:latin typeface="Monaco"/>
               </a:rPr>
               <a:t>as</a:t>
             </a:r>
@@ -12159,6 +12956,7 @@
                   <a:srgbClr val="333333"/>
                 </a:solidFill>
                 <a:effectLst/>
+                <a:latin typeface="Monaco"/>
               </a:rPr>
               <a:t> `New Price`</a:t>
             </a:r>
@@ -12168,7 +12966,7 @@
                   <a:lumMod val="50000"/>
                 </a:schemeClr>
               </a:solidFill>
-              <a:latin typeface="Gill Sans MT (Body)"/>
+              <a:latin typeface="Monaco"/>
             </a:endParaRPr>
           </a:p>
           <a:p>
@@ -12182,7 +12980,7 @@
                   <a:lumMod val="50000"/>
                 </a:schemeClr>
               </a:solidFill>
-              <a:latin typeface="Gill Sans MT (Body)"/>
+              <a:latin typeface="Monaco"/>
             </a:endParaRPr>
           </a:p>
           <a:p>
@@ -12198,7 +12996,7 @@
                     <a:lumOff val="50000"/>
                   </a:schemeClr>
                 </a:solidFill>
-                <a:latin typeface="Gill Sans MT (Body)"/>
+                <a:latin typeface="Monaco"/>
               </a:rPr>
               <a:t>neo4j$</a:t>
             </a:r>
@@ -12207,7 +13005,7 @@
                 <a:srgbClr val="333333"/>
               </a:solidFill>
               <a:effectLst/>
-              <a:latin typeface="Gill Sans MT (Body)"/>
+              <a:latin typeface="Monaco"/>
             </a:endParaRPr>
           </a:p>
           <a:p>
@@ -12219,7 +13017,7 @@
               <a:solidFill>
                 <a:srgbClr val="333333"/>
               </a:solidFill>
-              <a:latin typeface="Gill Sans MT (Body)"/>
+              <a:latin typeface="Monaco"/>
             </a:endParaRPr>
           </a:p>
           <a:p>
@@ -12235,7 +13033,7 @@
                     <a:lumOff val="50000"/>
                   </a:schemeClr>
                 </a:solidFill>
-                <a:latin typeface="Gill Sans MT (Body)"/>
+                <a:latin typeface="Monaco"/>
               </a:rPr>
               <a:t>neo4j$</a:t>
             </a:r>
@@ -12244,6 +13042,7 @@
                 <a:srgbClr val="333333"/>
               </a:solidFill>
               <a:effectLst/>
+              <a:latin typeface="Monaco"/>
             </a:endParaRPr>
           </a:p>
           <a:p>
@@ -12255,6 +13054,7 @@
               <a:solidFill>
                 <a:srgbClr val="333333"/>
               </a:solidFill>
+              <a:latin typeface="Monaco"/>
             </a:endParaRPr>
           </a:p>
           <a:p>
@@ -12270,7 +13070,7 @@
                     <a:lumOff val="50000"/>
                   </a:schemeClr>
                 </a:solidFill>
-                <a:latin typeface="Gill Sans MT (Body)"/>
+                <a:latin typeface="Monaco"/>
               </a:rPr>
               <a:t>neo4j$</a:t>
             </a:r>
@@ -12279,6 +13079,7 @@
                 <a:srgbClr val="000000"/>
               </a:solidFill>
               <a:effectLst/>
+              <a:latin typeface="Monaco"/>
             </a:endParaRPr>
           </a:p>
           <a:p>
@@ -12293,7 +13094,7 @@
                   <a:lumOff val="50000"/>
                 </a:schemeClr>
               </a:solidFill>
-              <a:latin typeface="Gill Sans MT (Body)"/>
+              <a:latin typeface="Monaco"/>
             </a:endParaRPr>
           </a:p>
           <a:p>
@@ -12309,7 +13110,7 @@
                     <a:lumOff val="50000"/>
                   </a:schemeClr>
                 </a:solidFill>
-                <a:latin typeface="Gill Sans MT (Body)"/>
+                <a:latin typeface="Monaco"/>
               </a:rPr>
               <a:t>neo4j$</a:t>
             </a:r>
@@ -12318,6 +13119,7 @@
                 <a:srgbClr val="000000"/>
               </a:solidFill>
               <a:effectLst/>
+              <a:latin typeface="Monaco"/>
             </a:endParaRPr>
           </a:p>
           <a:p>
@@ -12329,6 +13131,7 @@
               <a:solidFill>
                 <a:srgbClr val="333333"/>
               </a:solidFill>
+              <a:latin typeface="Monaco"/>
             </a:endParaRPr>
           </a:p>
           <a:p>
@@ -12344,7 +13147,7 @@
                     <a:lumOff val="50000"/>
                   </a:schemeClr>
                 </a:solidFill>
-                <a:latin typeface="Gill Sans MT (Body)"/>
+                <a:latin typeface="Monaco"/>
               </a:rPr>
               <a:t>neo4j$</a:t>
             </a:r>
@@ -12353,6 +13156,7 @@
                 <a:srgbClr val="000000"/>
               </a:solidFill>
               <a:effectLst/>
+              <a:latin typeface="Monaco"/>
             </a:endParaRPr>
           </a:p>
         </p:txBody>
@@ -12676,7 +13480,7 @@
                     <a:lumOff val="50000"/>
                   </a:schemeClr>
                 </a:solidFill>
-                <a:latin typeface="Gill Sans MT (Body)"/>
+                <a:latin typeface="Monaco"/>
               </a:rPr>
               <a:t>neo4j$ </a:t>
             </a:r>
@@ -12686,6 +13490,7 @@
                   <a:srgbClr val="859900"/>
                 </a:solidFill>
                 <a:effectLst/>
+                <a:latin typeface="Monaco"/>
               </a:rPr>
               <a:t>match</a:t>
             </a:r>
@@ -12695,6 +13500,7 @@
                   <a:srgbClr val="586E75"/>
                 </a:solidFill>
                 <a:effectLst/>
+                <a:latin typeface="Monaco"/>
               </a:rPr>
               <a:t>(</a:t>
             </a:r>
@@ -12704,6 +13510,7 @@
                   <a:srgbClr val="333333"/>
                 </a:solidFill>
                 <a:effectLst/>
+                <a:latin typeface="Monaco"/>
               </a:rPr>
               <a:t>n</a:t>
             </a:r>
@@ -12713,6 +13520,7 @@
                   <a:srgbClr val="586E75"/>
                 </a:solidFill>
                 <a:effectLst/>
+                <a:latin typeface="Monaco"/>
               </a:rPr>
               <a:t>{</a:t>
             </a:r>
@@ -12722,6 +13530,7 @@
                   <a:srgbClr val="333333"/>
                 </a:solidFill>
                 <a:effectLst/>
+                <a:latin typeface="Monaco"/>
               </a:rPr>
               <a:t>name</a:t>
             </a:r>
@@ -12731,6 +13540,7 @@
                   <a:srgbClr val="586E75"/>
                 </a:solidFill>
                 <a:effectLst/>
+                <a:latin typeface="Monaco"/>
               </a:rPr>
               <a:t>:</a:t>
             </a:r>
@@ -12740,6 +13550,7 @@
                   <a:srgbClr val="B58900"/>
                 </a:solidFill>
                 <a:effectLst/>
+                <a:latin typeface="Monaco"/>
               </a:rPr>
               <a:t>'sharmin'</a:t>
             </a:r>
@@ -12749,6 +13560,7 @@
                   <a:srgbClr val="586E75"/>
                 </a:solidFill>
                 <a:effectLst/>
+                <a:latin typeface="Monaco"/>
               </a:rPr>
               <a:t>})</a:t>
             </a:r>
@@ -12758,6 +13570,7 @@
                   <a:srgbClr val="333333"/>
                 </a:solidFill>
                 <a:effectLst/>
+                <a:latin typeface="Monaco"/>
               </a:rPr>
               <a:t> </a:t>
             </a:r>
@@ -12767,6 +13580,7 @@
                   <a:srgbClr val="859900"/>
                 </a:solidFill>
                 <a:effectLst/>
+                <a:latin typeface="Monaco"/>
               </a:rPr>
               <a:t>set</a:t>
             </a:r>
@@ -12776,6 +13590,7 @@
                   <a:srgbClr val="333333"/>
                 </a:solidFill>
                 <a:effectLst/>
+                <a:latin typeface="Monaco"/>
               </a:rPr>
               <a:t> n</a:t>
             </a:r>
@@ -12785,6 +13600,7 @@
                   <a:srgbClr val="586E75"/>
                 </a:solidFill>
                 <a:effectLst/>
+                <a:latin typeface="Monaco"/>
               </a:rPr>
               <a:t>.</a:t>
             </a:r>
@@ -12794,6 +13610,7 @@
                   <a:srgbClr val="333333"/>
                 </a:solidFill>
                 <a:effectLst/>
+                <a:latin typeface="Monaco"/>
               </a:rPr>
               <a:t>salary</a:t>
             </a:r>
@@ -12803,6 +13620,7 @@
                   <a:srgbClr val="586E75"/>
                 </a:solidFill>
                 <a:effectLst/>
+                <a:latin typeface="Monaco"/>
               </a:rPr>
               <a:t>=</a:t>
             </a:r>
@@ -12812,6 +13630,7 @@
                   <a:srgbClr val="2AA198"/>
                 </a:solidFill>
                 <a:effectLst/>
+                <a:latin typeface="Monaco"/>
               </a:rPr>
               <a:t>42000</a:t>
             </a:r>
@@ -12825,6 +13644,7 @@
               <a:solidFill>
                 <a:srgbClr val="2AA198"/>
               </a:solidFill>
+              <a:latin typeface="Monaco"/>
             </a:endParaRPr>
           </a:p>
           <a:p>
@@ -12840,7 +13660,7 @@
                     <a:lumOff val="50000"/>
                   </a:schemeClr>
                 </a:solidFill>
-                <a:latin typeface="Gill Sans MT (Body)"/>
+                <a:latin typeface="Monaco"/>
               </a:rPr>
               <a:t>neo4j$ </a:t>
             </a:r>
@@ -12850,6 +13670,7 @@
                   <a:srgbClr val="859900"/>
                 </a:solidFill>
                 <a:effectLst/>
+                <a:latin typeface="Monaco"/>
               </a:rPr>
               <a:t>match</a:t>
             </a:r>
@@ -12859,6 +13680,7 @@
                   <a:srgbClr val="586E75"/>
                 </a:solidFill>
                 <a:effectLst/>
+                <a:latin typeface="Monaco"/>
               </a:rPr>
               <a:t>(</a:t>
             </a:r>
@@ -12868,6 +13690,7 @@
                   <a:srgbClr val="333333"/>
                 </a:solidFill>
                 <a:effectLst/>
+                <a:latin typeface="Monaco"/>
               </a:rPr>
               <a:t>n</a:t>
             </a:r>
@@ -12877,6 +13700,7 @@
                   <a:srgbClr val="586E75"/>
                 </a:solidFill>
                 <a:effectLst/>
+                <a:latin typeface="Monaco"/>
               </a:rPr>
               <a:t>)</a:t>
             </a:r>
@@ -12886,6 +13710,7 @@
                   <a:srgbClr val="333333"/>
                 </a:solidFill>
                 <a:effectLst/>
+                <a:latin typeface="Monaco"/>
               </a:rPr>
               <a:t> </a:t>
             </a:r>
@@ -12895,6 +13720,7 @@
                   <a:srgbClr val="859900"/>
                 </a:solidFill>
                 <a:effectLst/>
+                <a:latin typeface="Monaco"/>
               </a:rPr>
               <a:t>where</a:t>
             </a:r>
@@ -12904,6 +13730,7 @@
                   <a:srgbClr val="333333"/>
                 </a:solidFill>
                 <a:effectLst/>
+                <a:latin typeface="Monaco"/>
               </a:rPr>
               <a:t> id</a:t>
             </a:r>
@@ -12913,6 +13740,7 @@
                   <a:srgbClr val="586E75"/>
                 </a:solidFill>
                 <a:effectLst/>
+                <a:latin typeface="Monaco"/>
               </a:rPr>
               <a:t>(</a:t>
             </a:r>
@@ -12922,6 +13750,7 @@
                   <a:srgbClr val="333333"/>
                 </a:solidFill>
                 <a:effectLst/>
+                <a:latin typeface="Monaco"/>
               </a:rPr>
               <a:t>n</a:t>
             </a:r>
@@ -12931,6 +13760,7 @@
                   <a:srgbClr val="586E75"/>
                 </a:solidFill>
                 <a:effectLst/>
+                <a:latin typeface="Monaco"/>
               </a:rPr>
               <a:t>)=</a:t>
             </a:r>
@@ -12940,6 +13770,7 @@
                   <a:srgbClr val="2AA198"/>
                 </a:solidFill>
                 <a:effectLst/>
+                <a:latin typeface="Monaco"/>
               </a:rPr>
               <a:t>2</a:t>
             </a:r>
@@ -12949,6 +13780,7 @@
                   <a:srgbClr val="333333"/>
                 </a:solidFill>
                 <a:effectLst/>
+                <a:latin typeface="Monaco"/>
               </a:rPr>
               <a:t> </a:t>
             </a:r>
@@ -12958,6 +13790,7 @@
                   <a:srgbClr val="859900"/>
                 </a:solidFill>
                 <a:effectLst/>
+                <a:latin typeface="Monaco"/>
               </a:rPr>
               <a:t>set</a:t>
             </a:r>
@@ -12967,6 +13800,7 @@
                   <a:srgbClr val="333333"/>
                 </a:solidFill>
                 <a:effectLst/>
+                <a:latin typeface="Monaco"/>
               </a:rPr>
               <a:t> n</a:t>
             </a:r>
@@ -12976,6 +13810,7 @@
                   <a:srgbClr val="586E75"/>
                 </a:solidFill>
                 <a:effectLst/>
+                <a:latin typeface="Monaco"/>
               </a:rPr>
               <a:t>.</a:t>
             </a:r>
@@ -12985,6 +13820,7 @@
                   <a:srgbClr val="333333"/>
                 </a:solidFill>
                 <a:effectLst/>
+                <a:latin typeface="Monaco"/>
               </a:rPr>
               <a:t>name</a:t>
             </a:r>
@@ -12994,6 +13830,7 @@
                   <a:srgbClr val="586E75"/>
                 </a:solidFill>
                 <a:effectLst/>
+                <a:latin typeface="Monaco"/>
               </a:rPr>
               <a:t>=</a:t>
             </a:r>
@@ -13003,6 +13840,7 @@
                   <a:srgbClr val="B58900"/>
                 </a:solidFill>
                 <a:effectLst/>
+                <a:latin typeface="Monaco"/>
               </a:rPr>
               <a:t>'ruhan’</a:t>
             </a:r>
@@ -13016,6 +13854,7 @@
               <a:solidFill>
                 <a:srgbClr val="B58900"/>
               </a:solidFill>
+              <a:latin typeface="Monaco"/>
             </a:endParaRPr>
           </a:p>
           <a:p>
@@ -13031,7 +13870,7 @@
                     <a:lumOff val="50000"/>
                   </a:schemeClr>
                 </a:solidFill>
-                <a:latin typeface="Gill Sans MT (Body)"/>
+                <a:latin typeface="Monaco"/>
               </a:rPr>
               <a:t>neo4j$ </a:t>
             </a:r>
@@ -13041,6 +13880,7 @@
                   <a:srgbClr val="859900"/>
                 </a:solidFill>
                 <a:effectLst/>
+                <a:latin typeface="Monaco"/>
               </a:rPr>
               <a:t>match</a:t>
             </a:r>
@@ -13050,6 +13890,7 @@
                   <a:srgbClr val="586E75"/>
                 </a:solidFill>
                 <a:effectLst/>
+                <a:latin typeface="Monaco"/>
               </a:rPr>
               <a:t>(</a:t>
             </a:r>
@@ -13059,6 +13900,7 @@
                   <a:srgbClr val="333333"/>
                 </a:solidFill>
                 <a:effectLst/>
+                <a:latin typeface="Monaco"/>
               </a:rPr>
               <a:t>n</a:t>
             </a:r>
@@ -13068,6 +13910,7 @@
                   <a:srgbClr val="586E75"/>
                 </a:solidFill>
                 <a:effectLst/>
+                <a:latin typeface="Monaco"/>
               </a:rPr>
               <a:t>)</a:t>
             </a:r>
@@ -13077,6 +13920,7 @@
                   <a:srgbClr val="333333"/>
                 </a:solidFill>
                 <a:effectLst/>
+                <a:latin typeface="Monaco"/>
               </a:rPr>
               <a:t> </a:t>
             </a:r>
@@ -13086,6 +13930,7 @@
                   <a:srgbClr val="859900"/>
                 </a:solidFill>
                 <a:effectLst/>
+                <a:latin typeface="Monaco"/>
               </a:rPr>
               <a:t>where</a:t>
             </a:r>
@@ -13095,6 +13940,7 @@
                   <a:srgbClr val="333333"/>
                 </a:solidFill>
                 <a:effectLst/>
+                <a:latin typeface="Monaco"/>
               </a:rPr>
               <a:t> id</a:t>
             </a:r>
@@ -13104,6 +13950,7 @@
                   <a:srgbClr val="586E75"/>
                 </a:solidFill>
                 <a:effectLst/>
+                <a:latin typeface="Monaco"/>
               </a:rPr>
               <a:t>(</a:t>
             </a:r>
@@ -13113,6 +13960,7 @@
                   <a:srgbClr val="333333"/>
                 </a:solidFill>
                 <a:effectLst/>
+                <a:latin typeface="Monaco"/>
               </a:rPr>
               <a:t>n</a:t>
             </a:r>
@@ -13122,6 +13970,7 @@
                   <a:srgbClr val="586E75"/>
                 </a:solidFill>
                 <a:effectLst/>
+                <a:latin typeface="Monaco"/>
               </a:rPr>
               <a:t>)=</a:t>
             </a:r>
@@ -13131,6 +13980,7 @@
                   <a:srgbClr val="2AA198"/>
                 </a:solidFill>
                 <a:effectLst/>
+                <a:latin typeface="Monaco"/>
               </a:rPr>
               <a:t>3</a:t>
             </a:r>
@@ -13140,6 +13990,7 @@
                   <a:srgbClr val="333333"/>
                 </a:solidFill>
                 <a:effectLst/>
+                <a:latin typeface="Monaco"/>
               </a:rPr>
               <a:t> </a:t>
             </a:r>
@@ -13149,6 +14000,7 @@
                   <a:srgbClr val="859900"/>
                 </a:solidFill>
                 <a:effectLst/>
+                <a:latin typeface="Monaco"/>
               </a:rPr>
               <a:t>set</a:t>
             </a:r>
@@ -13158,6 +14010,7 @@
                   <a:srgbClr val="333333"/>
                 </a:solidFill>
                 <a:effectLst/>
+                <a:latin typeface="Monaco"/>
               </a:rPr>
               <a:t> n</a:t>
             </a:r>
@@ -13167,6 +14020,7 @@
                   <a:srgbClr val="586E75"/>
                 </a:solidFill>
                 <a:effectLst/>
+                <a:latin typeface="Monaco"/>
               </a:rPr>
               <a:t>:</a:t>
             </a:r>
@@ -13176,6 +14030,7 @@
                   <a:srgbClr val="333333"/>
                 </a:solidFill>
                 <a:effectLst/>
+                <a:latin typeface="Monaco"/>
               </a:rPr>
               <a:t>object1	</a:t>
             </a:r>
@@ -13185,6 +14040,7 @@
                   <a:srgbClr val="2CE041"/>
                 </a:solidFill>
                 <a:effectLst/>
+                <a:latin typeface="Monaco"/>
               </a:rPr>
               <a:t> 		//</a:t>
             </a:r>
@@ -13193,6 +14049,7 @@
                 <a:solidFill>
                   <a:srgbClr val="2CE041"/>
                 </a:solidFill>
+                <a:latin typeface="Monaco"/>
               </a:rPr>
               <a:t> SET </a:t>
             </a:r>
@@ -13201,6 +14058,7 @@
                 <a:solidFill>
                   <a:srgbClr val="2CE041"/>
                 </a:solidFill>
+                <a:latin typeface="Monaco"/>
               </a:rPr>
               <a:t>label name </a:t>
             </a:r>
@@ -13209,6 +14067,7 @@
                 <a:srgbClr val="000000"/>
               </a:solidFill>
               <a:effectLst/>
+              <a:latin typeface="Monaco"/>
             </a:endParaRPr>
           </a:p>
         </p:txBody>
@@ -13363,7 +14222,7 @@
                 <a:solidFill>
                   <a:srgbClr val="0070C0"/>
                 </a:solidFill>
-                <a:latin typeface="Consolas" panose="020B0609020204030204" pitchFamily="49" charset="0"/>
+                <a:latin typeface="Roboto Mono"/>
                 <a:cs typeface="Arial" panose="020B0604020202020204" pitchFamily="34" charset="0"/>
               </a:rPr>
               <a:t>MATCH(n</a:t>
@@ -13373,7 +14232,7 @@
                 <a:solidFill>
                   <a:srgbClr val="0070C0"/>
                 </a:solidFill>
-                <a:latin typeface="Consolas" panose="020B0609020204030204" pitchFamily="49" charset="0"/>
+                <a:latin typeface="Roboto Mono"/>
                 <a:cs typeface="Arial" panose="020B0604020202020204" pitchFamily="34" charset="0"/>
               </a:rPr>
               <a:t>:label_name </a:t>
@@ -13383,7 +14242,7 @@
                 <a:solidFill>
                   <a:srgbClr val="0070C0"/>
                 </a:solidFill>
-                <a:latin typeface="Consolas" panose="020B0609020204030204" pitchFamily="49" charset="0"/>
+                <a:latin typeface="Roboto Mono"/>
                 <a:cs typeface="Arial" panose="020B0604020202020204" pitchFamily="34" charset="0"/>
               </a:rPr>
               <a:t>{ </a:t>
@@ -13393,7 +14252,7 @@
                 <a:solidFill>
                   <a:srgbClr val="0070C0"/>
                 </a:solidFill>
-                <a:latin typeface="Consolas" panose="020B0609020204030204" pitchFamily="49" charset="0"/>
+                <a:latin typeface="Roboto Mono"/>
                 <a:cs typeface="Arial" panose="020B0604020202020204" pitchFamily="34" charset="0"/>
               </a:rPr>
               <a:t>key1: value, key2: value, ... </a:t>
@@ -13403,7 +14262,7 @@
                 <a:solidFill>
                   <a:srgbClr val="0070C0"/>
                 </a:solidFill>
-                <a:latin typeface="Consolas" panose="020B0609020204030204" pitchFamily="49" charset="0"/>
+                <a:latin typeface="Roboto Mono"/>
                 <a:cs typeface="Arial" panose="020B0604020202020204" pitchFamily="34" charset="0"/>
               </a:rPr>
               <a:t>}) SET n.newField=value</a:t>
@@ -13414,7 +14273,7 @@
               <a:solidFill>
                 <a:srgbClr val="0070C0"/>
               </a:solidFill>
-              <a:latin typeface="Consolas" panose="020B0609020204030204" pitchFamily="49" charset="0"/>
+              <a:latin typeface="Roboto Mono"/>
               <a:cs typeface="Arial" panose="020B0604020202020204" pitchFamily="34" charset="0"/>
             </a:endParaRPr>
           </a:p>
@@ -13424,7 +14283,7 @@
                 <a:solidFill>
                   <a:srgbClr val="0070C0"/>
                 </a:solidFill>
-                <a:latin typeface="Consolas" panose="020B0609020204030204" pitchFamily="49" charset="0"/>
+                <a:latin typeface="Roboto Mono"/>
                 <a:cs typeface="Arial" panose="020B0604020202020204" pitchFamily="34" charset="0"/>
               </a:rPr>
               <a:t>MATCH(n</a:t>
@@ -13434,7 +14293,7 @@
                 <a:solidFill>
                   <a:srgbClr val="0070C0"/>
                 </a:solidFill>
-                <a:latin typeface="Consolas" panose="020B0609020204030204" pitchFamily="49" charset="0"/>
+                <a:latin typeface="Roboto Mono"/>
                 <a:cs typeface="Arial" panose="020B0604020202020204" pitchFamily="34" charset="0"/>
               </a:rPr>
               <a:t>:label_name </a:t>
@@ -13444,7 +14303,7 @@
                 <a:solidFill>
                   <a:srgbClr val="0070C0"/>
                 </a:solidFill>
-                <a:latin typeface="Consolas" panose="020B0609020204030204" pitchFamily="49" charset="0"/>
+                <a:latin typeface="Roboto Mono"/>
                 <a:cs typeface="Arial" panose="020B0604020202020204" pitchFamily="34" charset="0"/>
               </a:rPr>
               <a:t>{ </a:t>
@@ -13454,7 +14313,7 @@
                 <a:solidFill>
                   <a:srgbClr val="0070C0"/>
                 </a:solidFill>
-                <a:latin typeface="Consolas" panose="020B0609020204030204" pitchFamily="49" charset="0"/>
+                <a:latin typeface="Roboto Mono"/>
                 <a:cs typeface="Arial" panose="020B0604020202020204" pitchFamily="34" charset="0"/>
               </a:rPr>
               <a:t>key1: value, key2: value, ... </a:t>
@@ -13464,7 +14323,7 @@
                 <a:solidFill>
                   <a:srgbClr val="0070C0"/>
                 </a:solidFill>
-                <a:latin typeface="Consolas" panose="020B0609020204030204" pitchFamily="49" charset="0"/>
+                <a:latin typeface="Roboto Mono"/>
                 <a:cs typeface="Arial" panose="020B0604020202020204" pitchFamily="34" charset="0"/>
               </a:rPr>
               <a:t>}) SET n={ </a:t>
@@ -13474,7 +14333,7 @@
                 <a:solidFill>
                   <a:srgbClr val="0070C0"/>
                 </a:solidFill>
-                <a:latin typeface="Consolas" panose="020B0609020204030204" pitchFamily="49" charset="0"/>
+                <a:latin typeface="Roboto Mono"/>
                 <a:cs typeface="Arial" panose="020B0604020202020204" pitchFamily="34" charset="0"/>
               </a:rPr>
               <a:t>key1: value, key2: value, ... </a:t>
@@ -13484,7 +14343,7 @@
                 <a:solidFill>
                   <a:srgbClr val="0070C0"/>
                 </a:solidFill>
-                <a:latin typeface="Consolas" panose="020B0609020204030204" pitchFamily="49" charset="0"/>
+                <a:latin typeface="Roboto Mono"/>
                 <a:cs typeface="Arial" panose="020B0604020202020204" pitchFamily="34" charset="0"/>
               </a:rPr>
               <a:t>}</a:t>
@@ -13495,7 +14354,7 @@
               <a:solidFill>
                 <a:srgbClr val="0070C0"/>
               </a:solidFill>
-              <a:latin typeface="Consolas" panose="020B0609020204030204" pitchFamily="49" charset="0"/>
+              <a:latin typeface="Roboto Mono"/>
               <a:cs typeface="Arial" panose="020B0604020202020204" pitchFamily="34" charset="0"/>
             </a:endParaRPr>
           </a:p>
@@ -13505,7 +14364,7 @@
                 <a:solidFill>
                   <a:srgbClr val="0070C0"/>
                 </a:solidFill>
-                <a:latin typeface="Consolas" panose="020B0609020204030204" pitchFamily="49" charset="0"/>
+                <a:latin typeface="Roboto Mono"/>
                 <a:cs typeface="Arial" panose="020B0604020202020204" pitchFamily="34" charset="0"/>
               </a:rPr>
               <a:t>MATCH(n</a:t>
@@ -13515,7 +14374,7 @@
                 <a:solidFill>
                   <a:srgbClr val="0070C0"/>
                 </a:solidFill>
-                <a:latin typeface="Consolas" panose="020B0609020204030204" pitchFamily="49" charset="0"/>
+                <a:latin typeface="Roboto Mono"/>
                 <a:cs typeface="Arial" panose="020B0604020202020204" pitchFamily="34" charset="0"/>
               </a:rPr>
               <a:t>:label_name </a:t>
@@ -13525,7 +14384,7 @@
                 <a:solidFill>
                   <a:srgbClr val="0070C0"/>
                 </a:solidFill>
-                <a:latin typeface="Consolas" panose="020B0609020204030204" pitchFamily="49" charset="0"/>
+                <a:latin typeface="Roboto Mono"/>
                 <a:cs typeface="Arial" panose="020B0604020202020204" pitchFamily="34" charset="0"/>
               </a:rPr>
               <a:t>{ </a:t>
@@ -13535,7 +14394,7 @@
                 <a:solidFill>
                   <a:srgbClr val="0070C0"/>
                 </a:solidFill>
-                <a:latin typeface="Consolas" panose="020B0609020204030204" pitchFamily="49" charset="0"/>
+                <a:latin typeface="Roboto Mono"/>
                 <a:cs typeface="Arial" panose="020B0604020202020204" pitchFamily="34" charset="0"/>
               </a:rPr>
               <a:t>key1: value, key2: value, ... </a:t>
@@ -13545,7 +14404,7 @@
                 <a:solidFill>
                   <a:srgbClr val="0070C0"/>
                 </a:solidFill>
-                <a:latin typeface="Consolas" panose="020B0609020204030204" pitchFamily="49" charset="0"/>
+                <a:latin typeface="Roboto Mono"/>
                 <a:cs typeface="Arial" panose="020B0604020202020204" pitchFamily="34" charset="0"/>
               </a:rPr>
               <a:t>}) REMOVE n.oldField SET n.newField=value</a:t>
@@ -13556,7 +14415,7 @@
               <a:solidFill>
                 <a:srgbClr val="0070C0"/>
               </a:solidFill>
-              <a:latin typeface="Consolas" panose="020B0609020204030204" pitchFamily="49" charset="0"/>
+              <a:latin typeface="Roboto Mono"/>
               <a:cs typeface="Arial" panose="020B0604020202020204" pitchFamily="34" charset="0"/>
             </a:endParaRPr>
           </a:p>
@@ -13566,7 +14425,7 @@
                 <a:solidFill>
                   <a:srgbClr val="0070C0"/>
                 </a:solidFill>
-                <a:latin typeface="Consolas" panose="020B0609020204030204" pitchFamily="49" charset="0"/>
+                <a:latin typeface="Roboto Mono"/>
                 <a:cs typeface="Arial" panose="020B0604020202020204" pitchFamily="34" charset="0"/>
               </a:rPr>
               <a:t>MATCH(n</a:t>
@@ -13576,7 +14435,7 @@
                 <a:solidFill>
                   <a:srgbClr val="0070C0"/>
                 </a:solidFill>
-                <a:latin typeface="Consolas" panose="020B0609020204030204" pitchFamily="49" charset="0"/>
+                <a:latin typeface="Roboto Mono"/>
                 <a:cs typeface="Arial" panose="020B0604020202020204" pitchFamily="34" charset="0"/>
               </a:rPr>
               <a:t>:label_name </a:t>
@@ -13586,7 +14445,7 @@
                 <a:solidFill>
                   <a:srgbClr val="0070C0"/>
                 </a:solidFill>
-                <a:latin typeface="Consolas" panose="020B0609020204030204" pitchFamily="49" charset="0"/>
+                <a:latin typeface="Roboto Mono"/>
                 <a:cs typeface="Arial" panose="020B0604020202020204" pitchFamily="34" charset="0"/>
               </a:rPr>
               <a:t>{ </a:t>
@@ -13596,7 +14455,7 @@
                 <a:solidFill>
                   <a:srgbClr val="0070C0"/>
                 </a:solidFill>
-                <a:latin typeface="Consolas" panose="020B0609020204030204" pitchFamily="49" charset="0"/>
+                <a:latin typeface="Roboto Mono"/>
                 <a:cs typeface="Arial" panose="020B0604020202020204" pitchFamily="34" charset="0"/>
               </a:rPr>
               <a:t>key1: value, key2: value, ... </a:t>
@@ -13606,7 +14465,7 @@
                 <a:solidFill>
                   <a:srgbClr val="0070C0"/>
                 </a:solidFill>
-                <a:latin typeface="Consolas" panose="020B0609020204030204" pitchFamily="49" charset="0"/>
+                <a:latin typeface="Roboto Mono"/>
                 <a:cs typeface="Arial" panose="020B0604020202020204" pitchFamily="34" charset="0"/>
               </a:rPr>
               <a:t>}), (m{}) SET n = m</a:t>
@@ -13615,7 +14474,7 @@
               <a:solidFill>
                 <a:srgbClr val="0070C0"/>
               </a:solidFill>
-              <a:latin typeface="Consolas" panose="020B0609020204030204" pitchFamily="49" charset="0"/>
+              <a:latin typeface="Roboto Mono"/>
               <a:cs typeface="Arial" panose="020B0604020202020204" pitchFamily="34" charset="0"/>
             </a:endParaRPr>
           </a:p>
@@ -13860,7 +14719,7 @@
                 <a:solidFill>
                   <a:srgbClr val="0070C0"/>
                 </a:solidFill>
-                <a:latin typeface="Consolas" panose="020B0609020204030204" pitchFamily="49" charset="0"/>
+                <a:latin typeface="Roboto Mono"/>
                 <a:cs typeface="Arial" panose="020B0604020202020204" pitchFamily="34" charset="0"/>
               </a:rPr>
               <a:t>MATCH(n</a:t>
@@ -13870,7 +14729,7 @@
                 <a:solidFill>
                   <a:srgbClr val="0070C0"/>
                 </a:solidFill>
-                <a:latin typeface="Consolas" panose="020B0609020204030204" pitchFamily="49" charset="0"/>
+                <a:latin typeface="Roboto Mono"/>
                 <a:cs typeface="Arial" panose="020B0604020202020204" pitchFamily="34" charset="0"/>
               </a:rPr>
               <a:t>:label_name </a:t>
@@ -13880,7 +14739,7 @@
                 <a:solidFill>
                   <a:srgbClr val="0070C0"/>
                 </a:solidFill>
-                <a:latin typeface="Consolas" panose="020B0609020204030204" pitchFamily="49" charset="0"/>
+                <a:latin typeface="Roboto Mono"/>
                 <a:cs typeface="Arial" panose="020B0604020202020204" pitchFamily="34" charset="0"/>
               </a:rPr>
               <a:t>{ </a:t>
@@ -13890,7 +14749,7 @@
                 <a:solidFill>
                   <a:srgbClr val="0070C0"/>
                 </a:solidFill>
-                <a:latin typeface="Consolas" panose="020B0609020204030204" pitchFamily="49" charset="0"/>
+                <a:latin typeface="Roboto Mono"/>
                 <a:cs typeface="Arial" panose="020B0604020202020204" pitchFamily="34" charset="0"/>
               </a:rPr>
               <a:t>key1: value, key2: value, ... </a:t>
@@ -13900,7 +14759,7 @@
                 <a:solidFill>
                   <a:srgbClr val="0070C0"/>
                 </a:solidFill>
-                <a:latin typeface="Consolas" panose="020B0609020204030204" pitchFamily="49" charset="0"/>
+                <a:latin typeface="Roboto Mono"/>
                 <a:cs typeface="Arial" panose="020B0604020202020204" pitchFamily="34" charset="0"/>
               </a:rPr>
               <a:t>}) SET n.newField=value</a:t>
@@ -13911,7 +14770,7 @@
               <a:solidFill>
                 <a:srgbClr val="0070C0"/>
               </a:solidFill>
-              <a:latin typeface="Consolas" panose="020B0609020204030204" pitchFamily="49" charset="0"/>
+              <a:latin typeface="Roboto Mono"/>
               <a:cs typeface="Arial" panose="020B0604020202020204" pitchFamily="34" charset="0"/>
             </a:endParaRPr>
           </a:p>
@@ -13921,7 +14780,7 @@
                 <a:solidFill>
                   <a:srgbClr val="0070C0"/>
                 </a:solidFill>
-                <a:latin typeface="Consolas" panose="020B0609020204030204" pitchFamily="49" charset="0"/>
+                <a:latin typeface="Roboto Mono"/>
                 <a:cs typeface="Arial" panose="020B0604020202020204" pitchFamily="34" charset="0"/>
               </a:rPr>
               <a:t>MATCH(n</a:t>
@@ -13931,7 +14790,7 @@
                 <a:solidFill>
                   <a:srgbClr val="0070C0"/>
                 </a:solidFill>
-                <a:latin typeface="Consolas" panose="020B0609020204030204" pitchFamily="49" charset="0"/>
+                <a:latin typeface="Roboto Mono"/>
                 <a:cs typeface="Arial" panose="020B0604020202020204" pitchFamily="34" charset="0"/>
               </a:rPr>
               <a:t>:label_name </a:t>
@@ -13941,7 +14800,7 @@
                 <a:solidFill>
                   <a:srgbClr val="0070C0"/>
                 </a:solidFill>
-                <a:latin typeface="Consolas" panose="020B0609020204030204" pitchFamily="49" charset="0"/>
+                <a:latin typeface="Roboto Mono"/>
                 <a:cs typeface="Arial" panose="020B0604020202020204" pitchFamily="34" charset="0"/>
               </a:rPr>
               <a:t>{ </a:t>
@@ -13951,7 +14810,7 @@
                 <a:solidFill>
                   <a:srgbClr val="0070C0"/>
                 </a:solidFill>
-                <a:latin typeface="Consolas" panose="020B0609020204030204" pitchFamily="49" charset="0"/>
+                <a:latin typeface="Roboto Mono"/>
                 <a:cs typeface="Arial" panose="020B0604020202020204" pitchFamily="34" charset="0"/>
               </a:rPr>
               <a:t>key1: value, key2: value, ... </a:t>
@@ -13961,7 +14820,7 @@
                 <a:solidFill>
                   <a:srgbClr val="0070C0"/>
                 </a:solidFill>
-                <a:latin typeface="Consolas" panose="020B0609020204030204" pitchFamily="49" charset="0"/>
+                <a:latin typeface="Roboto Mono"/>
                 <a:cs typeface="Arial" panose="020B0604020202020204" pitchFamily="34" charset="0"/>
               </a:rPr>
               <a:t>}) SET n={ </a:t>
@@ -13971,7 +14830,7 @@
                 <a:solidFill>
                   <a:srgbClr val="0070C0"/>
                 </a:solidFill>
-                <a:latin typeface="Consolas" panose="020B0609020204030204" pitchFamily="49" charset="0"/>
+                <a:latin typeface="Roboto Mono"/>
                 <a:cs typeface="Arial" panose="020B0604020202020204" pitchFamily="34" charset="0"/>
               </a:rPr>
               <a:t>key1: value, key2: value, ... </a:t>
@@ -13981,7 +14840,7 @@
                 <a:solidFill>
                   <a:srgbClr val="0070C0"/>
                 </a:solidFill>
-                <a:latin typeface="Consolas" panose="020B0609020204030204" pitchFamily="49" charset="0"/>
+                <a:latin typeface="Roboto Mono"/>
                 <a:cs typeface="Arial" panose="020B0604020202020204" pitchFamily="34" charset="0"/>
               </a:rPr>
               <a:t>}</a:t>
@@ -13992,7 +14851,7 @@
               <a:solidFill>
                 <a:srgbClr val="0070C0"/>
               </a:solidFill>
-              <a:latin typeface="Consolas" panose="020B0609020204030204" pitchFamily="49" charset="0"/>
+              <a:latin typeface="Roboto Mono"/>
               <a:cs typeface="Arial" panose="020B0604020202020204" pitchFamily="34" charset="0"/>
             </a:endParaRPr>
           </a:p>
@@ -14002,7 +14861,7 @@
                 <a:solidFill>
                   <a:srgbClr val="0070C0"/>
                 </a:solidFill>
-                <a:latin typeface="Consolas" panose="020B0609020204030204" pitchFamily="49" charset="0"/>
+                <a:latin typeface="Roboto Mono"/>
                 <a:cs typeface="Arial" panose="020B0604020202020204" pitchFamily="34" charset="0"/>
               </a:rPr>
               <a:t>MATCH(n</a:t>
@@ -14012,7 +14871,7 @@
                 <a:solidFill>
                   <a:srgbClr val="0070C0"/>
                 </a:solidFill>
-                <a:latin typeface="Consolas" panose="020B0609020204030204" pitchFamily="49" charset="0"/>
+                <a:latin typeface="Roboto Mono"/>
                 <a:cs typeface="Arial" panose="020B0604020202020204" pitchFamily="34" charset="0"/>
               </a:rPr>
               <a:t>:label_name </a:t>
@@ -14022,7 +14881,7 @@
                 <a:solidFill>
                   <a:srgbClr val="0070C0"/>
                 </a:solidFill>
-                <a:latin typeface="Consolas" panose="020B0609020204030204" pitchFamily="49" charset="0"/>
+                <a:latin typeface="Roboto Mono"/>
                 <a:cs typeface="Arial" panose="020B0604020202020204" pitchFamily="34" charset="0"/>
               </a:rPr>
               <a:t>{ </a:t>
@@ -14032,7 +14891,7 @@
                 <a:solidFill>
                   <a:srgbClr val="0070C0"/>
                 </a:solidFill>
-                <a:latin typeface="Consolas" panose="020B0609020204030204" pitchFamily="49" charset="0"/>
+                <a:latin typeface="Roboto Mono"/>
                 <a:cs typeface="Arial" panose="020B0604020202020204" pitchFamily="34" charset="0"/>
               </a:rPr>
               <a:t>key1: value, key2: value, ... </a:t>
@@ -14042,7 +14901,7 @@
                 <a:solidFill>
                   <a:srgbClr val="0070C0"/>
                 </a:solidFill>
-                <a:latin typeface="Consolas" panose="020B0609020204030204" pitchFamily="49" charset="0"/>
+                <a:latin typeface="Roboto Mono"/>
                 <a:cs typeface="Arial" panose="020B0604020202020204" pitchFamily="34" charset="0"/>
               </a:rPr>
               <a:t>}) REMOVE n.oldField SET n.newField=value</a:t>
@@ -14053,7 +14912,7 @@
               <a:solidFill>
                 <a:srgbClr val="0070C0"/>
               </a:solidFill>
-              <a:latin typeface="Consolas" panose="020B0609020204030204" pitchFamily="49" charset="0"/>
+              <a:latin typeface="Roboto Mono"/>
               <a:cs typeface="Arial" panose="020B0604020202020204" pitchFamily="34" charset="0"/>
             </a:endParaRPr>
           </a:p>
@@ -14063,7 +14922,7 @@
                 <a:solidFill>
                   <a:srgbClr val="0070C0"/>
                 </a:solidFill>
-                <a:latin typeface="Consolas" panose="020B0609020204030204" pitchFamily="49" charset="0"/>
+                <a:latin typeface="Roboto Mono"/>
                 <a:cs typeface="Arial" panose="020B0604020202020204" pitchFamily="34" charset="0"/>
               </a:rPr>
               <a:t>MATCH(n</a:t>
@@ -14073,7 +14932,7 @@
                 <a:solidFill>
                   <a:srgbClr val="0070C0"/>
                 </a:solidFill>
-                <a:latin typeface="Consolas" panose="020B0609020204030204" pitchFamily="49" charset="0"/>
+                <a:latin typeface="Roboto Mono"/>
                 <a:cs typeface="Arial" panose="020B0604020202020204" pitchFamily="34" charset="0"/>
               </a:rPr>
               <a:t>:label_name </a:t>
@@ -14083,7 +14942,7 @@
                 <a:solidFill>
                   <a:srgbClr val="0070C0"/>
                 </a:solidFill>
-                <a:latin typeface="Consolas" panose="020B0609020204030204" pitchFamily="49" charset="0"/>
+                <a:latin typeface="Roboto Mono"/>
                 <a:cs typeface="Arial" panose="020B0604020202020204" pitchFamily="34" charset="0"/>
               </a:rPr>
               <a:t>{ </a:t>
@@ -14093,7 +14952,7 @@
                 <a:solidFill>
                   <a:srgbClr val="0070C0"/>
                 </a:solidFill>
-                <a:latin typeface="Consolas" panose="020B0609020204030204" pitchFamily="49" charset="0"/>
+                <a:latin typeface="Roboto Mono"/>
                 <a:cs typeface="Arial" panose="020B0604020202020204" pitchFamily="34" charset="0"/>
               </a:rPr>
               <a:t>key1: value, key2: value, ... </a:t>
@@ -14103,7 +14962,7 @@
                 <a:solidFill>
                   <a:srgbClr val="0070C0"/>
                 </a:solidFill>
-                <a:latin typeface="Consolas" panose="020B0609020204030204" pitchFamily="49" charset="0"/>
+                <a:latin typeface="Roboto Mono"/>
                 <a:cs typeface="Arial" panose="020B0604020202020204" pitchFamily="34" charset="0"/>
               </a:rPr>
               <a:t>}), (m{}) SET n = m</a:t>
@@ -14112,7 +14971,7 @@
               <a:solidFill>
                 <a:srgbClr val="0070C0"/>
               </a:solidFill>
-              <a:latin typeface="Consolas" panose="020B0609020204030204" pitchFamily="49" charset="0"/>
+              <a:latin typeface="Roboto Mono"/>
               <a:cs typeface="Arial" panose="020B0604020202020204" pitchFamily="34" charset="0"/>
             </a:endParaRPr>
           </a:p>
@@ -14158,7 +15017,7 @@
                     <a:lumOff val="50000"/>
                   </a:schemeClr>
                 </a:solidFill>
-                <a:latin typeface="Gill Sans MT (Body)"/>
+                <a:latin typeface="Monaco"/>
               </a:rPr>
               <a:t>neo4j$ </a:t>
             </a:r>
@@ -14168,6 +15027,7 @@
                   <a:srgbClr val="859900"/>
                 </a:solidFill>
                 <a:effectLst/>
+                <a:latin typeface="Monaco"/>
               </a:rPr>
               <a:t>match</a:t>
             </a:r>
@@ -14177,6 +15037,7 @@
                   <a:srgbClr val="586E75"/>
                 </a:solidFill>
                 <a:effectLst/>
+                <a:latin typeface="Monaco"/>
               </a:rPr>
               <a:t>(</a:t>
             </a:r>
@@ -14186,6 +15047,7 @@
                   <a:srgbClr val="333333"/>
                 </a:solidFill>
                 <a:effectLst/>
+                <a:latin typeface="Monaco"/>
               </a:rPr>
               <a:t>n</a:t>
             </a:r>
@@ -14195,6 +15057,7 @@
                   <a:srgbClr val="586E75"/>
                 </a:solidFill>
                 <a:effectLst/>
+                <a:latin typeface="Monaco"/>
               </a:rPr>
               <a:t>)</a:t>
             </a:r>
@@ -14204,6 +15067,7 @@
                   <a:srgbClr val="333333"/>
                 </a:solidFill>
                 <a:effectLst/>
+                <a:latin typeface="Monaco"/>
               </a:rPr>
               <a:t> </a:t>
             </a:r>
@@ -14213,6 +15077,7 @@
                   <a:srgbClr val="859900"/>
                 </a:solidFill>
                 <a:effectLst/>
+                <a:latin typeface="Monaco"/>
               </a:rPr>
               <a:t>where</a:t>
             </a:r>
@@ -14222,6 +15087,7 @@
                   <a:srgbClr val="333333"/>
                 </a:solidFill>
                 <a:effectLst/>
+                <a:latin typeface="Monaco"/>
               </a:rPr>
               <a:t> id</a:t>
             </a:r>
@@ -14231,6 +15097,7 @@
                   <a:srgbClr val="586E75"/>
                 </a:solidFill>
                 <a:effectLst/>
+                <a:latin typeface="Monaco"/>
               </a:rPr>
               <a:t>(</a:t>
             </a:r>
@@ -14240,6 +15107,7 @@
                   <a:srgbClr val="333333"/>
                 </a:solidFill>
                 <a:effectLst/>
+                <a:latin typeface="Monaco"/>
               </a:rPr>
               <a:t>n</a:t>
             </a:r>
@@ -14249,6 +15117,7 @@
                   <a:srgbClr val="586E75"/>
                 </a:solidFill>
                 <a:effectLst/>
+                <a:latin typeface="Monaco"/>
               </a:rPr>
               <a:t>)=</a:t>
             </a:r>
@@ -14258,6 +15127,7 @@
                   <a:srgbClr val="2AA198"/>
                 </a:solidFill>
                 <a:effectLst/>
+                <a:latin typeface="Monaco"/>
               </a:rPr>
               <a:t>3</a:t>
             </a:r>
@@ -14267,6 +15137,7 @@
                   <a:srgbClr val="333333"/>
                 </a:solidFill>
                 <a:effectLst/>
+                <a:latin typeface="Monaco"/>
               </a:rPr>
               <a:t> </a:t>
             </a:r>
@@ -14276,6 +15147,7 @@
                   <a:srgbClr val="859900"/>
                 </a:solidFill>
                 <a:effectLst/>
+                <a:latin typeface="Monaco"/>
               </a:rPr>
               <a:t>set</a:t>
             </a:r>
@@ -14285,6 +15157,7 @@
                   <a:srgbClr val="333333"/>
                 </a:solidFill>
                 <a:effectLst/>
+                <a:latin typeface="Monaco"/>
               </a:rPr>
               <a:t> n</a:t>
             </a:r>
@@ -14294,6 +15167,7 @@
                   <a:srgbClr val="586E75"/>
                 </a:solidFill>
                 <a:effectLst/>
+                <a:latin typeface="Monaco"/>
               </a:rPr>
               <a:t>={}</a:t>
             </a:r>
@@ -14303,6 +15177,7 @@
               <a:solidFill>
                 <a:srgbClr val="2CE041"/>
               </a:solidFill>
+              <a:latin typeface="Monaco"/>
             </a:endParaRPr>
           </a:p>
           <a:p>
@@ -14318,7 +15193,7 @@
                     <a:lumOff val="50000"/>
                   </a:schemeClr>
                 </a:solidFill>
-                <a:latin typeface="Gill Sans MT (Body)"/>
+                <a:latin typeface="Monaco"/>
               </a:rPr>
               <a:t>neo4j$ </a:t>
             </a:r>
@@ -14328,6 +15203,7 @@
                   <a:srgbClr val="859900"/>
                 </a:solidFill>
                 <a:effectLst/>
+                <a:latin typeface="Monaco"/>
               </a:rPr>
               <a:t>match</a:t>
             </a:r>
@@ -14337,6 +15213,7 @@
                   <a:srgbClr val="586E75"/>
                 </a:solidFill>
                 <a:effectLst/>
+                <a:latin typeface="Monaco"/>
               </a:rPr>
               <a:t>(</a:t>
             </a:r>
@@ -14346,6 +15223,7 @@
                   <a:srgbClr val="333333"/>
                 </a:solidFill>
                 <a:effectLst/>
+                <a:latin typeface="Monaco"/>
               </a:rPr>
               <a:t>n</a:t>
             </a:r>
@@ -14355,6 +15233,7 @@
                   <a:srgbClr val="586E75"/>
                 </a:solidFill>
                 <a:effectLst/>
+                <a:latin typeface="Monaco"/>
               </a:rPr>
               <a:t>{</a:t>
             </a:r>
@@ -14364,6 +15243,7 @@
                   <a:srgbClr val="333333"/>
                 </a:solidFill>
                 <a:effectLst/>
+                <a:latin typeface="Monaco"/>
               </a:rPr>
               <a:t>name</a:t>
             </a:r>
@@ -14373,6 +15253,7 @@
                   <a:srgbClr val="586E75"/>
                 </a:solidFill>
                 <a:effectLst/>
+                <a:latin typeface="Monaco"/>
               </a:rPr>
               <a:t>:</a:t>
             </a:r>
@@ -14382,6 +15263,7 @@
                   <a:srgbClr val="B58900"/>
                 </a:solidFill>
                 <a:effectLst/>
+                <a:latin typeface="Monaco"/>
               </a:rPr>
               <a:t>'saleel'</a:t>
             </a:r>
@@ -14391,6 +15273,7 @@
                   <a:srgbClr val="586E75"/>
                 </a:solidFill>
                 <a:effectLst/>
+                <a:latin typeface="Monaco"/>
               </a:rPr>
               <a:t>}),(</a:t>
             </a:r>
@@ -14400,6 +15283,7 @@
                   <a:srgbClr val="333333"/>
                 </a:solidFill>
                 <a:effectLst/>
+                <a:latin typeface="Monaco"/>
               </a:rPr>
               <a:t>m</a:t>
             </a:r>
@@ -14409,6 +15293,7 @@
                   <a:srgbClr val="586E75"/>
                 </a:solidFill>
                 <a:effectLst/>
+                <a:latin typeface="Monaco"/>
               </a:rPr>
               <a:t>)</a:t>
             </a:r>
@@ -14418,6 +15303,7 @@
                   <a:srgbClr val="333333"/>
                 </a:solidFill>
                 <a:effectLst/>
+                <a:latin typeface="Monaco"/>
               </a:rPr>
               <a:t> </a:t>
             </a:r>
@@ -14427,6 +15313,7 @@
                   <a:srgbClr val="859900"/>
                 </a:solidFill>
                 <a:effectLst/>
+                <a:latin typeface="Monaco"/>
               </a:rPr>
               <a:t>where</a:t>
             </a:r>
@@ -14436,6 +15323,7 @@
                   <a:srgbClr val="333333"/>
                 </a:solidFill>
                 <a:effectLst/>
+                <a:latin typeface="Monaco"/>
               </a:rPr>
               <a:t> id</a:t>
             </a:r>
@@ -14445,6 +15333,7 @@
                   <a:srgbClr val="586E75"/>
                 </a:solidFill>
                 <a:effectLst/>
+                <a:latin typeface="Monaco"/>
               </a:rPr>
               <a:t>(</a:t>
             </a:r>
@@ -14454,6 +15343,7 @@
                   <a:srgbClr val="333333"/>
                 </a:solidFill>
                 <a:effectLst/>
+                <a:latin typeface="Monaco"/>
               </a:rPr>
               <a:t>m</a:t>
             </a:r>
@@ -14463,6 +15353,7 @@
                   <a:srgbClr val="586E75"/>
                 </a:solidFill>
                 <a:effectLst/>
+                <a:latin typeface="Monaco"/>
               </a:rPr>
               <a:t>)=</a:t>
             </a:r>
@@ -14472,6 +15363,7 @@
                   <a:srgbClr val="2AA198"/>
                 </a:solidFill>
                 <a:effectLst/>
+                <a:latin typeface="Monaco"/>
               </a:rPr>
               <a:t>2</a:t>
             </a:r>
@@ -14480,6 +15372,7 @@
                 <a:srgbClr val="000000"/>
               </a:solidFill>
               <a:effectLst/>
+              <a:latin typeface="Monaco"/>
             </a:endParaRPr>
           </a:p>
           <a:p>
@@ -14489,6 +15382,7 @@
                   <a:srgbClr val="859900"/>
                 </a:solidFill>
                 <a:effectLst/>
+                <a:latin typeface="Monaco"/>
               </a:rPr>
               <a:t>                set</a:t>
             </a:r>
@@ -14498,6 +15392,7 @@
                   <a:srgbClr val="333333"/>
                 </a:solidFill>
                 <a:effectLst/>
+                <a:latin typeface="Monaco"/>
               </a:rPr>
               <a:t> m </a:t>
             </a:r>
@@ -14507,6 +15402,7 @@
                   <a:srgbClr val="586E75"/>
                 </a:solidFill>
                 <a:effectLst/>
+                <a:latin typeface="Monaco"/>
               </a:rPr>
               <a:t>=</a:t>
             </a:r>
@@ -14516,6 +15412,7 @@
                   <a:srgbClr val="333333"/>
                 </a:solidFill>
                 <a:effectLst/>
+                <a:latin typeface="Monaco"/>
               </a:rPr>
               <a:t> n</a:t>
             </a:r>
@@ -14525,6 +15422,7 @@
                   <a:srgbClr val="2CE041"/>
                 </a:solidFill>
                 <a:effectLst/>
+                <a:latin typeface="Monaco"/>
               </a:rPr>
               <a:t>						//</a:t>
             </a:r>
@@ -14533,6 +15431,7 @@
                 <a:solidFill>
                   <a:srgbClr val="2CE041"/>
                 </a:solidFill>
+                <a:latin typeface="Monaco"/>
               </a:rPr>
               <a:t> Copy properties between nodes</a:t>
             </a:r>
@@ -14541,6 +15440,7 @@
                 <a:srgbClr val="000000"/>
               </a:solidFill>
               <a:effectLst/>
+              <a:latin typeface="Monaco"/>
             </a:endParaRPr>
           </a:p>
         </p:txBody>
@@ -14900,7 +15800,7 @@
               <a:solidFill>
                 <a:srgbClr val="0070C0"/>
               </a:solidFill>
-              <a:latin typeface="Consolas" panose="020B0609020204030204" pitchFamily="49" charset="0"/>
+              <a:latin typeface="Roboto Mono"/>
               <a:cs typeface="Arial" panose="020B0604020202020204" pitchFamily="34" charset="0"/>
             </a:endParaRPr>
           </a:p>
@@ -14910,7 +15810,7 @@
                 <a:solidFill>
                   <a:srgbClr val="0070C0"/>
                 </a:solidFill>
-                <a:latin typeface="Consolas" panose="020B0609020204030204" pitchFamily="49" charset="0"/>
+                <a:latin typeface="Roboto Mono"/>
                 <a:cs typeface="Arial" panose="020B0604020202020204" pitchFamily="34" charset="0"/>
               </a:rPr>
               <a:t>MATCH(n</a:t>
@@ -14920,7 +15820,7 @@
                 <a:solidFill>
                   <a:srgbClr val="0070C0"/>
                 </a:solidFill>
-                <a:latin typeface="Consolas" panose="020B0609020204030204" pitchFamily="49" charset="0"/>
+                <a:latin typeface="Roboto Mono"/>
                 <a:cs typeface="Arial" panose="020B0604020202020204" pitchFamily="34" charset="0"/>
               </a:rPr>
               <a:t>:label_name </a:t>
@@ -14930,7 +15830,7 @@
                 <a:solidFill>
                   <a:srgbClr val="0070C0"/>
                 </a:solidFill>
-                <a:latin typeface="Consolas" panose="020B0609020204030204" pitchFamily="49" charset="0"/>
+                <a:latin typeface="Roboto Mono"/>
                 <a:cs typeface="Arial" panose="020B0604020202020204" pitchFamily="34" charset="0"/>
               </a:rPr>
               <a:t>{ </a:t>
@@ -14940,7 +15840,7 @@
                 <a:solidFill>
                   <a:srgbClr val="0070C0"/>
                 </a:solidFill>
-                <a:latin typeface="Consolas" panose="020B0609020204030204" pitchFamily="49" charset="0"/>
+                <a:latin typeface="Roboto Mono"/>
                 <a:cs typeface="Arial" panose="020B0604020202020204" pitchFamily="34" charset="0"/>
               </a:rPr>
               <a:t>key1: value, key2: value, ... </a:t>
@@ -14950,7 +15850,7 @@
                 <a:solidFill>
                   <a:srgbClr val="0070C0"/>
                 </a:solidFill>
-                <a:latin typeface="Consolas" panose="020B0609020204030204" pitchFamily="49" charset="0"/>
+                <a:latin typeface="Roboto Mono"/>
                 <a:cs typeface="Arial" panose="020B0604020202020204" pitchFamily="34" charset="0"/>
               </a:rPr>
               <a:t>}) SET n={} </a:t>
@@ -14961,6 +15861,7 @@
                   <a:srgbClr val="2CE041"/>
                 </a:solidFill>
                 <a:effectLst/>
+                <a:latin typeface="Roboto Mono"/>
               </a:rPr>
               <a:t>//</a:t>
             </a:r>
@@ -14969,6 +15870,7 @@
                 <a:solidFill>
                   <a:srgbClr val="2CE041"/>
                 </a:solidFill>
+                <a:latin typeface="Roboto Mono"/>
               </a:rPr>
               <a:t> Removes all properties from nodes</a:t>
             </a:r>
@@ -14976,7 +15878,7 @@
               <a:solidFill>
                 <a:srgbClr val="0070C0"/>
               </a:solidFill>
-              <a:latin typeface="Consolas" panose="020B0609020204030204" pitchFamily="49" charset="0"/>
+              <a:latin typeface="Roboto Mono"/>
               <a:cs typeface="Arial" panose="020B0604020202020204" pitchFamily="34" charset="0"/>
             </a:endParaRPr>
           </a:p>
@@ -14985,7 +15887,7 @@
               <a:solidFill>
                 <a:srgbClr val="0070C0"/>
               </a:solidFill>
-              <a:latin typeface="Consolas" panose="020B0609020204030204" pitchFamily="49" charset="0"/>
+              <a:latin typeface="Roboto Mono"/>
               <a:cs typeface="Arial" panose="020B0604020202020204" pitchFamily="34" charset="0"/>
             </a:endParaRPr>
           </a:p>
@@ -14995,7 +15897,7 @@
                 <a:solidFill>
                   <a:srgbClr val="0070C0"/>
                 </a:solidFill>
-                <a:latin typeface="Consolas" panose="020B0609020204030204" pitchFamily="49" charset="0"/>
+                <a:latin typeface="Roboto Mono"/>
                 <a:cs typeface="Arial" panose="020B0604020202020204" pitchFamily="34" charset="0"/>
               </a:rPr>
               <a:t>]</a:t>
@@ -15007,7 +15909,7 @@
                 <a:solidFill>
                   <a:srgbClr val="0070C0"/>
                 </a:solidFill>
-                <a:latin typeface="Consolas" panose="020B0609020204030204" pitchFamily="49" charset="0"/>
+                <a:latin typeface="Roboto Mono"/>
                 <a:cs typeface="Arial" panose="020B0604020202020204" pitchFamily="34" charset="0"/>
               </a:rPr>
               <a:t>MATCH(n</a:t>
@@ -15017,7 +15919,7 @@
                 <a:solidFill>
                   <a:srgbClr val="0070C0"/>
                 </a:solidFill>
-                <a:latin typeface="Consolas" panose="020B0609020204030204" pitchFamily="49" charset="0"/>
+                <a:latin typeface="Roboto Mono"/>
                 <a:cs typeface="Arial" panose="020B0604020202020204" pitchFamily="34" charset="0"/>
               </a:rPr>
               <a:t>:label_name </a:t>
@@ -15027,7 +15929,7 @@
                 <a:solidFill>
                   <a:srgbClr val="0070C0"/>
                 </a:solidFill>
-                <a:latin typeface="Consolas" panose="020B0609020204030204" pitchFamily="49" charset="0"/>
+                <a:latin typeface="Roboto Mono"/>
                 <a:cs typeface="Arial" panose="020B0604020202020204" pitchFamily="34" charset="0"/>
               </a:rPr>
               <a:t>{ </a:t>
@@ -15037,7 +15939,7 @@
                 <a:solidFill>
                   <a:srgbClr val="0070C0"/>
                 </a:solidFill>
-                <a:latin typeface="Consolas" panose="020B0609020204030204" pitchFamily="49" charset="0"/>
+                <a:latin typeface="Roboto Mono"/>
                 <a:cs typeface="Arial" panose="020B0604020202020204" pitchFamily="34" charset="0"/>
               </a:rPr>
               <a:t>key1: value, key2: value, ... </a:t>
@@ -15047,7 +15949,7 @@
                 <a:solidFill>
                   <a:srgbClr val="0070C0"/>
                 </a:solidFill>
-                <a:latin typeface="Consolas" panose="020B0609020204030204" pitchFamily="49" charset="0"/>
+                <a:latin typeface="Roboto Mono"/>
                 <a:cs typeface="Arial" panose="020B0604020202020204" pitchFamily="34" charset="0"/>
               </a:rPr>
               <a:t>}) REMOVE n.oldField</a:t>
@@ -15056,7 +15958,7 @@
               <a:solidFill>
                 <a:srgbClr val="0070C0"/>
               </a:solidFill>
-              <a:latin typeface="Consolas" panose="020B0609020204030204" pitchFamily="49" charset="0"/>
+              <a:latin typeface="Roboto Mono"/>
               <a:cs typeface="Arial" panose="020B0604020202020204" pitchFamily="34" charset="0"/>
             </a:endParaRPr>
           </a:p>
@@ -15066,7 +15968,7 @@
                 <a:solidFill>
                   <a:srgbClr val="0070C0"/>
                 </a:solidFill>
-                <a:latin typeface="Consolas" panose="020B0609020204030204" pitchFamily="49" charset="0"/>
+                <a:latin typeface="Roboto Mono"/>
                 <a:cs typeface="Arial" panose="020B0604020202020204" pitchFamily="34" charset="0"/>
               </a:rPr>
               <a:t> </a:t>
@@ -15078,7 +15980,7 @@
                 <a:solidFill>
                   <a:srgbClr val="0070C0"/>
                 </a:solidFill>
-                <a:latin typeface="Consolas" panose="020B0609020204030204" pitchFamily="49" charset="0"/>
+                <a:latin typeface="Roboto Mono"/>
                 <a:cs typeface="Arial" panose="020B0604020202020204" pitchFamily="34" charset="0"/>
               </a:rPr>
               <a:t>MATCH(n</a:t>
@@ -15088,7 +15990,7 @@
                 <a:solidFill>
                   <a:srgbClr val="0070C0"/>
                 </a:solidFill>
-                <a:latin typeface="Consolas" panose="020B0609020204030204" pitchFamily="49" charset="0"/>
+                <a:latin typeface="Roboto Mono"/>
                 <a:cs typeface="Arial" panose="020B0604020202020204" pitchFamily="34" charset="0"/>
               </a:rPr>
               <a:t>:label_name </a:t>
@@ -15098,7 +16000,7 @@
                 <a:solidFill>
                   <a:srgbClr val="0070C0"/>
                 </a:solidFill>
-                <a:latin typeface="Consolas" panose="020B0609020204030204" pitchFamily="49" charset="0"/>
+                <a:latin typeface="Roboto Mono"/>
                 <a:cs typeface="Arial" panose="020B0604020202020204" pitchFamily="34" charset="0"/>
               </a:rPr>
               <a:t>{ </a:t>
@@ -15108,7 +16010,7 @@
                 <a:solidFill>
                   <a:srgbClr val="0070C0"/>
                 </a:solidFill>
-                <a:latin typeface="Consolas" panose="020B0609020204030204" pitchFamily="49" charset="0"/>
+                <a:latin typeface="Roboto Mono"/>
                 <a:cs typeface="Arial" panose="020B0604020202020204" pitchFamily="34" charset="0"/>
               </a:rPr>
               <a:t>key1: value, key2: value, ... </a:t>
@@ -15118,7 +16020,7 @@
                 <a:solidFill>
                   <a:srgbClr val="0070C0"/>
                 </a:solidFill>
-                <a:latin typeface="Consolas" panose="020B0609020204030204" pitchFamily="49" charset="0"/>
+                <a:latin typeface="Roboto Mono"/>
                 <a:cs typeface="Arial" panose="020B0604020202020204" pitchFamily="34" charset="0"/>
               </a:rPr>
               <a:t>}) REMOVE n.oldField SET n.newField=value</a:t>
@@ -15166,7 +16068,7 @@
                     <a:lumOff val="50000"/>
                   </a:schemeClr>
                 </a:solidFill>
-                <a:latin typeface="Gill Sans MT (Body)"/>
+                <a:latin typeface="Monaco"/>
               </a:rPr>
               <a:t>neo4j$ </a:t>
             </a:r>
@@ -15176,6 +16078,7 @@
                   <a:srgbClr val="859900"/>
                 </a:solidFill>
                 <a:effectLst/>
+                <a:latin typeface="Monaco"/>
               </a:rPr>
               <a:t>match</a:t>
             </a:r>
@@ -15185,6 +16088,7 @@
                   <a:srgbClr val="586E75"/>
                 </a:solidFill>
                 <a:effectLst/>
+                <a:latin typeface="Monaco"/>
               </a:rPr>
               <a:t>(</a:t>
             </a:r>
@@ -15194,6 +16098,7 @@
                   <a:srgbClr val="333333"/>
                 </a:solidFill>
                 <a:effectLst/>
+                <a:latin typeface="Monaco"/>
               </a:rPr>
               <a:t>n</a:t>
             </a:r>
@@ -15203,6 +16108,7 @@
                   <a:srgbClr val="586E75"/>
                 </a:solidFill>
                 <a:effectLst/>
+                <a:latin typeface="Monaco"/>
               </a:rPr>
               <a:t>{</a:t>
             </a:r>
@@ -15212,6 +16118,7 @@
                   <a:srgbClr val="333333"/>
                 </a:solidFill>
                 <a:effectLst/>
+                <a:latin typeface="Monaco"/>
               </a:rPr>
               <a:t>name</a:t>
             </a:r>
@@ -15221,6 +16128,7 @@
                   <a:srgbClr val="586E75"/>
                 </a:solidFill>
                 <a:effectLst/>
+                <a:latin typeface="Monaco"/>
               </a:rPr>
               <a:t>:</a:t>
             </a:r>
@@ -15230,6 +16138,7 @@
                   <a:srgbClr val="B58900"/>
                 </a:solidFill>
                 <a:effectLst/>
+                <a:latin typeface="Monaco"/>
               </a:rPr>
               <a:t>'sharmin'</a:t>
             </a:r>
@@ -15239,6 +16148,7 @@
                   <a:srgbClr val="586E75"/>
                 </a:solidFill>
                 <a:effectLst/>
+                <a:latin typeface="Monaco"/>
               </a:rPr>
               <a:t>})</a:t>
             </a:r>
@@ -15248,6 +16158,7 @@
                   <a:srgbClr val="333333"/>
                 </a:solidFill>
                 <a:effectLst/>
+                <a:latin typeface="Monaco"/>
               </a:rPr>
               <a:t> </a:t>
             </a:r>
@@ -15257,6 +16168,7 @@
                   <a:srgbClr val="859900"/>
                 </a:solidFill>
                 <a:effectLst/>
+                <a:latin typeface="Monaco"/>
               </a:rPr>
               <a:t>remove</a:t>
             </a:r>
@@ -15266,6 +16178,7 @@
                   <a:srgbClr val="333333"/>
                 </a:solidFill>
                 <a:effectLst/>
+                <a:latin typeface="Monaco"/>
               </a:rPr>
               <a:t> n</a:t>
             </a:r>
@@ -15275,6 +16188,7 @@
                   <a:srgbClr val="586E75"/>
                 </a:solidFill>
                 <a:effectLst/>
+                <a:latin typeface="Monaco"/>
               </a:rPr>
               <a:t>.</a:t>
             </a:r>
@@ -15284,6 +16198,7 @@
                   <a:srgbClr val="333333"/>
                 </a:solidFill>
                 <a:effectLst/>
+                <a:latin typeface="Monaco"/>
               </a:rPr>
               <a:t>salary</a:t>
             </a:r>
@@ -15297,6 +16212,7 @@
               <a:solidFill>
                 <a:srgbClr val="333333"/>
               </a:solidFill>
+              <a:latin typeface="Monaco"/>
             </a:endParaRPr>
           </a:p>
           <a:p>
@@ -15312,7 +16228,7 @@
                     <a:lumOff val="50000"/>
                   </a:schemeClr>
                 </a:solidFill>
-                <a:latin typeface="Gill Sans MT (Body)"/>
+                <a:latin typeface="Monaco"/>
               </a:rPr>
               <a:t>neo4j$ </a:t>
             </a:r>
@@ -15322,6 +16238,7 @@
                   <a:srgbClr val="859900"/>
                 </a:solidFill>
                 <a:effectLst/>
+                <a:latin typeface="Monaco"/>
               </a:rPr>
               <a:t>match</a:t>
             </a:r>
@@ -15331,6 +16248,7 @@
                   <a:srgbClr val="586E75"/>
                 </a:solidFill>
                 <a:effectLst/>
+                <a:latin typeface="Monaco"/>
               </a:rPr>
               <a:t>(</a:t>
             </a:r>
@@ -15340,6 +16258,7 @@
                   <a:srgbClr val="333333"/>
                 </a:solidFill>
                 <a:effectLst/>
+                <a:latin typeface="Monaco"/>
               </a:rPr>
               <a:t>n</a:t>
             </a:r>
@@ -15349,6 +16268,7 @@
                   <a:srgbClr val="586E75"/>
                 </a:solidFill>
                 <a:effectLst/>
+                <a:latin typeface="Monaco"/>
               </a:rPr>
               <a:t>)</a:t>
             </a:r>
@@ -15358,6 +16278,7 @@
                   <a:srgbClr val="333333"/>
                 </a:solidFill>
                 <a:effectLst/>
+                <a:latin typeface="Monaco"/>
               </a:rPr>
               <a:t> </a:t>
             </a:r>
@@ -15367,6 +16288,7 @@
                   <a:srgbClr val="859900"/>
                 </a:solidFill>
                 <a:effectLst/>
+                <a:latin typeface="Monaco"/>
               </a:rPr>
               <a:t>where</a:t>
             </a:r>
@@ -15376,6 +16298,7 @@
                   <a:srgbClr val="333333"/>
                 </a:solidFill>
                 <a:effectLst/>
+                <a:latin typeface="Monaco"/>
               </a:rPr>
               <a:t> id</a:t>
             </a:r>
@@ -15385,6 +16308,7 @@
                   <a:srgbClr val="586E75"/>
                 </a:solidFill>
                 <a:effectLst/>
+                <a:latin typeface="Monaco"/>
               </a:rPr>
               <a:t>(</a:t>
             </a:r>
@@ -15394,6 +16318,7 @@
                   <a:srgbClr val="333333"/>
                 </a:solidFill>
                 <a:effectLst/>
+                <a:latin typeface="Monaco"/>
               </a:rPr>
               <a:t>n</a:t>
             </a:r>
@@ -15403,6 +16328,7 @@
                   <a:srgbClr val="586E75"/>
                 </a:solidFill>
                 <a:effectLst/>
+                <a:latin typeface="Monaco"/>
               </a:rPr>
               <a:t>)=</a:t>
             </a:r>
@@ -15412,6 +16338,7 @@
                   <a:srgbClr val="2AA198"/>
                 </a:solidFill>
                 <a:effectLst/>
+                <a:latin typeface="Monaco"/>
               </a:rPr>
               <a:t>3</a:t>
             </a:r>
@@ -15421,6 +16348,7 @@
                   <a:srgbClr val="333333"/>
                 </a:solidFill>
                 <a:effectLst/>
+                <a:latin typeface="Monaco"/>
               </a:rPr>
               <a:t> </a:t>
             </a:r>
@@ -15430,6 +16358,7 @@
                   <a:srgbClr val="859900"/>
                 </a:solidFill>
                 <a:effectLst/>
+                <a:latin typeface="Monaco"/>
               </a:rPr>
               <a:t>set</a:t>
             </a:r>
@@ -15439,6 +16368,7 @@
                   <a:srgbClr val="333333"/>
                 </a:solidFill>
                 <a:effectLst/>
+                <a:latin typeface="Monaco"/>
               </a:rPr>
               <a:t> n</a:t>
             </a:r>
@@ -15448,6 +16378,7 @@
                   <a:srgbClr val="586E75"/>
                 </a:solidFill>
                 <a:effectLst/>
+                <a:latin typeface="Monaco"/>
               </a:rPr>
               <a:t>={}</a:t>
             </a:r>
@@ -15456,6 +16387,7 @@
                 <a:srgbClr val="000000"/>
               </a:solidFill>
               <a:effectLst/>
+              <a:latin typeface="Monaco"/>
             </a:endParaRPr>
           </a:p>
           <a:p>
@@ -15468,6 +16400,7 @@
                 <a:srgbClr val="333333"/>
               </a:solidFill>
               <a:effectLst/>
+              <a:latin typeface="Monaco"/>
             </a:endParaRPr>
           </a:p>
           <a:p>
@@ -15483,7 +16416,7 @@
                     <a:lumOff val="50000"/>
                   </a:schemeClr>
                 </a:solidFill>
-                <a:latin typeface="Gill Sans MT (Body)"/>
+                <a:latin typeface="Monaco"/>
               </a:rPr>
               <a:t>neo4j$ </a:t>
             </a:r>
@@ -15493,6 +16426,7 @@
                   <a:srgbClr val="859900"/>
                 </a:solidFill>
                 <a:effectLst/>
+                <a:latin typeface="Monaco"/>
               </a:rPr>
               <a:t>match</a:t>
             </a:r>
@@ -15502,6 +16436,7 @@
                   <a:srgbClr val="586E75"/>
                 </a:solidFill>
                 <a:effectLst/>
+                <a:latin typeface="Monaco"/>
               </a:rPr>
               <a:t>(</a:t>
             </a:r>
@@ -15511,6 +16446,7 @@
                   <a:srgbClr val="333333"/>
                 </a:solidFill>
                 <a:effectLst/>
+                <a:latin typeface="Monaco"/>
               </a:rPr>
               <a:t>n</a:t>
             </a:r>
@@ -15520,6 +16456,7 @@
                   <a:srgbClr val="586E75"/>
                 </a:solidFill>
                 <a:effectLst/>
+                <a:latin typeface="Monaco"/>
               </a:rPr>
               <a:t>{</a:t>
             </a:r>
@@ -15529,6 +16466,7 @@
                   <a:srgbClr val="333333"/>
                 </a:solidFill>
                 <a:effectLst/>
+                <a:latin typeface="Monaco"/>
               </a:rPr>
               <a:t>name</a:t>
             </a:r>
@@ -15538,6 +16476,7 @@
                   <a:srgbClr val="586E75"/>
                 </a:solidFill>
                 <a:effectLst/>
+                <a:latin typeface="Monaco"/>
               </a:rPr>
               <a:t>:</a:t>
             </a:r>
@@ -15547,6 +16486,7 @@
                   <a:srgbClr val="B58900"/>
                 </a:solidFill>
                 <a:effectLst/>
+                <a:latin typeface="Monaco"/>
               </a:rPr>
               <a:t>'sharmin'</a:t>
             </a:r>
@@ -15556,6 +16496,7 @@
                   <a:srgbClr val="586E75"/>
                 </a:solidFill>
                 <a:effectLst/>
+                <a:latin typeface="Monaco"/>
               </a:rPr>
               <a:t>})</a:t>
             </a:r>
@@ -15565,6 +16506,7 @@
                   <a:srgbClr val="333333"/>
                 </a:solidFill>
                 <a:effectLst/>
+                <a:latin typeface="Monaco"/>
               </a:rPr>
               <a:t> </a:t>
             </a:r>
@@ -15574,6 +16516,7 @@
                   <a:srgbClr val="859900"/>
                 </a:solidFill>
                 <a:effectLst/>
+                <a:latin typeface="Monaco"/>
               </a:rPr>
               <a:t>remove</a:t>
             </a:r>
@@ -15583,6 +16526,7 @@
                   <a:srgbClr val="333333"/>
                 </a:solidFill>
                 <a:effectLst/>
+                <a:latin typeface="Monaco"/>
               </a:rPr>
               <a:t> n</a:t>
             </a:r>
@@ -15592,6 +16536,7 @@
                   <a:srgbClr val="586E75"/>
                 </a:solidFill>
                 <a:effectLst/>
+                <a:latin typeface="Monaco"/>
               </a:rPr>
               <a:t>.</a:t>
             </a:r>
@@ -15601,6 +16546,7 @@
                   <a:srgbClr val="333333"/>
                 </a:solidFill>
                 <a:effectLst/>
+                <a:latin typeface="Monaco"/>
               </a:rPr>
               <a:t>salary </a:t>
             </a:r>
@@ -15610,6 +16556,7 @@
                   <a:srgbClr val="859900"/>
                 </a:solidFill>
                 <a:effectLst/>
+                <a:latin typeface="Monaco"/>
               </a:rPr>
               <a:t>set</a:t>
             </a:r>
@@ -15619,6 +16566,7 @@
                   <a:srgbClr val="333333"/>
                 </a:solidFill>
                 <a:effectLst/>
+                <a:latin typeface="Monaco"/>
               </a:rPr>
               <a:t> n</a:t>
             </a:r>
@@ -15628,6 +16576,7 @@
                   <a:srgbClr val="586E75"/>
                 </a:solidFill>
                 <a:effectLst/>
+                <a:latin typeface="Monaco"/>
               </a:rPr>
               <a:t>.</a:t>
             </a:r>
@@ -15637,6 +16586,7 @@
                   <a:srgbClr val="333333"/>
                 </a:solidFill>
                 <a:effectLst/>
+                <a:latin typeface="Monaco"/>
               </a:rPr>
               <a:t>salary</a:t>
             </a:r>
@@ -15646,6 +16596,7 @@
                   <a:srgbClr val="586E75"/>
                 </a:solidFill>
                 <a:effectLst/>
+                <a:latin typeface="Monaco"/>
               </a:rPr>
               <a:t>=</a:t>
             </a:r>
@@ -15655,6 +16606,7 @@
                   <a:srgbClr val="2AA198"/>
                 </a:solidFill>
                 <a:effectLst/>
+                <a:latin typeface="Monaco"/>
               </a:rPr>
               <a:t>42000	</a:t>
             </a:r>
@@ -15663,6 +16615,7 @@
                 <a:srgbClr val="2CE041"/>
               </a:solidFill>
               <a:effectLst/>
+              <a:latin typeface="Monaco"/>
             </a:endParaRPr>
           </a:p>
         </p:txBody>
@@ -16259,7 +17212,7 @@
                 <a:solidFill>
                   <a:srgbClr val="0070C0"/>
                 </a:solidFill>
-                <a:latin typeface="Consolas" panose="020B0609020204030204" pitchFamily="49" charset="0"/>
+                <a:latin typeface="Roboto Mono"/>
                 <a:cs typeface="Arial" panose="020B0604020202020204" pitchFamily="34" charset="0"/>
               </a:rPr>
               <a:t>MATCH(n</a:t>
@@ -16269,7 +17222,7 @@
                 <a:solidFill>
                   <a:srgbClr val="0070C0"/>
                 </a:solidFill>
-                <a:latin typeface="Consolas" panose="020B0609020204030204" pitchFamily="49" charset="0"/>
+                <a:latin typeface="Roboto Mono"/>
                 <a:cs typeface="Arial" panose="020B0604020202020204" pitchFamily="34" charset="0"/>
               </a:rPr>
               <a:t>:label_name </a:t>
@@ -16279,7 +17232,7 @@
                 <a:solidFill>
                   <a:srgbClr val="0070C0"/>
                 </a:solidFill>
-                <a:latin typeface="Consolas" panose="020B0609020204030204" pitchFamily="49" charset="0"/>
+                <a:latin typeface="Roboto Mono"/>
                 <a:cs typeface="Arial" panose="020B0604020202020204" pitchFamily="34" charset="0"/>
               </a:rPr>
               <a:t>{ </a:t>
@@ -16289,7 +17242,7 @@
                 <a:solidFill>
                   <a:srgbClr val="0070C0"/>
                 </a:solidFill>
-                <a:latin typeface="Consolas" panose="020B0609020204030204" pitchFamily="49" charset="0"/>
+                <a:latin typeface="Roboto Mono"/>
                 <a:cs typeface="Arial" panose="020B0604020202020204" pitchFamily="34" charset="0"/>
               </a:rPr>
               <a:t>key1: value, key2: value, ... </a:t>
@@ -16299,7 +17252,7 @@
                 <a:solidFill>
                   <a:srgbClr val="0070C